--- a/figures/figures.pptx
+++ b/figures/figures.pptx
@@ -6,6 +6,8 @@
   </p:sldMasterIdLst>
   <p:sldIdLst>
     <p:sldId id="256" r:id="rId2"/>
+    <p:sldId id="257" r:id="rId3"/>
+    <p:sldId id="258" r:id="rId4"/>
   </p:sldIdLst>
   <p:sldSz cx="9144000" cy="6858000" type="screen4x3"/>
   <p:notesSz cx="6858000" cy="9144000"/>
@@ -288,7 +290,7 @@
           <a:p>
             <a:fld id="{AF8A4314-7EE0-3B48-A3CB-01AED7CBB16F}" type="datetimeFigureOut">
               <a:rPr lang="en-US" smtClean="0"/>
-              <a:t>10/1/12</a:t>
+              <a:t>10/26/12</a:t>
             </a:fld>
             <a:endParaRPr lang="en-US"/>
           </a:p>
@@ -458,7 +460,7 @@
           <a:p>
             <a:fld id="{AF8A4314-7EE0-3B48-A3CB-01AED7CBB16F}" type="datetimeFigureOut">
               <a:rPr lang="en-US" smtClean="0"/>
-              <a:t>10/1/12</a:t>
+              <a:t>10/26/12</a:t>
             </a:fld>
             <a:endParaRPr lang="en-US"/>
           </a:p>
@@ -638,7 +640,7 @@
           <a:p>
             <a:fld id="{AF8A4314-7EE0-3B48-A3CB-01AED7CBB16F}" type="datetimeFigureOut">
               <a:rPr lang="en-US" smtClean="0"/>
-              <a:t>10/1/12</a:t>
+              <a:t>10/26/12</a:t>
             </a:fld>
             <a:endParaRPr lang="en-US"/>
           </a:p>
@@ -808,7 +810,7 @@
           <a:p>
             <a:fld id="{AF8A4314-7EE0-3B48-A3CB-01AED7CBB16F}" type="datetimeFigureOut">
               <a:rPr lang="en-US" smtClean="0"/>
-              <a:t>10/1/12</a:t>
+              <a:t>10/26/12</a:t>
             </a:fld>
             <a:endParaRPr lang="en-US"/>
           </a:p>
@@ -1054,7 +1056,7 @@
           <a:p>
             <a:fld id="{AF8A4314-7EE0-3B48-A3CB-01AED7CBB16F}" type="datetimeFigureOut">
               <a:rPr lang="en-US" smtClean="0"/>
-              <a:t>10/1/12</a:t>
+              <a:t>10/26/12</a:t>
             </a:fld>
             <a:endParaRPr lang="en-US"/>
           </a:p>
@@ -1342,7 +1344,7 @@
           <a:p>
             <a:fld id="{AF8A4314-7EE0-3B48-A3CB-01AED7CBB16F}" type="datetimeFigureOut">
               <a:rPr lang="en-US" smtClean="0"/>
-              <a:t>10/1/12</a:t>
+              <a:t>10/26/12</a:t>
             </a:fld>
             <a:endParaRPr lang="en-US"/>
           </a:p>
@@ -1764,7 +1766,7 @@
           <a:p>
             <a:fld id="{AF8A4314-7EE0-3B48-A3CB-01AED7CBB16F}" type="datetimeFigureOut">
               <a:rPr lang="en-US" smtClean="0"/>
-              <a:t>10/1/12</a:t>
+              <a:t>10/26/12</a:t>
             </a:fld>
             <a:endParaRPr lang="en-US"/>
           </a:p>
@@ -1882,7 +1884,7 @@
           <a:p>
             <a:fld id="{AF8A4314-7EE0-3B48-A3CB-01AED7CBB16F}" type="datetimeFigureOut">
               <a:rPr lang="en-US" smtClean="0"/>
-              <a:t>10/1/12</a:t>
+              <a:t>10/26/12</a:t>
             </a:fld>
             <a:endParaRPr lang="en-US"/>
           </a:p>
@@ -1977,7 +1979,7 @@
           <a:p>
             <a:fld id="{AF8A4314-7EE0-3B48-A3CB-01AED7CBB16F}" type="datetimeFigureOut">
               <a:rPr lang="en-US" smtClean="0"/>
-              <a:t>10/1/12</a:t>
+              <a:t>10/26/12</a:t>
             </a:fld>
             <a:endParaRPr lang="en-US"/>
           </a:p>
@@ -2254,7 +2256,7 @@
           <a:p>
             <a:fld id="{AF8A4314-7EE0-3B48-A3CB-01AED7CBB16F}" type="datetimeFigureOut">
               <a:rPr lang="en-US" smtClean="0"/>
-              <a:t>10/1/12</a:t>
+              <a:t>10/26/12</a:t>
             </a:fld>
             <a:endParaRPr lang="en-US"/>
           </a:p>
@@ -2507,7 +2509,7 @@
           <a:p>
             <a:fld id="{AF8A4314-7EE0-3B48-A3CB-01AED7CBB16F}" type="datetimeFigureOut">
               <a:rPr lang="en-US" smtClean="0"/>
-              <a:t>10/1/12</a:t>
+              <a:t>10/26/12</a:t>
             </a:fld>
             <a:endParaRPr lang="en-US"/>
           </a:p>
@@ -2720,7 +2722,7 @@
           <a:p>
             <a:fld id="{AF8A4314-7EE0-3B48-A3CB-01AED7CBB16F}" type="datetimeFigureOut">
               <a:rPr lang="en-US" smtClean="0"/>
-              <a:t>10/1/12</a:t>
+              <a:t>10/26/12</a:t>
             </a:fld>
             <a:endParaRPr lang="en-US"/>
           </a:p>
@@ -3473,6 +3475,1044 @@
     <p:extLst>
       <p:ext uri="{BB962C8B-B14F-4D97-AF65-F5344CB8AC3E}">
         <p14:creationId xmlns:p14="http://schemas.microsoft.com/office/powerpoint/2010/main" val="4101819949"/>
+      </p:ext>
+    </p:extLst>
+  </p:cSld>
+  <p:clrMapOvr>
+    <a:masterClrMapping/>
+  </p:clrMapOvr>
+</p:sld>
+</file>
+
+<file path=ppt/slides/slide2.xml><?xml version="1.0" encoding="utf-8"?>
+<p:sld xmlns:a="http://schemas.openxmlformats.org/drawingml/2006/main" xmlns:r="http://schemas.openxmlformats.org/officeDocument/2006/relationships" xmlns:p="http://schemas.openxmlformats.org/presentationml/2006/main">
+  <p:cSld>
+    <p:spTree>
+      <p:nvGrpSpPr>
+        <p:cNvPr id="1" name=""/>
+        <p:cNvGrpSpPr/>
+        <p:nvPr/>
+      </p:nvGrpSpPr>
+      <p:grpSpPr>
+        <a:xfrm>
+          <a:off x="0" y="0"/>
+          <a:ext cx="0" cy="0"/>
+          <a:chOff x="0" y="0"/>
+          <a:chExt cx="0" cy="0"/>
+        </a:xfrm>
+      </p:grpSpPr>
+      <p:sp>
+        <p:nvSpPr>
+          <p:cNvPr id="2" name="Title 1"/>
+          <p:cNvSpPr>
+            <a:spLocks noGrp="1"/>
+          </p:cNvSpPr>
+          <p:nvPr>
+            <p:ph type="title"/>
+          </p:nvPr>
+        </p:nvSpPr>
+        <p:spPr/>
+        <p:txBody>
+          <a:bodyPr/>
+          <a:lstStyle/>
+          <a:p>
+            <a:endParaRPr lang="en-US"/>
+          </a:p>
+        </p:txBody>
+      </p:sp>
+      <p:sp>
+        <p:nvSpPr>
+          <p:cNvPr id="3" name="Content Placeholder 2"/>
+          <p:cNvSpPr>
+            <a:spLocks noGrp="1"/>
+          </p:cNvSpPr>
+          <p:nvPr>
+            <p:ph idx="1"/>
+          </p:nvPr>
+        </p:nvSpPr>
+        <p:spPr/>
+        <p:txBody>
+          <a:bodyPr/>
+          <a:lstStyle/>
+          <a:p>
+            <a:endParaRPr lang="en-US"/>
+          </a:p>
+        </p:txBody>
+      </p:sp>
+    </p:spTree>
+    <p:extLst>
+      <p:ext uri="{BB962C8B-B14F-4D97-AF65-F5344CB8AC3E}">
+        <p14:creationId xmlns:p14="http://schemas.microsoft.com/office/powerpoint/2010/main" val="3291362728"/>
+      </p:ext>
+    </p:extLst>
+  </p:cSld>
+  <p:clrMapOvr>
+    <a:masterClrMapping/>
+  </p:clrMapOvr>
+</p:sld>
+</file>
+
+<file path=ppt/slides/slide3.xml><?xml version="1.0" encoding="utf-8"?>
+<p:sld xmlns:a="http://schemas.openxmlformats.org/drawingml/2006/main" xmlns:r="http://schemas.openxmlformats.org/officeDocument/2006/relationships" xmlns:p="http://schemas.openxmlformats.org/presentationml/2006/main">
+  <p:cSld>
+    <p:spTree>
+      <p:nvGrpSpPr>
+        <p:cNvPr id="1" name=""/>
+        <p:cNvGrpSpPr/>
+        <p:nvPr/>
+      </p:nvGrpSpPr>
+      <p:grpSpPr>
+        <a:xfrm>
+          <a:off x="0" y="0"/>
+          <a:ext cx="0" cy="0"/>
+          <a:chOff x="0" y="0"/>
+          <a:chExt cx="0" cy="0"/>
+        </a:xfrm>
+      </p:grpSpPr>
+      <p:graphicFrame>
+        <p:nvGraphicFramePr>
+          <p:cNvPr id="4" name="Table 3"/>
+          <p:cNvGraphicFramePr>
+            <a:graphicFrameLocks noGrp="1"/>
+          </p:cNvGraphicFramePr>
+          <p:nvPr>
+            <p:extLst>
+              <p:ext uri="{D42A27DB-BD31-4B8C-83A1-F6EECF244321}">
+                <p14:modId xmlns:p14="http://schemas.microsoft.com/office/powerpoint/2010/main" val="2497061050"/>
+              </p:ext>
+            </p:extLst>
+          </p:nvPr>
+        </p:nvGraphicFramePr>
+        <p:xfrm>
+          <a:off x="1524000" y="1397000"/>
+          <a:ext cx="4656668" cy="3295952"/>
+        </p:xfrm>
+        <a:graphic>
+          <a:graphicData uri="http://schemas.openxmlformats.org/drawingml/2006/table">
+            <a:tbl>
+              <a:tblPr firstRow="1" bandRow="1">
+                <a:tableStyleId>{3B4B98B0-60AC-42C2-AFA5-B58CD77FA1E5}</a:tableStyleId>
+              </a:tblPr>
+              <a:tblGrid>
+                <a:gridCol w="1164167"/>
+                <a:gridCol w="1164167"/>
+                <a:gridCol w="1164167"/>
+                <a:gridCol w="1164167"/>
+              </a:tblGrid>
+              <a:tr h="823988">
+                <a:tc>
+                  <a:txBody>
+                    <a:bodyPr/>
+                    <a:lstStyle/>
+                    <a:p>
+                      <a:endParaRPr lang="en-US" dirty="0"/>
+                    </a:p>
+                  </a:txBody>
+                  <a:tcPr>
+                    <a:lnL w="12700" cap="flat" cmpd="sng" algn="ctr">
+                      <a:solidFill>
+                        <a:scrgbClr r="0" g="0" b="0"/>
+                      </a:solidFill>
+                      <a:prstDash val="solid"/>
+                      <a:round/>
+                      <a:headEnd type="none" w="med" len="med"/>
+                      <a:tailEnd type="none" w="med" len="med"/>
+                    </a:lnL>
+                    <a:lnR w="12700" cap="flat" cmpd="sng" algn="ctr">
+                      <a:solidFill>
+                        <a:scrgbClr r="0" g="0" b="0"/>
+                      </a:solidFill>
+                      <a:prstDash val="solid"/>
+                      <a:round/>
+                      <a:headEnd type="none" w="med" len="med"/>
+                      <a:tailEnd type="none" w="med" len="med"/>
+                    </a:lnR>
+                    <a:lnT w="12700" cap="flat" cmpd="sng" algn="ctr">
+                      <a:solidFill>
+                        <a:scrgbClr r="0" g="0" b="0"/>
+                      </a:solidFill>
+                      <a:prstDash val="solid"/>
+                      <a:round/>
+                      <a:headEnd type="none" w="med" len="med"/>
+                      <a:tailEnd type="none" w="med" len="med"/>
+                    </a:lnT>
+                    <a:lnB w="12700" cap="flat" cmpd="sng" algn="ctr">
+                      <a:solidFill>
+                        <a:scrgbClr r="0" g="0" b="0"/>
+                      </a:solidFill>
+                      <a:prstDash val="solid"/>
+                      <a:round/>
+                      <a:headEnd type="none" w="med" len="med"/>
+                      <a:tailEnd type="none" w="med" len="med"/>
+                    </a:lnB>
+                    <a:solidFill>
+                      <a:schemeClr val="bg1"/>
+                    </a:solidFill>
+                  </a:tcPr>
+                </a:tc>
+                <a:tc>
+                  <a:txBody>
+                    <a:bodyPr/>
+                    <a:lstStyle/>
+                    <a:p>
+                      <a:endParaRPr lang="en-US"/>
+                    </a:p>
+                  </a:txBody>
+                  <a:tcPr>
+                    <a:lnL w="12700" cap="flat" cmpd="sng" algn="ctr">
+                      <a:solidFill>
+                        <a:scrgbClr r="0" g="0" b="0"/>
+                      </a:solidFill>
+                      <a:prstDash val="solid"/>
+                      <a:round/>
+                      <a:headEnd type="none" w="med" len="med"/>
+                      <a:tailEnd type="none" w="med" len="med"/>
+                    </a:lnL>
+                    <a:lnR w="12700" cap="flat" cmpd="sng" algn="ctr">
+                      <a:solidFill>
+                        <a:scrgbClr r="0" g="0" b="0"/>
+                      </a:solidFill>
+                      <a:prstDash val="solid"/>
+                      <a:round/>
+                      <a:headEnd type="none" w="med" len="med"/>
+                      <a:tailEnd type="none" w="med" len="med"/>
+                    </a:lnR>
+                    <a:lnT w="12700" cap="flat" cmpd="sng" algn="ctr">
+                      <a:solidFill>
+                        <a:scrgbClr r="0" g="0" b="0"/>
+                      </a:solidFill>
+                      <a:prstDash val="solid"/>
+                      <a:round/>
+                      <a:headEnd type="none" w="med" len="med"/>
+                      <a:tailEnd type="none" w="med" len="med"/>
+                    </a:lnT>
+                    <a:lnB w="12700" cap="flat" cmpd="sng" algn="ctr">
+                      <a:solidFill>
+                        <a:scrgbClr r="0" g="0" b="0"/>
+                      </a:solidFill>
+                      <a:prstDash val="solid"/>
+                      <a:round/>
+                      <a:headEnd type="none" w="med" len="med"/>
+                      <a:tailEnd type="none" w="med" len="med"/>
+                    </a:lnB>
+                    <a:solidFill>
+                      <a:schemeClr val="bg1"/>
+                    </a:solidFill>
+                  </a:tcPr>
+                </a:tc>
+                <a:tc>
+                  <a:txBody>
+                    <a:bodyPr/>
+                    <a:lstStyle/>
+                    <a:p>
+                      <a:endParaRPr lang="en-US" dirty="0"/>
+                    </a:p>
+                  </a:txBody>
+                  <a:tcPr>
+                    <a:lnL w="12700" cap="flat" cmpd="sng" algn="ctr">
+                      <a:solidFill>
+                        <a:scrgbClr r="0" g="0" b="0"/>
+                      </a:solidFill>
+                      <a:prstDash val="solid"/>
+                      <a:round/>
+                      <a:headEnd type="none" w="med" len="med"/>
+                      <a:tailEnd type="none" w="med" len="med"/>
+                    </a:lnL>
+                    <a:lnR w="12700" cap="flat" cmpd="sng" algn="ctr">
+                      <a:solidFill>
+                        <a:scrgbClr r="0" g="0" b="0"/>
+                      </a:solidFill>
+                      <a:prstDash val="solid"/>
+                      <a:round/>
+                      <a:headEnd type="none" w="med" len="med"/>
+                      <a:tailEnd type="none" w="med" len="med"/>
+                    </a:lnR>
+                    <a:lnT w="12700" cap="flat" cmpd="sng" algn="ctr">
+                      <a:solidFill>
+                        <a:scrgbClr r="0" g="0" b="0"/>
+                      </a:solidFill>
+                      <a:prstDash val="solid"/>
+                      <a:round/>
+                      <a:headEnd type="none" w="med" len="med"/>
+                      <a:tailEnd type="none" w="med" len="med"/>
+                    </a:lnT>
+                    <a:lnB w="12700" cap="flat" cmpd="sng" algn="ctr">
+                      <a:solidFill>
+                        <a:scrgbClr r="0" g="0" b="0"/>
+                      </a:solidFill>
+                      <a:prstDash val="solid"/>
+                      <a:round/>
+                      <a:headEnd type="none" w="med" len="med"/>
+                      <a:tailEnd type="none" w="med" len="med"/>
+                    </a:lnB>
+                    <a:solidFill>
+                      <a:schemeClr val="bg1"/>
+                    </a:solidFill>
+                  </a:tcPr>
+                </a:tc>
+                <a:tc>
+                  <a:txBody>
+                    <a:bodyPr/>
+                    <a:lstStyle/>
+                    <a:p>
+                      <a:endParaRPr lang="en-US"/>
+                    </a:p>
+                  </a:txBody>
+                  <a:tcPr>
+                    <a:lnL w="12700" cap="flat" cmpd="sng" algn="ctr">
+                      <a:solidFill>
+                        <a:scrgbClr r="0" g="0" b="0"/>
+                      </a:solidFill>
+                      <a:prstDash val="solid"/>
+                      <a:round/>
+                      <a:headEnd type="none" w="med" len="med"/>
+                      <a:tailEnd type="none" w="med" len="med"/>
+                    </a:lnL>
+                    <a:lnR w="12700" cap="flat" cmpd="sng" algn="ctr">
+                      <a:solidFill>
+                        <a:scrgbClr r="0" g="0" b="0"/>
+                      </a:solidFill>
+                      <a:prstDash val="solid"/>
+                      <a:round/>
+                      <a:headEnd type="none" w="med" len="med"/>
+                      <a:tailEnd type="none" w="med" len="med"/>
+                    </a:lnR>
+                    <a:lnT w="12700" cap="flat" cmpd="sng" algn="ctr">
+                      <a:solidFill>
+                        <a:scrgbClr r="0" g="0" b="0"/>
+                      </a:solidFill>
+                      <a:prstDash val="solid"/>
+                      <a:round/>
+                      <a:headEnd type="none" w="med" len="med"/>
+                      <a:tailEnd type="none" w="med" len="med"/>
+                    </a:lnT>
+                    <a:lnB w="12700" cap="flat" cmpd="sng" algn="ctr">
+                      <a:solidFill>
+                        <a:scrgbClr r="0" g="0" b="0"/>
+                      </a:solidFill>
+                      <a:prstDash val="solid"/>
+                      <a:round/>
+                      <a:headEnd type="none" w="med" len="med"/>
+                      <a:tailEnd type="none" w="med" len="med"/>
+                    </a:lnB>
+                    <a:solidFill>
+                      <a:schemeClr val="bg1"/>
+                    </a:solidFill>
+                  </a:tcPr>
+                </a:tc>
+              </a:tr>
+              <a:tr h="823988">
+                <a:tc>
+                  <a:txBody>
+                    <a:bodyPr/>
+                    <a:lstStyle/>
+                    <a:p>
+                      <a:endParaRPr lang="en-US" dirty="0"/>
+                    </a:p>
+                  </a:txBody>
+                  <a:tcPr>
+                    <a:lnL w="12700" cap="flat" cmpd="sng" algn="ctr">
+                      <a:solidFill>
+                        <a:scrgbClr r="0" g="0" b="0"/>
+                      </a:solidFill>
+                      <a:prstDash val="solid"/>
+                      <a:round/>
+                      <a:headEnd type="none" w="med" len="med"/>
+                      <a:tailEnd type="none" w="med" len="med"/>
+                    </a:lnL>
+                    <a:lnR w="12700" cap="flat" cmpd="sng" algn="ctr">
+                      <a:solidFill>
+                        <a:scrgbClr r="0" g="0" b="0"/>
+                      </a:solidFill>
+                      <a:prstDash val="solid"/>
+                      <a:round/>
+                      <a:headEnd type="none" w="med" len="med"/>
+                      <a:tailEnd type="none" w="med" len="med"/>
+                    </a:lnR>
+                    <a:lnT w="12700" cap="flat" cmpd="sng" algn="ctr">
+                      <a:solidFill>
+                        <a:scrgbClr r="0" g="0" b="0"/>
+                      </a:solidFill>
+                      <a:prstDash val="solid"/>
+                      <a:round/>
+                      <a:headEnd type="none" w="med" len="med"/>
+                      <a:tailEnd type="none" w="med" len="med"/>
+                    </a:lnT>
+                    <a:lnB w="12700" cap="flat" cmpd="sng" algn="ctr">
+                      <a:solidFill>
+                        <a:scrgbClr r="0" g="0" b="0"/>
+                      </a:solidFill>
+                      <a:prstDash val="solid"/>
+                      <a:round/>
+                      <a:headEnd type="none" w="med" len="med"/>
+                      <a:tailEnd type="none" w="med" len="med"/>
+                    </a:lnB>
+                    <a:solidFill>
+                      <a:schemeClr val="bg1"/>
+                    </a:solidFill>
+                  </a:tcPr>
+                </a:tc>
+                <a:tc>
+                  <a:txBody>
+                    <a:bodyPr/>
+                    <a:lstStyle/>
+                    <a:p>
+                      <a:endParaRPr lang="en-US"/>
+                    </a:p>
+                  </a:txBody>
+                  <a:tcPr>
+                    <a:lnL w="12700" cap="flat" cmpd="sng" algn="ctr">
+                      <a:solidFill>
+                        <a:scrgbClr r="0" g="0" b="0"/>
+                      </a:solidFill>
+                      <a:prstDash val="solid"/>
+                      <a:round/>
+                      <a:headEnd type="none" w="med" len="med"/>
+                      <a:tailEnd type="none" w="med" len="med"/>
+                    </a:lnL>
+                    <a:lnR w="12700" cap="flat" cmpd="sng" algn="ctr">
+                      <a:solidFill>
+                        <a:scrgbClr r="0" g="0" b="0"/>
+                      </a:solidFill>
+                      <a:prstDash val="solid"/>
+                      <a:round/>
+                      <a:headEnd type="none" w="med" len="med"/>
+                      <a:tailEnd type="none" w="med" len="med"/>
+                    </a:lnR>
+                    <a:lnT w="12700" cap="flat" cmpd="sng" algn="ctr">
+                      <a:solidFill>
+                        <a:scrgbClr r="0" g="0" b="0"/>
+                      </a:solidFill>
+                      <a:prstDash val="solid"/>
+                      <a:round/>
+                      <a:headEnd type="none" w="med" len="med"/>
+                      <a:tailEnd type="none" w="med" len="med"/>
+                    </a:lnT>
+                    <a:lnB w="12700" cap="flat" cmpd="sng" algn="ctr">
+                      <a:solidFill>
+                        <a:scrgbClr r="0" g="0" b="0"/>
+                      </a:solidFill>
+                      <a:prstDash val="solid"/>
+                      <a:round/>
+                      <a:headEnd type="none" w="med" len="med"/>
+                      <a:tailEnd type="none" w="med" len="med"/>
+                    </a:lnB>
+                    <a:solidFill>
+                      <a:schemeClr val="bg1"/>
+                    </a:solidFill>
+                  </a:tcPr>
+                </a:tc>
+                <a:tc>
+                  <a:txBody>
+                    <a:bodyPr/>
+                    <a:lstStyle/>
+                    <a:p>
+                      <a:endParaRPr lang="en-US"/>
+                    </a:p>
+                  </a:txBody>
+                  <a:tcPr>
+                    <a:lnL w="12700" cap="flat" cmpd="sng" algn="ctr">
+                      <a:solidFill>
+                        <a:scrgbClr r="0" g="0" b="0"/>
+                      </a:solidFill>
+                      <a:prstDash val="solid"/>
+                      <a:round/>
+                      <a:headEnd type="none" w="med" len="med"/>
+                      <a:tailEnd type="none" w="med" len="med"/>
+                    </a:lnL>
+                    <a:lnR w="12700" cap="flat" cmpd="sng" algn="ctr">
+                      <a:solidFill>
+                        <a:scrgbClr r="0" g="0" b="0"/>
+                      </a:solidFill>
+                      <a:prstDash val="solid"/>
+                      <a:round/>
+                      <a:headEnd type="none" w="med" len="med"/>
+                      <a:tailEnd type="none" w="med" len="med"/>
+                    </a:lnR>
+                    <a:lnT w="12700" cap="flat" cmpd="sng" algn="ctr">
+                      <a:solidFill>
+                        <a:scrgbClr r="0" g="0" b="0"/>
+                      </a:solidFill>
+                      <a:prstDash val="solid"/>
+                      <a:round/>
+                      <a:headEnd type="none" w="med" len="med"/>
+                      <a:tailEnd type="none" w="med" len="med"/>
+                    </a:lnT>
+                    <a:lnB w="12700" cap="flat" cmpd="sng" algn="ctr">
+                      <a:solidFill>
+                        <a:scrgbClr r="0" g="0" b="0"/>
+                      </a:solidFill>
+                      <a:prstDash val="solid"/>
+                      <a:round/>
+                      <a:headEnd type="none" w="med" len="med"/>
+                      <a:tailEnd type="none" w="med" len="med"/>
+                    </a:lnB>
+                    <a:solidFill>
+                      <a:schemeClr val="bg1"/>
+                    </a:solidFill>
+                  </a:tcPr>
+                </a:tc>
+                <a:tc>
+                  <a:txBody>
+                    <a:bodyPr/>
+                    <a:lstStyle/>
+                    <a:p>
+                      <a:endParaRPr lang="en-US"/>
+                    </a:p>
+                  </a:txBody>
+                  <a:tcPr>
+                    <a:lnL w="12700" cap="flat" cmpd="sng" algn="ctr">
+                      <a:solidFill>
+                        <a:scrgbClr r="0" g="0" b="0"/>
+                      </a:solidFill>
+                      <a:prstDash val="solid"/>
+                      <a:round/>
+                      <a:headEnd type="none" w="med" len="med"/>
+                      <a:tailEnd type="none" w="med" len="med"/>
+                    </a:lnL>
+                    <a:lnR w="12700" cap="flat" cmpd="sng" algn="ctr">
+                      <a:solidFill>
+                        <a:scrgbClr r="0" g="0" b="0"/>
+                      </a:solidFill>
+                      <a:prstDash val="solid"/>
+                      <a:round/>
+                      <a:headEnd type="none" w="med" len="med"/>
+                      <a:tailEnd type="none" w="med" len="med"/>
+                    </a:lnR>
+                    <a:lnT w="12700" cap="flat" cmpd="sng" algn="ctr">
+                      <a:solidFill>
+                        <a:scrgbClr r="0" g="0" b="0"/>
+                      </a:solidFill>
+                      <a:prstDash val="solid"/>
+                      <a:round/>
+                      <a:headEnd type="none" w="med" len="med"/>
+                      <a:tailEnd type="none" w="med" len="med"/>
+                    </a:lnT>
+                    <a:lnB w="12700" cap="flat" cmpd="sng" algn="ctr">
+                      <a:solidFill>
+                        <a:scrgbClr r="0" g="0" b="0"/>
+                      </a:solidFill>
+                      <a:prstDash val="solid"/>
+                      <a:round/>
+                      <a:headEnd type="none" w="med" len="med"/>
+                      <a:tailEnd type="none" w="med" len="med"/>
+                    </a:lnB>
+                    <a:solidFill>
+                      <a:schemeClr val="bg1"/>
+                    </a:solidFill>
+                  </a:tcPr>
+                </a:tc>
+              </a:tr>
+              <a:tr h="823988">
+                <a:tc>
+                  <a:txBody>
+                    <a:bodyPr/>
+                    <a:lstStyle/>
+                    <a:p>
+                      <a:endParaRPr lang="en-US"/>
+                    </a:p>
+                  </a:txBody>
+                  <a:tcPr>
+                    <a:lnL w="12700" cap="flat" cmpd="sng" algn="ctr">
+                      <a:solidFill>
+                        <a:scrgbClr r="0" g="0" b="0"/>
+                      </a:solidFill>
+                      <a:prstDash val="solid"/>
+                      <a:round/>
+                      <a:headEnd type="none" w="med" len="med"/>
+                      <a:tailEnd type="none" w="med" len="med"/>
+                    </a:lnL>
+                    <a:lnR w="12700" cap="flat" cmpd="sng" algn="ctr">
+                      <a:solidFill>
+                        <a:scrgbClr r="0" g="0" b="0"/>
+                      </a:solidFill>
+                      <a:prstDash val="solid"/>
+                      <a:round/>
+                      <a:headEnd type="none" w="med" len="med"/>
+                      <a:tailEnd type="none" w="med" len="med"/>
+                    </a:lnR>
+                    <a:lnT w="12700" cap="flat" cmpd="sng" algn="ctr">
+                      <a:solidFill>
+                        <a:scrgbClr r="0" g="0" b="0"/>
+                      </a:solidFill>
+                      <a:prstDash val="solid"/>
+                      <a:round/>
+                      <a:headEnd type="none" w="med" len="med"/>
+                      <a:tailEnd type="none" w="med" len="med"/>
+                    </a:lnT>
+                    <a:lnB w="12700" cap="flat" cmpd="sng" algn="ctr">
+                      <a:solidFill>
+                        <a:scrgbClr r="0" g="0" b="0"/>
+                      </a:solidFill>
+                      <a:prstDash val="solid"/>
+                      <a:round/>
+                      <a:headEnd type="none" w="med" len="med"/>
+                      <a:tailEnd type="none" w="med" len="med"/>
+                    </a:lnB>
+                    <a:solidFill>
+                      <a:schemeClr val="bg1"/>
+                    </a:solidFill>
+                  </a:tcPr>
+                </a:tc>
+                <a:tc>
+                  <a:txBody>
+                    <a:bodyPr/>
+                    <a:lstStyle/>
+                    <a:p>
+                      <a:endParaRPr lang="en-US"/>
+                    </a:p>
+                  </a:txBody>
+                  <a:tcPr>
+                    <a:lnL w="12700" cap="flat" cmpd="sng" algn="ctr">
+                      <a:solidFill>
+                        <a:scrgbClr r="0" g="0" b="0"/>
+                      </a:solidFill>
+                      <a:prstDash val="solid"/>
+                      <a:round/>
+                      <a:headEnd type="none" w="med" len="med"/>
+                      <a:tailEnd type="none" w="med" len="med"/>
+                    </a:lnL>
+                    <a:lnR w="12700" cap="flat" cmpd="sng" algn="ctr">
+                      <a:solidFill>
+                        <a:scrgbClr r="0" g="0" b="0"/>
+                      </a:solidFill>
+                      <a:prstDash val="solid"/>
+                      <a:round/>
+                      <a:headEnd type="none" w="med" len="med"/>
+                      <a:tailEnd type="none" w="med" len="med"/>
+                    </a:lnR>
+                    <a:lnT w="12700" cap="flat" cmpd="sng" algn="ctr">
+                      <a:solidFill>
+                        <a:scrgbClr r="0" g="0" b="0"/>
+                      </a:solidFill>
+                      <a:prstDash val="solid"/>
+                      <a:round/>
+                      <a:headEnd type="none" w="med" len="med"/>
+                      <a:tailEnd type="none" w="med" len="med"/>
+                    </a:lnT>
+                    <a:lnB w="12700" cap="flat" cmpd="sng" algn="ctr">
+                      <a:solidFill>
+                        <a:scrgbClr r="0" g="0" b="0"/>
+                      </a:solidFill>
+                      <a:prstDash val="solid"/>
+                      <a:round/>
+                      <a:headEnd type="none" w="med" len="med"/>
+                      <a:tailEnd type="none" w="med" len="med"/>
+                    </a:lnB>
+                    <a:solidFill>
+                      <a:schemeClr val="bg1"/>
+                    </a:solidFill>
+                  </a:tcPr>
+                </a:tc>
+                <a:tc>
+                  <a:txBody>
+                    <a:bodyPr/>
+                    <a:lstStyle/>
+                    <a:p>
+                      <a:endParaRPr lang="en-US"/>
+                    </a:p>
+                  </a:txBody>
+                  <a:tcPr>
+                    <a:lnL w="12700" cap="flat" cmpd="sng" algn="ctr">
+                      <a:solidFill>
+                        <a:scrgbClr r="0" g="0" b="0"/>
+                      </a:solidFill>
+                      <a:prstDash val="solid"/>
+                      <a:round/>
+                      <a:headEnd type="none" w="med" len="med"/>
+                      <a:tailEnd type="none" w="med" len="med"/>
+                    </a:lnL>
+                    <a:lnR w="12700" cap="flat" cmpd="sng" algn="ctr">
+                      <a:solidFill>
+                        <a:scrgbClr r="0" g="0" b="0"/>
+                      </a:solidFill>
+                      <a:prstDash val="solid"/>
+                      <a:round/>
+                      <a:headEnd type="none" w="med" len="med"/>
+                      <a:tailEnd type="none" w="med" len="med"/>
+                    </a:lnR>
+                    <a:lnT w="12700" cap="flat" cmpd="sng" algn="ctr">
+                      <a:solidFill>
+                        <a:scrgbClr r="0" g="0" b="0"/>
+                      </a:solidFill>
+                      <a:prstDash val="solid"/>
+                      <a:round/>
+                      <a:headEnd type="none" w="med" len="med"/>
+                      <a:tailEnd type="none" w="med" len="med"/>
+                    </a:lnT>
+                    <a:lnB w="12700" cap="flat" cmpd="sng" algn="ctr">
+                      <a:solidFill>
+                        <a:scrgbClr r="0" g="0" b="0"/>
+                      </a:solidFill>
+                      <a:prstDash val="solid"/>
+                      <a:round/>
+                      <a:headEnd type="none" w="med" len="med"/>
+                      <a:tailEnd type="none" w="med" len="med"/>
+                    </a:lnB>
+                    <a:solidFill>
+                      <a:schemeClr val="bg1"/>
+                    </a:solidFill>
+                  </a:tcPr>
+                </a:tc>
+                <a:tc>
+                  <a:txBody>
+                    <a:bodyPr/>
+                    <a:lstStyle/>
+                    <a:p>
+                      <a:endParaRPr lang="en-US"/>
+                    </a:p>
+                  </a:txBody>
+                  <a:tcPr>
+                    <a:lnL w="12700" cap="flat" cmpd="sng" algn="ctr">
+                      <a:solidFill>
+                        <a:scrgbClr r="0" g="0" b="0"/>
+                      </a:solidFill>
+                      <a:prstDash val="solid"/>
+                      <a:round/>
+                      <a:headEnd type="none" w="med" len="med"/>
+                      <a:tailEnd type="none" w="med" len="med"/>
+                    </a:lnL>
+                    <a:lnR w="12700" cap="flat" cmpd="sng" algn="ctr">
+                      <a:solidFill>
+                        <a:scrgbClr r="0" g="0" b="0"/>
+                      </a:solidFill>
+                      <a:prstDash val="solid"/>
+                      <a:round/>
+                      <a:headEnd type="none" w="med" len="med"/>
+                      <a:tailEnd type="none" w="med" len="med"/>
+                    </a:lnR>
+                    <a:lnT w="12700" cap="flat" cmpd="sng" algn="ctr">
+                      <a:solidFill>
+                        <a:scrgbClr r="0" g="0" b="0"/>
+                      </a:solidFill>
+                      <a:prstDash val="solid"/>
+                      <a:round/>
+                      <a:headEnd type="none" w="med" len="med"/>
+                      <a:tailEnd type="none" w="med" len="med"/>
+                    </a:lnT>
+                    <a:lnB w="12700" cap="flat" cmpd="sng" algn="ctr">
+                      <a:solidFill>
+                        <a:scrgbClr r="0" g="0" b="0"/>
+                      </a:solidFill>
+                      <a:prstDash val="solid"/>
+                      <a:round/>
+                      <a:headEnd type="none" w="med" len="med"/>
+                      <a:tailEnd type="none" w="med" len="med"/>
+                    </a:lnB>
+                    <a:solidFill>
+                      <a:schemeClr val="bg1"/>
+                    </a:solidFill>
+                  </a:tcPr>
+                </a:tc>
+              </a:tr>
+              <a:tr h="823988">
+                <a:tc>
+                  <a:txBody>
+                    <a:bodyPr/>
+                    <a:lstStyle/>
+                    <a:p>
+                      <a:endParaRPr lang="en-US"/>
+                    </a:p>
+                  </a:txBody>
+                  <a:tcPr>
+                    <a:lnL w="12700" cap="flat" cmpd="sng" algn="ctr">
+                      <a:solidFill>
+                        <a:scrgbClr r="0" g="0" b="0"/>
+                      </a:solidFill>
+                      <a:prstDash val="solid"/>
+                      <a:round/>
+                      <a:headEnd type="none" w="med" len="med"/>
+                      <a:tailEnd type="none" w="med" len="med"/>
+                    </a:lnL>
+                    <a:lnR w="12700" cap="flat" cmpd="sng" algn="ctr">
+                      <a:solidFill>
+                        <a:scrgbClr r="0" g="0" b="0"/>
+                      </a:solidFill>
+                      <a:prstDash val="solid"/>
+                      <a:round/>
+                      <a:headEnd type="none" w="med" len="med"/>
+                      <a:tailEnd type="none" w="med" len="med"/>
+                    </a:lnR>
+                    <a:lnT w="12700" cap="flat" cmpd="sng" algn="ctr">
+                      <a:solidFill>
+                        <a:scrgbClr r="0" g="0" b="0"/>
+                      </a:solidFill>
+                      <a:prstDash val="solid"/>
+                      <a:round/>
+                      <a:headEnd type="none" w="med" len="med"/>
+                      <a:tailEnd type="none" w="med" len="med"/>
+                    </a:lnT>
+                    <a:lnB w="12700" cap="flat" cmpd="sng" algn="ctr">
+                      <a:solidFill>
+                        <a:scrgbClr r="0" g="0" b="0"/>
+                      </a:solidFill>
+                      <a:prstDash val="solid"/>
+                      <a:round/>
+                      <a:headEnd type="none" w="med" len="med"/>
+                      <a:tailEnd type="none" w="med" len="med"/>
+                    </a:lnB>
+                    <a:solidFill>
+                      <a:schemeClr val="bg1"/>
+                    </a:solidFill>
+                  </a:tcPr>
+                </a:tc>
+                <a:tc>
+                  <a:txBody>
+                    <a:bodyPr/>
+                    <a:lstStyle/>
+                    <a:p>
+                      <a:endParaRPr lang="en-US"/>
+                    </a:p>
+                  </a:txBody>
+                  <a:tcPr>
+                    <a:lnL w="12700" cap="flat" cmpd="sng" algn="ctr">
+                      <a:solidFill>
+                        <a:scrgbClr r="0" g="0" b="0"/>
+                      </a:solidFill>
+                      <a:prstDash val="solid"/>
+                      <a:round/>
+                      <a:headEnd type="none" w="med" len="med"/>
+                      <a:tailEnd type="none" w="med" len="med"/>
+                    </a:lnL>
+                    <a:lnR w="12700" cap="flat" cmpd="sng" algn="ctr">
+                      <a:solidFill>
+                        <a:scrgbClr r="0" g="0" b="0"/>
+                      </a:solidFill>
+                      <a:prstDash val="solid"/>
+                      <a:round/>
+                      <a:headEnd type="none" w="med" len="med"/>
+                      <a:tailEnd type="none" w="med" len="med"/>
+                    </a:lnR>
+                    <a:lnT w="12700" cap="flat" cmpd="sng" algn="ctr">
+                      <a:solidFill>
+                        <a:scrgbClr r="0" g="0" b="0"/>
+                      </a:solidFill>
+                      <a:prstDash val="solid"/>
+                      <a:round/>
+                      <a:headEnd type="none" w="med" len="med"/>
+                      <a:tailEnd type="none" w="med" len="med"/>
+                    </a:lnT>
+                    <a:lnB w="12700" cap="flat" cmpd="sng" algn="ctr">
+                      <a:solidFill>
+                        <a:scrgbClr r="0" g="0" b="0"/>
+                      </a:solidFill>
+                      <a:prstDash val="solid"/>
+                      <a:round/>
+                      <a:headEnd type="none" w="med" len="med"/>
+                      <a:tailEnd type="none" w="med" len="med"/>
+                    </a:lnB>
+                    <a:solidFill>
+                      <a:schemeClr val="bg1"/>
+                    </a:solidFill>
+                  </a:tcPr>
+                </a:tc>
+                <a:tc>
+                  <a:txBody>
+                    <a:bodyPr/>
+                    <a:lstStyle/>
+                    <a:p>
+                      <a:endParaRPr lang="en-US"/>
+                    </a:p>
+                  </a:txBody>
+                  <a:tcPr>
+                    <a:lnL w="12700" cap="flat" cmpd="sng" algn="ctr">
+                      <a:solidFill>
+                        <a:scrgbClr r="0" g="0" b="0"/>
+                      </a:solidFill>
+                      <a:prstDash val="solid"/>
+                      <a:round/>
+                      <a:headEnd type="none" w="med" len="med"/>
+                      <a:tailEnd type="none" w="med" len="med"/>
+                    </a:lnL>
+                    <a:lnR w="12700" cap="flat" cmpd="sng" algn="ctr">
+                      <a:solidFill>
+                        <a:scrgbClr r="0" g="0" b="0"/>
+                      </a:solidFill>
+                      <a:prstDash val="solid"/>
+                      <a:round/>
+                      <a:headEnd type="none" w="med" len="med"/>
+                      <a:tailEnd type="none" w="med" len="med"/>
+                    </a:lnR>
+                    <a:lnT w="12700" cap="flat" cmpd="sng" algn="ctr">
+                      <a:solidFill>
+                        <a:scrgbClr r="0" g="0" b="0"/>
+                      </a:solidFill>
+                      <a:prstDash val="solid"/>
+                      <a:round/>
+                      <a:headEnd type="none" w="med" len="med"/>
+                      <a:tailEnd type="none" w="med" len="med"/>
+                    </a:lnT>
+                    <a:lnB w="12700" cap="flat" cmpd="sng" algn="ctr">
+                      <a:solidFill>
+                        <a:scrgbClr r="0" g="0" b="0"/>
+                      </a:solidFill>
+                      <a:prstDash val="solid"/>
+                      <a:round/>
+                      <a:headEnd type="none" w="med" len="med"/>
+                      <a:tailEnd type="none" w="med" len="med"/>
+                    </a:lnB>
+                    <a:solidFill>
+                      <a:schemeClr val="bg1"/>
+                    </a:solidFill>
+                  </a:tcPr>
+                </a:tc>
+                <a:tc>
+                  <a:txBody>
+                    <a:bodyPr/>
+                    <a:lstStyle/>
+                    <a:p>
+                      <a:endParaRPr lang="en-US" dirty="0"/>
+                    </a:p>
+                  </a:txBody>
+                  <a:tcPr>
+                    <a:lnL w="12700" cap="flat" cmpd="sng" algn="ctr">
+                      <a:solidFill>
+                        <a:scrgbClr r="0" g="0" b="0"/>
+                      </a:solidFill>
+                      <a:prstDash val="solid"/>
+                      <a:round/>
+                      <a:headEnd type="none" w="med" len="med"/>
+                      <a:tailEnd type="none" w="med" len="med"/>
+                    </a:lnL>
+                    <a:lnR w="12700" cap="flat" cmpd="sng" algn="ctr">
+                      <a:solidFill>
+                        <a:scrgbClr r="0" g="0" b="0"/>
+                      </a:solidFill>
+                      <a:prstDash val="solid"/>
+                      <a:round/>
+                      <a:headEnd type="none" w="med" len="med"/>
+                      <a:tailEnd type="none" w="med" len="med"/>
+                    </a:lnR>
+                    <a:lnT w="12700" cap="flat" cmpd="sng" algn="ctr">
+                      <a:solidFill>
+                        <a:scrgbClr r="0" g="0" b="0"/>
+                      </a:solidFill>
+                      <a:prstDash val="solid"/>
+                      <a:round/>
+                      <a:headEnd type="none" w="med" len="med"/>
+                      <a:tailEnd type="none" w="med" len="med"/>
+                    </a:lnT>
+                    <a:lnB w="12700" cap="flat" cmpd="sng" algn="ctr">
+                      <a:solidFill>
+                        <a:scrgbClr r="0" g="0" b="0"/>
+                      </a:solidFill>
+                      <a:prstDash val="solid"/>
+                      <a:round/>
+                      <a:headEnd type="none" w="med" len="med"/>
+                      <a:tailEnd type="none" w="med" len="med"/>
+                    </a:lnB>
+                    <a:solidFill>
+                      <a:schemeClr val="bg1"/>
+                    </a:solidFill>
+                  </a:tcPr>
+                </a:tc>
+              </a:tr>
+            </a:tbl>
+          </a:graphicData>
+        </a:graphic>
+      </p:graphicFrame>
+      <p:sp>
+        <p:nvSpPr>
+          <p:cNvPr id="5" name="TextBox 4"/>
+          <p:cNvSpPr txBox="1"/>
+          <p:nvPr/>
+        </p:nvSpPr>
+        <p:spPr>
+          <a:xfrm>
+            <a:off x="3447143" y="4862286"/>
+            <a:ext cx="1403048" cy="369332"/>
+          </a:xfrm>
+          <a:prstGeom prst="rect">
+            <a:avLst/>
+          </a:prstGeom>
+          <a:noFill/>
+        </p:spPr>
+        <p:txBody>
+          <a:bodyPr wrap="square" rtlCol="0">
+            <a:spAutoFit/>
+          </a:bodyPr>
+          <a:lstStyle/>
+          <a:p>
+            <a:r>
+              <a:rPr lang="en-US" dirty="0" smtClean="0"/>
+              <a:t>M</a:t>
+            </a:r>
+            <a:endParaRPr lang="en-US" dirty="0"/>
+          </a:p>
+        </p:txBody>
+      </p:sp>
+      <p:sp>
+        <p:nvSpPr>
+          <p:cNvPr id="6" name="TextBox 5"/>
+          <p:cNvSpPr txBox="1"/>
+          <p:nvPr/>
+        </p:nvSpPr>
+        <p:spPr>
+          <a:xfrm>
+            <a:off x="6405638" y="2402114"/>
+            <a:ext cx="1403048" cy="369332"/>
+          </a:xfrm>
+          <a:prstGeom prst="rect">
+            <a:avLst/>
+          </a:prstGeom>
+          <a:noFill/>
+        </p:spPr>
+        <p:txBody>
+          <a:bodyPr wrap="square" rtlCol="0">
+            <a:spAutoFit/>
+          </a:bodyPr>
+          <a:lstStyle/>
+          <a:p>
+            <a:r>
+              <a:rPr lang="en-US" dirty="0" smtClean="0"/>
+              <a:t>N</a:t>
+            </a:r>
+            <a:endParaRPr lang="en-US" dirty="0"/>
+          </a:p>
+        </p:txBody>
+      </p:sp>
+      <p:sp>
+        <p:nvSpPr>
+          <p:cNvPr id="8" name="Plaque 7"/>
+          <p:cNvSpPr/>
+          <p:nvPr/>
+        </p:nvSpPr>
+        <p:spPr>
+          <a:xfrm>
+            <a:off x="2987524" y="3132667"/>
+            <a:ext cx="634737" cy="616857"/>
+          </a:xfrm>
+          <a:prstGeom prst="plaque">
+            <a:avLst/>
+          </a:prstGeom>
+        </p:spPr>
+        <p:style>
+          <a:lnRef idx="1">
+            <a:schemeClr val="accent1"/>
+          </a:lnRef>
+          <a:fillRef idx="3">
+            <a:schemeClr val="accent1"/>
+          </a:fillRef>
+          <a:effectRef idx="2">
+            <a:schemeClr val="accent1"/>
+          </a:effectRef>
+          <a:fontRef idx="minor">
+            <a:schemeClr val="lt1"/>
+          </a:fontRef>
+        </p:style>
+        <p:txBody>
+          <a:bodyPr rtlCol="0" anchor="ctr"/>
+          <a:lstStyle/>
+          <a:p>
+            <a:pPr algn="ctr"/>
+            <a:endParaRPr lang="en-US"/>
+          </a:p>
+        </p:txBody>
+      </p:sp>
+    </p:spTree>
+    <p:extLst>
+      <p:ext uri="{BB962C8B-B14F-4D97-AF65-F5344CB8AC3E}">
+        <p14:creationId xmlns:p14="http://schemas.microsoft.com/office/powerpoint/2010/main" val="1627213259"/>
       </p:ext>
     </p:extLst>
   </p:cSld>

--- a/figures/figures.pptx
+++ b/figures/figures.pptx
@@ -290,7 +290,7 @@
           <a:p>
             <a:fld id="{AF8A4314-7EE0-3B48-A3CB-01AED7CBB16F}" type="datetimeFigureOut">
               <a:rPr lang="en-US" smtClean="0"/>
-              <a:t>10/26/12</a:t>
+              <a:t>11/13/12</a:t>
             </a:fld>
             <a:endParaRPr lang="en-US"/>
           </a:p>
@@ -460,7 +460,7 @@
           <a:p>
             <a:fld id="{AF8A4314-7EE0-3B48-A3CB-01AED7CBB16F}" type="datetimeFigureOut">
               <a:rPr lang="en-US" smtClean="0"/>
-              <a:t>10/26/12</a:t>
+              <a:t>11/13/12</a:t>
             </a:fld>
             <a:endParaRPr lang="en-US"/>
           </a:p>
@@ -640,7 +640,7 @@
           <a:p>
             <a:fld id="{AF8A4314-7EE0-3B48-A3CB-01AED7CBB16F}" type="datetimeFigureOut">
               <a:rPr lang="en-US" smtClean="0"/>
-              <a:t>10/26/12</a:t>
+              <a:t>11/13/12</a:t>
             </a:fld>
             <a:endParaRPr lang="en-US"/>
           </a:p>
@@ -810,7 +810,7 @@
           <a:p>
             <a:fld id="{AF8A4314-7EE0-3B48-A3CB-01AED7CBB16F}" type="datetimeFigureOut">
               <a:rPr lang="en-US" smtClean="0"/>
-              <a:t>10/26/12</a:t>
+              <a:t>11/13/12</a:t>
             </a:fld>
             <a:endParaRPr lang="en-US"/>
           </a:p>
@@ -1056,7 +1056,7 @@
           <a:p>
             <a:fld id="{AF8A4314-7EE0-3B48-A3CB-01AED7CBB16F}" type="datetimeFigureOut">
               <a:rPr lang="en-US" smtClean="0"/>
-              <a:t>10/26/12</a:t>
+              <a:t>11/13/12</a:t>
             </a:fld>
             <a:endParaRPr lang="en-US"/>
           </a:p>
@@ -1344,7 +1344,7 @@
           <a:p>
             <a:fld id="{AF8A4314-7EE0-3B48-A3CB-01AED7CBB16F}" type="datetimeFigureOut">
               <a:rPr lang="en-US" smtClean="0"/>
-              <a:t>10/26/12</a:t>
+              <a:t>11/13/12</a:t>
             </a:fld>
             <a:endParaRPr lang="en-US"/>
           </a:p>
@@ -1766,7 +1766,7 @@
           <a:p>
             <a:fld id="{AF8A4314-7EE0-3B48-A3CB-01AED7CBB16F}" type="datetimeFigureOut">
               <a:rPr lang="en-US" smtClean="0"/>
-              <a:t>10/26/12</a:t>
+              <a:t>11/13/12</a:t>
             </a:fld>
             <a:endParaRPr lang="en-US"/>
           </a:p>
@@ -1884,7 +1884,7 @@
           <a:p>
             <a:fld id="{AF8A4314-7EE0-3B48-A3CB-01AED7CBB16F}" type="datetimeFigureOut">
               <a:rPr lang="en-US" smtClean="0"/>
-              <a:t>10/26/12</a:t>
+              <a:t>11/13/12</a:t>
             </a:fld>
             <a:endParaRPr lang="en-US"/>
           </a:p>
@@ -1979,7 +1979,7 @@
           <a:p>
             <a:fld id="{AF8A4314-7EE0-3B48-A3CB-01AED7CBB16F}" type="datetimeFigureOut">
               <a:rPr lang="en-US" smtClean="0"/>
-              <a:t>10/26/12</a:t>
+              <a:t>11/13/12</a:t>
             </a:fld>
             <a:endParaRPr lang="en-US"/>
           </a:p>
@@ -2256,7 +2256,7 @@
           <a:p>
             <a:fld id="{AF8A4314-7EE0-3B48-A3CB-01AED7CBB16F}" type="datetimeFigureOut">
               <a:rPr lang="en-US" smtClean="0"/>
-              <a:t>10/26/12</a:t>
+              <a:t>11/13/12</a:t>
             </a:fld>
             <a:endParaRPr lang="en-US"/>
           </a:p>
@@ -2509,7 +2509,7 @@
           <a:p>
             <a:fld id="{AF8A4314-7EE0-3B48-A3CB-01AED7CBB16F}" type="datetimeFigureOut">
               <a:rPr lang="en-US" smtClean="0"/>
-              <a:t>10/26/12</a:t>
+              <a:t>11/13/12</a:t>
             </a:fld>
             <a:endParaRPr lang="en-US"/>
           </a:p>
@@ -2722,7 +2722,7 @@
           <a:p>
             <a:fld id="{AF8A4314-7EE0-3B48-A3CB-01AED7CBB16F}" type="datetimeFigureOut">
               <a:rPr lang="en-US" smtClean="0"/>
-              <a:t>10/26/12</a:t>
+              <a:t>11/13/12</a:t>
             </a:fld>
             <a:endParaRPr lang="en-US"/>
           </a:p>
@@ -3501,41 +3501,697 @@
           <a:chExt cx="0" cy="0"/>
         </a:xfrm>
       </p:grpSpPr>
-      <p:sp>
-        <p:nvSpPr>
-          <p:cNvPr id="2" name="Title 1"/>
-          <p:cNvSpPr>
-            <a:spLocks noGrp="1"/>
-          </p:cNvSpPr>
-          <p:nvPr>
-            <p:ph type="title"/>
-          </p:nvPr>
-        </p:nvSpPr>
-        <p:spPr/>
-        <p:txBody>
-          <a:bodyPr/>
-          <a:lstStyle/>
-          <a:p>
-            <a:endParaRPr lang="en-US"/>
-          </a:p>
-        </p:txBody>
-      </p:sp>
-      <p:sp>
-        <p:nvSpPr>
-          <p:cNvPr id="3" name="Content Placeholder 2"/>
-          <p:cNvSpPr>
-            <a:spLocks noGrp="1"/>
-          </p:cNvSpPr>
-          <p:nvPr>
-            <p:ph idx="1"/>
-          </p:nvPr>
-        </p:nvSpPr>
-        <p:spPr/>
-        <p:txBody>
-          <a:bodyPr/>
-          <a:lstStyle/>
-          <a:p>
-            <a:endParaRPr lang="en-US"/>
+      <p:grpSp>
+        <p:nvGrpSpPr>
+          <p:cNvPr id="14" name="Group 13"/>
+          <p:cNvGrpSpPr/>
+          <p:nvPr/>
+        </p:nvGrpSpPr>
+        <p:grpSpPr>
+          <a:xfrm>
+            <a:off x="1366762" y="2116667"/>
+            <a:ext cx="520096" cy="520096"/>
+            <a:chOff x="2467428" y="1596571"/>
+            <a:chExt cx="520096" cy="520096"/>
+          </a:xfrm>
+        </p:grpSpPr>
+        <p:cxnSp>
+          <p:nvCxnSpPr>
+            <p:cNvPr id="10" name="Straight Arrow Connector 9"/>
+            <p:cNvCxnSpPr/>
+            <p:nvPr/>
+          </p:nvCxnSpPr>
+          <p:spPr>
+            <a:xfrm flipV="1">
+              <a:off x="2467428" y="1596571"/>
+              <a:ext cx="0" cy="520096"/>
+            </a:xfrm>
+            <a:prstGeom prst="straightConnector1">
+              <a:avLst/>
+            </a:prstGeom>
+            <a:ln>
+              <a:solidFill>
+                <a:schemeClr val="bg1">
+                  <a:lumMod val="50000"/>
+                </a:schemeClr>
+              </a:solidFill>
+              <a:tailEnd type="arrow"/>
+            </a:ln>
+            <a:effectLst/>
+          </p:spPr>
+          <p:style>
+            <a:lnRef idx="2">
+              <a:schemeClr val="dk1"/>
+            </a:lnRef>
+            <a:fillRef idx="0">
+              <a:schemeClr val="dk1"/>
+            </a:fillRef>
+            <a:effectRef idx="1">
+              <a:schemeClr val="dk1"/>
+            </a:effectRef>
+            <a:fontRef idx="minor">
+              <a:schemeClr val="tx1"/>
+            </a:fontRef>
+          </p:style>
+        </p:cxnSp>
+        <p:cxnSp>
+          <p:nvCxnSpPr>
+            <p:cNvPr id="11" name="Straight Arrow Connector 10"/>
+            <p:cNvCxnSpPr/>
+            <p:nvPr/>
+          </p:nvCxnSpPr>
+          <p:spPr>
+            <a:xfrm rot="5400000" flipV="1">
+              <a:off x="2727476" y="1845733"/>
+              <a:ext cx="0" cy="520096"/>
+            </a:xfrm>
+            <a:prstGeom prst="straightConnector1">
+              <a:avLst/>
+            </a:prstGeom>
+            <a:ln>
+              <a:solidFill>
+                <a:schemeClr val="bg1">
+                  <a:lumMod val="50000"/>
+                </a:schemeClr>
+              </a:solidFill>
+              <a:tailEnd type="arrow"/>
+            </a:ln>
+            <a:effectLst/>
+          </p:spPr>
+          <p:style>
+            <a:lnRef idx="2">
+              <a:schemeClr val="dk1"/>
+            </a:lnRef>
+            <a:fillRef idx="0">
+              <a:schemeClr val="dk1"/>
+            </a:fillRef>
+            <a:effectRef idx="1">
+              <a:schemeClr val="dk1"/>
+            </a:effectRef>
+            <a:fontRef idx="minor">
+              <a:schemeClr val="tx1"/>
+            </a:fontRef>
+          </p:style>
+        </p:cxnSp>
+      </p:grpSp>
+      <p:grpSp>
+        <p:nvGrpSpPr>
+          <p:cNvPr id="15" name="Group 14"/>
+          <p:cNvGrpSpPr/>
+          <p:nvPr/>
+        </p:nvGrpSpPr>
+        <p:grpSpPr>
+          <a:xfrm>
+            <a:off x="1366762" y="4361543"/>
+            <a:ext cx="520096" cy="520096"/>
+            <a:chOff x="2467428" y="1596571"/>
+            <a:chExt cx="520096" cy="520096"/>
+          </a:xfrm>
+        </p:grpSpPr>
+        <p:cxnSp>
+          <p:nvCxnSpPr>
+            <p:cNvPr id="16" name="Straight Arrow Connector 15"/>
+            <p:cNvCxnSpPr/>
+            <p:nvPr/>
+          </p:nvCxnSpPr>
+          <p:spPr>
+            <a:xfrm flipV="1">
+              <a:off x="2467428" y="1596571"/>
+              <a:ext cx="0" cy="520096"/>
+            </a:xfrm>
+            <a:prstGeom prst="straightConnector1">
+              <a:avLst/>
+            </a:prstGeom>
+            <a:ln>
+              <a:tailEnd type="arrow"/>
+            </a:ln>
+            <a:effectLst/>
+          </p:spPr>
+          <p:style>
+            <a:lnRef idx="2">
+              <a:schemeClr val="dk1"/>
+            </a:lnRef>
+            <a:fillRef idx="0">
+              <a:schemeClr val="dk1"/>
+            </a:fillRef>
+            <a:effectRef idx="1">
+              <a:schemeClr val="dk1"/>
+            </a:effectRef>
+            <a:fontRef idx="minor">
+              <a:schemeClr val="tx1"/>
+            </a:fontRef>
+          </p:style>
+        </p:cxnSp>
+        <p:cxnSp>
+          <p:nvCxnSpPr>
+            <p:cNvPr id="17" name="Straight Arrow Connector 16"/>
+            <p:cNvCxnSpPr/>
+            <p:nvPr/>
+          </p:nvCxnSpPr>
+          <p:spPr>
+            <a:xfrm rot="5400000" flipV="1">
+              <a:off x="2727476" y="1845733"/>
+              <a:ext cx="0" cy="520096"/>
+            </a:xfrm>
+            <a:prstGeom prst="straightConnector1">
+              <a:avLst/>
+            </a:prstGeom>
+            <a:ln>
+              <a:tailEnd type="arrow"/>
+            </a:ln>
+            <a:effectLst/>
+          </p:spPr>
+          <p:style>
+            <a:lnRef idx="2">
+              <a:schemeClr val="dk1"/>
+            </a:lnRef>
+            <a:fillRef idx="0">
+              <a:schemeClr val="dk1"/>
+            </a:fillRef>
+            <a:effectRef idx="1">
+              <a:schemeClr val="dk1"/>
+            </a:effectRef>
+            <a:fontRef idx="minor">
+              <a:schemeClr val="tx1"/>
+            </a:fontRef>
+          </p:style>
+        </p:cxnSp>
+      </p:grpSp>
+      <p:cxnSp>
+        <p:nvCxnSpPr>
+          <p:cNvPr id="20" name="Straight Arrow Connector 19"/>
+          <p:cNvCxnSpPr/>
+          <p:nvPr/>
+        </p:nvCxnSpPr>
+        <p:spPr>
+          <a:xfrm flipV="1">
+            <a:off x="1366762" y="1672167"/>
+            <a:ext cx="929821" cy="964597"/>
+          </a:xfrm>
+          <a:prstGeom prst="straightConnector1">
+            <a:avLst/>
+          </a:prstGeom>
+          <a:ln w="28575" cmpd="sng">
+            <a:tailEnd type="arrow"/>
+          </a:ln>
+          <a:effectLst/>
+        </p:spPr>
+        <p:style>
+          <a:lnRef idx="2">
+            <a:schemeClr val="dk1"/>
+          </a:lnRef>
+          <a:fillRef idx="0">
+            <a:schemeClr val="dk1"/>
+          </a:fillRef>
+          <a:effectRef idx="1">
+            <a:schemeClr val="dk1"/>
+          </a:effectRef>
+          <a:fontRef idx="minor">
+            <a:schemeClr val="tx1"/>
+          </a:fontRef>
+        </p:style>
+      </p:cxnSp>
+      <p:sp>
+        <p:nvSpPr>
+          <p:cNvPr id="24" name="TextBox 23"/>
+          <p:cNvSpPr txBox="1"/>
+          <p:nvPr/>
+        </p:nvSpPr>
+        <p:spPr>
+          <a:xfrm>
+            <a:off x="1602621" y="1696148"/>
+            <a:ext cx="399142" cy="369332"/>
+          </a:xfrm>
+          <a:prstGeom prst="rect">
+            <a:avLst/>
+          </a:prstGeom>
+          <a:noFill/>
+        </p:spPr>
+        <p:txBody>
+          <a:bodyPr wrap="square" rtlCol="0">
+            <a:spAutoFit/>
+          </a:bodyPr>
+          <a:lstStyle/>
+          <a:p>
+            <a:r>
+              <a:rPr lang="en-US" dirty="0" smtClean="0"/>
+              <a:t>X</a:t>
+            </a:r>
+            <a:r>
+              <a:rPr lang="en-US" baseline="-25000" dirty="0" smtClean="0"/>
+              <a:t>0</a:t>
+            </a:r>
+            <a:endParaRPr lang="en-US" baseline="-25000" dirty="0"/>
+          </a:p>
+        </p:txBody>
+      </p:sp>
+      <p:cxnSp>
+        <p:nvCxnSpPr>
+          <p:cNvPr id="25" name="Straight Arrow Connector 24"/>
+          <p:cNvCxnSpPr/>
+          <p:nvPr/>
+        </p:nvCxnSpPr>
+        <p:spPr>
+          <a:xfrm flipV="1">
+            <a:off x="2296583" y="1354667"/>
+            <a:ext cx="751417" cy="317502"/>
+          </a:xfrm>
+          <a:prstGeom prst="straightConnector1">
+            <a:avLst/>
+          </a:prstGeom>
+          <a:ln w="28575" cmpd="sng">
+            <a:tailEnd type="arrow"/>
+          </a:ln>
+          <a:effectLst/>
+        </p:spPr>
+        <p:style>
+          <a:lnRef idx="2">
+            <a:schemeClr val="dk1"/>
+          </a:lnRef>
+          <a:fillRef idx="0">
+            <a:schemeClr val="dk1"/>
+          </a:fillRef>
+          <a:effectRef idx="1">
+            <a:schemeClr val="dk1"/>
+          </a:effectRef>
+          <a:fontRef idx="minor">
+            <a:schemeClr val="tx1"/>
+          </a:fontRef>
+        </p:style>
+      </p:cxnSp>
+      <p:sp>
+        <p:nvSpPr>
+          <p:cNvPr id="28" name="TextBox 27"/>
+          <p:cNvSpPr txBox="1"/>
+          <p:nvPr/>
+        </p:nvSpPr>
+        <p:spPr>
+          <a:xfrm>
+            <a:off x="2587574" y="1426047"/>
+            <a:ext cx="399142" cy="369332"/>
+          </a:xfrm>
+          <a:prstGeom prst="rect">
+            <a:avLst/>
+          </a:prstGeom>
+          <a:noFill/>
+        </p:spPr>
+        <p:txBody>
+          <a:bodyPr wrap="square" rtlCol="0">
+            <a:spAutoFit/>
+          </a:bodyPr>
+          <a:lstStyle/>
+          <a:p>
+            <a:r>
+              <a:rPr lang="en-US" dirty="0" smtClean="0"/>
+              <a:t>v</a:t>
+            </a:r>
+            <a:r>
+              <a:rPr lang="en-US" baseline="-25000" dirty="0" smtClean="0"/>
+              <a:t>0</a:t>
+            </a:r>
+            <a:endParaRPr lang="en-US" baseline="-25000" dirty="0"/>
+          </a:p>
+        </p:txBody>
+      </p:sp>
+      <p:cxnSp>
+        <p:nvCxnSpPr>
+          <p:cNvPr id="34" name="Straight Arrow Connector 33"/>
+          <p:cNvCxnSpPr/>
+          <p:nvPr/>
+        </p:nvCxnSpPr>
+        <p:spPr>
+          <a:xfrm>
+            <a:off x="2296583" y="1676711"/>
+            <a:ext cx="1511" cy="546098"/>
+          </a:xfrm>
+          <a:prstGeom prst="straightConnector1">
+            <a:avLst/>
+          </a:prstGeom>
+          <a:ln w="28575" cmpd="sng">
+            <a:tailEnd type="arrow"/>
+          </a:ln>
+          <a:effectLst/>
+        </p:spPr>
+        <p:style>
+          <a:lnRef idx="2">
+            <a:schemeClr val="dk1"/>
+          </a:lnRef>
+          <a:fillRef idx="0">
+            <a:schemeClr val="dk1"/>
+          </a:fillRef>
+          <a:effectRef idx="1">
+            <a:schemeClr val="dk1"/>
+          </a:effectRef>
+          <a:fontRef idx="minor">
+            <a:schemeClr val="tx1"/>
+          </a:fontRef>
+        </p:style>
+      </p:cxnSp>
+      <p:sp>
+        <p:nvSpPr>
+          <p:cNvPr id="36" name="TextBox 35"/>
+          <p:cNvSpPr txBox="1"/>
+          <p:nvPr/>
+        </p:nvSpPr>
+        <p:spPr>
+          <a:xfrm>
+            <a:off x="2329242" y="1763675"/>
+            <a:ext cx="399142" cy="369332"/>
+          </a:xfrm>
+          <a:prstGeom prst="rect">
+            <a:avLst/>
+          </a:prstGeom>
+          <a:noFill/>
+        </p:spPr>
+        <p:txBody>
+          <a:bodyPr wrap="square" rtlCol="0">
+            <a:spAutoFit/>
+          </a:bodyPr>
+          <a:lstStyle/>
+          <a:p>
+            <a:r>
+              <a:rPr lang="en-US" dirty="0" smtClean="0"/>
+              <a:t>a</a:t>
+            </a:r>
+            <a:endParaRPr lang="en-US" baseline="-25000" dirty="0"/>
+          </a:p>
+        </p:txBody>
+      </p:sp>
+      <p:grpSp>
+        <p:nvGrpSpPr>
+          <p:cNvPr id="37" name="Group 36"/>
+          <p:cNvGrpSpPr/>
+          <p:nvPr/>
+        </p:nvGrpSpPr>
+        <p:grpSpPr>
+          <a:xfrm>
+            <a:off x="4864496" y="2117574"/>
+            <a:ext cx="520096" cy="520096"/>
+            <a:chOff x="2467428" y="1596571"/>
+            <a:chExt cx="520096" cy="520096"/>
+          </a:xfrm>
+        </p:grpSpPr>
+        <p:cxnSp>
+          <p:nvCxnSpPr>
+            <p:cNvPr id="38" name="Straight Arrow Connector 37"/>
+            <p:cNvCxnSpPr/>
+            <p:nvPr/>
+          </p:nvCxnSpPr>
+          <p:spPr>
+            <a:xfrm flipV="1">
+              <a:off x="2467428" y="1596571"/>
+              <a:ext cx="0" cy="520096"/>
+            </a:xfrm>
+            <a:prstGeom prst="straightConnector1">
+              <a:avLst/>
+            </a:prstGeom>
+            <a:ln>
+              <a:solidFill>
+                <a:schemeClr val="bg1">
+                  <a:lumMod val="50000"/>
+                </a:schemeClr>
+              </a:solidFill>
+              <a:tailEnd type="arrow"/>
+            </a:ln>
+            <a:effectLst/>
+          </p:spPr>
+          <p:style>
+            <a:lnRef idx="2">
+              <a:schemeClr val="dk1"/>
+            </a:lnRef>
+            <a:fillRef idx="0">
+              <a:schemeClr val="dk1"/>
+            </a:fillRef>
+            <a:effectRef idx="1">
+              <a:schemeClr val="dk1"/>
+            </a:effectRef>
+            <a:fontRef idx="minor">
+              <a:schemeClr val="tx1"/>
+            </a:fontRef>
+          </p:style>
+        </p:cxnSp>
+        <p:cxnSp>
+          <p:nvCxnSpPr>
+            <p:cNvPr id="39" name="Straight Arrow Connector 38"/>
+            <p:cNvCxnSpPr/>
+            <p:nvPr/>
+          </p:nvCxnSpPr>
+          <p:spPr>
+            <a:xfrm rot="5400000" flipV="1">
+              <a:off x="2727476" y="1845733"/>
+              <a:ext cx="0" cy="520096"/>
+            </a:xfrm>
+            <a:prstGeom prst="straightConnector1">
+              <a:avLst/>
+            </a:prstGeom>
+            <a:ln>
+              <a:solidFill>
+                <a:schemeClr val="bg1">
+                  <a:lumMod val="50000"/>
+                </a:schemeClr>
+              </a:solidFill>
+              <a:tailEnd type="arrow"/>
+            </a:ln>
+            <a:effectLst/>
+          </p:spPr>
+          <p:style>
+            <a:lnRef idx="2">
+              <a:schemeClr val="dk1"/>
+            </a:lnRef>
+            <a:fillRef idx="0">
+              <a:schemeClr val="dk1"/>
+            </a:fillRef>
+            <a:effectRef idx="1">
+              <a:schemeClr val="dk1"/>
+            </a:effectRef>
+            <a:fontRef idx="minor">
+              <a:schemeClr val="tx1"/>
+            </a:fontRef>
+          </p:style>
+        </p:cxnSp>
+      </p:grpSp>
+      <p:sp>
+        <p:nvSpPr>
+          <p:cNvPr id="46" name="Right Arrow 45"/>
+          <p:cNvSpPr/>
+          <p:nvPr/>
+        </p:nvSpPr>
+        <p:spPr>
+          <a:xfrm>
+            <a:off x="3226741" y="1553323"/>
+            <a:ext cx="1476963" cy="1024314"/>
+          </a:xfrm>
+          <a:prstGeom prst="rightArrow">
+            <a:avLst/>
+          </a:prstGeom>
+        </p:spPr>
+        <p:style>
+          <a:lnRef idx="1">
+            <a:schemeClr val="dk1"/>
+          </a:lnRef>
+          <a:fillRef idx="3">
+            <a:schemeClr val="dk1"/>
+          </a:fillRef>
+          <a:effectRef idx="2">
+            <a:schemeClr val="dk1"/>
+          </a:effectRef>
+          <a:fontRef idx="minor">
+            <a:schemeClr val="lt1"/>
+          </a:fontRef>
+        </p:style>
+        <p:txBody>
+          <a:bodyPr rtlCol="0" anchor="ctr"/>
+          <a:lstStyle/>
+          <a:p>
+            <a:pPr algn="ctr"/>
+            <a:r>
+              <a:rPr lang="en-US" dirty="0" smtClean="0"/>
+              <a:t>Integration</a:t>
+            </a:r>
+            <a:endParaRPr lang="en-US" dirty="0"/>
+          </a:p>
+        </p:txBody>
+      </p:sp>
+      <p:sp>
+        <p:nvSpPr>
+          <p:cNvPr id="47" name="Oval 46"/>
+          <p:cNvSpPr/>
+          <p:nvPr/>
+        </p:nvSpPr>
+        <p:spPr>
+          <a:xfrm>
+            <a:off x="5743911" y="1602947"/>
+            <a:ext cx="100811" cy="100811"/>
+          </a:xfrm>
+          <a:prstGeom prst="ellipse">
+            <a:avLst/>
+          </a:prstGeom>
+          <a:solidFill>
+            <a:schemeClr val="tx1"/>
+          </a:solidFill>
+          <a:effectLst/>
+        </p:spPr>
+        <p:style>
+          <a:lnRef idx="1">
+            <a:schemeClr val="dk1"/>
+          </a:lnRef>
+          <a:fillRef idx="3">
+            <a:schemeClr val="dk1"/>
+          </a:fillRef>
+          <a:effectRef idx="2">
+            <a:schemeClr val="dk1"/>
+          </a:effectRef>
+          <a:fontRef idx="minor">
+            <a:schemeClr val="lt1"/>
+          </a:fontRef>
+        </p:style>
+        <p:txBody>
+          <a:bodyPr rtlCol="0" anchor="ctr"/>
+          <a:lstStyle/>
+          <a:p>
+            <a:pPr algn="ctr"/>
+            <a:endParaRPr lang="en-US"/>
+          </a:p>
+        </p:txBody>
+      </p:sp>
+      <p:sp>
+        <p:nvSpPr>
+          <p:cNvPr id="62" name="Freeform 61"/>
+          <p:cNvSpPr/>
+          <p:nvPr/>
+        </p:nvSpPr>
+        <p:spPr>
+          <a:xfrm>
+            <a:off x="5766741" y="1365193"/>
+            <a:ext cx="1815629" cy="854955"/>
+          </a:xfrm>
+          <a:custGeom>
+            <a:avLst/>
+            <a:gdLst>
+              <a:gd name="connsiteX0" fmla="*/ 0 w 1815629"/>
+              <a:gd name="connsiteY0" fmla="*/ 281103 h 854955"/>
+              <a:gd name="connsiteX1" fmla="*/ 1044222 w 1815629"/>
+              <a:gd name="connsiteY1" fmla="*/ 27103 h 854955"/>
+              <a:gd name="connsiteX2" fmla="*/ 1815629 w 1815629"/>
+              <a:gd name="connsiteY2" fmla="*/ 854955 h 854955"/>
+            </a:gdLst>
+            <a:ahLst/>
+            <a:cxnLst>
+              <a:cxn ang="0">
+                <a:pos x="connsiteX0" y="connsiteY0"/>
+              </a:cxn>
+              <a:cxn ang="0">
+                <a:pos x="connsiteX1" y="connsiteY1"/>
+              </a:cxn>
+              <a:cxn ang="0">
+                <a:pos x="connsiteX2" y="connsiteY2"/>
+              </a:cxn>
+            </a:cxnLst>
+            <a:rect l="l" t="t" r="r" b="b"/>
+            <a:pathLst>
+              <a:path w="1815629" h="854955">
+                <a:moveTo>
+                  <a:pt x="0" y="281103"/>
+                </a:moveTo>
+                <a:cubicBezTo>
+                  <a:pt x="370808" y="106282"/>
+                  <a:pt x="741617" y="-68539"/>
+                  <a:pt x="1044222" y="27103"/>
+                </a:cubicBezTo>
+                <a:cubicBezTo>
+                  <a:pt x="1346827" y="122745"/>
+                  <a:pt x="1767024" y="536671"/>
+                  <a:pt x="1815629" y="854955"/>
+                </a:cubicBezTo>
+              </a:path>
+            </a:pathLst>
+          </a:custGeom>
+          <a:ln>
+            <a:prstDash val="dash"/>
+            <a:headEnd type="none"/>
+            <a:tailEnd type="arrow"/>
+          </a:ln>
+        </p:spPr>
+        <p:style>
+          <a:lnRef idx="2">
+            <a:schemeClr val="dk1"/>
+          </a:lnRef>
+          <a:fillRef idx="0">
+            <a:schemeClr val="dk1"/>
+          </a:fillRef>
+          <a:effectRef idx="1">
+            <a:schemeClr val="dk1"/>
+          </a:effectRef>
+          <a:fontRef idx="minor">
+            <a:schemeClr val="tx1"/>
+          </a:fontRef>
+        </p:style>
+        <p:txBody>
+          <a:bodyPr rtlCol="0" anchor="ctr"/>
+          <a:lstStyle/>
+          <a:p>
+            <a:pPr algn="ctr"/>
+            <a:endParaRPr lang="en-US"/>
+          </a:p>
+        </p:txBody>
+      </p:sp>
+      <p:sp>
+        <p:nvSpPr>
+          <p:cNvPr id="63" name="TextBox 62"/>
+          <p:cNvSpPr txBox="1"/>
+          <p:nvPr/>
+        </p:nvSpPr>
+        <p:spPr>
+          <a:xfrm>
+            <a:off x="5445580" y="1237097"/>
+            <a:ext cx="518716" cy="369332"/>
+          </a:xfrm>
+          <a:prstGeom prst="rect">
+            <a:avLst/>
+          </a:prstGeom>
+          <a:noFill/>
+        </p:spPr>
+        <p:txBody>
+          <a:bodyPr wrap="square" rtlCol="0">
+            <a:spAutoFit/>
+          </a:bodyPr>
+          <a:lstStyle/>
+          <a:p>
+            <a:r>
+              <a:rPr lang="en-US" dirty="0" smtClean="0"/>
+              <a:t>t=0</a:t>
+            </a:r>
+            <a:endParaRPr lang="en-US" baseline="-25000" dirty="0"/>
+          </a:p>
+        </p:txBody>
+      </p:sp>
+      <p:sp>
+        <p:nvSpPr>
+          <p:cNvPr id="64" name="TextBox 63"/>
+          <p:cNvSpPr txBox="1"/>
+          <p:nvPr/>
+        </p:nvSpPr>
+        <p:spPr>
+          <a:xfrm>
+            <a:off x="7582370" y="1633225"/>
+            <a:ext cx="518716" cy="369332"/>
+          </a:xfrm>
+          <a:prstGeom prst="rect">
+            <a:avLst/>
+          </a:prstGeom>
+          <a:noFill/>
+        </p:spPr>
+        <p:txBody>
+          <a:bodyPr wrap="square" rtlCol="0">
+            <a:spAutoFit/>
+          </a:bodyPr>
+          <a:lstStyle/>
+          <a:p>
+            <a:r>
+              <a:rPr lang="en-US" dirty="0" smtClean="0"/>
+              <a:t>t&gt;0</a:t>
+            </a:r>
+            <a:endParaRPr lang="en-US" baseline="-25000" dirty="0"/>
           </a:p>
         </p:txBody>
       </p:sp>

--- a/figures/figures.pptx
+++ b/figures/figures.pptx
@@ -7,7 +7,8 @@
   <p:sldIdLst>
     <p:sldId id="256" r:id="rId2"/>
     <p:sldId id="257" r:id="rId3"/>
-    <p:sldId id="258" r:id="rId4"/>
+    <p:sldId id="259" r:id="rId4"/>
+    <p:sldId id="258" r:id="rId5"/>
   </p:sldIdLst>
   <p:sldSz cx="9144000" cy="6858000" type="screen4x3"/>
   <p:notesSz cx="6858000" cy="9144000"/>
@@ -4209,6 +4210,533 @@
 </file>
 
 <file path=ppt/slides/slide3.xml><?xml version="1.0" encoding="utf-8"?>
+<p:sld xmlns:a="http://schemas.openxmlformats.org/drawingml/2006/main" xmlns:r="http://schemas.openxmlformats.org/officeDocument/2006/relationships" xmlns:p="http://schemas.openxmlformats.org/presentationml/2006/main">
+  <p:cSld>
+    <p:spTree>
+      <p:nvGrpSpPr>
+        <p:cNvPr id="1" name=""/>
+        <p:cNvGrpSpPr/>
+        <p:nvPr/>
+      </p:nvGrpSpPr>
+      <p:grpSpPr>
+        <a:xfrm>
+          <a:off x="0" y="0"/>
+          <a:ext cx="0" cy="0"/>
+          <a:chOff x="0" y="0"/>
+          <a:chExt cx="0" cy="0"/>
+        </a:xfrm>
+      </p:grpSpPr>
+      <p:grpSp>
+        <p:nvGrpSpPr>
+          <p:cNvPr id="14" name="Group 13"/>
+          <p:cNvGrpSpPr/>
+          <p:nvPr/>
+        </p:nvGrpSpPr>
+        <p:grpSpPr>
+          <a:xfrm>
+            <a:off x="1366762" y="2116667"/>
+            <a:ext cx="520096" cy="520096"/>
+            <a:chOff x="2467428" y="1596571"/>
+            <a:chExt cx="520096" cy="520096"/>
+          </a:xfrm>
+        </p:grpSpPr>
+        <p:cxnSp>
+          <p:nvCxnSpPr>
+            <p:cNvPr id="10" name="Straight Arrow Connector 9"/>
+            <p:cNvCxnSpPr/>
+            <p:nvPr/>
+          </p:nvCxnSpPr>
+          <p:spPr>
+            <a:xfrm flipV="1">
+              <a:off x="2467428" y="1596571"/>
+              <a:ext cx="0" cy="520096"/>
+            </a:xfrm>
+            <a:prstGeom prst="straightConnector1">
+              <a:avLst/>
+            </a:prstGeom>
+            <a:ln>
+              <a:solidFill>
+                <a:schemeClr val="bg1">
+                  <a:lumMod val="50000"/>
+                </a:schemeClr>
+              </a:solidFill>
+              <a:tailEnd type="arrow"/>
+            </a:ln>
+            <a:effectLst/>
+          </p:spPr>
+          <p:style>
+            <a:lnRef idx="2">
+              <a:schemeClr val="dk1"/>
+            </a:lnRef>
+            <a:fillRef idx="0">
+              <a:schemeClr val="dk1"/>
+            </a:fillRef>
+            <a:effectRef idx="1">
+              <a:schemeClr val="dk1"/>
+            </a:effectRef>
+            <a:fontRef idx="minor">
+              <a:schemeClr val="tx1"/>
+            </a:fontRef>
+          </p:style>
+        </p:cxnSp>
+        <p:cxnSp>
+          <p:nvCxnSpPr>
+            <p:cNvPr id="11" name="Straight Arrow Connector 10"/>
+            <p:cNvCxnSpPr/>
+            <p:nvPr/>
+          </p:nvCxnSpPr>
+          <p:spPr>
+            <a:xfrm rot="5400000" flipV="1">
+              <a:off x="2727476" y="1845733"/>
+              <a:ext cx="0" cy="520096"/>
+            </a:xfrm>
+            <a:prstGeom prst="straightConnector1">
+              <a:avLst/>
+            </a:prstGeom>
+            <a:ln>
+              <a:solidFill>
+                <a:schemeClr val="bg1">
+                  <a:lumMod val="50000"/>
+                </a:schemeClr>
+              </a:solidFill>
+              <a:tailEnd type="arrow"/>
+            </a:ln>
+            <a:effectLst/>
+          </p:spPr>
+          <p:style>
+            <a:lnRef idx="2">
+              <a:schemeClr val="dk1"/>
+            </a:lnRef>
+            <a:fillRef idx="0">
+              <a:schemeClr val="dk1"/>
+            </a:fillRef>
+            <a:effectRef idx="1">
+              <a:schemeClr val="dk1"/>
+            </a:effectRef>
+            <a:fontRef idx="minor">
+              <a:schemeClr val="tx1"/>
+            </a:fontRef>
+          </p:style>
+        </p:cxnSp>
+      </p:grpSp>
+      <p:cxnSp>
+        <p:nvCxnSpPr>
+          <p:cNvPr id="20" name="Straight Arrow Connector 19"/>
+          <p:cNvCxnSpPr/>
+          <p:nvPr/>
+        </p:nvCxnSpPr>
+        <p:spPr>
+          <a:xfrm flipV="1">
+            <a:off x="1366762" y="1672167"/>
+            <a:ext cx="929821" cy="964597"/>
+          </a:xfrm>
+          <a:prstGeom prst="straightConnector1">
+            <a:avLst/>
+          </a:prstGeom>
+          <a:ln w="28575" cmpd="sng">
+            <a:tailEnd type="arrow"/>
+          </a:ln>
+          <a:effectLst/>
+        </p:spPr>
+        <p:style>
+          <a:lnRef idx="2">
+            <a:schemeClr val="dk1"/>
+          </a:lnRef>
+          <a:fillRef idx="0">
+            <a:schemeClr val="dk1"/>
+          </a:fillRef>
+          <a:effectRef idx="1">
+            <a:schemeClr val="dk1"/>
+          </a:effectRef>
+          <a:fontRef idx="minor">
+            <a:schemeClr val="tx1"/>
+          </a:fontRef>
+        </p:style>
+      </p:cxnSp>
+      <p:sp>
+        <p:nvSpPr>
+          <p:cNvPr id="24" name="TextBox 23"/>
+          <p:cNvSpPr txBox="1"/>
+          <p:nvPr/>
+        </p:nvSpPr>
+        <p:spPr>
+          <a:xfrm>
+            <a:off x="1602621" y="1696148"/>
+            <a:ext cx="399142" cy="369332"/>
+          </a:xfrm>
+          <a:prstGeom prst="rect">
+            <a:avLst/>
+          </a:prstGeom>
+          <a:noFill/>
+        </p:spPr>
+        <p:txBody>
+          <a:bodyPr wrap="square" rtlCol="0">
+            <a:spAutoFit/>
+          </a:bodyPr>
+          <a:lstStyle/>
+          <a:p>
+            <a:r>
+              <a:rPr lang="en-US" dirty="0" smtClean="0"/>
+              <a:t>X</a:t>
+            </a:r>
+            <a:r>
+              <a:rPr lang="en-US" baseline="-25000" dirty="0" smtClean="0"/>
+              <a:t>0</a:t>
+            </a:r>
+            <a:endParaRPr lang="en-US" baseline="-25000" dirty="0"/>
+          </a:p>
+        </p:txBody>
+      </p:sp>
+      <p:cxnSp>
+        <p:nvCxnSpPr>
+          <p:cNvPr id="25" name="Straight Arrow Connector 24"/>
+          <p:cNvCxnSpPr/>
+          <p:nvPr/>
+        </p:nvCxnSpPr>
+        <p:spPr>
+          <a:xfrm>
+            <a:off x="2296583" y="1672169"/>
+            <a:ext cx="690133" cy="330388"/>
+          </a:xfrm>
+          <a:prstGeom prst="straightConnector1">
+            <a:avLst/>
+          </a:prstGeom>
+          <a:ln w="28575" cmpd="sng">
+            <a:tailEnd type="arrow"/>
+          </a:ln>
+          <a:effectLst/>
+        </p:spPr>
+        <p:style>
+          <a:lnRef idx="2">
+            <a:schemeClr val="dk1"/>
+          </a:lnRef>
+          <a:fillRef idx="0">
+            <a:schemeClr val="dk1"/>
+          </a:fillRef>
+          <a:effectRef idx="1">
+            <a:schemeClr val="dk1"/>
+          </a:effectRef>
+          <a:fontRef idx="minor">
+            <a:schemeClr val="tx1"/>
+          </a:fontRef>
+        </p:style>
+      </p:cxnSp>
+      <p:sp>
+        <p:nvSpPr>
+          <p:cNvPr id="28" name="TextBox 27"/>
+          <p:cNvSpPr txBox="1"/>
+          <p:nvPr/>
+        </p:nvSpPr>
+        <p:spPr>
+          <a:xfrm>
+            <a:off x="2587574" y="1487503"/>
+            <a:ext cx="399142" cy="369332"/>
+          </a:xfrm>
+          <a:prstGeom prst="rect">
+            <a:avLst/>
+          </a:prstGeom>
+          <a:noFill/>
+        </p:spPr>
+        <p:txBody>
+          <a:bodyPr wrap="square" rtlCol="0">
+            <a:spAutoFit/>
+          </a:bodyPr>
+          <a:lstStyle/>
+          <a:p>
+            <a:r>
+              <a:rPr lang="en-US" dirty="0" smtClean="0"/>
+              <a:t>d</a:t>
+            </a:r>
+            <a:endParaRPr lang="en-US" baseline="-25000" dirty="0"/>
+          </a:p>
+        </p:txBody>
+      </p:sp>
+      <p:grpSp>
+        <p:nvGrpSpPr>
+          <p:cNvPr id="37" name="Group 36"/>
+          <p:cNvGrpSpPr/>
+          <p:nvPr/>
+        </p:nvGrpSpPr>
+        <p:grpSpPr>
+          <a:xfrm>
+            <a:off x="4864496" y="2117574"/>
+            <a:ext cx="520096" cy="520096"/>
+            <a:chOff x="2467428" y="1596571"/>
+            <a:chExt cx="520096" cy="520096"/>
+          </a:xfrm>
+        </p:grpSpPr>
+        <p:cxnSp>
+          <p:nvCxnSpPr>
+            <p:cNvPr id="38" name="Straight Arrow Connector 37"/>
+            <p:cNvCxnSpPr/>
+            <p:nvPr/>
+          </p:nvCxnSpPr>
+          <p:spPr>
+            <a:xfrm flipV="1">
+              <a:off x="2467428" y="1596571"/>
+              <a:ext cx="0" cy="520096"/>
+            </a:xfrm>
+            <a:prstGeom prst="straightConnector1">
+              <a:avLst/>
+            </a:prstGeom>
+            <a:ln>
+              <a:solidFill>
+                <a:schemeClr val="bg1">
+                  <a:lumMod val="50000"/>
+                </a:schemeClr>
+              </a:solidFill>
+              <a:tailEnd type="arrow"/>
+            </a:ln>
+            <a:effectLst/>
+          </p:spPr>
+          <p:style>
+            <a:lnRef idx="2">
+              <a:schemeClr val="dk1"/>
+            </a:lnRef>
+            <a:fillRef idx="0">
+              <a:schemeClr val="dk1"/>
+            </a:fillRef>
+            <a:effectRef idx="1">
+              <a:schemeClr val="dk1"/>
+            </a:effectRef>
+            <a:fontRef idx="minor">
+              <a:schemeClr val="tx1"/>
+            </a:fontRef>
+          </p:style>
+        </p:cxnSp>
+        <p:cxnSp>
+          <p:nvCxnSpPr>
+            <p:cNvPr id="39" name="Straight Arrow Connector 38"/>
+            <p:cNvCxnSpPr/>
+            <p:nvPr/>
+          </p:nvCxnSpPr>
+          <p:spPr>
+            <a:xfrm rot="5400000" flipV="1">
+              <a:off x="2727476" y="1845733"/>
+              <a:ext cx="0" cy="520096"/>
+            </a:xfrm>
+            <a:prstGeom prst="straightConnector1">
+              <a:avLst/>
+            </a:prstGeom>
+            <a:ln>
+              <a:solidFill>
+                <a:schemeClr val="bg1">
+                  <a:lumMod val="50000"/>
+                </a:schemeClr>
+              </a:solidFill>
+              <a:tailEnd type="arrow"/>
+            </a:ln>
+            <a:effectLst/>
+          </p:spPr>
+          <p:style>
+            <a:lnRef idx="2">
+              <a:schemeClr val="dk1"/>
+            </a:lnRef>
+            <a:fillRef idx="0">
+              <a:schemeClr val="dk1"/>
+            </a:fillRef>
+            <a:effectRef idx="1">
+              <a:schemeClr val="dk1"/>
+            </a:effectRef>
+            <a:fontRef idx="minor">
+              <a:schemeClr val="tx1"/>
+            </a:fontRef>
+          </p:style>
+        </p:cxnSp>
+      </p:grpSp>
+      <p:sp>
+        <p:nvSpPr>
+          <p:cNvPr id="46" name="Right Arrow 45"/>
+          <p:cNvSpPr/>
+          <p:nvPr/>
+        </p:nvSpPr>
+        <p:spPr>
+          <a:xfrm>
+            <a:off x="3226741" y="1553323"/>
+            <a:ext cx="1476963" cy="1024314"/>
+          </a:xfrm>
+          <a:prstGeom prst="rightArrow">
+            <a:avLst/>
+          </a:prstGeom>
+        </p:spPr>
+        <p:style>
+          <a:lnRef idx="1">
+            <a:schemeClr val="dk1"/>
+          </a:lnRef>
+          <a:fillRef idx="3">
+            <a:schemeClr val="dk1"/>
+          </a:fillRef>
+          <a:effectRef idx="2">
+            <a:schemeClr val="dk1"/>
+          </a:effectRef>
+          <a:fontRef idx="minor">
+            <a:schemeClr val="lt1"/>
+          </a:fontRef>
+        </p:style>
+        <p:txBody>
+          <a:bodyPr rtlCol="0" anchor="ctr"/>
+          <a:lstStyle/>
+          <a:p>
+            <a:pPr algn="ctr"/>
+            <a:r>
+              <a:rPr lang="en-US" dirty="0" smtClean="0"/>
+              <a:t>Integration</a:t>
+            </a:r>
+            <a:endParaRPr lang="en-US" dirty="0"/>
+          </a:p>
+        </p:txBody>
+      </p:sp>
+      <p:sp>
+        <p:nvSpPr>
+          <p:cNvPr id="47" name="Oval 46"/>
+          <p:cNvSpPr/>
+          <p:nvPr/>
+        </p:nvSpPr>
+        <p:spPr>
+          <a:xfrm>
+            <a:off x="5743911" y="1602947"/>
+            <a:ext cx="100811" cy="100811"/>
+          </a:xfrm>
+          <a:prstGeom prst="ellipse">
+            <a:avLst/>
+          </a:prstGeom>
+          <a:solidFill>
+            <a:schemeClr val="tx1"/>
+          </a:solidFill>
+          <a:effectLst/>
+        </p:spPr>
+        <p:style>
+          <a:lnRef idx="1">
+            <a:schemeClr val="dk1"/>
+          </a:lnRef>
+          <a:fillRef idx="3">
+            <a:schemeClr val="dk1"/>
+          </a:fillRef>
+          <a:effectRef idx="2">
+            <a:schemeClr val="dk1"/>
+          </a:effectRef>
+          <a:fontRef idx="minor">
+            <a:schemeClr val="lt1"/>
+          </a:fontRef>
+        </p:style>
+        <p:txBody>
+          <a:bodyPr rtlCol="0" anchor="ctr"/>
+          <a:lstStyle/>
+          <a:p>
+            <a:pPr algn="ctr"/>
+            <a:endParaRPr lang="en-US"/>
+          </a:p>
+        </p:txBody>
+      </p:sp>
+      <p:sp>
+        <p:nvSpPr>
+          <p:cNvPr id="63" name="TextBox 62"/>
+          <p:cNvSpPr txBox="1"/>
+          <p:nvPr/>
+        </p:nvSpPr>
+        <p:spPr>
+          <a:xfrm>
+            <a:off x="5445580" y="1237097"/>
+            <a:ext cx="518716" cy="369332"/>
+          </a:xfrm>
+          <a:prstGeom prst="rect">
+            <a:avLst/>
+          </a:prstGeom>
+          <a:noFill/>
+        </p:spPr>
+        <p:txBody>
+          <a:bodyPr wrap="square" rtlCol="0">
+            <a:spAutoFit/>
+          </a:bodyPr>
+          <a:lstStyle/>
+          <a:p>
+            <a:r>
+              <a:rPr lang="en-US" dirty="0" smtClean="0"/>
+              <a:t>t=0</a:t>
+            </a:r>
+            <a:endParaRPr lang="en-US" baseline="-25000" dirty="0"/>
+          </a:p>
+        </p:txBody>
+      </p:sp>
+      <p:sp>
+        <p:nvSpPr>
+          <p:cNvPr id="64" name="TextBox 63"/>
+          <p:cNvSpPr txBox="1"/>
+          <p:nvPr/>
+        </p:nvSpPr>
+        <p:spPr>
+          <a:xfrm>
+            <a:off x="7041040" y="1817891"/>
+            <a:ext cx="518716" cy="369332"/>
+          </a:xfrm>
+          <a:prstGeom prst="rect">
+            <a:avLst/>
+          </a:prstGeom>
+          <a:noFill/>
+        </p:spPr>
+        <p:txBody>
+          <a:bodyPr wrap="square" rtlCol="0">
+            <a:spAutoFit/>
+          </a:bodyPr>
+          <a:lstStyle/>
+          <a:p>
+            <a:r>
+              <a:rPr lang="en-US" dirty="0" smtClean="0"/>
+              <a:t>t&gt;0</a:t>
+            </a:r>
+            <a:endParaRPr lang="en-US" baseline="-25000" dirty="0"/>
+          </a:p>
+        </p:txBody>
+      </p:sp>
+      <p:cxnSp>
+        <p:nvCxnSpPr>
+          <p:cNvPr id="31" name="Straight Arrow Connector 30"/>
+          <p:cNvCxnSpPr/>
+          <p:nvPr/>
+        </p:nvCxnSpPr>
+        <p:spPr>
+          <a:xfrm>
+            <a:off x="5794962" y="1668782"/>
+            <a:ext cx="1505436" cy="720699"/>
+          </a:xfrm>
+          <a:prstGeom prst="straightConnector1">
+            <a:avLst/>
+          </a:prstGeom>
+          <a:ln w="28575" cmpd="sng">
+            <a:prstDash val="dash"/>
+            <a:tailEnd type="arrow"/>
+          </a:ln>
+          <a:effectLst/>
+        </p:spPr>
+        <p:style>
+          <a:lnRef idx="2">
+            <a:schemeClr val="dk1"/>
+          </a:lnRef>
+          <a:fillRef idx="0">
+            <a:schemeClr val="dk1"/>
+          </a:fillRef>
+          <a:effectRef idx="1">
+            <a:schemeClr val="dk1"/>
+          </a:effectRef>
+          <a:fontRef idx="minor">
+            <a:schemeClr val="tx1"/>
+          </a:fontRef>
+        </p:style>
+      </p:cxnSp>
+    </p:spTree>
+    <p:extLst>
+      <p:ext uri="{BB962C8B-B14F-4D97-AF65-F5344CB8AC3E}">
+        <p14:creationId xmlns:p14="http://schemas.microsoft.com/office/powerpoint/2010/main" val="2294981694"/>
+      </p:ext>
+    </p:extLst>
+  </p:cSld>
+  <p:clrMapOvr>
+    <a:masterClrMapping/>
+  </p:clrMapOvr>
+</p:sld>
+</file>
+
+<file path=ppt/slides/slide4.xml><?xml version="1.0" encoding="utf-8"?>
 <p:sld xmlns:a="http://schemas.openxmlformats.org/drawingml/2006/main" xmlns:r="http://schemas.openxmlformats.org/officeDocument/2006/relationships" xmlns:p="http://schemas.openxmlformats.org/presentationml/2006/main">
   <p:cSld>
     <p:spTree>

--- a/figures/figures.pptx
+++ b/figures/figures.pptx
@@ -8,7 +8,9 @@
     <p:sldId id="256" r:id="rId2"/>
     <p:sldId id="257" r:id="rId3"/>
     <p:sldId id="259" r:id="rId4"/>
-    <p:sldId id="258" r:id="rId5"/>
+    <p:sldId id="260" r:id="rId5"/>
+    <p:sldId id="258" r:id="rId6"/>
+    <p:sldId id="261" r:id="rId7"/>
   </p:sldIdLst>
   <p:sldSz cx="9144000" cy="6858000" type="screen4x3"/>
   <p:notesSz cx="6858000" cy="9144000"/>
@@ -4737,6 +4739,898 @@
 </file>
 
 <file path=ppt/slides/slide4.xml><?xml version="1.0" encoding="utf-8"?>
+<p:sld xmlns:a="http://schemas.openxmlformats.org/drawingml/2006/main" xmlns:r="http://schemas.openxmlformats.org/officeDocument/2006/relationships" xmlns:p="http://schemas.openxmlformats.org/presentationml/2006/main">
+  <p:cSld>
+    <p:spTree>
+      <p:nvGrpSpPr>
+        <p:cNvPr id="1" name=""/>
+        <p:cNvGrpSpPr/>
+        <p:nvPr/>
+      </p:nvGrpSpPr>
+      <p:grpSpPr>
+        <a:xfrm>
+          <a:off x="0" y="0"/>
+          <a:ext cx="0" cy="0"/>
+          <a:chOff x="0" y="0"/>
+          <a:chExt cx="0" cy="0"/>
+        </a:xfrm>
+      </p:grpSpPr>
+      <p:cxnSp>
+        <p:nvCxnSpPr>
+          <p:cNvPr id="33" name="Straight Arrow Connector 32"/>
+          <p:cNvCxnSpPr/>
+          <p:nvPr/>
+        </p:nvCxnSpPr>
+        <p:spPr>
+          <a:xfrm flipV="1">
+            <a:off x="862061" y="238606"/>
+            <a:ext cx="2899018" cy="1579285"/>
+          </a:xfrm>
+          <a:prstGeom prst="straightConnector1">
+            <a:avLst/>
+          </a:prstGeom>
+          <a:ln w="28575" cmpd="sng">
+            <a:solidFill>
+              <a:srgbClr val="7F7F7F"/>
+            </a:solidFill>
+            <a:prstDash val="dash"/>
+            <a:headEnd type="none"/>
+            <a:tailEnd type="none"/>
+          </a:ln>
+          <a:effectLst/>
+        </p:spPr>
+        <p:style>
+          <a:lnRef idx="2">
+            <a:schemeClr val="dk1"/>
+          </a:lnRef>
+          <a:fillRef idx="0">
+            <a:schemeClr val="dk1"/>
+          </a:fillRef>
+          <a:effectRef idx="1">
+            <a:schemeClr val="dk1"/>
+          </a:effectRef>
+          <a:fontRef idx="minor">
+            <a:schemeClr val="tx1"/>
+          </a:fontRef>
+        </p:style>
+      </p:cxnSp>
+      <p:sp>
+        <p:nvSpPr>
+          <p:cNvPr id="7" name="Oval 6"/>
+          <p:cNvSpPr/>
+          <p:nvPr/>
+        </p:nvSpPr>
+        <p:spPr>
+          <a:xfrm>
+            <a:off x="2286000" y="418652"/>
+            <a:ext cx="1636889" cy="1636889"/>
+          </a:xfrm>
+          <a:prstGeom prst="ellipse">
+            <a:avLst/>
+          </a:prstGeom>
+          <a:noFill/>
+          <a:ln w="28575" cmpd="sng"/>
+        </p:spPr>
+        <p:style>
+          <a:lnRef idx="2">
+            <a:schemeClr val="dk1"/>
+          </a:lnRef>
+          <a:fillRef idx="1">
+            <a:schemeClr val="lt1"/>
+          </a:fillRef>
+          <a:effectRef idx="0">
+            <a:schemeClr val="dk1"/>
+          </a:effectRef>
+          <a:fontRef idx="minor">
+            <a:schemeClr val="dk1"/>
+          </a:fontRef>
+        </p:style>
+        <p:txBody>
+          <a:bodyPr rtlCol="0" anchor="ctr"/>
+          <a:lstStyle/>
+          <a:p>
+            <a:pPr algn="ctr"/>
+            <a:endParaRPr lang="en-US"/>
+          </a:p>
+        </p:txBody>
+      </p:sp>
+      <p:grpSp>
+        <p:nvGrpSpPr>
+          <p:cNvPr id="14" name="Group 13"/>
+          <p:cNvGrpSpPr/>
+          <p:nvPr/>
+        </p:nvGrpSpPr>
+        <p:grpSpPr>
+          <a:xfrm>
+            <a:off x="1366762" y="2116667"/>
+            <a:ext cx="520096" cy="520096"/>
+            <a:chOff x="2467428" y="1596571"/>
+            <a:chExt cx="520096" cy="520096"/>
+          </a:xfrm>
+        </p:grpSpPr>
+        <p:cxnSp>
+          <p:nvCxnSpPr>
+            <p:cNvPr id="10" name="Straight Arrow Connector 9"/>
+            <p:cNvCxnSpPr/>
+            <p:nvPr/>
+          </p:nvCxnSpPr>
+          <p:spPr>
+            <a:xfrm flipV="1">
+              <a:off x="2467428" y="1596571"/>
+              <a:ext cx="0" cy="520096"/>
+            </a:xfrm>
+            <a:prstGeom prst="straightConnector1">
+              <a:avLst/>
+            </a:prstGeom>
+            <a:ln>
+              <a:solidFill>
+                <a:schemeClr val="bg1">
+                  <a:lumMod val="50000"/>
+                </a:schemeClr>
+              </a:solidFill>
+              <a:tailEnd type="arrow"/>
+            </a:ln>
+            <a:effectLst/>
+          </p:spPr>
+          <p:style>
+            <a:lnRef idx="2">
+              <a:schemeClr val="dk1"/>
+            </a:lnRef>
+            <a:fillRef idx="0">
+              <a:schemeClr val="dk1"/>
+            </a:fillRef>
+            <a:effectRef idx="1">
+              <a:schemeClr val="dk1"/>
+            </a:effectRef>
+            <a:fontRef idx="minor">
+              <a:schemeClr val="tx1"/>
+            </a:fontRef>
+          </p:style>
+        </p:cxnSp>
+        <p:cxnSp>
+          <p:nvCxnSpPr>
+            <p:cNvPr id="11" name="Straight Arrow Connector 10"/>
+            <p:cNvCxnSpPr/>
+            <p:nvPr/>
+          </p:nvCxnSpPr>
+          <p:spPr>
+            <a:xfrm rot="5400000" flipV="1">
+              <a:off x="2727476" y="1845733"/>
+              <a:ext cx="0" cy="520096"/>
+            </a:xfrm>
+            <a:prstGeom prst="straightConnector1">
+              <a:avLst/>
+            </a:prstGeom>
+            <a:ln>
+              <a:solidFill>
+                <a:schemeClr val="bg1">
+                  <a:lumMod val="50000"/>
+                </a:schemeClr>
+              </a:solidFill>
+              <a:tailEnd type="arrow"/>
+            </a:ln>
+            <a:effectLst/>
+          </p:spPr>
+          <p:style>
+            <a:lnRef idx="2">
+              <a:schemeClr val="dk1"/>
+            </a:lnRef>
+            <a:fillRef idx="0">
+              <a:schemeClr val="dk1"/>
+            </a:fillRef>
+            <a:effectRef idx="1">
+              <a:schemeClr val="dk1"/>
+            </a:effectRef>
+            <a:fontRef idx="minor">
+              <a:schemeClr val="tx1"/>
+            </a:fontRef>
+          </p:style>
+        </p:cxnSp>
+      </p:grpSp>
+      <p:cxnSp>
+        <p:nvCxnSpPr>
+          <p:cNvPr id="20" name="Straight Arrow Connector 19"/>
+          <p:cNvCxnSpPr/>
+          <p:nvPr/>
+        </p:nvCxnSpPr>
+        <p:spPr>
+          <a:xfrm flipV="1">
+            <a:off x="1366762" y="1237097"/>
+            <a:ext cx="1775312" cy="1399668"/>
+          </a:xfrm>
+          <a:prstGeom prst="straightConnector1">
+            <a:avLst/>
+          </a:prstGeom>
+          <a:ln w="28575" cmpd="sng">
+            <a:tailEnd type="arrow"/>
+          </a:ln>
+          <a:effectLst/>
+        </p:spPr>
+        <p:style>
+          <a:lnRef idx="2">
+            <a:schemeClr val="dk1"/>
+          </a:lnRef>
+          <a:fillRef idx="0">
+            <a:schemeClr val="dk1"/>
+          </a:fillRef>
+          <a:effectRef idx="1">
+            <a:schemeClr val="dk1"/>
+          </a:effectRef>
+          <a:fontRef idx="minor">
+            <a:schemeClr val="tx1"/>
+          </a:fontRef>
+        </p:style>
+      </p:cxnSp>
+      <p:sp>
+        <p:nvSpPr>
+          <p:cNvPr id="24" name="TextBox 23"/>
+          <p:cNvSpPr txBox="1"/>
+          <p:nvPr/>
+        </p:nvSpPr>
+        <p:spPr>
+          <a:xfrm>
+            <a:off x="2001762" y="1598039"/>
+            <a:ext cx="399142" cy="369332"/>
+          </a:xfrm>
+          <a:prstGeom prst="rect">
+            <a:avLst/>
+          </a:prstGeom>
+          <a:noFill/>
+        </p:spPr>
+        <p:txBody>
+          <a:bodyPr wrap="square" rtlCol="0">
+            <a:spAutoFit/>
+          </a:bodyPr>
+          <a:lstStyle/>
+          <a:p>
+            <a:r>
+              <a:rPr lang="en-US" dirty="0" smtClean="0"/>
+              <a:t>C</a:t>
+            </a:r>
+            <a:endParaRPr lang="en-US" baseline="-25000" dirty="0"/>
+          </a:p>
+        </p:txBody>
+      </p:sp>
+      <p:cxnSp>
+        <p:nvCxnSpPr>
+          <p:cNvPr id="25" name="Straight Arrow Connector 24"/>
+          <p:cNvCxnSpPr>
+            <a:endCxn id="7" idx="6"/>
+          </p:cNvCxnSpPr>
+          <p:nvPr/>
+        </p:nvCxnSpPr>
+        <p:spPr>
+          <a:xfrm>
+            <a:off x="3142074" y="1237097"/>
+            <a:ext cx="780815" cy="0"/>
+          </a:xfrm>
+          <a:prstGeom prst="straightConnector1">
+            <a:avLst/>
+          </a:prstGeom>
+          <a:ln w="28575" cmpd="sng">
+            <a:tailEnd type="arrow"/>
+          </a:ln>
+          <a:effectLst/>
+        </p:spPr>
+        <p:style>
+          <a:lnRef idx="2">
+            <a:schemeClr val="dk1"/>
+          </a:lnRef>
+          <a:fillRef idx="0">
+            <a:schemeClr val="dk1"/>
+          </a:fillRef>
+          <a:effectRef idx="1">
+            <a:schemeClr val="dk1"/>
+          </a:effectRef>
+          <a:fontRef idx="minor">
+            <a:schemeClr val="tx1"/>
+          </a:fontRef>
+        </p:style>
+      </p:cxnSp>
+      <p:sp>
+        <p:nvSpPr>
+          <p:cNvPr id="28" name="TextBox 27"/>
+          <p:cNvSpPr txBox="1"/>
+          <p:nvPr/>
+        </p:nvSpPr>
+        <p:spPr>
+          <a:xfrm>
+            <a:off x="3338954" y="886579"/>
+            <a:ext cx="362856" cy="369332"/>
+          </a:xfrm>
+          <a:prstGeom prst="rect">
+            <a:avLst/>
+          </a:prstGeom>
+          <a:noFill/>
+        </p:spPr>
+        <p:txBody>
+          <a:bodyPr wrap="square" rtlCol="0">
+            <a:spAutoFit/>
+          </a:bodyPr>
+          <a:lstStyle/>
+          <a:p>
+            <a:r>
+              <a:rPr lang="en-US" dirty="0" smtClean="0"/>
+              <a:t>r</a:t>
+            </a:r>
+            <a:endParaRPr lang="en-US" baseline="-25000" dirty="0"/>
+          </a:p>
+        </p:txBody>
+      </p:sp>
+      <p:grpSp>
+        <p:nvGrpSpPr>
+          <p:cNvPr id="37" name="Group 36"/>
+          <p:cNvGrpSpPr/>
+          <p:nvPr/>
+        </p:nvGrpSpPr>
+        <p:grpSpPr>
+          <a:xfrm>
+            <a:off x="4864496" y="2117574"/>
+            <a:ext cx="520096" cy="520096"/>
+            <a:chOff x="2467428" y="1596571"/>
+            <a:chExt cx="520096" cy="520096"/>
+          </a:xfrm>
+        </p:grpSpPr>
+        <p:cxnSp>
+          <p:nvCxnSpPr>
+            <p:cNvPr id="38" name="Straight Arrow Connector 37"/>
+            <p:cNvCxnSpPr/>
+            <p:nvPr/>
+          </p:nvCxnSpPr>
+          <p:spPr>
+            <a:xfrm flipV="1">
+              <a:off x="2467428" y="1596571"/>
+              <a:ext cx="0" cy="520096"/>
+            </a:xfrm>
+            <a:prstGeom prst="straightConnector1">
+              <a:avLst/>
+            </a:prstGeom>
+            <a:ln>
+              <a:solidFill>
+                <a:schemeClr val="bg1">
+                  <a:lumMod val="50000"/>
+                </a:schemeClr>
+              </a:solidFill>
+              <a:tailEnd type="arrow"/>
+            </a:ln>
+            <a:effectLst/>
+          </p:spPr>
+          <p:style>
+            <a:lnRef idx="2">
+              <a:schemeClr val="dk1"/>
+            </a:lnRef>
+            <a:fillRef idx="0">
+              <a:schemeClr val="dk1"/>
+            </a:fillRef>
+            <a:effectRef idx="1">
+              <a:schemeClr val="dk1"/>
+            </a:effectRef>
+            <a:fontRef idx="minor">
+              <a:schemeClr val="tx1"/>
+            </a:fontRef>
+          </p:style>
+        </p:cxnSp>
+        <p:cxnSp>
+          <p:nvCxnSpPr>
+            <p:cNvPr id="39" name="Straight Arrow Connector 38"/>
+            <p:cNvCxnSpPr/>
+            <p:nvPr/>
+          </p:nvCxnSpPr>
+          <p:spPr>
+            <a:xfrm rot="5400000" flipV="1">
+              <a:off x="2727476" y="1845733"/>
+              <a:ext cx="0" cy="520096"/>
+            </a:xfrm>
+            <a:prstGeom prst="straightConnector1">
+              <a:avLst/>
+            </a:prstGeom>
+            <a:ln>
+              <a:solidFill>
+                <a:schemeClr val="bg1">
+                  <a:lumMod val="50000"/>
+                </a:schemeClr>
+              </a:solidFill>
+              <a:tailEnd type="arrow"/>
+            </a:ln>
+            <a:effectLst/>
+          </p:spPr>
+          <p:style>
+            <a:lnRef idx="2">
+              <a:schemeClr val="dk1"/>
+            </a:lnRef>
+            <a:fillRef idx="0">
+              <a:schemeClr val="dk1"/>
+            </a:fillRef>
+            <a:effectRef idx="1">
+              <a:schemeClr val="dk1"/>
+            </a:effectRef>
+            <a:fontRef idx="minor">
+              <a:schemeClr val="tx1"/>
+            </a:fontRef>
+          </p:style>
+        </p:cxnSp>
+      </p:grpSp>
+      <p:sp>
+        <p:nvSpPr>
+          <p:cNvPr id="47" name="Oval 46"/>
+          <p:cNvSpPr/>
+          <p:nvPr/>
+        </p:nvSpPr>
+        <p:spPr>
+          <a:xfrm>
+            <a:off x="6400800" y="2057400"/>
+            <a:ext cx="100811" cy="100811"/>
+          </a:xfrm>
+          <a:prstGeom prst="ellipse">
+            <a:avLst/>
+          </a:prstGeom>
+          <a:solidFill>
+            <a:schemeClr val="tx1"/>
+          </a:solidFill>
+          <a:effectLst/>
+        </p:spPr>
+        <p:style>
+          <a:lnRef idx="1">
+            <a:schemeClr val="dk1"/>
+          </a:lnRef>
+          <a:fillRef idx="3">
+            <a:schemeClr val="dk1"/>
+          </a:fillRef>
+          <a:effectRef idx="2">
+            <a:schemeClr val="dk1"/>
+          </a:effectRef>
+          <a:fontRef idx="minor">
+            <a:schemeClr val="lt1"/>
+          </a:fontRef>
+        </p:style>
+        <p:txBody>
+          <a:bodyPr rtlCol="0" anchor="ctr"/>
+          <a:lstStyle/>
+          <a:p>
+            <a:pPr algn="ctr"/>
+            <a:endParaRPr lang="en-US"/>
+          </a:p>
+        </p:txBody>
+      </p:sp>
+      <p:sp>
+        <p:nvSpPr>
+          <p:cNvPr id="63" name="TextBox 62"/>
+          <p:cNvSpPr txBox="1"/>
+          <p:nvPr/>
+        </p:nvSpPr>
+        <p:spPr>
+          <a:xfrm>
+            <a:off x="5445580" y="1237097"/>
+            <a:ext cx="518716" cy="369332"/>
+          </a:xfrm>
+          <a:prstGeom prst="rect">
+            <a:avLst/>
+          </a:prstGeom>
+          <a:noFill/>
+        </p:spPr>
+        <p:txBody>
+          <a:bodyPr wrap="square" rtlCol="0">
+            <a:spAutoFit/>
+          </a:bodyPr>
+          <a:lstStyle/>
+          <a:p>
+            <a:r>
+              <a:rPr lang="en-US" dirty="0" smtClean="0"/>
+              <a:t>t=0</a:t>
+            </a:r>
+            <a:endParaRPr lang="en-US" baseline="-25000" dirty="0"/>
+          </a:p>
+        </p:txBody>
+      </p:sp>
+      <p:sp>
+        <p:nvSpPr>
+          <p:cNvPr id="64" name="TextBox 63"/>
+          <p:cNvSpPr txBox="1"/>
+          <p:nvPr/>
+        </p:nvSpPr>
+        <p:spPr>
+          <a:xfrm>
+            <a:off x="7041040" y="1817891"/>
+            <a:ext cx="518716" cy="369332"/>
+          </a:xfrm>
+          <a:prstGeom prst="rect">
+            <a:avLst/>
+          </a:prstGeom>
+          <a:noFill/>
+        </p:spPr>
+        <p:txBody>
+          <a:bodyPr wrap="square" rtlCol="0">
+            <a:spAutoFit/>
+          </a:bodyPr>
+          <a:lstStyle/>
+          <a:p>
+            <a:r>
+              <a:rPr lang="en-US" dirty="0" smtClean="0"/>
+              <a:t>t&gt;0</a:t>
+            </a:r>
+            <a:endParaRPr lang="en-US" baseline="-25000" dirty="0"/>
+          </a:p>
+        </p:txBody>
+      </p:sp>
+      <p:cxnSp>
+        <p:nvCxnSpPr>
+          <p:cNvPr id="31" name="Straight Arrow Connector 30"/>
+          <p:cNvCxnSpPr/>
+          <p:nvPr/>
+        </p:nvCxnSpPr>
+        <p:spPr>
+          <a:xfrm>
+            <a:off x="5794962" y="1668782"/>
+            <a:ext cx="1505436" cy="720699"/>
+          </a:xfrm>
+          <a:prstGeom prst="straightConnector1">
+            <a:avLst/>
+          </a:prstGeom>
+          <a:ln w="28575" cmpd="sng">
+            <a:prstDash val="dash"/>
+            <a:tailEnd type="arrow"/>
+          </a:ln>
+          <a:effectLst/>
+        </p:spPr>
+        <p:style>
+          <a:lnRef idx="2">
+            <a:schemeClr val="dk1"/>
+          </a:lnRef>
+          <a:fillRef idx="0">
+            <a:schemeClr val="dk1"/>
+          </a:fillRef>
+          <a:effectRef idx="1">
+            <a:schemeClr val="dk1"/>
+          </a:effectRef>
+          <a:fontRef idx="minor">
+            <a:schemeClr val="tx1"/>
+          </a:fontRef>
+        </p:style>
+      </p:cxnSp>
+      <p:sp>
+        <p:nvSpPr>
+          <p:cNvPr id="26" name="Oval 25"/>
+          <p:cNvSpPr/>
+          <p:nvPr/>
+        </p:nvSpPr>
+        <p:spPr>
+          <a:xfrm>
+            <a:off x="3092024" y="1214659"/>
+            <a:ext cx="73149" cy="73152"/>
+          </a:xfrm>
+          <a:prstGeom prst="ellipse">
+            <a:avLst/>
+          </a:prstGeom>
+          <a:solidFill>
+            <a:schemeClr val="tx1"/>
+          </a:solidFill>
+          <a:effectLst/>
+        </p:spPr>
+        <p:style>
+          <a:lnRef idx="1">
+            <a:schemeClr val="dk1"/>
+          </a:lnRef>
+          <a:fillRef idx="3">
+            <a:schemeClr val="dk1"/>
+          </a:fillRef>
+          <a:effectRef idx="2">
+            <a:schemeClr val="dk1"/>
+          </a:effectRef>
+          <a:fontRef idx="minor">
+            <a:schemeClr val="lt1"/>
+          </a:fontRef>
+        </p:style>
+        <p:txBody>
+          <a:bodyPr rtlCol="0" anchor="ctr"/>
+          <a:lstStyle/>
+          <a:p>
+            <a:pPr algn="ctr"/>
+            <a:endParaRPr lang="en-US"/>
+          </a:p>
+        </p:txBody>
+      </p:sp>
+      <p:cxnSp>
+        <p:nvCxnSpPr>
+          <p:cNvPr id="27" name="Straight Arrow Connector 26"/>
+          <p:cNvCxnSpPr/>
+          <p:nvPr/>
+        </p:nvCxnSpPr>
+        <p:spPr>
+          <a:xfrm flipH="1" flipV="1">
+            <a:off x="862061" y="1795379"/>
+            <a:ext cx="504701" cy="841386"/>
+          </a:xfrm>
+          <a:prstGeom prst="straightConnector1">
+            <a:avLst/>
+          </a:prstGeom>
+          <a:ln w="28575" cmpd="sng">
+            <a:tailEnd type="arrow"/>
+          </a:ln>
+          <a:effectLst/>
+        </p:spPr>
+        <p:style>
+          <a:lnRef idx="2">
+            <a:schemeClr val="dk1"/>
+          </a:lnRef>
+          <a:fillRef idx="0">
+            <a:schemeClr val="dk1"/>
+          </a:fillRef>
+          <a:effectRef idx="1">
+            <a:schemeClr val="dk1"/>
+          </a:effectRef>
+          <a:fontRef idx="minor">
+            <a:schemeClr val="tx1"/>
+          </a:fontRef>
+        </p:style>
+      </p:cxnSp>
+      <p:sp>
+        <p:nvSpPr>
+          <p:cNvPr id="29" name="TextBox 28"/>
+          <p:cNvSpPr txBox="1"/>
+          <p:nvPr/>
+        </p:nvSpPr>
+        <p:spPr>
+          <a:xfrm>
+            <a:off x="748258" y="2020149"/>
+            <a:ext cx="399142" cy="369332"/>
+          </a:xfrm>
+          <a:prstGeom prst="rect">
+            <a:avLst/>
+          </a:prstGeom>
+          <a:noFill/>
+        </p:spPr>
+        <p:txBody>
+          <a:bodyPr wrap="square" rtlCol="0">
+            <a:spAutoFit/>
+          </a:bodyPr>
+          <a:lstStyle/>
+          <a:p>
+            <a:r>
+              <a:rPr lang="en-US" dirty="0" smtClean="0"/>
+              <a:t>X</a:t>
+            </a:r>
+            <a:r>
+              <a:rPr lang="en-US" baseline="-25000" dirty="0" smtClean="0"/>
+              <a:t>0</a:t>
+            </a:r>
+            <a:endParaRPr lang="en-US" baseline="-25000" dirty="0"/>
+          </a:p>
+        </p:txBody>
+      </p:sp>
+      <p:cxnSp>
+        <p:nvCxnSpPr>
+          <p:cNvPr id="30" name="Straight Arrow Connector 29"/>
+          <p:cNvCxnSpPr/>
+          <p:nvPr/>
+        </p:nvCxnSpPr>
+        <p:spPr>
+          <a:xfrm flipV="1">
+            <a:off x="862061" y="1408545"/>
+            <a:ext cx="751417" cy="409346"/>
+          </a:xfrm>
+          <a:prstGeom prst="straightConnector1">
+            <a:avLst/>
+          </a:prstGeom>
+          <a:ln w="28575" cmpd="sng">
+            <a:tailEnd type="arrow"/>
+          </a:ln>
+          <a:effectLst/>
+        </p:spPr>
+        <p:style>
+          <a:lnRef idx="2">
+            <a:schemeClr val="dk1"/>
+          </a:lnRef>
+          <a:fillRef idx="0">
+            <a:schemeClr val="dk1"/>
+          </a:fillRef>
+          <a:effectRef idx="1">
+            <a:schemeClr val="dk1"/>
+          </a:effectRef>
+          <a:fontRef idx="minor">
+            <a:schemeClr val="tx1"/>
+          </a:fontRef>
+        </p:style>
+      </p:cxnSp>
+      <p:sp>
+        <p:nvSpPr>
+          <p:cNvPr id="32" name="TextBox 31"/>
+          <p:cNvSpPr txBox="1"/>
+          <p:nvPr/>
+        </p:nvSpPr>
+        <p:spPr>
+          <a:xfrm>
+            <a:off x="947829" y="1275830"/>
+            <a:ext cx="399142" cy="369332"/>
+          </a:xfrm>
+          <a:prstGeom prst="rect">
+            <a:avLst/>
+          </a:prstGeom>
+          <a:noFill/>
+        </p:spPr>
+        <p:txBody>
+          <a:bodyPr wrap="square" rtlCol="0">
+            <a:spAutoFit/>
+          </a:bodyPr>
+          <a:lstStyle/>
+          <a:p>
+            <a:r>
+              <a:rPr lang="en-US" dirty="0" smtClean="0"/>
+              <a:t>v</a:t>
+            </a:r>
+            <a:r>
+              <a:rPr lang="en-US" baseline="-25000" dirty="0" smtClean="0"/>
+              <a:t>0</a:t>
+            </a:r>
+            <a:endParaRPr lang="en-US" baseline="-25000" dirty="0"/>
+          </a:p>
+        </p:txBody>
+      </p:sp>
+      <p:sp>
+        <p:nvSpPr>
+          <p:cNvPr id="34" name="Oval 33"/>
+          <p:cNvSpPr/>
+          <p:nvPr/>
+        </p:nvSpPr>
+        <p:spPr>
+          <a:xfrm>
+            <a:off x="3329091" y="420328"/>
+            <a:ext cx="73149" cy="73152"/>
+          </a:xfrm>
+          <a:prstGeom prst="ellipse">
+            <a:avLst/>
+          </a:prstGeom>
+          <a:solidFill>
+            <a:schemeClr val="tx1"/>
+          </a:solidFill>
+          <a:effectLst/>
+        </p:spPr>
+        <p:style>
+          <a:lnRef idx="1">
+            <a:schemeClr val="dk1"/>
+          </a:lnRef>
+          <a:fillRef idx="3">
+            <a:schemeClr val="dk1"/>
+          </a:fillRef>
+          <a:effectRef idx="2">
+            <a:schemeClr val="dk1"/>
+          </a:effectRef>
+          <a:fontRef idx="minor">
+            <a:schemeClr val="lt1"/>
+          </a:fontRef>
+        </p:style>
+        <p:txBody>
+          <a:bodyPr rtlCol="0" anchor="ctr"/>
+          <a:lstStyle/>
+          <a:p>
+            <a:pPr algn="ctr"/>
+            <a:endParaRPr lang="en-US"/>
+          </a:p>
+        </p:txBody>
+      </p:sp>
+      <p:sp>
+        <p:nvSpPr>
+          <p:cNvPr id="35" name="Oval 34"/>
+          <p:cNvSpPr/>
+          <p:nvPr/>
+        </p:nvSpPr>
+        <p:spPr>
+          <a:xfrm>
+            <a:off x="2282299" y="989906"/>
+            <a:ext cx="73149" cy="73152"/>
+          </a:xfrm>
+          <a:prstGeom prst="ellipse">
+            <a:avLst/>
+          </a:prstGeom>
+          <a:solidFill>
+            <a:schemeClr val="tx1"/>
+          </a:solidFill>
+          <a:effectLst/>
+        </p:spPr>
+        <p:style>
+          <a:lnRef idx="1">
+            <a:schemeClr val="dk1"/>
+          </a:lnRef>
+          <a:fillRef idx="3">
+            <a:schemeClr val="dk1"/>
+          </a:fillRef>
+          <a:effectRef idx="2">
+            <a:schemeClr val="dk1"/>
+          </a:effectRef>
+          <a:fontRef idx="minor">
+            <a:schemeClr val="lt1"/>
+          </a:fontRef>
+        </p:style>
+        <p:txBody>
+          <a:bodyPr rtlCol="0" anchor="ctr"/>
+          <a:lstStyle/>
+          <a:p>
+            <a:pPr algn="ctr"/>
+            <a:endParaRPr lang="en-US"/>
+          </a:p>
+        </p:txBody>
+      </p:sp>
+      <p:sp>
+        <p:nvSpPr>
+          <p:cNvPr id="36" name="TextBox 35"/>
+          <p:cNvSpPr txBox="1"/>
+          <p:nvPr/>
+        </p:nvSpPr>
+        <p:spPr>
+          <a:xfrm>
+            <a:off x="2026642" y="693726"/>
+            <a:ext cx="518716" cy="369332"/>
+          </a:xfrm>
+          <a:prstGeom prst="rect">
+            <a:avLst/>
+          </a:prstGeom>
+          <a:noFill/>
+        </p:spPr>
+        <p:txBody>
+          <a:bodyPr wrap="square" rtlCol="0">
+            <a:spAutoFit/>
+          </a:bodyPr>
+          <a:lstStyle/>
+          <a:p>
+            <a:r>
+              <a:rPr lang="en-US" dirty="0" smtClean="0"/>
+              <a:t>t</a:t>
+            </a:r>
+            <a:r>
+              <a:rPr lang="en-US" baseline="-25000" dirty="0" smtClean="0"/>
+              <a:t>1</a:t>
+            </a:r>
+            <a:endParaRPr lang="en-US" baseline="-25000" dirty="0"/>
+          </a:p>
+        </p:txBody>
+      </p:sp>
+      <p:sp>
+        <p:nvSpPr>
+          <p:cNvPr id="40" name="TextBox 39"/>
+          <p:cNvSpPr txBox="1"/>
+          <p:nvPr/>
+        </p:nvSpPr>
+        <p:spPr>
+          <a:xfrm>
+            <a:off x="3211575" y="48779"/>
+            <a:ext cx="518716" cy="369332"/>
+          </a:xfrm>
+          <a:prstGeom prst="rect">
+            <a:avLst/>
+          </a:prstGeom>
+          <a:noFill/>
+        </p:spPr>
+        <p:txBody>
+          <a:bodyPr wrap="square" rtlCol="0">
+            <a:spAutoFit/>
+          </a:bodyPr>
+          <a:lstStyle/>
+          <a:p>
+            <a:r>
+              <a:rPr lang="en-US" dirty="0" smtClean="0"/>
+              <a:t>t</a:t>
+            </a:r>
+            <a:r>
+              <a:rPr lang="en-US" baseline="-25000" dirty="0" smtClean="0"/>
+              <a:t>2</a:t>
+            </a:r>
+            <a:endParaRPr lang="en-US" baseline="-25000" dirty="0"/>
+          </a:p>
+        </p:txBody>
+      </p:sp>
+    </p:spTree>
+    <p:extLst>
+      <p:ext uri="{BB962C8B-B14F-4D97-AF65-F5344CB8AC3E}">
+        <p14:creationId xmlns:p14="http://schemas.microsoft.com/office/powerpoint/2010/main" val="2478527929"/>
+      </p:ext>
+    </p:extLst>
+  </p:cSld>
+  <p:clrMapOvr>
+    <a:masterClrMapping/>
+  </p:clrMapOvr>
+</p:sld>
+</file>
+
+<file path=ppt/slides/slide5.xml><?xml version="1.0" encoding="utf-8"?>
 <p:sld xmlns:a="http://schemas.openxmlformats.org/drawingml/2006/main" xmlns:r="http://schemas.openxmlformats.org/officeDocument/2006/relationships" xmlns:p="http://schemas.openxmlformats.org/presentationml/2006/main">
   <p:cSld>
     <p:spTree>
@@ -5706,6 +6600,902 @@
 </p:sld>
 </file>
 
+<file path=ppt/slides/slide6.xml><?xml version="1.0" encoding="utf-8"?>
+<p:sld xmlns:a="http://schemas.openxmlformats.org/drawingml/2006/main" xmlns:r="http://schemas.openxmlformats.org/officeDocument/2006/relationships" xmlns:p="http://schemas.openxmlformats.org/presentationml/2006/main">
+  <p:cSld>
+    <p:spTree>
+      <p:nvGrpSpPr>
+        <p:cNvPr id="1" name=""/>
+        <p:cNvGrpSpPr/>
+        <p:nvPr/>
+      </p:nvGrpSpPr>
+      <p:grpSpPr>
+        <a:xfrm>
+          <a:off x="0" y="0"/>
+          <a:ext cx="0" cy="0"/>
+          <a:chOff x="0" y="0"/>
+          <a:chExt cx="0" cy="0"/>
+        </a:xfrm>
+      </p:grpSpPr>
+      <p:sp>
+        <p:nvSpPr>
+          <p:cNvPr id="64" name="Freeform 63"/>
+          <p:cNvSpPr/>
+          <p:nvPr/>
+        </p:nvSpPr>
+        <p:spPr>
+          <a:xfrm rot="1049416">
+            <a:off x="5434802" y="1826749"/>
+            <a:ext cx="2724728" cy="1177063"/>
+          </a:xfrm>
+          <a:custGeom>
+            <a:avLst/>
+            <a:gdLst>
+              <a:gd name="connsiteX0" fmla="*/ 0 w 3009516"/>
+              <a:gd name="connsiteY0" fmla="*/ 638849 h 1585576"/>
+              <a:gd name="connsiteX1" fmla="*/ 284788 w 3009516"/>
+              <a:gd name="connsiteY1" fmla="*/ 0 h 1585576"/>
+              <a:gd name="connsiteX2" fmla="*/ 569576 w 3009516"/>
+              <a:gd name="connsiteY2" fmla="*/ 307879 h 1585576"/>
+              <a:gd name="connsiteX3" fmla="*/ 3009516 w 3009516"/>
+              <a:gd name="connsiteY3" fmla="*/ 815879 h 1585576"/>
+              <a:gd name="connsiteX4" fmla="*/ 2709334 w 3009516"/>
+              <a:gd name="connsiteY4" fmla="*/ 1585576 h 1585576"/>
+              <a:gd name="connsiteX5" fmla="*/ 53879 w 3009516"/>
+              <a:gd name="connsiteY5" fmla="*/ 1239212 h 1585576"/>
+              <a:gd name="connsiteX6" fmla="*/ 0 w 3009516"/>
+              <a:gd name="connsiteY6" fmla="*/ 638849 h 1585576"/>
+              <a:gd name="connsiteX0" fmla="*/ 0 w 3009516"/>
+              <a:gd name="connsiteY0" fmla="*/ 638849 h 1585576"/>
+              <a:gd name="connsiteX1" fmla="*/ 284788 w 3009516"/>
+              <a:gd name="connsiteY1" fmla="*/ 0 h 1585576"/>
+              <a:gd name="connsiteX2" fmla="*/ 569576 w 3009516"/>
+              <a:gd name="connsiteY2" fmla="*/ 307879 h 1585576"/>
+              <a:gd name="connsiteX3" fmla="*/ 3009516 w 3009516"/>
+              <a:gd name="connsiteY3" fmla="*/ 815879 h 1585576"/>
+              <a:gd name="connsiteX4" fmla="*/ 2709334 w 3009516"/>
+              <a:gd name="connsiteY4" fmla="*/ 1585576 h 1585576"/>
+              <a:gd name="connsiteX5" fmla="*/ 635975 w 3009516"/>
+              <a:gd name="connsiteY5" fmla="*/ 962217 h 1585576"/>
+              <a:gd name="connsiteX6" fmla="*/ 0 w 3009516"/>
+              <a:gd name="connsiteY6" fmla="*/ 638849 h 1585576"/>
+              <a:gd name="connsiteX0" fmla="*/ 8417 w 2724728"/>
+              <a:gd name="connsiteY0" fmla="*/ 632827 h 1585576"/>
+              <a:gd name="connsiteX1" fmla="*/ 0 w 2724728"/>
+              <a:gd name="connsiteY1" fmla="*/ 0 h 1585576"/>
+              <a:gd name="connsiteX2" fmla="*/ 284788 w 2724728"/>
+              <a:gd name="connsiteY2" fmla="*/ 307879 h 1585576"/>
+              <a:gd name="connsiteX3" fmla="*/ 2724728 w 2724728"/>
+              <a:gd name="connsiteY3" fmla="*/ 815879 h 1585576"/>
+              <a:gd name="connsiteX4" fmla="*/ 2424546 w 2724728"/>
+              <a:gd name="connsiteY4" fmla="*/ 1585576 h 1585576"/>
+              <a:gd name="connsiteX5" fmla="*/ 351187 w 2724728"/>
+              <a:gd name="connsiteY5" fmla="*/ 962217 h 1585576"/>
+              <a:gd name="connsiteX6" fmla="*/ 8417 w 2724728"/>
+              <a:gd name="connsiteY6" fmla="*/ 632827 h 1585576"/>
+              <a:gd name="connsiteX0" fmla="*/ 8417 w 2724728"/>
+              <a:gd name="connsiteY0" fmla="*/ 632827 h 1177063"/>
+              <a:gd name="connsiteX1" fmla="*/ 0 w 2724728"/>
+              <a:gd name="connsiteY1" fmla="*/ 0 h 1177063"/>
+              <a:gd name="connsiteX2" fmla="*/ 284788 w 2724728"/>
+              <a:gd name="connsiteY2" fmla="*/ 307879 h 1177063"/>
+              <a:gd name="connsiteX3" fmla="*/ 2724728 w 2724728"/>
+              <a:gd name="connsiteY3" fmla="*/ 815879 h 1177063"/>
+              <a:gd name="connsiteX4" fmla="*/ 1482487 w 2724728"/>
+              <a:gd name="connsiteY4" fmla="*/ 1177063 h 1177063"/>
+              <a:gd name="connsiteX5" fmla="*/ 351187 w 2724728"/>
+              <a:gd name="connsiteY5" fmla="*/ 962217 h 1177063"/>
+              <a:gd name="connsiteX6" fmla="*/ 8417 w 2724728"/>
+              <a:gd name="connsiteY6" fmla="*/ 632827 h 1177063"/>
+            </a:gdLst>
+            <a:ahLst/>
+            <a:cxnLst>
+              <a:cxn ang="0">
+                <a:pos x="connsiteX0" y="connsiteY0"/>
+              </a:cxn>
+              <a:cxn ang="0">
+                <a:pos x="connsiteX1" y="connsiteY1"/>
+              </a:cxn>
+              <a:cxn ang="0">
+                <a:pos x="connsiteX2" y="connsiteY2"/>
+              </a:cxn>
+              <a:cxn ang="0">
+                <a:pos x="connsiteX3" y="connsiteY3"/>
+              </a:cxn>
+              <a:cxn ang="0">
+                <a:pos x="connsiteX4" y="connsiteY4"/>
+              </a:cxn>
+              <a:cxn ang="0">
+                <a:pos x="connsiteX5" y="connsiteY5"/>
+              </a:cxn>
+              <a:cxn ang="0">
+                <a:pos x="connsiteX6" y="connsiteY6"/>
+              </a:cxn>
+            </a:cxnLst>
+            <a:rect l="l" t="t" r="r" b="b"/>
+            <a:pathLst>
+              <a:path w="2724728" h="1177063">
+                <a:moveTo>
+                  <a:pt x="8417" y="632827"/>
+                </a:moveTo>
+                <a:lnTo>
+                  <a:pt x="0" y="0"/>
+                </a:lnTo>
+                <a:lnTo>
+                  <a:pt x="284788" y="307879"/>
+                </a:lnTo>
+                <a:lnTo>
+                  <a:pt x="2724728" y="815879"/>
+                </a:lnTo>
+                <a:lnTo>
+                  <a:pt x="1482487" y="1177063"/>
+                </a:lnTo>
+                <a:lnTo>
+                  <a:pt x="351187" y="962217"/>
+                </a:lnTo>
+                <a:lnTo>
+                  <a:pt x="8417" y="632827"/>
+                </a:lnTo>
+                <a:close/>
+              </a:path>
+            </a:pathLst>
+          </a:custGeom>
+        </p:spPr>
+        <p:style>
+          <a:lnRef idx="1">
+            <a:schemeClr val="accent1"/>
+          </a:lnRef>
+          <a:fillRef idx="3">
+            <a:schemeClr val="accent1"/>
+          </a:fillRef>
+          <a:effectRef idx="2">
+            <a:schemeClr val="accent1"/>
+          </a:effectRef>
+          <a:fontRef idx="minor">
+            <a:schemeClr val="lt1"/>
+          </a:fontRef>
+        </p:style>
+        <p:txBody>
+          <a:bodyPr rtlCol="0" anchor="ctr"/>
+          <a:lstStyle/>
+          <a:p>
+            <a:pPr algn="ctr"/>
+            <a:endParaRPr lang="en-US"/>
+          </a:p>
+        </p:txBody>
+      </p:sp>
+      <p:sp>
+        <p:nvSpPr>
+          <p:cNvPr id="12" name="Freeform 11"/>
+          <p:cNvSpPr/>
+          <p:nvPr/>
+        </p:nvSpPr>
+        <p:spPr>
+          <a:xfrm rot="1049416">
+            <a:off x="1063660" y="1826751"/>
+            <a:ext cx="2724728" cy="1177063"/>
+          </a:xfrm>
+          <a:custGeom>
+            <a:avLst/>
+            <a:gdLst>
+              <a:gd name="connsiteX0" fmla="*/ 0 w 3009516"/>
+              <a:gd name="connsiteY0" fmla="*/ 638849 h 1585576"/>
+              <a:gd name="connsiteX1" fmla="*/ 284788 w 3009516"/>
+              <a:gd name="connsiteY1" fmla="*/ 0 h 1585576"/>
+              <a:gd name="connsiteX2" fmla="*/ 569576 w 3009516"/>
+              <a:gd name="connsiteY2" fmla="*/ 307879 h 1585576"/>
+              <a:gd name="connsiteX3" fmla="*/ 3009516 w 3009516"/>
+              <a:gd name="connsiteY3" fmla="*/ 815879 h 1585576"/>
+              <a:gd name="connsiteX4" fmla="*/ 2709334 w 3009516"/>
+              <a:gd name="connsiteY4" fmla="*/ 1585576 h 1585576"/>
+              <a:gd name="connsiteX5" fmla="*/ 53879 w 3009516"/>
+              <a:gd name="connsiteY5" fmla="*/ 1239212 h 1585576"/>
+              <a:gd name="connsiteX6" fmla="*/ 0 w 3009516"/>
+              <a:gd name="connsiteY6" fmla="*/ 638849 h 1585576"/>
+              <a:gd name="connsiteX0" fmla="*/ 0 w 3009516"/>
+              <a:gd name="connsiteY0" fmla="*/ 638849 h 1585576"/>
+              <a:gd name="connsiteX1" fmla="*/ 284788 w 3009516"/>
+              <a:gd name="connsiteY1" fmla="*/ 0 h 1585576"/>
+              <a:gd name="connsiteX2" fmla="*/ 569576 w 3009516"/>
+              <a:gd name="connsiteY2" fmla="*/ 307879 h 1585576"/>
+              <a:gd name="connsiteX3" fmla="*/ 3009516 w 3009516"/>
+              <a:gd name="connsiteY3" fmla="*/ 815879 h 1585576"/>
+              <a:gd name="connsiteX4" fmla="*/ 2709334 w 3009516"/>
+              <a:gd name="connsiteY4" fmla="*/ 1585576 h 1585576"/>
+              <a:gd name="connsiteX5" fmla="*/ 635975 w 3009516"/>
+              <a:gd name="connsiteY5" fmla="*/ 962217 h 1585576"/>
+              <a:gd name="connsiteX6" fmla="*/ 0 w 3009516"/>
+              <a:gd name="connsiteY6" fmla="*/ 638849 h 1585576"/>
+              <a:gd name="connsiteX0" fmla="*/ 8417 w 2724728"/>
+              <a:gd name="connsiteY0" fmla="*/ 632827 h 1585576"/>
+              <a:gd name="connsiteX1" fmla="*/ 0 w 2724728"/>
+              <a:gd name="connsiteY1" fmla="*/ 0 h 1585576"/>
+              <a:gd name="connsiteX2" fmla="*/ 284788 w 2724728"/>
+              <a:gd name="connsiteY2" fmla="*/ 307879 h 1585576"/>
+              <a:gd name="connsiteX3" fmla="*/ 2724728 w 2724728"/>
+              <a:gd name="connsiteY3" fmla="*/ 815879 h 1585576"/>
+              <a:gd name="connsiteX4" fmla="*/ 2424546 w 2724728"/>
+              <a:gd name="connsiteY4" fmla="*/ 1585576 h 1585576"/>
+              <a:gd name="connsiteX5" fmla="*/ 351187 w 2724728"/>
+              <a:gd name="connsiteY5" fmla="*/ 962217 h 1585576"/>
+              <a:gd name="connsiteX6" fmla="*/ 8417 w 2724728"/>
+              <a:gd name="connsiteY6" fmla="*/ 632827 h 1585576"/>
+              <a:gd name="connsiteX0" fmla="*/ 8417 w 2724728"/>
+              <a:gd name="connsiteY0" fmla="*/ 632827 h 1177063"/>
+              <a:gd name="connsiteX1" fmla="*/ 0 w 2724728"/>
+              <a:gd name="connsiteY1" fmla="*/ 0 h 1177063"/>
+              <a:gd name="connsiteX2" fmla="*/ 284788 w 2724728"/>
+              <a:gd name="connsiteY2" fmla="*/ 307879 h 1177063"/>
+              <a:gd name="connsiteX3" fmla="*/ 2724728 w 2724728"/>
+              <a:gd name="connsiteY3" fmla="*/ 815879 h 1177063"/>
+              <a:gd name="connsiteX4" fmla="*/ 1482487 w 2724728"/>
+              <a:gd name="connsiteY4" fmla="*/ 1177063 h 1177063"/>
+              <a:gd name="connsiteX5" fmla="*/ 351187 w 2724728"/>
+              <a:gd name="connsiteY5" fmla="*/ 962217 h 1177063"/>
+              <a:gd name="connsiteX6" fmla="*/ 8417 w 2724728"/>
+              <a:gd name="connsiteY6" fmla="*/ 632827 h 1177063"/>
+            </a:gdLst>
+            <a:ahLst/>
+            <a:cxnLst>
+              <a:cxn ang="0">
+                <a:pos x="connsiteX0" y="connsiteY0"/>
+              </a:cxn>
+              <a:cxn ang="0">
+                <a:pos x="connsiteX1" y="connsiteY1"/>
+              </a:cxn>
+              <a:cxn ang="0">
+                <a:pos x="connsiteX2" y="connsiteY2"/>
+              </a:cxn>
+              <a:cxn ang="0">
+                <a:pos x="connsiteX3" y="connsiteY3"/>
+              </a:cxn>
+              <a:cxn ang="0">
+                <a:pos x="connsiteX4" y="connsiteY4"/>
+              </a:cxn>
+              <a:cxn ang="0">
+                <a:pos x="connsiteX5" y="connsiteY5"/>
+              </a:cxn>
+              <a:cxn ang="0">
+                <a:pos x="connsiteX6" y="connsiteY6"/>
+              </a:cxn>
+            </a:cxnLst>
+            <a:rect l="l" t="t" r="r" b="b"/>
+            <a:pathLst>
+              <a:path w="2724728" h="1177063">
+                <a:moveTo>
+                  <a:pt x="8417" y="632827"/>
+                </a:moveTo>
+                <a:lnTo>
+                  <a:pt x="0" y="0"/>
+                </a:lnTo>
+                <a:lnTo>
+                  <a:pt x="284788" y="307879"/>
+                </a:lnTo>
+                <a:lnTo>
+                  <a:pt x="2724728" y="815879"/>
+                </a:lnTo>
+                <a:lnTo>
+                  <a:pt x="1482487" y="1177063"/>
+                </a:lnTo>
+                <a:lnTo>
+                  <a:pt x="351187" y="962217"/>
+                </a:lnTo>
+                <a:lnTo>
+                  <a:pt x="8417" y="632827"/>
+                </a:lnTo>
+                <a:close/>
+              </a:path>
+            </a:pathLst>
+          </a:custGeom>
+        </p:spPr>
+        <p:style>
+          <a:lnRef idx="1">
+            <a:schemeClr val="accent1"/>
+          </a:lnRef>
+          <a:fillRef idx="3">
+            <a:schemeClr val="accent1"/>
+          </a:fillRef>
+          <a:effectRef idx="2">
+            <a:schemeClr val="accent1"/>
+          </a:effectRef>
+          <a:fontRef idx="minor">
+            <a:schemeClr val="lt1"/>
+          </a:fontRef>
+        </p:style>
+        <p:txBody>
+          <a:bodyPr rtlCol="0" anchor="ctr"/>
+          <a:lstStyle/>
+          <a:p>
+            <a:pPr algn="ctr"/>
+            <a:endParaRPr lang="en-US"/>
+          </a:p>
+        </p:txBody>
+      </p:sp>
+      <p:cxnSp>
+        <p:nvCxnSpPr>
+          <p:cNvPr id="9" name="Straight Arrow Connector 8"/>
+          <p:cNvCxnSpPr/>
+          <p:nvPr/>
+        </p:nvCxnSpPr>
+        <p:spPr>
+          <a:xfrm>
+            <a:off x="2134207" y="2184324"/>
+            <a:ext cx="1511" cy="648161"/>
+          </a:xfrm>
+          <a:prstGeom prst="straightConnector1">
+            <a:avLst/>
+          </a:prstGeom>
+          <a:ln w="28575" cmpd="sng">
+            <a:tailEnd type="arrow"/>
+          </a:ln>
+          <a:effectLst/>
+        </p:spPr>
+        <p:style>
+          <a:lnRef idx="2">
+            <a:schemeClr val="dk1"/>
+          </a:lnRef>
+          <a:fillRef idx="0">
+            <a:schemeClr val="dk1"/>
+          </a:fillRef>
+          <a:effectRef idx="1">
+            <a:schemeClr val="dk1"/>
+          </a:effectRef>
+          <a:fontRef idx="minor">
+            <a:schemeClr val="tx1"/>
+          </a:fontRef>
+        </p:style>
+      </p:cxnSp>
+      <p:sp>
+        <p:nvSpPr>
+          <p:cNvPr id="10" name="TextBox 9"/>
+          <p:cNvSpPr txBox="1"/>
+          <p:nvPr/>
+        </p:nvSpPr>
+        <p:spPr>
+          <a:xfrm>
+            <a:off x="1874572" y="2206869"/>
+            <a:ext cx="399142" cy="369332"/>
+          </a:xfrm>
+          <a:prstGeom prst="rect">
+            <a:avLst/>
+          </a:prstGeom>
+          <a:noFill/>
+        </p:spPr>
+        <p:txBody>
+          <a:bodyPr wrap="square" rtlCol="0">
+            <a:spAutoFit/>
+          </a:bodyPr>
+          <a:lstStyle/>
+          <a:p>
+            <a:r>
+              <a:rPr lang="en-US" dirty="0" smtClean="0"/>
+              <a:t>a</a:t>
+            </a:r>
+            <a:endParaRPr lang="en-US" baseline="-25000" dirty="0"/>
+          </a:p>
+        </p:txBody>
+      </p:sp>
+      <p:sp>
+        <p:nvSpPr>
+          <p:cNvPr id="16" name="Right Arrow 15"/>
+          <p:cNvSpPr/>
+          <p:nvPr/>
+        </p:nvSpPr>
+        <p:spPr>
+          <a:xfrm>
+            <a:off x="3380680" y="1553323"/>
+            <a:ext cx="1476963" cy="1024314"/>
+          </a:xfrm>
+          <a:prstGeom prst="rightArrow">
+            <a:avLst/>
+          </a:prstGeom>
+        </p:spPr>
+        <p:style>
+          <a:lnRef idx="1">
+            <a:schemeClr val="dk1"/>
+          </a:lnRef>
+          <a:fillRef idx="3">
+            <a:schemeClr val="dk1"/>
+          </a:fillRef>
+          <a:effectRef idx="2">
+            <a:schemeClr val="dk1"/>
+          </a:effectRef>
+          <a:fontRef idx="minor">
+            <a:schemeClr val="lt1"/>
+          </a:fontRef>
+        </p:style>
+        <p:txBody>
+          <a:bodyPr rtlCol="0" anchor="ctr"/>
+          <a:lstStyle/>
+          <a:p>
+            <a:pPr algn="ctr"/>
+            <a:r>
+              <a:rPr lang="en-US" dirty="0" smtClean="0"/>
+              <a:t>Projection</a:t>
+            </a:r>
+            <a:endParaRPr lang="en-US" dirty="0"/>
+          </a:p>
+        </p:txBody>
+      </p:sp>
+      <p:cxnSp>
+        <p:nvCxnSpPr>
+          <p:cNvPr id="20" name="Straight Arrow Connector 19"/>
+          <p:cNvCxnSpPr/>
+          <p:nvPr/>
+        </p:nvCxnSpPr>
+        <p:spPr>
+          <a:xfrm>
+            <a:off x="3175244" y="366450"/>
+            <a:ext cx="1544005" cy="864732"/>
+          </a:xfrm>
+          <a:prstGeom prst="straightConnector1">
+            <a:avLst/>
+          </a:prstGeom>
+          <a:ln w="28575" cmpd="sng">
+            <a:solidFill>
+              <a:schemeClr val="bg1">
+                <a:lumMod val="50000"/>
+              </a:schemeClr>
+            </a:solidFill>
+            <a:prstDash val="dash"/>
+            <a:headEnd type="none"/>
+            <a:tailEnd type="none"/>
+          </a:ln>
+          <a:effectLst/>
+        </p:spPr>
+        <p:style>
+          <a:lnRef idx="2">
+            <a:schemeClr val="dk1"/>
+          </a:lnRef>
+          <a:fillRef idx="0">
+            <a:schemeClr val="dk1"/>
+          </a:fillRef>
+          <a:effectRef idx="1">
+            <a:schemeClr val="dk1"/>
+          </a:effectRef>
+          <a:fontRef idx="minor">
+            <a:schemeClr val="tx1"/>
+          </a:fontRef>
+        </p:style>
+      </p:cxnSp>
+      <p:cxnSp>
+        <p:nvCxnSpPr>
+          <p:cNvPr id="30" name="Straight Arrow Connector 29"/>
+          <p:cNvCxnSpPr/>
+          <p:nvPr/>
+        </p:nvCxnSpPr>
+        <p:spPr>
+          <a:xfrm>
+            <a:off x="3610954" y="614401"/>
+            <a:ext cx="0" cy="734571"/>
+          </a:xfrm>
+          <a:prstGeom prst="straightConnector1">
+            <a:avLst/>
+          </a:prstGeom>
+          <a:ln w="28575" cmpd="sng">
+            <a:headEnd type="none"/>
+            <a:tailEnd type="none"/>
+          </a:ln>
+          <a:effectLst/>
+        </p:spPr>
+        <p:style>
+          <a:lnRef idx="2">
+            <a:schemeClr val="dk1"/>
+          </a:lnRef>
+          <a:fillRef idx="0">
+            <a:schemeClr val="dk1"/>
+          </a:fillRef>
+          <a:effectRef idx="1">
+            <a:schemeClr val="dk1"/>
+          </a:effectRef>
+          <a:fontRef idx="minor">
+            <a:schemeClr val="tx1"/>
+          </a:fontRef>
+        </p:style>
+      </p:cxnSp>
+      <p:sp>
+        <p:nvSpPr>
+          <p:cNvPr id="31" name="TextBox 30"/>
+          <p:cNvSpPr txBox="1"/>
+          <p:nvPr/>
+        </p:nvSpPr>
+        <p:spPr>
+          <a:xfrm>
+            <a:off x="3349808" y="723356"/>
+            <a:ext cx="399142" cy="369332"/>
+          </a:xfrm>
+          <a:prstGeom prst="rect">
+            <a:avLst/>
+          </a:prstGeom>
+          <a:noFill/>
+        </p:spPr>
+        <p:txBody>
+          <a:bodyPr wrap="square" rtlCol="0">
+            <a:spAutoFit/>
+          </a:bodyPr>
+          <a:lstStyle/>
+          <a:p>
+            <a:r>
+              <a:rPr lang="en-US" dirty="0" smtClean="0"/>
+              <a:t>a</a:t>
+            </a:r>
+            <a:endParaRPr lang="en-US" baseline="-25000" dirty="0"/>
+          </a:p>
+        </p:txBody>
+      </p:sp>
+      <p:cxnSp>
+        <p:nvCxnSpPr>
+          <p:cNvPr id="32" name="Straight Arrow Connector 31"/>
+          <p:cNvCxnSpPr/>
+          <p:nvPr/>
+        </p:nvCxnSpPr>
+        <p:spPr>
+          <a:xfrm flipH="1">
+            <a:off x="3609443" y="815879"/>
+            <a:ext cx="362193" cy="533094"/>
+          </a:xfrm>
+          <a:prstGeom prst="straightConnector1">
+            <a:avLst/>
+          </a:prstGeom>
+          <a:ln w="19050" cmpd="sng">
+            <a:headEnd type="none"/>
+            <a:tailEnd type="none"/>
+          </a:ln>
+          <a:effectLst/>
+        </p:spPr>
+        <p:style>
+          <a:lnRef idx="2">
+            <a:schemeClr val="dk1"/>
+          </a:lnRef>
+          <a:fillRef idx="0">
+            <a:schemeClr val="dk1"/>
+          </a:fillRef>
+          <a:effectRef idx="1">
+            <a:schemeClr val="dk1"/>
+          </a:effectRef>
+          <a:fontRef idx="minor">
+            <a:schemeClr val="tx1"/>
+          </a:fontRef>
+        </p:style>
+      </p:cxnSp>
+      <p:cxnSp>
+        <p:nvCxnSpPr>
+          <p:cNvPr id="38" name="Straight Arrow Connector 37"/>
+          <p:cNvCxnSpPr/>
+          <p:nvPr/>
+        </p:nvCxnSpPr>
+        <p:spPr>
+          <a:xfrm flipH="1" flipV="1">
+            <a:off x="3610954" y="614401"/>
+            <a:ext cx="360684" cy="201481"/>
+          </a:xfrm>
+          <a:prstGeom prst="straightConnector1">
+            <a:avLst/>
+          </a:prstGeom>
+          <a:ln w="19050" cmpd="sng">
+            <a:headEnd type="none"/>
+            <a:tailEnd type="none"/>
+          </a:ln>
+          <a:effectLst/>
+        </p:spPr>
+        <p:style>
+          <a:lnRef idx="2">
+            <a:schemeClr val="dk1"/>
+          </a:lnRef>
+          <a:fillRef idx="0">
+            <a:schemeClr val="dk1"/>
+          </a:fillRef>
+          <a:effectRef idx="1">
+            <a:schemeClr val="dk1"/>
+          </a:effectRef>
+          <a:fontRef idx="minor">
+            <a:schemeClr val="tx1"/>
+          </a:fontRef>
+        </p:style>
+      </p:cxnSp>
+      <p:sp>
+        <p:nvSpPr>
+          <p:cNvPr id="29" name="Oval 28"/>
+          <p:cNvSpPr/>
+          <p:nvPr/>
+        </p:nvSpPr>
+        <p:spPr>
+          <a:xfrm>
+            <a:off x="3549378" y="552825"/>
+            <a:ext cx="123151" cy="123151"/>
+          </a:xfrm>
+          <a:prstGeom prst="ellipse">
+            <a:avLst/>
+          </a:prstGeom>
+        </p:spPr>
+        <p:style>
+          <a:lnRef idx="1">
+            <a:schemeClr val="accent2"/>
+          </a:lnRef>
+          <a:fillRef idx="3">
+            <a:schemeClr val="accent2"/>
+          </a:fillRef>
+          <a:effectRef idx="2">
+            <a:schemeClr val="accent2"/>
+          </a:effectRef>
+          <a:fontRef idx="minor">
+            <a:schemeClr val="lt1"/>
+          </a:fontRef>
+        </p:style>
+        <p:txBody>
+          <a:bodyPr rtlCol="0" anchor="ctr"/>
+          <a:lstStyle/>
+          <a:p>
+            <a:pPr algn="ctr"/>
+            <a:endParaRPr lang="en-US"/>
+          </a:p>
+        </p:txBody>
+      </p:sp>
+      <p:sp>
+        <p:nvSpPr>
+          <p:cNvPr id="45" name="TextBox 44"/>
+          <p:cNvSpPr txBox="1"/>
+          <p:nvPr/>
+        </p:nvSpPr>
+        <p:spPr>
+          <a:xfrm>
+            <a:off x="3748975" y="892628"/>
+            <a:ext cx="615207" cy="338554"/>
+          </a:xfrm>
+          <a:prstGeom prst="rect">
+            <a:avLst/>
+          </a:prstGeom>
+          <a:noFill/>
+        </p:spPr>
+        <p:txBody>
+          <a:bodyPr wrap="square" rtlCol="0">
+            <a:spAutoFit/>
+          </a:bodyPr>
+          <a:lstStyle/>
+          <a:p>
+            <a:r>
+              <a:rPr lang="en-US" sz="1600" dirty="0" smtClean="0"/>
+              <a:t>a</a:t>
+            </a:r>
+            <a:r>
+              <a:rPr lang="en-US" sz="1600" baseline="-25000" dirty="0" smtClean="0"/>
+              <a:t>perp</a:t>
+            </a:r>
+            <a:endParaRPr lang="en-US" sz="1600" baseline="-25000" dirty="0"/>
+          </a:p>
+        </p:txBody>
+      </p:sp>
+      <p:sp>
+        <p:nvSpPr>
+          <p:cNvPr id="46" name="TextBox 45"/>
+          <p:cNvSpPr txBox="1"/>
+          <p:nvPr/>
+        </p:nvSpPr>
+        <p:spPr>
+          <a:xfrm>
+            <a:off x="3664031" y="366450"/>
+            <a:ext cx="823302" cy="338554"/>
+          </a:xfrm>
+          <a:prstGeom prst="rect">
+            <a:avLst/>
+          </a:prstGeom>
+          <a:noFill/>
+        </p:spPr>
+        <p:txBody>
+          <a:bodyPr wrap="square" rtlCol="0">
+            <a:spAutoFit/>
+          </a:bodyPr>
+          <a:lstStyle/>
+          <a:p>
+            <a:r>
+              <a:rPr lang="en-US" sz="1600" dirty="0" smtClean="0"/>
+              <a:t>a</a:t>
+            </a:r>
+            <a:r>
+              <a:rPr lang="en-US" sz="1600" baseline="-25000" dirty="0" smtClean="0"/>
+              <a:t>projected</a:t>
+            </a:r>
+            <a:endParaRPr lang="en-US" sz="1600" baseline="-25000" dirty="0"/>
+          </a:p>
+        </p:txBody>
+      </p:sp>
+      <p:cxnSp>
+        <p:nvCxnSpPr>
+          <p:cNvPr id="57" name="Straight Arrow Connector 56"/>
+          <p:cNvCxnSpPr/>
+          <p:nvPr/>
+        </p:nvCxnSpPr>
+        <p:spPr>
+          <a:xfrm>
+            <a:off x="6436483" y="2166683"/>
+            <a:ext cx="360684" cy="201481"/>
+          </a:xfrm>
+          <a:prstGeom prst="straightConnector1">
+            <a:avLst/>
+          </a:prstGeom>
+          <a:ln w="19050" cmpd="sng">
+            <a:headEnd type="none"/>
+            <a:tailEnd type="arrow"/>
+          </a:ln>
+          <a:effectLst/>
+        </p:spPr>
+        <p:style>
+          <a:lnRef idx="2">
+            <a:schemeClr val="dk1"/>
+          </a:lnRef>
+          <a:fillRef idx="0">
+            <a:schemeClr val="dk1"/>
+          </a:fillRef>
+          <a:effectRef idx="1">
+            <a:schemeClr val="dk1"/>
+          </a:effectRef>
+          <a:fontRef idx="minor">
+            <a:schemeClr val="tx1"/>
+          </a:fontRef>
+        </p:style>
+      </p:cxnSp>
+      <p:sp>
+        <p:nvSpPr>
+          <p:cNvPr id="58" name="TextBox 57"/>
+          <p:cNvSpPr txBox="1"/>
+          <p:nvPr/>
+        </p:nvSpPr>
+        <p:spPr>
+          <a:xfrm>
+            <a:off x="6499570" y="1915043"/>
+            <a:ext cx="823302" cy="338554"/>
+          </a:xfrm>
+          <a:prstGeom prst="rect">
+            <a:avLst/>
+          </a:prstGeom>
+          <a:noFill/>
+        </p:spPr>
+        <p:txBody>
+          <a:bodyPr wrap="square" rtlCol="0">
+            <a:spAutoFit/>
+          </a:bodyPr>
+          <a:lstStyle/>
+          <a:p>
+            <a:r>
+              <a:rPr lang="en-US" sz="1600" dirty="0" smtClean="0"/>
+              <a:t>a</a:t>
+            </a:r>
+            <a:r>
+              <a:rPr lang="en-US" sz="1600" baseline="-25000" dirty="0" smtClean="0"/>
+              <a:t>projected</a:t>
+            </a:r>
+            <a:endParaRPr lang="en-US" sz="1600" baseline="-25000" dirty="0"/>
+          </a:p>
+        </p:txBody>
+      </p:sp>
+      <p:sp>
+        <p:nvSpPr>
+          <p:cNvPr id="54" name="Oval 53"/>
+          <p:cNvSpPr/>
+          <p:nvPr/>
+        </p:nvSpPr>
+        <p:spPr>
+          <a:xfrm>
+            <a:off x="6368722" y="2082017"/>
+            <a:ext cx="123151" cy="123151"/>
+          </a:xfrm>
+          <a:prstGeom prst="ellipse">
+            <a:avLst/>
+          </a:prstGeom>
+        </p:spPr>
+        <p:style>
+          <a:lnRef idx="1">
+            <a:schemeClr val="accent2"/>
+          </a:lnRef>
+          <a:fillRef idx="3">
+            <a:schemeClr val="accent2"/>
+          </a:fillRef>
+          <a:effectRef idx="2">
+            <a:schemeClr val="accent2"/>
+          </a:effectRef>
+          <a:fontRef idx="minor">
+            <a:schemeClr val="lt1"/>
+          </a:fontRef>
+        </p:style>
+        <p:txBody>
+          <a:bodyPr rtlCol="0" anchor="ctr"/>
+          <a:lstStyle/>
+          <a:p>
+            <a:pPr algn="ctr"/>
+            <a:endParaRPr lang="en-US"/>
+          </a:p>
+        </p:txBody>
+      </p:sp>
+      <p:sp>
+        <p:nvSpPr>
+          <p:cNvPr id="15" name="Oval 14"/>
+          <p:cNvSpPr/>
+          <p:nvPr/>
+        </p:nvSpPr>
+        <p:spPr>
+          <a:xfrm>
+            <a:off x="2074143" y="2099658"/>
+            <a:ext cx="123151" cy="123151"/>
+          </a:xfrm>
+          <a:prstGeom prst="ellipse">
+            <a:avLst/>
+          </a:prstGeom>
+        </p:spPr>
+        <p:style>
+          <a:lnRef idx="1">
+            <a:schemeClr val="accent2"/>
+          </a:lnRef>
+          <a:fillRef idx="3">
+            <a:schemeClr val="accent2"/>
+          </a:fillRef>
+          <a:effectRef idx="2">
+            <a:schemeClr val="accent2"/>
+          </a:effectRef>
+          <a:fontRef idx="minor">
+            <a:schemeClr val="lt1"/>
+          </a:fontRef>
+        </p:style>
+        <p:txBody>
+          <a:bodyPr rtlCol="0" anchor="ctr"/>
+          <a:lstStyle/>
+          <a:p>
+            <a:pPr algn="ctr"/>
+            <a:endParaRPr lang="en-US"/>
+          </a:p>
+        </p:txBody>
+      </p:sp>
+      <p:sp>
+        <p:nvSpPr>
+          <p:cNvPr id="63" name="Rectangle 62"/>
+          <p:cNvSpPr/>
+          <p:nvPr/>
+        </p:nvSpPr>
+        <p:spPr>
+          <a:xfrm rot="18011192">
+            <a:off x="3833261" y="773564"/>
+            <a:ext cx="112756" cy="112756"/>
+          </a:xfrm>
+          <a:prstGeom prst="rect">
+            <a:avLst/>
+          </a:prstGeom>
+          <a:ln w="12700" cmpd="sng"/>
+        </p:spPr>
+        <p:style>
+          <a:lnRef idx="2">
+            <a:schemeClr val="dk1"/>
+          </a:lnRef>
+          <a:fillRef idx="1">
+            <a:schemeClr val="lt1"/>
+          </a:fillRef>
+          <a:effectRef idx="0">
+            <a:schemeClr val="dk1"/>
+          </a:effectRef>
+          <a:fontRef idx="minor">
+            <a:schemeClr val="dk1"/>
+          </a:fontRef>
+        </p:style>
+        <p:txBody>
+          <a:bodyPr rtlCol="0" anchor="ctr"/>
+          <a:lstStyle/>
+          <a:p>
+            <a:pPr algn="ctr"/>
+            <a:endParaRPr lang="en-US"/>
+          </a:p>
+        </p:txBody>
+      </p:sp>
+    </p:spTree>
+    <p:extLst>
+      <p:ext uri="{BB962C8B-B14F-4D97-AF65-F5344CB8AC3E}">
+        <p14:creationId xmlns:p14="http://schemas.microsoft.com/office/powerpoint/2010/main" val="3566603953"/>
+      </p:ext>
+    </p:extLst>
+  </p:cSld>
+  <p:clrMapOvr>
+    <a:masterClrMapping/>
+  </p:clrMapOvr>
+</p:sld>
+</file>
+
 <file path=ppt/theme/theme1.xml><?xml version="1.0" encoding="utf-8"?>
 <a:theme xmlns:a="http://schemas.openxmlformats.org/drawingml/2006/main" name="Office Theme">
   <a:themeElements>

--- a/figures/figures.pptx
+++ b/figures/figures.pptx
@@ -11,6 +11,7 @@
     <p:sldId id="260" r:id="rId5"/>
     <p:sldId id="258" r:id="rId6"/>
     <p:sldId id="261" r:id="rId7"/>
+    <p:sldId id="262" r:id="rId8"/>
   </p:sldIdLst>
   <p:sldSz cx="9144000" cy="6858000" type="screen4x3"/>
   <p:notesSz cx="6858000" cy="9144000"/>
@@ -7496,6 +7497,366 @@
 </p:sld>
 </file>
 
+<file path=ppt/slides/slide7.xml><?xml version="1.0" encoding="utf-8"?>
+<p:sld xmlns:a="http://schemas.openxmlformats.org/drawingml/2006/main" xmlns:r="http://schemas.openxmlformats.org/officeDocument/2006/relationships" xmlns:p="http://schemas.openxmlformats.org/presentationml/2006/main">
+  <p:cSld>
+    <p:spTree>
+      <p:nvGrpSpPr>
+        <p:cNvPr id="1" name=""/>
+        <p:cNvGrpSpPr/>
+        <p:nvPr/>
+      </p:nvGrpSpPr>
+      <p:grpSpPr>
+        <a:xfrm>
+          <a:off x="0" y="0"/>
+          <a:ext cx="0" cy="0"/>
+          <a:chOff x="0" y="0"/>
+          <a:chExt cx="0" cy="0"/>
+        </a:xfrm>
+      </p:grpSpPr>
+      <p:sp>
+        <p:nvSpPr>
+          <p:cNvPr id="2" name="Freeform 1"/>
+          <p:cNvSpPr/>
+          <p:nvPr/>
+        </p:nvSpPr>
+        <p:spPr>
+          <a:xfrm rot="1049416">
+            <a:off x="1063660" y="1826751"/>
+            <a:ext cx="2724728" cy="1177063"/>
+          </a:xfrm>
+          <a:custGeom>
+            <a:avLst/>
+            <a:gdLst>
+              <a:gd name="connsiteX0" fmla="*/ 0 w 3009516"/>
+              <a:gd name="connsiteY0" fmla="*/ 638849 h 1585576"/>
+              <a:gd name="connsiteX1" fmla="*/ 284788 w 3009516"/>
+              <a:gd name="connsiteY1" fmla="*/ 0 h 1585576"/>
+              <a:gd name="connsiteX2" fmla="*/ 569576 w 3009516"/>
+              <a:gd name="connsiteY2" fmla="*/ 307879 h 1585576"/>
+              <a:gd name="connsiteX3" fmla="*/ 3009516 w 3009516"/>
+              <a:gd name="connsiteY3" fmla="*/ 815879 h 1585576"/>
+              <a:gd name="connsiteX4" fmla="*/ 2709334 w 3009516"/>
+              <a:gd name="connsiteY4" fmla="*/ 1585576 h 1585576"/>
+              <a:gd name="connsiteX5" fmla="*/ 53879 w 3009516"/>
+              <a:gd name="connsiteY5" fmla="*/ 1239212 h 1585576"/>
+              <a:gd name="connsiteX6" fmla="*/ 0 w 3009516"/>
+              <a:gd name="connsiteY6" fmla="*/ 638849 h 1585576"/>
+              <a:gd name="connsiteX0" fmla="*/ 0 w 3009516"/>
+              <a:gd name="connsiteY0" fmla="*/ 638849 h 1585576"/>
+              <a:gd name="connsiteX1" fmla="*/ 284788 w 3009516"/>
+              <a:gd name="connsiteY1" fmla="*/ 0 h 1585576"/>
+              <a:gd name="connsiteX2" fmla="*/ 569576 w 3009516"/>
+              <a:gd name="connsiteY2" fmla="*/ 307879 h 1585576"/>
+              <a:gd name="connsiteX3" fmla="*/ 3009516 w 3009516"/>
+              <a:gd name="connsiteY3" fmla="*/ 815879 h 1585576"/>
+              <a:gd name="connsiteX4" fmla="*/ 2709334 w 3009516"/>
+              <a:gd name="connsiteY4" fmla="*/ 1585576 h 1585576"/>
+              <a:gd name="connsiteX5" fmla="*/ 635975 w 3009516"/>
+              <a:gd name="connsiteY5" fmla="*/ 962217 h 1585576"/>
+              <a:gd name="connsiteX6" fmla="*/ 0 w 3009516"/>
+              <a:gd name="connsiteY6" fmla="*/ 638849 h 1585576"/>
+              <a:gd name="connsiteX0" fmla="*/ 8417 w 2724728"/>
+              <a:gd name="connsiteY0" fmla="*/ 632827 h 1585576"/>
+              <a:gd name="connsiteX1" fmla="*/ 0 w 2724728"/>
+              <a:gd name="connsiteY1" fmla="*/ 0 h 1585576"/>
+              <a:gd name="connsiteX2" fmla="*/ 284788 w 2724728"/>
+              <a:gd name="connsiteY2" fmla="*/ 307879 h 1585576"/>
+              <a:gd name="connsiteX3" fmla="*/ 2724728 w 2724728"/>
+              <a:gd name="connsiteY3" fmla="*/ 815879 h 1585576"/>
+              <a:gd name="connsiteX4" fmla="*/ 2424546 w 2724728"/>
+              <a:gd name="connsiteY4" fmla="*/ 1585576 h 1585576"/>
+              <a:gd name="connsiteX5" fmla="*/ 351187 w 2724728"/>
+              <a:gd name="connsiteY5" fmla="*/ 962217 h 1585576"/>
+              <a:gd name="connsiteX6" fmla="*/ 8417 w 2724728"/>
+              <a:gd name="connsiteY6" fmla="*/ 632827 h 1585576"/>
+              <a:gd name="connsiteX0" fmla="*/ 8417 w 2724728"/>
+              <a:gd name="connsiteY0" fmla="*/ 632827 h 1177063"/>
+              <a:gd name="connsiteX1" fmla="*/ 0 w 2724728"/>
+              <a:gd name="connsiteY1" fmla="*/ 0 h 1177063"/>
+              <a:gd name="connsiteX2" fmla="*/ 284788 w 2724728"/>
+              <a:gd name="connsiteY2" fmla="*/ 307879 h 1177063"/>
+              <a:gd name="connsiteX3" fmla="*/ 2724728 w 2724728"/>
+              <a:gd name="connsiteY3" fmla="*/ 815879 h 1177063"/>
+              <a:gd name="connsiteX4" fmla="*/ 1482487 w 2724728"/>
+              <a:gd name="connsiteY4" fmla="*/ 1177063 h 1177063"/>
+              <a:gd name="connsiteX5" fmla="*/ 351187 w 2724728"/>
+              <a:gd name="connsiteY5" fmla="*/ 962217 h 1177063"/>
+              <a:gd name="connsiteX6" fmla="*/ 8417 w 2724728"/>
+              <a:gd name="connsiteY6" fmla="*/ 632827 h 1177063"/>
+            </a:gdLst>
+            <a:ahLst/>
+            <a:cxnLst>
+              <a:cxn ang="0">
+                <a:pos x="connsiteX0" y="connsiteY0"/>
+              </a:cxn>
+              <a:cxn ang="0">
+                <a:pos x="connsiteX1" y="connsiteY1"/>
+              </a:cxn>
+              <a:cxn ang="0">
+                <a:pos x="connsiteX2" y="connsiteY2"/>
+              </a:cxn>
+              <a:cxn ang="0">
+                <a:pos x="connsiteX3" y="connsiteY3"/>
+              </a:cxn>
+              <a:cxn ang="0">
+                <a:pos x="connsiteX4" y="connsiteY4"/>
+              </a:cxn>
+              <a:cxn ang="0">
+                <a:pos x="connsiteX5" y="connsiteY5"/>
+              </a:cxn>
+              <a:cxn ang="0">
+                <a:pos x="connsiteX6" y="connsiteY6"/>
+              </a:cxn>
+            </a:cxnLst>
+            <a:rect l="l" t="t" r="r" b="b"/>
+            <a:pathLst>
+              <a:path w="2724728" h="1177063">
+                <a:moveTo>
+                  <a:pt x="8417" y="632827"/>
+                </a:moveTo>
+                <a:lnTo>
+                  <a:pt x="0" y="0"/>
+                </a:lnTo>
+                <a:lnTo>
+                  <a:pt x="284788" y="307879"/>
+                </a:lnTo>
+                <a:lnTo>
+                  <a:pt x="2724728" y="815879"/>
+                </a:lnTo>
+                <a:lnTo>
+                  <a:pt x="1482487" y="1177063"/>
+                </a:lnTo>
+                <a:lnTo>
+                  <a:pt x="351187" y="962217"/>
+                </a:lnTo>
+                <a:lnTo>
+                  <a:pt x="8417" y="632827"/>
+                </a:lnTo>
+                <a:close/>
+              </a:path>
+            </a:pathLst>
+          </a:custGeom>
+        </p:spPr>
+        <p:style>
+          <a:lnRef idx="1">
+            <a:schemeClr val="accent1"/>
+          </a:lnRef>
+          <a:fillRef idx="3">
+            <a:schemeClr val="accent1"/>
+          </a:fillRef>
+          <a:effectRef idx="2">
+            <a:schemeClr val="accent1"/>
+          </a:effectRef>
+          <a:fontRef idx="minor">
+            <a:schemeClr val="lt1"/>
+          </a:fontRef>
+        </p:style>
+        <p:txBody>
+          <a:bodyPr rtlCol="0" anchor="ctr"/>
+          <a:lstStyle/>
+          <a:p>
+            <a:pPr algn="ctr"/>
+            <a:endParaRPr lang="en-US"/>
+          </a:p>
+        </p:txBody>
+      </p:sp>
+      <p:sp>
+        <p:nvSpPr>
+          <p:cNvPr id="6" name="Freeform 5"/>
+          <p:cNvSpPr/>
+          <p:nvPr/>
+        </p:nvSpPr>
+        <p:spPr>
+          <a:xfrm>
+            <a:off x="1812323" y="1073755"/>
+            <a:ext cx="1894703" cy="1747705"/>
+          </a:xfrm>
+          <a:custGeom>
+            <a:avLst/>
+            <a:gdLst>
+              <a:gd name="connsiteX0" fmla="*/ 0 w 1963352"/>
+              <a:gd name="connsiteY0" fmla="*/ 0 h 1091513"/>
+              <a:gd name="connsiteX1" fmla="*/ 411892 w 1963352"/>
+              <a:gd name="connsiteY1" fmla="*/ 1091513 h 1091513"/>
+              <a:gd name="connsiteX2" fmla="*/ 1963352 w 1963352"/>
+              <a:gd name="connsiteY2" fmla="*/ 659027 h 1091513"/>
+              <a:gd name="connsiteX0" fmla="*/ 0 w 1963352"/>
+              <a:gd name="connsiteY0" fmla="*/ 0 h 899297"/>
+              <a:gd name="connsiteX1" fmla="*/ 597244 w 1963352"/>
+              <a:gd name="connsiteY1" fmla="*/ 899297 h 899297"/>
+              <a:gd name="connsiteX2" fmla="*/ 1963352 w 1963352"/>
+              <a:gd name="connsiteY2" fmla="*/ 659027 h 899297"/>
+              <a:gd name="connsiteX0" fmla="*/ 0 w 1963352"/>
+              <a:gd name="connsiteY0" fmla="*/ 49260 h 948557"/>
+              <a:gd name="connsiteX1" fmla="*/ 597244 w 1963352"/>
+              <a:gd name="connsiteY1" fmla="*/ 948557 h 948557"/>
+              <a:gd name="connsiteX2" fmla="*/ 1963352 w 1963352"/>
+              <a:gd name="connsiteY2" fmla="*/ 708287 h 948557"/>
+              <a:gd name="connsiteX0" fmla="*/ 0 w 1963352"/>
+              <a:gd name="connsiteY0" fmla="*/ 40865 h 1159838"/>
+              <a:gd name="connsiteX1" fmla="*/ 425622 w 1963352"/>
+              <a:gd name="connsiteY1" fmla="*/ 1159838 h 1159838"/>
+              <a:gd name="connsiteX2" fmla="*/ 1963352 w 1963352"/>
+              <a:gd name="connsiteY2" fmla="*/ 699892 h 1159838"/>
+              <a:gd name="connsiteX0" fmla="*/ 0 w 1963352"/>
+              <a:gd name="connsiteY0" fmla="*/ 42611 h 1161584"/>
+              <a:gd name="connsiteX1" fmla="*/ 425622 w 1963352"/>
+              <a:gd name="connsiteY1" fmla="*/ 1161584 h 1161584"/>
+              <a:gd name="connsiteX2" fmla="*/ 1963352 w 1963352"/>
+              <a:gd name="connsiteY2" fmla="*/ 701638 h 1161584"/>
+              <a:gd name="connsiteX0" fmla="*/ 0 w 1963352"/>
+              <a:gd name="connsiteY0" fmla="*/ 42611 h 1161584"/>
+              <a:gd name="connsiteX1" fmla="*/ 425622 w 1963352"/>
+              <a:gd name="connsiteY1" fmla="*/ 1161584 h 1161584"/>
+              <a:gd name="connsiteX2" fmla="*/ 1963352 w 1963352"/>
+              <a:gd name="connsiteY2" fmla="*/ 701638 h 1161584"/>
+              <a:gd name="connsiteX0" fmla="*/ 0 w 1894703"/>
+              <a:gd name="connsiteY0" fmla="*/ 42611 h 1772567"/>
+              <a:gd name="connsiteX1" fmla="*/ 425622 w 1894703"/>
+              <a:gd name="connsiteY1" fmla="*/ 1161584 h 1772567"/>
+              <a:gd name="connsiteX2" fmla="*/ 1894703 w 1894703"/>
+              <a:gd name="connsiteY2" fmla="*/ 1751962 h 1772567"/>
+              <a:gd name="connsiteX0" fmla="*/ 0 w 1894703"/>
+              <a:gd name="connsiteY0" fmla="*/ 42611 h 1751962"/>
+              <a:gd name="connsiteX1" fmla="*/ 425622 w 1894703"/>
+              <a:gd name="connsiteY1" fmla="*/ 1161584 h 1751962"/>
+              <a:gd name="connsiteX2" fmla="*/ 1894703 w 1894703"/>
+              <a:gd name="connsiteY2" fmla="*/ 1751962 h 1751962"/>
+              <a:gd name="connsiteX0" fmla="*/ 0 w 1894703"/>
+              <a:gd name="connsiteY0" fmla="*/ 42611 h 1751962"/>
+              <a:gd name="connsiteX1" fmla="*/ 425622 w 1894703"/>
+              <a:gd name="connsiteY1" fmla="*/ 1161584 h 1751962"/>
+              <a:gd name="connsiteX2" fmla="*/ 1894703 w 1894703"/>
+              <a:gd name="connsiteY2" fmla="*/ 1751962 h 1751962"/>
+              <a:gd name="connsiteX0" fmla="*/ 0 w 1894703"/>
+              <a:gd name="connsiteY0" fmla="*/ 38541 h 1747892"/>
+              <a:gd name="connsiteX1" fmla="*/ 638433 w 1894703"/>
+              <a:gd name="connsiteY1" fmla="*/ 1287946 h 1747892"/>
+              <a:gd name="connsiteX2" fmla="*/ 1894703 w 1894703"/>
+              <a:gd name="connsiteY2" fmla="*/ 1747892 h 1747892"/>
+              <a:gd name="connsiteX0" fmla="*/ 0 w 1894703"/>
+              <a:gd name="connsiteY0" fmla="*/ 38354 h 1747705"/>
+              <a:gd name="connsiteX1" fmla="*/ 638433 w 1894703"/>
+              <a:gd name="connsiteY1" fmla="*/ 1287759 h 1747705"/>
+              <a:gd name="connsiteX2" fmla="*/ 1894703 w 1894703"/>
+              <a:gd name="connsiteY2" fmla="*/ 1747705 h 1747705"/>
+              <a:gd name="connsiteX0" fmla="*/ 0 w 1894703"/>
+              <a:gd name="connsiteY0" fmla="*/ 38354 h 1747705"/>
+              <a:gd name="connsiteX1" fmla="*/ 638433 w 1894703"/>
+              <a:gd name="connsiteY1" fmla="*/ 1287759 h 1747705"/>
+              <a:gd name="connsiteX2" fmla="*/ 1894703 w 1894703"/>
+              <a:gd name="connsiteY2" fmla="*/ 1747705 h 1747705"/>
+            </a:gdLst>
+            <a:ahLst/>
+            <a:cxnLst>
+              <a:cxn ang="0">
+                <a:pos x="connsiteX0" y="connsiteY0"/>
+              </a:cxn>
+              <a:cxn ang="0">
+                <a:pos x="connsiteX1" y="connsiteY1"/>
+              </a:cxn>
+              <a:cxn ang="0">
+                <a:pos x="connsiteX2" y="connsiteY2"/>
+              </a:cxn>
+            </a:cxnLst>
+            <a:rect l="l" t="t" r="r" b="b"/>
+            <a:pathLst>
+              <a:path w="1894703" h="1747705">
+                <a:moveTo>
+                  <a:pt x="0" y="38354"/>
+                </a:moveTo>
+                <a:cubicBezTo>
+                  <a:pt x="638432" y="-224799"/>
+                  <a:pt x="638432" y="939940"/>
+                  <a:pt x="638433" y="1287759"/>
+                </a:cubicBezTo>
+                <a:cubicBezTo>
+                  <a:pt x="1295172" y="1079526"/>
+                  <a:pt x="1704775" y="788912"/>
+                  <a:pt x="1894703" y="1747705"/>
+                </a:cubicBezTo>
+              </a:path>
+            </a:pathLst>
+          </a:custGeom>
+          <a:ln>
+            <a:prstDash val="dash"/>
+          </a:ln>
+        </p:spPr>
+        <p:style>
+          <a:lnRef idx="2">
+            <a:schemeClr val="dk1"/>
+          </a:lnRef>
+          <a:fillRef idx="0">
+            <a:schemeClr val="dk1"/>
+          </a:fillRef>
+          <a:effectRef idx="1">
+            <a:schemeClr val="dk1"/>
+          </a:effectRef>
+          <a:fontRef idx="minor">
+            <a:schemeClr val="tx1"/>
+          </a:fontRef>
+        </p:style>
+        <p:txBody>
+          <a:bodyPr rtlCol="0" anchor="ctr"/>
+          <a:lstStyle/>
+          <a:p>
+            <a:pPr algn="ctr"/>
+            <a:endParaRPr lang="en-US"/>
+          </a:p>
+        </p:txBody>
+      </p:sp>
+      <p:sp>
+        <p:nvSpPr>
+          <p:cNvPr id="5" name="Oval 4"/>
+          <p:cNvSpPr/>
+          <p:nvPr/>
+        </p:nvSpPr>
+        <p:spPr>
+          <a:xfrm>
+            <a:off x="1750747" y="1042677"/>
+            <a:ext cx="123151" cy="123151"/>
+          </a:xfrm>
+          <a:prstGeom prst="ellipse">
+            <a:avLst/>
+          </a:prstGeom>
+        </p:spPr>
+        <p:style>
+          <a:lnRef idx="1">
+            <a:schemeClr val="accent2"/>
+          </a:lnRef>
+          <a:fillRef idx="3">
+            <a:schemeClr val="accent2"/>
+          </a:fillRef>
+          <a:effectRef idx="2">
+            <a:schemeClr val="accent2"/>
+          </a:effectRef>
+          <a:fontRef idx="minor">
+            <a:schemeClr val="lt1"/>
+          </a:fontRef>
+        </p:style>
+        <p:txBody>
+          <a:bodyPr rtlCol="0" anchor="ctr"/>
+          <a:lstStyle/>
+          <a:p>
+            <a:pPr algn="ctr"/>
+            <a:endParaRPr lang="en-US"/>
+          </a:p>
+        </p:txBody>
+      </p:sp>
+    </p:spTree>
+    <p:extLst>
+      <p:ext uri="{BB962C8B-B14F-4D97-AF65-F5344CB8AC3E}">
+        <p14:creationId xmlns:p14="http://schemas.microsoft.com/office/powerpoint/2010/main" val="4271382292"/>
+      </p:ext>
+    </p:extLst>
+  </p:cSld>
+  <p:clrMapOvr>
+    <a:masterClrMapping/>
+  </p:clrMapOvr>
+</p:sld>
+</file>
+
 <file path=ppt/theme/theme1.xml><?xml version="1.0" encoding="utf-8"?>
 <a:theme xmlns:a="http://schemas.openxmlformats.org/drawingml/2006/main" name="Office Theme">
   <a:themeElements>

--- a/figures/figures.pptx
+++ b/figures/figures.pptx
@@ -12,6 +12,7 @@
     <p:sldId id="258" r:id="rId6"/>
     <p:sldId id="261" r:id="rId7"/>
     <p:sldId id="262" r:id="rId8"/>
+    <p:sldId id="263" r:id="rId9"/>
   </p:sldIdLst>
   <p:sldSz cx="9144000" cy="6858000" type="screen4x3"/>
   <p:notesSz cx="6858000" cy="9144000"/>
@@ -7857,6 +7858,748 @@
 </p:sld>
 </file>
 
+<file path=ppt/slides/slide8.xml><?xml version="1.0" encoding="utf-8"?>
+<p:sld xmlns:a="http://schemas.openxmlformats.org/drawingml/2006/main" xmlns:r="http://schemas.openxmlformats.org/officeDocument/2006/relationships" xmlns:p="http://schemas.openxmlformats.org/presentationml/2006/main">
+  <p:cSld>
+    <p:spTree>
+      <p:nvGrpSpPr>
+        <p:cNvPr id="1" name=""/>
+        <p:cNvGrpSpPr/>
+        <p:nvPr/>
+      </p:nvGrpSpPr>
+      <p:grpSpPr>
+        <a:xfrm>
+          <a:off x="0" y="0"/>
+          <a:ext cx="0" cy="0"/>
+          <a:chOff x="0" y="0"/>
+          <a:chExt cx="0" cy="0"/>
+        </a:xfrm>
+      </p:grpSpPr>
+      <p:sp>
+        <p:nvSpPr>
+          <p:cNvPr id="2" name="Freeform 1"/>
+          <p:cNvSpPr/>
+          <p:nvPr/>
+        </p:nvSpPr>
+        <p:spPr>
+          <a:xfrm rot="20905797">
+            <a:off x="2096303" y="512967"/>
+            <a:ext cx="3767081" cy="1961463"/>
+          </a:xfrm>
+          <a:custGeom>
+            <a:avLst/>
+            <a:gdLst>
+              <a:gd name="connsiteX0" fmla="*/ 0 w 3009516"/>
+              <a:gd name="connsiteY0" fmla="*/ 638849 h 1585576"/>
+              <a:gd name="connsiteX1" fmla="*/ 284788 w 3009516"/>
+              <a:gd name="connsiteY1" fmla="*/ 0 h 1585576"/>
+              <a:gd name="connsiteX2" fmla="*/ 569576 w 3009516"/>
+              <a:gd name="connsiteY2" fmla="*/ 307879 h 1585576"/>
+              <a:gd name="connsiteX3" fmla="*/ 3009516 w 3009516"/>
+              <a:gd name="connsiteY3" fmla="*/ 815879 h 1585576"/>
+              <a:gd name="connsiteX4" fmla="*/ 2709334 w 3009516"/>
+              <a:gd name="connsiteY4" fmla="*/ 1585576 h 1585576"/>
+              <a:gd name="connsiteX5" fmla="*/ 53879 w 3009516"/>
+              <a:gd name="connsiteY5" fmla="*/ 1239212 h 1585576"/>
+              <a:gd name="connsiteX6" fmla="*/ 0 w 3009516"/>
+              <a:gd name="connsiteY6" fmla="*/ 638849 h 1585576"/>
+              <a:gd name="connsiteX0" fmla="*/ 0 w 3009516"/>
+              <a:gd name="connsiteY0" fmla="*/ 638849 h 1585576"/>
+              <a:gd name="connsiteX1" fmla="*/ 284788 w 3009516"/>
+              <a:gd name="connsiteY1" fmla="*/ 0 h 1585576"/>
+              <a:gd name="connsiteX2" fmla="*/ 569576 w 3009516"/>
+              <a:gd name="connsiteY2" fmla="*/ 307879 h 1585576"/>
+              <a:gd name="connsiteX3" fmla="*/ 3009516 w 3009516"/>
+              <a:gd name="connsiteY3" fmla="*/ 815879 h 1585576"/>
+              <a:gd name="connsiteX4" fmla="*/ 2709334 w 3009516"/>
+              <a:gd name="connsiteY4" fmla="*/ 1585576 h 1585576"/>
+              <a:gd name="connsiteX5" fmla="*/ 635975 w 3009516"/>
+              <a:gd name="connsiteY5" fmla="*/ 962217 h 1585576"/>
+              <a:gd name="connsiteX6" fmla="*/ 0 w 3009516"/>
+              <a:gd name="connsiteY6" fmla="*/ 638849 h 1585576"/>
+              <a:gd name="connsiteX0" fmla="*/ 8417 w 2724728"/>
+              <a:gd name="connsiteY0" fmla="*/ 632827 h 1585576"/>
+              <a:gd name="connsiteX1" fmla="*/ 0 w 2724728"/>
+              <a:gd name="connsiteY1" fmla="*/ 0 h 1585576"/>
+              <a:gd name="connsiteX2" fmla="*/ 284788 w 2724728"/>
+              <a:gd name="connsiteY2" fmla="*/ 307879 h 1585576"/>
+              <a:gd name="connsiteX3" fmla="*/ 2724728 w 2724728"/>
+              <a:gd name="connsiteY3" fmla="*/ 815879 h 1585576"/>
+              <a:gd name="connsiteX4" fmla="*/ 2424546 w 2724728"/>
+              <a:gd name="connsiteY4" fmla="*/ 1585576 h 1585576"/>
+              <a:gd name="connsiteX5" fmla="*/ 351187 w 2724728"/>
+              <a:gd name="connsiteY5" fmla="*/ 962217 h 1585576"/>
+              <a:gd name="connsiteX6" fmla="*/ 8417 w 2724728"/>
+              <a:gd name="connsiteY6" fmla="*/ 632827 h 1585576"/>
+              <a:gd name="connsiteX0" fmla="*/ 8417 w 2724728"/>
+              <a:gd name="connsiteY0" fmla="*/ 632827 h 1177063"/>
+              <a:gd name="connsiteX1" fmla="*/ 0 w 2724728"/>
+              <a:gd name="connsiteY1" fmla="*/ 0 h 1177063"/>
+              <a:gd name="connsiteX2" fmla="*/ 284788 w 2724728"/>
+              <a:gd name="connsiteY2" fmla="*/ 307879 h 1177063"/>
+              <a:gd name="connsiteX3" fmla="*/ 2724728 w 2724728"/>
+              <a:gd name="connsiteY3" fmla="*/ 815879 h 1177063"/>
+              <a:gd name="connsiteX4" fmla="*/ 1482487 w 2724728"/>
+              <a:gd name="connsiteY4" fmla="*/ 1177063 h 1177063"/>
+              <a:gd name="connsiteX5" fmla="*/ 351187 w 2724728"/>
+              <a:gd name="connsiteY5" fmla="*/ 962217 h 1177063"/>
+              <a:gd name="connsiteX6" fmla="*/ 8417 w 2724728"/>
+              <a:gd name="connsiteY6" fmla="*/ 632827 h 1177063"/>
+              <a:gd name="connsiteX0" fmla="*/ 8417 w 2260604"/>
+              <a:gd name="connsiteY0" fmla="*/ 632827 h 1177063"/>
+              <a:gd name="connsiteX1" fmla="*/ 0 w 2260604"/>
+              <a:gd name="connsiteY1" fmla="*/ 0 h 1177063"/>
+              <a:gd name="connsiteX2" fmla="*/ 284788 w 2260604"/>
+              <a:gd name="connsiteY2" fmla="*/ 307879 h 1177063"/>
+              <a:gd name="connsiteX3" fmla="*/ 2260604 w 2260604"/>
+              <a:gd name="connsiteY3" fmla="*/ 720860 h 1177063"/>
+              <a:gd name="connsiteX4" fmla="*/ 1482487 w 2260604"/>
+              <a:gd name="connsiteY4" fmla="*/ 1177063 h 1177063"/>
+              <a:gd name="connsiteX5" fmla="*/ 351187 w 2260604"/>
+              <a:gd name="connsiteY5" fmla="*/ 962217 h 1177063"/>
+              <a:gd name="connsiteX6" fmla="*/ 8417 w 2260604"/>
+              <a:gd name="connsiteY6" fmla="*/ 632827 h 1177063"/>
+            </a:gdLst>
+            <a:ahLst/>
+            <a:cxnLst>
+              <a:cxn ang="0">
+                <a:pos x="connsiteX0" y="connsiteY0"/>
+              </a:cxn>
+              <a:cxn ang="0">
+                <a:pos x="connsiteX1" y="connsiteY1"/>
+              </a:cxn>
+              <a:cxn ang="0">
+                <a:pos x="connsiteX2" y="connsiteY2"/>
+              </a:cxn>
+              <a:cxn ang="0">
+                <a:pos x="connsiteX3" y="connsiteY3"/>
+              </a:cxn>
+              <a:cxn ang="0">
+                <a:pos x="connsiteX4" y="connsiteY4"/>
+              </a:cxn>
+              <a:cxn ang="0">
+                <a:pos x="connsiteX5" y="connsiteY5"/>
+              </a:cxn>
+              <a:cxn ang="0">
+                <a:pos x="connsiteX6" y="connsiteY6"/>
+              </a:cxn>
+            </a:cxnLst>
+            <a:rect l="l" t="t" r="r" b="b"/>
+            <a:pathLst>
+              <a:path w="2260604" h="1177063">
+                <a:moveTo>
+                  <a:pt x="8417" y="632827"/>
+                </a:moveTo>
+                <a:lnTo>
+                  <a:pt x="0" y="0"/>
+                </a:lnTo>
+                <a:lnTo>
+                  <a:pt x="284788" y="307879"/>
+                </a:lnTo>
+                <a:lnTo>
+                  <a:pt x="2260604" y="720860"/>
+                </a:lnTo>
+                <a:lnTo>
+                  <a:pt x="1482487" y="1177063"/>
+                </a:lnTo>
+                <a:lnTo>
+                  <a:pt x="351187" y="962217"/>
+                </a:lnTo>
+                <a:lnTo>
+                  <a:pt x="8417" y="632827"/>
+                </a:lnTo>
+                <a:close/>
+              </a:path>
+            </a:pathLst>
+          </a:custGeom>
+        </p:spPr>
+        <p:style>
+          <a:lnRef idx="1">
+            <a:schemeClr val="accent1"/>
+          </a:lnRef>
+          <a:fillRef idx="3">
+            <a:schemeClr val="accent1"/>
+          </a:fillRef>
+          <a:effectRef idx="2">
+            <a:schemeClr val="accent1"/>
+          </a:effectRef>
+          <a:fontRef idx="minor">
+            <a:schemeClr val="lt1"/>
+          </a:fontRef>
+        </p:style>
+        <p:txBody>
+          <a:bodyPr rtlCol="0" anchor="ctr"/>
+          <a:lstStyle/>
+          <a:p>
+            <a:pPr algn="ctr"/>
+            <a:endParaRPr lang="en-US"/>
+          </a:p>
+        </p:txBody>
+      </p:sp>
+      <p:sp>
+        <p:nvSpPr>
+          <p:cNvPr id="3" name="Freeform 2"/>
+          <p:cNvSpPr/>
+          <p:nvPr/>
+        </p:nvSpPr>
+        <p:spPr>
+          <a:xfrm rot="19924700">
+            <a:off x="2964956" y="531568"/>
+            <a:ext cx="1952672" cy="1327460"/>
+          </a:xfrm>
+          <a:custGeom>
+            <a:avLst/>
+            <a:gdLst>
+              <a:gd name="connsiteX0" fmla="*/ 0 w 1963352"/>
+              <a:gd name="connsiteY0" fmla="*/ 0 h 1091513"/>
+              <a:gd name="connsiteX1" fmla="*/ 411892 w 1963352"/>
+              <a:gd name="connsiteY1" fmla="*/ 1091513 h 1091513"/>
+              <a:gd name="connsiteX2" fmla="*/ 1963352 w 1963352"/>
+              <a:gd name="connsiteY2" fmla="*/ 659027 h 1091513"/>
+              <a:gd name="connsiteX0" fmla="*/ 0 w 1963352"/>
+              <a:gd name="connsiteY0" fmla="*/ 0 h 899297"/>
+              <a:gd name="connsiteX1" fmla="*/ 597244 w 1963352"/>
+              <a:gd name="connsiteY1" fmla="*/ 899297 h 899297"/>
+              <a:gd name="connsiteX2" fmla="*/ 1963352 w 1963352"/>
+              <a:gd name="connsiteY2" fmla="*/ 659027 h 899297"/>
+              <a:gd name="connsiteX0" fmla="*/ 0 w 1963352"/>
+              <a:gd name="connsiteY0" fmla="*/ 49260 h 948557"/>
+              <a:gd name="connsiteX1" fmla="*/ 597244 w 1963352"/>
+              <a:gd name="connsiteY1" fmla="*/ 948557 h 948557"/>
+              <a:gd name="connsiteX2" fmla="*/ 1963352 w 1963352"/>
+              <a:gd name="connsiteY2" fmla="*/ 708287 h 948557"/>
+              <a:gd name="connsiteX0" fmla="*/ 0 w 1963352"/>
+              <a:gd name="connsiteY0" fmla="*/ 40865 h 1159838"/>
+              <a:gd name="connsiteX1" fmla="*/ 425622 w 1963352"/>
+              <a:gd name="connsiteY1" fmla="*/ 1159838 h 1159838"/>
+              <a:gd name="connsiteX2" fmla="*/ 1963352 w 1963352"/>
+              <a:gd name="connsiteY2" fmla="*/ 699892 h 1159838"/>
+              <a:gd name="connsiteX0" fmla="*/ 0 w 1963352"/>
+              <a:gd name="connsiteY0" fmla="*/ 42611 h 1161584"/>
+              <a:gd name="connsiteX1" fmla="*/ 425622 w 1963352"/>
+              <a:gd name="connsiteY1" fmla="*/ 1161584 h 1161584"/>
+              <a:gd name="connsiteX2" fmla="*/ 1963352 w 1963352"/>
+              <a:gd name="connsiteY2" fmla="*/ 701638 h 1161584"/>
+              <a:gd name="connsiteX0" fmla="*/ 0 w 1963352"/>
+              <a:gd name="connsiteY0" fmla="*/ 42611 h 1161584"/>
+              <a:gd name="connsiteX1" fmla="*/ 425622 w 1963352"/>
+              <a:gd name="connsiteY1" fmla="*/ 1161584 h 1161584"/>
+              <a:gd name="connsiteX2" fmla="*/ 1963352 w 1963352"/>
+              <a:gd name="connsiteY2" fmla="*/ 701638 h 1161584"/>
+              <a:gd name="connsiteX0" fmla="*/ 0 w 1894703"/>
+              <a:gd name="connsiteY0" fmla="*/ 42611 h 1772567"/>
+              <a:gd name="connsiteX1" fmla="*/ 425622 w 1894703"/>
+              <a:gd name="connsiteY1" fmla="*/ 1161584 h 1772567"/>
+              <a:gd name="connsiteX2" fmla="*/ 1894703 w 1894703"/>
+              <a:gd name="connsiteY2" fmla="*/ 1751962 h 1772567"/>
+              <a:gd name="connsiteX0" fmla="*/ 0 w 1894703"/>
+              <a:gd name="connsiteY0" fmla="*/ 42611 h 1751962"/>
+              <a:gd name="connsiteX1" fmla="*/ 425622 w 1894703"/>
+              <a:gd name="connsiteY1" fmla="*/ 1161584 h 1751962"/>
+              <a:gd name="connsiteX2" fmla="*/ 1894703 w 1894703"/>
+              <a:gd name="connsiteY2" fmla="*/ 1751962 h 1751962"/>
+              <a:gd name="connsiteX0" fmla="*/ 0 w 1894703"/>
+              <a:gd name="connsiteY0" fmla="*/ 42611 h 1751962"/>
+              <a:gd name="connsiteX1" fmla="*/ 425622 w 1894703"/>
+              <a:gd name="connsiteY1" fmla="*/ 1161584 h 1751962"/>
+              <a:gd name="connsiteX2" fmla="*/ 1894703 w 1894703"/>
+              <a:gd name="connsiteY2" fmla="*/ 1751962 h 1751962"/>
+              <a:gd name="connsiteX0" fmla="*/ 0 w 1894703"/>
+              <a:gd name="connsiteY0" fmla="*/ 38541 h 1747892"/>
+              <a:gd name="connsiteX1" fmla="*/ 638433 w 1894703"/>
+              <a:gd name="connsiteY1" fmla="*/ 1287946 h 1747892"/>
+              <a:gd name="connsiteX2" fmla="*/ 1894703 w 1894703"/>
+              <a:gd name="connsiteY2" fmla="*/ 1747892 h 1747892"/>
+              <a:gd name="connsiteX0" fmla="*/ 0 w 1894703"/>
+              <a:gd name="connsiteY0" fmla="*/ 38354 h 1747705"/>
+              <a:gd name="connsiteX1" fmla="*/ 638433 w 1894703"/>
+              <a:gd name="connsiteY1" fmla="*/ 1287759 h 1747705"/>
+              <a:gd name="connsiteX2" fmla="*/ 1894703 w 1894703"/>
+              <a:gd name="connsiteY2" fmla="*/ 1747705 h 1747705"/>
+              <a:gd name="connsiteX0" fmla="*/ 0 w 1894703"/>
+              <a:gd name="connsiteY0" fmla="*/ 38354 h 1747705"/>
+              <a:gd name="connsiteX1" fmla="*/ 638433 w 1894703"/>
+              <a:gd name="connsiteY1" fmla="*/ 1287759 h 1747705"/>
+              <a:gd name="connsiteX2" fmla="*/ 1894703 w 1894703"/>
+              <a:gd name="connsiteY2" fmla="*/ 1747705 h 1747705"/>
+              <a:gd name="connsiteX0" fmla="*/ 0 w 1894703"/>
+              <a:gd name="connsiteY0" fmla="*/ 0 h 1709351"/>
+              <a:gd name="connsiteX1" fmla="*/ 638433 w 1894703"/>
+              <a:gd name="connsiteY1" fmla="*/ 1249405 h 1709351"/>
+              <a:gd name="connsiteX2" fmla="*/ 1894703 w 1894703"/>
+              <a:gd name="connsiteY2" fmla="*/ 1709351 h 1709351"/>
+              <a:gd name="connsiteX0" fmla="*/ 0 w 1894703"/>
+              <a:gd name="connsiteY0" fmla="*/ 0 h 1709351"/>
+              <a:gd name="connsiteX1" fmla="*/ 377568 w 1894703"/>
+              <a:gd name="connsiteY1" fmla="*/ 343243 h 1709351"/>
+              <a:gd name="connsiteX2" fmla="*/ 1894703 w 1894703"/>
+              <a:gd name="connsiteY2" fmla="*/ 1709351 h 1709351"/>
+              <a:gd name="connsiteX0" fmla="*/ 0 w 1894703"/>
+              <a:gd name="connsiteY0" fmla="*/ 0 h 1709351"/>
+              <a:gd name="connsiteX1" fmla="*/ 377568 w 1894703"/>
+              <a:gd name="connsiteY1" fmla="*/ 343243 h 1709351"/>
+              <a:gd name="connsiteX2" fmla="*/ 1894703 w 1894703"/>
+              <a:gd name="connsiteY2" fmla="*/ 1709351 h 1709351"/>
+              <a:gd name="connsiteX0" fmla="*/ 0 w 1894703"/>
+              <a:gd name="connsiteY0" fmla="*/ 0 h 1709351"/>
+              <a:gd name="connsiteX1" fmla="*/ 377568 w 1894703"/>
+              <a:gd name="connsiteY1" fmla="*/ 343243 h 1709351"/>
+              <a:gd name="connsiteX2" fmla="*/ 1894703 w 1894703"/>
+              <a:gd name="connsiteY2" fmla="*/ 1709351 h 1709351"/>
+              <a:gd name="connsiteX0" fmla="*/ 0 w 1894703"/>
+              <a:gd name="connsiteY0" fmla="*/ 0 h 1709351"/>
+              <a:gd name="connsiteX1" fmla="*/ 377568 w 1894703"/>
+              <a:gd name="connsiteY1" fmla="*/ 343243 h 1709351"/>
+              <a:gd name="connsiteX2" fmla="*/ 775523 w 1894703"/>
+              <a:gd name="connsiteY2" fmla="*/ 556053 h 1709351"/>
+              <a:gd name="connsiteX3" fmla="*/ 1894703 w 1894703"/>
+              <a:gd name="connsiteY3" fmla="*/ 1709351 h 1709351"/>
+              <a:gd name="connsiteX0" fmla="*/ 0 w 1894703"/>
+              <a:gd name="connsiteY0" fmla="*/ 0 h 1709351"/>
+              <a:gd name="connsiteX1" fmla="*/ 377568 w 1894703"/>
+              <a:gd name="connsiteY1" fmla="*/ 343243 h 1709351"/>
+              <a:gd name="connsiteX2" fmla="*/ 775523 w 1894703"/>
+              <a:gd name="connsiteY2" fmla="*/ 556053 h 1709351"/>
+              <a:gd name="connsiteX3" fmla="*/ 1894703 w 1894703"/>
+              <a:gd name="connsiteY3" fmla="*/ 1709351 h 1709351"/>
+              <a:gd name="connsiteX0" fmla="*/ 0 w 1970217"/>
+              <a:gd name="connsiteY0" fmla="*/ 0 h 1256270"/>
+              <a:gd name="connsiteX1" fmla="*/ 377568 w 1970217"/>
+              <a:gd name="connsiteY1" fmla="*/ 343243 h 1256270"/>
+              <a:gd name="connsiteX2" fmla="*/ 775523 w 1970217"/>
+              <a:gd name="connsiteY2" fmla="*/ 556053 h 1256270"/>
+              <a:gd name="connsiteX3" fmla="*/ 1970217 w 1970217"/>
+              <a:gd name="connsiteY3" fmla="*/ 1256270 h 1256270"/>
+              <a:gd name="connsiteX0" fmla="*/ 0 w 1970217"/>
+              <a:gd name="connsiteY0" fmla="*/ 0 h 1256270"/>
+              <a:gd name="connsiteX1" fmla="*/ 377568 w 1970217"/>
+              <a:gd name="connsiteY1" fmla="*/ 343243 h 1256270"/>
+              <a:gd name="connsiteX2" fmla="*/ 775523 w 1970217"/>
+              <a:gd name="connsiteY2" fmla="*/ 556053 h 1256270"/>
+              <a:gd name="connsiteX3" fmla="*/ 1970217 w 1970217"/>
+              <a:gd name="connsiteY3" fmla="*/ 1256270 h 1256270"/>
+              <a:gd name="connsiteX0" fmla="*/ 0 w 1970217"/>
+              <a:gd name="connsiteY0" fmla="*/ 0 h 1256270"/>
+              <a:gd name="connsiteX1" fmla="*/ 377568 w 1970217"/>
+              <a:gd name="connsiteY1" fmla="*/ 343243 h 1256270"/>
+              <a:gd name="connsiteX2" fmla="*/ 775523 w 1970217"/>
+              <a:gd name="connsiteY2" fmla="*/ 556053 h 1256270"/>
+              <a:gd name="connsiteX3" fmla="*/ 1970217 w 1970217"/>
+              <a:gd name="connsiteY3" fmla="*/ 1256270 h 1256270"/>
+              <a:gd name="connsiteX0" fmla="*/ 0 w 1997676"/>
+              <a:gd name="connsiteY0" fmla="*/ 0 h 1242540"/>
+              <a:gd name="connsiteX1" fmla="*/ 377568 w 1997676"/>
+              <a:gd name="connsiteY1" fmla="*/ 343243 h 1242540"/>
+              <a:gd name="connsiteX2" fmla="*/ 775523 w 1997676"/>
+              <a:gd name="connsiteY2" fmla="*/ 556053 h 1242540"/>
+              <a:gd name="connsiteX3" fmla="*/ 1997676 w 1997676"/>
+              <a:gd name="connsiteY3" fmla="*/ 1242540 h 1242540"/>
+              <a:gd name="connsiteX0" fmla="*/ 0 w 1952672"/>
+              <a:gd name="connsiteY0" fmla="*/ 0 h 1327460"/>
+              <a:gd name="connsiteX1" fmla="*/ 377568 w 1952672"/>
+              <a:gd name="connsiteY1" fmla="*/ 343243 h 1327460"/>
+              <a:gd name="connsiteX2" fmla="*/ 775523 w 1952672"/>
+              <a:gd name="connsiteY2" fmla="*/ 556053 h 1327460"/>
+              <a:gd name="connsiteX3" fmla="*/ 1952672 w 1952672"/>
+              <a:gd name="connsiteY3" fmla="*/ 1327460 h 1327460"/>
+              <a:gd name="connsiteX0" fmla="*/ 0 w 1952672"/>
+              <a:gd name="connsiteY0" fmla="*/ 0 h 1327460"/>
+              <a:gd name="connsiteX1" fmla="*/ 377568 w 1952672"/>
+              <a:gd name="connsiteY1" fmla="*/ 343243 h 1327460"/>
+              <a:gd name="connsiteX2" fmla="*/ 775523 w 1952672"/>
+              <a:gd name="connsiteY2" fmla="*/ 556053 h 1327460"/>
+              <a:gd name="connsiteX3" fmla="*/ 1952672 w 1952672"/>
+              <a:gd name="connsiteY3" fmla="*/ 1327460 h 1327460"/>
+              <a:gd name="connsiteX0" fmla="*/ 0 w 1952672"/>
+              <a:gd name="connsiteY0" fmla="*/ 0 h 1327460"/>
+              <a:gd name="connsiteX1" fmla="*/ 377568 w 1952672"/>
+              <a:gd name="connsiteY1" fmla="*/ 343243 h 1327460"/>
+              <a:gd name="connsiteX2" fmla="*/ 702314 w 1952672"/>
+              <a:gd name="connsiteY2" fmla="*/ 664872 h 1327460"/>
+              <a:gd name="connsiteX3" fmla="*/ 1952672 w 1952672"/>
+              <a:gd name="connsiteY3" fmla="*/ 1327460 h 1327460"/>
+              <a:gd name="connsiteX0" fmla="*/ 0 w 1952672"/>
+              <a:gd name="connsiteY0" fmla="*/ 0 h 1327460"/>
+              <a:gd name="connsiteX1" fmla="*/ 377568 w 1952672"/>
+              <a:gd name="connsiteY1" fmla="*/ 343243 h 1327460"/>
+              <a:gd name="connsiteX2" fmla="*/ 702314 w 1952672"/>
+              <a:gd name="connsiteY2" fmla="*/ 664872 h 1327460"/>
+              <a:gd name="connsiteX3" fmla="*/ 1952672 w 1952672"/>
+              <a:gd name="connsiteY3" fmla="*/ 1327460 h 1327460"/>
+              <a:gd name="connsiteX0" fmla="*/ 0 w 1952672"/>
+              <a:gd name="connsiteY0" fmla="*/ 0 h 1327460"/>
+              <a:gd name="connsiteX1" fmla="*/ 329350 w 1952672"/>
+              <a:gd name="connsiteY1" fmla="*/ 434228 h 1327460"/>
+              <a:gd name="connsiteX2" fmla="*/ 702314 w 1952672"/>
+              <a:gd name="connsiteY2" fmla="*/ 664872 h 1327460"/>
+              <a:gd name="connsiteX3" fmla="*/ 1952672 w 1952672"/>
+              <a:gd name="connsiteY3" fmla="*/ 1327460 h 1327460"/>
+              <a:gd name="connsiteX0" fmla="*/ 0 w 1952672"/>
+              <a:gd name="connsiteY0" fmla="*/ 0 h 1327460"/>
+              <a:gd name="connsiteX1" fmla="*/ 329350 w 1952672"/>
+              <a:gd name="connsiteY1" fmla="*/ 434228 h 1327460"/>
+              <a:gd name="connsiteX2" fmla="*/ 702314 w 1952672"/>
+              <a:gd name="connsiteY2" fmla="*/ 664872 h 1327460"/>
+              <a:gd name="connsiteX3" fmla="*/ 1952672 w 1952672"/>
+              <a:gd name="connsiteY3" fmla="*/ 1327460 h 1327460"/>
+              <a:gd name="connsiteX0" fmla="*/ 0 w 1952672"/>
+              <a:gd name="connsiteY0" fmla="*/ 0 h 1327460"/>
+              <a:gd name="connsiteX1" fmla="*/ 316491 w 1952672"/>
+              <a:gd name="connsiteY1" fmla="*/ 458491 h 1327460"/>
+              <a:gd name="connsiteX2" fmla="*/ 702314 w 1952672"/>
+              <a:gd name="connsiteY2" fmla="*/ 664872 h 1327460"/>
+              <a:gd name="connsiteX3" fmla="*/ 1952672 w 1952672"/>
+              <a:gd name="connsiteY3" fmla="*/ 1327460 h 1327460"/>
+              <a:gd name="connsiteX0" fmla="*/ 0 w 1952672"/>
+              <a:gd name="connsiteY0" fmla="*/ 0 h 1327460"/>
+              <a:gd name="connsiteX1" fmla="*/ 316491 w 1952672"/>
+              <a:gd name="connsiteY1" fmla="*/ 458491 h 1327460"/>
+              <a:gd name="connsiteX2" fmla="*/ 702314 w 1952672"/>
+              <a:gd name="connsiteY2" fmla="*/ 664872 h 1327460"/>
+              <a:gd name="connsiteX3" fmla="*/ 1952672 w 1952672"/>
+              <a:gd name="connsiteY3" fmla="*/ 1327460 h 1327460"/>
+            </a:gdLst>
+            <a:ahLst/>
+            <a:cxnLst>
+              <a:cxn ang="0">
+                <a:pos x="connsiteX0" y="connsiteY0"/>
+              </a:cxn>
+              <a:cxn ang="0">
+                <a:pos x="connsiteX1" y="connsiteY1"/>
+              </a:cxn>
+              <a:cxn ang="0">
+                <a:pos x="connsiteX2" y="connsiteY2"/>
+              </a:cxn>
+              <a:cxn ang="0">
+                <a:pos x="connsiteX3" y="connsiteY3"/>
+              </a:cxn>
+            </a:cxnLst>
+            <a:rect l="l" t="t" r="r" b="b"/>
+            <a:pathLst>
+              <a:path w="1952672" h="1327460">
+                <a:moveTo>
+                  <a:pt x="0" y="0"/>
+                </a:moveTo>
+                <a:cubicBezTo>
+                  <a:pt x="171621" y="59495"/>
+                  <a:pt x="275301" y="337212"/>
+                  <a:pt x="316491" y="458491"/>
+                </a:cubicBezTo>
+                <a:cubicBezTo>
+                  <a:pt x="542052" y="412945"/>
+                  <a:pt x="633501" y="544954"/>
+                  <a:pt x="702314" y="664872"/>
+                </a:cubicBezTo>
+                <a:cubicBezTo>
+                  <a:pt x="1059756" y="841336"/>
+                  <a:pt x="1510673" y="1090645"/>
+                  <a:pt x="1952672" y="1327460"/>
+                </a:cubicBezTo>
+              </a:path>
+            </a:pathLst>
+          </a:custGeom>
+          <a:ln>
+            <a:prstDash val="dash"/>
+          </a:ln>
+        </p:spPr>
+        <p:style>
+          <a:lnRef idx="2">
+            <a:schemeClr val="dk1"/>
+          </a:lnRef>
+          <a:fillRef idx="0">
+            <a:schemeClr val="dk1"/>
+          </a:fillRef>
+          <a:effectRef idx="1">
+            <a:schemeClr val="dk1"/>
+          </a:effectRef>
+          <a:fontRef idx="minor">
+            <a:schemeClr val="tx1"/>
+          </a:fontRef>
+        </p:style>
+        <p:txBody>
+          <a:bodyPr rtlCol="0" anchor="ctr"/>
+          <a:lstStyle/>
+          <a:p>
+            <a:pPr algn="ctr"/>
+            <a:endParaRPr lang="en-US"/>
+          </a:p>
+        </p:txBody>
+      </p:sp>
+      <p:sp>
+        <p:nvSpPr>
+          <p:cNvPr id="4" name="Oval 3"/>
+          <p:cNvSpPr/>
+          <p:nvPr/>
+        </p:nvSpPr>
+        <p:spPr>
+          <a:xfrm rot="19918879">
+            <a:off x="2699233" y="1000470"/>
+            <a:ext cx="123151" cy="123151"/>
+          </a:xfrm>
+          <a:prstGeom prst="ellipse">
+            <a:avLst/>
+          </a:prstGeom>
+        </p:spPr>
+        <p:style>
+          <a:lnRef idx="1">
+            <a:schemeClr val="accent2"/>
+          </a:lnRef>
+          <a:fillRef idx="3">
+            <a:schemeClr val="accent2"/>
+          </a:fillRef>
+          <a:effectRef idx="2">
+            <a:schemeClr val="accent2"/>
+          </a:effectRef>
+          <a:fontRef idx="minor">
+            <a:schemeClr val="lt1"/>
+          </a:fontRef>
+        </p:style>
+        <p:txBody>
+          <a:bodyPr rtlCol="0" anchor="ctr"/>
+          <a:lstStyle/>
+          <a:p>
+            <a:pPr algn="ctr"/>
+            <a:endParaRPr lang="en-US"/>
+          </a:p>
+        </p:txBody>
+      </p:sp>
+      <p:cxnSp>
+        <p:nvCxnSpPr>
+          <p:cNvPr id="7" name="Straight Connector 6"/>
+          <p:cNvCxnSpPr/>
+          <p:nvPr/>
+        </p:nvCxnSpPr>
+        <p:spPr>
+          <a:xfrm>
+            <a:off x="2767811" y="1469081"/>
+            <a:ext cx="0" cy="302054"/>
+          </a:xfrm>
+          <a:prstGeom prst="line">
+            <a:avLst/>
+          </a:prstGeom>
+          <a:ln w="12700" cmpd="sng"/>
+          <a:effectLst/>
+        </p:spPr>
+        <p:style>
+          <a:lnRef idx="2">
+            <a:schemeClr val="dk1"/>
+          </a:lnRef>
+          <a:fillRef idx="0">
+            <a:schemeClr val="dk1"/>
+          </a:fillRef>
+          <a:effectRef idx="1">
+            <a:schemeClr val="dk1"/>
+          </a:effectRef>
+          <a:fontRef idx="minor">
+            <a:schemeClr val="tx1"/>
+          </a:fontRef>
+        </p:style>
+      </p:cxnSp>
+      <p:cxnSp>
+        <p:nvCxnSpPr>
+          <p:cNvPr id="8" name="Straight Connector 7"/>
+          <p:cNvCxnSpPr/>
+          <p:nvPr/>
+        </p:nvCxnSpPr>
+        <p:spPr>
+          <a:xfrm flipV="1">
+            <a:off x="3699704" y="1324623"/>
+            <a:ext cx="0" cy="611269"/>
+          </a:xfrm>
+          <a:prstGeom prst="line">
+            <a:avLst/>
+          </a:prstGeom>
+          <a:ln w="19050" cmpd="sng">
+            <a:solidFill>
+              <a:schemeClr val="tx1"/>
+            </a:solidFill>
+            <a:headEnd type="none"/>
+            <a:tailEnd type="arrow"/>
+          </a:ln>
+          <a:effectLst/>
+        </p:spPr>
+        <p:style>
+          <a:lnRef idx="2">
+            <a:schemeClr val="dk1"/>
+          </a:lnRef>
+          <a:fillRef idx="0">
+            <a:schemeClr val="dk1"/>
+          </a:fillRef>
+          <a:effectRef idx="1">
+            <a:schemeClr val="dk1"/>
+          </a:effectRef>
+          <a:fontRef idx="minor">
+            <a:schemeClr val="tx1"/>
+          </a:fontRef>
+        </p:style>
+      </p:cxnSp>
+      <p:cxnSp>
+        <p:nvCxnSpPr>
+          <p:cNvPr id="9" name="Straight Connector 8"/>
+          <p:cNvCxnSpPr/>
+          <p:nvPr/>
+        </p:nvCxnSpPr>
+        <p:spPr>
+          <a:xfrm>
+            <a:off x="5049692" y="1464962"/>
+            <a:ext cx="0" cy="302054"/>
+          </a:xfrm>
+          <a:prstGeom prst="line">
+            <a:avLst/>
+          </a:prstGeom>
+          <a:ln w="12700" cmpd="sng"/>
+          <a:effectLst/>
+        </p:spPr>
+        <p:style>
+          <a:lnRef idx="2">
+            <a:schemeClr val="dk1"/>
+          </a:lnRef>
+          <a:fillRef idx="0">
+            <a:schemeClr val="dk1"/>
+          </a:fillRef>
+          <a:effectRef idx="1">
+            <a:schemeClr val="dk1"/>
+          </a:effectRef>
+          <a:fontRef idx="minor">
+            <a:schemeClr val="tx1"/>
+          </a:fontRef>
+        </p:style>
+      </p:cxnSp>
+      <p:sp>
+        <p:nvSpPr>
+          <p:cNvPr id="10" name="TextBox 9"/>
+          <p:cNvSpPr txBox="1"/>
+          <p:nvPr/>
+        </p:nvSpPr>
+        <p:spPr>
+          <a:xfrm>
+            <a:off x="2823497" y="1469081"/>
+            <a:ext cx="851849" cy="307777"/>
+          </a:xfrm>
+          <a:prstGeom prst="rect">
+            <a:avLst/>
+          </a:prstGeom>
+          <a:noFill/>
+        </p:spPr>
+        <p:txBody>
+          <a:bodyPr wrap="square" rtlCol="0">
+            <a:spAutoFit/>
+          </a:bodyPr>
+          <a:lstStyle/>
+          <a:p>
+            <a:r>
+              <a:rPr lang="en-US" sz="1400" dirty="0" smtClean="0"/>
+              <a:t>Free-Fall</a:t>
+            </a:r>
+            <a:endParaRPr lang="en-US" sz="1400" dirty="0"/>
+          </a:p>
+        </p:txBody>
+      </p:sp>
+      <p:sp>
+        <p:nvSpPr>
+          <p:cNvPr id="11" name="TextBox 10"/>
+          <p:cNvSpPr txBox="1"/>
+          <p:nvPr/>
+        </p:nvSpPr>
+        <p:spPr>
+          <a:xfrm>
+            <a:off x="3985638" y="1470454"/>
+            <a:ext cx="851849" cy="307777"/>
+          </a:xfrm>
+          <a:prstGeom prst="rect">
+            <a:avLst/>
+          </a:prstGeom>
+          <a:noFill/>
+        </p:spPr>
+        <p:txBody>
+          <a:bodyPr wrap="square" rtlCol="0">
+            <a:spAutoFit/>
+          </a:bodyPr>
+          <a:lstStyle/>
+          <a:p>
+            <a:r>
+              <a:rPr lang="en-US" sz="1400" dirty="0" smtClean="0"/>
+              <a:t>Sliding</a:t>
+            </a:r>
+            <a:endParaRPr lang="en-US" sz="1400" dirty="0"/>
+          </a:p>
+        </p:txBody>
+      </p:sp>
+      <p:cxnSp>
+        <p:nvCxnSpPr>
+          <p:cNvPr id="12" name="Straight Connector 11"/>
+          <p:cNvCxnSpPr/>
+          <p:nvPr/>
+        </p:nvCxnSpPr>
+        <p:spPr>
+          <a:xfrm>
+            <a:off x="2767811" y="1470454"/>
+            <a:ext cx="2281881" cy="0"/>
+          </a:xfrm>
+          <a:prstGeom prst="line">
+            <a:avLst/>
+          </a:prstGeom>
+          <a:ln w="12700" cmpd="sng"/>
+          <a:effectLst/>
+        </p:spPr>
+        <p:style>
+          <a:lnRef idx="2">
+            <a:schemeClr val="dk1"/>
+          </a:lnRef>
+          <a:fillRef idx="0">
+            <a:schemeClr val="dk1"/>
+          </a:fillRef>
+          <a:effectRef idx="1">
+            <a:schemeClr val="dk1"/>
+          </a:effectRef>
+          <a:fontRef idx="minor">
+            <a:schemeClr val="tx1"/>
+          </a:fontRef>
+        </p:style>
+      </p:cxnSp>
+      <p:sp>
+        <p:nvSpPr>
+          <p:cNvPr id="18" name="TextBox 17"/>
+          <p:cNvSpPr txBox="1"/>
+          <p:nvPr/>
+        </p:nvSpPr>
+        <p:spPr>
+          <a:xfrm>
+            <a:off x="3227733" y="1931169"/>
+            <a:ext cx="943941" cy="307777"/>
+          </a:xfrm>
+          <a:prstGeom prst="rect">
+            <a:avLst/>
+          </a:prstGeom>
+          <a:noFill/>
+        </p:spPr>
+        <p:txBody>
+          <a:bodyPr wrap="square" rtlCol="0">
+            <a:spAutoFit/>
+          </a:bodyPr>
+          <a:lstStyle/>
+          <a:p>
+            <a:r>
+              <a:rPr lang="en-US" sz="1400" dirty="0" smtClean="0"/>
+              <a:t>Transition</a:t>
+            </a:r>
+            <a:endParaRPr lang="en-US" sz="1400" dirty="0"/>
+          </a:p>
+        </p:txBody>
+      </p:sp>
+    </p:spTree>
+    <p:extLst>
+      <p:ext uri="{BB962C8B-B14F-4D97-AF65-F5344CB8AC3E}">
+        <p14:creationId xmlns:p14="http://schemas.microsoft.com/office/powerpoint/2010/main" val="1060174673"/>
+      </p:ext>
+    </p:extLst>
+  </p:cSld>
+  <p:clrMapOvr>
+    <a:masterClrMapping/>
+  </p:clrMapOvr>
+</p:sld>
+</file>
+
 <file path=ppt/theme/theme1.xml><?xml version="1.0" encoding="utf-8"?>
 <a:theme xmlns:a="http://schemas.openxmlformats.org/drawingml/2006/main" name="Office Theme">
   <a:themeElements>

--- a/figures/figures.pptx
+++ b/figures/figures.pptx
@@ -13,6 +13,7 @@
     <p:sldId id="261" r:id="rId7"/>
     <p:sldId id="262" r:id="rId8"/>
     <p:sldId id="263" r:id="rId9"/>
+    <p:sldId id="264" r:id="rId10"/>
   </p:sldIdLst>
   <p:sldSz cx="9144000" cy="6858000" type="screen4x3"/>
   <p:notesSz cx="6858000" cy="9144000"/>
@@ -295,7 +296,7 @@
           <a:p>
             <a:fld id="{AF8A4314-7EE0-3B48-A3CB-01AED7CBB16F}" type="datetimeFigureOut">
               <a:rPr lang="en-US" smtClean="0"/>
-              <a:t>11/13/12</a:t>
+              <a:t>11/17/12</a:t>
             </a:fld>
             <a:endParaRPr lang="en-US"/>
           </a:p>
@@ -465,7 +466,7 @@
           <a:p>
             <a:fld id="{AF8A4314-7EE0-3B48-A3CB-01AED7CBB16F}" type="datetimeFigureOut">
               <a:rPr lang="en-US" smtClean="0"/>
-              <a:t>11/13/12</a:t>
+              <a:t>11/17/12</a:t>
             </a:fld>
             <a:endParaRPr lang="en-US"/>
           </a:p>
@@ -645,7 +646,7 @@
           <a:p>
             <a:fld id="{AF8A4314-7EE0-3B48-A3CB-01AED7CBB16F}" type="datetimeFigureOut">
               <a:rPr lang="en-US" smtClean="0"/>
-              <a:t>11/13/12</a:t>
+              <a:t>11/17/12</a:t>
             </a:fld>
             <a:endParaRPr lang="en-US"/>
           </a:p>
@@ -815,7 +816,7 @@
           <a:p>
             <a:fld id="{AF8A4314-7EE0-3B48-A3CB-01AED7CBB16F}" type="datetimeFigureOut">
               <a:rPr lang="en-US" smtClean="0"/>
-              <a:t>11/13/12</a:t>
+              <a:t>11/17/12</a:t>
             </a:fld>
             <a:endParaRPr lang="en-US"/>
           </a:p>
@@ -1061,7 +1062,7 @@
           <a:p>
             <a:fld id="{AF8A4314-7EE0-3B48-A3CB-01AED7CBB16F}" type="datetimeFigureOut">
               <a:rPr lang="en-US" smtClean="0"/>
-              <a:t>11/13/12</a:t>
+              <a:t>11/17/12</a:t>
             </a:fld>
             <a:endParaRPr lang="en-US"/>
           </a:p>
@@ -1349,7 +1350,7 @@
           <a:p>
             <a:fld id="{AF8A4314-7EE0-3B48-A3CB-01AED7CBB16F}" type="datetimeFigureOut">
               <a:rPr lang="en-US" smtClean="0"/>
-              <a:t>11/13/12</a:t>
+              <a:t>11/17/12</a:t>
             </a:fld>
             <a:endParaRPr lang="en-US"/>
           </a:p>
@@ -1771,7 +1772,7 @@
           <a:p>
             <a:fld id="{AF8A4314-7EE0-3B48-A3CB-01AED7CBB16F}" type="datetimeFigureOut">
               <a:rPr lang="en-US" smtClean="0"/>
-              <a:t>11/13/12</a:t>
+              <a:t>11/17/12</a:t>
             </a:fld>
             <a:endParaRPr lang="en-US"/>
           </a:p>
@@ -1889,7 +1890,7 @@
           <a:p>
             <a:fld id="{AF8A4314-7EE0-3B48-A3CB-01AED7CBB16F}" type="datetimeFigureOut">
               <a:rPr lang="en-US" smtClean="0"/>
-              <a:t>11/13/12</a:t>
+              <a:t>11/17/12</a:t>
             </a:fld>
             <a:endParaRPr lang="en-US"/>
           </a:p>
@@ -1984,7 +1985,7 @@
           <a:p>
             <a:fld id="{AF8A4314-7EE0-3B48-A3CB-01AED7CBB16F}" type="datetimeFigureOut">
               <a:rPr lang="en-US" smtClean="0"/>
-              <a:t>11/13/12</a:t>
+              <a:t>11/17/12</a:t>
             </a:fld>
             <a:endParaRPr lang="en-US"/>
           </a:p>
@@ -2261,7 +2262,7 @@
           <a:p>
             <a:fld id="{AF8A4314-7EE0-3B48-A3CB-01AED7CBB16F}" type="datetimeFigureOut">
               <a:rPr lang="en-US" smtClean="0"/>
-              <a:t>11/13/12</a:t>
+              <a:t>11/17/12</a:t>
             </a:fld>
             <a:endParaRPr lang="en-US"/>
           </a:p>
@@ -2514,7 +2515,7 @@
           <a:p>
             <a:fld id="{AF8A4314-7EE0-3B48-A3CB-01AED7CBB16F}" type="datetimeFigureOut">
               <a:rPr lang="en-US" smtClean="0"/>
-              <a:t>11/13/12</a:t>
+              <a:t>11/17/12</a:t>
             </a:fld>
             <a:endParaRPr lang="en-US"/>
           </a:p>
@@ -2727,7 +2728,7 @@
           <a:p>
             <a:fld id="{AF8A4314-7EE0-3B48-A3CB-01AED7CBB16F}" type="datetimeFigureOut">
               <a:rPr lang="en-US" smtClean="0"/>
-              <a:t>11/13/12</a:t>
+              <a:t>11/17/12</a:t>
             </a:fld>
             <a:endParaRPr lang="en-US"/>
           </a:p>
@@ -8600,6 +8601,1003 @@
 </p:sld>
 </file>
 
+<file path=ppt/slides/slide9.xml><?xml version="1.0" encoding="utf-8"?>
+<p:sld xmlns:a="http://schemas.openxmlformats.org/drawingml/2006/main" xmlns:r="http://schemas.openxmlformats.org/officeDocument/2006/relationships" xmlns:p="http://schemas.openxmlformats.org/presentationml/2006/main">
+  <p:cSld>
+    <p:spTree>
+      <p:nvGrpSpPr>
+        <p:cNvPr id="1" name=""/>
+        <p:cNvGrpSpPr/>
+        <p:nvPr/>
+      </p:nvGrpSpPr>
+      <p:grpSpPr>
+        <a:xfrm>
+          <a:off x="0" y="0"/>
+          <a:ext cx="0" cy="0"/>
+          <a:chOff x="0" y="0"/>
+          <a:chExt cx="0" cy="0"/>
+        </a:xfrm>
+      </p:grpSpPr>
+      <p:grpSp>
+        <p:nvGrpSpPr>
+          <p:cNvPr id="14" name="Group 13"/>
+          <p:cNvGrpSpPr/>
+          <p:nvPr/>
+        </p:nvGrpSpPr>
+        <p:grpSpPr>
+          <a:xfrm>
+            <a:off x="1366762" y="2162022"/>
+            <a:ext cx="520096" cy="520096"/>
+            <a:chOff x="2467428" y="1596571"/>
+            <a:chExt cx="520096" cy="520096"/>
+          </a:xfrm>
+        </p:grpSpPr>
+        <p:cxnSp>
+          <p:nvCxnSpPr>
+            <p:cNvPr id="10" name="Straight Arrow Connector 9"/>
+            <p:cNvCxnSpPr/>
+            <p:nvPr/>
+          </p:nvCxnSpPr>
+          <p:spPr>
+            <a:xfrm flipV="1">
+              <a:off x="2467428" y="1596571"/>
+              <a:ext cx="0" cy="520096"/>
+            </a:xfrm>
+            <a:prstGeom prst="straightConnector1">
+              <a:avLst/>
+            </a:prstGeom>
+            <a:ln>
+              <a:solidFill>
+                <a:schemeClr val="bg1">
+                  <a:lumMod val="50000"/>
+                </a:schemeClr>
+              </a:solidFill>
+              <a:tailEnd type="arrow"/>
+            </a:ln>
+            <a:effectLst/>
+          </p:spPr>
+          <p:style>
+            <a:lnRef idx="2">
+              <a:schemeClr val="dk1"/>
+            </a:lnRef>
+            <a:fillRef idx="0">
+              <a:schemeClr val="dk1"/>
+            </a:fillRef>
+            <a:effectRef idx="1">
+              <a:schemeClr val="dk1"/>
+            </a:effectRef>
+            <a:fontRef idx="minor">
+              <a:schemeClr val="tx1"/>
+            </a:fontRef>
+          </p:style>
+        </p:cxnSp>
+        <p:cxnSp>
+          <p:nvCxnSpPr>
+            <p:cNvPr id="11" name="Straight Arrow Connector 10"/>
+            <p:cNvCxnSpPr/>
+            <p:nvPr/>
+          </p:nvCxnSpPr>
+          <p:spPr>
+            <a:xfrm rot="5400000" flipV="1">
+              <a:off x="2727476" y="1845733"/>
+              <a:ext cx="0" cy="520096"/>
+            </a:xfrm>
+            <a:prstGeom prst="straightConnector1">
+              <a:avLst/>
+            </a:prstGeom>
+            <a:ln>
+              <a:solidFill>
+                <a:schemeClr val="bg1">
+                  <a:lumMod val="50000"/>
+                </a:schemeClr>
+              </a:solidFill>
+              <a:tailEnd type="arrow"/>
+            </a:ln>
+            <a:effectLst/>
+          </p:spPr>
+          <p:style>
+            <a:lnRef idx="2">
+              <a:schemeClr val="dk1"/>
+            </a:lnRef>
+            <a:fillRef idx="0">
+              <a:schemeClr val="dk1"/>
+            </a:fillRef>
+            <a:effectRef idx="1">
+              <a:schemeClr val="dk1"/>
+            </a:effectRef>
+            <a:fontRef idx="minor">
+              <a:schemeClr val="tx1"/>
+            </a:fontRef>
+          </p:style>
+        </p:cxnSp>
+      </p:grpSp>
+      <p:cxnSp>
+        <p:nvCxnSpPr>
+          <p:cNvPr id="20" name="Straight Arrow Connector 19"/>
+          <p:cNvCxnSpPr/>
+          <p:nvPr/>
+        </p:nvCxnSpPr>
+        <p:spPr>
+          <a:xfrm flipV="1">
+            <a:off x="1366762" y="1717522"/>
+            <a:ext cx="929821" cy="964597"/>
+          </a:xfrm>
+          <a:prstGeom prst="straightConnector1">
+            <a:avLst/>
+          </a:prstGeom>
+          <a:ln w="28575" cmpd="sng">
+            <a:tailEnd type="arrow"/>
+          </a:ln>
+          <a:effectLst/>
+        </p:spPr>
+        <p:style>
+          <a:lnRef idx="2">
+            <a:schemeClr val="dk1"/>
+          </a:lnRef>
+          <a:fillRef idx="0">
+            <a:schemeClr val="dk1"/>
+          </a:fillRef>
+          <a:effectRef idx="1">
+            <a:schemeClr val="dk1"/>
+          </a:effectRef>
+          <a:fontRef idx="minor">
+            <a:schemeClr val="tx1"/>
+          </a:fontRef>
+        </p:style>
+      </p:cxnSp>
+      <p:sp>
+        <p:nvSpPr>
+          <p:cNvPr id="24" name="TextBox 23"/>
+          <p:cNvSpPr txBox="1"/>
+          <p:nvPr/>
+        </p:nvSpPr>
+        <p:spPr>
+          <a:xfrm>
+            <a:off x="1602621" y="1741503"/>
+            <a:ext cx="399142" cy="369332"/>
+          </a:xfrm>
+          <a:prstGeom prst="rect">
+            <a:avLst/>
+          </a:prstGeom>
+          <a:noFill/>
+        </p:spPr>
+        <p:txBody>
+          <a:bodyPr wrap="square" rtlCol="0">
+            <a:spAutoFit/>
+          </a:bodyPr>
+          <a:lstStyle/>
+          <a:p>
+            <a:r>
+              <a:rPr lang="en-US" dirty="0" smtClean="0"/>
+              <a:t>X</a:t>
+            </a:r>
+            <a:r>
+              <a:rPr lang="en-US" baseline="-25000" dirty="0" smtClean="0"/>
+              <a:t>0</a:t>
+            </a:r>
+            <a:endParaRPr lang="en-US" baseline="-25000" dirty="0"/>
+          </a:p>
+        </p:txBody>
+      </p:sp>
+      <p:cxnSp>
+        <p:nvCxnSpPr>
+          <p:cNvPr id="25" name="Straight Arrow Connector 24"/>
+          <p:cNvCxnSpPr/>
+          <p:nvPr/>
+        </p:nvCxnSpPr>
+        <p:spPr>
+          <a:xfrm flipV="1">
+            <a:off x="2296583" y="1400022"/>
+            <a:ext cx="751417" cy="317502"/>
+          </a:xfrm>
+          <a:prstGeom prst="straightConnector1">
+            <a:avLst/>
+          </a:prstGeom>
+          <a:ln w="28575" cmpd="sng">
+            <a:tailEnd type="arrow"/>
+          </a:ln>
+          <a:effectLst/>
+        </p:spPr>
+        <p:style>
+          <a:lnRef idx="2">
+            <a:schemeClr val="dk1"/>
+          </a:lnRef>
+          <a:fillRef idx="0">
+            <a:schemeClr val="dk1"/>
+          </a:fillRef>
+          <a:effectRef idx="1">
+            <a:schemeClr val="dk1"/>
+          </a:effectRef>
+          <a:fontRef idx="minor">
+            <a:schemeClr val="tx1"/>
+          </a:fontRef>
+        </p:style>
+      </p:cxnSp>
+      <p:sp>
+        <p:nvSpPr>
+          <p:cNvPr id="28" name="TextBox 27"/>
+          <p:cNvSpPr txBox="1"/>
+          <p:nvPr/>
+        </p:nvSpPr>
+        <p:spPr>
+          <a:xfrm>
+            <a:off x="2587574" y="1471402"/>
+            <a:ext cx="399142" cy="369332"/>
+          </a:xfrm>
+          <a:prstGeom prst="rect">
+            <a:avLst/>
+          </a:prstGeom>
+          <a:noFill/>
+        </p:spPr>
+        <p:txBody>
+          <a:bodyPr wrap="square" rtlCol="0">
+            <a:spAutoFit/>
+          </a:bodyPr>
+          <a:lstStyle/>
+          <a:p>
+            <a:r>
+              <a:rPr lang="en-US" dirty="0" smtClean="0"/>
+              <a:t>v</a:t>
+            </a:r>
+            <a:r>
+              <a:rPr lang="en-US" baseline="-25000" dirty="0" smtClean="0"/>
+              <a:t>0</a:t>
+            </a:r>
+            <a:endParaRPr lang="en-US" baseline="-25000" dirty="0"/>
+          </a:p>
+        </p:txBody>
+      </p:sp>
+      <p:cxnSp>
+        <p:nvCxnSpPr>
+          <p:cNvPr id="34" name="Straight Arrow Connector 33"/>
+          <p:cNvCxnSpPr/>
+          <p:nvPr/>
+        </p:nvCxnSpPr>
+        <p:spPr>
+          <a:xfrm>
+            <a:off x="2296583" y="1722066"/>
+            <a:ext cx="1511" cy="546098"/>
+          </a:xfrm>
+          <a:prstGeom prst="straightConnector1">
+            <a:avLst/>
+          </a:prstGeom>
+          <a:ln w="28575" cmpd="sng">
+            <a:tailEnd type="arrow"/>
+          </a:ln>
+          <a:effectLst/>
+        </p:spPr>
+        <p:style>
+          <a:lnRef idx="2">
+            <a:schemeClr val="dk1"/>
+          </a:lnRef>
+          <a:fillRef idx="0">
+            <a:schemeClr val="dk1"/>
+          </a:fillRef>
+          <a:effectRef idx="1">
+            <a:schemeClr val="dk1"/>
+          </a:effectRef>
+          <a:fontRef idx="minor">
+            <a:schemeClr val="tx1"/>
+          </a:fontRef>
+        </p:style>
+      </p:cxnSp>
+      <p:grpSp>
+        <p:nvGrpSpPr>
+          <p:cNvPr id="37" name="Group 36"/>
+          <p:cNvGrpSpPr/>
+          <p:nvPr/>
+        </p:nvGrpSpPr>
+        <p:grpSpPr>
+          <a:xfrm>
+            <a:off x="4864496" y="2162929"/>
+            <a:ext cx="520096" cy="520096"/>
+            <a:chOff x="2467428" y="1596571"/>
+            <a:chExt cx="520096" cy="520096"/>
+          </a:xfrm>
+        </p:grpSpPr>
+        <p:cxnSp>
+          <p:nvCxnSpPr>
+            <p:cNvPr id="38" name="Straight Arrow Connector 37"/>
+            <p:cNvCxnSpPr/>
+            <p:nvPr/>
+          </p:nvCxnSpPr>
+          <p:spPr>
+            <a:xfrm flipV="1">
+              <a:off x="2467428" y="1596571"/>
+              <a:ext cx="0" cy="520096"/>
+            </a:xfrm>
+            <a:prstGeom prst="straightConnector1">
+              <a:avLst/>
+            </a:prstGeom>
+            <a:ln>
+              <a:solidFill>
+                <a:schemeClr val="bg1">
+                  <a:lumMod val="50000"/>
+                </a:schemeClr>
+              </a:solidFill>
+              <a:tailEnd type="arrow"/>
+            </a:ln>
+            <a:effectLst/>
+          </p:spPr>
+          <p:style>
+            <a:lnRef idx="2">
+              <a:schemeClr val="dk1"/>
+            </a:lnRef>
+            <a:fillRef idx="0">
+              <a:schemeClr val="dk1"/>
+            </a:fillRef>
+            <a:effectRef idx="1">
+              <a:schemeClr val="dk1"/>
+            </a:effectRef>
+            <a:fontRef idx="minor">
+              <a:schemeClr val="tx1"/>
+            </a:fontRef>
+          </p:style>
+        </p:cxnSp>
+        <p:cxnSp>
+          <p:nvCxnSpPr>
+            <p:cNvPr id="39" name="Straight Arrow Connector 38"/>
+            <p:cNvCxnSpPr/>
+            <p:nvPr/>
+          </p:nvCxnSpPr>
+          <p:spPr>
+            <a:xfrm rot="5400000" flipV="1">
+              <a:off x="2727476" y="1845733"/>
+              <a:ext cx="0" cy="520096"/>
+            </a:xfrm>
+            <a:prstGeom prst="straightConnector1">
+              <a:avLst/>
+            </a:prstGeom>
+            <a:ln>
+              <a:solidFill>
+                <a:schemeClr val="bg1">
+                  <a:lumMod val="50000"/>
+                </a:schemeClr>
+              </a:solidFill>
+              <a:tailEnd type="arrow"/>
+            </a:ln>
+            <a:effectLst/>
+          </p:spPr>
+          <p:style>
+            <a:lnRef idx="2">
+              <a:schemeClr val="dk1"/>
+            </a:lnRef>
+            <a:fillRef idx="0">
+              <a:schemeClr val="dk1"/>
+            </a:fillRef>
+            <a:effectRef idx="1">
+              <a:schemeClr val="dk1"/>
+            </a:effectRef>
+            <a:fontRef idx="minor">
+              <a:schemeClr val="tx1"/>
+            </a:fontRef>
+          </p:style>
+        </p:cxnSp>
+      </p:grpSp>
+      <p:sp>
+        <p:nvSpPr>
+          <p:cNvPr id="46" name="Right Arrow 45"/>
+          <p:cNvSpPr/>
+          <p:nvPr/>
+        </p:nvSpPr>
+        <p:spPr>
+          <a:xfrm>
+            <a:off x="3226741" y="1780098"/>
+            <a:ext cx="1476963" cy="1024314"/>
+          </a:xfrm>
+          <a:prstGeom prst="rightArrow">
+            <a:avLst/>
+          </a:prstGeom>
+        </p:spPr>
+        <p:style>
+          <a:lnRef idx="1">
+            <a:schemeClr val="dk1"/>
+          </a:lnRef>
+          <a:fillRef idx="3">
+            <a:schemeClr val="dk1"/>
+          </a:fillRef>
+          <a:effectRef idx="2">
+            <a:schemeClr val="dk1"/>
+          </a:effectRef>
+          <a:fontRef idx="minor">
+            <a:schemeClr val="lt1"/>
+          </a:fontRef>
+        </p:style>
+        <p:txBody>
+          <a:bodyPr rtlCol="0" anchor="ctr"/>
+          <a:lstStyle/>
+          <a:p>
+            <a:pPr algn="ctr"/>
+            <a:r>
+              <a:rPr lang="en-US" dirty="0" smtClean="0"/>
+              <a:t>Integration</a:t>
+            </a:r>
+            <a:endParaRPr lang="en-US" dirty="0"/>
+          </a:p>
+        </p:txBody>
+      </p:sp>
+      <p:sp>
+        <p:nvSpPr>
+          <p:cNvPr id="47" name="Oval 46"/>
+          <p:cNvSpPr/>
+          <p:nvPr/>
+        </p:nvSpPr>
+        <p:spPr>
+          <a:xfrm>
+            <a:off x="5743911" y="1648302"/>
+            <a:ext cx="100811" cy="100811"/>
+          </a:xfrm>
+          <a:prstGeom prst="ellipse">
+            <a:avLst/>
+          </a:prstGeom>
+          <a:solidFill>
+            <a:schemeClr val="tx1"/>
+          </a:solidFill>
+          <a:effectLst/>
+        </p:spPr>
+        <p:style>
+          <a:lnRef idx="1">
+            <a:schemeClr val="dk1"/>
+          </a:lnRef>
+          <a:fillRef idx="3">
+            <a:schemeClr val="dk1"/>
+          </a:fillRef>
+          <a:effectRef idx="2">
+            <a:schemeClr val="dk1"/>
+          </a:effectRef>
+          <a:fontRef idx="minor">
+            <a:schemeClr val="lt1"/>
+          </a:fontRef>
+        </p:style>
+        <p:txBody>
+          <a:bodyPr rtlCol="0" anchor="ctr"/>
+          <a:lstStyle/>
+          <a:p>
+            <a:pPr algn="ctr"/>
+            <a:endParaRPr lang="en-US"/>
+          </a:p>
+        </p:txBody>
+      </p:sp>
+      <p:sp>
+        <p:nvSpPr>
+          <p:cNvPr id="62" name="Freeform 61"/>
+          <p:cNvSpPr/>
+          <p:nvPr/>
+        </p:nvSpPr>
+        <p:spPr>
+          <a:xfrm>
+            <a:off x="5766741" y="1432132"/>
+            <a:ext cx="1770673" cy="1423013"/>
+          </a:xfrm>
+          <a:custGeom>
+            <a:avLst/>
+            <a:gdLst>
+              <a:gd name="connsiteX0" fmla="*/ 0 w 1815629"/>
+              <a:gd name="connsiteY0" fmla="*/ 281103 h 854955"/>
+              <a:gd name="connsiteX1" fmla="*/ 1044222 w 1815629"/>
+              <a:gd name="connsiteY1" fmla="*/ 27103 h 854955"/>
+              <a:gd name="connsiteX2" fmla="*/ 1815629 w 1815629"/>
+              <a:gd name="connsiteY2" fmla="*/ 854955 h 854955"/>
+              <a:gd name="connsiteX0" fmla="*/ 0 w 1815629"/>
+              <a:gd name="connsiteY0" fmla="*/ 281103 h 854955"/>
+              <a:gd name="connsiteX1" fmla="*/ 1044222 w 1815629"/>
+              <a:gd name="connsiteY1" fmla="*/ 27103 h 854955"/>
+              <a:gd name="connsiteX2" fmla="*/ 1653688 w 1815629"/>
+              <a:gd name="connsiteY2" fmla="*/ 576099 h 854955"/>
+              <a:gd name="connsiteX3" fmla="*/ 1815629 w 1815629"/>
+              <a:gd name="connsiteY3" fmla="*/ 854955 h 854955"/>
+              <a:gd name="connsiteX0" fmla="*/ 0 w 1667504"/>
+              <a:gd name="connsiteY0" fmla="*/ 281103 h 1444597"/>
+              <a:gd name="connsiteX1" fmla="*/ 1044222 w 1667504"/>
+              <a:gd name="connsiteY1" fmla="*/ 27103 h 1444597"/>
+              <a:gd name="connsiteX2" fmla="*/ 1653688 w 1667504"/>
+              <a:gd name="connsiteY2" fmla="*/ 576099 h 1444597"/>
+              <a:gd name="connsiteX3" fmla="*/ 990129 w 1667504"/>
+              <a:gd name="connsiteY3" fmla="*/ 1444597 h 1444597"/>
+              <a:gd name="connsiteX0" fmla="*/ 0 w 1689834"/>
+              <a:gd name="connsiteY0" fmla="*/ 281103 h 1444597"/>
+              <a:gd name="connsiteX1" fmla="*/ 1044222 w 1689834"/>
+              <a:gd name="connsiteY1" fmla="*/ 27103 h 1444597"/>
+              <a:gd name="connsiteX2" fmla="*/ 1653688 w 1689834"/>
+              <a:gd name="connsiteY2" fmla="*/ 576099 h 1444597"/>
+              <a:gd name="connsiteX3" fmla="*/ 990129 w 1689834"/>
+              <a:gd name="connsiteY3" fmla="*/ 1444597 h 1444597"/>
+              <a:gd name="connsiteX0" fmla="*/ 0 w 1773627"/>
+              <a:gd name="connsiteY0" fmla="*/ 281103 h 1444597"/>
+              <a:gd name="connsiteX1" fmla="*/ 1044222 w 1773627"/>
+              <a:gd name="connsiteY1" fmla="*/ 27103 h 1444597"/>
+              <a:gd name="connsiteX2" fmla="*/ 1744402 w 1773627"/>
+              <a:gd name="connsiteY2" fmla="*/ 576099 h 1444597"/>
+              <a:gd name="connsiteX3" fmla="*/ 990129 w 1773627"/>
+              <a:gd name="connsiteY3" fmla="*/ 1444597 h 1444597"/>
+              <a:gd name="connsiteX0" fmla="*/ 0 w 1770673"/>
+              <a:gd name="connsiteY0" fmla="*/ 281103 h 1444597"/>
+              <a:gd name="connsiteX1" fmla="*/ 1044222 w 1770673"/>
+              <a:gd name="connsiteY1" fmla="*/ 27103 h 1444597"/>
+              <a:gd name="connsiteX2" fmla="*/ 1744402 w 1770673"/>
+              <a:gd name="connsiteY2" fmla="*/ 576099 h 1444597"/>
+              <a:gd name="connsiteX3" fmla="*/ 990129 w 1770673"/>
+              <a:gd name="connsiteY3" fmla="*/ 1444597 h 1444597"/>
+              <a:gd name="connsiteX0" fmla="*/ 0 w 1770673"/>
+              <a:gd name="connsiteY0" fmla="*/ 281103 h 1444597"/>
+              <a:gd name="connsiteX1" fmla="*/ 1044222 w 1770673"/>
+              <a:gd name="connsiteY1" fmla="*/ 27103 h 1444597"/>
+              <a:gd name="connsiteX2" fmla="*/ 1744402 w 1770673"/>
+              <a:gd name="connsiteY2" fmla="*/ 576099 h 1444597"/>
+              <a:gd name="connsiteX3" fmla="*/ 990129 w 1770673"/>
+              <a:gd name="connsiteY3" fmla="*/ 1444597 h 1444597"/>
+              <a:gd name="connsiteX0" fmla="*/ 0 w 1770673"/>
+              <a:gd name="connsiteY0" fmla="*/ 259519 h 1423013"/>
+              <a:gd name="connsiteX1" fmla="*/ 1044222 w 1770673"/>
+              <a:gd name="connsiteY1" fmla="*/ 5519 h 1423013"/>
+              <a:gd name="connsiteX2" fmla="*/ 1744402 w 1770673"/>
+              <a:gd name="connsiteY2" fmla="*/ 554515 h 1423013"/>
+              <a:gd name="connsiteX3" fmla="*/ 990129 w 1770673"/>
+              <a:gd name="connsiteY3" fmla="*/ 1423013 h 1423013"/>
+              <a:gd name="connsiteX0" fmla="*/ 0 w 1770673"/>
+              <a:gd name="connsiteY0" fmla="*/ 259519 h 1423013"/>
+              <a:gd name="connsiteX1" fmla="*/ 1044222 w 1770673"/>
+              <a:gd name="connsiteY1" fmla="*/ 5519 h 1423013"/>
+              <a:gd name="connsiteX2" fmla="*/ 1744402 w 1770673"/>
+              <a:gd name="connsiteY2" fmla="*/ 554515 h 1423013"/>
+              <a:gd name="connsiteX3" fmla="*/ 990129 w 1770673"/>
+              <a:gd name="connsiteY3" fmla="*/ 1423013 h 1423013"/>
+            </a:gdLst>
+            <a:ahLst/>
+            <a:cxnLst>
+              <a:cxn ang="0">
+                <a:pos x="connsiteX0" y="connsiteY0"/>
+              </a:cxn>
+              <a:cxn ang="0">
+                <a:pos x="connsiteX1" y="connsiteY1"/>
+              </a:cxn>
+              <a:cxn ang="0">
+                <a:pos x="connsiteX2" y="connsiteY2"/>
+              </a:cxn>
+              <a:cxn ang="0">
+                <a:pos x="connsiteX3" y="connsiteY3"/>
+              </a:cxn>
+            </a:cxnLst>
+            <a:rect l="l" t="t" r="r" b="b"/>
+            <a:pathLst>
+              <a:path w="1770673" h="1423013">
+                <a:moveTo>
+                  <a:pt x="0" y="259519"/>
+                </a:moveTo>
+                <a:cubicBezTo>
+                  <a:pt x="370808" y="84698"/>
+                  <a:pt x="532974" y="-26623"/>
+                  <a:pt x="1044222" y="5519"/>
+                </a:cubicBezTo>
+                <a:cubicBezTo>
+                  <a:pt x="1409038" y="90970"/>
+                  <a:pt x="1633977" y="262326"/>
+                  <a:pt x="1744402" y="554515"/>
+                </a:cubicBezTo>
+                <a:cubicBezTo>
+                  <a:pt x="1863899" y="937419"/>
+                  <a:pt x="1569412" y="1222323"/>
+                  <a:pt x="990129" y="1423013"/>
+                </a:cubicBezTo>
+              </a:path>
+            </a:pathLst>
+          </a:custGeom>
+          <a:ln>
+            <a:prstDash val="dash"/>
+            <a:headEnd type="none"/>
+            <a:tailEnd type="arrow"/>
+          </a:ln>
+        </p:spPr>
+        <p:style>
+          <a:lnRef idx="2">
+            <a:schemeClr val="dk1"/>
+          </a:lnRef>
+          <a:fillRef idx="0">
+            <a:schemeClr val="dk1"/>
+          </a:fillRef>
+          <a:effectRef idx="1">
+            <a:schemeClr val="dk1"/>
+          </a:effectRef>
+          <a:fontRef idx="minor">
+            <a:schemeClr val="tx1"/>
+          </a:fontRef>
+        </p:style>
+        <p:txBody>
+          <a:bodyPr rtlCol="0" anchor="ctr"/>
+          <a:lstStyle/>
+          <a:p>
+            <a:pPr algn="ctr"/>
+            <a:endParaRPr lang="en-US"/>
+          </a:p>
+        </p:txBody>
+      </p:sp>
+      <p:sp>
+        <p:nvSpPr>
+          <p:cNvPr id="63" name="TextBox 62"/>
+          <p:cNvSpPr txBox="1"/>
+          <p:nvPr/>
+        </p:nvSpPr>
+        <p:spPr>
+          <a:xfrm>
+            <a:off x="5445580" y="1282452"/>
+            <a:ext cx="518716" cy="369332"/>
+          </a:xfrm>
+          <a:prstGeom prst="rect">
+            <a:avLst/>
+          </a:prstGeom>
+          <a:noFill/>
+        </p:spPr>
+        <p:txBody>
+          <a:bodyPr wrap="square" rtlCol="0">
+            <a:spAutoFit/>
+          </a:bodyPr>
+          <a:lstStyle/>
+          <a:p>
+            <a:r>
+              <a:rPr lang="en-US" dirty="0" smtClean="0"/>
+              <a:t>t</a:t>
+            </a:r>
+            <a:r>
+              <a:rPr lang="en-US" dirty="0" smtClean="0"/>
+              <a:t>=1</a:t>
+            </a:r>
+            <a:endParaRPr lang="en-US" baseline="-25000" dirty="0"/>
+          </a:p>
+        </p:txBody>
+      </p:sp>
+      <p:sp>
+        <p:nvSpPr>
+          <p:cNvPr id="64" name="TextBox 63"/>
+          <p:cNvSpPr txBox="1"/>
+          <p:nvPr/>
+        </p:nvSpPr>
+        <p:spPr>
+          <a:xfrm>
+            <a:off x="6548227" y="2315814"/>
+            <a:ext cx="518716" cy="369332"/>
+          </a:xfrm>
+          <a:prstGeom prst="rect">
+            <a:avLst/>
+          </a:prstGeom>
+          <a:noFill/>
+        </p:spPr>
+        <p:txBody>
+          <a:bodyPr wrap="square" rtlCol="0">
+            <a:spAutoFit/>
+          </a:bodyPr>
+          <a:lstStyle/>
+          <a:p>
+            <a:r>
+              <a:rPr lang="en-US" dirty="0" smtClean="0"/>
+              <a:t>t=2</a:t>
+            </a:r>
+            <a:endParaRPr lang="en-US" baseline="-25000" dirty="0"/>
+          </a:p>
+        </p:txBody>
+      </p:sp>
+      <p:grpSp>
+        <p:nvGrpSpPr>
+          <p:cNvPr id="35" name="Group 34"/>
+          <p:cNvGrpSpPr/>
+          <p:nvPr/>
+        </p:nvGrpSpPr>
+        <p:grpSpPr>
+          <a:xfrm>
+            <a:off x="3404815" y="227422"/>
+            <a:ext cx="1372398" cy="1379838"/>
+            <a:chOff x="4212907" y="3425568"/>
+            <a:chExt cx="1372398" cy="1379838"/>
+          </a:xfrm>
+        </p:grpSpPr>
+        <p:sp>
+          <p:nvSpPr>
+            <p:cNvPr id="33" name="Rectangle 32"/>
+            <p:cNvSpPr/>
+            <p:nvPr/>
+          </p:nvSpPr>
+          <p:spPr>
+            <a:xfrm>
+              <a:off x="4212907" y="3425568"/>
+              <a:ext cx="1372398" cy="1379838"/>
+            </a:xfrm>
+            <a:prstGeom prst="rect">
+              <a:avLst/>
+            </a:prstGeom>
+            <a:noFill/>
+            <a:ln w="12700" cmpd="sng"/>
+          </p:spPr>
+          <p:style>
+            <a:lnRef idx="2">
+              <a:schemeClr val="dk1"/>
+            </a:lnRef>
+            <a:fillRef idx="1">
+              <a:schemeClr val="lt1"/>
+            </a:fillRef>
+            <a:effectRef idx="0">
+              <a:schemeClr val="dk1"/>
+            </a:effectRef>
+            <a:fontRef idx="minor">
+              <a:schemeClr val="dk1"/>
+            </a:fontRef>
+          </p:style>
+          <p:txBody>
+            <a:bodyPr rtlCol="0" anchor="ctr"/>
+            <a:lstStyle/>
+            <a:p>
+              <a:pPr algn="ctr"/>
+              <a:endParaRPr lang="en-US"/>
+            </a:p>
+          </p:txBody>
+        </p:sp>
+        <p:sp>
+          <p:nvSpPr>
+            <p:cNvPr id="4" name="Arc 3"/>
+            <p:cNvSpPr/>
+            <p:nvPr/>
+          </p:nvSpPr>
+          <p:spPr>
+            <a:xfrm rot="10800000">
+              <a:off x="4442305" y="3493234"/>
+              <a:ext cx="1143000" cy="1141532"/>
+            </a:xfrm>
+            <a:prstGeom prst="arc">
+              <a:avLst>
+                <a:gd name="adj1" fmla="val 16200000"/>
+                <a:gd name="adj2" fmla="val 19872330"/>
+              </a:avLst>
+            </a:prstGeom>
+            <a:ln>
+              <a:solidFill>
+                <a:schemeClr val="bg1">
+                  <a:lumMod val="50000"/>
+                </a:schemeClr>
+              </a:solidFill>
+              <a:prstDash val="sysDash"/>
+              <a:headEnd type="none"/>
+              <a:tailEnd type="arrow"/>
+            </a:ln>
+          </p:spPr>
+          <p:style>
+            <a:lnRef idx="2">
+              <a:schemeClr val="dk1"/>
+            </a:lnRef>
+            <a:fillRef idx="0">
+              <a:schemeClr val="dk1"/>
+            </a:fillRef>
+            <a:effectRef idx="1">
+              <a:schemeClr val="dk1"/>
+            </a:effectRef>
+            <a:fontRef idx="minor">
+              <a:schemeClr val="tx1"/>
+            </a:fontRef>
+          </p:style>
+          <p:txBody>
+            <a:bodyPr rtlCol="0" anchor="ctr"/>
+            <a:lstStyle/>
+            <a:p>
+              <a:pPr algn="ctr"/>
+              <a:endParaRPr lang="en-US"/>
+            </a:p>
+          </p:txBody>
+        </p:sp>
+        <p:sp>
+          <p:nvSpPr>
+            <p:cNvPr id="36" name="TextBox 35"/>
+            <p:cNvSpPr txBox="1"/>
+            <p:nvPr/>
+          </p:nvSpPr>
+          <p:spPr>
+            <a:xfrm>
+              <a:off x="5013805" y="4254762"/>
+              <a:ext cx="529566" cy="369332"/>
+            </a:xfrm>
+            <a:prstGeom prst="rect">
+              <a:avLst/>
+            </a:prstGeom>
+            <a:noFill/>
+          </p:spPr>
+          <p:txBody>
+            <a:bodyPr wrap="square" rtlCol="0">
+              <a:spAutoFit/>
+            </a:bodyPr>
+            <a:lstStyle/>
+            <a:p>
+              <a:r>
+                <a:rPr lang="en-US" dirty="0" smtClean="0"/>
+                <a:t>a</a:t>
+              </a:r>
+              <a:r>
+                <a:rPr lang="en-US" baseline="-25000" dirty="0" smtClean="0"/>
+                <a:t>t=1</a:t>
+              </a:r>
+              <a:endParaRPr lang="en-US" baseline="-25000" dirty="0"/>
+            </a:p>
+          </p:txBody>
+        </p:sp>
+        <p:cxnSp>
+          <p:nvCxnSpPr>
+            <p:cNvPr id="22" name="Straight Arrow Connector 21"/>
+            <p:cNvCxnSpPr>
+              <a:endCxn id="4" idx="0"/>
+            </p:cNvCxnSpPr>
+            <p:nvPr/>
+          </p:nvCxnSpPr>
+          <p:spPr>
+            <a:xfrm>
+              <a:off x="4990757" y="4064000"/>
+              <a:ext cx="23048" cy="570766"/>
+            </a:xfrm>
+            <a:prstGeom prst="straightConnector1">
+              <a:avLst/>
+            </a:prstGeom>
+            <a:ln w="28575" cmpd="sng">
+              <a:tailEnd type="arrow"/>
+            </a:ln>
+            <a:effectLst/>
+          </p:spPr>
+          <p:style>
+            <a:lnRef idx="2">
+              <a:schemeClr val="dk1"/>
+            </a:lnRef>
+            <a:fillRef idx="0">
+              <a:schemeClr val="dk1"/>
+            </a:fillRef>
+            <a:effectRef idx="1">
+              <a:schemeClr val="dk1"/>
+            </a:effectRef>
+            <a:fontRef idx="minor">
+              <a:schemeClr val="tx1"/>
+            </a:fontRef>
+          </p:style>
+        </p:cxnSp>
+        <p:cxnSp>
+          <p:nvCxnSpPr>
+            <p:cNvPr id="26" name="Straight Arrow Connector 25"/>
+            <p:cNvCxnSpPr>
+              <a:endCxn id="4" idx="2"/>
+            </p:cNvCxnSpPr>
+            <p:nvPr/>
+          </p:nvCxnSpPr>
+          <p:spPr>
+            <a:xfrm flipH="1">
+              <a:off x="4513119" y="4064000"/>
+              <a:ext cx="477638" cy="275192"/>
+            </a:xfrm>
+            <a:prstGeom prst="straightConnector1">
+              <a:avLst/>
+            </a:prstGeom>
+            <a:ln w="28575" cmpd="sng">
+              <a:tailEnd type="arrow"/>
+            </a:ln>
+            <a:effectLst/>
+          </p:spPr>
+          <p:style>
+            <a:lnRef idx="2">
+              <a:schemeClr val="dk1"/>
+            </a:lnRef>
+            <a:fillRef idx="0">
+              <a:schemeClr val="dk1"/>
+            </a:fillRef>
+            <a:effectRef idx="1">
+              <a:schemeClr val="dk1"/>
+            </a:effectRef>
+            <a:fontRef idx="minor">
+              <a:schemeClr val="tx1"/>
+            </a:fontRef>
+          </p:style>
+        </p:cxnSp>
+        <p:sp>
+          <p:nvSpPr>
+            <p:cNvPr id="27" name="TextBox 26"/>
+            <p:cNvSpPr txBox="1"/>
+            <p:nvPr/>
+          </p:nvSpPr>
+          <p:spPr>
+            <a:xfrm>
+              <a:off x="4300605" y="3856219"/>
+              <a:ext cx="529566" cy="369332"/>
+            </a:xfrm>
+            <a:prstGeom prst="rect">
+              <a:avLst/>
+            </a:prstGeom>
+            <a:noFill/>
+          </p:spPr>
+          <p:txBody>
+            <a:bodyPr wrap="square" rtlCol="0">
+              <a:spAutoFit/>
+            </a:bodyPr>
+            <a:lstStyle/>
+            <a:p>
+              <a:r>
+                <a:rPr lang="en-US" dirty="0" smtClean="0"/>
+                <a:t>a</a:t>
+              </a:r>
+              <a:r>
+                <a:rPr lang="en-US" baseline="-25000" dirty="0" smtClean="0"/>
+                <a:t>t=2</a:t>
+              </a:r>
+              <a:endParaRPr lang="en-US" baseline="-25000" dirty="0"/>
+            </a:p>
+          </p:txBody>
+        </p:sp>
+        <p:sp>
+          <p:nvSpPr>
+            <p:cNvPr id="32" name="TextBox 31"/>
+            <p:cNvSpPr txBox="1"/>
+            <p:nvPr/>
+          </p:nvSpPr>
+          <p:spPr>
+            <a:xfrm>
+              <a:off x="4513119" y="3493234"/>
+              <a:ext cx="745367" cy="369332"/>
+            </a:xfrm>
+            <a:prstGeom prst="rect">
+              <a:avLst/>
+            </a:prstGeom>
+            <a:noFill/>
+          </p:spPr>
+          <p:txBody>
+            <a:bodyPr wrap="square" rtlCol="0">
+              <a:spAutoFit/>
+            </a:bodyPr>
+            <a:lstStyle/>
+            <a:p>
+              <a:r>
+                <a:rPr lang="en-US" dirty="0" smtClean="0"/>
+                <a:t>Turn:</a:t>
+              </a:r>
+              <a:endParaRPr lang="en-US" dirty="0"/>
+            </a:p>
+          </p:txBody>
+        </p:sp>
+      </p:grpSp>
+      <p:sp>
+        <p:nvSpPr>
+          <p:cNvPr id="45" name="TextBox 44"/>
+          <p:cNvSpPr txBox="1"/>
+          <p:nvPr/>
+        </p:nvSpPr>
+        <p:spPr>
+          <a:xfrm>
+            <a:off x="2322791" y="1946482"/>
+            <a:ext cx="529566" cy="369332"/>
+          </a:xfrm>
+          <a:prstGeom prst="rect">
+            <a:avLst/>
+          </a:prstGeom>
+          <a:noFill/>
+        </p:spPr>
+        <p:txBody>
+          <a:bodyPr wrap="square" rtlCol="0">
+            <a:spAutoFit/>
+          </a:bodyPr>
+          <a:lstStyle/>
+          <a:p>
+            <a:r>
+              <a:rPr lang="en-US" dirty="0" smtClean="0"/>
+              <a:t>a</a:t>
+            </a:r>
+            <a:r>
+              <a:rPr lang="en-US" baseline="-25000" dirty="0" smtClean="0"/>
+              <a:t>t=1</a:t>
+            </a:r>
+            <a:endParaRPr lang="en-US" baseline="-25000" dirty="0"/>
+          </a:p>
+        </p:txBody>
+      </p:sp>
+    </p:spTree>
+    <p:extLst>
+      <p:ext uri="{BB962C8B-B14F-4D97-AF65-F5344CB8AC3E}">
+        <p14:creationId xmlns:p14="http://schemas.microsoft.com/office/powerpoint/2010/main" val="309372139"/>
+      </p:ext>
+    </p:extLst>
+  </p:cSld>
+  <p:clrMapOvr>
+    <a:masterClrMapping/>
+  </p:clrMapOvr>
+</p:sld>
+</file>
+
 <file path=ppt/theme/theme1.xml><?xml version="1.0" encoding="utf-8"?>
 <a:theme xmlns:a="http://schemas.openxmlformats.org/drawingml/2006/main" name="Office Theme">
   <a:themeElements>

--- a/figures/figures.pptx
+++ b/figures/figures.pptx
@@ -7846,6 +7846,390 @@
           </a:p>
         </p:txBody>
       </p:sp>
+      <p:sp>
+        <p:nvSpPr>
+          <p:cNvPr id="7" name="Freeform 6"/>
+          <p:cNvSpPr/>
+          <p:nvPr/>
+        </p:nvSpPr>
+        <p:spPr>
+          <a:xfrm rot="1049416">
+            <a:off x="4549810" y="855976"/>
+            <a:ext cx="2724728" cy="1177063"/>
+          </a:xfrm>
+          <a:custGeom>
+            <a:avLst/>
+            <a:gdLst>
+              <a:gd name="connsiteX0" fmla="*/ 0 w 3009516"/>
+              <a:gd name="connsiteY0" fmla="*/ 638849 h 1585576"/>
+              <a:gd name="connsiteX1" fmla="*/ 284788 w 3009516"/>
+              <a:gd name="connsiteY1" fmla="*/ 0 h 1585576"/>
+              <a:gd name="connsiteX2" fmla="*/ 569576 w 3009516"/>
+              <a:gd name="connsiteY2" fmla="*/ 307879 h 1585576"/>
+              <a:gd name="connsiteX3" fmla="*/ 3009516 w 3009516"/>
+              <a:gd name="connsiteY3" fmla="*/ 815879 h 1585576"/>
+              <a:gd name="connsiteX4" fmla="*/ 2709334 w 3009516"/>
+              <a:gd name="connsiteY4" fmla="*/ 1585576 h 1585576"/>
+              <a:gd name="connsiteX5" fmla="*/ 53879 w 3009516"/>
+              <a:gd name="connsiteY5" fmla="*/ 1239212 h 1585576"/>
+              <a:gd name="connsiteX6" fmla="*/ 0 w 3009516"/>
+              <a:gd name="connsiteY6" fmla="*/ 638849 h 1585576"/>
+              <a:gd name="connsiteX0" fmla="*/ 0 w 3009516"/>
+              <a:gd name="connsiteY0" fmla="*/ 638849 h 1585576"/>
+              <a:gd name="connsiteX1" fmla="*/ 284788 w 3009516"/>
+              <a:gd name="connsiteY1" fmla="*/ 0 h 1585576"/>
+              <a:gd name="connsiteX2" fmla="*/ 569576 w 3009516"/>
+              <a:gd name="connsiteY2" fmla="*/ 307879 h 1585576"/>
+              <a:gd name="connsiteX3" fmla="*/ 3009516 w 3009516"/>
+              <a:gd name="connsiteY3" fmla="*/ 815879 h 1585576"/>
+              <a:gd name="connsiteX4" fmla="*/ 2709334 w 3009516"/>
+              <a:gd name="connsiteY4" fmla="*/ 1585576 h 1585576"/>
+              <a:gd name="connsiteX5" fmla="*/ 635975 w 3009516"/>
+              <a:gd name="connsiteY5" fmla="*/ 962217 h 1585576"/>
+              <a:gd name="connsiteX6" fmla="*/ 0 w 3009516"/>
+              <a:gd name="connsiteY6" fmla="*/ 638849 h 1585576"/>
+              <a:gd name="connsiteX0" fmla="*/ 8417 w 2724728"/>
+              <a:gd name="connsiteY0" fmla="*/ 632827 h 1585576"/>
+              <a:gd name="connsiteX1" fmla="*/ 0 w 2724728"/>
+              <a:gd name="connsiteY1" fmla="*/ 0 h 1585576"/>
+              <a:gd name="connsiteX2" fmla="*/ 284788 w 2724728"/>
+              <a:gd name="connsiteY2" fmla="*/ 307879 h 1585576"/>
+              <a:gd name="connsiteX3" fmla="*/ 2724728 w 2724728"/>
+              <a:gd name="connsiteY3" fmla="*/ 815879 h 1585576"/>
+              <a:gd name="connsiteX4" fmla="*/ 2424546 w 2724728"/>
+              <a:gd name="connsiteY4" fmla="*/ 1585576 h 1585576"/>
+              <a:gd name="connsiteX5" fmla="*/ 351187 w 2724728"/>
+              <a:gd name="connsiteY5" fmla="*/ 962217 h 1585576"/>
+              <a:gd name="connsiteX6" fmla="*/ 8417 w 2724728"/>
+              <a:gd name="connsiteY6" fmla="*/ 632827 h 1585576"/>
+              <a:gd name="connsiteX0" fmla="*/ 8417 w 2724728"/>
+              <a:gd name="connsiteY0" fmla="*/ 632827 h 1177063"/>
+              <a:gd name="connsiteX1" fmla="*/ 0 w 2724728"/>
+              <a:gd name="connsiteY1" fmla="*/ 0 h 1177063"/>
+              <a:gd name="connsiteX2" fmla="*/ 284788 w 2724728"/>
+              <a:gd name="connsiteY2" fmla="*/ 307879 h 1177063"/>
+              <a:gd name="connsiteX3" fmla="*/ 2724728 w 2724728"/>
+              <a:gd name="connsiteY3" fmla="*/ 815879 h 1177063"/>
+              <a:gd name="connsiteX4" fmla="*/ 1482487 w 2724728"/>
+              <a:gd name="connsiteY4" fmla="*/ 1177063 h 1177063"/>
+              <a:gd name="connsiteX5" fmla="*/ 351187 w 2724728"/>
+              <a:gd name="connsiteY5" fmla="*/ 962217 h 1177063"/>
+              <a:gd name="connsiteX6" fmla="*/ 8417 w 2724728"/>
+              <a:gd name="connsiteY6" fmla="*/ 632827 h 1177063"/>
+            </a:gdLst>
+            <a:ahLst/>
+            <a:cxnLst>
+              <a:cxn ang="0">
+                <a:pos x="connsiteX0" y="connsiteY0"/>
+              </a:cxn>
+              <a:cxn ang="0">
+                <a:pos x="connsiteX1" y="connsiteY1"/>
+              </a:cxn>
+              <a:cxn ang="0">
+                <a:pos x="connsiteX2" y="connsiteY2"/>
+              </a:cxn>
+              <a:cxn ang="0">
+                <a:pos x="connsiteX3" y="connsiteY3"/>
+              </a:cxn>
+              <a:cxn ang="0">
+                <a:pos x="connsiteX4" y="connsiteY4"/>
+              </a:cxn>
+              <a:cxn ang="0">
+                <a:pos x="connsiteX5" y="connsiteY5"/>
+              </a:cxn>
+              <a:cxn ang="0">
+                <a:pos x="connsiteX6" y="connsiteY6"/>
+              </a:cxn>
+            </a:cxnLst>
+            <a:rect l="l" t="t" r="r" b="b"/>
+            <a:pathLst>
+              <a:path w="2724728" h="1177063">
+                <a:moveTo>
+                  <a:pt x="8417" y="632827"/>
+                </a:moveTo>
+                <a:lnTo>
+                  <a:pt x="0" y="0"/>
+                </a:lnTo>
+                <a:lnTo>
+                  <a:pt x="284788" y="307879"/>
+                </a:lnTo>
+                <a:lnTo>
+                  <a:pt x="2724728" y="815879"/>
+                </a:lnTo>
+                <a:lnTo>
+                  <a:pt x="1482487" y="1177063"/>
+                </a:lnTo>
+                <a:lnTo>
+                  <a:pt x="351187" y="962217"/>
+                </a:lnTo>
+                <a:lnTo>
+                  <a:pt x="8417" y="632827"/>
+                </a:lnTo>
+                <a:close/>
+              </a:path>
+            </a:pathLst>
+          </a:custGeom>
+        </p:spPr>
+        <p:style>
+          <a:lnRef idx="1">
+            <a:schemeClr val="accent1"/>
+          </a:lnRef>
+          <a:fillRef idx="3">
+            <a:schemeClr val="accent1"/>
+          </a:fillRef>
+          <a:effectRef idx="2">
+            <a:schemeClr val="accent1"/>
+          </a:effectRef>
+          <a:fontRef idx="minor">
+            <a:schemeClr val="lt1"/>
+          </a:fontRef>
+        </p:style>
+        <p:txBody>
+          <a:bodyPr rtlCol="0" anchor="ctr"/>
+          <a:lstStyle/>
+          <a:p>
+            <a:pPr algn="ctr"/>
+            <a:endParaRPr lang="en-US"/>
+          </a:p>
+        </p:txBody>
+      </p:sp>
+      <p:sp>
+        <p:nvSpPr>
+          <p:cNvPr id="8" name="Freeform 7"/>
+          <p:cNvSpPr/>
+          <p:nvPr/>
+        </p:nvSpPr>
+        <p:spPr>
+          <a:xfrm>
+            <a:off x="5965063" y="1385824"/>
+            <a:ext cx="1725834" cy="1645851"/>
+          </a:xfrm>
+          <a:custGeom>
+            <a:avLst/>
+            <a:gdLst>
+              <a:gd name="connsiteX0" fmla="*/ 0 w 1963352"/>
+              <a:gd name="connsiteY0" fmla="*/ 0 h 1091513"/>
+              <a:gd name="connsiteX1" fmla="*/ 411892 w 1963352"/>
+              <a:gd name="connsiteY1" fmla="*/ 1091513 h 1091513"/>
+              <a:gd name="connsiteX2" fmla="*/ 1963352 w 1963352"/>
+              <a:gd name="connsiteY2" fmla="*/ 659027 h 1091513"/>
+              <a:gd name="connsiteX0" fmla="*/ 0 w 1963352"/>
+              <a:gd name="connsiteY0" fmla="*/ 0 h 899297"/>
+              <a:gd name="connsiteX1" fmla="*/ 597244 w 1963352"/>
+              <a:gd name="connsiteY1" fmla="*/ 899297 h 899297"/>
+              <a:gd name="connsiteX2" fmla="*/ 1963352 w 1963352"/>
+              <a:gd name="connsiteY2" fmla="*/ 659027 h 899297"/>
+              <a:gd name="connsiteX0" fmla="*/ 0 w 1963352"/>
+              <a:gd name="connsiteY0" fmla="*/ 49260 h 948557"/>
+              <a:gd name="connsiteX1" fmla="*/ 597244 w 1963352"/>
+              <a:gd name="connsiteY1" fmla="*/ 948557 h 948557"/>
+              <a:gd name="connsiteX2" fmla="*/ 1963352 w 1963352"/>
+              <a:gd name="connsiteY2" fmla="*/ 708287 h 948557"/>
+              <a:gd name="connsiteX0" fmla="*/ 0 w 1963352"/>
+              <a:gd name="connsiteY0" fmla="*/ 40865 h 1159838"/>
+              <a:gd name="connsiteX1" fmla="*/ 425622 w 1963352"/>
+              <a:gd name="connsiteY1" fmla="*/ 1159838 h 1159838"/>
+              <a:gd name="connsiteX2" fmla="*/ 1963352 w 1963352"/>
+              <a:gd name="connsiteY2" fmla="*/ 699892 h 1159838"/>
+              <a:gd name="connsiteX0" fmla="*/ 0 w 1963352"/>
+              <a:gd name="connsiteY0" fmla="*/ 42611 h 1161584"/>
+              <a:gd name="connsiteX1" fmla="*/ 425622 w 1963352"/>
+              <a:gd name="connsiteY1" fmla="*/ 1161584 h 1161584"/>
+              <a:gd name="connsiteX2" fmla="*/ 1963352 w 1963352"/>
+              <a:gd name="connsiteY2" fmla="*/ 701638 h 1161584"/>
+              <a:gd name="connsiteX0" fmla="*/ 0 w 1963352"/>
+              <a:gd name="connsiteY0" fmla="*/ 42611 h 1161584"/>
+              <a:gd name="connsiteX1" fmla="*/ 425622 w 1963352"/>
+              <a:gd name="connsiteY1" fmla="*/ 1161584 h 1161584"/>
+              <a:gd name="connsiteX2" fmla="*/ 1963352 w 1963352"/>
+              <a:gd name="connsiteY2" fmla="*/ 701638 h 1161584"/>
+              <a:gd name="connsiteX0" fmla="*/ 0 w 1894703"/>
+              <a:gd name="connsiteY0" fmla="*/ 42611 h 1772567"/>
+              <a:gd name="connsiteX1" fmla="*/ 425622 w 1894703"/>
+              <a:gd name="connsiteY1" fmla="*/ 1161584 h 1772567"/>
+              <a:gd name="connsiteX2" fmla="*/ 1894703 w 1894703"/>
+              <a:gd name="connsiteY2" fmla="*/ 1751962 h 1772567"/>
+              <a:gd name="connsiteX0" fmla="*/ 0 w 1894703"/>
+              <a:gd name="connsiteY0" fmla="*/ 42611 h 1751962"/>
+              <a:gd name="connsiteX1" fmla="*/ 425622 w 1894703"/>
+              <a:gd name="connsiteY1" fmla="*/ 1161584 h 1751962"/>
+              <a:gd name="connsiteX2" fmla="*/ 1894703 w 1894703"/>
+              <a:gd name="connsiteY2" fmla="*/ 1751962 h 1751962"/>
+              <a:gd name="connsiteX0" fmla="*/ 0 w 1894703"/>
+              <a:gd name="connsiteY0" fmla="*/ 42611 h 1751962"/>
+              <a:gd name="connsiteX1" fmla="*/ 425622 w 1894703"/>
+              <a:gd name="connsiteY1" fmla="*/ 1161584 h 1751962"/>
+              <a:gd name="connsiteX2" fmla="*/ 1894703 w 1894703"/>
+              <a:gd name="connsiteY2" fmla="*/ 1751962 h 1751962"/>
+              <a:gd name="connsiteX0" fmla="*/ 0 w 1894703"/>
+              <a:gd name="connsiteY0" fmla="*/ 38541 h 1747892"/>
+              <a:gd name="connsiteX1" fmla="*/ 638433 w 1894703"/>
+              <a:gd name="connsiteY1" fmla="*/ 1287946 h 1747892"/>
+              <a:gd name="connsiteX2" fmla="*/ 1894703 w 1894703"/>
+              <a:gd name="connsiteY2" fmla="*/ 1747892 h 1747892"/>
+              <a:gd name="connsiteX0" fmla="*/ 0 w 1894703"/>
+              <a:gd name="connsiteY0" fmla="*/ 38354 h 1747705"/>
+              <a:gd name="connsiteX1" fmla="*/ 638433 w 1894703"/>
+              <a:gd name="connsiteY1" fmla="*/ 1287759 h 1747705"/>
+              <a:gd name="connsiteX2" fmla="*/ 1894703 w 1894703"/>
+              <a:gd name="connsiteY2" fmla="*/ 1747705 h 1747705"/>
+              <a:gd name="connsiteX0" fmla="*/ 0 w 1894703"/>
+              <a:gd name="connsiteY0" fmla="*/ 38354 h 1747705"/>
+              <a:gd name="connsiteX1" fmla="*/ 638433 w 1894703"/>
+              <a:gd name="connsiteY1" fmla="*/ 1287759 h 1747705"/>
+              <a:gd name="connsiteX2" fmla="*/ 1894703 w 1894703"/>
+              <a:gd name="connsiteY2" fmla="*/ 1747705 h 1747705"/>
+              <a:gd name="connsiteX0" fmla="*/ 1076068 w 1256271"/>
+              <a:gd name="connsiteY0" fmla="*/ 17439 h 3358740"/>
+              <a:gd name="connsiteX1" fmla="*/ 1 w 1256271"/>
+              <a:gd name="connsiteY1" fmla="*/ 2898794 h 3358740"/>
+              <a:gd name="connsiteX2" fmla="*/ 1256271 w 1256271"/>
+              <a:gd name="connsiteY2" fmla="*/ 3358740 h 3358740"/>
+              <a:gd name="connsiteX0" fmla="*/ 1076068 w 1256271"/>
+              <a:gd name="connsiteY0" fmla="*/ 0 h 3341301"/>
+              <a:gd name="connsiteX1" fmla="*/ 1 w 1256271"/>
+              <a:gd name="connsiteY1" fmla="*/ 2881355 h 3341301"/>
+              <a:gd name="connsiteX2" fmla="*/ 1256271 w 1256271"/>
+              <a:gd name="connsiteY2" fmla="*/ 3341301 h 3341301"/>
+              <a:gd name="connsiteX0" fmla="*/ 0 w 1320209"/>
+              <a:gd name="connsiteY0" fmla="*/ 0 h 3341301"/>
+              <a:gd name="connsiteX1" fmla="*/ 1178183 w 1320209"/>
+              <a:gd name="connsiteY1" fmla="*/ 665205 h 3341301"/>
+              <a:gd name="connsiteX2" fmla="*/ 180203 w 1320209"/>
+              <a:gd name="connsiteY2" fmla="*/ 3341301 h 3341301"/>
+              <a:gd name="connsiteX0" fmla="*/ 0 w 1320209"/>
+              <a:gd name="connsiteY0" fmla="*/ 0 h 3341301"/>
+              <a:gd name="connsiteX1" fmla="*/ 1178183 w 1320209"/>
+              <a:gd name="connsiteY1" fmla="*/ 665205 h 3341301"/>
+              <a:gd name="connsiteX2" fmla="*/ 180203 w 1320209"/>
+              <a:gd name="connsiteY2" fmla="*/ 3341301 h 3341301"/>
+              <a:gd name="connsiteX0" fmla="*/ 0 w 1285878"/>
+              <a:gd name="connsiteY0" fmla="*/ 0 h 3341301"/>
+              <a:gd name="connsiteX1" fmla="*/ 1178183 w 1285878"/>
+              <a:gd name="connsiteY1" fmla="*/ 665205 h 3341301"/>
+              <a:gd name="connsiteX2" fmla="*/ 180203 w 1285878"/>
+              <a:gd name="connsiteY2" fmla="*/ 3341301 h 3341301"/>
+              <a:gd name="connsiteX0" fmla="*/ 0 w 1723253"/>
+              <a:gd name="connsiteY0" fmla="*/ 0 h 1645851"/>
+              <a:gd name="connsiteX1" fmla="*/ 1178183 w 1723253"/>
+              <a:gd name="connsiteY1" fmla="*/ 665205 h 1645851"/>
+              <a:gd name="connsiteX2" fmla="*/ 1723253 w 1723253"/>
+              <a:gd name="connsiteY2" fmla="*/ 1645851 h 1645851"/>
+              <a:gd name="connsiteX0" fmla="*/ 0 w 1734433"/>
+              <a:gd name="connsiteY0" fmla="*/ 0 h 1645851"/>
+              <a:gd name="connsiteX1" fmla="*/ 1178183 w 1734433"/>
+              <a:gd name="connsiteY1" fmla="*/ 665205 h 1645851"/>
+              <a:gd name="connsiteX2" fmla="*/ 1723253 w 1734433"/>
+              <a:gd name="connsiteY2" fmla="*/ 1645851 h 1645851"/>
+              <a:gd name="connsiteX0" fmla="*/ 0 w 1732213"/>
+              <a:gd name="connsiteY0" fmla="*/ 0 h 1645851"/>
+              <a:gd name="connsiteX1" fmla="*/ 1178183 w 1732213"/>
+              <a:gd name="connsiteY1" fmla="*/ 665205 h 1645851"/>
+              <a:gd name="connsiteX2" fmla="*/ 1723253 w 1732213"/>
+              <a:gd name="connsiteY2" fmla="*/ 1645851 h 1645851"/>
+              <a:gd name="connsiteX0" fmla="*/ 0 w 1725834"/>
+              <a:gd name="connsiteY0" fmla="*/ 0 h 1645851"/>
+              <a:gd name="connsiteX1" fmla="*/ 1178183 w 1725834"/>
+              <a:gd name="connsiteY1" fmla="*/ 665205 h 1645851"/>
+              <a:gd name="connsiteX2" fmla="*/ 1723253 w 1725834"/>
+              <a:gd name="connsiteY2" fmla="*/ 1645851 h 1645851"/>
+            </a:gdLst>
+            <a:ahLst/>
+            <a:cxnLst>
+              <a:cxn ang="0">
+                <a:pos x="connsiteX0" y="connsiteY0"/>
+              </a:cxn>
+              <a:cxn ang="0">
+                <a:pos x="connsiteX1" y="connsiteY1"/>
+              </a:cxn>
+              <a:cxn ang="0">
+                <a:pos x="connsiteX2" y="connsiteY2"/>
+              </a:cxn>
+            </a:cxnLst>
+            <a:rect l="l" t="t" r="r" b="b"/>
+            <a:pathLst>
+              <a:path w="1725834" h="1645851">
+                <a:moveTo>
+                  <a:pt x="0" y="0"/>
+                </a:moveTo>
+                <a:cubicBezTo>
+                  <a:pt x="428882" y="232147"/>
+                  <a:pt x="822582" y="476136"/>
+                  <a:pt x="1178183" y="665205"/>
+                </a:cubicBezTo>
+                <a:cubicBezTo>
+                  <a:pt x="1479322" y="837972"/>
+                  <a:pt x="1755575" y="1093458"/>
+                  <a:pt x="1723253" y="1645851"/>
+                </a:cubicBezTo>
+              </a:path>
+            </a:pathLst>
+          </a:custGeom>
+          <a:ln>
+            <a:prstDash val="dash"/>
+          </a:ln>
+        </p:spPr>
+        <p:style>
+          <a:lnRef idx="2">
+            <a:schemeClr val="dk1"/>
+          </a:lnRef>
+          <a:fillRef idx="0">
+            <a:schemeClr val="dk1"/>
+          </a:fillRef>
+          <a:effectRef idx="1">
+            <a:schemeClr val="dk1"/>
+          </a:effectRef>
+          <a:fontRef idx="minor">
+            <a:schemeClr val="tx1"/>
+          </a:fontRef>
+        </p:style>
+        <p:txBody>
+          <a:bodyPr rtlCol="0" anchor="ctr"/>
+          <a:lstStyle/>
+          <a:p>
+            <a:pPr algn="ctr"/>
+            <a:endParaRPr lang="en-US"/>
+          </a:p>
+        </p:txBody>
+      </p:sp>
+      <p:sp>
+        <p:nvSpPr>
+          <p:cNvPr id="9" name="Oval 8"/>
+          <p:cNvSpPr/>
+          <p:nvPr/>
+        </p:nvSpPr>
+        <p:spPr>
+          <a:xfrm>
+            <a:off x="5840147" y="1278960"/>
+            <a:ext cx="123151" cy="123151"/>
+          </a:xfrm>
+          <a:prstGeom prst="ellipse">
+            <a:avLst/>
+          </a:prstGeom>
+        </p:spPr>
+        <p:style>
+          <a:lnRef idx="1">
+            <a:schemeClr val="accent2"/>
+          </a:lnRef>
+          <a:fillRef idx="3">
+            <a:schemeClr val="accent2"/>
+          </a:fillRef>
+          <a:effectRef idx="2">
+            <a:schemeClr val="accent2"/>
+          </a:effectRef>
+          <a:fontRef idx="minor">
+            <a:schemeClr val="lt1"/>
+          </a:fontRef>
+        </p:style>
+        <p:txBody>
+          <a:bodyPr rtlCol="0" anchor="ctr"/>
+          <a:lstStyle/>
+          <a:p>
+            <a:pPr algn="ctr"/>
+            <a:endParaRPr lang="en-US"/>
+          </a:p>
+        </p:txBody>
+      </p:sp>
     </p:spTree>
     <p:extLst>
       <p:ext uri="{BB962C8B-B14F-4D97-AF65-F5344CB8AC3E}">
@@ -8585,6 +8969,717 @@
               <a:t>Transition</a:t>
             </a:r>
             <a:endParaRPr lang="en-US" sz="1400" dirty="0"/>
+          </a:p>
+        </p:txBody>
+      </p:sp>
+      <p:sp>
+        <p:nvSpPr>
+          <p:cNvPr id="26" name="Freeform 25"/>
+          <p:cNvSpPr/>
+          <p:nvPr/>
+        </p:nvSpPr>
+        <p:spPr>
+          <a:xfrm rot="20905797">
+            <a:off x="3217576" y="3221861"/>
+            <a:ext cx="2533891" cy="1678726"/>
+          </a:xfrm>
+          <a:custGeom>
+            <a:avLst/>
+            <a:gdLst>
+              <a:gd name="connsiteX0" fmla="*/ 0 w 3009516"/>
+              <a:gd name="connsiteY0" fmla="*/ 638849 h 1585576"/>
+              <a:gd name="connsiteX1" fmla="*/ 284788 w 3009516"/>
+              <a:gd name="connsiteY1" fmla="*/ 0 h 1585576"/>
+              <a:gd name="connsiteX2" fmla="*/ 569576 w 3009516"/>
+              <a:gd name="connsiteY2" fmla="*/ 307879 h 1585576"/>
+              <a:gd name="connsiteX3" fmla="*/ 3009516 w 3009516"/>
+              <a:gd name="connsiteY3" fmla="*/ 815879 h 1585576"/>
+              <a:gd name="connsiteX4" fmla="*/ 2709334 w 3009516"/>
+              <a:gd name="connsiteY4" fmla="*/ 1585576 h 1585576"/>
+              <a:gd name="connsiteX5" fmla="*/ 53879 w 3009516"/>
+              <a:gd name="connsiteY5" fmla="*/ 1239212 h 1585576"/>
+              <a:gd name="connsiteX6" fmla="*/ 0 w 3009516"/>
+              <a:gd name="connsiteY6" fmla="*/ 638849 h 1585576"/>
+              <a:gd name="connsiteX0" fmla="*/ 0 w 3009516"/>
+              <a:gd name="connsiteY0" fmla="*/ 638849 h 1585576"/>
+              <a:gd name="connsiteX1" fmla="*/ 284788 w 3009516"/>
+              <a:gd name="connsiteY1" fmla="*/ 0 h 1585576"/>
+              <a:gd name="connsiteX2" fmla="*/ 569576 w 3009516"/>
+              <a:gd name="connsiteY2" fmla="*/ 307879 h 1585576"/>
+              <a:gd name="connsiteX3" fmla="*/ 3009516 w 3009516"/>
+              <a:gd name="connsiteY3" fmla="*/ 815879 h 1585576"/>
+              <a:gd name="connsiteX4" fmla="*/ 2709334 w 3009516"/>
+              <a:gd name="connsiteY4" fmla="*/ 1585576 h 1585576"/>
+              <a:gd name="connsiteX5" fmla="*/ 635975 w 3009516"/>
+              <a:gd name="connsiteY5" fmla="*/ 962217 h 1585576"/>
+              <a:gd name="connsiteX6" fmla="*/ 0 w 3009516"/>
+              <a:gd name="connsiteY6" fmla="*/ 638849 h 1585576"/>
+              <a:gd name="connsiteX0" fmla="*/ 8417 w 2724728"/>
+              <a:gd name="connsiteY0" fmla="*/ 632827 h 1585576"/>
+              <a:gd name="connsiteX1" fmla="*/ 0 w 2724728"/>
+              <a:gd name="connsiteY1" fmla="*/ 0 h 1585576"/>
+              <a:gd name="connsiteX2" fmla="*/ 284788 w 2724728"/>
+              <a:gd name="connsiteY2" fmla="*/ 307879 h 1585576"/>
+              <a:gd name="connsiteX3" fmla="*/ 2724728 w 2724728"/>
+              <a:gd name="connsiteY3" fmla="*/ 815879 h 1585576"/>
+              <a:gd name="connsiteX4" fmla="*/ 2424546 w 2724728"/>
+              <a:gd name="connsiteY4" fmla="*/ 1585576 h 1585576"/>
+              <a:gd name="connsiteX5" fmla="*/ 351187 w 2724728"/>
+              <a:gd name="connsiteY5" fmla="*/ 962217 h 1585576"/>
+              <a:gd name="connsiteX6" fmla="*/ 8417 w 2724728"/>
+              <a:gd name="connsiteY6" fmla="*/ 632827 h 1585576"/>
+              <a:gd name="connsiteX0" fmla="*/ 8417 w 2724728"/>
+              <a:gd name="connsiteY0" fmla="*/ 632827 h 1177063"/>
+              <a:gd name="connsiteX1" fmla="*/ 0 w 2724728"/>
+              <a:gd name="connsiteY1" fmla="*/ 0 h 1177063"/>
+              <a:gd name="connsiteX2" fmla="*/ 284788 w 2724728"/>
+              <a:gd name="connsiteY2" fmla="*/ 307879 h 1177063"/>
+              <a:gd name="connsiteX3" fmla="*/ 2724728 w 2724728"/>
+              <a:gd name="connsiteY3" fmla="*/ 815879 h 1177063"/>
+              <a:gd name="connsiteX4" fmla="*/ 1482487 w 2724728"/>
+              <a:gd name="connsiteY4" fmla="*/ 1177063 h 1177063"/>
+              <a:gd name="connsiteX5" fmla="*/ 351187 w 2724728"/>
+              <a:gd name="connsiteY5" fmla="*/ 962217 h 1177063"/>
+              <a:gd name="connsiteX6" fmla="*/ 8417 w 2724728"/>
+              <a:gd name="connsiteY6" fmla="*/ 632827 h 1177063"/>
+              <a:gd name="connsiteX0" fmla="*/ 8417 w 2260604"/>
+              <a:gd name="connsiteY0" fmla="*/ 632827 h 1177063"/>
+              <a:gd name="connsiteX1" fmla="*/ 0 w 2260604"/>
+              <a:gd name="connsiteY1" fmla="*/ 0 h 1177063"/>
+              <a:gd name="connsiteX2" fmla="*/ 284788 w 2260604"/>
+              <a:gd name="connsiteY2" fmla="*/ 307879 h 1177063"/>
+              <a:gd name="connsiteX3" fmla="*/ 2260604 w 2260604"/>
+              <a:gd name="connsiteY3" fmla="*/ 720860 h 1177063"/>
+              <a:gd name="connsiteX4" fmla="*/ 1482487 w 2260604"/>
+              <a:gd name="connsiteY4" fmla="*/ 1177063 h 1177063"/>
+              <a:gd name="connsiteX5" fmla="*/ 351187 w 2260604"/>
+              <a:gd name="connsiteY5" fmla="*/ 962217 h 1177063"/>
+              <a:gd name="connsiteX6" fmla="*/ 8417 w 2260604"/>
+              <a:gd name="connsiteY6" fmla="*/ 632827 h 1177063"/>
+              <a:gd name="connsiteX0" fmla="*/ 8417 w 2260604"/>
+              <a:gd name="connsiteY0" fmla="*/ 632827 h 1177063"/>
+              <a:gd name="connsiteX1" fmla="*/ 0 w 2260604"/>
+              <a:gd name="connsiteY1" fmla="*/ 0 h 1177063"/>
+              <a:gd name="connsiteX2" fmla="*/ 982890 w 2260604"/>
+              <a:gd name="connsiteY2" fmla="*/ 450799 h 1177063"/>
+              <a:gd name="connsiteX3" fmla="*/ 2260604 w 2260604"/>
+              <a:gd name="connsiteY3" fmla="*/ 720860 h 1177063"/>
+              <a:gd name="connsiteX4" fmla="*/ 1482487 w 2260604"/>
+              <a:gd name="connsiteY4" fmla="*/ 1177063 h 1177063"/>
+              <a:gd name="connsiteX5" fmla="*/ 351187 w 2260604"/>
+              <a:gd name="connsiteY5" fmla="*/ 962217 h 1177063"/>
+              <a:gd name="connsiteX6" fmla="*/ 8417 w 2260604"/>
+              <a:gd name="connsiteY6" fmla="*/ 632827 h 1177063"/>
+              <a:gd name="connsiteX0" fmla="*/ 0 w 2252187"/>
+              <a:gd name="connsiteY0" fmla="*/ 463158 h 1007394"/>
+              <a:gd name="connsiteX1" fmla="*/ 820347 w 2252187"/>
+              <a:gd name="connsiteY1" fmla="*/ 0 h 1007394"/>
+              <a:gd name="connsiteX2" fmla="*/ 974473 w 2252187"/>
+              <a:gd name="connsiteY2" fmla="*/ 281130 h 1007394"/>
+              <a:gd name="connsiteX3" fmla="*/ 2252187 w 2252187"/>
+              <a:gd name="connsiteY3" fmla="*/ 551191 h 1007394"/>
+              <a:gd name="connsiteX4" fmla="*/ 1474070 w 2252187"/>
+              <a:gd name="connsiteY4" fmla="*/ 1007394 h 1007394"/>
+              <a:gd name="connsiteX5" fmla="*/ 342770 w 2252187"/>
+              <a:gd name="connsiteY5" fmla="*/ 792548 h 1007394"/>
+              <a:gd name="connsiteX6" fmla="*/ 0 w 2252187"/>
+              <a:gd name="connsiteY6" fmla="*/ 463158 h 1007394"/>
+              <a:gd name="connsiteX0" fmla="*/ 388843 w 1909417"/>
+              <a:gd name="connsiteY0" fmla="*/ 632386 h 1007394"/>
+              <a:gd name="connsiteX1" fmla="*/ 477577 w 1909417"/>
+              <a:gd name="connsiteY1" fmla="*/ 0 h 1007394"/>
+              <a:gd name="connsiteX2" fmla="*/ 631703 w 1909417"/>
+              <a:gd name="connsiteY2" fmla="*/ 281130 h 1007394"/>
+              <a:gd name="connsiteX3" fmla="*/ 1909417 w 1909417"/>
+              <a:gd name="connsiteY3" fmla="*/ 551191 h 1007394"/>
+              <a:gd name="connsiteX4" fmla="*/ 1131300 w 1909417"/>
+              <a:gd name="connsiteY4" fmla="*/ 1007394 h 1007394"/>
+              <a:gd name="connsiteX5" fmla="*/ 0 w 1909417"/>
+              <a:gd name="connsiteY5" fmla="*/ 792548 h 1007394"/>
+              <a:gd name="connsiteX6" fmla="*/ 388843 w 1909417"/>
+              <a:gd name="connsiteY6" fmla="*/ 632386 h 1007394"/>
+              <a:gd name="connsiteX0" fmla="*/ 0 w 1520574"/>
+              <a:gd name="connsiteY0" fmla="*/ 632386 h 1007394"/>
+              <a:gd name="connsiteX1" fmla="*/ 88734 w 1520574"/>
+              <a:gd name="connsiteY1" fmla="*/ 0 h 1007394"/>
+              <a:gd name="connsiteX2" fmla="*/ 242860 w 1520574"/>
+              <a:gd name="connsiteY2" fmla="*/ 281130 h 1007394"/>
+              <a:gd name="connsiteX3" fmla="*/ 1520574 w 1520574"/>
+              <a:gd name="connsiteY3" fmla="*/ 551191 h 1007394"/>
+              <a:gd name="connsiteX4" fmla="*/ 742457 w 1520574"/>
+              <a:gd name="connsiteY4" fmla="*/ 1007394 h 1007394"/>
+              <a:gd name="connsiteX5" fmla="*/ 305879 w 1520574"/>
+              <a:gd name="connsiteY5" fmla="*/ 856983 h 1007394"/>
+              <a:gd name="connsiteX6" fmla="*/ 0 w 1520574"/>
+              <a:gd name="connsiteY6" fmla="*/ 632386 h 1007394"/>
+            </a:gdLst>
+            <a:ahLst/>
+            <a:cxnLst>
+              <a:cxn ang="0">
+                <a:pos x="connsiteX0" y="connsiteY0"/>
+              </a:cxn>
+              <a:cxn ang="0">
+                <a:pos x="connsiteX1" y="connsiteY1"/>
+              </a:cxn>
+              <a:cxn ang="0">
+                <a:pos x="connsiteX2" y="connsiteY2"/>
+              </a:cxn>
+              <a:cxn ang="0">
+                <a:pos x="connsiteX3" y="connsiteY3"/>
+              </a:cxn>
+              <a:cxn ang="0">
+                <a:pos x="connsiteX4" y="connsiteY4"/>
+              </a:cxn>
+              <a:cxn ang="0">
+                <a:pos x="connsiteX5" y="connsiteY5"/>
+              </a:cxn>
+              <a:cxn ang="0">
+                <a:pos x="connsiteX6" y="connsiteY6"/>
+              </a:cxn>
+            </a:cxnLst>
+            <a:rect l="l" t="t" r="r" b="b"/>
+            <a:pathLst>
+              <a:path w="1520574" h="1007394">
+                <a:moveTo>
+                  <a:pt x="0" y="632386"/>
+                </a:moveTo>
+                <a:lnTo>
+                  <a:pt x="88734" y="0"/>
+                </a:lnTo>
+                <a:lnTo>
+                  <a:pt x="242860" y="281130"/>
+                </a:lnTo>
+                <a:lnTo>
+                  <a:pt x="1520574" y="551191"/>
+                </a:lnTo>
+                <a:lnTo>
+                  <a:pt x="742457" y="1007394"/>
+                </a:lnTo>
+                <a:lnTo>
+                  <a:pt x="305879" y="856983"/>
+                </a:lnTo>
+                <a:lnTo>
+                  <a:pt x="0" y="632386"/>
+                </a:lnTo>
+                <a:close/>
+              </a:path>
+            </a:pathLst>
+          </a:custGeom>
+        </p:spPr>
+        <p:style>
+          <a:lnRef idx="1">
+            <a:schemeClr val="accent1"/>
+          </a:lnRef>
+          <a:fillRef idx="3">
+            <a:schemeClr val="accent1"/>
+          </a:fillRef>
+          <a:effectRef idx="2">
+            <a:schemeClr val="accent1"/>
+          </a:effectRef>
+          <a:fontRef idx="minor">
+            <a:schemeClr val="lt1"/>
+          </a:fontRef>
+        </p:style>
+        <p:txBody>
+          <a:bodyPr rtlCol="0" anchor="ctr"/>
+          <a:lstStyle/>
+          <a:p>
+            <a:pPr algn="ctr"/>
+            <a:endParaRPr lang="en-US"/>
+          </a:p>
+        </p:txBody>
+      </p:sp>
+      <p:cxnSp>
+        <p:nvCxnSpPr>
+          <p:cNvPr id="29" name="Straight Connector 28"/>
+          <p:cNvCxnSpPr/>
+          <p:nvPr/>
+        </p:nvCxnSpPr>
+        <p:spPr>
+          <a:xfrm>
+            <a:off x="5742792" y="3290244"/>
+            <a:ext cx="0" cy="569953"/>
+          </a:xfrm>
+          <a:prstGeom prst="line">
+            <a:avLst/>
+          </a:prstGeom>
+          <a:ln w="19050" cmpd="sng">
+            <a:solidFill>
+              <a:schemeClr val="tx1"/>
+            </a:solidFill>
+            <a:headEnd type="none"/>
+            <a:tailEnd type="arrow"/>
+          </a:ln>
+          <a:effectLst/>
+        </p:spPr>
+        <p:style>
+          <a:lnRef idx="2">
+            <a:schemeClr val="dk1"/>
+          </a:lnRef>
+          <a:fillRef idx="0">
+            <a:schemeClr val="dk1"/>
+          </a:fillRef>
+          <a:effectRef idx="1">
+            <a:schemeClr val="dk1"/>
+          </a:effectRef>
+          <a:fontRef idx="minor">
+            <a:schemeClr val="tx1"/>
+          </a:fontRef>
+        </p:style>
+      </p:cxnSp>
+      <p:sp>
+        <p:nvSpPr>
+          <p:cNvPr id="31" name="TextBox 30"/>
+          <p:cNvSpPr txBox="1"/>
+          <p:nvPr/>
+        </p:nvSpPr>
+        <p:spPr>
+          <a:xfrm>
+            <a:off x="5894071" y="3311120"/>
+            <a:ext cx="851849" cy="307777"/>
+          </a:xfrm>
+          <a:prstGeom prst="rect">
+            <a:avLst/>
+          </a:prstGeom>
+          <a:noFill/>
+        </p:spPr>
+        <p:txBody>
+          <a:bodyPr wrap="square" rtlCol="0">
+            <a:spAutoFit/>
+          </a:bodyPr>
+          <a:lstStyle/>
+          <a:p>
+            <a:r>
+              <a:rPr lang="en-US" sz="1400" dirty="0" smtClean="0"/>
+              <a:t>Free-Fall</a:t>
+            </a:r>
+            <a:endParaRPr lang="en-US" sz="1400" dirty="0"/>
+          </a:p>
+        </p:txBody>
+      </p:sp>
+      <p:sp>
+        <p:nvSpPr>
+          <p:cNvPr id="32" name="TextBox 31"/>
+          <p:cNvSpPr txBox="1"/>
+          <p:nvPr/>
+        </p:nvSpPr>
+        <p:spPr>
+          <a:xfrm>
+            <a:off x="4709745" y="3311120"/>
+            <a:ext cx="851849" cy="307777"/>
+          </a:xfrm>
+          <a:prstGeom prst="rect">
+            <a:avLst/>
+          </a:prstGeom>
+          <a:noFill/>
+        </p:spPr>
+        <p:txBody>
+          <a:bodyPr wrap="square" rtlCol="0">
+            <a:spAutoFit/>
+          </a:bodyPr>
+          <a:lstStyle/>
+          <a:p>
+            <a:r>
+              <a:rPr lang="en-US" sz="1400" dirty="0" smtClean="0"/>
+              <a:t>Sliding</a:t>
+            </a:r>
+            <a:endParaRPr lang="en-US" sz="1400" dirty="0"/>
+          </a:p>
+        </p:txBody>
+      </p:sp>
+      <p:grpSp>
+        <p:nvGrpSpPr>
+          <p:cNvPr id="6" name="Group 5"/>
+          <p:cNvGrpSpPr/>
+          <p:nvPr/>
+        </p:nvGrpSpPr>
+        <p:grpSpPr>
+          <a:xfrm rot="10800000">
+            <a:off x="4519669" y="3378371"/>
+            <a:ext cx="2281881" cy="306173"/>
+            <a:chOff x="2640069" y="4017659"/>
+            <a:chExt cx="2281881" cy="306173"/>
+          </a:xfrm>
+        </p:grpSpPr>
+        <p:cxnSp>
+          <p:nvCxnSpPr>
+            <p:cNvPr id="28" name="Straight Connector 27"/>
+            <p:cNvCxnSpPr/>
+            <p:nvPr/>
+          </p:nvCxnSpPr>
+          <p:spPr>
+            <a:xfrm>
+              <a:off x="2640069" y="4021778"/>
+              <a:ext cx="0" cy="302054"/>
+            </a:xfrm>
+            <a:prstGeom prst="line">
+              <a:avLst/>
+            </a:prstGeom>
+            <a:ln w="12700" cmpd="sng"/>
+            <a:effectLst/>
+          </p:spPr>
+          <p:style>
+            <a:lnRef idx="2">
+              <a:schemeClr val="dk1"/>
+            </a:lnRef>
+            <a:fillRef idx="0">
+              <a:schemeClr val="dk1"/>
+            </a:fillRef>
+            <a:effectRef idx="1">
+              <a:schemeClr val="dk1"/>
+            </a:effectRef>
+            <a:fontRef idx="minor">
+              <a:schemeClr val="tx1"/>
+            </a:fontRef>
+          </p:style>
+        </p:cxnSp>
+        <p:cxnSp>
+          <p:nvCxnSpPr>
+            <p:cNvPr id="30" name="Straight Connector 29"/>
+            <p:cNvCxnSpPr/>
+            <p:nvPr/>
+          </p:nvCxnSpPr>
+          <p:spPr>
+            <a:xfrm>
+              <a:off x="4921950" y="4017659"/>
+              <a:ext cx="0" cy="302054"/>
+            </a:xfrm>
+            <a:prstGeom prst="line">
+              <a:avLst/>
+            </a:prstGeom>
+            <a:ln w="12700" cmpd="sng"/>
+            <a:effectLst/>
+          </p:spPr>
+          <p:style>
+            <a:lnRef idx="2">
+              <a:schemeClr val="dk1"/>
+            </a:lnRef>
+            <a:fillRef idx="0">
+              <a:schemeClr val="dk1"/>
+            </a:fillRef>
+            <a:effectRef idx="1">
+              <a:schemeClr val="dk1"/>
+            </a:effectRef>
+            <a:fontRef idx="minor">
+              <a:schemeClr val="tx1"/>
+            </a:fontRef>
+          </p:style>
+        </p:cxnSp>
+        <p:cxnSp>
+          <p:nvCxnSpPr>
+            <p:cNvPr id="33" name="Straight Connector 32"/>
+            <p:cNvCxnSpPr/>
+            <p:nvPr/>
+          </p:nvCxnSpPr>
+          <p:spPr>
+            <a:xfrm>
+              <a:off x="2640069" y="4023151"/>
+              <a:ext cx="2281881" cy="0"/>
+            </a:xfrm>
+            <a:prstGeom prst="line">
+              <a:avLst/>
+            </a:prstGeom>
+            <a:ln w="12700" cmpd="sng"/>
+            <a:effectLst/>
+          </p:spPr>
+          <p:style>
+            <a:lnRef idx="2">
+              <a:schemeClr val="dk1"/>
+            </a:lnRef>
+            <a:fillRef idx="0">
+              <a:schemeClr val="dk1"/>
+            </a:fillRef>
+            <a:effectRef idx="1">
+              <a:schemeClr val="dk1"/>
+            </a:effectRef>
+            <a:fontRef idx="minor">
+              <a:schemeClr val="tx1"/>
+            </a:fontRef>
+          </p:style>
+        </p:cxnSp>
+      </p:grpSp>
+      <p:sp>
+        <p:nvSpPr>
+          <p:cNvPr id="34" name="TextBox 33"/>
+          <p:cNvSpPr txBox="1"/>
+          <p:nvPr/>
+        </p:nvSpPr>
+        <p:spPr>
+          <a:xfrm>
+            <a:off x="5328841" y="2953833"/>
+            <a:ext cx="943941" cy="307777"/>
+          </a:xfrm>
+          <a:prstGeom prst="rect">
+            <a:avLst/>
+          </a:prstGeom>
+          <a:noFill/>
+        </p:spPr>
+        <p:txBody>
+          <a:bodyPr wrap="square" rtlCol="0">
+            <a:spAutoFit/>
+          </a:bodyPr>
+          <a:lstStyle/>
+          <a:p>
+            <a:r>
+              <a:rPr lang="en-US" sz="1400" dirty="0" smtClean="0"/>
+              <a:t>Transition</a:t>
+            </a:r>
+            <a:endParaRPr lang="en-US" sz="1400" dirty="0"/>
+          </a:p>
+        </p:txBody>
+      </p:sp>
+      <p:sp>
+        <p:nvSpPr>
+          <p:cNvPr id="35" name="Freeform 34"/>
+          <p:cNvSpPr/>
+          <p:nvPr/>
+        </p:nvSpPr>
+        <p:spPr>
+          <a:xfrm rot="19812033">
+            <a:off x="4479170" y="3292391"/>
+            <a:ext cx="1726833" cy="1645851"/>
+          </a:xfrm>
+          <a:custGeom>
+            <a:avLst/>
+            <a:gdLst>
+              <a:gd name="connsiteX0" fmla="*/ 0 w 1963352"/>
+              <a:gd name="connsiteY0" fmla="*/ 0 h 1091513"/>
+              <a:gd name="connsiteX1" fmla="*/ 411892 w 1963352"/>
+              <a:gd name="connsiteY1" fmla="*/ 1091513 h 1091513"/>
+              <a:gd name="connsiteX2" fmla="*/ 1963352 w 1963352"/>
+              <a:gd name="connsiteY2" fmla="*/ 659027 h 1091513"/>
+              <a:gd name="connsiteX0" fmla="*/ 0 w 1963352"/>
+              <a:gd name="connsiteY0" fmla="*/ 0 h 899297"/>
+              <a:gd name="connsiteX1" fmla="*/ 597244 w 1963352"/>
+              <a:gd name="connsiteY1" fmla="*/ 899297 h 899297"/>
+              <a:gd name="connsiteX2" fmla="*/ 1963352 w 1963352"/>
+              <a:gd name="connsiteY2" fmla="*/ 659027 h 899297"/>
+              <a:gd name="connsiteX0" fmla="*/ 0 w 1963352"/>
+              <a:gd name="connsiteY0" fmla="*/ 49260 h 948557"/>
+              <a:gd name="connsiteX1" fmla="*/ 597244 w 1963352"/>
+              <a:gd name="connsiteY1" fmla="*/ 948557 h 948557"/>
+              <a:gd name="connsiteX2" fmla="*/ 1963352 w 1963352"/>
+              <a:gd name="connsiteY2" fmla="*/ 708287 h 948557"/>
+              <a:gd name="connsiteX0" fmla="*/ 0 w 1963352"/>
+              <a:gd name="connsiteY0" fmla="*/ 40865 h 1159838"/>
+              <a:gd name="connsiteX1" fmla="*/ 425622 w 1963352"/>
+              <a:gd name="connsiteY1" fmla="*/ 1159838 h 1159838"/>
+              <a:gd name="connsiteX2" fmla="*/ 1963352 w 1963352"/>
+              <a:gd name="connsiteY2" fmla="*/ 699892 h 1159838"/>
+              <a:gd name="connsiteX0" fmla="*/ 0 w 1963352"/>
+              <a:gd name="connsiteY0" fmla="*/ 42611 h 1161584"/>
+              <a:gd name="connsiteX1" fmla="*/ 425622 w 1963352"/>
+              <a:gd name="connsiteY1" fmla="*/ 1161584 h 1161584"/>
+              <a:gd name="connsiteX2" fmla="*/ 1963352 w 1963352"/>
+              <a:gd name="connsiteY2" fmla="*/ 701638 h 1161584"/>
+              <a:gd name="connsiteX0" fmla="*/ 0 w 1963352"/>
+              <a:gd name="connsiteY0" fmla="*/ 42611 h 1161584"/>
+              <a:gd name="connsiteX1" fmla="*/ 425622 w 1963352"/>
+              <a:gd name="connsiteY1" fmla="*/ 1161584 h 1161584"/>
+              <a:gd name="connsiteX2" fmla="*/ 1963352 w 1963352"/>
+              <a:gd name="connsiteY2" fmla="*/ 701638 h 1161584"/>
+              <a:gd name="connsiteX0" fmla="*/ 0 w 1894703"/>
+              <a:gd name="connsiteY0" fmla="*/ 42611 h 1772567"/>
+              <a:gd name="connsiteX1" fmla="*/ 425622 w 1894703"/>
+              <a:gd name="connsiteY1" fmla="*/ 1161584 h 1772567"/>
+              <a:gd name="connsiteX2" fmla="*/ 1894703 w 1894703"/>
+              <a:gd name="connsiteY2" fmla="*/ 1751962 h 1772567"/>
+              <a:gd name="connsiteX0" fmla="*/ 0 w 1894703"/>
+              <a:gd name="connsiteY0" fmla="*/ 42611 h 1751962"/>
+              <a:gd name="connsiteX1" fmla="*/ 425622 w 1894703"/>
+              <a:gd name="connsiteY1" fmla="*/ 1161584 h 1751962"/>
+              <a:gd name="connsiteX2" fmla="*/ 1894703 w 1894703"/>
+              <a:gd name="connsiteY2" fmla="*/ 1751962 h 1751962"/>
+              <a:gd name="connsiteX0" fmla="*/ 0 w 1894703"/>
+              <a:gd name="connsiteY0" fmla="*/ 42611 h 1751962"/>
+              <a:gd name="connsiteX1" fmla="*/ 425622 w 1894703"/>
+              <a:gd name="connsiteY1" fmla="*/ 1161584 h 1751962"/>
+              <a:gd name="connsiteX2" fmla="*/ 1894703 w 1894703"/>
+              <a:gd name="connsiteY2" fmla="*/ 1751962 h 1751962"/>
+              <a:gd name="connsiteX0" fmla="*/ 0 w 1894703"/>
+              <a:gd name="connsiteY0" fmla="*/ 38541 h 1747892"/>
+              <a:gd name="connsiteX1" fmla="*/ 638433 w 1894703"/>
+              <a:gd name="connsiteY1" fmla="*/ 1287946 h 1747892"/>
+              <a:gd name="connsiteX2" fmla="*/ 1894703 w 1894703"/>
+              <a:gd name="connsiteY2" fmla="*/ 1747892 h 1747892"/>
+              <a:gd name="connsiteX0" fmla="*/ 0 w 1894703"/>
+              <a:gd name="connsiteY0" fmla="*/ 38354 h 1747705"/>
+              <a:gd name="connsiteX1" fmla="*/ 638433 w 1894703"/>
+              <a:gd name="connsiteY1" fmla="*/ 1287759 h 1747705"/>
+              <a:gd name="connsiteX2" fmla="*/ 1894703 w 1894703"/>
+              <a:gd name="connsiteY2" fmla="*/ 1747705 h 1747705"/>
+              <a:gd name="connsiteX0" fmla="*/ 0 w 1894703"/>
+              <a:gd name="connsiteY0" fmla="*/ 38354 h 1747705"/>
+              <a:gd name="connsiteX1" fmla="*/ 638433 w 1894703"/>
+              <a:gd name="connsiteY1" fmla="*/ 1287759 h 1747705"/>
+              <a:gd name="connsiteX2" fmla="*/ 1894703 w 1894703"/>
+              <a:gd name="connsiteY2" fmla="*/ 1747705 h 1747705"/>
+              <a:gd name="connsiteX0" fmla="*/ 1076068 w 1256271"/>
+              <a:gd name="connsiteY0" fmla="*/ 17439 h 3358740"/>
+              <a:gd name="connsiteX1" fmla="*/ 1 w 1256271"/>
+              <a:gd name="connsiteY1" fmla="*/ 2898794 h 3358740"/>
+              <a:gd name="connsiteX2" fmla="*/ 1256271 w 1256271"/>
+              <a:gd name="connsiteY2" fmla="*/ 3358740 h 3358740"/>
+              <a:gd name="connsiteX0" fmla="*/ 1076068 w 1256271"/>
+              <a:gd name="connsiteY0" fmla="*/ 0 h 3341301"/>
+              <a:gd name="connsiteX1" fmla="*/ 1 w 1256271"/>
+              <a:gd name="connsiteY1" fmla="*/ 2881355 h 3341301"/>
+              <a:gd name="connsiteX2" fmla="*/ 1256271 w 1256271"/>
+              <a:gd name="connsiteY2" fmla="*/ 3341301 h 3341301"/>
+              <a:gd name="connsiteX0" fmla="*/ 0 w 1320209"/>
+              <a:gd name="connsiteY0" fmla="*/ 0 h 3341301"/>
+              <a:gd name="connsiteX1" fmla="*/ 1178183 w 1320209"/>
+              <a:gd name="connsiteY1" fmla="*/ 665205 h 3341301"/>
+              <a:gd name="connsiteX2" fmla="*/ 180203 w 1320209"/>
+              <a:gd name="connsiteY2" fmla="*/ 3341301 h 3341301"/>
+              <a:gd name="connsiteX0" fmla="*/ 0 w 1320209"/>
+              <a:gd name="connsiteY0" fmla="*/ 0 h 3341301"/>
+              <a:gd name="connsiteX1" fmla="*/ 1178183 w 1320209"/>
+              <a:gd name="connsiteY1" fmla="*/ 665205 h 3341301"/>
+              <a:gd name="connsiteX2" fmla="*/ 180203 w 1320209"/>
+              <a:gd name="connsiteY2" fmla="*/ 3341301 h 3341301"/>
+              <a:gd name="connsiteX0" fmla="*/ 0 w 1285878"/>
+              <a:gd name="connsiteY0" fmla="*/ 0 h 3341301"/>
+              <a:gd name="connsiteX1" fmla="*/ 1178183 w 1285878"/>
+              <a:gd name="connsiteY1" fmla="*/ 665205 h 3341301"/>
+              <a:gd name="connsiteX2" fmla="*/ 180203 w 1285878"/>
+              <a:gd name="connsiteY2" fmla="*/ 3341301 h 3341301"/>
+              <a:gd name="connsiteX0" fmla="*/ 0 w 1723253"/>
+              <a:gd name="connsiteY0" fmla="*/ 0 h 1645851"/>
+              <a:gd name="connsiteX1" fmla="*/ 1178183 w 1723253"/>
+              <a:gd name="connsiteY1" fmla="*/ 665205 h 1645851"/>
+              <a:gd name="connsiteX2" fmla="*/ 1723253 w 1723253"/>
+              <a:gd name="connsiteY2" fmla="*/ 1645851 h 1645851"/>
+              <a:gd name="connsiteX0" fmla="*/ 0 w 1734433"/>
+              <a:gd name="connsiteY0" fmla="*/ 0 h 1645851"/>
+              <a:gd name="connsiteX1" fmla="*/ 1178183 w 1734433"/>
+              <a:gd name="connsiteY1" fmla="*/ 665205 h 1645851"/>
+              <a:gd name="connsiteX2" fmla="*/ 1723253 w 1734433"/>
+              <a:gd name="connsiteY2" fmla="*/ 1645851 h 1645851"/>
+              <a:gd name="connsiteX0" fmla="*/ 0 w 1732213"/>
+              <a:gd name="connsiteY0" fmla="*/ 0 h 1645851"/>
+              <a:gd name="connsiteX1" fmla="*/ 1178183 w 1732213"/>
+              <a:gd name="connsiteY1" fmla="*/ 665205 h 1645851"/>
+              <a:gd name="connsiteX2" fmla="*/ 1723253 w 1732213"/>
+              <a:gd name="connsiteY2" fmla="*/ 1645851 h 1645851"/>
+              <a:gd name="connsiteX0" fmla="*/ 0 w 1725834"/>
+              <a:gd name="connsiteY0" fmla="*/ 0 h 1645851"/>
+              <a:gd name="connsiteX1" fmla="*/ 1178183 w 1725834"/>
+              <a:gd name="connsiteY1" fmla="*/ 665205 h 1645851"/>
+              <a:gd name="connsiteX2" fmla="*/ 1723253 w 1725834"/>
+              <a:gd name="connsiteY2" fmla="*/ 1645851 h 1645851"/>
+              <a:gd name="connsiteX0" fmla="*/ 0 w 1727748"/>
+              <a:gd name="connsiteY0" fmla="*/ 0 h 1645851"/>
+              <a:gd name="connsiteX1" fmla="*/ 1311985 w 1727748"/>
+              <a:gd name="connsiteY1" fmla="*/ 763785 h 1645851"/>
+              <a:gd name="connsiteX2" fmla="*/ 1723253 w 1727748"/>
+              <a:gd name="connsiteY2" fmla="*/ 1645851 h 1645851"/>
+              <a:gd name="connsiteX0" fmla="*/ 0 w 1727748"/>
+              <a:gd name="connsiteY0" fmla="*/ 0 h 1645851"/>
+              <a:gd name="connsiteX1" fmla="*/ 1311985 w 1727748"/>
+              <a:gd name="connsiteY1" fmla="*/ 763785 h 1645851"/>
+              <a:gd name="connsiteX2" fmla="*/ 1723253 w 1727748"/>
+              <a:gd name="connsiteY2" fmla="*/ 1645851 h 1645851"/>
+              <a:gd name="connsiteX0" fmla="*/ 0 w 1726833"/>
+              <a:gd name="connsiteY0" fmla="*/ 0 h 1645851"/>
+              <a:gd name="connsiteX1" fmla="*/ 1311985 w 1726833"/>
+              <a:gd name="connsiteY1" fmla="*/ 763785 h 1645851"/>
+              <a:gd name="connsiteX2" fmla="*/ 1723253 w 1726833"/>
+              <a:gd name="connsiteY2" fmla="*/ 1645851 h 1645851"/>
+            </a:gdLst>
+            <a:ahLst/>
+            <a:cxnLst>
+              <a:cxn ang="0">
+                <a:pos x="connsiteX0" y="connsiteY0"/>
+              </a:cxn>
+              <a:cxn ang="0">
+                <a:pos x="connsiteX1" y="connsiteY1"/>
+              </a:cxn>
+              <a:cxn ang="0">
+                <a:pos x="connsiteX2" y="connsiteY2"/>
+              </a:cxn>
+            </a:cxnLst>
+            <a:rect l="l" t="t" r="r" b="b"/>
+            <a:pathLst>
+              <a:path w="1726833" h="1645851">
+                <a:moveTo>
+                  <a:pt x="0" y="0"/>
+                </a:moveTo>
+                <a:cubicBezTo>
+                  <a:pt x="428882" y="232147"/>
+                  <a:pt x="921767" y="532939"/>
+                  <a:pt x="1311985" y="763785"/>
+                </a:cubicBezTo>
+                <a:cubicBezTo>
+                  <a:pt x="1565085" y="930993"/>
+                  <a:pt x="1755575" y="1093458"/>
+                  <a:pt x="1723253" y="1645851"/>
+                </a:cubicBezTo>
+              </a:path>
+            </a:pathLst>
+          </a:custGeom>
+          <a:ln>
+            <a:prstDash val="dash"/>
+          </a:ln>
+        </p:spPr>
+        <p:style>
+          <a:lnRef idx="2">
+            <a:schemeClr val="dk1"/>
+          </a:lnRef>
+          <a:fillRef idx="0">
+            <a:schemeClr val="dk1"/>
+          </a:fillRef>
+          <a:effectRef idx="1">
+            <a:schemeClr val="dk1"/>
+          </a:effectRef>
+          <a:fontRef idx="minor">
+            <a:schemeClr val="tx1"/>
+          </a:fontRef>
+        </p:style>
+        <p:txBody>
+          <a:bodyPr rtlCol="0" anchor="ctr"/>
+          <a:lstStyle/>
+          <a:p>
+            <a:pPr algn="ctr"/>
+            <a:endParaRPr lang="en-US"/>
+          </a:p>
+        </p:txBody>
+      </p:sp>
+      <p:sp>
+        <p:nvSpPr>
+          <p:cNvPr id="27" name="Oval 26"/>
+          <p:cNvSpPr/>
+          <p:nvPr/>
+        </p:nvSpPr>
+        <p:spPr>
+          <a:xfrm rot="19918879">
+            <a:off x="4110099" y="3760238"/>
+            <a:ext cx="123151" cy="123151"/>
+          </a:xfrm>
+          <a:prstGeom prst="ellipse">
+            <a:avLst/>
+          </a:prstGeom>
+        </p:spPr>
+        <p:style>
+          <a:lnRef idx="1">
+            <a:schemeClr val="accent2"/>
+          </a:lnRef>
+          <a:fillRef idx="3">
+            <a:schemeClr val="accent2"/>
+          </a:fillRef>
+          <a:effectRef idx="2">
+            <a:schemeClr val="accent2"/>
+          </a:effectRef>
+          <a:fontRef idx="minor">
+            <a:schemeClr val="lt1"/>
+          </a:fontRef>
+        </p:style>
+        <p:txBody>
+          <a:bodyPr rtlCol="0" anchor="ctr"/>
+          <a:lstStyle/>
+          <a:p>
+            <a:pPr algn="ctr"/>
+            <a:endParaRPr lang="en-US"/>
           </a:p>
         </p:txBody>
       </p:sp>

--- a/figures/figures.pptx
+++ b/figures/figures.pptx
@@ -14,6 +14,10 @@
     <p:sldId id="262" r:id="rId8"/>
     <p:sldId id="263" r:id="rId9"/>
     <p:sldId id="264" r:id="rId10"/>
+    <p:sldId id="265" r:id="rId11"/>
+    <p:sldId id="266" r:id="rId12"/>
+    <p:sldId id="267" r:id="rId13"/>
+    <p:sldId id="268" r:id="rId14"/>
   </p:sldIdLst>
   <p:sldSz cx="9144000" cy="6858000" type="screen4x3"/>
   <p:notesSz cx="6858000" cy="9144000"/>
@@ -3481,6 +3485,3365 @@
     <p:extLst>
       <p:ext uri="{BB962C8B-B14F-4D97-AF65-F5344CB8AC3E}">
         <p14:creationId xmlns:p14="http://schemas.microsoft.com/office/powerpoint/2010/main" val="4101819949"/>
+      </p:ext>
+    </p:extLst>
+  </p:cSld>
+  <p:clrMapOvr>
+    <a:masterClrMapping/>
+  </p:clrMapOvr>
+</p:sld>
+</file>
+
+<file path=ppt/slides/slide10.xml><?xml version="1.0" encoding="utf-8"?>
+<p:sld xmlns:a="http://schemas.openxmlformats.org/drawingml/2006/main" xmlns:r="http://schemas.openxmlformats.org/officeDocument/2006/relationships" xmlns:p="http://schemas.openxmlformats.org/presentationml/2006/main">
+  <p:cSld>
+    <p:spTree>
+      <p:nvGrpSpPr>
+        <p:cNvPr id="1" name=""/>
+        <p:cNvGrpSpPr/>
+        <p:nvPr/>
+      </p:nvGrpSpPr>
+      <p:grpSpPr>
+        <a:xfrm>
+          <a:off x="0" y="0"/>
+          <a:ext cx="0" cy="0"/>
+          <a:chOff x="0" y="0"/>
+          <a:chExt cx="0" cy="0"/>
+        </a:xfrm>
+      </p:grpSpPr>
+      <p:cxnSp>
+        <p:nvCxnSpPr>
+          <p:cNvPr id="16" name="Straight Arrow Connector 15"/>
+          <p:cNvCxnSpPr/>
+          <p:nvPr/>
+        </p:nvCxnSpPr>
+        <p:spPr>
+          <a:xfrm flipH="1" flipV="1">
+            <a:off x="2931234" y="1112108"/>
+            <a:ext cx="899361" cy="1633839"/>
+          </a:xfrm>
+          <a:prstGeom prst="straightConnector1">
+            <a:avLst/>
+          </a:prstGeom>
+          <a:ln w="28575" cmpd="sng">
+            <a:solidFill>
+              <a:schemeClr val="bg1">
+                <a:lumMod val="75000"/>
+              </a:schemeClr>
+            </a:solidFill>
+            <a:prstDash val="dash"/>
+            <a:headEnd type="none"/>
+            <a:tailEnd type="none"/>
+          </a:ln>
+          <a:effectLst/>
+        </p:spPr>
+        <p:style>
+          <a:lnRef idx="2">
+            <a:schemeClr val="dk1"/>
+          </a:lnRef>
+          <a:fillRef idx="0">
+            <a:schemeClr val="dk1"/>
+          </a:fillRef>
+          <a:effectRef idx="1">
+            <a:schemeClr val="dk1"/>
+          </a:effectRef>
+          <a:fontRef idx="minor">
+            <a:schemeClr val="tx1"/>
+          </a:fontRef>
+        </p:style>
+      </p:cxnSp>
+      <p:cxnSp>
+        <p:nvCxnSpPr>
+          <p:cNvPr id="9" name="Straight Arrow Connector 8"/>
+          <p:cNvCxnSpPr>
+            <a:stCxn id="4" idx="0"/>
+          </p:cNvCxnSpPr>
+          <p:nvPr/>
+        </p:nvCxnSpPr>
+        <p:spPr>
+          <a:xfrm flipV="1">
+            <a:off x="3672703" y="1853514"/>
+            <a:ext cx="2471351" cy="604107"/>
+          </a:xfrm>
+          <a:prstGeom prst="straightConnector1">
+            <a:avLst/>
+          </a:prstGeom>
+          <a:ln w="28575" cmpd="sng">
+            <a:solidFill>
+              <a:schemeClr val="bg1">
+                <a:lumMod val="75000"/>
+              </a:schemeClr>
+            </a:solidFill>
+            <a:prstDash val="dash"/>
+            <a:headEnd type="none"/>
+            <a:tailEnd type="none"/>
+          </a:ln>
+          <a:effectLst/>
+        </p:spPr>
+        <p:style>
+          <a:lnRef idx="2">
+            <a:schemeClr val="dk1"/>
+          </a:lnRef>
+          <a:fillRef idx="0">
+            <a:schemeClr val="dk1"/>
+          </a:fillRef>
+          <a:effectRef idx="1">
+            <a:schemeClr val="dk1"/>
+          </a:effectRef>
+          <a:fontRef idx="minor">
+            <a:schemeClr val="tx1"/>
+          </a:fontRef>
+        </p:style>
+      </p:cxnSp>
+      <p:sp>
+        <p:nvSpPr>
+          <p:cNvPr id="4" name="Freeform 3"/>
+          <p:cNvSpPr/>
+          <p:nvPr/>
+        </p:nvSpPr>
+        <p:spPr>
+          <a:xfrm>
+            <a:off x="2677297" y="1489676"/>
+            <a:ext cx="2642974" cy="1702486"/>
+          </a:xfrm>
+          <a:custGeom>
+            <a:avLst/>
+            <a:gdLst>
+              <a:gd name="connsiteX0" fmla="*/ 1187622 w 2917568"/>
+              <a:gd name="connsiteY0" fmla="*/ 1393567 h 2128108"/>
+              <a:gd name="connsiteX1" fmla="*/ 2780271 w 2917568"/>
+              <a:gd name="connsiteY1" fmla="*/ 1002270 h 2128108"/>
+              <a:gd name="connsiteX2" fmla="*/ 2917568 w 2917568"/>
+              <a:gd name="connsiteY2" fmla="*/ 1729945 h 2128108"/>
+              <a:gd name="connsiteX3" fmla="*/ 926757 w 2917568"/>
+              <a:gd name="connsiteY3" fmla="*/ 2128108 h 2128108"/>
+              <a:gd name="connsiteX4" fmla="*/ 0 w 2917568"/>
+              <a:gd name="connsiteY4" fmla="*/ 377567 h 2128108"/>
+              <a:gd name="connsiteX5" fmla="*/ 466811 w 2917568"/>
+              <a:gd name="connsiteY5" fmla="*/ 0 h 2128108"/>
+              <a:gd name="connsiteX6" fmla="*/ 1187622 w 2917568"/>
+              <a:gd name="connsiteY6" fmla="*/ 1393567 h 2128108"/>
+              <a:gd name="connsiteX0" fmla="*/ 1187622 w 2835190"/>
+              <a:gd name="connsiteY0" fmla="*/ 1393567 h 2128108"/>
+              <a:gd name="connsiteX1" fmla="*/ 2780271 w 2835190"/>
+              <a:gd name="connsiteY1" fmla="*/ 1002270 h 2128108"/>
+              <a:gd name="connsiteX2" fmla="*/ 2835190 w 2835190"/>
+              <a:gd name="connsiteY2" fmla="*/ 1530864 h 2128108"/>
+              <a:gd name="connsiteX3" fmla="*/ 926757 w 2835190"/>
+              <a:gd name="connsiteY3" fmla="*/ 2128108 h 2128108"/>
+              <a:gd name="connsiteX4" fmla="*/ 0 w 2835190"/>
+              <a:gd name="connsiteY4" fmla="*/ 377567 h 2128108"/>
+              <a:gd name="connsiteX5" fmla="*/ 466811 w 2835190"/>
+              <a:gd name="connsiteY5" fmla="*/ 0 h 2128108"/>
+              <a:gd name="connsiteX6" fmla="*/ 1187622 w 2835190"/>
+              <a:gd name="connsiteY6" fmla="*/ 1393567 h 2128108"/>
+              <a:gd name="connsiteX0" fmla="*/ 995406 w 2642974"/>
+              <a:gd name="connsiteY0" fmla="*/ 1393567 h 2128108"/>
+              <a:gd name="connsiteX1" fmla="*/ 2588055 w 2642974"/>
+              <a:gd name="connsiteY1" fmla="*/ 1002270 h 2128108"/>
+              <a:gd name="connsiteX2" fmla="*/ 2642974 w 2642974"/>
+              <a:gd name="connsiteY2" fmla="*/ 1530864 h 2128108"/>
+              <a:gd name="connsiteX3" fmla="*/ 734541 w 2642974"/>
+              <a:gd name="connsiteY3" fmla="*/ 2128108 h 2128108"/>
+              <a:gd name="connsiteX4" fmla="*/ 0 w 2642974"/>
+              <a:gd name="connsiteY4" fmla="*/ 761999 h 2128108"/>
+              <a:gd name="connsiteX5" fmla="*/ 274595 w 2642974"/>
+              <a:gd name="connsiteY5" fmla="*/ 0 h 2128108"/>
+              <a:gd name="connsiteX6" fmla="*/ 995406 w 2642974"/>
+              <a:gd name="connsiteY6" fmla="*/ 1393567 h 2128108"/>
+              <a:gd name="connsiteX0" fmla="*/ 995406 w 2642974"/>
+              <a:gd name="connsiteY0" fmla="*/ 967945 h 1702486"/>
+              <a:gd name="connsiteX1" fmla="*/ 2588055 w 2642974"/>
+              <a:gd name="connsiteY1" fmla="*/ 576648 h 1702486"/>
+              <a:gd name="connsiteX2" fmla="*/ 2642974 w 2642974"/>
+              <a:gd name="connsiteY2" fmla="*/ 1105242 h 1702486"/>
+              <a:gd name="connsiteX3" fmla="*/ 734541 w 2642974"/>
+              <a:gd name="connsiteY3" fmla="*/ 1702486 h 1702486"/>
+              <a:gd name="connsiteX4" fmla="*/ 0 w 2642974"/>
+              <a:gd name="connsiteY4" fmla="*/ 336377 h 1702486"/>
+              <a:gd name="connsiteX5" fmla="*/ 453081 w 2642974"/>
+              <a:gd name="connsiteY5" fmla="*/ 0 h 1702486"/>
+              <a:gd name="connsiteX6" fmla="*/ 995406 w 2642974"/>
+              <a:gd name="connsiteY6" fmla="*/ 967945 h 1702486"/>
+            </a:gdLst>
+            <a:ahLst/>
+            <a:cxnLst>
+              <a:cxn ang="0">
+                <a:pos x="connsiteX0" y="connsiteY0"/>
+              </a:cxn>
+              <a:cxn ang="0">
+                <a:pos x="connsiteX1" y="connsiteY1"/>
+              </a:cxn>
+              <a:cxn ang="0">
+                <a:pos x="connsiteX2" y="connsiteY2"/>
+              </a:cxn>
+              <a:cxn ang="0">
+                <a:pos x="connsiteX3" y="connsiteY3"/>
+              </a:cxn>
+              <a:cxn ang="0">
+                <a:pos x="connsiteX4" y="connsiteY4"/>
+              </a:cxn>
+              <a:cxn ang="0">
+                <a:pos x="connsiteX5" y="connsiteY5"/>
+              </a:cxn>
+              <a:cxn ang="0">
+                <a:pos x="connsiteX6" y="connsiteY6"/>
+              </a:cxn>
+            </a:cxnLst>
+            <a:rect l="l" t="t" r="r" b="b"/>
+            <a:pathLst>
+              <a:path w="2642974" h="1702486">
+                <a:moveTo>
+                  <a:pt x="995406" y="967945"/>
+                </a:moveTo>
+                <a:lnTo>
+                  <a:pt x="2588055" y="576648"/>
+                </a:lnTo>
+                <a:lnTo>
+                  <a:pt x="2642974" y="1105242"/>
+                </a:lnTo>
+                <a:lnTo>
+                  <a:pt x="734541" y="1702486"/>
+                </a:lnTo>
+                <a:lnTo>
+                  <a:pt x="0" y="336377"/>
+                </a:lnTo>
+                <a:lnTo>
+                  <a:pt x="453081" y="0"/>
+                </a:lnTo>
+                <a:lnTo>
+                  <a:pt x="995406" y="967945"/>
+                </a:lnTo>
+                <a:close/>
+              </a:path>
+            </a:pathLst>
+          </a:custGeom>
+        </p:spPr>
+        <p:style>
+          <a:lnRef idx="1">
+            <a:schemeClr val="accent1"/>
+          </a:lnRef>
+          <a:fillRef idx="3">
+            <a:schemeClr val="accent1"/>
+          </a:fillRef>
+          <a:effectRef idx="2">
+            <a:schemeClr val="accent1"/>
+          </a:effectRef>
+          <a:fontRef idx="minor">
+            <a:schemeClr val="lt1"/>
+          </a:fontRef>
+        </p:style>
+        <p:txBody>
+          <a:bodyPr rtlCol="0" anchor="ctr"/>
+          <a:lstStyle/>
+          <a:p>
+            <a:pPr algn="ctr"/>
+            <a:endParaRPr lang="en-US"/>
+          </a:p>
+        </p:txBody>
+      </p:sp>
+      <p:cxnSp>
+        <p:nvCxnSpPr>
+          <p:cNvPr id="5" name="Straight Arrow Connector 4"/>
+          <p:cNvCxnSpPr>
+            <a:stCxn id="4" idx="0"/>
+          </p:cNvCxnSpPr>
+          <p:nvPr/>
+        </p:nvCxnSpPr>
+        <p:spPr>
+          <a:xfrm flipV="1">
+            <a:off x="3672703" y="2272092"/>
+            <a:ext cx="755135" cy="185529"/>
+          </a:xfrm>
+          <a:prstGeom prst="straightConnector1">
+            <a:avLst/>
+          </a:prstGeom>
+          <a:ln w="28575" cmpd="sng">
+            <a:tailEnd type="arrow"/>
+          </a:ln>
+          <a:effectLst/>
+        </p:spPr>
+        <p:style>
+          <a:lnRef idx="2">
+            <a:schemeClr val="dk1"/>
+          </a:lnRef>
+          <a:fillRef idx="0">
+            <a:schemeClr val="dk1"/>
+          </a:fillRef>
+          <a:effectRef idx="1">
+            <a:schemeClr val="dk1"/>
+          </a:effectRef>
+          <a:fontRef idx="minor">
+            <a:schemeClr val="tx1"/>
+          </a:fontRef>
+        </p:style>
+      </p:cxnSp>
+      <p:sp>
+        <p:nvSpPr>
+          <p:cNvPr id="6" name="TextBox 5"/>
+          <p:cNvSpPr txBox="1"/>
+          <p:nvPr/>
+        </p:nvSpPr>
+        <p:spPr>
+          <a:xfrm>
+            <a:off x="3909215" y="2272955"/>
+            <a:ext cx="399142" cy="369332"/>
+          </a:xfrm>
+          <a:prstGeom prst="rect">
+            <a:avLst/>
+          </a:prstGeom>
+          <a:noFill/>
+        </p:spPr>
+        <p:txBody>
+          <a:bodyPr wrap="square" rtlCol="0">
+            <a:spAutoFit/>
+          </a:bodyPr>
+          <a:lstStyle/>
+          <a:p>
+            <a:r>
+              <a:rPr lang="en-US" dirty="0" smtClean="0"/>
+              <a:t>e</a:t>
+            </a:r>
+            <a:r>
+              <a:rPr lang="en-US" baseline="-25000" dirty="0" smtClean="0"/>
+              <a:t>1</a:t>
+            </a:r>
+            <a:endParaRPr lang="en-US" baseline="-25000" dirty="0"/>
+          </a:p>
+        </p:txBody>
+      </p:sp>
+      <p:sp>
+        <p:nvSpPr>
+          <p:cNvPr id="14" name="Oval 13"/>
+          <p:cNvSpPr/>
+          <p:nvPr/>
+        </p:nvSpPr>
+        <p:spPr>
+          <a:xfrm>
+            <a:off x="3659183" y="2423295"/>
+            <a:ext cx="61576" cy="61576"/>
+          </a:xfrm>
+          <a:prstGeom prst="ellipse">
+            <a:avLst/>
+          </a:prstGeom>
+        </p:spPr>
+        <p:style>
+          <a:lnRef idx="2">
+            <a:schemeClr val="dk1">
+              <a:shade val="50000"/>
+            </a:schemeClr>
+          </a:lnRef>
+          <a:fillRef idx="1">
+            <a:schemeClr val="dk1"/>
+          </a:fillRef>
+          <a:effectRef idx="0">
+            <a:schemeClr val="dk1"/>
+          </a:effectRef>
+          <a:fontRef idx="minor">
+            <a:schemeClr val="lt1"/>
+          </a:fontRef>
+        </p:style>
+        <p:txBody>
+          <a:bodyPr rtlCol="0" anchor="ctr"/>
+          <a:lstStyle/>
+          <a:p>
+            <a:pPr algn="ctr"/>
+            <a:endParaRPr lang="en-US"/>
+          </a:p>
+        </p:txBody>
+      </p:sp>
+      <p:cxnSp>
+        <p:nvCxnSpPr>
+          <p:cNvPr id="20" name="Straight Arrow Connector 19"/>
+          <p:cNvCxnSpPr/>
+          <p:nvPr/>
+        </p:nvCxnSpPr>
+        <p:spPr>
+          <a:xfrm flipH="1" flipV="1">
+            <a:off x="3267676" y="1750541"/>
+            <a:ext cx="425623" cy="703542"/>
+          </a:xfrm>
+          <a:prstGeom prst="straightConnector1">
+            <a:avLst/>
+          </a:prstGeom>
+          <a:ln w="28575" cmpd="sng">
+            <a:tailEnd type="arrow"/>
+          </a:ln>
+          <a:effectLst/>
+        </p:spPr>
+        <p:style>
+          <a:lnRef idx="2">
+            <a:schemeClr val="dk1"/>
+          </a:lnRef>
+          <a:fillRef idx="0">
+            <a:schemeClr val="dk1"/>
+          </a:fillRef>
+          <a:effectRef idx="1">
+            <a:schemeClr val="dk1"/>
+          </a:effectRef>
+          <a:fontRef idx="minor">
+            <a:schemeClr val="tx1"/>
+          </a:fontRef>
+        </p:style>
+      </p:cxnSp>
+      <p:sp>
+        <p:nvSpPr>
+          <p:cNvPr id="23" name="TextBox 22"/>
+          <p:cNvSpPr txBox="1"/>
+          <p:nvPr/>
+        </p:nvSpPr>
+        <p:spPr>
+          <a:xfrm>
+            <a:off x="3189777" y="1972273"/>
+            <a:ext cx="399142" cy="369332"/>
+          </a:xfrm>
+          <a:prstGeom prst="rect">
+            <a:avLst/>
+          </a:prstGeom>
+          <a:noFill/>
+        </p:spPr>
+        <p:txBody>
+          <a:bodyPr wrap="square" rtlCol="0">
+            <a:spAutoFit/>
+          </a:bodyPr>
+          <a:lstStyle/>
+          <a:p>
+            <a:r>
+              <a:rPr lang="en-US" dirty="0" smtClean="0"/>
+              <a:t>e</a:t>
+            </a:r>
+            <a:r>
+              <a:rPr lang="en-US" baseline="-25000" dirty="0"/>
+              <a:t>2</a:t>
+            </a:r>
+            <a:endParaRPr lang="en-US" baseline="-25000" dirty="0"/>
+          </a:p>
+        </p:txBody>
+      </p:sp>
+      <p:sp>
+        <p:nvSpPr>
+          <p:cNvPr id="25" name="TextBox 24"/>
+          <p:cNvSpPr txBox="1"/>
+          <p:nvPr/>
+        </p:nvSpPr>
+        <p:spPr>
+          <a:xfrm>
+            <a:off x="3588919" y="1902760"/>
+            <a:ext cx="515145" cy="369332"/>
+          </a:xfrm>
+          <a:prstGeom prst="rect">
+            <a:avLst/>
+          </a:prstGeom>
+          <a:noFill/>
+        </p:spPr>
+        <p:txBody>
+          <a:bodyPr wrap="square" rtlCol="0">
+            <a:spAutoFit/>
+          </a:bodyPr>
+          <a:lstStyle/>
+          <a:p>
+            <a:r>
+              <a:rPr lang="en-US" dirty="0" smtClean="0"/>
+              <a:t>V</a:t>
+            </a:r>
+            <a:r>
+              <a:rPr lang="en-US" baseline="-25000" dirty="0" smtClean="0"/>
+              <a:t>cc</a:t>
+            </a:r>
+            <a:endParaRPr lang="en-US" baseline="-25000" dirty="0"/>
+          </a:p>
+        </p:txBody>
+      </p:sp>
+    </p:spTree>
+    <p:extLst>
+      <p:ext uri="{BB962C8B-B14F-4D97-AF65-F5344CB8AC3E}">
+        <p14:creationId xmlns:p14="http://schemas.microsoft.com/office/powerpoint/2010/main" val="2646135232"/>
+      </p:ext>
+    </p:extLst>
+  </p:cSld>
+  <p:clrMapOvr>
+    <a:masterClrMapping/>
+  </p:clrMapOvr>
+</p:sld>
+</file>
+
+<file path=ppt/slides/slide11.xml><?xml version="1.0" encoding="utf-8"?>
+<p:sld xmlns:a="http://schemas.openxmlformats.org/drawingml/2006/main" xmlns:r="http://schemas.openxmlformats.org/officeDocument/2006/relationships" xmlns:p="http://schemas.openxmlformats.org/presentationml/2006/main">
+  <p:cSld>
+    <p:spTree>
+      <p:nvGrpSpPr>
+        <p:cNvPr id="1" name=""/>
+        <p:cNvGrpSpPr/>
+        <p:nvPr/>
+      </p:nvGrpSpPr>
+      <p:grpSpPr>
+        <a:xfrm>
+          <a:off x="0" y="0"/>
+          <a:ext cx="0" cy="0"/>
+          <a:chOff x="0" y="0"/>
+          <a:chExt cx="0" cy="0"/>
+        </a:xfrm>
+      </p:grpSpPr>
+      <p:sp>
+        <p:nvSpPr>
+          <p:cNvPr id="2" name="Oval 1"/>
+          <p:cNvSpPr/>
+          <p:nvPr/>
+        </p:nvSpPr>
+        <p:spPr>
+          <a:xfrm>
+            <a:off x="1736810" y="1530863"/>
+            <a:ext cx="1475946" cy="1475946"/>
+          </a:xfrm>
+          <a:prstGeom prst="ellipse">
+            <a:avLst/>
+          </a:prstGeom>
+        </p:spPr>
+        <p:style>
+          <a:lnRef idx="1">
+            <a:schemeClr val="accent1"/>
+          </a:lnRef>
+          <a:fillRef idx="3">
+            <a:schemeClr val="accent1"/>
+          </a:fillRef>
+          <a:effectRef idx="2">
+            <a:schemeClr val="accent1"/>
+          </a:effectRef>
+          <a:fontRef idx="minor">
+            <a:schemeClr val="lt1"/>
+          </a:fontRef>
+        </p:style>
+        <p:txBody>
+          <a:bodyPr rtlCol="0" anchor="ctr"/>
+          <a:lstStyle/>
+          <a:p>
+            <a:pPr algn="ctr"/>
+            <a:endParaRPr lang="en-US"/>
+          </a:p>
+        </p:txBody>
+      </p:sp>
+      <p:sp>
+        <p:nvSpPr>
+          <p:cNvPr id="12" name="TextBox 11"/>
+          <p:cNvSpPr txBox="1"/>
+          <p:nvPr/>
+        </p:nvSpPr>
+        <p:spPr>
+          <a:xfrm>
+            <a:off x="2049020" y="2936610"/>
+            <a:ext cx="889141" cy="461665"/>
+          </a:xfrm>
+          <a:prstGeom prst="rect">
+            <a:avLst/>
+          </a:prstGeom>
+          <a:noFill/>
+        </p:spPr>
+        <p:txBody>
+          <a:bodyPr wrap="square" rtlCol="0">
+            <a:spAutoFit/>
+          </a:bodyPr>
+          <a:lstStyle/>
+          <a:p>
+            <a:r>
+              <a:rPr lang="en-US" sz="2400" dirty="0" smtClean="0"/>
+              <a:t>g</a:t>
+            </a:r>
+            <a:r>
+              <a:rPr lang="en-US" sz="2400" baseline="-25000" dirty="0" smtClean="0"/>
+              <a:t>start</a:t>
+            </a:r>
+            <a:endParaRPr lang="en-US" sz="2400" baseline="-25000" dirty="0"/>
+          </a:p>
+        </p:txBody>
+      </p:sp>
+      <p:sp>
+        <p:nvSpPr>
+          <p:cNvPr id="13" name="TextBox 12"/>
+          <p:cNvSpPr txBox="1"/>
+          <p:nvPr/>
+        </p:nvSpPr>
+        <p:spPr>
+          <a:xfrm>
+            <a:off x="4130447" y="2936610"/>
+            <a:ext cx="889141" cy="461665"/>
+          </a:xfrm>
+          <a:prstGeom prst="rect">
+            <a:avLst/>
+          </a:prstGeom>
+          <a:noFill/>
+        </p:spPr>
+        <p:txBody>
+          <a:bodyPr wrap="square" rtlCol="0">
+            <a:spAutoFit/>
+          </a:bodyPr>
+          <a:lstStyle/>
+          <a:p>
+            <a:r>
+              <a:rPr lang="en-US" sz="2400" dirty="0" smtClean="0"/>
+              <a:t>g</a:t>
+            </a:r>
+            <a:r>
+              <a:rPr lang="en-US" sz="2400" baseline="-25000" dirty="0" smtClean="0"/>
+              <a:t>end</a:t>
+            </a:r>
+            <a:endParaRPr lang="en-US" sz="2400" baseline="-25000" dirty="0"/>
+          </a:p>
+        </p:txBody>
+      </p:sp>
+      <p:sp>
+        <p:nvSpPr>
+          <p:cNvPr id="17" name="Oval 16"/>
+          <p:cNvSpPr/>
+          <p:nvPr/>
+        </p:nvSpPr>
+        <p:spPr>
+          <a:xfrm>
+            <a:off x="3722129" y="1530863"/>
+            <a:ext cx="1475946" cy="1475946"/>
+          </a:xfrm>
+          <a:prstGeom prst="ellipse">
+            <a:avLst/>
+          </a:prstGeom>
+        </p:spPr>
+        <p:style>
+          <a:lnRef idx="1">
+            <a:schemeClr val="accent1"/>
+          </a:lnRef>
+          <a:fillRef idx="3">
+            <a:schemeClr val="accent1"/>
+          </a:fillRef>
+          <a:effectRef idx="2">
+            <a:schemeClr val="accent1"/>
+          </a:effectRef>
+          <a:fontRef idx="minor">
+            <a:schemeClr val="lt1"/>
+          </a:fontRef>
+        </p:style>
+        <p:txBody>
+          <a:bodyPr rtlCol="0" anchor="ctr"/>
+          <a:lstStyle/>
+          <a:p>
+            <a:pPr algn="ctr"/>
+            <a:endParaRPr lang="en-US"/>
+          </a:p>
+        </p:txBody>
+      </p:sp>
+      <p:sp>
+        <p:nvSpPr>
+          <p:cNvPr id="21" name="Freeform 20"/>
+          <p:cNvSpPr/>
+          <p:nvPr/>
+        </p:nvSpPr>
+        <p:spPr>
+          <a:xfrm>
+            <a:off x="5670378" y="1646753"/>
+            <a:ext cx="2041108" cy="1314791"/>
+          </a:xfrm>
+          <a:custGeom>
+            <a:avLst/>
+            <a:gdLst>
+              <a:gd name="connsiteX0" fmla="*/ 1187622 w 2917568"/>
+              <a:gd name="connsiteY0" fmla="*/ 1393567 h 2128108"/>
+              <a:gd name="connsiteX1" fmla="*/ 2780271 w 2917568"/>
+              <a:gd name="connsiteY1" fmla="*/ 1002270 h 2128108"/>
+              <a:gd name="connsiteX2" fmla="*/ 2917568 w 2917568"/>
+              <a:gd name="connsiteY2" fmla="*/ 1729945 h 2128108"/>
+              <a:gd name="connsiteX3" fmla="*/ 926757 w 2917568"/>
+              <a:gd name="connsiteY3" fmla="*/ 2128108 h 2128108"/>
+              <a:gd name="connsiteX4" fmla="*/ 0 w 2917568"/>
+              <a:gd name="connsiteY4" fmla="*/ 377567 h 2128108"/>
+              <a:gd name="connsiteX5" fmla="*/ 466811 w 2917568"/>
+              <a:gd name="connsiteY5" fmla="*/ 0 h 2128108"/>
+              <a:gd name="connsiteX6" fmla="*/ 1187622 w 2917568"/>
+              <a:gd name="connsiteY6" fmla="*/ 1393567 h 2128108"/>
+              <a:gd name="connsiteX0" fmla="*/ 1187622 w 2835190"/>
+              <a:gd name="connsiteY0" fmla="*/ 1393567 h 2128108"/>
+              <a:gd name="connsiteX1" fmla="*/ 2780271 w 2835190"/>
+              <a:gd name="connsiteY1" fmla="*/ 1002270 h 2128108"/>
+              <a:gd name="connsiteX2" fmla="*/ 2835190 w 2835190"/>
+              <a:gd name="connsiteY2" fmla="*/ 1530864 h 2128108"/>
+              <a:gd name="connsiteX3" fmla="*/ 926757 w 2835190"/>
+              <a:gd name="connsiteY3" fmla="*/ 2128108 h 2128108"/>
+              <a:gd name="connsiteX4" fmla="*/ 0 w 2835190"/>
+              <a:gd name="connsiteY4" fmla="*/ 377567 h 2128108"/>
+              <a:gd name="connsiteX5" fmla="*/ 466811 w 2835190"/>
+              <a:gd name="connsiteY5" fmla="*/ 0 h 2128108"/>
+              <a:gd name="connsiteX6" fmla="*/ 1187622 w 2835190"/>
+              <a:gd name="connsiteY6" fmla="*/ 1393567 h 2128108"/>
+              <a:gd name="connsiteX0" fmla="*/ 995406 w 2642974"/>
+              <a:gd name="connsiteY0" fmla="*/ 1393567 h 2128108"/>
+              <a:gd name="connsiteX1" fmla="*/ 2588055 w 2642974"/>
+              <a:gd name="connsiteY1" fmla="*/ 1002270 h 2128108"/>
+              <a:gd name="connsiteX2" fmla="*/ 2642974 w 2642974"/>
+              <a:gd name="connsiteY2" fmla="*/ 1530864 h 2128108"/>
+              <a:gd name="connsiteX3" fmla="*/ 734541 w 2642974"/>
+              <a:gd name="connsiteY3" fmla="*/ 2128108 h 2128108"/>
+              <a:gd name="connsiteX4" fmla="*/ 0 w 2642974"/>
+              <a:gd name="connsiteY4" fmla="*/ 761999 h 2128108"/>
+              <a:gd name="connsiteX5" fmla="*/ 274595 w 2642974"/>
+              <a:gd name="connsiteY5" fmla="*/ 0 h 2128108"/>
+              <a:gd name="connsiteX6" fmla="*/ 995406 w 2642974"/>
+              <a:gd name="connsiteY6" fmla="*/ 1393567 h 2128108"/>
+              <a:gd name="connsiteX0" fmla="*/ 995406 w 2642974"/>
+              <a:gd name="connsiteY0" fmla="*/ 967945 h 1702486"/>
+              <a:gd name="connsiteX1" fmla="*/ 2588055 w 2642974"/>
+              <a:gd name="connsiteY1" fmla="*/ 576648 h 1702486"/>
+              <a:gd name="connsiteX2" fmla="*/ 2642974 w 2642974"/>
+              <a:gd name="connsiteY2" fmla="*/ 1105242 h 1702486"/>
+              <a:gd name="connsiteX3" fmla="*/ 734541 w 2642974"/>
+              <a:gd name="connsiteY3" fmla="*/ 1702486 h 1702486"/>
+              <a:gd name="connsiteX4" fmla="*/ 0 w 2642974"/>
+              <a:gd name="connsiteY4" fmla="*/ 336377 h 1702486"/>
+              <a:gd name="connsiteX5" fmla="*/ 453081 w 2642974"/>
+              <a:gd name="connsiteY5" fmla="*/ 0 h 1702486"/>
+              <a:gd name="connsiteX6" fmla="*/ 995406 w 2642974"/>
+              <a:gd name="connsiteY6" fmla="*/ 967945 h 1702486"/>
+            </a:gdLst>
+            <a:ahLst/>
+            <a:cxnLst>
+              <a:cxn ang="0">
+                <a:pos x="connsiteX0" y="connsiteY0"/>
+              </a:cxn>
+              <a:cxn ang="0">
+                <a:pos x="connsiteX1" y="connsiteY1"/>
+              </a:cxn>
+              <a:cxn ang="0">
+                <a:pos x="connsiteX2" y="connsiteY2"/>
+              </a:cxn>
+              <a:cxn ang="0">
+                <a:pos x="connsiteX3" y="connsiteY3"/>
+              </a:cxn>
+              <a:cxn ang="0">
+                <a:pos x="connsiteX4" y="connsiteY4"/>
+              </a:cxn>
+              <a:cxn ang="0">
+                <a:pos x="connsiteX5" y="connsiteY5"/>
+              </a:cxn>
+              <a:cxn ang="0">
+                <a:pos x="connsiteX6" y="connsiteY6"/>
+              </a:cxn>
+            </a:cxnLst>
+            <a:rect l="l" t="t" r="r" b="b"/>
+            <a:pathLst>
+              <a:path w="2642974" h="1702486">
+                <a:moveTo>
+                  <a:pt x="995406" y="967945"/>
+                </a:moveTo>
+                <a:lnTo>
+                  <a:pt x="2588055" y="576648"/>
+                </a:lnTo>
+                <a:lnTo>
+                  <a:pt x="2642974" y="1105242"/>
+                </a:lnTo>
+                <a:lnTo>
+                  <a:pt x="734541" y="1702486"/>
+                </a:lnTo>
+                <a:lnTo>
+                  <a:pt x="0" y="336377"/>
+                </a:lnTo>
+                <a:lnTo>
+                  <a:pt x="453081" y="0"/>
+                </a:lnTo>
+                <a:lnTo>
+                  <a:pt x="995406" y="967945"/>
+                </a:lnTo>
+                <a:close/>
+              </a:path>
+            </a:pathLst>
+          </a:custGeom>
+          <a:gradFill flip="none" rotWithShape="1">
+            <a:gsLst>
+              <a:gs pos="0">
+                <a:schemeClr val="accent1">
+                  <a:tint val="100000"/>
+                  <a:shade val="100000"/>
+                  <a:satMod val="130000"/>
+                  <a:alpha val="15000"/>
+                </a:schemeClr>
+              </a:gs>
+              <a:gs pos="100000">
+                <a:schemeClr val="accent1">
+                  <a:tint val="50000"/>
+                  <a:shade val="100000"/>
+                  <a:satMod val="350000"/>
+                  <a:alpha val="15000"/>
+                </a:schemeClr>
+              </a:gs>
+            </a:gsLst>
+            <a:lin ang="16200000" scaled="0"/>
+            <a:tileRect/>
+          </a:gradFill>
+        </p:spPr>
+        <p:style>
+          <a:lnRef idx="1">
+            <a:schemeClr val="accent1"/>
+          </a:lnRef>
+          <a:fillRef idx="3">
+            <a:schemeClr val="accent1"/>
+          </a:fillRef>
+          <a:effectRef idx="2">
+            <a:schemeClr val="accent1"/>
+          </a:effectRef>
+          <a:fontRef idx="minor">
+            <a:schemeClr val="lt1"/>
+          </a:fontRef>
+        </p:style>
+        <p:txBody>
+          <a:bodyPr rtlCol="0" anchor="ctr"/>
+          <a:lstStyle/>
+          <a:p>
+            <a:pPr algn="ctr"/>
+            <a:endParaRPr lang="en-US"/>
+          </a:p>
+        </p:txBody>
+      </p:sp>
+      <p:sp>
+        <p:nvSpPr>
+          <p:cNvPr id="24" name="TextBox 23"/>
+          <p:cNvSpPr txBox="1"/>
+          <p:nvPr/>
+        </p:nvSpPr>
+        <p:spPr>
+          <a:xfrm>
+            <a:off x="6573705" y="1929007"/>
+            <a:ext cx="400520" cy="369332"/>
+          </a:xfrm>
+          <a:prstGeom prst="rect">
+            <a:avLst/>
+          </a:prstGeom>
+          <a:noFill/>
+        </p:spPr>
+        <p:txBody>
+          <a:bodyPr wrap="square" rtlCol="0">
+            <a:spAutoFit/>
+          </a:bodyPr>
+          <a:lstStyle/>
+          <a:p>
+            <a:r>
+              <a:rPr lang="en-US" dirty="0" smtClean="0"/>
+              <a:t>e</a:t>
+            </a:r>
+            <a:r>
+              <a:rPr lang="en-US" baseline="-25000" dirty="0" smtClean="0"/>
+              <a:t>1</a:t>
+            </a:r>
+            <a:endParaRPr lang="en-US" baseline="-25000" dirty="0"/>
+          </a:p>
+        </p:txBody>
+      </p:sp>
+      <p:sp>
+        <p:nvSpPr>
+          <p:cNvPr id="26" name="Oval 25"/>
+          <p:cNvSpPr/>
+          <p:nvPr/>
+        </p:nvSpPr>
+        <p:spPr>
+          <a:xfrm>
+            <a:off x="6428666" y="2367766"/>
+            <a:ext cx="47554" cy="47554"/>
+          </a:xfrm>
+          <a:prstGeom prst="ellipse">
+            <a:avLst/>
+          </a:prstGeom>
+        </p:spPr>
+        <p:style>
+          <a:lnRef idx="2">
+            <a:schemeClr val="dk1">
+              <a:shade val="50000"/>
+            </a:schemeClr>
+          </a:lnRef>
+          <a:fillRef idx="1">
+            <a:schemeClr val="dk1"/>
+          </a:fillRef>
+          <a:effectRef idx="0">
+            <a:schemeClr val="dk1"/>
+          </a:effectRef>
+          <a:fontRef idx="minor">
+            <a:schemeClr val="lt1"/>
+          </a:fontRef>
+        </p:style>
+        <p:txBody>
+          <a:bodyPr rtlCol="0" anchor="ctr"/>
+          <a:lstStyle/>
+          <a:p>
+            <a:pPr algn="ctr"/>
+            <a:endParaRPr lang="en-US"/>
+          </a:p>
+        </p:txBody>
+      </p:sp>
+      <p:cxnSp>
+        <p:nvCxnSpPr>
+          <p:cNvPr id="27" name="Straight Arrow Connector 26"/>
+          <p:cNvCxnSpPr/>
+          <p:nvPr/>
+        </p:nvCxnSpPr>
+        <p:spPr>
+          <a:xfrm flipH="1" flipV="1">
+            <a:off x="6126314" y="1848213"/>
+            <a:ext cx="328699" cy="543329"/>
+          </a:xfrm>
+          <a:prstGeom prst="straightConnector1">
+            <a:avLst/>
+          </a:prstGeom>
+          <a:ln w="28575" cmpd="sng">
+            <a:tailEnd type="arrow"/>
+          </a:ln>
+          <a:effectLst/>
+        </p:spPr>
+        <p:style>
+          <a:lnRef idx="2">
+            <a:schemeClr val="dk1"/>
+          </a:lnRef>
+          <a:fillRef idx="0">
+            <a:schemeClr val="dk1"/>
+          </a:fillRef>
+          <a:effectRef idx="1">
+            <a:schemeClr val="dk1"/>
+          </a:effectRef>
+          <a:fontRef idx="minor">
+            <a:schemeClr val="tx1"/>
+          </a:fontRef>
+        </p:style>
+      </p:cxnSp>
+      <p:sp>
+        <p:nvSpPr>
+          <p:cNvPr id="28" name="TextBox 27"/>
+          <p:cNvSpPr txBox="1"/>
+          <p:nvPr/>
+        </p:nvSpPr>
+        <p:spPr>
+          <a:xfrm>
+            <a:off x="6213950" y="1843739"/>
+            <a:ext cx="374511" cy="369332"/>
+          </a:xfrm>
+          <a:prstGeom prst="rect">
+            <a:avLst/>
+          </a:prstGeom>
+          <a:noFill/>
+        </p:spPr>
+        <p:txBody>
+          <a:bodyPr wrap="square" rtlCol="0">
+            <a:spAutoFit/>
+          </a:bodyPr>
+          <a:lstStyle/>
+          <a:p>
+            <a:r>
+              <a:rPr lang="en-US" dirty="0" smtClean="0"/>
+              <a:t>e</a:t>
+            </a:r>
+            <a:r>
+              <a:rPr lang="en-US" baseline="-25000" dirty="0"/>
+              <a:t>2</a:t>
+            </a:r>
+            <a:endParaRPr lang="en-US" baseline="-25000" dirty="0"/>
+          </a:p>
+        </p:txBody>
+      </p:sp>
+      <p:sp>
+        <p:nvSpPr>
+          <p:cNvPr id="29" name="TextBox 28"/>
+          <p:cNvSpPr txBox="1"/>
+          <p:nvPr/>
+        </p:nvSpPr>
+        <p:spPr>
+          <a:xfrm>
+            <a:off x="6439107" y="1462087"/>
+            <a:ext cx="524623" cy="369332"/>
+          </a:xfrm>
+          <a:prstGeom prst="rect">
+            <a:avLst/>
+          </a:prstGeom>
+          <a:noFill/>
+        </p:spPr>
+        <p:txBody>
+          <a:bodyPr wrap="square" rtlCol="0">
+            <a:spAutoFit/>
+          </a:bodyPr>
+          <a:lstStyle/>
+          <a:p>
+            <a:r>
+              <a:rPr lang="en-US" dirty="0" smtClean="0"/>
+              <a:t>V</a:t>
+            </a:r>
+            <a:r>
+              <a:rPr lang="en-US" baseline="-25000" dirty="0" smtClean="0"/>
+              <a:t>cc</a:t>
+            </a:r>
+            <a:endParaRPr lang="en-US" baseline="-25000" dirty="0"/>
+          </a:p>
+        </p:txBody>
+      </p:sp>
+      <p:cxnSp>
+        <p:nvCxnSpPr>
+          <p:cNvPr id="22" name="Straight Arrow Connector 21"/>
+          <p:cNvCxnSpPr>
+            <a:stCxn id="21" idx="0"/>
+          </p:cNvCxnSpPr>
+          <p:nvPr/>
+        </p:nvCxnSpPr>
+        <p:spPr>
+          <a:xfrm flipV="1">
+            <a:off x="6439107" y="2250995"/>
+            <a:ext cx="583173" cy="143280"/>
+          </a:xfrm>
+          <a:prstGeom prst="straightConnector1">
+            <a:avLst/>
+          </a:prstGeom>
+          <a:ln w="28575" cmpd="sng">
+            <a:tailEnd type="arrow"/>
+          </a:ln>
+          <a:effectLst/>
+        </p:spPr>
+        <p:style>
+          <a:lnRef idx="2">
+            <a:schemeClr val="dk1"/>
+          </a:lnRef>
+          <a:fillRef idx="0">
+            <a:schemeClr val="dk1"/>
+          </a:fillRef>
+          <a:effectRef idx="1">
+            <a:schemeClr val="dk1"/>
+          </a:effectRef>
+          <a:fontRef idx="minor">
+            <a:schemeClr val="tx1"/>
+          </a:fontRef>
+        </p:style>
+      </p:cxnSp>
+    </p:spTree>
+    <p:extLst>
+      <p:ext uri="{BB962C8B-B14F-4D97-AF65-F5344CB8AC3E}">
+        <p14:creationId xmlns:p14="http://schemas.microsoft.com/office/powerpoint/2010/main" val="921218306"/>
+      </p:ext>
+    </p:extLst>
+  </p:cSld>
+  <p:clrMapOvr>
+    <a:masterClrMapping/>
+  </p:clrMapOvr>
+</p:sld>
+</file>
+
+<file path=ppt/slides/slide12.xml><?xml version="1.0" encoding="utf-8"?>
+<p:sld xmlns:a="http://schemas.openxmlformats.org/drawingml/2006/main" xmlns:r="http://schemas.openxmlformats.org/officeDocument/2006/relationships" xmlns:p="http://schemas.openxmlformats.org/presentationml/2006/main">
+  <p:cSld>
+    <p:spTree>
+      <p:nvGrpSpPr>
+        <p:cNvPr id="1" name=""/>
+        <p:cNvGrpSpPr/>
+        <p:nvPr/>
+      </p:nvGrpSpPr>
+      <p:grpSpPr>
+        <a:xfrm>
+          <a:off x="0" y="0"/>
+          <a:ext cx="0" cy="0"/>
+          <a:chOff x="0" y="0"/>
+          <a:chExt cx="0" cy="0"/>
+        </a:xfrm>
+      </p:grpSpPr>
+      <p:sp>
+        <p:nvSpPr>
+          <p:cNvPr id="2" name="Oval 1"/>
+          <p:cNvSpPr/>
+          <p:nvPr/>
+        </p:nvSpPr>
+        <p:spPr>
+          <a:xfrm>
+            <a:off x="1736810" y="1530863"/>
+            <a:ext cx="1475946" cy="1475946"/>
+          </a:xfrm>
+          <a:prstGeom prst="ellipse">
+            <a:avLst/>
+          </a:prstGeom>
+          <a:noFill/>
+        </p:spPr>
+        <p:style>
+          <a:lnRef idx="1">
+            <a:schemeClr val="accent1"/>
+          </a:lnRef>
+          <a:fillRef idx="3">
+            <a:schemeClr val="accent1"/>
+          </a:fillRef>
+          <a:effectRef idx="2">
+            <a:schemeClr val="accent1"/>
+          </a:effectRef>
+          <a:fontRef idx="minor">
+            <a:schemeClr val="lt1"/>
+          </a:fontRef>
+        </p:style>
+        <p:txBody>
+          <a:bodyPr rtlCol="0" anchor="ctr"/>
+          <a:lstStyle/>
+          <a:p>
+            <a:pPr algn="ctr"/>
+            <a:endParaRPr lang="en-US"/>
+          </a:p>
+        </p:txBody>
+      </p:sp>
+      <p:sp>
+        <p:nvSpPr>
+          <p:cNvPr id="12" name="TextBox 11"/>
+          <p:cNvSpPr txBox="1"/>
+          <p:nvPr/>
+        </p:nvSpPr>
+        <p:spPr>
+          <a:xfrm>
+            <a:off x="2049020" y="2936610"/>
+            <a:ext cx="889141" cy="461665"/>
+          </a:xfrm>
+          <a:prstGeom prst="rect">
+            <a:avLst/>
+          </a:prstGeom>
+          <a:noFill/>
+        </p:spPr>
+        <p:txBody>
+          <a:bodyPr wrap="square" rtlCol="0">
+            <a:spAutoFit/>
+          </a:bodyPr>
+          <a:lstStyle/>
+          <a:p>
+            <a:r>
+              <a:rPr lang="en-US" sz="2400" dirty="0" smtClean="0"/>
+              <a:t>g</a:t>
+            </a:r>
+            <a:r>
+              <a:rPr lang="en-US" sz="2400" baseline="-25000" dirty="0" smtClean="0"/>
+              <a:t>start</a:t>
+            </a:r>
+            <a:endParaRPr lang="en-US" sz="2400" baseline="-25000" dirty="0"/>
+          </a:p>
+        </p:txBody>
+      </p:sp>
+      <p:sp>
+        <p:nvSpPr>
+          <p:cNvPr id="13" name="TextBox 12"/>
+          <p:cNvSpPr txBox="1"/>
+          <p:nvPr/>
+        </p:nvSpPr>
+        <p:spPr>
+          <a:xfrm>
+            <a:off x="4130447" y="2936610"/>
+            <a:ext cx="889141" cy="461665"/>
+          </a:xfrm>
+          <a:prstGeom prst="rect">
+            <a:avLst/>
+          </a:prstGeom>
+          <a:noFill/>
+        </p:spPr>
+        <p:txBody>
+          <a:bodyPr wrap="square" rtlCol="0">
+            <a:spAutoFit/>
+          </a:bodyPr>
+          <a:lstStyle/>
+          <a:p>
+            <a:r>
+              <a:rPr lang="en-US" sz="2400" dirty="0" smtClean="0"/>
+              <a:t>g</a:t>
+            </a:r>
+            <a:r>
+              <a:rPr lang="en-US" sz="2400" baseline="-25000" dirty="0" smtClean="0"/>
+              <a:t>end</a:t>
+            </a:r>
+            <a:endParaRPr lang="en-US" sz="2400" baseline="-25000" dirty="0"/>
+          </a:p>
+        </p:txBody>
+      </p:sp>
+      <p:sp>
+        <p:nvSpPr>
+          <p:cNvPr id="17" name="Oval 16"/>
+          <p:cNvSpPr/>
+          <p:nvPr/>
+        </p:nvSpPr>
+        <p:spPr>
+          <a:xfrm>
+            <a:off x="3722129" y="1530863"/>
+            <a:ext cx="1475946" cy="1475946"/>
+          </a:xfrm>
+          <a:prstGeom prst="ellipse">
+            <a:avLst/>
+          </a:prstGeom>
+        </p:spPr>
+        <p:style>
+          <a:lnRef idx="1">
+            <a:schemeClr val="accent1"/>
+          </a:lnRef>
+          <a:fillRef idx="3">
+            <a:schemeClr val="accent1"/>
+          </a:fillRef>
+          <a:effectRef idx="2">
+            <a:schemeClr val="accent1"/>
+          </a:effectRef>
+          <a:fontRef idx="minor">
+            <a:schemeClr val="lt1"/>
+          </a:fontRef>
+        </p:style>
+        <p:txBody>
+          <a:bodyPr rtlCol="0" anchor="ctr"/>
+          <a:lstStyle/>
+          <a:p>
+            <a:pPr algn="ctr"/>
+            <a:endParaRPr lang="en-US"/>
+          </a:p>
+        </p:txBody>
+      </p:sp>
+      <p:sp>
+        <p:nvSpPr>
+          <p:cNvPr id="21" name="Freeform 20"/>
+          <p:cNvSpPr/>
+          <p:nvPr/>
+        </p:nvSpPr>
+        <p:spPr>
+          <a:xfrm>
+            <a:off x="5670378" y="1646753"/>
+            <a:ext cx="2041108" cy="1314791"/>
+          </a:xfrm>
+          <a:custGeom>
+            <a:avLst/>
+            <a:gdLst>
+              <a:gd name="connsiteX0" fmla="*/ 1187622 w 2917568"/>
+              <a:gd name="connsiteY0" fmla="*/ 1393567 h 2128108"/>
+              <a:gd name="connsiteX1" fmla="*/ 2780271 w 2917568"/>
+              <a:gd name="connsiteY1" fmla="*/ 1002270 h 2128108"/>
+              <a:gd name="connsiteX2" fmla="*/ 2917568 w 2917568"/>
+              <a:gd name="connsiteY2" fmla="*/ 1729945 h 2128108"/>
+              <a:gd name="connsiteX3" fmla="*/ 926757 w 2917568"/>
+              <a:gd name="connsiteY3" fmla="*/ 2128108 h 2128108"/>
+              <a:gd name="connsiteX4" fmla="*/ 0 w 2917568"/>
+              <a:gd name="connsiteY4" fmla="*/ 377567 h 2128108"/>
+              <a:gd name="connsiteX5" fmla="*/ 466811 w 2917568"/>
+              <a:gd name="connsiteY5" fmla="*/ 0 h 2128108"/>
+              <a:gd name="connsiteX6" fmla="*/ 1187622 w 2917568"/>
+              <a:gd name="connsiteY6" fmla="*/ 1393567 h 2128108"/>
+              <a:gd name="connsiteX0" fmla="*/ 1187622 w 2835190"/>
+              <a:gd name="connsiteY0" fmla="*/ 1393567 h 2128108"/>
+              <a:gd name="connsiteX1" fmla="*/ 2780271 w 2835190"/>
+              <a:gd name="connsiteY1" fmla="*/ 1002270 h 2128108"/>
+              <a:gd name="connsiteX2" fmla="*/ 2835190 w 2835190"/>
+              <a:gd name="connsiteY2" fmla="*/ 1530864 h 2128108"/>
+              <a:gd name="connsiteX3" fmla="*/ 926757 w 2835190"/>
+              <a:gd name="connsiteY3" fmla="*/ 2128108 h 2128108"/>
+              <a:gd name="connsiteX4" fmla="*/ 0 w 2835190"/>
+              <a:gd name="connsiteY4" fmla="*/ 377567 h 2128108"/>
+              <a:gd name="connsiteX5" fmla="*/ 466811 w 2835190"/>
+              <a:gd name="connsiteY5" fmla="*/ 0 h 2128108"/>
+              <a:gd name="connsiteX6" fmla="*/ 1187622 w 2835190"/>
+              <a:gd name="connsiteY6" fmla="*/ 1393567 h 2128108"/>
+              <a:gd name="connsiteX0" fmla="*/ 995406 w 2642974"/>
+              <a:gd name="connsiteY0" fmla="*/ 1393567 h 2128108"/>
+              <a:gd name="connsiteX1" fmla="*/ 2588055 w 2642974"/>
+              <a:gd name="connsiteY1" fmla="*/ 1002270 h 2128108"/>
+              <a:gd name="connsiteX2" fmla="*/ 2642974 w 2642974"/>
+              <a:gd name="connsiteY2" fmla="*/ 1530864 h 2128108"/>
+              <a:gd name="connsiteX3" fmla="*/ 734541 w 2642974"/>
+              <a:gd name="connsiteY3" fmla="*/ 2128108 h 2128108"/>
+              <a:gd name="connsiteX4" fmla="*/ 0 w 2642974"/>
+              <a:gd name="connsiteY4" fmla="*/ 761999 h 2128108"/>
+              <a:gd name="connsiteX5" fmla="*/ 274595 w 2642974"/>
+              <a:gd name="connsiteY5" fmla="*/ 0 h 2128108"/>
+              <a:gd name="connsiteX6" fmla="*/ 995406 w 2642974"/>
+              <a:gd name="connsiteY6" fmla="*/ 1393567 h 2128108"/>
+              <a:gd name="connsiteX0" fmla="*/ 995406 w 2642974"/>
+              <a:gd name="connsiteY0" fmla="*/ 967945 h 1702486"/>
+              <a:gd name="connsiteX1" fmla="*/ 2588055 w 2642974"/>
+              <a:gd name="connsiteY1" fmla="*/ 576648 h 1702486"/>
+              <a:gd name="connsiteX2" fmla="*/ 2642974 w 2642974"/>
+              <a:gd name="connsiteY2" fmla="*/ 1105242 h 1702486"/>
+              <a:gd name="connsiteX3" fmla="*/ 734541 w 2642974"/>
+              <a:gd name="connsiteY3" fmla="*/ 1702486 h 1702486"/>
+              <a:gd name="connsiteX4" fmla="*/ 0 w 2642974"/>
+              <a:gd name="connsiteY4" fmla="*/ 336377 h 1702486"/>
+              <a:gd name="connsiteX5" fmla="*/ 453081 w 2642974"/>
+              <a:gd name="connsiteY5" fmla="*/ 0 h 1702486"/>
+              <a:gd name="connsiteX6" fmla="*/ 995406 w 2642974"/>
+              <a:gd name="connsiteY6" fmla="*/ 967945 h 1702486"/>
+            </a:gdLst>
+            <a:ahLst/>
+            <a:cxnLst>
+              <a:cxn ang="0">
+                <a:pos x="connsiteX0" y="connsiteY0"/>
+              </a:cxn>
+              <a:cxn ang="0">
+                <a:pos x="connsiteX1" y="connsiteY1"/>
+              </a:cxn>
+              <a:cxn ang="0">
+                <a:pos x="connsiteX2" y="connsiteY2"/>
+              </a:cxn>
+              <a:cxn ang="0">
+                <a:pos x="connsiteX3" y="connsiteY3"/>
+              </a:cxn>
+              <a:cxn ang="0">
+                <a:pos x="connsiteX4" y="connsiteY4"/>
+              </a:cxn>
+              <a:cxn ang="0">
+                <a:pos x="connsiteX5" y="connsiteY5"/>
+              </a:cxn>
+              <a:cxn ang="0">
+                <a:pos x="connsiteX6" y="connsiteY6"/>
+              </a:cxn>
+            </a:cxnLst>
+            <a:rect l="l" t="t" r="r" b="b"/>
+            <a:pathLst>
+              <a:path w="2642974" h="1702486">
+                <a:moveTo>
+                  <a:pt x="995406" y="967945"/>
+                </a:moveTo>
+                <a:lnTo>
+                  <a:pt x="2588055" y="576648"/>
+                </a:lnTo>
+                <a:lnTo>
+                  <a:pt x="2642974" y="1105242"/>
+                </a:lnTo>
+                <a:lnTo>
+                  <a:pt x="734541" y="1702486"/>
+                </a:lnTo>
+                <a:lnTo>
+                  <a:pt x="0" y="336377"/>
+                </a:lnTo>
+                <a:lnTo>
+                  <a:pt x="453081" y="0"/>
+                </a:lnTo>
+                <a:lnTo>
+                  <a:pt x="995406" y="967945"/>
+                </a:lnTo>
+                <a:close/>
+              </a:path>
+            </a:pathLst>
+          </a:custGeom>
+          <a:gradFill flip="none" rotWithShape="1">
+            <a:gsLst>
+              <a:gs pos="0">
+                <a:schemeClr val="accent1">
+                  <a:tint val="100000"/>
+                  <a:shade val="100000"/>
+                  <a:satMod val="130000"/>
+                  <a:alpha val="15000"/>
+                </a:schemeClr>
+              </a:gs>
+              <a:gs pos="100000">
+                <a:schemeClr val="accent1">
+                  <a:tint val="50000"/>
+                  <a:shade val="100000"/>
+                  <a:satMod val="350000"/>
+                  <a:alpha val="15000"/>
+                </a:schemeClr>
+              </a:gs>
+            </a:gsLst>
+            <a:lin ang="16200000" scaled="0"/>
+            <a:tileRect/>
+          </a:gradFill>
+        </p:spPr>
+        <p:style>
+          <a:lnRef idx="1">
+            <a:schemeClr val="accent1"/>
+          </a:lnRef>
+          <a:fillRef idx="3">
+            <a:schemeClr val="accent1"/>
+          </a:fillRef>
+          <a:effectRef idx="2">
+            <a:schemeClr val="accent1"/>
+          </a:effectRef>
+          <a:fontRef idx="minor">
+            <a:schemeClr val="lt1"/>
+          </a:fontRef>
+        </p:style>
+        <p:txBody>
+          <a:bodyPr rtlCol="0" anchor="ctr"/>
+          <a:lstStyle/>
+          <a:p>
+            <a:pPr algn="ctr"/>
+            <a:endParaRPr lang="en-US"/>
+          </a:p>
+        </p:txBody>
+      </p:sp>
+      <p:sp>
+        <p:nvSpPr>
+          <p:cNvPr id="24" name="TextBox 23"/>
+          <p:cNvSpPr txBox="1"/>
+          <p:nvPr/>
+        </p:nvSpPr>
+        <p:spPr>
+          <a:xfrm>
+            <a:off x="6573705" y="1929007"/>
+            <a:ext cx="400520" cy="369332"/>
+          </a:xfrm>
+          <a:prstGeom prst="rect">
+            <a:avLst/>
+          </a:prstGeom>
+          <a:noFill/>
+        </p:spPr>
+        <p:txBody>
+          <a:bodyPr wrap="square" rtlCol="0">
+            <a:spAutoFit/>
+          </a:bodyPr>
+          <a:lstStyle/>
+          <a:p>
+            <a:r>
+              <a:rPr lang="en-US" dirty="0" smtClean="0"/>
+              <a:t>e</a:t>
+            </a:r>
+            <a:r>
+              <a:rPr lang="en-US" baseline="-25000" dirty="0" smtClean="0"/>
+              <a:t>1</a:t>
+            </a:r>
+            <a:endParaRPr lang="en-US" baseline="-25000" dirty="0"/>
+          </a:p>
+        </p:txBody>
+      </p:sp>
+      <p:sp>
+        <p:nvSpPr>
+          <p:cNvPr id="26" name="Oval 25"/>
+          <p:cNvSpPr/>
+          <p:nvPr/>
+        </p:nvSpPr>
+        <p:spPr>
+          <a:xfrm>
+            <a:off x="6428666" y="2367766"/>
+            <a:ext cx="47554" cy="47554"/>
+          </a:xfrm>
+          <a:prstGeom prst="ellipse">
+            <a:avLst/>
+          </a:prstGeom>
+        </p:spPr>
+        <p:style>
+          <a:lnRef idx="2">
+            <a:schemeClr val="dk1">
+              <a:shade val="50000"/>
+            </a:schemeClr>
+          </a:lnRef>
+          <a:fillRef idx="1">
+            <a:schemeClr val="dk1"/>
+          </a:fillRef>
+          <a:effectRef idx="0">
+            <a:schemeClr val="dk1"/>
+          </a:effectRef>
+          <a:fontRef idx="minor">
+            <a:schemeClr val="lt1"/>
+          </a:fontRef>
+        </p:style>
+        <p:txBody>
+          <a:bodyPr rtlCol="0" anchor="ctr"/>
+          <a:lstStyle/>
+          <a:p>
+            <a:pPr algn="ctr"/>
+            <a:endParaRPr lang="en-US"/>
+          </a:p>
+        </p:txBody>
+      </p:sp>
+      <p:cxnSp>
+        <p:nvCxnSpPr>
+          <p:cNvPr id="27" name="Straight Arrow Connector 26"/>
+          <p:cNvCxnSpPr/>
+          <p:nvPr/>
+        </p:nvCxnSpPr>
+        <p:spPr>
+          <a:xfrm flipH="1" flipV="1">
+            <a:off x="6126314" y="1848213"/>
+            <a:ext cx="328699" cy="543329"/>
+          </a:xfrm>
+          <a:prstGeom prst="straightConnector1">
+            <a:avLst/>
+          </a:prstGeom>
+          <a:ln w="28575" cmpd="sng">
+            <a:tailEnd type="arrow"/>
+          </a:ln>
+          <a:effectLst/>
+        </p:spPr>
+        <p:style>
+          <a:lnRef idx="2">
+            <a:schemeClr val="dk1"/>
+          </a:lnRef>
+          <a:fillRef idx="0">
+            <a:schemeClr val="dk1"/>
+          </a:fillRef>
+          <a:effectRef idx="1">
+            <a:schemeClr val="dk1"/>
+          </a:effectRef>
+          <a:fontRef idx="minor">
+            <a:schemeClr val="tx1"/>
+          </a:fontRef>
+        </p:style>
+      </p:cxnSp>
+      <p:sp>
+        <p:nvSpPr>
+          <p:cNvPr id="28" name="TextBox 27"/>
+          <p:cNvSpPr txBox="1"/>
+          <p:nvPr/>
+        </p:nvSpPr>
+        <p:spPr>
+          <a:xfrm>
+            <a:off x="6213950" y="1843739"/>
+            <a:ext cx="374511" cy="369332"/>
+          </a:xfrm>
+          <a:prstGeom prst="rect">
+            <a:avLst/>
+          </a:prstGeom>
+          <a:noFill/>
+        </p:spPr>
+        <p:txBody>
+          <a:bodyPr wrap="square" rtlCol="0">
+            <a:spAutoFit/>
+          </a:bodyPr>
+          <a:lstStyle/>
+          <a:p>
+            <a:r>
+              <a:rPr lang="en-US" dirty="0" smtClean="0"/>
+              <a:t>e</a:t>
+            </a:r>
+            <a:r>
+              <a:rPr lang="en-US" baseline="-25000" dirty="0"/>
+              <a:t>2</a:t>
+            </a:r>
+            <a:endParaRPr lang="en-US" baseline="-25000" dirty="0"/>
+          </a:p>
+        </p:txBody>
+      </p:sp>
+      <p:sp>
+        <p:nvSpPr>
+          <p:cNvPr id="29" name="TextBox 28"/>
+          <p:cNvSpPr txBox="1"/>
+          <p:nvPr/>
+        </p:nvSpPr>
+        <p:spPr>
+          <a:xfrm>
+            <a:off x="6439107" y="1462087"/>
+            <a:ext cx="524623" cy="369332"/>
+          </a:xfrm>
+          <a:prstGeom prst="rect">
+            <a:avLst/>
+          </a:prstGeom>
+          <a:noFill/>
+        </p:spPr>
+        <p:txBody>
+          <a:bodyPr wrap="square" rtlCol="0">
+            <a:spAutoFit/>
+          </a:bodyPr>
+          <a:lstStyle/>
+          <a:p>
+            <a:r>
+              <a:rPr lang="en-US" dirty="0" smtClean="0"/>
+              <a:t>V</a:t>
+            </a:r>
+            <a:r>
+              <a:rPr lang="en-US" baseline="-25000" dirty="0" smtClean="0"/>
+              <a:t>cc</a:t>
+            </a:r>
+            <a:endParaRPr lang="en-US" baseline="-25000" dirty="0"/>
+          </a:p>
+        </p:txBody>
+      </p:sp>
+      <p:sp>
+        <p:nvSpPr>
+          <p:cNvPr id="31" name="Rectangle 30"/>
+          <p:cNvSpPr/>
+          <p:nvPr/>
+        </p:nvSpPr>
+        <p:spPr>
+          <a:xfrm rot="20687964">
+            <a:off x="6478076" y="2371540"/>
+            <a:ext cx="125907" cy="125907"/>
+          </a:xfrm>
+          <a:prstGeom prst="rect">
+            <a:avLst/>
+          </a:prstGeom>
+          <a:ln w="12700" cmpd="sng"/>
+        </p:spPr>
+        <p:style>
+          <a:lnRef idx="2">
+            <a:schemeClr val="dk1"/>
+          </a:lnRef>
+          <a:fillRef idx="1">
+            <a:schemeClr val="lt1"/>
+          </a:fillRef>
+          <a:effectRef idx="0">
+            <a:schemeClr val="dk1"/>
+          </a:effectRef>
+          <a:fontRef idx="minor">
+            <a:schemeClr val="dk1"/>
+          </a:fontRef>
+        </p:style>
+        <p:txBody>
+          <a:bodyPr rtlCol="0" anchor="ctr"/>
+          <a:lstStyle/>
+          <a:p>
+            <a:pPr algn="ctr"/>
+            <a:endParaRPr lang="en-US"/>
+          </a:p>
+        </p:txBody>
+      </p:sp>
+      <p:sp>
+        <p:nvSpPr>
+          <p:cNvPr id="32" name="TextBox 31"/>
+          <p:cNvSpPr txBox="1"/>
+          <p:nvPr/>
+        </p:nvSpPr>
+        <p:spPr>
+          <a:xfrm>
+            <a:off x="6476220" y="2822143"/>
+            <a:ext cx="502791" cy="369332"/>
+          </a:xfrm>
+          <a:prstGeom prst="rect">
+            <a:avLst/>
+          </a:prstGeom>
+          <a:noFill/>
+        </p:spPr>
+        <p:txBody>
+          <a:bodyPr wrap="square" rtlCol="0">
+            <a:spAutoFit/>
+          </a:bodyPr>
+          <a:lstStyle/>
+          <a:p>
+            <a:r>
+              <a:rPr lang="en-US" dirty="0" smtClean="0"/>
+              <a:t>e</a:t>
+            </a:r>
+            <a:r>
+              <a:rPr lang="en-US" baseline="30000" dirty="0" smtClean="0"/>
+              <a:t>p</a:t>
+            </a:r>
+            <a:r>
+              <a:rPr lang="en-US" baseline="-25000" dirty="0" smtClean="0"/>
+              <a:t>1</a:t>
+            </a:r>
+            <a:endParaRPr lang="en-US" baseline="-25000" dirty="0"/>
+          </a:p>
+        </p:txBody>
+      </p:sp>
+      <p:cxnSp>
+        <p:nvCxnSpPr>
+          <p:cNvPr id="22" name="Straight Arrow Connector 21"/>
+          <p:cNvCxnSpPr>
+            <a:stCxn id="21" idx="0"/>
+          </p:cNvCxnSpPr>
+          <p:nvPr/>
+        </p:nvCxnSpPr>
+        <p:spPr>
+          <a:xfrm flipV="1">
+            <a:off x="6439107" y="2250995"/>
+            <a:ext cx="583173" cy="143280"/>
+          </a:xfrm>
+          <a:prstGeom prst="straightConnector1">
+            <a:avLst/>
+          </a:prstGeom>
+          <a:ln w="28575" cmpd="sng">
+            <a:tailEnd type="arrow"/>
+          </a:ln>
+          <a:effectLst/>
+        </p:spPr>
+        <p:style>
+          <a:lnRef idx="2">
+            <a:schemeClr val="dk1"/>
+          </a:lnRef>
+          <a:fillRef idx="0">
+            <a:schemeClr val="dk1"/>
+          </a:fillRef>
+          <a:effectRef idx="1">
+            <a:schemeClr val="dk1"/>
+          </a:effectRef>
+          <a:fontRef idx="minor">
+            <a:schemeClr val="tx1"/>
+          </a:fontRef>
+        </p:style>
+      </p:cxnSp>
+      <p:cxnSp>
+        <p:nvCxnSpPr>
+          <p:cNvPr id="30" name="Straight Arrow Connector 29"/>
+          <p:cNvCxnSpPr/>
+          <p:nvPr/>
+        </p:nvCxnSpPr>
+        <p:spPr>
+          <a:xfrm>
+            <a:off x="2443757" y="2264725"/>
+            <a:ext cx="226675" cy="742084"/>
+          </a:xfrm>
+          <a:prstGeom prst="straightConnector1">
+            <a:avLst/>
+          </a:prstGeom>
+          <a:ln w="28575" cmpd="sng">
+            <a:tailEnd type="arrow"/>
+          </a:ln>
+          <a:effectLst/>
+        </p:spPr>
+        <p:style>
+          <a:lnRef idx="2">
+            <a:schemeClr val="dk1"/>
+          </a:lnRef>
+          <a:fillRef idx="0">
+            <a:schemeClr val="dk1"/>
+          </a:fillRef>
+          <a:effectRef idx="1">
+            <a:schemeClr val="dk1"/>
+          </a:effectRef>
+          <a:fontRef idx="minor">
+            <a:schemeClr val="tx1"/>
+          </a:fontRef>
+        </p:style>
+      </p:cxnSp>
+      <p:sp>
+        <p:nvSpPr>
+          <p:cNvPr id="33" name="Rectangle 32"/>
+          <p:cNvSpPr/>
+          <p:nvPr/>
+        </p:nvSpPr>
+        <p:spPr>
+          <a:xfrm rot="19808676">
+            <a:off x="6302559" y="2305545"/>
+            <a:ext cx="121079" cy="121079"/>
+          </a:xfrm>
+          <a:prstGeom prst="rect">
+            <a:avLst/>
+          </a:prstGeom>
+          <a:ln w="12700" cmpd="sng"/>
+        </p:spPr>
+        <p:style>
+          <a:lnRef idx="2">
+            <a:schemeClr val="dk1"/>
+          </a:lnRef>
+          <a:fillRef idx="1">
+            <a:schemeClr val="lt1"/>
+          </a:fillRef>
+          <a:effectRef idx="0">
+            <a:schemeClr val="dk1"/>
+          </a:effectRef>
+          <a:fontRef idx="minor">
+            <a:schemeClr val="dk1"/>
+          </a:fontRef>
+        </p:style>
+        <p:txBody>
+          <a:bodyPr rtlCol="0" anchor="ctr"/>
+          <a:lstStyle/>
+          <a:p>
+            <a:pPr algn="ctr"/>
+            <a:endParaRPr lang="en-US"/>
+          </a:p>
+        </p:txBody>
+      </p:sp>
+      <p:cxnSp>
+        <p:nvCxnSpPr>
+          <p:cNvPr id="34" name="Straight Arrow Connector 33"/>
+          <p:cNvCxnSpPr/>
+          <p:nvPr/>
+        </p:nvCxnSpPr>
+        <p:spPr>
+          <a:xfrm flipH="1">
+            <a:off x="1819189" y="2274066"/>
+            <a:ext cx="631433" cy="375772"/>
+          </a:xfrm>
+          <a:prstGeom prst="straightConnector1">
+            <a:avLst/>
+          </a:prstGeom>
+          <a:ln w="28575" cmpd="sng">
+            <a:tailEnd type="arrow"/>
+          </a:ln>
+          <a:effectLst/>
+        </p:spPr>
+        <p:style>
+          <a:lnRef idx="2">
+            <a:schemeClr val="dk1"/>
+          </a:lnRef>
+          <a:fillRef idx="0">
+            <a:schemeClr val="dk1"/>
+          </a:fillRef>
+          <a:effectRef idx="1">
+            <a:schemeClr val="dk1"/>
+          </a:effectRef>
+          <a:fontRef idx="minor">
+            <a:schemeClr val="tx1"/>
+          </a:fontRef>
+        </p:style>
+      </p:cxnSp>
+      <p:sp>
+        <p:nvSpPr>
+          <p:cNvPr id="39" name="TextBox 38"/>
+          <p:cNvSpPr txBox="1"/>
+          <p:nvPr/>
+        </p:nvSpPr>
+        <p:spPr>
+          <a:xfrm>
+            <a:off x="5677243" y="2477426"/>
+            <a:ext cx="502791" cy="369332"/>
+          </a:xfrm>
+          <a:prstGeom prst="rect">
+            <a:avLst/>
+          </a:prstGeom>
+          <a:noFill/>
+        </p:spPr>
+        <p:txBody>
+          <a:bodyPr wrap="square" rtlCol="0">
+            <a:spAutoFit/>
+          </a:bodyPr>
+          <a:lstStyle/>
+          <a:p>
+            <a:r>
+              <a:rPr lang="en-US" dirty="0" smtClean="0"/>
+              <a:t>e</a:t>
+            </a:r>
+            <a:r>
+              <a:rPr lang="en-US" baseline="30000" dirty="0" smtClean="0"/>
+              <a:t>p</a:t>
+            </a:r>
+            <a:r>
+              <a:rPr lang="en-US" baseline="-25000" dirty="0" smtClean="0"/>
+              <a:t>2</a:t>
+            </a:r>
+            <a:endParaRPr lang="en-US" baseline="-25000" dirty="0"/>
+          </a:p>
+        </p:txBody>
+      </p:sp>
+      <p:cxnSp>
+        <p:nvCxnSpPr>
+          <p:cNvPr id="25" name="Straight Arrow Connector 24"/>
+          <p:cNvCxnSpPr/>
+          <p:nvPr/>
+        </p:nvCxnSpPr>
+        <p:spPr>
+          <a:xfrm>
+            <a:off x="6455021" y="2404859"/>
+            <a:ext cx="163266" cy="556685"/>
+          </a:xfrm>
+          <a:prstGeom prst="straightConnector1">
+            <a:avLst/>
+          </a:prstGeom>
+          <a:ln w="28575" cmpd="sng">
+            <a:tailEnd type="arrow"/>
+          </a:ln>
+          <a:effectLst/>
+        </p:spPr>
+        <p:style>
+          <a:lnRef idx="2">
+            <a:schemeClr val="dk1"/>
+          </a:lnRef>
+          <a:fillRef idx="0">
+            <a:schemeClr val="dk1"/>
+          </a:fillRef>
+          <a:effectRef idx="1">
+            <a:schemeClr val="dk1"/>
+          </a:effectRef>
+          <a:fontRef idx="minor">
+            <a:schemeClr val="tx1"/>
+          </a:fontRef>
+        </p:style>
+      </p:cxnSp>
+      <p:cxnSp>
+        <p:nvCxnSpPr>
+          <p:cNvPr id="35" name="Straight Arrow Connector 34"/>
+          <p:cNvCxnSpPr/>
+          <p:nvPr/>
+        </p:nvCxnSpPr>
+        <p:spPr>
+          <a:xfrm flipH="1">
+            <a:off x="6013622" y="2385634"/>
+            <a:ext cx="442769" cy="209285"/>
+          </a:xfrm>
+          <a:prstGeom prst="straightConnector1">
+            <a:avLst/>
+          </a:prstGeom>
+          <a:ln w="28575" cmpd="sng">
+            <a:tailEnd type="arrow"/>
+          </a:ln>
+          <a:effectLst/>
+        </p:spPr>
+        <p:style>
+          <a:lnRef idx="2">
+            <a:schemeClr val="dk1"/>
+          </a:lnRef>
+          <a:fillRef idx="0">
+            <a:schemeClr val="dk1"/>
+          </a:fillRef>
+          <a:effectRef idx="1">
+            <a:schemeClr val="dk1"/>
+          </a:effectRef>
+          <a:fontRef idx="minor">
+            <a:schemeClr val="tx1"/>
+          </a:fontRef>
+        </p:style>
+      </p:cxnSp>
+      <p:sp>
+        <p:nvSpPr>
+          <p:cNvPr id="36" name="TextBox 35"/>
+          <p:cNvSpPr txBox="1"/>
+          <p:nvPr/>
+        </p:nvSpPr>
+        <p:spPr>
+          <a:xfrm>
+            <a:off x="2530296" y="2396442"/>
+            <a:ext cx="502791" cy="369332"/>
+          </a:xfrm>
+          <a:prstGeom prst="rect">
+            <a:avLst/>
+          </a:prstGeom>
+          <a:noFill/>
+        </p:spPr>
+        <p:txBody>
+          <a:bodyPr wrap="square" rtlCol="0">
+            <a:spAutoFit/>
+          </a:bodyPr>
+          <a:lstStyle/>
+          <a:p>
+            <a:r>
+              <a:rPr lang="en-US" dirty="0" smtClean="0"/>
+              <a:t>e</a:t>
+            </a:r>
+            <a:r>
+              <a:rPr lang="en-US" baseline="30000" dirty="0" smtClean="0"/>
+              <a:t>p</a:t>
+            </a:r>
+            <a:r>
+              <a:rPr lang="en-US" baseline="-25000" dirty="0" smtClean="0"/>
+              <a:t>1</a:t>
+            </a:r>
+            <a:endParaRPr lang="en-US" baseline="-25000" dirty="0"/>
+          </a:p>
+        </p:txBody>
+      </p:sp>
+      <p:sp>
+        <p:nvSpPr>
+          <p:cNvPr id="37" name="TextBox 36"/>
+          <p:cNvSpPr txBox="1"/>
+          <p:nvPr/>
+        </p:nvSpPr>
+        <p:spPr>
+          <a:xfrm>
+            <a:off x="1819189" y="2066329"/>
+            <a:ext cx="502791" cy="369332"/>
+          </a:xfrm>
+          <a:prstGeom prst="rect">
+            <a:avLst/>
+          </a:prstGeom>
+          <a:noFill/>
+        </p:spPr>
+        <p:txBody>
+          <a:bodyPr wrap="square" rtlCol="0">
+            <a:spAutoFit/>
+          </a:bodyPr>
+          <a:lstStyle/>
+          <a:p>
+            <a:r>
+              <a:rPr lang="en-US" dirty="0" smtClean="0"/>
+              <a:t>e</a:t>
+            </a:r>
+            <a:r>
+              <a:rPr lang="en-US" baseline="30000" dirty="0" smtClean="0"/>
+              <a:t>p</a:t>
+            </a:r>
+            <a:r>
+              <a:rPr lang="en-US" baseline="-25000" dirty="0" smtClean="0"/>
+              <a:t>2</a:t>
+            </a:r>
+            <a:endParaRPr lang="en-US" baseline="-25000" dirty="0"/>
+          </a:p>
+        </p:txBody>
+      </p:sp>
+      <p:sp>
+        <p:nvSpPr>
+          <p:cNvPr id="38" name="Oval 37"/>
+          <p:cNvSpPr/>
+          <p:nvPr/>
+        </p:nvSpPr>
+        <p:spPr>
+          <a:xfrm>
+            <a:off x="2412026" y="2260335"/>
+            <a:ext cx="65289" cy="65289"/>
+          </a:xfrm>
+          <a:prstGeom prst="ellipse">
+            <a:avLst/>
+          </a:prstGeom>
+        </p:spPr>
+        <p:style>
+          <a:lnRef idx="2">
+            <a:schemeClr val="dk1">
+              <a:shade val="50000"/>
+            </a:schemeClr>
+          </a:lnRef>
+          <a:fillRef idx="1">
+            <a:schemeClr val="dk1"/>
+          </a:fillRef>
+          <a:effectRef idx="0">
+            <a:schemeClr val="dk1"/>
+          </a:effectRef>
+          <a:fontRef idx="minor">
+            <a:schemeClr val="lt1"/>
+          </a:fontRef>
+        </p:style>
+        <p:txBody>
+          <a:bodyPr rtlCol="0" anchor="ctr"/>
+          <a:lstStyle/>
+          <a:p>
+            <a:pPr algn="ctr"/>
+            <a:endParaRPr lang="en-US"/>
+          </a:p>
+        </p:txBody>
+      </p:sp>
+    </p:spTree>
+    <p:extLst>
+      <p:ext uri="{BB962C8B-B14F-4D97-AF65-F5344CB8AC3E}">
+        <p14:creationId xmlns:p14="http://schemas.microsoft.com/office/powerpoint/2010/main" val="3870071933"/>
+      </p:ext>
+    </p:extLst>
+  </p:cSld>
+  <p:clrMapOvr>
+    <a:masterClrMapping/>
+  </p:clrMapOvr>
+</p:sld>
+</file>
+
+<file path=ppt/slides/slide13.xml><?xml version="1.0" encoding="utf-8"?>
+<p:sld xmlns:a="http://schemas.openxmlformats.org/drawingml/2006/main" xmlns:r="http://schemas.openxmlformats.org/officeDocument/2006/relationships" xmlns:p="http://schemas.openxmlformats.org/presentationml/2006/main">
+  <p:cSld>
+    <p:spTree>
+      <p:nvGrpSpPr>
+        <p:cNvPr id="1" name=""/>
+        <p:cNvGrpSpPr/>
+        <p:nvPr/>
+      </p:nvGrpSpPr>
+      <p:grpSpPr>
+        <a:xfrm>
+          <a:off x="0" y="0"/>
+          <a:ext cx="0" cy="0"/>
+          <a:chOff x="0" y="0"/>
+          <a:chExt cx="0" cy="0"/>
+        </a:xfrm>
+      </p:grpSpPr>
+      <p:sp>
+        <p:nvSpPr>
+          <p:cNvPr id="4" name="Block Arc 3"/>
+          <p:cNvSpPr/>
+          <p:nvPr/>
+        </p:nvSpPr>
+        <p:spPr>
+          <a:xfrm>
+            <a:off x="3727743" y="1542363"/>
+            <a:ext cx="1472184" cy="1472184"/>
+          </a:xfrm>
+          <a:prstGeom prst="blockArc">
+            <a:avLst>
+              <a:gd name="adj1" fmla="val 8808739"/>
+              <a:gd name="adj2" fmla="val 14204526"/>
+              <a:gd name="adj3" fmla="val 47367"/>
+            </a:avLst>
+          </a:prstGeom>
+        </p:spPr>
+        <p:style>
+          <a:lnRef idx="1">
+            <a:schemeClr val="accent1"/>
+          </a:lnRef>
+          <a:fillRef idx="3">
+            <a:schemeClr val="accent1"/>
+          </a:fillRef>
+          <a:effectRef idx="2">
+            <a:schemeClr val="accent1"/>
+          </a:effectRef>
+          <a:fontRef idx="minor">
+            <a:schemeClr val="lt1"/>
+          </a:fontRef>
+        </p:style>
+        <p:txBody>
+          <a:bodyPr rtlCol="0" anchor="ctr"/>
+          <a:lstStyle/>
+          <a:p>
+            <a:pPr algn="ctr"/>
+            <a:endParaRPr lang="en-US">
+              <a:solidFill>
+                <a:schemeClr val="tx1"/>
+              </a:solidFill>
+            </a:endParaRPr>
+          </a:p>
+        </p:txBody>
+      </p:sp>
+      <p:sp>
+        <p:nvSpPr>
+          <p:cNvPr id="49" name="Block Arc 48"/>
+          <p:cNvSpPr/>
+          <p:nvPr/>
+        </p:nvSpPr>
+        <p:spPr>
+          <a:xfrm rot="12003543">
+            <a:off x="3699862" y="1546320"/>
+            <a:ext cx="1475528" cy="1463026"/>
+          </a:xfrm>
+          <a:prstGeom prst="blockArc">
+            <a:avLst>
+              <a:gd name="adj1" fmla="val 8989175"/>
+              <a:gd name="adj2" fmla="val 13977700"/>
+              <a:gd name="adj3" fmla="val 46345"/>
+            </a:avLst>
+          </a:prstGeom>
+        </p:spPr>
+        <p:style>
+          <a:lnRef idx="1">
+            <a:schemeClr val="accent1"/>
+          </a:lnRef>
+          <a:fillRef idx="3">
+            <a:schemeClr val="accent1"/>
+          </a:fillRef>
+          <a:effectRef idx="2">
+            <a:schemeClr val="accent1"/>
+          </a:effectRef>
+          <a:fontRef idx="minor">
+            <a:schemeClr val="lt1"/>
+          </a:fontRef>
+        </p:style>
+        <p:txBody>
+          <a:bodyPr rtlCol="0" anchor="ctr"/>
+          <a:lstStyle/>
+          <a:p>
+            <a:pPr algn="ctr"/>
+            <a:endParaRPr lang="en-US">
+              <a:solidFill>
+                <a:schemeClr val="tx1"/>
+              </a:solidFill>
+            </a:endParaRPr>
+          </a:p>
+        </p:txBody>
+      </p:sp>
+      <p:sp>
+        <p:nvSpPr>
+          <p:cNvPr id="2" name="Oval 1"/>
+          <p:cNvSpPr/>
+          <p:nvPr/>
+        </p:nvSpPr>
+        <p:spPr>
+          <a:xfrm>
+            <a:off x="1736810" y="1530863"/>
+            <a:ext cx="1475946" cy="1475946"/>
+          </a:xfrm>
+          <a:prstGeom prst="ellipse">
+            <a:avLst/>
+          </a:prstGeom>
+          <a:noFill/>
+        </p:spPr>
+        <p:style>
+          <a:lnRef idx="1">
+            <a:schemeClr val="accent1"/>
+          </a:lnRef>
+          <a:fillRef idx="3">
+            <a:schemeClr val="accent1"/>
+          </a:fillRef>
+          <a:effectRef idx="2">
+            <a:schemeClr val="accent1"/>
+          </a:effectRef>
+          <a:fontRef idx="minor">
+            <a:schemeClr val="lt1"/>
+          </a:fontRef>
+        </p:style>
+        <p:txBody>
+          <a:bodyPr rtlCol="0" anchor="ctr"/>
+          <a:lstStyle/>
+          <a:p>
+            <a:pPr algn="ctr"/>
+            <a:endParaRPr lang="en-US"/>
+          </a:p>
+        </p:txBody>
+      </p:sp>
+      <p:sp>
+        <p:nvSpPr>
+          <p:cNvPr id="12" name="TextBox 11"/>
+          <p:cNvSpPr txBox="1"/>
+          <p:nvPr/>
+        </p:nvSpPr>
+        <p:spPr>
+          <a:xfrm>
+            <a:off x="2049020" y="2936610"/>
+            <a:ext cx="889141" cy="461665"/>
+          </a:xfrm>
+          <a:prstGeom prst="rect">
+            <a:avLst/>
+          </a:prstGeom>
+          <a:noFill/>
+        </p:spPr>
+        <p:txBody>
+          <a:bodyPr wrap="square" rtlCol="0">
+            <a:spAutoFit/>
+          </a:bodyPr>
+          <a:lstStyle/>
+          <a:p>
+            <a:r>
+              <a:rPr lang="en-US" sz="2400" dirty="0" smtClean="0"/>
+              <a:t>g</a:t>
+            </a:r>
+            <a:r>
+              <a:rPr lang="en-US" sz="2400" baseline="-25000" dirty="0" smtClean="0"/>
+              <a:t>start</a:t>
+            </a:r>
+            <a:endParaRPr lang="en-US" sz="2400" baseline="-25000" dirty="0"/>
+          </a:p>
+        </p:txBody>
+      </p:sp>
+      <p:sp>
+        <p:nvSpPr>
+          <p:cNvPr id="13" name="TextBox 12"/>
+          <p:cNvSpPr txBox="1"/>
+          <p:nvPr/>
+        </p:nvSpPr>
+        <p:spPr>
+          <a:xfrm>
+            <a:off x="4130447" y="2936610"/>
+            <a:ext cx="889141" cy="461665"/>
+          </a:xfrm>
+          <a:prstGeom prst="rect">
+            <a:avLst/>
+          </a:prstGeom>
+          <a:noFill/>
+        </p:spPr>
+        <p:txBody>
+          <a:bodyPr wrap="square" rtlCol="0">
+            <a:spAutoFit/>
+          </a:bodyPr>
+          <a:lstStyle/>
+          <a:p>
+            <a:r>
+              <a:rPr lang="en-US" sz="2400" dirty="0" smtClean="0"/>
+              <a:t>g</a:t>
+            </a:r>
+            <a:r>
+              <a:rPr lang="en-US" sz="2400" baseline="-25000" dirty="0" smtClean="0"/>
+              <a:t>end</a:t>
+            </a:r>
+            <a:endParaRPr lang="en-US" sz="2400" baseline="-25000" dirty="0"/>
+          </a:p>
+        </p:txBody>
+      </p:sp>
+      <p:sp>
+        <p:nvSpPr>
+          <p:cNvPr id="17" name="Oval 16"/>
+          <p:cNvSpPr/>
+          <p:nvPr/>
+        </p:nvSpPr>
+        <p:spPr>
+          <a:xfrm>
+            <a:off x="3722129" y="1530863"/>
+            <a:ext cx="1475946" cy="1475946"/>
+          </a:xfrm>
+          <a:prstGeom prst="ellipse">
+            <a:avLst/>
+          </a:prstGeom>
+          <a:noFill/>
+        </p:spPr>
+        <p:style>
+          <a:lnRef idx="1">
+            <a:schemeClr val="accent1"/>
+          </a:lnRef>
+          <a:fillRef idx="3">
+            <a:schemeClr val="accent1"/>
+          </a:fillRef>
+          <a:effectRef idx="2">
+            <a:schemeClr val="accent1"/>
+          </a:effectRef>
+          <a:fontRef idx="minor">
+            <a:schemeClr val="lt1"/>
+          </a:fontRef>
+        </p:style>
+        <p:txBody>
+          <a:bodyPr rtlCol="0" anchor="ctr"/>
+          <a:lstStyle/>
+          <a:p>
+            <a:pPr algn="ctr"/>
+            <a:endParaRPr lang="en-US"/>
+          </a:p>
+        </p:txBody>
+      </p:sp>
+      <p:sp>
+        <p:nvSpPr>
+          <p:cNvPr id="21" name="Freeform 20"/>
+          <p:cNvSpPr/>
+          <p:nvPr/>
+        </p:nvSpPr>
+        <p:spPr>
+          <a:xfrm>
+            <a:off x="5670378" y="1646753"/>
+            <a:ext cx="2041108" cy="1314791"/>
+          </a:xfrm>
+          <a:custGeom>
+            <a:avLst/>
+            <a:gdLst>
+              <a:gd name="connsiteX0" fmla="*/ 1187622 w 2917568"/>
+              <a:gd name="connsiteY0" fmla="*/ 1393567 h 2128108"/>
+              <a:gd name="connsiteX1" fmla="*/ 2780271 w 2917568"/>
+              <a:gd name="connsiteY1" fmla="*/ 1002270 h 2128108"/>
+              <a:gd name="connsiteX2" fmla="*/ 2917568 w 2917568"/>
+              <a:gd name="connsiteY2" fmla="*/ 1729945 h 2128108"/>
+              <a:gd name="connsiteX3" fmla="*/ 926757 w 2917568"/>
+              <a:gd name="connsiteY3" fmla="*/ 2128108 h 2128108"/>
+              <a:gd name="connsiteX4" fmla="*/ 0 w 2917568"/>
+              <a:gd name="connsiteY4" fmla="*/ 377567 h 2128108"/>
+              <a:gd name="connsiteX5" fmla="*/ 466811 w 2917568"/>
+              <a:gd name="connsiteY5" fmla="*/ 0 h 2128108"/>
+              <a:gd name="connsiteX6" fmla="*/ 1187622 w 2917568"/>
+              <a:gd name="connsiteY6" fmla="*/ 1393567 h 2128108"/>
+              <a:gd name="connsiteX0" fmla="*/ 1187622 w 2835190"/>
+              <a:gd name="connsiteY0" fmla="*/ 1393567 h 2128108"/>
+              <a:gd name="connsiteX1" fmla="*/ 2780271 w 2835190"/>
+              <a:gd name="connsiteY1" fmla="*/ 1002270 h 2128108"/>
+              <a:gd name="connsiteX2" fmla="*/ 2835190 w 2835190"/>
+              <a:gd name="connsiteY2" fmla="*/ 1530864 h 2128108"/>
+              <a:gd name="connsiteX3" fmla="*/ 926757 w 2835190"/>
+              <a:gd name="connsiteY3" fmla="*/ 2128108 h 2128108"/>
+              <a:gd name="connsiteX4" fmla="*/ 0 w 2835190"/>
+              <a:gd name="connsiteY4" fmla="*/ 377567 h 2128108"/>
+              <a:gd name="connsiteX5" fmla="*/ 466811 w 2835190"/>
+              <a:gd name="connsiteY5" fmla="*/ 0 h 2128108"/>
+              <a:gd name="connsiteX6" fmla="*/ 1187622 w 2835190"/>
+              <a:gd name="connsiteY6" fmla="*/ 1393567 h 2128108"/>
+              <a:gd name="connsiteX0" fmla="*/ 995406 w 2642974"/>
+              <a:gd name="connsiteY0" fmla="*/ 1393567 h 2128108"/>
+              <a:gd name="connsiteX1" fmla="*/ 2588055 w 2642974"/>
+              <a:gd name="connsiteY1" fmla="*/ 1002270 h 2128108"/>
+              <a:gd name="connsiteX2" fmla="*/ 2642974 w 2642974"/>
+              <a:gd name="connsiteY2" fmla="*/ 1530864 h 2128108"/>
+              <a:gd name="connsiteX3" fmla="*/ 734541 w 2642974"/>
+              <a:gd name="connsiteY3" fmla="*/ 2128108 h 2128108"/>
+              <a:gd name="connsiteX4" fmla="*/ 0 w 2642974"/>
+              <a:gd name="connsiteY4" fmla="*/ 761999 h 2128108"/>
+              <a:gd name="connsiteX5" fmla="*/ 274595 w 2642974"/>
+              <a:gd name="connsiteY5" fmla="*/ 0 h 2128108"/>
+              <a:gd name="connsiteX6" fmla="*/ 995406 w 2642974"/>
+              <a:gd name="connsiteY6" fmla="*/ 1393567 h 2128108"/>
+              <a:gd name="connsiteX0" fmla="*/ 995406 w 2642974"/>
+              <a:gd name="connsiteY0" fmla="*/ 967945 h 1702486"/>
+              <a:gd name="connsiteX1" fmla="*/ 2588055 w 2642974"/>
+              <a:gd name="connsiteY1" fmla="*/ 576648 h 1702486"/>
+              <a:gd name="connsiteX2" fmla="*/ 2642974 w 2642974"/>
+              <a:gd name="connsiteY2" fmla="*/ 1105242 h 1702486"/>
+              <a:gd name="connsiteX3" fmla="*/ 734541 w 2642974"/>
+              <a:gd name="connsiteY3" fmla="*/ 1702486 h 1702486"/>
+              <a:gd name="connsiteX4" fmla="*/ 0 w 2642974"/>
+              <a:gd name="connsiteY4" fmla="*/ 336377 h 1702486"/>
+              <a:gd name="connsiteX5" fmla="*/ 453081 w 2642974"/>
+              <a:gd name="connsiteY5" fmla="*/ 0 h 1702486"/>
+              <a:gd name="connsiteX6" fmla="*/ 995406 w 2642974"/>
+              <a:gd name="connsiteY6" fmla="*/ 967945 h 1702486"/>
+            </a:gdLst>
+            <a:ahLst/>
+            <a:cxnLst>
+              <a:cxn ang="0">
+                <a:pos x="connsiteX0" y="connsiteY0"/>
+              </a:cxn>
+              <a:cxn ang="0">
+                <a:pos x="connsiteX1" y="connsiteY1"/>
+              </a:cxn>
+              <a:cxn ang="0">
+                <a:pos x="connsiteX2" y="connsiteY2"/>
+              </a:cxn>
+              <a:cxn ang="0">
+                <a:pos x="connsiteX3" y="connsiteY3"/>
+              </a:cxn>
+              <a:cxn ang="0">
+                <a:pos x="connsiteX4" y="connsiteY4"/>
+              </a:cxn>
+              <a:cxn ang="0">
+                <a:pos x="connsiteX5" y="connsiteY5"/>
+              </a:cxn>
+              <a:cxn ang="0">
+                <a:pos x="connsiteX6" y="connsiteY6"/>
+              </a:cxn>
+            </a:cxnLst>
+            <a:rect l="l" t="t" r="r" b="b"/>
+            <a:pathLst>
+              <a:path w="2642974" h="1702486">
+                <a:moveTo>
+                  <a:pt x="995406" y="967945"/>
+                </a:moveTo>
+                <a:lnTo>
+                  <a:pt x="2588055" y="576648"/>
+                </a:lnTo>
+                <a:lnTo>
+                  <a:pt x="2642974" y="1105242"/>
+                </a:lnTo>
+                <a:lnTo>
+                  <a:pt x="734541" y="1702486"/>
+                </a:lnTo>
+                <a:lnTo>
+                  <a:pt x="0" y="336377"/>
+                </a:lnTo>
+                <a:lnTo>
+                  <a:pt x="453081" y="0"/>
+                </a:lnTo>
+                <a:lnTo>
+                  <a:pt x="995406" y="967945"/>
+                </a:lnTo>
+                <a:close/>
+              </a:path>
+            </a:pathLst>
+          </a:custGeom>
+          <a:gradFill flip="none" rotWithShape="1">
+            <a:gsLst>
+              <a:gs pos="0">
+                <a:schemeClr val="accent1">
+                  <a:tint val="100000"/>
+                  <a:shade val="100000"/>
+                  <a:satMod val="130000"/>
+                  <a:alpha val="15000"/>
+                </a:schemeClr>
+              </a:gs>
+              <a:gs pos="100000">
+                <a:schemeClr val="accent1">
+                  <a:tint val="50000"/>
+                  <a:shade val="100000"/>
+                  <a:satMod val="350000"/>
+                  <a:alpha val="15000"/>
+                </a:schemeClr>
+              </a:gs>
+            </a:gsLst>
+            <a:lin ang="16200000" scaled="0"/>
+            <a:tileRect/>
+          </a:gradFill>
+        </p:spPr>
+        <p:style>
+          <a:lnRef idx="1">
+            <a:schemeClr val="accent1"/>
+          </a:lnRef>
+          <a:fillRef idx="3">
+            <a:schemeClr val="accent1"/>
+          </a:fillRef>
+          <a:effectRef idx="2">
+            <a:schemeClr val="accent1"/>
+          </a:effectRef>
+          <a:fontRef idx="minor">
+            <a:schemeClr val="lt1"/>
+          </a:fontRef>
+        </p:style>
+        <p:txBody>
+          <a:bodyPr rtlCol="0" anchor="ctr"/>
+          <a:lstStyle/>
+          <a:p>
+            <a:pPr algn="ctr"/>
+            <a:endParaRPr lang="en-US"/>
+          </a:p>
+        </p:txBody>
+      </p:sp>
+      <p:sp>
+        <p:nvSpPr>
+          <p:cNvPr id="24" name="TextBox 23"/>
+          <p:cNvSpPr txBox="1"/>
+          <p:nvPr/>
+        </p:nvSpPr>
+        <p:spPr>
+          <a:xfrm>
+            <a:off x="6573705" y="1929007"/>
+            <a:ext cx="400520" cy="369332"/>
+          </a:xfrm>
+          <a:prstGeom prst="rect">
+            <a:avLst/>
+          </a:prstGeom>
+          <a:noFill/>
+        </p:spPr>
+        <p:txBody>
+          <a:bodyPr wrap="square" rtlCol="0">
+            <a:spAutoFit/>
+          </a:bodyPr>
+          <a:lstStyle/>
+          <a:p>
+            <a:r>
+              <a:rPr lang="en-US" dirty="0" smtClean="0"/>
+              <a:t>e</a:t>
+            </a:r>
+            <a:r>
+              <a:rPr lang="en-US" baseline="-25000" dirty="0" smtClean="0"/>
+              <a:t>1</a:t>
+            </a:r>
+            <a:endParaRPr lang="en-US" baseline="-25000" dirty="0"/>
+          </a:p>
+        </p:txBody>
+      </p:sp>
+      <p:sp>
+        <p:nvSpPr>
+          <p:cNvPr id="26" name="Oval 25"/>
+          <p:cNvSpPr/>
+          <p:nvPr/>
+        </p:nvSpPr>
+        <p:spPr>
+          <a:xfrm>
+            <a:off x="6428666" y="2367766"/>
+            <a:ext cx="47554" cy="47554"/>
+          </a:xfrm>
+          <a:prstGeom prst="ellipse">
+            <a:avLst/>
+          </a:prstGeom>
+        </p:spPr>
+        <p:style>
+          <a:lnRef idx="2">
+            <a:schemeClr val="dk1">
+              <a:shade val="50000"/>
+            </a:schemeClr>
+          </a:lnRef>
+          <a:fillRef idx="1">
+            <a:schemeClr val="dk1"/>
+          </a:fillRef>
+          <a:effectRef idx="0">
+            <a:schemeClr val="dk1"/>
+          </a:effectRef>
+          <a:fontRef idx="minor">
+            <a:schemeClr val="lt1"/>
+          </a:fontRef>
+        </p:style>
+        <p:txBody>
+          <a:bodyPr rtlCol="0" anchor="ctr"/>
+          <a:lstStyle/>
+          <a:p>
+            <a:pPr algn="ctr"/>
+            <a:endParaRPr lang="en-US"/>
+          </a:p>
+        </p:txBody>
+      </p:sp>
+      <p:cxnSp>
+        <p:nvCxnSpPr>
+          <p:cNvPr id="27" name="Straight Arrow Connector 26"/>
+          <p:cNvCxnSpPr/>
+          <p:nvPr/>
+        </p:nvCxnSpPr>
+        <p:spPr>
+          <a:xfrm flipH="1" flipV="1">
+            <a:off x="6126314" y="1848213"/>
+            <a:ext cx="328699" cy="543329"/>
+          </a:xfrm>
+          <a:prstGeom prst="straightConnector1">
+            <a:avLst/>
+          </a:prstGeom>
+          <a:ln w="28575" cmpd="sng">
+            <a:tailEnd type="arrow"/>
+          </a:ln>
+          <a:effectLst/>
+        </p:spPr>
+        <p:style>
+          <a:lnRef idx="2">
+            <a:schemeClr val="dk1"/>
+          </a:lnRef>
+          <a:fillRef idx="0">
+            <a:schemeClr val="dk1"/>
+          </a:fillRef>
+          <a:effectRef idx="1">
+            <a:schemeClr val="dk1"/>
+          </a:effectRef>
+          <a:fontRef idx="minor">
+            <a:schemeClr val="tx1"/>
+          </a:fontRef>
+        </p:style>
+      </p:cxnSp>
+      <p:sp>
+        <p:nvSpPr>
+          <p:cNvPr id="28" name="TextBox 27"/>
+          <p:cNvSpPr txBox="1"/>
+          <p:nvPr/>
+        </p:nvSpPr>
+        <p:spPr>
+          <a:xfrm>
+            <a:off x="6213950" y="1843739"/>
+            <a:ext cx="374511" cy="369332"/>
+          </a:xfrm>
+          <a:prstGeom prst="rect">
+            <a:avLst/>
+          </a:prstGeom>
+          <a:noFill/>
+        </p:spPr>
+        <p:txBody>
+          <a:bodyPr wrap="square" rtlCol="0">
+            <a:spAutoFit/>
+          </a:bodyPr>
+          <a:lstStyle/>
+          <a:p>
+            <a:r>
+              <a:rPr lang="en-US" dirty="0" smtClean="0"/>
+              <a:t>e</a:t>
+            </a:r>
+            <a:r>
+              <a:rPr lang="en-US" baseline="-25000" dirty="0"/>
+              <a:t>2</a:t>
+            </a:r>
+            <a:endParaRPr lang="en-US" baseline="-25000" dirty="0"/>
+          </a:p>
+        </p:txBody>
+      </p:sp>
+      <p:sp>
+        <p:nvSpPr>
+          <p:cNvPr id="29" name="TextBox 28"/>
+          <p:cNvSpPr txBox="1"/>
+          <p:nvPr/>
+        </p:nvSpPr>
+        <p:spPr>
+          <a:xfrm>
+            <a:off x="6439107" y="1462087"/>
+            <a:ext cx="524623" cy="369332"/>
+          </a:xfrm>
+          <a:prstGeom prst="rect">
+            <a:avLst/>
+          </a:prstGeom>
+          <a:noFill/>
+        </p:spPr>
+        <p:txBody>
+          <a:bodyPr wrap="square" rtlCol="0">
+            <a:spAutoFit/>
+          </a:bodyPr>
+          <a:lstStyle/>
+          <a:p>
+            <a:r>
+              <a:rPr lang="en-US" dirty="0" smtClean="0"/>
+              <a:t>V</a:t>
+            </a:r>
+            <a:r>
+              <a:rPr lang="en-US" baseline="-25000" dirty="0" smtClean="0"/>
+              <a:t>cc</a:t>
+            </a:r>
+            <a:endParaRPr lang="en-US" baseline="-25000" dirty="0"/>
+          </a:p>
+        </p:txBody>
+      </p:sp>
+      <p:sp>
+        <p:nvSpPr>
+          <p:cNvPr id="31" name="Rectangle 30"/>
+          <p:cNvSpPr/>
+          <p:nvPr/>
+        </p:nvSpPr>
+        <p:spPr>
+          <a:xfrm rot="20687964">
+            <a:off x="6478076" y="2371540"/>
+            <a:ext cx="125907" cy="125907"/>
+          </a:xfrm>
+          <a:prstGeom prst="rect">
+            <a:avLst/>
+          </a:prstGeom>
+          <a:ln w="12700" cmpd="sng"/>
+        </p:spPr>
+        <p:style>
+          <a:lnRef idx="2">
+            <a:schemeClr val="dk1"/>
+          </a:lnRef>
+          <a:fillRef idx="1">
+            <a:schemeClr val="lt1"/>
+          </a:fillRef>
+          <a:effectRef idx="0">
+            <a:schemeClr val="dk1"/>
+          </a:effectRef>
+          <a:fontRef idx="minor">
+            <a:schemeClr val="dk1"/>
+          </a:fontRef>
+        </p:style>
+        <p:txBody>
+          <a:bodyPr rtlCol="0" anchor="ctr"/>
+          <a:lstStyle/>
+          <a:p>
+            <a:pPr algn="ctr"/>
+            <a:endParaRPr lang="en-US"/>
+          </a:p>
+        </p:txBody>
+      </p:sp>
+      <p:sp>
+        <p:nvSpPr>
+          <p:cNvPr id="32" name="TextBox 31"/>
+          <p:cNvSpPr txBox="1"/>
+          <p:nvPr/>
+        </p:nvSpPr>
+        <p:spPr>
+          <a:xfrm>
+            <a:off x="6476220" y="2822143"/>
+            <a:ext cx="502791" cy="369332"/>
+          </a:xfrm>
+          <a:prstGeom prst="rect">
+            <a:avLst/>
+          </a:prstGeom>
+          <a:noFill/>
+        </p:spPr>
+        <p:txBody>
+          <a:bodyPr wrap="square" rtlCol="0">
+            <a:spAutoFit/>
+          </a:bodyPr>
+          <a:lstStyle/>
+          <a:p>
+            <a:r>
+              <a:rPr lang="en-US" dirty="0" smtClean="0"/>
+              <a:t>e</a:t>
+            </a:r>
+            <a:r>
+              <a:rPr lang="en-US" baseline="30000" dirty="0" smtClean="0"/>
+              <a:t>p</a:t>
+            </a:r>
+            <a:r>
+              <a:rPr lang="en-US" baseline="-25000" dirty="0" smtClean="0"/>
+              <a:t>1</a:t>
+            </a:r>
+            <a:endParaRPr lang="en-US" baseline="-25000" dirty="0"/>
+          </a:p>
+        </p:txBody>
+      </p:sp>
+      <p:cxnSp>
+        <p:nvCxnSpPr>
+          <p:cNvPr id="22" name="Straight Arrow Connector 21"/>
+          <p:cNvCxnSpPr>
+            <a:stCxn id="21" idx="0"/>
+          </p:cNvCxnSpPr>
+          <p:nvPr/>
+        </p:nvCxnSpPr>
+        <p:spPr>
+          <a:xfrm flipV="1">
+            <a:off x="6439107" y="2250995"/>
+            <a:ext cx="583173" cy="143280"/>
+          </a:xfrm>
+          <a:prstGeom prst="straightConnector1">
+            <a:avLst/>
+          </a:prstGeom>
+          <a:ln w="28575" cmpd="sng">
+            <a:tailEnd type="arrow"/>
+          </a:ln>
+          <a:effectLst/>
+        </p:spPr>
+        <p:style>
+          <a:lnRef idx="2">
+            <a:schemeClr val="dk1"/>
+          </a:lnRef>
+          <a:fillRef idx="0">
+            <a:schemeClr val="dk1"/>
+          </a:fillRef>
+          <a:effectRef idx="1">
+            <a:schemeClr val="dk1"/>
+          </a:effectRef>
+          <a:fontRef idx="minor">
+            <a:schemeClr val="tx1"/>
+          </a:fontRef>
+        </p:style>
+      </p:cxnSp>
+      <p:cxnSp>
+        <p:nvCxnSpPr>
+          <p:cNvPr id="30" name="Straight Arrow Connector 29"/>
+          <p:cNvCxnSpPr/>
+          <p:nvPr/>
+        </p:nvCxnSpPr>
+        <p:spPr>
+          <a:xfrm>
+            <a:off x="2443757" y="2264725"/>
+            <a:ext cx="224845" cy="736092"/>
+          </a:xfrm>
+          <a:prstGeom prst="straightConnector1">
+            <a:avLst/>
+          </a:prstGeom>
+          <a:ln w="28575" cmpd="sng">
+            <a:tailEnd type="arrow"/>
+          </a:ln>
+          <a:effectLst/>
+        </p:spPr>
+        <p:style>
+          <a:lnRef idx="2">
+            <a:schemeClr val="dk1"/>
+          </a:lnRef>
+          <a:fillRef idx="0">
+            <a:schemeClr val="dk1"/>
+          </a:fillRef>
+          <a:effectRef idx="1">
+            <a:schemeClr val="dk1"/>
+          </a:effectRef>
+          <a:fontRef idx="minor">
+            <a:schemeClr val="tx1"/>
+          </a:fontRef>
+        </p:style>
+      </p:cxnSp>
+      <p:sp>
+        <p:nvSpPr>
+          <p:cNvPr id="33" name="Rectangle 32"/>
+          <p:cNvSpPr/>
+          <p:nvPr/>
+        </p:nvSpPr>
+        <p:spPr>
+          <a:xfrm rot="19808676">
+            <a:off x="6302559" y="2305545"/>
+            <a:ext cx="121079" cy="121079"/>
+          </a:xfrm>
+          <a:prstGeom prst="rect">
+            <a:avLst/>
+          </a:prstGeom>
+          <a:ln w="12700" cmpd="sng"/>
+        </p:spPr>
+        <p:style>
+          <a:lnRef idx="2">
+            <a:schemeClr val="dk1"/>
+          </a:lnRef>
+          <a:fillRef idx="1">
+            <a:schemeClr val="lt1"/>
+          </a:fillRef>
+          <a:effectRef idx="0">
+            <a:schemeClr val="dk1"/>
+          </a:effectRef>
+          <a:fontRef idx="minor">
+            <a:schemeClr val="dk1"/>
+          </a:fontRef>
+        </p:style>
+        <p:txBody>
+          <a:bodyPr rtlCol="0" anchor="ctr"/>
+          <a:lstStyle/>
+          <a:p>
+            <a:pPr algn="ctr"/>
+            <a:endParaRPr lang="en-US"/>
+          </a:p>
+        </p:txBody>
+      </p:sp>
+      <p:cxnSp>
+        <p:nvCxnSpPr>
+          <p:cNvPr id="34" name="Straight Arrow Connector 33"/>
+          <p:cNvCxnSpPr/>
+          <p:nvPr/>
+        </p:nvCxnSpPr>
+        <p:spPr>
+          <a:xfrm flipH="1">
+            <a:off x="1819189" y="2274066"/>
+            <a:ext cx="631433" cy="375772"/>
+          </a:xfrm>
+          <a:prstGeom prst="straightConnector1">
+            <a:avLst/>
+          </a:prstGeom>
+          <a:ln w="28575" cmpd="sng">
+            <a:tailEnd type="arrow"/>
+          </a:ln>
+          <a:effectLst/>
+        </p:spPr>
+        <p:style>
+          <a:lnRef idx="2">
+            <a:schemeClr val="dk1"/>
+          </a:lnRef>
+          <a:fillRef idx="0">
+            <a:schemeClr val="dk1"/>
+          </a:fillRef>
+          <a:effectRef idx="1">
+            <a:schemeClr val="dk1"/>
+          </a:effectRef>
+          <a:fontRef idx="minor">
+            <a:schemeClr val="tx1"/>
+          </a:fontRef>
+        </p:style>
+      </p:cxnSp>
+      <p:sp>
+        <p:nvSpPr>
+          <p:cNvPr id="39" name="TextBox 38"/>
+          <p:cNvSpPr txBox="1"/>
+          <p:nvPr/>
+        </p:nvSpPr>
+        <p:spPr>
+          <a:xfrm>
+            <a:off x="5677243" y="2477426"/>
+            <a:ext cx="502791" cy="369332"/>
+          </a:xfrm>
+          <a:prstGeom prst="rect">
+            <a:avLst/>
+          </a:prstGeom>
+          <a:noFill/>
+        </p:spPr>
+        <p:txBody>
+          <a:bodyPr wrap="square" rtlCol="0">
+            <a:spAutoFit/>
+          </a:bodyPr>
+          <a:lstStyle/>
+          <a:p>
+            <a:r>
+              <a:rPr lang="en-US" dirty="0" smtClean="0"/>
+              <a:t>e</a:t>
+            </a:r>
+            <a:r>
+              <a:rPr lang="en-US" baseline="30000" dirty="0" smtClean="0"/>
+              <a:t>p</a:t>
+            </a:r>
+            <a:r>
+              <a:rPr lang="en-US" baseline="-25000" dirty="0" smtClean="0"/>
+              <a:t>2</a:t>
+            </a:r>
+            <a:endParaRPr lang="en-US" baseline="-25000" dirty="0"/>
+          </a:p>
+        </p:txBody>
+      </p:sp>
+      <p:cxnSp>
+        <p:nvCxnSpPr>
+          <p:cNvPr id="25" name="Straight Arrow Connector 24"/>
+          <p:cNvCxnSpPr/>
+          <p:nvPr/>
+        </p:nvCxnSpPr>
+        <p:spPr>
+          <a:xfrm>
+            <a:off x="6455021" y="2404859"/>
+            <a:ext cx="163266" cy="556685"/>
+          </a:xfrm>
+          <a:prstGeom prst="straightConnector1">
+            <a:avLst/>
+          </a:prstGeom>
+          <a:ln w="28575" cmpd="sng">
+            <a:tailEnd type="arrow"/>
+          </a:ln>
+          <a:effectLst/>
+        </p:spPr>
+        <p:style>
+          <a:lnRef idx="2">
+            <a:schemeClr val="dk1"/>
+          </a:lnRef>
+          <a:fillRef idx="0">
+            <a:schemeClr val="dk1"/>
+          </a:fillRef>
+          <a:effectRef idx="1">
+            <a:schemeClr val="dk1"/>
+          </a:effectRef>
+          <a:fontRef idx="minor">
+            <a:schemeClr val="tx1"/>
+          </a:fontRef>
+        </p:style>
+      </p:cxnSp>
+      <p:cxnSp>
+        <p:nvCxnSpPr>
+          <p:cNvPr id="35" name="Straight Arrow Connector 34"/>
+          <p:cNvCxnSpPr/>
+          <p:nvPr/>
+        </p:nvCxnSpPr>
+        <p:spPr>
+          <a:xfrm flipH="1">
+            <a:off x="6013622" y="2385634"/>
+            <a:ext cx="442769" cy="209285"/>
+          </a:xfrm>
+          <a:prstGeom prst="straightConnector1">
+            <a:avLst/>
+          </a:prstGeom>
+          <a:ln w="28575" cmpd="sng">
+            <a:tailEnd type="arrow"/>
+          </a:ln>
+          <a:effectLst/>
+        </p:spPr>
+        <p:style>
+          <a:lnRef idx="2">
+            <a:schemeClr val="dk1"/>
+          </a:lnRef>
+          <a:fillRef idx="0">
+            <a:schemeClr val="dk1"/>
+          </a:fillRef>
+          <a:effectRef idx="1">
+            <a:schemeClr val="dk1"/>
+          </a:effectRef>
+          <a:fontRef idx="minor">
+            <a:schemeClr val="tx1"/>
+          </a:fontRef>
+        </p:style>
+      </p:cxnSp>
+      <p:sp>
+        <p:nvSpPr>
+          <p:cNvPr id="36" name="TextBox 35"/>
+          <p:cNvSpPr txBox="1"/>
+          <p:nvPr/>
+        </p:nvSpPr>
+        <p:spPr>
+          <a:xfrm>
+            <a:off x="2530296" y="2396442"/>
+            <a:ext cx="502791" cy="369332"/>
+          </a:xfrm>
+          <a:prstGeom prst="rect">
+            <a:avLst/>
+          </a:prstGeom>
+          <a:noFill/>
+        </p:spPr>
+        <p:txBody>
+          <a:bodyPr wrap="square" rtlCol="0">
+            <a:spAutoFit/>
+          </a:bodyPr>
+          <a:lstStyle/>
+          <a:p>
+            <a:r>
+              <a:rPr lang="en-US" dirty="0" smtClean="0"/>
+              <a:t>e</a:t>
+            </a:r>
+            <a:r>
+              <a:rPr lang="en-US" baseline="30000" dirty="0" smtClean="0"/>
+              <a:t>p</a:t>
+            </a:r>
+            <a:r>
+              <a:rPr lang="en-US" baseline="-25000" dirty="0" smtClean="0"/>
+              <a:t>1</a:t>
+            </a:r>
+            <a:endParaRPr lang="en-US" baseline="-25000" dirty="0"/>
+          </a:p>
+        </p:txBody>
+      </p:sp>
+      <p:sp>
+        <p:nvSpPr>
+          <p:cNvPr id="37" name="TextBox 36"/>
+          <p:cNvSpPr txBox="1"/>
+          <p:nvPr/>
+        </p:nvSpPr>
+        <p:spPr>
+          <a:xfrm>
+            <a:off x="1819189" y="2066329"/>
+            <a:ext cx="502791" cy="369332"/>
+          </a:xfrm>
+          <a:prstGeom prst="rect">
+            <a:avLst/>
+          </a:prstGeom>
+          <a:noFill/>
+        </p:spPr>
+        <p:txBody>
+          <a:bodyPr wrap="square" rtlCol="0">
+            <a:spAutoFit/>
+          </a:bodyPr>
+          <a:lstStyle/>
+          <a:p>
+            <a:r>
+              <a:rPr lang="en-US" dirty="0" smtClean="0"/>
+              <a:t>e</a:t>
+            </a:r>
+            <a:r>
+              <a:rPr lang="en-US" baseline="30000" dirty="0" smtClean="0"/>
+              <a:t>p</a:t>
+            </a:r>
+            <a:r>
+              <a:rPr lang="en-US" baseline="-25000" dirty="0" smtClean="0"/>
+              <a:t>2</a:t>
+            </a:r>
+            <a:endParaRPr lang="en-US" baseline="-25000" dirty="0"/>
+          </a:p>
+        </p:txBody>
+      </p:sp>
+      <p:cxnSp>
+        <p:nvCxnSpPr>
+          <p:cNvPr id="38" name="Straight Arrow Connector 37"/>
+          <p:cNvCxnSpPr/>
+          <p:nvPr/>
+        </p:nvCxnSpPr>
+        <p:spPr>
+          <a:xfrm flipH="1" flipV="1">
+            <a:off x="4069736" y="1653618"/>
+            <a:ext cx="396276" cy="655031"/>
+          </a:xfrm>
+          <a:prstGeom prst="straightConnector1">
+            <a:avLst/>
+          </a:prstGeom>
+          <a:ln w="28575" cmpd="sng">
+            <a:tailEnd type="arrow"/>
+          </a:ln>
+          <a:effectLst/>
+        </p:spPr>
+        <p:style>
+          <a:lnRef idx="2">
+            <a:schemeClr val="dk1"/>
+          </a:lnRef>
+          <a:fillRef idx="0">
+            <a:schemeClr val="dk1"/>
+          </a:fillRef>
+          <a:effectRef idx="1">
+            <a:schemeClr val="dk1"/>
+          </a:effectRef>
+          <a:fontRef idx="minor">
+            <a:schemeClr val="tx1"/>
+          </a:fontRef>
+        </p:style>
+      </p:cxnSp>
+      <p:cxnSp>
+        <p:nvCxnSpPr>
+          <p:cNvPr id="40" name="Straight Arrow Connector 39"/>
+          <p:cNvCxnSpPr/>
+          <p:nvPr/>
+        </p:nvCxnSpPr>
+        <p:spPr>
+          <a:xfrm flipV="1">
+            <a:off x="4450105" y="2122724"/>
+            <a:ext cx="747970" cy="181793"/>
+          </a:xfrm>
+          <a:prstGeom prst="straightConnector1">
+            <a:avLst/>
+          </a:prstGeom>
+          <a:ln w="28575" cmpd="sng">
+            <a:tailEnd type="arrow"/>
+          </a:ln>
+          <a:effectLst/>
+        </p:spPr>
+        <p:style>
+          <a:lnRef idx="2">
+            <a:schemeClr val="dk1"/>
+          </a:lnRef>
+          <a:fillRef idx="0">
+            <a:schemeClr val="dk1"/>
+          </a:fillRef>
+          <a:effectRef idx="1">
+            <a:schemeClr val="dk1"/>
+          </a:effectRef>
+          <a:fontRef idx="minor">
+            <a:schemeClr val="tx1"/>
+          </a:fontRef>
+        </p:style>
+      </p:cxnSp>
+      <p:sp>
+        <p:nvSpPr>
+          <p:cNvPr id="41" name="Block Arc 40"/>
+          <p:cNvSpPr/>
+          <p:nvPr/>
+        </p:nvSpPr>
+        <p:spPr>
+          <a:xfrm>
+            <a:off x="6756818" y="4230129"/>
+            <a:ext cx="1472184" cy="1472184"/>
+          </a:xfrm>
+          <a:prstGeom prst="blockArc">
+            <a:avLst>
+              <a:gd name="adj1" fmla="val 10800000"/>
+              <a:gd name="adj2" fmla="val 19857277"/>
+              <a:gd name="adj3" fmla="val 42584"/>
+            </a:avLst>
+          </a:prstGeom>
+        </p:spPr>
+        <p:style>
+          <a:lnRef idx="1">
+            <a:schemeClr val="accent1"/>
+          </a:lnRef>
+          <a:fillRef idx="3">
+            <a:schemeClr val="accent1"/>
+          </a:fillRef>
+          <a:effectRef idx="2">
+            <a:schemeClr val="accent1"/>
+          </a:effectRef>
+          <a:fontRef idx="minor">
+            <a:schemeClr val="lt1"/>
+          </a:fontRef>
+        </p:style>
+        <p:txBody>
+          <a:bodyPr rtlCol="0" anchor="ctr"/>
+          <a:lstStyle/>
+          <a:p>
+            <a:pPr algn="ctr"/>
+            <a:endParaRPr lang="en-US">
+              <a:solidFill>
+                <a:schemeClr val="tx1"/>
+              </a:solidFill>
+            </a:endParaRPr>
+          </a:p>
+        </p:txBody>
+      </p:sp>
+      <p:sp>
+        <p:nvSpPr>
+          <p:cNvPr id="42" name="Block Arc 41"/>
+          <p:cNvSpPr/>
+          <p:nvPr/>
+        </p:nvSpPr>
+        <p:spPr>
+          <a:xfrm>
+            <a:off x="6322303" y="4367595"/>
+            <a:ext cx="1472184" cy="1472184"/>
+          </a:xfrm>
+          <a:prstGeom prst="blockArc">
+            <a:avLst>
+              <a:gd name="adj1" fmla="val 10800000"/>
+              <a:gd name="adj2" fmla="val 19857277"/>
+              <a:gd name="adj3" fmla="val 42584"/>
+            </a:avLst>
+          </a:prstGeom>
+        </p:spPr>
+        <p:style>
+          <a:lnRef idx="1">
+            <a:schemeClr val="accent1"/>
+          </a:lnRef>
+          <a:fillRef idx="3">
+            <a:schemeClr val="accent1"/>
+          </a:fillRef>
+          <a:effectRef idx="2">
+            <a:schemeClr val="accent1"/>
+          </a:effectRef>
+          <a:fontRef idx="minor">
+            <a:schemeClr val="lt1"/>
+          </a:fontRef>
+        </p:style>
+        <p:txBody>
+          <a:bodyPr rtlCol="0" anchor="ctr"/>
+          <a:lstStyle/>
+          <a:p>
+            <a:pPr algn="ctr"/>
+            <a:endParaRPr lang="en-US">
+              <a:solidFill>
+                <a:schemeClr val="tx1"/>
+              </a:solidFill>
+            </a:endParaRPr>
+          </a:p>
+        </p:txBody>
+      </p:sp>
+      <p:sp>
+        <p:nvSpPr>
+          <p:cNvPr id="43" name="Block Arc 42"/>
+          <p:cNvSpPr/>
+          <p:nvPr/>
+        </p:nvSpPr>
+        <p:spPr>
+          <a:xfrm>
+            <a:off x="6338061" y="4367595"/>
+            <a:ext cx="1472184" cy="1472184"/>
+          </a:xfrm>
+          <a:prstGeom prst="blockArc">
+            <a:avLst>
+              <a:gd name="adj1" fmla="val 10800000"/>
+              <a:gd name="adj2" fmla="val 19857277"/>
+              <a:gd name="adj3" fmla="val 42584"/>
+            </a:avLst>
+          </a:prstGeom>
+        </p:spPr>
+        <p:style>
+          <a:lnRef idx="1">
+            <a:schemeClr val="accent1"/>
+          </a:lnRef>
+          <a:fillRef idx="3">
+            <a:schemeClr val="accent1"/>
+          </a:fillRef>
+          <a:effectRef idx="2">
+            <a:schemeClr val="accent1"/>
+          </a:effectRef>
+          <a:fontRef idx="minor">
+            <a:schemeClr val="lt1"/>
+          </a:fontRef>
+        </p:style>
+        <p:txBody>
+          <a:bodyPr rtlCol="0" anchor="ctr"/>
+          <a:lstStyle/>
+          <a:p>
+            <a:pPr algn="ctr"/>
+            <a:endParaRPr lang="en-US">
+              <a:solidFill>
+                <a:schemeClr val="tx1"/>
+              </a:solidFill>
+            </a:endParaRPr>
+          </a:p>
+        </p:txBody>
+      </p:sp>
+      <p:cxnSp>
+        <p:nvCxnSpPr>
+          <p:cNvPr id="44" name="Straight Arrow Connector 43"/>
+          <p:cNvCxnSpPr/>
+          <p:nvPr/>
+        </p:nvCxnSpPr>
+        <p:spPr>
+          <a:xfrm>
+            <a:off x="4459147" y="2299736"/>
+            <a:ext cx="215981" cy="707073"/>
+          </a:xfrm>
+          <a:prstGeom prst="straightConnector1">
+            <a:avLst/>
+          </a:prstGeom>
+          <a:ln w="28575" cmpd="sng">
+            <a:tailEnd type="arrow"/>
+          </a:ln>
+          <a:effectLst/>
+        </p:spPr>
+        <p:style>
+          <a:lnRef idx="2">
+            <a:schemeClr val="dk1"/>
+          </a:lnRef>
+          <a:fillRef idx="0">
+            <a:schemeClr val="dk1"/>
+          </a:fillRef>
+          <a:effectRef idx="1">
+            <a:schemeClr val="dk1"/>
+          </a:effectRef>
+          <a:fontRef idx="minor">
+            <a:schemeClr val="tx1"/>
+          </a:fontRef>
+        </p:style>
+      </p:cxnSp>
+      <p:cxnSp>
+        <p:nvCxnSpPr>
+          <p:cNvPr id="45" name="Straight Arrow Connector 44"/>
+          <p:cNvCxnSpPr/>
+          <p:nvPr/>
+        </p:nvCxnSpPr>
+        <p:spPr>
+          <a:xfrm flipH="1">
+            <a:off x="3834579" y="2309077"/>
+            <a:ext cx="631433" cy="375772"/>
+          </a:xfrm>
+          <a:prstGeom prst="straightConnector1">
+            <a:avLst/>
+          </a:prstGeom>
+          <a:ln w="28575" cmpd="sng">
+            <a:tailEnd type="arrow"/>
+          </a:ln>
+          <a:effectLst/>
+        </p:spPr>
+        <p:style>
+          <a:lnRef idx="2">
+            <a:schemeClr val="dk1"/>
+          </a:lnRef>
+          <a:fillRef idx="0">
+            <a:schemeClr val="dk1"/>
+          </a:fillRef>
+          <a:effectRef idx="1">
+            <a:schemeClr val="dk1"/>
+          </a:effectRef>
+          <a:fontRef idx="minor">
+            <a:schemeClr val="tx1"/>
+          </a:fontRef>
+        </p:style>
+      </p:cxnSp>
+      <p:sp>
+        <p:nvSpPr>
+          <p:cNvPr id="47" name="Oval 46"/>
+          <p:cNvSpPr/>
+          <p:nvPr/>
+        </p:nvSpPr>
+        <p:spPr>
+          <a:xfrm>
+            <a:off x="2412026" y="2253470"/>
+            <a:ext cx="65289" cy="65289"/>
+          </a:xfrm>
+          <a:prstGeom prst="ellipse">
+            <a:avLst/>
+          </a:prstGeom>
+        </p:spPr>
+        <p:style>
+          <a:lnRef idx="2">
+            <a:schemeClr val="dk1">
+              <a:shade val="50000"/>
+            </a:schemeClr>
+          </a:lnRef>
+          <a:fillRef idx="1">
+            <a:schemeClr val="dk1"/>
+          </a:fillRef>
+          <a:effectRef idx="0">
+            <a:schemeClr val="dk1"/>
+          </a:effectRef>
+          <a:fontRef idx="minor">
+            <a:schemeClr val="lt1"/>
+          </a:fontRef>
+        </p:style>
+        <p:txBody>
+          <a:bodyPr rtlCol="0" anchor="ctr"/>
+          <a:lstStyle/>
+          <a:p>
+            <a:pPr algn="ctr"/>
+            <a:endParaRPr lang="en-US"/>
+          </a:p>
+        </p:txBody>
+      </p:sp>
+      <p:sp>
+        <p:nvSpPr>
+          <p:cNvPr id="48" name="Oval 47"/>
+          <p:cNvSpPr/>
+          <p:nvPr/>
+        </p:nvSpPr>
+        <p:spPr>
+          <a:xfrm>
+            <a:off x="4424841" y="2268570"/>
+            <a:ext cx="65289" cy="65289"/>
+          </a:xfrm>
+          <a:prstGeom prst="ellipse">
+            <a:avLst/>
+          </a:prstGeom>
+        </p:spPr>
+        <p:style>
+          <a:lnRef idx="2">
+            <a:schemeClr val="dk1">
+              <a:shade val="50000"/>
+            </a:schemeClr>
+          </a:lnRef>
+          <a:fillRef idx="1">
+            <a:schemeClr val="dk1"/>
+          </a:fillRef>
+          <a:effectRef idx="0">
+            <a:schemeClr val="dk1"/>
+          </a:effectRef>
+          <a:fontRef idx="minor">
+            <a:schemeClr val="lt1"/>
+          </a:fontRef>
+        </p:style>
+        <p:txBody>
+          <a:bodyPr rtlCol="0" anchor="ctr"/>
+          <a:lstStyle/>
+          <a:p>
+            <a:pPr algn="ctr"/>
+            <a:endParaRPr lang="en-US"/>
+          </a:p>
+        </p:txBody>
+      </p:sp>
+    </p:spTree>
+    <p:extLst>
+      <p:ext uri="{BB962C8B-B14F-4D97-AF65-F5344CB8AC3E}">
+        <p14:creationId xmlns:p14="http://schemas.microsoft.com/office/powerpoint/2010/main" val="21284778"/>
       </p:ext>
     </p:extLst>
   </p:cSld>

--- a/figures/figures.pptx
+++ b/figures/figures.pptx
@@ -6837,6 +6837,150 @@
           <a:p>
             <a:pPr algn="ctr"/>
             <a:endParaRPr lang="en-US"/>
+          </a:p>
+        </p:txBody>
+      </p:sp>
+      <p:sp>
+        <p:nvSpPr>
+          <p:cNvPr id="51" name="TextBox 50"/>
+          <p:cNvSpPr txBox="1"/>
+          <p:nvPr/>
+        </p:nvSpPr>
+        <p:spPr>
+          <a:xfrm>
+            <a:off x="4544257" y="2423982"/>
+            <a:ext cx="502791" cy="369332"/>
+          </a:xfrm>
+          <a:prstGeom prst="rect">
+            <a:avLst/>
+          </a:prstGeom>
+          <a:noFill/>
+        </p:spPr>
+        <p:txBody>
+          <a:bodyPr wrap="square" rtlCol="0">
+            <a:spAutoFit/>
+          </a:bodyPr>
+          <a:lstStyle/>
+          <a:p>
+            <a:r>
+              <a:rPr lang="en-US" dirty="0" smtClean="0"/>
+              <a:t>e</a:t>
+            </a:r>
+            <a:r>
+              <a:rPr lang="en-US" baseline="30000" dirty="0" smtClean="0"/>
+              <a:t>p</a:t>
+            </a:r>
+            <a:r>
+              <a:rPr lang="en-US" baseline="-25000" dirty="0" smtClean="0"/>
+              <a:t>1</a:t>
+            </a:r>
+            <a:endParaRPr lang="en-US" baseline="-25000" dirty="0"/>
+          </a:p>
+        </p:txBody>
+      </p:sp>
+      <p:sp>
+        <p:nvSpPr>
+          <p:cNvPr id="52" name="TextBox 51"/>
+          <p:cNvSpPr txBox="1"/>
+          <p:nvPr/>
+        </p:nvSpPr>
+        <p:spPr>
+          <a:xfrm>
+            <a:off x="3833150" y="2093869"/>
+            <a:ext cx="502791" cy="369332"/>
+          </a:xfrm>
+          <a:prstGeom prst="rect">
+            <a:avLst/>
+          </a:prstGeom>
+          <a:noFill/>
+        </p:spPr>
+        <p:txBody>
+          <a:bodyPr wrap="square" rtlCol="0">
+            <a:spAutoFit/>
+          </a:bodyPr>
+          <a:lstStyle/>
+          <a:p>
+            <a:r>
+              <a:rPr lang="en-US" dirty="0" smtClean="0"/>
+              <a:t>e</a:t>
+            </a:r>
+            <a:r>
+              <a:rPr lang="en-US" baseline="30000" dirty="0" smtClean="0"/>
+              <a:t>p</a:t>
+            </a:r>
+            <a:r>
+              <a:rPr lang="en-US" baseline="-25000" dirty="0" smtClean="0"/>
+              <a:t>2</a:t>
+            </a:r>
+            <a:endParaRPr lang="en-US" baseline="-25000" dirty="0"/>
+          </a:p>
+        </p:txBody>
+      </p:sp>
+      <p:sp>
+        <p:nvSpPr>
+          <p:cNvPr id="53" name="TextBox 52"/>
+          <p:cNvSpPr txBox="1"/>
+          <p:nvPr/>
+        </p:nvSpPr>
+        <p:spPr>
+          <a:xfrm>
+            <a:off x="4619068" y="1832068"/>
+            <a:ext cx="400520" cy="369332"/>
+          </a:xfrm>
+          <a:prstGeom prst="rect">
+            <a:avLst/>
+          </a:prstGeom>
+          <a:noFill/>
+        </p:spPr>
+        <p:txBody>
+          <a:bodyPr wrap="square" rtlCol="0">
+            <a:spAutoFit/>
+          </a:bodyPr>
+          <a:lstStyle/>
+          <a:p>
+            <a:r>
+              <a:rPr lang="en-US" dirty="0" smtClean="0"/>
+              <a:t>e</a:t>
+            </a:r>
+            <a:r>
+              <a:rPr lang="en-US" baseline="-25000" dirty="0" smtClean="0"/>
+              <a:t>1</a:t>
+            </a:r>
+            <a:endParaRPr lang="en-US" baseline="-25000" dirty="0"/>
+          </a:p>
+        </p:txBody>
+      </p:sp>
+      <p:sp>
+        <p:nvSpPr>
+          <p:cNvPr id="54" name="TextBox 53"/>
+          <p:cNvSpPr txBox="1"/>
+          <p:nvPr/>
+        </p:nvSpPr>
+        <p:spPr>
+          <a:xfrm>
+            <a:off x="4231853" y="1719340"/>
+            <a:ext cx="374511" cy="369332"/>
+          </a:xfrm>
+          <a:prstGeom prst="rect">
+            <a:avLst/>
+          </a:prstGeom>
+          <a:noFill/>
+        </p:spPr>
+        <p:txBody>
+          <a:bodyPr wrap="square" rtlCol="0">
+            <a:spAutoFit/>
+          </a:bodyPr>
+          <a:lstStyle/>
+          <a:p>
+            <a:r>
+              <a:rPr lang="en-US" dirty="0" smtClean="0"/>
+              <a:t>e</a:t>
+            </a:r>
+            <a:r>
+              <a:rPr lang="en-US" baseline="-25000" dirty="0"/>
+              <a:t>2</a:t>
+            </a:r>
+            <a:endParaRPr lang="en-US" baseline="-25000" dirty="0"/>
           </a:p>
         </p:txBody>
       </p:sp>

--- a/figures/figures.pptx
+++ b/figures/figures.pptx
@@ -18,6 +18,7 @@
     <p:sldId id="266" r:id="rId12"/>
     <p:sldId id="267" r:id="rId13"/>
     <p:sldId id="268" r:id="rId14"/>
+    <p:sldId id="269" r:id="rId15"/>
   </p:sldIdLst>
   <p:sldSz cx="9144000" cy="6858000" type="screen4x3"/>
   <p:notesSz cx="6858000" cy="9144000"/>
@@ -3916,7 +3917,6 @@
               <a:rPr lang="en-US" baseline="-25000" dirty="0"/>
               <a:t>2</a:t>
             </a:r>
-            <a:endParaRPr lang="en-US" baseline="-25000" dirty="0"/>
           </a:p>
         </p:txBody>
       </p:sp>
@@ -4435,7 +4435,6 @@
               <a:rPr lang="en-US" baseline="-25000" dirty="0"/>
               <a:t>2</a:t>
             </a:r>
-            <a:endParaRPr lang="en-US" baseline="-25000" dirty="0"/>
           </a:p>
         </p:txBody>
       </p:sp>
@@ -4991,7 +4990,6 @@
               <a:rPr lang="en-US" baseline="-25000" dirty="0"/>
               <a:t>2</a:t>
             </a:r>
-            <a:endParaRPr lang="en-US" baseline="-25000" dirty="0"/>
           </a:p>
         </p:txBody>
       </p:sp>
@@ -6046,7 +6044,6 @@
               <a:rPr lang="en-US" baseline="-25000" dirty="0"/>
               <a:t>2</a:t>
             </a:r>
-            <a:endParaRPr lang="en-US" baseline="-25000" dirty="0"/>
           </a:p>
         </p:txBody>
       </p:sp>
@@ -6980,7 +6977,6 @@
               <a:rPr lang="en-US" baseline="-25000" dirty="0"/>
               <a:t>2</a:t>
             </a:r>
-            <a:endParaRPr lang="en-US" baseline="-25000" dirty="0"/>
           </a:p>
         </p:txBody>
       </p:sp>
@@ -6988,6 +6984,1614 @@
     <p:extLst>
       <p:ext uri="{BB962C8B-B14F-4D97-AF65-F5344CB8AC3E}">
         <p14:creationId xmlns:p14="http://schemas.microsoft.com/office/powerpoint/2010/main" val="21284778"/>
+      </p:ext>
+    </p:extLst>
+  </p:cSld>
+  <p:clrMapOvr>
+    <a:masterClrMapping/>
+  </p:clrMapOvr>
+</p:sld>
+</file>
+
+<file path=ppt/slides/slide14.xml><?xml version="1.0" encoding="utf-8"?>
+<p:sld xmlns:a="http://schemas.openxmlformats.org/drawingml/2006/main" xmlns:r="http://schemas.openxmlformats.org/officeDocument/2006/relationships" xmlns:p="http://schemas.openxmlformats.org/presentationml/2006/main">
+  <p:cSld>
+    <p:spTree>
+      <p:nvGrpSpPr>
+        <p:cNvPr id="1" name=""/>
+        <p:cNvGrpSpPr/>
+        <p:nvPr/>
+      </p:nvGrpSpPr>
+      <p:grpSpPr>
+        <a:xfrm>
+          <a:off x="0" y="0"/>
+          <a:ext cx="0" cy="0"/>
+          <a:chOff x="0" y="0"/>
+          <a:chExt cx="0" cy="0"/>
+        </a:xfrm>
+      </p:grpSpPr>
+      <p:sp>
+        <p:nvSpPr>
+          <p:cNvPr id="4" name="Block Arc 3"/>
+          <p:cNvSpPr/>
+          <p:nvPr/>
+        </p:nvSpPr>
+        <p:spPr>
+          <a:xfrm>
+            <a:off x="3727743" y="1542363"/>
+            <a:ext cx="1472184" cy="1472184"/>
+          </a:xfrm>
+          <a:prstGeom prst="blockArc">
+            <a:avLst>
+              <a:gd name="adj1" fmla="val 8808739"/>
+              <a:gd name="adj2" fmla="val 14204526"/>
+              <a:gd name="adj3" fmla="val 47367"/>
+            </a:avLst>
+          </a:prstGeom>
+        </p:spPr>
+        <p:style>
+          <a:lnRef idx="1">
+            <a:schemeClr val="accent1"/>
+          </a:lnRef>
+          <a:fillRef idx="3">
+            <a:schemeClr val="accent1"/>
+          </a:fillRef>
+          <a:effectRef idx="2">
+            <a:schemeClr val="accent1"/>
+          </a:effectRef>
+          <a:fontRef idx="minor">
+            <a:schemeClr val="lt1"/>
+          </a:fontRef>
+        </p:style>
+        <p:txBody>
+          <a:bodyPr rtlCol="0" anchor="ctr"/>
+          <a:lstStyle/>
+          <a:p>
+            <a:pPr algn="ctr"/>
+            <a:endParaRPr lang="en-US">
+              <a:solidFill>
+                <a:schemeClr val="tx1"/>
+              </a:solidFill>
+            </a:endParaRPr>
+          </a:p>
+        </p:txBody>
+      </p:sp>
+      <p:sp>
+        <p:nvSpPr>
+          <p:cNvPr id="49" name="Block Arc 48"/>
+          <p:cNvSpPr/>
+          <p:nvPr/>
+        </p:nvSpPr>
+        <p:spPr>
+          <a:xfrm rot="12003543">
+            <a:off x="3699862" y="1546320"/>
+            <a:ext cx="1475528" cy="1463026"/>
+          </a:xfrm>
+          <a:prstGeom prst="blockArc">
+            <a:avLst>
+              <a:gd name="adj1" fmla="val 8989175"/>
+              <a:gd name="adj2" fmla="val 13977700"/>
+              <a:gd name="adj3" fmla="val 46345"/>
+            </a:avLst>
+          </a:prstGeom>
+        </p:spPr>
+        <p:style>
+          <a:lnRef idx="1">
+            <a:schemeClr val="accent1"/>
+          </a:lnRef>
+          <a:fillRef idx="3">
+            <a:schemeClr val="accent1"/>
+          </a:fillRef>
+          <a:effectRef idx="2">
+            <a:schemeClr val="accent1"/>
+          </a:effectRef>
+          <a:fontRef idx="minor">
+            <a:schemeClr val="lt1"/>
+          </a:fontRef>
+        </p:style>
+        <p:txBody>
+          <a:bodyPr rtlCol="0" anchor="ctr"/>
+          <a:lstStyle/>
+          <a:p>
+            <a:pPr algn="ctr"/>
+            <a:endParaRPr lang="en-US">
+              <a:solidFill>
+                <a:schemeClr val="tx1"/>
+              </a:solidFill>
+            </a:endParaRPr>
+          </a:p>
+        </p:txBody>
+      </p:sp>
+      <p:sp>
+        <p:nvSpPr>
+          <p:cNvPr id="2" name="Oval 1"/>
+          <p:cNvSpPr/>
+          <p:nvPr/>
+        </p:nvSpPr>
+        <p:spPr>
+          <a:xfrm>
+            <a:off x="1736810" y="1530863"/>
+            <a:ext cx="1475946" cy="1475946"/>
+          </a:xfrm>
+          <a:prstGeom prst="ellipse">
+            <a:avLst/>
+          </a:prstGeom>
+          <a:noFill/>
+        </p:spPr>
+        <p:style>
+          <a:lnRef idx="1">
+            <a:schemeClr val="accent1"/>
+          </a:lnRef>
+          <a:fillRef idx="3">
+            <a:schemeClr val="accent1"/>
+          </a:fillRef>
+          <a:effectRef idx="2">
+            <a:schemeClr val="accent1"/>
+          </a:effectRef>
+          <a:fontRef idx="minor">
+            <a:schemeClr val="lt1"/>
+          </a:fontRef>
+        </p:style>
+        <p:txBody>
+          <a:bodyPr rtlCol="0" anchor="ctr"/>
+          <a:lstStyle/>
+          <a:p>
+            <a:pPr algn="ctr"/>
+            <a:endParaRPr lang="en-US"/>
+          </a:p>
+        </p:txBody>
+      </p:sp>
+      <p:sp>
+        <p:nvSpPr>
+          <p:cNvPr id="12" name="TextBox 11"/>
+          <p:cNvSpPr txBox="1"/>
+          <p:nvPr/>
+        </p:nvSpPr>
+        <p:spPr>
+          <a:xfrm>
+            <a:off x="2477315" y="2105947"/>
+            <a:ext cx="889141" cy="461665"/>
+          </a:xfrm>
+          <a:prstGeom prst="rect">
+            <a:avLst/>
+          </a:prstGeom>
+          <a:noFill/>
+        </p:spPr>
+        <p:txBody>
+          <a:bodyPr wrap="square" rtlCol="0">
+            <a:spAutoFit/>
+          </a:bodyPr>
+          <a:lstStyle/>
+          <a:p>
+            <a:r>
+              <a:rPr lang="en-US" sz="2400" dirty="0" smtClean="0"/>
+              <a:t>g</a:t>
+            </a:r>
+            <a:r>
+              <a:rPr lang="en-US" sz="2400" baseline="-25000" dirty="0" smtClean="0"/>
+              <a:t>start</a:t>
+            </a:r>
+            <a:endParaRPr lang="en-US" sz="2400" baseline="-25000" dirty="0"/>
+          </a:p>
+        </p:txBody>
+      </p:sp>
+      <p:sp>
+        <p:nvSpPr>
+          <p:cNvPr id="13" name="TextBox 12"/>
+          <p:cNvSpPr txBox="1"/>
+          <p:nvPr/>
+        </p:nvSpPr>
+        <p:spPr>
+          <a:xfrm>
+            <a:off x="4130447" y="2936610"/>
+            <a:ext cx="889141" cy="461665"/>
+          </a:xfrm>
+          <a:prstGeom prst="rect">
+            <a:avLst/>
+          </a:prstGeom>
+          <a:noFill/>
+        </p:spPr>
+        <p:txBody>
+          <a:bodyPr wrap="square" rtlCol="0">
+            <a:spAutoFit/>
+          </a:bodyPr>
+          <a:lstStyle/>
+          <a:p>
+            <a:r>
+              <a:rPr lang="en-US" sz="2400" dirty="0" smtClean="0"/>
+              <a:t>g</a:t>
+            </a:r>
+            <a:r>
+              <a:rPr lang="en-US" sz="2400" baseline="-25000" dirty="0" smtClean="0"/>
+              <a:t>end</a:t>
+            </a:r>
+            <a:endParaRPr lang="en-US" sz="2400" baseline="-25000" dirty="0"/>
+          </a:p>
+        </p:txBody>
+      </p:sp>
+      <p:sp>
+        <p:nvSpPr>
+          <p:cNvPr id="17" name="Oval 16"/>
+          <p:cNvSpPr/>
+          <p:nvPr/>
+        </p:nvSpPr>
+        <p:spPr>
+          <a:xfrm>
+            <a:off x="3722129" y="1530863"/>
+            <a:ext cx="1475946" cy="1475946"/>
+          </a:xfrm>
+          <a:prstGeom prst="ellipse">
+            <a:avLst/>
+          </a:prstGeom>
+          <a:noFill/>
+        </p:spPr>
+        <p:style>
+          <a:lnRef idx="1">
+            <a:schemeClr val="accent1"/>
+          </a:lnRef>
+          <a:fillRef idx="3">
+            <a:schemeClr val="accent1"/>
+          </a:fillRef>
+          <a:effectRef idx="2">
+            <a:schemeClr val="accent1"/>
+          </a:effectRef>
+          <a:fontRef idx="minor">
+            <a:schemeClr val="lt1"/>
+          </a:fontRef>
+        </p:style>
+        <p:txBody>
+          <a:bodyPr rtlCol="0" anchor="ctr"/>
+          <a:lstStyle/>
+          <a:p>
+            <a:pPr algn="ctr"/>
+            <a:endParaRPr lang="en-US"/>
+          </a:p>
+        </p:txBody>
+      </p:sp>
+      <p:cxnSp>
+        <p:nvCxnSpPr>
+          <p:cNvPr id="30" name="Straight Arrow Connector 29"/>
+          <p:cNvCxnSpPr/>
+          <p:nvPr/>
+        </p:nvCxnSpPr>
+        <p:spPr>
+          <a:xfrm>
+            <a:off x="2443757" y="2264725"/>
+            <a:ext cx="224845" cy="736092"/>
+          </a:xfrm>
+          <a:prstGeom prst="straightConnector1">
+            <a:avLst/>
+          </a:prstGeom>
+          <a:ln w="28575" cmpd="sng">
+            <a:tailEnd type="arrow"/>
+          </a:ln>
+          <a:effectLst/>
+        </p:spPr>
+        <p:style>
+          <a:lnRef idx="2">
+            <a:schemeClr val="dk1"/>
+          </a:lnRef>
+          <a:fillRef idx="0">
+            <a:schemeClr val="dk1"/>
+          </a:fillRef>
+          <a:effectRef idx="1">
+            <a:schemeClr val="dk1"/>
+          </a:effectRef>
+          <a:fontRef idx="minor">
+            <a:schemeClr val="tx1"/>
+          </a:fontRef>
+        </p:style>
+      </p:cxnSp>
+      <p:cxnSp>
+        <p:nvCxnSpPr>
+          <p:cNvPr id="34" name="Straight Arrow Connector 33"/>
+          <p:cNvCxnSpPr/>
+          <p:nvPr/>
+        </p:nvCxnSpPr>
+        <p:spPr>
+          <a:xfrm flipH="1">
+            <a:off x="1819189" y="2274066"/>
+            <a:ext cx="631433" cy="375772"/>
+          </a:xfrm>
+          <a:prstGeom prst="straightConnector1">
+            <a:avLst/>
+          </a:prstGeom>
+          <a:ln w="28575" cmpd="sng">
+            <a:solidFill>
+              <a:schemeClr val="bg1">
+                <a:lumMod val="50000"/>
+              </a:schemeClr>
+            </a:solidFill>
+            <a:tailEnd type="arrow"/>
+          </a:ln>
+          <a:effectLst/>
+        </p:spPr>
+        <p:style>
+          <a:lnRef idx="2">
+            <a:schemeClr val="dk1"/>
+          </a:lnRef>
+          <a:fillRef idx="0">
+            <a:schemeClr val="dk1"/>
+          </a:fillRef>
+          <a:effectRef idx="1">
+            <a:schemeClr val="dk1"/>
+          </a:effectRef>
+          <a:fontRef idx="minor">
+            <a:schemeClr val="tx1"/>
+          </a:fontRef>
+        </p:style>
+      </p:cxnSp>
+      <p:grpSp>
+        <p:nvGrpSpPr>
+          <p:cNvPr id="3" name="Group 2"/>
+          <p:cNvGrpSpPr/>
+          <p:nvPr/>
+        </p:nvGrpSpPr>
+        <p:grpSpPr>
+          <a:xfrm>
+            <a:off x="5670377" y="1462086"/>
+            <a:ext cx="2814595" cy="2384747"/>
+            <a:chOff x="5670378" y="1462087"/>
+            <a:chExt cx="2041108" cy="1729388"/>
+          </a:xfrm>
+        </p:grpSpPr>
+        <p:sp>
+          <p:nvSpPr>
+            <p:cNvPr id="21" name="Freeform 20"/>
+            <p:cNvSpPr/>
+            <p:nvPr/>
+          </p:nvSpPr>
+          <p:spPr>
+            <a:xfrm>
+              <a:off x="5670378" y="1646753"/>
+              <a:ext cx="2041108" cy="1314791"/>
+            </a:xfrm>
+            <a:custGeom>
+              <a:avLst/>
+              <a:gdLst>
+                <a:gd name="connsiteX0" fmla="*/ 1187622 w 2917568"/>
+                <a:gd name="connsiteY0" fmla="*/ 1393567 h 2128108"/>
+                <a:gd name="connsiteX1" fmla="*/ 2780271 w 2917568"/>
+                <a:gd name="connsiteY1" fmla="*/ 1002270 h 2128108"/>
+                <a:gd name="connsiteX2" fmla="*/ 2917568 w 2917568"/>
+                <a:gd name="connsiteY2" fmla="*/ 1729945 h 2128108"/>
+                <a:gd name="connsiteX3" fmla="*/ 926757 w 2917568"/>
+                <a:gd name="connsiteY3" fmla="*/ 2128108 h 2128108"/>
+                <a:gd name="connsiteX4" fmla="*/ 0 w 2917568"/>
+                <a:gd name="connsiteY4" fmla="*/ 377567 h 2128108"/>
+                <a:gd name="connsiteX5" fmla="*/ 466811 w 2917568"/>
+                <a:gd name="connsiteY5" fmla="*/ 0 h 2128108"/>
+                <a:gd name="connsiteX6" fmla="*/ 1187622 w 2917568"/>
+                <a:gd name="connsiteY6" fmla="*/ 1393567 h 2128108"/>
+                <a:gd name="connsiteX0" fmla="*/ 1187622 w 2835190"/>
+                <a:gd name="connsiteY0" fmla="*/ 1393567 h 2128108"/>
+                <a:gd name="connsiteX1" fmla="*/ 2780271 w 2835190"/>
+                <a:gd name="connsiteY1" fmla="*/ 1002270 h 2128108"/>
+                <a:gd name="connsiteX2" fmla="*/ 2835190 w 2835190"/>
+                <a:gd name="connsiteY2" fmla="*/ 1530864 h 2128108"/>
+                <a:gd name="connsiteX3" fmla="*/ 926757 w 2835190"/>
+                <a:gd name="connsiteY3" fmla="*/ 2128108 h 2128108"/>
+                <a:gd name="connsiteX4" fmla="*/ 0 w 2835190"/>
+                <a:gd name="connsiteY4" fmla="*/ 377567 h 2128108"/>
+                <a:gd name="connsiteX5" fmla="*/ 466811 w 2835190"/>
+                <a:gd name="connsiteY5" fmla="*/ 0 h 2128108"/>
+                <a:gd name="connsiteX6" fmla="*/ 1187622 w 2835190"/>
+                <a:gd name="connsiteY6" fmla="*/ 1393567 h 2128108"/>
+                <a:gd name="connsiteX0" fmla="*/ 995406 w 2642974"/>
+                <a:gd name="connsiteY0" fmla="*/ 1393567 h 2128108"/>
+                <a:gd name="connsiteX1" fmla="*/ 2588055 w 2642974"/>
+                <a:gd name="connsiteY1" fmla="*/ 1002270 h 2128108"/>
+                <a:gd name="connsiteX2" fmla="*/ 2642974 w 2642974"/>
+                <a:gd name="connsiteY2" fmla="*/ 1530864 h 2128108"/>
+                <a:gd name="connsiteX3" fmla="*/ 734541 w 2642974"/>
+                <a:gd name="connsiteY3" fmla="*/ 2128108 h 2128108"/>
+                <a:gd name="connsiteX4" fmla="*/ 0 w 2642974"/>
+                <a:gd name="connsiteY4" fmla="*/ 761999 h 2128108"/>
+                <a:gd name="connsiteX5" fmla="*/ 274595 w 2642974"/>
+                <a:gd name="connsiteY5" fmla="*/ 0 h 2128108"/>
+                <a:gd name="connsiteX6" fmla="*/ 995406 w 2642974"/>
+                <a:gd name="connsiteY6" fmla="*/ 1393567 h 2128108"/>
+                <a:gd name="connsiteX0" fmla="*/ 995406 w 2642974"/>
+                <a:gd name="connsiteY0" fmla="*/ 967945 h 1702486"/>
+                <a:gd name="connsiteX1" fmla="*/ 2588055 w 2642974"/>
+                <a:gd name="connsiteY1" fmla="*/ 576648 h 1702486"/>
+                <a:gd name="connsiteX2" fmla="*/ 2642974 w 2642974"/>
+                <a:gd name="connsiteY2" fmla="*/ 1105242 h 1702486"/>
+                <a:gd name="connsiteX3" fmla="*/ 734541 w 2642974"/>
+                <a:gd name="connsiteY3" fmla="*/ 1702486 h 1702486"/>
+                <a:gd name="connsiteX4" fmla="*/ 0 w 2642974"/>
+                <a:gd name="connsiteY4" fmla="*/ 336377 h 1702486"/>
+                <a:gd name="connsiteX5" fmla="*/ 453081 w 2642974"/>
+                <a:gd name="connsiteY5" fmla="*/ 0 h 1702486"/>
+                <a:gd name="connsiteX6" fmla="*/ 995406 w 2642974"/>
+                <a:gd name="connsiteY6" fmla="*/ 967945 h 1702486"/>
+              </a:gdLst>
+              <a:ahLst/>
+              <a:cxnLst>
+                <a:cxn ang="0">
+                  <a:pos x="connsiteX0" y="connsiteY0"/>
+                </a:cxn>
+                <a:cxn ang="0">
+                  <a:pos x="connsiteX1" y="connsiteY1"/>
+                </a:cxn>
+                <a:cxn ang="0">
+                  <a:pos x="connsiteX2" y="connsiteY2"/>
+                </a:cxn>
+                <a:cxn ang="0">
+                  <a:pos x="connsiteX3" y="connsiteY3"/>
+                </a:cxn>
+                <a:cxn ang="0">
+                  <a:pos x="connsiteX4" y="connsiteY4"/>
+                </a:cxn>
+                <a:cxn ang="0">
+                  <a:pos x="connsiteX5" y="connsiteY5"/>
+                </a:cxn>
+                <a:cxn ang="0">
+                  <a:pos x="connsiteX6" y="connsiteY6"/>
+                </a:cxn>
+              </a:cxnLst>
+              <a:rect l="l" t="t" r="r" b="b"/>
+              <a:pathLst>
+                <a:path w="2642974" h="1702486">
+                  <a:moveTo>
+                    <a:pt x="995406" y="967945"/>
+                  </a:moveTo>
+                  <a:lnTo>
+                    <a:pt x="2588055" y="576648"/>
+                  </a:lnTo>
+                  <a:lnTo>
+                    <a:pt x="2642974" y="1105242"/>
+                  </a:lnTo>
+                  <a:lnTo>
+                    <a:pt x="734541" y="1702486"/>
+                  </a:lnTo>
+                  <a:lnTo>
+                    <a:pt x="0" y="336377"/>
+                  </a:lnTo>
+                  <a:lnTo>
+                    <a:pt x="453081" y="0"/>
+                  </a:lnTo>
+                  <a:lnTo>
+                    <a:pt x="995406" y="967945"/>
+                  </a:lnTo>
+                  <a:close/>
+                </a:path>
+              </a:pathLst>
+            </a:custGeom>
+            <a:gradFill flip="none" rotWithShape="1">
+              <a:gsLst>
+                <a:gs pos="0">
+                  <a:schemeClr val="accent1">
+                    <a:tint val="100000"/>
+                    <a:shade val="100000"/>
+                    <a:satMod val="130000"/>
+                    <a:alpha val="15000"/>
+                  </a:schemeClr>
+                </a:gs>
+                <a:gs pos="100000">
+                  <a:schemeClr val="accent1">
+                    <a:tint val="50000"/>
+                    <a:shade val="100000"/>
+                    <a:satMod val="350000"/>
+                    <a:alpha val="15000"/>
+                  </a:schemeClr>
+                </a:gs>
+              </a:gsLst>
+              <a:lin ang="16200000" scaled="0"/>
+              <a:tileRect/>
+            </a:gradFill>
+          </p:spPr>
+          <p:style>
+            <a:lnRef idx="1">
+              <a:schemeClr val="accent1"/>
+            </a:lnRef>
+            <a:fillRef idx="3">
+              <a:schemeClr val="accent1"/>
+            </a:fillRef>
+            <a:effectRef idx="2">
+              <a:schemeClr val="accent1"/>
+            </a:effectRef>
+            <a:fontRef idx="minor">
+              <a:schemeClr val="lt1"/>
+            </a:fontRef>
+          </p:style>
+          <p:txBody>
+            <a:bodyPr rtlCol="0" anchor="ctr"/>
+            <a:lstStyle/>
+            <a:p>
+              <a:pPr algn="ctr"/>
+              <a:endParaRPr lang="en-US"/>
+            </a:p>
+          </p:txBody>
+        </p:sp>
+        <p:sp>
+          <p:nvSpPr>
+            <p:cNvPr id="24" name="TextBox 23"/>
+            <p:cNvSpPr txBox="1"/>
+            <p:nvPr/>
+          </p:nvSpPr>
+          <p:spPr>
+            <a:xfrm>
+              <a:off x="6573705" y="1929007"/>
+              <a:ext cx="400520" cy="369332"/>
+            </a:xfrm>
+            <a:prstGeom prst="rect">
+              <a:avLst/>
+            </a:prstGeom>
+            <a:noFill/>
+          </p:spPr>
+          <p:txBody>
+            <a:bodyPr wrap="square" rtlCol="0">
+              <a:spAutoFit/>
+            </a:bodyPr>
+            <a:lstStyle/>
+            <a:p>
+              <a:r>
+                <a:rPr lang="en-US" dirty="0" smtClean="0"/>
+                <a:t>e</a:t>
+              </a:r>
+              <a:r>
+                <a:rPr lang="en-US" baseline="-25000" dirty="0" smtClean="0"/>
+                <a:t>1</a:t>
+              </a:r>
+              <a:endParaRPr lang="en-US" baseline="-25000" dirty="0"/>
+            </a:p>
+          </p:txBody>
+        </p:sp>
+        <p:sp>
+          <p:nvSpPr>
+            <p:cNvPr id="26" name="Oval 25"/>
+            <p:cNvSpPr/>
+            <p:nvPr/>
+          </p:nvSpPr>
+          <p:spPr>
+            <a:xfrm>
+              <a:off x="6428666" y="2367766"/>
+              <a:ext cx="47554" cy="47554"/>
+            </a:xfrm>
+            <a:prstGeom prst="ellipse">
+              <a:avLst/>
+            </a:prstGeom>
+          </p:spPr>
+          <p:style>
+            <a:lnRef idx="2">
+              <a:schemeClr val="dk1">
+                <a:shade val="50000"/>
+              </a:schemeClr>
+            </a:lnRef>
+            <a:fillRef idx="1">
+              <a:schemeClr val="dk1"/>
+            </a:fillRef>
+            <a:effectRef idx="0">
+              <a:schemeClr val="dk1"/>
+            </a:effectRef>
+            <a:fontRef idx="minor">
+              <a:schemeClr val="lt1"/>
+            </a:fontRef>
+          </p:style>
+          <p:txBody>
+            <a:bodyPr rtlCol="0" anchor="ctr"/>
+            <a:lstStyle/>
+            <a:p>
+              <a:pPr algn="ctr"/>
+              <a:endParaRPr lang="en-US"/>
+            </a:p>
+          </p:txBody>
+        </p:sp>
+        <p:cxnSp>
+          <p:nvCxnSpPr>
+            <p:cNvPr id="27" name="Straight Arrow Connector 26"/>
+            <p:cNvCxnSpPr/>
+            <p:nvPr/>
+          </p:nvCxnSpPr>
+          <p:spPr>
+            <a:xfrm flipH="1" flipV="1">
+              <a:off x="6126314" y="1848213"/>
+              <a:ext cx="328699" cy="543329"/>
+            </a:xfrm>
+            <a:prstGeom prst="straightConnector1">
+              <a:avLst/>
+            </a:prstGeom>
+            <a:ln w="28575" cmpd="sng">
+              <a:tailEnd type="arrow"/>
+            </a:ln>
+            <a:effectLst/>
+          </p:spPr>
+          <p:style>
+            <a:lnRef idx="2">
+              <a:schemeClr val="dk1"/>
+            </a:lnRef>
+            <a:fillRef idx="0">
+              <a:schemeClr val="dk1"/>
+            </a:fillRef>
+            <a:effectRef idx="1">
+              <a:schemeClr val="dk1"/>
+            </a:effectRef>
+            <a:fontRef idx="minor">
+              <a:schemeClr val="tx1"/>
+            </a:fontRef>
+          </p:style>
+        </p:cxnSp>
+        <p:sp>
+          <p:nvSpPr>
+            <p:cNvPr id="28" name="TextBox 27"/>
+            <p:cNvSpPr txBox="1"/>
+            <p:nvPr/>
+          </p:nvSpPr>
+          <p:spPr>
+            <a:xfrm>
+              <a:off x="6213950" y="1843739"/>
+              <a:ext cx="374511" cy="369332"/>
+            </a:xfrm>
+            <a:prstGeom prst="rect">
+              <a:avLst/>
+            </a:prstGeom>
+            <a:noFill/>
+          </p:spPr>
+          <p:txBody>
+            <a:bodyPr wrap="square" rtlCol="0">
+              <a:spAutoFit/>
+            </a:bodyPr>
+            <a:lstStyle/>
+            <a:p>
+              <a:r>
+                <a:rPr lang="en-US" dirty="0" smtClean="0"/>
+                <a:t>e</a:t>
+              </a:r>
+              <a:r>
+                <a:rPr lang="en-US" baseline="-25000" dirty="0"/>
+                <a:t>2</a:t>
+              </a:r>
+            </a:p>
+          </p:txBody>
+        </p:sp>
+        <p:sp>
+          <p:nvSpPr>
+            <p:cNvPr id="29" name="TextBox 28"/>
+            <p:cNvSpPr txBox="1"/>
+            <p:nvPr/>
+          </p:nvSpPr>
+          <p:spPr>
+            <a:xfrm>
+              <a:off x="6439107" y="1462087"/>
+              <a:ext cx="524623" cy="369332"/>
+            </a:xfrm>
+            <a:prstGeom prst="rect">
+              <a:avLst/>
+            </a:prstGeom>
+            <a:noFill/>
+          </p:spPr>
+          <p:txBody>
+            <a:bodyPr wrap="square" rtlCol="0">
+              <a:spAutoFit/>
+            </a:bodyPr>
+            <a:lstStyle/>
+            <a:p>
+              <a:r>
+                <a:rPr lang="en-US" dirty="0" smtClean="0"/>
+                <a:t>V</a:t>
+              </a:r>
+              <a:r>
+                <a:rPr lang="en-US" baseline="-25000" dirty="0" smtClean="0"/>
+                <a:t>cc</a:t>
+              </a:r>
+              <a:endParaRPr lang="en-US" baseline="-25000" dirty="0"/>
+            </a:p>
+          </p:txBody>
+        </p:sp>
+        <p:sp>
+          <p:nvSpPr>
+            <p:cNvPr id="31" name="Rectangle 30"/>
+            <p:cNvSpPr/>
+            <p:nvPr/>
+          </p:nvSpPr>
+          <p:spPr>
+            <a:xfrm rot="20687964">
+              <a:off x="6478076" y="2371540"/>
+              <a:ext cx="125907" cy="125907"/>
+            </a:xfrm>
+            <a:prstGeom prst="rect">
+              <a:avLst/>
+            </a:prstGeom>
+            <a:ln w="12700" cmpd="sng"/>
+          </p:spPr>
+          <p:style>
+            <a:lnRef idx="2">
+              <a:schemeClr val="dk1"/>
+            </a:lnRef>
+            <a:fillRef idx="1">
+              <a:schemeClr val="lt1"/>
+            </a:fillRef>
+            <a:effectRef idx="0">
+              <a:schemeClr val="dk1"/>
+            </a:effectRef>
+            <a:fontRef idx="minor">
+              <a:schemeClr val="dk1"/>
+            </a:fontRef>
+          </p:style>
+          <p:txBody>
+            <a:bodyPr rtlCol="0" anchor="ctr"/>
+            <a:lstStyle/>
+            <a:p>
+              <a:pPr algn="ctr"/>
+              <a:endParaRPr lang="en-US"/>
+            </a:p>
+          </p:txBody>
+        </p:sp>
+        <p:sp>
+          <p:nvSpPr>
+            <p:cNvPr id="32" name="TextBox 31"/>
+            <p:cNvSpPr txBox="1"/>
+            <p:nvPr/>
+          </p:nvSpPr>
+          <p:spPr>
+            <a:xfrm>
+              <a:off x="6476220" y="2822143"/>
+              <a:ext cx="502791" cy="369332"/>
+            </a:xfrm>
+            <a:prstGeom prst="rect">
+              <a:avLst/>
+            </a:prstGeom>
+            <a:noFill/>
+          </p:spPr>
+          <p:txBody>
+            <a:bodyPr wrap="square" rtlCol="0">
+              <a:spAutoFit/>
+            </a:bodyPr>
+            <a:lstStyle/>
+            <a:p>
+              <a:r>
+                <a:rPr lang="en-US" dirty="0" smtClean="0"/>
+                <a:t>e</a:t>
+              </a:r>
+              <a:r>
+                <a:rPr lang="en-US" baseline="30000" dirty="0" smtClean="0"/>
+                <a:t>p</a:t>
+              </a:r>
+              <a:r>
+                <a:rPr lang="en-US" baseline="-25000" dirty="0" smtClean="0"/>
+                <a:t>1</a:t>
+              </a:r>
+              <a:endParaRPr lang="en-US" baseline="-25000" dirty="0"/>
+            </a:p>
+          </p:txBody>
+        </p:sp>
+        <p:cxnSp>
+          <p:nvCxnSpPr>
+            <p:cNvPr id="22" name="Straight Arrow Connector 21"/>
+            <p:cNvCxnSpPr>
+              <a:stCxn id="21" idx="0"/>
+            </p:cNvCxnSpPr>
+            <p:nvPr/>
+          </p:nvCxnSpPr>
+          <p:spPr>
+            <a:xfrm flipV="1">
+              <a:off x="6439107" y="2250995"/>
+              <a:ext cx="583173" cy="143280"/>
+            </a:xfrm>
+            <a:prstGeom prst="straightConnector1">
+              <a:avLst/>
+            </a:prstGeom>
+            <a:ln w="28575" cmpd="sng">
+              <a:tailEnd type="arrow"/>
+            </a:ln>
+            <a:effectLst/>
+          </p:spPr>
+          <p:style>
+            <a:lnRef idx="2">
+              <a:schemeClr val="dk1"/>
+            </a:lnRef>
+            <a:fillRef idx="0">
+              <a:schemeClr val="dk1"/>
+            </a:fillRef>
+            <a:effectRef idx="1">
+              <a:schemeClr val="dk1"/>
+            </a:effectRef>
+            <a:fontRef idx="minor">
+              <a:schemeClr val="tx1"/>
+            </a:fontRef>
+          </p:style>
+        </p:cxnSp>
+        <p:sp>
+          <p:nvSpPr>
+            <p:cNvPr id="33" name="Rectangle 32"/>
+            <p:cNvSpPr/>
+            <p:nvPr/>
+          </p:nvSpPr>
+          <p:spPr>
+            <a:xfrm rot="19808676">
+              <a:off x="6302559" y="2305545"/>
+              <a:ext cx="121079" cy="121079"/>
+            </a:xfrm>
+            <a:prstGeom prst="rect">
+              <a:avLst/>
+            </a:prstGeom>
+            <a:ln w="12700" cmpd="sng"/>
+          </p:spPr>
+          <p:style>
+            <a:lnRef idx="2">
+              <a:schemeClr val="dk1"/>
+            </a:lnRef>
+            <a:fillRef idx="1">
+              <a:schemeClr val="lt1"/>
+            </a:fillRef>
+            <a:effectRef idx="0">
+              <a:schemeClr val="dk1"/>
+            </a:effectRef>
+            <a:fontRef idx="minor">
+              <a:schemeClr val="dk1"/>
+            </a:fontRef>
+          </p:style>
+          <p:txBody>
+            <a:bodyPr rtlCol="0" anchor="ctr"/>
+            <a:lstStyle/>
+            <a:p>
+              <a:pPr algn="ctr"/>
+              <a:endParaRPr lang="en-US"/>
+            </a:p>
+          </p:txBody>
+        </p:sp>
+        <p:sp>
+          <p:nvSpPr>
+            <p:cNvPr id="39" name="TextBox 38"/>
+            <p:cNvSpPr txBox="1"/>
+            <p:nvPr/>
+          </p:nvSpPr>
+          <p:spPr>
+            <a:xfrm>
+              <a:off x="5677243" y="2477426"/>
+              <a:ext cx="502791" cy="369332"/>
+            </a:xfrm>
+            <a:prstGeom prst="rect">
+              <a:avLst/>
+            </a:prstGeom>
+            <a:noFill/>
+          </p:spPr>
+          <p:txBody>
+            <a:bodyPr wrap="square" rtlCol="0">
+              <a:spAutoFit/>
+            </a:bodyPr>
+            <a:lstStyle/>
+            <a:p>
+              <a:r>
+                <a:rPr lang="en-US" dirty="0" smtClean="0"/>
+                <a:t>e</a:t>
+              </a:r>
+              <a:r>
+                <a:rPr lang="en-US" baseline="30000" dirty="0" smtClean="0"/>
+                <a:t>p</a:t>
+              </a:r>
+              <a:r>
+                <a:rPr lang="en-US" baseline="-25000" dirty="0" smtClean="0"/>
+                <a:t>2</a:t>
+              </a:r>
+              <a:endParaRPr lang="en-US" baseline="-25000" dirty="0"/>
+            </a:p>
+          </p:txBody>
+        </p:sp>
+        <p:cxnSp>
+          <p:nvCxnSpPr>
+            <p:cNvPr id="25" name="Straight Arrow Connector 24"/>
+            <p:cNvCxnSpPr/>
+            <p:nvPr/>
+          </p:nvCxnSpPr>
+          <p:spPr>
+            <a:xfrm>
+              <a:off x="6455021" y="2404859"/>
+              <a:ext cx="163266" cy="556685"/>
+            </a:xfrm>
+            <a:prstGeom prst="straightConnector1">
+              <a:avLst/>
+            </a:prstGeom>
+            <a:ln w="28575" cmpd="sng">
+              <a:tailEnd type="arrow"/>
+            </a:ln>
+            <a:effectLst/>
+          </p:spPr>
+          <p:style>
+            <a:lnRef idx="2">
+              <a:schemeClr val="dk1"/>
+            </a:lnRef>
+            <a:fillRef idx="0">
+              <a:schemeClr val="dk1"/>
+            </a:fillRef>
+            <a:effectRef idx="1">
+              <a:schemeClr val="dk1"/>
+            </a:effectRef>
+            <a:fontRef idx="minor">
+              <a:schemeClr val="tx1"/>
+            </a:fontRef>
+          </p:style>
+        </p:cxnSp>
+        <p:cxnSp>
+          <p:nvCxnSpPr>
+            <p:cNvPr id="35" name="Straight Arrow Connector 34"/>
+            <p:cNvCxnSpPr/>
+            <p:nvPr/>
+          </p:nvCxnSpPr>
+          <p:spPr>
+            <a:xfrm flipH="1">
+              <a:off x="6013622" y="2385634"/>
+              <a:ext cx="442769" cy="209285"/>
+            </a:xfrm>
+            <a:prstGeom prst="straightConnector1">
+              <a:avLst/>
+            </a:prstGeom>
+            <a:ln w="28575" cmpd="sng">
+              <a:tailEnd type="arrow"/>
+            </a:ln>
+            <a:effectLst/>
+          </p:spPr>
+          <p:style>
+            <a:lnRef idx="2">
+              <a:schemeClr val="dk1"/>
+            </a:lnRef>
+            <a:fillRef idx="0">
+              <a:schemeClr val="dk1"/>
+            </a:fillRef>
+            <a:effectRef idx="1">
+              <a:schemeClr val="dk1"/>
+            </a:effectRef>
+            <a:fontRef idx="minor">
+              <a:schemeClr val="tx1"/>
+            </a:fontRef>
+          </p:style>
+        </p:cxnSp>
+      </p:grpSp>
+      <p:sp>
+        <p:nvSpPr>
+          <p:cNvPr id="36" name="TextBox 35"/>
+          <p:cNvSpPr txBox="1"/>
+          <p:nvPr/>
+        </p:nvSpPr>
+        <p:spPr>
+          <a:xfrm>
+            <a:off x="2530296" y="2489141"/>
+            <a:ext cx="502791" cy="369332"/>
+          </a:xfrm>
+          <a:prstGeom prst="rect">
+            <a:avLst/>
+          </a:prstGeom>
+          <a:noFill/>
+        </p:spPr>
+        <p:txBody>
+          <a:bodyPr wrap="square" rtlCol="0">
+            <a:spAutoFit/>
+          </a:bodyPr>
+          <a:lstStyle/>
+          <a:p>
+            <a:r>
+              <a:rPr lang="en-US" dirty="0" smtClean="0">
+                <a:solidFill>
+                  <a:srgbClr val="7F7F7F"/>
+                </a:solidFill>
+              </a:rPr>
+              <a:t>e</a:t>
+            </a:r>
+            <a:r>
+              <a:rPr lang="en-US" baseline="30000" dirty="0" smtClean="0">
+                <a:solidFill>
+                  <a:srgbClr val="7F7F7F"/>
+                </a:solidFill>
+              </a:rPr>
+              <a:t>p</a:t>
+            </a:r>
+            <a:r>
+              <a:rPr lang="en-US" baseline="-25000" dirty="0" smtClean="0">
+                <a:solidFill>
+                  <a:srgbClr val="7F7F7F"/>
+                </a:solidFill>
+              </a:rPr>
+              <a:t>1</a:t>
+            </a:r>
+            <a:endParaRPr lang="en-US" baseline="-25000" dirty="0">
+              <a:solidFill>
+                <a:srgbClr val="7F7F7F"/>
+              </a:solidFill>
+            </a:endParaRPr>
+          </a:p>
+        </p:txBody>
+      </p:sp>
+      <p:sp>
+        <p:nvSpPr>
+          <p:cNvPr id="37" name="TextBox 36"/>
+          <p:cNvSpPr txBox="1"/>
+          <p:nvPr/>
+        </p:nvSpPr>
+        <p:spPr>
+          <a:xfrm>
+            <a:off x="1819189" y="2066329"/>
+            <a:ext cx="502791" cy="369332"/>
+          </a:xfrm>
+          <a:prstGeom prst="rect">
+            <a:avLst/>
+          </a:prstGeom>
+          <a:noFill/>
+          <a:ln>
+            <a:noFill/>
+          </a:ln>
+        </p:spPr>
+        <p:txBody>
+          <a:bodyPr wrap="square" rtlCol="0">
+            <a:spAutoFit/>
+          </a:bodyPr>
+          <a:lstStyle/>
+          <a:p>
+            <a:r>
+              <a:rPr lang="en-US" dirty="0" smtClean="0">
+                <a:solidFill>
+                  <a:schemeClr val="bg1">
+                    <a:lumMod val="50000"/>
+                  </a:schemeClr>
+                </a:solidFill>
+              </a:rPr>
+              <a:t>e</a:t>
+            </a:r>
+            <a:r>
+              <a:rPr lang="en-US" baseline="30000" dirty="0" smtClean="0">
+                <a:solidFill>
+                  <a:schemeClr val="bg1">
+                    <a:lumMod val="50000"/>
+                  </a:schemeClr>
+                </a:solidFill>
+              </a:rPr>
+              <a:t>p</a:t>
+            </a:r>
+            <a:r>
+              <a:rPr lang="en-US" baseline="-25000" dirty="0" smtClean="0">
+                <a:solidFill>
+                  <a:schemeClr val="bg1">
+                    <a:lumMod val="50000"/>
+                  </a:schemeClr>
+                </a:solidFill>
+              </a:rPr>
+              <a:t>2</a:t>
+            </a:r>
+            <a:endParaRPr lang="en-US" baseline="-25000" dirty="0">
+              <a:solidFill>
+                <a:schemeClr val="bg1">
+                  <a:lumMod val="50000"/>
+                </a:schemeClr>
+              </a:solidFill>
+            </a:endParaRPr>
+          </a:p>
+        </p:txBody>
+      </p:sp>
+      <p:cxnSp>
+        <p:nvCxnSpPr>
+          <p:cNvPr id="38" name="Straight Arrow Connector 37"/>
+          <p:cNvCxnSpPr/>
+          <p:nvPr/>
+        </p:nvCxnSpPr>
+        <p:spPr>
+          <a:xfrm flipH="1" flipV="1">
+            <a:off x="4069736" y="1653618"/>
+            <a:ext cx="396276" cy="655031"/>
+          </a:xfrm>
+          <a:prstGeom prst="straightConnector1">
+            <a:avLst/>
+          </a:prstGeom>
+          <a:ln w="28575" cmpd="sng">
+            <a:tailEnd type="arrow"/>
+          </a:ln>
+          <a:effectLst/>
+        </p:spPr>
+        <p:style>
+          <a:lnRef idx="2">
+            <a:schemeClr val="dk1"/>
+          </a:lnRef>
+          <a:fillRef idx="0">
+            <a:schemeClr val="dk1"/>
+          </a:fillRef>
+          <a:effectRef idx="1">
+            <a:schemeClr val="dk1"/>
+          </a:effectRef>
+          <a:fontRef idx="minor">
+            <a:schemeClr val="tx1"/>
+          </a:fontRef>
+        </p:style>
+      </p:cxnSp>
+      <p:cxnSp>
+        <p:nvCxnSpPr>
+          <p:cNvPr id="40" name="Straight Arrow Connector 39"/>
+          <p:cNvCxnSpPr/>
+          <p:nvPr/>
+        </p:nvCxnSpPr>
+        <p:spPr>
+          <a:xfrm flipV="1">
+            <a:off x="4450105" y="2122724"/>
+            <a:ext cx="747970" cy="181793"/>
+          </a:xfrm>
+          <a:prstGeom prst="straightConnector1">
+            <a:avLst/>
+          </a:prstGeom>
+          <a:ln w="28575" cmpd="sng">
+            <a:tailEnd type="arrow"/>
+          </a:ln>
+          <a:effectLst/>
+        </p:spPr>
+        <p:style>
+          <a:lnRef idx="2">
+            <a:schemeClr val="dk1"/>
+          </a:lnRef>
+          <a:fillRef idx="0">
+            <a:schemeClr val="dk1"/>
+          </a:fillRef>
+          <a:effectRef idx="1">
+            <a:schemeClr val="dk1"/>
+          </a:effectRef>
+          <a:fontRef idx="minor">
+            <a:schemeClr val="tx1"/>
+          </a:fontRef>
+        </p:style>
+      </p:cxnSp>
+      <p:sp>
+        <p:nvSpPr>
+          <p:cNvPr id="41" name="Block Arc 40"/>
+          <p:cNvSpPr/>
+          <p:nvPr/>
+        </p:nvSpPr>
+        <p:spPr>
+          <a:xfrm>
+            <a:off x="6756818" y="4230129"/>
+            <a:ext cx="1472184" cy="1472184"/>
+          </a:xfrm>
+          <a:prstGeom prst="blockArc">
+            <a:avLst>
+              <a:gd name="adj1" fmla="val 10800000"/>
+              <a:gd name="adj2" fmla="val 19857277"/>
+              <a:gd name="adj3" fmla="val 42584"/>
+            </a:avLst>
+          </a:prstGeom>
+        </p:spPr>
+        <p:style>
+          <a:lnRef idx="1">
+            <a:schemeClr val="accent1"/>
+          </a:lnRef>
+          <a:fillRef idx="3">
+            <a:schemeClr val="accent1"/>
+          </a:fillRef>
+          <a:effectRef idx="2">
+            <a:schemeClr val="accent1"/>
+          </a:effectRef>
+          <a:fontRef idx="minor">
+            <a:schemeClr val="lt1"/>
+          </a:fontRef>
+        </p:style>
+        <p:txBody>
+          <a:bodyPr rtlCol="0" anchor="ctr"/>
+          <a:lstStyle/>
+          <a:p>
+            <a:pPr algn="ctr"/>
+            <a:endParaRPr lang="en-US">
+              <a:solidFill>
+                <a:schemeClr val="tx1"/>
+              </a:solidFill>
+            </a:endParaRPr>
+          </a:p>
+        </p:txBody>
+      </p:sp>
+      <p:sp>
+        <p:nvSpPr>
+          <p:cNvPr id="42" name="Block Arc 41"/>
+          <p:cNvSpPr/>
+          <p:nvPr/>
+        </p:nvSpPr>
+        <p:spPr>
+          <a:xfrm>
+            <a:off x="6322303" y="4367595"/>
+            <a:ext cx="1472184" cy="1472184"/>
+          </a:xfrm>
+          <a:prstGeom prst="blockArc">
+            <a:avLst>
+              <a:gd name="adj1" fmla="val 10800000"/>
+              <a:gd name="adj2" fmla="val 19857277"/>
+              <a:gd name="adj3" fmla="val 42584"/>
+            </a:avLst>
+          </a:prstGeom>
+        </p:spPr>
+        <p:style>
+          <a:lnRef idx="1">
+            <a:schemeClr val="accent1"/>
+          </a:lnRef>
+          <a:fillRef idx="3">
+            <a:schemeClr val="accent1"/>
+          </a:fillRef>
+          <a:effectRef idx="2">
+            <a:schemeClr val="accent1"/>
+          </a:effectRef>
+          <a:fontRef idx="minor">
+            <a:schemeClr val="lt1"/>
+          </a:fontRef>
+        </p:style>
+        <p:txBody>
+          <a:bodyPr rtlCol="0" anchor="ctr"/>
+          <a:lstStyle/>
+          <a:p>
+            <a:pPr algn="ctr"/>
+            <a:endParaRPr lang="en-US">
+              <a:solidFill>
+                <a:schemeClr val="tx1"/>
+              </a:solidFill>
+            </a:endParaRPr>
+          </a:p>
+        </p:txBody>
+      </p:sp>
+      <p:sp>
+        <p:nvSpPr>
+          <p:cNvPr id="43" name="Block Arc 42"/>
+          <p:cNvSpPr/>
+          <p:nvPr/>
+        </p:nvSpPr>
+        <p:spPr>
+          <a:xfrm>
+            <a:off x="6338061" y="4367595"/>
+            <a:ext cx="1472184" cy="1472184"/>
+          </a:xfrm>
+          <a:prstGeom prst="blockArc">
+            <a:avLst>
+              <a:gd name="adj1" fmla="val 10800000"/>
+              <a:gd name="adj2" fmla="val 19857277"/>
+              <a:gd name="adj3" fmla="val 42584"/>
+            </a:avLst>
+          </a:prstGeom>
+        </p:spPr>
+        <p:style>
+          <a:lnRef idx="1">
+            <a:schemeClr val="accent1"/>
+          </a:lnRef>
+          <a:fillRef idx="3">
+            <a:schemeClr val="accent1"/>
+          </a:fillRef>
+          <a:effectRef idx="2">
+            <a:schemeClr val="accent1"/>
+          </a:effectRef>
+          <a:fontRef idx="minor">
+            <a:schemeClr val="lt1"/>
+          </a:fontRef>
+        </p:style>
+        <p:txBody>
+          <a:bodyPr rtlCol="0" anchor="ctr"/>
+          <a:lstStyle/>
+          <a:p>
+            <a:pPr algn="ctr"/>
+            <a:endParaRPr lang="en-US">
+              <a:solidFill>
+                <a:schemeClr val="tx1"/>
+              </a:solidFill>
+            </a:endParaRPr>
+          </a:p>
+        </p:txBody>
+      </p:sp>
+      <p:cxnSp>
+        <p:nvCxnSpPr>
+          <p:cNvPr id="44" name="Straight Arrow Connector 43"/>
+          <p:cNvCxnSpPr/>
+          <p:nvPr/>
+        </p:nvCxnSpPr>
+        <p:spPr>
+          <a:xfrm>
+            <a:off x="4459147" y="2299736"/>
+            <a:ext cx="215981" cy="707073"/>
+          </a:xfrm>
+          <a:prstGeom prst="straightConnector1">
+            <a:avLst/>
+          </a:prstGeom>
+          <a:ln w="28575" cmpd="sng">
+            <a:tailEnd type="arrow"/>
+          </a:ln>
+          <a:effectLst/>
+        </p:spPr>
+        <p:style>
+          <a:lnRef idx="2">
+            <a:schemeClr val="dk1"/>
+          </a:lnRef>
+          <a:fillRef idx="0">
+            <a:schemeClr val="dk1"/>
+          </a:fillRef>
+          <a:effectRef idx="1">
+            <a:schemeClr val="dk1"/>
+          </a:effectRef>
+          <a:fontRef idx="minor">
+            <a:schemeClr val="tx1"/>
+          </a:fontRef>
+        </p:style>
+      </p:cxnSp>
+      <p:cxnSp>
+        <p:nvCxnSpPr>
+          <p:cNvPr id="45" name="Straight Arrow Connector 44"/>
+          <p:cNvCxnSpPr/>
+          <p:nvPr/>
+        </p:nvCxnSpPr>
+        <p:spPr>
+          <a:xfrm flipH="1">
+            <a:off x="3834579" y="2309077"/>
+            <a:ext cx="631433" cy="375772"/>
+          </a:xfrm>
+          <a:prstGeom prst="straightConnector1">
+            <a:avLst/>
+          </a:prstGeom>
+          <a:ln w="28575" cmpd="sng">
+            <a:tailEnd type="arrow"/>
+          </a:ln>
+          <a:effectLst/>
+        </p:spPr>
+        <p:style>
+          <a:lnRef idx="2">
+            <a:schemeClr val="dk1"/>
+          </a:lnRef>
+          <a:fillRef idx="0">
+            <a:schemeClr val="dk1"/>
+          </a:fillRef>
+          <a:effectRef idx="1">
+            <a:schemeClr val="dk1"/>
+          </a:effectRef>
+          <a:fontRef idx="minor">
+            <a:schemeClr val="tx1"/>
+          </a:fontRef>
+        </p:style>
+      </p:cxnSp>
+      <p:sp>
+        <p:nvSpPr>
+          <p:cNvPr id="47" name="Oval 46"/>
+          <p:cNvSpPr/>
+          <p:nvPr/>
+        </p:nvSpPr>
+        <p:spPr>
+          <a:xfrm>
+            <a:off x="2412026" y="2253470"/>
+            <a:ext cx="65289" cy="65289"/>
+          </a:xfrm>
+          <a:prstGeom prst="ellipse">
+            <a:avLst/>
+          </a:prstGeom>
+        </p:spPr>
+        <p:style>
+          <a:lnRef idx="2">
+            <a:schemeClr val="dk1">
+              <a:shade val="50000"/>
+            </a:schemeClr>
+          </a:lnRef>
+          <a:fillRef idx="1">
+            <a:schemeClr val="dk1"/>
+          </a:fillRef>
+          <a:effectRef idx="0">
+            <a:schemeClr val="dk1"/>
+          </a:effectRef>
+          <a:fontRef idx="minor">
+            <a:schemeClr val="lt1"/>
+          </a:fontRef>
+        </p:style>
+        <p:txBody>
+          <a:bodyPr rtlCol="0" anchor="ctr"/>
+          <a:lstStyle/>
+          <a:p>
+            <a:pPr algn="ctr"/>
+            <a:endParaRPr lang="en-US"/>
+          </a:p>
+        </p:txBody>
+      </p:sp>
+      <p:sp>
+        <p:nvSpPr>
+          <p:cNvPr id="48" name="Oval 47"/>
+          <p:cNvSpPr/>
+          <p:nvPr/>
+        </p:nvSpPr>
+        <p:spPr>
+          <a:xfrm>
+            <a:off x="4424841" y="2268570"/>
+            <a:ext cx="65289" cy="65289"/>
+          </a:xfrm>
+          <a:prstGeom prst="ellipse">
+            <a:avLst/>
+          </a:prstGeom>
+        </p:spPr>
+        <p:style>
+          <a:lnRef idx="2">
+            <a:schemeClr val="dk1">
+              <a:shade val="50000"/>
+            </a:schemeClr>
+          </a:lnRef>
+          <a:fillRef idx="1">
+            <a:schemeClr val="dk1"/>
+          </a:fillRef>
+          <a:effectRef idx="0">
+            <a:schemeClr val="dk1"/>
+          </a:effectRef>
+          <a:fontRef idx="minor">
+            <a:schemeClr val="lt1"/>
+          </a:fontRef>
+        </p:style>
+        <p:txBody>
+          <a:bodyPr rtlCol="0" anchor="ctr"/>
+          <a:lstStyle/>
+          <a:p>
+            <a:pPr algn="ctr"/>
+            <a:endParaRPr lang="en-US"/>
+          </a:p>
+        </p:txBody>
+      </p:sp>
+      <p:sp>
+        <p:nvSpPr>
+          <p:cNvPr id="51" name="TextBox 50"/>
+          <p:cNvSpPr txBox="1"/>
+          <p:nvPr/>
+        </p:nvSpPr>
+        <p:spPr>
+          <a:xfrm>
+            <a:off x="4544257" y="2423982"/>
+            <a:ext cx="502791" cy="369332"/>
+          </a:xfrm>
+          <a:prstGeom prst="rect">
+            <a:avLst/>
+          </a:prstGeom>
+          <a:noFill/>
+        </p:spPr>
+        <p:txBody>
+          <a:bodyPr wrap="square" rtlCol="0">
+            <a:spAutoFit/>
+          </a:bodyPr>
+          <a:lstStyle/>
+          <a:p>
+            <a:r>
+              <a:rPr lang="en-US" dirty="0" smtClean="0"/>
+              <a:t>e</a:t>
+            </a:r>
+            <a:r>
+              <a:rPr lang="en-US" baseline="30000" dirty="0" smtClean="0"/>
+              <a:t>p</a:t>
+            </a:r>
+            <a:r>
+              <a:rPr lang="en-US" baseline="-25000" dirty="0" smtClean="0"/>
+              <a:t>1</a:t>
+            </a:r>
+            <a:endParaRPr lang="en-US" baseline="-25000" dirty="0"/>
+          </a:p>
+        </p:txBody>
+      </p:sp>
+      <p:sp>
+        <p:nvSpPr>
+          <p:cNvPr id="52" name="TextBox 51"/>
+          <p:cNvSpPr txBox="1"/>
+          <p:nvPr/>
+        </p:nvSpPr>
+        <p:spPr>
+          <a:xfrm>
+            <a:off x="3833150" y="2093869"/>
+            <a:ext cx="502791" cy="369332"/>
+          </a:xfrm>
+          <a:prstGeom prst="rect">
+            <a:avLst/>
+          </a:prstGeom>
+          <a:noFill/>
+        </p:spPr>
+        <p:txBody>
+          <a:bodyPr wrap="square" rtlCol="0">
+            <a:spAutoFit/>
+          </a:bodyPr>
+          <a:lstStyle/>
+          <a:p>
+            <a:r>
+              <a:rPr lang="en-US" dirty="0" smtClean="0"/>
+              <a:t>e</a:t>
+            </a:r>
+            <a:r>
+              <a:rPr lang="en-US" baseline="30000" dirty="0" smtClean="0"/>
+              <a:t>p</a:t>
+            </a:r>
+            <a:r>
+              <a:rPr lang="en-US" baseline="-25000" dirty="0" smtClean="0"/>
+              <a:t>2</a:t>
+            </a:r>
+            <a:endParaRPr lang="en-US" baseline="-25000" dirty="0"/>
+          </a:p>
+        </p:txBody>
+      </p:sp>
+      <p:sp>
+        <p:nvSpPr>
+          <p:cNvPr id="53" name="TextBox 52"/>
+          <p:cNvSpPr txBox="1"/>
+          <p:nvPr/>
+        </p:nvSpPr>
+        <p:spPr>
+          <a:xfrm>
+            <a:off x="4619068" y="1832068"/>
+            <a:ext cx="400520" cy="369332"/>
+          </a:xfrm>
+          <a:prstGeom prst="rect">
+            <a:avLst/>
+          </a:prstGeom>
+          <a:noFill/>
+        </p:spPr>
+        <p:txBody>
+          <a:bodyPr wrap="square" rtlCol="0">
+            <a:spAutoFit/>
+          </a:bodyPr>
+          <a:lstStyle/>
+          <a:p>
+            <a:r>
+              <a:rPr lang="en-US" dirty="0" smtClean="0"/>
+              <a:t>e</a:t>
+            </a:r>
+            <a:r>
+              <a:rPr lang="en-US" baseline="-25000" dirty="0" smtClean="0"/>
+              <a:t>1</a:t>
+            </a:r>
+            <a:endParaRPr lang="en-US" baseline="-25000" dirty="0"/>
+          </a:p>
+        </p:txBody>
+      </p:sp>
+      <p:sp>
+        <p:nvSpPr>
+          <p:cNvPr id="54" name="TextBox 53"/>
+          <p:cNvSpPr txBox="1"/>
+          <p:nvPr/>
+        </p:nvSpPr>
+        <p:spPr>
+          <a:xfrm>
+            <a:off x="4231853" y="1719340"/>
+            <a:ext cx="374511" cy="369332"/>
+          </a:xfrm>
+          <a:prstGeom prst="rect">
+            <a:avLst/>
+          </a:prstGeom>
+          <a:noFill/>
+        </p:spPr>
+        <p:txBody>
+          <a:bodyPr wrap="square" rtlCol="0">
+            <a:spAutoFit/>
+          </a:bodyPr>
+          <a:lstStyle/>
+          <a:p>
+            <a:r>
+              <a:rPr lang="en-US" dirty="0" smtClean="0"/>
+              <a:t>e</a:t>
+            </a:r>
+            <a:r>
+              <a:rPr lang="en-US" baseline="-25000" dirty="0"/>
+              <a:t>2</a:t>
+            </a:r>
+          </a:p>
+        </p:txBody>
+      </p:sp>
+      <p:sp>
+        <p:nvSpPr>
+          <p:cNvPr id="46" name="TextBox 45"/>
+          <p:cNvSpPr txBox="1"/>
+          <p:nvPr/>
+        </p:nvSpPr>
+        <p:spPr>
+          <a:xfrm>
+            <a:off x="2489106" y="2103026"/>
+            <a:ext cx="889141" cy="461665"/>
+          </a:xfrm>
+          <a:prstGeom prst="rect">
+            <a:avLst/>
+          </a:prstGeom>
+          <a:noFill/>
+        </p:spPr>
+        <p:txBody>
+          <a:bodyPr wrap="square" rtlCol="0">
+            <a:spAutoFit/>
+          </a:bodyPr>
+          <a:lstStyle/>
+          <a:p>
+            <a:r>
+              <a:rPr lang="en-US" sz="2400" dirty="0" smtClean="0"/>
+              <a:t>g</a:t>
+            </a:r>
+            <a:r>
+              <a:rPr lang="en-US" sz="2400" baseline="30000" dirty="0" smtClean="0"/>
+              <a:t>t=2</a:t>
+            </a:r>
+            <a:endParaRPr lang="en-US" sz="2400" baseline="30000" dirty="0"/>
+          </a:p>
+        </p:txBody>
+      </p:sp>
+    </p:spTree>
+    <p:extLst>
+      <p:ext uri="{BB962C8B-B14F-4D97-AF65-F5344CB8AC3E}">
+        <p14:creationId xmlns:p14="http://schemas.microsoft.com/office/powerpoint/2010/main" val="2119899981"/>
       </p:ext>
     </p:extLst>
   </p:cSld>
@@ -13837,11 +15441,7 @@
           <a:p>
             <a:r>
               <a:rPr lang="en-US" dirty="0" smtClean="0"/>
-              <a:t>t</a:t>
-            </a:r>
-            <a:r>
-              <a:rPr lang="en-US" dirty="0" smtClean="0"/>
-              <a:t>=1</a:t>
+              <a:t>t=1</a:t>
             </a:r>
             <a:endParaRPr lang="en-US" baseline="-25000" dirty="0"/>
           </a:p>

--- a/figures/figures.pptx
+++ b/figures/figures.pptx
@@ -7010,317 +7010,6 @@
           <a:chExt cx="0" cy="0"/>
         </a:xfrm>
       </p:grpSpPr>
-      <p:sp>
-        <p:nvSpPr>
-          <p:cNvPr id="4" name="Block Arc 3"/>
-          <p:cNvSpPr/>
-          <p:nvPr/>
-        </p:nvSpPr>
-        <p:spPr>
-          <a:xfrm>
-            <a:off x="3727743" y="1542363"/>
-            <a:ext cx="1472184" cy="1472184"/>
-          </a:xfrm>
-          <a:prstGeom prst="blockArc">
-            <a:avLst>
-              <a:gd name="adj1" fmla="val 8808739"/>
-              <a:gd name="adj2" fmla="val 14204526"/>
-              <a:gd name="adj3" fmla="val 47367"/>
-            </a:avLst>
-          </a:prstGeom>
-        </p:spPr>
-        <p:style>
-          <a:lnRef idx="1">
-            <a:schemeClr val="accent1"/>
-          </a:lnRef>
-          <a:fillRef idx="3">
-            <a:schemeClr val="accent1"/>
-          </a:fillRef>
-          <a:effectRef idx="2">
-            <a:schemeClr val="accent1"/>
-          </a:effectRef>
-          <a:fontRef idx="minor">
-            <a:schemeClr val="lt1"/>
-          </a:fontRef>
-        </p:style>
-        <p:txBody>
-          <a:bodyPr rtlCol="0" anchor="ctr"/>
-          <a:lstStyle/>
-          <a:p>
-            <a:pPr algn="ctr"/>
-            <a:endParaRPr lang="en-US">
-              <a:solidFill>
-                <a:schemeClr val="tx1"/>
-              </a:solidFill>
-            </a:endParaRPr>
-          </a:p>
-        </p:txBody>
-      </p:sp>
-      <p:sp>
-        <p:nvSpPr>
-          <p:cNvPr id="49" name="Block Arc 48"/>
-          <p:cNvSpPr/>
-          <p:nvPr/>
-        </p:nvSpPr>
-        <p:spPr>
-          <a:xfrm rot="12003543">
-            <a:off x="3699862" y="1546320"/>
-            <a:ext cx="1475528" cy="1463026"/>
-          </a:xfrm>
-          <a:prstGeom prst="blockArc">
-            <a:avLst>
-              <a:gd name="adj1" fmla="val 8989175"/>
-              <a:gd name="adj2" fmla="val 13977700"/>
-              <a:gd name="adj3" fmla="val 46345"/>
-            </a:avLst>
-          </a:prstGeom>
-        </p:spPr>
-        <p:style>
-          <a:lnRef idx="1">
-            <a:schemeClr val="accent1"/>
-          </a:lnRef>
-          <a:fillRef idx="3">
-            <a:schemeClr val="accent1"/>
-          </a:fillRef>
-          <a:effectRef idx="2">
-            <a:schemeClr val="accent1"/>
-          </a:effectRef>
-          <a:fontRef idx="minor">
-            <a:schemeClr val="lt1"/>
-          </a:fontRef>
-        </p:style>
-        <p:txBody>
-          <a:bodyPr rtlCol="0" anchor="ctr"/>
-          <a:lstStyle/>
-          <a:p>
-            <a:pPr algn="ctr"/>
-            <a:endParaRPr lang="en-US">
-              <a:solidFill>
-                <a:schemeClr val="tx1"/>
-              </a:solidFill>
-            </a:endParaRPr>
-          </a:p>
-        </p:txBody>
-      </p:sp>
-      <p:sp>
-        <p:nvSpPr>
-          <p:cNvPr id="2" name="Oval 1"/>
-          <p:cNvSpPr/>
-          <p:nvPr/>
-        </p:nvSpPr>
-        <p:spPr>
-          <a:xfrm>
-            <a:off x="1736810" y="1530863"/>
-            <a:ext cx="1475946" cy="1475946"/>
-          </a:xfrm>
-          <a:prstGeom prst="ellipse">
-            <a:avLst/>
-          </a:prstGeom>
-          <a:noFill/>
-        </p:spPr>
-        <p:style>
-          <a:lnRef idx="1">
-            <a:schemeClr val="accent1"/>
-          </a:lnRef>
-          <a:fillRef idx="3">
-            <a:schemeClr val="accent1"/>
-          </a:fillRef>
-          <a:effectRef idx="2">
-            <a:schemeClr val="accent1"/>
-          </a:effectRef>
-          <a:fontRef idx="minor">
-            <a:schemeClr val="lt1"/>
-          </a:fontRef>
-        </p:style>
-        <p:txBody>
-          <a:bodyPr rtlCol="0" anchor="ctr"/>
-          <a:lstStyle/>
-          <a:p>
-            <a:pPr algn="ctr"/>
-            <a:endParaRPr lang="en-US"/>
-          </a:p>
-        </p:txBody>
-      </p:sp>
-      <p:sp>
-        <p:nvSpPr>
-          <p:cNvPr id="12" name="TextBox 11"/>
-          <p:cNvSpPr txBox="1"/>
-          <p:nvPr/>
-        </p:nvSpPr>
-        <p:spPr>
-          <a:xfrm>
-            <a:off x="2477315" y="2105947"/>
-            <a:ext cx="889141" cy="461665"/>
-          </a:xfrm>
-          <a:prstGeom prst="rect">
-            <a:avLst/>
-          </a:prstGeom>
-          <a:noFill/>
-        </p:spPr>
-        <p:txBody>
-          <a:bodyPr wrap="square" rtlCol="0">
-            <a:spAutoFit/>
-          </a:bodyPr>
-          <a:lstStyle/>
-          <a:p>
-            <a:r>
-              <a:rPr lang="en-US" sz="2400" dirty="0" smtClean="0"/>
-              <a:t>g</a:t>
-            </a:r>
-            <a:r>
-              <a:rPr lang="en-US" sz="2400" baseline="-25000" dirty="0" smtClean="0"/>
-              <a:t>start</a:t>
-            </a:r>
-            <a:endParaRPr lang="en-US" sz="2400" baseline="-25000" dirty="0"/>
-          </a:p>
-        </p:txBody>
-      </p:sp>
-      <p:sp>
-        <p:nvSpPr>
-          <p:cNvPr id="13" name="TextBox 12"/>
-          <p:cNvSpPr txBox="1"/>
-          <p:nvPr/>
-        </p:nvSpPr>
-        <p:spPr>
-          <a:xfrm>
-            <a:off x="4130447" y="2936610"/>
-            <a:ext cx="889141" cy="461665"/>
-          </a:xfrm>
-          <a:prstGeom prst="rect">
-            <a:avLst/>
-          </a:prstGeom>
-          <a:noFill/>
-        </p:spPr>
-        <p:txBody>
-          <a:bodyPr wrap="square" rtlCol="0">
-            <a:spAutoFit/>
-          </a:bodyPr>
-          <a:lstStyle/>
-          <a:p>
-            <a:r>
-              <a:rPr lang="en-US" sz="2400" dirty="0" smtClean="0"/>
-              <a:t>g</a:t>
-            </a:r>
-            <a:r>
-              <a:rPr lang="en-US" sz="2400" baseline="-25000" dirty="0" smtClean="0"/>
-              <a:t>end</a:t>
-            </a:r>
-            <a:endParaRPr lang="en-US" sz="2400" baseline="-25000" dirty="0"/>
-          </a:p>
-        </p:txBody>
-      </p:sp>
-      <p:sp>
-        <p:nvSpPr>
-          <p:cNvPr id="17" name="Oval 16"/>
-          <p:cNvSpPr/>
-          <p:nvPr/>
-        </p:nvSpPr>
-        <p:spPr>
-          <a:xfrm>
-            <a:off x="3722129" y="1530863"/>
-            <a:ext cx="1475946" cy="1475946"/>
-          </a:xfrm>
-          <a:prstGeom prst="ellipse">
-            <a:avLst/>
-          </a:prstGeom>
-          <a:noFill/>
-        </p:spPr>
-        <p:style>
-          <a:lnRef idx="1">
-            <a:schemeClr val="accent1"/>
-          </a:lnRef>
-          <a:fillRef idx="3">
-            <a:schemeClr val="accent1"/>
-          </a:fillRef>
-          <a:effectRef idx="2">
-            <a:schemeClr val="accent1"/>
-          </a:effectRef>
-          <a:fontRef idx="minor">
-            <a:schemeClr val="lt1"/>
-          </a:fontRef>
-        </p:style>
-        <p:txBody>
-          <a:bodyPr rtlCol="0" anchor="ctr"/>
-          <a:lstStyle/>
-          <a:p>
-            <a:pPr algn="ctr"/>
-            <a:endParaRPr lang="en-US"/>
-          </a:p>
-        </p:txBody>
-      </p:sp>
-      <p:cxnSp>
-        <p:nvCxnSpPr>
-          <p:cNvPr id="30" name="Straight Arrow Connector 29"/>
-          <p:cNvCxnSpPr/>
-          <p:nvPr/>
-        </p:nvCxnSpPr>
-        <p:spPr>
-          <a:xfrm>
-            <a:off x="2443757" y="2264725"/>
-            <a:ext cx="224845" cy="736092"/>
-          </a:xfrm>
-          <a:prstGeom prst="straightConnector1">
-            <a:avLst/>
-          </a:prstGeom>
-          <a:ln w="28575" cmpd="sng">
-            <a:tailEnd type="arrow"/>
-          </a:ln>
-          <a:effectLst/>
-        </p:spPr>
-        <p:style>
-          <a:lnRef idx="2">
-            <a:schemeClr val="dk1"/>
-          </a:lnRef>
-          <a:fillRef idx="0">
-            <a:schemeClr val="dk1"/>
-          </a:fillRef>
-          <a:effectRef idx="1">
-            <a:schemeClr val="dk1"/>
-          </a:effectRef>
-          <a:fontRef idx="minor">
-            <a:schemeClr val="tx1"/>
-          </a:fontRef>
-        </p:style>
-      </p:cxnSp>
-      <p:cxnSp>
-        <p:nvCxnSpPr>
-          <p:cNvPr id="34" name="Straight Arrow Connector 33"/>
-          <p:cNvCxnSpPr/>
-          <p:nvPr/>
-        </p:nvCxnSpPr>
-        <p:spPr>
-          <a:xfrm flipH="1">
-            <a:off x="1819189" y="2274066"/>
-            <a:ext cx="631433" cy="375772"/>
-          </a:xfrm>
-          <a:prstGeom prst="straightConnector1">
-            <a:avLst/>
-          </a:prstGeom>
-          <a:ln w="28575" cmpd="sng">
-            <a:solidFill>
-              <a:schemeClr val="bg1">
-                <a:lumMod val="50000"/>
-              </a:schemeClr>
-            </a:solidFill>
-            <a:tailEnd type="arrow"/>
-          </a:ln>
-          <a:effectLst/>
-        </p:spPr>
-        <p:style>
-          <a:lnRef idx="2">
-            <a:schemeClr val="dk1"/>
-          </a:lnRef>
-          <a:fillRef idx="0">
-            <a:schemeClr val="dk1"/>
-          </a:fillRef>
-          <a:effectRef idx="1">
-            <a:schemeClr val="dk1"/>
-          </a:effectRef>
-          <a:fontRef idx="minor">
-            <a:schemeClr val="tx1"/>
-          </a:fontRef>
-        </p:style>
-      </p:cxnSp>
       <p:grpSp>
         <p:nvGrpSpPr>
           <p:cNvPr id="3" name="Group 2"/>
@@ -7329,10 +7018,10 @@
         </p:nvGrpSpPr>
         <p:grpSpPr>
           <a:xfrm>
-            <a:off x="5670377" y="1462086"/>
-            <a:ext cx="2814595" cy="2384747"/>
+            <a:off x="4465521" y="1717151"/>
+            <a:ext cx="2814595" cy="2439663"/>
             <a:chOff x="5670378" y="1462087"/>
-            <a:chExt cx="2041108" cy="1729388"/>
+            <a:chExt cx="2041108" cy="1769214"/>
           </a:xfrm>
         </p:grpSpPr>
         <p:sp>
@@ -7726,7 +7415,7 @@
           </p:nvSpPr>
           <p:spPr>
             <a:xfrm>
-              <a:off x="6476220" y="2822143"/>
+              <a:off x="6506090" y="2861969"/>
               <a:ext cx="502791" cy="369332"/>
             </a:xfrm>
             <a:prstGeom prst="rect">
@@ -7940,209 +7629,19 @@
       </p:grpSp>
       <p:sp>
         <p:nvSpPr>
-          <p:cNvPr id="36" name="TextBox 35"/>
-          <p:cNvSpPr txBox="1"/>
-          <p:nvPr/>
-        </p:nvSpPr>
-        <p:spPr>
-          <a:xfrm>
-            <a:off x="2530296" y="2489141"/>
-            <a:ext cx="502791" cy="369332"/>
-          </a:xfrm>
-          <a:prstGeom prst="rect">
+          <p:cNvPr id="2" name="Oval 1"/>
+          <p:cNvSpPr/>
+          <p:nvPr/>
+        </p:nvSpPr>
+        <p:spPr>
+          <a:xfrm>
+            <a:off x="1736810" y="1530862"/>
+            <a:ext cx="2471353" cy="2471353"/>
+          </a:xfrm>
+          <a:prstGeom prst="ellipse">
             <a:avLst/>
           </a:prstGeom>
           <a:noFill/>
-        </p:spPr>
-        <p:txBody>
-          <a:bodyPr wrap="square" rtlCol="0">
-            <a:spAutoFit/>
-          </a:bodyPr>
-          <a:lstStyle/>
-          <a:p>
-            <a:r>
-              <a:rPr lang="en-US" dirty="0" smtClean="0">
-                <a:solidFill>
-                  <a:srgbClr val="7F7F7F"/>
-                </a:solidFill>
-              </a:rPr>
-              <a:t>e</a:t>
-            </a:r>
-            <a:r>
-              <a:rPr lang="en-US" baseline="30000" dirty="0" smtClean="0">
-                <a:solidFill>
-                  <a:srgbClr val="7F7F7F"/>
-                </a:solidFill>
-              </a:rPr>
-              <a:t>p</a:t>
-            </a:r>
-            <a:r>
-              <a:rPr lang="en-US" baseline="-25000" dirty="0" smtClean="0">
-                <a:solidFill>
-                  <a:srgbClr val="7F7F7F"/>
-                </a:solidFill>
-              </a:rPr>
-              <a:t>1</a:t>
-            </a:r>
-            <a:endParaRPr lang="en-US" baseline="-25000" dirty="0">
-              <a:solidFill>
-                <a:srgbClr val="7F7F7F"/>
-              </a:solidFill>
-            </a:endParaRPr>
-          </a:p>
-        </p:txBody>
-      </p:sp>
-      <p:sp>
-        <p:nvSpPr>
-          <p:cNvPr id="37" name="TextBox 36"/>
-          <p:cNvSpPr txBox="1"/>
-          <p:nvPr/>
-        </p:nvSpPr>
-        <p:spPr>
-          <a:xfrm>
-            <a:off x="1819189" y="2066329"/>
-            <a:ext cx="502791" cy="369332"/>
-          </a:xfrm>
-          <a:prstGeom prst="rect">
-            <a:avLst/>
-          </a:prstGeom>
-          <a:noFill/>
-          <a:ln>
-            <a:noFill/>
-          </a:ln>
-        </p:spPr>
-        <p:txBody>
-          <a:bodyPr wrap="square" rtlCol="0">
-            <a:spAutoFit/>
-          </a:bodyPr>
-          <a:lstStyle/>
-          <a:p>
-            <a:r>
-              <a:rPr lang="en-US" dirty="0" smtClean="0">
-                <a:solidFill>
-                  <a:schemeClr val="bg1">
-                    <a:lumMod val="50000"/>
-                  </a:schemeClr>
-                </a:solidFill>
-              </a:rPr>
-              <a:t>e</a:t>
-            </a:r>
-            <a:r>
-              <a:rPr lang="en-US" baseline="30000" dirty="0" smtClean="0">
-                <a:solidFill>
-                  <a:schemeClr val="bg1">
-                    <a:lumMod val="50000"/>
-                  </a:schemeClr>
-                </a:solidFill>
-              </a:rPr>
-              <a:t>p</a:t>
-            </a:r>
-            <a:r>
-              <a:rPr lang="en-US" baseline="-25000" dirty="0" smtClean="0">
-                <a:solidFill>
-                  <a:schemeClr val="bg1">
-                    <a:lumMod val="50000"/>
-                  </a:schemeClr>
-                </a:solidFill>
-              </a:rPr>
-              <a:t>2</a:t>
-            </a:r>
-            <a:endParaRPr lang="en-US" baseline="-25000" dirty="0">
-              <a:solidFill>
-                <a:schemeClr val="bg1">
-                  <a:lumMod val="50000"/>
-                </a:schemeClr>
-              </a:solidFill>
-            </a:endParaRPr>
-          </a:p>
-        </p:txBody>
-      </p:sp>
-      <p:cxnSp>
-        <p:nvCxnSpPr>
-          <p:cNvPr id="38" name="Straight Arrow Connector 37"/>
-          <p:cNvCxnSpPr/>
-          <p:nvPr/>
-        </p:nvCxnSpPr>
-        <p:spPr>
-          <a:xfrm flipH="1" flipV="1">
-            <a:off x="4069736" y="1653618"/>
-            <a:ext cx="396276" cy="655031"/>
-          </a:xfrm>
-          <a:prstGeom prst="straightConnector1">
-            <a:avLst/>
-          </a:prstGeom>
-          <a:ln w="28575" cmpd="sng">
-            <a:tailEnd type="arrow"/>
-          </a:ln>
-          <a:effectLst/>
-        </p:spPr>
-        <p:style>
-          <a:lnRef idx="2">
-            <a:schemeClr val="dk1"/>
-          </a:lnRef>
-          <a:fillRef idx="0">
-            <a:schemeClr val="dk1"/>
-          </a:fillRef>
-          <a:effectRef idx="1">
-            <a:schemeClr val="dk1"/>
-          </a:effectRef>
-          <a:fontRef idx="minor">
-            <a:schemeClr val="tx1"/>
-          </a:fontRef>
-        </p:style>
-      </p:cxnSp>
-      <p:cxnSp>
-        <p:nvCxnSpPr>
-          <p:cNvPr id="40" name="Straight Arrow Connector 39"/>
-          <p:cNvCxnSpPr/>
-          <p:nvPr/>
-        </p:nvCxnSpPr>
-        <p:spPr>
-          <a:xfrm flipV="1">
-            <a:off x="4450105" y="2122724"/>
-            <a:ext cx="747970" cy="181793"/>
-          </a:xfrm>
-          <a:prstGeom prst="straightConnector1">
-            <a:avLst/>
-          </a:prstGeom>
-          <a:ln w="28575" cmpd="sng">
-            <a:tailEnd type="arrow"/>
-          </a:ln>
-          <a:effectLst/>
-        </p:spPr>
-        <p:style>
-          <a:lnRef idx="2">
-            <a:schemeClr val="dk1"/>
-          </a:lnRef>
-          <a:fillRef idx="0">
-            <a:schemeClr val="dk1"/>
-          </a:fillRef>
-          <a:effectRef idx="1">
-            <a:schemeClr val="dk1"/>
-          </a:effectRef>
-          <a:fontRef idx="minor">
-            <a:schemeClr val="tx1"/>
-          </a:fontRef>
-        </p:style>
-      </p:cxnSp>
-      <p:sp>
-        <p:nvSpPr>
-          <p:cNvPr id="41" name="Block Arc 40"/>
-          <p:cNvSpPr/>
-          <p:nvPr/>
-        </p:nvSpPr>
-        <p:spPr>
-          <a:xfrm>
-            <a:off x="6756818" y="4230129"/>
-            <a:ext cx="1472184" cy="1472184"/>
-          </a:xfrm>
-          <a:prstGeom prst="blockArc">
-            <a:avLst>
-              <a:gd name="adj1" fmla="val 10800000"/>
-              <a:gd name="adj2" fmla="val 19857277"/>
-              <a:gd name="adj3" fmla="val 42584"/>
-            </a:avLst>
-          </a:prstGeom>
         </p:spPr>
         <p:style>
           <a:lnRef idx="1">
@@ -8163,116 +7662,20 @@
           <a:lstStyle/>
           <a:p>
             <a:pPr algn="ctr"/>
-            <a:endParaRPr lang="en-US">
-              <a:solidFill>
-                <a:schemeClr val="tx1"/>
-              </a:solidFill>
-            </a:endParaRPr>
-          </a:p>
-        </p:txBody>
-      </p:sp>
-      <p:sp>
-        <p:nvSpPr>
-          <p:cNvPr id="42" name="Block Arc 41"/>
-          <p:cNvSpPr/>
-          <p:nvPr/>
-        </p:nvSpPr>
-        <p:spPr>
-          <a:xfrm>
-            <a:off x="6322303" y="4367595"/>
-            <a:ext cx="1472184" cy="1472184"/>
-          </a:xfrm>
-          <a:prstGeom prst="blockArc">
-            <a:avLst>
-              <a:gd name="adj1" fmla="val 10800000"/>
-              <a:gd name="adj2" fmla="val 19857277"/>
-              <a:gd name="adj3" fmla="val 42584"/>
-            </a:avLst>
-          </a:prstGeom>
-        </p:spPr>
-        <p:style>
-          <a:lnRef idx="1">
-            <a:schemeClr val="accent1"/>
-          </a:lnRef>
-          <a:fillRef idx="3">
-            <a:schemeClr val="accent1"/>
-          </a:fillRef>
-          <a:effectRef idx="2">
-            <a:schemeClr val="accent1"/>
-          </a:effectRef>
-          <a:fontRef idx="minor">
-            <a:schemeClr val="lt1"/>
-          </a:fontRef>
-        </p:style>
-        <p:txBody>
-          <a:bodyPr rtlCol="0" anchor="ctr"/>
-          <a:lstStyle/>
-          <a:p>
-            <a:pPr algn="ctr"/>
-            <a:endParaRPr lang="en-US">
-              <a:solidFill>
-                <a:schemeClr val="tx1"/>
-              </a:solidFill>
-            </a:endParaRPr>
-          </a:p>
-        </p:txBody>
-      </p:sp>
-      <p:sp>
-        <p:nvSpPr>
-          <p:cNvPr id="43" name="Block Arc 42"/>
-          <p:cNvSpPr/>
-          <p:nvPr/>
-        </p:nvSpPr>
-        <p:spPr>
-          <a:xfrm>
-            <a:off x="6338061" y="4367595"/>
-            <a:ext cx="1472184" cy="1472184"/>
-          </a:xfrm>
-          <a:prstGeom prst="blockArc">
-            <a:avLst>
-              <a:gd name="adj1" fmla="val 10800000"/>
-              <a:gd name="adj2" fmla="val 19857277"/>
-              <a:gd name="adj3" fmla="val 42584"/>
-            </a:avLst>
-          </a:prstGeom>
-        </p:spPr>
-        <p:style>
-          <a:lnRef idx="1">
-            <a:schemeClr val="accent1"/>
-          </a:lnRef>
-          <a:fillRef idx="3">
-            <a:schemeClr val="accent1"/>
-          </a:fillRef>
-          <a:effectRef idx="2">
-            <a:schemeClr val="accent1"/>
-          </a:effectRef>
-          <a:fontRef idx="minor">
-            <a:schemeClr val="lt1"/>
-          </a:fontRef>
-        </p:style>
-        <p:txBody>
-          <a:bodyPr rtlCol="0" anchor="ctr"/>
-          <a:lstStyle/>
-          <a:p>
-            <a:pPr algn="ctr"/>
-            <a:endParaRPr lang="en-US">
-              <a:solidFill>
-                <a:schemeClr val="tx1"/>
-              </a:solidFill>
-            </a:endParaRPr>
+            <a:endParaRPr lang="en-US"/>
           </a:p>
         </p:txBody>
       </p:sp>
       <p:cxnSp>
         <p:nvCxnSpPr>
-          <p:cNvPr id="44" name="Straight Arrow Connector 43"/>
+          <p:cNvPr id="30" name="Straight Arrow Connector 29"/>
           <p:cNvCxnSpPr/>
           <p:nvPr/>
         </p:nvCxnSpPr>
         <p:spPr>
           <a:xfrm>
-            <a:off x="4459147" y="2299736"/>
-            <a:ext cx="215981" cy="707073"/>
+            <a:off x="2920536" y="2759655"/>
+            <a:ext cx="376485" cy="1232527"/>
           </a:xfrm>
           <a:prstGeom prst="straightConnector1">
             <a:avLst/>
@@ -8299,19 +7702,24 @@
       </p:cxnSp>
       <p:cxnSp>
         <p:nvCxnSpPr>
-          <p:cNvPr id="45" name="Straight Arrow Connector 44"/>
+          <p:cNvPr id="34" name="Straight Arrow Connector 33"/>
           <p:cNvCxnSpPr/>
           <p:nvPr/>
         </p:nvCxnSpPr>
         <p:spPr>
           <a:xfrm flipH="1">
-            <a:off x="3834579" y="2309077"/>
-            <a:ext cx="631433" cy="375772"/>
+            <a:off x="1874747" y="2775296"/>
+            <a:ext cx="1057284" cy="629200"/>
           </a:xfrm>
           <a:prstGeom prst="straightConnector1">
             <a:avLst/>
           </a:prstGeom>
           <a:ln w="28575" cmpd="sng">
+            <a:solidFill>
+              <a:schemeClr val="bg1">
+                <a:lumMod val="50000"/>
+              </a:schemeClr>
+            </a:solidFill>
             <a:tailEnd type="arrow"/>
           </a:ln>
           <a:effectLst/>
@@ -8333,14 +7741,115 @@
       </p:cxnSp>
       <p:sp>
         <p:nvSpPr>
+          <p:cNvPr id="36" name="TextBox 35"/>
+          <p:cNvSpPr txBox="1"/>
+          <p:nvPr/>
+        </p:nvSpPr>
+        <p:spPr>
+          <a:xfrm>
+            <a:off x="3227853" y="3854780"/>
+            <a:ext cx="841883" cy="369332"/>
+          </a:xfrm>
+          <a:prstGeom prst="rect">
+            <a:avLst/>
+          </a:prstGeom>
+          <a:noFill/>
+        </p:spPr>
+        <p:txBody>
+          <a:bodyPr wrap="square" rtlCol="0">
+            <a:spAutoFit/>
+          </a:bodyPr>
+          <a:lstStyle/>
+          <a:p>
+            <a:r>
+              <a:rPr lang="en-US" dirty="0" smtClean="0">
+                <a:solidFill>
+                  <a:srgbClr val="7F7F7F"/>
+                </a:solidFill>
+              </a:rPr>
+              <a:t>e</a:t>
+            </a:r>
+            <a:r>
+              <a:rPr lang="en-US" baseline="30000" dirty="0" smtClean="0">
+                <a:solidFill>
+                  <a:srgbClr val="7F7F7F"/>
+                </a:solidFill>
+              </a:rPr>
+              <a:t>p</a:t>
+            </a:r>
+            <a:endParaRPr lang="en-US" baseline="-25000" dirty="0">
+              <a:solidFill>
+                <a:srgbClr val="7F7F7F"/>
+              </a:solidFill>
+            </a:endParaRPr>
+          </a:p>
+        </p:txBody>
+      </p:sp>
+      <p:sp>
+        <p:nvSpPr>
+          <p:cNvPr id="37" name="TextBox 36"/>
+          <p:cNvSpPr txBox="1"/>
+          <p:nvPr/>
+        </p:nvSpPr>
+        <p:spPr>
+          <a:xfrm>
+            <a:off x="1736810" y="2909525"/>
+            <a:ext cx="841883" cy="369332"/>
+          </a:xfrm>
+          <a:prstGeom prst="rect">
+            <a:avLst/>
+          </a:prstGeom>
+          <a:noFill/>
+          <a:ln>
+            <a:noFill/>
+          </a:ln>
+        </p:spPr>
+        <p:txBody>
+          <a:bodyPr wrap="square" rtlCol="0">
+            <a:spAutoFit/>
+          </a:bodyPr>
+          <a:lstStyle/>
+          <a:p>
+            <a:r>
+              <a:rPr lang="en-US" dirty="0" smtClean="0">
+                <a:solidFill>
+                  <a:schemeClr val="bg1">
+                    <a:lumMod val="50000"/>
+                  </a:schemeClr>
+                </a:solidFill>
+              </a:rPr>
+              <a:t>e</a:t>
+            </a:r>
+            <a:r>
+              <a:rPr lang="en-US" baseline="30000" dirty="0" smtClean="0">
+                <a:solidFill>
+                  <a:schemeClr val="bg1">
+                    <a:lumMod val="50000"/>
+                  </a:schemeClr>
+                </a:solidFill>
+              </a:rPr>
+              <a:t>p</a:t>
+            </a:r>
+            <a:endParaRPr lang="en-US" baseline="-25000" dirty="0">
+              <a:solidFill>
+                <a:schemeClr val="bg1">
+                  <a:lumMod val="50000"/>
+                </a:schemeClr>
+              </a:solidFill>
+            </a:endParaRPr>
+          </a:p>
+        </p:txBody>
+      </p:sp>
+      <p:sp>
+        <p:nvSpPr>
           <p:cNvPr id="47" name="Oval 46"/>
           <p:cNvSpPr/>
           <p:nvPr/>
         </p:nvSpPr>
         <p:spPr>
           <a:xfrm>
-            <a:off x="2412026" y="2253470"/>
-            <a:ext cx="65289" cy="65289"/>
+            <a:off x="2867405" y="2740809"/>
+            <a:ext cx="109321" cy="109321"/>
           </a:xfrm>
           <a:prstGeom prst="ellipse">
             <a:avLst/>
@@ -8371,220 +7880,254 @@
           </a:p>
         </p:txBody>
       </p:sp>
-      <p:sp>
-        <p:nvSpPr>
-          <p:cNvPr id="48" name="Oval 47"/>
-          <p:cNvSpPr/>
-          <p:nvPr/>
-        </p:nvSpPr>
-        <p:spPr>
-          <a:xfrm>
-            <a:off x="4424841" y="2268570"/>
-            <a:ext cx="65289" cy="65289"/>
-          </a:xfrm>
-          <a:prstGeom prst="ellipse">
-            <a:avLst/>
-          </a:prstGeom>
+      <p:grpSp>
+        <p:nvGrpSpPr>
+          <p:cNvPr id="8" name="Group 7"/>
+          <p:cNvGrpSpPr/>
+          <p:nvPr/>
+        </p:nvGrpSpPr>
+        <p:grpSpPr>
+          <a:xfrm>
+            <a:off x="3144000" y="3272408"/>
+            <a:ext cx="1493143" cy="776597"/>
+            <a:chOff x="2972378" y="2493794"/>
+            <a:chExt cx="1493143" cy="776597"/>
+          </a:xfrm>
+        </p:grpSpPr>
+        <p:sp>
+          <p:nvSpPr>
+            <p:cNvPr id="12" name="TextBox 11"/>
+            <p:cNvSpPr txBox="1"/>
+            <p:nvPr/>
+          </p:nvSpPr>
+          <p:spPr>
+            <a:xfrm>
+              <a:off x="2976726" y="2493794"/>
+              <a:ext cx="1488795" cy="773021"/>
+            </a:xfrm>
+            <a:prstGeom prst="rect">
+              <a:avLst/>
+            </a:prstGeom>
+            <a:noFill/>
+          </p:spPr>
+          <p:txBody>
+            <a:bodyPr wrap="square" rtlCol="0">
+              <a:spAutoFit/>
+            </a:bodyPr>
+            <a:lstStyle/>
+            <a:p>
+              <a:r>
+                <a:rPr lang="en-US" sz="2400" dirty="0" smtClean="0"/>
+                <a:t>g</a:t>
+              </a:r>
+              <a:r>
+                <a:rPr lang="en-US" sz="2400" baseline="-25000" dirty="0" smtClean="0"/>
+                <a:t>start</a:t>
+              </a:r>
+              <a:endParaRPr lang="en-US" sz="2400" baseline="-25000" dirty="0"/>
+            </a:p>
+          </p:txBody>
+        </p:sp>
+        <p:sp>
+          <p:nvSpPr>
+            <p:cNvPr id="46" name="TextBox 45"/>
+            <p:cNvSpPr txBox="1"/>
+            <p:nvPr/>
+          </p:nvSpPr>
+          <p:spPr>
+            <a:xfrm>
+              <a:off x="2972378" y="2497370"/>
+              <a:ext cx="1488795" cy="773021"/>
+            </a:xfrm>
+            <a:prstGeom prst="rect">
+              <a:avLst/>
+            </a:prstGeom>
+            <a:noFill/>
+          </p:spPr>
+          <p:txBody>
+            <a:bodyPr wrap="square" rtlCol="0">
+              <a:spAutoFit/>
+            </a:bodyPr>
+            <a:lstStyle/>
+            <a:p>
+              <a:r>
+                <a:rPr lang="en-US" sz="2400" dirty="0" smtClean="0"/>
+                <a:t>g</a:t>
+              </a:r>
+              <a:r>
+                <a:rPr lang="en-US" sz="2400" baseline="30000" dirty="0" smtClean="0"/>
+                <a:t>t=2</a:t>
+              </a:r>
+              <a:endParaRPr lang="en-US" sz="2400" baseline="30000" dirty="0"/>
+            </a:p>
+          </p:txBody>
+        </p:sp>
+      </p:grpSp>
+      <p:grpSp>
+        <p:nvGrpSpPr>
+          <p:cNvPr id="5" name="Group 4"/>
+          <p:cNvGrpSpPr/>
+          <p:nvPr/>
+        </p:nvGrpSpPr>
+        <p:grpSpPr>
+          <a:xfrm>
+            <a:off x="1842944" y="3688489"/>
+            <a:ext cx="892237" cy="462691"/>
+            <a:chOff x="3891370" y="3768464"/>
+            <a:chExt cx="892237" cy="462691"/>
+          </a:xfrm>
+        </p:grpSpPr>
+        <p:sp>
+          <p:nvSpPr>
+            <p:cNvPr id="13" name="TextBox 12"/>
+            <p:cNvSpPr txBox="1"/>
+            <p:nvPr/>
+          </p:nvSpPr>
+          <p:spPr>
+            <a:xfrm>
+              <a:off x="3891370" y="3768464"/>
+              <a:ext cx="889141" cy="461665"/>
+            </a:xfrm>
+            <a:prstGeom prst="rect">
+              <a:avLst/>
+            </a:prstGeom>
+            <a:noFill/>
+          </p:spPr>
+          <p:txBody>
+            <a:bodyPr wrap="square" rtlCol="0">
+              <a:spAutoFit/>
+            </a:bodyPr>
+            <a:lstStyle/>
+            <a:p>
+              <a:r>
+                <a:rPr lang="en-US" sz="2400" dirty="0" smtClean="0"/>
+                <a:t>g</a:t>
+              </a:r>
+              <a:r>
+                <a:rPr lang="en-US" sz="2400" baseline="-25000" dirty="0" smtClean="0"/>
+                <a:t>end</a:t>
+              </a:r>
+              <a:endParaRPr lang="en-US" sz="2400" baseline="-25000" dirty="0"/>
+            </a:p>
+          </p:txBody>
+        </p:sp>
+        <p:sp>
+          <p:nvSpPr>
+            <p:cNvPr id="50" name="TextBox 49"/>
+            <p:cNvSpPr txBox="1"/>
+            <p:nvPr/>
+          </p:nvSpPr>
+          <p:spPr>
+            <a:xfrm>
+              <a:off x="3894466" y="3769490"/>
+              <a:ext cx="889141" cy="461665"/>
+            </a:xfrm>
+            <a:prstGeom prst="rect">
+              <a:avLst/>
+            </a:prstGeom>
+            <a:noFill/>
+          </p:spPr>
+          <p:txBody>
+            <a:bodyPr wrap="square" rtlCol="0">
+              <a:spAutoFit/>
+            </a:bodyPr>
+            <a:lstStyle/>
+            <a:p>
+              <a:r>
+                <a:rPr lang="en-US" sz="2400" dirty="0" smtClean="0"/>
+                <a:t>g</a:t>
+              </a:r>
+              <a:r>
+                <a:rPr lang="en-US" sz="2400" baseline="30000" dirty="0" smtClean="0"/>
+                <a:t>t=1</a:t>
+              </a:r>
+              <a:endParaRPr lang="en-US" sz="2400" baseline="30000" dirty="0"/>
+            </a:p>
+          </p:txBody>
+        </p:sp>
+      </p:grpSp>
+      <p:cxnSp>
+        <p:nvCxnSpPr>
+          <p:cNvPr id="55" name="Straight Arrow Connector 54"/>
+          <p:cNvCxnSpPr/>
+          <p:nvPr/>
+        </p:nvCxnSpPr>
+        <p:spPr>
+          <a:xfrm flipH="1">
+            <a:off x="2368378" y="2761025"/>
+            <a:ext cx="553528" cy="1093755"/>
+          </a:xfrm>
+          <a:prstGeom prst="straightConnector1">
+            <a:avLst/>
+          </a:prstGeom>
+          <a:ln w="28575" cmpd="sng">
+            <a:tailEnd type="arrow"/>
+          </a:ln>
+          <a:effectLst/>
         </p:spPr>
         <p:style>
           <a:lnRef idx="2">
-            <a:schemeClr val="dk1">
-              <a:shade val="50000"/>
-            </a:schemeClr>
+            <a:schemeClr val="dk1"/>
           </a:lnRef>
-          <a:fillRef idx="1">
+          <a:fillRef idx="0">
             <a:schemeClr val="dk1"/>
           </a:fillRef>
-          <a:effectRef idx="0">
+          <a:effectRef idx="1">
             <a:schemeClr val="dk1"/>
           </a:effectRef>
           <a:fontRef idx="minor">
-            <a:schemeClr val="lt1"/>
+            <a:schemeClr val="tx1"/>
           </a:fontRef>
         </p:style>
+      </p:cxnSp>
+      <p:sp>
+        <p:nvSpPr>
+          <p:cNvPr id="56" name="Arc 55"/>
+          <p:cNvSpPr/>
+          <p:nvPr/>
+        </p:nvSpPr>
+        <p:spPr>
+          <a:xfrm rot="10800000" flipH="1">
+            <a:off x="1742286" y="1526964"/>
+            <a:ext cx="2468880" cy="2468880"/>
+          </a:xfrm>
+          <a:prstGeom prst="arc">
+            <a:avLst>
+              <a:gd name="adj1" fmla="val 14472982"/>
+              <a:gd name="adj2" fmla="val 17097554"/>
+            </a:avLst>
+          </a:prstGeom>
+          <a:ln>
+            <a:solidFill>
+              <a:schemeClr val="bg1">
+                <a:lumMod val="50000"/>
+              </a:schemeClr>
+            </a:solidFill>
+            <a:prstDash val="sysDash"/>
+            <a:headEnd type="none"/>
+            <a:tailEnd type="arrow"/>
+          </a:ln>
+        </p:spPr>
+        <p:style>
+          <a:lnRef idx="2">
+            <a:schemeClr val="dk1"/>
+          </a:lnRef>
+          <a:fillRef idx="0">
+            <a:schemeClr val="dk1"/>
+          </a:fillRef>
+          <a:effectRef idx="1">
+            <a:schemeClr val="dk1"/>
+          </a:effectRef>
+          <a:fontRef idx="minor">
+            <a:schemeClr val="tx1"/>
+          </a:fontRef>
+        </p:style>
         <p:txBody>
           <a:bodyPr rtlCol="0" anchor="ctr"/>
           <a:lstStyle/>
           <a:p>
             <a:pPr algn="ctr"/>
             <a:endParaRPr lang="en-US"/>
-          </a:p>
-        </p:txBody>
-      </p:sp>
-      <p:sp>
-        <p:nvSpPr>
-          <p:cNvPr id="51" name="TextBox 50"/>
-          <p:cNvSpPr txBox="1"/>
-          <p:nvPr/>
-        </p:nvSpPr>
-        <p:spPr>
-          <a:xfrm>
-            <a:off x="4544257" y="2423982"/>
-            <a:ext cx="502791" cy="369332"/>
-          </a:xfrm>
-          <a:prstGeom prst="rect">
-            <a:avLst/>
-          </a:prstGeom>
-          <a:noFill/>
-        </p:spPr>
-        <p:txBody>
-          <a:bodyPr wrap="square" rtlCol="0">
-            <a:spAutoFit/>
-          </a:bodyPr>
-          <a:lstStyle/>
-          <a:p>
-            <a:r>
-              <a:rPr lang="en-US" dirty="0" smtClean="0"/>
-              <a:t>e</a:t>
-            </a:r>
-            <a:r>
-              <a:rPr lang="en-US" baseline="30000" dirty="0" smtClean="0"/>
-              <a:t>p</a:t>
-            </a:r>
-            <a:r>
-              <a:rPr lang="en-US" baseline="-25000" dirty="0" smtClean="0"/>
-              <a:t>1</a:t>
-            </a:r>
-            <a:endParaRPr lang="en-US" baseline="-25000" dirty="0"/>
-          </a:p>
-        </p:txBody>
-      </p:sp>
-      <p:sp>
-        <p:nvSpPr>
-          <p:cNvPr id="52" name="TextBox 51"/>
-          <p:cNvSpPr txBox="1"/>
-          <p:nvPr/>
-        </p:nvSpPr>
-        <p:spPr>
-          <a:xfrm>
-            <a:off x="3833150" y="2093869"/>
-            <a:ext cx="502791" cy="369332"/>
-          </a:xfrm>
-          <a:prstGeom prst="rect">
-            <a:avLst/>
-          </a:prstGeom>
-          <a:noFill/>
-        </p:spPr>
-        <p:txBody>
-          <a:bodyPr wrap="square" rtlCol="0">
-            <a:spAutoFit/>
-          </a:bodyPr>
-          <a:lstStyle/>
-          <a:p>
-            <a:r>
-              <a:rPr lang="en-US" dirty="0" smtClean="0"/>
-              <a:t>e</a:t>
-            </a:r>
-            <a:r>
-              <a:rPr lang="en-US" baseline="30000" dirty="0" smtClean="0"/>
-              <a:t>p</a:t>
-            </a:r>
-            <a:r>
-              <a:rPr lang="en-US" baseline="-25000" dirty="0" smtClean="0"/>
-              <a:t>2</a:t>
-            </a:r>
-            <a:endParaRPr lang="en-US" baseline="-25000" dirty="0"/>
-          </a:p>
-        </p:txBody>
-      </p:sp>
-      <p:sp>
-        <p:nvSpPr>
-          <p:cNvPr id="53" name="TextBox 52"/>
-          <p:cNvSpPr txBox="1"/>
-          <p:nvPr/>
-        </p:nvSpPr>
-        <p:spPr>
-          <a:xfrm>
-            <a:off x="4619068" y="1832068"/>
-            <a:ext cx="400520" cy="369332"/>
-          </a:xfrm>
-          <a:prstGeom prst="rect">
-            <a:avLst/>
-          </a:prstGeom>
-          <a:noFill/>
-        </p:spPr>
-        <p:txBody>
-          <a:bodyPr wrap="square" rtlCol="0">
-            <a:spAutoFit/>
-          </a:bodyPr>
-          <a:lstStyle/>
-          <a:p>
-            <a:r>
-              <a:rPr lang="en-US" dirty="0" smtClean="0"/>
-              <a:t>e</a:t>
-            </a:r>
-            <a:r>
-              <a:rPr lang="en-US" baseline="-25000" dirty="0" smtClean="0"/>
-              <a:t>1</a:t>
-            </a:r>
-            <a:endParaRPr lang="en-US" baseline="-25000" dirty="0"/>
-          </a:p>
-        </p:txBody>
-      </p:sp>
-      <p:sp>
-        <p:nvSpPr>
-          <p:cNvPr id="54" name="TextBox 53"/>
-          <p:cNvSpPr txBox="1"/>
-          <p:nvPr/>
-        </p:nvSpPr>
-        <p:spPr>
-          <a:xfrm>
-            <a:off x="4231853" y="1719340"/>
-            <a:ext cx="374511" cy="369332"/>
-          </a:xfrm>
-          <a:prstGeom prst="rect">
-            <a:avLst/>
-          </a:prstGeom>
-          <a:noFill/>
-        </p:spPr>
-        <p:txBody>
-          <a:bodyPr wrap="square" rtlCol="0">
-            <a:spAutoFit/>
-          </a:bodyPr>
-          <a:lstStyle/>
-          <a:p>
-            <a:r>
-              <a:rPr lang="en-US" dirty="0" smtClean="0"/>
-              <a:t>e</a:t>
-            </a:r>
-            <a:r>
-              <a:rPr lang="en-US" baseline="-25000" dirty="0"/>
-              <a:t>2</a:t>
-            </a:r>
-          </a:p>
-        </p:txBody>
-      </p:sp>
-      <p:sp>
-        <p:nvSpPr>
-          <p:cNvPr id="46" name="TextBox 45"/>
-          <p:cNvSpPr txBox="1"/>
-          <p:nvPr/>
-        </p:nvSpPr>
-        <p:spPr>
-          <a:xfrm>
-            <a:off x="2489106" y="2103026"/>
-            <a:ext cx="889141" cy="461665"/>
-          </a:xfrm>
-          <a:prstGeom prst="rect">
-            <a:avLst/>
-          </a:prstGeom>
-          <a:noFill/>
-        </p:spPr>
-        <p:txBody>
-          <a:bodyPr wrap="square" rtlCol="0">
-            <a:spAutoFit/>
-          </a:bodyPr>
-          <a:lstStyle/>
-          <a:p>
-            <a:r>
-              <a:rPr lang="en-US" sz="2400" dirty="0" smtClean="0"/>
-              <a:t>g</a:t>
-            </a:r>
-            <a:r>
-              <a:rPr lang="en-US" sz="2400" baseline="30000" dirty="0" smtClean="0"/>
-              <a:t>t=2</a:t>
-            </a:r>
-            <a:endParaRPr lang="en-US" sz="2400" baseline="30000" dirty="0"/>
           </a:p>
         </p:txBody>
       </p:sp>

--- a/figures/figures.pptx
+++ b/figures/figures.pptx
@@ -301,7 +301,7 @@
           <a:p>
             <a:fld id="{AF8A4314-7EE0-3B48-A3CB-01AED7CBB16F}" type="datetimeFigureOut">
               <a:rPr lang="en-US" smtClean="0"/>
-              <a:t>11/17/12</a:t>
+              <a:t>11/18/12</a:t>
             </a:fld>
             <a:endParaRPr lang="en-US"/>
           </a:p>
@@ -471,7 +471,7 @@
           <a:p>
             <a:fld id="{AF8A4314-7EE0-3B48-A3CB-01AED7CBB16F}" type="datetimeFigureOut">
               <a:rPr lang="en-US" smtClean="0"/>
-              <a:t>11/17/12</a:t>
+              <a:t>11/18/12</a:t>
             </a:fld>
             <a:endParaRPr lang="en-US"/>
           </a:p>
@@ -651,7 +651,7 @@
           <a:p>
             <a:fld id="{AF8A4314-7EE0-3B48-A3CB-01AED7CBB16F}" type="datetimeFigureOut">
               <a:rPr lang="en-US" smtClean="0"/>
-              <a:t>11/17/12</a:t>
+              <a:t>11/18/12</a:t>
             </a:fld>
             <a:endParaRPr lang="en-US"/>
           </a:p>
@@ -821,7 +821,7 @@
           <a:p>
             <a:fld id="{AF8A4314-7EE0-3B48-A3CB-01AED7CBB16F}" type="datetimeFigureOut">
               <a:rPr lang="en-US" smtClean="0"/>
-              <a:t>11/17/12</a:t>
+              <a:t>11/18/12</a:t>
             </a:fld>
             <a:endParaRPr lang="en-US"/>
           </a:p>
@@ -1067,7 +1067,7 @@
           <a:p>
             <a:fld id="{AF8A4314-7EE0-3B48-A3CB-01AED7CBB16F}" type="datetimeFigureOut">
               <a:rPr lang="en-US" smtClean="0"/>
-              <a:t>11/17/12</a:t>
+              <a:t>11/18/12</a:t>
             </a:fld>
             <a:endParaRPr lang="en-US"/>
           </a:p>
@@ -1355,7 +1355,7 @@
           <a:p>
             <a:fld id="{AF8A4314-7EE0-3B48-A3CB-01AED7CBB16F}" type="datetimeFigureOut">
               <a:rPr lang="en-US" smtClean="0"/>
-              <a:t>11/17/12</a:t>
+              <a:t>11/18/12</a:t>
             </a:fld>
             <a:endParaRPr lang="en-US"/>
           </a:p>
@@ -1777,7 +1777,7 @@
           <a:p>
             <a:fld id="{AF8A4314-7EE0-3B48-A3CB-01AED7CBB16F}" type="datetimeFigureOut">
               <a:rPr lang="en-US" smtClean="0"/>
-              <a:t>11/17/12</a:t>
+              <a:t>11/18/12</a:t>
             </a:fld>
             <a:endParaRPr lang="en-US"/>
           </a:p>
@@ -1895,7 +1895,7 @@
           <a:p>
             <a:fld id="{AF8A4314-7EE0-3B48-A3CB-01AED7CBB16F}" type="datetimeFigureOut">
               <a:rPr lang="en-US" smtClean="0"/>
-              <a:t>11/17/12</a:t>
+              <a:t>11/18/12</a:t>
             </a:fld>
             <a:endParaRPr lang="en-US"/>
           </a:p>
@@ -1990,7 +1990,7 @@
           <a:p>
             <a:fld id="{AF8A4314-7EE0-3B48-A3CB-01AED7CBB16F}" type="datetimeFigureOut">
               <a:rPr lang="en-US" smtClean="0"/>
-              <a:t>11/17/12</a:t>
+              <a:t>11/18/12</a:t>
             </a:fld>
             <a:endParaRPr lang="en-US"/>
           </a:p>
@@ -2267,7 +2267,7 @@
           <a:p>
             <a:fld id="{AF8A4314-7EE0-3B48-A3CB-01AED7CBB16F}" type="datetimeFigureOut">
               <a:rPr lang="en-US" smtClean="0"/>
-              <a:t>11/17/12</a:t>
+              <a:t>11/18/12</a:t>
             </a:fld>
             <a:endParaRPr lang="en-US"/>
           </a:p>
@@ -2520,7 +2520,7 @@
           <a:p>
             <a:fld id="{AF8A4314-7EE0-3B48-A3CB-01AED7CBB16F}" type="datetimeFigureOut">
               <a:rPr lang="en-US" smtClean="0"/>
-              <a:t>11/17/12</a:t>
+              <a:t>11/18/12</a:t>
             </a:fld>
             <a:endParaRPr lang="en-US"/>
           </a:p>
@@ -2733,7 +2733,7 @@
           <a:p>
             <a:fld id="{AF8A4314-7EE0-3B48-A3CB-01AED7CBB16F}" type="datetimeFigureOut">
               <a:rPr lang="en-US" smtClean="0"/>
-              <a:t>11/17/12</a:t>
+              <a:t>11/18/12</a:t>
             </a:fld>
             <a:endParaRPr lang="en-US"/>
           </a:p>
@@ -10313,14 +10313,14 @@
           <p:nvPr>
             <p:extLst>
               <p:ext uri="{D42A27DB-BD31-4B8C-83A1-F6EECF244321}">
-                <p14:modId xmlns:p14="http://schemas.microsoft.com/office/powerpoint/2010/main" val="2497061050"/>
+                <p14:modId xmlns:p14="http://schemas.microsoft.com/office/powerpoint/2010/main" val="641924404"/>
               </p:ext>
             </p:extLst>
           </p:nvPr>
         </p:nvGraphicFramePr>
         <p:xfrm>
-          <a:off x="1524000" y="1397000"/>
-          <a:ext cx="4656668" cy="3295952"/>
+          <a:off x="1524000" y="1396998"/>
+          <a:ext cx="4495482" cy="3181866"/>
         </p:xfrm>
         <a:graphic>
           <a:graphicData uri="http://schemas.openxmlformats.org/drawingml/2006/table">
@@ -10329,21 +10329,70 @@
                 <a:tableStyleId>{3B4B98B0-60AC-42C2-AFA5-B58CD77FA1E5}</a:tableStyleId>
               </a:tblPr>
               <a:tblGrid>
-                <a:gridCol w="1164167"/>
-                <a:gridCol w="1164167"/>
-                <a:gridCol w="1164167"/>
-                <a:gridCol w="1164167"/>
+                <a:gridCol w="1498494"/>
+                <a:gridCol w="1498494"/>
+                <a:gridCol w="1498494"/>
               </a:tblGrid>
-              <a:tr h="823988">
+              <a:tr h="1060622">
                 <a:tc>
                   <a:txBody>
                     <a:bodyPr/>
                     <a:lstStyle/>
                     <a:p>
-                      <a:endParaRPr lang="en-US" dirty="0"/>
+                      <a:endParaRPr lang="en-US" sz="2300" dirty="0"/>
                     </a:p>
                   </a:txBody>
-                  <a:tcPr>
+                  <a:tcPr marL="117700" marR="117700" marT="58850" marB="58850">
+                    <a:lnL w="28575" cap="flat" cmpd="sng" algn="ctr">
+                      <a:solidFill>
+                        <a:scrgbClr r="0" g="0" b="0"/>
+                      </a:solidFill>
+                      <a:prstDash val="solid"/>
+                      <a:round/>
+                      <a:headEnd type="none" w="med" len="med"/>
+                      <a:tailEnd type="none" w="med" len="med"/>
+                    </a:lnL>
+                    <a:lnR w="12700" cap="flat" cmpd="sng" algn="ctr">
+                      <a:solidFill>
+                        <a:scrgbClr r="0" g="0" b="0"/>
+                      </a:solidFill>
+                      <a:prstDash val="solid"/>
+                      <a:round/>
+                      <a:headEnd type="none" w="med" len="med"/>
+                      <a:tailEnd type="none" w="med" len="med"/>
+                    </a:lnR>
+                    <a:lnT w="12700" cap="flat" cmpd="sng" algn="ctr">
+                      <a:solidFill>
+                        <a:scrgbClr r="0" g="0" b="0"/>
+                      </a:solidFill>
+                      <a:prstDash val="solid"/>
+                      <a:round/>
+                      <a:headEnd type="none" w="med" len="med"/>
+                      <a:tailEnd type="none" w="med" len="med"/>
+                    </a:lnT>
+                    <a:lnB w="12700" cap="flat" cmpd="sng" algn="ctr">
+                      <a:solidFill>
+                        <a:scrgbClr r="0" g="0" b="0"/>
+                      </a:solidFill>
+                      <a:prstDash val="solid"/>
+                      <a:round/>
+                      <a:headEnd type="none" w="med" len="med"/>
+                      <a:tailEnd type="none" w="med" len="med"/>
+                    </a:lnB>
+                    <a:solidFill>
+                      <a:schemeClr val="bg1"/>
+                    </a:solidFill>
+                  </a:tcPr>
+                </a:tc>
+                <a:tc>
+                  <a:txBody>
+                    <a:bodyPr/>
+                    <a:lstStyle/>
+                    <a:p>
+                      <a:endParaRPr lang="en-US" sz="2300"/>
+                    </a:p>
+                  </a:txBody>
+                  <a:tcPr marL="117700" marR="117700" marT="58850" marB="58850">
                     <a:lnL w="12700" cap="flat" cmpd="sng" algn="ctr">
                       <a:solidFill>
                         <a:scrgbClr r="0" g="0" b="0"/>
@@ -10390,10 +10439,112 @@
                     <a:bodyPr/>
                     <a:lstStyle/>
                     <a:p>
-                      <a:endParaRPr lang="en-US"/>
+                      <a:endParaRPr lang="en-US" sz="2300" dirty="0"/>
                     </a:p>
                   </a:txBody>
-                  <a:tcPr>
+                  <a:tcPr marL="117700" marR="117700" marT="58850" marB="58850">
+                    <a:lnL w="12700" cap="flat" cmpd="sng" algn="ctr">
+                      <a:solidFill>
+                        <a:scrgbClr r="0" g="0" b="0"/>
+                      </a:solidFill>
+                      <a:prstDash val="solid"/>
+                      <a:round/>
+                      <a:headEnd type="none" w="med" len="med"/>
+                      <a:tailEnd type="none" w="med" len="med"/>
+                    </a:lnL>
+                    <a:lnR w="28575" cap="flat" cmpd="sng" algn="ctr">
+                      <a:solidFill>
+                        <a:scrgbClr r="0" g="0" b="0"/>
+                      </a:solidFill>
+                      <a:prstDash val="solid"/>
+                      <a:round/>
+                      <a:headEnd type="none" w="med" len="med"/>
+                      <a:tailEnd type="none" w="med" len="med"/>
+                    </a:lnR>
+                    <a:lnT w="12700" cap="flat" cmpd="sng" algn="ctr">
+                      <a:solidFill>
+                        <a:scrgbClr r="0" g="0" b="0"/>
+                      </a:solidFill>
+                      <a:prstDash val="solid"/>
+                      <a:round/>
+                      <a:headEnd type="none" w="med" len="med"/>
+                      <a:tailEnd type="none" w="med" len="med"/>
+                    </a:lnT>
+                    <a:lnB w="12700" cap="flat" cmpd="sng" algn="ctr">
+                      <a:solidFill>
+                        <a:scrgbClr r="0" g="0" b="0"/>
+                      </a:solidFill>
+                      <a:prstDash val="solid"/>
+                      <a:round/>
+                      <a:headEnd type="none" w="med" len="med"/>
+                      <a:tailEnd type="none" w="med" len="med"/>
+                    </a:lnB>
+                    <a:solidFill>
+                      <a:schemeClr val="bg1"/>
+                    </a:solidFill>
+                  </a:tcPr>
+                </a:tc>
+              </a:tr>
+              <a:tr h="1060622">
+                <a:tc>
+                  <a:txBody>
+                    <a:bodyPr/>
+                    <a:lstStyle/>
+                    <a:p>
+                      <a:endParaRPr lang="en-US" sz="2300" dirty="0"/>
+                    </a:p>
+                  </a:txBody>
+                  <a:tcPr marL="117700" marR="117700" marT="58850" marB="58850">
+                    <a:lnL w="28575" cap="flat" cmpd="sng" algn="ctr">
+                      <a:solidFill>
+                        <a:scrgbClr r="0" g="0" b="0"/>
+                      </a:solidFill>
+                      <a:prstDash val="solid"/>
+                      <a:round/>
+                      <a:headEnd type="none" w="med" len="med"/>
+                      <a:tailEnd type="none" w="med" len="med"/>
+                    </a:lnL>
+                    <a:lnR w="12700" cap="flat" cmpd="sng" algn="ctr">
+                      <a:solidFill>
+                        <a:scrgbClr r="0" g="0" b="0"/>
+                      </a:solidFill>
+                      <a:prstDash val="solid"/>
+                      <a:round/>
+                      <a:headEnd type="none" w="med" len="med"/>
+                      <a:tailEnd type="none" w="med" len="med"/>
+                    </a:lnR>
+                    <a:lnT w="12700" cap="flat" cmpd="sng" algn="ctr">
+                      <a:solidFill>
+                        <a:scrgbClr r="0" g="0" b="0"/>
+                      </a:solidFill>
+                      <a:prstDash val="solid"/>
+                      <a:round/>
+                      <a:headEnd type="none" w="med" len="med"/>
+                      <a:tailEnd type="none" w="med" len="med"/>
+                    </a:lnT>
+                    <a:lnB w="12700" cap="flat" cmpd="sng" algn="ctr">
+                      <a:solidFill>
+                        <a:scrgbClr r="0" g="0" b="0"/>
+                      </a:solidFill>
+                      <a:prstDash val="solid"/>
+                      <a:round/>
+                      <a:headEnd type="none" w="med" len="med"/>
+                      <a:tailEnd type="none" w="med" len="med"/>
+                    </a:lnB>
+                    <a:solidFill>
+                      <a:schemeClr val="bg1"/>
+                    </a:solidFill>
+                  </a:tcPr>
+                </a:tc>
+                <a:tc>
+                  <a:txBody>
+                    <a:bodyPr/>
+                    <a:lstStyle/>
+                    <a:p>
+                      <a:endParaRPr lang="en-US" sz="2300"/>
+                    </a:p>
+                  </a:txBody>
+                  <a:tcPr marL="117700" marR="117700" marT="58850" marB="58850">
                     <a:lnL w="12700" cap="flat" cmpd="sng" algn="ctr">
                       <a:solidFill>
                         <a:scrgbClr r="0" g="0" b="0"/>
@@ -10440,10 +10591,10 @@
                     <a:bodyPr/>
                     <a:lstStyle/>
                     <a:p>
-                      <a:endParaRPr lang="en-US" dirty="0"/>
+                      <a:endParaRPr lang="en-US" sz="2300"/>
                     </a:p>
                   </a:txBody>
-                  <a:tcPr>
+                  <a:tcPr marL="117700" marR="117700" marT="58850" marB="58850">
                     <a:lnL w="12700" cap="flat" cmpd="sng" algn="ctr">
                       <a:solidFill>
                         <a:scrgbClr r="0" g="0" b="0"/>
@@ -10453,57 +10604,7 @@
                       <a:headEnd type="none" w="med" len="med"/>
                       <a:tailEnd type="none" w="med" len="med"/>
                     </a:lnL>
-                    <a:lnR w="12700" cap="flat" cmpd="sng" algn="ctr">
-                      <a:solidFill>
-                        <a:scrgbClr r="0" g="0" b="0"/>
-                      </a:solidFill>
-                      <a:prstDash val="solid"/>
-                      <a:round/>
-                      <a:headEnd type="none" w="med" len="med"/>
-                      <a:tailEnd type="none" w="med" len="med"/>
-                    </a:lnR>
-                    <a:lnT w="12700" cap="flat" cmpd="sng" algn="ctr">
-                      <a:solidFill>
-                        <a:scrgbClr r="0" g="0" b="0"/>
-                      </a:solidFill>
-                      <a:prstDash val="solid"/>
-                      <a:round/>
-                      <a:headEnd type="none" w="med" len="med"/>
-                      <a:tailEnd type="none" w="med" len="med"/>
-                    </a:lnT>
-                    <a:lnB w="12700" cap="flat" cmpd="sng" algn="ctr">
-                      <a:solidFill>
-                        <a:scrgbClr r="0" g="0" b="0"/>
-                      </a:solidFill>
-                      <a:prstDash val="solid"/>
-                      <a:round/>
-                      <a:headEnd type="none" w="med" len="med"/>
-                      <a:tailEnd type="none" w="med" len="med"/>
-                    </a:lnB>
-                    <a:solidFill>
-                      <a:schemeClr val="bg1"/>
-                    </a:solidFill>
-                  </a:tcPr>
-                </a:tc>
-                <a:tc>
-                  <a:txBody>
-                    <a:bodyPr/>
-                    <a:lstStyle/>
-                    <a:p>
-                      <a:endParaRPr lang="en-US"/>
-                    </a:p>
-                  </a:txBody>
-                  <a:tcPr>
-                    <a:lnL w="12700" cap="flat" cmpd="sng" algn="ctr">
-                      <a:solidFill>
-                        <a:scrgbClr r="0" g="0" b="0"/>
-                      </a:solidFill>
-                      <a:prstDash val="solid"/>
-                      <a:round/>
-                      <a:headEnd type="none" w="med" len="med"/>
-                      <a:tailEnd type="none" w="med" len="med"/>
-                    </a:lnL>
-                    <a:lnR w="12700" cap="flat" cmpd="sng" algn="ctr">
+                    <a:lnR w="28575" cap="flat" cmpd="sng" algn="ctr">
                       <a:solidFill>
                         <a:scrgbClr r="0" g="0" b="0"/>
                       </a:solidFill>
@@ -10536,16 +10637,66 @@
                   </a:tcPr>
                 </a:tc>
               </a:tr>
-              <a:tr h="823988">
+              <a:tr h="1060622">
                 <a:tc>
                   <a:txBody>
                     <a:bodyPr/>
                     <a:lstStyle/>
                     <a:p>
-                      <a:endParaRPr lang="en-US" dirty="0"/>
+                      <a:endParaRPr lang="en-US" sz="2300" dirty="0"/>
                     </a:p>
                   </a:txBody>
-                  <a:tcPr>
+                  <a:tcPr marL="117700" marR="117700" marT="58850" marB="58850">
+                    <a:lnL w="28575" cap="flat" cmpd="sng" algn="ctr">
+                      <a:solidFill>
+                        <a:scrgbClr r="0" g="0" b="0"/>
+                      </a:solidFill>
+                      <a:prstDash val="solid"/>
+                      <a:round/>
+                      <a:headEnd type="none" w="med" len="med"/>
+                      <a:tailEnd type="none" w="med" len="med"/>
+                    </a:lnL>
+                    <a:lnR w="12700" cap="flat" cmpd="sng" algn="ctr">
+                      <a:solidFill>
+                        <a:scrgbClr r="0" g="0" b="0"/>
+                      </a:solidFill>
+                      <a:prstDash val="solid"/>
+                      <a:round/>
+                      <a:headEnd type="none" w="med" len="med"/>
+                      <a:tailEnd type="none" w="med" len="med"/>
+                    </a:lnR>
+                    <a:lnT w="12700" cap="flat" cmpd="sng" algn="ctr">
+                      <a:solidFill>
+                        <a:scrgbClr r="0" g="0" b="0"/>
+                      </a:solidFill>
+                      <a:prstDash val="solid"/>
+                      <a:round/>
+                      <a:headEnd type="none" w="med" len="med"/>
+                      <a:tailEnd type="none" w="med" len="med"/>
+                    </a:lnT>
+                    <a:lnB w="28575" cap="flat" cmpd="sng" algn="ctr">
+                      <a:solidFill>
+                        <a:scrgbClr r="0" g="0" b="0"/>
+                      </a:solidFill>
+                      <a:prstDash val="solid"/>
+                      <a:round/>
+                      <a:headEnd type="none" w="med" len="med"/>
+                      <a:tailEnd type="none" w="med" len="med"/>
+                    </a:lnB>
+                    <a:solidFill>
+                      <a:schemeClr val="bg1"/>
+                    </a:solidFill>
+                  </a:tcPr>
+                </a:tc>
+                <a:tc>
+                  <a:txBody>
+                    <a:bodyPr/>
+                    <a:lstStyle/>
+                    <a:p>
+                      <a:endParaRPr lang="en-US" sz="2300" dirty="0"/>
+                    </a:p>
+                  </a:txBody>
+                  <a:tcPr marL="117700" marR="117700" marT="58850" marB="58850">
                     <a:lnL w="12700" cap="flat" cmpd="sng" algn="ctr">
                       <a:solidFill>
                         <a:scrgbClr r="0" g="0" b="0"/>
@@ -10573,7 +10724,7 @@
                       <a:headEnd type="none" w="med" len="med"/>
                       <a:tailEnd type="none" w="med" len="med"/>
                     </a:lnT>
-                    <a:lnB w="12700" cap="flat" cmpd="sng" algn="ctr">
+                    <a:lnB w="28575" cap="flat" cmpd="sng" algn="ctr">
                       <a:solidFill>
                         <a:scrgbClr r="0" g="0" b="0"/>
                       </a:solidFill>
@@ -10592,10 +10743,10 @@
                     <a:bodyPr/>
                     <a:lstStyle/>
                     <a:p>
-                      <a:endParaRPr lang="en-US"/>
+                      <a:endParaRPr lang="en-US" sz="2300" dirty="0"/>
                     </a:p>
                   </a:txBody>
-                  <a:tcPr>
+                  <a:tcPr marL="117700" marR="117700" marT="58850" marB="58850">
                     <a:lnL w="12700" cap="flat" cmpd="sng" algn="ctr">
                       <a:solidFill>
                         <a:scrgbClr r="0" g="0" b="0"/>
@@ -10605,7 +10756,7 @@
                       <a:headEnd type="none" w="med" len="med"/>
                       <a:tailEnd type="none" w="med" len="med"/>
                     </a:lnL>
-                    <a:lnR w="12700" cap="flat" cmpd="sng" algn="ctr">
+                    <a:lnR w="28575" cap="flat" cmpd="sng" algn="ctr">
                       <a:solidFill>
                         <a:scrgbClr r="0" g="0" b="0"/>
                       </a:solidFill>
@@ -10623,511 +10774,7 @@
                       <a:headEnd type="none" w="med" len="med"/>
                       <a:tailEnd type="none" w="med" len="med"/>
                     </a:lnT>
-                    <a:lnB w="12700" cap="flat" cmpd="sng" algn="ctr">
-                      <a:solidFill>
-                        <a:scrgbClr r="0" g="0" b="0"/>
-                      </a:solidFill>
-                      <a:prstDash val="solid"/>
-                      <a:round/>
-                      <a:headEnd type="none" w="med" len="med"/>
-                      <a:tailEnd type="none" w="med" len="med"/>
-                    </a:lnB>
-                    <a:solidFill>
-                      <a:schemeClr val="bg1"/>
-                    </a:solidFill>
-                  </a:tcPr>
-                </a:tc>
-                <a:tc>
-                  <a:txBody>
-                    <a:bodyPr/>
-                    <a:lstStyle/>
-                    <a:p>
-                      <a:endParaRPr lang="en-US"/>
-                    </a:p>
-                  </a:txBody>
-                  <a:tcPr>
-                    <a:lnL w="12700" cap="flat" cmpd="sng" algn="ctr">
-                      <a:solidFill>
-                        <a:scrgbClr r="0" g="0" b="0"/>
-                      </a:solidFill>
-                      <a:prstDash val="solid"/>
-                      <a:round/>
-                      <a:headEnd type="none" w="med" len="med"/>
-                      <a:tailEnd type="none" w="med" len="med"/>
-                    </a:lnL>
-                    <a:lnR w="12700" cap="flat" cmpd="sng" algn="ctr">
-                      <a:solidFill>
-                        <a:scrgbClr r="0" g="0" b="0"/>
-                      </a:solidFill>
-                      <a:prstDash val="solid"/>
-                      <a:round/>
-                      <a:headEnd type="none" w="med" len="med"/>
-                      <a:tailEnd type="none" w="med" len="med"/>
-                    </a:lnR>
-                    <a:lnT w="12700" cap="flat" cmpd="sng" algn="ctr">
-                      <a:solidFill>
-                        <a:scrgbClr r="0" g="0" b="0"/>
-                      </a:solidFill>
-                      <a:prstDash val="solid"/>
-                      <a:round/>
-                      <a:headEnd type="none" w="med" len="med"/>
-                      <a:tailEnd type="none" w="med" len="med"/>
-                    </a:lnT>
-                    <a:lnB w="12700" cap="flat" cmpd="sng" algn="ctr">
-                      <a:solidFill>
-                        <a:scrgbClr r="0" g="0" b="0"/>
-                      </a:solidFill>
-                      <a:prstDash val="solid"/>
-                      <a:round/>
-                      <a:headEnd type="none" w="med" len="med"/>
-                      <a:tailEnd type="none" w="med" len="med"/>
-                    </a:lnB>
-                    <a:solidFill>
-                      <a:schemeClr val="bg1"/>
-                    </a:solidFill>
-                  </a:tcPr>
-                </a:tc>
-                <a:tc>
-                  <a:txBody>
-                    <a:bodyPr/>
-                    <a:lstStyle/>
-                    <a:p>
-                      <a:endParaRPr lang="en-US"/>
-                    </a:p>
-                  </a:txBody>
-                  <a:tcPr>
-                    <a:lnL w="12700" cap="flat" cmpd="sng" algn="ctr">
-                      <a:solidFill>
-                        <a:scrgbClr r="0" g="0" b="0"/>
-                      </a:solidFill>
-                      <a:prstDash val="solid"/>
-                      <a:round/>
-                      <a:headEnd type="none" w="med" len="med"/>
-                      <a:tailEnd type="none" w="med" len="med"/>
-                    </a:lnL>
-                    <a:lnR w="12700" cap="flat" cmpd="sng" algn="ctr">
-                      <a:solidFill>
-                        <a:scrgbClr r="0" g="0" b="0"/>
-                      </a:solidFill>
-                      <a:prstDash val="solid"/>
-                      <a:round/>
-                      <a:headEnd type="none" w="med" len="med"/>
-                      <a:tailEnd type="none" w="med" len="med"/>
-                    </a:lnR>
-                    <a:lnT w="12700" cap="flat" cmpd="sng" algn="ctr">
-                      <a:solidFill>
-                        <a:scrgbClr r="0" g="0" b="0"/>
-                      </a:solidFill>
-                      <a:prstDash val="solid"/>
-                      <a:round/>
-                      <a:headEnd type="none" w="med" len="med"/>
-                      <a:tailEnd type="none" w="med" len="med"/>
-                    </a:lnT>
-                    <a:lnB w="12700" cap="flat" cmpd="sng" algn="ctr">
-                      <a:solidFill>
-                        <a:scrgbClr r="0" g="0" b="0"/>
-                      </a:solidFill>
-                      <a:prstDash val="solid"/>
-                      <a:round/>
-                      <a:headEnd type="none" w="med" len="med"/>
-                      <a:tailEnd type="none" w="med" len="med"/>
-                    </a:lnB>
-                    <a:solidFill>
-                      <a:schemeClr val="bg1"/>
-                    </a:solidFill>
-                  </a:tcPr>
-                </a:tc>
-              </a:tr>
-              <a:tr h="823988">
-                <a:tc>
-                  <a:txBody>
-                    <a:bodyPr/>
-                    <a:lstStyle/>
-                    <a:p>
-                      <a:endParaRPr lang="en-US"/>
-                    </a:p>
-                  </a:txBody>
-                  <a:tcPr>
-                    <a:lnL w="12700" cap="flat" cmpd="sng" algn="ctr">
-                      <a:solidFill>
-                        <a:scrgbClr r="0" g="0" b="0"/>
-                      </a:solidFill>
-                      <a:prstDash val="solid"/>
-                      <a:round/>
-                      <a:headEnd type="none" w="med" len="med"/>
-                      <a:tailEnd type="none" w="med" len="med"/>
-                    </a:lnL>
-                    <a:lnR w="12700" cap="flat" cmpd="sng" algn="ctr">
-                      <a:solidFill>
-                        <a:scrgbClr r="0" g="0" b="0"/>
-                      </a:solidFill>
-                      <a:prstDash val="solid"/>
-                      <a:round/>
-                      <a:headEnd type="none" w="med" len="med"/>
-                      <a:tailEnd type="none" w="med" len="med"/>
-                    </a:lnR>
-                    <a:lnT w="12700" cap="flat" cmpd="sng" algn="ctr">
-                      <a:solidFill>
-                        <a:scrgbClr r="0" g="0" b="0"/>
-                      </a:solidFill>
-                      <a:prstDash val="solid"/>
-                      <a:round/>
-                      <a:headEnd type="none" w="med" len="med"/>
-                      <a:tailEnd type="none" w="med" len="med"/>
-                    </a:lnT>
-                    <a:lnB w="12700" cap="flat" cmpd="sng" algn="ctr">
-                      <a:solidFill>
-                        <a:scrgbClr r="0" g="0" b="0"/>
-                      </a:solidFill>
-                      <a:prstDash val="solid"/>
-                      <a:round/>
-                      <a:headEnd type="none" w="med" len="med"/>
-                      <a:tailEnd type="none" w="med" len="med"/>
-                    </a:lnB>
-                    <a:solidFill>
-                      <a:schemeClr val="bg1"/>
-                    </a:solidFill>
-                  </a:tcPr>
-                </a:tc>
-                <a:tc>
-                  <a:txBody>
-                    <a:bodyPr/>
-                    <a:lstStyle/>
-                    <a:p>
-                      <a:endParaRPr lang="en-US"/>
-                    </a:p>
-                  </a:txBody>
-                  <a:tcPr>
-                    <a:lnL w="12700" cap="flat" cmpd="sng" algn="ctr">
-                      <a:solidFill>
-                        <a:scrgbClr r="0" g="0" b="0"/>
-                      </a:solidFill>
-                      <a:prstDash val="solid"/>
-                      <a:round/>
-                      <a:headEnd type="none" w="med" len="med"/>
-                      <a:tailEnd type="none" w="med" len="med"/>
-                    </a:lnL>
-                    <a:lnR w="12700" cap="flat" cmpd="sng" algn="ctr">
-                      <a:solidFill>
-                        <a:scrgbClr r="0" g="0" b="0"/>
-                      </a:solidFill>
-                      <a:prstDash val="solid"/>
-                      <a:round/>
-                      <a:headEnd type="none" w="med" len="med"/>
-                      <a:tailEnd type="none" w="med" len="med"/>
-                    </a:lnR>
-                    <a:lnT w="12700" cap="flat" cmpd="sng" algn="ctr">
-                      <a:solidFill>
-                        <a:scrgbClr r="0" g="0" b="0"/>
-                      </a:solidFill>
-                      <a:prstDash val="solid"/>
-                      <a:round/>
-                      <a:headEnd type="none" w="med" len="med"/>
-                      <a:tailEnd type="none" w="med" len="med"/>
-                    </a:lnT>
-                    <a:lnB w="12700" cap="flat" cmpd="sng" algn="ctr">
-                      <a:solidFill>
-                        <a:scrgbClr r="0" g="0" b="0"/>
-                      </a:solidFill>
-                      <a:prstDash val="solid"/>
-                      <a:round/>
-                      <a:headEnd type="none" w="med" len="med"/>
-                      <a:tailEnd type="none" w="med" len="med"/>
-                    </a:lnB>
-                    <a:solidFill>
-                      <a:schemeClr val="bg1"/>
-                    </a:solidFill>
-                  </a:tcPr>
-                </a:tc>
-                <a:tc>
-                  <a:txBody>
-                    <a:bodyPr/>
-                    <a:lstStyle/>
-                    <a:p>
-                      <a:endParaRPr lang="en-US"/>
-                    </a:p>
-                  </a:txBody>
-                  <a:tcPr>
-                    <a:lnL w="12700" cap="flat" cmpd="sng" algn="ctr">
-                      <a:solidFill>
-                        <a:scrgbClr r="0" g="0" b="0"/>
-                      </a:solidFill>
-                      <a:prstDash val="solid"/>
-                      <a:round/>
-                      <a:headEnd type="none" w="med" len="med"/>
-                      <a:tailEnd type="none" w="med" len="med"/>
-                    </a:lnL>
-                    <a:lnR w="12700" cap="flat" cmpd="sng" algn="ctr">
-                      <a:solidFill>
-                        <a:scrgbClr r="0" g="0" b="0"/>
-                      </a:solidFill>
-                      <a:prstDash val="solid"/>
-                      <a:round/>
-                      <a:headEnd type="none" w="med" len="med"/>
-                      <a:tailEnd type="none" w="med" len="med"/>
-                    </a:lnR>
-                    <a:lnT w="12700" cap="flat" cmpd="sng" algn="ctr">
-                      <a:solidFill>
-                        <a:scrgbClr r="0" g="0" b="0"/>
-                      </a:solidFill>
-                      <a:prstDash val="solid"/>
-                      <a:round/>
-                      <a:headEnd type="none" w="med" len="med"/>
-                      <a:tailEnd type="none" w="med" len="med"/>
-                    </a:lnT>
-                    <a:lnB w="12700" cap="flat" cmpd="sng" algn="ctr">
-                      <a:solidFill>
-                        <a:scrgbClr r="0" g="0" b="0"/>
-                      </a:solidFill>
-                      <a:prstDash val="solid"/>
-                      <a:round/>
-                      <a:headEnd type="none" w="med" len="med"/>
-                      <a:tailEnd type="none" w="med" len="med"/>
-                    </a:lnB>
-                    <a:solidFill>
-                      <a:schemeClr val="bg1"/>
-                    </a:solidFill>
-                  </a:tcPr>
-                </a:tc>
-                <a:tc>
-                  <a:txBody>
-                    <a:bodyPr/>
-                    <a:lstStyle/>
-                    <a:p>
-                      <a:endParaRPr lang="en-US"/>
-                    </a:p>
-                  </a:txBody>
-                  <a:tcPr>
-                    <a:lnL w="12700" cap="flat" cmpd="sng" algn="ctr">
-                      <a:solidFill>
-                        <a:scrgbClr r="0" g="0" b="0"/>
-                      </a:solidFill>
-                      <a:prstDash val="solid"/>
-                      <a:round/>
-                      <a:headEnd type="none" w="med" len="med"/>
-                      <a:tailEnd type="none" w="med" len="med"/>
-                    </a:lnL>
-                    <a:lnR w="12700" cap="flat" cmpd="sng" algn="ctr">
-                      <a:solidFill>
-                        <a:scrgbClr r="0" g="0" b="0"/>
-                      </a:solidFill>
-                      <a:prstDash val="solid"/>
-                      <a:round/>
-                      <a:headEnd type="none" w="med" len="med"/>
-                      <a:tailEnd type="none" w="med" len="med"/>
-                    </a:lnR>
-                    <a:lnT w="12700" cap="flat" cmpd="sng" algn="ctr">
-                      <a:solidFill>
-                        <a:scrgbClr r="0" g="0" b="0"/>
-                      </a:solidFill>
-                      <a:prstDash val="solid"/>
-                      <a:round/>
-                      <a:headEnd type="none" w="med" len="med"/>
-                      <a:tailEnd type="none" w="med" len="med"/>
-                    </a:lnT>
-                    <a:lnB w="12700" cap="flat" cmpd="sng" algn="ctr">
-                      <a:solidFill>
-                        <a:scrgbClr r="0" g="0" b="0"/>
-                      </a:solidFill>
-                      <a:prstDash val="solid"/>
-                      <a:round/>
-                      <a:headEnd type="none" w="med" len="med"/>
-                      <a:tailEnd type="none" w="med" len="med"/>
-                    </a:lnB>
-                    <a:solidFill>
-                      <a:schemeClr val="bg1"/>
-                    </a:solidFill>
-                  </a:tcPr>
-                </a:tc>
-              </a:tr>
-              <a:tr h="823988">
-                <a:tc>
-                  <a:txBody>
-                    <a:bodyPr/>
-                    <a:lstStyle/>
-                    <a:p>
-                      <a:endParaRPr lang="en-US"/>
-                    </a:p>
-                  </a:txBody>
-                  <a:tcPr>
-                    <a:lnL w="12700" cap="flat" cmpd="sng" algn="ctr">
-                      <a:solidFill>
-                        <a:scrgbClr r="0" g="0" b="0"/>
-                      </a:solidFill>
-                      <a:prstDash val="solid"/>
-                      <a:round/>
-                      <a:headEnd type="none" w="med" len="med"/>
-                      <a:tailEnd type="none" w="med" len="med"/>
-                    </a:lnL>
-                    <a:lnR w="12700" cap="flat" cmpd="sng" algn="ctr">
-                      <a:solidFill>
-                        <a:scrgbClr r="0" g="0" b="0"/>
-                      </a:solidFill>
-                      <a:prstDash val="solid"/>
-                      <a:round/>
-                      <a:headEnd type="none" w="med" len="med"/>
-                      <a:tailEnd type="none" w="med" len="med"/>
-                    </a:lnR>
-                    <a:lnT w="12700" cap="flat" cmpd="sng" algn="ctr">
-                      <a:solidFill>
-                        <a:scrgbClr r="0" g="0" b="0"/>
-                      </a:solidFill>
-                      <a:prstDash val="solid"/>
-                      <a:round/>
-                      <a:headEnd type="none" w="med" len="med"/>
-                      <a:tailEnd type="none" w="med" len="med"/>
-                    </a:lnT>
-                    <a:lnB w="12700" cap="flat" cmpd="sng" algn="ctr">
-                      <a:solidFill>
-                        <a:scrgbClr r="0" g="0" b="0"/>
-                      </a:solidFill>
-                      <a:prstDash val="solid"/>
-                      <a:round/>
-                      <a:headEnd type="none" w="med" len="med"/>
-                      <a:tailEnd type="none" w="med" len="med"/>
-                    </a:lnB>
-                    <a:solidFill>
-                      <a:schemeClr val="bg1"/>
-                    </a:solidFill>
-                  </a:tcPr>
-                </a:tc>
-                <a:tc>
-                  <a:txBody>
-                    <a:bodyPr/>
-                    <a:lstStyle/>
-                    <a:p>
-                      <a:endParaRPr lang="en-US"/>
-                    </a:p>
-                  </a:txBody>
-                  <a:tcPr>
-                    <a:lnL w="12700" cap="flat" cmpd="sng" algn="ctr">
-                      <a:solidFill>
-                        <a:scrgbClr r="0" g="0" b="0"/>
-                      </a:solidFill>
-                      <a:prstDash val="solid"/>
-                      <a:round/>
-                      <a:headEnd type="none" w="med" len="med"/>
-                      <a:tailEnd type="none" w="med" len="med"/>
-                    </a:lnL>
-                    <a:lnR w="12700" cap="flat" cmpd="sng" algn="ctr">
-                      <a:solidFill>
-                        <a:scrgbClr r="0" g="0" b="0"/>
-                      </a:solidFill>
-                      <a:prstDash val="solid"/>
-                      <a:round/>
-                      <a:headEnd type="none" w="med" len="med"/>
-                      <a:tailEnd type="none" w="med" len="med"/>
-                    </a:lnR>
-                    <a:lnT w="12700" cap="flat" cmpd="sng" algn="ctr">
-                      <a:solidFill>
-                        <a:scrgbClr r="0" g="0" b="0"/>
-                      </a:solidFill>
-                      <a:prstDash val="solid"/>
-                      <a:round/>
-                      <a:headEnd type="none" w="med" len="med"/>
-                      <a:tailEnd type="none" w="med" len="med"/>
-                    </a:lnT>
-                    <a:lnB w="12700" cap="flat" cmpd="sng" algn="ctr">
-                      <a:solidFill>
-                        <a:scrgbClr r="0" g="0" b="0"/>
-                      </a:solidFill>
-                      <a:prstDash val="solid"/>
-                      <a:round/>
-                      <a:headEnd type="none" w="med" len="med"/>
-                      <a:tailEnd type="none" w="med" len="med"/>
-                    </a:lnB>
-                    <a:solidFill>
-                      <a:schemeClr val="bg1"/>
-                    </a:solidFill>
-                  </a:tcPr>
-                </a:tc>
-                <a:tc>
-                  <a:txBody>
-                    <a:bodyPr/>
-                    <a:lstStyle/>
-                    <a:p>
-                      <a:endParaRPr lang="en-US"/>
-                    </a:p>
-                  </a:txBody>
-                  <a:tcPr>
-                    <a:lnL w="12700" cap="flat" cmpd="sng" algn="ctr">
-                      <a:solidFill>
-                        <a:scrgbClr r="0" g="0" b="0"/>
-                      </a:solidFill>
-                      <a:prstDash val="solid"/>
-                      <a:round/>
-                      <a:headEnd type="none" w="med" len="med"/>
-                      <a:tailEnd type="none" w="med" len="med"/>
-                    </a:lnL>
-                    <a:lnR w="12700" cap="flat" cmpd="sng" algn="ctr">
-                      <a:solidFill>
-                        <a:scrgbClr r="0" g="0" b="0"/>
-                      </a:solidFill>
-                      <a:prstDash val="solid"/>
-                      <a:round/>
-                      <a:headEnd type="none" w="med" len="med"/>
-                      <a:tailEnd type="none" w="med" len="med"/>
-                    </a:lnR>
-                    <a:lnT w="12700" cap="flat" cmpd="sng" algn="ctr">
-                      <a:solidFill>
-                        <a:scrgbClr r="0" g="0" b="0"/>
-                      </a:solidFill>
-                      <a:prstDash val="solid"/>
-                      <a:round/>
-                      <a:headEnd type="none" w="med" len="med"/>
-                      <a:tailEnd type="none" w="med" len="med"/>
-                    </a:lnT>
-                    <a:lnB w="12700" cap="flat" cmpd="sng" algn="ctr">
-                      <a:solidFill>
-                        <a:scrgbClr r="0" g="0" b="0"/>
-                      </a:solidFill>
-                      <a:prstDash val="solid"/>
-                      <a:round/>
-                      <a:headEnd type="none" w="med" len="med"/>
-                      <a:tailEnd type="none" w="med" len="med"/>
-                    </a:lnB>
-                    <a:solidFill>
-                      <a:schemeClr val="bg1"/>
-                    </a:solidFill>
-                  </a:tcPr>
-                </a:tc>
-                <a:tc>
-                  <a:txBody>
-                    <a:bodyPr/>
-                    <a:lstStyle/>
-                    <a:p>
-                      <a:endParaRPr lang="en-US" dirty="0"/>
-                    </a:p>
-                  </a:txBody>
-                  <a:tcPr>
-                    <a:lnL w="12700" cap="flat" cmpd="sng" algn="ctr">
-                      <a:solidFill>
-                        <a:scrgbClr r="0" g="0" b="0"/>
-                      </a:solidFill>
-                      <a:prstDash val="solid"/>
-                      <a:round/>
-                      <a:headEnd type="none" w="med" len="med"/>
-                      <a:tailEnd type="none" w="med" len="med"/>
-                    </a:lnL>
-                    <a:lnR w="12700" cap="flat" cmpd="sng" algn="ctr">
-                      <a:solidFill>
-                        <a:scrgbClr r="0" g="0" b="0"/>
-                      </a:solidFill>
-                      <a:prstDash val="solid"/>
-                      <a:round/>
-                      <a:headEnd type="none" w="med" len="med"/>
-                      <a:tailEnd type="none" w="med" len="med"/>
-                    </a:lnR>
-                    <a:lnT w="12700" cap="flat" cmpd="sng" algn="ctr">
-                      <a:solidFill>
-                        <a:scrgbClr r="0" g="0" b="0"/>
-                      </a:solidFill>
-                      <a:prstDash val="solid"/>
-                      <a:round/>
-                      <a:headEnd type="none" w="med" len="med"/>
-                      <a:tailEnd type="none" w="med" len="med"/>
-                    </a:lnT>
-                    <a:lnB w="12700" cap="flat" cmpd="sng" algn="ctr">
+                    <a:lnB w="28575" cap="flat" cmpd="sng" algn="ctr">
                       <a:solidFill>
                         <a:scrgbClr r="0" g="0" b="0"/>
                       </a:solidFill>
@@ -11154,7 +10801,7 @@
         </p:nvSpPr>
         <p:spPr>
           <a:xfrm>
-            <a:off x="3447143" y="4862286"/>
+            <a:off x="3371630" y="5219850"/>
             <a:ext cx="1403048" cy="369332"/>
           </a:xfrm>
           <a:prstGeom prst="rect">
@@ -11170,7 +10817,7 @@
           <a:p>
             <a:r>
               <a:rPr lang="en-US" dirty="0" smtClean="0"/>
-              <a:t>M</a:t>
+              <a:t>M columns</a:t>
             </a:r>
             <a:endParaRPr lang="en-US" dirty="0"/>
           </a:p>
@@ -11184,7 +10831,7 @@
         </p:nvSpPr>
         <p:spPr>
           <a:xfrm>
-            <a:off x="6405638" y="2402114"/>
+            <a:off x="6742016" y="2676709"/>
             <a:ext cx="1403048" cy="369332"/>
           </a:xfrm>
           <a:prstGeom prst="rect">
@@ -11200,7 +10847,7 @@
           <a:p>
             <a:r>
               <a:rPr lang="en-US" dirty="0" smtClean="0"/>
-              <a:t>N</a:t>
+              <a:t>N rows</a:t>
             </a:r>
             <a:endParaRPr lang="en-US" dirty="0"/>
           </a:p>
@@ -11214,8 +10861,8 @@
         </p:nvSpPr>
         <p:spPr>
           <a:xfrm>
-            <a:off x="2987524" y="3132667"/>
-            <a:ext cx="634737" cy="616857"/>
+            <a:off x="1779307" y="2508600"/>
+            <a:ext cx="973503" cy="946080"/>
           </a:xfrm>
           <a:prstGeom prst="plaque">
             <a:avLst/>
@@ -11240,7 +10887,145 @@
           <a:lstStyle/>
           <a:p>
             <a:pPr algn="ctr"/>
+            <a:r>
+              <a:rPr lang="en-US" dirty="0" smtClean="0">
+                <a:solidFill>
+                  <a:schemeClr val="tx1"/>
+                </a:solidFill>
+              </a:rPr>
+              <a:t>Robot</a:t>
+            </a:r>
+            <a:endParaRPr lang="en-US" dirty="0">
+              <a:solidFill>
+                <a:schemeClr val="tx1"/>
+              </a:solidFill>
+            </a:endParaRPr>
+          </a:p>
+        </p:txBody>
+      </p:sp>
+      <p:sp>
+        <p:nvSpPr>
+          <p:cNvPr id="2" name="Right Brace 1"/>
+          <p:cNvSpPr/>
+          <p:nvPr/>
+        </p:nvSpPr>
+        <p:spPr>
+          <a:xfrm>
+            <a:off x="6134475" y="1472512"/>
+            <a:ext cx="542325" cy="3027405"/>
+          </a:xfrm>
+          <a:prstGeom prst="rightBrace">
+            <a:avLst/>
+          </a:prstGeom>
+        </p:spPr>
+        <p:style>
+          <a:lnRef idx="2">
+            <a:schemeClr val="dk1"/>
+          </a:lnRef>
+          <a:fillRef idx="0">
+            <a:schemeClr val="dk1"/>
+          </a:fillRef>
+          <a:effectRef idx="1">
+            <a:schemeClr val="dk1"/>
+          </a:effectRef>
+          <a:fontRef idx="minor">
+            <a:schemeClr val="tx1"/>
+          </a:fontRef>
+        </p:style>
+        <p:txBody>
+          <a:bodyPr rtlCol="0" anchor="ctr"/>
+          <a:lstStyle/>
+          <a:p>
+            <a:pPr algn="ctr"/>
             <a:endParaRPr lang="en-US"/>
+          </a:p>
+        </p:txBody>
+      </p:sp>
+      <p:sp>
+        <p:nvSpPr>
+          <p:cNvPr id="7" name="Right Brace 6"/>
+          <p:cNvSpPr/>
+          <p:nvPr/>
+        </p:nvSpPr>
+        <p:spPr>
+          <a:xfrm rot="5400000">
+            <a:off x="3534902" y="2735271"/>
+            <a:ext cx="542325" cy="4426833"/>
+          </a:xfrm>
+          <a:prstGeom prst="rightBrace">
+            <a:avLst/>
+          </a:prstGeom>
+        </p:spPr>
+        <p:style>
+          <a:lnRef idx="2">
+            <a:schemeClr val="dk1"/>
+          </a:lnRef>
+          <a:fillRef idx="0">
+            <a:schemeClr val="dk1"/>
+          </a:fillRef>
+          <a:effectRef idx="1">
+            <a:schemeClr val="dk1"/>
+          </a:effectRef>
+          <a:fontRef idx="minor">
+            <a:schemeClr val="tx1"/>
+          </a:fontRef>
+        </p:style>
+        <p:txBody>
+          <a:bodyPr rtlCol="0" anchor="ctr"/>
+          <a:lstStyle/>
+          <a:p>
+            <a:pPr algn="ctr"/>
+            <a:endParaRPr lang="en-US"/>
+          </a:p>
+        </p:txBody>
+      </p:sp>
+      <p:sp>
+        <p:nvSpPr>
+          <p:cNvPr id="3" name="Regular Pentagon 2"/>
+          <p:cNvSpPr/>
+          <p:nvPr/>
+        </p:nvSpPr>
+        <p:spPr>
+          <a:xfrm>
+            <a:off x="4661243" y="3557997"/>
+            <a:ext cx="1256270" cy="962515"/>
+          </a:xfrm>
+          <a:prstGeom prst="pentagon">
+            <a:avLst/>
+          </a:prstGeom>
+        </p:spPr>
+        <p:style>
+          <a:lnRef idx="1">
+            <a:schemeClr val="accent6"/>
+          </a:lnRef>
+          <a:fillRef idx="3">
+            <a:schemeClr val="accent6"/>
+          </a:fillRef>
+          <a:effectRef idx="2">
+            <a:schemeClr val="accent6"/>
+          </a:effectRef>
+          <a:fontRef idx="minor">
+            <a:schemeClr val="lt1"/>
+          </a:fontRef>
+        </p:style>
+        <p:txBody>
+          <a:bodyPr rtlCol="0" anchor="ctr"/>
+          <a:lstStyle/>
+          <a:p>
+            <a:pPr algn="ctr"/>
+            <a:r>
+              <a:rPr lang="en-US" dirty="0" smtClean="0">
+                <a:solidFill>
+                  <a:srgbClr val="000000"/>
+                </a:solidFill>
+              </a:rPr>
+              <a:t>Goal</a:t>
+            </a:r>
+            <a:endParaRPr lang="en-US" dirty="0">
+              <a:solidFill>
+                <a:srgbClr val="000000"/>
+              </a:solidFill>
+            </a:endParaRPr>
           </a:p>
         </p:txBody>
       </p:sp>

--- a/figures/figures.pptx
+++ b/figures/figures.pptx
@@ -10987,8 +10987,8 @@
         </p:nvSpPr>
         <p:spPr>
           <a:xfrm>
-            <a:off x="4661243" y="3557997"/>
-            <a:ext cx="1256270" cy="962515"/>
+            <a:off x="4716162" y="3564769"/>
+            <a:ext cx="1022865" cy="907688"/>
           </a:xfrm>
           <a:prstGeom prst="pentagon">
             <a:avLst/>

--- a/figures/figures.pptx
+++ b/figures/figures.pptx
@@ -19,6 +19,7 @@
     <p:sldId id="267" r:id="rId13"/>
     <p:sldId id="268" r:id="rId14"/>
     <p:sldId id="269" r:id="rId15"/>
+    <p:sldId id="270" r:id="rId16"/>
   </p:sldIdLst>
   <p:sldSz cx="9144000" cy="6858000" type="screen4x3"/>
   <p:notesSz cx="6858000" cy="9144000"/>
@@ -301,7 +302,7 @@
           <a:p>
             <a:fld id="{AF8A4314-7EE0-3B48-A3CB-01AED7CBB16F}" type="datetimeFigureOut">
               <a:rPr lang="en-US" smtClean="0"/>
-              <a:t>11/18/12</a:t>
+              <a:t>11/26/12</a:t>
             </a:fld>
             <a:endParaRPr lang="en-US"/>
           </a:p>
@@ -471,7 +472,7 @@
           <a:p>
             <a:fld id="{AF8A4314-7EE0-3B48-A3CB-01AED7CBB16F}" type="datetimeFigureOut">
               <a:rPr lang="en-US" smtClean="0"/>
-              <a:t>11/18/12</a:t>
+              <a:t>11/26/12</a:t>
             </a:fld>
             <a:endParaRPr lang="en-US"/>
           </a:p>
@@ -651,7 +652,7 @@
           <a:p>
             <a:fld id="{AF8A4314-7EE0-3B48-A3CB-01AED7CBB16F}" type="datetimeFigureOut">
               <a:rPr lang="en-US" smtClean="0"/>
-              <a:t>11/18/12</a:t>
+              <a:t>11/26/12</a:t>
             </a:fld>
             <a:endParaRPr lang="en-US"/>
           </a:p>
@@ -821,7 +822,7 @@
           <a:p>
             <a:fld id="{AF8A4314-7EE0-3B48-A3CB-01AED7CBB16F}" type="datetimeFigureOut">
               <a:rPr lang="en-US" smtClean="0"/>
-              <a:t>11/18/12</a:t>
+              <a:t>11/26/12</a:t>
             </a:fld>
             <a:endParaRPr lang="en-US"/>
           </a:p>
@@ -1067,7 +1068,7 @@
           <a:p>
             <a:fld id="{AF8A4314-7EE0-3B48-A3CB-01AED7CBB16F}" type="datetimeFigureOut">
               <a:rPr lang="en-US" smtClean="0"/>
-              <a:t>11/18/12</a:t>
+              <a:t>11/26/12</a:t>
             </a:fld>
             <a:endParaRPr lang="en-US"/>
           </a:p>
@@ -1355,7 +1356,7 @@
           <a:p>
             <a:fld id="{AF8A4314-7EE0-3B48-A3CB-01AED7CBB16F}" type="datetimeFigureOut">
               <a:rPr lang="en-US" smtClean="0"/>
-              <a:t>11/18/12</a:t>
+              <a:t>11/26/12</a:t>
             </a:fld>
             <a:endParaRPr lang="en-US"/>
           </a:p>
@@ -1777,7 +1778,7 @@
           <a:p>
             <a:fld id="{AF8A4314-7EE0-3B48-A3CB-01AED7CBB16F}" type="datetimeFigureOut">
               <a:rPr lang="en-US" smtClean="0"/>
-              <a:t>11/18/12</a:t>
+              <a:t>11/26/12</a:t>
             </a:fld>
             <a:endParaRPr lang="en-US"/>
           </a:p>
@@ -1895,7 +1896,7 @@
           <a:p>
             <a:fld id="{AF8A4314-7EE0-3B48-A3CB-01AED7CBB16F}" type="datetimeFigureOut">
               <a:rPr lang="en-US" smtClean="0"/>
-              <a:t>11/18/12</a:t>
+              <a:t>11/26/12</a:t>
             </a:fld>
             <a:endParaRPr lang="en-US"/>
           </a:p>
@@ -1990,7 +1991,7 @@
           <a:p>
             <a:fld id="{AF8A4314-7EE0-3B48-A3CB-01AED7CBB16F}" type="datetimeFigureOut">
               <a:rPr lang="en-US" smtClean="0"/>
-              <a:t>11/18/12</a:t>
+              <a:t>11/26/12</a:t>
             </a:fld>
             <a:endParaRPr lang="en-US"/>
           </a:p>
@@ -2267,7 +2268,7 @@
           <a:p>
             <a:fld id="{AF8A4314-7EE0-3B48-A3CB-01AED7CBB16F}" type="datetimeFigureOut">
               <a:rPr lang="en-US" smtClean="0"/>
-              <a:t>11/18/12</a:t>
+              <a:t>11/26/12</a:t>
             </a:fld>
             <a:endParaRPr lang="en-US"/>
           </a:p>
@@ -2520,7 +2521,7 @@
           <a:p>
             <a:fld id="{AF8A4314-7EE0-3B48-A3CB-01AED7CBB16F}" type="datetimeFigureOut">
               <a:rPr lang="en-US" smtClean="0"/>
-              <a:t>11/18/12</a:t>
+              <a:t>11/26/12</a:t>
             </a:fld>
             <a:endParaRPr lang="en-US"/>
           </a:p>
@@ -2733,7 +2734,7 @@
           <a:p>
             <a:fld id="{AF8A4314-7EE0-3B48-A3CB-01AED7CBB16F}" type="datetimeFigureOut">
               <a:rPr lang="en-US" smtClean="0"/>
-              <a:t>11/18/12</a:t>
+              <a:t>11/26/12</a:t>
             </a:fld>
             <a:endParaRPr lang="en-US"/>
           </a:p>
@@ -8144,6 +8145,2152 @@
 </p:sld>
 </file>
 
+<file path=ppt/slides/slide15.xml><?xml version="1.0" encoding="utf-8"?>
+<p:sld xmlns:a="http://schemas.openxmlformats.org/drawingml/2006/main" xmlns:r="http://schemas.openxmlformats.org/officeDocument/2006/relationships" xmlns:p="http://schemas.openxmlformats.org/presentationml/2006/main">
+  <p:cSld>
+    <p:spTree>
+      <p:nvGrpSpPr>
+        <p:cNvPr id="1" name=""/>
+        <p:cNvGrpSpPr/>
+        <p:nvPr/>
+      </p:nvGrpSpPr>
+      <p:grpSpPr>
+        <a:xfrm>
+          <a:off x="0" y="0"/>
+          <a:ext cx="0" cy="0"/>
+          <a:chOff x="0" y="0"/>
+          <a:chExt cx="0" cy="0"/>
+        </a:xfrm>
+      </p:grpSpPr>
+      <p:sp>
+        <p:nvSpPr>
+          <p:cNvPr id="88" name="TextBox 87"/>
+          <p:cNvSpPr txBox="1"/>
+          <p:nvPr/>
+        </p:nvSpPr>
+        <p:spPr>
+          <a:xfrm>
+            <a:off x="6229846" y="1106816"/>
+            <a:ext cx="776882" cy="461665"/>
+          </a:xfrm>
+          <a:prstGeom prst="rect">
+            <a:avLst/>
+          </a:prstGeom>
+          <a:noFill/>
+        </p:spPr>
+        <p:txBody>
+          <a:bodyPr wrap="square" rtlCol="0">
+            <a:spAutoFit/>
+          </a:bodyPr>
+          <a:lstStyle/>
+          <a:p>
+            <a:r>
+              <a:rPr lang="en-US" sz="2400" dirty="0" smtClean="0"/>
+              <a:t>V</a:t>
+            </a:r>
+            <a:r>
+              <a:rPr lang="en-US" sz="2400" baseline="30000" dirty="0" smtClean="0"/>
+              <a:t>1</a:t>
+            </a:r>
+            <a:endParaRPr lang="en-US" sz="2400" baseline="30000" dirty="0"/>
+          </a:p>
+        </p:txBody>
+      </p:sp>
+      <p:sp>
+        <p:nvSpPr>
+          <p:cNvPr id="4" name="Block Arc 3"/>
+          <p:cNvSpPr/>
+          <p:nvPr/>
+        </p:nvSpPr>
+        <p:spPr>
+          <a:xfrm>
+            <a:off x="3727743" y="1542363"/>
+            <a:ext cx="1472184" cy="1472184"/>
+          </a:xfrm>
+          <a:prstGeom prst="blockArc">
+            <a:avLst>
+              <a:gd name="adj1" fmla="val 8808739"/>
+              <a:gd name="adj2" fmla="val 14204526"/>
+              <a:gd name="adj3" fmla="val 47367"/>
+            </a:avLst>
+          </a:prstGeom>
+        </p:spPr>
+        <p:style>
+          <a:lnRef idx="1">
+            <a:schemeClr val="accent1"/>
+          </a:lnRef>
+          <a:fillRef idx="3">
+            <a:schemeClr val="accent1"/>
+          </a:fillRef>
+          <a:effectRef idx="2">
+            <a:schemeClr val="accent1"/>
+          </a:effectRef>
+          <a:fontRef idx="minor">
+            <a:schemeClr val="lt1"/>
+          </a:fontRef>
+        </p:style>
+        <p:txBody>
+          <a:bodyPr rtlCol="0" anchor="ctr"/>
+          <a:lstStyle/>
+          <a:p>
+            <a:pPr algn="ctr"/>
+            <a:endParaRPr lang="en-US">
+              <a:solidFill>
+                <a:schemeClr val="tx1"/>
+              </a:solidFill>
+            </a:endParaRPr>
+          </a:p>
+        </p:txBody>
+      </p:sp>
+      <p:sp>
+        <p:nvSpPr>
+          <p:cNvPr id="49" name="Block Arc 48"/>
+          <p:cNvSpPr/>
+          <p:nvPr/>
+        </p:nvSpPr>
+        <p:spPr>
+          <a:xfrm rot="12003543">
+            <a:off x="3699862" y="1546320"/>
+            <a:ext cx="1475528" cy="1463026"/>
+          </a:xfrm>
+          <a:prstGeom prst="blockArc">
+            <a:avLst>
+              <a:gd name="adj1" fmla="val 8989175"/>
+              <a:gd name="adj2" fmla="val 13977700"/>
+              <a:gd name="adj3" fmla="val 46345"/>
+            </a:avLst>
+          </a:prstGeom>
+        </p:spPr>
+        <p:style>
+          <a:lnRef idx="1">
+            <a:schemeClr val="accent1"/>
+          </a:lnRef>
+          <a:fillRef idx="3">
+            <a:schemeClr val="accent1"/>
+          </a:fillRef>
+          <a:effectRef idx="2">
+            <a:schemeClr val="accent1"/>
+          </a:effectRef>
+          <a:fontRef idx="minor">
+            <a:schemeClr val="lt1"/>
+          </a:fontRef>
+        </p:style>
+        <p:txBody>
+          <a:bodyPr rtlCol="0" anchor="ctr"/>
+          <a:lstStyle/>
+          <a:p>
+            <a:pPr algn="ctr"/>
+            <a:endParaRPr lang="en-US">
+              <a:solidFill>
+                <a:schemeClr val="tx1"/>
+              </a:solidFill>
+            </a:endParaRPr>
+          </a:p>
+        </p:txBody>
+      </p:sp>
+      <p:sp>
+        <p:nvSpPr>
+          <p:cNvPr id="2" name="Oval 1"/>
+          <p:cNvSpPr/>
+          <p:nvPr/>
+        </p:nvSpPr>
+        <p:spPr>
+          <a:xfrm>
+            <a:off x="1736810" y="1530863"/>
+            <a:ext cx="1475946" cy="1475946"/>
+          </a:xfrm>
+          <a:prstGeom prst="ellipse">
+            <a:avLst/>
+          </a:prstGeom>
+          <a:noFill/>
+        </p:spPr>
+        <p:style>
+          <a:lnRef idx="1">
+            <a:schemeClr val="accent1"/>
+          </a:lnRef>
+          <a:fillRef idx="3">
+            <a:schemeClr val="accent1"/>
+          </a:fillRef>
+          <a:effectRef idx="2">
+            <a:schemeClr val="accent1"/>
+          </a:effectRef>
+          <a:fontRef idx="minor">
+            <a:schemeClr val="lt1"/>
+          </a:fontRef>
+        </p:style>
+        <p:txBody>
+          <a:bodyPr rtlCol="0" anchor="ctr"/>
+          <a:lstStyle/>
+          <a:p>
+            <a:pPr algn="ctr"/>
+            <a:endParaRPr lang="en-US"/>
+          </a:p>
+        </p:txBody>
+      </p:sp>
+      <p:sp>
+        <p:nvSpPr>
+          <p:cNvPr id="12" name="TextBox 11"/>
+          <p:cNvSpPr txBox="1"/>
+          <p:nvPr/>
+        </p:nvSpPr>
+        <p:spPr>
+          <a:xfrm>
+            <a:off x="2049020" y="2936610"/>
+            <a:ext cx="889141" cy="461665"/>
+          </a:xfrm>
+          <a:prstGeom prst="rect">
+            <a:avLst/>
+          </a:prstGeom>
+          <a:noFill/>
+        </p:spPr>
+        <p:txBody>
+          <a:bodyPr wrap="square" rtlCol="0">
+            <a:spAutoFit/>
+          </a:bodyPr>
+          <a:lstStyle/>
+          <a:p>
+            <a:r>
+              <a:rPr lang="en-US" sz="2400" dirty="0" smtClean="0"/>
+              <a:t>g</a:t>
+            </a:r>
+            <a:r>
+              <a:rPr lang="en-US" sz="2400" baseline="-25000" dirty="0" smtClean="0"/>
+              <a:t>start</a:t>
+            </a:r>
+            <a:endParaRPr lang="en-US" sz="2400" baseline="-25000" dirty="0"/>
+          </a:p>
+        </p:txBody>
+      </p:sp>
+      <p:sp>
+        <p:nvSpPr>
+          <p:cNvPr id="13" name="TextBox 12"/>
+          <p:cNvSpPr txBox="1"/>
+          <p:nvPr/>
+        </p:nvSpPr>
+        <p:spPr>
+          <a:xfrm>
+            <a:off x="4130447" y="2936610"/>
+            <a:ext cx="889141" cy="461665"/>
+          </a:xfrm>
+          <a:prstGeom prst="rect">
+            <a:avLst/>
+          </a:prstGeom>
+          <a:noFill/>
+        </p:spPr>
+        <p:txBody>
+          <a:bodyPr wrap="square" rtlCol="0">
+            <a:spAutoFit/>
+          </a:bodyPr>
+          <a:lstStyle/>
+          <a:p>
+            <a:r>
+              <a:rPr lang="en-US" sz="2400" dirty="0" smtClean="0"/>
+              <a:t>g</a:t>
+            </a:r>
+            <a:r>
+              <a:rPr lang="en-US" sz="2400" baseline="-25000" dirty="0" smtClean="0"/>
+              <a:t>end</a:t>
+            </a:r>
+            <a:endParaRPr lang="en-US" sz="2400" baseline="-25000" dirty="0"/>
+          </a:p>
+        </p:txBody>
+      </p:sp>
+      <p:sp>
+        <p:nvSpPr>
+          <p:cNvPr id="17" name="Oval 16"/>
+          <p:cNvSpPr/>
+          <p:nvPr/>
+        </p:nvSpPr>
+        <p:spPr>
+          <a:xfrm>
+            <a:off x="3722129" y="1530863"/>
+            <a:ext cx="1475946" cy="1475946"/>
+          </a:xfrm>
+          <a:prstGeom prst="ellipse">
+            <a:avLst/>
+          </a:prstGeom>
+          <a:noFill/>
+        </p:spPr>
+        <p:style>
+          <a:lnRef idx="1">
+            <a:schemeClr val="accent1"/>
+          </a:lnRef>
+          <a:fillRef idx="3">
+            <a:schemeClr val="accent1"/>
+          </a:fillRef>
+          <a:effectRef idx="2">
+            <a:schemeClr val="accent1"/>
+          </a:effectRef>
+          <a:fontRef idx="minor">
+            <a:schemeClr val="lt1"/>
+          </a:fontRef>
+        </p:style>
+        <p:txBody>
+          <a:bodyPr rtlCol="0" anchor="ctr"/>
+          <a:lstStyle/>
+          <a:p>
+            <a:pPr algn="ctr"/>
+            <a:endParaRPr lang="en-US"/>
+          </a:p>
+        </p:txBody>
+      </p:sp>
+      <p:sp>
+        <p:nvSpPr>
+          <p:cNvPr id="21" name="Freeform 20"/>
+          <p:cNvSpPr/>
+          <p:nvPr/>
+        </p:nvSpPr>
+        <p:spPr>
+          <a:xfrm>
+            <a:off x="5670378" y="1646753"/>
+            <a:ext cx="2041108" cy="1314791"/>
+          </a:xfrm>
+          <a:custGeom>
+            <a:avLst/>
+            <a:gdLst>
+              <a:gd name="connsiteX0" fmla="*/ 1187622 w 2917568"/>
+              <a:gd name="connsiteY0" fmla="*/ 1393567 h 2128108"/>
+              <a:gd name="connsiteX1" fmla="*/ 2780271 w 2917568"/>
+              <a:gd name="connsiteY1" fmla="*/ 1002270 h 2128108"/>
+              <a:gd name="connsiteX2" fmla="*/ 2917568 w 2917568"/>
+              <a:gd name="connsiteY2" fmla="*/ 1729945 h 2128108"/>
+              <a:gd name="connsiteX3" fmla="*/ 926757 w 2917568"/>
+              <a:gd name="connsiteY3" fmla="*/ 2128108 h 2128108"/>
+              <a:gd name="connsiteX4" fmla="*/ 0 w 2917568"/>
+              <a:gd name="connsiteY4" fmla="*/ 377567 h 2128108"/>
+              <a:gd name="connsiteX5" fmla="*/ 466811 w 2917568"/>
+              <a:gd name="connsiteY5" fmla="*/ 0 h 2128108"/>
+              <a:gd name="connsiteX6" fmla="*/ 1187622 w 2917568"/>
+              <a:gd name="connsiteY6" fmla="*/ 1393567 h 2128108"/>
+              <a:gd name="connsiteX0" fmla="*/ 1187622 w 2835190"/>
+              <a:gd name="connsiteY0" fmla="*/ 1393567 h 2128108"/>
+              <a:gd name="connsiteX1" fmla="*/ 2780271 w 2835190"/>
+              <a:gd name="connsiteY1" fmla="*/ 1002270 h 2128108"/>
+              <a:gd name="connsiteX2" fmla="*/ 2835190 w 2835190"/>
+              <a:gd name="connsiteY2" fmla="*/ 1530864 h 2128108"/>
+              <a:gd name="connsiteX3" fmla="*/ 926757 w 2835190"/>
+              <a:gd name="connsiteY3" fmla="*/ 2128108 h 2128108"/>
+              <a:gd name="connsiteX4" fmla="*/ 0 w 2835190"/>
+              <a:gd name="connsiteY4" fmla="*/ 377567 h 2128108"/>
+              <a:gd name="connsiteX5" fmla="*/ 466811 w 2835190"/>
+              <a:gd name="connsiteY5" fmla="*/ 0 h 2128108"/>
+              <a:gd name="connsiteX6" fmla="*/ 1187622 w 2835190"/>
+              <a:gd name="connsiteY6" fmla="*/ 1393567 h 2128108"/>
+              <a:gd name="connsiteX0" fmla="*/ 995406 w 2642974"/>
+              <a:gd name="connsiteY0" fmla="*/ 1393567 h 2128108"/>
+              <a:gd name="connsiteX1" fmla="*/ 2588055 w 2642974"/>
+              <a:gd name="connsiteY1" fmla="*/ 1002270 h 2128108"/>
+              <a:gd name="connsiteX2" fmla="*/ 2642974 w 2642974"/>
+              <a:gd name="connsiteY2" fmla="*/ 1530864 h 2128108"/>
+              <a:gd name="connsiteX3" fmla="*/ 734541 w 2642974"/>
+              <a:gd name="connsiteY3" fmla="*/ 2128108 h 2128108"/>
+              <a:gd name="connsiteX4" fmla="*/ 0 w 2642974"/>
+              <a:gd name="connsiteY4" fmla="*/ 761999 h 2128108"/>
+              <a:gd name="connsiteX5" fmla="*/ 274595 w 2642974"/>
+              <a:gd name="connsiteY5" fmla="*/ 0 h 2128108"/>
+              <a:gd name="connsiteX6" fmla="*/ 995406 w 2642974"/>
+              <a:gd name="connsiteY6" fmla="*/ 1393567 h 2128108"/>
+              <a:gd name="connsiteX0" fmla="*/ 995406 w 2642974"/>
+              <a:gd name="connsiteY0" fmla="*/ 967945 h 1702486"/>
+              <a:gd name="connsiteX1" fmla="*/ 2588055 w 2642974"/>
+              <a:gd name="connsiteY1" fmla="*/ 576648 h 1702486"/>
+              <a:gd name="connsiteX2" fmla="*/ 2642974 w 2642974"/>
+              <a:gd name="connsiteY2" fmla="*/ 1105242 h 1702486"/>
+              <a:gd name="connsiteX3" fmla="*/ 734541 w 2642974"/>
+              <a:gd name="connsiteY3" fmla="*/ 1702486 h 1702486"/>
+              <a:gd name="connsiteX4" fmla="*/ 0 w 2642974"/>
+              <a:gd name="connsiteY4" fmla="*/ 336377 h 1702486"/>
+              <a:gd name="connsiteX5" fmla="*/ 453081 w 2642974"/>
+              <a:gd name="connsiteY5" fmla="*/ 0 h 1702486"/>
+              <a:gd name="connsiteX6" fmla="*/ 995406 w 2642974"/>
+              <a:gd name="connsiteY6" fmla="*/ 967945 h 1702486"/>
+            </a:gdLst>
+            <a:ahLst/>
+            <a:cxnLst>
+              <a:cxn ang="0">
+                <a:pos x="connsiteX0" y="connsiteY0"/>
+              </a:cxn>
+              <a:cxn ang="0">
+                <a:pos x="connsiteX1" y="connsiteY1"/>
+              </a:cxn>
+              <a:cxn ang="0">
+                <a:pos x="connsiteX2" y="connsiteY2"/>
+              </a:cxn>
+              <a:cxn ang="0">
+                <a:pos x="connsiteX3" y="connsiteY3"/>
+              </a:cxn>
+              <a:cxn ang="0">
+                <a:pos x="connsiteX4" y="connsiteY4"/>
+              </a:cxn>
+              <a:cxn ang="0">
+                <a:pos x="connsiteX5" y="connsiteY5"/>
+              </a:cxn>
+              <a:cxn ang="0">
+                <a:pos x="connsiteX6" y="connsiteY6"/>
+              </a:cxn>
+            </a:cxnLst>
+            <a:rect l="l" t="t" r="r" b="b"/>
+            <a:pathLst>
+              <a:path w="2642974" h="1702486">
+                <a:moveTo>
+                  <a:pt x="995406" y="967945"/>
+                </a:moveTo>
+                <a:lnTo>
+                  <a:pt x="2588055" y="576648"/>
+                </a:lnTo>
+                <a:lnTo>
+                  <a:pt x="2642974" y="1105242"/>
+                </a:lnTo>
+                <a:lnTo>
+                  <a:pt x="734541" y="1702486"/>
+                </a:lnTo>
+                <a:lnTo>
+                  <a:pt x="0" y="336377"/>
+                </a:lnTo>
+                <a:lnTo>
+                  <a:pt x="453081" y="0"/>
+                </a:lnTo>
+                <a:lnTo>
+                  <a:pt x="995406" y="967945"/>
+                </a:lnTo>
+                <a:close/>
+              </a:path>
+            </a:pathLst>
+          </a:custGeom>
+          <a:gradFill flip="none" rotWithShape="1">
+            <a:gsLst>
+              <a:gs pos="0">
+                <a:schemeClr val="accent1">
+                  <a:tint val="100000"/>
+                  <a:shade val="100000"/>
+                  <a:satMod val="130000"/>
+                  <a:alpha val="15000"/>
+                </a:schemeClr>
+              </a:gs>
+              <a:gs pos="100000">
+                <a:schemeClr val="accent1">
+                  <a:tint val="50000"/>
+                  <a:shade val="100000"/>
+                  <a:satMod val="350000"/>
+                  <a:alpha val="15000"/>
+                </a:schemeClr>
+              </a:gs>
+            </a:gsLst>
+            <a:lin ang="16200000" scaled="0"/>
+            <a:tileRect/>
+          </a:gradFill>
+        </p:spPr>
+        <p:style>
+          <a:lnRef idx="1">
+            <a:schemeClr val="accent1"/>
+          </a:lnRef>
+          <a:fillRef idx="3">
+            <a:schemeClr val="accent1"/>
+          </a:fillRef>
+          <a:effectRef idx="2">
+            <a:schemeClr val="accent1"/>
+          </a:effectRef>
+          <a:fontRef idx="minor">
+            <a:schemeClr val="lt1"/>
+          </a:fontRef>
+        </p:style>
+        <p:txBody>
+          <a:bodyPr rtlCol="0" anchor="ctr"/>
+          <a:lstStyle/>
+          <a:p>
+            <a:pPr algn="ctr"/>
+            <a:endParaRPr lang="en-US"/>
+          </a:p>
+        </p:txBody>
+      </p:sp>
+      <p:sp>
+        <p:nvSpPr>
+          <p:cNvPr id="26" name="Oval 25"/>
+          <p:cNvSpPr/>
+          <p:nvPr/>
+        </p:nvSpPr>
+        <p:spPr>
+          <a:xfrm>
+            <a:off x="6428666" y="2367766"/>
+            <a:ext cx="47554" cy="47554"/>
+          </a:xfrm>
+          <a:prstGeom prst="ellipse">
+            <a:avLst/>
+          </a:prstGeom>
+        </p:spPr>
+        <p:style>
+          <a:lnRef idx="2">
+            <a:schemeClr val="dk1">
+              <a:shade val="50000"/>
+            </a:schemeClr>
+          </a:lnRef>
+          <a:fillRef idx="1">
+            <a:schemeClr val="dk1"/>
+          </a:fillRef>
+          <a:effectRef idx="0">
+            <a:schemeClr val="dk1"/>
+          </a:effectRef>
+          <a:fontRef idx="minor">
+            <a:schemeClr val="lt1"/>
+          </a:fontRef>
+        </p:style>
+        <p:txBody>
+          <a:bodyPr rtlCol="0" anchor="ctr"/>
+          <a:lstStyle/>
+          <a:p>
+            <a:pPr algn="ctr"/>
+            <a:endParaRPr lang="en-US"/>
+          </a:p>
+        </p:txBody>
+      </p:sp>
+      <p:cxnSp>
+        <p:nvCxnSpPr>
+          <p:cNvPr id="27" name="Straight Arrow Connector 26"/>
+          <p:cNvCxnSpPr/>
+          <p:nvPr/>
+        </p:nvCxnSpPr>
+        <p:spPr>
+          <a:xfrm flipH="1" flipV="1">
+            <a:off x="6126314" y="1848213"/>
+            <a:ext cx="328699" cy="543329"/>
+          </a:xfrm>
+          <a:prstGeom prst="straightConnector1">
+            <a:avLst/>
+          </a:prstGeom>
+          <a:ln w="28575" cmpd="sng">
+            <a:tailEnd type="arrow"/>
+          </a:ln>
+          <a:effectLst/>
+        </p:spPr>
+        <p:style>
+          <a:lnRef idx="2">
+            <a:schemeClr val="dk1"/>
+          </a:lnRef>
+          <a:fillRef idx="0">
+            <a:schemeClr val="dk1"/>
+          </a:fillRef>
+          <a:effectRef idx="1">
+            <a:schemeClr val="dk1"/>
+          </a:effectRef>
+          <a:fontRef idx="minor">
+            <a:schemeClr val="tx1"/>
+          </a:fontRef>
+        </p:style>
+      </p:cxnSp>
+      <p:sp>
+        <p:nvSpPr>
+          <p:cNvPr id="31" name="Rectangle 30"/>
+          <p:cNvSpPr/>
+          <p:nvPr/>
+        </p:nvSpPr>
+        <p:spPr>
+          <a:xfrm rot="20687964">
+            <a:off x="6478076" y="2371540"/>
+            <a:ext cx="125907" cy="125907"/>
+          </a:xfrm>
+          <a:prstGeom prst="rect">
+            <a:avLst/>
+          </a:prstGeom>
+          <a:ln w="12700" cmpd="sng"/>
+        </p:spPr>
+        <p:style>
+          <a:lnRef idx="2">
+            <a:schemeClr val="dk1"/>
+          </a:lnRef>
+          <a:fillRef idx="1">
+            <a:schemeClr val="lt1"/>
+          </a:fillRef>
+          <a:effectRef idx="0">
+            <a:schemeClr val="dk1"/>
+          </a:effectRef>
+          <a:fontRef idx="minor">
+            <a:schemeClr val="dk1"/>
+          </a:fontRef>
+        </p:style>
+        <p:txBody>
+          <a:bodyPr rtlCol="0" anchor="ctr"/>
+          <a:lstStyle/>
+          <a:p>
+            <a:pPr algn="ctr"/>
+            <a:endParaRPr lang="en-US"/>
+          </a:p>
+        </p:txBody>
+      </p:sp>
+      <p:cxnSp>
+        <p:nvCxnSpPr>
+          <p:cNvPr id="22" name="Straight Arrow Connector 21"/>
+          <p:cNvCxnSpPr>
+            <a:stCxn id="21" idx="0"/>
+          </p:cNvCxnSpPr>
+          <p:nvPr/>
+        </p:nvCxnSpPr>
+        <p:spPr>
+          <a:xfrm flipV="1">
+            <a:off x="6439107" y="2250995"/>
+            <a:ext cx="583173" cy="143280"/>
+          </a:xfrm>
+          <a:prstGeom prst="straightConnector1">
+            <a:avLst/>
+          </a:prstGeom>
+          <a:ln w="28575" cmpd="sng">
+            <a:tailEnd type="arrow"/>
+          </a:ln>
+          <a:effectLst/>
+        </p:spPr>
+        <p:style>
+          <a:lnRef idx="2">
+            <a:schemeClr val="dk1"/>
+          </a:lnRef>
+          <a:fillRef idx="0">
+            <a:schemeClr val="dk1"/>
+          </a:fillRef>
+          <a:effectRef idx="1">
+            <a:schemeClr val="dk1"/>
+          </a:effectRef>
+          <a:fontRef idx="minor">
+            <a:schemeClr val="tx1"/>
+          </a:fontRef>
+        </p:style>
+      </p:cxnSp>
+      <p:cxnSp>
+        <p:nvCxnSpPr>
+          <p:cNvPr id="30" name="Straight Arrow Connector 29"/>
+          <p:cNvCxnSpPr/>
+          <p:nvPr/>
+        </p:nvCxnSpPr>
+        <p:spPr>
+          <a:xfrm>
+            <a:off x="2443757" y="2264725"/>
+            <a:ext cx="224845" cy="736092"/>
+          </a:xfrm>
+          <a:prstGeom prst="straightConnector1">
+            <a:avLst/>
+          </a:prstGeom>
+          <a:ln w="28575" cmpd="sng">
+            <a:tailEnd type="arrow"/>
+          </a:ln>
+          <a:effectLst/>
+        </p:spPr>
+        <p:style>
+          <a:lnRef idx="2">
+            <a:schemeClr val="dk1"/>
+          </a:lnRef>
+          <a:fillRef idx="0">
+            <a:schemeClr val="dk1"/>
+          </a:fillRef>
+          <a:effectRef idx="1">
+            <a:schemeClr val="dk1"/>
+          </a:effectRef>
+          <a:fontRef idx="minor">
+            <a:schemeClr val="tx1"/>
+          </a:fontRef>
+        </p:style>
+      </p:cxnSp>
+      <p:sp>
+        <p:nvSpPr>
+          <p:cNvPr id="33" name="Rectangle 32"/>
+          <p:cNvSpPr/>
+          <p:nvPr/>
+        </p:nvSpPr>
+        <p:spPr>
+          <a:xfrm rot="19808676">
+            <a:off x="6302559" y="2305545"/>
+            <a:ext cx="121079" cy="121079"/>
+          </a:xfrm>
+          <a:prstGeom prst="rect">
+            <a:avLst/>
+          </a:prstGeom>
+          <a:ln w="12700" cmpd="sng"/>
+        </p:spPr>
+        <p:style>
+          <a:lnRef idx="2">
+            <a:schemeClr val="dk1"/>
+          </a:lnRef>
+          <a:fillRef idx="1">
+            <a:schemeClr val="lt1"/>
+          </a:fillRef>
+          <a:effectRef idx="0">
+            <a:schemeClr val="dk1"/>
+          </a:effectRef>
+          <a:fontRef idx="minor">
+            <a:schemeClr val="dk1"/>
+          </a:fontRef>
+        </p:style>
+        <p:txBody>
+          <a:bodyPr rtlCol="0" anchor="ctr"/>
+          <a:lstStyle/>
+          <a:p>
+            <a:pPr algn="ctr"/>
+            <a:endParaRPr lang="en-US"/>
+          </a:p>
+        </p:txBody>
+      </p:sp>
+      <p:cxnSp>
+        <p:nvCxnSpPr>
+          <p:cNvPr id="34" name="Straight Arrow Connector 33"/>
+          <p:cNvCxnSpPr/>
+          <p:nvPr/>
+        </p:nvCxnSpPr>
+        <p:spPr>
+          <a:xfrm flipH="1">
+            <a:off x="1819189" y="2274066"/>
+            <a:ext cx="631433" cy="375772"/>
+          </a:xfrm>
+          <a:prstGeom prst="straightConnector1">
+            <a:avLst/>
+          </a:prstGeom>
+          <a:ln w="28575" cmpd="sng">
+            <a:tailEnd type="arrow"/>
+          </a:ln>
+          <a:effectLst/>
+        </p:spPr>
+        <p:style>
+          <a:lnRef idx="2">
+            <a:schemeClr val="dk1"/>
+          </a:lnRef>
+          <a:fillRef idx="0">
+            <a:schemeClr val="dk1"/>
+          </a:fillRef>
+          <a:effectRef idx="1">
+            <a:schemeClr val="dk1"/>
+          </a:effectRef>
+          <a:fontRef idx="minor">
+            <a:schemeClr val="tx1"/>
+          </a:fontRef>
+        </p:style>
+      </p:cxnSp>
+      <p:cxnSp>
+        <p:nvCxnSpPr>
+          <p:cNvPr id="25" name="Straight Arrow Connector 24"/>
+          <p:cNvCxnSpPr/>
+          <p:nvPr/>
+        </p:nvCxnSpPr>
+        <p:spPr>
+          <a:xfrm>
+            <a:off x="6455021" y="2404859"/>
+            <a:ext cx="163266" cy="556685"/>
+          </a:xfrm>
+          <a:prstGeom prst="straightConnector1">
+            <a:avLst/>
+          </a:prstGeom>
+          <a:ln w="28575" cmpd="sng">
+            <a:tailEnd type="arrow"/>
+          </a:ln>
+          <a:effectLst/>
+        </p:spPr>
+        <p:style>
+          <a:lnRef idx="2">
+            <a:schemeClr val="dk1"/>
+          </a:lnRef>
+          <a:fillRef idx="0">
+            <a:schemeClr val="dk1"/>
+          </a:fillRef>
+          <a:effectRef idx="1">
+            <a:schemeClr val="dk1"/>
+          </a:effectRef>
+          <a:fontRef idx="minor">
+            <a:schemeClr val="tx1"/>
+          </a:fontRef>
+        </p:style>
+      </p:cxnSp>
+      <p:cxnSp>
+        <p:nvCxnSpPr>
+          <p:cNvPr id="35" name="Straight Arrow Connector 34"/>
+          <p:cNvCxnSpPr/>
+          <p:nvPr/>
+        </p:nvCxnSpPr>
+        <p:spPr>
+          <a:xfrm flipH="1">
+            <a:off x="6013622" y="2385634"/>
+            <a:ext cx="442769" cy="209285"/>
+          </a:xfrm>
+          <a:prstGeom prst="straightConnector1">
+            <a:avLst/>
+          </a:prstGeom>
+          <a:ln w="28575" cmpd="sng">
+            <a:tailEnd type="arrow"/>
+          </a:ln>
+          <a:effectLst/>
+        </p:spPr>
+        <p:style>
+          <a:lnRef idx="2">
+            <a:schemeClr val="dk1"/>
+          </a:lnRef>
+          <a:fillRef idx="0">
+            <a:schemeClr val="dk1"/>
+          </a:fillRef>
+          <a:effectRef idx="1">
+            <a:schemeClr val="dk1"/>
+          </a:effectRef>
+          <a:fontRef idx="minor">
+            <a:schemeClr val="tx1"/>
+          </a:fontRef>
+        </p:style>
+      </p:cxnSp>
+      <p:cxnSp>
+        <p:nvCxnSpPr>
+          <p:cNvPr id="38" name="Straight Arrow Connector 37"/>
+          <p:cNvCxnSpPr/>
+          <p:nvPr/>
+        </p:nvCxnSpPr>
+        <p:spPr>
+          <a:xfrm flipH="1" flipV="1">
+            <a:off x="4069736" y="1653618"/>
+            <a:ext cx="396276" cy="655031"/>
+          </a:xfrm>
+          <a:prstGeom prst="straightConnector1">
+            <a:avLst/>
+          </a:prstGeom>
+          <a:ln w="28575" cmpd="sng">
+            <a:tailEnd type="arrow"/>
+          </a:ln>
+          <a:effectLst/>
+        </p:spPr>
+        <p:style>
+          <a:lnRef idx="2">
+            <a:schemeClr val="dk1"/>
+          </a:lnRef>
+          <a:fillRef idx="0">
+            <a:schemeClr val="dk1"/>
+          </a:fillRef>
+          <a:effectRef idx="1">
+            <a:schemeClr val="dk1"/>
+          </a:effectRef>
+          <a:fontRef idx="minor">
+            <a:schemeClr val="tx1"/>
+          </a:fontRef>
+        </p:style>
+      </p:cxnSp>
+      <p:cxnSp>
+        <p:nvCxnSpPr>
+          <p:cNvPr id="40" name="Straight Arrow Connector 39"/>
+          <p:cNvCxnSpPr/>
+          <p:nvPr/>
+        </p:nvCxnSpPr>
+        <p:spPr>
+          <a:xfrm flipV="1">
+            <a:off x="4450105" y="2122724"/>
+            <a:ext cx="747970" cy="181793"/>
+          </a:xfrm>
+          <a:prstGeom prst="straightConnector1">
+            <a:avLst/>
+          </a:prstGeom>
+          <a:ln w="28575" cmpd="sng">
+            <a:tailEnd type="arrow"/>
+          </a:ln>
+          <a:effectLst/>
+        </p:spPr>
+        <p:style>
+          <a:lnRef idx="2">
+            <a:schemeClr val="dk1"/>
+          </a:lnRef>
+          <a:fillRef idx="0">
+            <a:schemeClr val="dk1"/>
+          </a:fillRef>
+          <a:effectRef idx="1">
+            <a:schemeClr val="dk1"/>
+          </a:effectRef>
+          <a:fontRef idx="minor">
+            <a:schemeClr val="tx1"/>
+          </a:fontRef>
+        </p:style>
+      </p:cxnSp>
+      <p:cxnSp>
+        <p:nvCxnSpPr>
+          <p:cNvPr id="44" name="Straight Arrow Connector 43"/>
+          <p:cNvCxnSpPr/>
+          <p:nvPr/>
+        </p:nvCxnSpPr>
+        <p:spPr>
+          <a:xfrm>
+            <a:off x="4459147" y="2299736"/>
+            <a:ext cx="215981" cy="707073"/>
+          </a:xfrm>
+          <a:prstGeom prst="straightConnector1">
+            <a:avLst/>
+          </a:prstGeom>
+          <a:ln w="28575" cmpd="sng">
+            <a:tailEnd type="arrow"/>
+          </a:ln>
+          <a:effectLst/>
+        </p:spPr>
+        <p:style>
+          <a:lnRef idx="2">
+            <a:schemeClr val="dk1"/>
+          </a:lnRef>
+          <a:fillRef idx="0">
+            <a:schemeClr val="dk1"/>
+          </a:fillRef>
+          <a:effectRef idx="1">
+            <a:schemeClr val="dk1"/>
+          </a:effectRef>
+          <a:fontRef idx="minor">
+            <a:schemeClr val="tx1"/>
+          </a:fontRef>
+        </p:style>
+      </p:cxnSp>
+      <p:cxnSp>
+        <p:nvCxnSpPr>
+          <p:cNvPr id="45" name="Straight Arrow Connector 44"/>
+          <p:cNvCxnSpPr/>
+          <p:nvPr/>
+        </p:nvCxnSpPr>
+        <p:spPr>
+          <a:xfrm flipH="1">
+            <a:off x="3834579" y="2309077"/>
+            <a:ext cx="631433" cy="375772"/>
+          </a:xfrm>
+          <a:prstGeom prst="straightConnector1">
+            <a:avLst/>
+          </a:prstGeom>
+          <a:ln w="28575" cmpd="sng">
+            <a:tailEnd type="arrow"/>
+          </a:ln>
+          <a:effectLst/>
+        </p:spPr>
+        <p:style>
+          <a:lnRef idx="2">
+            <a:schemeClr val="dk1"/>
+          </a:lnRef>
+          <a:fillRef idx="0">
+            <a:schemeClr val="dk1"/>
+          </a:fillRef>
+          <a:effectRef idx="1">
+            <a:schemeClr val="dk1"/>
+          </a:effectRef>
+          <a:fontRef idx="minor">
+            <a:schemeClr val="tx1"/>
+          </a:fontRef>
+        </p:style>
+      </p:cxnSp>
+      <p:sp>
+        <p:nvSpPr>
+          <p:cNvPr id="47" name="Oval 46"/>
+          <p:cNvSpPr/>
+          <p:nvPr/>
+        </p:nvSpPr>
+        <p:spPr>
+          <a:xfrm>
+            <a:off x="2412026" y="2253470"/>
+            <a:ext cx="65289" cy="65289"/>
+          </a:xfrm>
+          <a:prstGeom prst="ellipse">
+            <a:avLst/>
+          </a:prstGeom>
+        </p:spPr>
+        <p:style>
+          <a:lnRef idx="2">
+            <a:schemeClr val="dk1">
+              <a:shade val="50000"/>
+            </a:schemeClr>
+          </a:lnRef>
+          <a:fillRef idx="1">
+            <a:schemeClr val="dk1"/>
+          </a:fillRef>
+          <a:effectRef idx="0">
+            <a:schemeClr val="dk1"/>
+          </a:effectRef>
+          <a:fontRef idx="minor">
+            <a:schemeClr val="lt1"/>
+          </a:fontRef>
+        </p:style>
+        <p:txBody>
+          <a:bodyPr rtlCol="0" anchor="ctr"/>
+          <a:lstStyle/>
+          <a:p>
+            <a:pPr algn="ctr"/>
+            <a:endParaRPr lang="en-US"/>
+          </a:p>
+        </p:txBody>
+      </p:sp>
+      <p:sp>
+        <p:nvSpPr>
+          <p:cNvPr id="48" name="Oval 47"/>
+          <p:cNvSpPr/>
+          <p:nvPr/>
+        </p:nvSpPr>
+        <p:spPr>
+          <a:xfrm>
+            <a:off x="4424841" y="2268570"/>
+            <a:ext cx="65289" cy="65289"/>
+          </a:xfrm>
+          <a:prstGeom prst="ellipse">
+            <a:avLst/>
+          </a:prstGeom>
+        </p:spPr>
+        <p:style>
+          <a:lnRef idx="2">
+            <a:schemeClr val="dk1">
+              <a:shade val="50000"/>
+            </a:schemeClr>
+          </a:lnRef>
+          <a:fillRef idx="1">
+            <a:schemeClr val="dk1"/>
+          </a:fillRef>
+          <a:effectRef idx="0">
+            <a:schemeClr val="dk1"/>
+          </a:effectRef>
+          <a:fontRef idx="minor">
+            <a:schemeClr val="lt1"/>
+          </a:fontRef>
+        </p:style>
+        <p:txBody>
+          <a:bodyPr rtlCol="0" anchor="ctr"/>
+          <a:lstStyle/>
+          <a:p>
+            <a:pPr algn="ctr"/>
+            <a:endParaRPr lang="en-US"/>
+          </a:p>
+        </p:txBody>
+      </p:sp>
+      <p:sp>
+        <p:nvSpPr>
+          <p:cNvPr id="56" name="TextBox 55"/>
+          <p:cNvSpPr txBox="1"/>
+          <p:nvPr/>
+        </p:nvSpPr>
+        <p:spPr>
+          <a:xfrm>
+            <a:off x="2050449" y="5022788"/>
+            <a:ext cx="889141" cy="461665"/>
+          </a:xfrm>
+          <a:prstGeom prst="rect">
+            <a:avLst/>
+          </a:prstGeom>
+          <a:noFill/>
+        </p:spPr>
+        <p:txBody>
+          <a:bodyPr wrap="square" rtlCol="0">
+            <a:spAutoFit/>
+          </a:bodyPr>
+          <a:lstStyle/>
+          <a:p>
+            <a:r>
+              <a:rPr lang="en-US" sz="2400" dirty="0" smtClean="0"/>
+              <a:t>g</a:t>
+            </a:r>
+            <a:r>
+              <a:rPr lang="en-US" sz="2400" baseline="-25000" dirty="0" smtClean="0"/>
+              <a:t>start</a:t>
+            </a:r>
+            <a:endParaRPr lang="en-US" sz="2400" baseline="-25000" dirty="0"/>
+          </a:p>
+        </p:txBody>
+      </p:sp>
+      <p:sp>
+        <p:nvSpPr>
+          <p:cNvPr id="57" name="TextBox 56"/>
+          <p:cNvSpPr txBox="1"/>
+          <p:nvPr/>
+        </p:nvSpPr>
+        <p:spPr>
+          <a:xfrm>
+            <a:off x="4131876" y="5022788"/>
+            <a:ext cx="889141" cy="461665"/>
+          </a:xfrm>
+          <a:prstGeom prst="rect">
+            <a:avLst/>
+          </a:prstGeom>
+          <a:noFill/>
+        </p:spPr>
+        <p:txBody>
+          <a:bodyPr wrap="square" rtlCol="0">
+            <a:spAutoFit/>
+          </a:bodyPr>
+          <a:lstStyle/>
+          <a:p>
+            <a:r>
+              <a:rPr lang="en-US" sz="2400" dirty="0" smtClean="0"/>
+              <a:t>g</a:t>
+            </a:r>
+            <a:r>
+              <a:rPr lang="en-US" sz="2400" baseline="-25000" dirty="0" smtClean="0"/>
+              <a:t>end</a:t>
+            </a:r>
+            <a:endParaRPr lang="en-US" sz="2400" baseline="-25000" dirty="0"/>
+          </a:p>
+        </p:txBody>
+      </p:sp>
+      <p:sp>
+        <p:nvSpPr>
+          <p:cNvPr id="64" name="TextBox 63"/>
+          <p:cNvSpPr txBox="1"/>
+          <p:nvPr/>
+        </p:nvSpPr>
+        <p:spPr>
+          <a:xfrm>
+            <a:off x="6265985" y="3400376"/>
+            <a:ext cx="776882" cy="461665"/>
+          </a:xfrm>
+          <a:prstGeom prst="rect">
+            <a:avLst/>
+          </a:prstGeom>
+          <a:noFill/>
+        </p:spPr>
+        <p:txBody>
+          <a:bodyPr wrap="square" rtlCol="0">
+            <a:spAutoFit/>
+          </a:bodyPr>
+          <a:lstStyle/>
+          <a:p>
+            <a:r>
+              <a:rPr lang="en-US" sz="2400" dirty="0" smtClean="0"/>
+              <a:t>V</a:t>
+            </a:r>
+            <a:r>
+              <a:rPr lang="en-US" sz="2400" baseline="-25000" dirty="0" smtClean="0"/>
+              <a:t>cc</a:t>
+            </a:r>
+            <a:endParaRPr lang="en-US" sz="2400" baseline="-25000" dirty="0"/>
+          </a:p>
+        </p:txBody>
+      </p:sp>
+      <p:sp>
+        <p:nvSpPr>
+          <p:cNvPr id="59" name="Freeform 58"/>
+          <p:cNvSpPr/>
+          <p:nvPr/>
+        </p:nvSpPr>
+        <p:spPr>
+          <a:xfrm rot="19635414">
+            <a:off x="5728235" y="3822838"/>
+            <a:ext cx="1937121" cy="1132153"/>
+          </a:xfrm>
+          <a:custGeom>
+            <a:avLst/>
+            <a:gdLst>
+              <a:gd name="connsiteX0" fmla="*/ 1187622 w 2917568"/>
+              <a:gd name="connsiteY0" fmla="*/ 1393567 h 2128108"/>
+              <a:gd name="connsiteX1" fmla="*/ 2780271 w 2917568"/>
+              <a:gd name="connsiteY1" fmla="*/ 1002270 h 2128108"/>
+              <a:gd name="connsiteX2" fmla="*/ 2917568 w 2917568"/>
+              <a:gd name="connsiteY2" fmla="*/ 1729945 h 2128108"/>
+              <a:gd name="connsiteX3" fmla="*/ 926757 w 2917568"/>
+              <a:gd name="connsiteY3" fmla="*/ 2128108 h 2128108"/>
+              <a:gd name="connsiteX4" fmla="*/ 0 w 2917568"/>
+              <a:gd name="connsiteY4" fmla="*/ 377567 h 2128108"/>
+              <a:gd name="connsiteX5" fmla="*/ 466811 w 2917568"/>
+              <a:gd name="connsiteY5" fmla="*/ 0 h 2128108"/>
+              <a:gd name="connsiteX6" fmla="*/ 1187622 w 2917568"/>
+              <a:gd name="connsiteY6" fmla="*/ 1393567 h 2128108"/>
+              <a:gd name="connsiteX0" fmla="*/ 1187622 w 2835190"/>
+              <a:gd name="connsiteY0" fmla="*/ 1393567 h 2128108"/>
+              <a:gd name="connsiteX1" fmla="*/ 2780271 w 2835190"/>
+              <a:gd name="connsiteY1" fmla="*/ 1002270 h 2128108"/>
+              <a:gd name="connsiteX2" fmla="*/ 2835190 w 2835190"/>
+              <a:gd name="connsiteY2" fmla="*/ 1530864 h 2128108"/>
+              <a:gd name="connsiteX3" fmla="*/ 926757 w 2835190"/>
+              <a:gd name="connsiteY3" fmla="*/ 2128108 h 2128108"/>
+              <a:gd name="connsiteX4" fmla="*/ 0 w 2835190"/>
+              <a:gd name="connsiteY4" fmla="*/ 377567 h 2128108"/>
+              <a:gd name="connsiteX5" fmla="*/ 466811 w 2835190"/>
+              <a:gd name="connsiteY5" fmla="*/ 0 h 2128108"/>
+              <a:gd name="connsiteX6" fmla="*/ 1187622 w 2835190"/>
+              <a:gd name="connsiteY6" fmla="*/ 1393567 h 2128108"/>
+              <a:gd name="connsiteX0" fmla="*/ 995406 w 2642974"/>
+              <a:gd name="connsiteY0" fmla="*/ 1393567 h 2128108"/>
+              <a:gd name="connsiteX1" fmla="*/ 2588055 w 2642974"/>
+              <a:gd name="connsiteY1" fmla="*/ 1002270 h 2128108"/>
+              <a:gd name="connsiteX2" fmla="*/ 2642974 w 2642974"/>
+              <a:gd name="connsiteY2" fmla="*/ 1530864 h 2128108"/>
+              <a:gd name="connsiteX3" fmla="*/ 734541 w 2642974"/>
+              <a:gd name="connsiteY3" fmla="*/ 2128108 h 2128108"/>
+              <a:gd name="connsiteX4" fmla="*/ 0 w 2642974"/>
+              <a:gd name="connsiteY4" fmla="*/ 761999 h 2128108"/>
+              <a:gd name="connsiteX5" fmla="*/ 274595 w 2642974"/>
+              <a:gd name="connsiteY5" fmla="*/ 0 h 2128108"/>
+              <a:gd name="connsiteX6" fmla="*/ 995406 w 2642974"/>
+              <a:gd name="connsiteY6" fmla="*/ 1393567 h 2128108"/>
+              <a:gd name="connsiteX0" fmla="*/ 995406 w 2642974"/>
+              <a:gd name="connsiteY0" fmla="*/ 967945 h 1702486"/>
+              <a:gd name="connsiteX1" fmla="*/ 2588055 w 2642974"/>
+              <a:gd name="connsiteY1" fmla="*/ 576648 h 1702486"/>
+              <a:gd name="connsiteX2" fmla="*/ 2642974 w 2642974"/>
+              <a:gd name="connsiteY2" fmla="*/ 1105242 h 1702486"/>
+              <a:gd name="connsiteX3" fmla="*/ 734541 w 2642974"/>
+              <a:gd name="connsiteY3" fmla="*/ 1702486 h 1702486"/>
+              <a:gd name="connsiteX4" fmla="*/ 0 w 2642974"/>
+              <a:gd name="connsiteY4" fmla="*/ 336377 h 1702486"/>
+              <a:gd name="connsiteX5" fmla="*/ 453081 w 2642974"/>
+              <a:gd name="connsiteY5" fmla="*/ 0 h 1702486"/>
+              <a:gd name="connsiteX6" fmla="*/ 995406 w 2642974"/>
+              <a:gd name="connsiteY6" fmla="*/ 967945 h 1702486"/>
+              <a:gd name="connsiteX0" fmla="*/ 995406 w 2588055"/>
+              <a:gd name="connsiteY0" fmla="*/ 967945 h 1702486"/>
+              <a:gd name="connsiteX1" fmla="*/ 2588055 w 2588055"/>
+              <a:gd name="connsiteY1" fmla="*/ 576648 h 1702486"/>
+              <a:gd name="connsiteX2" fmla="*/ 1937266 w 2588055"/>
+              <a:gd name="connsiteY2" fmla="*/ 1319970 h 1702486"/>
+              <a:gd name="connsiteX3" fmla="*/ 734541 w 2588055"/>
+              <a:gd name="connsiteY3" fmla="*/ 1702486 h 1702486"/>
+              <a:gd name="connsiteX4" fmla="*/ 0 w 2588055"/>
+              <a:gd name="connsiteY4" fmla="*/ 336377 h 1702486"/>
+              <a:gd name="connsiteX5" fmla="*/ 453081 w 2588055"/>
+              <a:gd name="connsiteY5" fmla="*/ 0 h 1702486"/>
+              <a:gd name="connsiteX6" fmla="*/ 995406 w 2588055"/>
+              <a:gd name="connsiteY6" fmla="*/ 967945 h 1702486"/>
+              <a:gd name="connsiteX0" fmla="*/ 1064851 w 2657500"/>
+              <a:gd name="connsiteY0" fmla="*/ 967945 h 1702486"/>
+              <a:gd name="connsiteX1" fmla="*/ 2657500 w 2657500"/>
+              <a:gd name="connsiteY1" fmla="*/ 576648 h 1702486"/>
+              <a:gd name="connsiteX2" fmla="*/ 2006711 w 2657500"/>
+              <a:gd name="connsiteY2" fmla="*/ 1319970 h 1702486"/>
+              <a:gd name="connsiteX3" fmla="*/ 803986 w 2657500"/>
+              <a:gd name="connsiteY3" fmla="*/ 1702486 h 1702486"/>
+              <a:gd name="connsiteX4" fmla="*/ 0 w 2657500"/>
+              <a:gd name="connsiteY4" fmla="*/ 52055 h 1702486"/>
+              <a:gd name="connsiteX5" fmla="*/ 522526 w 2657500"/>
+              <a:gd name="connsiteY5" fmla="*/ 0 h 1702486"/>
+              <a:gd name="connsiteX6" fmla="*/ 1064851 w 2657500"/>
+              <a:gd name="connsiteY6" fmla="*/ 967945 h 1702486"/>
+              <a:gd name="connsiteX0" fmla="*/ 1064851 w 2508326"/>
+              <a:gd name="connsiteY0" fmla="*/ 967945 h 1702486"/>
+              <a:gd name="connsiteX1" fmla="*/ 2508325 w 2508326"/>
+              <a:gd name="connsiteY1" fmla="*/ 632085 h 1702486"/>
+              <a:gd name="connsiteX2" fmla="*/ 2006711 w 2508326"/>
+              <a:gd name="connsiteY2" fmla="*/ 1319970 h 1702486"/>
+              <a:gd name="connsiteX3" fmla="*/ 803986 w 2508326"/>
+              <a:gd name="connsiteY3" fmla="*/ 1702486 h 1702486"/>
+              <a:gd name="connsiteX4" fmla="*/ 0 w 2508326"/>
+              <a:gd name="connsiteY4" fmla="*/ 52055 h 1702486"/>
+              <a:gd name="connsiteX5" fmla="*/ 522526 w 2508326"/>
+              <a:gd name="connsiteY5" fmla="*/ 0 h 1702486"/>
+              <a:gd name="connsiteX6" fmla="*/ 1064851 w 2508326"/>
+              <a:gd name="connsiteY6" fmla="*/ 967945 h 1702486"/>
+              <a:gd name="connsiteX0" fmla="*/ 1064851 w 2508325"/>
+              <a:gd name="connsiteY0" fmla="*/ 967945 h 1465993"/>
+              <a:gd name="connsiteX1" fmla="*/ 2508325 w 2508325"/>
+              <a:gd name="connsiteY1" fmla="*/ 632085 h 1465993"/>
+              <a:gd name="connsiteX2" fmla="*/ 2006711 w 2508325"/>
+              <a:gd name="connsiteY2" fmla="*/ 1319970 h 1465993"/>
+              <a:gd name="connsiteX3" fmla="*/ 867765 w 2508325"/>
+              <a:gd name="connsiteY3" fmla="*/ 1465993 h 1465993"/>
+              <a:gd name="connsiteX4" fmla="*/ 0 w 2508325"/>
+              <a:gd name="connsiteY4" fmla="*/ 52055 h 1465993"/>
+              <a:gd name="connsiteX5" fmla="*/ 522526 w 2508325"/>
+              <a:gd name="connsiteY5" fmla="*/ 0 h 1465993"/>
+              <a:gd name="connsiteX6" fmla="*/ 1064851 w 2508325"/>
+              <a:gd name="connsiteY6" fmla="*/ 967945 h 1465993"/>
+            </a:gdLst>
+            <a:ahLst/>
+            <a:cxnLst>
+              <a:cxn ang="0">
+                <a:pos x="connsiteX0" y="connsiteY0"/>
+              </a:cxn>
+              <a:cxn ang="0">
+                <a:pos x="connsiteX1" y="connsiteY1"/>
+              </a:cxn>
+              <a:cxn ang="0">
+                <a:pos x="connsiteX2" y="connsiteY2"/>
+              </a:cxn>
+              <a:cxn ang="0">
+                <a:pos x="connsiteX3" y="connsiteY3"/>
+              </a:cxn>
+              <a:cxn ang="0">
+                <a:pos x="connsiteX4" y="connsiteY4"/>
+              </a:cxn>
+              <a:cxn ang="0">
+                <a:pos x="connsiteX5" y="connsiteY5"/>
+              </a:cxn>
+              <a:cxn ang="0">
+                <a:pos x="connsiteX6" y="connsiteY6"/>
+              </a:cxn>
+            </a:cxnLst>
+            <a:rect l="l" t="t" r="r" b="b"/>
+            <a:pathLst>
+              <a:path w="2508325" h="1465993">
+                <a:moveTo>
+                  <a:pt x="1064851" y="967945"/>
+                </a:moveTo>
+                <a:lnTo>
+                  <a:pt x="2508325" y="632085"/>
+                </a:lnTo>
+                <a:lnTo>
+                  <a:pt x="2006711" y="1319970"/>
+                </a:lnTo>
+                <a:lnTo>
+                  <a:pt x="867765" y="1465993"/>
+                </a:lnTo>
+                <a:lnTo>
+                  <a:pt x="0" y="52055"/>
+                </a:lnTo>
+                <a:lnTo>
+                  <a:pt x="522526" y="0"/>
+                </a:lnTo>
+                <a:lnTo>
+                  <a:pt x="1064851" y="967945"/>
+                </a:lnTo>
+                <a:close/>
+              </a:path>
+            </a:pathLst>
+          </a:custGeom>
+          <a:gradFill flip="none" rotWithShape="1">
+            <a:gsLst>
+              <a:gs pos="0">
+                <a:schemeClr val="accent1">
+                  <a:tint val="100000"/>
+                  <a:shade val="100000"/>
+                  <a:satMod val="130000"/>
+                  <a:alpha val="15000"/>
+                </a:schemeClr>
+              </a:gs>
+              <a:gs pos="100000">
+                <a:schemeClr val="accent1">
+                  <a:tint val="50000"/>
+                  <a:shade val="100000"/>
+                  <a:satMod val="350000"/>
+                  <a:alpha val="15000"/>
+                </a:schemeClr>
+              </a:gs>
+            </a:gsLst>
+            <a:lin ang="16200000" scaled="0"/>
+            <a:tileRect/>
+          </a:gradFill>
+        </p:spPr>
+        <p:style>
+          <a:lnRef idx="1">
+            <a:schemeClr val="accent1"/>
+          </a:lnRef>
+          <a:fillRef idx="3">
+            <a:schemeClr val="accent1"/>
+          </a:fillRef>
+          <a:effectRef idx="2">
+            <a:schemeClr val="accent1"/>
+          </a:effectRef>
+          <a:fontRef idx="minor">
+            <a:schemeClr val="lt1"/>
+          </a:fontRef>
+        </p:style>
+        <p:txBody>
+          <a:bodyPr rtlCol="0" anchor="ctr"/>
+          <a:lstStyle/>
+          <a:p>
+            <a:pPr algn="ctr"/>
+            <a:endParaRPr lang="en-US"/>
+          </a:p>
+        </p:txBody>
+      </p:sp>
+      <p:sp>
+        <p:nvSpPr>
+          <p:cNvPr id="61" name="Oval 60"/>
+          <p:cNvSpPr/>
+          <p:nvPr/>
+        </p:nvSpPr>
+        <p:spPr>
+          <a:xfrm rot="19635414">
+            <a:off x="6657927" y="4587317"/>
+            <a:ext cx="47554" cy="47554"/>
+          </a:xfrm>
+          <a:prstGeom prst="ellipse">
+            <a:avLst/>
+          </a:prstGeom>
+        </p:spPr>
+        <p:style>
+          <a:lnRef idx="2">
+            <a:schemeClr val="dk1">
+              <a:shade val="50000"/>
+            </a:schemeClr>
+          </a:lnRef>
+          <a:fillRef idx="1">
+            <a:schemeClr val="dk1"/>
+          </a:fillRef>
+          <a:effectRef idx="0">
+            <a:schemeClr val="dk1"/>
+          </a:effectRef>
+          <a:fontRef idx="minor">
+            <a:schemeClr val="lt1"/>
+          </a:fontRef>
+        </p:style>
+        <p:txBody>
+          <a:bodyPr rtlCol="0" anchor="ctr"/>
+          <a:lstStyle/>
+          <a:p>
+            <a:pPr algn="ctr"/>
+            <a:endParaRPr lang="en-US"/>
+          </a:p>
+        </p:txBody>
+      </p:sp>
+      <p:cxnSp>
+        <p:nvCxnSpPr>
+          <p:cNvPr id="62" name="Straight Arrow Connector 61"/>
+          <p:cNvCxnSpPr/>
+          <p:nvPr/>
+        </p:nvCxnSpPr>
+        <p:spPr>
+          <a:xfrm rot="19635414" flipH="1" flipV="1">
+            <a:off x="6234345" y="4198433"/>
+            <a:ext cx="328699" cy="543329"/>
+          </a:xfrm>
+          <a:prstGeom prst="straightConnector1">
+            <a:avLst/>
+          </a:prstGeom>
+          <a:ln w="28575" cmpd="sng">
+            <a:tailEnd type="arrow"/>
+          </a:ln>
+          <a:effectLst/>
+        </p:spPr>
+        <p:style>
+          <a:lnRef idx="2">
+            <a:schemeClr val="dk1"/>
+          </a:lnRef>
+          <a:fillRef idx="0">
+            <a:schemeClr val="dk1"/>
+          </a:fillRef>
+          <a:effectRef idx="1">
+            <a:schemeClr val="dk1"/>
+          </a:effectRef>
+          <a:fontRef idx="minor">
+            <a:schemeClr val="tx1"/>
+          </a:fontRef>
+        </p:style>
+      </p:cxnSp>
+      <p:sp>
+        <p:nvSpPr>
+          <p:cNvPr id="65" name="Rectangle 64"/>
+          <p:cNvSpPr/>
+          <p:nvPr/>
+        </p:nvSpPr>
+        <p:spPr>
+          <a:xfrm rot="18723378">
+            <a:off x="6716492" y="4536353"/>
+            <a:ext cx="125907" cy="125907"/>
+          </a:xfrm>
+          <a:prstGeom prst="rect">
+            <a:avLst/>
+          </a:prstGeom>
+          <a:ln w="12700" cmpd="sng"/>
+        </p:spPr>
+        <p:style>
+          <a:lnRef idx="2">
+            <a:schemeClr val="dk1"/>
+          </a:lnRef>
+          <a:fillRef idx="1">
+            <a:schemeClr val="lt1"/>
+          </a:fillRef>
+          <a:effectRef idx="0">
+            <a:schemeClr val="dk1"/>
+          </a:effectRef>
+          <a:fontRef idx="minor">
+            <a:schemeClr val="dk1"/>
+          </a:fontRef>
+        </p:style>
+        <p:txBody>
+          <a:bodyPr rtlCol="0" anchor="ctr"/>
+          <a:lstStyle/>
+          <a:p>
+            <a:pPr algn="ctr"/>
+            <a:endParaRPr lang="en-US"/>
+          </a:p>
+        </p:txBody>
+      </p:sp>
+      <p:cxnSp>
+        <p:nvCxnSpPr>
+          <p:cNvPr id="67" name="Straight Arrow Connector 66"/>
+          <p:cNvCxnSpPr>
+            <a:stCxn id="59" idx="0"/>
+          </p:cNvCxnSpPr>
+          <p:nvPr/>
+        </p:nvCxnSpPr>
+        <p:spPr>
+          <a:xfrm flipV="1">
+            <a:off x="6671965" y="4184671"/>
+            <a:ext cx="413013" cy="435934"/>
+          </a:xfrm>
+          <a:prstGeom prst="straightConnector1">
+            <a:avLst/>
+          </a:prstGeom>
+          <a:ln w="28575" cmpd="sng">
+            <a:tailEnd type="arrow"/>
+          </a:ln>
+          <a:effectLst/>
+        </p:spPr>
+        <p:style>
+          <a:lnRef idx="2">
+            <a:schemeClr val="dk1"/>
+          </a:lnRef>
+          <a:fillRef idx="0">
+            <a:schemeClr val="dk1"/>
+          </a:fillRef>
+          <a:effectRef idx="1">
+            <a:schemeClr val="dk1"/>
+          </a:effectRef>
+          <a:fontRef idx="minor">
+            <a:schemeClr val="tx1"/>
+          </a:fontRef>
+        </p:style>
+      </p:cxnSp>
+      <p:sp>
+        <p:nvSpPr>
+          <p:cNvPr id="69" name="Rectangle 68"/>
+          <p:cNvSpPr/>
+          <p:nvPr/>
+        </p:nvSpPr>
+        <p:spPr>
+          <a:xfrm rot="17844090">
+            <a:off x="6532247" y="4577466"/>
+            <a:ext cx="121079" cy="121079"/>
+          </a:xfrm>
+          <a:prstGeom prst="rect">
+            <a:avLst/>
+          </a:prstGeom>
+          <a:ln w="12700" cmpd="sng"/>
+        </p:spPr>
+        <p:style>
+          <a:lnRef idx="2">
+            <a:schemeClr val="dk1"/>
+          </a:lnRef>
+          <a:fillRef idx="1">
+            <a:schemeClr val="lt1"/>
+          </a:fillRef>
+          <a:effectRef idx="0">
+            <a:schemeClr val="dk1"/>
+          </a:effectRef>
+          <a:fontRef idx="minor">
+            <a:schemeClr val="dk1"/>
+          </a:fontRef>
+        </p:style>
+        <p:txBody>
+          <a:bodyPr rtlCol="0" anchor="ctr"/>
+          <a:lstStyle/>
+          <a:p>
+            <a:pPr algn="ctr"/>
+            <a:endParaRPr lang="en-US"/>
+          </a:p>
+        </p:txBody>
+      </p:sp>
+      <p:cxnSp>
+        <p:nvCxnSpPr>
+          <p:cNvPr id="72" name="Straight Arrow Connector 71"/>
+          <p:cNvCxnSpPr/>
+          <p:nvPr/>
+        </p:nvCxnSpPr>
+        <p:spPr>
+          <a:xfrm rot="19635414">
+            <a:off x="6828652" y="4532520"/>
+            <a:ext cx="163266" cy="556685"/>
+          </a:xfrm>
+          <a:prstGeom prst="straightConnector1">
+            <a:avLst/>
+          </a:prstGeom>
+          <a:ln w="28575" cmpd="sng">
+            <a:tailEnd type="arrow"/>
+          </a:ln>
+          <a:effectLst/>
+        </p:spPr>
+        <p:style>
+          <a:lnRef idx="2">
+            <a:schemeClr val="dk1"/>
+          </a:lnRef>
+          <a:fillRef idx="0">
+            <a:schemeClr val="dk1"/>
+          </a:fillRef>
+          <a:effectRef idx="1">
+            <a:schemeClr val="dk1"/>
+          </a:effectRef>
+          <a:fontRef idx="minor">
+            <a:schemeClr val="tx1"/>
+          </a:fontRef>
+        </p:style>
+      </p:cxnSp>
+      <p:cxnSp>
+        <p:nvCxnSpPr>
+          <p:cNvPr id="73" name="Straight Arrow Connector 72"/>
+          <p:cNvCxnSpPr/>
+          <p:nvPr/>
+        </p:nvCxnSpPr>
+        <p:spPr>
+          <a:xfrm rot="19635414" flipH="1">
+            <a:off x="6330835" y="4707103"/>
+            <a:ext cx="442769" cy="209285"/>
+          </a:xfrm>
+          <a:prstGeom prst="straightConnector1">
+            <a:avLst/>
+          </a:prstGeom>
+          <a:ln w="28575" cmpd="sng">
+            <a:tailEnd type="arrow"/>
+          </a:ln>
+          <a:effectLst/>
+        </p:spPr>
+        <p:style>
+          <a:lnRef idx="2">
+            <a:schemeClr val="dk1"/>
+          </a:lnRef>
+          <a:fillRef idx="0">
+            <a:schemeClr val="dk1"/>
+          </a:fillRef>
+          <a:effectRef idx="1">
+            <a:schemeClr val="dk1"/>
+          </a:effectRef>
+          <a:fontRef idx="minor">
+            <a:schemeClr val="tx1"/>
+          </a:fontRef>
+        </p:style>
+      </p:cxnSp>
+      <p:sp>
+        <p:nvSpPr>
+          <p:cNvPr id="55" name="Oval 54"/>
+          <p:cNvSpPr/>
+          <p:nvPr/>
+        </p:nvSpPr>
+        <p:spPr>
+          <a:xfrm rot="19527167">
+            <a:off x="1738239" y="3617041"/>
+            <a:ext cx="1475946" cy="1475946"/>
+          </a:xfrm>
+          <a:prstGeom prst="ellipse">
+            <a:avLst/>
+          </a:prstGeom>
+          <a:noFill/>
+        </p:spPr>
+        <p:style>
+          <a:lnRef idx="1">
+            <a:schemeClr val="accent1"/>
+          </a:lnRef>
+          <a:fillRef idx="3">
+            <a:schemeClr val="accent1"/>
+          </a:fillRef>
+          <a:effectRef idx="2">
+            <a:schemeClr val="accent1"/>
+          </a:effectRef>
+          <a:fontRef idx="minor">
+            <a:schemeClr val="lt1"/>
+          </a:fontRef>
+        </p:style>
+        <p:txBody>
+          <a:bodyPr rtlCol="0" anchor="ctr"/>
+          <a:lstStyle/>
+          <a:p>
+            <a:pPr algn="ctr"/>
+            <a:endParaRPr lang="en-US"/>
+          </a:p>
+        </p:txBody>
+      </p:sp>
+      <p:cxnSp>
+        <p:nvCxnSpPr>
+          <p:cNvPr id="68" name="Straight Arrow Connector 67"/>
+          <p:cNvCxnSpPr/>
+          <p:nvPr/>
+        </p:nvCxnSpPr>
+        <p:spPr>
+          <a:xfrm rot="19527167">
+            <a:off x="2637215" y="4240568"/>
+            <a:ext cx="224845" cy="736092"/>
+          </a:xfrm>
+          <a:prstGeom prst="straightConnector1">
+            <a:avLst/>
+          </a:prstGeom>
+          <a:ln w="28575" cmpd="sng">
+            <a:tailEnd type="arrow"/>
+          </a:ln>
+          <a:effectLst/>
+        </p:spPr>
+        <p:style>
+          <a:lnRef idx="2">
+            <a:schemeClr val="dk1"/>
+          </a:lnRef>
+          <a:fillRef idx="0">
+            <a:schemeClr val="dk1"/>
+          </a:fillRef>
+          <a:effectRef idx="1">
+            <a:schemeClr val="dk1"/>
+          </a:effectRef>
+          <a:fontRef idx="minor">
+            <a:schemeClr val="tx1"/>
+          </a:fontRef>
+        </p:style>
+      </p:cxnSp>
+      <p:cxnSp>
+        <p:nvCxnSpPr>
+          <p:cNvPr id="70" name="Straight Arrow Connector 69"/>
+          <p:cNvCxnSpPr/>
+          <p:nvPr/>
+        </p:nvCxnSpPr>
+        <p:spPr>
+          <a:xfrm rot="19527167" flipH="1">
+            <a:off x="1990066" y="4518929"/>
+            <a:ext cx="631433" cy="375772"/>
+          </a:xfrm>
+          <a:prstGeom prst="straightConnector1">
+            <a:avLst/>
+          </a:prstGeom>
+          <a:ln w="28575" cmpd="sng">
+            <a:tailEnd type="arrow"/>
+          </a:ln>
+          <a:effectLst/>
+        </p:spPr>
+        <p:style>
+          <a:lnRef idx="2">
+            <a:schemeClr val="dk1"/>
+          </a:lnRef>
+          <a:fillRef idx="0">
+            <a:schemeClr val="dk1"/>
+          </a:fillRef>
+          <a:effectRef idx="1">
+            <a:schemeClr val="dk1"/>
+          </a:effectRef>
+          <a:fontRef idx="minor">
+            <a:schemeClr val="tx1"/>
+          </a:fontRef>
+        </p:style>
+      </p:cxnSp>
+      <p:sp>
+        <p:nvSpPr>
+          <p:cNvPr id="80" name="Oval 79"/>
+          <p:cNvSpPr/>
+          <p:nvPr/>
+        </p:nvSpPr>
+        <p:spPr>
+          <a:xfrm rot="19527167">
+            <a:off x="2428563" y="4353677"/>
+            <a:ext cx="65289" cy="65289"/>
+          </a:xfrm>
+          <a:prstGeom prst="ellipse">
+            <a:avLst/>
+          </a:prstGeom>
+        </p:spPr>
+        <p:style>
+          <a:lnRef idx="2">
+            <a:schemeClr val="dk1">
+              <a:shade val="50000"/>
+            </a:schemeClr>
+          </a:lnRef>
+          <a:fillRef idx="1">
+            <a:schemeClr val="dk1"/>
+          </a:fillRef>
+          <a:effectRef idx="0">
+            <a:schemeClr val="dk1"/>
+          </a:effectRef>
+          <a:fontRef idx="minor">
+            <a:schemeClr val="lt1"/>
+          </a:fontRef>
+        </p:style>
+        <p:txBody>
+          <a:bodyPr rtlCol="0" anchor="ctr"/>
+          <a:lstStyle/>
+          <a:p>
+            <a:pPr algn="ctr"/>
+            <a:endParaRPr lang="en-US"/>
+          </a:p>
+        </p:txBody>
+      </p:sp>
+      <p:grpSp>
+        <p:nvGrpSpPr>
+          <p:cNvPr id="9" name="Group 8"/>
+          <p:cNvGrpSpPr/>
+          <p:nvPr/>
+        </p:nvGrpSpPr>
+        <p:grpSpPr>
+          <a:xfrm rot="19339793">
+            <a:off x="3701291" y="3617041"/>
+            <a:ext cx="1500065" cy="1483684"/>
+            <a:chOff x="3701291" y="3617041"/>
+            <a:chExt cx="1500065" cy="1483684"/>
+          </a:xfrm>
+        </p:grpSpPr>
+        <p:sp>
+          <p:nvSpPr>
+            <p:cNvPr id="50" name="Block Arc 49"/>
+            <p:cNvSpPr/>
+            <p:nvPr/>
+          </p:nvSpPr>
+          <p:spPr>
+            <a:xfrm rot="12003543">
+              <a:off x="3701291" y="3632498"/>
+              <a:ext cx="1475528" cy="1463026"/>
+            </a:xfrm>
+            <a:prstGeom prst="blockArc">
+              <a:avLst>
+                <a:gd name="adj1" fmla="val 8989175"/>
+                <a:gd name="adj2" fmla="val 13977700"/>
+                <a:gd name="adj3" fmla="val 46345"/>
+              </a:avLst>
+            </a:prstGeom>
+          </p:spPr>
+          <p:style>
+            <a:lnRef idx="1">
+              <a:schemeClr val="accent1"/>
+            </a:lnRef>
+            <a:fillRef idx="3">
+              <a:schemeClr val="accent1"/>
+            </a:fillRef>
+            <a:effectRef idx="2">
+              <a:schemeClr val="accent1"/>
+            </a:effectRef>
+            <a:fontRef idx="minor">
+              <a:schemeClr val="lt1"/>
+            </a:fontRef>
+          </p:style>
+          <p:txBody>
+            <a:bodyPr rtlCol="0" anchor="ctr"/>
+            <a:lstStyle/>
+            <a:p>
+              <a:pPr algn="ctr"/>
+              <a:endParaRPr lang="en-US">
+                <a:solidFill>
+                  <a:schemeClr val="tx1"/>
+                </a:solidFill>
+              </a:endParaRPr>
+            </a:p>
+          </p:txBody>
+        </p:sp>
+        <p:grpSp>
+          <p:nvGrpSpPr>
+            <p:cNvPr id="8" name="Group 7"/>
+            <p:cNvGrpSpPr/>
+            <p:nvPr/>
+          </p:nvGrpSpPr>
+          <p:grpSpPr>
+            <a:xfrm>
+              <a:off x="3723558" y="3617041"/>
+              <a:ext cx="1477798" cy="1483684"/>
+              <a:chOff x="3723558" y="3617041"/>
+              <a:chExt cx="1477798" cy="1483684"/>
+            </a:xfrm>
+          </p:grpSpPr>
+          <p:sp>
+            <p:nvSpPr>
+              <p:cNvPr id="46" name="Block Arc 45"/>
+              <p:cNvSpPr/>
+              <p:nvPr/>
+            </p:nvSpPr>
+            <p:spPr>
+              <a:xfrm>
+                <a:off x="3729172" y="3628541"/>
+                <a:ext cx="1472184" cy="1472184"/>
+              </a:xfrm>
+              <a:prstGeom prst="blockArc">
+                <a:avLst>
+                  <a:gd name="adj1" fmla="val 8808739"/>
+                  <a:gd name="adj2" fmla="val 14204526"/>
+                  <a:gd name="adj3" fmla="val 47367"/>
+                </a:avLst>
+              </a:prstGeom>
+            </p:spPr>
+            <p:style>
+              <a:lnRef idx="1">
+                <a:schemeClr val="accent1"/>
+              </a:lnRef>
+              <a:fillRef idx="3">
+                <a:schemeClr val="accent1"/>
+              </a:fillRef>
+              <a:effectRef idx="2">
+                <a:schemeClr val="accent1"/>
+              </a:effectRef>
+              <a:fontRef idx="minor">
+                <a:schemeClr val="lt1"/>
+              </a:fontRef>
+            </p:style>
+            <p:txBody>
+              <a:bodyPr rtlCol="0" anchor="ctr"/>
+              <a:lstStyle/>
+              <a:p>
+                <a:pPr algn="ctr"/>
+                <a:endParaRPr lang="en-US">
+                  <a:solidFill>
+                    <a:schemeClr val="tx1"/>
+                  </a:solidFill>
+                </a:endParaRPr>
+              </a:p>
+            </p:txBody>
+          </p:sp>
+          <p:sp>
+            <p:nvSpPr>
+              <p:cNvPr id="58" name="Oval 57"/>
+              <p:cNvSpPr/>
+              <p:nvPr/>
+            </p:nvSpPr>
+            <p:spPr>
+              <a:xfrm>
+                <a:off x="3723558" y="3617041"/>
+                <a:ext cx="1475946" cy="1475946"/>
+              </a:xfrm>
+              <a:prstGeom prst="ellipse">
+                <a:avLst/>
+              </a:prstGeom>
+              <a:noFill/>
+            </p:spPr>
+            <p:style>
+              <a:lnRef idx="1">
+                <a:schemeClr val="accent1"/>
+              </a:lnRef>
+              <a:fillRef idx="3">
+                <a:schemeClr val="accent1"/>
+              </a:fillRef>
+              <a:effectRef idx="2">
+                <a:schemeClr val="accent1"/>
+              </a:effectRef>
+              <a:fontRef idx="minor">
+                <a:schemeClr val="lt1"/>
+              </a:fontRef>
+            </p:style>
+            <p:txBody>
+              <a:bodyPr rtlCol="0" anchor="ctr"/>
+              <a:lstStyle/>
+              <a:p>
+                <a:pPr algn="ctr"/>
+                <a:endParaRPr lang="en-US"/>
+              </a:p>
+            </p:txBody>
+          </p:sp>
+          <p:cxnSp>
+            <p:nvCxnSpPr>
+              <p:cNvPr id="76" name="Straight Arrow Connector 75"/>
+              <p:cNvCxnSpPr/>
+              <p:nvPr/>
+            </p:nvCxnSpPr>
+            <p:spPr>
+              <a:xfrm flipH="1" flipV="1">
+                <a:off x="4071165" y="3739796"/>
+                <a:ext cx="396276" cy="655031"/>
+              </a:xfrm>
+              <a:prstGeom prst="straightConnector1">
+                <a:avLst/>
+              </a:prstGeom>
+              <a:ln w="28575" cmpd="sng">
+                <a:tailEnd type="arrow"/>
+              </a:ln>
+              <a:effectLst/>
+            </p:spPr>
+            <p:style>
+              <a:lnRef idx="2">
+                <a:schemeClr val="dk1"/>
+              </a:lnRef>
+              <a:fillRef idx="0">
+                <a:schemeClr val="dk1"/>
+              </a:fillRef>
+              <a:effectRef idx="1">
+                <a:schemeClr val="dk1"/>
+              </a:effectRef>
+              <a:fontRef idx="minor">
+                <a:schemeClr val="tx1"/>
+              </a:fontRef>
+            </p:style>
+          </p:cxnSp>
+          <p:cxnSp>
+            <p:nvCxnSpPr>
+              <p:cNvPr id="77" name="Straight Arrow Connector 76"/>
+              <p:cNvCxnSpPr/>
+              <p:nvPr/>
+            </p:nvCxnSpPr>
+            <p:spPr>
+              <a:xfrm flipV="1">
+                <a:off x="4451534" y="4208902"/>
+                <a:ext cx="747970" cy="181793"/>
+              </a:xfrm>
+              <a:prstGeom prst="straightConnector1">
+                <a:avLst/>
+              </a:prstGeom>
+              <a:ln w="28575" cmpd="sng">
+                <a:tailEnd type="arrow"/>
+              </a:ln>
+              <a:effectLst/>
+            </p:spPr>
+            <p:style>
+              <a:lnRef idx="2">
+                <a:schemeClr val="dk1"/>
+              </a:lnRef>
+              <a:fillRef idx="0">
+                <a:schemeClr val="dk1"/>
+              </a:fillRef>
+              <a:effectRef idx="1">
+                <a:schemeClr val="dk1"/>
+              </a:effectRef>
+              <a:fontRef idx="minor">
+                <a:schemeClr val="tx1"/>
+              </a:fontRef>
+            </p:style>
+          </p:cxnSp>
+          <p:cxnSp>
+            <p:nvCxnSpPr>
+              <p:cNvPr id="78" name="Straight Arrow Connector 77"/>
+              <p:cNvCxnSpPr/>
+              <p:nvPr/>
+            </p:nvCxnSpPr>
+            <p:spPr>
+              <a:xfrm>
+                <a:off x="4460576" y="4385914"/>
+                <a:ext cx="215981" cy="707073"/>
+              </a:xfrm>
+              <a:prstGeom prst="straightConnector1">
+                <a:avLst/>
+              </a:prstGeom>
+              <a:ln w="28575" cmpd="sng">
+                <a:tailEnd type="arrow"/>
+              </a:ln>
+              <a:effectLst/>
+            </p:spPr>
+            <p:style>
+              <a:lnRef idx="2">
+                <a:schemeClr val="dk1"/>
+              </a:lnRef>
+              <a:fillRef idx="0">
+                <a:schemeClr val="dk1"/>
+              </a:fillRef>
+              <a:effectRef idx="1">
+                <a:schemeClr val="dk1"/>
+              </a:effectRef>
+              <a:fontRef idx="minor">
+                <a:schemeClr val="tx1"/>
+              </a:fontRef>
+            </p:style>
+          </p:cxnSp>
+          <p:cxnSp>
+            <p:nvCxnSpPr>
+              <p:cNvPr id="79" name="Straight Arrow Connector 78"/>
+              <p:cNvCxnSpPr/>
+              <p:nvPr/>
+            </p:nvCxnSpPr>
+            <p:spPr>
+              <a:xfrm flipH="1">
+                <a:off x="3836008" y="4395255"/>
+                <a:ext cx="631433" cy="375772"/>
+              </a:xfrm>
+              <a:prstGeom prst="straightConnector1">
+                <a:avLst/>
+              </a:prstGeom>
+              <a:ln w="28575" cmpd="sng">
+                <a:tailEnd type="arrow"/>
+              </a:ln>
+              <a:effectLst/>
+            </p:spPr>
+            <p:style>
+              <a:lnRef idx="2">
+                <a:schemeClr val="dk1"/>
+              </a:lnRef>
+              <a:fillRef idx="0">
+                <a:schemeClr val="dk1"/>
+              </a:fillRef>
+              <a:effectRef idx="1">
+                <a:schemeClr val="dk1"/>
+              </a:effectRef>
+              <a:fontRef idx="minor">
+                <a:schemeClr val="tx1"/>
+              </a:fontRef>
+            </p:style>
+          </p:cxnSp>
+          <p:sp>
+            <p:nvSpPr>
+              <p:cNvPr id="81" name="Oval 80"/>
+              <p:cNvSpPr/>
+              <p:nvPr/>
+            </p:nvSpPr>
+            <p:spPr>
+              <a:xfrm>
+                <a:off x="4426270" y="4354748"/>
+                <a:ext cx="65289" cy="65289"/>
+              </a:xfrm>
+              <a:prstGeom prst="ellipse">
+                <a:avLst/>
+              </a:prstGeom>
+            </p:spPr>
+            <p:style>
+              <a:lnRef idx="2">
+                <a:schemeClr val="dk1">
+                  <a:shade val="50000"/>
+                </a:schemeClr>
+              </a:lnRef>
+              <a:fillRef idx="1">
+                <a:schemeClr val="dk1"/>
+              </a:fillRef>
+              <a:effectRef idx="0">
+                <a:schemeClr val="dk1"/>
+              </a:effectRef>
+              <a:fontRef idx="minor">
+                <a:schemeClr val="lt1"/>
+              </a:fontRef>
+            </p:style>
+            <p:txBody>
+              <a:bodyPr rtlCol="0" anchor="ctr"/>
+              <a:lstStyle/>
+              <a:p>
+                <a:pPr algn="ctr"/>
+                <a:endParaRPr lang="en-US"/>
+              </a:p>
+            </p:txBody>
+          </p:sp>
+        </p:grpSp>
+      </p:grpSp>
+      <p:sp>
+        <p:nvSpPr>
+          <p:cNvPr id="86" name="TextBox 85"/>
+          <p:cNvSpPr txBox="1"/>
+          <p:nvPr/>
+        </p:nvSpPr>
+        <p:spPr>
+          <a:xfrm>
+            <a:off x="6260403" y="3400832"/>
+            <a:ext cx="776882" cy="461665"/>
+          </a:xfrm>
+          <a:prstGeom prst="rect">
+            <a:avLst/>
+          </a:prstGeom>
+          <a:noFill/>
+        </p:spPr>
+        <p:txBody>
+          <a:bodyPr wrap="square" rtlCol="0">
+            <a:spAutoFit/>
+          </a:bodyPr>
+          <a:lstStyle/>
+          <a:p>
+            <a:r>
+              <a:rPr lang="en-US" sz="2400" dirty="0" smtClean="0"/>
+              <a:t>V</a:t>
+            </a:r>
+            <a:r>
+              <a:rPr lang="en-US" sz="2400" baseline="30000" dirty="0" smtClean="0"/>
+              <a:t>2</a:t>
+            </a:r>
+            <a:endParaRPr lang="en-US" sz="2400" baseline="30000" dirty="0"/>
+          </a:p>
+        </p:txBody>
+      </p:sp>
+      <p:sp>
+        <p:nvSpPr>
+          <p:cNvPr id="87" name="TextBox 86"/>
+          <p:cNvSpPr txBox="1"/>
+          <p:nvPr/>
+        </p:nvSpPr>
+        <p:spPr>
+          <a:xfrm>
+            <a:off x="6235428" y="1106360"/>
+            <a:ext cx="776882" cy="461665"/>
+          </a:xfrm>
+          <a:prstGeom prst="rect">
+            <a:avLst/>
+          </a:prstGeom>
+          <a:noFill/>
+        </p:spPr>
+        <p:txBody>
+          <a:bodyPr wrap="square" rtlCol="0">
+            <a:spAutoFit/>
+          </a:bodyPr>
+          <a:lstStyle/>
+          <a:p>
+            <a:r>
+              <a:rPr lang="en-US" sz="2400" dirty="0" smtClean="0"/>
+              <a:t>V</a:t>
+            </a:r>
+            <a:r>
+              <a:rPr lang="en-US" sz="2400" baseline="-25000" dirty="0" smtClean="0"/>
+              <a:t>cc</a:t>
+            </a:r>
+            <a:endParaRPr lang="en-US" sz="2400" baseline="-25000" dirty="0"/>
+          </a:p>
+        </p:txBody>
+      </p:sp>
+    </p:spTree>
+    <p:extLst>
+      <p:ext uri="{BB962C8B-B14F-4D97-AF65-F5344CB8AC3E}">
+        <p14:creationId xmlns:p14="http://schemas.microsoft.com/office/powerpoint/2010/main" val="2294923400"/>
+      </p:ext>
+    </p:extLst>
+  </p:cSld>
+  <p:clrMapOvr>
+    <a:masterClrMapping/>
+  </p:clrMapOvr>
+</p:sld>
+</file>
+
 <file path=ppt/slides/slide2.xml><?xml version="1.0" encoding="utf-8"?>
 <p:sld xmlns:a="http://schemas.openxmlformats.org/drawingml/2006/main" xmlns:r="http://schemas.openxmlformats.org/officeDocument/2006/relationships" xmlns:p="http://schemas.openxmlformats.org/presentationml/2006/main">
   <p:cSld>

--- a/figures/figures.pptx
+++ b/figures/figures.pptx
@@ -11183,7 +11183,7 @@
           <a:p>
             <a:r>
               <a:rPr lang="en-US" dirty="0" smtClean="0"/>
-              <a:t>X</a:t>
+              <a:t>x</a:t>
             </a:r>
             <a:r>
               <a:rPr lang="en-US" baseline="-25000" dirty="0" smtClean="0"/>
@@ -11251,7 +11251,11 @@
           <a:p>
             <a:r>
               <a:rPr lang="en-US" dirty="0" smtClean="0"/>
-              <a:t>d</a:t>
+              <a:t>v</a:t>
+            </a:r>
+            <a:r>
+              <a:rPr lang="en-US" baseline="-25000" dirty="0" smtClean="0"/>
+              <a:t>0</a:t>
             </a:r>
             <a:endParaRPr lang="en-US" baseline="-25000" dirty="0"/>
           </a:p>
@@ -11529,6 +11533,156 @@
           </a:fontRef>
         </p:style>
       </p:cxnSp>
+      <p:grpSp>
+        <p:nvGrpSpPr>
+          <p:cNvPr id="2" name="Group 1"/>
+          <p:cNvGrpSpPr/>
+          <p:nvPr/>
+        </p:nvGrpSpPr>
+        <p:grpSpPr>
+          <a:xfrm>
+            <a:off x="1137812" y="2216670"/>
+            <a:ext cx="686793" cy="650638"/>
+            <a:chOff x="1137812" y="2216670"/>
+            <a:chExt cx="686793" cy="650638"/>
+          </a:xfrm>
+        </p:grpSpPr>
+        <p:sp>
+          <p:nvSpPr>
+            <p:cNvPr id="17" name="TextBox 16"/>
+            <p:cNvSpPr txBox="1"/>
+            <p:nvPr/>
+          </p:nvSpPr>
+          <p:spPr>
+            <a:xfrm>
+              <a:off x="1425463" y="2528754"/>
+              <a:ext cx="399142" cy="338554"/>
+            </a:xfrm>
+            <a:prstGeom prst="rect">
+              <a:avLst/>
+            </a:prstGeom>
+            <a:noFill/>
+          </p:spPr>
+          <p:txBody>
+            <a:bodyPr wrap="square" rtlCol="0">
+              <a:spAutoFit/>
+            </a:bodyPr>
+            <a:lstStyle/>
+            <a:p>
+              <a:r>
+                <a:rPr lang="en-US" sz="1600" dirty="0" smtClean="0"/>
+                <a:t>x</a:t>
+              </a:r>
+              <a:endParaRPr lang="en-US" sz="1600" baseline="-25000" dirty="0"/>
+            </a:p>
+          </p:txBody>
+        </p:sp>
+        <p:sp>
+          <p:nvSpPr>
+            <p:cNvPr id="18" name="TextBox 17"/>
+            <p:cNvSpPr txBox="1"/>
+            <p:nvPr/>
+          </p:nvSpPr>
+          <p:spPr>
+            <a:xfrm>
+              <a:off x="1137812" y="2216670"/>
+              <a:ext cx="399142" cy="338554"/>
+            </a:xfrm>
+            <a:prstGeom prst="rect">
+              <a:avLst/>
+            </a:prstGeom>
+            <a:noFill/>
+          </p:spPr>
+          <p:txBody>
+            <a:bodyPr wrap="square" rtlCol="0">
+              <a:spAutoFit/>
+            </a:bodyPr>
+            <a:lstStyle/>
+            <a:p>
+              <a:r>
+                <a:rPr lang="en-US" sz="1600" dirty="0" smtClean="0"/>
+                <a:t>y</a:t>
+              </a:r>
+              <a:endParaRPr lang="en-US" sz="1600" baseline="-25000" dirty="0"/>
+            </a:p>
+          </p:txBody>
+        </p:sp>
+      </p:grpSp>
+      <p:grpSp>
+        <p:nvGrpSpPr>
+          <p:cNvPr id="21" name="Group 20"/>
+          <p:cNvGrpSpPr/>
+          <p:nvPr/>
+        </p:nvGrpSpPr>
+        <p:grpSpPr>
+          <a:xfrm>
+            <a:off x="4650250" y="2217744"/>
+            <a:ext cx="686793" cy="650638"/>
+            <a:chOff x="1137812" y="2216670"/>
+            <a:chExt cx="686793" cy="650638"/>
+          </a:xfrm>
+        </p:grpSpPr>
+        <p:sp>
+          <p:nvSpPr>
+            <p:cNvPr id="22" name="TextBox 21"/>
+            <p:cNvSpPr txBox="1"/>
+            <p:nvPr/>
+          </p:nvSpPr>
+          <p:spPr>
+            <a:xfrm>
+              <a:off x="1425463" y="2528754"/>
+              <a:ext cx="399142" cy="338554"/>
+            </a:xfrm>
+            <a:prstGeom prst="rect">
+              <a:avLst/>
+            </a:prstGeom>
+            <a:noFill/>
+          </p:spPr>
+          <p:txBody>
+            <a:bodyPr wrap="square" rtlCol="0">
+              <a:spAutoFit/>
+            </a:bodyPr>
+            <a:lstStyle/>
+            <a:p>
+              <a:r>
+                <a:rPr lang="en-US" sz="1600" dirty="0" smtClean="0"/>
+                <a:t>x</a:t>
+              </a:r>
+              <a:endParaRPr lang="en-US" sz="1600" baseline="-25000" dirty="0"/>
+            </a:p>
+          </p:txBody>
+        </p:sp>
+        <p:sp>
+          <p:nvSpPr>
+            <p:cNvPr id="23" name="TextBox 22"/>
+            <p:cNvSpPr txBox="1"/>
+            <p:nvPr/>
+          </p:nvSpPr>
+          <p:spPr>
+            <a:xfrm>
+              <a:off x="1137812" y="2216670"/>
+              <a:ext cx="399142" cy="338554"/>
+            </a:xfrm>
+            <a:prstGeom prst="rect">
+              <a:avLst/>
+            </a:prstGeom>
+            <a:noFill/>
+          </p:spPr>
+          <p:txBody>
+            <a:bodyPr wrap="square" rtlCol="0">
+              <a:spAutoFit/>
+            </a:bodyPr>
+            <a:lstStyle/>
+            <a:p>
+              <a:r>
+                <a:rPr lang="en-US" sz="1600" dirty="0" smtClean="0"/>
+                <a:t>y</a:t>
+              </a:r>
+              <a:endParaRPr lang="en-US" sz="1600" baseline="-25000" dirty="0"/>
+            </a:p>
+          </p:txBody>
+        </p:sp>
+      </p:grpSp>
     </p:spTree>
     <p:extLst>
       <p:ext uri="{BB962C8B-B14F-4D97-AF65-F5344CB8AC3E}">
@@ -12191,7 +12345,7 @@
           <a:p>
             <a:r>
               <a:rPr lang="en-US" dirty="0" smtClean="0"/>
-              <a:t>X</a:t>
+              <a:t>x</a:t>
             </a:r>
             <a:r>
               <a:rPr lang="en-US" baseline="-25000" dirty="0" smtClean="0"/>
@@ -12421,6 +12575,156 @@
           </a:p>
         </p:txBody>
       </p:sp>
+      <p:grpSp>
+        <p:nvGrpSpPr>
+          <p:cNvPr id="41" name="Group 40"/>
+          <p:cNvGrpSpPr/>
+          <p:nvPr/>
+        </p:nvGrpSpPr>
+        <p:grpSpPr>
+          <a:xfrm>
+            <a:off x="1167347" y="2181228"/>
+            <a:ext cx="686793" cy="650638"/>
+            <a:chOff x="1137812" y="2216670"/>
+            <a:chExt cx="686793" cy="650638"/>
+          </a:xfrm>
+        </p:grpSpPr>
+        <p:sp>
+          <p:nvSpPr>
+            <p:cNvPr id="42" name="TextBox 41"/>
+            <p:cNvSpPr txBox="1"/>
+            <p:nvPr/>
+          </p:nvSpPr>
+          <p:spPr>
+            <a:xfrm>
+              <a:off x="1425463" y="2528754"/>
+              <a:ext cx="399142" cy="338554"/>
+            </a:xfrm>
+            <a:prstGeom prst="rect">
+              <a:avLst/>
+            </a:prstGeom>
+            <a:noFill/>
+          </p:spPr>
+          <p:txBody>
+            <a:bodyPr wrap="square" rtlCol="0">
+              <a:spAutoFit/>
+            </a:bodyPr>
+            <a:lstStyle/>
+            <a:p>
+              <a:r>
+                <a:rPr lang="en-US" sz="1600" dirty="0" smtClean="0"/>
+                <a:t>x</a:t>
+              </a:r>
+              <a:endParaRPr lang="en-US" sz="1600" baseline="-25000" dirty="0"/>
+            </a:p>
+          </p:txBody>
+        </p:sp>
+        <p:sp>
+          <p:nvSpPr>
+            <p:cNvPr id="43" name="TextBox 42"/>
+            <p:cNvSpPr txBox="1"/>
+            <p:nvPr/>
+          </p:nvSpPr>
+          <p:spPr>
+            <a:xfrm>
+              <a:off x="1137812" y="2216670"/>
+              <a:ext cx="399142" cy="338554"/>
+            </a:xfrm>
+            <a:prstGeom prst="rect">
+              <a:avLst/>
+            </a:prstGeom>
+            <a:noFill/>
+          </p:spPr>
+          <p:txBody>
+            <a:bodyPr wrap="square" rtlCol="0">
+              <a:spAutoFit/>
+            </a:bodyPr>
+            <a:lstStyle/>
+            <a:p>
+              <a:r>
+                <a:rPr lang="en-US" sz="1600" dirty="0" smtClean="0"/>
+                <a:t>y</a:t>
+              </a:r>
+              <a:endParaRPr lang="en-US" sz="1600" baseline="-25000" dirty="0"/>
+            </a:p>
+          </p:txBody>
+        </p:sp>
+      </p:grpSp>
+      <p:grpSp>
+        <p:nvGrpSpPr>
+          <p:cNvPr id="44" name="Group 43"/>
+          <p:cNvGrpSpPr/>
+          <p:nvPr/>
+        </p:nvGrpSpPr>
+        <p:grpSpPr>
+          <a:xfrm>
+            <a:off x="4650238" y="2181228"/>
+            <a:ext cx="686793" cy="650638"/>
+            <a:chOff x="1137812" y="2216670"/>
+            <a:chExt cx="686793" cy="650638"/>
+          </a:xfrm>
+        </p:grpSpPr>
+        <p:sp>
+          <p:nvSpPr>
+            <p:cNvPr id="45" name="TextBox 44"/>
+            <p:cNvSpPr txBox="1"/>
+            <p:nvPr/>
+          </p:nvSpPr>
+          <p:spPr>
+            <a:xfrm>
+              <a:off x="1425463" y="2528754"/>
+              <a:ext cx="399142" cy="338554"/>
+            </a:xfrm>
+            <a:prstGeom prst="rect">
+              <a:avLst/>
+            </a:prstGeom>
+            <a:noFill/>
+          </p:spPr>
+          <p:txBody>
+            <a:bodyPr wrap="square" rtlCol="0">
+              <a:spAutoFit/>
+            </a:bodyPr>
+            <a:lstStyle/>
+            <a:p>
+              <a:r>
+                <a:rPr lang="en-US" sz="1600" dirty="0" smtClean="0"/>
+                <a:t>x</a:t>
+              </a:r>
+              <a:endParaRPr lang="en-US" sz="1600" baseline="-25000" dirty="0"/>
+            </a:p>
+          </p:txBody>
+        </p:sp>
+        <p:sp>
+          <p:nvSpPr>
+            <p:cNvPr id="46" name="TextBox 45"/>
+            <p:cNvSpPr txBox="1"/>
+            <p:nvPr/>
+          </p:nvSpPr>
+          <p:spPr>
+            <a:xfrm>
+              <a:off x="1137812" y="2216670"/>
+              <a:ext cx="399142" cy="338554"/>
+            </a:xfrm>
+            <a:prstGeom prst="rect">
+              <a:avLst/>
+            </a:prstGeom>
+            <a:noFill/>
+          </p:spPr>
+          <p:txBody>
+            <a:bodyPr wrap="square" rtlCol="0">
+              <a:spAutoFit/>
+            </a:bodyPr>
+            <a:lstStyle/>
+            <a:p>
+              <a:r>
+                <a:rPr lang="en-US" sz="1600" dirty="0" smtClean="0"/>
+                <a:t>y</a:t>
+              </a:r>
+              <a:endParaRPr lang="en-US" sz="1600" baseline="-25000" dirty="0"/>
+            </a:p>
+          </p:txBody>
+        </p:sp>
+      </p:grpSp>
     </p:spTree>
     <p:extLst>
       <p:ext uri="{BB962C8B-B14F-4D97-AF65-F5344CB8AC3E}">

--- a/figures/figures.pptx
+++ b/figures/figures.pptx
@@ -20,6 +20,10 @@
     <p:sldId id="268" r:id="rId14"/>
     <p:sldId id="269" r:id="rId15"/>
     <p:sldId id="270" r:id="rId16"/>
+    <p:sldId id="271" r:id="rId17"/>
+    <p:sldId id="272" r:id="rId18"/>
+    <p:sldId id="273" r:id="rId19"/>
+    <p:sldId id="274" r:id="rId20"/>
   </p:sldIdLst>
   <p:sldSz cx="9144000" cy="6858000" type="screen4x3"/>
   <p:notesSz cx="6858000" cy="9144000"/>
@@ -10291,6 +10295,5888 @@
 </p:sld>
 </file>
 
+<file path=ppt/slides/slide16.xml><?xml version="1.0" encoding="utf-8"?>
+<p:sld xmlns:a="http://schemas.openxmlformats.org/drawingml/2006/main" xmlns:r="http://schemas.openxmlformats.org/officeDocument/2006/relationships" xmlns:p="http://schemas.openxmlformats.org/presentationml/2006/main">
+  <p:cSld>
+    <p:spTree>
+      <p:nvGrpSpPr>
+        <p:cNvPr id="1" name=""/>
+        <p:cNvGrpSpPr/>
+        <p:nvPr/>
+      </p:nvGrpSpPr>
+      <p:grpSpPr>
+        <a:xfrm>
+          <a:off x="0" y="0"/>
+          <a:ext cx="0" cy="0"/>
+          <a:chOff x="0" y="0"/>
+          <a:chExt cx="0" cy="0"/>
+        </a:xfrm>
+      </p:grpSpPr>
+      <p:sp>
+        <p:nvSpPr>
+          <p:cNvPr id="4" name="Oval 3"/>
+          <p:cNvSpPr/>
+          <p:nvPr/>
+        </p:nvSpPr>
+        <p:spPr>
+          <a:xfrm>
+            <a:off x="1736810" y="1530863"/>
+            <a:ext cx="1475946" cy="1475946"/>
+          </a:xfrm>
+          <a:prstGeom prst="ellipse">
+            <a:avLst/>
+          </a:prstGeom>
+          <a:noFill/>
+        </p:spPr>
+        <p:style>
+          <a:lnRef idx="1">
+            <a:schemeClr val="accent1"/>
+          </a:lnRef>
+          <a:fillRef idx="3">
+            <a:schemeClr val="accent1"/>
+          </a:fillRef>
+          <a:effectRef idx="2">
+            <a:schemeClr val="accent1"/>
+          </a:effectRef>
+          <a:fontRef idx="minor">
+            <a:schemeClr val="lt1"/>
+          </a:fontRef>
+        </p:style>
+        <p:txBody>
+          <a:bodyPr rtlCol="0" anchor="ctr"/>
+          <a:lstStyle/>
+          <a:p>
+            <a:pPr algn="ctr"/>
+            <a:endParaRPr lang="en-US"/>
+          </a:p>
+        </p:txBody>
+      </p:sp>
+      <p:sp>
+        <p:nvSpPr>
+          <p:cNvPr id="5" name="TextBox 4"/>
+          <p:cNvSpPr txBox="1"/>
+          <p:nvPr/>
+        </p:nvSpPr>
+        <p:spPr>
+          <a:xfrm>
+            <a:off x="2049020" y="2936610"/>
+            <a:ext cx="889141" cy="461665"/>
+          </a:xfrm>
+          <a:prstGeom prst="rect">
+            <a:avLst/>
+          </a:prstGeom>
+          <a:noFill/>
+        </p:spPr>
+        <p:txBody>
+          <a:bodyPr wrap="square" rtlCol="0">
+            <a:spAutoFit/>
+          </a:bodyPr>
+          <a:lstStyle/>
+          <a:p>
+            <a:r>
+              <a:rPr lang="en-US" sz="2400" dirty="0" smtClean="0"/>
+              <a:t>g</a:t>
+            </a:r>
+            <a:r>
+              <a:rPr lang="en-US" sz="2400" baseline="-25000" dirty="0" smtClean="0"/>
+              <a:t>start</a:t>
+            </a:r>
+            <a:endParaRPr lang="en-US" sz="2400" baseline="-25000" dirty="0"/>
+          </a:p>
+        </p:txBody>
+      </p:sp>
+      <p:cxnSp>
+        <p:nvCxnSpPr>
+          <p:cNvPr id="6" name="Straight Arrow Connector 5"/>
+          <p:cNvCxnSpPr/>
+          <p:nvPr/>
+        </p:nvCxnSpPr>
+        <p:spPr>
+          <a:xfrm>
+            <a:off x="2443757" y="2264725"/>
+            <a:ext cx="224845" cy="736092"/>
+          </a:xfrm>
+          <a:prstGeom prst="straightConnector1">
+            <a:avLst/>
+          </a:prstGeom>
+          <a:ln w="28575" cmpd="sng">
+            <a:tailEnd type="arrow"/>
+          </a:ln>
+          <a:effectLst/>
+        </p:spPr>
+        <p:style>
+          <a:lnRef idx="2">
+            <a:schemeClr val="dk1"/>
+          </a:lnRef>
+          <a:fillRef idx="0">
+            <a:schemeClr val="dk1"/>
+          </a:fillRef>
+          <a:effectRef idx="1">
+            <a:schemeClr val="dk1"/>
+          </a:effectRef>
+          <a:fontRef idx="minor">
+            <a:schemeClr val="tx1"/>
+          </a:fontRef>
+        </p:style>
+      </p:cxnSp>
+      <p:cxnSp>
+        <p:nvCxnSpPr>
+          <p:cNvPr id="7" name="Straight Arrow Connector 6"/>
+          <p:cNvCxnSpPr/>
+          <p:nvPr/>
+        </p:nvCxnSpPr>
+        <p:spPr>
+          <a:xfrm flipH="1">
+            <a:off x="1819189" y="2274066"/>
+            <a:ext cx="631433" cy="375772"/>
+          </a:xfrm>
+          <a:prstGeom prst="straightConnector1">
+            <a:avLst/>
+          </a:prstGeom>
+          <a:ln w="28575" cmpd="sng">
+            <a:tailEnd type="arrow"/>
+          </a:ln>
+          <a:effectLst/>
+        </p:spPr>
+        <p:style>
+          <a:lnRef idx="2">
+            <a:schemeClr val="dk1"/>
+          </a:lnRef>
+          <a:fillRef idx="0">
+            <a:schemeClr val="dk1"/>
+          </a:fillRef>
+          <a:effectRef idx="1">
+            <a:schemeClr val="dk1"/>
+          </a:effectRef>
+          <a:fontRef idx="minor">
+            <a:schemeClr val="tx1"/>
+          </a:fontRef>
+        </p:style>
+      </p:cxnSp>
+      <p:sp>
+        <p:nvSpPr>
+          <p:cNvPr id="8" name="Oval 7"/>
+          <p:cNvSpPr/>
+          <p:nvPr/>
+        </p:nvSpPr>
+        <p:spPr>
+          <a:xfrm>
+            <a:off x="2412026" y="2253470"/>
+            <a:ext cx="65289" cy="65289"/>
+          </a:xfrm>
+          <a:prstGeom prst="ellipse">
+            <a:avLst/>
+          </a:prstGeom>
+        </p:spPr>
+        <p:style>
+          <a:lnRef idx="2">
+            <a:schemeClr val="dk1">
+              <a:shade val="50000"/>
+            </a:schemeClr>
+          </a:lnRef>
+          <a:fillRef idx="1">
+            <a:schemeClr val="dk1"/>
+          </a:fillRef>
+          <a:effectRef idx="0">
+            <a:schemeClr val="dk1"/>
+          </a:effectRef>
+          <a:fontRef idx="minor">
+            <a:schemeClr val="lt1"/>
+          </a:fontRef>
+        </p:style>
+        <p:txBody>
+          <a:bodyPr rtlCol="0" anchor="ctr"/>
+          <a:lstStyle/>
+          <a:p>
+            <a:pPr algn="ctr"/>
+            <a:endParaRPr lang="en-US"/>
+          </a:p>
+        </p:txBody>
+      </p:sp>
+      <p:sp>
+        <p:nvSpPr>
+          <p:cNvPr id="9" name="TextBox 8"/>
+          <p:cNvSpPr txBox="1"/>
+          <p:nvPr/>
+        </p:nvSpPr>
+        <p:spPr>
+          <a:xfrm>
+            <a:off x="2050449" y="5022788"/>
+            <a:ext cx="889141" cy="461665"/>
+          </a:xfrm>
+          <a:prstGeom prst="rect">
+            <a:avLst/>
+          </a:prstGeom>
+          <a:noFill/>
+        </p:spPr>
+        <p:txBody>
+          <a:bodyPr wrap="square" rtlCol="0">
+            <a:spAutoFit/>
+          </a:bodyPr>
+          <a:lstStyle/>
+          <a:p>
+            <a:r>
+              <a:rPr lang="en-US" sz="2400" dirty="0" smtClean="0"/>
+              <a:t>g</a:t>
+            </a:r>
+            <a:r>
+              <a:rPr lang="en-US" sz="2400" baseline="-25000" dirty="0" smtClean="0"/>
+              <a:t>start</a:t>
+            </a:r>
+            <a:endParaRPr lang="en-US" sz="2400" baseline="-25000" dirty="0"/>
+          </a:p>
+        </p:txBody>
+      </p:sp>
+      <p:sp>
+        <p:nvSpPr>
+          <p:cNvPr id="10" name="Oval 9"/>
+          <p:cNvSpPr/>
+          <p:nvPr/>
+        </p:nvSpPr>
+        <p:spPr>
+          <a:xfrm rot="19527167">
+            <a:off x="1738239" y="3617041"/>
+            <a:ext cx="1475946" cy="1475946"/>
+          </a:xfrm>
+          <a:prstGeom prst="ellipse">
+            <a:avLst/>
+          </a:prstGeom>
+          <a:noFill/>
+        </p:spPr>
+        <p:style>
+          <a:lnRef idx="1">
+            <a:schemeClr val="accent1"/>
+          </a:lnRef>
+          <a:fillRef idx="3">
+            <a:schemeClr val="accent1"/>
+          </a:fillRef>
+          <a:effectRef idx="2">
+            <a:schemeClr val="accent1"/>
+          </a:effectRef>
+          <a:fontRef idx="minor">
+            <a:schemeClr val="lt1"/>
+          </a:fontRef>
+        </p:style>
+        <p:txBody>
+          <a:bodyPr rtlCol="0" anchor="ctr"/>
+          <a:lstStyle/>
+          <a:p>
+            <a:pPr algn="ctr"/>
+            <a:endParaRPr lang="en-US"/>
+          </a:p>
+        </p:txBody>
+      </p:sp>
+      <p:cxnSp>
+        <p:nvCxnSpPr>
+          <p:cNvPr id="11" name="Straight Arrow Connector 10"/>
+          <p:cNvCxnSpPr/>
+          <p:nvPr/>
+        </p:nvCxnSpPr>
+        <p:spPr>
+          <a:xfrm rot="19527167">
+            <a:off x="2637215" y="4240568"/>
+            <a:ext cx="224845" cy="736092"/>
+          </a:xfrm>
+          <a:prstGeom prst="straightConnector1">
+            <a:avLst/>
+          </a:prstGeom>
+          <a:ln w="28575" cmpd="sng">
+            <a:tailEnd type="arrow"/>
+          </a:ln>
+          <a:effectLst/>
+        </p:spPr>
+        <p:style>
+          <a:lnRef idx="2">
+            <a:schemeClr val="dk1"/>
+          </a:lnRef>
+          <a:fillRef idx="0">
+            <a:schemeClr val="dk1"/>
+          </a:fillRef>
+          <a:effectRef idx="1">
+            <a:schemeClr val="dk1"/>
+          </a:effectRef>
+          <a:fontRef idx="minor">
+            <a:schemeClr val="tx1"/>
+          </a:fontRef>
+        </p:style>
+      </p:cxnSp>
+      <p:cxnSp>
+        <p:nvCxnSpPr>
+          <p:cNvPr id="12" name="Straight Arrow Connector 11"/>
+          <p:cNvCxnSpPr/>
+          <p:nvPr/>
+        </p:nvCxnSpPr>
+        <p:spPr>
+          <a:xfrm rot="19527167" flipH="1">
+            <a:off x="1990066" y="4518929"/>
+            <a:ext cx="631433" cy="375772"/>
+          </a:xfrm>
+          <a:prstGeom prst="straightConnector1">
+            <a:avLst/>
+          </a:prstGeom>
+          <a:ln w="28575" cmpd="sng">
+            <a:tailEnd type="arrow"/>
+          </a:ln>
+          <a:effectLst/>
+        </p:spPr>
+        <p:style>
+          <a:lnRef idx="2">
+            <a:schemeClr val="dk1"/>
+          </a:lnRef>
+          <a:fillRef idx="0">
+            <a:schemeClr val="dk1"/>
+          </a:fillRef>
+          <a:effectRef idx="1">
+            <a:schemeClr val="dk1"/>
+          </a:effectRef>
+          <a:fontRef idx="minor">
+            <a:schemeClr val="tx1"/>
+          </a:fontRef>
+        </p:style>
+      </p:cxnSp>
+      <p:sp>
+        <p:nvSpPr>
+          <p:cNvPr id="13" name="Oval 12"/>
+          <p:cNvSpPr/>
+          <p:nvPr/>
+        </p:nvSpPr>
+        <p:spPr>
+          <a:xfrm rot="19527167">
+            <a:off x="2428563" y="4353677"/>
+            <a:ext cx="65289" cy="65289"/>
+          </a:xfrm>
+          <a:prstGeom prst="ellipse">
+            <a:avLst/>
+          </a:prstGeom>
+        </p:spPr>
+        <p:style>
+          <a:lnRef idx="2">
+            <a:schemeClr val="dk1">
+              <a:shade val="50000"/>
+            </a:schemeClr>
+          </a:lnRef>
+          <a:fillRef idx="1">
+            <a:schemeClr val="dk1"/>
+          </a:fillRef>
+          <a:effectRef idx="0">
+            <a:schemeClr val="dk1"/>
+          </a:effectRef>
+          <a:fontRef idx="minor">
+            <a:schemeClr val="lt1"/>
+          </a:fontRef>
+        </p:style>
+        <p:txBody>
+          <a:bodyPr rtlCol="0" anchor="ctr"/>
+          <a:lstStyle/>
+          <a:p>
+            <a:pPr algn="ctr"/>
+            <a:endParaRPr lang="en-US"/>
+          </a:p>
+        </p:txBody>
+      </p:sp>
+      <p:sp>
+        <p:nvSpPr>
+          <p:cNvPr id="14" name="TextBox 13"/>
+          <p:cNvSpPr txBox="1"/>
+          <p:nvPr/>
+        </p:nvSpPr>
+        <p:spPr>
+          <a:xfrm>
+            <a:off x="4085102" y="1106816"/>
+            <a:ext cx="776882" cy="461665"/>
+          </a:xfrm>
+          <a:prstGeom prst="rect">
+            <a:avLst/>
+          </a:prstGeom>
+          <a:noFill/>
+        </p:spPr>
+        <p:txBody>
+          <a:bodyPr wrap="square" rtlCol="0">
+            <a:spAutoFit/>
+          </a:bodyPr>
+          <a:lstStyle/>
+          <a:p>
+            <a:r>
+              <a:rPr lang="en-US" sz="2400" dirty="0" smtClean="0"/>
+              <a:t>V</a:t>
+            </a:r>
+            <a:r>
+              <a:rPr lang="en-US" sz="2400" baseline="30000" dirty="0" smtClean="0"/>
+              <a:t>1</a:t>
+            </a:r>
+            <a:endParaRPr lang="en-US" sz="2400" baseline="30000" dirty="0"/>
+          </a:p>
+        </p:txBody>
+      </p:sp>
+      <p:sp>
+        <p:nvSpPr>
+          <p:cNvPr id="15" name="Freeform 14"/>
+          <p:cNvSpPr/>
+          <p:nvPr/>
+        </p:nvSpPr>
+        <p:spPr>
+          <a:xfrm>
+            <a:off x="3525634" y="1646753"/>
+            <a:ext cx="2041108" cy="1314791"/>
+          </a:xfrm>
+          <a:custGeom>
+            <a:avLst/>
+            <a:gdLst>
+              <a:gd name="connsiteX0" fmla="*/ 1187622 w 2917568"/>
+              <a:gd name="connsiteY0" fmla="*/ 1393567 h 2128108"/>
+              <a:gd name="connsiteX1" fmla="*/ 2780271 w 2917568"/>
+              <a:gd name="connsiteY1" fmla="*/ 1002270 h 2128108"/>
+              <a:gd name="connsiteX2" fmla="*/ 2917568 w 2917568"/>
+              <a:gd name="connsiteY2" fmla="*/ 1729945 h 2128108"/>
+              <a:gd name="connsiteX3" fmla="*/ 926757 w 2917568"/>
+              <a:gd name="connsiteY3" fmla="*/ 2128108 h 2128108"/>
+              <a:gd name="connsiteX4" fmla="*/ 0 w 2917568"/>
+              <a:gd name="connsiteY4" fmla="*/ 377567 h 2128108"/>
+              <a:gd name="connsiteX5" fmla="*/ 466811 w 2917568"/>
+              <a:gd name="connsiteY5" fmla="*/ 0 h 2128108"/>
+              <a:gd name="connsiteX6" fmla="*/ 1187622 w 2917568"/>
+              <a:gd name="connsiteY6" fmla="*/ 1393567 h 2128108"/>
+              <a:gd name="connsiteX0" fmla="*/ 1187622 w 2835190"/>
+              <a:gd name="connsiteY0" fmla="*/ 1393567 h 2128108"/>
+              <a:gd name="connsiteX1" fmla="*/ 2780271 w 2835190"/>
+              <a:gd name="connsiteY1" fmla="*/ 1002270 h 2128108"/>
+              <a:gd name="connsiteX2" fmla="*/ 2835190 w 2835190"/>
+              <a:gd name="connsiteY2" fmla="*/ 1530864 h 2128108"/>
+              <a:gd name="connsiteX3" fmla="*/ 926757 w 2835190"/>
+              <a:gd name="connsiteY3" fmla="*/ 2128108 h 2128108"/>
+              <a:gd name="connsiteX4" fmla="*/ 0 w 2835190"/>
+              <a:gd name="connsiteY4" fmla="*/ 377567 h 2128108"/>
+              <a:gd name="connsiteX5" fmla="*/ 466811 w 2835190"/>
+              <a:gd name="connsiteY5" fmla="*/ 0 h 2128108"/>
+              <a:gd name="connsiteX6" fmla="*/ 1187622 w 2835190"/>
+              <a:gd name="connsiteY6" fmla="*/ 1393567 h 2128108"/>
+              <a:gd name="connsiteX0" fmla="*/ 995406 w 2642974"/>
+              <a:gd name="connsiteY0" fmla="*/ 1393567 h 2128108"/>
+              <a:gd name="connsiteX1" fmla="*/ 2588055 w 2642974"/>
+              <a:gd name="connsiteY1" fmla="*/ 1002270 h 2128108"/>
+              <a:gd name="connsiteX2" fmla="*/ 2642974 w 2642974"/>
+              <a:gd name="connsiteY2" fmla="*/ 1530864 h 2128108"/>
+              <a:gd name="connsiteX3" fmla="*/ 734541 w 2642974"/>
+              <a:gd name="connsiteY3" fmla="*/ 2128108 h 2128108"/>
+              <a:gd name="connsiteX4" fmla="*/ 0 w 2642974"/>
+              <a:gd name="connsiteY4" fmla="*/ 761999 h 2128108"/>
+              <a:gd name="connsiteX5" fmla="*/ 274595 w 2642974"/>
+              <a:gd name="connsiteY5" fmla="*/ 0 h 2128108"/>
+              <a:gd name="connsiteX6" fmla="*/ 995406 w 2642974"/>
+              <a:gd name="connsiteY6" fmla="*/ 1393567 h 2128108"/>
+              <a:gd name="connsiteX0" fmla="*/ 995406 w 2642974"/>
+              <a:gd name="connsiteY0" fmla="*/ 967945 h 1702486"/>
+              <a:gd name="connsiteX1" fmla="*/ 2588055 w 2642974"/>
+              <a:gd name="connsiteY1" fmla="*/ 576648 h 1702486"/>
+              <a:gd name="connsiteX2" fmla="*/ 2642974 w 2642974"/>
+              <a:gd name="connsiteY2" fmla="*/ 1105242 h 1702486"/>
+              <a:gd name="connsiteX3" fmla="*/ 734541 w 2642974"/>
+              <a:gd name="connsiteY3" fmla="*/ 1702486 h 1702486"/>
+              <a:gd name="connsiteX4" fmla="*/ 0 w 2642974"/>
+              <a:gd name="connsiteY4" fmla="*/ 336377 h 1702486"/>
+              <a:gd name="connsiteX5" fmla="*/ 453081 w 2642974"/>
+              <a:gd name="connsiteY5" fmla="*/ 0 h 1702486"/>
+              <a:gd name="connsiteX6" fmla="*/ 995406 w 2642974"/>
+              <a:gd name="connsiteY6" fmla="*/ 967945 h 1702486"/>
+            </a:gdLst>
+            <a:ahLst/>
+            <a:cxnLst>
+              <a:cxn ang="0">
+                <a:pos x="connsiteX0" y="connsiteY0"/>
+              </a:cxn>
+              <a:cxn ang="0">
+                <a:pos x="connsiteX1" y="connsiteY1"/>
+              </a:cxn>
+              <a:cxn ang="0">
+                <a:pos x="connsiteX2" y="connsiteY2"/>
+              </a:cxn>
+              <a:cxn ang="0">
+                <a:pos x="connsiteX3" y="connsiteY3"/>
+              </a:cxn>
+              <a:cxn ang="0">
+                <a:pos x="connsiteX4" y="connsiteY4"/>
+              </a:cxn>
+              <a:cxn ang="0">
+                <a:pos x="connsiteX5" y="connsiteY5"/>
+              </a:cxn>
+              <a:cxn ang="0">
+                <a:pos x="connsiteX6" y="connsiteY6"/>
+              </a:cxn>
+            </a:cxnLst>
+            <a:rect l="l" t="t" r="r" b="b"/>
+            <a:pathLst>
+              <a:path w="2642974" h="1702486">
+                <a:moveTo>
+                  <a:pt x="995406" y="967945"/>
+                </a:moveTo>
+                <a:lnTo>
+                  <a:pt x="2588055" y="576648"/>
+                </a:lnTo>
+                <a:lnTo>
+                  <a:pt x="2642974" y="1105242"/>
+                </a:lnTo>
+                <a:lnTo>
+                  <a:pt x="734541" y="1702486"/>
+                </a:lnTo>
+                <a:lnTo>
+                  <a:pt x="0" y="336377"/>
+                </a:lnTo>
+                <a:lnTo>
+                  <a:pt x="453081" y="0"/>
+                </a:lnTo>
+                <a:lnTo>
+                  <a:pt x="995406" y="967945"/>
+                </a:lnTo>
+                <a:close/>
+              </a:path>
+            </a:pathLst>
+          </a:custGeom>
+          <a:gradFill flip="none" rotWithShape="1">
+            <a:gsLst>
+              <a:gs pos="0">
+                <a:schemeClr val="accent1">
+                  <a:tint val="100000"/>
+                  <a:shade val="100000"/>
+                  <a:satMod val="130000"/>
+                  <a:alpha val="15000"/>
+                </a:schemeClr>
+              </a:gs>
+              <a:gs pos="100000">
+                <a:schemeClr val="accent1">
+                  <a:tint val="50000"/>
+                  <a:shade val="100000"/>
+                  <a:satMod val="350000"/>
+                  <a:alpha val="15000"/>
+                </a:schemeClr>
+              </a:gs>
+            </a:gsLst>
+            <a:lin ang="16200000" scaled="0"/>
+            <a:tileRect/>
+          </a:gradFill>
+        </p:spPr>
+        <p:style>
+          <a:lnRef idx="1">
+            <a:schemeClr val="accent1"/>
+          </a:lnRef>
+          <a:fillRef idx="3">
+            <a:schemeClr val="accent1"/>
+          </a:fillRef>
+          <a:effectRef idx="2">
+            <a:schemeClr val="accent1"/>
+          </a:effectRef>
+          <a:fontRef idx="minor">
+            <a:schemeClr val="lt1"/>
+          </a:fontRef>
+        </p:style>
+        <p:txBody>
+          <a:bodyPr rtlCol="0" anchor="ctr"/>
+          <a:lstStyle/>
+          <a:p>
+            <a:pPr algn="ctr"/>
+            <a:endParaRPr lang="en-US"/>
+          </a:p>
+        </p:txBody>
+      </p:sp>
+      <p:sp>
+        <p:nvSpPr>
+          <p:cNvPr id="16" name="Oval 15"/>
+          <p:cNvSpPr/>
+          <p:nvPr/>
+        </p:nvSpPr>
+        <p:spPr>
+          <a:xfrm>
+            <a:off x="4283922" y="2367766"/>
+            <a:ext cx="47554" cy="47554"/>
+          </a:xfrm>
+          <a:prstGeom prst="ellipse">
+            <a:avLst/>
+          </a:prstGeom>
+        </p:spPr>
+        <p:style>
+          <a:lnRef idx="2">
+            <a:schemeClr val="dk1">
+              <a:shade val="50000"/>
+            </a:schemeClr>
+          </a:lnRef>
+          <a:fillRef idx="1">
+            <a:schemeClr val="dk1"/>
+          </a:fillRef>
+          <a:effectRef idx="0">
+            <a:schemeClr val="dk1"/>
+          </a:effectRef>
+          <a:fontRef idx="minor">
+            <a:schemeClr val="lt1"/>
+          </a:fontRef>
+        </p:style>
+        <p:txBody>
+          <a:bodyPr rtlCol="0" anchor="ctr"/>
+          <a:lstStyle/>
+          <a:p>
+            <a:pPr algn="ctr"/>
+            <a:endParaRPr lang="en-US"/>
+          </a:p>
+        </p:txBody>
+      </p:sp>
+      <p:cxnSp>
+        <p:nvCxnSpPr>
+          <p:cNvPr id="17" name="Straight Arrow Connector 16"/>
+          <p:cNvCxnSpPr/>
+          <p:nvPr/>
+        </p:nvCxnSpPr>
+        <p:spPr>
+          <a:xfrm flipH="1" flipV="1">
+            <a:off x="3981570" y="1848213"/>
+            <a:ext cx="328699" cy="543329"/>
+          </a:xfrm>
+          <a:prstGeom prst="straightConnector1">
+            <a:avLst/>
+          </a:prstGeom>
+          <a:ln w="28575" cmpd="sng">
+            <a:tailEnd type="arrow"/>
+          </a:ln>
+          <a:effectLst/>
+        </p:spPr>
+        <p:style>
+          <a:lnRef idx="2">
+            <a:schemeClr val="dk1"/>
+          </a:lnRef>
+          <a:fillRef idx="0">
+            <a:schemeClr val="dk1"/>
+          </a:fillRef>
+          <a:effectRef idx="1">
+            <a:schemeClr val="dk1"/>
+          </a:effectRef>
+          <a:fontRef idx="minor">
+            <a:schemeClr val="tx1"/>
+          </a:fontRef>
+        </p:style>
+      </p:cxnSp>
+      <p:sp>
+        <p:nvSpPr>
+          <p:cNvPr id="18" name="Rectangle 17"/>
+          <p:cNvSpPr/>
+          <p:nvPr/>
+        </p:nvSpPr>
+        <p:spPr>
+          <a:xfrm rot="20687964">
+            <a:off x="4333332" y="2371540"/>
+            <a:ext cx="125907" cy="125907"/>
+          </a:xfrm>
+          <a:prstGeom prst="rect">
+            <a:avLst/>
+          </a:prstGeom>
+          <a:ln w="12700" cmpd="sng"/>
+        </p:spPr>
+        <p:style>
+          <a:lnRef idx="2">
+            <a:schemeClr val="dk1"/>
+          </a:lnRef>
+          <a:fillRef idx="1">
+            <a:schemeClr val="lt1"/>
+          </a:fillRef>
+          <a:effectRef idx="0">
+            <a:schemeClr val="dk1"/>
+          </a:effectRef>
+          <a:fontRef idx="minor">
+            <a:schemeClr val="dk1"/>
+          </a:fontRef>
+        </p:style>
+        <p:txBody>
+          <a:bodyPr rtlCol="0" anchor="ctr"/>
+          <a:lstStyle/>
+          <a:p>
+            <a:pPr algn="ctr"/>
+            <a:endParaRPr lang="en-US"/>
+          </a:p>
+        </p:txBody>
+      </p:sp>
+      <p:cxnSp>
+        <p:nvCxnSpPr>
+          <p:cNvPr id="19" name="Straight Arrow Connector 18"/>
+          <p:cNvCxnSpPr>
+            <a:stCxn id="15" idx="0"/>
+          </p:cNvCxnSpPr>
+          <p:nvPr/>
+        </p:nvCxnSpPr>
+        <p:spPr>
+          <a:xfrm flipV="1">
+            <a:off x="4294363" y="2250995"/>
+            <a:ext cx="583173" cy="143280"/>
+          </a:xfrm>
+          <a:prstGeom prst="straightConnector1">
+            <a:avLst/>
+          </a:prstGeom>
+          <a:ln w="28575" cmpd="sng">
+            <a:tailEnd type="arrow"/>
+          </a:ln>
+          <a:effectLst/>
+        </p:spPr>
+        <p:style>
+          <a:lnRef idx="2">
+            <a:schemeClr val="dk1"/>
+          </a:lnRef>
+          <a:fillRef idx="0">
+            <a:schemeClr val="dk1"/>
+          </a:fillRef>
+          <a:effectRef idx="1">
+            <a:schemeClr val="dk1"/>
+          </a:effectRef>
+          <a:fontRef idx="minor">
+            <a:schemeClr val="tx1"/>
+          </a:fontRef>
+        </p:style>
+      </p:cxnSp>
+      <p:sp>
+        <p:nvSpPr>
+          <p:cNvPr id="20" name="Rectangle 19"/>
+          <p:cNvSpPr/>
+          <p:nvPr/>
+        </p:nvSpPr>
+        <p:spPr>
+          <a:xfrm rot="19808676">
+            <a:off x="4157815" y="2305545"/>
+            <a:ext cx="121079" cy="121079"/>
+          </a:xfrm>
+          <a:prstGeom prst="rect">
+            <a:avLst/>
+          </a:prstGeom>
+          <a:ln w="12700" cmpd="sng"/>
+        </p:spPr>
+        <p:style>
+          <a:lnRef idx="2">
+            <a:schemeClr val="dk1"/>
+          </a:lnRef>
+          <a:fillRef idx="1">
+            <a:schemeClr val="lt1"/>
+          </a:fillRef>
+          <a:effectRef idx="0">
+            <a:schemeClr val="dk1"/>
+          </a:effectRef>
+          <a:fontRef idx="minor">
+            <a:schemeClr val="dk1"/>
+          </a:fontRef>
+        </p:style>
+        <p:txBody>
+          <a:bodyPr rtlCol="0" anchor="ctr"/>
+          <a:lstStyle/>
+          <a:p>
+            <a:pPr algn="ctr"/>
+            <a:endParaRPr lang="en-US"/>
+          </a:p>
+        </p:txBody>
+      </p:sp>
+      <p:cxnSp>
+        <p:nvCxnSpPr>
+          <p:cNvPr id="21" name="Straight Arrow Connector 20"/>
+          <p:cNvCxnSpPr/>
+          <p:nvPr/>
+        </p:nvCxnSpPr>
+        <p:spPr>
+          <a:xfrm>
+            <a:off x="4310277" y="2404859"/>
+            <a:ext cx="163266" cy="556685"/>
+          </a:xfrm>
+          <a:prstGeom prst="straightConnector1">
+            <a:avLst/>
+          </a:prstGeom>
+          <a:ln w="28575" cmpd="sng">
+            <a:tailEnd type="arrow"/>
+          </a:ln>
+          <a:effectLst/>
+        </p:spPr>
+        <p:style>
+          <a:lnRef idx="2">
+            <a:schemeClr val="dk1"/>
+          </a:lnRef>
+          <a:fillRef idx="0">
+            <a:schemeClr val="dk1"/>
+          </a:fillRef>
+          <a:effectRef idx="1">
+            <a:schemeClr val="dk1"/>
+          </a:effectRef>
+          <a:fontRef idx="minor">
+            <a:schemeClr val="tx1"/>
+          </a:fontRef>
+        </p:style>
+      </p:cxnSp>
+      <p:cxnSp>
+        <p:nvCxnSpPr>
+          <p:cNvPr id="22" name="Straight Arrow Connector 21"/>
+          <p:cNvCxnSpPr/>
+          <p:nvPr/>
+        </p:nvCxnSpPr>
+        <p:spPr>
+          <a:xfrm flipH="1">
+            <a:off x="3868878" y="2385634"/>
+            <a:ext cx="442769" cy="209285"/>
+          </a:xfrm>
+          <a:prstGeom prst="straightConnector1">
+            <a:avLst/>
+          </a:prstGeom>
+          <a:ln w="28575" cmpd="sng">
+            <a:tailEnd type="arrow"/>
+          </a:ln>
+          <a:effectLst/>
+        </p:spPr>
+        <p:style>
+          <a:lnRef idx="2">
+            <a:schemeClr val="dk1"/>
+          </a:lnRef>
+          <a:fillRef idx="0">
+            <a:schemeClr val="dk1"/>
+          </a:fillRef>
+          <a:effectRef idx="1">
+            <a:schemeClr val="dk1"/>
+          </a:effectRef>
+          <a:fontRef idx="minor">
+            <a:schemeClr val="tx1"/>
+          </a:fontRef>
+        </p:style>
+      </p:cxnSp>
+      <p:sp>
+        <p:nvSpPr>
+          <p:cNvPr id="23" name="TextBox 22"/>
+          <p:cNvSpPr txBox="1"/>
+          <p:nvPr/>
+        </p:nvSpPr>
+        <p:spPr>
+          <a:xfrm>
+            <a:off x="4121241" y="3400376"/>
+            <a:ext cx="776882" cy="461665"/>
+          </a:xfrm>
+          <a:prstGeom prst="rect">
+            <a:avLst/>
+          </a:prstGeom>
+          <a:noFill/>
+        </p:spPr>
+        <p:txBody>
+          <a:bodyPr wrap="square" rtlCol="0">
+            <a:spAutoFit/>
+          </a:bodyPr>
+          <a:lstStyle/>
+          <a:p>
+            <a:r>
+              <a:rPr lang="en-US" sz="2400" dirty="0" smtClean="0"/>
+              <a:t>V</a:t>
+            </a:r>
+            <a:r>
+              <a:rPr lang="en-US" sz="2400" baseline="-25000" dirty="0" smtClean="0"/>
+              <a:t>cc</a:t>
+            </a:r>
+            <a:endParaRPr lang="en-US" sz="2400" baseline="-25000" dirty="0"/>
+          </a:p>
+        </p:txBody>
+      </p:sp>
+      <p:sp>
+        <p:nvSpPr>
+          <p:cNvPr id="24" name="Freeform 23"/>
+          <p:cNvSpPr/>
+          <p:nvPr/>
+        </p:nvSpPr>
+        <p:spPr>
+          <a:xfrm rot="19635414">
+            <a:off x="3583491" y="3822838"/>
+            <a:ext cx="1937121" cy="1132153"/>
+          </a:xfrm>
+          <a:custGeom>
+            <a:avLst/>
+            <a:gdLst>
+              <a:gd name="connsiteX0" fmla="*/ 1187622 w 2917568"/>
+              <a:gd name="connsiteY0" fmla="*/ 1393567 h 2128108"/>
+              <a:gd name="connsiteX1" fmla="*/ 2780271 w 2917568"/>
+              <a:gd name="connsiteY1" fmla="*/ 1002270 h 2128108"/>
+              <a:gd name="connsiteX2" fmla="*/ 2917568 w 2917568"/>
+              <a:gd name="connsiteY2" fmla="*/ 1729945 h 2128108"/>
+              <a:gd name="connsiteX3" fmla="*/ 926757 w 2917568"/>
+              <a:gd name="connsiteY3" fmla="*/ 2128108 h 2128108"/>
+              <a:gd name="connsiteX4" fmla="*/ 0 w 2917568"/>
+              <a:gd name="connsiteY4" fmla="*/ 377567 h 2128108"/>
+              <a:gd name="connsiteX5" fmla="*/ 466811 w 2917568"/>
+              <a:gd name="connsiteY5" fmla="*/ 0 h 2128108"/>
+              <a:gd name="connsiteX6" fmla="*/ 1187622 w 2917568"/>
+              <a:gd name="connsiteY6" fmla="*/ 1393567 h 2128108"/>
+              <a:gd name="connsiteX0" fmla="*/ 1187622 w 2835190"/>
+              <a:gd name="connsiteY0" fmla="*/ 1393567 h 2128108"/>
+              <a:gd name="connsiteX1" fmla="*/ 2780271 w 2835190"/>
+              <a:gd name="connsiteY1" fmla="*/ 1002270 h 2128108"/>
+              <a:gd name="connsiteX2" fmla="*/ 2835190 w 2835190"/>
+              <a:gd name="connsiteY2" fmla="*/ 1530864 h 2128108"/>
+              <a:gd name="connsiteX3" fmla="*/ 926757 w 2835190"/>
+              <a:gd name="connsiteY3" fmla="*/ 2128108 h 2128108"/>
+              <a:gd name="connsiteX4" fmla="*/ 0 w 2835190"/>
+              <a:gd name="connsiteY4" fmla="*/ 377567 h 2128108"/>
+              <a:gd name="connsiteX5" fmla="*/ 466811 w 2835190"/>
+              <a:gd name="connsiteY5" fmla="*/ 0 h 2128108"/>
+              <a:gd name="connsiteX6" fmla="*/ 1187622 w 2835190"/>
+              <a:gd name="connsiteY6" fmla="*/ 1393567 h 2128108"/>
+              <a:gd name="connsiteX0" fmla="*/ 995406 w 2642974"/>
+              <a:gd name="connsiteY0" fmla="*/ 1393567 h 2128108"/>
+              <a:gd name="connsiteX1" fmla="*/ 2588055 w 2642974"/>
+              <a:gd name="connsiteY1" fmla="*/ 1002270 h 2128108"/>
+              <a:gd name="connsiteX2" fmla="*/ 2642974 w 2642974"/>
+              <a:gd name="connsiteY2" fmla="*/ 1530864 h 2128108"/>
+              <a:gd name="connsiteX3" fmla="*/ 734541 w 2642974"/>
+              <a:gd name="connsiteY3" fmla="*/ 2128108 h 2128108"/>
+              <a:gd name="connsiteX4" fmla="*/ 0 w 2642974"/>
+              <a:gd name="connsiteY4" fmla="*/ 761999 h 2128108"/>
+              <a:gd name="connsiteX5" fmla="*/ 274595 w 2642974"/>
+              <a:gd name="connsiteY5" fmla="*/ 0 h 2128108"/>
+              <a:gd name="connsiteX6" fmla="*/ 995406 w 2642974"/>
+              <a:gd name="connsiteY6" fmla="*/ 1393567 h 2128108"/>
+              <a:gd name="connsiteX0" fmla="*/ 995406 w 2642974"/>
+              <a:gd name="connsiteY0" fmla="*/ 967945 h 1702486"/>
+              <a:gd name="connsiteX1" fmla="*/ 2588055 w 2642974"/>
+              <a:gd name="connsiteY1" fmla="*/ 576648 h 1702486"/>
+              <a:gd name="connsiteX2" fmla="*/ 2642974 w 2642974"/>
+              <a:gd name="connsiteY2" fmla="*/ 1105242 h 1702486"/>
+              <a:gd name="connsiteX3" fmla="*/ 734541 w 2642974"/>
+              <a:gd name="connsiteY3" fmla="*/ 1702486 h 1702486"/>
+              <a:gd name="connsiteX4" fmla="*/ 0 w 2642974"/>
+              <a:gd name="connsiteY4" fmla="*/ 336377 h 1702486"/>
+              <a:gd name="connsiteX5" fmla="*/ 453081 w 2642974"/>
+              <a:gd name="connsiteY5" fmla="*/ 0 h 1702486"/>
+              <a:gd name="connsiteX6" fmla="*/ 995406 w 2642974"/>
+              <a:gd name="connsiteY6" fmla="*/ 967945 h 1702486"/>
+              <a:gd name="connsiteX0" fmla="*/ 995406 w 2588055"/>
+              <a:gd name="connsiteY0" fmla="*/ 967945 h 1702486"/>
+              <a:gd name="connsiteX1" fmla="*/ 2588055 w 2588055"/>
+              <a:gd name="connsiteY1" fmla="*/ 576648 h 1702486"/>
+              <a:gd name="connsiteX2" fmla="*/ 1937266 w 2588055"/>
+              <a:gd name="connsiteY2" fmla="*/ 1319970 h 1702486"/>
+              <a:gd name="connsiteX3" fmla="*/ 734541 w 2588055"/>
+              <a:gd name="connsiteY3" fmla="*/ 1702486 h 1702486"/>
+              <a:gd name="connsiteX4" fmla="*/ 0 w 2588055"/>
+              <a:gd name="connsiteY4" fmla="*/ 336377 h 1702486"/>
+              <a:gd name="connsiteX5" fmla="*/ 453081 w 2588055"/>
+              <a:gd name="connsiteY5" fmla="*/ 0 h 1702486"/>
+              <a:gd name="connsiteX6" fmla="*/ 995406 w 2588055"/>
+              <a:gd name="connsiteY6" fmla="*/ 967945 h 1702486"/>
+              <a:gd name="connsiteX0" fmla="*/ 1064851 w 2657500"/>
+              <a:gd name="connsiteY0" fmla="*/ 967945 h 1702486"/>
+              <a:gd name="connsiteX1" fmla="*/ 2657500 w 2657500"/>
+              <a:gd name="connsiteY1" fmla="*/ 576648 h 1702486"/>
+              <a:gd name="connsiteX2" fmla="*/ 2006711 w 2657500"/>
+              <a:gd name="connsiteY2" fmla="*/ 1319970 h 1702486"/>
+              <a:gd name="connsiteX3" fmla="*/ 803986 w 2657500"/>
+              <a:gd name="connsiteY3" fmla="*/ 1702486 h 1702486"/>
+              <a:gd name="connsiteX4" fmla="*/ 0 w 2657500"/>
+              <a:gd name="connsiteY4" fmla="*/ 52055 h 1702486"/>
+              <a:gd name="connsiteX5" fmla="*/ 522526 w 2657500"/>
+              <a:gd name="connsiteY5" fmla="*/ 0 h 1702486"/>
+              <a:gd name="connsiteX6" fmla="*/ 1064851 w 2657500"/>
+              <a:gd name="connsiteY6" fmla="*/ 967945 h 1702486"/>
+              <a:gd name="connsiteX0" fmla="*/ 1064851 w 2508326"/>
+              <a:gd name="connsiteY0" fmla="*/ 967945 h 1702486"/>
+              <a:gd name="connsiteX1" fmla="*/ 2508325 w 2508326"/>
+              <a:gd name="connsiteY1" fmla="*/ 632085 h 1702486"/>
+              <a:gd name="connsiteX2" fmla="*/ 2006711 w 2508326"/>
+              <a:gd name="connsiteY2" fmla="*/ 1319970 h 1702486"/>
+              <a:gd name="connsiteX3" fmla="*/ 803986 w 2508326"/>
+              <a:gd name="connsiteY3" fmla="*/ 1702486 h 1702486"/>
+              <a:gd name="connsiteX4" fmla="*/ 0 w 2508326"/>
+              <a:gd name="connsiteY4" fmla="*/ 52055 h 1702486"/>
+              <a:gd name="connsiteX5" fmla="*/ 522526 w 2508326"/>
+              <a:gd name="connsiteY5" fmla="*/ 0 h 1702486"/>
+              <a:gd name="connsiteX6" fmla="*/ 1064851 w 2508326"/>
+              <a:gd name="connsiteY6" fmla="*/ 967945 h 1702486"/>
+              <a:gd name="connsiteX0" fmla="*/ 1064851 w 2508325"/>
+              <a:gd name="connsiteY0" fmla="*/ 967945 h 1465993"/>
+              <a:gd name="connsiteX1" fmla="*/ 2508325 w 2508325"/>
+              <a:gd name="connsiteY1" fmla="*/ 632085 h 1465993"/>
+              <a:gd name="connsiteX2" fmla="*/ 2006711 w 2508325"/>
+              <a:gd name="connsiteY2" fmla="*/ 1319970 h 1465993"/>
+              <a:gd name="connsiteX3" fmla="*/ 867765 w 2508325"/>
+              <a:gd name="connsiteY3" fmla="*/ 1465993 h 1465993"/>
+              <a:gd name="connsiteX4" fmla="*/ 0 w 2508325"/>
+              <a:gd name="connsiteY4" fmla="*/ 52055 h 1465993"/>
+              <a:gd name="connsiteX5" fmla="*/ 522526 w 2508325"/>
+              <a:gd name="connsiteY5" fmla="*/ 0 h 1465993"/>
+              <a:gd name="connsiteX6" fmla="*/ 1064851 w 2508325"/>
+              <a:gd name="connsiteY6" fmla="*/ 967945 h 1465993"/>
+            </a:gdLst>
+            <a:ahLst/>
+            <a:cxnLst>
+              <a:cxn ang="0">
+                <a:pos x="connsiteX0" y="connsiteY0"/>
+              </a:cxn>
+              <a:cxn ang="0">
+                <a:pos x="connsiteX1" y="connsiteY1"/>
+              </a:cxn>
+              <a:cxn ang="0">
+                <a:pos x="connsiteX2" y="connsiteY2"/>
+              </a:cxn>
+              <a:cxn ang="0">
+                <a:pos x="connsiteX3" y="connsiteY3"/>
+              </a:cxn>
+              <a:cxn ang="0">
+                <a:pos x="connsiteX4" y="connsiteY4"/>
+              </a:cxn>
+              <a:cxn ang="0">
+                <a:pos x="connsiteX5" y="connsiteY5"/>
+              </a:cxn>
+              <a:cxn ang="0">
+                <a:pos x="connsiteX6" y="connsiteY6"/>
+              </a:cxn>
+            </a:cxnLst>
+            <a:rect l="l" t="t" r="r" b="b"/>
+            <a:pathLst>
+              <a:path w="2508325" h="1465993">
+                <a:moveTo>
+                  <a:pt x="1064851" y="967945"/>
+                </a:moveTo>
+                <a:lnTo>
+                  <a:pt x="2508325" y="632085"/>
+                </a:lnTo>
+                <a:lnTo>
+                  <a:pt x="2006711" y="1319970"/>
+                </a:lnTo>
+                <a:lnTo>
+                  <a:pt x="867765" y="1465993"/>
+                </a:lnTo>
+                <a:lnTo>
+                  <a:pt x="0" y="52055"/>
+                </a:lnTo>
+                <a:lnTo>
+                  <a:pt x="522526" y="0"/>
+                </a:lnTo>
+                <a:lnTo>
+                  <a:pt x="1064851" y="967945"/>
+                </a:lnTo>
+                <a:close/>
+              </a:path>
+            </a:pathLst>
+          </a:custGeom>
+          <a:gradFill flip="none" rotWithShape="1">
+            <a:gsLst>
+              <a:gs pos="0">
+                <a:schemeClr val="accent1">
+                  <a:tint val="100000"/>
+                  <a:shade val="100000"/>
+                  <a:satMod val="130000"/>
+                  <a:alpha val="15000"/>
+                </a:schemeClr>
+              </a:gs>
+              <a:gs pos="100000">
+                <a:schemeClr val="accent1">
+                  <a:tint val="50000"/>
+                  <a:shade val="100000"/>
+                  <a:satMod val="350000"/>
+                  <a:alpha val="15000"/>
+                </a:schemeClr>
+              </a:gs>
+            </a:gsLst>
+            <a:lin ang="16200000" scaled="0"/>
+            <a:tileRect/>
+          </a:gradFill>
+        </p:spPr>
+        <p:style>
+          <a:lnRef idx="1">
+            <a:schemeClr val="accent1"/>
+          </a:lnRef>
+          <a:fillRef idx="3">
+            <a:schemeClr val="accent1"/>
+          </a:fillRef>
+          <a:effectRef idx="2">
+            <a:schemeClr val="accent1"/>
+          </a:effectRef>
+          <a:fontRef idx="minor">
+            <a:schemeClr val="lt1"/>
+          </a:fontRef>
+        </p:style>
+        <p:txBody>
+          <a:bodyPr rtlCol="0" anchor="ctr"/>
+          <a:lstStyle/>
+          <a:p>
+            <a:pPr algn="ctr"/>
+            <a:endParaRPr lang="en-US"/>
+          </a:p>
+        </p:txBody>
+      </p:sp>
+      <p:sp>
+        <p:nvSpPr>
+          <p:cNvPr id="25" name="Oval 24"/>
+          <p:cNvSpPr/>
+          <p:nvPr/>
+        </p:nvSpPr>
+        <p:spPr>
+          <a:xfrm rot="19635414">
+            <a:off x="4513183" y="4587317"/>
+            <a:ext cx="47554" cy="47554"/>
+          </a:xfrm>
+          <a:prstGeom prst="ellipse">
+            <a:avLst/>
+          </a:prstGeom>
+        </p:spPr>
+        <p:style>
+          <a:lnRef idx="2">
+            <a:schemeClr val="dk1">
+              <a:shade val="50000"/>
+            </a:schemeClr>
+          </a:lnRef>
+          <a:fillRef idx="1">
+            <a:schemeClr val="dk1"/>
+          </a:fillRef>
+          <a:effectRef idx="0">
+            <a:schemeClr val="dk1"/>
+          </a:effectRef>
+          <a:fontRef idx="minor">
+            <a:schemeClr val="lt1"/>
+          </a:fontRef>
+        </p:style>
+        <p:txBody>
+          <a:bodyPr rtlCol="0" anchor="ctr"/>
+          <a:lstStyle/>
+          <a:p>
+            <a:pPr algn="ctr"/>
+            <a:endParaRPr lang="en-US"/>
+          </a:p>
+        </p:txBody>
+      </p:sp>
+      <p:cxnSp>
+        <p:nvCxnSpPr>
+          <p:cNvPr id="26" name="Straight Arrow Connector 25"/>
+          <p:cNvCxnSpPr/>
+          <p:nvPr/>
+        </p:nvCxnSpPr>
+        <p:spPr>
+          <a:xfrm rot="19635414" flipH="1" flipV="1">
+            <a:off x="4089601" y="4198433"/>
+            <a:ext cx="328699" cy="543329"/>
+          </a:xfrm>
+          <a:prstGeom prst="straightConnector1">
+            <a:avLst/>
+          </a:prstGeom>
+          <a:ln w="28575" cmpd="sng">
+            <a:tailEnd type="arrow"/>
+          </a:ln>
+          <a:effectLst/>
+        </p:spPr>
+        <p:style>
+          <a:lnRef idx="2">
+            <a:schemeClr val="dk1"/>
+          </a:lnRef>
+          <a:fillRef idx="0">
+            <a:schemeClr val="dk1"/>
+          </a:fillRef>
+          <a:effectRef idx="1">
+            <a:schemeClr val="dk1"/>
+          </a:effectRef>
+          <a:fontRef idx="minor">
+            <a:schemeClr val="tx1"/>
+          </a:fontRef>
+        </p:style>
+      </p:cxnSp>
+      <p:sp>
+        <p:nvSpPr>
+          <p:cNvPr id="27" name="Rectangle 26"/>
+          <p:cNvSpPr/>
+          <p:nvPr/>
+        </p:nvSpPr>
+        <p:spPr>
+          <a:xfrm rot="18723378">
+            <a:off x="4571748" y="4536353"/>
+            <a:ext cx="125907" cy="125907"/>
+          </a:xfrm>
+          <a:prstGeom prst="rect">
+            <a:avLst/>
+          </a:prstGeom>
+          <a:ln w="12700" cmpd="sng"/>
+        </p:spPr>
+        <p:style>
+          <a:lnRef idx="2">
+            <a:schemeClr val="dk1"/>
+          </a:lnRef>
+          <a:fillRef idx="1">
+            <a:schemeClr val="lt1"/>
+          </a:fillRef>
+          <a:effectRef idx="0">
+            <a:schemeClr val="dk1"/>
+          </a:effectRef>
+          <a:fontRef idx="minor">
+            <a:schemeClr val="dk1"/>
+          </a:fontRef>
+        </p:style>
+        <p:txBody>
+          <a:bodyPr rtlCol="0" anchor="ctr"/>
+          <a:lstStyle/>
+          <a:p>
+            <a:pPr algn="ctr"/>
+            <a:endParaRPr lang="en-US"/>
+          </a:p>
+        </p:txBody>
+      </p:sp>
+      <p:cxnSp>
+        <p:nvCxnSpPr>
+          <p:cNvPr id="28" name="Straight Arrow Connector 27"/>
+          <p:cNvCxnSpPr>
+            <a:stCxn id="24" idx="0"/>
+          </p:cNvCxnSpPr>
+          <p:nvPr/>
+        </p:nvCxnSpPr>
+        <p:spPr>
+          <a:xfrm flipV="1">
+            <a:off x="4527221" y="4184671"/>
+            <a:ext cx="413013" cy="435934"/>
+          </a:xfrm>
+          <a:prstGeom prst="straightConnector1">
+            <a:avLst/>
+          </a:prstGeom>
+          <a:ln w="28575" cmpd="sng">
+            <a:tailEnd type="arrow"/>
+          </a:ln>
+          <a:effectLst/>
+        </p:spPr>
+        <p:style>
+          <a:lnRef idx="2">
+            <a:schemeClr val="dk1"/>
+          </a:lnRef>
+          <a:fillRef idx="0">
+            <a:schemeClr val="dk1"/>
+          </a:fillRef>
+          <a:effectRef idx="1">
+            <a:schemeClr val="dk1"/>
+          </a:effectRef>
+          <a:fontRef idx="minor">
+            <a:schemeClr val="tx1"/>
+          </a:fontRef>
+        </p:style>
+      </p:cxnSp>
+      <p:sp>
+        <p:nvSpPr>
+          <p:cNvPr id="29" name="Rectangle 28"/>
+          <p:cNvSpPr/>
+          <p:nvPr/>
+        </p:nvSpPr>
+        <p:spPr>
+          <a:xfrm rot="17844090">
+            <a:off x="4387503" y="4577466"/>
+            <a:ext cx="121079" cy="121079"/>
+          </a:xfrm>
+          <a:prstGeom prst="rect">
+            <a:avLst/>
+          </a:prstGeom>
+          <a:ln w="12700" cmpd="sng"/>
+        </p:spPr>
+        <p:style>
+          <a:lnRef idx="2">
+            <a:schemeClr val="dk1"/>
+          </a:lnRef>
+          <a:fillRef idx="1">
+            <a:schemeClr val="lt1"/>
+          </a:fillRef>
+          <a:effectRef idx="0">
+            <a:schemeClr val="dk1"/>
+          </a:effectRef>
+          <a:fontRef idx="minor">
+            <a:schemeClr val="dk1"/>
+          </a:fontRef>
+        </p:style>
+        <p:txBody>
+          <a:bodyPr rtlCol="0" anchor="ctr"/>
+          <a:lstStyle/>
+          <a:p>
+            <a:pPr algn="ctr"/>
+            <a:endParaRPr lang="en-US"/>
+          </a:p>
+        </p:txBody>
+      </p:sp>
+      <p:cxnSp>
+        <p:nvCxnSpPr>
+          <p:cNvPr id="30" name="Straight Arrow Connector 29"/>
+          <p:cNvCxnSpPr/>
+          <p:nvPr/>
+        </p:nvCxnSpPr>
+        <p:spPr>
+          <a:xfrm rot="19635414">
+            <a:off x="4683908" y="4532520"/>
+            <a:ext cx="163266" cy="556685"/>
+          </a:xfrm>
+          <a:prstGeom prst="straightConnector1">
+            <a:avLst/>
+          </a:prstGeom>
+          <a:ln w="28575" cmpd="sng">
+            <a:tailEnd type="arrow"/>
+          </a:ln>
+          <a:effectLst/>
+        </p:spPr>
+        <p:style>
+          <a:lnRef idx="2">
+            <a:schemeClr val="dk1"/>
+          </a:lnRef>
+          <a:fillRef idx="0">
+            <a:schemeClr val="dk1"/>
+          </a:fillRef>
+          <a:effectRef idx="1">
+            <a:schemeClr val="dk1"/>
+          </a:effectRef>
+          <a:fontRef idx="minor">
+            <a:schemeClr val="tx1"/>
+          </a:fontRef>
+        </p:style>
+      </p:cxnSp>
+      <p:cxnSp>
+        <p:nvCxnSpPr>
+          <p:cNvPr id="31" name="Straight Arrow Connector 30"/>
+          <p:cNvCxnSpPr/>
+          <p:nvPr/>
+        </p:nvCxnSpPr>
+        <p:spPr>
+          <a:xfrm rot="19635414" flipH="1">
+            <a:off x="4186091" y="4707103"/>
+            <a:ext cx="442769" cy="209285"/>
+          </a:xfrm>
+          <a:prstGeom prst="straightConnector1">
+            <a:avLst/>
+          </a:prstGeom>
+          <a:ln w="28575" cmpd="sng">
+            <a:tailEnd type="arrow"/>
+          </a:ln>
+          <a:effectLst/>
+        </p:spPr>
+        <p:style>
+          <a:lnRef idx="2">
+            <a:schemeClr val="dk1"/>
+          </a:lnRef>
+          <a:fillRef idx="0">
+            <a:schemeClr val="dk1"/>
+          </a:fillRef>
+          <a:effectRef idx="1">
+            <a:schemeClr val="dk1"/>
+          </a:effectRef>
+          <a:fontRef idx="minor">
+            <a:schemeClr val="tx1"/>
+          </a:fontRef>
+        </p:style>
+      </p:cxnSp>
+      <p:sp>
+        <p:nvSpPr>
+          <p:cNvPr id="32" name="TextBox 31"/>
+          <p:cNvSpPr txBox="1"/>
+          <p:nvPr/>
+        </p:nvSpPr>
+        <p:spPr>
+          <a:xfrm>
+            <a:off x="4115659" y="3400832"/>
+            <a:ext cx="776882" cy="461665"/>
+          </a:xfrm>
+          <a:prstGeom prst="rect">
+            <a:avLst/>
+          </a:prstGeom>
+          <a:noFill/>
+        </p:spPr>
+        <p:txBody>
+          <a:bodyPr wrap="square" rtlCol="0">
+            <a:spAutoFit/>
+          </a:bodyPr>
+          <a:lstStyle/>
+          <a:p>
+            <a:r>
+              <a:rPr lang="en-US" sz="2400" dirty="0" smtClean="0"/>
+              <a:t>V</a:t>
+            </a:r>
+            <a:r>
+              <a:rPr lang="en-US" sz="2400" baseline="30000" dirty="0" smtClean="0"/>
+              <a:t>2</a:t>
+            </a:r>
+            <a:endParaRPr lang="en-US" sz="2400" baseline="30000" dirty="0"/>
+          </a:p>
+        </p:txBody>
+      </p:sp>
+      <p:sp>
+        <p:nvSpPr>
+          <p:cNvPr id="33" name="TextBox 32"/>
+          <p:cNvSpPr txBox="1"/>
+          <p:nvPr/>
+        </p:nvSpPr>
+        <p:spPr>
+          <a:xfrm>
+            <a:off x="4090684" y="1106360"/>
+            <a:ext cx="776882" cy="461665"/>
+          </a:xfrm>
+          <a:prstGeom prst="rect">
+            <a:avLst/>
+          </a:prstGeom>
+          <a:noFill/>
+        </p:spPr>
+        <p:txBody>
+          <a:bodyPr wrap="square" rtlCol="0">
+            <a:spAutoFit/>
+          </a:bodyPr>
+          <a:lstStyle/>
+          <a:p>
+            <a:r>
+              <a:rPr lang="en-US" sz="2400" dirty="0" smtClean="0"/>
+              <a:t>V</a:t>
+            </a:r>
+            <a:r>
+              <a:rPr lang="en-US" sz="2400" baseline="-25000" dirty="0" smtClean="0"/>
+              <a:t>cc</a:t>
+            </a:r>
+            <a:endParaRPr lang="en-US" sz="2400" baseline="-25000" dirty="0"/>
+          </a:p>
+        </p:txBody>
+      </p:sp>
+    </p:spTree>
+    <p:extLst>
+      <p:ext uri="{BB962C8B-B14F-4D97-AF65-F5344CB8AC3E}">
+        <p14:creationId xmlns:p14="http://schemas.microsoft.com/office/powerpoint/2010/main" val="1871741261"/>
+      </p:ext>
+    </p:extLst>
+  </p:cSld>
+  <p:clrMapOvr>
+    <a:masterClrMapping/>
+  </p:clrMapOvr>
+</p:sld>
+</file>
+
+<file path=ppt/slides/slide17.xml><?xml version="1.0" encoding="utf-8"?>
+<p:sld xmlns:a="http://schemas.openxmlformats.org/drawingml/2006/main" xmlns:r="http://schemas.openxmlformats.org/officeDocument/2006/relationships" xmlns:p="http://schemas.openxmlformats.org/presentationml/2006/main">
+  <p:cSld>
+    <p:spTree>
+      <p:nvGrpSpPr>
+        <p:cNvPr id="1" name=""/>
+        <p:cNvGrpSpPr/>
+        <p:nvPr/>
+      </p:nvGrpSpPr>
+      <p:grpSpPr>
+        <a:xfrm>
+          <a:off x="0" y="0"/>
+          <a:ext cx="0" cy="0"/>
+          <a:chOff x="0" y="0"/>
+          <a:chExt cx="0" cy="0"/>
+        </a:xfrm>
+      </p:grpSpPr>
+      <p:sp>
+        <p:nvSpPr>
+          <p:cNvPr id="4" name="Oval 3"/>
+          <p:cNvSpPr/>
+          <p:nvPr/>
+        </p:nvSpPr>
+        <p:spPr>
+          <a:xfrm>
+            <a:off x="1736810" y="1530863"/>
+            <a:ext cx="1475946" cy="1475946"/>
+          </a:xfrm>
+          <a:prstGeom prst="ellipse">
+            <a:avLst/>
+          </a:prstGeom>
+          <a:noFill/>
+        </p:spPr>
+        <p:style>
+          <a:lnRef idx="1">
+            <a:schemeClr val="accent1"/>
+          </a:lnRef>
+          <a:fillRef idx="3">
+            <a:schemeClr val="accent1"/>
+          </a:fillRef>
+          <a:effectRef idx="2">
+            <a:schemeClr val="accent1"/>
+          </a:effectRef>
+          <a:fontRef idx="minor">
+            <a:schemeClr val="lt1"/>
+          </a:fontRef>
+        </p:style>
+        <p:txBody>
+          <a:bodyPr rtlCol="0" anchor="ctr"/>
+          <a:lstStyle/>
+          <a:p>
+            <a:pPr algn="ctr"/>
+            <a:endParaRPr lang="en-US"/>
+          </a:p>
+        </p:txBody>
+      </p:sp>
+      <p:sp>
+        <p:nvSpPr>
+          <p:cNvPr id="5" name="TextBox 4"/>
+          <p:cNvSpPr txBox="1"/>
+          <p:nvPr/>
+        </p:nvSpPr>
+        <p:spPr>
+          <a:xfrm>
+            <a:off x="2049020" y="2936610"/>
+            <a:ext cx="889141" cy="461665"/>
+          </a:xfrm>
+          <a:prstGeom prst="rect">
+            <a:avLst/>
+          </a:prstGeom>
+          <a:noFill/>
+        </p:spPr>
+        <p:txBody>
+          <a:bodyPr wrap="square" rtlCol="0">
+            <a:spAutoFit/>
+          </a:bodyPr>
+          <a:lstStyle/>
+          <a:p>
+            <a:r>
+              <a:rPr lang="en-US" sz="2400" dirty="0" smtClean="0"/>
+              <a:t>g</a:t>
+            </a:r>
+            <a:r>
+              <a:rPr lang="en-US" sz="2400" baseline="-25000" dirty="0" smtClean="0"/>
+              <a:t>start</a:t>
+            </a:r>
+            <a:endParaRPr lang="en-US" sz="2400" baseline="-25000" dirty="0"/>
+          </a:p>
+        </p:txBody>
+      </p:sp>
+      <p:cxnSp>
+        <p:nvCxnSpPr>
+          <p:cNvPr id="6" name="Straight Arrow Connector 5"/>
+          <p:cNvCxnSpPr/>
+          <p:nvPr/>
+        </p:nvCxnSpPr>
+        <p:spPr>
+          <a:xfrm>
+            <a:off x="2443757" y="2264725"/>
+            <a:ext cx="224845" cy="736092"/>
+          </a:xfrm>
+          <a:prstGeom prst="straightConnector1">
+            <a:avLst/>
+          </a:prstGeom>
+          <a:ln w="28575" cmpd="sng">
+            <a:tailEnd type="arrow"/>
+          </a:ln>
+          <a:effectLst/>
+        </p:spPr>
+        <p:style>
+          <a:lnRef idx="2">
+            <a:schemeClr val="dk1"/>
+          </a:lnRef>
+          <a:fillRef idx="0">
+            <a:schemeClr val="dk1"/>
+          </a:fillRef>
+          <a:effectRef idx="1">
+            <a:schemeClr val="dk1"/>
+          </a:effectRef>
+          <a:fontRef idx="minor">
+            <a:schemeClr val="tx1"/>
+          </a:fontRef>
+        </p:style>
+      </p:cxnSp>
+      <p:cxnSp>
+        <p:nvCxnSpPr>
+          <p:cNvPr id="7" name="Straight Arrow Connector 6"/>
+          <p:cNvCxnSpPr/>
+          <p:nvPr/>
+        </p:nvCxnSpPr>
+        <p:spPr>
+          <a:xfrm flipH="1">
+            <a:off x="1819189" y="2274066"/>
+            <a:ext cx="631433" cy="375772"/>
+          </a:xfrm>
+          <a:prstGeom prst="straightConnector1">
+            <a:avLst/>
+          </a:prstGeom>
+          <a:ln w="28575" cmpd="sng">
+            <a:tailEnd type="arrow"/>
+          </a:ln>
+          <a:effectLst/>
+        </p:spPr>
+        <p:style>
+          <a:lnRef idx="2">
+            <a:schemeClr val="dk1"/>
+          </a:lnRef>
+          <a:fillRef idx="0">
+            <a:schemeClr val="dk1"/>
+          </a:fillRef>
+          <a:effectRef idx="1">
+            <a:schemeClr val="dk1"/>
+          </a:effectRef>
+          <a:fontRef idx="minor">
+            <a:schemeClr val="tx1"/>
+          </a:fontRef>
+        </p:style>
+      </p:cxnSp>
+      <p:sp>
+        <p:nvSpPr>
+          <p:cNvPr id="8" name="Oval 7"/>
+          <p:cNvSpPr/>
+          <p:nvPr/>
+        </p:nvSpPr>
+        <p:spPr>
+          <a:xfrm>
+            <a:off x="2412026" y="2253470"/>
+            <a:ext cx="65289" cy="65289"/>
+          </a:xfrm>
+          <a:prstGeom prst="ellipse">
+            <a:avLst/>
+          </a:prstGeom>
+        </p:spPr>
+        <p:style>
+          <a:lnRef idx="2">
+            <a:schemeClr val="dk1">
+              <a:shade val="50000"/>
+            </a:schemeClr>
+          </a:lnRef>
+          <a:fillRef idx="1">
+            <a:schemeClr val="dk1"/>
+          </a:fillRef>
+          <a:effectRef idx="0">
+            <a:schemeClr val="dk1"/>
+          </a:effectRef>
+          <a:fontRef idx="minor">
+            <a:schemeClr val="lt1"/>
+          </a:fontRef>
+        </p:style>
+        <p:txBody>
+          <a:bodyPr rtlCol="0" anchor="ctr"/>
+          <a:lstStyle/>
+          <a:p>
+            <a:pPr algn="ctr"/>
+            <a:endParaRPr lang="en-US"/>
+          </a:p>
+        </p:txBody>
+      </p:sp>
+      <p:cxnSp>
+        <p:nvCxnSpPr>
+          <p:cNvPr id="11" name="Straight Arrow Connector 10"/>
+          <p:cNvCxnSpPr/>
+          <p:nvPr/>
+        </p:nvCxnSpPr>
+        <p:spPr>
+          <a:xfrm rot="19527167">
+            <a:off x="2637215" y="2162468"/>
+            <a:ext cx="224845" cy="736092"/>
+          </a:xfrm>
+          <a:prstGeom prst="straightConnector1">
+            <a:avLst/>
+          </a:prstGeom>
+          <a:ln w="28575" cmpd="sng">
+            <a:tailEnd type="arrow"/>
+          </a:ln>
+          <a:effectLst/>
+        </p:spPr>
+        <p:style>
+          <a:lnRef idx="2">
+            <a:schemeClr val="dk1"/>
+          </a:lnRef>
+          <a:fillRef idx="0">
+            <a:schemeClr val="dk1"/>
+          </a:fillRef>
+          <a:effectRef idx="1">
+            <a:schemeClr val="dk1"/>
+          </a:effectRef>
+          <a:fontRef idx="minor">
+            <a:schemeClr val="tx1"/>
+          </a:fontRef>
+        </p:style>
+      </p:cxnSp>
+      <p:cxnSp>
+        <p:nvCxnSpPr>
+          <p:cNvPr id="12" name="Straight Arrow Connector 11"/>
+          <p:cNvCxnSpPr/>
+          <p:nvPr/>
+        </p:nvCxnSpPr>
+        <p:spPr>
+          <a:xfrm rot="19527167" flipH="1">
+            <a:off x="1990066" y="2440829"/>
+            <a:ext cx="631433" cy="375772"/>
+          </a:xfrm>
+          <a:prstGeom prst="straightConnector1">
+            <a:avLst/>
+          </a:prstGeom>
+          <a:ln w="28575" cmpd="sng">
+            <a:tailEnd type="arrow"/>
+          </a:ln>
+          <a:effectLst/>
+        </p:spPr>
+        <p:style>
+          <a:lnRef idx="2">
+            <a:schemeClr val="dk1"/>
+          </a:lnRef>
+          <a:fillRef idx="0">
+            <a:schemeClr val="dk1"/>
+          </a:fillRef>
+          <a:effectRef idx="1">
+            <a:schemeClr val="dk1"/>
+          </a:effectRef>
+          <a:fontRef idx="minor">
+            <a:schemeClr val="tx1"/>
+          </a:fontRef>
+        </p:style>
+      </p:cxnSp>
+      <p:sp>
+        <p:nvSpPr>
+          <p:cNvPr id="14" name="TextBox 13"/>
+          <p:cNvSpPr txBox="1"/>
+          <p:nvPr/>
+        </p:nvSpPr>
+        <p:spPr>
+          <a:xfrm>
+            <a:off x="4085102" y="1106816"/>
+            <a:ext cx="776882" cy="461665"/>
+          </a:xfrm>
+          <a:prstGeom prst="rect">
+            <a:avLst/>
+          </a:prstGeom>
+          <a:noFill/>
+        </p:spPr>
+        <p:txBody>
+          <a:bodyPr wrap="square" rtlCol="0">
+            <a:spAutoFit/>
+          </a:bodyPr>
+          <a:lstStyle/>
+          <a:p>
+            <a:r>
+              <a:rPr lang="en-US" sz="2400" dirty="0" smtClean="0"/>
+              <a:t>V</a:t>
+            </a:r>
+            <a:r>
+              <a:rPr lang="en-US" sz="2400" baseline="30000" dirty="0" smtClean="0"/>
+              <a:t>1</a:t>
+            </a:r>
+            <a:endParaRPr lang="en-US" sz="2400" baseline="30000" dirty="0"/>
+          </a:p>
+        </p:txBody>
+      </p:sp>
+      <p:sp>
+        <p:nvSpPr>
+          <p:cNvPr id="15" name="Freeform 14"/>
+          <p:cNvSpPr/>
+          <p:nvPr/>
+        </p:nvSpPr>
+        <p:spPr>
+          <a:xfrm>
+            <a:off x="3525634" y="1646753"/>
+            <a:ext cx="2041108" cy="1314791"/>
+          </a:xfrm>
+          <a:custGeom>
+            <a:avLst/>
+            <a:gdLst>
+              <a:gd name="connsiteX0" fmla="*/ 1187622 w 2917568"/>
+              <a:gd name="connsiteY0" fmla="*/ 1393567 h 2128108"/>
+              <a:gd name="connsiteX1" fmla="*/ 2780271 w 2917568"/>
+              <a:gd name="connsiteY1" fmla="*/ 1002270 h 2128108"/>
+              <a:gd name="connsiteX2" fmla="*/ 2917568 w 2917568"/>
+              <a:gd name="connsiteY2" fmla="*/ 1729945 h 2128108"/>
+              <a:gd name="connsiteX3" fmla="*/ 926757 w 2917568"/>
+              <a:gd name="connsiteY3" fmla="*/ 2128108 h 2128108"/>
+              <a:gd name="connsiteX4" fmla="*/ 0 w 2917568"/>
+              <a:gd name="connsiteY4" fmla="*/ 377567 h 2128108"/>
+              <a:gd name="connsiteX5" fmla="*/ 466811 w 2917568"/>
+              <a:gd name="connsiteY5" fmla="*/ 0 h 2128108"/>
+              <a:gd name="connsiteX6" fmla="*/ 1187622 w 2917568"/>
+              <a:gd name="connsiteY6" fmla="*/ 1393567 h 2128108"/>
+              <a:gd name="connsiteX0" fmla="*/ 1187622 w 2835190"/>
+              <a:gd name="connsiteY0" fmla="*/ 1393567 h 2128108"/>
+              <a:gd name="connsiteX1" fmla="*/ 2780271 w 2835190"/>
+              <a:gd name="connsiteY1" fmla="*/ 1002270 h 2128108"/>
+              <a:gd name="connsiteX2" fmla="*/ 2835190 w 2835190"/>
+              <a:gd name="connsiteY2" fmla="*/ 1530864 h 2128108"/>
+              <a:gd name="connsiteX3" fmla="*/ 926757 w 2835190"/>
+              <a:gd name="connsiteY3" fmla="*/ 2128108 h 2128108"/>
+              <a:gd name="connsiteX4" fmla="*/ 0 w 2835190"/>
+              <a:gd name="connsiteY4" fmla="*/ 377567 h 2128108"/>
+              <a:gd name="connsiteX5" fmla="*/ 466811 w 2835190"/>
+              <a:gd name="connsiteY5" fmla="*/ 0 h 2128108"/>
+              <a:gd name="connsiteX6" fmla="*/ 1187622 w 2835190"/>
+              <a:gd name="connsiteY6" fmla="*/ 1393567 h 2128108"/>
+              <a:gd name="connsiteX0" fmla="*/ 995406 w 2642974"/>
+              <a:gd name="connsiteY0" fmla="*/ 1393567 h 2128108"/>
+              <a:gd name="connsiteX1" fmla="*/ 2588055 w 2642974"/>
+              <a:gd name="connsiteY1" fmla="*/ 1002270 h 2128108"/>
+              <a:gd name="connsiteX2" fmla="*/ 2642974 w 2642974"/>
+              <a:gd name="connsiteY2" fmla="*/ 1530864 h 2128108"/>
+              <a:gd name="connsiteX3" fmla="*/ 734541 w 2642974"/>
+              <a:gd name="connsiteY3" fmla="*/ 2128108 h 2128108"/>
+              <a:gd name="connsiteX4" fmla="*/ 0 w 2642974"/>
+              <a:gd name="connsiteY4" fmla="*/ 761999 h 2128108"/>
+              <a:gd name="connsiteX5" fmla="*/ 274595 w 2642974"/>
+              <a:gd name="connsiteY5" fmla="*/ 0 h 2128108"/>
+              <a:gd name="connsiteX6" fmla="*/ 995406 w 2642974"/>
+              <a:gd name="connsiteY6" fmla="*/ 1393567 h 2128108"/>
+              <a:gd name="connsiteX0" fmla="*/ 995406 w 2642974"/>
+              <a:gd name="connsiteY0" fmla="*/ 967945 h 1702486"/>
+              <a:gd name="connsiteX1" fmla="*/ 2588055 w 2642974"/>
+              <a:gd name="connsiteY1" fmla="*/ 576648 h 1702486"/>
+              <a:gd name="connsiteX2" fmla="*/ 2642974 w 2642974"/>
+              <a:gd name="connsiteY2" fmla="*/ 1105242 h 1702486"/>
+              <a:gd name="connsiteX3" fmla="*/ 734541 w 2642974"/>
+              <a:gd name="connsiteY3" fmla="*/ 1702486 h 1702486"/>
+              <a:gd name="connsiteX4" fmla="*/ 0 w 2642974"/>
+              <a:gd name="connsiteY4" fmla="*/ 336377 h 1702486"/>
+              <a:gd name="connsiteX5" fmla="*/ 453081 w 2642974"/>
+              <a:gd name="connsiteY5" fmla="*/ 0 h 1702486"/>
+              <a:gd name="connsiteX6" fmla="*/ 995406 w 2642974"/>
+              <a:gd name="connsiteY6" fmla="*/ 967945 h 1702486"/>
+            </a:gdLst>
+            <a:ahLst/>
+            <a:cxnLst>
+              <a:cxn ang="0">
+                <a:pos x="connsiteX0" y="connsiteY0"/>
+              </a:cxn>
+              <a:cxn ang="0">
+                <a:pos x="connsiteX1" y="connsiteY1"/>
+              </a:cxn>
+              <a:cxn ang="0">
+                <a:pos x="connsiteX2" y="connsiteY2"/>
+              </a:cxn>
+              <a:cxn ang="0">
+                <a:pos x="connsiteX3" y="connsiteY3"/>
+              </a:cxn>
+              <a:cxn ang="0">
+                <a:pos x="connsiteX4" y="connsiteY4"/>
+              </a:cxn>
+              <a:cxn ang="0">
+                <a:pos x="connsiteX5" y="connsiteY5"/>
+              </a:cxn>
+              <a:cxn ang="0">
+                <a:pos x="connsiteX6" y="connsiteY6"/>
+              </a:cxn>
+            </a:cxnLst>
+            <a:rect l="l" t="t" r="r" b="b"/>
+            <a:pathLst>
+              <a:path w="2642974" h="1702486">
+                <a:moveTo>
+                  <a:pt x="995406" y="967945"/>
+                </a:moveTo>
+                <a:lnTo>
+                  <a:pt x="2588055" y="576648"/>
+                </a:lnTo>
+                <a:lnTo>
+                  <a:pt x="2642974" y="1105242"/>
+                </a:lnTo>
+                <a:lnTo>
+                  <a:pt x="734541" y="1702486"/>
+                </a:lnTo>
+                <a:lnTo>
+                  <a:pt x="0" y="336377"/>
+                </a:lnTo>
+                <a:lnTo>
+                  <a:pt x="453081" y="0"/>
+                </a:lnTo>
+                <a:lnTo>
+                  <a:pt x="995406" y="967945"/>
+                </a:lnTo>
+                <a:close/>
+              </a:path>
+            </a:pathLst>
+          </a:custGeom>
+          <a:gradFill flip="none" rotWithShape="1">
+            <a:gsLst>
+              <a:gs pos="0">
+                <a:schemeClr val="accent1">
+                  <a:tint val="100000"/>
+                  <a:shade val="100000"/>
+                  <a:satMod val="130000"/>
+                  <a:alpha val="15000"/>
+                </a:schemeClr>
+              </a:gs>
+              <a:gs pos="100000">
+                <a:schemeClr val="accent1">
+                  <a:tint val="50000"/>
+                  <a:shade val="100000"/>
+                  <a:satMod val="350000"/>
+                  <a:alpha val="15000"/>
+                </a:schemeClr>
+              </a:gs>
+            </a:gsLst>
+            <a:lin ang="16200000" scaled="0"/>
+            <a:tileRect/>
+          </a:gradFill>
+        </p:spPr>
+        <p:style>
+          <a:lnRef idx="1">
+            <a:schemeClr val="accent1"/>
+          </a:lnRef>
+          <a:fillRef idx="3">
+            <a:schemeClr val="accent1"/>
+          </a:fillRef>
+          <a:effectRef idx="2">
+            <a:schemeClr val="accent1"/>
+          </a:effectRef>
+          <a:fontRef idx="minor">
+            <a:schemeClr val="lt1"/>
+          </a:fontRef>
+        </p:style>
+        <p:txBody>
+          <a:bodyPr rtlCol="0" anchor="ctr"/>
+          <a:lstStyle/>
+          <a:p>
+            <a:pPr algn="ctr"/>
+            <a:endParaRPr lang="en-US"/>
+          </a:p>
+        </p:txBody>
+      </p:sp>
+      <p:sp>
+        <p:nvSpPr>
+          <p:cNvPr id="16" name="Oval 15"/>
+          <p:cNvSpPr/>
+          <p:nvPr/>
+        </p:nvSpPr>
+        <p:spPr>
+          <a:xfrm>
+            <a:off x="4283922" y="2367766"/>
+            <a:ext cx="47554" cy="47554"/>
+          </a:xfrm>
+          <a:prstGeom prst="ellipse">
+            <a:avLst/>
+          </a:prstGeom>
+        </p:spPr>
+        <p:style>
+          <a:lnRef idx="2">
+            <a:schemeClr val="dk1">
+              <a:shade val="50000"/>
+            </a:schemeClr>
+          </a:lnRef>
+          <a:fillRef idx="1">
+            <a:schemeClr val="dk1"/>
+          </a:fillRef>
+          <a:effectRef idx="0">
+            <a:schemeClr val="dk1"/>
+          </a:effectRef>
+          <a:fontRef idx="minor">
+            <a:schemeClr val="lt1"/>
+          </a:fontRef>
+        </p:style>
+        <p:txBody>
+          <a:bodyPr rtlCol="0" anchor="ctr"/>
+          <a:lstStyle/>
+          <a:p>
+            <a:pPr algn="ctr"/>
+            <a:endParaRPr lang="en-US"/>
+          </a:p>
+        </p:txBody>
+      </p:sp>
+      <p:cxnSp>
+        <p:nvCxnSpPr>
+          <p:cNvPr id="17" name="Straight Arrow Connector 16"/>
+          <p:cNvCxnSpPr/>
+          <p:nvPr/>
+        </p:nvCxnSpPr>
+        <p:spPr>
+          <a:xfrm flipH="1" flipV="1">
+            <a:off x="3981570" y="1848213"/>
+            <a:ext cx="328699" cy="543329"/>
+          </a:xfrm>
+          <a:prstGeom prst="straightConnector1">
+            <a:avLst/>
+          </a:prstGeom>
+          <a:ln w="28575" cmpd="sng">
+            <a:tailEnd type="arrow"/>
+          </a:ln>
+          <a:effectLst/>
+        </p:spPr>
+        <p:style>
+          <a:lnRef idx="2">
+            <a:schemeClr val="dk1"/>
+          </a:lnRef>
+          <a:fillRef idx="0">
+            <a:schemeClr val="dk1"/>
+          </a:fillRef>
+          <a:effectRef idx="1">
+            <a:schemeClr val="dk1"/>
+          </a:effectRef>
+          <a:fontRef idx="minor">
+            <a:schemeClr val="tx1"/>
+          </a:fontRef>
+        </p:style>
+      </p:cxnSp>
+      <p:sp>
+        <p:nvSpPr>
+          <p:cNvPr id="18" name="Rectangle 17"/>
+          <p:cNvSpPr/>
+          <p:nvPr/>
+        </p:nvSpPr>
+        <p:spPr>
+          <a:xfrm rot="20687964">
+            <a:off x="4333332" y="2371540"/>
+            <a:ext cx="125907" cy="125907"/>
+          </a:xfrm>
+          <a:prstGeom prst="rect">
+            <a:avLst/>
+          </a:prstGeom>
+          <a:ln w="12700" cmpd="sng"/>
+        </p:spPr>
+        <p:style>
+          <a:lnRef idx="2">
+            <a:schemeClr val="dk1"/>
+          </a:lnRef>
+          <a:fillRef idx="1">
+            <a:schemeClr val="lt1"/>
+          </a:fillRef>
+          <a:effectRef idx="0">
+            <a:schemeClr val="dk1"/>
+          </a:effectRef>
+          <a:fontRef idx="minor">
+            <a:schemeClr val="dk1"/>
+          </a:fontRef>
+        </p:style>
+        <p:txBody>
+          <a:bodyPr rtlCol="0" anchor="ctr"/>
+          <a:lstStyle/>
+          <a:p>
+            <a:pPr algn="ctr"/>
+            <a:endParaRPr lang="en-US"/>
+          </a:p>
+        </p:txBody>
+      </p:sp>
+      <p:cxnSp>
+        <p:nvCxnSpPr>
+          <p:cNvPr id="19" name="Straight Arrow Connector 18"/>
+          <p:cNvCxnSpPr>
+            <a:stCxn id="15" idx="0"/>
+          </p:cNvCxnSpPr>
+          <p:nvPr/>
+        </p:nvCxnSpPr>
+        <p:spPr>
+          <a:xfrm flipV="1">
+            <a:off x="4294363" y="2250995"/>
+            <a:ext cx="583173" cy="143280"/>
+          </a:xfrm>
+          <a:prstGeom prst="straightConnector1">
+            <a:avLst/>
+          </a:prstGeom>
+          <a:ln w="28575" cmpd="sng">
+            <a:tailEnd type="arrow"/>
+          </a:ln>
+          <a:effectLst/>
+        </p:spPr>
+        <p:style>
+          <a:lnRef idx="2">
+            <a:schemeClr val="dk1"/>
+          </a:lnRef>
+          <a:fillRef idx="0">
+            <a:schemeClr val="dk1"/>
+          </a:fillRef>
+          <a:effectRef idx="1">
+            <a:schemeClr val="dk1"/>
+          </a:effectRef>
+          <a:fontRef idx="minor">
+            <a:schemeClr val="tx1"/>
+          </a:fontRef>
+        </p:style>
+      </p:cxnSp>
+      <p:sp>
+        <p:nvSpPr>
+          <p:cNvPr id="20" name="Rectangle 19"/>
+          <p:cNvSpPr/>
+          <p:nvPr/>
+        </p:nvSpPr>
+        <p:spPr>
+          <a:xfrm rot="19808676">
+            <a:off x="4157815" y="2305545"/>
+            <a:ext cx="121079" cy="121079"/>
+          </a:xfrm>
+          <a:prstGeom prst="rect">
+            <a:avLst/>
+          </a:prstGeom>
+          <a:ln w="12700" cmpd="sng"/>
+        </p:spPr>
+        <p:style>
+          <a:lnRef idx="2">
+            <a:schemeClr val="dk1"/>
+          </a:lnRef>
+          <a:fillRef idx="1">
+            <a:schemeClr val="lt1"/>
+          </a:fillRef>
+          <a:effectRef idx="0">
+            <a:schemeClr val="dk1"/>
+          </a:effectRef>
+          <a:fontRef idx="minor">
+            <a:schemeClr val="dk1"/>
+          </a:fontRef>
+        </p:style>
+        <p:txBody>
+          <a:bodyPr rtlCol="0" anchor="ctr"/>
+          <a:lstStyle/>
+          <a:p>
+            <a:pPr algn="ctr"/>
+            <a:endParaRPr lang="en-US"/>
+          </a:p>
+        </p:txBody>
+      </p:sp>
+      <p:cxnSp>
+        <p:nvCxnSpPr>
+          <p:cNvPr id="21" name="Straight Arrow Connector 20"/>
+          <p:cNvCxnSpPr/>
+          <p:nvPr/>
+        </p:nvCxnSpPr>
+        <p:spPr>
+          <a:xfrm>
+            <a:off x="4310277" y="2404859"/>
+            <a:ext cx="163266" cy="556685"/>
+          </a:xfrm>
+          <a:prstGeom prst="straightConnector1">
+            <a:avLst/>
+          </a:prstGeom>
+          <a:ln w="28575" cmpd="sng">
+            <a:tailEnd type="arrow"/>
+          </a:ln>
+          <a:effectLst/>
+        </p:spPr>
+        <p:style>
+          <a:lnRef idx="2">
+            <a:schemeClr val="dk1"/>
+          </a:lnRef>
+          <a:fillRef idx="0">
+            <a:schemeClr val="dk1"/>
+          </a:fillRef>
+          <a:effectRef idx="1">
+            <a:schemeClr val="dk1"/>
+          </a:effectRef>
+          <a:fontRef idx="minor">
+            <a:schemeClr val="tx1"/>
+          </a:fontRef>
+        </p:style>
+      </p:cxnSp>
+      <p:cxnSp>
+        <p:nvCxnSpPr>
+          <p:cNvPr id="22" name="Straight Arrow Connector 21"/>
+          <p:cNvCxnSpPr/>
+          <p:nvPr/>
+        </p:nvCxnSpPr>
+        <p:spPr>
+          <a:xfrm flipH="1">
+            <a:off x="3868878" y="2385634"/>
+            <a:ext cx="442769" cy="209285"/>
+          </a:xfrm>
+          <a:prstGeom prst="straightConnector1">
+            <a:avLst/>
+          </a:prstGeom>
+          <a:ln w="28575" cmpd="sng">
+            <a:tailEnd type="arrow"/>
+          </a:ln>
+          <a:effectLst/>
+        </p:spPr>
+        <p:style>
+          <a:lnRef idx="2">
+            <a:schemeClr val="dk1"/>
+          </a:lnRef>
+          <a:fillRef idx="0">
+            <a:schemeClr val="dk1"/>
+          </a:fillRef>
+          <a:effectRef idx="1">
+            <a:schemeClr val="dk1"/>
+          </a:effectRef>
+          <a:fontRef idx="minor">
+            <a:schemeClr val="tx1"/>
+          </a:fontRef>
+        </p:style>
+      </p:cxnSp>
+      <p:sp>
+        <p:nvSpPr>
+          <p:cNvPr id="23" name="TextBox 22"/>
+          <p:cNvSpPr txBox="1"/>
+          <p:nvPr/>
+        </p:nvSpPr>
+        <p:spPr>
+          <a:xfrm>
+            <a:off x="6522706" y="1175077"/>
+            <a:ext cx="776882" cy="461665"/>
+          </a:xfrm>
+          <a:prstGeom prst="rect">
+            <a:avLst/>
+          </a:prstGeom>
+          <a:noFill/>
+        </p:spPr>
+        <p:txBody>
+          <a:bodyPr wrap="square" rtlCol="0">
+            <a:spAutoFit/>
+          </a:bodyPr>
+          <a:lstStyle/>
+          <a:p>
+            <a:r>
+              <a:rPr lang="en-US" sz="2400" dirty="0" smtClean="0"/>
+              <a:t>V</a:t>
+            </a:r>
+            <a:r>
+              <a:rPr lang="en-US" sz="2400" baseline="-25000" dirty="0" smtClean="0"/>
+              <a:t>cc</a:t>
+            </a:r>
+            <a:endParaRPr lang="en-US" sz="2400" baseline="-25000" dirty="0"/>
+          </a:p>
+        </p:txBody>
+      </p:sp>
+      <p:sp>
+        <p:nvSpPr>
+          <p:cNvPr id="24" name="Freeform 23"/>
+          <p:cNvSpPr/>
+          <p:nvPr/>
+        </p:nvSpPr>
+        <p:spPr>
+          <a:xfrm rot="19635414">
+            <a:off x="5984956" y="1597539"/>
+            <a:ext cx="1937121" cy="1132153"/>
+          </a:xfrm>
+          <a:custGeom>
+            <a:avLst/>
+            <a:gdLst>
+              <a:gd name="connsiteX0" fmla="*/ 1187622 w 2917568"/>
+              <a:gd name="connsiteY0" fmla="*/ 1393567 h 2128108"/>
+              <a:gd name="connsiteX1" fmla="*/ 2780271 w 2917568"/>
+              <a:gd name="connsiteY1" fmla="*/ 1002270 h 2128108"/>
+              <a:gd name="connsiteX2" fmla="*/ 2917568 w 2917568"/>
+              <a:gd name="connsiteY2" fmla="*/ 1729945 h 2128108"/>
+              <a:gd name="connsiteX3" fmla="*/ 926757 w 2917568"/>
+              <a:gd name="connsiteY3" fmla="*/ 2128108 h 2128108"/>
+              <a:gd name="connsiteX4" fmla="*/ 0 w 2917568"/>
+              <a:gd name="connsiteY4" fmla="*/ 377567 h 2128108"/>
+              <a:gd name="connsiteX5" fmla="*/ 466811 w 2917568"/>
+              <a:gd name="connsiteY5" fmla="*/ 0 h 2128108"/>
+              <a:gd name="connsiteX6" fmla="*/ 1187622 w 2917568"/>
+              <a:gd name="connsiteY6" fmla="*/ 1393567 h 2128108"/>
+              <a:gd name="connsiteX0" fmla="*/ 1187622 w 2835190"/>
+              <a:gd name="connsiteY0" fmla="*/ 1393567 h 2128108"/>
+              <a:gd name="connsiteX1" fmla="*/ 2780271 w 2835190"/>
+              <a:gd name="connsiteY1" fmla="*/ 1002270 h 2128108"/>
+              <a:gd name="connsiteX2" fmla="*/ 2835190 w 2835190"/>
+              <a:gd name="connsiteY2" fmla="*/ 1530864 h 2128108"/>
+              <a:gd name="connsiteX3" fmla="*/ 926757 w 2835190"/>
+              <a:gd name="connsiteY3" fmla="*/ 2128108 h 2128108"/>
+              <a:gd name="connsiteX4" fmla="*/ 0 w 2835190"/>
+              <a:gd name="connsiteY4" fmla="*/ 377567 h 2128108"/>
+              <a:gd name="connsiteX5" fmla="*/ 466811 w 2835190"/>
+              <a:gd name="connsiteY5" fmla="*/ 0 h 2128108"/>
+              <a:gd name="connsiteX6" fmla="*/ 1187622 w 2835190"/>
+              <a:gd name="connsiteY6" fmla="*/ 1393567 h 2128108"/>
+              <a:gd name="connsiteX0" fmla="*/ 995406 w 2642974"/>
+              <a:gd name="connsiteY0" fmla="*/ 1393567 h 2128108"/>
+              <a:gd name="connsiteX1" fmla="*/ 2588055 w 2642974"/>
+              <a:gd name="connsiteY1" fmla="*/ 1002270 h 2128108"/>
+              <a:gd name="connsiteX2" fmla="*/ 2642974 w 2642974"/>
+              <a:gd name="connsiteY2" fmla="*/ 1530864 h 2128108"/>
+              <a:gd name="connsiteX3" fmla="*/ 734541 w 2642974"/>
+              <a:gd name="connsiteY3" fmla="*/ 2128108 h 2128108"/>
+              <a:gd name="connsiteX4" fmla="*/ 0 w 2642974"/>
+              <a:gd name="connsiteY4" fmla="*/ 761999 h 2128108"/>
+              <a:gd name="connsiteX5" fmla="*/ 274595 w 2642974"/>
+              <a:gd name="connsiteY5" fmla="*/ 0 h 2128108"/>
+              <a:gd name="connsiteX6" fmla="*/ 995406 w 2642974"/>
+              <a:gd name="connsiteY6" fmla="*/ 1393567 h 2128108"/>
+              <a:gd name="connsiteX0" fmla="*/ 995406 w 2642974"/>
+              <a:gd name="connsiteY0" fmla="*/ 967945 h 1702486"/>
+              <a:gd name="connsiteX1" fmla="*/ 2588055 w 2642974"/>
+              <a:gd name="connsiteY1" fmla="*/ 576648 h 1702486"/>
+              <a:gd name="connsiteX2" fmla="*/ 2642974 w 2642974"/>
+              <a:gd name="connsiteY2" fmla="*/ 1105242 h 1702486"/>
+              <a:gd name="connsiteX3" fmla="*/ 734541 w 2642974"/>
+              <a:gd name="connsiteY3" fmla="*/ 1702486 h 1702486"/>
+              <a:gd name="connsiteX4" fmla="*/ 0 w 2642974"/>
+              <a:gd name="connsiteY4" fmla="*/ 336377 h 1702486"/>
+              <a:gd name="connsiteX5" fmla="*/ 453081 w 2642974"/>
+              <a:gd name="connsiteY5" fmla="*/ 0 h 1702486"/>
+              <a:gd name="connsiteX6" fmla="*/ 995406 w 2642974"/>
+              <a:gd name="connsiteY6" fmla="*/ 967945 h 1702486"/>
+              <a:gd name="connsiteX0" fmla="*/ 995406 w 2588055"/>
+              <a:gd name="connsiteY0" fmla="*/ 967945 h 1702486"/>
+              <a:gd name="connsiteX1" fmla="*/ 2588055 w 2588055"/>
+              <a:gd name="connsiteY1" fmla="*/ 576648 h 1702486"/>
+              <a:gd name="connsiteX2" fmla="*/ 1937266 w 2588055"/>
+              <a:gd name="connsiteY2" fmla="*/ 1319970 h 1702486"/>
+              <a:gd name="connsiteX3" fmla="*/ 734541 w 2588055"/>
+              <a:gd name="connsiteY3" fmla="*/ 1702486 h 1702486"/>
+              <a:gd name="connsiteX4" fmla="*/ 0 w 2588055"/>
+              <a:gd name="connsiteY4" fmla="*/ 336377 h 1702486"/>
+              <a:gd name="connsiteX5" fmla="*/ 453081 w 2588055"/>
+              <a:gd name="connsiteY5" fmla="*/ 0 h 1702486"/>
+              <a:gd name="connsiteX6" fmla="*/ 995406 w 2588055"/>
+              <a:gd name="connsiteY6" fmla="*/ 967945 h 1702486"/>
+              <a:gd name="connsiteX0" fmla="*/ 1064851 w 2657500"/>
+              <a:gd name="connsiteY0" fmla="*/ 967945 h 1702486"/>
+              <a:gd name="connsiteX1" fmla="*/ 2657500 w 2657500"/>
+              <a:gd name="connsiteY1" fmla="*/ 576648 h 1702486"/>
+              <a:gd name="connsiteX2" fmla="*/ 2006711 w 2657500"/>
+              <a:gd name="connsiteY2" fmla="*/ 1319970 h 1702486"/>
+              <a:gd name="connsiteX3" fmla="*/ 803986 w 2657500"/>
+              <a:gd name="connsiteY3" fmla="*/ 1702486 h 1702486"/>
+              <a:gd name="connsiteX4" fmla="*/ 0 w 2657500"/>
+              <a:gd name="connsiteY4" fmla="*/ 52055 h 1702486"/>
+              <a:gd name="connsiteX5" fmla="*/ 522526 w 2657500"/>
+              <a:gd name="connsiteY5" fmla="*/ 0 h 1702486"/>
+              <a:gd name="connsiteX6" fmla="*/ 1064851 w 2657500"/>
+              <a:gd name="connsiteY6" fmla="*/ 967945 h 1702486"/>
+              <a:gd name="connsiteX0" fmla="*/ 1064851 w 2508326"/>
+              <a:gd name="connsiteY0" fmla="*/ 967945 h 1702486"/>
+              <a:gd name="connsiteX1" fmla="*/ 2508325 w 2508326"/>
+              <a:gd name="connsiteY1" fmla="*/ 632085 h 1702486"/>
+              <a:gd name="connsiteX2" fmla="*/ 2006711 w 2508326"/>
+              <a:gd name="connsiteY2" fmla="*/ 1319970 h 1702486"/>
+              <a:gd name="connsiteX3" fmla="*/ 803986 w 2508326"/>
+              <a:gd name="connsiteY3" fmla="*/ 1702486 h 1702486"/>
+              <a:gd name="connsiteX4" fmla="*/ 0 w 2508326"/>
+              <a:gd name="connsiteY4" fmla="*/ 52055 h 1702486"/>
+              <a:gd name="connsiteX5" fmla="*/ 522526 w 2508326"/>
+              <a:gd name="connsiteY5" fmla="*/ 0 h 1702486"/>
+              <a:gd name="connsiteX6" fmla="*/ 1064851 w 2508326"/>
+              <a:gd name="connsiteY6" fmla="*/ 967945 h 1702486"/>
+              <a:gd name="connsiteX0" fmla="*/ 1064851 w 2508325"/>
+              <a:gd name="connsiteY0" fmla="*/ 967945 h 1465993"/>
+              <a:gd name="connsiteX1" fmla="*/ 2508325 w 2508325"/>
+              <a:gd name="connsiteY1" fmla="*/ 632085 h 1465993"/>
+              <a:gd name="connsiteX2" fmla="*/ 2006711 w 2508325"/>
+              <a:gd name="connsiteY2" fmla="*/ 1319970 h 1465993"/>
+              <a:gd name="connsiteX3" fmla="*/ 867765 w 2508325"/>
+              <a:gd name="connsiteY3" fmla="*/ 1465993 h 1465993"/>
+              <a:gd name="connsiteX4" fmla="*/ 0 w 2508325"/>
+              <a:gd name="connsiteY4" fmla="*/ 52055 h 1465993"/>
+              <a:gd name="connsiteX5" fmla="*/ 522526 w 2508325"/>
+              <a:gd name="connsiteY5" fmla="*/ 0 h 1465993"/>
+              <a:gd name="connsiteX6" fmla="*/ 1064851 w 2508325"/>
+              <a:gd name="connsiteY6" fmla="*/ 967945 h 1465993"/>
+            </a:gdLst>
+            <a:ahLst/>
+            <a:cxnLst>
+              <a:cxn ang="0">
+                <a:pos x="connsiteX0" y="connsiteY0"/>
+              </a:cxn>
+              <a:cxn ang="0">
+                <a:pos x="connsiteX1" y="connsiteY1"/>
+              </a:cxn>
+              <a:cxn ang="0">
+                <a:pos x="connsiteX2" y="connsiteY2"/>
+              </a:cxn>
+              <a:cxn ang="0">
+                <a:pos x="connsiteX3" y="connsiteY3"/>
+              </a:cxn>
+              <a:cxn ang="0">
+                <a:pos x="connsiteX4" y="connsiteY4"/>
+              </a:cxn>
+              <a:cxn ang="0">
+                <a:pos x="connsiteX5" y="connsiteY5"/>
+              </a:cxn>
+              <a:cxn ang="0">
+                <a:pos x="connsiteX6" y="connsiteY6"/>
+              </a:cxn>
+            </a:cxnLst>
+            <a:rect l="l" t="t" r="r" b="b"/>
+            <a:pathLst>
+              <a:path w="2508325" h="1465993">
+                <a:moveTo>
+                  <a:pt x="1064851" y="967945"/>
+                </a:moveTo>
+                <a:lnTo>
+                  <a:pt x="2508325" y="632085"/>
+                </a:lnTo>
+                <a:lnTo>
+                  <a:pt x="2006711" y="1319970"/>
+                </a:lnTo>
+                <a:lnTo>
+                  <a:pt x="867765" y="1465993"/>
+                </a:lnTo>
+                <a:lnTo>
+                  <a:pt x="0" y="52055"/>
+                </a:lnTo>
+                <a:lnTo>
+                  <a:pt x="522526" y="0"/>
+                </a:lnTo>
+                <a:lnTo>
+                  <a:pt x="1064851" y="967945"/>
+                </a:lnTo>
+                <a:close/>
+              </a:path>
+            </a:pathLst>
+          </a:custGeom>
+          <a:gradFill flip="none" rotWithShape="1">
+            <a:gsLst>
+              <a:gs pos="0">
+                <a:schemeClr val="accent1">
+                  <a:tint val="100000"/>
+                  <a:shade val="100000"/>
+                  <a:satMod val="130000"/>
+                  <a:alpha val="15000"/>
+                </a:schemeClr>
+              </a:gs>
+              <a:gs pos="100000">
+                <a:schemeClr val="accent1">
+                  <a:tint val="50000"/>
+                  <a:shade val="100000"/>
+                  <a:satMod val="350000"/>
+                  <a:alpha val="15000"/>
+                </a:schemeClr>
+              </a:gs>
+            </a:gsLst>
+            <a:lin ang="16200000" scaled="0"/>
+            <a:tileRect/>
+          </a:gradFill>
+        </p:spPr>
+        <p:style>
+          <a:lnRef idx="1">
+            <a:schemeClr val="accent1"/>
+          </a:lnRef>
+          <a:fillRef idx="3">
+            <a:schemeClr val="accent1"/>
+          </a:fillRef>
+          <a:effectRef idx="2">
+            <a:schemeClr val="accent1"/>
+          </a:effectRef>
+          <a:fontRef idx="minor">
+            <a:schemeClr val="lt1"/>
+          </a:fontRef>
+        </p:style>
+        <p:txBody>
+          <a:bodyPr rtlCol="0" anchor="ctr"/>
+          <a:lstStyle/>
+          <a:p>
+            <a:pPr algn="ctr"/>
+            <a:endParaRPr lang="en-US"/>
+          </a:p>
+        </p:txBody>
+      </p:sp>
+      <p:sp>
+        <p:nvSpPr>
+          <p:cNvPr id="25" name="Oval 24"/>
+          <p:cNvSpPr/>
+          <p:nvPr/>
+        </p:nvSpPr>
+        <p:spPr>
+          <a:xfrm rot="19635414">
+            <a:off x="6914648" y="2362018"/>
+            <a:ext cx="47554" cy="47554"/>
+          </a:xfrm>
+          <a:prstGeom prst="ellipse">
+            <a:avLst/>
+          </a:prstGeom>
+        </p:spPr>
+        <p:style>
+          <a:lnRef idx="2">
+            <a:schemeClr val="dk1">
+              <a:shade val="50000"/>
+            </a:schemeClr>
+          </a:lnRef>
+          <a:fillRef idx="1">
+            <a:schemeClr val="dk1"/>
+          </a:fillRef>
+          <a:effectRef idx="0">
+            <a:schemeClr val="dk1"/>
+          </a:effectRef>
+          <a:fontRef idx="minor">
+            <a:schemeClr val="lt1"/>
+          </a:fontRef>
+        </p:style>
+        <p:txBody>
+          <a:bodyPr rtlCol="0" anchor="ctr"/>
+          <a:lstStyle/>
+          <a:p>
+            <a:pPr algn="ctr"/>
+            <a:endParaRPr lang="en-US"/>
+          </a:p>
+        </p:txBody>
+      </p:sp>
+      <p:cxnSp>
+        <p:nvCxnSpPr>
+          <p:cNvPr id="26" name="Straight Arrow Connector 25"/>
+          <p:cNvCxnSpPr/>
+          <p:nvPr/>
+        </p:nvCxnSpPr>
+        <p:spPr>
+          <a:xfrm rot="19635414" flipH="1" flipV="1">
+            <a:off x="6491066" y="1973134"/>
+            <a:ext cx="328699" cy="543329"/>
+          </a:xfrm>
+          <a:prstGeom prst="straightConnector1">
+            <a:avLst/>
+          </a:prstGeom>
+          <a:ln w="28575" cmpd="sng">
+            <a:tailEnd type="arrow"/>
+          </a:ln>
+          <a:effectLst/>
+        </p:spPr>
+        <p:style>
+          <a:lnRef idx="2">
+            <a:schemeClr val="dk1"/>
+          </a:lnRef>
+          <a:fillRef idx="0">
+            <a:schemeClr val="dk1"/>
+          </a:fillRef>
+          <a:effectRef idx="1">
+            <a:schemeClr val="dk1"/>
+          </a:effectRef>
+          <a:fontRef idx="minor">
+            <a:schemeClr val="tx1"/>
+          </a:fontRef>
+        </p:style>
+      </p:cxnSp>
+      <p:sp>
+        <p:nvSpPr>
+          <p:cNvPr id="27" name="Rectangle 26"/>
+          <p:cNvSpPr/>
+          <p:nvPr/>
+        </p:nvSpPr>
+        <p:spPr>
+          <a:xfrm rot="18723378">
+            <a:off x="6973213" y="2311054"/>
+            <a:ext cx="125907" cy="125907"/>
+          </a:xfrm>
+          <a:prstGeom prst="rect">
+            <a:avLst/>
+          </a:prstGeom>
+          <a:ln w="12700" cmpd="sng"/>
+        </p:spPr>
+        <p:style>
+          <a:lnRef idx="2">
+            <a:schemeClr val="dk1"/>
+          </a:lnRef>
+          <a:fillRef idx="1">
+            <a:schemeClr val="lt1"/>
+          </a:fillRef>
+          <a:effectRef idx="0">
+            <a:schemeClr val="dk1"/>
+          </a:effectRef>
+          <a:fontRef idx="minor">
+            <a:schemeClr val="dk1"/>
+          </a:fontRef>
+        </p:style>
+        <p:txBody>
+          <a:bodyPr rtlCol="0" anchor="ctr"/>
+          <a:lstStyle/>
+          <a:p>
+            <a:pPr algn="ctr"/>
+            <a:endParaRPr lang="en-US"/>
+          </a:p>
+        </p:txBody>
+      </p:sp>
+      <p:cxnSp>
+        <p:nvCxnSpPr>
+          <p:cNvPr id="28" name="Straight Arrow Connector 27"/>
+          <p:cNvCxnSpPr>
+            <a:stCxn id="24" idx="0"/>
+          </p:cNvCxnSpPr>
+          <p:nvPr/>
+        </p:nvCxnSpPr>
+        <p:spPr>
+          <a:xfrm flipV="1">
+            <a:off x="6928686" y="1959372"/>
+            <a:ext cx="413013" cy="435934"/>
+          </a:xfrm>
+          <a:prstGeom prst="straightConnector1">
+            <a:avLst/>
+          </a:prstGeom>
+          <a:ln w="28575" cmpd="sng">
+            <a:tailEnd type="arrow"/>
+          </a:ln>
+          <a:effectLst/>
+        </p:spPr>
+        <p:style>
+          <a:lnRef idx="2">
+            <a:schemeClr val="dk1"/>
+          </a:lnRef>
+          <a:fillRef idx="0">
+            <a:schemeClr val="dk1"/>
+          </a:fillRef>
+          <a:effectRef idx="1">
+            <a:schemeClr val="dk1"/>
+          </a:effectRef>
+          <a:fontRef idx="minor">
+            <a:schemeClr val="tx1"/>
+          </a:fontRef>
+        </p:style>
+      </p:cxnSp>
+      <p:sp>
+        <p:nvSpPr>
+          <p:cNvPr id="29" name="Rectangle 28"/>
+          <p:cNvSpPr/>
+          <p:nvPr/>
+        </p:nvSpPr>
+        <p:spPr>
+          <a:xfrm rot="17844090">
+            <a:off x="6788968" y="2352167"/>
+            <a:ext cx="121079" cy="121079"/>
+          </a:xfrm>
+          <a:prstGeom prst="rect">
+            <a:avLst/>
+          </a:prstGeom>
+          <a:ln w="12700" cmpd="sng"/>
+        </p:spPr>
+        <p:style>
+          <a:lnRef idx="2">
+            <a:schemeClr val="dk1"/>
+          </a:lnRef>
+          <a:fillRef idx="1">
+            <a:schemeClr val="lt1"/>
+          </a:fillRef>
+          <a:effectRef idx="0">
+            <a:schemeClr val="dk1"/>
+          </a:effectRef>
+          <a:fontRef idx="minor">
+            <a:schemeClr val="dk1"/>
+          </a:fontRef>
+        </p:style>
+        <p:txBody>
+          <a:bodyPr rtlCol="0" anchor="ctr"/>
+          <a:lstStyle/>
+          <a:p>
+            <a:pPr algn="ctr"/>
+            <a:endParaRPr lang="en-US"/>
+          </a:p>
+        </p:txBody>
+      </p:sp>
+      <p:cxnSp>
+        <p:nvCxnSpPr>
+          <p:cNvPr id="30" name="Straight Arrow Connector 29"/>
+          <p:cNvCxnSpPr/>
+          <p:nvPr/>
+        </p:nvCxnSpPr>
+        <p:spPr>
+          <a:xfrm rot="19635414">
+            <a:off x="7085373" y="2307221"/>
+            <a:ext cx="163266" cy="556685"/>
+          </a:xfrm>
+          <a:prstGeom prst="straightConnector1">
+            <a:avLst/>
+          </a:prstGeom>
+          <a:ln w="28575" cmpd="sng">
+            <a:tailEnd type="arrow"/>
+          </a:ln>
+          <a:effectLst/>
+        </p:spPr>
+        <p:style>
+          <a:lnRef idx="2">
+            <a:schemeClr val="dk1"/>
+          </a:lnRef>
+          <a:fillRef idx="0">
+            <a:schemeClr val="dk1"/>
+          </a:fillRef>
+          <a:effectRef idx="1">
+            <a:schemeClr val="dk1"/>
+          </a:effectRef>
+          <a:fontRef idx="minor">
+            <a:schemeClr val="tx1"/>
+          </a:fontRef>
+        </p:style>
+      </p:cxnSp>
+      <p:cxnSp>
+        <p:nvCxnSpPr>
+          <p:cNvPr id="31" name="Straight Arrow Connector 30"/>
+          <p:cNvCxnSpPr/>
+          <p:nvPr/>
+        </p:nvCxnSpPr>
+        <p:spPr>
+          <a:xfrm rot="19635414" flipH="1">
+            <a:off x="6587556" y="2481804"/>
+            <a:ext cx="442769" cy="209285"/>
+          </a:xfrm>
+          <a:prstGeom prst="straightConnector1">
+            <a:avLst/>
+          </a:prstGeom>
+          <a:ln w="28575" cmpd="sng">
+            <a:tailEnd type="arrow"/>
+          </a:ln>
+          <a:effectLst/>
+        </p:spPr>
+        <p:style>
+          <a:lnRef idx="2">
+            <a:schemeClr val="dk1"/>
+          </a:lnRef>
+          <a:fillRef idx="0">
+            <a:schemeClr val="dk1"/>
+          </a:fillRef>
+          <a:effectRef idx="1">
+            <a:schemeClr val="dk1"/>
+          </a:effectRef>
+          <a:fontRef idx="minor">
+            <a:schemeClr val="tx1"/>
+          </a:fontRef>
+        </p:style>
+      </p:cxnSp>
+      <p:sp>
+        <p:nvSpPr>
+          <p:cNvPr id="32" name="TextBox 31"/>
+          <p:cNvSpPr txBox="1"/>
+          <p:nvPr/>
+        </p:nvSpPr>
+        <p:spPr>
+          <a:xfrm>
+            <a:off x="6517124" y="1175533"/>
+            <a:ext cx="776882" cy="461665"/>
+          </a:xfrm>
+          <a:prstGeom prst="rect">
+            <a:avLst/>
+          </a:prstGeom>
+          <a:noFill/>
+        </p:spPr>
+        <p:txBody>
+          <a:bodyPr wrap="square" rtlCol="0">
+            <a:spAutoFit/>
+          </a:bodyPr>
+          <a:lstStyle/>
+          <a:p>
+            <a:r>
+              <a:rPr lang="en-US" sz="2400" dirty="0" smtClean="0"/>
+              <a:t>V</a:t>
+            </a:r>
+            <a:r>
+              <a:rPr lang="en-US" sz="2400" baseline="30000" dirty="0" smtClean="0"/>
+              <a:t>2</a:t>
+            </a:r>
+            <a:endParaRPr lang="en-US" sz="2400" baseline="30000" dirty="0"/>
+          </a:p>
+        </p:txBody>
+      </p:sp>
+      <p:sp>
+        <p:nvSpPr>
+          <p:cNvPr id="33" name="TextBox 32"/>
+          <p:cNvSpPr txBox="1"/>
+          <p:nvPr/>
+        </p:nvSpPr>
+        <p:spPr>
+          <a:xfrm>
+            <a:off x="4090684" y="1106360"/>
+            <a:ext cx="776882" cy="461665"/>
+          </a:xfrm>
+          <a:prstGeom prst="rect">
+            <a:avLst/>
+          </a:prstGeom>
+          <a:noFill/>
+        </p:spPr>
+        <p:txBody>
+          <a:bodyPr wrap="square" rtlCol="0">
+            <a:spAutoFit/>
+          </a:bodyPr>
+          <a:lstStyle/>
+          <a:p>
+            <a:r>
+              <a:rPr lang="en-US" sz="2400" dirty="0" smtClean="0"/>
+              <a:t>V</a:t>
+            </a:r>
+            <a:r>
+              <a:rPr lang="en-US" sz="2400" baseline="-25000" dirty="0" smtClean="0"/>
+              <a:t>cc</a:t>
+            </a:r>
+            <a:endParaRPr lang="en-US" sz="2400" baseline="-25000" dirty="0"/>
+          </a:p>
+        </p:txBody>
+      </p:sp>
+    </p:spTree>
+    <p:extLst>
+      <p:ext uri="{BB962C8B-B14F-4D97-AF65-F5344CB8AC3E}">
+        <p14:creationId xmlns:p14="http://schemas.microsoft.com/office/powerpoint/2010/main" val="864952232"/>
+      </p:ext>
+    </p:extLst>
+  </p:cSld>
+  <p:clrMapOvr>
+    <a:masterClrMapping/>
+  </p:clrMapOvr>
+</p:sld>
+</file>
+
+<file path=ppt/slides/slide18.xml><?xml version="1.0" encoding="utf-8"?>
+<p:sld xmlns:a="http://schemas.openxmlformats.org/drawingml/2006/main" xmlns:r="http://schemas.openxmlformats.org/officeDocument/2006/relationships" xmlns:p="http://schemas.openxmlformats.org/presentationml/2006/main">
+  <p:cSld>
+    <p:spTree>
+      <p:nvGrpSpPr>
+        <p:cNvPr id="1" name=""/>
+        <p:cNvGrpSpPr/>
+        <p:nvPr/>
+      </p:nvGrpSpPr>
+      <p:grpSpPr>
+        <a:xfrm>
+          <a:off x="0" y="0"/>
+          <a:ext cx="0" cy="0"/>
+          <a:chOff x="0" y="0"/>
+          <a:chExt cx="0" cy="0"/>
+        </a:xfrm>
+      </p:grpSpPr>
+      <p:sp>
+        <p:nvSpPr>
+          <p:cNvPr id="4" name="Oval 3"/>
+          <p:cNvSpPr/>
+          <p:nvPr/>
+        </p:nvSpPr>
+        <p:spPr>
+          <a:xfrm>
+            <a:off x="1736810" y="1530863"/>
+            <a:ext cx="1475946" cy="1475946"/>
+          </a:xfrm>
+          <a:prstGeom prst="ellipse">
+            <a:avLst/>
+          </a:prstGeom>
+          <a:noFill/>
+        </p:spPr>
+        <p:style>
+          <a:lnRef idx="1">
+            <a:schemeClr val="accent1"/>
+          </a:lnRef>
+          <a:fillRef idx="3">
+            <a:schemeClr val="accent1"/>
+          </a:fillRef>
+          <a:effectRef idx="2">
+            <a:schemeClr val="accent1"/>
+          </a:effectRef>
+          <a:fontRef idx="minor">
+            <a:schemeClr val="lt1"/>
+          </a:fontRef>
+        </p:style>
+        <p:txBody>
+          <a:bodyPr rtlCol="0" anchor="ctr"/>
+          <a:lstStyle/>
+          <a:p>
+            <a:pPr algn="ctr"/>
+            <a:endParaRPr lang="en-US"/>
+          </a:p>
+        </p:txBody>
+      </p:sp>
+      <p:sp>
+        <p:nvSpPr>
+          <p:cNvPr id="5" name="TextBox 4"/>
+          <p:cNvSpPr txBox="1"/>
+          <p:nvPr/>
+        </p:nvSpPr>
+        <p:spPr>
+          <a:xfrm>
+            <a:off x="1705776" y="2929129"/>
+            <a:ext cx="1819858" cy="830997"/>
+          </a:xfrm>
+          <a:prstGeom prst="rect">
+            <a:avLst/>
+          </a:prstGeom>
+          <a:noFill/>
+        </p:spPr>
+        <p:txBody>
+          <a:bodyPr wrap="square" rtlCol="0">
+            <a:spAutoFit/>
+          </a:bodyPr>
+          <a:lstStyle/>
+          <a:p>
+            <a:r>
+              <a:rPr lang="en-US" sz="2400" dirty="0" smtClean="0"/>
+              <a:t>g</a:t>
+            </a:r>
+            <a:r>
+              <a:rPr lang="en-US" sz="2400" baseline="-25000" dirty="0" smtClean="0"/>
+              <a:t>start </a:t>
+            </a:r>
+            <a:r>
+              <a:rPr lang="en-US" sz="2400" dirty="0" smtClean="0"/>
+              <a:t>sample space</a:t>
+            </a:r>
+            <a:endParaRPr lang="en-US" sz="2400" dirty="0"/>
+          </a:p>
+        </p:txBody>
+      </p:sp>
+      <p:cxnSp>
+        <p:nvCxnSpPr>
+          <p:cNvPr id="6" name="Straight Arrow Connector 5"/>
+          <p:cNvCxnSpPr/>
+          <p:nvPr/>
+        </p:nvCxnSpPr>
+        <p:spPr>
+          <a:xfrm>
+            <a:off x="2443757" y="2264725"/>
+            <a:ext cx="224845" cy="736092"/>
+          </a:xfrm>
+          <a:prstGeom prst="straightConnector1">
+            <a:avLst/>
+          </a:prstGeom>
+          <a:ln w="28575" cmpd="sng">
+            <a:tailEnd type="arrow"/>
+          </a:ln>
+          <a:effectLst/>
+        </p:spPr>
+        <p:style>
+          <a:lnRef idx="2">
+            <a:schemeClr val="dk1"/>
+          </a:lnRef>
+          <a:fillRef idx="0">
+            <a:schemeClr val="dk1"/>
+          </a:fillRef>
+          <a:effectRef idx="1">
+            <a:schemeClr val="dk1"/>
+          </a:effectRef>
+          <a:fontRef idx="minor">
+            <a:schemeClr val="tx1"/>
+          </a:fontRef>
+        </p:style>
+      </p:cxnSp>
+      <p:cxnSp>
+        <p:nvCxnSpPr>
+          <p:cNvPr id="7" name="Straight Arrow Connector 6"/>
+          <p:cNvCxnSpPr/>
+          <p:nvPr/>
+        </p:nvCxnSpPr>
+        <p:spPr>
+          <a:xfrm flipH="1">
+            <a:off x="1819189" y="2274066"/>
+            <a:ext cx="631433" cy="375772"/>
+          </a:xfrm>
+          <a:prstGeom prst="straightConnector1">
+            <a:avLst/>
+          </a:prstGeom>
+          <a:ln w="28575" cmpd="sng">
+            <a:solidFill>
+              <a:srgbClr val="A6A6A6"/>
+            </a:solidFill>
+            <a:prstDash val="dash"/>
+            <a:tailEnd type="arrow"/>
+          </a:ln>
+          <a:effectLst/>
+        </p:spPr>
+        <p:style>
+          <a:lnRef idx="2">
+            <a:schemeClr val="dk1"/>
+          </a:lnRef>
+          <a:fillRef idx="0">
+            <a:schemeClr val="dk1"/>
+          </a:fillRef>
+          <a:effectRef idx="1">
+            <a:schemeClr val="dk1"/>
+          </a:effectRef>
+          <a:fontRef idx="minor">
+            <a:schemeClr val="tx1"/>
+          </a:fontRef>
+        </p:style>
+      </p:cxnSp>
+      <p:sp>
+        <p:nvSpPr>
+          <p:cNvPr id="8" name="Oval 7"/>
+          <p:cNvSpPr/>
+          <p:nvPr/>
+        </p:nvSpPr>
+        <p:spPr>
+          <a:xfrm>
+            <a:off x="2412026" y="2253470"/>
+            <a:ext cx="65289" cy="65289"/>
+          </a:xfrm>
+          <a:prstGeom prst="ellipse">
+            <a:avLst/>
+          </a:prstGeom>
+        </p:spPr>
+        <p:style>
+          <a:lnRef idx="2">
+            <a:schemeClr val="dk1">
+              <a:shade val="50000"/>
+            </a:schemeClr>
+          </a:lnRef>
+          <a:fillRef idx="1">
+            <a:schemeClr val="dk1"/>
+          </a:fillRef>
+          <a:effectRef idx="0">
+            <a:schemeClr val="dk1"/>
+          </a:effectRef>
+          <a:fontRef idx="minor">
+            <a:schemeClr val="lt1"/>
+          </a:fontRef>
+        </p:style>
+        <p:txBody>
+          <a:bodyPr rtlCol="0" anchor="ctr"/>
+          <a:lstStyle/>
+          <a:p>
+            <a:pPr algn="ctr"/>
+            <a:endParaRPr lang="en-US"/>
+          </a:p>
+        </p:txBody>
+      </p:sp>
+      <p:cxnSp>
+        <p:nvCxnSpPr>
+          <p:cNvPr id="11" name="Straight Arrow Connector 10"/>
+          <p:cNvCxnSpPr/>
+          <p:nvPr/>
+        </p:nvCxnSpPr>
+        <p:spPr>
+          <a:xfrm rot="19527167">
+            <a:off x="2637215" y="2162468"/>
+            <a:ext cx="224845" cy="736092"/>
+          </a:xfrm>
+          <a:prstGeom prst="straightConnector1">
+            <a:avLst/>
+          </a:prstGeom>
+          <a:ln w="28575" cmpd="sng">
+            <a:solidFill>
+              <a:schemeClr val="bg1">
+                <a:lumMod val="65000"/>
+              </a:schemeClr>
+            </a:solidFill>
+            <a:prstDash val="dash"/>
+            <a:tailEnd type="arrow"/>
+          </a:ln>
+          <a:effectLst/>
+        </p:spPr>
+        <p:style>
+          <a:lnRef idx="2">
+            <a:schemeClr val="dk1"/>
+          </a:lnRef>
+          <a:fillRef idx="0">
+            <a:schemeClr val="dk1"/>
+          </a:fillRef>
+          <a:effectRef idx="1">
+            <a:schemeClr val="dk1"/>
+          </a:effectRef>
+          <a:fontRef idx="minor">
+            <a:schemeClr val="tx1"/>
+          </a:fontRef>
+        </p:style>
+      </p:cxnSp>
+      <p:cxnSp>
+        <p:nvCxnSpPr>
+          <p:cNvPr id="12" name="Straight Arrow Connector 11"/>
+          <p:cNvCxnSpPr/>
+          <p:nvPr/>
+        </p:nvCxnSpPr>
+        <p:spPr>
+          <a:xfrm rot="19527167" flipH="1">
+            <a:off x="1990066" y="2440829"/>
+            <a:ext cx="631433" cy="375772"/>
+          </a:xfrm>
+          <a:prstGeom prst="straightConnector1">
+            <a:avLst/>
+          </a:prstGeom>
+          <a:ln w="28575" cmpd="sng">
+            <a:tailEnd type="arrow"/>
+          </a:ln>
+          <a:effectLst/>
+        </p:spPr>
+        <p:style>
+          <a:lnRef idx="2">
+            <a:schemeClr val="dk1"/>
+          </a:lnRef>
+          <a:fillRef idx="0">
+            <a:schemeClr val="dk1"/>
+          </a:fillRef>
+          <a:effectRef idx="1">
+            <a:schemeClr val="dk1"/>
+          </a:effectRef>
+          <a:fontRef idx="minor">
+            <a:schemeClr val="tx1"/>
+          </a:fontRef>
+        </p:style>
+      </p:cxnSp>
+      <p:sp>
+        <p:nvSpPr>
+          <p:cNvPr id="13" name="Oval 12"/>
+          <p:cNvSpPr/>
+          <p:nvPr/>
+        </p:nvSpPr>
+        <p:spPr>
+          <a:xfrm rot="19527167">
+            <a:off x="2428563" y="2275577"/>
+            <a:ext cx="65289" cy="65289"/>
+          </a:xfrm>
+          <a:prstGeom prst="ellipse">
+            <a:avLst/>
+          </a:prstGeom>
+        </p:spPr>
+        <p:style>
+          <a:lnRef idx="2">
+            <a:schemeClr val="dk1">
+              <a:shade val="50000"/>
+            </a:schemeClr>
+          </a:lnRef>
+          <a:fillRef idx="1">
+            <a:schemeClr val="dk1"/>
+          </a:fillRef>
+          <a:effectRef idx="0">
+            <a:schemeClr val="dk1"/>
+          </a:effectRef>
+          <a:fontRef idx="minor">
+            <a:schemeClr val="lt1"/>
+          </a:fontRef>
+        </p:style>
+        <p:txBody>
+          <a:bodyPr rtlCol="0" anchor="ctr"/>
+          <a:lstStyle/>
+          <a:p>
+            <a:pPr algn="ctr"/>
+            <a:endParaRPr lang="en-US"/>
+          </a:p>
+        </p:txBody>
+      </p:sp>
+      <p:sp>
+        <p:nvSpPr>
+          <p:cNvPr id="14" name="TextBox 13"/>
+          <p:cNvSpPr txBox="1"/>
+          <p:nvPr/>
+        </p:nvSpPr>
+        <p:spPr>
+          <a:xfrm>
+            <a:off x="4085102" y="1106816"/>
+            <a:ext cx="776882" cy="461665"/>
+          </a:xfrm>
+          <a:prstGeom prst="rect">
+            <a:avLst/>
+          </a:prstGeom>
+          <a:noFill/>
+        </p:spPr>
+        <p:txBody>
+          <a:bodyPr wrap="square" rtlCol="0">
+            <a:spAutoFit/>
+          </a:bodyPr>
+          <a:lstStyle/>
+          <a:p>
+            <a:r>
+              <a:rPr lang="en-US" sz="2400" dirty="0" smtClean="0"/>
+              <a:t>V</a:t>
+            </a:r>
+            <a:r>
+              <a:rPr lang="en-US" sz="2400" baseline="30000" dirty="0" smtClean="0"/>
+              <a:t>1</a:t>
+            </a:r>
+            <a:endParaRPr lang="en-US" sz="2400" baseline="30000" dirty="0"/>
+          </a:p>
+        </p:txBody>
+      </p:sp>
+      <p:sp>
+        <p:nvSpPr>
+          <p:cNvPr id="15" name="Freeform 14"/>
+          <p:cNvSpPr/>
+          <p:nvPr/>
+        </p:nvSpPr>
+        <p:spPr>
+          <a:xfrm>
+            <a:off x="3525634" y="1646753"/>
+            <a:ext cx="2041108" cy="1314791"/>
+          </a:xfrm>
+          <a:custGeom>
+            <a:avLst/>
+            <a:gdLst>
+              <a:gd name="connsiteX0" fmla="*/ 1187622 w 2917568"/>
+              <a:gd name="connsiteY0" fmla="*/ 1393567 h 2128108"/>
+              <a:gd name="connsiteX1" fmla="*/ 2780271 w 2917568"/>
+              <a:gd name="connsiteY1" fmla="*/ 1002270 h 2128108"/>
+              <a:gd name="connsiteX2" fmla="*/ 2917568 w 2917568"/>
+              <a:gd name="connsiteY2" fmla="*/ 1729945 h 2128108"/>
+              <a:gd name="connsiteX3" fmla="*/ 926757 w 2917568"/>
+              <a:gd name="connsiteY3" fmla="*/ 2128108 h 2128108"/>
+              <a:gd name="connsiteX4" fmla="*/ 0 w 2917568"/>
+              <a:gd name="connsiteY4" fmla="*/ 377567 h 2128108"/>
+              <a:gd name="connsiteX5" fmla="*/ 466811 w 2917568"/>
+              <a:gd name="connsiteY5" fmla="*/ 0 h 2128108"/>
+              <a:gd name="connsiteX6" fmla="*/ 1187622 w 2917568"/>
+              <a:gd name="connsiteY6" fmla="*/ 1393567 h 2128108"/>
+              <a:gd name="connsiteX0" fmla="*/ 1187622 w 2835190"/>
+              <a:gd name="connsiteY0" fmla="*/ 1393567 h 2128108"/>
+              <a:gd name="connsiteX1" fmla="*/ 2780271 w 2835190"/>
+              <a:gd name="connsiteY1" fmla="*/ 1002270 h 2128108"/>
+              <a:gd name="connsiteX2" fmla="*/ 2835190 w 2835190"/>
+              <a:gd name="connsiteY2" fmla="*/ 1530864 h 2128108"/>
+              <a:gd name="connsiteX3" fmla="*/ 926757 w 2835190"/>
+              <a:gd name="connsiteY3" fmla="*/ 2128108 h 2128108"/>
+              <a:gd name="connsiteX4" fmla="*/ 0 w 2835190"/>
+              <a:gd name="connsiteY4" fmla="*/ 377567 h 2128108"/>
+              <a:gd name="connsiteX5" fmla="*/ 466811 w 2835190"/>
+              <a:gd name="connsiteY5" fmla="*/ 0 h 2128108"/>
+              <a:gd name="connsiteX6" fmla="*/ 1187622 w 2835190"/>
+              <a:gd name="connsiteY6" fmla="*/ 1393567 h 2128108"/>
+              <a:gd name="connsiteX0" fmla="*/ 995406 w 2642974"/>
+              <a:gd name="connsiteY0" fmla="*/ 1393567 h 2128108"/>
+              <a:gd name="connsiteX1" fmla="*/ 2588055 w 2642974"/>
+              <a:gd name="connsiteY1" fmla="*/ 1002270 h 2128108"/>
+              <a:gd name="connsiteX2" fmla="*/ 2642974 w 2642974"/>
+              <a:gd name="connsiteY2" fmla="*/ 1530864 h 2128108"/>
+              <a:gd name="connsiteX3" fmla="*/ 734541 w 2642974"/>
+              <a:gd name="connsiteY3" fmla="*/ 2128108 h 2128108"/>
+              <a:gd name="connsiteX4" fmla="*/ 0 w 2642974"/>
+              <a:gd name="connsiteY4" fmla="*/ 761999 h 2128108"/>
+              <a:gd name="connsiteX5" fmla="*/ 274595 w 2642974"/>
+              <a:gd name="connsiteY5" fmla="*/ 0 h 2128108"/>
+              <a:gd name="connsiteX6" fmla="*/ 995406 w 2642974"/>
+              <a:gd name="connsiteY6" fmla="*/ 1393567 h 2128108"/>
+              <a:gd name="connsiteX0" fmla="*/ 995406 w 2642974"/>
+              <a:gd name="connsiteY0" fmla="*/ 967945 h 1702486"/>
+              <a:gd name="connsiteX1" fmla="*/ 2588055 w 2642974"/>
+              <a:gd name="connsiteY1" fmla="*/ 576648 h 1702486"/>
+              <a:gd name="connsiteX2" fmla="*/ 2642974 w 2642974"/>
+              <a:gd name="connsiteY2" fmla="*/ 1105242 h 1702486"/>
+              <a:gd name="connsiteX3" fmla="*/ 734541 w 2642974"/>
+              <a:gd name="connsiteY3" fmla="*/ 1702486 h 1702486"/>
+              <a:gd name="connsiteX4" fmla="*/ 0 w 2642974"/>
+              <a:gd name="connsiteY4" fmla="*/ 336377 h 1702486"/>
+              <a:gd name="connsiteX5" fmla="*/ 453081 w 2642974"/>
+              <a:gd name="connsiteY5" fmla="*/ 0 h 1702486"/>
+              <a:gd name="connsiteX6" fmla="*/ 995406 w 2642974"/>
+              <a:gd name="connsiteY6" fmla="*/ 967945 h 1702486"/>
+            </a:gdLst>
+            <a:ahLst/>
+            <a:cxnLst>
+              <a:cxn ang="0">
+                <a:pos x="connsiteX0" y="connsiteY0"/>
+              </a:cxn>
+              <a:cxn ang="0">
+                <a:pos x="connsiteX1" y="connsiteY1"/>
+              </a:cxn>
+              <a:cxn ang="0">
+                <a:pos x="connsiteX2" y="connsiteY2"/>
+              </a:cxn>
+              <a:cxn ang="0">
+                <a:pos x="connsiteX3" y="connsiteY3"/>
+              </a:cxn>
+              <a:cxn ang="0">
+                <a:pos x="connsiteX4" y="connsiteY4"/>
+              </a:cxn>
+              <a:cxn ang="0">
+                <a:pos x="connsiteX5" y="connsiteY5"/>
+              </a:cxn>
+              <a:cxn ang="0">
+                <a:pos x="connsiteX6" y="connsiteY6"/>
+              </a:cxn>
+            </a:cxnLst>
+            <a:rect l="l" t="t" r="r" b="b"/>
+            <a:pathLst>
+              <a:path w="2642974" h="1702486">
+                <a:moveTo>
+                  <a:pt x="995406" y="967945"/>
+                </a:moveTo>
+                <a:lnTo>
+                  <a:pt x="2588055" y="576648"/>
+                </a:lnTo>
+                <a:lnTo>
+                  <a:pt x="2642974" y="1105242"/>
+                </a:lnTo>
+                <a:lnTo>
+                  <a:pt x="734541" y="1702486"/>
+                </a:lnTo>
+                <a:lnTo>
+                  <a:pt x="0" y="336377"/>
+                </a:lnTo>
+                <a:lnTo>
+                  <a:pt x="453081" y="0"/>
+                </a:lnTo>
+                <a:lnTo>
+                  <a:pt x="995406" y="967945"/>
+                </a:lnTo>
+                <a:close/>
+              </a:path>
+            </a:pathLst>
+          </a:custGeom>
+          <a:gradFill flip="none" rotWithShape="1">
+            <a:gsLst>
+              <a:gs pos="0">
+                <a:schemeClr val="accent1">
+                  <a:tint val="100000"/>
+                  <a:shade val="100000"/>
+                  <a:satMod val="130000"/>
+                  <a:alpha val="15000"/>
+                </a:schemeClr>
+              </a:gs>
+              <a:gs pos="100000">
+                <a:schemeClr val="accent1">
+                  <a:tint val="50000"/>
+                  <a:shade val="100000"/>
+                  <a:satMod val="350000"/>
+                  <a:alpha val="15000"/>
+                </a:schemeClr>
+              </a:gs>
+            </a:gsLst>
+            <a:lin ang="16200000" scaled="0"/>
+            <a:tileRect/>
+          </a:gradFill>
+        </p:spPr>
+        <p:style>
+          <a:lnRef idx="1">
+            <a:schemeClr val="accent1"/>
+          </a:lnRef>
+          <a:fillRef idx="3">
+            <a:schemeClr val="accent1"/>
+          </a:fillRef>
+          <a:effectRef idx="2">
+            <a:schemeClr val="accent1"/>
+          </a:effectRef>
+          <a:fontRef idx="minor">
+            <a:schemeClr val="lt1"/>
+          </a:fontRef>
+        </p:style>
+        <p:txBody>
+          <a:bodyPr rtlCol="0" anchor="ctr"/>
+          <a:lstStyle/>
+          <a:p>
+            <a:pPr algn="ctr"/>
+            <a:endParaRPr lang="en-US"/>
+          </a:p>
+        </p:txBody>
+      </p:sp>
+      <p:sp>
+        <p:nvSpPr>
+          <p:cNvPr id="16" name="Oval 15"/>
+          <p:cNvSpPr/>
+          <p:nvPr/>
+        </p:nvSpPr>
+        <p:spPr>
+          <a:xfrm>
+            <a:off x="4283922" y="2367766"/>
+            <a:ext cx="47554" cy="47554"/>
+          </a:xfrm>
+          <a:prstGeom prst="ellipse">
+            <a:avLst/>
+          </a:prstGeom>
+        </p:spPr>
+        <p:style>
+          <a:lnRef idx="2">
+            <a:schemeClr val="dk1">
+              <a:shade val="50000"/>
+            </a:schemeClr>
+          </a:lnRef>
+          <a:fillRef idx="1">
+            <a:schemeClr val="dk1"/>
+          </a:fillRef>
+          <a:effectRef idx="0">
+            <a:schemeClr val="dk1"/>
+          </a:effectRef>
+          <a:fontRef idx="minor">
+            <a:schemeClr val="lt1"/>
+          </a:fontRef>
+        </p:style>
+        <p:txBody>
+          <a:bodyPr rtlCol="0" anchor="ctr"/>
+          <a:lstStyle/>
+          <a:p>
+            <a:pPr algn="ctr"/>
+            <a:endParaRPr lang="en-US"/>
+          </a:p>
+        </p:txBody>
+      </p:sp>
+      <p:cxnSp>
+        <p:nvCxnSpPr>
+          <p:cNvPr id="17" name="Straight Arrow Connector 16"/>
+          <p:cNvCxnSpPr/>
+          <p:nvPr/>
+        </p:nvCxnSpPr>
+        <p:spPr>
+          <a:xfrm flipH="1" flipV="1">
+            <a:off x="3981570" y="1848213"/>
+            <a:ext cx="328699" cy="543329"/>
+          </a:xfrm>
+          <a:prstGeom prst="straightConnector1">
+            <a:avLst/>
+          </a:prstGeom>
+          <a:ln w="28575" cmpd="sng">
+            <a:tailEnd type="arrow"/>
+          </a:ln>
+          <a:effectLst/>
+        </p:spPr>
+        <p:style>
+          <a:lnRef idx="2">
+            <a:schemeClr val="dk1"/>
+          </a:lnRef>
+          <a:fillRef idx="0">
+            <a:schemeClr val="dk1"/>
+          </a:fillRef>
+          <a:effectRef idx="1">
+            <a:schemeClr val="dk1"/>
+          </a:effectRef>
+          <a:fontRef idx="minor">
+            <a:schemeClr val="tx1"/>
+          </a:fontRef>
+        </p:style>
+      </p:cxnSp>
+      <p:sp>
+        <p:nvSpPr>
+          <p:cNvPr id="18" name="Rectangle 17"/>
+          <p:cNvSpPr/>
+          <p:nvPr/>
+        </p:nvSpPr>
+        <p:spPr>
+          <a:xfrm rot="20687964">
+            <a:off x="4333332" y="2371540"/>
+            <a:ext cx="125907" cy="125907"/>
+          </a:xfrm>
+          <a:prstGeom prst="rect">
+            <a:avLst/>
+          </a:prstGeom>
+          <a:ln w="12700" cmpd="sng"/>
+        </p:spPr>
+        <p:style>
+          <a:lnRef idx="2">
+            <a:schemeClr val="dk1"/>
+          </a:lnRef>
+          <a:fillRef idx="1">
+            <a:schemeClr val="lt1"/>
+          </a:fillRef>
+          <a:effectRef idx="0">
+            <a:schemeClr val="dk1"/>
+          </a:effectRef>
+          <a:fontRef idx="minor">
+            <a:schemeClr val="dk1"/>
+          </a:fontRef>
+        </p:style>
+        <p:txBody>
+          <a:bodyPr rtlCol="0" anchor="ctr"/>
+          <a:lstStyle/>
+          <a:p>
+            <a:pPr algn="ctr"/>
+            <a:endParaRPr lang="en-US"/>
+          </a:p>
+        </p:txBody>
+      </p:sp>
+      <p:cxnSp>
+        <p:nvCxnSpPr>
+          <p:cNvPr id="19" name="Straight Arrow Connector 18"/>
+          <p:cNvCxnSpPr>
+            <a:stCxn id="15" idx="0"/>
+          </p:cNvCxnSpPr>
+          <p:nvPr/>
+        </p:nvCxnSpPr>
+        <p:spPr>
+          <a:xfrm flipV="1">
+            <a:off x="4294363" y="2250995"/>
+            <a:ext cx="583173" cy="143280"/>
+          </a:xfrm>
+          <a:prstGeom prst="straightConnector1">
+            <a:avLst/>
+          </a:prstGeom>
+          <a:ln w="28575" cmpd="sng">
+            <a:tailEnd type="arrow"/>
+          </a:ln>
+          <a:effectLst/>
+        </p:spPr>
+        <p:style>
+          <a:lnRef idx="2">
+            <a:schemeClr val="dk1"/>
+          </a:lnRef>
+          <a:fillRef idx="0">
+            <a:schemeClr val="dk1"/>
+          </a:fillRef>
+          <a:effectRef idx="1">
+            <a:schemeClr val="dk1"/>
+          </a:effectRef>
+          <a:fontRef idx="minor">
+            <a:schemeClr val="tx1"/>
+          </a:fontRef>
+        </p:style>
+      </p:cxnSp>
+      <p:sp>
+        <p:nvSpPr>
+          <p:cNvPr id="20" name="Rectangle 19"/>
+          <p:cNvSpPr/>
+          <p:nvPr/>
+        </p:nvSpPr>
+        <p:spPr>
+          <a:xfrm rot="19808676">
+            <a:off x="4157815" y="2305545"/>
+            <a:ext cx="121079" cy="121079"/>
+          </a:xfrm>
+          <a:prstGeom prst="rect">
+            <a:avLst/>
+          </a:prstGeom>
+          <a:ln w="12700" cmpd="sng"/>
+        </p:spPr>
+        <p:style>
+          <a:lnRef idx="2">
+            <a:schemeClr val="dk1"/>
+          </a:lnRef>
+          <a:fillRef idx="1">
+            <a:schemeClr val="lt1"/>
+          </a:fillRef>
+          <a:effectRef idx="0">
+            <a:schemeClr val="dk1"/>
+          </a:effectRef>
+          <a:fontRef idx="minor">
+            <a:schemeClr val="dk1"/>
+          </a:fontRef>
+        </p:style>
+        <p:txBody>
+          <a:bodyPr rtlCol="0" anchor="ctr"/>
+          <a:lstStyle/>
+          <a:p>
+            <a:pPr algn="ctr"/>
+            <a:endParaRPr lang="en-US"/>
+          </a:p>
+        </p:txBody>
+      </p:sp>
+      <p:cxnSp>
+        <p:nvCxnSpPr>
+          <p:cNvPr id="21" name="Straight Arrow Connector 20"/>
+          <p:cNvCxnSpPr/>
+          <p:nvPr/>
+        </p:nvCxnSpPr>
+        <p:spPr>
+          <a:xfrm>
+            <a:off x="4310277" y="2404859"/>
+            <a:ext cx="163266" cy="556685"/>
+          </a:xfrm>
+          <a:prstGeom prst="straightConnector1">
+            <a:avLst/>
+          </a:prstGeom>
+          <a:ln w="28575" cmpd="sng">
+            <a:tailEnd type="arrow"/>
+          </a:ln>
+          <a:effectLst/>
+        </p:spPr>
+        <p:style>
+          <a:lnRef idx="2">
+            <a:schemeClr val="dk1"/>
+          </a:lnRef>
+          <a:fillRef idx="0">
+            <a:schemeClr val="dk1"/>
+          </a:fillRef>
+          <a:effectRef idx="1">
+            <a:schemeClr val="dk1"/>
+          </a:effectRef>
+          <a:fontRef idx="minor">
+            <a:schemeClr val="tx1"/>
+          </a:fontRef>
+        </p:style>
+      </p:cxnSp>
+      <p:cxnSp>
+        <p:nvCxnSpPr>
+          <p:cNvPr id="22" name="Straight Arrow Connector 21"/>
+          <p:cNvCxnSpPr/>
+          <p:nvPr/>
+        </p:nvCxnSpPr>
+        <p:spPr>
+          <a:xfrm flipH="1">
+            <a:off x="3868878" y="2385634"/>
+            <a:ext cx="442769" cy="209285"/>
+          </a:xfrm>
+          <a:prstGeom prst="straightConnector1">
+            <a:avLst/>
+          </a:prstGeom>
+          <a:ln w="28575" cmpd="sng">
+            <a:tailEnd type="arrow"/>
+          </a:ln>
+          <a:effectLst/>
+        </p:spPr>
+        <p:style>
+          <a:lnRef idx="2">
+            <a:schemeClr val="dk1"/>
+          </a:lnRef>
+          <a:fillRef idx="0">
+            <a:schemeClr val="dk1"/>
+          </a:fillRef>
+          <a:effectRef idx="1">
+            <a:schemeClr val="dk1"/>
+          </a:effectRef>
+          <a:fontRef idx="minor">
+            <a:schemeClr val="tx1"/>
+          </a:fontRef>
+        </p:style>
+      </p:cxnSp>
+      <p:sp>
+        <p:nvSpPr>
+          <p:cNvPr id="23" name="TextBox 22"/>
+          <p:cNvSpPr txBox="1"/>
+          <p:nvPr/>
+        </p:nvSpPr>
+        <p:spPr>
+          <a:xfrm>
+            <a:off x="6522706" y="1175077"/>
+            <a:ext cx="776882" cy="461665"/>
+          </a:xfrm>
+          <a:prstGeom prst="rect">
+            <a:avLst/>
+          </a:prstGeom>
+          <a:noFill/>
+        </p:spPr>
+        <p:txBody>
+          <a:bodyPr wrap="square" rtlCol="0">
+            <a:spAutoFit/>
+          </a:bodyPr>
+          <a:lstStyle/>
+          <a:p>
+            <a:r>
+              <a:rPr lang="en-US" sz="2400" dirty="0" smtClean="0"/>
+              <a:t>V</a:t>
+            </a:r>
+            <a:r>
+              <a:rPr lang="en-US" sz="2400" baseline="-25000" dirty="0" smtClean="0"/>
+              <a:t>cc</a:t>
+            </a:r>
+            <a:endParaRPr lang="en-US" sz="2400" baseline="-25000" dirty="0"/>
+          </a:p>
+        </p:txBody>
+      </p:sp>
+      <p:sp>
+        <p:nvSpPr>
+          <p:cNvPr id="24" name="Freeform 23"/>
+          <p:cNvSpPr/>
+          <p:nvPr/>
+        </p:nvSpPr>
+        <p:spPr>
+          <a:xfrm rot="19635414">
+            <a:off x="5984956" y="1597539"/>
+            <a:ext cx="1937121" cy="1132153"/>
+          </a:xfrm>
+          <a:custGeom>
+            <a:avLst/>
+            <a:gdLst>
+              <a:gd name="connsiteX0" fmla="*/ 1187622 w 2917568"/>
+              <a:gd name="connsiteY0" fmla="*/ 1393567 h 2128108"/>
+              <a:gd name="connsiteX1" fmla="*/ 2780271 w 2917568"/>
+              <a:gd name="connsiteY1" fmla="*/ 1002270 h 2128108"/>
+              <a:gd name="connsiteX2" fmla="*/ 2917568 w 2917568"/>
+              <a:gd name="connsiteY2" fmla="*/ 1729945 h 2128108"/>
+              <a:gd name="connsiteX3" fmla="*/ 926757 w 2917568"/>
+              <a:gd name="connsiteY3" fmla="*/ 2128108 h 2128108"/>
+              <a:gd name="connsiteX4" fmla="*/ 0 w 2917568"/>
+              <a:gd name="connsiteY4" fmla="*/ 377567 h 2128108"/>
+              <a:gd name="connsiteX5" fmla="*/ 466811 w 2917568"/>
+              <a:gd name="connsiteY5" fmla="*/ 0 h 2128108"/>
+              <a:gd name="connsiteX6" fmla="*/ 1187622 w 2917568"/>
+              <a:gd name="connsiteY6" fmla="*/ 1393567 h 2128108"/>
+              <a:gd name="connsiteX0" fmla="*/ 1187622 w 2835190"/>
+              <a:gd name="connsiteY0" fmla="*/ 1393567 h 2128108"/>
+              <a:gd name="connsiteX1" fmla="*/ 2780271 w 2835190"/>
+              <a:gd name="connsiteY1" fmla="*/ 1002270 h 2128108"/>
+              <a:gd name="connsiteX2" fmla="*/ 2835190 w 2835190"/>
+              <a:gd name="connsiteY2" fmla="*/ 1530864 h 2128108"/>
+              <a:gd name="connsiteX3" fmla="*/ 926757 w 2835190"/>
+              <a:gd name="connsiteY3" fmla="*/ 2128108 h 2128108"/>
+              <a:gd name="connsiteX4" fmla="*/ 0 w 2835190"/>
+              <a:gd name="connsiteY4" fmla="*/ 377567 h 2128108"/>
+              <a:gd name="connsiteX5" fmla="*/ 466811 w 2835190"/>
+              <a:gd name="connsiteY5" fmla="*/ 0 h 2128108"/>
+              <a:gd name="connsiteX6" fmla="*/ 1187622 w 2835190"/>
+              <a:gd name="connsiteY6" fmla="*/ 1393567 h 2128108"/>
+              <a:gd name="connsiteX0" fmla="*/ 995406 w 2642974"/>
+              <a:gd name="connsiteY0" fmla="*/ 1393567 h 2128108"/>
+              <a:gd name="connsiteX1" fmla="*/ 2588055 w 2642974"/>
+              <a:gd name="connsiteY1" fmla="*/ 1002270 h 2128108"/>
+              <a:gd name="connsiteX2" fmla="*/ 2642974 w 2642974"/>
+              <a:gd name="connsiteY2" fmla="*/ 1530864 h 2128108"/>
+              <a:gd name="connsiteX3" fmla="*/ 734541 w 2642974"/>
+              <a:gd name="connsiteY3" fmla="*/ 2128108 h 2128108"/>
+              <a:gd name="connsiteX4" fmla="*/ 0 w 2642974"/>
+              <a:gd name="connsiteY4" fmla="*/ 761999 h 2128108"/>
+              <a:gd name="connsiteX5" fmla="*/ 274595 w 2642974"/>
+              <a:gd name="connsiteY5" fmla="*/ 0 h 2128108"/>
+              <a:gd name="connsiteX6" fmla="*/ 995406 w 2642974"/>
+              <a:gd name="connsiteY6" fmla="*/ 1393567 h 2128108"/>
+              <a:gd name="connsiteX0" fmla="*/ 995406 w 2642974"/>
+              <a:gd name="connsiteY0" fmla="*/ 967945 h 1702486"/>
+              <a:gd name="connsiteX1" fmla="*/ 2588055 w 2642974"/>
+              <a:gd name="connsiteY1" fmla="*/ 576648 h 1702486"/>
+              <a:gd name="connsiteX2" fmla="*/ 2642974 w 2642974"/>
+              <a:gd name="connsiteY2" fmla="*/ 1105242 h 1702486"/>
+              <a:gd name="connsiteX3" fmla="*/ 734541 w 2642974"/>
+              <a:gd name="connsiteY3" fmla="*/ 1702486 h 1702486"/>
+              <a:gd name="connsiteX4" fmla="*/ 0 w 2642974"/>
+              <a:gd name="connsiteY4" fmla="*/ 336377 h 1702486"/>
+              <a:gd name="connsiteX5" fmla="*/ 453081 w 2642974"/>
+              <a:gd name="connsiteY5" fmla="*/ 0 h 1702486"/>
+              <a:gd name="connsiteX6" fmla="*/ 995406 w 2642974"/>
+              <a:gd name="connsiteY6" fmla="*/ 967945 h 1702486"/>
+              <a:gd name="connsiteX0" fmla="*/ 995406 w 2588055"/>
+              <a:gd name="connsiteY0" fmla="*/ 967945 h 1702486"/>
+              <a:gd name="connsiteX1" fmla="*/ 2588055 w 2588055"/>
+              <a:gd name="connsiteY1" fmla="*/ 576648 h 1702486"/>
+              <a:gd name="connsiteX2" fmla="*/ 1937266 w 2588055"/>
+              <a:gd name="connsiteY2" fmla="*/ 1319970 h 1702486"/>
+              <a:gd name="connsiteX3" fmla="*/ 734541 w 2588055"/>
+              <a:gd name="connsiteY3" fmla="*/ 1702486 h 1702486"/>
+              <a:gd name="connsiteX4" fmla="*/ 0 w 2588055"/>
+              <a:gd name="connsiteY4" fmla="*/ 336377 h 1702486"/>
+              <a:gd name="connsiteX5" fmla="*/ 453081 w 2588055"/>
+              <a:gd name="connsiteY5" fmla="*/ 0 h 1702486"/>
+              <a:gd name="connsiteX6" fmla="*/ 995406 w 2588055"/>
+              <a:gd name="connsiteY6" fmla="*/ 967945 h 1702486"/>
+              <a:gd name="connsiteX0" fmla="*/ 1064851 w 2657500"/>
+              <a:gd name="connsiteY0" fmla="*/ 967945 h 1702486"/>
+              <a:gd name="connsiteX1" fmla="*/ 2657500 w 2657500"/>
+              <a:gd name="connsiteY1" fmla="*/ 576648 h 1702486"/>
+              <a:gd name="connsiteX2" fmla="*/ 2006711 w 2657500"/>
+              <a:gd name="connsiteY2" fmla="*/ 1319970 h 1702486"/>
+              <a:gd name="connsiteX3" fmla="*/ 803986 w 2657500"/>
+              <a:gd name="connsiteY3" fmla="*/ 1702486 h 1702486"/>
+              <a:gd name="connsiteX4" fmla="*/ 0 w 2657500"/>
+              <a:gd name="connsiteY4" fmla="*/ 52055 h 1702486"/>
+              <a:gd name="connsiteX5" fmla="*/ 522526 w 2657500"/>
+              <a:gd name="connsiteY5" fmla="*/ 0 h 1702486"/>
+              <a:gd name="connsiteX6" fmla="*/ 1064851 w 2657500"/>
+              <a:gd name="connsiteY6" fmla="*/ 967945 h 1702486"/>
+              <a:gd name="connsiteX0" fmla="*/ 1064851 w 2508326"/>
+              <a:gd name="connsiteY0" fmla="*/ 967945 h 1702486"/>
+              <a:gd name="connsiteX1" fmla="*/ 2508325 w 2508326"/>
+              <a:gd name="connsiteY1" fmla="*/ 632085 h 1702486"/>
+              <a:gd name="connsiteX2" fmla="*/ 2006711 w 2508326"/>
+              <a:gd name="connsiteY2" fmla="*/ 1319970 h 1702486"/>
+              <a:gd name="connsiteX3" fmla="*/ 803986 w 2508326"/>
+              <a:gd name="connsiteY3" fmla="*/ 1702486 h 1702486"/>
+              <a:gd name="connsiteX4" fmla="*/ 0 w 2508326"/>
+              <a:gd name="connsiteY4" fmla="*/ 52055 h 1702486"/>
+              <a:gd name="connsiteX5" fmla="*/ 522526 w 2508326"/>
+              <a:gd name="connsiteY5" fmla="*/ 0 h 1702486"/>
+              <a:gd name="connsiteX6" fmla="*/ 1064851 w 2508326"/>
+              <a:gd name="connsiteY6" fmla="*/ 967945 h 1702486"/>
+              <a:gd name="connsiteX0" fmla="*/ 1064851 w 2508325"/>
+              <a:gd name="connsiteY0" fmla="*/ 967945 h 1465993"/>
+              <a:gd name="connsiteX1" fmla="*/ 2508325 w 2508325"/>
+              <a:gd name="connsiteY1" fmla="*/ 632085 h 1465993"/>
+              <a:gd name="connsiteX2" fmla="*/ 2006711 w 2508325"/>
+              <a:gd name="connsiteY2" fmla="*/ 1319970 h 1465993"/>
+              <a:gd name="connsiteX3" fmla="*/ 867765 w 2508325"/>
+              <a:gd name="connsiteY3" fmla="*/ 1465993 h 1465993"/>
+              <a:gd name="connsiteX4" fmla="*/ 0 w 2508325"/>
+              <a:gd name="connsiteY4" fmla="*/ 52055 h 1465993"/>
+              <a:gd name="connsiteX5" fmla="*/ 522526 w 2508325"/>
+              <a:gd name="connsiteY5" fmla="*/ 0 h 1465993"/>
+              <a:gd name="connsiteX6" fmla="*/ 1064851 w 2508325"/>
+              <a:gd name="connsiteY6" fmla="*/ 967945 h 1465993"/>
+            </a:gdLst>
+            <a:ahLst/>
+            <a:cxnLst>
+              <a:cxn ang="0">
+                <a:pos x="connsiteX0" y="connsiteY0"/>
+              </a:cxn>
+              <a:cxn ang="0">
+                <a:pos x="connsiteX1" y="connsiteY1"/>
+              </a:cxn>
+              <a:cxn ang="0">
+                <a:pos x="connsiteX2" y="connsiteY2"/>
+              </a:cxn>
+              <a:cxn ang="0">
+                <a:pos x="connsiteX3" y="connsiteY3"/>
+              </a:cxn>
+              <a:cxn ang="0">
+                <a:pos x="connsiteX4" y="connsiteY4"/>
+              </a:cxn>
+              <a:cxn ang="0">
+                <a:pos x="connsiteX5" y="connsiteY5"/>
+              </a:cxn>
+              <a:cxn ang="0">
+                <a:pos x="connsiteX6" y="connsiteY6"/>
+              </a:cxn>
+            </a:cxnLst>
+            <a:rect l="l" t="t" r="r" b="b"/>
+            <a:pathLst>
+              <a:path w="2508325" h="1465993">
+                <a:moveTo>
+                  <a:pt x="1064851" y="967945"/>
+                </a:moveTo>
+                <a:lnTo>
+                  <a:pt x="2508325" y="632085"/>
+                </a:lnTo>
+                <a:lnTo>
+                  <a:pt x="2006711" y="1319970"/>
+                </a:lnTo>
+                <a:lnTo>
+                  <a:pt x="867765" y="1465993"/>
+                </a:lnTo>
+                <a:lnTo>
+                  <a:pt x="0" y="52055"/>
+                </a:lnTo>
+                <a:lnTo>
+                  <a:pt x="522526" y="0"/>
+                </a:lnTo>
+                <a:lnTo>
+                  <a:pt x="1064851" y="967945"/>
+                </a:lnTo>
+                <a:close/>
+              </a:path>
+            </a:pathLst>
+          </a:custGeom>
+          <a:gradFill flip="none" rotWithShape="1">
+            <a:gsLst>
+              <a:gs pos="0">
+                <a:schemeClr val="accent1">
+                  <a:tint val="100000"/>
+                  <a:shade val="100000"/>
+                  <a:satMod val="130000"/>
+                  <a:alpha val="15000"/>
+                </a:schemeClr>
+              </a:gs>
+              <a:gs pos="100000">
+                <a:schemeClr val="accent1">
+                  <a:tint val="50000"/>
+                  <a:shade val="100000"/>
+                  <a:satMod val="350000"/>
+                  <a:alpha val="15000"/>
+                </a:schemeClr>
+              </a:gs>
+            </a:gsLst>
+            <a:lin ang="16200000" scaled="0"/>
+            <a:tileRect/>
+          </a:gradFill>
+        </p:spPr>
+        <p:style>
+          <a:lnRef idx="1">
+            <a:schemeClr val="accent1"/>
+          </a:lnRef>
+          <a:fillRef idx="3">
+            <a:schemeClr val="accent1"/>
+          </a:fillRef>
+          <a:effectRef idx="2">
+            <a:schemeClr val="accent1"/>
+          </a:effectRef>
+          <a:fontRef idx="minor">
+            <a:schemeClr val="lt1"/>
+          </a:fontRef>
+        </p:style>
+        <p:txBody>
+          <a:bodyPr rtlCol="0" anchor="ctr"/>
+          <a:lstStyle/>
+          <a:p>
+            <a:pPr algn="ctr"/>
+            <a:endParaRPr lang="en-US"/>
+          </a:p>
+        </p:txBody>
+      </p:sp>
+      <p:sp>
+        <p:nvSpPr>
+          <p:cNvPr id="25" name="Oval 24"/>
+          <p:cNvSpPr/>
+          <p:nvPr/>
+        </p:nvSpPr>
+        <p:spPr>
+          <a:xfrm rot="19635414">
+            <a:off x="6914648" y="2362018"/>
+            <a:ext cx="47554" cy="47554"/>
+          </a:xfrm>
+          <a:prstGeom prst="ellipse">
+            <a:avLst/>
+          </a:prstGeom>
+        </p:spPr>
+        <p:style>
+          <a:lnRef idx="2">
+            <a:schemeClr val="dk1">
+              <a:shade val="50000"/>
+            </a:schemeClr>
+          </a:lnRef>
+          <a:fillRef idx="1">
+            <a:schemeClr val="dk1"/>
+          </a:fillRef>
+          <a:effectRef idx="0">
+            <a:schemeClr val="dk1"/>
+          </a:effectRef>
+          <a:fontRef idx="minor">
+            <a:schemeClr val="lt1"/>
+          </a:fontRef>
+        </p:style>
+        <p:txBody>
+          <a:bodyPr rtlCol="0" anchor="ctr"/>
+          <a:lstStyle/>
+          <a:p>
+            <a:pPr algn="ctr"/>
+            <a:endParaRPr lang="en-US"/>
+          </a:p>
+        </p:txBody>
+      </p:sp>
+      <p:cxnSp>
+        <p:nvCxnSpPr>
+          <p:cNvPr id="26" name="Straight Arrow Connector 25"/>
+          <p:cNvCxnSpPr/>
+          <p:nvPr/>
+        </p:nvCxnSpPr>
+        <p:spPr>
+          <a:xfrm rot="19635414" flipH="1" flipV="1">
+            <a:off x="6491066" y="1973134"/>
+            <a:ext cx="328699" cy="543329"/>
+          </a:xfrm>
+          <a:prstGeom prst="straightConnector1">
+            <a:avLst/>
+          </a:prstGeom>
+          <a:ln w="28575" cmpd="sng">
+            <a:tailEnd type="arrow"/>
+          </a:ln>
+          <a:effectLst/>
+        </p:spPr>
+        <p:style>
+          <a:lnRef idx="2">
+            <a:schemeClr val="dk1"/>
+          </a:lnRef>
+          <a:fillRef idx="0">
+            <a:schemeClr val="dk1"/>
+          </a:fillRef>
+          <a:effectRef idx="1">
+            <a:schemeClr val="dk1"/>
+          </a:effectRef>
+          <a:fontRef idx="minor">
+            <a:schemeClr val="tx1"/>
+          </a:fontRef>
+        </p:style>
+      </p:cxnSp>
+      <p:sp>
+        <p:nvSpPr>
+          <p:cNvPr id="27" name="Rectangle 26"/>
+          <p:cNvSpPr/>
+          <p:nvPr/>
+        </p:nvSpPr>
+        <p:spPr>
+          <a:xfrm rot="18723378">
+            <a:off x="6973213" y="2311054"/>
+            <a:ext cx="125907" cy="125907"/>
+          </a:xfrm>
+          <a:prstGeom prst="rect">
+            <a:avLst/>
+          </a:prstGeom>
+          <a:ln w="12700" cmpd="sng"/>
+        </p:spPr>
+        <p:style>
+          <a:lnRef idx="2">
+            <a:schemeClr val="dk1"/>
+          </a:lnRef>
+          <a:fillRef idx="1">
+            <a:schemeClr val="lt1"/>
+          </a:fillRef>
+          <a:effectRef idx="0">
+            <a:schemeClr val="dk1"/>
+          </a:effectRef>
+          <a:fontRef idx="minor">
+            <a:schemeClr val="dk1"/>
+          </a:fontRef>
+        </p:style>
+        <p:txBody>
+          <a:bodyPr rtlCol="0" anchor="ctr"/>
+          <a:lstStyle/>
+          <a:p>
+            <a:pPr algn="ctr"/>
+            <a:endParaRPr lang="en-US"/>
+          </a:p>
+        </p:txBody>
+      </p:sp>
+      <p:cxnSp>
+        <p:nvCxnSpPr>
+          <p:cNvPr id="28" name="Straight Arrow Connector 27"/>
+          <p:cNvCxnSpPr>
+            <a:stCxn id="24" idx="0"/>
+          </p:cNvCxnSpPr>
+          <p:nvPr/>
+        </p:nvCxnSpPr>
+        <p:spPr>
+          <a:xfrm flipV="1">
+            <a:off x="6928686" y="1959372"/>
+            <a:ext cx="413013" cy="435934"/>
+          </a:xfrm>
+          <a:prstGeom prst="straightConnector1">
+            <a:avLst/>
+          </a:prstGeom>
+          <a:ln w="28575" cmpd="sng">
+            <a:tailEnd type="arrow"/>
+          </a:ln>
+          <a:effectLst/>
+        </p:spPr>
+        <p:style>
+          <a:lnRef idx="2">
+            <a:schemeClr val="dk1"/>
+          </a:lnRef>
+          <a:fillRef idx="0">
+            <a:schemeClr val="dk1"/>
+          </a:fillRef>
+          <a:effectRef idx="1">
+            <a:schemeClr val="dk1"/>
+          </a:effectRef>
+          <a:fontRef idx="minor">
+            <a:schemeClr val="tx1"/>
+          </a:fontRef>
+        </p:style>
+      </p:cxnSp>
+      <p:sp>
+        <p:nvSpPr>
+          <p:cNvPr id="29" name="Rectangle 28"/>
+          <p:cNvSpPr/>
+          <p:nvPr/>
+        </p:nvSpPr>
+        <p:spPr>
+          <a:xfrm rot="17844090">
+            <a:off x="6788968" y="2352167"/>
+            <a:ext cx="121079" cy="121079"/>
+          </a:xfrm>
+          <a:prstGeom prst="rect">
+            <a:avLst/>
+          </a:prstGeom>
+          <a:ln w="12700" cmpd="sng"/>
+        </p:spPr>
+        <p:style>
+          <a:lnRef idx="2">
+            <a:schemeClr val="dk1"/>
+          </a:lnRef>
+          <a:fillRef idx="1">
+            <a:schemeClr val="lt1"/>
+          </a:fillRef>
+          <a:effectRef idx="0">
+            <a:schemeClr val="dk1"/>
+          </a:effectRef>
+          <a:fontRef idx="minor">
+            <a:schemeClr val="dk1"/>
+          </a:fontRef>
+        </p:style>
+        <p:txBody>
+          <a:bodyPr rtlCol="0" anchor="ctr"/>
+          <a:lstStyle/>
+          <a:p>
+            <a:pPr algn="ctr"/>
+            <a:endParaRPr lang="en-US"/>
+          </a:p>
+        </p:txBody>
+      </p:sp>
+      <p:cxnSp>
+        <p:nvCxnSpPr>
+          <p:cNvPr id="30" name="Straight Arrow Connector 29"/>
+          <p:cNvCxnSpPr/>
+          <p:nvPr/>
+        </p:nvCxnSpPr>
+        <p:spPr>
+          <a:xfrm rot="19635414">
+            <a:off x="7085373" y="2307221"/>
+            <a:ext cx="163266" cy="556685"/>
+          </a:xfrm>
+          <a:prstGeom prst="straightConnector1">
+            <a:avLst/>
+          </a:prstGeom>
+          <a:ln w="28575" cmpd="sng">
+            <a:tailEnd type="arrow"/>
+          </a:ln>
+          <a:effectLst/>
+        </p:spPr>
+        <p:style>
+          <a:lnRef idx="2">
+            <a:schemeClr val="dk1"/>
+          </a:lnRef>
+          <a:fillRef idx="0">
+            <a:schemeClr val="dk1"/>
+          </a:fillRef>
+          <a:effectRef idx="1">
+            <a:schemeClr val="dk1"/>
+          </a:effectRef>
+          <a:fontRef idx="minor">
+            <a:schemeClr val="tx1"/>
+          </a:fontRef>
+        </p:style>
+      </p:cxnSp>
+      <p:cxnSp>
+        <p:nvCxnSpPr>
+          <p:cNvPr id="31" name="Straight Arrow Connector 30"/>
+          <p:cNvCxnSpPr/>
+          <p:nvPr/>
+        </p:nvCxnSpPr>
+        <p:spPr>
+          <a:xfrm rot="19635414" flipH="1">
+            <a:off x="6587556" y="2481804"/>
+            <a:ext cx="442769" cy="209285"/>
+          </a:xfrm>
+          <a:prstGeom prst="straightConnector1">
+            <a:avLst/>
+          </a:prstGeom>
+          <a:ln w="28575" cmpd="sng">
+            <a:tailEnd type="arrow"/>
+          </a:ln>
+          <a:effectLst/>
+        </p:spPr>
+        <p:style>
+          <a:lnRef idx="2">
+            <a:schemeClr val="dk1"/>
+          </a:lnRef>
+          <a:fillRef idx="0">
+            <a:schemeClr val="dk1"/>
+          </a:fillRef>
+          <a:effectRef idx="1">
+            <a:schemeClr val="dk1"/>
+          </a:effectRef>
+          <a:fontRef idx="minor">
+            <a:schemeClr val="tx1"/>
+          </a:fontRef>
+        </p:style>
+      </p:cxnSp>
+      <p:sp>
+        <p:nvSpPr>
+          <p:cNvPr id="32" name="TextBox 31"/>
+          <p:cNvSpPr txBox="1"/>
+          <p:nvPr/>
+        </p:nvSpPr>
+        <p:spPr>
+          <a:xfrm>
+            <a:off x="6517124" y="1175533"/>
+            <a:ext cx="776882" cy="461665"/>
+          </a:xfrm>
+          <a:prstGeom prst="rect">
+            <a:avLst/>
+          </a:prstGeom>
+          <a:noFill/>
+        </p:spPr>
+        <p:txBody>
+          <a:bodyPr wrap="square" rtlCol="0">
+            <a:spAutoFit/>
+          </a:bodyPr>
+          <a:lstStyle/>
+          <a:p>
+            <a:r>
+              <a:rPr lang="en-US" sz="2400" dirty="0" smtClean="0"/>
+              <a:t>V</a:t>
+            </a:r>
+            <a:r>
+              <a:rPr lang="en-US" sz="2400" baseline="30000" dirty="0" smtClean="0"/>
+              <a:t>2</a:t>
+            </a:r>
+            <a:endParaRPr lang="en-US" sz="2400" baseline="30000" dirty="0"/>
+          </a:p>
+        </p:txBody>
+      </p:sp>
+      <p:sp>
+        <p:nvSpPr>
+          <p:cNvPr id="33" name="TextBox 32"/>
+          <p:cNvSpPr txBox="1"/>
+          <p:nvPr/>
+        </p:nvSpPr>
+        <p:spPr>
+          <a:xfrm>
+            <a:off x="4090684" y="1106360"/>
+            <a:ext cx="776882" cy="461665"/>
+          </a:xfrm>
+          <a:prstGeom prst="rect">
+            <a:avLst/>
+          </a:prstGeom>
+          <a:noFill/>
+        </p:spPr>
+        <p:txBody>
+          <a:bodyPr wrap="square" rtlCol="0">
+            <a:spAutoFit/>
+          </a:bodyPr>
+          <a:lstStyle/>
+          <a:p>
+            <a:r>
+              <a:rPr lang="en-US" sz="2400" dirty="0" smtClean="0"/>
+              <a:t>V</a:t>
+            </a:r>
+            <a:r>
+              <a:rPr lang="en-US" sz="2400" baseline="-25000" dirty="0" smtClean="0"/>
+              <a:t>cc</a:t>
+            </a:r>
+            <a:endParaRPr lang="en-US" sz="2400" baseline="-25000" dirty="0"/>
+          </a:p>
+        </p:txBody>
+      </p:sp>
+    </p:spTree>
+    <p:extLst>
+      <p:ext uri="{BB962C8B-B14F-4D97-AF65-F5344CB8AC3E}">
+        <p14:creationId xmlns:p14="http://schemas.microsoft.com/office/powerpoint/2010/main" val="655307860"/>
+      </p:ext>
+    </p:extLst>
+  </p:cSld>
+  <p:clrMapOvr>
+    <a:masterClrMapping/>
+  </p:clrMapOvr>
+</p:sld>
+</file>
+
+<file path=ppt/slides/slide19.xml><?xml version="1.0" encoding="utf-8"?>
+<p:sld xmlns:a="http://schemas.openxmlformats.org/drawingml/2006/main" xmlns:r="http://schemas.openxmlformats.org/officeDocument/2006/relationships" xmlns:p="http://schemas.openxmlformats.org/presentationml/2006/main">
+  <p:cSld>
+    <p:spTree>
+      <p:nvGrpSpPr>
+        <p:cNvPr id="1" name=""/>
+        <p:cNvGrpSpPr/>
+        <p:nvPr/>
+      </p:nvGrpSpPr>
+      <p:grpSpPr>
+        <a:xfrm>
+          <a:off x="0" y="0"/>
+          <a:ext cx="0" cy="0"/>
+          <a:chOff x="0" y="0"/>
+          <a:chExt cx="0" cy="0"/>
+        </a:xfrm>
+      </p:grpSpPr>
+      <p:sp>
+        <p:nvSpPr>
+          <p:cNvPr id="49" name="Block Arc 48"/>
+          <p:cNvSpPr/>
+          <p:nvPr/>
+        </p:nvSpPr>
+        <p:spPr>
+          <a:xfrm rot="11773174">
+            <a:off x="3543149" y="3744724"/>
+            <a:ext cx="1472184" cy="1472184"/>
+          </a:xfrm>
+          <a:prstGeom prst="blockArc">
+            <a:avLst>
+              <a:gd name="adj1" fmla="val 8808739"/>
+              <a:gd name="adj2" fmla="val 14204526"/>
+              <a:gd name="adj3" fmla="val 47367"/>
+            </a:avLst>
+          </a:prstGeom>
+        </p:spPr>
+        <p:style>
+          <a:lnRef idx="1">
+            <a:schemeClr val="accent1"/>
+          </a:lnRef>
+          <a:fillRef idx="3">
+            <a:schemeClr val="accent1"/>
+          </a:fillRef>
+          <a:effectRef idx="2">
+            <a:schemeClr val="accent1"/>
+          </a:effectRef>
+          <a:fontRef idx="minor">
+            <a:schemeClr val="lt1"/>
+          </a:fontRef>
+        </p:style>
+        <p:txBody>
+          <a:bodyPr rtlCol="0" anchor="ctr"/>
+          <a:lstStyle/>
+          <a:p>
+            <a:pPr algn="ctr"/>
+            <a:endParaRPr lang="en-US">
+              <a:solidFill>
+                <a:schemeClr val="tx1"/>
+              </a:solidFill>
+            </a:endParaRPr>
+          </a:p>
+        </p:txBody>
+      </p:sp>
+      <p:sp>
+        <p:nvSpPr>
+          <p:cNvPr id="48" name="Block Arc 47"/>
+          <p:cNvSpPr/>
+          <p:nvPr/>
+        </p:nvSpPr>
+        <p:spPr>
+          <a:xfrm rot="19668732">
+            <a:off x="3562823" y="3748010"/>
+            <a:ext cx="1472184" cy="1472184"/>
+          </a:xfrm>
+          <a:prstGeom prst="blockArc">
+            <a:avLst>
+              <a:gd name="adj1" fmla="val 8808739"/>
+              <a:gd name="adj2" fmla="val 14204526"/>
+              <a:gd name="adj3" fmla="val 47367"/>
+            </a:avLst>
+          </a:prstGeom>
+        </p:spPr>
+        <p:style>
+          <a:lnRef idx="1">
+            <a:schemeClr val="accent1"/>
+          </a:lnRef>
+          <a:fillRef idx="3">
+            <a:schemeClr val="accent1"/>
+          </a:fillRef>
+          <a:effectRef idx="2">
+            <a:schemeClr val="accent1"/>
+          </a:effectRef>
+          <a:fontRef idx="minor">
+            <a:schemeClr val="lt1"/>
+          </a:fontRef>
+        </p:style>
+        <p:txBody>
+          <a:bodyPr rtlCol="0" anchor="ctr"/>
+          <a:lstStyle/>
+          <a:p>
+            <a:pPr algn="ctr"/>
+            <a:endParaRPr lang="en-US">
+              <a:solidFill>
+                <a:schemeClr val="tx1"/>
+              </a:solidFill>
+            </a:endParaRPr>
+          </a:p>
+        </p:txBody>
+      </p:sp>
+      <p:sp>
+        <p:nvSpPr>
+          <p:cNvPr id="4" name="Oval 3"/>
+          <p:cNvSpPr/>
+          <p:nvPr/>
+        </p:nvSpPr>
+        <p:spPr>
+          <a:xfrm>
+            <a:off x="3525634" y="1489753"/>
+            <a:ext cx="1475946" cy="1475946"/>
+          </a:xfrm>
+          <a:prstGeom prst="ellipse">
+            <a:avLst/>
+          </a:prstGeom>
+          <a:noFill/>
+        </p:spPr>
+        <p:style>
+          <a:lnRef idx="1">
+            <a:schemeClr val="accent1"/>
+          </a:lnRef>
+          <a:fillRef idx="3">
+            <a:schemeClr val="accent1"/>
+          </a:fillRef>
+          <a:effectRef idx="2">
+            <a:schemeClr val="accent1"/>
+          </a:effectRef>
+          <a:fontRef idx="minor">
+            <a:schemeClr val="lt1"/>
+          </a:fontRef>
+        </p:style>
+        <p:txBody>
+          <a:bodyPr rtlCol="0" anchor="ctr"/>
+          <a:lstStyle/>
+          <a:p>
+            <a:pPr algn="ctr"/>
+            <a:endParaRPr lang="en-US"/>
+          </a:p>
+        </p:txBody>
+      </p:sp>
+      <p:sp>
+        <p:nvSpPr>
+          <p:cNvPr id="5" name="TextBox 4"/>
+          <p:cNvSpPr txBox="1"/>
+          <p:nvPr/>
+        </p:nvSpPr>
+        <p:spPr>
+          <a:xfrm>
+            <a:off x="3858169" y="2871377"/>
+            <a:ext cx="1819858" cy="461665"/>
+          </a:xfrm>
+          <a:prstGeom prst="rect">
+            <a:avLst/>
+          </a:prstGeom>
+          <a:noFill/>
+        </p:spPr>
+        <p:txBody>
+          <a:bodyPr wrap="square" rtlCol="0">
+            <a:spAutoFit/>
+          </a:bodyPr>
+          <a:lstStyle/>
+          <a:p>
+            <a:r>
+              <a:rPr lang="en-US" sz="2400" dirty="0" smtClean="0"/>
+              <a:t>g</a:t>
+            </a:r>
+            <a:r>
+              <a:rPr lang="en-US" sz="2400" baseline="-25000" dirty="0" smtClean="0"/>
+              <a:t>start</a:t>
+            </a:r>
+            <a:endParaRPr lang="en-US" sz="2400" dirty="0"/>
+          </a:p>
+        </p:txBody>
+      </p:sp>
+      <p:cxnSp>
+        <p:nvCxnSpPr>
+          <p:cNvPr id="6" name="Straight Arrow Connector 5"/>
+          <p:cNvCxnSpPr/>
+          <p:nvPr/>
+        </p:nvCxnSpPr>
+        <p:spPr>
+          <a:xfrm>
+            <a:off x="4232581" y="2223615"/>
+            <a:ext cx="224845" cy="736092"/>
+          </a:xfrm>
+          <a:prstGeom prst="straightConnector1">
+            <a:avLst/>
+          </a:prstGeom>
+          <a:ln w="28575" cmpd="sng">
+            <a:tailEnd type="arrow"/>
+          </a:ln>
+          <a:effectLst/>
+        </p:spPr>
+        <p:style>
+          <a:lnRef idx="2">
+            <a:schemeClr val="dk1"/>
+          </a:lnRef>
+          <a:fillRef idx="0">
+            <a:schemeClr val="dk1"/>
+          </a:fillRef>
+          <a:effectRef idx="1">
+            <a:schemeClr val="dk1"/>
+          </a:effectRef>
+          <a:fontRef idx="minor">
+            <a:schemeClr val="tx1"/>
+          </a:fontRef>
+        </p:style>
+      </p:cxnSp>
+      <p:cxnSp>
+        <p:nvCxnSpPr>
+          <p:cNvPr id="7" name="Straight Arrow Connector 6"/>
+          <p:cNvCxnSpPr/>
+          <p:nvPr/>
+        </p:nvCxnSpPr>
+        <p:spPr>
+          <a:xfrm flipH="1">
+            <a:off x="3608013" y="2232956"/>
+            <a:ext cx="631433" cy="375772"/>
+          </a:xfrm>
+          <a:prstGeom prst="straightConnector1">
+            <a:avLst/>
+          </a:prstGeom>
+          <a:ln w="28575" cmpd="sng">
+            <a:solidFill>
+              <a:srgbClr val="A6A6A6"/>
+            </a:solidFill>
+            <a:prstDash val="dash"/>
+            <a:tailEnd type="arrow"/>
+          </a:ln>
+          <a:effectLst/>
+        </p:spPr>
+        <p:style>
+          <a:lnRef idx="2">
+            <a:schemeClr val="dk1"/>
+          </a:lnRef>
+          <a:fillRef idx="0">
+            <a:schemeClr val="dk1"/>
+          </a:fillRef>
+          <a:effectRef idx="1">
+            <a:schemeClr val="dk1"/>
+          </a:effectRef>
+          <a:fontRef idx="minor">
+            <a:schemeClr val="tx1"/>
+          </a:fontRef>
+        </p:style>
+      </p:cxnSp>
+      <p:sp>
+        <p:nvSpPr>
+          <p:cNvPr id="8" name="Oval 7"/>
+          <p:cNvSpPr/>
+          <p:nvPr/>
+        </p:nvSpPr>
+        <p:spPr>
+          <a:xfrm>
+            <a:off x="4200850" y="2212360"/>
+            <a:ext cx="65289" cy="65289"/>
+          </a:xfrm>
+          <a:prstGeom prst="ellipse">
+            <a:avLst/>
+          </a:prstGeom>
+        </p:spPr>
+        <p:style>
+          <a:lnRef idx="2">
+            <a:schemeClr val="dk1">
+              <a:shade val="50000"/>
+            </a:schemeClr>
+          </a:lnRef>
+          <a:fillRef idx="1">
+            <a:schemeClr val="dk1"/>
+          </a:fillRef>
+          <a:effectRef idx="0">
+            <a:schemeClr val="dk1"/>
+          </a:effectRef>
+          <a:fontRef idx="minor">
+            <a:schemeClr val="lt1"/>
+          </a:fontRef>
+        </p:style>
+        <p:txBody>
+          <a:bodyPr rtlCol="0" anchor="ctr"/>
+          <a:lstStyle/>
+          <a:p>
+            <a:pPr algn="ctr"/>
+            <a:endParaRPr lang="en-US"/>
+          </a:p>
+        </p:txBody>
+      </p:sp>
+      <p:cxnSp>
+        <p:nvCxnSpPr>
+          <p:cNvPr id="11" name="Straight Arrow Connector 10"/>
+          <p:cNvCxnSpPr/>
+          <p:nvPr/>
+        </p:nvCxnSpPr>
+        <p:spPr>
+          <a:xfrm rot="19527167">
+            <a:off x="4426039" y="2121358"/>
+            <a:ext cx="224845" cy="736092"/>
+          </a:xfrm>
+          <a:prstGeom prst="straightConnector1">
+            <a:avLst/>
+          </a:prstGeom>
+          <a:ln w="28575" cmpd="sng">
+            <a:solidFill>
+              <a:schemeClr val="bg1">
+                <a:lumMod val="65000"/>
+              </a:schemeClr>
+            </a:solidFill>
+            <a:prstDash val="dash"/>
+            <a:tailEnd type="arrow"/>
+          </a:ln>
+          <a:effectLst/>
+        </p:spPr>
+        <p:style>
+          <a:lnRef idx="2">
+            <a:schemeClr val="dk1"/>
+          </a:lnRef>
+          <a:fillRef idx="0">
+            <a:schemeClr val="dk1"/>
+          </a:fillRef>
+          <a:effectRef idx="1">
+            <a:schemeClr val="dk1"/>
+          </a:effectRef>
+          <a:fontRef idx="minor">
+            <a:schemeClr val="tx1"/>
+          </a:fontRef>
+        </p:style>
+      </p:cxnSp>
+      <p:cxnSp>
+        <p:nvCxnSpPr>
+          <p:cNvPr id="12" name="Straight Arrow Connector 11"/>
+          <p:cNvCxnSpPr/>
+          <p:nvPr/>
+        </p:nvCxnSpPr>
+        <p:spPr>
+          <a:xfrm rot="19527167" flipH="1">
+            <a:off x="3778890" y="2399719"/>
+            <a:ext cx="631433" cy="375772"/>
+          </a:xfrm>
+          <a:prstGeom prst="straightConnector1">
+            <a:avLst/>
+          </a:prstGeom>
+          <a:ln w="28575" cmpd="sng">
+            <a:tailEnd type="arrow"/>
+          </a:ln>
+          <a:effectLst/>
+        </p:spPr>
+        <p:style>
+          <a:lnRef idx="2">
+            <a:schemeClr val="dk1"/>
+          </a:lnRef>
+          <a:fillRef idx="0">
+            <a:schemeClr val="dk1"/>
+          </a:fillRef>
+          <a:effectRef idx="1">
+            <a:schemeClr val="dk1"/>
+          </a:effectRef>
+          <a:fontRef idx="minor">
+            <a:schemeClr val="tx1"/>
+          </a:fontRef>
+        </p:style>
+      </p:cxnSp>
+      <p:sp>
+        <p:nvSpPr>
+          <p:cNvPr id="13" name="Oval 12"/>
+          <p:cNvSpPr/>
+          <p:nvPr/>
+        </p:nvSpPr>
+        <p:spPr>
+          <a:xfrm rot="19527167">
+            <a:off x="4217387" y="2234467"/>
+            <a:ext cx="65289" cy="65289"/>
+          </a:xfrm>
+          <a:prstGeom prst="ellipse">
+            <a:avLst/>
+          </a:prstGeom>
+        </p:spPr>
+        <p:style>
+          <a:lnRef idx="2">
+            <a:schemeClr val="dk1">
+              <a:shade val="50000"/>
+            </a:schemeClr>
+          </a:lnRef>
+          <a:fillRef idx="1">
+            <a:schemeClr val="dk1"/>
+          </a:fillRef>
+          <a:effectRef idx="0">
+            <a:schemeClr val="dk1"/>
+          </a:effectRef>
+          <a:fontRef idx="minor">
+            <a:schemeClr val="lt1"/>
+          </a:fontRef>
+        </p:style>
+        <p:txBody>
+          <a:bodyPr rtlCol="0" anchor="ctr"/>
+          <a:lstStyle/>
+          <a:p>
+            <a:pPr algn="ctr"/>
+            <a:endParaRPr lang="en-US"/>
+          </a:p>
+        </p:txBody>
+      </p:sp>
+      <p:sp>
+        <p:nvSpPr>
+          <p:cNvPr id="14" name="TextBox 13"/>
+          <p:cNvSpPr txBox="1"/>
+          <p:nvPr/>
+        </p:nvSpPr>
+        <p:spPr>
+          <a:xfrm>
+            <a:off x="6479502" y="1028088"/>
+            <a:ext cx="776882" cy="461665"/>
+          </a:xfrm>
+          <a:prstGeom prst="rect">
+            <a:avLst/>
+          </a:prstGeom>
+          <a:noFill/>
+        </p:spPr>
+        <p:txBody>
+          <a:bodyPr wrap="square" rtlCol="0">
+            <a:spAutoFit/>
+          </a:bodyPr>
+          <a:lstStyle/>
+          <a:p>
+            <a:r>
+              <a:rPr lang="en-US" sz="2400" dirty="0" smtClean="0"/>
+              <a:t>V</a:t>
+            </a:r>
+            <a:r>
+              <a:rPr lang="en-US" sz="2400" baseline="30000" dirty="0" smtClean="0"/>
+              <a:t>1</a:t>
+            </a:r>
+            <a:endParaRPr lang="en-US" sz="2400" baseline="30000" dirty="0"/>
+          </a:p>
+        </p:txBody>
+      </p:sp>
+      <p:sp>
+        <p:nvSpPr>
+          <p:cNvPr id="15" name="Freeform 14"/>
+          <p:cNvSpPr/>
+          <p:nvPr/>
+        </p:nvSpPr>
+        <p:spPr>
+          <a:xfrm>
+            <a:off x="5920034" y="1568025"/>
+            <a:ext cx="2041108" cy="1314791"/>
+          </a:xfrm>
+          <a:custGeom>
+            <a:avLst/>
+            <a:gdLst>
+              <a:gd name="connsiteX0" fmla="*/ 1187622 w 2917568"/>
+              <a:gd name="connsiteY0" fmla="*/ 1393567 h 2128108"/>
+              <a:gd name="connsiteX1" fmla="*/ 2780271 w 2917568"/>
+              <a:gd name="connsiteY1" fmla="*/ 1002270 h 2128108"/>
+              <a:gd name="connsiteX2" fmla="*/ 2917568 w 2917568"/>
+              <a:gd name="connsiteY2" fmla="*/ 1729945 h 2128108"/>
+              <a:gd name="connsiteX3" fmla="*/ 926757 w 2917568"/>
+              <a:gd name="connsiteY3" fmla="*/ 2128108 h 2128108"/>
+              <a:gd name="connsiteX4" fmla="*/ 0 w 2917568"/>
+              <a:gd name="connsiteY4" fmla="*/ 377567 h 2128108"/>
+              <a:gd name="connsiteX5" fmla="*/ 466811 w 2917568"/>
+              <a:gd name="connsiteY5" fmla="*/ 0 h 2128108"/>
+              <a:gd name="connsiteX6" fmla="*/ 1187622 w 2917568"/>
+              <a:gd name="connsiteY6" fmla="*/ 1393567 h 2128108"/>
+              <a:gd name="connsiteX0" fmla="*/ 1187622 w 2835190"/>
+              <a:gd name="connsiteY0" fmla="*/ 1393567 h 2128108"/>
+              <a:gd name="connsiteX1" fmla="*/ 2780271 w 2835190"/>
+              <a:gd name="connsiteY1" fmla="*/ 1002270 h 2128108"/>
+              <a:gd name="connsiteX2" fmla="*/ 2835190 w 2835190"/>
+              <a:gd name="connsiteY2" fmla="*/ 1530864 h 2128108"/>
+              <a:gd name="connsiteX3" fmla="*/ 926757 w 2835190"/>
+              <a:gd name="connsiteY3" fmla="*/ 2128108 h 2128108"/>
+              <a:gd name="connsiteX4" fmla="*/ 0 w 2835190"/>
+              <a:gd name="connsiteY4" fmla="*/ 377567 h 2128108"/>
+              <a:gd name="connsiteX5" fmla="*/ 466811 w 2835190"/>
+              <a:gd name="connsiteY5" fmla="*/ 0 h 2128108"/>
+              <a:gd name="connsiteX6" fmla="*/ 1187622 w 2835190"/>
+              <a:gd name="connsiteY6" fmla="*/ 1393567 h 2128108"/>
+              <a:gd name="connsiteX0" fmla="*/ 995406 w 2642974"/>
+              <a:gd name="connsiteY0" fmla="*/ 1393567 h 2128108"/>
+              <a:gd name="connsiteX1" fmla="*/ 2588055 w 2642974"/>
+              <a:gd name="connsiteY1" fmla="*/ 1002270 h 2128108"/>
+              <a:gd name="connsiteX2" fmla="*/ 2642974 w 2642974"/>
+              <a:gd name="connsiteY2" fmla="*/ 1530864 h 2128108"/>
+              <a:gd name="connsiteX3" fmla="*/ 734541 w 2642974"/>
+              <a:gd name="connsiteY3" fmla="*/ 2128108 h 2128108"/>
+              <a:gd name="connsiteX4" fmla="*/ 0 w 2642974"/>
+              <a:gd name="connsiteY4" fmla="*/ 761999 h 2128108"/>
+              <a:gd name="connsiteX5" fmla="*/ 274595 w 2642974"/>
+              <a:gd name="connsiteY5" fmla="*/ 0 h 2128108"/>
+              <a:gd name="connsiteX6" fmla="*/ 995406 w 2642974"/>
+              <a:gd name="connsiteY6" fmla="*/ 1393567 h 2128108"/>
+              <a:gd name="connsiteX0" fmla="*/ 995406 w 2642974"/>
+              <a:gd name="connsiteY0" fmla="*/ 967945 h 1702486"/>
+              <a:gd name="connsiteX1" fmla="*/ 2588055 w 2642974"/>
+              <a:gd name="connsiteY1" fmla="*/ 576648 h 1702486"/>
+              <a:gd name="connsiteX2" fmla="*/ 2642974 w 2642974"/>
+              <a:gd name="connsiteY2" fmla="*/ 1105242 h 1702486"/>
+              <a:gd name="connsiteX3" fmla="*/ 734541 w 2642974"/>
+              <a:gd name="connsiteY3" fmla="*/ 1702486 h 1702486"/>
+              <a:gd name="connsiteX4" fmla="*/ 0 w 2642974"/>
+              <a:gd name="connsiteY4" fmla="*/ 336377 h 1702486"/>
+              <a:gd name="connsiteX5" fmla="*/ 453081 w 2642974"/>
+              <a:gd name="connsiteY5" fmla="*/ 0 h 1702486"/>
+              <a:gd name="connsiteX6" fmla="*/ 995406 w 2642974"/>
+              <a:gd name="connsiteY6" fmla="*/ 967945 h 1702486"/>
+            </a:gdLst>
+            <a:ahLst/>
+            <a:cxnLst>
+              <a:cxn ang="0">
+                <a:pos x="connsiteX0" y="connsiteY0"/>
+              </a:cxn>
+              <a:cxn ang="0">
+                <a:pos x="connsiteX1" y="connsiteY1"/>
+              </a:cxn>
+              <a:cxn ang="0">
+                <a:pos x="connsiteX2" y="connsiteY2"/>
+              </a:cxn>
+              <a:cxn ang="0">
+                <a:pos x="connsiteX3" y="connsiteY3"/>
+              </a:cxn>
+              <a:cxn ang="0">
+                <a:pos x="connsiteX4" y="connsiteY4"/>
+              </a:cxn>
+              <a:cxn ang="0">
+                <a:pos x="connsiteX5" y="connsiteY5"/>
+              </a:cxn>
+              <a:cxn ang="0">
+                <a:pos x="connsiteX6" y="connsiteY6"/>
+              </a:cxn>
+            </a:cxnLst>
+            <a:rect l="l" t="t" r="r" b="b"/>
+            <a:pathLst>
+              <a:path w="2642974" h="1702486">
+                <a:moveTo>
+                  <a:pt x="995406" y="967945"/>
+                </a:moveTo>
+                <a:lnTo>
+                  <a:pt x="2588055" y="576648"/>
+                </a:lnTo>
+                <a:lnTo>
+                  <a:pt x="2642974" y="1105242"/>
+                </a:lnTo>
+                <a:lnTo>
+                  <a:pt x="734541" y="1702486"/>
+                </a:lnTo>
+                <a:lnTo>
+                  <a:pt x="0" y="336377"/>
+                </a:lnTo>
+                <a:lnTo>
+                  <a:pt x="453081" y="0"/>
+                </a:lnTo>
+                <a:lnTo>
+                  <a:pt x="995406" y="967945"/>
+                </a:lnTo>
+                <a:close/>
+              </a:path>
+            </a:pathLst>
+          </a:custGeom>
+          <a:gradFill flip="none" rotWithShape="1">
+            <a:gsLst>
+              <a:gs pos="0">
+                <a:schemeClr val="accent1">
+                  <a:tint val="100000"/>
+                  <a:shade val="100000"/>
+                  <a:satMod val="130000"/>
+                  <a:alpha val="15000"/>
+                </a:schemeClr>
+              </a:gs>
+              <a:gs pos="100000">
+                <a:schemeClr val="accent1">
+                  <a:tint val="50000"/>
+                  <a:shade val="100000"/>
+                  <a:satMod val="350000"/>
+                  <a:alpha val="15000"/>
+                </a:schemeClr>
+              </a:gs>
+            </a:gsLst>
+            <a:lin ang="16200000" scaled="0"/>
+            <a:tileRect/>
+          </a:gradFill>
+        </p:spPr>
+        <p:style>
+          <a:lnRef idx="1">
+            <a:schemeClr val="accent1"/>
+          </a:lnRef>
+          <a:fillRef idx="3">
+            <a:schemeClr val="accent1"/>
+          </a:fillRef>
+          <a:effectRef idx="2">
+            <a:schemeClr val="accent1"/>
+          </a:effectRef>
+          <a:fontRef idx="minor">
+            <a:schemeClr val="lt1"/>
+          </a:fontRef>
+        </p:style>
+        <p:txBody>
+          <a:bodyPr rtlCol="0" anchor="ctr"/>
+          <a:lstStyle/>
+          <a:p>
+            <a:pPr algn="ctr"/>
+            <a:endParaRPr lang="en-US"/>
+          </a:p>
+        </p:txBody>
+      </p:sp>
+      <p:sp>
+        <p:nvSpPr>
+          <p:cNvPr id="16" name="Oval 15"/>
+          <p:cNvSpPr/>
+          <p:nvPr/>
+        </p:nvSpPr>
+        <p:spPr>
+          <a:xfrm>
+            <a:off x="6678322" y="2289038"/>
+            <a:ext cx="47554" cy="47554"/>
+          </a:xfrm>
+          <a:prstGeom prst="ellipse">
+            <a:avLst/>
+          </a:prstGeom>
+        </p:spPr>
+        <p:style>
+          <a:lnRef idx="2">
+            <a:schemeClr val="dk1">
+              <a:shade val="50000"/>
+            </a:schemeClr>
+          </a:lnRef>
+          <a:fillRef idx="1">
+            <a:schemeClr val="dk1"/>
+          </a:fillRef>
+          <a:effectRef idx="0">
+            <a:schemeClr val="dk1"/>
+          </a:effectRef>
+          <a:fontRef idx="minor">
+            <a:schemeClr val="lt1"/>
+          </a:fontRef>
+        </p:style>
+        <p:txBody>
+          <a:bodyPr rtlCol="0" anchor="ctr"/>
+          <a:lstStyle/>
+          <a:p>
+            <a:pPr algn="ctr"/>
+            <a:endParaRPr lang="en-US"/>
+          </a:p>
+        </p:txBody>
+      </p:sp>
+      <p:cxnSp>
+        <p:nvCxnSpPr>
+          <p:cNvPr id="17" name="Straight Arrow Connector 16"/>
+          <p:cNvCxnSpPr/>
+          <p:nvPr/>
+        </p:nvCxnSpPr>
+        <p:spPr>
+          <a:xfrm flipH="1" flipV="1">
+            <a:off x="6375970" y="1769485"/>
+            <a:ext cx="328699" cy="543329"/>
+          </a:xfrm>
+          <a:prstGeom prst="straightConnector1">
+            <a:avLst/>
+          </a:prstGeom>
+          <a:ln w="28575" cmpd="sng">
+            <a:tailEnd type="arrow"/>
+          </a:ln>
+          <a:effectLst/>
+        </p:spPr>
+        <p:style>
+          <a:lnRef idx="2">
+            <a:schemeClr val="dk1"/>
+          </a:lnRef>
+          <a:fillRef idx="0">
+            <a:schemeClr val="dk1"/>
+          </a:fillRef>
+          <a:effectRef idx="1">
+            <a:schemeClr val="dk1"/>
+          </a:effectRef>
+          <a:fontRef idx="minor">
+            <a:schemeClr val="tx1"/>
+          </a:fontRef>
+        </p:style>
+      </p:cxnSp>
+      <p:sp>
+        <p:nvSpPr>
+          <p:cNvPr id="18" name="Rectangle 17"/>
+          <p:cNvSpPr/>
+          <p:nvPr/>
+        </p:nvSpPr>
+        <p:spPr>
+          <a:xfrm rot="20687964">
+            <a:off x="6727732" y="2292812"/>
+            <a:ext cx="125907" cy="125907"/>
+          </a:xfrm>
+          <a:prstGeom prst="rect">
+            <a:avLst/>
+          </a:prstGeom>
+          <a:ln w="12700" cmpd="sng"/>
+        </p:spPr>
+        <p:style>
+          <a:lnRef idx="2">
+            <a:schemeClr val="dk1"/>
+          </a:lnRef>
+          <a:fillRef idx="1">
+            <a:schemeClr val="lt1"/>
+          </a:fillRef>
+          <a:effectRef idx="0">
+            <a:schemeClr val="dk1"/>
+          </a:effectRef>
+          <a:fontRef idx="minor">
+            <a:schemeClr val="dk1"/>
+          </a:fontRef>
+        </p:style>
+        <p:txBody>
+          <a:bodyPr rtlCol="0" anchor="ctr"/>
+          <a:lstStyle/>
+          <a:p>
+            <a:pPr algn="ctr"/>
+            <a:endParaRPr lang="en-US"/>
+          </a:p>
+        </p:txBody>
+      </p:sp>
+      <p:cxnSp>
+        <p:nvCxnSpPr>
+          <p:cNvPr id="19" name="Straight Arrow Connector 18"/>
+          <p:cNvCxnSpPr>
+            <a:stCxn id="15" idx="0"/>
+          </p:cNvCxnSpPr>
+          <p:nvPr/>
+        </p:nvCxnSpPr>
+        <p:spPr>
+          <a:xfrm flipV="1">
+            <a:off x="6688763" y="2172267"/>
+            <a:ext cx="583173" cy="143280"/>
+          </a:xfrm>
+          <a:prstGeom prst="straightConnector1">
+            <a:avLst/>
+          </a:prstGeom>
+          <a:ln w="28575" cmpd="sng">
+            <a:tailEnd type="arrow"/>
+          </a:ln>
+          <a:effectLst/>
+        </p:spPr>
+        <p:style>
+          <a:lnRef idx="2">
+            <a:schemeClr val="dk1"/>
+          </a:lnRef>
+          <a:fillRef idx="0">
+            <a:schemeClr val="dk1"/>
+          </a:fillRef>
+          <a:effectRef idx="1">
+            <a:schemeClr val="dk1"/>
+          </a:effectRef>
+          <a:fontRef idx="minor">
+            <a:schemeClr val="tx1"/>
+          </a:fontRef>
+        </p:style>
+      </p:cxnSp>
+      <p:sp>
+        <p:nvSpPr>
+          <p:cNvPr id="20" name="Rectangle 19"/>
+          <p:cNvSpPr/>
+          <p:nvPr/>
+        </p:nvSpPr>
+        <p:spPr>
+          <a:xfrm rot="19808676">
+            <a:off x="6552215" y="2226817"/>
+            <a:ext cx="121079" cy="121079"/>
+          </a:xfrm>
+          <a:prstGeom prst="rect">
+            <a:avLst/>
+          </a:prstGeom>
+          <a:ln w="12700" cmpd="sng"/>
+        </p:spPr>
+        <p:style>
+          <a:lnRef idx="2">
+            <a:schemeClr val="dk1"/>
+          </a:lnRef>
+          <a:fillRef idx="1">
+            <a:schemeClr val="lt1"/>
+          </a:fillRef>
+          <a:effectRef idx="0">
+            <a:schemeClr val="dk1"/>
+          </a:effectRef>
+          <a:fontRef idx="minor">
+            <a:schemeClr val="dk1"/>
+          </a:fontRef>
+        </p:style>
+        <p:txBody>
+          <a:bodyPr rtlCol="0" anchor="ctr"/>
+          <a:lstStyle/>
+          <a:p>
+            <a:pPr algn="ctr"/>
+            <a:endParaRPr lang="en-US"/>
+          </a:p>
+        </p:txBody>
+      </p:sp>
+      <p:cxnSp>
+        <p:nvCxnSpPr>
+          <p:cNvPr id="21" name="Straight Arrow Connector 20"/>
+          <p:cNvCxnSpPr/>
+          <p:nvPr/>
+        </p:nvCxnSpPr>
+        <p:spPr>
+          <a:xfrm>
+            <a:off x="6704677" y="2326131"/>
+            <a:ext cx="163266" cy="556685"/>
+          </a:xfrm>
+          <a:prstGeom prst="straightConnector1">
+            <a:avLst/>
+          </a:prstGeom>
+          <a:ln w="28575" cmpd="sng">
+            <a:tailEnd type="arrow"/>
+          </a:ln>
+          <a:effectLst/>
+        </p:spPr>
+        <p:style>
+          <a:lnRef idx="2">
+            <a:schemeClr val="dk1"/>
+          </a:lnRef>
+          <a:fillRef idx="0">
+            <a:schemeClr val="dk1"/>
+          </a:fillRef>
+          <a:effectRef idx="1">
+            <a:schemeClr val="dk1"/>
+          </a:effectRef>
+          <a:fontRef idx="minor">
+            <a:schemeClr val="tx1"/>
+          </a:fontRef>
+        </p:style>
+      </p:cxnSp>
+      <p:cxnSp>
+        <p:nvCxnSpPr>
+          <p:cNvPr id="22" name="Straight Arrow Connector 21"/>
+          <p:cNvCxnSpPr/>
+          <p:nvPr/>
+        </p:nvCxnSpPr>
+        <p:spPr>
+          <a:xfrm flipH="1">
+            <a:off x="6263278" y="2306906"/>
+            <a:ext cx="442769" cy="209285"/>
+          </a:xfrm>
+          <a:prstGeom prst="straightConnector1">
+            <a:avLst/>
+          </a:prstGeom>
+          <a:ln w="28575" cmpd="sng">
+            <a:tailEnd type="arrow"/>
+          </a:ln>
+          <a:effectLst/>
+        </p:spPr>
+        <p:style>
+          <a:lnRef idx="2">
+            <a:schemeClr val="dk1"/>
+          </a:lnRef>
+          <a:fillRef idx="0">
+            <a:schemeClr val="dk1"/>
+          </a:fillRef>
+          <a:effectRef idx="1">
+            <a:schemeClr val="dk1"/>
+          </a:effectRef>
+          <a:fontRef idx="minor">
+            <a:schemeClr val="tx1"/>
+          </a:fontRef>
+        </p:style>
+      </p:cxnSp>
+      <p:sp>
+        <p:nvSpPr>
+          <p:cNvPr id="23" name="TextBox 22"/>
+          <p:cNvSpPr txBox="1"/>
+          <p:nvPr/>
+        </p:nvSpPr>
+        <p:spPr>
+          <a:xfrm>
+            <a:off x="6522707" y="3248045"/>
+            <a:ext cx="776882" cy="461665"/>
+          </a:xfrm>
+          <a:prstGeom prst="rect">
+            <a:avLst/>
+          </a:prstGeom>
+          <a:noFill/>
+        </p:spPr>
+        <p:txBody>
+          <a:bodyPr wrap="square" rtlCol="0">
+            <a:spAutoFit/>
+          </a:bodyPr>
+          <a:lstStyle/>
+          <a:p>
+            <a:r>
+              <a:rPr lang="en-US" sz="2400" dirty="0" smtClean="0"/>
+              <a:t>V</a:t>
+            </a:r>
+            <a:r>
+              <a:rPr lang="en-US" sz="2400" baseline="-25000" dirty="0" smtClean="0"/>
+              <a:t>cc</a:t>
+            </a:r>
+            <a:endParaRPr lang="en-US" sz="2400" baseline="-25000" dirty="0"/>
+          </a:p>
+        </p:txBody>
+      </p:sp>
+      <p:sp>
+        <p:nvSpPr>
+          <p:cNvPr id="24" name="Freeform 23"/>
+          <p:cNvSpPr/>
+          <p:nvPr/>
+        </p:nvSpPr>
+        <p:spPr>
+          <a:xfrm rot="19635414">
+            <a:off x="5984957" y="3670507"/>
+            <a:ext cx="1937121" cy="1132153"/>
+          </a:xfrm>
+          <a:custGeom>
+            <a:avLst/>
+            <a:gdLst>
+              <a:gd name="connsiteX0" fmla="*/ 1187622 w 2917568"/>
+              <a:gd name="connsiteY0" fmla="*/ 1393567 h 2128108"/>
+              <a:gd name="connsiteX1" fmla="*/ 2780271 w 2917568"/>
+              <a:gd name="connsiteY1" fmla="*/ 1002270 h 2128108"/>
+              <a:gd name="connsiteX2" fmla="*/ 2917568 w 2917568"/>
+              <a:gd name="connsiteY2" fmla="*/ 1729945 h 2128108"/>
+              <a:gd name="connsiteX3" fmla="*/ 926757 w 2917568"/>
+              <a:gd name="connsiteY3" fmla="*/ 2128108 h 2128108"/>
+              <a:gd name="connsiteX4" fmla="*/ 0 w 2917568"/>
+              <a:gd name="connsiteY4" fmla="*/ 377567 h 2128108"/>
+              <a:gd name="connsiteX5" fmla="*/ 466811 w 2917568"/>
+              <a:gd name="connsiteY5" fmla="*/ 0 h 2128108"/>
+              <a:gd name="connsiteX6" fmla="*/ 1187622 w 2917568"/>
+              <a:gd name="connsiteY6" fmla="*/ 1393567 h 2128108"/>
+              <a:gd name="connsiteX0" fmla="*/ 1187622 w 2835190"/>
+              <a:gd name="connsiteY0" fmla="*/ 1393567 h 2128108"/>
+              <a:gd name="connsiteX1" fmla="*/ 2780271 w 2835190"/>
+              <a:gd name="connsiteY1" fmla="*/ 1002270 h 2128108"/>
+              <a:gd name="connsiteX2" fmla="*/ 2835190 w 2835190"/>
+              <a:gd name="connsiteY2" fmla="*/ 1530864 h 2128108"/>
+              <a:gd name="connsiteX3" fmla="*/ 926757 w 2835190"/>
+              <a:gd name="connsiteY3" fmla="*/ 2128108 h 2128108"/>
+              <a:gd name="connsiteX4" fmla="*/ 0 w 2835190"/>
+              <a:gd name="connsiteY4" fmla="*/ 377567 h 2128108"/>
+              <a:gd name="connsiteX5" fmla="*/ 466811 w 2835190"/>
+              <a:gd name="connsiteY5" fmla="*/ 0 h 2128108"/>
+              <a:gd name="connsiteX6" fmla="*/ 1187622 w 2835190"/>
+              <a:gd name="connsiteY6" fmla="*/ 1393567 h 2128108"/>
+              <a:gd name="connsiteX0" fmla="*/ 995406 w 2642974"/>
+              <a:gd name="connsiteY0" fmla="*/ 1393567 h 2128108"/>
+              <a:gd name="connsiteX1" fmla="*/ 2588055 w 2642974"/>
+              <a:gd name="connsiteY1" fmla="*/ 1002270 h 2128108"/>
+              <a:gd name="connsiteX2" fmla="*/ 2642974 w 2642974"/>
+              <a:gd name="connsiteY2" fmla="*/ 1530864 h 2128108"/>
+              <a:gd name="connsiteX3" fmla="*/ 734541 w 2642974"/>
+              <a:gd name="connsiteY3" fmla="*/ 2128108 h 2128108"/>
+              <a:gd name="connsiteX4" fmla="*/ 0 w 2642974"/>
+              <a:gd name="connsiteY4" fmla="*/ 761999 h 2128108"/>
+              <a:gd name="connsiteX5" fmla="*/ 274595 w 2642974"/>
+              <a:gd name="connsiteY5" fmla="*/ 0 h 2128108"/>
+              <a:gd name="connsiteX6" fmla="*/ 995406 w 2642974"/>
+              <a:gd name="connsiteY6" fmla="*/ 1393567 h 2128108"/>
+              <a:gd name="connsiteX0" fmla="*/ 995406 w 2642974"/>
+              <a:gd name="connsiteY0" fmla="*/ 967945 h 1702486"/>
+              <a:gd name="connsiteX1" fmla="*/ 2588055 w 2642974"/>
+              <a:gd name="connsiteY1" fmla="*/ 576648 h 1702486"/>
+              <a:gd name="connsiteX2" fmla="*/ 2642974 w 2642974"/>
+              <a:gd name="connsiteY2" fmla="*/ 1105242 h 1702486"/>
+              <a:gd name="connsiteX3" fmla="*/ 734541 w 2642974"/>
+              <a:gd name="connsiteY3" fmla="*/ 1702486 h 1702486"/>
+              <a:gd name="connsiteX4" fmla="*/ 0 w 2642974"/>
+              <a:gd name="connsiteY4" fmla="*/ 336377 h 1702486"/>
+              <a:gd name="connsiteX5" fmla="*/ 453081 w 2642974"/>
+              <a:gd name="connsiteY5" fmla="*/ 0 h 1702486"/>
+              <a:gd name="connsiteX6" fmla="*/ 995406 w 2642974"/>
+              <a:gd name="connsiteY6" fmla="*/ 967945 h 1702486"/>
+              <a:gd name="connsiteX0" fmla="*/ 995406 w 2588055"/>
+              <a:gd name="connsiteY0" fmla="*/ 967945 h 1702486"/>
+              <a:gd name="connsiteX1" fmla="*/ 2588055 w 2588055"/>
+              <a:gd name="connsiteY1" fmla="*/ 576648 h 1702486"/>
+              <a:gd name="connsiteX2" fmla="*/ 1937266 w 2588055"/>
+              <a:gd name="connsiteY2" fmla="*/ 1319970 h 1702486"/>
+              <a:gd name="connsiteX3" fmla="*/ 734541 w 2588055"/>
+              <a:gd name="connsiteY3" fmla="*/ 1702486 h 1702486"/>
+              <a:gd name="connsiteX4" fmla="*/ 0 w 2588055"/>
+              <a:gd name="connsiteY4" fmla="*/ 336377 h 1702486"/>
+              <a:gd name="connsiteX5" fmla="*/ 453081 w 2588055"/>
+              <a:gd name="connsiteY5" fmla="*/ 0 h 1702486"/>
+              <a:gd name="connsiteX6" fmla="*/ 995406 w 2588055"/>
+              <a:gd name="connsiteY6" fmla="*/ 967945 h 1702486"/>
+              <a:gd name="connsiteX0" fmla="*/ 1064851 w 2657500"/>
+              <a:gd name="connsiteY0" fmla="*/ 967945 h 1702486"/>
+              <a:gd name="connsiteX1" fmla="*/ 2657500 w 2657500"/>
+              <a:gd name="connsiteY1" fmla="*/ 576648 h 1702486"/>
+              <a:gd name="connsiteX2" fmla="*/ 2006711 w 2657500"/>
+              <a:gd name="connsiteY2" fmla="*/ 1319970 h 1702486"/>
+              <a:gd name="connsiteX3" fmla="*/ 803986 w 2657500"/>
+              <a:gd name="connsiteY3" fmla="*/ 1702486 h 1702486"/>
+              <a:gd name="connsiteX4" fmla="*/ 0 w 2657500"/>
+              <a:gd name="connsiteY4" fmla="*/ 52055 h 1702486"/>
+              <a:gd name="connsiteX5" fmla="*/ 522526 w 2657500"/>
+              <a:gd name="connsiteY5" fmla="*/ 0 h 1702486"/>
+              <a:gd name="connsiteX6" fmla="*/ 1064851 w 2657500"/>
+              <a:gd name="connsiteY6" fmla="*/ 967945 h 1702486"/>
+              <a:gd name="connsiteX0" fmla="*/ 1064851 w 2508326"/>
+              <a:gd name="connsiteY0" fmla="*/ 967945 h 1702486"/>
+              <a:gd name="connsiteX1" fmla="*/ 2508325 w 2508326"/>
+              <a:gd name="connsiteY1" fmla="*/ 632085 h 1702486"/>
+              <a:gd name="connsiteX2" fmla="*/ 2006711 w 2508326"/>
+              <a:gd name="connsiteY2" fmla="*/ 1319970 h 1702486"/>
+              <a:gd name="connsiteX3" fmla="*/ 803986 w 2508326"/>
+              <a:gd name="connsiteY3" fmla="*/ 1702486 h 1702486"/>
+              <a:gd name="connsiteX4" fmla="*/ 0 w 2508326"/>
+              <a:gd name="connsiteY4" fmla="*/ 52055 h 1702486"/>
+              <a:gd name="connsiteX5" fmla="*/ 522526 w 2508326"/>
+              <a:gd name="connsiteY5" fmla="*/ 0 h 1702486"/>
+              <a:gd name="connsiteX6" fmla="*/ 1064851 w 2508326"/>
+              <a:gd name="connsiteY6" fmla="*/ 967945 h 1702486"/>
+              <a:gd name="connsiteX0" fmla="*/ 1064851 w 2508325"/>
+              <a:gd name="connsiteY0" fmla="*/ 967945 h 1465993"/>
+              <a:gd name="connsiteX1" fmla="*/ 2508325 w 2508325"/>
+              <a:gd name="connsiteY1" fmla="*/ 632085 h 1465993"/>
+              <a:gd name="connsiteX2" fmla="*/ 2006711 w 2508325"/>
+              <a:gd name="connsiteY2" fmla="*/ 1319970 h 1465993"/>
+              <a:gd name="connsiteX3" fmla="*/ 867765 w 2508325"/>
+              <a:gd name="connsiteY3" fmla="*/ 1465993 h 1465993"/>
+              <a:gd name="connsiteX4" fmla="*/ 0 w 2508325"/>
+              <a:gd name="connsiteY4" fmla="*/ 52055 h 1465993"/>
+              <a:gd name="connsiteX5" fmla="*/ 522526 w 2508325"/>
+              <a:gd name="connsiteY5" fmla="*/ 0 h 1465993"/>
+              <a:gd name="connsiteX6" fmla="*/ 1064851 w 2508325"/>
+              <a:gd name="connsiteY6" fmla="*/ 967945 h 1465993"/>
+            </a:gdLst>
+            <a:ahLst/>
+            <a:cxnLst>
+              <a:cxn ang="0">
+                <a:pos x="connsiteX0" y="connsiteY0"/>
+              </a:cxn>
+              <a:cxn ang="0">
+                <a:pos x="connsiteX1" y="connsiteY1"/>
+              </a:cxn>
+              <a:cxn ang="0">
+                <a:pos x="connsiteX2" y="connsiteY2"/>
+              </a:cxn>
+              <a:cxn ang="0">
+                <a:pos x="connsiteX3" y="connsiteY3"/>
+              </a:cxn>
+              <a:cxn ang="0">
+                <a:pos x="connsiteX4" y="connsiteY4"/>
+              </a:cxn>
+              <a:cxn ang="0">
+                <a:pos x="connsiteX5" y="connsiteY5"/>
+              </a:cxn>
+              <a:cxn ang="0">
+                <a:pos x="connsiteX6" y="connsiteY6"/>
+              </a:cxn>
+            </a:cxnLst>
+            <a:rect l="l" t="t" r="r" b="b"/>
+            <a:pathLst>
+              <a:path w="2508325" h="1465993">
+                <a:moveTo>
+                  <a:pt x="1064851" y="967945"/>
+                </a:moveTo>
+                <a:lnTo>
+                  <a:pt x="2508325" y="632085"/>
+                </a:lnTo>
+                <a:lnTo>
+                  <a:pt x="2006711" y="1319970"/>
+                </a:lnTo>
+                <a:lnTo>
+                  <a:pt x="867765" y="1465993"/>
+                </a:lnTo>
+                <a:lnTo>
+                  <a:pt x="0" y="52055"/>
+                </a:lnTo>
+                <a:lnTo>
+                  <a:pt x="522526" y="0"/>
+                </a:lnTo>
+                <a:lnTo>
+                  <a:pt x="1064851" y="967945"/>
+                </a:lnTo>
+                <a:close/>
+              </a:path>
+            </a:pathLst>
+          </a:custGeom>
+          <a:gradFill flip="none" rotWithShape="1">
+            <a:gsLst>
+              <a:gs pos="0">
+                <a:schemeClr val="accent1">
+                  <a:tint val="100000"/>
+                  <a:shade val="100000"/>
+                  <a:satMod val="130000"/>
+                  <a:alpha val="15000"/>
+                </a:schemeClr>
+              </a:gs>
+              <a:gs pos="100000">
+                <a:schemeClr val="accent1">
+                  <a:tint val="50000"/>
+                  <a:shade val="100000"/>
+                  <a:satMod val="350000"/>
+                  <a:alpha val="15000"/>
+                </a:schemeClr>
+              </a:gs>
+            </a:gsLst>
+            <a:lin ang="16200000" scaled="0"/>
+            <a:tileRect/>
+          </a:gradFill>
+        </p:spPr>
+        <p:style>
+          <a:lnRef idx="1">
+            <a:schemeClr val="accent1"/>
+          </a:lnRef>
+          <a:fillRef idx="3">
+            <a:schemeClr val="accent1"/>
+          </a:fillRef>
+          <a:effectRef idx="2">
+            <a:schemeClr val="accent1"/>
+          </a:effectRef>
+          <a:fontRef idx="minor">
+            <a:schemeClr val="lt1"/>
+          </a:fontRef>
+        </p:style>
+        <p:txBody>
+          <a:bodyPr rtlCol="0" anchor="ctr"/>
+          <a:lstStyle/>
+          <a:p>
+            <a:pPr algn="ctr"/>
+            <a:endParaRPr lang="en-US"/>
+          </a:p>
+        </p:txBody>
+      </p:sp>
+      <p:sp>
+        <p:nvSpPr>
+          <p:cNvPr id="25" name="Oval 24"/>
+          <p:cNvSpPr/>
+          <p:nvPr/>
+        </p:nvSpPr>
+        <p:spPr>
+          <a:xfrm rot="19635414">
+            <a:off x="6914649" y="4434986"/>
+            <a:ext cx="47554" cy="47554"/>
+          </a:xfrm>
+          <a:prstGeom prst="ellipse">
+            <a:avLst/>
+          </a:prstGeom>
+        </p:spPr>
+        <p:style>
+          <a:lnRef idx="2">
+            <a:schemeClr val="dk1">
+              <a:shade val="50000"/>
+            </a:schemeClr>
+          </a:lnRef>
+          <a:fillRef idx="1">
+            <a:schemeClr val="dk1"/>
+          </a:fillRef>
+          <a:effectRef idx="0">
+            <a:schemeClr val="dk1"/>
+          </a:effectRef>
+          <a:fontRef idx="minor">
+            <a:schemeClr val="lt1"/>
+          </a:fontRef>
+        </p:style>
+        <p:txBody>
+          <a:bodyPr rtlCol="0" anchor="ctr"/>
+          <a:lstStyle/>
+          <a:p>
+            <a:pPr algn="ctr"/>
+            <a:endParaRPr lang="en-US"/>
+          </a:p>
+        </p:txBody>
+      </p:sp>
+      <p:cxnSp>
+        <p:nvCxnSpPr>
+          <p:cNvPr id="26" name="Straight Arrow Connector 25"/>
+          <p:cNvCxnSpPr/>
+          <p:nvPr/>
+        </p:nvCxnSpPr>
+        <p:spPr>
+          <a:xfrm rot="19635414" flipH="1" flipV="1">
+            <a:off x="6491067" y="4046102"/>
+            <a:ext cx="328699" cy="543329"/>
+          </a:xfrm>
+          <a:prstGeom prst="straightConnector1">
+            <a:avLst/>
+          </a:prstGeom>
+          <a:ln w="28575" cmpd="sng">
+            <a:tailEnd type="arrow"/>
+          </a:ln>
+          <a:effectLst/>
+        </p:spPr>
+        <p:style>
+          <a:lnRef idx="2">
+            <a:schemeClr val="dk1"/>
+          </a:lnRef>
+          <a:fillRef idx="0">
+            <a:schemeClr val="dk1"/>
+          </a:fillRef>
+          <a:effectRef idx="1">
+            <a:schemeClr val="dk1"/>
+          </a:effectRef>
+          <a:fontRef idx="minor">
+            <a:schemeClr val="tx1"/>
+          </a:fontRef>
+        </p:style>
+      </p:cxnSp>
+      <p:sp>
+        <p:nvSpPr>
+          <p:cNvPr id="27" name="Rectangle 26"/>
+          <p:cNvSpPr/>
+          <p:nvPr/>
+        </p:nvSpPr>
+        <p:spPr>
+          <a:xfrm rot="18723378">
+            <a:off x="6973214" y="4384022"/>
+            <a:ext cx="125907" cy="125907"/>
+          </a:xfrm>
+          <a:prstGeom prst="rect">
+            <a:avLst/>
+          </a:prstGeom>
+          <a:ln w="12700" cmpd="sng"/>
+        </p:spPr>
+        <p:style>
+          <a:lnRef idx="2">
+            <a:schemeClr val="dk1"/>
+          </a:lnRef>
+          <a:fillRef idx="1">
+            <a:schemeClr val="lt1"/>
+          </a:fillRef>
+          <a:effectRef idx="0">
+            <a:schemeClr val="dk1"/>
+          </a:effectRef>
+          <a:fontRef idx="minor">
+            <a:schemeClr val="dk1"/>
+          </a:fontRef>
+        </p:style>
+        <p:txBody>
+          <a:bodyPr rtlCol="0" anchor="ctr"/>
+          <a:lstStyle/>
+          <a:p>
+            <a:pPr algn="ctr"/>
+            <a:endParaRPr lang="en-US"/>
+          </a:p>
+        </p:txBody>
+      </p:sp>
+      <p:cxnSp>
+        <p:nvCxnSpPr>
+          <p:cNvPr id="28" name="Straight Arrow Connector 27"/>
+          <p:cNvCxnSpPr>
+            <a:stCxn id="24" idx="0"/>
+          </p:cNvCxnSpPr>
+          <p:nvPr/>
+        </p:nvCxnSpPr>
+        <p:spPr>
+          <a:xfrm flipV="1">
+            <a:off x="6928687" y="4032340"/>
+            <a:ext cx="413013" cy="435934"/>
+          </a:xfrm>
+          <a:prstGeom prst="straightConnector1">
+            <a:avLst/>
+          </a:prstGeom>
+          <a:ln w="28575" cmpd="sng">
+            <a:tailEnd type="arrow"/>
+          </a:ln>
+          <a:effectLst/>
+        </p:spPr>
+        <p:style>
+          <a:lnRef idx="2">
+            <a:schemeClr val="dk1"/>
+          </a:lnRef>
+          <a:fillRef idx="0">
+            <a:schemeClr val="dk1"/>
+          </a:fillRef>
+          <a:effectRef idx="1">
+            <a:schemeClr val="dk1"/>
+          </a:effectRef>
+          <a:fontRef idx="minor">
+            <a:schemeClr val="tx1"/>
+          </a:fontRef>
+        </p:style>
+      </p:cxnSp>
+      <p:sp>
+        <p:nvSpPr>
+          <p:cNvPr id="29" name="Rectangle 28"/>
+          <p:cNvSpPr/>
+          <p:nvPr/>
+        </p:nvSpPr>
+        <p:spPr>
+          <a:xfrm rot="17844090">
+            <a:off x="6788969" y="4425135"/>
+            <a:ext cx="121079" cy="121079"/>
+          </a:xfrm>
+          <a:prstGeom prst="rect">
+            <a:avLst/>
+          </a:prstGeom>
+          <a:ln w="12700" cmpd="sng"/>
+        </p:spPr>
+        <p:style>
+          <a:lnRef idx="2">
+            <a:schemeClr val="dk1"/>
+          </a:lnRef>
+          <a:fillRef idx="1">
+            <a:schemeClr val="lt1"/>
+          </a:fillRef>
+          <a:effectRef idx="0">
+            <a:schemeClr val="dk1"/>
+          </a:effectRef>
+          <a:fontRef idx="minor">
+            <a:schemeClr val="dk1"/>
+          </a:fontRef>
+        </p:style>
+        <p:txBody>
+          <a:bodyPr rtlCol="0" anchor="ctr"/>
+          <a:lstStyle/>
+          <a:p>
+            <a:pPr algn="ctr"/>
+            <a:endParaRPr lang="en-US"/>
+          </a:p>
+        </p:txBody>
+      </p:sp>
+      <p:cxnSp>
+        <p:nvCxnSpPr>
+          <p:cNvPr id="30" name="Straight Arrow Connector 29"/>
+          <p:cNvCxnSpPr/>
+          <p:nvPr/>
+        </p:nvCxnSpPr>
+        <p:spPr>
+          <a:xfrm rot="19635414">
+            <a:off x="7085374" y="4380189"/>
+            <a:ext cx="163266" cy="556685"/>
+          </a:xfrm>
+          <a:prstGeom prst="straightConnector1">
+            <a:avLst/>
+          </a:prstGeom>
+          <a:ln w="28575" cmpd="sng">
+            <a:tailEnd type="arrow"/>
+          </a:ln>
+          <a:effectLst/>
+        </p:spPr>
+        <p:style>
+          <a:lnRef idx="2">
+            <a:schemeClr val="dk1"/>
+          </a:lnRef>
+          <a:fillRef idx="0">
+            <a:schemeClr val="dk1"/>
+          </a:fillRef>
+          <a:effectRef idx="1">
+            <a:schemeClr val="dk1"/>
+          </a:effectRef>
+          <a:fontRef idx="minor">
+            <a:schemeClr val="tx1"/>
+          </a:fontRef>
+        </p:style>
+      </p:cxnSp>
+      <p:cxnSp>
+        <p:nvCxnSpPr>
+          <p:cNvPr id="31" name="Straight Arrow Connector 30"/>
+          <p:cNvCxnSpPr/>
+          <p:nvPr/>
+        </p:nvCxnSpPr>
+        <p:spPr>
+          <a:xfrm rot="19635414" flipH="1">
+            <a:off x="6587557" y="4554772"/>
+            <a:ext cx="442769" cy="209285"/>
+          </a:xfrm>
+          <a:prstGeom prst="straightConnector1">
+            <a:avLst/>
+          </a:prstGeom>
+          <a:ln w="28575" cmpd="sng">
+            <a:tailEnd type="arrow"/>
+          </a:ln>
+          <a:effectLst/>
+        </p:spPr>
+        <p:style>
+          <a:lnRef idx="2">
+            <a:schemeClr val="dk1"/>
+          </a:lnRef>
+          <a:fillRef idx="0">
+            <a:schemeClr val="dk1"/>
+          </a:fillRef>
+          <a:effectRef idx="1">
+            <a:schemeClr val="dk1"/>
+          </a:effectRef>
+          <a:fontRef idx="minor">
+            <a:schemeClr val="tx1"/>
+          </a:fontRef>
+        </p:style>
+      </p:cxnSp>
+      <p:sp>
+        <p:nvSpPr>
+          <p:cNvPr id="32" name="TextBox 31"/>
+          <p:cNvSpPr txBox="1"/>
+          <p:nvPr/>
+        </p:nvSpPr>
+        <p:spPr>
+          <a:xfrm>
+            <a:off x="6517125" y="3248501"/>
+            <a:ext cx="776882" cy="461665"/>
+          </a:xfrm>
+          <a:prstGeom prst="rect">
+            <a:avLst/>
+          </a:prstGeom>
+          <a:noFill/>
+        </p:spPr>
+        <p:txBody>
+          <a:bodyPr wrap="square" rtlCol="0">
+            <a:spAutoFit/>
+          </a:bodyPr>
+          <a:lstStyle/>
+          <a:p>
+            <a:r>
+              <a:rPr lang="en-US" sz="2400" dirty="0" smtClean="0"/>
+              <a:t>V</a:t>
+            </a:r>
+            <a:r>
+              <a:rPr lang="en-US" sz="2400" baseline="30000" dirty="0" smtClean="0"/>
+              <a:t>2</a:t>
+            </a:r>
+            <a:endParaRPr lang="en-US" sz="2400" baseline="30000" dirty="0"/>
+          </a:p>
+        </p:txBody>
+      </p:sp>
+      <p:sp>
+        <p:nvSpPr>
+          <p:cNvPr id="33" name="TextBox 32"/>
+          <p:cNvSpPr txBox="1"/>
+          <p:nvPr/>
+        </p:nvSpPr>
+        <p:spPr>
+          <a:xfrm>
+            <a:off x="6485084" y="1027632"/>
+            <a:ext cx="776882" cy="461665"/>
+          </a:xfrm>
+          <a:prstGeom prst="rect">
+            <a:avLst/>
+          </a:prstGeom>
+          <a:noFill/>
+        </p:spPr>
+        <p:txBody>
+          <a:bodyPr wrap="square" rtlCol="0">
+            <a:spAutoFit/>
+          </a:bodyPr>
+          <a:lstStyle/>
+          <a:p>
+            <a:r>
+              <a:rPr lang="en-US" sz="2400" dirty="0" smtClean="0"/>
+              <a:t>V</a:t>
+            </a:r>
+            <a:r>
+              <a:rPr lang="en-US" sz="2400" baseline="-25000" dirty="0" smtClean="0"/>
+              <a:t>cc</a:t>
+            </a:r>
+            <a:endParaRPr lang="en-US" sz="2400" baseline="-25000" dirty="0"/>
+          </a:p>
+        </p:txBody>
+      </p:sp>
+      <p:sp>
+        <p:nvSpPr>
+          <p:cNvPr id="43" name="Oval 42"/>
+          <p:cNvSpPr/>
+          <p:nvPr/>
+        </p:nvSpPr>
+        <p:spPr>
+          <a:xfrm>
+            <a:off x="3557459" y="3730301"/>
+            <a:ext cx="1475946" cy="1475946"/>
+          </a:xfrm>
+          <a:prstGeom prst="ellipse">
+            <a:avLst/>
+          </a:prstGeom>
+          <a:noFill/>
+        </p:spPr>
+        <p:style>
+          <a:lnRef idx="1">
+            <a:schemeClr val="accent1"/>
+          </a:lnRef>
+          <a:fillRef idx="3">
+            <a:schemeClr val="accent1"/>
+          </a:fillRef>
+          <a:effectRef idx="2">
+            <a:schemeClr val="accent1"/>
+          </a:effectRef>
+          <a:fontRef idx="minor">
+            <a:schemeClr val="lt1"/>
+          </a:fontRef>
+        </p:style>
+        <p:txBody>
+          <a:bodyPr rtlCol="0" anchor="ctr"/>
+          <a:lstStyle/>
+          <a:p>
+            <a:pPr algn="ctr"/>
+            <a:endParaRPr lang="en-US"/>
+          </a:p>
+        </p:txBody>
+      </p:sp>
+      <p:cxnSp>
+        <p:nvCxnSpPr>
+          <p:cNvPr id="44" name="Straight Arrow Connector 43"/>
+          <p:cNvCxnSpPr/>
+          <p:nvPr/>
+        </p:nvCxnSpPr>
+        <p:spPr>
+          <a:xfrm>
+            <a:off x="4264406" y="4464163"/>
+            <a:ext cx="224845" cy="736092"/>
+          </a:xfrm>
+          <a:prstGeom prst="straightConnector1">
+            <a:avLst/>
+          </a:prstGeom>
+          <a:ln w="28575" cmpd="sng">
+            <a:tailEnd type="arrow"/>
+          </a:ln>
+          <a:effectLst/>
+        </p:spPr>
+        <p:style>
+          <a:lnRef idx="2">
+            <a:schemeClr val="dk1"/>
+          </a:lnRef>
+          <a:fillRef idx="0">
+            <a:schemeClr val="dk1"/>
+          </a:fillRef>
+          <a:effectRef idx="1">
+            <a:schemeClr val="dk1"/>
+          </a:effectRef>
+          <a:fontRef idx="minor">
+            <a:schemeClr val="tx1"/>
+          </a:fontRef>
+        </p:style>
+      </p:cxnSp>
+      <p:sp>
+        <p:nvSpPr>
+          <p:cNvPr id="45" name="Oval 44"/>
+          <p:cNvSpPr/>
+          <p:nvPr/>
+        </p:nvSpPr>
+        <p:spPr>
+          <a:xfrm>
+            <a:off x="4232675" y="4452908"/>
+            <a:ext cx="65289" cy="65289"/>
+          </a:xfrm>
+          <a:prstGeom prst="ellipse">
+            <a:avLst/>
+          </a:prstGeom>
+        </p:spPr>
+        <p:style>
+          <a:lnRef idx="2">
+            <a:schemeClr val="dk1">
+              <a:shade val="50000"/>
+            </a:schemeClr>
+          </a:lnRef>
+          <a:fillRef idx="1">
+            <a:schemeClr val="dk1"/>
+          </a:fillRef>
+          <a:effectRef idx="0">
+            <a:schemeClr val="dk1"/>
+          </a:effectRef>
+          <a:fontRef idx="minor">
+            <a:schemeClr val="lt1"/>
+          </a:fontRef>
+        </p:style>
+        <p:txBody>
+          <a:bodyPr rtlCol="0" anchor="ctr"/>
+          <a:lstStyle/>
+          <a:p>
+            <a:pPr algn="ctr"/>
+            <a:endParaRPr lang="en-US"/>
+          </a:p>
+        </p:txBody>
+      </p:sp>
+      <p:cxnSp>
+        <p:nvCxnSpPr>
+          <p:cNvPr id="46" name="Straight Arrow Connector 45"/>
+          <p:cNvCxnSpPr/>
+          <p:nvPr/>
+        </p:nvCxnSpPr>
+        <p:spPr>
+          <a:xfrm rot="19527167" flipH="1">
+            <a:off x="3810715" y="4640267"/>
+            <a:ext cx="631433" cy="375772"/>
+          </a:xfrm>
+          <a:prstGeom prst="straightConnector1">
+            <a:avLst/>
+          </a:prstGeom>
+          <a:ln w="28575" cmpd="sng">
+            <a:tailEnd type="arrow"/>
+          </a:ln>
+          <a:effectLst/>
+        </p:spPr>
+        <p:style>
+          <a:lnRef idx="2">
+            <a:schemeClr val="dk1"/>
+          </a:lnRef>
+          <a:fillRef idx="0">
+            <a:schemeClr val="dk1"/>
+          </a:fillRef>
+          <a:effectRef idx="1">
+            <a:schemeClr val="dk1"/>
+          </a:effectRef>
+          <a:fontRef idx="minor">
+            <a:schemeClr val="tx1"/>
+          </a:fontRef>
+        </p:style>
+      </p:cxnSp>
+      <p:sp>
+        <p:nvSpPr>
+          <p:cNvPr id="47" name="Oval 46"/>
+          <p:cNvSpPr/>
+          <p:nvPr/>
+        </p:nvSpPr>
+        <p:spPr>
+          <a:xfrm rot="19527167">
+            <a:off x="4249212" y="4475015"/>
+            <a:ext cx="65289" cy="65289"/>
+          </a:xfrm>
+          <a:prstGeom prst="ellipse">
+            <a:avLst/>
+          </a:prstGeom>
+        </p:spPr>
+        <p:style>
+          <a:lnRef idx="2">
+            <a:schemeClr val="dk1">
+              <a:shade val="50000"/>
+            </a:schemeClr>
+          </a:lnRef>
+          <a:fillRef idx="1">
+            <a:schemeClr val="dk1"/>
+          </a:fillRef>
+          <a:effectRef idx="0">
+            <a:schemeClr val="dk1"/>
+          </a:effectRef>
+          <a:fontRef idx="minor">
+            <a:schemeClr val="lt1"/>
+          </a:fontRef>
+        </p:style>
+        <p:txBody>
+          <a:bodyPr rtlCol="0" anchor="ctr"/>
+          <a:lstStyle/>
+          <a:p>
+            <a:pPr algn="ctr"/>
+            <a:endParaRPr lang="en-US"/>
+          </a:p>
+        </p:txBody>
+      </p:sp>
+      <p:cxnSp>
+        <p:nvCxnSpPr>
+          <p:cNvPr id="50" name="Straight Arrow Connector 49"/>
+          <p:cNvCxnSpPr/>
+          <p:nvPr/>
+        </p:nvCxnSpPr>
+        <p:spPr>
+          <a:xfrm flipH="1" flipV="1">
+            <a:off x="3608013" y="4154130"/>
+            <a:ext cx="668629" cy="345139"/>
+          </a:xfrm>
+          <a:prstGeom prst="straightConnector1">
+            <a:avLst/>
+          </a:prstGeom>
+          <a:ln w="28575" cmpd="sng">
+            <a:tailEnd type="arrow"/>
+          </a:ln>
+          <a:effectLst/>
+        </p:spPr>
+        <p:style>
+          <a:lnRef idx="2">
+            <a:schemeClr val="dk1"/>
+          </a:lnRef>
+          <a:fillRef idx="0">
+            <a:schemeClr val="dk1"/>
+          </a:fillRef>
+          <a:effectRef idx="1">
+            <a:schemeClr val="dk1"/>
+          </a:effectRef>
+          <a:fontRef idx="minor">
+            <a:schemeClr val="tx1"/>
+          </a:fontRef>
+        </p:style>
+      </p:cxnSp>
+      <p:cxnSp>
+        <p:nvCxnSpPr>
+          <p:cNvPr id="51" name="Straight Arrow Connector 50"/>
+          <p:cNvCxnSpPr/>
+          <p:nvPr/>
+        </p:nvCxnSpPr>
+        <p:spPr>
+          <a:xfrm flipV="1">
+            <a:off x="4269314" y="4277034"/>
+            <a:ext cx="740460" cy="216619"/>
+          </a:xfrm>
+          <a:prstGeom prst="straightConnector1">
+            <a:avLst/>
+          </a:prstGeom>
+          <a:ln w="28575" cmpd="sng">
+            <a:tailEnd type="arrow"/>
+          </a:ln>
+          <a:effectLst/>
+        </p:spPr>
+        <p:style>
+          <a:lnRef idx="2">
+            <a:schemeClr val="dk1"/>
+          </a:lnRef>
+          <a:fillRef idx="0">
+            <a:schemeClr val="dk1"/>
+          </a:fillRef>
+          <a:effectRef idx="1">
+            <a:schemeClr val="dk1"/>
+          </a:effectRef>
+          <a:fontRef idx="minor">
+            <a:schemeClr val="tx1"/>
+          </a:fontRef>
+        </p:style>
+      </p:cxnSp>
+      <p:sp>
+        <p:nvSpPr>
+          <p:cNvPr id="53" name="TextBox 52"/>
+          <p:cNvSpPr txBox="1"/>
+          <p:nvPr/>
+        </p:nvSpPr>
+        <p:spPr>
+          <a:xfrm>
+            <a:off x="3929844" y="5213994"/>
+            <a:ext cx="1819858" cy="461665"/>
+          </a:xfrm>
+          <a:prstGeom prst="rect">
+            <a:avLst/>
+          </a:prstGeom>
+          <a:noFill/>
+        </p:spPr>
+        <p:txBody>
+          <a:bodyPr wrap="square" rtlCol="0">
+            <a:spAutoFit/>
+          </a:bodyPr>
+          <a:lstStyle/>
+          <a:p>
+            <a:r>
+              <a:rPr lang="en-US" sz="2400" dirty="0" err="1" smtClean="0"/>
+              <a:t>g</a:t>
+            </a:r>
+            <a:r>
+              <a:rPr lang="en-US" sz="2400" baseline="-25000" dirty="0" err="1" smtClean="0"/>
+              <a:t>end</a:t>
+            </a:r>
+            <a:endParaRPr lang="en-US" sz="2400" dirty="0"/>
+          </a:p>
+        </p:txBody>
+      </p:sp>
+    </p:spTree>
+    <p:extLst>
+      <p:ext uri="{BB962C8B-B14F-4D97-AF65-F5344CB8AC3E}">
+        <p14:creationId xmlns:p14="http://schemas.microsoft.com/office/powerpoint/2010/main" val="1467706622"/>
+      </p:ext>
+    </p:extLst>
+  </p:cSld>
+  <p:clrMapOvr>
+    <a:masterClrMapping/>
+  </p:clrMapOvr>
+</p:sld>
+</file>
+
 <file path=ppt/slides/slide2.xml><?xml version="1.0" encoding="utf-8"?>
 <p:sld xmlns:a="http://schemas.openxmlformats.org/drawingml/2006/main" xmlns:r="http://schemas.openxmlformats.org/officeDocument/2006/relationships" xmlns:p="http://schemas.openxmlformats.org/presentationml/2006/main">
   <p:cSld>

--- a/figures/figures.pptx
+++ b/figures/figures.pptx
@@ -9,21 +9,22 @@
     <p:sldId id="257" r:id="rId3"/>
     <p:sldId id="259" r:id="rId4"/>
     <p:sldId id="260" r:id="rId5"/>
-    <p:sldId id="258" r:id="rId6"/>
-    <p:sldId id="261" r:id="rId7"/>
-    <p:sldId id="262" r:id="rId8"/>
-    <p:sldId id="263" r:id="rId9"/>
-    <p:sldId id="264" r:id="rId10"/>
-    <p:sldId id="265" r:id="rId11"/>
-    <p:sldId id="266" r:id="rId12"/>
-    <p:sldId id="267" r:id="rId13"/>
-    <p:sldId id="268" r:id="rId14"/>
-    <p:sldId id="269" r:id="rId15"/>
-    <p:sldId id="270" r:id="rId16"/>
-    <p:sldId id="271" r:id="rId17"/>
-    <p:sldId id="272" r:id="rId18"/>
-    <p:sldId id="273" r:id="rId19"/>
-    <p:sldId id="274" r:id="rId20"/>
+    <p:sldId id="275" r:id="rId6"/>
+    <p:sldId id="258" r:id="rId7"/>
+    <p:sldId id="261" r:id="rId8"/>
+    <p:sldId id="262" r:id="rId9"/>
+    <p:sldId id="263" r:id="rId10"/>
+    <p:sldId id="264" r:id="rId11"/>
+    <p:sldId id="265" r:id="rId12"/>
+    <p:sldId id="266" r:id="rId13"/>
+    <p:sldId id="267" r:id="rId14"/>
+    <p:sldId id="268" r:id="rId15"/>
+    <p:sldId id="269" r:id="rId16"/>
+    <p:sldId id="270" r:id="rId17"/>
+    <p:sldId id="271" r:id="rId18"/>
+    <p:sldId id="272" r:id="rId19"/>
+    <p:sldId id="273" r:id="rId20"/>
+    <p:sldId id="274" r:id="rId21"/>
   </p:sldIdLst>
   <p:sldSz cx="9144000" cy="6858000" type="screen4x3"/>
   <p:notesSz cx="6858000" cy="9144000"/>
@@ -3517,6 +3518,999 @@
           <a:chExt cx="0" cy="0"/>
         </a:xfrm>
       </p:grpSpPr>
+      <p:grpSp>
+        <p:nvGrpSpPr>
+          <p:cNvPr id="14" name="Group 13"/>
+          <p:cNvGrpSpPr/>
+          <p:nvPr/>
+        </p:nvGrpSpPr>
+        <p:grpSpPr>
+          <a:xfrm>
+            <a:off x="1366762" y="2162022"/>
+            <a:ext cx="520096" cy="520096"/>
+            <a:chOff x="2467428" y="1596571"/>
+            <a:chExt cx="520096" cy="520096"/>
+          </a:xfrm>
+        </p:grpSpPr>
+        <p:cxnSp>
+          <p:nvCxnSpPr>
+            <p:cNvPr id="10" name="Straight Arrow Connector 9"/>
+            <p:cNvCxnSpPr/>
+            <p:nvPr/>
+          </p:nvCxnSpPr>
+          <p:spPr>
+            <a:xfrm flipV="1">
+              <a:off x="2467428" y="1596571"/>
+              <a:ext cx="0" cy="520096"/>
+            </a:xfrm>
+            <a:prstGeom prst="straightConnector1">
+              <a:avLst/>
+            </a:prstGeom>
+            <a:ln>
+              <a:solidFill>
+                <a:schemeClr val="bg1">
+                  <a:lumMod val="50000"/>
+                </a:schemeClr>
+              </a:solidFill>
+              <a:tailEnd type="arrow"/>
+            </a:ln>
+            <a:effectLst/>
+          </p:spPr>
+          <p:style>
+            <a:lnRef idx="2">
+              <a:schemeClr val="dk1"/>
+            </a:lnRef>
+            <a:fillRef idx="0">
+              <a:schemeClr val="dk1"/>
+            </a:fillRef>
+            <a:effectRef idx="1">
+              <a:schemeClr val="dk1"/>
+            </a:effectRef>
+            <a:fontRef idx="minor">
+              <a:schemeClr val="tx1"/>
+            </a:fontRef>
+          </p:style>
+        </p:cxnSp>
+        <p:cxnSp>
+          <p:nvCxnSpPr>
+            <p:cNvPr id="11" name="Straight Arrow Connector 10"/>
+            <p:cNvCxnSpPr/>
+            <p:nvPr/>
+          </p:nvCxnSpPr>
+          <p:spPr>
+            <a:xfrm rot="5400000" flipV="1">
+              <a:off x="2727476" y="1845733"/>
+              <a:ext cx="0" cy="520096"/>
+            </a:xfrm>
+            <a:prstGeom prst="straightConnector1">
+              <a:avLst/>
+            </a:prstGeom>
+            <a:ln>
+              <a:solidFill>
+                <a:schemeClr val="bg1">
+                  <a:lumMod val="50000"/>
+                </a:schemeClr>
+              </a:solidFill>
+              <a:tailEnd type="arrow"/>
+            </a:ln>
+            <a:effectLst/>
+          </p:spPr>
+          <p:style>
+            <a:lnRef idx="2">
+              <a:schemeClr val="dk1"/>
+            </a:lnRef>
+            <a:fillRef idx="0">
+              <a:schemeClr val="dk1"/>
+            </a:fillRef>
+            <a:effectRef idx="1">
+              <a:schemeClr val="dk1"/>
+            </a:effectRef>
+            <a:fontRef idx="minor">
+              <a:schemeClr val="tx1"/>
+            </a:fontRef>
+          </p:style>
+        </p:cxnSp>
+      </p:grpSp>
+      <p:cxnSp>
+        <p:nvCxnSpPr>
+          <p:cNvPr id="20" name="Straight Arrow Connector 19"/>
+          <p:cNvCxnSpPr/>
+          <p:nvPr/>
+        </p:nvCxnSpPr>
+        <p:spPr>
+          <a:xfrm flipV="1">
+            <a:off x="1366762" y="1717522"/>
+            <a:ext cx="929821" cy="964597"/>
+          </a:xfrm>
+          <a:prstGeom prst="straightConnector1">
+            <a:avLst/>
+          </a:prstGeom>
+          <a:ln w="28575" cmpd="sng">
+            <a:tailEnd type="arrow"/>
+          </a:ln>
+          <a:effectLst/>
+        </p:spPr>
+        <p:style>
+          <a:lnRef idx="2">
+            <a:schemeClr val="dk1"/>
+          </a:lnRef>
+          <a:fillRef idx="0">
+            <a:schemeClr val="dk1"/>
+          </a:fillRef>
+          <a:effectRef idx="1">
+            <a:schemeClr val="dk1"/>
+          </a:effectRef>
+          <a:fontRef idx="minor">
+            <a:schemeClr val="tx1"/>
+          </a:fontRef>
+        </p:style>
+      </p:cxnSp>
+      <p:sp>
+        <p:nvSpPr>
+          <p:cNvPr id="24" name="TextBox 23"/>
+          <p:cNvSpPr txBox="1"/>
+          <p:nvPr/>
+        </p:nvSpPr>
+        <p:spPr>
+          <a:xfrm>
+            <a:off x="1602621" y="1741503"/>
+            <a:ext cx="399142" cy="369332"/>
+          </a:xfrm>
+          <a:prstGeom prst="rect">
+            <a:avLst/>
+          </a:prstGeom>
+          <a:noFill/>
+        </p:spPr>
+        <p:txBody>
+          <a:bodyPr wrap="square" rtlCol="0">
+            <a:spAutoFit/>
+          </a:bodyPr>
+          <a:lstStyle/>
+          <a:p>
+            <a:r>
+              <a:rPr lang="en-US" dirty="0" smtClean="0"/>
+              <a:t>X</a:t>
+            </a:r>
+            <a:r>
+              <a:rPr lang="en-US" baseline="-25000" dirty="0" smtClean="0"/>
+              <a:t>0</a:t>
+            </a:r>
+            <a:endParaRPr lang="en-US" baseline="-25000" dirty="0"/>
+          </a:p>
+        </p:txBody>
+      </p:sp>
+      <p:cxnSp>
+        <p:nvCxnSpPr>
+          <p:cNvPr id="25" name="Straight Arrow Connector 24"/>
+          <p:cNvCxnSpPr/>
+          <p:nvPr/>
+        </p:nvCxnSpPr>
+        <p:spPr>
+          <a:xfrm flipV="1">
+            <a:off x="2296583" y="1400022"/>
+            <a:ext cx="751417" cy="317502"/>
+          </a:xfrm>
+          <a:prstGeom prst="straightConnector1">
+            <a:avLst/>
+          </a:prstGeom>
+          <a:ln w="28575" cmpd="sng">
+            <a:tailEnd type="arrow"/>
+          </a:ln>
+          <a:effectLst/>
+        </p:spPr>
+        <p:style>
+          <a:lnRef idx="2">
+            <a:schemeClr val="dk1"/>
+          </a:lnRef>
+          <a:fillRef idx="0">
+            <a:schemeClr val="dk1"/>
+          </a:fillRef>
+          <a:effectRef idx="1">
+            <a:schemeClr val="dk1"/>
+          </a:effectRef>
+          <a:fontRef idx="minor">
+            <a:schemeClr val="tx1"/>
+          </a:fontRef>
+        </p:style>
+      </p:cxnSp>
+      <p:sp>
+        <p:nvSpPr>
+          <p:cNvPr id="28" name="TextBox 27"/>
+          <p:cNvSpPr txBox="1"/>
+          <p:nvPr/>
+        </p:nvSpPr>
+        <p:spPr>
+          <a:xfrm>
+            <a:off x="2587574" y="1471402"/>
+            <a:ext cx="399142" cy="369332"/>
+          </a:xfrm>
+          <a:prstGeom prst="rect">
+            <a:avLst/>
+          </a:prstGeom>
+          <a:noFill/>
+        </p:spPr>
+        <p:txBody>
+          <a:bodyPr wrap="square" rtlCol="0">
+            <a:spAutoFit/>
+          </a:bodyPr>
+          <a:lstStyle/>
+          <a:p>
+            <a:r>
+              <a:rPr lang="en-US" dirty="0" smtClean="0"/>
+              <a:t>v</a:t>
+            </a:r>
+            <a:r>
+              <a:rPr lang="en-US" baseline="-25000" dirty="0" smtClean="0"/>
+              <a:t>0</a:t>
+            </a:r>
+            <a:endParaRPr lang="en-US" baseline="-25000" dirty="0"/>
+          </a:p>
+        </p:txBody>
+      </p:sp>
+      <p:cxnSp>
+        <p:nvCxnSpPr>
+          <p:cNvPr id="34" name="Straight Arrow Connector 33"/>
+          <p:cNvCxnSpPr/>
+          <p:nvPr/>
+        </p:nvCxnSpPr>
+        <p:spPr>
+          <a:xfrm>
+            <a:off x="2296583" y="1722066"/>
+            <a:ext cx="1511" cy="546098"/>
+          </a:xfrm>
+          <a:prstGeom prst="straightConnector1">
+            <a:avLst/>
+          </a:prstGeom>
+          <a:ln w="28575" cmpd="sng">
+            <a:tailEnd type="arrow"/>
+          </a:ln>
+          <a:effectLst/>
+        </p:spPr>
+        <p:style>
+          <a:lnRef idx="2">
+            <a:schemeClr val="dk1"/>
+          </a:lnRef>
+          <a:fillRef idx="0">
+            <a:schemeClr val="dk1"/>
+          </a:fillRef>
+          <a:effectRef idx="1">
+            <a:schemeClr val="dk1"/>
+          </a:effectRef>
+          <a:fontRef idx="minor">
+            <a:schemeClr val="tx1"/>
+          </a:fontRef>
+        </p:style>
+      </p:cxnSp>
+      <p:grpSp>
+        <p:nvGrpSpPr>
+          <p:cNvPr id="37" name="Group 36"/>
+          <p:cNvGrpSpPr/>
+          <p:nvPr/>
+        </p:nvGrpSpPr>
+        <p:grpSpPr>
+          <a:xfrm>
+            <a:off x="4864496" y="2162929"/>
+            <a:ext cx="520096" cy="520096"/>
+            <a:chOff x="2467428" y="1596571"/>
+            <a:chExt cx="520096" cy="520096"/>
+          </a:xfrm>
+        </p:grpSpPr>
+        <p:cxnSp>
+          <p:nvCxnSpPr>
+            <p:cNvPr id="38" name="Straight Arrow Connector 37"/>
+            <p:cNvCxnSpPr/>
+            <p:nvPr/>
+          </p:nvCxnSpPr>
+          <p:spPr>
+            <a:xfrm flipV="1">
+              <a:off x="2467428" y="1596571"/>
+              <a:ext cx="0" cy="520096"/>
+            </a:xfrm>
+            <a:prstGeom prst="straightConnector1">
+              <a:avLst/>
+            </a:prstGeom>
+            <a:ln>
+              <a:solidFill>
+                <a:schemeClr val="bg1">
+                  <a:lumMod val="50000"/>
+                </a:schemeClr>
+              </a:solidFill>
+              <a:tailEnd type="arrow"/>
+            </a:ln>
+            <a:effectLst/>
+          </p:spPr>
+          <p:style>
+            <a:lnRef idx="2">
+              <a:schemeClr val="dk1"/>
+            </a:lnRef>
+            <a:fillRef idx="0">
+              <a:schemeClr val="dk1"/>
+            </a:fillRef>
+            <a:effectRef idx="1">
+              <a:schemeClr val="dk1"/>
+            </a:effectRef>
+            <a:fontRef idx="minor">
+              <a:schemeClr val="tx1"/>
+            </a:fontRef>
+          </p:style>
+        </p:cxnSp>
+        <p:cxnSp>
+          <p:nvCxnSpPr>
+            <p:cNvPr id="39" name="Straight Arrow Connector 38"/>
+            <p:cNvCxnSpPr/>
+            <p:nvPr/>
+          </p:nvCxnSpPr>
+          <p:spPr>
+            <a:xfrm rot="5400000" flipV="1">
+              <a:off x="2727476" y="1845733"/>
+              <a:ext cx="0" cy="520096"/>
+            </a:xfrm>
+            <a:prstGeom prst="straightConnector1">
+              <a:avLst/>
+            </a:prstGeom>
+            <a:ln>
+              <a:solidFill>
+                <a:schemeClr val="bg1">
+                  <a:lumMod val="50000"/>
+                </a:schemeClr>
+              </a:solidFill>
+              <a:tailEnd type="arrow"/>
+            </a:ln>
+            <a:effectLst/>
+          </p:spPr>
+          <p:style>
+            <a:lnRef idx="2">
+              <a:schemeClr val="dk1"/>
+            </a:lnRef>
+            <a:fillRef idx="0">
+              <a:schemeClr val="dk1"/>
+            </a:fillRef>
+            <a:effectRef idx="1">
+              <a:schemeClr val="dk1"/>
+            </a:effectRef>
+            <a:fontRef idx="minor">
+              <a:schemeClr val="tx1"/>
+            </a:fontRef>
+          </p:style>
+        </p:cxnSp>
+      </p:grpSp>
+      <p:sp>
+        <p:nvSpPr>
+          <p:cNvPr id="46" name="Right Arrow 45"/>
+          <p:cNvSpPr/>
+          <p:nvPr/>
+        </p:nvSpPr>
+        <p:spPr>
+          <a:xfrm>
+            <a:off x="3226741" y="1780098"/>
+            <a:ext cx="1476963" cy="1024314"/>
+          </a:xfrm>
+          <a:prstGeom prst="rightArrow">
+            <a:avLst/>
+          </a:prstGeom>
+        </p:spPr>
+        <p:style>
+          <a:lnRef idx="1">
+            <a:schemeClr val="dk1"/>
+          </a:lnRef>
+          <a:fillRef idx="3">
+            <a:schemeClr val="dk1"/>
+          </a:fillRef>
+          <a:effectRef idx="2">
+            <a:schemeClr val="dk1"/>
+          </a:effectRef>
+          <a:fontRef idx="minor">
+            <a:schemeClr val="lt1"/>
+          </a:fontRef>
+        </p:style>
+        <p:txBody>
+          <a:bodyPr rtlCol="0" anchor="ctr"/>
+          <a:lstStyle/>
+          <a:p>
+            <a:pPr algn="ctr"/>
+            <a:r>
+              <a:rPr lang="en-US" dirty="0" smtClean="0"/>
+              <a:t>Integration</a:t>
+            </a:r>
+            <a:endParaRPr lang="en-US" dirty="0"/>
+          </a:p>
+        </p:txBody>
+      </p:sp>
+      <p:sp>
+        <p:nvSpPr>
+          <p:cNvPr id="47" name="Oval 46"/>
+          <p:cNvSpPr/>
+          <p:nvPr/>
+        </p:nvSpPr>
+        <p:spPr>
+          <a:xfrm>
+            <a:off x="5743911" y="1648302"/>
+            <a:ext cx="100811" cy="100811"/>
+          </a:xfrm>
+          <a:prstGeom prst="ellipse">
+            <a:avLst/>
+          </a:prstGeom>
+          <a:solidFill>
+            <a:schemeClr val="tx1"/>
+          </a:solidFill>
+          <a:effectLst/>
+        </p:spPr>
+        <p:style>
+          <a:lnRef idx="1">
+            <a:schemeClr val="dk1"/>
+          </a:lnRef>
+          <a:fillRef idx="3">
+            <a:schemeClr val="dk1"/>
+          </a:fillRef>
+          <a:effectRef idx="2">
+            <a:schemeClr val="dk1"/>
+          </a:effectRef>
+          <a:fontRef idx="minor">
+            <a:schemeClr val="lt1"/>
+          </a:fontRef>
+        </p:style>
+        <p:txBody>
+          <a:bodyPr rtlCol="0" anchor="ctr"/>
+          <a:lstStyle/>
+          <a:p>
+            <a:pPr algn="ctr"/>
+            <a:endParaRPr lang="en-US"/>
+          </a:p>
+        </p:txBody>
+      </p:sp>
+      <p:sp>
+        <p:nvSpPr>
+          <p:cNvPr id="62" name="Freeform 61"/>
+          <p:cNvSpPr/>
+          <p:nvPr/>
+        </p:nvSpPr>
+        <p:spPr>
+          <a:xfrm>
+            <a:off x="5766741" y="1432132"/>
+            <a:ext cx="1770673" cy="1423013"/>
+          </a:xfrm>
+          <a:custGeom>
+            <a:avLst/>
+            <a:gdLst>
+              <a:gd name="connsiteX0" fmla="*/ 0 w 1815629"/>
+              <a:gd name="connsiteY0" fmla="*/ 281103 h 854955"/>
+              <a:gd name="connsiteX1" fmla="*/ 1044222 w 1815629"/>
+              <a:gd name="connsiteY1" fmla="*/ 27103 h 854955"/>
+              <a:gd name="connsiteX2" fmla="*/ 1815629 w 1815629"/>
+              <a:gd name="connsiteY2" fmla="*/ 854955 h 854955"/>
+              <a:gd name="connsiteX0" fmla="*/ 0 w 1815629"/>
+              <a:gd name="connsiteY0" fmla="*/ 281103 h 854955"/>
+              <a:gd name="connsiteX1" fmla="*/ 1044222 w 1815629"/>
+              <a:gd name="connsiteY1" fmla="*/ 27103 h 854955"/>
+              <a:gd name="connsiteX2" fmla="*/ 1653688 w 1815629"/>
+              <a:gd name="connsiteY2" fmla="*/ 576099 h 854955"/>
+              <a:gd name="connsiteX3" fmla="*/ 1815629 w 1815629"/>
+              <a:gd name="connsiteY3" fmla="*/ 854955 h 854955"/>
+              <a:gd name="connsiteX0" fmla="*/ 0 w 1667504"/>
+              <a:gd name="connsiteY0" fmla="*/ 281103 h 1444597"/>
+              <a:gd name="connsiteX1" fmla="*/ 1044222 w 1667504"/>
+              <a:gd name="connsiteY1" fmla="*/ 27103 h 1444597"/>
+              <a:gd name="connsiteX2" fmla="*/ 1653688 w 1667504"/>
+              <a:gd name="connsiteY2" fmla="*/ 576099 h 1444597"/>
+              <a:gd name="connsiteX3" fmla="*/ 990129 w 1667504"/>
+              <a:gd name="connsiteY3" fmla="*/ 1444597 h 1444597"/>
+              <a:gd name="connsiteX0" fmla="*/ 0 w 1689834"/>
+              <a:gd name="connsiteY0" fmla="*/ 281103 h 1444597"/>
+              <a:gd name="connsiteX1" fmla="*/ 1044222 w 1689834"/>
+              <a:gd name="connsiteY1" fmla="*/ 27103 h 1444597"/>
+              <a:gd name="connsiteX2" fmla="*/ 1653688 w 1689834"/>
+              <a:gd name="connsiteY2" fmla="*/ 576099 h 1444597"/>
+              <a:gd name="connsiteX3" fmla="*/ 990129 w 1689834"/>
+              <a:gd name="connsiteY3" fmla="*/ 1444597 h 1444597"/>
+              <a:gd name="connsiteX0" fmla="*/ 0 w 1773627"/>
+              <a:gd name="connsiteY0" fmla="*/ 281103 h 1444597"/>
+              <a:gd name="connsiteX1" fmla="*/ 1044222 w 1773627"/>
+              <a:gd name="connsiteY1" fmla="*/ 27103 h 1444597"/>
+              <a:gd name="connsiteX2" fmla="*/ 1744402 w 1773627"/>
+              <a:gd name="connsiteY2" fmla="*/ 576099 h 1444597"/>
+              <a:gd name="connsiteX3" fmla="*/ 990129 w 1773627"/>
+              <a:gd name="connsiteY3" fmla="*/ 1444597 h 1444597"/>
+              <a:gd name="connsiteX0" fmla="*/ 0 w 1770673"/>
+              <a:gd name="connsiteY0" fmla="*/ 281103 h 1444597"/>
+              <a:gd name="connsiteX1" fmla="*/ 1044222 w 1770673"/>
+              <a:gd name="connsiteY1" fmla="*/ 27103 h 1444597"/>
+              <a:gd name="connsiteX2" fmla="*/ 1744402 w 1770673"/>
+              <a:gd name="connsiteY2" fmla="*/ 576099 h 1444597"/>
+              <a:gd name="connsiteX3" fmla="*/ 990129 w 1770673"/>
+              <a:gd name="connsiteY3" fmla="*/ 1444597 h 1444597"/>
+              <a:gd name="connsiteX0" fmla="*/ 0 w 1770673"/>
+              <a:gd name="connsiteY0" fmla="*/ 281103 h 1444597"/>
+              <a:gd name="connsiteX1" fmla="*/ 1044222 w 1770673"/>
+              <a:gd name="connsiteY1" fmla="*/ 27103 h 1444597"/>
+              <a:gd name="connsiteX2" fmla="*/ 1744402 w 1770673"/>
+              <a:gd name="connsiteY2" fmla="*/ 576099 h 1444597"/>
+              <a:gd name="connsiteX3" fmla="*/ 990129 w 1770673"/>
+              <a:gd name="connsiteY3" fmla="*/ 1444597 h 1444597"/>
+              <a:gd name="connsiteX0" fmla="*/ 0 w 1770673"/>
+              <a:gd name="connsiteY0" fmla="*/ 259519 h 1423013"/>
+              <a:gd name="connsiteX1" fmla="*/ 1044222 w 1770673"/>
+              <a:gd name="connsiteY1" fmla="*/ 5519 h 1423013"/>
+              <a:gd name="connsiteX2" fmla="*/ 1744402 w 1770673"/>
+              <a:gd name="connsiteY2" fmla="*/ 554515 h 1423013"/>
+              <a:gd name="connsiteX3" fmla="*/ 990129 w 1770673"/>
+              <a:gd name="connsiteY3" fmla="*/ 1423013 h 1423013"/>
+              <a:gd name="connsiteX0" fmla="*/ 0 w 1770673"/>
+              <a:gd name="connsiteY0" fmla="*/ 259519 h 1423013"/>
+              <a:gd name="connsiteX1" fmla="*/ 1044222 w 1770673"/>
+              <a:gd name="connsiteY1" fmla="*/ 5519 h 1423013"/>
+              <a:gd name="connsiteX2" fmla="*/ 1744402 w 1770673"/>
+              <a:gd name="connsiteY2" fmla="*/ 554515 h 1423013"/>
+              <a:gd name="connsiteX3" fmla="*/ 990129 w 1770673"/>
+              <a:gd name="connsiteY3" fmla="*/ 1423013 h 1423013"/>
+            </a:gdLst>
+            <a:ahLst/>
+            <a:cxnLst>
+              <a:cxn ang="0">
+                <a:pos x="connsiteX0" y="connsiteY0"/>
+              </a:cxn>
+              <a:cxn ang="0">
+                <a:pos x="connsiteX1" y="connsiteY1"/>
+              </a:cxn>
+              <a:cxn ang="0">
+                <a:pos x="connsiteX2" y="connsiteY2"/>
+              </a:cxn>
+              <a:cxn ang="0">
+                <a:pos x="connsiteX3" y="connsiteY3"/>
+              </a:cxn>
+            </a:cxnLst>
+            <a:rect l="l" t="t" r="r" b="b"/>
+            <a:pathLst>
+              <a:path w="1770673" h="1423013">
+                <a:moveTo>
+                  <a:pt x="0" y="259519"/>
+                </a:moveTo>
+                <a:cubicBezTo>
+                  <a:pt x="370808" y="84698"/>
+                  <a:pt x="532974" y="-26623"/>
+                  <a:pt x="1044222" y="5519"/>
+                </a:cubicBezTo>
+                <a:cubicBezTo>
+                  <a:pt x="1409038" y="90970"/>
+                  <a:pt x="1633977" y="262326"/>
+                  <a:pt x="1744402" y="554515"/>
+                </a:cubicBezTo>
+                <a:cubicBezTo>
+                  <a:pt x="1863899" y="937419"/>
+                  <a:pt x="1569412" y="1222323"/>
+                  <a:pt x="990129" y="1423013"/>
+                </a:cubicBezTo>
+              </a:path>
+            </a:pathLst>
+          </a:custGeom>
+          <a:ln>
+            <a:prstDash val="dash"/>
+            <a:headEnd type="none"/>
+            <a:tailEnd type="arrow"/>
+          </a:ln>
+        </p:spPr>
+        <p:style>
+          <a:lnRef idx="2">
+            <a:schemeClr val="dk1"/>
+          </a:lnRef>
+          <a:fillRef idx="0">
+            <a:schemeClr val="dk1"/>
+          </a:fillRef>
+          <a:effectRef idx="1">
+            <a:schemeClr val="dk1"/>
+          </a:effectRef>
+          <a:fontRef idx="minor">
+            <a:schemeClr val="tx1"/>
+          </a:fontRef>
+        </p:style>
+        <p:txBody>
+          <a:bodyPr rtlCol="0" anchor="ctr"/>
+          <a:lstStyle/>
+          <a:p>
+            <a:pPr algn="ctr"/>
+            <a:endParaRPr lang="en-US"/>
+          </a:p>
+        </p:txBody>
+      </p:sp>
+      <p:sp>
+        <p:nvSpPr>
+          <p:cNvPr id="63" name="TextBox 62"/>
+          <p:cNvSpPr txBox="1"/>
+          <p:nvPr/>
+        </p:nvSpPr>
+        <p:spPr>
+          <a:xfrm>
+            <a:off x="5445580" y="1282452"/>
+            <a:ext cx="518716" cy="369332"/>
+          </a:xfrm>
+          <a:prstGeom prst="rect">
+            <a:avLst/>
+          </a:prstGeom>
+          <a:noFill/>
+        </p:spPr>
+        <p:txBody>
+          <a:bodyPr wrap="square" rtlCol="0">
+            <a:spAutoFit/>
+          </a:bodyPr>
+          <a:lstStyle/>
+          <a:p>
+            <a:r>
+              <a:rPr lang="en-US" dirty="0" smtClean="0"/>
+              <a:t>t=1</a:t>
+            </a:r>
+            <a:endParaRPr lang="en-US" baseline="-25000" dirty="0"/>
+          </a:p>
+        </p:txBody>
+      </p:sp>
+      <p:sp>
+        <p:nvSpPr>
+          <p:cNvPr id="64" name="TextBox 63"/>
+          <p:cNvSpPr txBox="1"/>
+          <p:nvPr/>
+        </p:nvSpPr>
+        <p:spPr>
+          <a:xfrm>
+            <a:off x="6548227" y="2315814"/>
+            <a:ext cx="518716" cy="369332"/>
+          </a:xfrm>
+          <a:prstGeom prst="rect">
+            <a:avLst/>
+          </a:prstGeom>
+          <a:noFill/>
+        </p:spPr>
+        <p:txBody>
+          <a:bodyPr wrap="square" rtlCol="0">
+            <a:spAutoFit/>
+          </a:bodyPr>
+          <a:lstStyle/>
+          <a:p>
+            <a:r>
+              <a:rPr lang="en-US" dirty="0" smtClean="0"/>
+              <a:t>t=2</a:t>
+            </a:r>
+            <a:endParaRPr lang="en-US" baseline="-25000" dirty="0"/>
+          </a:p>
+        </p:txBody>
+      </p:sp>
+      <p:grpSp>
+        <p:nvGrpSpPr>
+          <p:cNvPr id="35" name="Group 34"/>
+          <p:cNvGrpSpPr/>
+          <p:nvPr/>
+        </p:nvGrpSpPr>
+        <p:grpSpPr>
+          <a:xfrm>
+            <a:off x="3404815" y="227422"/>
+            <a:ext cx="1372398" cy="1379838"/>
+            <a:chOff x="4212907" y="3425568"/>
+            <a:chExt cx="1372398" cy="1379838"/>
+          </a:xfrm>
+        </p:grpSpPr>
+        <p:sp>
+          <p:nvSpPr>
+            <p:cNvPr id="33" name="Rectangle 32"/>
+            <p:cNvSpPr/>
+            <p:nvPr/>
+          </p:nvSpPr>
+          <p:spPr>
+            <a:xfrm>
+              <a:off x="4212907" y="3425568"/>
+              <a:ext cx="1372398" cy="1379838"/>
+            </a:xfrm>
+            <a:prstGeom prst="rect">
+              <a:avLst/>
+            </a:prstGeom>
+            <a:noFill/>
+            <a:ln w="12700" cmpd="sng"/>
+          </p:spPr>
+          <p:style>
+            <a:lnRef idx="2">
+              <a:schemeClr val="dk1"/>
+            </a:lnRef>
+            <a:fillRef idx="1">
+              <a:schemeClr val="lt1"/>
+            </a:fillRef>
+            <a:effectRef idx="0">
+              <a:schemeClr val="dk1"/>
+            </a:effectRef>
+            <a:fontRef idx="minor">
+              <a:schemeClr val="dk1"/>
+            </a:fontRef>
+          </p:style>
+          <p:txBody>
+            <a:bodyPr rtlCol="0" anchor="ctr"/>
+            <a:lstStyle/>
+            <a:p>
+              <a:pPr algn="ctr"/>
+              <a:endParaRPr lang="en-US"/>
+            </a:p>
+          </p:txBody>
+        </p:sp>
+        <p:sp>
+          <p:nvSpPr>
+            <p:cNvPr id="4" name="Arc 3"/>
+            <p:cNvSpPr/>
+            <p:nvPr/>
+          </p:nvSpPr>
+          <p:spPr>
+            <a:xfrm rot="10800000">
+              <a:off x="4442305" y="3493234"/>
+              <a:ext cx="1143000" cy="1141532"/>
+            </a:xfrm>
+            <a:prstGeom prst="arc">
+              <a:avLst>
+                <a:gd name="adj1" fmla="val 16200000"/>
+                <a:gd name="adj2" fmla="val 19872330"/>
+              </a:avLst>
+            </a:prstGeom>
+            <a:ln>
+              <a:solidFill>
+                <a:schemeClr val="bg1">
+                  <a:lumMod val="50000"/>
+                </a:schemeClr>
+              </a:solidFill>
+              <a:prstDash val="sysDash"/>
+              <a:headEnd type="none"/>
+              <a:tailEnd type="arrow"/>
+            </a:ln>
+          </p:spPr>
+          <p:style>
+            <a:lnRef idx="2">
+              <a:schemeClr val="dk1"/>
+            </a:lnRef>
+            <a:fillRef idx="0">
+              <a:schemeClr val="dk1"/>
+            </a:fillRef>
+            <a:effectRef idx="1">
+              <a:schemeClr val="dk1"/>
+            </a:effectRef>
+            <a:fontRef idx="minor">
+              <a:schemeClr val="tx1"/>
+            </a:fontRef>
+          </p:style>
+          <p:txBody>
+            <a:bodyPr rtlCol="0" anchor="ctr"/>
+            <a:lstStyle/>
+            <a:p>
+              <a:pPr algn="ctr"/>
+              <a:endParaRPr lang="en-US"/>
+            </a:p>
+          </p:txBody>
+        </p:sp>
+        <p:sp>
+          <p:nvSpPr>
+            <p:cNvPr id="36" name="TextBox 35"/>
+            <p:cNvSpPr txBox="1"/>
+            <p:nvPr/>
+          </p:nvSpPr>
+          <p:spPr>
+            <a:xfrm>
+              <a:off x="5013805" y="4254762"/>
+              <a:ext cx="529566" cy="369332"/>
+            </a:xfrm>
+            <a:prstGeom prst="rect">
+              <a:avLst/>
+            </a:prstGeom>
+            <a:noFill/>
+          </p:spPr>
+          <p:txBody>
+            <a:bodyPr wrap="square" rtlCol="0">
+              <a:spAutoFit/>
+            </a:bodyPr>
+            <a:lstStyle/>
+            <a:p>
+              <a:r>
+                <a:rPr lang="en-US" dirty="0" smtClean="0"/>
+                <a:t>a</a:t>
+              </a:r>
+              <a:r>
+                <a:rPr lang="en-US" baseline="-25000" dirty="0" smtClean="0"/>
+                <a:t>t=1</a:t>
+              </a:r>
+              <a:endParaRPr lang="en-US" baseline="-25000" dirty="0"/>
+            </a:p>
+          </p:txBody>
+        </p:sp>
+        <p:cxnSp>
+          <p:nvCxnSpPr>
+            <p:cNvPr id="22" name="Straight Arrow Connector 21"/>
+            <p:cNvCxnSpPr>
+              <a:endCxn id="4" idx="0"/>
+            </p:cNvCxnSpPr>
+            <p:nvPr/>
+          </p:nvCxnSpPr>
+          <p:spPr>
+            <a:xfrm>
+              <a:off x="4990757" y="4064000"/>
+              <a:ext cx="23048" cy="570766"/>
+            </a:xfrm>
+            <a:prstGeom prst="straightConnector1">
+              <a:avLst/>
+            </a:prstGeom>
+            <a:ln w="28575" cmpd="sng">
+              <a:tailEnd type="arrow"/>
+            </a:ln>
+            <a:effectLst/>
+          </p:spPr>
+          <p:style>
+            <a:lnRef idx="2">
+              <a:schemeClr val="dk1"/>
+            </a:lnRef>
+            <a:fillRef idx="0">
+              <a:schemeClr val="dk1"/>
+            </a:fillRef>
+            <a:effectRef idx="1">
+              <a:schemeClr val="dk1"/>
+            </a:effectRef>
+            <a:fontRef idx="minor">
+              <a:schemeClr val="tx1"/>
+            </a:fontRef>
+          </p:style>
+        </p:cxnSp>
+        <p:cxnSp>
+          <p:nvCxnSpPr>
+            <p:cNvPr id="26" name="Straight Arrow Connector 25"/>
+            <p:cNvCxnSpPr>
+              <a:endCxn id="4" idx="2"/>
+            </p:cNvCxnSpPr>
+            <p:nvPr/>
+          </p:nvCxnSpPr>
+          <p:spPr>
+            <a:xfrm flipH="1">
+              <a:off x="4513119" y="4064000"/>
+              <a:ext cx="477638" cy="275192"/>
+            </a:xfrm>
+            <a:prstGeom prst="straightConnector1">
+              <a:avLst/>
+            </a:prstGeom>
+            <a:ln w="28575" cmpd="sng">
+              <a:tailEnd type="arrow"/>
+            </a:ln>
+            <a:effectLst/>
+          </p:spPr>
+          <p:style>
+            <a:lnRef idx="2">
+              <a:schemeClr val="dk1"/>
+            </a:lnRef>
+            <a:fillRef idx="0">
+              <a:schemeClr val="dk1"/>
+            </a:fillRef>
+            <a:effectRef idx="1">
+              <a:schemeClr val="dk1"/>
+            </a:effectRef>
+            <a:fontRef idx="minor">
+              <a:schemeClr val="tx1"/>
+            </a:fontRef>
+          </p:style>
+        </p:cxnSp>
+        <p:sp>
+          <p:nvSpPr>
+            <p:cNvPr id="27" name="TextBox 26"/>
+            <p:cNvSpPr txBox="1"/>
+            <p:nvPr/>
+          </p:nvSpPr>
+          <p:spPr>
+            <a:xfrm>
+              <a:off x="4300605" y="3856219"/>
+              <a:ext cx="529566" cy="369332"/>
+            </a:xfrm>
+            <a:prstGeom prst="rect">
+              <a:avLst/>
+            </a:prstGeom>
+            <a:noFill/>
+          </p:spPr>
+          <p:txBody>
+            <a:bodyPr wrap="square" rtlCol="0">
+              <a:spAutoFit/>
+            </a:bodyPr>
+            <a:lstStyle/>
+            <a:p>
+              <a:r>
+                <a:rPr lang="en-US" dirty="0" smtClean="0"/>
+                <a:t>a</a:t>
+              </a:r>
+              <a:r>
+                <a:rPr lang="en-US" baseline="-25000" dirty="0" smtClean="0"/>
+                <a:t>t=2</a:t>
+              </a:r>
+              <a:endParaRPr lang="en-US" baseline="-25000" dirty="0"/>
+            </a:p>
+          </p:txBody>
+        </p:sp>
+        <p:sp>
+          <p:nvSpPr>
+            <p:cNvPr id="32" name="TextBox 31"/>
+            <p:cNvSpPr txBox="1"/>
+            <p:nvPr/>
+          </p:nvSpPr>
+          <p:spPr>
+            <a:xfrm>
+              <a:off x="4513119" y="3493234"/>
+              <a:ext cx="745367" cy="369332"/>
+            </a:xfrm>
+            <a:prstGeom prst="rect">
+              <a:avLst/>
+            </a:prstGeom>
+            <a:noFill/>
+          </p:spPr>
+          <p:txBody>
+            <a:bodyPr wrap="square" rtlCol="0">
+              <a:spAutoFit/>
+            </a:bodyPr>
+            <a:lstStyle/>
+            <a:p>
+              <a:r>
+                <a:rPr lang="en-US" dirty="0" smtClean="0"/>
+                <a:t>Turn:</a:t>
+              </a:r>
+              <a:endParaRPr lang="en-US" dirty="0"/>
+            </a:p>
+          </p:txBody>
+        </p:sp>
+      </p:grpSp>
+      <p:sp>
+        <p:nvSpPr>
+          <p:cNvPr id="45" name="TextBox 44"/>
+          <p:cNvSpPr txBox="1"/>
+          <p:nvPr/>
+        </p:nvSpPr>
+        <p:spPr>
+          <a:xfrm>
+            <a:off x="2322791" y="1946482"/>
+            <a:ext cx="529566" cy="369332"/>
+          </a:xfrm>
+          <a:prstGeom prst="rect">
+            <a:avLst/>
+          </a:prstGeom>
+          <a:noFill/>
+        </p:spPr>
+        <p:txBody>
+          <a:bodyPr wrap="square" rtlCol="0">
+            <a:spAutoFit/>
+          </a:bodyPr>
+          <a:lstStyle/>
+          <a:p>
+            <a:r>
+              <a:rPr lang="en-US" dirty="0" smtClean="0"/>
+              <a:t>a</a:t>
+            </a:r>
+            <a:r>
+              <a:rPr lang="en-US" baseline="-25000" dirty="0" smtClean="0"/>
+              <a:t>t=1</a:t>
+            </a:r>
+            <a:endParaRPr lang="en-US" baseline="-25000" dirty="0"/>
+          </a:p>
+        </p:txBody>
+      </p:sp>
+    </p:spTree>
+    <p:extLst>
+      <p:ext uri="{BB962C8B-B14F-4D97-AF65-F5344CB8AC3E}">
+        <p14:creationId xmlns:p14="http://schemas.microsoft.com/office/powerpoint/2010/main" val="309372139"/>
+      </p:ext>
+    </p:extLst>
+  </p:cSld>
+  <p:clrMapOvr>
+    <a:masterClrMapping/>
+  </p:clrMapOvr>
+</p:sld>
+</file>
+
+<file path=ppt/slides/slide11.xml><?xml version="1.0" encoding="utf-8"?>
+<p:sld xmlns:a="http://schemas.openxmlformats.org/drawingml/2006/main" xmlns:r="http://schemas.openxmlformats.org/officeDocument/2006/relationships" xmlns:p="http://schemas.openxmlformats.org/presentationml/2006/main">
+  <p:cSld>
+    <p:spTree>
+      <p:nvGrpSpPr>
+        <p:cNvPr id="1" name=""/>
+        <p:cNvGrpSpPr/>
+        <p:nvPr/>
+      </p:nvGrpSpPr>
+      <p:grpSpPr>
+        <a:xfrm>
+          <a:off x="0" y="0"/>
+          <a:ext cx="0" cy="0"/>
+          <a:chOff x="0" y="0"/>
+          <a:chExt cx="0" cy="0"/>
+        </a:xfrm>
+      </p:grpSpPr>
       <p:cxnSp>
         <p:nvCxnSpPr>
           <p:cNvPr id="16" name="Straight Arrow Connector 15"/>
@@ -3972,7 +4966,7 @@
 </p:sld>
 </file>
 
-<file path=ppt/slides/slide11.xml><?xml version="1.0" encoding="utf-8"?>
+<file path=ppt/slides/slide12.xml><?xml version="1.0" encoding="utf-8"?>
 <p:sld xmlns:a="http://schemas.openxmlformats.org/drawingml/2006/main" xmlns:r="http://schemas.openxmlformats.org/officeDocument/2006/relationships" xmlns:p="http://schemas.openxmlformats.org/presentationml/2006/main">
   <p:cSld>
     <p:spTree>
@@ -4526,7 +5520,7 @@
 </p:sld>
 </file>
 
-<file path=ppt/slides/slide12.xml><?xml version="1.0" encoding="utf-8"?>
+<file path=ppt/slides/slide13.xml><?xml version="1.0" encoding="utf-8"?>
 <p:sld xmlns:a="http://schemas.openxmlformats.org/drawingml/2006/main" xmlns:r="http://schemas.openxmlformats.org/officeDocument/2006/relationships" xmlns:p="http://schemas.openxmlformats.org/presentationml/2006/main">
   <p:cSld>
     <p:spTree>
@@ -5487,7 +6481,7 @@
 </p:sld>
 </file>
 
-<file path=ppt/slides/slide13.xml><?xml version="1.0" encoding="utf-8"?>
+<file path=ppt/slides/slide14.xml><?xml version="1.0" encoding="utf-8"?>
 <p:sld xmlns:a="http://schemas.openxmlformats.org/drawingml/2006/main" xmlns:r="http://schemas.openxmlformats.org/officeDocument/2006/relationships" xmlns:p="http://schemas.openxmlformats.org/presentationml/2006/main">
   <p:cSld>
     <p:spTree>
@@ -6998,7 +7992,7 @@
 </p:sld>
 </file>
 
-<file path=ppt/slides/slide14.xml><?xml version="1.0" encoding="utf-8"?>
+<file path=ppt/slides/slide15.xml><?xml version="1.0" encoding="utf-8"?>
 <p:sld xmlns:a="http://schemas.openxmlformats.org/drawingml/2006/main" xmlns:r="http://schemas.openxmlformats.org/officeDocument/2006/relationships" xmlns:p="http://schemas.openxmlformats.org/presentationml/2006/main">
   <p:cSld>
     <p:spTree>
@@ -8149,7 +9143,7 @@
 </p:sld>
 </file>
 
-<file path=ppt/slides/slide15.xml><?xml version="1.0" encoding="utf-8"?>
+<file path=ppt/slides/slide16.xml><?xml version="1.0" encoding="utf-8"?>
 <p:sld xmlns:a="http://schemas.openxmlformats.org/drawingml/2006/main" xmlns:r="http://schemas.openxmlformats.org/officeDocument/2006/relationships" xmlns:p="http://schemas.openxmlformats.org/presentationml/2006/main">
   <p:cSld>
     <p:spTree>
@@ -10295,7 +11289,7 @@
 </p:sld>
 </file>
 
-<file path=ppt/slides/slide16.xml><?xml version="1.0" encoding="utf-8"?>
+<file path=ppt/slides/slide17.xml><?xml version="1.0" encoding="utf-8"?>
 <p:sld xmlns:a="http://schemas.openxmlformats.org/drawingml/2006/main" xmlns:r="http://schemas.openxmlformats.org/officeDocument/2006/relationships" xmlns:p="http://schemas.openxmlformats.org/presentationml/2006/main">
   <p:cSld>
     <p:spTree>
@@ -11729,7 +12723,7 @@
 </p:sld>
 </file>
 
-<file path=ppt/slides/slide17.xml><?xml version="1.0" encoding="utf-8"?>
+<file path=ppt/slides/slide18.xml><?xml version="1.0" encoding="utf-8"?>
 <p:sld xmlns:a="http://schemas.openxmlformats.org/drawingml/2006/main" xmlns:r="http://schemas.openxmlformats.org/officeDocument/2006/relationships" xmlns:p="http://schemas.openxmlformats.org/presentationml/2006/main">
   <p:cSld>
     <p:spTree>
@@ -13050,7 +14044,7 @@
 </p:sld>
 </file>
 
-<file path=ppt/slides/slide18.xml><?xml version="1.0" encoding="utf-8"?>
+<file path=ppt/slides/slide19.xml><?xml version="1.0" encoding="utf-8"?>
 <p:sld xmlns:a="http://schemas.openxmlformats.org/drawingml/2006/main" xmlns:r="http://schemas.openxmlformats.org/officeDocument/2006/relationships" xmlns:p="http://schemas.openxmlformats.org/presentationml/2006/main">
   <p:cSld>
     <p:spTree>
@@ -14425,7 +15419,7 @@
 </p:sld>
 </file>
 
-<file path=ppt/slides/slide19.xml><?xml version="1.0" encoding="utf-8"?>
+<file path=ppt/slides/slide2.xml><?xml version="1.0" encoding="utf-8"?>
 <p:sld xmlns:a="http://schemas.openxmlformats.org/drawingml/2006/main" xmlns:r="http://schemas.openxmlformats.org/officeDocument/2006/relationships" xmlns:p="http://schemas.openxmlformats.org/presentationml/2006/main">
   <p:cSld>
     <p:spTree>
@@ -14442,181 +15436,192 @@
           <a:chExt cx="0" cy="0"/>
         </a:xfrm>
       </p:grpSpPr>
-      <p:sp>
-        <p:nvSpPr>
-          <p:cNvPr id="49" name="Block Arc 48"/>
-          <p:cNvSpPr/>
-          <p:nvPr/>
-        </p:nvSpPr>
-        <p:spPr>
-          <a:xfrm rot="11773174">
-            <a:off x="3543149" y="3744724"/>
-            <a:ext cx="1472184" cy="1472184"/>
-          </a:xfrm>
-          <a:prstGeom prst="blockArc">
-            <a:avLst>
-              <a:gd name="adj1" fmla="val 8808739"/>
-              <a:gd name="adj2" fmla="val 14204526"/>
-              <a:gd name="adj3" fmla="val 47367"/>
-            </a:avLst>
-          </a:prstGeom>
-        </p:spPr>
-        <p:style>
-          <a:lnRef idx="1">
-            <a:schemeClr val="accent1"/>
-          </a:lnRef>
-          <a:fillRef idx="3">
-            <a:schemeClr val="accent1"/>
-          </a:fillRef>
-          <a:effectRef idx="2">
-            <a:schemeClr val="accent1"/>
-          </a:effectRef>
-          <a:fontRef idx="minor">
-            <a:schemeClr val="lt1"/>
-          </a:fontRef>
-        </p:style>
-        <p:txBody>
-          <a:bodyPr rtlCol="0" anchor="ctr"/>
-          <a:lstStyle/>
-          <a:p>
-            <a:pPr algn="ctr"/>
-            <a:endParaRPr lang="en-US">
+      <p:grpSp>
+        <p:nvGrpSpPr>
+          <p:cNvPr id="14" name="Group 13"/>
+          <p:cNvGrpSpPr/>
+          <p:nvPr/>
+        </p:nvGrpSpPr>
+        <p:grpSpPr>
+          <a:xfrm>
+            <a:off x="1366762" y="2116667"/>
+            <a:ext cx="520096" cy="520096"/>
+            <a:chOff x="2467428" y="1596571"/>
+            <a:chExt cx="520096" cy="520096"/>
+          </a:xfrm>
+        </p:grpSpPr>
+        <p:cxnSp>
+          <p:nvCxnSpPr>
+            <p:cNvPr id="10" name="Straight Arrow Connector 9"/>
+            <p:cNvCxnSpPr/>
+            <p:nvPr/>
+          </p:nvCxnSpPr>
+          <p:spPr>
+            <a:xfrm flipV="1">
+              <a:off x="2467428" y="1596571"/>
+              <a:ext cx="0" cy="520096"/>
+            </a:xfrm>
+            <a:prstGeom prst="straightConnector1">
+              <a:avLst/>
+            </a:prstGeom>
+            <a:ln>
               <a:solidFill>
-                <a:schemeClr val="tx1"/>
+                <a:schemeClr val="bg1">
+                  <a:lumMod val="50000"/>
+                </a:schemeClr>
               </a:solidFill>
-            </a:endParaRPr>
-          </a:p>
-        </p:txBody>
-      </p:sp>
-      <p:sp>
-        <p:nvSpPr>
-          <p:cNvPr id="48" name="Block Arc 47"/>
-          <p:cNvSpPr/>
-          <p:nvPr/>
-        </p:nvSpPr>
-        <p:spPr>
-          <a:xfrm rot="19668732">
-            <a:off x="3562823" y="3748010"/>
-            <a:ext cx="1472184" cy="1472184"/>
-          </a:xfrm>
-          <a:prstGeom prst="blockArc">
-            <a:avLst>
-              <a:gd name="adj1" fmla="val 8808739"/>
-              <a:gd name="adj2" fmla="val 14204526"/>
-              <a:gd name="adj3" fmla="val 47367"/>
-            </a:avLst>
-          </a:prstGeom>
-        </p:spPr>
-        <p:style>
-          <a:lnRef idx="1">
-            <a:schemeClr val="accent1"/>
-          </a:lnRef>
-          <a:fillRef idx="3">
-            <a:schemeClr val="accent1"/>
-          </a:fillRef>
-          <a:effectRef idx="2">
-            <a:schemeClr val="accent1"/>
-          </a:effectRef>
-          <a:fontRef idx="minor">
-            <a:schemeClr val="lt1"/>
-          </a:fontRef>
-        </p:style>
-        <p:txBody>
-          <a:bodyPr rtlCol="0" anchor="ctr"/>
-          <a:lstStyle/>
-          <a:p>
-            <a:pPr algn="ctr"/>
-            <a:endParaRPr lang="en-US">
+              <a:tailEnd type="arrow"/>
+            </a:ln>
+            <a:effectLst/>
+          </p:spPr>
+          <p:style>
+            <a:lnRef idx="2">
+              <a:schemeClr val="dk1"/>
+            </a:lnRef>
+            <a:fillRef idx="0">
+              <a:schemeClr val="dk1"/>
+            </a:fillRef>
+            <a:effectRef idx="1">
+              <a:schemeClr val="dk1"/>
+            </a:effectRef>
+            <a:fontRef idx="minor">
+              <a:schemeClr val="tx1"/>
+            </a:fontRef>
+          </p:style>
+        </p:cxnSp>
+        <p:cxnSp>
+          <p:nvCxnSpPr>
+            <p:cNvPr id="11" name="Straight Arrow Connector 10"/>
+            <p:cNvCxnSpPr/>
+            <p:nvPr/>
+          </p:nvCxnSpPr>
+          <p:spPr>
+            <a:xfrm rot="5400000" flipV="1">
+              <a:off x="2727476" y="1845733"/>
+              <a:ext cx="0" cy="520096"/>
+            </a:xfrm>
+            <a:prstGeom prst="straightConnector1">
+              <a:avLst/>
+            </a:prstGeom>
+            <a:ln>
               <a:solidFill>
-                <a:schemeClr val="tx1"/>
+                <a:schemeClr val="bg1">
+                  <a:lumMod val="50000"/>
+                </a:schemeClr>
               </a:solidFill>
-            </a:endParaRPr>
-          </a:p>
-        </p:txBody>
-      </p:sp>
-      <p:sp>
-        <p:nvSpPr>
-          <p:cNvPr id="4" name="Oval 3"/>
-          <p:cNvSpPr/>
-          <p:nvPr/>
-        </p:nvSpPr>
-        <p:spPr>
-          <a:xfrm>
-            <a:off x="3525634" y="1489753"/>
-            <a:ext cx="1475946" cy="1475946"/>
-          </a:xfrm>
-          <a:prstGeom prst="ellipse">
-            <a:avLst/>
-          </a:prstGeom>
-          <a:noFill/>
-        </p:spPr>
-        <p:style>
-          <a:lnRef idx="1">
-            <a:schemeClr val="accent1"/>
-          </a:lnRef>
-          <a:fillRef idx="3">
-            <a:schemeClr val="accent1"/>
-          </a:fillRef>
-          <a:effectRef idx="2">
-            <a:schemeClr val="accent1"/>
-          </a:effectRef>
-          <a:fontRef idx="minor">
-            <a:schemeClr val="lt1"/>
-          </a:fontRef>
-        </p:style>
-        <p:txBody>
-          <a:bodyPr rtlCol="0" anchor="ctr"/>
-          <a:lstStyle/>
-          <a:p>
-            <a:pPr algn="ctr"/>
-            <a:endParaRPr lang="en-US"/>
-          </a:p>
-        </p:txBody>
-      </p:sp>
-      <p:sp>
-        <p:nvSpPr>
-          <p:cNvPr id="5" name="TextBox 4"/>
-          <p:cNvSpPr txBox="1"/>
-          <p:nvPr/>
-        </p:nvSpPr>
-        <p:spPr>
-          <a:xfrm>
-            <a:off x="3858169" y="2871377"/>
-            <a:ext cx="1819858" cy="461665"/>
-          </a:xfrm>
-          <a:prstGeom prst="rect">
-            <a:avLst/>
-          </a:prstGeom>
-          <a:noFill/>
-        </p:spPr>
-        <p:txBody>
-          <a:bodyPr wrap="square" rtlCol="0">
-            <a:spAutoFit/>
-          </a:bodyPr>
-          <a:lstStyle/>
-          <a:p>
-            <a:r>
-              <a:rPr lang="en-US" sz="2400" dirty="0" smtClean="0"/>
-              <a:t>g</a:t>
-            </a:r>
-            <a:r>
-              <a:rPr lang="en-US" sz="2400" baseline="-25000" dirty="0" smtClean="0"/>
-              <a:t>start</a:t>
-            </a:r>
-            <a:endParaRPr lang="en-US" sz="2400" dirty="0"/>
-          </a:p>
-        </p:txBody>
-      </p:sp>
+              <a:tailEnd type="arrow"/>
+            </a:ln>
+            <a:effectLst/>
+          </p:spPr>
+          <p:style>
+            <a:lnRef idx="2">
+              <a:schemeClr val="dk1"/>
+            </a:lnRef>
+            <a:fillRef idx="0">
+              <a:schemeClr val="dk1"/>
+            </a:fillRef>
+            <a:effectRef idx="1">
+              <a:schemeClr val="dk1"/>
+            </a:effectRef>
+            <a:fontRef idx="minor">
+              <a:schemeClr val="tx1"/>
+            </a:fontRef>
+          </p:style>
+        </p:cxnSp>
+      </p:grpSp>
+      <p:grpSp>
+        <p:nvGrpSpPr>
+          <p:cNvPr id="15" name="Group 14"/>
+          <p:cNvGrpSpPr/>
+          <p:nvPr/>
+        </p:nvGrpSpPr>
+        <p:grpSpPr>
+          <a:xfrm>
+            <a:off x="1366762" y="4361543"/>
+            <a:ext cx="520096" cy="520096"/>
+            <a:chOff x="2467428" y="1596571"/>
+            <a:chExt cx="520096" cy="520096"/>
+          </a:xfrm>
+        </p:grpSpPr>
+        <p:cxnSp>
+          <p:nvCxnSpPr>
+            <p:cNvPr id="16" name="Straight Arrow Connector 15"/>
+            <p:cNvCxnSpPr/>
+            <p:nvPr/>
+          </p:nvCxnSpPr>
+          <p:spPr>
+            <a:xfrm flipV="1">
+              <a:off x="2467428" y="1596571"/>
+              <a:ext cx="0" cy="520096"/>
+            </a:xfrm>
+            <a:prstGeom prst="straightConnector1">
+              <a:avLst/>
+            </a:prstGeom>
+            <a:ln>
+              <a:tailEnd type="arrow"/>
+            </a:ln>
+            <a:effectLst/>
+          </p:spPr>
+          <p:style>
+            <a:lnRef idx="2">
+              <a:schemeClr val="dk1"/>
+            </a:lnRef>
+            <a:fillRef idx="0">
+              <a:schemeClr val="dk1"/>
+            </a:fillRef>
+            <a:effectRef idx="1">
+              <a:schemeClr val="dk1"/>
+            </a:effectRef>
+            <a:fontRef idx="minor">
+              <a:schemeClr val="tx1"/>
+            </a:fontRef>
+          </p:style>
+        </p:cxnSp>
+        <p:cxnSp>
+          <p:nvCxnSpPr>
+            <p:cNvPr id="17" name="Straight Arrow Connector 16"/>
+            <p:cNvCxnSpPr/>
+            <p:nvPr/>
+          </p:nvCxnSpPr>
+          <p:spPr>
+            <a:xfrm rot="5400000" flipV="1">
+              <a:off x="2727476" y="1845733"/>
+              <a:ext cx="0" cy="520096"/>
+            </a:xfrm>
+            <a:prstGeom prst="straightConnector1">
+              <a:avLst/>
+            </a:prstGeom>
+            <a:ln>
+              <a:tailEnd type="arrow"/>
+            </a:ln>
+            <a:effectLst/>
+          </p:spPr>
+          <p:style>
+            <a:lnRef idx="2">
+              <a:schemeClr val="dk1"/>
+            </a:lnRef>
+            <a:fillRef idx="0">
+              <a:schemeClr val="dk1"/>
+            </a:fillRef>
+            <a:effectRef idx="1">
+              <a:schemeClr val="dk1"/>
+            </a:effectRef>
+            <a:fontRef idx="minor">
+              <a:schemeClr val="tx1"/>
+            </a:fontRef>
+          </p:style>
+        </p:cxnSp>
+      </p:grpSp>
       <p:cxnSp>
         <p:nvCxnSpPr>
-          <p:cNvPr id="6" name="Straight Arrow Connector 5"/>
+          <p:cNvPr id="20" name="Straight Arrow Connector 19"/>
           <p:cNvCxnSpPr/>
           <p:nvPr/>
         </p:nvCxnSpPr>
         <p:spPr>
-          <a:xfrm>
-            <a:off x="4232581" y="2223615"/>
-            <a:ext cx="224845" cy="736092"/>
+          <a:xfrm flipV="1">
+            <a:off x="1366762" y="1672167"/>
+            <a:ext cx="929821" cy="964597"/>
           </a:xfrm>
           <a:prstGeom prst="straightConnector1">
             <a:avLst/>
@@ -14641,134 +15646,50 @@
           </a:fontRef>
         </p:style>
       </p:cxnSp>
+      <p:sp>
+        <p:nvSpPr>
+          <p:cNvPr id="24" name="TextBox 23"/>
+          <p:cNvSpPr txBox="1"/>
+          <p:nvPr/>
+        </p:nvSpPr>
+        <p:spPr>
+          <a:xfrm>
+            <a:off x="1602621" y="1696148"/>
+            <a:ext cx="399142" cy="369332"/>
+          </a:xfrm>
+          <a:prstGeom prst="rect">
+            <a:avLst/>
+          </a:prstGeom>
+          <a:noFill/>
+        </p:spPr>
+        <p:txBody>
+          <a:bodyPr wrap="square" rtlCol="0">
+            <a:spAutoFit/>
+          </a:bodyPr>
+          <a:lstStyle/>
+          <a:p>
+            <a:r>
+              <a:rPr lang="en-US" dirty="0" smtClean="0"/>
+              <a:t>X</a:t>
+            </a:r>
+            <a:r>
+              <a:rPr lang="en-US" baseline="-25000" dirty="0" smtClean="0"/>
+              <a:t>0</a:t>
+            </a:r>
+            <a:endParaRPr lang="en-US" baseline="-25000" dirty="0"/>
+          </a:p>
+        </p:txBody>
+      </p:sp>
       <p:cxnSp>
         <p:nvCxnSpPr>
-          <p:cNvPr id="7" name="Straight Arrow Connector 6"/>
+          <p:cNvPr id="25" name="Straight Arrow Connector 24"/>
           <p:cNvCxnSpPr/>
           <p:nvPr/>
         </p:nvCxnSpPr>
         <p:spPr>
-          <a:xfrm flipH="1">
-            <a:off x="3608013" y="2232956"/>
-            <a:ext cx="631433" cy="375772"/>
-          </a:xfrm>
-          <a:prstGeom prst="straightConnector1">
-            <a:avLst/>
-          </a:prstGeom>
-          <a:ln w="28575" cmpd="sng">
-            <a:solidFill>
-              <a:srgbClr val="A6A6A6"/>
-            </a:solidFill>
-            <a:prstDash val="dash"/>
-            <a:tailEnd type="arrow"/>
-          </a:ln>
-          <a:effectLst/>
-        </p:spPr>
-        <p:style>
-          <a:lnRef idx="2">
-            <a:schemeClr val="dk1"/>
-          </a:lnRef>
-          <a:fillRef idx="0">
-            <a:schemeClr val="dk1"/>
-          </a:fillRef>
-          <a:effectRef idx="1">
-            <a:schemeClr val="dk1"/>
-          </a:effectRef>
-          <a:fontRef idx="minor">
-            <a:schemeClr val="tx1"/>
-          </a:fontRef>
-        </p:style>
-      </p:cxnSp>
-      <p:sp>
-        <p:nvSpPr>
-          <p:cNvPr id="8" name="Oval 7"/>
-          <p:cNvSpPr/>
-          <p:nvPr/>
-        </p:nvSpPr>
-        <p:spPr>
-          <a:xfrm>
-            <a:off x="4200850" y="2212360"/>
-            <a:ext cx="65289" cy="65289"/>
-          </a:xfrm>
-          <a:prstGeom prst="ellipse">
-            <a:avLst/>
-          </a:prstGeom>
-        </p:spPr>
-        <p:style>
-          <a:lnRef idx="2">
-            <a:schemeClr val="dk1">
-              <a:shade val="50000"/>
-            </a:schemeClr>
-          </a:lnRef>
-          <a:fillRef idx="1">
-            <a:schemeClr val="dk1"/>
-          </a:fillRef>
-          <a:effectRef idx="0">
-            <a:schemeClr val="dk1"/>
-          </a:effectRef>
-          <a:fontRef idx="minor">
-            <a:schemeClr val="lt1"/>
-          </a:fontRef>
-        </p:style>
-        <p:txBody>
-          <a:bodyPr rtlCol="0" anchor="ctr"/>
-          <a:lstStyle/>
-          <a:p>
-            <a:pPr algn="ctr"/>
-            <a:endParaRPr lang="en-US"/>
-          </a:p>
-        </p:txBody>
-      </p:sp>
-      <p:cxnSp>
-        <p:nvCxnSpPr>
-          <p:cNvPr id="11" name="Straight Arrow Connector 10"/>
-          <p:cNvCxnSpPr/>
-          <p:nvPr/>
-        </p:nvCxnSpPr>
-        <p:spPr>
-          <a:xfrm rot="19527167">
-            <a:off x="4426039" y="2121358"/>
-            <a:ext cx="224845" cy="736092"/>
-          </a:xfrm>
-          <a:prstGeom prst="straightConnector1">
-            <a:avLst/>
-          </a:prstGeom>
-          <a:ln w="28575" cmpd="sng">
-            <a:solidFill>
-              <a:schemeClr val="bg1">
-                <a:lumMod val="65000"/>
-              </a:schemeClr>
-            </a:solidFill>
-            <a:prstDash val="dash"/>
-            <a:tailEnd type="arrow"/>
-          </a:ln>
-          <a:effectLst/>
-        </p:spPr>
-        <p:style>
-          <a:lnRef idx="2">
-            <a:schemeClr val="dk1"/>
-          </a:lnRef>
-          <a:fillRef idx="0">
-            <a:schemeClr val="dk1"/>
-          </a:fillRef>
-          <a:effectRef idx="1">
-            <a:schemeClr val="dk1"/>
-          </a:effectRef>
-          <a:fontRef idx="minor">
-            <a:schemeClr val="tx1"/>
-          </a:fontRef>
-        </p:style>
-      </p:cxnSp>
-      <p:cxnSp>
-        <p:nvCxnSpPr>
-          <p:cNvPr id="12" name="Straight Arrow Connector 11"/>
-          <p:cNvCxnSpPr/>
-          <p:nvPr/>
-        </p:nvCxnSpPr>
-        <p:spPr>
-          <a:xfrm rot="19527167" flipH="1">
-            <a:off x="3778890" y="2399719"/>
-            <a:ext cx="631433" cy="375772"/>
+          <a:xfrm flipV="1">
+            <a:off x="2296583" y="1354667"/>
+            <a:ext cx="751417" cy="317502"/>
           </a:xfrm>
           <a:prstGeom prst="straightConnector1">
             <a:avLst/>
@@ -14795,54 +15716,14 @@
       </p:cxnSp>
       <p:sp>
         <p:nvSpPr>
-          <p:cNvPr id="13" name="Oval 12"/>
-          <p:cNvSpPr/>
-          <p:nvPr/>
-        </p:nvSpPr>
-        <p:spPr>
-          <a:xfrm rot="19527167">
-            <a:off x="4217387" y="2234467"/>
-            <a:ext cx="65289" cy="65289"/>
-          </a:xfrm>
-          <a:prstGeom prst="ellipse">
-            <a:avLst/>
-          </a:prstGeom>
-        </p:spPr>
-        <p:style>
-          <a:lnRef idx="2">
-            <a:schemeClr val="dk1">
-              <a:shade val="50000"/>
-            </a:schemeClr>
-          </a:lnRef>
-          <a:fillRef idx="1">
-            <a:schemeClr val="dk1"/>
-          </a:fillRef>
-          <a:effectRef idx="0">
-            <a:schemeClr val="dk1"/>
-          </a:effectRef>
-          <a:fontRef idx="minor">
-            <a:schemeClr val="lt1"/>
-          </a:fontRef>
-        </p:style>
-        <p:txBody>
-          <a:bodyPr rtlCol="0" anchor="ctr"/>
-          <a:lstStyle/>
-          <a:p>
-            <a:pPr algn="ctr"/>
-            <a:endParaRPr lang="en-US"/>
-          </a:p>
-        </p:txBody>
-      </p:sp>
-      <p:sp>
-        <p:nvSpPr>
-          <p:cNvPr id="14" name="TextBox 13"/>
+          <p:cNvPr id="28" name="TextBox 27"/>
           <p:cNvSpPr txBox="1"/>
           <p:nvPr/>
         </p:nvSpPr>
         <p:spPr>
           <a:xfrm>
-            <a:off x="6479502" y="1028088"/>
-            <a:ext cx="776882" cy="461665"/>
+            <a:off x="2587574" y="1426047"/>
+            <a:ext cx="399142" cy="369332"/>
           </a:xfrm>
           <a:prstGeom prst="rect">
             <a:avLst/>
@@ -14856,87 +15737,278 @@
           <a:lstStyle/>
           <a:p>
             <a:r>
-              <a:rPr lang="en-US" sz="2400" dirty="0" smtClean="0"/>
-              <a:t>V</a:t>
-            </a:r>
-            <a:r>
-              <a:rPr lang="en-US" sz="2400" baseline="30000" dirty="0" smtClean="0"/>
-              <a:t>1</a:t>
-            </a:r>
-            <a:endParaRPr lang="en-US" sz="2400" baseline="30000" dirty="0"/>
-          </a:p>
-        </p:txBody>
-      </p:sp>
-      <p:sp>
-        <p:nvSpPr>
-          <p:cNvPr id="15" name="Freeform 14"/>
+              <a:rPr lang="en-US" dirty="0" smtClean="0"/>
+              <a:t>v</a:t>
+            </a:r>
+            <a:r>
+              <a:rPr lang="en-US" baseline="-25000" dirty="0" smtClean="0"/>
+              <a:t>0</a:t>
+            </a:r>
+            <a:endParaRPr lang="en-US" baseline="-25000" dirty="0"/>
+          </a:p>
+        </p:txBody>
+      </p:sp>
+      <p:cxnSp>
+        <p:nvCxnSpPr>
+          <p:cNvPr id="34" name="Straight Arrow Connector 33"/>
+          <p:cNvCxnSpPr/>
+          <p:nvPr/>
+        </p:nvCxnSpPr>
+        <p:spPr>
+          <a:xfrm>
+            <a:off x="2296583" y="1676711"/>
+            <a:ext cx="1511" cy="546098"/>
+          </a:xfrm>
+          <a:prstGeom prst="straightConnector1">
+            <a:avLst/>
+          </a:prstGeom>
+          <a:ln w="28575" cmpd="sng">
+            <a:tailEnd type="arrow"/>
+          </a:ln>
+          <a:effectLst/>
+        </p:spPr>
+        <p:style>
+          <a:lnRef idx="2">
+            <a:schemeClr val="dk1"/>
+          </a:lnRef>
+          <a:fillRef idx="0">
+            <a:schemeClr val="dk1"/>
+          </a:fillRef>
+          <a:effectRef idx="1">
+            <a:schemeClr val="dk1"/>
+          </a:effectRef>
+          <a:fontRef idx="minor">
+            <a:schemeClr val="tx1"/>
+          </a:fontRef>
+        </p:style>
+      </p:cxnSp>
+      <p:sp>
+        <p:nvSpPr>
+          <p:cNvPr id="36" name="TextBox 35"/>
+          <p:cNvSpPr txBox="1"/>
+          <p:nvPr/>
+        </p:nvSpPr>
+        <p:spPr>
+          <a:xfrm>
+            <a:off x="2329242" y="1763675"/>
+            <a:ext cx="399142" cy="369332"/>
+          </a:xfrm>
+          <a:prstGeom prst="rect">
+            <a:avLst/>
+          </a:prstGeom>
+          <a:noFill/>
+        </p:spPr>
+        <p:txBody>
+          <a:bodyPr wrap="square" rtlCol="0">
+            <a:spAutoFit/>
+          </a:bodyPr>
+          <a:lstStyle/>
+          <a:p>
+            <a:r>
+              <a:rPr lang="en-US" dirty="0" smtClean="0"/>
+              <a:t>a</a:t>
+            </a:r>
+            <a:endParaRPr lang="en-US" baseline="-25000" dirty="0"/>
+          </a:p>
+        </p:txBody>
+      </p:sp>
+      <p:grpSp>
+        <p:nvGrpSpPr>
+          <p:cNvPr id="37" name="Group 36"/>
+          <p:cNvGrpSpPr/>
+          <p:nvPr/>
+        </p:nvGrpSpPr>
+        <p:grpSpPr>
+          <a:xfrm>
+            <a:off x="4864496" y="2117574"/>
+            <a:ext cx="520096" cy="520096"/>
+            <a:chOff x="2467428" y="1596571"/>
+            <a:chExt cx="520096" cy="520096"/>
+          </a:xfrm>
+        </p:grpSpPr>
+        <p:cxnSp>
+          <p:nvCxnSpPr>
+            <p:cNvPr id="38" name="Straight Arrow Connector 37"/>
+            <p:cNvCxnSpPr/>
+            <p:nvPr/>
+          </p:nvCxnSpPr>
+          <p:spPr>
+            <a:xfrm flipV="1">
+              <a:off x="2467428" y="1596571"/>
+              <a:ext cx="0" cy="520096"/>
+            </a:xfrm>
+            <a:prstGeom prst="straightConnector1">
+              <a:avLst/>
+            </a:prstGeom>
+            <a:ln>
+              <a:solidFill>
+                <a:schemeClr val="bg1">
+                  <a:lumMod val="50000"/>
+                </a:schemeClr>
+              </a:solidFill>
+              <a:tailEnd type="arrow"/>
+            </a:ln>
+            <a:effectLst/>
+          </p:spPr>
+          <p:style>
+            <a:lnRef idx="2">
+              <a:schemeClr val="dk1"/>
+            </a:lnRef>
+            <a:fillRef idx="0">
+              <a:schemeClr val="dk1"/>
+            </a:fillRef>
+            <a:effectRef idx="1">
+              <a:schemeClr val="dk1"/>
+            </a:effectRef>
+            <a:fontRef idx="minor">
+              <a:schemeClr val="tx1"/>
+            </a:fontRef>
+          </p:style>
+        </p:cxnSp>
+        <p:cxnSp>
+          <p:nvCxnSpPr>
+            <p:cNvPr id="39" name="Straight Arrow Connector 38"/>
+            <p:cNvCxnSpPr/>
+            <p:nvPr/>
+          </p:nvCxnSpPr>
+          <p:spPr>
+            <a:xfrm rot="5400000" flipV="1">
+              <a:off x="2727476" y="1845733"/>
+              <a:ext cx="0" cy="520096"/>
+            </a:xfrm>
+            <a:prstGeom prst="straightConnector1">
+              <a:avLst/>
+            </a:prstGeom>
+            <a:ln>
+              <a:solidFill>
+                <a:schemeClr val="bg1">
+                  <a:lumMod val="50000"/>
+                </a:schemeClr>
+              </a:solidFill>
+              <a:tailEnd type="arrow"/>
+            </a:ln>
+            <a:effectLst/>
+          </p:spPr>
+          <p:style>
+            <a:lnRef idx="2">
+              <a:schemeClr val="dk1"/>
+            </a:lnRef>
+            <a:fillRef idx="0">
+              <a:schemeClr val="dk1"/>
+            </a:fillRef>
+            <a:effectRef idx="1">
+              <a:schemeClr val="dk1"/>
+            </a:effectRef>
+            <a:fontRef idx="minor">
+              <a:schemeClr val="tx1"/>
+            </a:fontRef>
+          </p:style>
+        </p:cxnSp>
+      </p:grpSp>
+      <p:sp>
+        <p:nvSpPr>
+          <p:cNvPr id="46" name="Right Arrow 45"/>
           <p:cNvSpPr/>
           <p:nvPr/>
         </p:nvSpPr>
         <p:spPr>
           <a:xfrm>
-            <a:off x="5920034" y="1568025"/>
-            <a:ext cx="2041108" cy="1314791"/>
+            <a:off x="3226741" y="1553323"/>
+            <a:ext cx="1476963" cy="1024314"/>
+          </a:xfrm>
+          <a:prstGeom prst="rightArrow">
+            <a:avLst/>
+          </a:prstGeom>
+        </p:spPr>
+        <p:style>
+          <a:lnRef idx="1">
+            <a:schemeClr val="dk1"/>
+          </a:lnRef>
+          <a:fillRef idx="3">
+            <a:schemeClr val="dk1"/>
+          </a:fillRef>
+          <a:effectRef idx="2">
+            <a:schemeClr val="dk1"/>
+          </a:effectRef>
+          <a:fontRef idx="minor">
+            <a:schemeClr val="lt1"/>
+          </a:fontRef>
+        </p:style>
+        <p:txBody>
+          <a:bodyPr rtlCol="0" anchor="ctr"/>
+          <a:lstStyle/>
+          <a:p>
+            <a:pPr algn="ctr"/>
+            <a:r>
+              <a:rPr lang="en-US" dirty="0" smtClean="0"/>
+              <a:t>Integration</a:t>
+            </a:r>
+            <a:endParaRPr lang="en-US" dirty="0"/>
+          </a:p>
+        </p:txBody>
+      </p:sp>
+      <p:sp>
+        <p:nvSpPr>
+          <p:cNvPr id="47" name="Oval 46"/>
+          <p:cNvSpPr/>
+          <p:nvPr/>
+        </p:nvSpPr>
+        <p:spPr>
+          <a:xfrm>
+            <a:off x="5743911" y="1602947"/>
+            <a:ext cx="100811" cy="100811"/>
+          </a:xfrm>
+          <a:prstGeom prst="ellipse">
+            <a:avLst/>
+          </a:prstGeom>
+          <a:solidFill>
+            <a:schemeClr val="tx1"/>
+          </a:solidFill>
+          <a:effectLst/>
+        </p:spPr>
+        <p:style>
+          <a:lnRef idx="1">
+            <a:schemeClr val="dk1"/>
+          </a:lnRef>
+          <a:fillRef idx="3">
+            <a:schemeClr val="dk1"/>
+          </a:fillRef>
+          <a:effectRef idx="2">
+            <a:schemeClr val="dk1"/>
+          </a:effectRef>
+          <a:fontRef idx="minor">
+            <a:schemeClr val="lt1"/>
+          </a:fontRef>
+        </p:style>
+        <p:txBody>
+          <a:bodyPr rtlCol="0" anchor="ctr"/>
+          <a:lstStyle/>
+          <a:p>
+            <a:pPr algn="ctr"/>
+            <a:endParaRPr lang="en-US"/>
+          </a:p>
+        </p:txBody>
+      </p:sp>
+      <p:sp>
+        <p:nvSpPr>
+          <p:cNvPr id="62" name="Freeform 61"/>
+          <p:cNvSpPr/>
+          <p:nvPr/>
+        </p:nvSpPr>
+        <p:spPr>
+          <a:xfrm>
+            <a:off x="5766741" y="1365193"/>
+            <a:ext cx="1815629" cy="854955"/>
           </a:xfrm>
           <a:custGeom>
             <a:avLst/>
             <a:gdLst>
-              <a:gd name="connsiteX0" fmla="*/ 1187622 w 2917568"/>
-              <a:gd name="connsiteY0" fmla="*/ 1393567 h 2128108"/>
-              <a:gd name="connsiteX1" fmla="*/ 2780271 w 2917568"/>
-              <a:gd name="connsiteY1" fmla="*/ 1002270 h 2128108"/>
-              <a:gd name="connsiteX2" fmla="*/ 2917568 w 2917568"/>
-              <a:gd name="connsiteY2" fmla="*/ 1729945 h 2128108"/>
-              <a:gd name="connsiteX3" fmla="*/ 926757 w 2917568"/>
-              <a:gd name="connsiteY3" fmla="*/ 2128108 h 2128108"/>
-              <a:gd name="connsiteX4" fmla="*/ 0 w 2917568"/>
-              <a:gd name="connsiteY4" fmla="*/ 377567 h 2128108"/>
-              <a:gd name="connsiteX5" fmla="*/ 466811 w 2917568"/>
-              <a:gd name="connsiteY5" fmla="*/ 0 h 2128108"/>
-              <a:gd name="connsiteX6" fmla="*/ 1187622 w 2917568"/>
-              <a:gd name="connsiteY6" fmla="*/ 1393567 h 2128108"/>
-              <a:gd name="connsiteX0" fmla="*/ 1187622 w 2835190"/>
-              <a:gd name="connsiteY0" fmla="*/ 1393567 h 2128108"/>
-              <a:gd name="connsiteX1" fmla="*/ 2780271 w 2835190"/>
-              <a:gd name="connsiteY1" fmla="*/ 1002270 h 2128108"/>
-              <a:gd name="connsiteX2" fmla="*/ 2835190 w 2835190"/>
-              <a:gd name="connsiteY2" fmla="*/ 1530864 h 2128108"/>
-              <a:gd name="connsiteX3" fmla="*/ 926757 w 2835190"/>
-              <a:gd name="connsiteY3" fmla="*/ 2128108 h 2128108"/>
-              <a:gd name="connsiteX4" fmla="*/ 0 w 2835190"/>
-              <a:gd name="connsiteY4" fmla="*/ 377567 h 2128108"/>
-              <a:gd name="connsiteX5" fmla="*/ 466811 w 2835190"/>
-              <a:gd name="connsiteY5" fmla="*/ 0 h 2128108"/>
-              <a:gd name="connsiteX6" fmla="*/ 1187622 w 2835190"/>
-              <a:gd name="connsiteY6" fmla="*/ 1393567 h 2128108"/>
-              <a:gd name="connsiteX0" fmla="*/ 995406 w 2642974"/>
-              <a:gd name="connsiteY0" fmla="*/ 1393567 h 2128108"/>
-              <a:gd name="connsiteX1" fmla="*/ 2588055 w 2642974"/>
-              <a:gd name="connsiteY1" fmla="*/ 1002270 h 2128108"/>
-              <a:gd name="connsiteX2" fmla="*/ 2642974 w 2642974"/>
-              <a:gd name="connsiteY2" fmla="*/ 1530864 h 2128108"/>
-              <a:gd name="connsiteX3" fmla="*/ 734541 w 2642974"/>
-              <a:gd name="connsiteY3" fmla="*/ 2128108 h 2128108"/>
-              <a:gd name="connsiteX4" fmla="*/ 0 w 2642974"/>
-              <a:gd name="connsiteY4" fmla="*/ 761999 h 2128108"/>
-              <a:gd name="connsiteX5" fmla="*/ 274595 w 2642974"/>
-              <a:gd name="connsiteY5" fmla="*/ 0 h 2128108"/>
-              <a:gd name="connsiteX6" fmla="*/ 995406 w 2642974"/>
-              <a:gd name="connsiteY6" fmla="*/ 1393567 h 2128108"/>
-              <a:gd name="connsiteX0" fmla="*/ 995406 w 2642974"/>
-              <a:gd name="connsiteY0" fmla="*/ 967945 h 1702486"/>
-              <a:gd name="connsiteX1" fmla="*/ 2588055 w 2642974"/>
-              <a:gd name="connsiteY1" fmla="*/ 576648 h 1702486"/>
-              <a:gd name="connsiteX2" fmla="*/ 2642974 w 2642974"/>
-              <a:gd name="connsiteY2" fmla="*/ 1105242 h 1702486"/>
-              <a:gd name="connsiteX3" fmla="*/ 734541 w 2642974"/>
-              <a:gd name="connsiteY3" fmla="*/ 1702486 h 1702486"/>
-              <a:gd name="connsiteX4" fmla="*/ 0 w 2642974"/>
-              <a:gd name="connsiteY4" fmla="*/ 336377 h 1702486"/>
-              <a:gd name="connsiteX5" fmla="*/ 453081 w 2642974"/>
-              <a:gd name="connsiteY5" fmla="*/ 0 h 1702486"/>
-              <a:gd name="connsiteX6" fmla="*/ 995406 w 2642974"/>
-              <a:gd name="connsiteY6" fmla="*/ 967945 h 1702486"/>
+              <a:gd name="connsiteX0" fmla="*/ 0 w 1815629"/>
+              <a:gd name="connsiteY0" fmla="*/ 281103 h 854955"/>
+              <a:gd name="connsiteX1" fmla="*/ 1044222 w 1815629"/>
+              <a:gd name="connsiteY1" fmla="*/ 27103 h 854955"/>
+              <a:gd name="connsiteX2" fmla="*/ 1815629 w 1815629"/>
+              <a:gd name="connsiteY2" fmla="*/ 854955 h 854955"/>
             </a:gdLst>
             <a:ahLst/>
             <a:cxnLst>
@@ -14949,69 +16021,163 @@
               <a:cxn ang="0">
                 <a:pos x="connsiteX2" y="connsiteY2"/>
               </a:cxn>
-              <a:cxn ang="0">
-                <a:pos x="connsiteX3" y="connsiteY3"/>
-              </a:cxn>
-              <a:cxn ang="0">
-                <a:pos x="connsiteX4" y="connsiteY4"/>
-              </a:cxn>
-              <a:cxn ang="0">
-                <a:pos x="connsiteX5" y="connsiteY5"/>
-              </a:cxn>
-              <a:cxn ang="0">
-                <a:pos x="connsiteX6" y="connsiteY6"/>
-              </a:cxn>
             </a:cxnLst>
             <a:rect l="l" t="t" r="r" b="b"/>
             <a:pathLst>
-              <a:path w="2642974" h="1702486">
+              <a:path w="1815629" h="854955">
                 <a:moveTo>
-                  <a:pt x="995406" y="967945"/>
+                  <a:pt x="0" y="281103"/>
                 </a:moveTo>
-                <a:lnTo>
-                  <a:pt x="2588055" y="576648"/>
-                </a:lnTo>
-                <a:lnTo>
-                  <a:pt x="2642974" y="1105242"/>
-                </a:lnTo>
-                <a:lnTo>
-                  <a:pt x="734541" y="1702486"/>
-                </a:lnTo>
-                <a:lnTo>
-                  <a:pt x="0" y="336377"/>
-                </a:lnTo>
-                <a:lnTo>
-                  <a:pt x="453081" y="0"/>
-                </a:lnTo>
-                <a:lnTo>
-                  <a:pt x="995406" y="967945"/>
-                </a:lnTo>
-                <a:close/>
+                <a:cubicBezTo>
+                  <a:pt x="370808" y="106282"/>
+                  <a:pt x="741617" y="-68539"/>
+                  <a:pt x="1044222" y="27103"/>
+                </a:cubicBezTo>
+                <a:cubicBezTo>
+                  <a:pt x="1346827" y="122745"/>
+                  <a:pt x="1767024" y="536671"/>
+                  <a:pt x="1815629" y="854955"/>
+                </a:cubicBezTo>
               </a:path>
             </a:pathLst>
           </a:custGeom>
-          <a:gradFill flip="none" rotWithShape="1">
-            <a:gsLst>
-              <a:gs pos="0">
-                <a:schemeClr val="accent1">
-                  <a:tint val="100000"/>
-                  <a:shade val="100000"/>
-                  <a:satMod val="130000"/>
-                  <a:alpha val="15000"/>
-                </a:schemeClr>
-              </a:gs>
-              <a:gs pos="100000">
-                <a:schemeClr val="accent1">
-                  <a:tint val="50000"/>
-                  <a:shade val="100000"/>
-                  <a:satMod val="350000"/>
-                  <a:alpha val="15000"/>
-                </a:schemeClr>
-              </a:gs>
-            </a:gsLst>
-            <a:lin ang="16200000" scaled="0"/>
-            <a:tileRect/>
-          </a:gradFill>
+          <a:ln>
+            <a:prstDash val="dash"/>
+            <a:headEnd type="none"/>
+            <a:tailEnd type="arrow"/>
+          </a:ln>
+        </p:spPr>
+        <p:style>
+          <a:lnRef idx="2">
+            <a:schemeClr val="dk1"/>
+          </a:lnRef>
+          <a:fillRef idx="0">
+            <a:schemeClr val="dk1"/>
+          </a:fillRef>
+          <a:effectRef idx="1">
+            <a:schemeClr val="dk1"/>
+          </a:effectRef>
+          <a:fontRef idx="minor">
+            <a:schemeClr val="tx1"/>
+          </a:fontRef>
+        </p:style>
+        <p:txBody>
+          <a:bodyPr rtlCol="0" anchor="ctr"/>
+          <a:lstStyle/>
+          <a:p>
+            <a:pPr algn="ctr"/>
+            <a:endParaRPr lang="en-US"/>
+          </a:p>
+        </p:txBody>
+      </p:sp>
+      <p:sp>
+        <p:nvSpPr>
+          <p:cNvPr id="63" name="TextBox 62"/>
+          <p:cNvSpPr txBox="1"/>
+          <p:nvPr/>
+        </p:nvSpPr>
+        <p:spPr>
+          <a:xfrm>
+            <a:off x="5445580" y="1237097"/>
+            <a:ext cx="518716" cy="369332"/>
+          </a:xfrm>
+          <a:prstGeom prst="rect">
+            <a:avLst/>
+          </a:prstGeom>
+          <a:noFill/>
+        </p:spPr>
+        <p:txBody>
+          <a:bodyPr wrap="square" rtlCol="0">
+            <a:spAutoFit/>
+          </a:bodyPr>
+          <a:lstStyle/>
+          <a:p>
+            <a:r>
+              <a:rPr lang="en-US" dirty="0" smtClean="0"/>
+              <a:t>t=0</a:t>
+            </a:r>
+            <a:endParaRPr lang="en-US" baseline="-25000" dirty="0"/>
+          </a:p>
+        </p:txBody>
+      </p:sp>
+      <p:sp>
+        <p:nvSpPr>
+          <p:cNvPr id="64" name="TextBox 63"/>
+          <p:cNvSpPr txBox="1"/>
+          <p:nvPr/>
+        </p:nvSpPr>
+        <p:spPr>
+          <a:xfrm>
+            <a:off x="7582370" y="1633225"/>
+            <a:ext cx="518716" cy="369332"/>
+          </a:xfrm>
+          <a:prstGeom prst="rect">
+            <a:avLst/>
+          </a:prstGeom>
+          <a:noFill/>
+        </p:spPr>
+        <p:txBody>
+          <a:bodyPr wrap="square" rtlCol="0">
+            <a:spAutoFit/>
+          </a:bodyPr>
+          <a:lstStyle/>
+          <a:p>
+            <a:r>
+              <a:rPr lang="en-US" dirty="0" smtClean="0"/>
+              <a:t>t&gt;0</a:t>
+            </a:r>
+            <a:endParaRPr lang="en-US" baseline="-25000" dirty="0"/>
+          </a:p>
+        </p:txBody>
+      </p:sp>
+    </p:spTree>
+    <p:extLst>
+      <p:ext uri="{BB962C8B-B14F-4D97-AF65-F5344CB8AC3E}">
+        <p14:creationId xmlns:p14="http://schemas.microsoft.com/office/powerpoint/2010/main" val="3291362728"/>
+      </p:ext>
+    </p:extLst>
+  </p:cSld>
+  <p:clrMapOvr>
+    <a:masterClrMapping/>
+  </p:clrMapOvr>
+</p:sld>
+</file>
+
+<file path=ppt/slides/slide20.xml><?xml version="1.0" encoding="utf-8"?>
+<p:sld xmlns:a="http://schemas.openxmlformats.org/drawingml/2006/main" xmlns:r="http://schemas.openxmlformats.org/officeDocument/2006/relationships" xmlns:p="http://schemas.openxmlformats.org/presentationml/2006/main">
+  <p:cSld>
+    <p:spTree>
+      <p:nvGrpSpPr>
+        <p:cNvPr id="1" name=""/>
+        <p:cNvGrpSpPr/>
+        <p:nvPr/>
+      </p:nvGrpSpPr>
+      <p:grpSpPr>
+        <a:xfrm>
+          <a:off x="0" y="0"/>
+          <a:ext cx="0" cy="0"/>
+          <a:chOff x="0" y="0"/>
+          <a:chExt cx="0" cy="0"/>
+        </a:xfrm>
+      </p:grpSpPr>
+      <p:sp>
+        <p:nvSpPr>
+          <p:cNvPr id="49" name="Block Arc 48"/>
+          <p:cNvSpPr/>
+          <p:nvPr/>
+        </p:nvSpPr>
+        <p:spPr>
+          <a:xfrm rot="11773174">
+            <a:off x="3269532" y="1403839"/>
+            <a:ext cx="1472184" cy="1472184"/>
+          </a:xfrm>
+          <a:prstGeom prst="blockArc">
+            <a:avLst>
+              <a:gd name="adj1" fmla="val 8808739"/>
+              <a:gd name="adj2" fmla="val 14204526"/>
+              <a:gd name="adj3" fmla="val 47367"/>
+            </a:avLst>
+          </a:prstGeom>
         </p:spPr>
         <p:style>
           <a:lnRef idx="1">
@@ -15032,20 +16198,215 @@
           <a:lstStyle/>
           <a:p>
             <a:pPr algn="ctr"/>
+            <a:endParaRPr lang="en-US">
+              <a:solidFill>
+                <a:schemeClr val="tx1"/>
+              </a:solidFill>
+            </a:endParaRPr>
+          </a:p>
+        </p:txBody>
+      </p:sp>
+      <p:sp>
+        <p:nvSpPr>
+          <p:cNvPr id="48" name="Block Arc 47"/>
+          <p:cNvSpPr/>
+          <p:nvPr/>
+        </p:nvSpPr>
+        <p:spPr>
+          <a:xfrm rot="19668732">
+            <a:off x="3289206" y="1407125"/>
+            <a:ext cx="1472184" cy="1472184"/>
+          </a:xfrm>
+          <a:prstGeom prst="blockArc">
+            <a:avLst>
+              <a:gd name="adj1" fmla="val 8808739"/>
+              <a:gd name="adj2" fmla="val 14204526"/>
+              <a:gd name="adj3" fmla="val 47367"/>
+            </a:avLst>
+          </a:prstGeom>
+        </p:spPr>
+        <p:style>
+          <a:lnRef idx="1">
+            <a:schemeClr val="accent1"/>
+          </a:lnRef>
+          <a:fillRef idx="3">
+            <a:schemeClr val="accent1"/>
+          </a:fillRef>
+          <a:effectRef idx="2">
+            <a:schemeClr val="accent1"/>
+          </a:effectRef>
+          <a:fontRef idx="minor">
+            <a:schemeClr val="lt1"/>
+          </a:fontRef>
+        </p:style>
+        <p:txBody>
+          <a:bodyPr rtlCol="0" anchor="ctr"/>
+          <a:lstStyle/>
+          <a:p>
+            <a:pPr algn="ctr"/>
+            <a:endParaRPr lang="en-US">
+              <a:solidFill>
+                <a:schemeClr val="tx1"/>
+              </a:solidFill>
+            </a:endParaRPr>
+          </a:p>
+        </p:txBody>
+      </p:sp>
+      <p:sp>
+        <p:nvSpPr>
+          <p:cNvPr id="4" name="Oval 3"/>
+          <p:cNvSpPr/>
+          <p:nvPr/>
+        </p:nvSpPr>
+        <p:spPr>
+          <a:xfrm>
+            <a:off x="1126771" y="1483738"/>
+            <a:ext cx="1475946" cy="1475946"/>
+          </a:xfrm>
+          <a:prstGeom prst="ellipse">
+            <a:avLst/>
+          </a:prstGeom>
+          <a:noFill/>
+        </p:spPr>
+        <p:style>
+          <a:lnRef idx="1">
+            <a:schemeClr val="accent1"/>
+          </a:lnRef>
+          <a:fillRef idx="3">
+            <a:schemeClr val="accent1"/>
+          </a:fillRef>
+          <a:effectRef idx="2">
+            <a:schemeClr val="accent1"/>
+          </a:effectRef>
+          <a:fontRef idx="minor">
+            <a:schemeClr val="lt1"/>
+          </a:fontRef>
+        </p:style>
+        <p:txBody>
+          <a:bodyPr rtlCol="0" anchor="ctr"/>
+          <a:lstStyle/>
+          <a:p>
+            <a:pPr algn="ctr"/>
             <a:endParaRPr lang="en-US"/>
           </a:p>
         </p:txBody>
       </p:sp>
       <p:sp>
         <p:nvSpPr>
-          <p:cNvPr id="16" name="Oval 15"/>
+          <p:cNvPr id="5" name="TextBox 4"/>
+          <p:cNvSpPr txBox="1"/>
+          <p:nvPr/>
+        </p:nvSpPr>
+        <p:spPr>
+          <a:xfrm>
+            <a:off x="1459306" y="2865362"/>
+            <a:ext cx="1819858" cy="461665"/>
+          </a:xfrm>
+          <a:prstGeom prst="rect">
+            <a:avLst/>
+          </a:prstGeom>
+          <a:noFill/>
+        </p:spPr>
+        <p:txBody>
+          <a:bodyPr wrap="square" rtlCol="0">
+            <a:spAutoFit/>
+          </a:bodyPr>
+          <a:lstStyle/>
+          <a:p>
+            <a:r>
+              <a:rPr lang="en-US" sz="2400" dirty="0" smtClean="0"/>
+              <a:t>g</a:t>
+            </a:r>
+            <a:r>
+              <a:rPr lang="en-US" sz="2400" baseline="-25000" dirty="0" smtClean="0"/>
+              <a:t>start</a:t>
+            </a:r>
+            <a:endParaRPr lang="en-US" sz="2400" dirty="0"/>
+          </a:p>
+        </p:txBody>
+      </p:sp>
+      <p:cxnSp>
+        <p:nvCxnSpPr>
+          <p:cNvPr id="6" name="Straight Arrow Connector 5"/>
+          <p:cNvCxnSpPr/>
+          <p:nvPr/>
+        </p:nvCxnSpPr>
+        <p:spPr>
+          <a:xfrm>
+            <a:off x="1833718" y="2217600"/>
+            <a:ext cx="224845" cy="736092"/>
+          </a:xfrm>
+          <a:prstGeom prst="straightConnector1">
+            <a:avLst/>
+          </a:prstGeom>
+          <a:ln w="28575" cmpd="sng">
+            <a:tailEnd type="arrow"/>
+          </a:ln>
+          <a:effectLst/>
+        </p:spPr>
+        <p:style>
+          <a:lnRef idx="2">
+            <a:schemeClr val="dk1"/>
+          </a:lnRef>
+          <a:fillRef idx="0">
+            <a:schemeClr val="dk1"/>
+          </a:fillRef>
+          <a:effectRef idx="1">
+            <a:schemeClr val="dk1"/>
+          </a:effectRef>
+          <a:fontRef idx="minor">
+            <a:schemeClr val="tx1"/>
+          </a:fontRef>
+        </p:style>
+      </p:cxnSp>
+      <p:cxnSp>
+        <p:nvCxnSpPr>
+          <p:cNvPr id="7" name="Straight Arrow Connector 6"/>
+          <p:cNvCxnSpPr/>
+          <p:nvPr/>
+        </p:nvCxnSpPr>
+        <p:spPr>
+          <a:xfrm flipH="1">
+            <a:off x="1209150" y="2226941"/>
+            <a:ext cx="631433" cy="375772"/>
+          </a:xfrm>
+          <a:prstGeom prst="straightConnector1">
+            <a:avLst/>
+          </a:prstGeom>
+          <a:ln w="28575" cmpd="sng">
+            <a:solidFill>
+              <a:srgbClr val="A6A6A6"/>
+            </a:solidFill>
+            <a:prstDash val="dash"/>
+            <a:tailEnd type="arrow"/>
+          </a:ln>
+          <a:effectLst/>
+        </p:spPr>
+        <p:style>
+          <a:lnRef idx="2">
+            <a:schemeClr val="dk1"/>
+          </a:lnRef>
+          <a:fillRef idx="0">
+            <a:schemeClr val="dk1"/>
+          </a:fillRef>
+          <a:effectRef idx="1">
+            <a:schemeClr val="dk1"/>
+          </a:effectRef>
+          <a:fontRef idx="minor">
+            <a:schemeClr val="tx1"/>
+          </a:fontRef>
+        </p:style>
+      </p:cxnSp>
+      <p:sp>
+        <p:nvSpPr>
+          <p:cNvPr id="8" name="Oval 7"/>
           <p:cNvSpPr/>
           <p:nvPr/>
         </p:nvSpPr>
         <p:spPr>
           <a:xfrm>
-            <a:off x="6678322" y="2289038"/>
-            <a:ext cx="47554" cy="47554"/>
+            <a:off x="1801987" y="2206345"/>
+            <a:ext cx="65289" cy="65289"/>
           </a:xfrm>
           <a:prstGeom prst="ellipse">
             <a:avLst/>
@@ -15078,14 +16439,54 @@
       </p:sp>
       <p:cxnSp>
         <p:nvCxnSpPr>
-          <p:cNvPr id="17" name="Straight Arrow Connector 16"/>
+          <p:cNvPr id="11" name="Straight Arrow Connector 10"/>
           <p:cNvCxnSpPr/>
           <p:nvPr/>
         </p:nvCxnSpPr>
         <p:spPr>
-          <a:xfrm flipH="1" flipV="1">
-            <a:off x="6375970" y="1769485"/>
-            <a:ext cx="328699" cy="543329"/>
+          <a:xfrm rot="19527167">
+            <a:off x="2027176" y="2115343"/>
+            <a:ext cx="224845" cy="736092"/>
+          </a:xfrm>
+          <a:prstGeom prst="straightConnector1">
+            <a:avLst/>
+          </a:prstGeom>
+          <a:ln w="28575" cmpd="sng">
+            <a:solidFill>
+              <a:schemeClr val="bg1">
+                <a:lumMod val="65000"/>
+              </a:schemeClr>
+            </a:solidFill>
+            <a:prstDash val="dash"/>
+            <a:tailEnd type="arrow"/>
+          </a:ln>
+          <a:effectLst/>
+        </p:spPr>
+        <p:style>
+          <a:lnRef idx="2">
+            <a:schemeClr val="dk1"/>
+          </a:lnRef>
+          <a:fillRef idx="0">
+            <a:schemeClr val="dk1"/>
+          </a:fillRef>
+          <a:effectRef idx="1">
+            <a:schemeClr val="dk1"/>
+          </a:effectRef>
+          <a:fontRef idx="minor">
+            <a:schemeClr val="tx1"/>
+          </a:fontRef>
+        </p:style>
+      </p:cxnSp>
+      <p:cxnSp>
+        <p:nvCxnSpPr>
+          <p:cNvPr id="12" name="Straight Arrow Connector 11"/>
+          <p:cNvCxnSpPr/>
+          <p:nvPr/>
+        </p:nvCxnSpPr>
+        <p:spPr>
+          <a:xfrm rot="19527167" flipH="1">
+            <a:off x="1380027" y="2393704"/>
+            <a:ext cx="631433" cy="375772"/>
           </a:xfrm>
           <a:prstGeom prst="straightConnector1">
             <a:avLst/>
@@ -15112,32 +16513,33 @@
       </p:cxnSp>
       <p:sp>
         <p:nvSpPr>
-          <p:cNvPr id="18" name="Rectangle 17"/>
+          <p:cNvPr id="13" name="Oval 12"/>
           <p:cNvSpPr/>
           <p:nvPr/>
         </p:nvSpPr>
         <p:spPr>
-          <a:xfrm rot="20687964">
-            <a:off x="6727732" y="2292812"/>
-            <a:ext cx="125907" cy="125907"/>
-          </a:xfrm>
-          <a:prstGeom prst="rect">
-            <a:avLst/>
-          </a:prstGeom>
-          <a:ln w="12700" cmpd="sng"/>
+          <a:xfrm rot="19527167">
+            <a:off x="1818524" y="2228452"/>
+            <a:ext cx="65289" cy="65289"/>
+          </a:xfrm>
+          <a:prstGeom prst="ellipse">
+            <a:avLst/>
+          </a:prstGeom>
         </p:spPr>
         <p:style>
           <a:lnRef idx="2">
-            <a:schemeClr val="dk1"/>
+            <a:schemeClr val="dk1">
+              <a:shade val="50000"/>
+            </a:schemeClr>
           </a:lnRef>
           <a:fillRef idx="1">
+            <a:schemeClr val="dk1"/>
+          </a:fillRef>
+          <a:effectRef idx="0">
+            <a:schemeClr val="dk1"/>
+          </a:effectRef>
+          <a:fontRef idx="minor">
             <a:schemeClr val="lt1"/>
-          </a:fillRef>
-          <a:effectRef idx="0">
-            <a:schemeClr val="dk1"/>
-          </a:effectRef>
-          <a:fontRef idx="minor">
-            <a:schemeClr val="dk1"/>
           </a:fontRef>
         </p:style>
         <p:txBody>
@@ -15149,149 +16551,6 @@
           </a:p>
         </p:txBody>
       </p:sp>
-      <p:cxnSp>
-        <p:nvCxnSpPr>
-          <p:cNvPr id="19" name="Straight Arrow Connector 18"/>
-          <p:cNvCxnSpPr>
-            <a:stCxn id="15" idx="0"/>
-          </p:cNvCxnSpPr>
-          <p:nvPr/>
-        </p:nvCxnSpPr>
-        <p:spPr>
-          <a:xfrm flipV="1">
-            <a:off x="6688763" y="2172267"/>
-            <a:ext cx="583173" cy="143280"/>
-          </a:xfrm>
-          <a:prstGeom prst="straightConnector1">
-            <a:avLst/>
-          </a:prstGeom>
-          <a:ln w="28575" cmpd="sng">
-            <a:tailEnd type="arrow"/>
-          </a:ln>
-          <a:effectLst/>
-        </p:spPr>
-        <p:style>
-          <a:lnRef idx="2">
-            <a:schemeClr val="dk1"/>
-          </a:lnRef>
-          <a:fillRef idx="0">
-            <a:schemeClr val="dk1"/>
-          </a:fillRef>
-          <a:effectRef idx="1">
-            <a:schemeClr val="dk1"/>
-          </a:effectRef>
-          <a:fontRef idx="minor">
-            <a:schemeClr val="tx1"/>
-          </a:fontRef>
-        </p:style>
-      </p:cxnSp>
-      <p:sp>
-        <p:nvSpPr>
-          <p:cNvPr id="20" name="Rectangle 19"/>
-          <p:cNvSpPr/>
-          <p:nvPr/>
-        </p:nvSpPr>
-        <p:spPr>
-          <a:xfrm rot="19808676">
-            <a:off x="6552215" y="2226817"/>
-            <a:ext cx="121079" cy="121079"/>
-          </a:xfrm>
-          <a:prstGeom prst="rect">
-            <a:avLst/>
-          </a:prstGeom>
-          <a:ln w="12700" cmpd="sng"/>
-        </p:spPr>
-        <p:style>
-          <a:lnRef idx="2">
-            <a:schemeClr val="dk1"/>
-          </a:lnRef>
-          <a:fillRef idx="1">
-            <a:schemeClr val="lt1"/>
-          </a:fillRef>
-          <a:effectRef idx="0">
-            <a:schemeClr val="dk1"/>
-          </a:effectRef>
-          <a:fontRef idx="minor">
-            <a:schemeClr val="dk1"/>
-          </a:fontRef>
-        </p:style>
-        <p:txBody>
-          <a:bodyPr rtlCol="0" anchor="ctr"/>
-          <a:lstStyle/>
-          <a:p>
-            <a:pPr algn="ctr"/>
-            <a:endParaRPr lang="en-US"/>
-          </a:p>
-        </p:txBody>
-      </p:sp>
-      <p:cxnSp>
-        <p:nvCxnSpPr>
-          <p:cNvPr id="21" name="Straight Arrow Connector 20"/>
-          <p:cNvCxnSpPr/>
-          <p:nvPr/>
-        </p:nvCxnSpPr>
-        <p:spPr>
-          <a:xfrm>
-            <a:off x="6704677" y="2326131"/>
-            <a:ext cx="163266" cy="556685"/>
-          </a:xfrm>
-          <a:prstGeom prst="straightConnector1">
-            <a:avLst/>
-          </a:prstGeom>
-          <a:ln w="28575" cmpd="sng">
-            <a:tailEnd type="arrow"/>
-          </a:ln>
-          <a:effectLst/>
-        </p:spPr>
-        <p:style>
-          <a:lnRef idx="2">
-            <a:schemeClr val="dk1"/>
-          </a:lnRef>
-          <a:fillRef idx="0">
-            <a:schemeClr val="dk1"/>
-          </a:fillRef>
-          <a:effectRef idx="1">
-            <a:schemeClr val="dk1"/>
-          </a:effectRef>
-          <a:fontRef idx="minor">
-            <a:schemeClr val="tx1"/>
-          </a:fontRef>
-        </p:style>
-      </p:cxnSp>
-      <p:cxnSp>
-        <p:nvCxnSpPr>
-          <p:cNvPr id="22" name="Straight Arrow Connector 21"/>
-          <p:cNvCxnSpPr/>
-          <p:nvPr/>
-        </p:nvCxnSpPr>
-        <p:spPr>
-          <a:xfrm flipH="1">
-            <a:off x="6263278" y="2306906"/>
-            <a:ext cx="442769" cy="209285"/>
-          </a:xfrm>
-          <a:prstGeom prst="straightConnector1">
-            <a:avLst/>
-          </a:prstGeom>
-          <a:ln w="28575" cmpd="sng">
-            <a:tailEnd type="arrow"/>
-          </a:ln>
-          <a:effectLst/>
-        </p:spPr>
-        <p:style>
-          <a:lnRef idx="2">
-            <a:schemeClr val="dk1"/>
-          </a:lnRef>
-          <a:fillRef idx="0">
-            <a:schemeClr val="dk1"/>
-          </a:fillRef>
-          <a:effectRef idx="1">
-            <a:schemeClr val="dk1"/>
-          </a:effectRef>
-          <a:fontRef idx="minor">
-            <a:schemeClr val="tx1"/>
-          </a:fontRef>
-        </p:style>
-      </p:cxnSp>
       <p:sp>
         <p:nvSpPr>
           <p:cNvPr id="23" name="TextBox 22"/>
@@ -15300,8 +16559,8 @@
         </p:nvSpPr>
         <p:spPr>
           <a:xfrm>
-            <a:off x="6522707" y="3248045"/>
-            <a:ext cx="776882" cy="461665"/>
+            <a:off x="5638485" y="2676833"/>
+            <a:ext cx="672032" cy="399357"/>
           </a:xfrm>
           <a:prstGeom prst="rect">
             <a:avLst/>
@@ -15334,8 +16593,8 @@
         </p:nvSpPr>
         <p:spPr>
           <a:xfrm rot="19635414">
-            <a:off x="5984957" y="3670507"/>
-            <a:ext cx="1937121" cy="1132153"/>
+            <a:off x="5181505" y="2771876"/>
+            <a:ext cx="1675681" cy="979354"/>
           </a:xfrm>
           <a:custGeom>
             <a:avLst/>
@@ -15559,8 +16818,8 @@
         </p:nvSpPr>
         <p:spPr>
           <a:xfrm rot="19635414">
-            <a:off x="6914649" y="4434986"/>
-            <a:ext cx="47554" cy="47554"/>
+            <a:off x="5985723" y="3433178"/>
+            <a:ext cx="41136" cy="41136"/>
           </a:xfrm>
           <a:prstGeom prst="ellipse">
             <a:avLst/>
@@ -15599,8 +16858,8 @@
         </p:nvCxnSpPr>
         <p:spPr>
           <a:xfrm rot="19635414" flipH="1" flipV="1">
-            <a:off x="6491067" y="4046102"/>
-            <a:ext cx="328699" cy="543329"/>
+            <a:off x="5619306" y="3096780"/>
+            <a:ext cx="284336" cy="470000"/>
           </a:xfrm>
           <a:prstGeom prst="straightConnector1">
             <a:avLst/>
@@ -15633,8 +16892,8 @@
         </p:nvSpPr>
         <p:spPr>
           <a:xfrm rot="18723378">
-            <a:off x="6973214" y="4384022"/>
-            <a:ext cx="125907" cy="125907"/>
+            <a:off x="6036381" y="3389093"/>
+            <a:ext cx="108914" cy="108914"/>
           </a:xfrm>
           <a:prstGeom prst="rect">
             <a:avLst/>
@@ -15674,8 +16933,8 @@
         </p:nvCxnSpPr>
         <p:spPr>
           <a:xfrm flipV="1">
-            <a:off x="6928687" y="4032340"/>
-            <a:ext cx="413013" cy="435934"/>
+            <a:off x="5997864" y="3084875"/>
+            <a:ext cx="357271" cy="377099"/>
           </a:xfrm>
           <a:prstGeom prst="straightConnector1">
             <a:avLst/>
@@ -15708,8 +16967,8 @@
         </p:nvSpPr>
         <p:spPr>
           <a:xfrm rot="17844090">
-            <a:off x="6788969" y="4425135"/>
-            <a:ext cx="121079" cy="121079"/>
+            <a:off x="5877003" y="3424657"/>
+            <a:ext cx="104738" cy="104738"/>
           </a:xfrm>
           <a:prstGeom prst="rect">
             <a:avLst/>
@@ -15747,8 +17006,8 @@
         </p:nvCxnSpPr>
         <p:spPr>
           <a:xfrm rot="19635414">
-            <a:off x="7085374" y="4380189"/>
-            <a:ext cx="163266" cy="556685"/>
+            <a:off x="6133404" y="3385777"/>
+            <a:ext cx="141231" cy="481553"/>
           </a:xfrm>
           <a:prstGeom prst="straightConnector1">
             <a:avLst/>
@@ -15781,8 +17040,8 @@
         </p:nvCxnSpPr>
         <p:spPr>
           <a:xfrm rot="19635414" flipH="1">
-            <a:off x="6587557" y="4554772"/>
-            <a:ext cx="442769" cy="209285"/>
+            <a:off x="5702774" y="3536799"/>
+            <a:ext cx="383011" cy="181039"/>
           </a:xfrm>
           <a:prstGeom prst="straightConnector1">
             <a:avLst/>
@@ -15815,8 +17074,8 @@
         </p:nvSpPr>
         <p:spPr>
           <a:xfrm>
-            <a:off x="6517125" y="3248501"/>
-            <a:ext cx="776882" cy="461665"/>
+            <a:off x="5633651" y="2677227"/>
+            <a:ext cx="672032" cy="399357"/>
           </a:xfrm>
           <a:prstGeom prst="rect">
             <a:avLst/>
@@ -15843,14 +17102,14 @@
       </p:sp>
       <p:sp>
         <p:nvSpPr>
-          <p:cNvPr id="33" name="TextBox 32"/>
+          <p:cNvPr id="14" name="TextBox 13"/>
           <p:cNvSpPr txBox="1"/>
           <p:nvPr/>
         </p:nvSpPr>
         <p:spPr>
           <a:xfrm>
-            <a:off x="6485084" y="1027632"/>
-            <a:ext cx="776882" cy="461665"/>
+            <a:off x="5777010" y="1148919"/>
+            <a:ext cx="659585" cy="391961"/>
           </a:xfrm>
           <a:prstGeom prst="rect">
             <a:avLst/>
@@ -15868,905 +17127,83 @@
               <a:t>V</a:t>
             </a:r>
             <a:r>
-              <a:rPr lang="en-US" sz="2400" baseline="-25000" dirty="0" smtClean="0"/>
-              <a:t>cc</a:t>
-            </a:r>
-            <a:endParaRPr lang="en-US" sz="2400" baseline="-25000" dirty="0"/>
-          </a:p>
-        </p:txBody>
-      </p:sp>
-      <p:sp>
-        <p:nvSpPr>
-          <p:cNvPr id="43" name="Oval 42"/>
+              <a:rPr lang="en-US" sz="2400" baseline="30000" dirty="0" smtClean="0"/>
+              <a:t>1</a:t>
+            </a:r>
+            <a:endParaRPr lang="en-US" sz="2400" baseline="30000" dirty="0"/>
+          </a:p>
+        </p:txBody>
+      </p:sp>
+      <p:sp>
+        <p:nvSpPr>
+          <p:cNvPr id="15" name="Freeform 14"/>
           <p:cNvSpPr/>
           <p:nvPr/>
         </p:nvSpPr>
         <p:spPr>
           <a:xfrm>
-            <a:off x="3557459" y="3730301"/>
-            <a:ext cx="1475946" cy="1475946"/>
-          </a:xfrm>
-          <a:prstGeom prst="ellipse">
-            <a:avLst/>
-          </a:prstGeom>
-          <a:noFill/>
-        </p:spPr>
-        <p:style>
-          <a:lnRef idx="1">
-            <a:schemeClr val="accent1"/>
-          </a:lnRef>
-          <a:fillRef idx="3">
-            <a:schemeClr val="accent1"/>
-          </a:fillRef>
-          <a:effectRef idx="2">
-            <a:schemeClr val="accent1"/>
-          </a:effectRef>
-          <a:fontRef idx="minor">
-            <a:schemeClr val="lt1"/>
-          </a:fontRef>
-        </p:style>
-        <p:txBody>
-          <a:bodyPr rtlCol="0" anchor="ctr"/>
-          <a:lstStyle/>
-          <a:p>
-            <a:pPr algn="ctr"/>
-            <a:endParaRPr lang="en-US"/>
-          </a:p>
-        </p:txBody>
-      </p:sp>
-      <p:cxnSp>
-        <p:nvCxnSpPr>
-          <p:cNvPr id="44" name="Straight Arrow Connector 43"/>
-          <p:cNvCxnSpPr/>
-          <p:nvPr/>
-        </p:nvCxnSpPr>
-        <p:spPr>
-          <a:xfrm>
-            <a:off x="4264406" y="4464163"/>
-            <a:ext cx="224845" cy="736092"/>
-          </a:xfrm>
-          <a:prstGeom prst="straightConnector1">
-            <a:avLst/>
-          </a:prstGeom>
-          <a:ln w="28575" cmpd="sng">
-            <a:tailEnd type="arrow"/>
-          </a:ln>
-          <a:effectLst/>
-        </p:spPr>
-        <p:style>
-          <a:lnRef idx="2">
-            <a:schemeClr val="dk1"/>
-          </a:lnRef>
-          <a:fillRef idx="0">
-            <a:schemeClr val="dk1"/>
-          </a:fillRef>
-          <a:effectRef idx="1">
-            <a:schemeClr val="dk1"/>
-          </a:effectRef>
-          <a:fontRef idx="minor">
-            <a:schemeClr val="tx1"/>
-          </a:fontRef>
-        </p:style>
-      </p:cxnSp>
-      <p:sp>
-        <p:nvSpPr>
-          <p:cNvPr id="45" name="Oval 44"/>
-          <p:cNvSpPr/>
-          <p:nvPr/>
-        </p:nvSpPr>
-        <p:spPr>
-          <a:xfrm>
-            <a:off x="4232675" y="4452908"/>
-            <a:ext cx="65289" cy="65289"/>
-          </a:xfrm>
-          <a:prstGeom prst="ellipse">
-            <a:avLst/>
-          </a:prstGeom>
-        </p:spPr>
-        <p:style>
-          <a:lnRef idx="2">
-            <a:schemeClr val="dk1">
-              <a:shade val="50000"/>
-            </a:schemeClr>
-          </a:lnRef>
-          <a:fillRef idx="1">
-            <a:schemeClr val="dk1"/>
-          </a:fillRef>
-          <a:effectRef idx="0">
-            <a:schemeClr val="dk1"/>
-          </a:effectRef>
-          <a:fontRef idx="minor">
-            <a:schemeClr val="lt1"/>
-          </a:fontRef>
-        </p:style>
-        <p:txBody>
-          <a:bodyPr rtlCol="0" anchor="ctr"/>
-          <a:lstStyle/>
-          <a:p>
-            <a:pPr algn="ctr"/>
-            <a:endParaRPr lang="en-US"/>
-          </a:p>
-        </p:txBody>
-      </p:sp>
-      <p:cxnSp>
-        <p:nvCxnSpPr>
-          <p:cNvPr id="46" name="Straight Arrow Connector 45"/>
-          <p:cNvCxnSpPr/>
-          <p:nvPr/>
-        </p:nvCxnSpPr>
-        <p:spPr>
-          <a:xfrm rot="19527167" flipH="1">
-            <a:off x="3810715" y="4640267"/>
-            <a:ext cx="631433" cy="375772"/>
-          </a:xfrm>
-          <a:prstGeom prst="straightConnector1">
-            <a:avLst/>
-          </a:prstGeom>
-          <a:ln w="28575" cmpd="sng">
-            <a:tailEnd type="arrow"/>
-          </a:ln>
-          <a:effectLst/>
-        </p:spPr>
-        <p:style>
-          <a:lnRef idx="2">
-            <a:schemeClr val="dk1"/>
-          </a:lnRef>
-          <a:fillRef idx="0">
-            <a:schemeClr val="dk1"/>
-          </a:fillRef>
-          <a:effectRef idx="1">
-            <a:schemeClr val="dk1"/>
-          </a:effectRef>
-          <a:fontRef idx="minor">
-            <a:schemeClr val="tx1"/>
-          </a:fontRef>
-        </p:style>
-      </p:cxnSp>
-      <p:sp>
-        <p:nvSpPr>
-          <p:cNvPr id="47" name="Oval 46"/>
-          <p:cNvSpPr/>
-          <p:nvPr/>
-        </p:nvSpPr>
-        <p:spPr>
-          <a:xfrm rot="19527167">
-            <a:off x="4249212" y="4475015"/>
-            <a:ext cx="65289" cy="65289"/>
-          </a:xfrm>
-          <a:prstGeom prst="ellipse">
-            <a:avLst/>
-          </a:prstGeom>
-        </p:spPr>
-        <p:style>
-          <a:lnRef idx="2">
-            <a:schemeClr val="dk1">
-              <a:shade val="50000"/>
-            </a:schemeClr>
-          </a:lnRef>
-          <a:fillRef idx="1">
-            <a:schemeClr val="dk1"/>
-          </a:fillRef>
-          <a:effectRef idx="0">
-            <a:schemeClr val="dk1"/>
-          </a:effectRef>
-          <a:fontRef idx="minor">
-            <a:schemeClr val="lt1"/>
-          </a:fontRef>
-        </p:style>
-        <p:txBody>
-          <a:bodyPr rtlCol="0" anchor="ctr"/>
-          <a:lstStyle/>
-          <a:p>
-            <a:pPr algn="ctr"/>
-            <a:endParaRPr lang="en-US"/>
-          </a:p>
-        </p:txBody>
-      </p:sp>
-      <p:cxnSp>
-        <p:nvCxnSpPr>
-          <p:cNvPr id="50" name="Straight Arrow Connector 49"/>
-          <p:cNvCxnSpPr/>
-          <p:nvPr/>
-        </p:nvCxnSpPr>
-        <p:spPr>
-          <a:xfrm flipH="1" flipV="1">
-            <a:off x="3608013" y="4154130"/>
-            <a:ext cx="668629" cy="345139"/>
-          </a:xfrm>
-          <a:prstGeom prst="straightConnector1">
-            <a:avLst/>
-          </a:prstGeom>
-          <a:ln w="28575" cmpd="sng">
-            <a:tailEnd type="arrow"/>
-          </a:ln>
-          <a:effectLst/>
-        </p:spPr>
-        <p:style>
-          <a:lnRef idx="2">
-            <a:schemeClr val="dk1"/>
-          </a:lnRef>
-          <a:fillRef idx="0">
-            <a:schemeClr val="dk1"/>
-          </a:fillRef>
-          <a:effectRef idx="1">
-            <a:schemeClr val="dk1"/>
-          </a:effectRef>
-          <a:fontRef idx="minor">
-            <a:schemeClr val="tx1"/>
-          </a:fontRef>
-        </p:style>
-      </p:cxnSp>
-      <p:cxnSp>
-        <p:nvCxnSpPr>
-          <p:cNvPr id="51" name="Straight Arrow Connector 50"/>
-          <p:cNvCxnSpPr/>
-          <p:nvPr/>
-        </p:nvCxnSpPr>
-        <p:spPr>
-          <a:xfrm flipV="1">
-            <a:off x="4269314" y="4277034"/>
-            <a:ext cx="740460" cy="216619"/>
-          </a:xfrm>
-          <a:prstGeom prst="straightConnector1">
-            <a:avLst/>
-          </a:prstGeom>
-          <a:ln w="28575" cmpd="sng">
-            <a:tailEnd type="arrow"/>
-          </a:ln>
-          <a:effectLst/>
-        </p:spPr>
-        <p:style>
-          <a:lnRef idx="2">
-            <a:schemeClr val="dk1"/>
-          </a:lnRef>
-          <a:fillRef idx="0">
-            <a:schemeClr val="dk1"/>
-          </a:fillRef>
-          <a:effectRef idx="1">
-            <a:schemeClr val="dk1"/>
-          </a:effectRef>
-          <a:fontRef idx="minor">
-            <a:schemeClr val="tx1"/>
-          </a:fontRef>
-        </p:style>
-      </p:cxnSp>
-      <p:sp>
-        <p:nvSpPr>
-          <p:cNvPr id="53" name="TextBox 52"/>
-          <p:cNvSpPr txBox="1"/>
-          <p:nvPr/>
-        </p:nvSpPr>
-        <p:spPr>
-          <a:xfrm>
-            <a:off x="3929844" y="5213994"/>
-            <a:ext cx="1819858" cy="461665"/>
-          </a:xfrm>
-          <a:prstGeom prst="rect">
-            <a:avLst/>
-          </a:prstGeom>
-          <a:noFill/>
-        </p:spPr>
-        <p:txBody>
-          <a:bodyPr wrap="square" rtlCol="0">
-            <a:spAutoFit/>
-          </a:bodyPr>
-          <a:lstStyle/>
-          <a:p>
-            <a:r>
-              <a:rPr lang="en-US" sz="2400" dirty="0" err="1" smtClean="0"/>
-              <a:t>g</a:t>
-            </a:r>
-            <a:r>
-              <a:rPr lang="en-US" sz="2400" baseline="-25000" dirty="0" err="1" smtClean="0"/>
-              <a:t>end</a:t>
-            </a:r>
-            <a:endParaRPr lang="en-US" sz="2400" dirty="0"/>
-          </a:p>
-        </p:txBody>
-      </p:sp>
-    </p:spTree>
-    <p:extLst>
-      <p:ext uri="{BB962C8B-B14F-4D97-AF65-F5344CB8AC3E}">
-        <p14:creationId xmlns:p14="http://schemas.microsoft.com/office/powerpoint/2010/main" val="1467706622"/>
-      </p:ext>
-    </p:extLst>
-  </p:cSld>
-  <p:clrMapOvr>
-    <a:masterClrMapping/>
-  </p:clrMapOvr>
-</p:sld>
-</file>
-
-<file path=ppt/slides/slide2.xml><?xml version="1.0" encoding="utf-8"?>
-<p:sld xmlns:a="http://schemas.openxmlformats.org/drawingml/2006/main" xmlns:r="http://schemas.openxmlformats.org/officeDocument/2006/relationships" xmlns:p="http://schemas.openxmlformats.org/presentationml/2006/main">
-  <p:cSld>
-    <p:spTree>
-      <p:nvGrpSpPr>
-        <p:cNvPr id="1" name=""/>
-        <p:cNvGrpSpPr/>
-        <p:nvPr/>
-      </p:nvGrpSpPr>
-      <p:grpSpPr>
-        <a:xfrm>
-          <a:off x="0" y="0"/>
-          <a:ext cx="0" cy="0"/>
-          <a:chOff x="0" y="0"/>
-          <a:chExt cx="0" cy="0"/>
-        </a:xfrm>
-      </p:grpSpPr>
-      <p:grpSp>
-        <p:nvGrpSpPr>
-          <p:cNvPr id="14" name="Group 13"/>
-          <p:cNvGrpSpPr/>
-          <p:nvPr/>
-        </p:nvGrpSpPr>
-        <p:grpSpPr>
-          <a:xfrm>
-            <a:off x="1366762" y="2116667"/>
-            <a:ext cx="520096" cy="520096"/>
-            <a:chOff x="2467428" y="1596571"/>
-            <a:chExt cx="520096" cy="520096"/>
-          </a:xfrm>
-        </p:grpSpPr>
-        <p:cxnSp>
-          <p:nvCxnSpPr>
-            <p:cNvPr id="10" name="Straight Arrow Connector 9"/>
-            <p:cNvCxnSpPr/>
-            <p:nvPr/>
-          </p:nvCxnSpPr>
-          <p:spPr>
-            <a:xfrm flipV="1">
-              <a:off x="2467428" y="1596571"/>
-              <a:ext cx="0" cy="520096"/>
-            </a:xfrm>
-            <a:prstGeom prst="straightConnector1">
-              <a:avLst/>
-            </a:prstGeom>
-            <a:ln>
-              <a:solidFill>
-                <a:schemeClr val="bg1">
-                  <a:lumMod val="50000"/>
-                </a:schemeClr>
-              </a:solidFill>
-              <a:tailEnd type="arrow"/>
-            </a:ln>
-            <a:effectLst/>
-          </p:spPr>
-          <p:style>
-            <a:lnRef idx="2">
-              <a:schemeClr val="dk1"/>
-            </a:lnRef>
-            <a:fillRef idx="0">
-              <a:schemeClr val="dk1"/>
-            </a:fillRef>
-            <a:effectRef idx="1">
-              <a:schemeClr val="dk1"/>
-            </a:effectRef>
-            <a:fontRef idx="minor">
-              <a:schemeClr val="tx1"/>
-            </a:fontRef>
-          </p:style>
-        </p:cxnSp>
-        <p:cxnSp>
-          <p:nvCxnSpPr>
-            <p:cNvPr id="11" name="Straight Arrow Connector 10"/>
-            <p:cNvCxnSpPr/>
-            <p:nvPr/>
-          </p:nvCxnSpPr>
-          <p:spPr>
-            <a:xfrm rot="5400000" flipV="1">
-              <a:off x="2727476" y="1845733"/>
-              <a:ext cx="0" cy="520096"/>
-            </a:xfrm>
-            <a:prstGeom prst="straightConnector1">
-              <a:avLst/>
-            </a:prstGeom>
-            <a:ln>
-              <a:solidFill>
-                <a:schemeClr val="bg1">
-                  <a:lumMod val="50000"/>
-                </a:schemeClr>
-              </a:solidFill>
-              <a:tailEnd type="arrow"/>
-            </a:ln>
-            <a:effectLst/>
-          </p:spPr>
-          <p:style>
-            <a:lnRef idx="2">
-              <a:schemeClr val="dk1"/>
-            </a:lnRef>
-            <a:fillRef idx="0">
-              <a:schemeClr val="dk1"/>
-            </a:fillRef>
-            <a:effectRef idx="1">
-              <a:schemeClr val="dk1"/>
-            </a:effectRef>
-            <a:fontRef idx="minor">
-              <a:schemeClr val="tx1"/>
-            </a:fontRef>
-          </p:style>
-        </p:cxnSp>
-      </p:grpSp>
-      <p:grpSp>
-        <p:nvGrpSpPr>
-          <p:cNvPr id="15" name="Group 14"/>
-          <p:cNvGrpSpPr/>
-          <p:nvPr/>
-        </p:nvGrpSpPr>
-        <p:grpSpPr>
-          <a:xfrm>
-            <a:off x="1366762" y="4361543"/>
-            <a:ext cx="520096" cy="520096"/>
-            <a:chOff x="2467428" y="1596571"/>
-            <a:chExt cx="520096" cy="520096"/>
-          </a:xfrm>
-        </p:grpSpPr>
-        <p:cxnSp>
-          <p:nvCxnSpPr>
-            <p:cNvPr id="16" name="Straight Arrow Connector 15"/>
-            <p:cNvCxnSpPr/>
-            <p:nvPr/>
-          </p:nvCxnSpPr>
-          <p:spPr>
-            <a:xfrm flipV="1">
-              <a:off x="2467428" y="1596571"/>
-              <a:ext cx="0" cy="520096"/>
-            </a:xfrm>
-            <a:prstGeom prst="straightConnector1">
-              <a:avLst/>
-            </a:prstGeom>
-            <a:ln>
-              <a:tailEnd type="arrow"/>
-            </a:ln>
-            <a:effectLst/>
-          </p:spPr>
-          <p:style>
-            <a:lnRef idx="2">
-              <a:schemeClr val="dk1"/>
-            </a:lnRef>
-            <a:fillRef idx="0">
-              <a:schemeClr val="dk1"/>
-            </a:fillRef>
-            <a:effectRef idx="1">
-              <a:schemeClr val="dk1"/>
-            </a:effectRef>
-            <a:fontRef idx="minor">
-              <a:schemeClr val="tx1"/>
-            </a:fontRef>
-          </p:style>
-        </p:cxnSp>
-        <p:cxnSp>
-          <p:nvCxnSpPr>
-            <p:cNvPr id="17" name="Straight Arrow Connector 16"/>
-            <p:cNvCxnSpPr/>
-            <p:nvPr/>
-          </p:nvCxnSpPr>
-          <p:spPr>
-            <a:xfrm rot="5400000" flipV="1">
-              <a:off x="2727476" y="1845733"/>
-              <a:ext cx="0" cy="520096"/>
-            </a:xfrm>
-            <a:prstGeom prst="straightConnector1">
-              <a:avLst/>
-            </a:prstGeom>
-            <a:ln>
-              <a:tailEnd type="arrow"/>
-            </a:ln>
-            <a:effectLst/>
-          </p:spPr>
-          <p:style>
-            <a:lnRef idx="2">
-              <a:schemeClr val="dk1"/>
-            </a:lnRef>
-            <a:fillRef idx="0">
-              <a:schemeClr val="dk1"/>
-            </a:fillRef>
-            <a:effectRef idx="1">
-              <a:schemeClr val="dk1"/>
-            </a:effectRef>
-            <a:fontRef idx="minor">
-              <a:schemeClr val="tx1"/>
-            </a:fontRef>
-          </p:style>
-        </p:cxnSp>
-      </p:grpSp>
-      <p:cxnSp>
-        <p:nvCxnSpPr>
-          <p:cNvPr id="20" name="Straight Arrow Connector 19"/>
-          <p:cNvCxnSpPr/>
-          <p:nvPr/>
-        </p:nvCxnSpPr>
-        <p:spPr>
-          <a:xfrm flipV="1">
-            <a:off x="1366762" y="1672167"/>
-            <a:ext cx="929821" cy="964597"/>
-          </a:xfrm>
-          <a:prstGeom prst="straightConnector1">
-            <a:avLst/>
-          </a:prstGeom>
-          <a:ln w="28575" cmpd="sng">
-            <a:tailEnd type="arrow"/>
-          </a:ln>
-          <a:effectLst/>
-        </p:spPr>
-        <p:style>
-          <a:lnRef idx="2">
-            <a:schemeClr val="dk1"/>
-          </a:lnRef>
-          <a:fillRef idx="0">
-            <a:schemeClr val="dk1"/>
-          </a:fillRef>
-          <a:effectRef idx="1">
-            <a:schemeClr val="dk1"/>
-          </a:effectRef>
-          <a:fontRef idx="minor">
-            <a:schemeClr val="tx1"/>
-          </a:fontRef>
-        </p:style>
-      </p:cxnSp>
-      <p:sp>
-        <p:nvSpPr>
-          <p:cNvPr id="24" name="TextBox 23"/>
-          <p:cNvSpPr txBox="1"/>
-          <p:nvPr/>
-        </p:nvSpPr>
-        <p:spPr>
-          <a:xfrm>
-            <a:off x="1602621" y="1696148"/>
-            <a:ext cx="399142" cy="369332"/>
-          </a:xfrm>
-          <a:prstGeom prst="rect">
-            <a:avLst/>
-          </a:prstGeom>
-          <a:noFill/>
-        </p:spPr>
-        <p:txBody>
-          <a:bodyPr wrap="square" rtlCol="0">
-            <a:spAutoFit/>
-          </a:bodyPr>
-          <a:lstStyle/>
-          <a:p>
-            <a:r>
-              <a:rPr lang="en-US" dirty="0" smtClean="0"/>
-              <a:t>X</a:t>
-            </a:r>
-            <a:r>
-              <a:rPr lang="en-US" baseline="-25000" dirty="0" smtClean="0"/>
-              <a:t>0</a:t>
-            </a:r>
-            <a:endParaRPr lang="en-US" baseline="-25000" dirty="0"/>
-          </a:p>
-        </p:txBody>
-      </p:sp>
-      <p:cxnSp>
-        <p:nvCxnSpPr>
-          <p:cNvPr id="25" name="Straight Arrow Connector 24"/>
-          <p:cNvCxnSpPr/>
-          <p:nvPr/>
-        </p:nvCxnSpPr>
-        <p:spPr>
-          <a:xfrm flipV="1">
-            <a:off x="2296583" y="1354667"/>
-            <a:ext cx="751417" cy="317502"/>
-          </a:xfrm>
-          <a:prstGeom prst="straightConnector1">
-            <a:avLst/>
-          </a:prstGeom>
-          <a:ln w="28575" cmpd="sng">
-            <a:tailEnd type="arrow"/>
-          </a:ln>
-          <a:effectLst/>
-        </p:spPr>
-        <p:style>
-          <a:lnRef idx="2">
-            <a:schemeClr val="dk1"/>
-          </a:lnRef>
-          <a:fillRef idx="0">
-            <a:schemeClr val="dk1"/>
-          </a:fillRef>
-          <a:effectRef idx="1">
-            <a:schemeClr val="dk1"/>
-          </a:effectRef>
-          <a:fontRef idx="minor">
-            <a:schemeClr val="tx1"/>
-          </a:fontRef>
-        </p:style>
-      </p:cxnSp>
-      <p:sp>
-        <p:nvSpPr>
-          <p:cNvPr id="28" name="TextBox 27"/>
-          <p:cNvSpPr txBox="1"/>
-          <p:nvPr/>
-        </p:nvSpPr>
-        <p:spPr>
-          <a:xfrm>
-            <a:off x="2587574" y="1426047"/>
-            <a:ext cx="399142" cy="369332"/>
-          </a:xfrm>
-          <a:prstGeom prst="rect">
-            <a:avLst/>
-          </a:prstGeom>
-          <a:noFill/>
-        </p:spPr>
-        <p:txBody>
-          <a:bodyPr wrap="square" rtlCol="0">
-            <a:spAutoFit/>
-          </a:bodyPr>
-          <a:lstStyle/>
-          <a:p>
-            <a:r>
-              <a:rPr lang="en-US" dirty="0" smtClean="0"/>
-              <a:t>v</a:t>
-            </a:r>
-            <a:r>
-              <a:rPr lang="en-US" baseline="-25000" dirty="0" smtClean="0"/>
-              <a:t>0</a:t>
-            </a:r>
-            <a:endParaRPr lang="en-US" baseline="-25000" dirty="0"/>
-          </a:p>
-        </p:txBody>
-      </p:sp>
-      <p:cxnSp>
-        <p:nvCxnSpPr>
-          <p:cNvPr id="34" name="Straight Arrow Connector 33"/>
-          <p:cNvCxnSpPr/>
-          <p:nvPr/>
-        </p:nvCxnSpPr>
-        <p:spPr>
-          <a:xfrm>
-            <a:off x="2296583" y="1676711"/>
-            <a:ext cx="1511" cy="546098"/>
-          </a:xfrm>
-          <a:prstGeom prst="straightConnector1">
-            <a:avLst/>
-          </a:prstGeom>
-          <a:ln w="28575" cmpd="sng">
-            <a:tailEnd type="arrow"/>
-          </a:ln>
-          <a:effectLst/>
-        </p:spPr>
-        <p:style>
-          <a:lnRef idx="2">
-            <a:schemeClr val="dk1"/>
-          </a:lnRef>
-          <a:fillRef idx="0">
-            <a:schemeClr val="dk1"/>
-          </a:fillRef>
-          <a:effectRef idx="1">
-            <a:schemeClr val="dk1"/>
-          </a:effectRef>
-          <a:fontRef idx="minor">
-            <a:schemeClr val="tx1"/>
-          </a:fontRef>
-        </p:style>
-      </p:cxnSp>
-      <p:sp>
-        <p:nvSpPr>
-          <p:cNvPr id="36" name="TextBox 35"/>
-          <p:cNvSpPr txBox="1"/>
-          <p:nvPr/>
-        </p:nvSpPr>
-        <p:spPr>
-          <a:xfrm>
-            <a:off x="2329242" y="1763675"/>
-            <a:ext cx="399142" cy="369332"/>
-          </a:xfrm>
-          <a:prstGeom prst="rect">
-            <a:avLst/>
-          </a:prstGeom>
-          <a:noFill/>
-        </p:spPr>
-        <p:txBody>
-          <a:bodyPr wrap="square" rtlCol="0">
-            <a:spAutoFit/>
-          </a:bodyPr>
-          <a:lstStyle/>
-          <a:p>
-            <a:r>
-              <a:rPr lang="en-US" dirty="0" smtClean="0"/>
-              <a:t>a</a:t>
-            </a:r>
-            <a:endParaRPr lang="en-US" baseline="-25000" dirty="0"/>
-          </a:p>
-        </p:txBody>
-      </p:sp>
-      <p:grpSp>
-        <p:nvGrpSpPr>
-          <p:cNvPr id="37" name="Group 36"/>
-          <p:cNvGrpSpPr/>
-          <p:nvPr/>
-        </p:nvGrpSpPr>
-        <p:grpSpPr>
-          <a:xfrm>
-            <a:off x="4864496" y="2117574"/>
-            <a:ext cx="520096" cy="520096"/>
-            <a:chOff x="2467428" y="1596571"/>
-            <a:chExt cx="520096" cy="520096"/>
-          </a:xfrm>
-        </p:grpSpPr>
-        <p:cxnSp>
-          <p:nvCxnSpPr>
-            <p:cNvPr id="38" name="Straight Arrow Connector 37"/>
-            <p:cNvCxnSpPr/>
-            <p:nvPr/>
-          </p:nvCxnSpPr>
-          <p:spPr>
-            <a:xfrm flipV="1">
-              <a:off x="2467428" y="1596571"/>
-              <a:ext cx="0" cy="520096"/>
-            </a:xfrm>
-            <a:prstGeom prst="straightConnector1">
-              <a:avLst/>
-            </a:prstGeom>
-            <a:ln>
-              <a:solidFill>
-                <a:schemeClr val="bg1">
-                  <a:lumMod val="50000"/>
-                </a:schemeClr>
-              </a:solidFill>
-              <a:tailEnd type="arrow"/>
-            </a:ln>
-            <a:effectLst/>
-          </p:spPr>
-          <p:style>
-            <a:lnRef idx="2">
-              <a:schemeClr val="dk1"/>
-            </a:lnRef>
-            <a:fillRef idx="0">
-              <a:schemeClr val="dk1"/>
-            </a:fillRef>
-            <a:effectRef idx="1">
-              <a:schemeClr val="dk1"/>
-            </a:effectRef>
-            <a:fontRef idx="minor">
-              <a:schemeClr val="tx1"/>
-            </a:fontRef>
-          </p:style>
-        </p:cxnSp>
-        <p:cxnSp>
-          <p:nvCxnSpPr>
-            <p:cNvPr id="39" name="Straight Arrow Connector 38"/>
-            <p:cNvCxnSpPr/>
-            <p:nvPr/>
-          </p:nvCxnSpPr>
-          <p:spPr>
-            <a:xfrm rot="5400000" flipV="1">
-              <a:off x="2727476" y="1845733"/>
-              <a:ext cx="0" cy="520096"/>
-            </a:xfrm>
-            <a:prstGeom prst="straightConnector1">
-              <a:avLst/>
-            </a:prstGeom>
-            <a:ln>
-              <a:solidFill>
-                <a:schemeClr val="bg1">
-                  <a:lumMod val="50000"/>
-                </a:schemeClr>
-              </a:solidFill>
-              <a:tailEnd type="arrow"/>
-            </a:ln>
-            <a:effectLst/>
-          </p:spPr>
-          <p:style>
-            <a:lnRef idx="2">
-              <a:schemeClr val="dk1"/>
-            </a:lnRef>
-            <a:fillRef idx="0">
-              <a:schemeClr val="dk1"/>
-            </a:fillRef>
-            <a:effectRef idx="1">
-              <a:schemeClr val="dk1"/>
-            </a:effectRef>
-            <a:fontRef idx="minor">
-              <a:schemeClr val="tx1"/>
-            </a:fontRef>
-          </p:style>
-        </p:cxnSp>
-      </p:grpSp>
-      <p:sp>
-        <p:nvSpPr>
-          <p:cNvPr id="46" name="Right Arrow 45"/>
-          <p:cNvSpPr/>
-          <p:nvPr/>
-        </p:nvSpPr>
-        <p:spPr>
-          <a:xfrm>
-            <a:off x="3226741" y="1553323"/>
-            <a:ext cx="1476963" cy="1024314"/>
-          </a:xfrm>
-          <a:prstGeom prst="rightArrow">
-            <a:avLst/>
-          </a:prstGeom>
-        </p:spPr>
-        <p:style>
-          <a:lnRef idx="1">
-            <a:schemeClr val="dk1"/>
-          </a:lnRef>
-          <a:fillRef idx="3">
-            <a:schemeClr val="dk1"/>
-          </a:fillRef>
-          <a:effectRef idx="2">
-            <a:schemeClr val="dk1"/>
-          </a:effectRef>
-          <a:fontRef idx="minor">
-            <a:schemeClr val="lt1"/>
-          </a:fontRef>
-        </p:style>
-        <p:txBody>
-          <a:bodyPr rtlCol="0" anchor="ctr"/>
-          <a:lstStyle/>
-          <a:p>
-            <a:pPr algn="ctr"/>
-            <a:r>
-              <a:rPr lang="en-US" dirty="0" smtClean="0"/>
-              <a:t>Integration</a:t>
-            </a:r>
-            <a:endParaRPr lang="en-US" dirty="0"/>
-          </a:p>
-        </p:txBody>
-      </p:sp>
-      <p:sp>
-        <p:nvSpPr>
-          <p:cNvPr id="47" name="Oval 46"/>
-          <p:cNvSpPr/>
-          <p:nvPr/>
-        </p:nvSpPr>
-        <p:spPr>
-          <a:xfrm>
-            <a:off x="5743911" y="1602947"/>
-            <a:ext cx="100811" cy="100811"/>
-          </a:xfrm>
-          <a:prstGeom prst="ellipse">
-            <a:avLst/>
-          </a:prstGeom>
-          <a:solidFill>
-            <a:schemeClr val="tx1"/>
-          </a:solidFill>
-          <a:effectLst/>
-        </p:spPr>
-        <p:style>
-          <a:lnRef idx="1">
-            <a:schemeClr val="dk1"/>
-          </a:lnRef>
-          <a:fillRef idx="3">
-            <a:schemeClr val="dk1"/>
-          </a:fillRef>
-          <a:effectRef idx="2">
-            <a:schemeClr val="dk1"/>
-          </a:effectRef>
-          <a:fontRef idx="minor">
-            <a:schemeClr val="lt1"/>
-          </a:fontRef>
-        </p:style>
-        <p:txBody>
-          <a:bodyPr rtlCol="0" anchor="ctr"/>
-          <a:lstStyle/>
-          <a:p>
-            <a:pPr algn="ctr"/>
-            <a:endParaRPr lang="en-US"/>
-          </a:p>
-        </p:txBody>
-      </p:sp>
-      <p:sp>
-        <p:nvSpPr>
-          <p:cNvPr id="62" name="Freeform 61"/>
-          <p:cNvSpPr/>
-          <p:nvPr/>
-        </p:nvSpPr>
-        <p:spPr>
-          <a:xfrm>
-            <a:off x="5766741" y="1365193"/>
-            <a:ext cx="1815629" cy="854955"/>
+            <a:off x="5228267" y="1287768"/>
+            <a:ext cx="1732933" cy="1116279"/>
           </a:xfrm>
           <a:custGeom>
             <a:avLst/>
             <a:gdLst>
-              <a:gd name="connsiteX0" fmla="*/ 0 w 1815629"/>
-              <a:gd name="connsiteY0" fmla="*/ 281103 h 854955"/>
-              <a:gd name="connsiteX1" fmla="*/ 1044222 w 1815629"/>
-              <a:gd name="connsiteY1" fmla="*/ 27103 h 854955"/>
-              <a:gd name="connsiteX2" fmla="*/ 1815629 w 1815629"/>
-              <a:gd name="connsiteY2" fmla="*/ 854955 h 854955"/>
+              <a:gd name="connsiteX0" fmla="*/ 1187622 w 2917568"/>
+              <a:gd name="connsiteY0" fmla="*/ 1393567 h 2128108"/>
+              <a:gd name="connsiteX1" fmla="*/ 2780271 w 2917568"/>
+              <a:gd name="connsiteY1" fmla="*/ 1002270 h 2128108"/>
+              <a:gd name="connsiteX2" fmla="*/ 2917568 w 2917568"/>
+              <a:gd name="connsiteY2" fmla="*/ 1729945 h 2128108"/>
+              <a:gd name="connsiteX3" fmla="*/ 926757 w 2917568"/>
+              <a:gd name="connsiteY3" fmla="*/ 2128108 h 2128108"/>
+              <a:gd name="connsiteX4" fmla="*/ 0 w 2917568"/>
+              <a:gd name="connsiteY4" fmla="*/ 377567 h 2128108"/>
+              <a:gd name="connsiteX5" fmla="*/ 466811 w 2917568"/>
+              <a:gd name="connsiteY5" fmla="*/ 0 h 2128108"/>
+              <a:gd name="connsiteX6" fmla="*/ 1187622 w 2917568"/>
+              <a:gd name="connsiteY6" fmla="*/ 1393567 h 2128108"/>
+              <a:gd name="connsiteX0" fmla="*/ 1187622 w 2835190"/>
+              <a:gd name="connsiteY0" fmla="*/ 1393567 h 2128108"/>
+              <a:gd name="connsiteX1" fmla="*/ 2780271 w 2835190"/>
+              <a:gd name="connsiteY1" fmla="*/ 1002270 h 2128108"/>
+              <a:gd name="connsiteX2" fmla="*/ 2835190 w 2835190"/>
+              <a:gd name="connsiteY2" fmla="*/ 1530864 h 2128108"/>
+              <a:gd name="connsiteX3" fmla="*/ 926757 w 2835190"/>
+              <a:gd name="connsiteY3" fmla="*/ 2128108 h 2128108"/>
+              <a:gd name="connsiteX4" fmla="*/ 0 w 2835190"/>
+              <a:gd name="connsiteY4" fmla="*/ 377567 h 2128108"/>
+              <a:gd name="connsiteX5" fmla="*/ 466811 w 2835190"/>
+              <a:gd name="connsiteY5" fmla="*/ 0 h 2128108"/>
+              <a:gd name="connsiteX6" fmla="*/ 1187622 w 2835190"/>
+              <a:gd name="connsiteY6" fmla="*/ 1393567 h 2128108"/>
+              <a:gd name="connsiteX0" fmla="*/ 995406 w 2642974"/>
+              <a:gd name="connsiteY0" fmla="*/ 1393567 h 2128108"/>
+              <a:gd name="connsiteX1" fmla="*/ 2588055 w 2642974"/>
+              <a:gd name="connsiteY1" fmla="*/ 1002270 h 2128108"/>
+              <a:gd name="connsiteX2" fmla="*/ 2642974 w 2642974"/>
+              <a:gd name="connsiteY2" fmla="*/ 1530864 h 2128108"/>
+              <a:gd name="connsiteX3" fmla="*/ 734541 w 2642974"/>
+              <a:gd name="connsiteY3" fmla="*/ 2128108 h 2128108"/>
+              <a:gd name="connsiteX4" fmla="*/ 0 w 2642974"/>
+              <a:gd name="connsiteY4" fmla="*/ 761999 h 2128108"/>
+              <a:gd name="connsiteX5" fmla="*/ 274595 w 2642974"/>
+              <a:gd name="connsiteY5" fmla="*/ 0 h 2128108"/>
+              <a:gd name="connsiteX6" fmla="*/ 995406 w 2642974"/>
+              <a:gd name="connsiteY6" fmla="*/ 1393567 h 2128108"/>
+              <a:gd name="connsiteX0" fmla="*/ 995406 w 2642974"/>
+              <a:gd name="connsiteY0" fmla="*/ 967945 h 1702486"/>
+              <a:gd name="connsiteX1" fmla="*/ 2588055 w 2642974"/>
+              <a:gd name="connsiteY1" fmla="*/ 576648 h 1702486"/>
+              <a:gd name="connsiteX2" fmla="*/ 2642974 w 2642974"/>
+              <a:gd name="connsiteY2" fmla="*/ 1105242 h 1702486"/>
+              <a:gd name="connsiteX3" fmla="*/ 734541 w 2642974"/>
+              <a:gd name="connsiteY3" fmla="*/ 1702486 h 1702486"/>
+              <a:gd name="connsiteX4" fmla="*/ 0 w 2642974"/>
+              <a:gd name="connsiteY4" fmla="*/ 336377 h 1702486"/>
+              <a:gd name="connsiteX5" fmla="*/ 453081 w 2642974"/>
+              <a:gd name="connsiteY5" fmla="*/ 0 h 1702486"/>
+              <a:gd name="connsiteX6" fmla="*/ 995406 w 2642974"/>
+              <a:gd name="connsiteY6" fmla="*/ 967945 h 1702486"/>
             </a:gdLst>
             <a:ahLst/>
             <a:cxnLst>
@@ -16779,31 +17216,151 @@
               <a:cxn ang="0">
                 <a:pos x="connsiteX2" y="connsiteY2"/>
               </a:cxn>
+              <a:cxn ang="0">
+                <a:pos x="connsiteX3" y="connsiteY3"/>
+              </a:cxn>
+              <a:cxn ang="0">
+                <a:pos x="connsiteX4" y="connsiteY4"/>
+              </a:cxn>
+              <a:cxn ang="0">
+                <a:pos x="connsiteX5" y="connsiteY5"/>
+              </a:cxn>
+              <a:cxn ang="0">
+                <a:pos x="connsiteX6" y="connsiteY6"/>
+              </a:cxn>
             </a:cxnLst>
             <a:rect l="l" t="t" r="r" b="b"/>
             <a:pathLst>
-              <a:path w="1815629" h="854955">
+              <a:path w="2642974" h="1702486">
                 <a:moveTo>
-                  <a:pt x="0" y="281103"/>
+                  <a:pt x="995406" y="967945"/>
                 </a:moveTo>
-                <a:cubicBezTo>
-                  <a:pt x="370808" y="106282"/>
-                  <a:pt x="741617" y="-68539"/>
-                  <a:pt x="1044222" y="27103"/>
-                </a:cubicBezTo>
-                <a:cubicBezTo>
-                  <a:pt x="1346827" y="122745"/>
-                  <a:pt x="1767024" y="536671"/>
-                  <a:pt x="1815629" y="854955"/>
-                </a:cubicBezTo>
+                <a:lnTo>
+                  <a:pt x="2588055" y="576648"/>
+                </a:lnTo>
+                <a:lnTo>
+                  <a:pt x="2642974" y="1105242"/>
+                </a:lnTo>
+                <a:lnTo>
+                  <a:pt x="734541" y="1702486"/>
+                </a:lnTo>
+                <a:lnTo>
+                  <a:pt x="0" y="336377"/>
+                </a:lnTo>
+                <a:lnTo>
+                  <a:pt x="453081" y="0"/>
+                </a:lnTo>
+                <a:lnTo>
+                  <a:pt x="995406" y="967945"/>
+                </a:lnTo>
+                <a:close/>
               </a:path>
             </a:pathLst>
           </a:custGeom>
-          <a:ln>
-            <a:prstDash val="dash"/>
-            <a:headEnd type="none"/>
+          <a:gradFill flip="none" rotWithShape="1">
+            <a:gsLst>
+              <a:gs pos="0">
+                <a:schemeClr val="accent1">
+                  <a:tint val="100000"/>
+                  <a:shade val="100000"/>
+                  <a:satMod val="130000"/>
+                  <a:alpha val="15000"/>
+                </a:schemeClr>
+              </a:gs>
+              <a:gs pos="100000">
+                <a:schemeClr val="accent1">
+                  <a:tint val="50000"/>
+                  <a:shade val="100000"/>
+                  <a:satMod val="350000"/>
+                  <a:alpha val="15000"/>
+                </a:schemeClr>
+              </a:gs>
+            </a:gsLst>
+            <a:lin ang="16200000" scaled="0"/>
+            <a:tileRect/>
+          </a:gradFill>
+        </p:spPr>
+        <p:style>
+          <a:lnRef idx="1">
+            <a:schemeClr val="accent1"/>
+          </a:lnRef>
+          <a:fillRef idx="3">
+            <a:schemeClr val="accent1"/>
+          </a:fillRef>
+          <a:effectRef idx="2">
+            <a:schemeClr val="accent1"/>
+          </a:effectRef>
+          <a:fontRef idx="minor">
+            <a:schemeClr val="lt1"/>
+          </a:fontRef>
+        </p:style>
+        <p:txBody>
+          <a:bodyPr rtlCol="0" anchor="ctr"/>
+          <a:lstStyle/>
+          <a:p>
+            <a:pPr algn="ctr"/>
+            <a:endParaRPr lang="en-US"/>
+          </a:p>
+        </p:txBody>
+      </p:sp>
+      <p:sp>
+        <p:nvSpPr>
+          <p:cNvPr id="16" name="Oval 15"/>
+          <p:cNvSpPr/>
+          <p:nvPr/>
+        </p:nvSpPr>
+        <p:spPr>
+          <a:xfrm>
+            <a:off x="5872066" y="1899920"/>
+            <a:ext cx="40374" cy="40374"/>
+          </a:xfrm>
+          <a:prstGeom prst="ellipse">
+            <a:avLst/>
+          </a:prstGeom>
+        </p:spPr>
+        <p:style>
+          <a:lnRef idx="2">
+            <a:schemeClr val="dk1">
+              <a:shade val="50000"/>
+            </a:schemeClr>
+          </a:lnRef>
+          <a:fillRef idx="1">
+            <a:schemeClr val="dk1"/>
+          </a:fillRef>
+          <a:effectRef idx="0">
+            <a:schemeClr val="dk1"/>
+          </a:effectRef>
+          <a:fontRef idx="minor">
+            <a:schemeClr val="lt1"/>
+          </a:fontRef>
+        </p:style>
+        <p:txBody>
+          <a:bodyPr rtlCol="0" anchor="ctr"/>
+          <a:lstStyle/>
+          <a:p>
+            <a:pPr algn="ctr"/>
+            <a:endParaRPr lang="en-US"/>
+          </a:p>
+        </p:txBody>
+      </p:sp>
+      <p:cxnSp>
+        <p:nvCxnSpPr>
+          <p:cNvPr id="17" name="Straight Arrow Connector 16"/>
+          <p:cNvCxnSpPr/>
+          <p:nvPr/>
+        </p:nvCxnSpPr>
+        <p:spPr>
+          <a:xfrm flipH="1" flipV="1">
+            <a:off x="5615364" y="1458811"/>
+            <a:ext cx="279071" cy="461295"/>
+          </a:xfrm>
+          <a:prstGeom prst="straightConnector1">
+            <a:avLst/>
+          </a:prstGeom>
+          <a:ln w="28575" cmpd="sng">
             <a:tailEnd type="arrow"/>
           </a:ln>
+          <a:effectLst/>
         </p:spPr>
         <p:style>
           <a:lnRef idx="2">
@@ -16817,6 +17374,37 @@
           </a:effectRef>
           <a:fontRef idx="minor">
             <a:schemeClr val="tx1"/>
+          </a:fontRef>
+        </p:style>
+      </p:cxnSp>
+      <p:sp>
+        <p:nvSpPr>
+          <p:cNvPr id="18" name="Rectangle 17"/>
+          <p:cNvSpPr/>
+          <p:nvPr/>
+        </p:nvSpPr>
+        <p:spPr>
+          <a:xfrm rot="20687964">
+            <a:off x="5914015" y="1903124"/>
+            <a:ext cx="106897" cy="106897"/>
+          </a:xfrm>
+          <a:prstGeom prst="rect">
+            <a:avLst/>
+          </a:prstGeom>
+          <a:ln w="12700" cmpd="sng"/>
+        </p:spPr>
+        <p:style>
+          <a:lnRef idx="2">
+            <a:schemeClr val="dk1"/>
+          </a:lnRef>
+          <a:fillRef idx="1">
+            <a:schemeClr val="lt1"/>
+          </a:fillRef>
+          <a:effectRef idx="0">
+            <a:schemeClr val="dk1"/>
+          </a:effectRef>
+          <a:fontRef idx="minor">
+            <a:schemeClr val="dk1"/>
           </a:fontRef>
         </p:style>
         <p:txBody>
@@ -16828,16 +17416,159 @@
           </a:p>
         </p:txBody>
       </p:sp>
-      <p:sp>
-        <p:nvSpPr>
-          <p:cNvPr id="63" name="TextBox 62"/>
+      <p:cxnSp>
+        <p:nvCxnSpPr>
+          <p:cNvPr id="19" name="Straight Arrow Connector 18"/>
+          <p:cNvCxnSpPr>
+            <a:stCxn id="15" idx="0"/>
+          </p:cNvCxnSpPr>
+          <p:nvPr/>
+        </p:nvCxnSpPr>
+        <p:spPr>
+          <a:xfrm flipV="1">
+            <a:off x="5880930" y="1800779"/>
+            <a:ext cx="495123" cy="121647"/>
+          </a:xfrm>
+          <a:prstGeom prst="straightConnector1">
+            <a:avLst/>
+          </a:prstGeom>
+          <a:ln w="28575" cmpd="sng">
+            <a:tailEnd type="arrow"/>
+          </a:ln>
+          <a:effectLst/>
+        </p:spPr>
+        <p:style>
+          <a:lnRef idx="2">
+            <a:schemeClr val="dk1"/>
+          </a:lnRef>
+          <a:fillRef idx="0">
+            <a:schemeClr val="dk1"/>
+          </a:fillRef>
+          <a:effectRef idx="1">
+            <a:schemeClr val="dk1"/>
+          </a:effectRef>
+          <a:fontRef idx="minor">
+            <a:schemeClr val="tx1"/>
+          </a:fontRef>
+        </p:style>
+      </p:cxnSp>
+      <p:sp>
+        <p:nvSpPr>
+          <p:cNvPr id="20" name="Rectangle 19"/>
+          <p:cNvSpPr/>
+          <p:nvPr/>
+        </p:nvSpPr>
+        <p:spPr>
+          <a:xfrm rot="19808676">
+            <a:off x="5764999" y="1847093"/>
+            <a:ext cx="102798" cy="102798"/>
+          </a:xfrm>
+          <a:prstGeom prst="rect">
+            <a:avLst/>
+          </a:prstGeom>
+          <a:ln w="12700" cmpd="sng"/>
+        </p:spPr>
+        <p:style>
+          <a:lnRef idx="2">
+            <a:schemeClr val="dk1"/>
+          </a:lnRef>
+          <a:fillRef idx="1">
+            <a:schemeClr val="lt1"/>
+          </a:fillRef>
+          <a:effectRef idx="0">
+            <a:schemeClr val="dk1"/>
+          </a:effectRef>
+          <a:fontRef idx="minor">
+            <a:schemeClr val="dk1"/>
+          </a:fontRef>
+        </p:style>
+        <p:txBody>
+          <a:bodyPr rtlCol="0" anchor="ctr"/>
+          <a:lstStyle/>
+          <a:p>
+            <a:pPr algn="ctr"/>
+            <a:endParaRPr lang="en-US"/>
+          </a:p>
+        </p:txBody>
+      </p:sp>
+      <p:cxnSp>
+        <p:nvCxnSpPr>
+          <p:cNvPr id="21" name="Straight Arrow Connector 20"/>
+          <p:cNvCxnSpPr/>
+          <p:nvPr/>
+        </p:nvCxnSpPr>
+        <p:spPr>
+          <a:xfrm>
+            <a:off x="5894441" y="1931412"/>
+            <a:ext cx="138615" cy="472635"/>
+          </a:xfrm>
+          <a:prstGeom prst="straightConnector1">
+            <a:avLst/>
+          </a:prstGeom>
+          <a:ln w="28575" cmpd="sng">
+            <a:tailEnd type="arrow"/>
+          </a:ln>
+          <a:effectLst/>
+        </p:spPr>
+        <p:style>
+          <a:lnRef idx="2">
+            <a:schemeClr val="dk1"/>
+          </a:lnRef>
+          <a:fillRef idx="0">
+            <a:schemeClr val="dk1"/>
+          </a:fillRef>
+          <a:effectRef idx="1">
+            <a:schemeClr val="dk1"/>
+          </a:effectRef>
+          <a:fontRef idx="minor">
+            <a:schemeClr val="tx1"/>
+          </a:fontRef>
+        </p:style>
+      </p:cxnSp>
+      <p:cxnSp>
+        <p:nvCxnSpPr>
+          <p:cNvPr id="22" name="Straight Arrow Connector 21"/>
+          <p:cNvCxnSpPr/>
+          <p:nvPr/>
+        </p:nvCxnSpPr>
+        <p:spPr>
+          <a:xfrm flipH="1">
+            <a:off x="5519687" y="1915090"/>
+            <a:ext cx="375918" cy="177686"/>
+          </a:xfrm>
+          <a:prstGeom prst="straightConnector1">
+            <a:avLst/>
+          </a:prstGeom>
+          <a:ln w="28575" cmpd="sng">
+            <a:tailEnd type="arrow"/>
+          </a:ln>
+          <a:effectLst/>
+        </p:spPr>
+        <p:style>
+          <a:lnRef idx="2">
+            <a:schemeClr val="dk1"/>
+          </a:lnRef>
+          <a:fillRef idx="0">
+            <a:schemeClr val="dk1"/>
+          </a:fillRef>
+          <a:effectRef idx="1">
+            <a:schemeClr val="dk1"/>
+          </a:effectRef>
+          <a:fontRef idx="minor">
+            <a:schemeClr val="tx1"/>
+          </a:fontRef>
+        </p:style>
+      </p:cxnSp>
+      <p:sp>
+        <p:nvSpPr>
+          <p:cNvPr id="33" name="TextBox 32"/>
           <p:cNvSpPr txBox="1"/>
           <p:nvPr/>
         </p:nvSpPr>
         <p:spPr>
           <a:xfrm>
-            <a:off x="5445580" y="1237097"/>
-            <a:ext cx="518716" cy="369332"/>
+            <a:off x="5781749" y="1148532"/>
+            <a:ext cx="659585" cy="391961"/>
           </a:xfrm>
           <a:prstGeom prst="rect">
             <a:avLst/>
@@ -16851,23 +17582,282 @@
           <a:lstStyle/>
           <a:p>
             <a:r>
-              <a:rPr lang="en-US" dirty="0" smtClean="0"/>
-              <a:t>t=0</a:t>
-            </a:r>
-            <a:endParaRPr lang="en-US" baseline="-25000" dirty="0"/>
-          </a:p>
-        </p:txBody>
-      </p:sp>
-      <p:sp>
-        <p:nvSpPr>
-          <p:cNvPr id="64" name="TextBox 63"/>
+              <a:rPr lang="en-US" sz="2400" dirty="0" smtClean="0"/>
+              <a:t>V</a:t>
+            </a:r>
+            <a:r>
+              <a:rPr lang="en-US" sz="2400" baseline="-25000" dirty="0" smtClean="0"/>
+              <a:t>cc</a:t>
+            </a:r>
+            <a:endParaRPr lang="en-US" sz="2400" baseline="-25000" dirty="0"/>
+          </a:p>
+        </p:txBody>
+      </p:sp>
+      <p:sp>
+        <p:nvSpPr>
+          <p:cNvPr id="43" name="Oval 42"/>
+          <p:cNvSpPr/>
+          <p:nvPr/>
+        </p:nvSpPr>
+        <p:spPr>
+          <a:xfrm>
+            <a:off x="3283842" y="1389416"/>
+            <a:ext cx="1475946" cy="1475946"/>
+          </a:xfrm>
+          <a:prstGeom prst="ellipse">
+            <a:avLst/>
+          </a:prstGeom>
+          <a:noFill/>
+        </p:spPr>
+        <p:style>
+          <a:lnRef idx="1">
+            <a:schemeClr val="accent1"/>
+          </a:lnRef>
+          <a:fillRef idx="3">
+            <a:schemeClr val="accent1"/>
+          </a:fillRef>
+          <a:effectRef idx="2">
+            <a:schemeClr val="accent1"/>
+          </a:effectRef>
+          <a:fontRef idx="minor">
+            <a:schemeClr val="lt1"/>
+          </a:fontRef>
+        </p:style>
+        <p:txBody>
+          <a:bodyPr rtlCol="0" anchor="ctr"/>
+          <a:lstStyle/>
+          <a:p>
+            <a:pPr algn="ctr"/>
+            <a:endParaRPr lang="en-US"/>
+          </a:p>
+        </p:txBody>
+      </p:sp>
+      <p:cxnSp>
+        <p:nvCxnSpPr>
+          <p:cNvPr id="44" name="Straight Arrow Connector 43"/>
+          <p:cNvCxnSpPr/>
+          <p:nvPr/>
+        </p:nvCxnSpPr>
+        <p:spPr>
+          <a:xfrm>
+            <a:off x="3990789" y="2123278"/>
+            <a:ext cx="224845" cy="736092"/>
+          </a:xfrm>
+          <a:prstGeom prst="straightConnector1">
+            <a:avLst/>
+          </a:prstGeom>
+          <a:ln w="28575" cmpd="sng">
+            <a:tailEnd type="arrow"/>
+          </a:ln>
+          <a:effectLst/>
+        </p:spPr>
+        <p:style>
+          <a:lnRef idx="2">
+            <a:schemeClr val="dk1"/>
+          </a:lnRef>
+          <a:fillRef idx="0">
+            <a:schemeClr val="dk1"/>
+          </a:fillRef>
+          <a:effectRef idx="1">
+            <a:schemeClr val="dk1"/>
+          </a:effectRef>
+          <a:fontRef idx="minor">
+            <a:schemeClr val="tx1"/>
+          </a:fontRef>
+        </p:style>
+      </p:cxnSp>
+      <p:sp>
+        <p:nvSpPr>
+          <p:cNvPr id="45" name="Oval 44"/>
+          <p:cNvSpPr/>
+          <p:nvPr/>
+        </p:nvSpPr>
+        <p:spPr>
+          <a:xfrm>
+            <a:off x="3959058" y="2112023"/>
+            <a:ext cx="65289" cy="65289"/>
+          </a:xfrm>
+          <a:prstGeom prst="ellipse">
+            <a:avLst/>
+          </a:prstGeom>
+        </p:spPr>
+        <p:style>
+          <a:lnRef idx="2">
+            <a:schemeClr val="dk1">
+              <a:shade val="50000"/>
+            </a:schemeClr>
+          </a:lnRef>
+          <a:fillRef idx="1">
+            <a:schemeClr val="dk1"/>
+          </a:fillRef>
+          <a:effectRef idx="0">
+            <a:schemeClr val="dk1"/>
+          </a:effectRef>
+          <a:fontRef idx="minor">
+            <a:schemeClr val="lt1"/>
+          </a:fontRef>
+        </p:style>
+        <p:txBody>
+          <a:bodyPr rtlCol="0" anchor="ctr"/>
+          <a:lstStyle/>
+          <a:p>
+            <a:pPr algn="ctr"/>
+            <a:endParaRPr lang="en-US"/>
+          </a:p>
+        </p:txBody>
+      </p:sp>
+      <p:cxnSp>
+        <p:nvCxnSpPr>
+          <p:cNvPr id="46" name="Straight Arrow Connector 45"/>
+          <p:cNvCxnSpPr/>
+          <p:nvPr/>
+        </p:nvCxnSpPr>
+        <p:spPr>
+          <a:xfrm rot="19527167" flipH="1">
+            <a:off x="3537098" y="2299382"/>
+            <a:ext cx="631433" cy="375772"/>
+          </a:xfrm>
+          <a:prstGeom prst="straightConnector1">
+            <a:avLst/>
+          </a:prstGeom>
+          <a:ln w="28575" cmpd="sng">
+            <a:tailEnd type="arrow"/>
+          </a:ln>
+          <a:effectLst/>
+        </p:spPr>
+        <p:style>
+          <a:lnRef idx="2">
+            <a:schemeClr val="dk1"/>
+          </a:lnRef>
+          <a:fillRef idx="0">
+            <a:schemeClr val="dk1"/>
+          </a:fillRef>
+          <a:effectRef idx="1">
+            <a:schemeClr val="dk1"/>
+          </a:effectRef>
+          <a:fontRef idx="minor">
+            <a:schemeClr val="tx1"/>
+          </a:fontRef>
+        </p:style>
+      </p:cxnSp>
+      <p:sp>
+        <p:nvSpPr>
+          <p:cNvPr id="47" name="Oval 46"/>
+          <p:cNvSpPr/>
+          <p:nvPr/>
+        </p:nvSpPr>
+        <p:spPr>
+          <a:xfrm rot="19527167">
+            <a:off x="3975595" y="2134130"/>
+            <a:ext cx="65289" cy="65289"/>
+          </a:xfrm>
+          <a:prstGeom prst="ellipse">
+            <a:avLst/>
+          </a:prstGeom>
+        </p:spPr>
+        <p:style>
+          <a:lnRef idx="2">
+            <a:schemeClr val="dk1">
+              <a:shade val="50000"/>
+            </a:schemeClr>
+          </a:lnRef>
+          <a:fillRef idx="1">
+            <a:schemeClr val="dk1"/>
+          </a:fillRef>
+          <a:effectRef idx="0">
+            <a:schemeClr val="dk1"/>
+          </a:effectRef>
+          <a:fontRef idx="minor">
+            <a:schemeClr val="lt1"/>
+          </a:fontRef>
+        </p:style>
+        <p:txBody>
+          <a:bodyPr rtlCol="0" anchor="ctr"/>
+          <a:lstStyle/>
+          <a:p>
+            <a:pPr algn="ctr"/>
+            <a:endParaRPr lang="en-US"/>
+          </a:p>
+        </p:txBody>
+      </p:sp>
+      <p:cxnSp>
+        <p:nvCxnSpPr>
+          <p:cNvPr id="50" name="Straight Arrow Connector 49"/>
+          <p:cNvCxnSpPr/>
+          <p:nvPr/>
+        </p:nvCxnSpPr>
+        <p:spPr>
+          <a:xfrm flipH="1" flipV="1">
+            <a:off x="3334396" y="1813245"/>
+            <a:ext cx="668629" cy="345139"/>
+          </a:xfrm>
+          <a:prstGeom prst="straightConnector1">
+            <a:avLst/>
+          </a:prstGeom>
+          <a:ln w="28575" cmpd="sng">
+            <a:tailEnd type="arrow"/>
+          </a:ln>
+          <a:effectLst/>
+        </p:spPr>
+        <p:style>
+          <a:lnRef idx="2">
+            <a:schemeClr val="dk1"/>
+          </a:lnRef>
+          <a:fillRef idx="0">
+            <a:schemeClr val="dk1"/>
+          </a:fillRef>
+          <a:effectRef idx="1">
+            <a:schemeClr val="dk1"/>
+          </a:effectRef>
+          <a:fontRef idx="minor">
+            <a:schemeClr val="tx1"/>
+          </a:fontRef>
+        </p:style>
+      </p:cxnSp>
+      <p:cxnSp>
+        <p:nvCxnSpPr>
+          <p:cNvPr id="51" name="Straight Arrow Connector 50"/>
+          <p:cNvCxnSpPr/>
+          <p:nvPr/>
+        </p:nvCxnSpPr>
+        <p:spPr>
+          <a:xfrm flipV="1">
+            <a:off x="3995697" y="1936149"/>
+            <a:ext cx="740460" cy="216619"/>
+          </a:xfrm>
+          <a:prstGeom prst="straightConnector1">
+            <a:avLst/>
+          </a:prstGeom>
+          <a:ln w="28575" cmpd="sng">
+            <a:tailEnd type="arrow"/>
+          </a:ln>
+          <a:effectLst/>
+        </p:spPr>
+        <p:style>
+          <a:lnRef idx="2">
+            <a:schemeClr val="dk1"/>
+          </a:lnRef>
+          <a:fillRef idx="0">
+            <a:schemeClr val="dk1"/>
+          </a:fillRef>
+          <a:effectRef idx="1">
+            <a:schemeClr val="dk1"/>
+          </a:effectRef>
+          <a:fontRef idx="minor">
+            <a:schemeClr val="tx1"/>
+          </a:fontRef>
+        </p:style>
+      </p:cxnSp>
+      <p:sp>
+        <p:nvSpPr>
+          <p:cNvPr id="53" name="TextBox 52"/>
           <p:cNvSpPr txBox="1"/>
           <p:nvPr/>
         </p:nvSpPr>
         <p:spPr>
           <a:xfrm>
-            <a:off x="7582370" y="1633225"/>
-            <a:ext cx="518716" cy="369332"/>
+            <a:off x="3656227" y="2873109"/>
+            <a:ext cx="1819858" cy="461665"/>
           </a:xfrm>
           <a:prstGeom prst="rect">
             <a:avLst/>
@@ -16881,17 +17871,21 @@
           <a:lstStyle/>
           <a:p>
             <a:r>
-              <a:rPr lang="en-US" dirty="0" smtClean="0"/>
-              <a:t>t&gt;0</a:t>
-            </a:r>
-            <a:endParaRPr lang="en-US" baseline="-25000" dirty="0"/>
+              <a:rPr lang="en-US" sz="2400" dirty="0" smtClean="0"/>
+              <a:t>g</a:t>
+            </a:r>
+            <a:r>
+              <a:rPr lang="en-US" sz="2400" baseline="-25000" dirty="0" smtClean="0"/>
+              <a:t>end</a:t>
+            </a:r>
+            <a:endParaRPr lang="en-US" sz="2400" dirty="0"/>
           </a:p>
         </p:txBody>
       </p:sp>
     </p:spTree>
     <p:extLst>
       <p:ext uri="{BB962C8B-B14F-4D97-AF65-F5344CB8AC3E}">
-        <p14:creationId xmlns:p14="http://schemas.microsoft.com/office/powerpoint/2010/main" val="3291362728"/>
+        <p14:creationId xmlns:p14="http://schemas.microsoft.com/office/powerpoint/2010/main" val="1467706622"/>
       </p:ext>
     </p:extLst>
   </p:cSld>
@@ -17901,236 +18895,6 @@
           </a:p>
         </p:txBody>
       </p:sp>
-      <p:grpSp>
-        <p:nvGrpSpPr>
-          <p:cNvPr id="37" name="Group 36"/>
-          <p:cNvGrpSpPr/>
-          <p:nvPr/>
-        </p:nvGrpSpPr>
-        <p:grpSpPr>
-          <a:xfrm>
-            <a:off x="4864496" y="2117574"/>
-            <a:ext cx="520096" cy="520096"/>
-            <a:chOff x="2467428" y="1596571"/>
-            <a:chExt cx="520096" cy="520096"/>
-          </a:xfrm>
-        </p:grpSpPr>
-        <p:cxnSp>
-          <p:nvCxnSpPr>
-            <p:cNvPr id="38" name="Straight Arrow Connector 37"/>
-            <p:cNvCxnSpPr/>
-            <p:nvPr/>
-          </p:nvCxnSpPr>
-          <p:spPr>
-            <a:xfrm flipV="1">
-              <a:off x="2467428" y="1596571"/>
-              <a:ext cx="0" cy="520096"/>
-            </a:xfrm>
-            <a:prstGeom prst="straightConnector1">
-              <a:avLst/>
-            </a:prstGeom>
-            <a:ln>
-              <a:solidFill>
-                <a:schemeClr val="bg1">
-                  <a:lumMod val="50000"/>
-                </a:schemeClr>
-              </a:solidFill>
-              <a:tailEnd type="arrow"/>
-            </a:ln>
-            <a:effectLst/>
-          </p:spPr>
-          <p:style>
-            <a:lnRef idx="2">
-              <a:schemeClr val="dk1"/>
-            </a:lnRef>
-            <a:fillRef idx="0">
-              <a:schemeClr val="dk1"/>
-            </a:fillRef>
-            <a:effectRef idx="1">
-              <a:schemeClr val="dk1"/>
-            </a:effectRef>
-            <a:fontRef idx="minor">
-              <a:schemeClr val="tx1"/>
-            </a:fontRef>
-          </p:style>
-        </p:cxnSp>
-        <p:cxnSp>
-          <p:nvCxnSpPr>
-            <p:cNvPr id="39" name="Straight Arrow Connector 38"/>
-            <p:cNvCxnSpPr/>
-            <p:nvPr/>
-          </p:nvCxnSpPr>
-          <p:spPr>
-            <a:xfrm rot="5400000" flipV="1">
-              <a:off x="2727476" y="1845733"/>
-              <a:ext cx="0" cy="520096"/>
-            </a:xfrm>
-            <a:prstGeom prst="straightConnector1">
-              <a:avLst/>
-            </a:prstGeom>
-            <a:ln>
-              <a:solidFill>
-                <a:schemeClr val="bg1">
-                  <a:lumMod val="50000"/>
-                </a:schemeClr>
-              </a:solidFill>
-              <a:tailEnd type="arrow"/>
-            </a:ln>
-            <a:effectLst/>
-          </p:spPr>
-          <p:style>
-            <a:lnRef idx="2">
-              <a:schemeClr val="dk1"/>
-            </a:lnRef>
-            <a:fillRef idx="0">
-              <a:schemeClr val="dk1"/>
-            </a:fillRef>
-            <a:effectRef idx="1">
-              <a:schemeClr val="dk1"/>
-            </a:effectRef>
-            <a:fontRef idx="minor">
-              <a:schemeClr val="tx1"/>
-            </a:fontRef>
-          </p:style>
-        </p:cxnSp>
-      </p:grpSp>
-      <p:sp>
-        <p:nvSpPr>
-          <p:cNvPr id="47" name="Oval 46"/>
-          <p:cNvSpPr/>
-          <p:nvPr/>
-        </p:nvSpPr>
-        <p:spPr>
-          <a:xfrm>
-            <a:off x="6400800" y="2057400"/>
-            <a:ext cx="100811" cy="100811"/>
-          </a:xfrm>
-          <a:prstGeom prst="ellipse">
-            <a:avLst/>
-          </a:prstGeom>
-          <a:solidFill>
-            <a:schemeClr val="tx1"/>
-          </a:solidFill>
-          <a:effectLst/>
-        </p:spPr>
-        <p:style>
-          <a:lnRef idx="1">
-            <a:schemeClr val="dk1"/>
-          </a:lnRef>
-          <a:fillRef idx="3">
-            <a:schemeClr val="dk1"/>
-          </a:fillRef>
-          <a:effectRef idx="2">
-            <a:schemeClr val="dk1"/>
-          </a:effectRef>
-          <a:fontRef idx="minor">
-            <a:schemeClr val="lt1"/>
-          </a:fontRef>
-        </p:style>
-        <p:txBody>
-          <a:bodyPr rtlCol="0" anchor="ctr"/>
-          <a:lstStyle/>
-          <a:p>
-            <a:pPr algn="ctr"/>
-            <a:endParaRPr lang="en-US"/>
-          </a:p>
-        </p:txBody>
-      </p:sp>
-      <p:sp>
-        <p:nvSpPr>
-          <p:cNvPr id="63" name="TextBox 62"/>
-          <p:cNvSpPr txBox="1"/>
-          <p:nvPr/>
-        </p:nvSpPr>
-        <p:spPr>
-          <a:xfrm>
-            <a:off x="5445580" y="1237097"/>
-            <a:ext cx="518716" cy="369332"/>
-          </a:xfrm>
-          <a:prstGeom prst="rect">
-            <a:avLst/>
-          </a:prstGeom>
-          <a:noFill/>
-        </p:spPr>
-        <p:txBody>
-          <a:bodyPr wrap="square" rtlCol="0">
-            <a:spAutoFit/>
-          </a:bodyPr>
-          <a:lstStyle/>
-          <a:p>
-            <a:r>
-              <a:rPr lang="en-US" dirty="0" smtClean="0"/>
-              <a:t>t=0</a:t>
-            </a:r>
-            <a:endParaRPr lang="en-US" baseline="-25000" dirty="0"/>
-          </a:p>
-        </p:txBody>
-      </p:sp>
-      <p:sp>
-        <p:nvSpPr>
-          <p:cNvPr id="64" name="TextBox 63"/>
-          <p:cNvSpPr txBox="1"/>
-          <p:nvPr/>
-        </p:nvSpPr>
-        <p:spPr>
-          <a:xfrm>
-            <a:off x="7041040" y="1817891"/>
-            <a:ext cx="518716" cy="369332"/>
-          </a:xfrm>
-          <a:prstGeom prst="rect">
-            <a:avLst/>
-          </a:prstGeom>
-          <a:noFill/>
-        </p:spPr>
-        <p:txBody>
-          <a:bodyPr wrap="square" rtlCol="0">
-            <a:spAutoFit/>
-          </a:bodyPr>
-          <a:lstStyle/>
-          <a:p>
-            <a:r>
-              <a:rPr lang="en-US" dirty="0" smtClean="0"/>
-              <a:t>t&gt;0</a:t>
-            </a:r>
-            <a:endParaRPr lang="en-US" baseline="-25000" dirty="0"/>
-          </a:p>
-        </p:txBody>
-      </p:sp>
-      <p:cxnSp>
-        <p:nvCxnSpPr>
-          <p:cNvPr id="31" name="Straight Arrow Connector 30"/>
-          <p:cNvCxnSpPr/>
-          <p:nvPr/>
-        </p:nvCxnSpPr>
-        <p:spPr>
-          <a:xfrm>
-            <a:off x="5794962" y="1668782"/>
-            <a:ext cx="1505436" cy="720699"/>
-          </a:xfrm>
-          <a:prstGeom prst="straightConnector1">
-            <a:avLst/>
-          </a:prstGeom>
-          <a:ln w="28575" cmpd="sng">
-            <a:prstDash val="dash"/>
-            <a:tailEnd type="arrow"/>
-          </a:ln>
-          <a:effectLst/>
-        </p:spPr>
-        <p:style>
-          <a:lnRef idx="2">
-            <a:schemeClr val="dk1"/>
-          </a:lnRef>
-          <a:fillRef idx="0">
-            <a:schemeClr val="dk1"/>
-          </a:fillRef>
-          <a:effectRef idx="1">
-            <a:schemeClr val="dk1"/>
-          </a:effectRef>
-          <a:fontRef idx="minor">
-            <a:schemeClr val="tx1"/>
-          </a:fontRef>
-        </p:style>
-      </p:cxnSp>
       <p:sp>
         <p:nvSpPr>
           <p:cNvPr id="26" name="Oval 25"/>
@@ -18536,15 +19300,614 @@
           </p:txBody>
         </p:sp>
       </p:grpSp>
+    </p:spTree>
+    <p:extLst>
+      <p:ext uri="{BB962C8B-B14F-4D97-AF65-F5344CB8AC3E}">
+        <p14:creationId xmlns:p14="http://schemas.microsoft.com/office/powerpoint/2010/main" val="2478527929"/>
+      </p:ext>
+    </p:extLst>
+  </p:cSld>
+  <p:clrMapOvr>
+    <a:masterClrMapping/>
+  </p:clrMapOvr>
+</p:sld>
+</file>
+
+<file path=ppt/slides/slide5.xml><?xml version="1.0" encoding="utf-8"?>
+<p:sld xmlns:a="http://schemas.openxmlformats.org/drawingml/2006/main" xmlns:r="http://schemas.openxmlformats.org/officeDocument/2006/relationships" xmlns:p="http://schemas.openxmlformats.org/presentationml/2006/main">
+  <p:cSld>
+    <p:spTree>
+      <p:nvGrpSpPr>
+        <p:cNvPr id="1" name=""/>
+        <p:cNvGrpSpPr/>
+        <p:nvPr/>
+      </p:nvGrpSpPr>
+      <p:grpSpPr>
+        <a:xfrm>
+          <a:off x="0" y="0"/>
+          <a:ext cx="0" cy="0"/>
+          <a:chOff x="0" y="0"/>
+          <a:chExt cx="0" cy="0"/>
+        </a:xfrm>
+      </p:grpSpPr>
+      <p:cxnSp>
+        <p:nvCxnSpPr>
+          <p:cNvPr id="38" name="Straight Arrow Connector 37"/>
+          <p:cNvCxnSpPr/>
+          <p:nvPr/>
+        </p:nvCxnSpPr>
+        <p:spPr>
+          <a:xfrm flipH="1" flipV="1">
+            <a:off x="5366452" y="1181242"/>
+            <a:ext cx="3379621" cy="967998"/>
+          </a:xfrm>
+          <a:prstGeom prst="straightConnector1">
+            <a:avLst/>
+          </a:prstGeom>
+          <a:ln w="28575" cmpd="sng">
+            <a:solidFill>
+              <a:srgbClr val="A6A6A6"/>
+            </a:solidFill>
+            <a:prstDash val="dot"/>
+            <a:headEnd type="none"/>
+            <a:tailEnd type="none"/>
+          </a:ln>
+          <a:effectLst/>
+        </p:spPr>
+        <p:style>
+          <a:lnRef idx="2">
+            <a:schemeClr val="dk1"/>
+          </a:lnRef>
+          <a:fillRef idx="0">
+            <a:schemeClr val="dk1"/>
+          </a:fillRef>
+          <a:effectRef idx="1">
+            <a:schemeClr val="dk1"/>
+          </a:effectRef>
+          <a:fontRef idx="minor">
+            <a:schemeClr val="tx1"/>
+          </a:fontRef>
+        </p:style>
+      </p:cxnSp>
       <p:grpSp>
         <p:nvGrpSpPr>
-          <p:cNvPr id="44" name="Group 43"/>
+          <p:cNvPr id="4" name="Group 3"/>
           <p:cNvGrpSpPr/>
           <p:nvPr/>
         </p:nvGrpSpPr>
         <p:grpSpPr>
           <a:xfrm>
-            <a:off x="4650238" y="2181228"/>
+            <a:off x="1366762" y="2116667"/>
+            <a:ext cx="520096" cy="520096"/>
+            <a:chOff x="2467428" y="1596571"/>
+            <a:chExt cx="520096" cy="520096"/>
+          </a:xfrm>
+        </p:grpSpPr>
+        <p:cxnSp>
+          <p:nvCxnSpPr>
+            <p:cNvPr id="5" name="Straight Arrow Connector 4"/>
+            <p:cNvCxnSpPr/>
+            <p:nvPr/>
+          </p:nvCxnSpPr>
+          <p:spPr>
+            <a:xfrm flipV="1">
+              <a:off x="2467428" y="1596571"/>
+              <a:ext cx="0" cy="520096"/>
+            </a:xfrm>
+            <a:prstGeom prst="straightConnector1">
+              <a:avLst/>
+            </a:prstGeom>
+            <a:ln>
+              <a:solidFill>
+                <a:schemeClr val="bg1">
+                  <a:lumMod val="50000"/>
+                </a:schemeClr>
+              </a:solidFill>
+              <a:tailEnd type="arrow"/>
+            </a:ln>
+            <a:effectLst/>
+          </p:spPr>
+          <p:style>
+            <a:lnRef idx="2">
+              <a:schemeClr val="dk1"/>
+            </a:lnRef>
+            <a:fillRef idx="0">
+              <a:schemeClr val="dk1"/>
+            </a:fillRef>
+            <a:effectRef idx="1">
+              <a:schemeClr val="dk1"/>
+            </a:effectRef>
+            <a:fontRef idx="minor">
+              <a:schemeClr val="tx1"/>
+            </a:fontRef>
+          </p:style>
+        </p:cxnSp>
+        <p:cxnSp>
+          <p:nvCxnSpPr>
+            <p:cNvPr id="6" name="Straight Arrow Connector 5"/>
+            <p:cNvCxnSpPr/>
+            <p:nvPr/>
+          </p:nvCxnSpPr>
+          <p:spPr>
+            <a:xfrm rot="5400000" flipV="1">
+              <a:off x="2727476" y="1845733"/>
+              <a:ext cx="0" cy="520096"/>
+            </a:xfrm>
+            <a:prstGeom prst="straightConnector1">
+              <a:avLst/>
+            </a:prstGeom>
+            <a:ln>
+              <a:solidFill>
+                <a:schemeClr val="bg1">
+                  <a:lumMod val="50000"/>
+                </a:schemeClr>
+              </a:solidFill>
+              <a:tailEnd type="arrow"/>
+            </a:ln>
+            <a:effectLst/>
+          </p:spPr>
+          <p:style>
+            <a:lnRef idx="2">
+              <a:schemeClr val="dk1"/>
+            </a:lnRef>
+            <a:fillRef idx="0">
+              <a:schemeClr val="dk1"/>
+            </a:fillRef>
+            <a:effectRef idx="1">
+              <a:schemeClr val="dk1"/>
+            </a:effectRef>
+            <a:fontRef idx="minor">
+              <a:schemeClr val="tx1"/>
+            </a:fontRef>
+          </p:style>
+        </p:cxnSp>
+      </p:grpSp>
+      <p:cxnSp>
+        <p:nvCxnSpPr>
+          <p:cNvPr id="7" name="Straight Arrow Connector 6"/>
+          <p:cNvCxnSpPr/>
+          <p:nvPr/>
+        </p:nvCxnSpPr>
+        <p:spPr>
+          <a:xfrm flipV="1">
+            <a:off x="1366762" y="1672167"/>
+            <a:ext cx="929821" cy="964597"/>
+          </a:xfrm>
+          <a:prstGeom prst="straightConnector1">
+            <a:avLst/>
+          </a:prstGeom>
+          <a:ln w="28575" cmpd="sng">
+            <a:tailEnd type="arrow"/>
+          </a:ln>
+          <a:effectLst/>
+        </p:spPr>
+        <p:style>
+          <a:lnRef idx="2">
+            <a:schemeClr val="dk1"/>
+          </a:lnRef>
+          <a:fillRef idx="0">
+            <a:schemeClr val="dk1"/>
+          </a:fillRef>
+          <a:effectRef idx="1">
+            <a:schemeClr val="dk1"/>
+          </a:effectRef>
+          <a:fontRef idx="minor">
+            <a:schemeClr val="tx1"/>
+          </a:fontRef>
+        </p:style>
+      </p:cxnSp>
+      <p:sp>
+        <p:nvSpPr>
+          <p:cNvPr id="8" name="TextBox 7"/>
+          <p:cNvSpPr txBox="1"/>
+          <p:nvPr/>
+        </p:nvSpPr>
+        <p:spPr>
+          <a:xfrm>
+            <a:off x="1602621" y="1696148"/>
+            <a:ext cx="399142" cy="369332"/>
+          </a:xfrm>
+          <a:prstGeom prst="rect">
+            <a:avLst/>
+          </a:prstGeom>
+          <a:noFill/>
+        </p:spPr>
+        <p:txBody>
+          <a:bodyPr wrap="square" rtlCol="0">
+            <a:spAutoFit/>
+          </a:bodyPr>
+          <a:lstStyle/>
+          <a:p>
+            <a:r>
+              <a:rPr lang="en-US" dirty="0" smtClean="0"/>
+              <a:t>p</a:t>
+            </a:r>
+            <a:endParaRPr lang="en-US" baseline="-25000" dirty="0"/>
+          </a:p>
+        </p:txBody>
+      </p:sp>
+      <p:cxnSp>
+        <p:nvCxnSpPr>
+          <p:cNvPr id="9" name="Straight Arrow Connector 8"/>
+          <p:cNvCxnSpPr/>
+          <p:nvPr/>
+        </p:nvCxnSpPr>
+        <p:spPr>
+          <a:xfrm flipV="1">
+            <a:off x="2296583" y="1354667"/>
+            <a:ext cx="751417" cy="317502"/>
+          </a:xfrm>
+          <a:prstGeom prst="straightConnector1">
+            <a:avLst/>
+          </a:prstGeom>
+          <a:ln w="28575" cmpd="sng">
+            <a:tailEnd type="arrow"/>
+          </a:ln>
+          <a:effectLst/>
+        </p:spPr>
+        <p:style>
+          <a:lnRef idx="2">
+            <a:schemeClr val="dk1"/>
+          </a:lnRef>
+          <a:fillRef idx="0">
+            <a:schemeClr val="dk1"/>
+          </a:fillRef>
+          <a:effectRef idx="1">
+            <a:schemeClr val="dk1"/>
+          </a:effectRef>
+          <a:fontRef idx="minor">
+            <a:schemeClr val="tx1"/>
+          </a:fontRef>
+        </p:style>
+      </p:cxnSp>
+      <p:sp>
+        <p:nvSpPr>
+          <p:cNvPr id="10" name="TextBox 9"/>
+          <p:cNvSpPr txBox="1"/>
+          <p:nvPr/>
+        </p:nvSpPr>
+        <p:spPr>
+          <a:xfrm>
+            <a:off x="2587574" y="1426047"/>
+            <a:ext cx="399142" cy="369332"/>
+          </a:xfrm>
+          <a:prstGeom prst="rect">
+            <a:avLst/>
+          </a:prstGeom>
+          <a:noFill/>
+        </p:spPr>
+        <p:txBody>
+          <a:bodyPr wrap="square" rtlCol="0">
+            <a:spAutoFit/>
+          </a:bodyPr>
+          <a:lstStyle/>
+          <a:p>
+            <a:r>
+              <a:rPr lang="en-US" dirty="0" smtClean="0"/>
+              <a:t>v</a:t>
+            </a:r>
+            <a:endParaRPr lang="en-US" baseline="-25000" dirty="0"/>
+          </a:p>
+        </p:txBody>
+      </p:sp>
+      <p:cxnSp>
+        <p:nvCxnSpPr>
+          <p:cNvPr id="11" name="Straight Arrow Connector 10"/>
+          <p:cNvCxnSpPr/>
+          <p:nvPr/>
+        </p:nvCxnSpPr>
+        <p:spPr>
+          <a:xfrm>
+            <a:off x="2296583" y="1676711"/>
+            <a:ext cx="1511" cy="546098"/>
+          </a:xfrm>
+          <a:prstGeom prst="straightConnector1">
+            <a:avLst/>
+          </a:prstGeom>
+          <a:ln w="28575" cmpd="sng">
+            <a:tailEnd type="arrow"/>
+          </a:ln>
+          <a:effectLst/>
+        </p:spPr>
+        <p:style>
+          <a:lnRef idx="2">
+            <a:schemeClr val="dk1"/>
+          </a:lnRef>
+          <a:fillRef idx="0">
+            <a:schemeClr val="dk1"/>
+          </a:fillRef>
+          <a:effectRef idx="1">
+            <a:schemeClr val="dk1"/>
+          </a:effectRef>
+          <a:fontRef idx="minor">
+            <a:schemeClr val="tx1"/>
+          </a:fontRef>
+        </p:style>
+      </p:cxnSp>
+      <p:sp>
+        <p:nvSpPr>
+          <p:cNvPr id="12" name="TextBox 11"/>
+          <p:cNvSpPr txBox="1"/>
+          <p:nvPr/>
+        </p:nvSpPr>
+        <p:spPr>
+          <a:xfrm>
+            <a:off x="2329242" y="1763675"/>
+            <a:ext cx="399142" cy="369332"/>
+          </a:xfrm>
+          <a:prstGeom prst="rect">
+            <a:avLst/>
+          </a:prstGeom>
+          <a:noFill/>
+        </p:spPr>
+        <p:txBody>
+          <a:bodyPr wrap="square" rtlCol="0">
+            <a:spAutoFit/>
+          </a:bodyPr>
+          <a:lstStyle/>
+          <a:p>
+            <a:r>
+              <a:rPr lang="en-US" dirty="0" smtClean="0"/>
+              <a:t>a</a:t>
+            </a:r>
+            <a:endParaRPr lang="en-US" baseline="-25000" dirty="0"/>
+          </a:p>
+        </p:txBody>
+      </p:sp>
+      <p:grpSp>
+        <p:nvGrpSpPr>
+          <p:cNvPr id="13" name="Group 12"/>
+          <p:cNvGrpSpPr/>
+          <p:nvPr/>
+        </p:nvGrpSpPr>
+        <p:grpSpPr>
+          <a:xfrm>
+            <a:off x="4864496" y="2117574"/>
+            <a:ext cx="520096" cy="520096"/>
+            <a:chOff x="2467428" y="1596571"/>
+            <a:chExt cx="520096" cy="520096"/>
+          </a:xfrm>
+        </p:grpSpPr>
+        <p:cxnSp>
+          <p:nvCxnSpPr>
+            <p:cNvPr id="14" name="Straight Arrow Connector 13"/>
+            <p:cNvCxnSpPr/>
+            <p:nvPr/>
+          </p:nvCxnSpPr>
+          <p:spPr>
+            <a:xfrm flipV="1">
+              <a:off x="2467428" y="1596571"/>
+              <a:ext cx="0" cy="520096"/>
+            </a:xfrm>
+            <a:prstGeom prst="straightConnector1">
+              <a:avLst/>
+            </a:prstGeom>
+            <a:ln>
+              <a:solidFill>
+                <a:schemeClr val="bg1">
+                  <a:lumMod val="50000"/>
+                </a:schemeClr>
+              </a:solidFill>
+              <a:tailEnd type="arrow"/>
+            </a:ln>
+            <a:effectLst/>
+          </p:spPr>
+          <p:style>
+            <a:lnRef idx="2">
+              <a:schemeClr val="dk1"/>
+            </a:lnRef>
+            <a:fillRef idx="0">
+              <a:schemeClr val="dk1"/>
+            </a:fillRef>
+            <a:effectRef idx="1">
+              <a:schemeClr val="dk1"/>
+            </a:effectRef>
+            <a:fontRef idx="minor">
+              <a:schemeClr val="tx1"/>
+            </a:fontRef>
+          </p:style>
+        </p:cxnSp>
+        <p:cxnSp>
+          <p:nvCxnSpPr>
+            <p:cNvPr id="15" name="Straight Arrow Connector 14"/>
+            <p:cNvCxnSpPr/>
+            <p:nvPr/>
+          </p:nvCxnSpPr>
+          <p:spPr>
+            <a:xfrm rot="5400000" flipV="1">
+              <a:off x="2727476" y="1845733"/>
+              <a:ext cx="0" cy="520096"/>
+            </a:xfrm>
+            <a:prstGeom prst="straightConnector1">
+              <a:avLst/>
+            </a:prstGeom>
+            <a:ln>
+              <a:solidFill>
+                <a:schemeClr val="bg1">
+                  <a:lumMod val="50000"/>
+                </a:schemeClr>
+              </a:solidFill>
+              <a:tailEnd type="arrow"/>
+            </a:ln>
+            <a:effectLst/>
+          </p:spPr>
+          <p:style>
+            <a:lnRef idx="2">
+              <a:schemeClr val="dk1"/>
+            </a:lnRef>
+            <a:fillRef idx="0">
+              <a:schemeClr val="dk1"/>
+            </a:fillRef>
+            <a:effectRef idx="1">
+              <a:schemeClr val="dk1"/>
+            </a:effectRef>
+            <a:fontRef idx="minor">
+              <a:schemeClr val="tx1"/>
+            </a:fontRef>
+          </p:style>
+        </p:cxnSp>
+      </p:grpSp>
+      <p:sp>
+        <p:nvSpPr>
+          <p:cNvPr id="18" name="Freeform 17"/>
+          <p:cNvSpPr/>
+          <p:nvPr/>
+        </p:nvSpPr>
+        <p:spPr>
+          <a:xfrm>
+            <a:off x="5766741" y="1365193"/>
+            <a:ext cx="1815629" cy="854955"/>
+          </a:xfrm>
+          <a:custGeom>
+            <a:avLst/>
+            <a:gdLst>
+              <a:gd name="connsiteX0" fmla="*/ 0 w 1815629"/>
+              <a:gd name="connsiteY0" fmla="*/ 281103 h 854955"/>
+              <a:gd name="connsiteX1" fmla="*/ 1044222 w 1815629"/>
+              <a:gd name="connsiteY1" fmla="*/ 27103 h 854955"/>
+              <a:gd name="connsiteX2" fmla="*/ 1815629 w 1815629"/>
+              <a:gd name="connsiteY2" fmla="*/ 854955 h 854955"/>
+            </a:gdLst>
+            <a:ahLst/>
+            <a:cxnLst>
+              <a:cxn ang="0">
+                <a:pos x="connsiteX0" y="connsiteY0"/>
+              </a:cxn>
+              <a:cxn ang="0">
+                <a:pos x="connsiteX1" y="connsiteY1"/>
+              </a:cxn>
+              <a:cxn ang="0">
+                <a:pos x="connsiteX2" y="connsiteY2"/>
+              </a:cxn>
+            </a:cxnLst>
+            <a:rect l="l" t="t" r="r" b="b"/>
+            <a:pathLst>
+              <a:path w="1815629" h="854955">
+                <a:moveTo>
+                  <a:pt x="0" y="281103"/>
+                </a:moveTo>
+                <a:cubicBezTo>
+                  <a:pt x="370808" y="106282"/>
+                  <a:pt x="741617" y="-68539"/>
+                  <a:pt x="1044222" y="27103"/>
+                </a:cubicBezTo>
+                <a:cubicBezTo>
+                  <a:pt x="1346827" y="122745"/>
+                  <a:pt x="1767024" y="536671"/>
+                  <a:pt x="1815629" y="854955"/>
+                </a:cubicBezTo>
+              </a:path>
+            </a:pathLst>
+          </a:custGeom>
+          <a:ln>
+            <a:solidFill>
+              <a:srgbClr val="A6A6A6"/>
+            </a:solidFill>
+            <a:prstDash val="dash"/>
+            <a:headEnd type="none"/>
+            <a:tailEnd type="arrow"/>
+          </a:ln>
+        </p:spPr>
+        <p:style>
+          <a:lnRef idx="2">
+            <a:schemeClr val="dk1"/>
+          </a:lnRef>
+          <a:fillRef idx="0">
+            <a:schemeClr val="dk1"/>
+          </a:fillRef>
+          <a:effectRef idx="1">
+            <a:schemeClr val="dk1"/>
+          </a:effectRef>
+          <a:fontRef idx="minor">
+            <a:schemeClr val="tx1"/>
+          </a:fontRef>
+        </p:style>
+        <p:txBody>
+          <a:bodyPr rtlCol="0" anchor="ctr"/>
+          <a:lstStyle/>
+          <a:p>
+            <a:pPr algn="ctr"/>
+            <a:endParaRPr lang="en-US"/>
+          </a:p>
+        </p:txBody>
+      </p:sp>
+      <p:sp>
+        <p:nvSpPr>
+          <p:cNvPr id="19" name="TextBox 18"/>
+          <p:cNvSpPr txBox="1"/>
+          <p:nvPr/>
+        </p:nvSpPr>
+        <p:spPr>
+          <a:xfrm>
+            <a:off x="6047401" y="1040474"/>
+            <a:ext cx="518716" cy="369332"/>
+          </a:xfrm>
+          <a:prstGeom prst="rect">
+            <a:avLst/>
+          </a:prstGeom>
+          <a:noFill/>
+        </p:spPr>
+        <p:txBody>
+          <a:bodyPr wrap="square" rtlCol="0">
+            <a:spAutoFit/>
+          </a:bodyPr>
+          <a:lstStyle/>
+          <a:p>
+            <a:r>
+              <a:rPr lang="en-US" dirty="0" smtClean="0"/>
+              <a:t>t</a:t>
+            </a:r>
+            <a:r>
+              <a:rPr lang="en-US" baseline="-25000" dirty="0" smtClean="0"/>
+              <a:t>1</a:t>
+            </a:r>
+            <a:endParaRPr lang="en-US" baseline="-25000" dirty="0"/>
+          </a:p>
+        </p:txBody>
+      </p:sp>
+      <p:sp>
+        <p:nvSpPr>
+          <p:cNvPr id="20" name="TextBox 19"/>
+          <p:cNvSpPr txBox="1"/>
+          <p:nvPr/>
+        </p:nvSpPr>
+        <p:spPr>
+          <a:xfrm>
+            <a:off x="7199695" y="1346353"/>
+            <a:ext cx="518716" cy="369332"/>
+          </a:xfrm>
+          <a:prstGeom prst="rect">
+            <a:avLst/>
+          </a:prstGeom>
+          <a:noFill/>
+        </p:spPr>
+        <p:txBody>
+          <a:bodyPr wrap="square" rtlCol="0">
+            <a:spAutoFit/>
+          </a:bodyPr>
+          <a:lstStyle/>
+          <a:p>
+            <a:r>
+              <a:rPr lang="en-US" dirty="0" smtClean="0"/>
+              <a:t>t</a:t>
+            </a:r>
+            <a:r>
+              <a:rPr lang="en-US" baseline="-25000" dirty="0" smtClean="0"/>
+              <a:t>2</a:t>
+            </a:r>
+            <a:endParaRPr lang="en-US" baseline="-25000" dirty="0"/>
+          </a:p>
+        </p:txBody>
+      </p:sp>
+      <p:grpSp>
+        <p:nvGrpSpPr>
+          <p:cNvPr id="21" name="Group 20"/>
+          <p:cNvGrpSpPr/>
+          <p:nvPr/>
+        </p:nvGrpSpPr>
+        <p:grpSpPr>
+          <a:xfrm>
+            <a:off x="1137812" y="2216670"/>
             <a:ext cx="686793" cy="650638"/>
             <a:chOff x="1137812" y="2216670"/>
             <a:chExt cx="686793" cy="650638"/>
@@ -18552,7 +19915,7 @@
         </p:grpSpPr>
         <p:sp>
           <p:nvSpPr>
-            <p:cNvPr id="45" name="TextBox 44"/>
+            <p:cNvPr id="22" name="TextBox 21"/>
             <p:cNvSpPr txBox="1"/>
             <p:nvPr/>
           </p:nvSpPr>
@@ -18582,7 +19945,7 @@
         </p:sp>
         <p:sp>
           <p:nvSpPr>
-            <p:cNvPr id="46" name="TextBox 45"/>
+            <p:cNvPr id="23" name="TextBox 22"/>
             <p:cNvSpPr txBox="1"/>
             <p:nvPr/>
           </p:nvSpPr>
@@ -18611,10 +19974,1039 @@
           </p:txBody>
         </p:sp>
       </p:grpSp>
+      <p:grpSp>
+        <p:nvGrpSpPr>
+          <p:cNvPr id="24" name="Group 23"/>
+          <p:cNvGrpSpPr/>
+          <p:nvPr/>
+        </p:nvGrpSpPr>
+        <p:grpSpPr>
+          <a:xfrm>
+            <a:off x="4651100" y="2203435"/>
+            <a:ext cx="686793" cy="650638"/>
+            <a:chOff x="1137812" y="2216670"/>
+            <a:chExt cx="686793" cy="650638"/>
+          </a:xfrm>
+        </p:grpSpPr>
+        <p:sp>
+          <p:nvSpPr>
+            <p:cNvPr id="25" name="TextBox 24"/>
+            <p:cNvSpPr txBox="1"/>
+            <p:nvPr/>
+          </p:nvSpPr>
+          <p:spPr>
+            <a:xfrm>
+              <a:off x="1425463" y="2528754"/>
+              <a:ext cx="399142" cy="338554"/>
+            </a:xfrm>
+            <a:prstGeom prst="rect">
+              <a:avLst/>
+            </a:prstGeom>
+            <a:noFill/>
+          </p:spPr>
+          <p:txBody>
+            <a:bodyPr wrap="square" rtlCol="0">
+              <a:spAutoFit/>
+            </a:bodyPr>
+            <a:lstStyle/>
+            <a:p>
+              <a:r>
+                <a:rPr lang="en-US" sz="1600" dirty="0" smtClean="0"/>
+                <a:t>x</a:t>
+              </a:r>
+              <a:endParaRPr lang="en-US" sz="1600" baseline="-25000" dirty="0"/>
+            </a:p>
+          </p:txBody>
+        </p:sp>
+        <p:sp>
+          <p:nvSpPr>
+            <p:cNvPr id="26" name="TextBox 25"/>
+            <p:cNvSpPr txBox="1"/>
+            <p:nvPr/>
+          </p:nvSpPr>
+          <p:spPr>
+            <a:xfrm>
+              <a:off x="1137812" y="2216670"/>
+              <a:ext cx="399142" cy="338554"/>
+            </a:xfrm>
+            <a:prstGeom prst="rect">
+              <a:avLst/>
+            </a:prstGeom>
+            <a:noFill/>
+          </p:spPr>
+          <p:txBody>
+            <a:bodyPr wrap="square" rtlCol="0">
+              <a:spAutoFit/>
+            </a:bodyPr>
+            <a:lstStyle/>
+            <a:p>
+              <a:r>
+                <a:rPr lang="en-US" sz="1600" dirty="0" smtClean="0"/>
+                <a:t>y</a:t>
+              </a:r>
+              <a:endParaRPr lang="en-US" sz="1600" baseline="-25000" dirty="0"/>
+            </a:p>
+          </p:txBody>
+        </p:sp>
+      </p:grpSp>
+      <p:sp>
+        <p:nvSpPr>
+          <p:cNvPr id="27" name="Oval 26"/>
+          <p:cNvSpPr/>
+          <p:nvPr/>
+        </p:nvSpPr>
+        <p:spPr>
+          <a:xfrm>
+            <a:off x="6223527" y="1414860"/>
+            <a:ext cx="50406" cy="50406"/>
+          </a:xfrm>
+          <a:prstGeom prst="ellipse">
+            <a:avLst/>
+          </a:prstGeom>
+          <a:solidFill>
+            <a:schemeClr val="tx1"/>
+          </a:solidFill>
+          <a:effectLst/>
+        </p:spPr>
+        <p:style>
+          <a:lnRef idx="1">
+            <a:schemeClr val="dk1"/>
+          </a:lnRef>
+          <a:fillRef idx="3">
+            <a:schemeClr val="dk1"/>
+          </a:fillRef>
+          <a:effectRef idx="2">
+            <a:schemeClr val="dk1"/>
+          </a:effectRef>
+          <a:fontRef idx="minor">
+            <a:schemeClr val="lt1"/>
+          </a:fontRef>
+        </p:style>
+        <p:txBody>
+          <a:bodyPr rtlCol="0" anchor="ctr"/>
+          <a:lstStyle/>
+          <a:p>
+            <a:pPr algn="ctr"/>
+            <a:endParaRPr lang="en-US"/>
+          </a:p>
+        </p:txBody>
+      </p:sp>
+      <p:cxnSp>
+        <p:nvCxnSpPr>
+          <p:cNvPr id="28" name="Straight Arrow Connector 27"/>
+          <p:cNvCxnSpPr/>
+          <p:nvPr/>
+        </p:nvCxnSpPr>
+        <p:spPr>
+          <a:xfrm flipV="1">
+            <a:off x="4864496" y="1880814"/>
+            <a:ext cx="2938754" cy="745064"/>
+          </a:xfrm>
+          <a:prstGeom prst="straightConnector1">
+            <a:avLst/>
+          </a:prstGeom>
+          <a:ln w="28575" cmpd="sng">
+            <a:tailEnd type="arrow"/>
+          </a:ln>
+          <a:effectLst/>
+        </p:spPr>
+        <p:style>
+          <a:lnRef idx="2">
+            <a:schemeClr val="dk1"/>
+          </a:lnRef>
+          <a:fillRef idx="0">
+            <a:schemeClr val="dk1"/>
+          </a:fillRef>
+          <a:effectRef idx="1">
+            <a:schemeClr val="dk1"/>
+          </a:effectRef>
+          <a:fontRef idx="minor">
+            <a:schemeClr val="tx1"/>
+          </a:fontRef>
+        </p:style>
+      </p:cxnSp>
+      <p:sp>
+        <p:nvSpPr>
+          <p:cNvPr id="31" name="TextBox 30"/>
+          <p:cNvSpPr txBox="1"/>
+          <p:nvPr/>
+        </p:nvSpPr>
+        <p:spPr>
+          <a:xfrm>
+            <a:off x="6223527" y="1878669"/>
+            <a:ext cx="399142" cy="369332"/>
+          </a:xfrm>
+          <a:prstGeom prst="rect">
+            <a:avLst/>
+          </a:prstGeom>
+          <a:noFill/>
+        </p:spPr>
+        <p:txBody>
+          <a:bodyPr wrap="square" rtlCol="0">
+            <a:spAutoFit/>
+          </a:bodyPr>
+          <a:lstStyle/>
+          <a:p>
+            <a:r>
+              <a:rPr lang="en-US" dirty="0" smtClean="0"/>
+              <a:t>s</a:t>
+            </a:r>
+            <a:endParaRPr lang="en-US" baseline="-25000" dirty="0"/>
+          </a:p>
+        </p:txBody>
+      </p:sp>
+      <p:cxnSp>
+        <p:nvCxnSpPr>
+          <p:cNvPr id="32" name="Straight Arrow Connector 31"/>
+          <p:cNvCxnSpPr/>
+          <p:nvPr/>
+        </p:nvCxnSpPr>
+        <p:spPr>
+          <a:xfrm flipH="1" flipV="1">
+            <a:off x="5998681" y="1365193"/>
+            <a:ext cx="1800217" cy="515621"/>
+          </a:xfrm>
+          <a:prstGeom prst="straightConnector1">
+            <a:avLst/>
+          </a:prstGeom>
+          <a:ln w="28575" cmpd="sng">
+            <a:tailEnd type="arrow"/>
+          </a:ln>
+          <a:effectLst/>
+        </p:spPr>
+        <p:style>
+          <a:lnRef idx="2">
+            <a:schemeClr val="dk1"/>
+          </a:lnRef>
+          <a:fillRef idx="0">
+            <a:schemeClr val="dk1"/>
+          </a:fillRef>
+          <a:effectRef idx="1">
+            <a:schemeClr val="dk1"/>
+          </a:effectRef>
+          <a:fontRef idx="minor">
+            <a:schemeClr val="tx1"/>
+          </a:fontRef>
+        </p:style>
+      </p:cxnSp>
+      <p:sp>
+        <p:nvSpPr>
+          <p:cNvPr id="36" name="Oval 35"/>
+          <p:cNvSpPr/>
+          <p:nvPr/>
+        </p:nvSpPr>
+        <p:spPr>
+          <a:xfrm>
+            <a:off x="7307655" y="1717002"/>
+            <a:ext cx="50406" cy="50406"/>
+          </a:xfrm>
+          <a:prstGeom prst="ellipse">
+            <a:avLst/>
+          </a:prstGeom>
+          <a:solidFill>
+            <a:schemeClr val="tx1"/>
+          </a:solidFill>
+          <a:effectLst/>
+        </p:spPr>
+        <p:style>
+          <a:lnRef idx="1">
+            <a:schemeClr val="dk1"/>
+          </a:lnRef>
+          <a:fillRef idx="3">
+            <a:schemeClr val="dk1"/>
+          </a:fillRef>
+          <a:effectRef idx="2">
+            <a:schemeClr val="dk1"/>
+          </a:effectRef>
+          <a:fontRef idx="minor">
+            <a:schemeClr val="lt1"/>
+          </a:fontRef>
+        </p:style>
+        <p:txBody>
+          <a:bodyPr rtlCol="0" anchor="ctr"/>
+          <a:lstStyle/>
+          <a:p>
+            <a:pPr algn="ctr"/>
+            <a:endParaRPr lang="en-US"/>
+          </a:p>
+        </p:txBody>
+      </p:sp>
+      <p:sp>
+        <p:nvSpPr>
+          <p:cNvPr id="37" name="TextBox 36"/>
+          <p:cNvSpPr txBox="1"/>
+          <p:nvPr/>
+        </p:nvSpPr>
+        <p:spPr>
+          <a:xfrm>
+            <a:off x="6582755" y="1511482"/>
+            <a:ext cx="399142" cy="369332"/>
+          </a:xfrm>
+          <a:prstGeom prst="rect">
+            <a:avLst/>
+          </a:prstGeom>
+          <a:noFill/>
+        </p:spPr>
+        <p:txBody>
+          <a:bodyPr wrap="square" rtlCol="0">
+            <a:spAutoFit/>
+          </a:bodyPr>
+          <a:lstStyle/>
+          <a:p>
+            <a:r>
+              <a:rPr lang="en-US" dirty="0" smtClean="0"/>
+              <a:t>d</a:t>
+            </a:r>
+            <a:endParaRPr lang="en-US" baseline="-25000" dirty="0"/>
+          </a:p>
+        </p:txBody>
+      </p:sp>
+      <p:cxnSp>
+        <p:nvCxnSpPr>
+          <p:cNvPr id="46" name="Straight Arrow Connector 45"/>
+          <p:cNvCxnSpPr/>
+          <p:nvPr/>
+        </p:nvCxnSpPr>
+        <p:spPr>
+          <a:xfrm flipH="1" flipV="1">
+            <a:off x="5395011" y="3376341"/>
+            <a:ext cx="3379621" cy="967998"/>
+          </a:xfrm>
+          <a:prstGeom prst="straightConnector1">
+            <a:avLst/>
+          </a:prstGeom>
+          <a:ln w="28575" cmpd="sng">
+            <a:solidFill>
+              <a:srgbClr val="A6A6A6"/>
+            </a:solidFill>
+            <a:prstDash val="dot"/>
+            <a:headEnd type="none"/>
+            <a:tailEnd type="none"/>
+          </a:ln>
+          <a:effectLst/>
+        </p:spPr>
+        <p:style>
+          <a:lnRef idx="2">
+            <a:schemeClr val="dk1"/>
+          </a:lnRef>
+          <a:fillRef idx="0">
+            <a:schemeClr val="dk1"/>
+          </a:fillRef>
+          <a:effectRef idx="1">
+            <a:schemeClr val="dk1"/>
+          </a:effectRef>
+          <a:fontRef idx="minor">
+            <a:schemeClr val="tx1"/>
+          </a:fontRef>
+        </p:style>
+      </p:cxnSp>
+      <p:grpSp>
+        <p:nvGrpSpPr>
+          <p:cNvPr id="47" name="Group 46"/>
+          <p:cNvGrpSpPr/>
+          <p:nvPr/>
+        </p:nvGrpSpPr>
+        <p:grpSpPr>
+          <a:xfrm>
+            <a:off x="4893055" y="4312673"/>
+            <a:ext cx="520096" cy="520096"/>
+            <a:chOff x="2467428" y="1596571"/>
+            <a:chExt cx="520096" cy="520096"/>
+          </a:xfrm>
+        </p:grpSpPr>
+        <p:cxnSp>
+          <p:nvCxnSpPr>
+            <p:cNvPr id="48" name="Straight Arrow Connector 47"/>
+            <p:cNvCxnSpPr/>
+            <p:nvPr/>
+          </p:nvCxnSpPr>
+          <p:spPr>
+            <a:xfrm flipV="1">
+              <a:off x="2467428" y="1596571"/>
+              <a:ext cx="0" cy="520096"/>
+            </a:xfrm>
+            <a:prstGeom prst="straightConnector1">
+              <a:avLst/>
+            </a:prstGeom>
+            <a:ln>
+              <a:solidFill>
+                <a:schemeClr val="bg1">
+                  <a:lumMod val="50000"/>
+                </a:schemeClr>
+              </a:solidFill>
+              <a:tailEnd type="arrow"/>
+            </a:ln>
+            <a:effectLst/>
+          </p:spPr>
+          <p:style>
+            <a:lnRef idx="2">
+              <a:schemeClr val="dk1"/>
+            </a:lnRef>
+            <a:fillRef idx="0">
+              <a:schemeClr val="dk1"/>
+            </a:fillRef>
+            <a:effectRef idx="1">
+              <a:schemeClr val="dk1"/>
+            </a:effectRef>
+            <a:fontRef idx="minor">
+              <a:schemeClr val="tx1"/>
+            </a:fontRef>
+          </p:style>
+        </p:cxnSp>
+        <p:cxnSp>
+          <p:nvCxnSpPr>
+            <p:cNvPr id="49" name="Straight Arrow Connector 48"/>
+            <p:cNvCxnSpPr/>
+            <p:nvPr/>
+          </p:nvCxnSpPr>
+          <p:spPr>
+            <a:xfrm rot="5400000" flipV="1">
+              <a:off x="2727476" y="1845733"/>
+              <a:ext cx="0" cy="520096"/>
+            </a:xfrm>
+            <a:prstGeom prst="straightConnector1">
+              <a:avLst/>
+            </a:prstGeom>
+            <a:ln>
+              <a:solidFill>
+                <a:schemeClr val="bg1">
+                  <a:lumMod val="50000"/>
+                </a:schemeClr>
+              </a:solidFill>
+              <a:tailEnd type="arrow"/>
+            </a:ln>
+            <a:effectLst/>
+          </p:spPr>
+          <p:style>
+            <a:lnRef idx="2">
+              <a:schemeClr val="dk1"/>
+            </a:lnRef>
+            <a:fillRef idx="0">
+              <a:schemeClr val="dk1"/>
+            </a:fillRef>
+            <a:effectRef idx="1">
+              <a:schemeClr val="dk1"/>
+            </a:effectRef>
+            <a:fontRef idx="minor">
+              <a:schemeClr val="tx1"/>
+            </a:fontRef>
+          </p:style>
+        </p:cxnSp>
+      </p:grpSp>
+      <p:grpSp>
+        <p:nvGrpSpPr>
+          <p:cNvPr id="53" name="Group 52"/>
+          <p:cNvGrpSpPr/>
+          <p:nvPr/>
+        </p:nvGrpSpPr>
+        <p:grpSpPr>
+          <a:xfrm>
+            <a:off x="4679659" y="4398534"/>
+            <a:ext cx="686793" cy="650638"/>
+            <a:chOff x="1137812" y="2216670"/>
+            <a:chExt cx="686793" cy="650638"/>
+          </a:xfrm>
+        </p:grpSpPr>
+        <p:sp>
+          <p:nvSpPr>
+            <p:cNvPr id="54" name="TextBox 53"/>
+            <p:cNvSpPr txBox="1"/>
+            <p:nvPr/>
+          </p:nvSpPr>
+          <p:spPr>
+            <a:xfrm>
+              <a:off x="1425463" y="2528754"/>
+              <a:ext cx="399142" cy="338554"/>
+            </a:xfrm>
+            <a:prstGeom prst="rect">
+              <a:avLst/>
+            </a:prstGeom>
+            <a:noFill/>
+          </p:spPr>
+          <p:txBody>
+            <a:bodyPr wrap="square" rtlCol="0">
+              <a:spAutoFit/>
+            </a:bodyPr>
+            <a:lstStyle/>
+            <a:p>
+              <a:r>
+                <a:rPr lang="en-US" sz="1600" dirty="0" smtClean="0"/>
+                <a:t>x</a:t>
+              </a:r>
+              <a:endParaRPr lang="en-US" sz="1600" baseline="-25000" dirty="0"/>
+            </a:p>
+          </p:txBody>
+        </p:sp>
+        <p:sp>
+          <p:nvSpPr>
+            <p:cNvPr id="55" name="TextBox 54"/>
+            <p:cNvSpPr txBox="1"/>
+            <p:nvPr/>
+          </p:nvSpPr>
+          <p:spPr>
+            <a:xfrm>
+              <a:off x="1137812" y="2216670"/>
+              <a:ext cx="399142" cy="338554"/>
+            </a:xfrm>
+            <a:prstGeom prst="rect">
+              <a:avLst/>
+            </a:prstGeom>
+            <a:noFill/>
+          </p:spPr>
+          <p:txBody>
+            <a:bodyPr wrap="square" rtlCol="0">
+              <a:spAutoFit/>
+            </a:bodyPr>
+            <a:lstStyle/>
+            <a:p>
+              <a:r>
+                <a:rPr lang="en-US" sz="1600" dirty="0" smtClean="0"/>
+                <a:t>y</a:t>
+              </a:r>
+              <a:endParaRPr lang="en-US" sz="1600" baseline="-25000" dirty="0"/>
+            </a:p>
+          </p:txBody>
+        </p:sp>
+      </p:grpSp>
+      <p:cxnSp>
+        <p:nvCxnSpPr>
+          <p:cNvPr id="57" name="Straight Arrow Connector 56"/>
+          <p:cNvCxnSpPr/>
+          <p:nvPr/>
+        </p:nvCxnSpPr>
+        <p:spPr>
+          <a:xfrm flipV="1">
+            <a:off x="4893055" y="4075913"/>
+            <a:ext cx="2938754" cy="745064"/>
+          </a:xfrm>
+          <a:prstGeom prst="straightConnector1">
+            <a:avLst/>
+          </a:prstGeom>
+          <a:ln w="28575" cmpd="sng">
+            <a:tailEnd type="arrow"/>
+          </a:ln>
+          <a:effectLst/>
+        </p:spPr>
+        <p:style>
+          <a:lnRef idx="2">
+            <a:schemeClr val="dk1"/>
+          </a:lnRef>
+          <a:fillRef idx="0">
+            <a:schemeClr val="dk1"/>
+          </a:fillRef>
+          <a:effectRef idx="1">
+            <a:schemeClr val="dk1"/>
+          </a:effectRef>
+          <a:fontRef idx="minor">
+            <a:schemeClr val="tx1"/>
+          </a:fontRef>
+        </p:style>
+      </p:cxnSp>
+      <p:sp>
+        <p:nvSpPr>
+          <p:cNvPr id="58" name="TextBox 57"/>
+          <p:cNvSpPr txBox="1"/>
+          <p:nvPr/>
+        </p:nvSpPr>
+        <p:spPr>
+          <a:xfrm>
+            <a:off x="6252086" y="4073768"/>
+            <a:ext cx="399142" cy="369332"/>
+          </a:xfrm>
+          <a:prstGeom prst="rect">
+            <a:avLst/>
+          </a:prstGeom>
+          <a:noFill/>
+        </p:spPr>
+        <p:txBody>
+          <a:bodyPr wrap="square" rtlCol="0">
+            <a:spAutoFit/>
+          </a:bodyPr>
+          <a:lstStyle/>
+          <a:p>
+            <a:r>
+              <a:rPr lang="en-US" dirty="0" smtClean="0"/>
+              <a:t>s</a:t>
+            </a:r>
+            <a:endParaRPr lang="en-US" baseline="-25000" dirty="0"/>
+          </a:p>
+        </p:txBody>
+      </p:sp>
+      <p:cxnSp>
+        <p:nvCxnSpPr>
+          <p:cNvPr id="59" name="Straight Arrow Connector 58"/>
+          <p:cNvCxnSpPr/>
+          <p:nvPr/>
+        </p:nvCxnSpPr>
+        <p:spPr>
+          <a:xfrm flipH="1" flipV="1">
+            <a:off x="6027240" y="3560292"/>
+            <a:ext cx="1800217" cy="515621"/>
+          </a:xfrm>
+          <a:prstGeom prst="straightConnector1">
+            <a:avLst/>
+          </a:prstGeom>
+          <a:ln w="28575" cmpd="sng">
+            <a:tailEnd type="arrow"/>
+          </a:ln>
+          <a:effectLst/>
+        </p:spPr>
+        <p:style>
+          <a:lnRef idx="2">
+            <a:schemeClr val="dk1"/>
+          </a:lnRef>
+          <a:fillRef idx="0">
+            <a:schemeClr val="dk1"/>
+          </a:fillRef>
+          <a:effectRef idx="1">
+            <a:schemeClr val="dk1"/>
+          </a:effectRef>
+          <a:fontRef idx="minor">
+            <a:schemeClr val="tx1"/>
+          </a:fontRef>
+        </p:style>
+      </p:cxnSp>
+      <p:sp>
+        <p:nvSpPr>
+          <p:cNvPr id="61" name="TextBox 60"/>
+          <p:cNvSpPr txBox="1"/>
+          <p:nvPr/>
+        </p:nvSpPr>
+        <p:spPr>
+          <a:xfrm>
+            <a:off x="6611314" y="3706581"/>
+            <a:ext cx="399142" cy="369332"/>
+          </a:xfrm>
+          <a:prstGeom prst="rect">
+            <a:avLst/>
+          </a:prstGeom>
+          <a:noFill/>
+        </p:spPr>
+        <p:txBody>
+          <a:bodyPr wrap="square" rtlCol="0">
+            <a:spAutoFit/>
+          </a:bodyPr>
+          <a:lstStyle/>
+          <a:p>
+            <a:r>
+              <a:rPr lang="en-US" dirty="0" smtClean="0"/>
+              <a:t>d</a:t>
+            </a:r>
+            <a:endParaRPr lang="en-US" baseline="-25000" dirty="0"/>
+          </a:p>
+        </p:txBody>
+      </p:sp>
+      <p:cxnSp>
+        <p:nvCxnSpPr>
+          <p:cNvPr id="62" name="Straight Arrow Connector 61"/>
+          <p:cNvCxnSpPr/>
+          <p:nvPr/>
+        </p:nvCxnSpPr>
+        <p:spPr>
+          <a:xfrm flipH="1" flipV="1">
+            <a:off x="1227063" y="3202154"/>
+            <a:ext cx="2644712" cy="757504"/>
+          </a:xfrm>
+          <a:prstGeom prst="straightConnector1">
+            <a:avLst/>
+          </a:prstGeom>
+          <a:ln w="28575" cmpd="sng">
+            <a:solidFill>
+              <a:srgbClr val="A6A6A6"/>
+            </a:solidFill>
+            <a:prstDash val="dot"/>
+            <a:headEnd type="none"/>
+            <a:tailEnd type="none"/>
+          </a:ln>
+          <a:effectLst/>
+        </p:spPr>
+        <p:style>
+          <a:lnRef idx="2">
+            <a:schemeClr val="dk1"/>
+          </a:lnRef>
+          <a:fillRef idx="0">
+            <a:schemeClr val="dk1"/>
+          </a:fillRef>
+          <a:effectRef idx="1">
+            <a:schemeClr val="dk1"/>
+          </a:effectRef>
+          <a:fontRef idx="minor">
+            <a:schemeClr val="tx1"/>
+          </a:fontRef>
+        </p:style>
+      </p:cxnSp>
+      <p:grpSp>
+        <p:nvGrpSpPr>
+          <p:cNvPr id="63" name="Group 62"/>
+          <p:cNvGrpSpPr/>
+          <p:nvPr/>
+        </p:nvGrpSpPr>
+        <p:grpSpPr>
+          <a:xfrm>
+            <a:off x="725106" y="4138486"/>
+            <a:ext cx="520096" cy="520096"/>
+            <a:chOff x="2467428" y="1596571"/>
+            <a:chExt cx="520096" cy="520096"/>
+          </a:xfrm>
+        </p:grpSpPr>
+        <p:cxnSp>
+          <p:nvCxnSpPr>
+            <p:cNvPr id="64" name="Straight Arrow Connector 63"/>
+            <p:cNvCxnSpPr/>
+            <p:nvPr/>
+          </p:nvCxnSpPr>
+          <p:spPr>
+            <a:xfrm flipV="1">
+              <a:off x="2467428" y="1596571"/>
+              <a:ext cx="0" cy="520096"/>
+            </a:xfrm>
+            <a:prstGeom prst="straightConnector1">
+              <a:avLst/>
+            </a:prstGeom>
+            <a:ln>
+              <a:solidFill>
+                <a:schemeClr val="bg1">
+                  <a:lumMod val="50000"/>
+                </a:schemeClr>
+              </a:solidFill>
+              <a:tailEnd type="arrow"/>
+            </a:ln>
+            <a:effectLst/>
+          </p:spPr>
+          <p:style>
+            <a:lnRef idx="2">
+              <a:schemeClr val="dk1"/>
+            </a:lnRef>
+            <a:fillRef idx="0">
+              <a:schemeClr val="dk1"/>
+            </a:fillRef>
+            <a:effectRef idx="1">
+              <a:schemeClr val="dk1"/>
+            </a:effectRef>
+            <a:fontRef idx="minor">
+              <a:schemeClr val="tx1"/>
+            </a:fontRef>
+          </p:style>
+        </p:cxnSp>
+        <p:cxnSp>
+          <p:nvCxnSpPr>
+            <p:cNvPr id="65" name="Straight Arrow Connector 64"/>
+            <p:cNvCxnSpPr/>
+            <p:nvPr/>
+          </p:nvCxnSpPr>
+          <p:spPr>
+            <a:xfrm rot="5400000" flipV="1">
+              <a:off x="2727476" y="1845733"/>
+              <a:ext cx="0" cy="520096"/>
+            </a:xfrm>
+            <a:prstGeom prst="straightConnector1">
+              <a:avLst/>
+            </a:prstGeom>
+            <a:ln>
+              <a:solidFill>
+                <a:schemeClr val="bg1">
+                  <a:lumMod val="50000"/>
+                </a:schemeClr>
+              </a:solidFill>
+              <a:tailEnd type="arrow"/>
+            </a:ln>
+            <a:effectLst/>
+          </p:spPr>
+          <p:style>
+            <a:lnRef idx="2">
+              <a:schemeClr val="dk1"/>
+            </a:lnRef>
+            <a:fillRef idx="0">
+              <a:schemeClr val="dk1"/>
+            </a:fillRef>
+            <a:effectRef idx="1">
+              <a:schemeClr val="dk1"/>
+            </a:effectRef>
+            <a:fontRef idx="minor">
+              <a:schemeClr val="tx1"/>
+            </a:fontRef>
+          </p:style>
+        </p:cxnSp>
+      </p:grpSp>
+      <p:grpSp>
+        <p:nvGrpSpPr>
+          <p:cNvPr id="66" name="Group 65"/>
+          <p:cNvGrpSpPr/>
+          <p:nvPr/>
+        </p:nvGrpSpPr>
+        <p:grpSpPr>
+          <a:xfrm>
+            <a:off x="511710" y="4224347"/>
+            <a:ext cx="686793" cy="650638"/>
+            <a:chOff x="1137812" y="2216670"/>
+            <a:chExt cx="686793" cy="650638"/>
+          </a:xfrm>
+        </p:grpSpPr>
+        <p:sp>
+          <p:nvSpPr>
+            <p:cNvPr id="67" name="TextBox 66"/>
+            <p:cNvSpPr txBox="1"/>
+            <p:nvPr/>
+          </p:nvSpPr>
+          <p:spPr>
+            <a:xfrm>
+              <a:off x="1425463" y="2528754"/>
+              <a:ext cx="399142" cy="338554"/>
+            </a:xfrm>
+            <a:prstGeom prst="rect">
+              <a:avLst/>
+            </a:prstGeom>
+            <a:noFill/>
+          </p:spPr>
+          <p:txBody>
+            <a:bodyPr wrap="square" rtlCol="0">
+              <a:spAutoFit/>
+            </a:bodyPr>
+            <a:lstStyle/>
+            <a:p>
+              <a:r>
+                <a:rPr lang="en-US" sz="1600" dirty="0" smtClean="0"/>
+                <a:t>x</a:t>
+              </a:r>
+              <a:endParaRPr lang="en-US" sz="1600" baseline="-25000" dirty="0"/>
+            </a:p>
+          </p:txBody>
+        </p:sp>
+        <p:sp>
+          <p:nvSpPr>
+            <p:cNvPr id="68" name="TextBox 67"/>
+            <p:cNvSpPr txBox="1"/>
+            <p:nvPr/>
+          </p:nvSpPr>
+          <p:spPr>
+            <a:xfrm>
+              <a:off x="1137812" y="2216670"/>
+              <a:ext cx="399142" cy="338554"/>
+            </a:xfrm>
+            <a:prstGeom prst="rect">
+              <a:avLst/>
+            </a:prstGeom>
+            <a:noFill/>
+          </p:spPr>
+          <p:txBody>
+            <a:bodyPr wrap="square" rtlCol="0">
+              <a:spAutoFit/>
+            </a:bodyPr>
+            <a:lstStyle/>
+            <a:p>
+              <a:r>
+                <a:rPr lang="en-US" sz="1600" dirty="0" smtClean="0"/>
+                <a:t>y</a:t>
+              </a:r>
+              <a:endParaRPr lang="en-US" sz="1600" baseline="-25000" dirty="0"/>
+            </a:p>
+          </p:txBody>
+        </p:sp>
+      </p:grpSp>
+      <p:cxnSp>
+        <p:nvCxnSpPr>
+          <p:cNvPr id="69" name="Straight Arrow Connector 68"/>
+          <p:cNvCxnSpPr/>
+          <p:nvPr/>
+        </p:nvCxnSpPr>
+        <p:spPr>
+          <a:xfrm flipV="1">
+            <a:off x="725106" y="3901726"/>
+            <a:ext cx="2938754" cy="745064"/>
+          </a:xfrm>
+          <a:prstGeom prst="straightConnector1">
+            <a:avLst/>
+          </a:prstGeom>
+          <a:ln w="28575" cmpd="sng">
+            <a:tailEnd type="arrow"/>
+          </a:ln>
+          <a:effectLst/>
+        </p:spPr>
+        <p:style>
+          <a:lnRef idx="2">
+            <a:schemeClr val="dk1"/>
+          </a:lnRef>
+          <a:fillRef idx="0">
+            <a:schemeClr val="dk1"/>
+          </a:fillRef>
+          <a:effectRef idx="1">
+            <a:schemeClr val="dk1"/>
+          </a:effectRef>
+          <a:fontRef idx="minor">
+            <a:schemeClr val="tx1"/>
+          </a:fontRef>
+        </p:style>
+      </p:cxnSp>
+      <p:sp>
+        <p:nvSpPr>
+          <p:cNvPr id="70" name="TextBox 69"/>
+          <p:cNvSpPr txBox="1"/>
+          <p:nvPr/>
+        </p:nvSpPr>
+        <p:spPr>
+          <a:xfrm>
+            <a:off x="2084137" y="3899581"/>
+            <a:ext cx="399142" cy="369332"/>
+          </a:xfrm>
+          <a:prstGeom prst="rect">
+            <a:avLst/>
+          </a:prstGeom>
+          <a:noFill/>
+        </p:spPr>
+        <p:txBody>
+          <a:bodyPr wrap="square" rtlCol="0">
+            <a:spAutoFit/>
+          </a:bodyPr>
+          <a:lstStyle/>
+          <a:p>
+            <a:r>
+              <a:rPr lang="en-US" dirty="0" smtClean="0"/>
+              <a:t>s</a:t>
+            </a:r>
+            <a:endParaRPr lang="en-US" baseline="-25000" dirty="0"/>
+          </a:p>
+        </p:txBody>
+      </p:sp>
+      <p:cxnSp>
+        <p:nvCxnSpPr>
+          <p:cNvPr id="71" name="Straight Arrow Connector 70"/>
+          <p:cNvCxnSpPr/>
+          <p:nvPr/>
+        </p:nvCxnSpPr>
+        <p:spPr>
+          <a:xfrm flipH="1" flipV="1">
+            <a:off x="1859291" y="3386105"/>
+            <a:ext cx="1800217" cy="515621"/>
+          </a:xfrm>
+          <a:prstGeom prst="straightConnector1">
+            <a:avLst/>
+          </a:prstGeom>
+          <a:ln w="28575" cmpd="sng">
+            <a:tailEnd type="arrow"/>
+          </a:ln>
+          <a:effectLst/>
+        </p:spPr>
+        <p:style>
+          <a:lnRef idx="2">
+            <a:schemeClr val="dk1"/>
+          </a:lnRef>
+          <a:fillRef idx="0">
+            <a:schemeClr val="dk1"/>
+          </a:fillRef>
+          <a:effectRef idx="1">
+            <a:schemeClr val="dk1"/>
+          </a:effectRef>
+          <a:fontRef idx="minor">
+            <a:schemeClr val="tx1"/>
+          </a:fontRef>
+        </p:style>
+      </p:cxnSp>
+      <p:sp>
+        <p:nvSpPr>
+          <p:cNvPr id="72" name="TextBox 71"/>
+          <p:cNvSpPr txBox="1"/>
+          <p:nvPr/>
+        </p:nvSpPr>
+        <p:spPr>
+          <a:xfrm>
+            <a:off x="2443365" y="3532394"/>
+            <a:ext cx="399142" cy="369332"/>
+          </a:xfrm>
+          <a:prstGeom prst="rect">
+            <a:avLst/>
+          </a:prstGeom>
+          <a:noFill/>
+        </p:spPr>
+        <p:txBody>
+          <a:bodyPr wrap="square" rtlCol="0">
+            <a:spAutoFit/>
+          </a:bodyPr>
+          <a:lstStyle/>
+          <a:p>
+            <a:r>
+              <a:rPr lang="en-US" dirty="0" smtClean="0"/>
+              <a:t>d</a:t>
+            </a:r>
+            <a:endParaRPr lang="en-US" baseline="-25000" dirty="0"/>
+          </a:p>
+        </p:txBody>
+      </p:sp>
+      <p:sp>
+        <p:nvSpPr>
+          <p:cNvPr id="73" name="Oval 72"/>
+          <p:cNvSpPr/>
+          <p:nvPr/>
+        </p:nvSpPr>
+        <p:spPr>
+          <a:xfrm>
+            <a:off x="1575178" y="3282552"/>
+            <a:ext cx="61529" cy="61529"/>
+          </a:xfrm>
+          <a:prstGeom prst="ellipse">
+            <a:avLst/>
+          </a:prstGeom>
+          <a:solidFill>
+            <a:schemeClr val="tx1"/>
+          </a:solidFill>
+          <a:effectLst/>
+        </p:spPr>
+        <p:style>
+          <a:lnRef idx="1">
+            <a:schemeClr val="dk1"/>
+          </a:lnRef>
+          <a:fillRef idx="3">
+            <a:schemeClr val="dk1"/>
+          </a:fillRef>
+          <a:effectRef idx="2">
+            <a:schemeClr val="dk1"/>
+          </a:effectRef>
+          <a:fontRef idx="minor">
+            <a:schemeClr val="lt1"/>
+          </a:fontRef>
+        </p:style>
+        <p:txBody>
+          <a:bodyPr rtlCol="0" anchor="ctr"/>
+          <a:lstStyle/>
+          <a:p>
+            <a:pPr algn="ctr"/>
+            <a:endParaRPr lang="en-US"/>
+          </a:p>
+        </p:txBody>
+      </p:sp>
+      <p:sp>
+        <p:nvSpPr>
+          <p:cNvPr id="75" name="TextBox 74"/>
+          <p:cNvSpPr txBox="1"/>
+          <p:nvPr/>
+        </p:nvSpPr>
+        <p:spPr>
+          <a:xfrm>
+            <a:off x="1515446" y="2974749"/>
+            <a:ext cx="399142" cy="369332"/>
+          </a:xfrm>
+          <a:prstGeom prst="rect">
+            <a:avLst/>
+          </a:prstGeom>
+          <a:noFill/>
+        </p:spPr>
+        <p:txBody>
+          <a:bodyPr wrap="square" rtlCol="0">
+            <a:spAutoFit/>
+          </a:bodyPr>
+          <a:lstStyle/>
+          <a:p>
+            <a:r>
+              <a:rPr lang="en-US" dirty="0" smtClean="0"/>
+              <a:t>α</a:t>
+            </a:r>
+            <a:endParaRPr lang="en-US" baseline="-25000" dirty="0"/>
+          </a:p>
+        </p:txBody>
+      </p:sp>
     </p:spTree>
     <p:extLst>
       <p:ext uri="{BB962C8B-B14F-4D97-AF65-F5344CB8AC3E}">
-        <p14:creationId xmlns:p14="http://schemas.microsoft.com/office/powerpoint/2010/main" val="2478527929"/>
+        <p14:creationId xmlns:p14="http://schemas.microsoft.com/office/powerpoint/2010/main" val="215385742"/>
       </p:ext>
     </p:extLst>
   </p:cSld>
@@ -18624,7 +21016,7 @@
 </p:sld>
 </file>
 
-<file path=ppt/slides/slide5.xml><?xml version="1.0" encoding="utf-8"?>
+<file path=ppt/slides/slide6.xml><?xml version="1.0" encoding="utf-8"?>
 <p:sld xmlns:a="http://schemas.openxmlformats.org/drawingml/2006/main" xmlns:r="http://schemas.openxmlformats.org/officeDocument/2006/relationships" xmlns:p="http://schemas.openxmlformats.org/presentationml/2006/main">
   <p:cSld>
     <p:spTree>
@@ -19379,7 +21771,7 @@
 </p:sld>
 </file>
 
-<file path=ppt/slides/slide6.xml><?xml version="1.0" encoding="utf-8"?>
+<file path=ppt/slides/slide7.xml><?xml version="1.0" encoding="utf-8"?>
 <p:sld xmlns:a="http://schemas.openxmlformats.org/drawingml/2006/main" xmlns:r="http://schemas.openxmlformats.org/officeDocument/2006/relationships" xmlns:p="http://schemas.openxmlformats.org/presentationml/2006/main">
   <p:cSld>
     <p:spTree>
@@ -20275,7 +22667,7 @@
 </p:sld>
 </file>
 
-<file path=ppt/slides/slide7.xml><?xml version="1.0" encoding="utf-8"?>
+<file path=ppt/slides/slide8.xml><?xml version="1.0" encoding="utf-8"?>
 <p:sld xmlns:a="http://schemas.openxmlformats.org/drawingml/2006/main" xmlns:r="http://schemas.openxmlformats.org/officeDocument/2006/relationships" xmlns:p="http://schemas.openxmlformats.org/presentationml/2006/main">
   <p:cSld>
     <p:spTree>
@@ -21019,7 +23411,7 @@
 </p:sld>
 </file>
 
-<file path=ppt/slides/slide8.xml><?xml version="1.0" encoding="utf-8"?>
+<file path=ppt/slides/slide9.xml><?xml version="1.0" encoding="utf-8"?>
 <p:sld xmlns:a="http://schemas.openxmlformats.org/drawingml/2006/main" xmlns:r="http://schemas.openxmlformats.org/officeDocument/2006/relationships" xmlns:p="http://schemas.openxmlformats.org/presentationml/2006/main">
   <p:cSld>
     <p:spTree>
@@ -22463,999 +24855,6 @@
     <p:extLst>
       <p:ext uri="{BB962C8B-B14F-4D97-AF65-F5344CB8AC3E}">
         <p14:creationId xmlns:p14="http://schemas.microsoft.com/office/powerpoint/2010/main" val="1060174673"/>
-      </p:ext>
-    </p:extLst>
-  </p:cSld>
-  <p:clrMapOvr>
-    <a:masterClrMapping/>
-  </p:clrMapOvr>
-</p:sld>
-</file>
-
-<file path=ppt/slides/slide9.xml><?xml version="1.0" encoding="utf-8"?>
-<p:sld xmlns:a="http://schemas.openxmlformats.org/drawingml/2006/main" xmlns:r="http://schemas.openxmlformats.org/officeDocument/2006/relationships" xmlns:p="http://schemas.openxmlformats.org/presentationml/2006/main">
-  <p:cSld>
-    <p:spTree>
-      <p:nvGrpSpPr>
-        <p:cNvPr id="1" name=""/>
-        <p:cNvGrpSpPr/>
-        <p:nvPr/>
-      </p:nvGrpSpPr>
-      <p:grpSpPr>
-        <a:xfrm>
-          <a:off x="0" y="0"/>
-          <a:ext cx="0" cy="0"/>
-          <a:chOff x="0" y="0"/>
-          <a:chExt cx="0" cy="0"/>
-        </a:xfrm>
-      </p:grpSpPr>
-      <p:grpSp>
-        <p:nvGrpSpPr>
-          <p:cNvPr id="14" name="Group 13"/>
-          <p:cNvGrpSpPr/>
-          <p:nvPr/>
-        </p:nvGrpSpPr>
-        <p:grpSpPr>
-          <a:xfrm>
-            <a:off x="1366762" y="2162022"/>
-            <a:ext cx="520096" cy="520096"/>
-            <a:chOff x="2467428" y="1596571"/>
-            <a:chExt cx="520096" cy="520096"/>
-          </a:xfrm>
-        </p:grpSpPr>
-        <p:cxnSp>
-          <p:nvCxnSpPr>
-            <p:cNvPr id="10" name="Straight Arrow Connector 9"/>
-            <p:cNvCxnSpPr/>
-            <p:nvPr/>
-          </p:nvCxnSpPr>
-          <p:spPr>
-            <a:xfrm flipV="1">
-              <a:off x="2467428" y="1596571"/>
-              <a:ext cx="0" cy="520096"/>
-            </a:xfrm>
-            <a:prstGeom prst="straightConnector1">
-              <a:avLst/>
-            </a:prstGeom>
-            <a:ln>
-              <a:solidFill>
-                <a:schemeClr val="bg1">
-                  <a:lumMod val="50000"/>
-                </a:schemeClr>
-              </a:solidFill>
-              <a:tailEnd type="arrow"/>
-            </a:ln>
-            <a:effectLst/>
-          </p:spPr>
-          <p:style>
-            <a:lnRef idx="2">
-              <a:schemeClr val="dk1"/>
-            </a:lnRef>
-            <a:fillRef idx="0">
-              <a:schemeClr val="dk1"/>
-            </a:fillRef>
-            <a:effectRef idx="1">
-              <a:schemeClr val="dk1"/>
-            </a:effectRef>
-            <a:fontRef idx="minor">
-              <a:schemeClr val="tx1"/>
-            </a:fontRef>
-          </p:style>
-        </p:cxnSp>
-        <p:cxnSp>
-          <p:nvCxnSpPr>
-            <p:cNvPr id="11" name="Straight Arrow Connector 10"/>
-            <p:cNvCxnSpPr/>
-            <p:nvPr/>
-          </p:nvCxnSpPr>
-          <p:spPr>
-            <a:xfrm rot="5400000" flipV="1">
-              <a:off x="2727476" y="1845733"/>
-              <a:ext cx="0" cy="520096"/>
-            </a:xfrm>
-            <a:prstGeom prst="straightConnector1">
-              <a:avLst/>
-            </a:prstGeom>
-            <a:ln>
-              <a:solidFill>
-                <a:schemeClr val="bg1">
-                  <a:lumMod val="50000"/>
-                </a:schemeClr>
-              </a:solidFill>
-              <a:tailEnd type="arrow"/>
-            </a:ln>
-            <a:effectLst/>
-          </p:spPr>
-          <p:style>
-            <a:lnRef idx="2">
-              <a:schemeClr val="dk1"/>
-            </a:lnRef>
-            <a:fillRef idx="0">
-              <a:schemeClr val="dk1"/>
-            </a:fillRef>
-            <a:effectRef idx="1">
-              <a:schemeClr val="dk1"/>
-            </a:effectRef>
-            <a:fontRef idx="minor">
-              <a:schemeClr val="tx1"/>
-            </a:fontRef>
-          </p:style>
-        </p:cxnSp>
-      </p:grpSp>
-      <p:cxnSp>
-        <p:nvCxnSpPr>
-          <p:cNvPr id="20" name="Straight Arrow Connector 19"/>
-          <p:cNvCxnSpPr/>
-          <p:nvPr/>
-        </p:nvCxnSpPr>
-        <p:spPr>
-          <a:xfrm flipV="1">
-            <a:off x="1366762" y="1717522"/>
-            <a:ext cx="929821" cy="964597"/>
-          </a:xfrm>
-          <a:prstGeom prst="straightConnector1">
-            <a:avLst/>
-          </a:prstGeom>
-          <a:ln w="28575" cmpd="sng">
-            <a:tailEnd type="arrow"/>
-          </a:ln>
-          <a:effectLst/>
-        </p:spPr>
-        <p:style>
-          <a:lnRef idx="2">
-            <a:schemeClr val="dk1"/>
-          </a:lnRef>
-          <a:fillRef idx="0">
-            <a:schemeClr val="dk1"/>
-          </a:fillRef>
-          <a:effectRef idx="1">
-            <a:schemeClr val="dk1"/>
-          </a:effectRef>
-          <a:fontRef idx="minor">
-            <a:schemeClr val="tx1"/>
-          </a:fontRef>
-        </p:style>
-      </p:cxnSp>
-      <p:sp>
-        <p:nvSpPr>
-          <p:cNvPr id="24" name="TextBox 23"/>
-          <p:cNvSpPr txBox="1"/>
-          <p:nvPr/>
-        </p:nvSpPr>
-        <p:spPr>
-          <a:xfrm>
-            <a:off x="1602621" y="1741503"/>
-            <a:ext cx="399142" cy="369332"/>
-          </a:xfrm>
-          <a:prstGeom prst="rect">
-            <a:avLst/>
-          </a:prstGeom>
-          <a:noFill/>
-        </p:spPr>
-        <p:txBody>
-          <a:bodyPr wrap="square" rtlCol="0">
-            <a:spAutoFit/>
-          </a:bodyPr>
-          <a:lstStyle/>
-          <a:p>
-            <a:r>
-              <a:rPr lang="en-US" dirty="0" smtClean="0"/>
-              <a:t>X</a:t>
-            </a:r>
-            <a:r>
-              <a:rPr lang="en-US" baseline="-25000" dirty="0" smtClean="0"/>
-              <a:t>0</a:t>
-            </a:r>
-            <a:endParaRPr lang="en-US" baseline="-25000" dirty="0"/>
-          </a:p>
-        </p:txBody>
-      </p:sp>
-      <p:cxnSp>
-        <p:nvCxnSpPr>
-          <p:cNvPr id="25" name="Straight Arrow Connector 24"/>
-          <p:cNvCxnSpPr/>
-          <p:nvPr/>
-        </p:nvCxnSpPr>
-        <p:spPr>
-          <a:xfrm flipV="1">
-            <a:off x="2296583" y="1400022"/>
-            <a:ext cx="751417" cy="317502"/>
-          </a:xfrm>
-          <a:prstGeom prst="straightConnector1">
-            <a:avLst/>
-          </a:prstGeom>
-          <a:ln w="28575" cmpd="sng">
-            <a:tailEnd type="arrow"/>
-          </a:ln>
-          <a:effectLst/>
-        </p:spPr>
-        <p:style>
-          <a:lnRef idx="2">
-            <a:schemeClr val="dk1"/>
-          </a:lnRef>
-          <a:fillRef idx="0">
-            <a:schemeClr val="dk1"/>
-          </a:fillRef>
-          <a:effectRef idx="1">
-            <a:schemeClr val="dk1"/>
-          </a:effectRef>
-          <a:fontRef idx="minor">
-            <a:schemeClr val="tx1"/>
-          </a:fontRef>
-        </p:style>
-      </p:cxnSp>
-      <p:sp>
-        <p:nvSpPr>
-          <p:cNvPr id="28" name="TextBox 27"/>
-          <p:cNvSpPr txBox="1"/>
-          <p:nvPr/>
-        </p:nvSpPr>
-        <p:spPr>
-          <a:xfrm>
-            <a:off x="2587574" y="1471402"/>
-            <a:ext cx="399142" cy="369332"/>
-          </a:xfrm>
-          <a:prstGeom prst="rect">
-            <a:avLst/>
-          </a:prstGeom>
-          <a:noFill/>
-        </p:spPr>
-        <p:txBody>
-          <a:bodyPr wrap="square" rtlCol="0">
-            <a:spAutoFit/>
-          </a:bodyPr>
-          <a:lstStyle/>
-          <a:p>
-            <a:r>
-              <a:rPr lang="en-US" dirty="0" smtClean="0"/>
-              <a:t>v</a:t>
-            </a:r>
-            <a:r>
-              <a:rPr lang="en-US" baseline="-25000" dirty="0" smtClean="0"/>
-              <a:t>0</a:t>
-            </a:r>
-            <a:endParaRPr lang="en-US" baseline="-25000" dirty="0"/>
-          </a:p>
-        </p:txBody>
-      </p:sp>
-      <p:cxnSp>
-        <p:nvCxnSpPr>
-          <p:cNvPr id="34" name="Straight Arrow Connector 33"/>
-          <p:cNvCxnSpPr/>
-          <p:nvPr/>
-        </p:nvCxnSpPr>
-        <p:spPr>
-          <a:xfrm>
-            <a:off x="2296583" y="1722066"/>
-            <a:ext cx="1511" cy="546098"/>
-          </a:xfrm>
-          <a:prstGeom prst="straightConnector1">
-            <a:avLst/>
-          </a:prstGeom>
-          <a:ln w="28575" cmpd="sng">
-            <a:tailEnd type="arrow"/>
-          </a:ln>
-          <a:effectLst/>
-        </p:spPr>
-        <p:style>
-          <a:lnRef idx="2">
-            <a:schemeClr val="dk1"/>
-          </a:lnRef>
-          <a:fillRef idx="0">
-            <a:schemeClr val="dk1"/>
-          </a:fillRef>
-          <a:effectRef idx="1">
-            <a:schemeClr val="dk1"/>
-          </a:effectRef>
-          <a:fontRef idx="minor">
-            <a:schemeClr val="tx1"/>
-          </a:fontRef>
-        </p:style>
-      </p:cxnSp>
-      <p:grpSp>
-        <p:nvGrpSpPr>
-          <p:cNvPr id="37" name="Group 36"/>
-          <p:cNvGrpSpPr/>
-          <p:nvPr/>
-        </p:nvGrpSpPr>
-        <p:grpSpPr>
-          <a:xfrm>
-            <a:off x="4864496" y="2162929"/>
-            <a:ext cx="520096" cy="520096"/>
-            <a:chOff x="2467428" y="1596571"/>
-            <a:chExt cx="520096" cy="520096"/>
-          </a:xfrm>
-        </p:grpSpPr>
-        <p:cxnSp>
-          <p:nvCxnSpPr>
-            <p:cNvPr id="38" name="Straight Arrow Connector 37"/>
-            <p:cNvCxnSpPr/>
-            <p:nvPr/>
-          </p:nvCxnSpPr>
-          <p:spPr>
-            <a:xfrm flipV="1">
-              <a:off x="2467428" y="1596571"/>
-              <a:ext cx="0" cy="520096"/>
-            </a:xfrm>
-            <a:prstGeom prst="straightConnector1">
-              <a:avLst/>
-            </a:prstGeom>
-            <a:ln>
-              <a:solidFill>
-                <a:schemeClr val="bg1">
-                  <a:lumMod val="50000"/>
-                </a:schemeClr>
-              </a:solidFill>
-              <a:tailEnd type="arrow"/>
-            </a:ln>
-            <a:effectLst/>
-          </p:spPr>
-          <p:style>
-            <a:lnRef idx="2">
-              <a:schemeClr val="dk1"/>
-            </a:lnRef>
-            <a:fillRef idx="0">
-              <a:schemeClr val="dk1"/>
-            </a:fillRef>
-            <a:effectRef idx="1">
-              <a:schemeClr val="dk1"/>
-            </a:effectRef>
-            <a:fontRef idx="minor">
-              <a:schemeClr val="tx1"/>
-            </a:fontRef>
-          </p:style>
-        </p:cxnSp>
-        <p:cxnSp>
-          <p:nvCxnSpPr>
-            <p:cNvPr id="39" name="Straight Arrow Connector 38"/>
-            <p:cNvCxnSpPr/>
-            <p:nvPr/>
-          </p:nvCxnSpPr>
-          <p:spPr>
-            <a:xfrm rot="5400000" flipV="1">
-              <a:off x="2727476" y="1845733"/>
-              <a:ext cx="0" cy="520096"/>
-            </a:xfrm>
-            <a:prstGeom prst="straightConnector1">
-              <a:avLst/>
-            </a:prstGeom>
-            <a:ln>
-              <a:solidFill>
-                <a:schemeClr val="bg1">
-                  <a:lumMod val="50000"/>
-                </a:schemeClr>
-              </a:solidFill>
-              <a:tailEnd type="arrow"/>
-            </a:ln>
-            <a:effectLst/>
-          </p:spPr>
-          <p:style>
-            <a:lnRef idx="2">
-              <a:schemeClr val="dk1"/>
-            </a:lnRef>
-            <a:fillRef idx="0">
-              <a:schemeClr val="dk1"/>
-            </a:fillRef>
-            <a:effectRef idx="1">
-              <a:schemeClr val="dk1"/>
-            </a:effectRef>
-            <a:fontRef idx="minor">
-              <a:schemeClr val="tx1"/>
-            </a:fontRef>
-          </p:style>
-        </p:cxnSp>
-      </p:grpSp>
-      <p:sp>
-        <p:nvSpPr>
-          <p:cNvPr id="46" name="Right Arrow 45"/>
-          <p:cNvSpPr/>
-          <p:nvPr/>
-        </p:nvSpPr>
-        <p:spPr>
-          <a:xfrm>
-            <a:off x="3226741" y="1780098"/>
-            <a:ext cx="1476963" cy="1024314"/>
-          </a:xfrm>
-          <a:prstGeom prst="rightArrow">
-            <a:avLst/>
-          </a:prstGeom>
-        </p:spPr>
-        <p:style>
-          <a:lnRef idx="1">
-            <a:schemeClr val="dk1"/>
-          </a:lnRef>
-          <a:fillRef idx="3">
-            <a:schemeClr val="dk1"/>
-          </a:fillRef>
-          <a:effectRef idx="2">
-            <a:schemeClr val="dk1"/>
-          </a:effectRef>
-          <a:fontRef idx="minor">
-            <a:schemeClr val="lt1"/>
-          </a:fontRef>
-        </p:style>
-        <p:txBody>
-          <a:bodyPr rtlCol="0" anchor="ctr"/>
-          <a:lstStyle/>
-          <a:p>
-            <a:pPr algn="ctr"/>
-            <a:r>
-              <a:rPr lang="en-US" dirty="0" smtClean="0"/>
-              <a:t>Integration</a:t>
-            </a:r>
-            <a:endParaRPr lang="en-US" dirty="0"/>
-          </a:p>
-        </p:txBody>
-      </p:sp>
-      <p:sp>
-        <p:nvSpPr>
-          <p:cNvPr id="47" name="Oval 46"/>
-          <p:cNvSpPr/>
-          <p:nvPr/>
-        </p:nvSpPr>
-        <p:spPr>
-          <a:xfrm>
-            <a:off x="5743911" y="1648302"/>
-            <a:ext cx="100811" cy="100811"/>
-          </a:xfrm>
-          <a:prstGeom prst="ellipse">
-            <a:avLst/>
-          </a:prstGeom>
-          <a:solidFill>
-            <a:schemeClr val="tx1"/>
-          </a:solidFill>
-          <a:effectLst/>
-        </p:spPr>
-        <p:style>
-          <a:lnRef idx="1">
-            <a:schemeClr val="dk1"/>
-          </a:lnRef>
-          <a:fillRef idx="3">
-            <a:schemeClr val="dk1"/>
-          </a:fillRef>
-          <a:effectRef idx="2">
-            <a:schemeClr val="dk1"/>
-          </a:effectRef>
-          <a:fontRef idx="minor">
-            <a:schemeClr val="lt1"/>
-          </a:fontRef>
-        </p:style>
-        <p:txBody>
-          <a:bodyPr rtlCol="0" anchor="ctr"/>
-          <a:lstStyle/>
-          <a:p>
-            <a:pPr algn="ctr"/>
-            <a:endParaRPr lang="en-US"/>
-          </a:p>
-        </p:txBody>
-      </p:sp>
-      <p:sp>
-        <p:nvSpPr>
-          <p:cNvPr id="62" name="Freeform 61"/>
-          <p:cNvSpPr/>
-          <p:nvPr/>
-        </p:nvSpPr>
-        <p:spPr>
-          <a:xfrm>
-            <a:off x="5766741" y="1432132"/>
-            <a:ext cx="1770673" cy="1423013"/>
-          </a:xfrm>
-          <a:custGeom>
-            <a:avLst/>
-            <a:gdLst>
-              <a:gd name="connsiteX0" fmla="*/ 0 w 1815629"/>
-              <a:gd name="connsiteY0" fmla="*/ 281103 h 854955"/>
-              <a:gd name="connsiteX1" fmla="*/ 1044222 w 1815629"/>
-              <a:gd name="connsiteY1" fmla="*/ 27103 h 854955"/>
-              <a:gd name="connsiteX2" fmla="*/ 1815629 w 1815629"/>
-              <a:gd name="connsiteY2" fmla="*/ 854955 h 854955"/>
-              <a:gd name="connsiteX0" fmla="*/ 0 w 1815629"/>
-              <a:gd name="connsiteY0" fmla="*/ 281103 h 854955"/>
-              <a:gd name="connsiteX1" fmla="*/ 1044222 w 1815629"/>
-              <a:gd name="connsiteY1" fmla="*/ 27103 h 854955"/>
-              <a:gd name="connsiteX2" fmla="*/ 1653688 w 1815629"/>
-              <a:gd name="connsiteY2" fmla="*/ 576099 h 854955"/>
-              <a:gd name="connsiteX3" fmla="*/ 1815629 w 1815629"/>
-              <a:gd name="connsiteY3" fmla="*/ 854955 h 854955"/>
-              <a:gd name="connsiteX0" fmla="*/ 0 w 1667504"/>
-              <a:gd name="connsiteY0" fmla="*/ 281103 h 1444597"/>
-              <a:gd name="connsiteX1" fmla="*/ 1044222 w 1667504"/>
-              <a:gd name="connsiteY1" fmla="*/ 27103 h 1444597"/>
-              <a:gd name="connsiteX2" fmla="*/ 1653688 w 1667504"/>
-              <a:gd name="connsiteY2" fmla="*/ 576099 h 1444597"/>
-              <a:gd name="connsiteX3" fmla="*/ 990129 w 1667504"/>
-              <a:gd name="connsiteY3" fmla="*/ 1444597 h 1444597"/>
-              <a:gd name="connsiteX0" fmla="*/ 0 w 1689834"/>
-              <a:gd name="connsiteY0" fmla="*/ 281103 h 1444597"/>
-              <a:gd name="connsiteX1" fmla="*/ 1044222 w 1689834"/>
-              <a:gd name="connsiteY1" fmla="*/ 27103 h 1444597"/>
-              <a:gd name="connsiteX2" fmla="*/ 1653688 w 1689834"/>
-              <a:gd name="connsiteY2" fmla="*/ 576099 h 1444597"/>
-              <a:gd name="connsiteX3" fmla="*/ 990129 w 1689834"/>
-              <a:gd name="connsiteY3" fmla="*/ 1444597 h 1444597"/>
-              <a:gd name="connsiteX0" fmla="*/ 0 w 1773627"/>
-              <a:gd name="connsiteY0" fmla="*/ 281103 h 1444597"/>
-              <a:gd name="connsiteX1" fmla="*/ 1044222 w 1773627"/>
-              <a:gd name="connsiteY1" fmla="*/ 27103 h 1444597"/>
-              <a:gd name="connsiteX2" fmla="*/ 1744402 w 1773627"/>
-              <a:gd name="connsiteY2" fmla="*/ 576099 h 1444597"/>
-              <a:gd name="connsiteX3" fmla="*/ 990129 w 1773627"/>
-              <a:gd name="connsiteY3" fmla="*/ 1444597 h 1444597"/>
-              <a:gd name="connsiteX0" fmla="*/ 0 w 1770673"/>
-              <a:gd name="connsiteY0" fmla="*/ 281103 h 1444597"/>
-              <a:gd name="connsiteX1" fmla="*/ 1044222 w 1770673"/>
-              <a:gd name="connsiteY1" fmla="*/ 27103 h 1444597"/>
-              <a:gd name="connsiteX2" fmla="*/ 1744402 w 1770673"/>
-              <a:gd name="connsiteY2" fmla="*/ 576099 h 1444597"/>
-              <a:gd name="connsiteX3" fmla="*/ 990129 w 1770673"/>
-              <a:gd name="connsiteY3" fmla="*/ 1444597 h 1444597"/>
-              <a:gd name="connsiteX0" fmla="*/ 0 w 1770673"/>
-              <a:gd name="connsiteY0" fmla="*/ 281103 h 1444597"/>
-              <a:gd name="connsiteX1" fmla="*/ 1044222 w 1770673"/>
-              <a:gd name="connsiteY1" fmla="*/ 27103 h 1444597"/>
-              <a:gd name="connsiteX2" fmla="*/ 1744402 w 1770673"/>
-              <a:gd name="connsiteY2" fmla="*/ 576099 h 1444597"/>
-              <a:gd name="connsiteX3" fmla="*/ 990129 w 1770673"/>
-              <a:gd name="connsiteY3" fmla="*/ 1444597 h 1444597"/>
-              <a:gd name="connsiteX0" fmla="*/ 0 w 1770673"/>
-              <a:gd name="connsiteY0" fmla="*/ 259519 h 1423013"/>
-              <a:gd name="connsiteX1" fmla="*/ 1044222 w 1770673"/>
-              <a:gd name="connsiteY1" fmla="*/ 5519 h 1423013"/>
-              <a:gd name="connsiteX2" fmla="*/ 1744402 w 1770673"/>
-              <a:gd name="connsiteY2" fmla="*/ 554515 h 1423013"/>
-              <a:gd name="connsiteX3" fmla="*/ 990129 w 1770673"/>
-              <a:gd name="connsiteY3" fmla="*/ 1423013 h 1423013"/>
-              <a:gd name="connsiteX0" fmla="*/ 0 w 1770673"/>
-              <a:gd name="connsiteY0" fmla="*/ 259519 h 1423013"/>
-              <a:gd name="connsiteX1" fmla="*/ 1044222 w 1770673"/>
-              <a:gd name="connsiteY1" fmla="*/ 5519 h 1423013"/>
-              <a:gd name="connsiteX2" fmla="*/ 1744402 w 1770673"/>
-              <a:gd name="connsiteY2" fmla="*/ 554515 h 1423013"/>
-              <a:gd name="connsiteX3" fmla="*/ 990129 w 1770673"/>
-              <a:gd name="connsiteY3" fmla="*/ 1423013 h 1423013"/>
-            </a:gdLst>
-            <a:ahLst/>
-            <a:cxnLst>
-              <a:cxn ang="0">
-                <a:pos x="connsiteX0" y="connsiteY0"/>
-              </a:cxn>
-              <a:cxn ang="0">
-                <a:pos x="connsiteX1" y="connsiteY1"/>
-              </a:cxn>
-              <a:cxn ang="0">
-                <a:pos x="connsiteX2" y="connsiteY2"/>
-              </a:cxn>
-              <a:cxn ang="0">
-                <a:pos x="connsiteX3" y="connsiteY3"/>
-              </a:cxn>
-            </a:cxnLst>
-            <a:rect l="l" t="t" r="r" b="b"/>
-            <a:pathLst>
-              <a:path w="1770673" h="1423013">
-                <a:moveTo>
-                  <a:pt x="0" y="259519"/>
-                </a:moveTo>
-                <a:cubicBezTo>
-                  <a:pt x="370808" y="84698"/>
-                  <a:pt x="532974" y="-26623"/>
-                  <a:pt x="1044222" y="5519"/>
-                </a:cubicBezTo>
-                <a:cubicBezTo>
-                  <a:pt x="1409038" y="90970"/>
-                  <a:pt x="1633977" y="262326"/>
-                  <a:pt x="1744402" y="554515"/>
-                </a:cubicBezTo>
-                <a:cubicBezTo>
-                  <a:pt x="1863899" y="937419"/>
-                  <a:pt x="1569412" y="1222323"/>
-                  <a:pt x="990129" y="1423013"/>
-                </a:cubicBezTo>
-              </a:path>
-            </a:pathLst>
-          </a:custGeom>
-          <a:ln>
-            <a:prstDash val="dash"/>
-            <a:headEnd type="none"/>
-            <a:tailEnd type="arrow"/>
-          </a:ln>
-        </p:spPr>
-        <p:style>
-          <a:lnRef idx="2">
-            <a:schemeClr val="dk1"/>
-          </a:lnRef>
-          <a:fillRef idx="0">
-            <a:schemeClr val="dk1"/>
-          </a:fillRef>
-          <a:effectRef idx="1">
-            <a:schemeClr val="dk1"/>
-          </a:effectRef>
-          <a:fontRef idx="minor">
-            <a:schemeClr val="tx1"/>
-          </a:fontRef>
-        </p:style>
-        <p:txBody>
-          <a:bodyPr rtlCol="0" anchor="ctr"/>
-          <a:lstStyle/>
-          <a:p>
-            <a:pPr algn="ctr"/>
-            <a:endParaRPr lang="en-US"/>
-          </a:p>
-        </p:txBody>
-      </p:sp>
-      <p:sp>
-        <p:nvSpPr>
-          <p:cNvPr id="63" name="TextBox 62"/>
-          <p:cNvSpPr txBox="1"/>
-          <p:nvPr/>
-        </p:nvSpPr>
-        <p:spPr>
-          <a:xfrm>
-            <a:off x="5445580" y="1282452"/>
-            <a:ext cx="518716" cy="369332"/>
-          </a:xfrm>
-          <a:prstGeom prst="rect">
-            <a:avLst/>
-          </a:prstGeom>
-          <a:noFill/>
-        </p:spPr>
-        <p:txBody>
-          <a:bodyPr wrap="square" rtlCol="0">
-            <a:spAutoFit/>
-          </a:bodyPr>
-          <a:lstStyle/>
-          <a:p>
-            <a:r>
-              <a:rPr lang="en-US" dirty="0" smtClean="0"/>
-              <a:t>t=1</a:t>
-            </a:r>
-            <a:endParaRPr lang="en-US" baseline="-25000" dirty="0"/>
-          </a:p>
-        </p:txBody>
-      </p:sp>
-      <p:sp>
-        <p:nvSpPr>
-          <p:cNvPr id="64" name="TextBox 63"/>
-          <p:cNvSpPr txBox="1"/>
-          <p:nvPr/>
-        </p:nvSpPr>
-        <p:spPr>
-          <a:xfrm>
-            <a:off x="6548227" y="2315814"/>
-            <a:ext cx="518716" cy="369332"/>
-          </a:xfrm>
-          <a:prstGeom prst="rect">
-            <a:avLst/>
-          </a:prstGeom>
-          <a:noFill/>
-        </p:spPr>
-        <p:txBody>
-          <a:bodyPr wrap="square" rtlCol="0">
-            <a:spAutoFit/>
-          </a:bodyPr>
-          <a:lstStyle/>
-          <a:p>
-            <a:r>
-              <a:rPr lang="en-US" dirty="0" smtClean="0"/>
-              <a:t>t=2</a:t>
-            </a:r>
-            <a:endParaRPr lang="en-US" baseline="-25000" dirty="0"/>
-          </a:p>
-        </p:txBody>
-      </p:sp>
-      <p:grpSp>
-        <p:nvGrpSpPr>
-          <p:cNvPr id="35" name="Group 34"/>
-          <p:cNvGrpSpPr/>
-          <p:nvPr/>
-        </p:nvGrpSpPr>
-        <p:grpSpPr>
-          <a:xfrm>
-            <a:off x="3404815" y="227422"/>
-            <a:ext cx="1372398" cy="1379838"/>
-            <a:chOff x="4212907" y="3425568"/>
-            <a:chExt cx="1372398" cy="1379838"/>
-          </a:xfrm>
-        </p:grpSpPr>
-        <p:sp>
-          <p:nvSpPr>
-            <p:cNvPr id="33" name="Rectangle 32"/>
-            <p:cNvSpPr/>
-            <p:nvPr/>
-          </p:nvSpPr>
-          <p:spPr>
-            <a:xfrm>
-              <a:off x="4212907" y="3425568"/>
-              <a:ext cx="1372398" cy="1379838"/>
-            </a:xfrm>
-            <a:prstGeom prst="rect">
-              <a:avLst/>
-            </a:prstGeom>
-            <a:noFill/>
-            <a:ln w="12700" cmpd="sng"/>
-          </p:spPr>
-          <p:style>
-            <a:lnRef idx="2">
-              <a:schemeClr val="dk1"/>
-            </a:lnRef>
-            <a:fillRef idx="1">
-              <a:schemeClr val="lt1"/>
-            </a:fillRef>
-            <a:effectRef idx="0">
-              <a:schemeClr val="dk1"/>
-            </a:effectRef>
-            <a:fontRef idx="minor">
-              <a:schemeClr val="dk1"/>
-            </a:fontRef>
-          </p:style>
-          <p:txBody>
-            <a:bodyPr rtlCol="0" anchor="ctr"/>
-            <a:lstStyle/>
-            <a:p>
-              <a:pPr algn="ctr"/>
-              <a:endParaRPr lang="en-US"/>
-            </a:p>
-          </p:txBody>
-        </p:sp>
-        <p:sp>
-          <p:nvSpPr>
-            <p:cNvPr id="4" name="Arc 3"/>
-            <p:cNvSpPr/>
-            <p:nvPr/>
-          </p:nvSpPr>
-          <p:spPr>
-            <a:xfrm rot="10800000">
-              <a:off x="4442305" y="3493234"/>
-              <a:ext cx="1143000" cy="1141532"/>
-            </a:xfrm>
-            <a:prstGeom prst="arc">
-              <a:avLst>
-                <a:gd name="adj1" fmla="val 16200000"/>
-                <a:gd name="adj2" fmla="val 19872330"/>
-              </a:avLst>
-            </a:prstGeom>
-            <a:ln>
-              <a:solidFill>
-                <a:schemeClr val="bg1">
-                  <a:lumMod val="50000"/>
-                </a:schemeClr>
-              </a:solidFill>
-              <a:prstDash val="sysDash"/>
-              <a:headEnd type="none"/>
-              <a:tailEnd type="arrow"/>
-            </a:ln>
-          </p:spPr>
-          <p:style>
-            <a:lnRef idx="2">
-              <a:schemeClr val="dk1"/>
-            </a:lnRef>
-            <a:fillRef idx="0">
-              <a:schemeClr val="dk1"/>
-            </a:fillRef>
-            <a:effectRef idx="1">
-              <a:schemeClr val="dk1"/>
-            </a:effectRef>
-            <a:fontRef idx="minor">
-              <a:schemeClr val="tx1"/>
-            </a:fontRef>
-          </p:style>
-          <p:txBody>
-            <a:bodyPr rtlCol="0" anchor="ctr"/>
-            <a:lstStyle/>
-            <a:p>
-              <a:pPr algn="ctr"/>
-              <a:endParaRPr lang="en-US"/>
-            </a:p>
-          </p:txBody>
-        </p:sp>
-        <p:sp>
-          <p:nvSpPr>
-            <p:cNvPr id="36" name="TextBox 35"/>
-            <p:cNvSpPr txBox="1"/>
-            <p:nvPr/>
-          </p:nvSpPr>
-          <p:spPr>
-            <a:xfrm>
-              <a:off x="5013805" y="4254762"/>
-              <a:ext cx="529566" cy="369332"/>
-            </a:xfrm>
-            <a:prstGeom prst="rect">
-              <a:avLst/>
-            </a:prstGeom>
-            <a:noFill/>
-          </p:spPr>
-          <p:txBody>
-            <a:bodyPr wrap="square" rtlCol="0">
-              <a:spAutoFit/>
-            </a:bodyPr>
-            <a:lstStyle/>
-            <a:p>
-              <a:r>
-                <a:rPr lang="en-US" dirty="0" smtClean="0"/>
-                <a:t>a</a:t>
-              </a:r>
-              <a:r>
-                <a:rPr lang="en-US" baseline="-25000" dirty="0" smtClean="0"/>
-                <a:t>t=1</a:t>
-              </a:r>
-              <a:endParaRPr lang="en-US" baseline="-25000" dirty="0"/>
-            </a:p>
-          </p:txBody>
-        </p:sp>
-        <p:cxnSp>
-          <p:nvCxnSpPr>
-            <p:cNvPr id="22" name="Straight Arrow Connector 21"/>
-            <p:cNvCxnSpPr>
-              <a:endCxn id="4" idx="0"/>
-            </p:cNvCxnSpPr>
-            <p:nvPr/>
-          </p:nvCxnSpPr>
-          <p:spPr>
-            <a:xfrm>
-              <a:off x="4990757" y="4064000"/>
-              <a:ext cx="23048" cy="570766"/>
-            </a:xfrm>
-            <a:prstGeom prst="straightConnector1">
-              <a:avLst/>
-            </a:prstGeom>
-            <a:ln w="28575" cmpd="sng">
-              <a:tailEnd type="arrow"/>
-            </a:ln>
-            <a:effectLst/>
-          </p:spPr>
-          <p:style>
-            <a:lnRef idx="2">
-              <a:schemeClr val="dk1"/>
-            </a:lnRef>
-            <a:fillRef idx="0">
-              <a:schemeClr val="dk1"/>
-            </a:fillRef>
-            <a:effectRef idx="1">
-              <a:schemeClr val="dk1"/>
-            </a:effectRef>
-            <a:fontRef idx="minor">
-              <a:schemeClr val="tx1"/>
-            </a:fontRef>
-          </p:style>
-        </p:cxnSp>
-        <p:cxnSp>
-          <p:nvCxnSpPr>
-            <p:cNvPr id="26" name="Straight Arrow Connector 25"/>
-            <p:cNvCxnSpPr>
-              <a:endCxn id="4" idx="2"/>
-            </p:cNvCxnSpPr>
-            <p:nvPr/>
-          </p:nvCxnSpPr>
-          <p:spPr>
-            <a:xfrm flipH="1">
-              <a:off x="4513119" y="4064000"/>
-              <a:ext cx="477638" cy="275192"/>
-            </a:xfrm>
-            <a:prstGeom prst="straightConnector1">
-              <a:avLst/>
-            </a:prstGeom>
-            <a:ln w="28575" cmpd="sng">
-              <a:tailEnd type="arrow"/>
-            </a:ln>
-            <a:effectLst/>
-          </p:spPr>
-          <p:style>
-            <a:lnRef idx="2">
-              <a:schemeClr val="dk1"/>
-            </a:lnRef>
-            <a:fillRef idx="0">
-              <a:schemeClr val="dk1"/>
-            </a:fillRef>
-            <a:effectRef idx="1">
-              <a:schemeClr val="dk1"/>
-            </a:effectRef>
-            <a:fontRef idx="minor">
-              <a:schemeClr val="tx1"/>
-            </a:fontRef>
-          </p:style>
-        </p:cxnSp>
-        <p:sp>
-          <p:nvSpPr>
-            <p:cNvPr id="27" name="TextBox 26"/>
-            <p:cNvSpPr txBox="1"/>
-            <p:nvPr/>
-          </p:nvSpPr>
-          <p:spPr>
-            <a:xfrm>
-              <a:off x="4300605" y="3856219"/>
-              <a:ext cx="529566" cy="369332"/>
-            </a:xfrm>
-            <a:prstGeom prst="rect">
-              <a:avLst/>
-            </a:prstGeom>
-            <a:noFill/>
-          </p:spPr>
-          <p:txBody>
-            <a:bodyPr wrap="square" rtlCol="0">
-              <a:spAutoFit/>
-            </a:bodyPr>
-            <a:lstStyle/>
-            <a:p>
-              <a:r>
-                <a:rPr lang="en-US" dirty="0" smtClean="0"/>
-                <a:t>a</a:t>
-              </a:r>
-              <a:r>
-                <a:rPr lang="en-US" baseline="-25000" dirty="0" smtClean="0"/>
-                <a:t>t=2</a:t>
-              </a:r>
-              <a:endParaRPr lang="en-US" baseline="-25000" dirty="0"/>
-            </a:p>
-          </p:txBody>
-        </p:sp>
-        <p:sp>
-          <p:nvSpPr>
-            <p:cNvPr id="32" name="TextBox 31"/>
-            <p:cNvSpPr txBox="1"/>
-            <p:nvPr/>
-          </p:nvSpPr>
-          <p:spPr>
-            <a:xfrm>
-              <a:off x="4513119" y="3493234"/>
-              <a:ext cx="745367" cy="369332"/>
-            </a:xfrm>
-            <a:prstGeom prst="rect">
-              <a:avLst/>
-            </a:prstGeom>
-            <a:noFill/>
-          </p:spPr>
-          <p:txBody>
-            <a:bodyPr wrap="square" rtlCol="0">
-              <a:spAutoFit/>
-            </a:bodyPr>
-            <a:lstStyle/>
-            <a:p>
-              <a:r>
-                <a:rPr lang="en-US" dirty="0" smtClean="0"/>
-                <a:t>Turn:</a:t>
-              </a:r>
-              <a:endParaRPr lang="en-US" dirty="0"/>
-            </a:p>
-          </p:txBody>
-        </p:sp>
-      </p:grpSp>
-      <p:sp>
-        <p:nvSpPr>
-          <p:cNvPr id="45" name="TextBox 44"/>
-          <p:cNvSpPr txBox="1"/>
-          <p:nvPr/>
-        </p:nvSpPr>
-        <p:spPr>
-          <a:xfrm>
-            <a:off x="2322791" y="1946482"/>
-            <a:ext cx="529566" cy="369332"/>
-          </a:xfrm>
-          <a:prstGeom prst="rect">
-            <a:avLst/>
-          </a:prstGeom>
-          <a:noFill/>
-        </p:spPr>
-        <p:txBody>
-          <a:bodyPr wrap="square" rtlCol="0">
-            <a:spAutoFit/>
-          </a:bodyPr>
-          <a:lstStyle/>
-          <a:p>
-            <a:r>
-              <a:rPr lang="en-US" dirty="0" smtClean="0"/>
-              <a:t>a</a:t>
-            </a:r>
-            <a:r>
-              <a:rPr lang="en-US" baseline="-25000" dirty="0" smtClean="0"/>
-              <a:t>t=1</a:t>
-            </a:r>
-            <a:endParaRPr lang="en-US" baseline="-25000" dirty="0"/>
-          </a:p>
-        </p:txBody>
-      </p:sp>
-    </p:spTree>
-    <p:extLst>
-      <p:ext uri="{BB962C8B-B14F-4D97-AF65-F5344CB8AC3E}">
-        <p14:creationId xmlns:p14="http://schemas.microsoft.com/office/powerpoint/2010/main" val="309372139"/>
       </p:ext>
     </p:extLst>
   </p:cSld>

--- a/figures/figures.pptx
+++ b/figures/figures.pptx
@@ -15,16 +15,17 @@
     <p:sldId id="262" r:id="rId9"/>
     <p:sldId id="263" r:id="rId10"/>
     <p:sldId id="264" r:id="rId11"/>
-    <p:sldId id="265" r:id="rId12"/>
-    <p:sldId id="266" r:id="rId13"/>
-    <p:sldId id="267" r:id="rId14"/>
-    <p:sldId id="268" r:id="rId15"/>
-    <p:sldId id="269" r:id="rId16"/>
-    <p:sldId id="270" r:id="rId17"/>
-    <p:sldId id="271" r:id="rId18"/>
-    <p:sldId id="272" r:id="rId19"/>
-    <p:sldId id="273" r:id="rId20"/>
-    <p:sldId id="274" r:id="rId21"/>
+    <p:sldId id="276" r:id="rId12"/>
+    <p:sldId id="265" r:id="rId13"/>
+    <p:sldId id="266" r:id="rId14"/>
+    <p:sldId id="267" r:id="rId15"/>
+    <p:sldId id="268" r:id="rId16"/>
+    <p:sldId id="269" r:id="rId17"/>
+    <p:sldId id="270" r:id="rId18"/>
+    <p:sldId id="271" r:id="rId19"/>
+    <p:sldId id="272" r:id="rId20"/>
+    <p:sldId id="273" r:id="rId21"/>
+    <p:sldId id="274" r:id="rId22"/>
   </p:sldIdLst>
   <p:sldSz cx="9144000" cy="6858000" type="screen4x3"/>
   <p:notesSz cx="6858000" cy="9144000"/>
@@ -4120,7 +4121,7 @@
         <p:spPr>
           <a:xfrm>
             <a:off x="5445580" y="1282452"/>
-            <a:ext cx="518716" cy="369332"/>
+            <a:ext cx="738232" cy="369332"/>
           </a:xfrm>
           <a:prstGeom prst="rect">
             <a:avLst/>
@@ -4135,7 +4136,11 @@
           <a:p>
             <a:r>
               <a:rPr lang="en-US" dirty="0" smtClean="0"/>
-              <a:t>t=1</a:t>
+              <a:t>t=</a:t>
+            </a:r>
+            <a:r>
+              <a:rPr lang="en-US" dirty="0" smtClean="0"/>
+              <a:t>1.0</a:t>
             </a:r>
             <a:endParaRPr lang="en-US" baseline="-25000" dirty="0"/>
           </a:p>
@@ -4149,8 +4154,8 @@
         </p:nvSpPr>
         <p:spPr>
           <a:xfrm>
-            <a:off x="6548227" y="2315814"/>
-            <a:ext cx="518716" cy="369332"/>
+            <a:off x="6542680" y="2376820"/>
+            <a:ext cx="678237" cy="369332"/>
           </a:xfrm>
           <a:prstGeom prst="rect">
             <a:avLst/>
@@ -4165,7 +4170,11 @@
           <a:p>
             <a:r>
               <a:rPr lang="en-US" dirty="0" smtClean="0"/>
-              <a:t>t=2</a:t>
+              <a:t>t=</a:t>
+            </a:r>
+            <a:r>
+              <a:rPr lang="en-US" dirty="0" smtClean="0"/>
+              <a:t>2.0</a:t>
             </a:r>
             <a:endParaRPr lang="en-US" baseline="-25000" dirty="0"/>
           </a:p>
@@ -4285,7 +4294,7 @@
           <p:spPr>
             <a:xfrm>
               <a:off x="5013805" y="4254762"/>
-              <a:ext cx="529566" cy="369332"/>
+              <a:ext cx="571500" cy="338554"/>
             </a:xfrm>
             <a:prstGeom prst="rect">
               <a:avLst/>
@@ -4299,14 +4308,18 @@
             <a:lstStyle/>
             <a:p>
               <a:r>
-                <a:rPr lang="en-US" dirty="0" smtClean="0"/>
+                <a:rPr lang="en-US" sz="1600" dirty="0" smtClean="0"/>
                 <a:t>a</a:t>
               </a:r>
               <a:r>
-                <a:rPr lang="en-US" baseline="-25000" dirty="0" smtClean="0"/>
-                <a:t>t=1</a:t>
+                <a:rPr lang="en-US" sz="1600" baseline="-25000" dirty="0" smtClean="0"/>
+                <a:t>t=</a:t>
               </a:r>
-              <a:endParaRPr lang="en-US" baseline="-25000" dirty="0"/>
+              <a:r>
+                <a:rPr lang="en-US" sz="1600" baseline="-25000" dirty="0" smtClean="0"/>
+                <a:t>1.0</a:t>
+              </a:r>
+              <a:endParaRPr lang="en-US" sz="1600" baseline="-25000" dirty="0"/>
             </a:p>
           </p:txBody>
         </p:sp>
@@ -4390,8 +4403,8 @@
           </p:nvSpPr>
           <p:spPr>
             <a:xfrm>
-              <a:off x="4300605" y="3856219"/>
-              <a:ext cx="529566" cy="369332"/>
+              <a:off x="4212907" y="3856219"/>
+              <a:ext cx="617264" cy="338554"/>
             </a:xfrm>
             <a:prstGeom prst="rect">
               <a:avLst/>
@@ -4405,14 +4418,18 @@
             <a:lstStyle/>
             <a:p>
               <a:r>
-                <a:rPr lang="en-US" dirty="0" smtClean="0"/>
+                <a:rPr lang="en-US" sz="1600" dirty="0" smtClean="0"/>
                 <a:t>a</a:t>
               </a:r>
               <a:r>
-                <a:rPr lang="en-US" baseline="-25000" dirty="0" smtClean="0"/>
-                <a:t>t=2</a:t>
+                <a:rPr lang="en-US" sz="1600" baseline="-25000" dirty="0" smtClean="0"/>
+                <a:t>t=</a:t>
               </a:r>
-              <a:endParaRPr lang="en-US" baseline="-25000" dirty="0"/>
+              <a:r>
+                <a:rPr lang="en-US" sz="1600" baseline="-25000" dirty="0" smtClean="0"/>
+                <a:t>2.0</a:t>
+              </a:r>
+              <a:endParaRPr lang="en-US" sz="1600" baseline="-25000" dirty="0"/>
             </a:p>
           </p:txBody>
         </p:sp>
@@ -4495,6 +4512,1400 @@
 </file>
 
 <file path=ppt/slides/slide11.xml><?xml version="1.0" encoding="utf-8"?>
+<p:sld xmlns:a="http://schemas.openxmlformats.org/drawingml/2006/main" xmlns:r="http://schemas.openxmlformats.org/officeDocument/2006/relationships" xmlns:p="http://schemas.openxmlformats.org/presentationml/2006/main">
+  <p:cSld>
+    <p:spTree>
+      <p:nvGrpSpPr>
+        <p:cNvPr id="1" name=""/>
+        <p:cNvGrpSpPr/>
+        <p:nvPr/>
+      </p:nvGrpSpPr>
+      <p:grpSpPr>
+        <a:xfrm>
+          <a:off x="0" y="0"/>
+          <a:ext cx="0" cy="0"/>
+          <a:chOff x="0" y="0"/>
+          <a:chExt cx="0" cy="0"/>
+        </a:xfrm>
+      </p:grpSpPr>
+      <p:sp>
+        <p:nvSpPr>
+          <p:cNvPr id="16" name="Right Arrow 15"/>
+          <p:cNvSpPr/>
+          <p:nvPr/>
+        </p:nvSpPr>
+        <p:spPr>
+          <a:xfrm>
+            <a:off x="4811294" y="3884395"/>
+            <a:ext cx="1476963" cy="1024314"/>
+          </a:xfrm>
+          <a:prstGeom prst="rightArrow">
+            <a:avLst/>
+          </a:prstGeom>
+        </p:spPr>
+        <p:style>
+          <a:lnRef idx="1">
+            <a:schemeClr val="dk1"/>
+          </a:lnRef>
+          <a:fillRef idx="3">
+            <a:schemeClr val="dk1"/>
+          </a:fillRef>
+          <a:effectRef idx="2">
+            <a:schemeClr val="dk1"/>
+          </a:effectRef>
+          <a:fontRef idx="minor">
+            <a:schemeClr val="lt1"/>
+          </a:fontRef>
+        </p:style>
+        <p:txBody>
+          <a:bodyPr rtlCol="0" anchor="ctr"/>
+          <a:lstStyle/>
+          <a:p>
+            <a:pPr algn="ctr"/>
+            <a:r>
+              <a:rPr lang="en-US" dirty="0" smtClean="0"/>
+              <a:t>Projection</a:t>
+            </a:r>
+            <a:endParaRPr lang="en-US" dirty="0"/>
+          </a:p>
+        </p:txBody>
+      </p:sp>
+      <p:grpSp>
+        <p:nvGrpSpPr>
+          <p:cNvPr id="13" name="Group 12"/>
+          <p:cNvGrpSpPr/>
+          <p:nvPr/>
+        </p:nvGrpSpPr>
+        <p:grpSpPr>
+          <a:xfrm>
+            <a:off x="2940724" y="361955"/>
+            <a:ext cx="1372398" cy="1379838"/>
+            <a:chOff x="5441415" y="227422"/>
+            <a:chExt cx="1372398" cy="1379838"/>
+          </a:xfrm>
+        </p:grpSpPr>
+        <p:sp>
+          <p:nvSpPr>
+            <p:cNvPr id="26" name="Rectangle 25"/>
+            <p:cNvSpPr/>
+            <p:nvPr/>
+          </p:nvSpPr>
+          <p:spPr>
+            <a:xfrm>
+              <a:off x="5441415" y="227422"/>
+              <a:ext cx="1372398" cy="1379838"/>
+            </a:xfrm>
+            <a:prstGeom prst="rect">
+              <a:avLst/>
+            </a:prstGeom>
+            <a:noFill/>
+            <a:ln w="12700" cmpd="sng"/>
+          </p:spPr>
+          <p:style>
+            <a:lnRef idx="2">
+              <a:schemeClr val="dk1"/>
+            </a:lnRef>
+            <a:fillRef idx="1">
+              <a:schemeClr val="lt1"/>
+            </a:fillRef>
+            <a:effectRef idx="0">
+              <a:schemeClr val="dk1"/>
+            </a:effectRef>
+            <a:fontRef idx="minor">
+              <a:schemeClr val="dk1"/>
+            </a:fontRef>
+          </p:style>
+          <p:txBody>
+            <a:bodyPr rtlCol="0" anchor="ctr"/>
+            <a:lstStyle/>
+            <a:p>
+              <a:pPr algn="ctr"/>
+              <a:endParaRPr lang="en-US"/>
+            </a:p>
+          </p:txBody>
+        </p:sp>
+        <p:sp>
+          <p:nvSpPr>
+            <p:cNvPr id="28" name="Arc 27"/>
+            <p:cNvSpPr/>
+            <p:nvPr/>
+          </p:nvSpPr>
+          <p:spPr>
+            <a:xfrm rot="10800000" flipH="1">
+              <a:off x="5526617" y="295088"/>
+              <a:ext cx="1143000" cy="1141532"/>
+            </a:xfrm>
+            <a:prstGeom prst="arc">
+              <a:avLst>
+                <a:gd name="adj1" fmla="val 15966533"/>
+                <a:gd name="adj2" fmla="val 18690824"/>
+              </a:avLst>
+            </a:prstGeom>
+            <a:ln>
+              <a:solidFill>
+                <a:schemeClr val="bg1">
+                  <a:lumMod val="50000"/>
+                </a:schemeClr>
+              </a:solidFill>
+              <a:prstDash val="sysDash"/>
+              <a:headEnd type="none"/>
+              <a:tailEnd type="arrow"/>
+            </a:ln>
+          </p:spPr>
+          <p:style>
+            <a:lnRef idx="2">
+              <a:schemeClr val="dk1"/>
+            </a:lnRef>
+            <a:fillRef idx="0">
+              <a:schemeClr val="dk1"/>
+            </a:fillRef>
+            <a:effectRef idx="1">
+              <a:schemeClr val="dk1"/>
+            </a:effectRef>
+            <a:fontRef idx="minor">
+              <a:schemeClr val="tx1"/>
+            </a:fontRef>
+          </p:style>
+          <p:txBody>
+            <a:bodyPr rtlCol="0" anchor="ctr"/>
+            <a:lstStyle/>
+            <a:p>
+              <a:pPr algn="ctr"/>
+              <a:endParaRPr lang="en-US"/>
+            </a:p>
+          </p:txBody>
+        </p:sp>
+        <p:sp>
+          <p:nvSpPr>
+            <p:cNvPr id="33" name="TextBox 32"/>
+            <p:cNvSpPr txBox="1"/>
+            <p:nvPr/>
+          </p:nvSpPr>
+          <p:spPr>
+            <a:xfrm>
+              <a:off x="5507967" y="939542"/>
+              <a:ext cx="680059" cy="338554"/>
+            </a:xfrm>
+            <a:prstGeom prst="rect">
+              <a:avLst/>
+            </a:prstGeom>
+            <a:noFill/>
+          </p:spPr>
+          <p:txBody>
+            <a:bodyPr wrap="square" rtlCol="0">
+              <a:spAutoFit/>
+            </a:bodyPr>
+            <a:lstStyle/>
+            <a:p>
+              <a:r>
+                <a:rPr lang="en-US" sz="1600" dirty="0" smtClean="0"/>
+                <a:t>a</a:t>
+              </a:r>
+              <a:r>
+                <a:rPr lang="en-US" sz="1600" baseline="-25000" dirty="0" smtClean="0"/>
+                <a:t>t=</a:t>
+              </a:r>
+              <a:r>
+                <a:rPr lang="en-US" sz="1600" baseline="-25000" dirty="0" smtClean="0"/>
+                <a:t>1.0</a:t>
+              </a:r>
+              <a:endParaRPr lang="en-US" sz="1600" baseline="-25000" dirty="0"/>
+            </a:p>
+          </p:txBody>
+        </p:sp>
+        <p:cxnSp>
+          <p:nvCxnSpPr>
+            <p:cNvPr id="34" name="Straight Arrow Connector 33"/>
+            <p:cNvCxnSpPr/>
+            <p:nvPr/>
+          </p:nvCxnSpPr>
+          <p:spPr>
+            <a:xfrm>
+              <a:off x="6058431" y="865854"/>
+              <a:ext cx="248" cy="570766"/>
+            </a:xfrm>
+            <a:prstGeom prst="straightConnector1">
+              <a:avLst/>
+            </a:prstGeom>
+            <a:ln w="28575" cmpd="sng">
+              <a:tailEnd type="arrow"/>
+            </a:ln>
+            <a:effectLst/>
+          </p:spPr>
+          <p:style>
+            <a:lnRef idx="2">
+              <a:schemeClr val="dk1"/>
+            </a:lnRef>
+            <a:fillRef idx="0">
+              <a:schemeClr val="dk1"/>
+            </a:fillRef>
+            <a:effectRef idx="1">
+              <a:schemeClr val="dk1"/>
+            </a:effectRef>
+            <a:fontRef idx="minor">
+              <a:schemeClr val="tx1"/>
+            </a:fontRef>
+          </p:style>
+        </p:cxnSp>
+        <p:cxnSp>
+          <p:nvCxnSpPr>
+            <p:cNvPr id="35" name="Straight Arrow Connector 34"/>
+            <p:cNvCxnSpPr>
+              <a:endCxn id="28" idx="2"/>
+            </p:cNvCxnSpPr>
+            <p:nvPr/>
+          </p:nvCxnSpPr>
+          <p:spPr>
+            <a:xfrm>
+              <a:off x="6058431" y="865854"/>
+              <a:ext cx="418203" cy="427629"/>
+            </a:xfrm>
+            <a:prstGeom prst="straightConnector1">
+              <a:avLst/>
+            </a:prstGeom>
+            <a:ln w="28575" cmpd="sng">
+              <a:tailEnd type="arrow"/>
+            </a:ln>
+            <a:effectLst/>
+          </p:spPr>
+          <p:style>
+            <a:lnRef idx="2">
+              <a:schemeClr val="dk1"/>
+            </a:lnRef>
+            <a:fillRef idx="0">
+              <a:schemeClr val="dk1"/>
+            </a:fillRef>
+            <a:effectRef idx="1">
+              <a:schemeClr val="dk1"/>
+            </a:effectRef>
+            <a:fontRef idx="minor">
+              <a:schemeClr val="tx1"/>
+            </a:fontRef>
+          </p:style>
+        </p:cxnSp>
+        <p:sp>
+          <p:nvSpPr>
+            <p:cNvPr id="36" name="TextBox 35"/>
+            <p:cNvSpPr txBox="1"/>
+            <p:nvPr/>
+          </p:nvSpPr>
+          <p:spPr>
+            <a:xfrm>
+              <a:off x="6211119" y="753875"/>
+              <a:ext cx="602694" cy="338554"/>
+            </a:xfrm>
+            <a:prstGeom prst="rect">
+              <a:avLst/>
+            </a:prstGeom>
+            <a:noFill/>
+          </p:spPr>
+          <p:txBody>
+            <a:bodyPr wrap="square" rtlCol="0">
+              <a:spAutoFit/>
+            </a:bodyPr>
+            <a:lstStyle/>
+            <a:p>
+              <a:r>
+                <a:rPr lang="en-US" sz="1600" dirty="0" smtClean="0"/>
+                <a:t>a</a:t>
+              </a:r>
+              <a:r>
+                <a:rPr lang="en-US" sz="1600" baseline="-25000" dirty="0" smtClean="0"/>
+                <a:t>t=</a:t>
+              </a:r>
+              <a:r>
+                <a:rPr lang="en-US" sz="1600" baseline="-25000" dirty="0" smtClean="0"/>
+                <a:t>2.0</a:t>
+              </a:r>
+              <a:endParaRPr lang="en-US" sz="1600" baseline="-25000" dirty="0"/>
+            </a:p>
+          </p:txBody>
+        </p:sp>
+        <p:sp>
+          <p:nvSpPr>
+            <p:cNvPr id="37" name="TextBox 36"/>
+            <p:cNvSpPr txBox="1"/>
+            <p:nvPr/>
+          </p:nvSpPr>
+          <p:spPr>
+            <a:xfrm>
+              <a:off x="5741627" y="295088"/>
+              <a:ext cx="745367" cy="369332"/>
+            </a:xfrm>
+            <a:prstGeom prst="rect">
+              <a:avLst/>
+            </a:prstGeom>
+            <a:noFill/>
+          </p:spPr>
+          <p:txBody>
+            <a:bodyPr wrap="square" rtlCol="0">
+              <a:spAutoFit/>
+            </a:bodyPr>
+            <a:lstStyle/>
+            <a:p>
+              <a:r>
+                <a:rPr lang="en-US" dirty="0" smtClean="0"/>
+                <a:t>Turn:</a:t>
+              </a:r>
+              <a:endParaRPr lang="en-US" dirty="0"/>
+            </a:p>
+          </p:txBody>
+        </p:sp>
+      </p:grpSp>
+      <p:grpSp>
+        <p:nvGrpSpPr>
+          <p:cNvPr id="8" name="Group 7"/>
+          <p:cNvGrpSpPr/>
+          <p:nvPr/>
+        </p:nvGrpSpPr>
+        <p:grpSpPr>
+          <a:xfrm>
+            <a:off x="2204935" y="1965136"/>
+            <a:ext cx="3210635" cy="1407102"/>
+            <a:chOff x="1063660" y="2131781"/>
+            <a:chExt cx="2724728" cy="1194147"/>
+          </a:xfrm>
+        </p:grpSpPr>
+        <p:sp>
+          <p:nvSpPr>
+            <p:cNvPr id="12" name="Freeform 11"/>
+            <p:cNvSpPr/>
+            <p:nvPr/>
+          </p:nvSpPr>
+          <p:spPr>
+            <a:xfrm rot="1049416">
+              <a:off x="1063660" y="2131781"/>
+              <a:ext cx="2724728" cy="1177063"/>
+            </a:xfrm>
+            <a:custGeom>
+              <a:avLst/>
+              <a:gdLst>
+                <a:gd name="connsiteX0" fmla="*/ 0 w 3009516"/>
+                <a:gd name="connsiteY0" fmla="*/ 638849 h 1585576"/>
+                <a:gd name="connsiteX1" fmla="*/ 284788 w 3009516"/>
+                <a:gd name="connsiteY1" fmla="*/ 0 h 1585576"/>
+                <a:gd name="connsiteX2" fmla="*/ 569576 w 3009516"/>
+                <a:gd name="connsiteY2" fmla="*/ 307879 h 1585576"/>
+                <a:gd name="connsiteX3" fmla="*/ 3009516 w 3009516"/>
+                <a:gd name="connsiteY3" fmla="*/ 815879 h 1585576"/>
+                <a:gd name="connsiteX4" fmla="*/ 2709334 w 3009516"/>
+                <a:gd name="connsiteY4" fmla="*/ 1585576 h 1585576"/>
+                <a:gd name="connsiteX5" fmla="*/ 53879 w 3009516"/>
+                <a:gd name="connsiteY5" fmla="*/ 1239212 h 1585576"/>
+                <a:gd name="connsiteX6" fmla="*/ 0 w 3009516"/>
+                <a:gd name="connsiteY6" fmla="*/ 638849 h 1585576"/>
+                <a:gd name="connsiteX0" fmla="*/ 0 w 3009516"/>
+                <a:gd name="connsiteY0" fmla="*/ 638849 h 1585576"/>
+                <a:gd name="connsiteX1" fmla="*/ 284788 w 3009516"/>
+                <a:gd name="connsiteY1" fmla="*/ 0 h 1585576"/>
+                <a:gd name="connsiteX2" fmla="*/ 569576 w 3009516"/>
+                <a:gd name="connsiteY2" fmla="*/ 307879 h 1585576"/>
+                <a:gd name="connsiteX3" fmla="*/ 3009516 w 3009516"/>
+                <a:gd name="connsiteY3" fmla="*/ 815879 h 1585576"/>
+                <a:gd name="connsiteX4" fmla="*/ 2709334 w 3009516"/>
+                <a:gd name="connsiteY4" fmla="*/ 1585576 h 1585576"/>
+                <a:gd name="connsiteX5" fmla="*/ 635975 w 3009516"/>
+                <a:gd name="connsiteY5" fmla="*/ 962217 h 1585576"/>
+                <a:gd name="connsiteX6" fmla="*/ 0 w 3009516"/>
+                <a:gd name="connsiteY6" fmla="*/ 638849 h 1585576"/>
+                <a:gd name="connsiteX0" fmla="*/ 8417 w 2724728"/>
+                <a:gd name="connsiteY0" fmla="*/ 632827 h 1585576"/>
+                <a:gd name="connsiteX1" fmla="*/ 0 w 2724728"/>
+                <a:gd name="connsiteY1" fmla="*/ 0 h 1585576"/>
+                <a:gd name="connsiteX2" fmla="*/ 284788 w 2724728"/>
+                <a:gd name="connsiteY2" fmla="*/ 307879 h 1585576"/>
+                <a:gd name="connsiteX3" fmla="*/ 2724728 w 2724728"/>
+                <a:gd name="connsiteY3" fmla="*/ 815879 h 1585576"/>
+                <a:gd name="connsiteX4" fmla="*/ 2424546 w 2724728"/>
+                <a:gd name="connsiteY4" fmla="*/ 1585576 h 1585576"/>
+                <a:gd name="connsiteX5" fmla="*/ 351187 w 2724728"/>
+                <a:gd name="connsiteY5" fmla="*/ 962217 h 1585576"/>
+                <a:gd name="connsiteX6" fmla="*/ 8417 w 2724728"/>
+                <a:gd name="connsiteY6" fmla="*/ 632827 h 1585576"/>
+                <a:gd name="connsiteX0" fmla="*/ 8417 w 2724728"/>
+                <a:gd name="connsiteY0" fmla="*/ 632827 h 1177063"/>
+                <a:gd name="connsiteX1" fmla="*/ 0 w 2724728"/>
+                <a:gd name="connsiteY1" fmla="*/ 0 h 1177063"/>
+                <a:gd name="connsiteX2" fmla="*/ 284788 w 2724728"/>
+                <a:gd name="connsiteY2" fmla="*/ 307879 h 1177063"/>
+                <a:gd name="connsiteX3" fmla="*/ 2724728 w 2724728"/>
+                <a:gd name="connsiteY3" fmla="*/ 815879 h 1177063"/>
+                <a:gd name="connsiteX4" fmla="*/ 1482487 w 2724728"/>
+                <a:gd name="connsiteY4" fmla="*/ 1177063 h 1177063"/>
+                <a:gd name="connsiteX5" fmla="*/ 351187 w 2724728"/>
+                <a:gd name="connsiteY5" fmla="*/ 962217 h 1177063"/>
+                <a:gd name="connsiteX6" fmla="*/ 8417 w 2724728"/>
+                <a:gd name="connsiteY6" fmla="*/ 632827 h 1177063"/>
+              </a:gdLst>
+              <a:ahLst/>
+              <a:cxnLst>
+                <a:cxn ang="0">
+                  <a:pos x="connsiteX0" y="connsiteY0"/>
+                </a:cxn>
+                <a:cxn ang="0">
+                  <a:pos x="connsiteX1" y="connsiteY1"/>
+                </a:cxn>
+                <a:cxn ang="0">
+                  <a:pos x="connsiteX2" y="connsiteY2"/>
+                </a:cxn>
+                <a:cxn ang="0">
+                  <a:pos x="connsiteX3" y="connsiteY3"/>
+                </a:cxn>
+                <a:cxn ang="0">
+                  <a:pos x="connsiteX4" y="connsiteY4"/>
+                </a:cxn>
+                <a:cxn ang="0">
+                  <a:pos x="connsiteX5" y="connsiteY5"/>
+                </a:cxn>
+                <a:cxn ang="0">
+                  <a:pos x="connsiteX6" y="connsiteY6"/>
+                </a:cxn>
+              </a:cxnLst>
+              <a:rect l="l" t="t" r="r" b="b"/>
+              <a:pathLst>
+                <a:path w="2724728" h="1177063">
+                  <a:moveTo>
+                    <a:pt x="8417" y="632827"/>
+                  </a:moveTo>
+                  <a:lnTo>
+                    <a:pt x="0" y="0"/>
+                  </a:lnTo>
+                  <a:lnTo>
+                    <a:pt x="284788" y="307879"/>
+                  </a:lnTo>
+                  <a:lnTo>
+                    <a:pt x="2724728" y="815879"/>
+                  </a:lnTo>
+                  <a:lnTo>
+                    <a:pt x="1482487" y="1177063"/>
+                  </a:lnTo>
+                  <a:lnTo>
+                    <a:pt x="351187" y="962217"/>
+                  </a:lnTo>
+                  <a:lnTo>
+                    <a:pt x="8417" y="632827"/>
+                  </a:lnTo>
+                  <a:close/>
+                </a:path>
+              </a:pathLst>
+            </a:custGeom>
+          </p:spPr>
+          <p:style>
+            <a:lnRef idx="1">
+              <a:schemeClr val="accent1"/>
+            </a:lnRef>
+            <a:fillRef idx="3">
+              <a:schemeClr val="accent1"/>
+            </a:fillRef>
+            <a:effectRef idx="2">
+              <a:schemeClr val="accent1"/>
+            </a:effectRef>
+            <a:fontRef idx="minor">
+              <a:schemeClr val="lt1"/>
+            </a:fontRef>
+          </p:style>
+          <p:txBody>
+            <a:bodyPr rtlCol="0" anchor="ctr"/>
+            <a:lstStyle/>
+            <a:p>
+              <a:pPr algn="ctr"/>
+              <a:endParaRPr lang="en-US"/>
+            </a:p>
+          </p:txBody>
+        </p:sp>
+        <p:sp>
+          <p:nvSpPr>
+            <p:cNvPr id="21" name="TextBox 20"/>
+            <p:cNvSpPr txBox="1"/>
+            <p:nvPr/>
+          </p:nvSpPr>
+          <p:spPr>
+            <a:xfrm>
+              <a:off x="2407402" y="3048929"/>
+              <a:ext cx="823302" cy="276999"/>
+            </a:xfrm>
+            <a:prstGeom prst="rect">
+              <a:avLst/>
+            </a:prstGeom>
+            <a:noFill/>
+          </p:spPr>
+          <p:txBody>
+            <a:bodyPr wrap="square" rtlCol="0">
+              <a:spAutoFit/>
+            </a:bodyPr>
+            <a:lstStyle/>
+            <a:p>
+              <a:r>
+                <a:rPr lang="en-US" sz="1200" dirty="0" smtClean="0"/>
+                <a:t>workpiece</a:t>
+              </a:r>
+              <a:endParaRPr lang="en-US" sz="1200" baseline="-25000" dirty="0"/>
+            </a:p>
+          </p:txBody>
+        </p:sp>
+        <p:pic>
+          <p:nvPicPr>
+            <p:cNvPr id="39" name="Picture 38" descr="Screen shot 2012-11-30 at 1.21.34 PM.png"/>
+            <p:cNvPicPr>
+              <a:picLocks noChangeAspect="1"/>
+            </p:cNvPicPr>
+            <p:nvPr/>
+          </p:nvPicPr>
+          <p:blipFill>
+            <a:blip r:embed="rId2">
+              <a:extLst>
+                <a:ext uri="{28A0092B-C50C-407E-A947-70E740481C1C}">
+                  <a14:useLocalDpi xmlns:a14="http://schemas.microsoft.com/office/drawing/2010/main" val="0"/>
+                </a:ext>
+              </a:extLst>
+            </a:blip>
+            <a:stretch>
+              <a:fillRect/>
+            </a:stretch>
+          </p:blipFill>
+          <p:spPr>
+            <a:xfrm>
+              <a:off x="2270440" y="2297217"/>
+              <a:ext cx="236059" cy="265906"/>
+            </a:xfrm>
+            <a:prstGeom prst="rect">
+              <a:avLst/>
+            </a:prstGeom>
+          </p:spPr>
+        </p:pic>
+        <p:cxnSp>
+          <p:nvCxnSpPr>
+            <p:cNvPr id="40" name="Straight Arrow Connector 39"/>
+            <p:cNvCxnSpPr/>
+            <p:nvPr/>
+          </p:nvCxnSpPr>
+          <p:spPr>
+            <a:xfrm>
+              <a:off x="2141069" y="2501548"/>
+              <a:ext cx="360684" cy="201481"/>
+            </a:xfrm>
+            <a:prstGeom prst="straightConnector1">
+              <a:avLst/>
+            </a:prstGeom>
+            <a:ln w="19050" cmpd="sng">
+              <a:headEnd type="none"/>
+              <a:tailEnd type="arrow"/>
+            </a:ln>
+            <a:effectLst/>
+          </p:spPr>
+          <p:style>
+            <a:lnRef idx="2">
+              <a:schemeClr val="dk1"/>
+            </a:lnRef>
+            <a:fillRef idx="0">
+              <a:schemeClr val="dk1"/>
+            </a:fillRef>
+            <a:effectRef idx="1">
+              <a:schemeClr val="dk1"/>
+            </a:effectRef>
+            <a:fontRef idx="minor">
+              <a:schemeClr val="tx1"/>
+            </a:fontRef>
+          </p:style>
+        </p:cxnSp>
+        <p:sp>
+          <p:nvSpPr>
+            <p:cNvPr id="15" name="Oval 14"/>
+            <p:cNvSpPr/>
+            <p:nvPr/>
+          </p:nvSpPr>
+          <p:spPr>
+            <a:xfrm>
+              <a:off x="2074143" y="2439972"/>
+              <a:ext cx="123151" cy="123151"/>
+            </a:xfrm>
+            <a:prstGeom prst="ellipse">
+              <a:avLst/>
+            </a:prstGeom>
+          </p:spPr>
+          <p:style>
+            <a:lnRef idx="1">
+              <a:schemeClr val="accent2"/>
+            </a:lnRef>
+            <a:fillRef idx="3">
+              <a:schemeClr val="accent2"/>
+            </a:fillRef>
+            <a:effectRef idx="2">
+              <a:schemeClr val="accent2"/>
+            </a:effectRef>
+            <a:fontRef idx="minor">
+              <a:schemeClr val="lt1"/>
+            </a:fontRef>
+          </p:style>
+          <p:txBody>
+            <a:bodyPr rtlCol="0" anchor="ctr"/>
+            <a:lstStyle/>
+            <a:p>
+              <a:pPr algn="ctr"/>
+              <a:endParaRPr lang="en-US"/>
+            </a:p>
+          </p:txBody>
+        </p:sp>
+      </p:grpSp>
+      <p:grpSp>
+        <p:nvGrpSpPr>
+          <p:cNvPr id="11" name="Group 10"/>
+          <p:cNvGrpSpPr/>
+          <p:nvPr/>
+        </p:nvGrpSpPr>
+        <p:grpSpPr>
+          <a:xfrm>
+            <a:off x="5255002" y="617030"/>
+            <a:ext cx="1544005" cy="1025913"/>
+            <a:chOff x="3175244" y="323060"/>
+            <a:chExt cx="1544005" cy="1025913"/>
+          </a:xfrm>
+        </p:grpSpPr>
+        <p:cxnSp>
+          <p:nvCxnSpPr>
+            <p:cNvPr id="20" name="Straight Arrow Connector 19"/>
+            <p:cNvCxnSpPr/>
+            <p:nvPr/>
+          </p:nvCxnSpPr>
+          <p:spPr>
+            <a:xfrm>
+              <a:off x="3175244" y="366450"/>
+              <a:ext cx="1544005" cy="864732"/>
+            </a:xfrm>
+            <a:prstGeom prst="straightConnector1">
+              <a:avLst/>
+            </a:prstGeom>
+            <a:ln w="28575" cmpd="sng">
+              <a:solidFill>
+                <a:schemeClr val="bg1">
+                  <a:lumMod val="50000"/>
+                </a:schemeClr>
+              </a:solidFill>
+              <a:prstDash val="dash"/>
+              <a:headEnd type="none"/>
+              <a:tailEnd type="none"/>
+            </a:ln>
+            <a:effectLst/>
+          </p:spPr>
+          <p:style>
+            <a:lnRef idx="2">
+              <a:schemeClr val="dk1"/>
+            </a:lnRef>
+            <a:fillRef idx="0">
+              <a:schemeClr val="dk1"/>
+            </a:fillRef>
+            <a:effectRef idx="1">
+              <a:schemeClr val="dk1"/>
+            </a:effectRef>
+            <a:fontRef idx="minor">
+              <a:schemeClr val="tx1"/>
+            </a:fontRef>
+          </p:style>
+        </p:cxnSp>
+        <p:cxnSp>
+          <p:nvCxnSpPr>
+            <p:cNvPr id="30" name="Straight Arrow Connector 29"/>
+            <p:cNvCxnSpPr/>
+            <p:nvPr/>
+          </p:nvCxnSpPr>
+          <p:spPr>
+            <a:xfrm>
+              <a:off x="3610954" y="614401"/>
+              <a:ext cx="0" cy="734571"/>
+            </a:xfrm>
+            <a:prstGeom prst="straightConnector1">
+              <a:avLst/>
+            </a:prstGeom>
+            <a:ln w="28575" cmpd="sng">
+              <a:headEnd type="none"/>
+              <a:tailEnd type="arrow"/>
+            </a:ln>
+            <a:effectLst/>
+          </p:spPr>
+          <p:style>
+            <a:lnRef idx="2">
+              <a:schemeClr val="dk1"/>
+            </a:lnRef>
+            <a:fillRef idx="0">
+              <a:schemeClr val="dk1"/>
+            </a:fillRef>
+            <a:effectRef idx="1">
+              <a:schemeClr val="dk1"/>
+            </a:effectRef>
+            <a:fontRef idx="minor">
+              <a:schemeClr val="tx1"/>
+            </a:fontRef>
+          </p:style>
+        </p:cxnSp>
+        <p:sp>
+          <p:nvSpPr>
+            <p:cNvPr id="31" name="TextBox 30"/>
+            <p:cNvSpPr txBox="1"/>
+            <p:nvPr/>
+          </p:nvSpPr>
+          <p:spPr>
+            <a:xfrm>
+              <a:off x="3349808" y="723356"/>
+              <a:ext cx="399142" cy="369332"/>
+            </a:xfrm>
+            <a:prstGeom prst="rect">
+              <a:avLst/>
+            </a:prstGeom>
+            <a:noFill/>
+          </p:spPr>
+          <p:txBody>
+            <a:bodyPr wrap="square" rtlCol="0">
+              <a:spAutoFit/>
+            </a:bodyPr>
+            <a:lstStyle/>
+            <a:p>
+              <a:r>
+                <a:rPr lang="en-US" dirty="0" smtClean="0"/>
+                <a:t>a</a:t>
+              </a:r>
+              <a:endParaRPr lang="en-US" baseline="-25000" dirty="0"/>
+            </a:p>
+          </p:txBody>
+        </p:sp>
+        <p:cxnSp>
+          <p:nvCxnSpPr>
+            <p:cNvPr id="32" name="Straight Arrow Connector 31"/>
+            <p:cNvCxnSpPr/>
+            <p:nvPr/>
+          </p:nvCxnSpPr>
+          <p:spPr>
+            <a:xfrm flipH="1">
+              <a:off x="3609443" y="815879"/>
+              <a:ext cx="362193" cy="533094"/>
+            </a:xfrm>
+            <a:prstGeom prst="straightConnector1">
+              <a:avLst/>
+            </a:prstGeom>
+            <a:ln w="19050" cmpd="sng">
+              <a:headEnd type="none"/>
+              <a:tailEnd type="arrow"/>
+            </a:ln>
+            <a:effectLst/>
+          </p:spPr>
+          <p:style>
+            <a:lnRef idx="2">
+              <a:schemeClr val="dk1"/>
+            </a:lnRef>
+            <a:fillRef idx="0">
+              <a:schemeClr val="dk1"/>
+            </a:fillRef>
+            <a:effectRef idx="1">
+              <a:schemeClr val="dk1"/>
+            </a:effectRef>
+            <a:fontRef idx="minor">
+              <a:schemeClr val="tx1"/>
+            </a:fontRef>
+          </p:style>
+        </p:cxnSp>
+        <p:sp>
+          <p:nvSpPr>
+            <p:cNvPr id="45" name="TextBox 44"/>
+            <p:cNvSpPr txBox="1"/>
+            <p:nvPr/>
+          </p:nvSpPr>
+          <p:spPr>
+            <a:xfrm>
+              <a:off x="3748975" y="892628"/>
+              <a:ext cx="615207" cy="338554"/>
+            </a:xfrm>
+            <a:prstGeom prst="rect">
+              <a:avLst/>
+            </a:prstGeom>
+            <a:noFill/>
+          </p:spPr>
+          <p:txBody>
+            <a:bodyPr wrap="square" rtlCol="0">
+              <a:spAutoFit/>
+            </a:bodyPr>
+            <a:lstStyle/>
+            <a:p>
+              <a:r>
+                <a:rPr lang="en-US" sz="1600" dirty="0" smtClean="0"/>
+                <a:t>a</a:t>
+              </a:r>
+              <a:r>
+                <a:rPr lang="en-US" sz="1600" baseline="-25000" dirty="0" smtClean="0"/>
+                <a:t>perp</a:t>
+              </a:r>
+              <a:endParaRPr lang="en-US" sz="1600" baseline="-25000" dirty="0"/>
+            </a:p>
+          </p:txBody>
+        </p:sp>
+        <p:sp>
+          <p:nvSpPr>
+            <p:cNvPr id="63" name="Rectangle 62"/>
+            <p:cNvSpPr/>
+            <p:nvPr/>
+          </p:nvSpPr>
+          <p:spPr>
+            <a:xfrm rot="18011192">
+              <a:off x="3833261" y="773564"/>
+              <a:ext cx="112756" cy="112756"/>
+            </a:xfrm>
+            <a:prstGeom prst="rect">
+              <a:avLst/>
+            </a:prstGeom>
+            <a:ln w="12700" cmpd="sng"/>
+          </p:spPr>
+          <p:style>
+            <a:lnRef idx="2">
+              <a:schemeClr val="dk1"/>
+            </a:lnRef>
+            <a:fillRef idx="1">
+              <a:schemeClr val="lt1"/>
+            </a:fillRef>
+            <a:effectRef idx="0">
+              <a:schemeClr val="dk1"/>
+            </a:effectRef>
+            <a:fontRef idx="minor">
+              <a:schemeClr val="dk1"/>
+            </a:fontRef>
+          </p:style>
+          <p:txBody>
+            <a:bodyPr rtlCol="0" anchor="ctr"/>
+            <a:lstStyle/>
+            <a:p>
+              <a:pPr algn="ctr"/>
+              <a:endParaRPr lang="en-US"/>
+            </a:p>
+          </p:txBody>
+        </p:sp>
+        <p:cxnSp>
+          <p:nvCxnSpPr>
+            <p:cNvPr id="38" name="Straight Arrow Connector 37"/>
+            <p:cNvCxnSpPr/>
+            <p:nvPr/>
+          </p:nvCxnSpPr>
+          <p:spPr>
+            <a:xfrm>
+              <a:off x="3610954" y="614401"/>
+              <a:ext cx="360684" cy="201481"/>
+            </a:xfrm>
+            <a:prstGeom prst="straightConnector1">
+              <a:avLst/>
+            </a:prstGeom>
+            <a:ln w="19050" cmpd="sng">
+              <a:headEnd type="none"/>
+              <a:tailEnd type="arrow"/>
+            </a:ln>
+            <a:effectLst/>
+          </p:spPr>
+          <p:style>
+            <a:lnRef idx="2">
+              <a:schemeClr val="dk1"/>
+            </a:lnRef>
+            <a:fillRef idx="0">
+              <a:schemeClr val="dk1"/>
+            </a:fillRef>
+            <a:effectRef idx="1">
+              <a:schemeClr val="dk1"/>
+            </a:effectRef>
+            <a:fontRef idx="minor">
+              <a:schemeClr val="tx1"/>
+            </a:fontRef>
+          </p:style>
+        </p:cxnSp>
+        <p:sp>
+          <p:nvSpPr>
+            <p:cNvPr id="29" name="Oval 28"/>
+            <p:cNvSpPr/>
+            <p:nvPr/>
+          </p:nvSpPr>
+          <p:spPr>
+            <a:xfrm>
+              <a:off x="3549378" y="552825"/>
+              <a:ext cx="123151" cy="123151"/>
+            </a:xfrm>
+            <a:prstGeom prst="ellipse">
+              <a:avLst/>
+            </a:prstGeom>
+          </p:spPr>
+          <p:style>
+            <a:lnRef idx="1">
+              <a:schemeClr val="accent2"/>
+            </a:lnRef>
+            <a:fillRef idx="3">
+              <a:schemeClr val="accent2"/>
+            </a:fillRef>
+            <a:effectRef idx="2">
+              <a:schemeClr val="accent2"/>
+            </a:effectRef>
+            <a:fontRef idx="minor">
+              <a:schemeClr val="lt1"/>
+            </a:fontRef>
+          </p:style>
+          <p:txBody>
+            <a:bodyPr rtlCol="0" anchor="ctr"/>
+            <a:lstStyle/>
+            <a:p>
+              <a:pPr algn="ctr"/>
+              <a:endParaRPr lang="en-US"/>
+            </a:p>
+          </p:txBody>
+        </p:sp>
+        <p:sp>
+          <p:nvSpPr>
+            <p:cNvPr id="42" name="TextBox 41"/>
+            <p:cNvSpPr txBox="1"/>
+            <p:nvPr/>
+          </p:nvSpPr>
+          <p:spPr>
+            <a:xfrm>
+              <a:off x="3672529" y="323060"/>
+              <a:ext cx="853023" cy="338554"/>
+            </a:xfrm>
+            <a:prstGeom prst="rect">
+              <a:avLst/>
+            </a:prstGeom>
+            <a:noFill/>
+          </p:spPr>
+          <p:txBody>
+            <a:bodyPr wrap="square" rtlCol="0">
+              <a:spAutoFit/>
+            </a:bodyPr>
+            <a:lstStyle/>
+            <a:p>
+              <a:r>
+                <a:rPr lang="en-US" sz="1600" dirty="0" smtClean="0"/>
+                <a:t>a</a:t>
+              </a:r>
+              <a:r>
+                <a:rPr lang="en-US" sz="1600" baseline="-25000" dirty="0" smtClean="0"/>
+                <a:t>projected</a:t>
+              </a:r>
+              <a:endParaRPr lang="en-US" sz="1600" baseline="-25000" dirty="0"/>
+            </a:p>
+          </p:txBody>
+        </p:sp>
+      </p:grpSp>
+      <p:cxnSp>
+        <p:nvCxnSpPr>
+          <p:cNvPr id="48" name="Straight Arrow Connector 47"/>
+          <p:cNvCxnSpPr/>
+          <p:nvPr/>
+        </p:nvCxnSpPr>
+        <p:spPr>
+          <a:xfrm>
+            <a:off x="5165960" y="2380503"/>
+            <a:ext cx="1544005" cy="864732"/>
+          </a:xfrm>
+          <a:prstGeom prst="straightConnector1">
+            <a:avLst/>
+          </a:prstGeom>
+          <a:ln w="28575" cmpd="sng">
+            <a:solidFill>
+              <a:schemeClr val="bg1">
+                <a:lumMod val="50000"/>
+              </a:schemeClr>
+            </a:solidFill>
+            <a:prstDash val="dash"/>
+            <a:headEnd type="none"/>
+            <a:tailEnd type="none"/>
+          </a:ln>
+          <a:effectLst/>
+        </p:spPr>
+        <p:style>
+          <a:lnRef idx="2">
+            <a:schemeClr val="dk1"/>
+          </a:lnRef>
+          <a:fillRef idx="0">
+            <a:schemeClr val="dk1"/>
+          </a:fillRef>
+          <a:effectRef idx="1">
+            <a:schemeClr val="dk1"/>
+          </a:effectRef>
+          <a:fontRef idx="minor">
+            <a:schemeClr val="tx1"/>
+          </a:fontRef>
+        </p:style>
+      </p:cxnSp>
+      <p:sp>
+        <p:nvSpPr>
+          <p:cNvPr id="50" name="TextBox 49"/>
+          <p:cNvSpPr txBox="1"/>
+          <p:nvPr/>
+        </p:nvSpPr>
+        <p:spPr>
+          <a:xfrm>
+            <a:off x="5579486" y="2752939"/>
+            <a:ext cx="399142" cy="369332"/>
+          </a:xfrm>
+          <a:prstGeom prst="rect">
+            <a:avLst/>
+          </a:prstGeom>
+          <a:noFill/>
+        </p:spPr>
+        <p:txBody>
+          <a:bodyPr wrap="square" rtlCol="0">
+            <a:spAutoFit/>
+          </a:bodyPr>
+          <a:lstStyle/>
+          <a:p>
+            <a:r>
+              <a:rPr lang="en-US" dirty="0" smtClean="0"/>
+              <a:t>a</a:t>
+            </a:r>
+            <a:endParaRPr lang="en-US" baseline="-25000" dirty="0"/>
+          </a:p>
+        </p:txBody>
+      </p:sp>
+      <p:cxnSp>
+        <p:nvCxnSpPr>
+          <p:cNvPr id="51" name="Straight Arrow Connector 50"/>
+          <p:cNvCxnSpPr/>
+          <p:nvPr/>
+        </p:nvCxnSpPr>
+        <p:spPr>
+          <a:xfrm flipH="1">
+            <a:off x="6117260" y="2984234"/>
+            <a:ext cx="103974" cy="153033"/>
+          </a:xfrm>
+          <a:prstGeom prst="straightConnector1">
+            <a:avLst/>
+          </a:prstGeom>
+          <a:ln w="19050" cmpd="sng">
+            <a:headEnd type="none"/>
+            <a:tailEnd type="none"/>
+          </a:ln>
+          <a:effectLst/>
+        </p:spPr>
+        <p:style>
+          <a:lnRef idx="2">
+            <a:schemeClr val="dk1"/>
+          </a:lnRef>
+          <a:fillRef idx="0">
+            <a:schemeClr val="dk1"/>
+          </a:fillRef>
+          <a:effectRef idx="1">
+            <a:schemeClr val="dk1"/>
+          </a:effectRef>
+          <a:fontRef idx="minor">
+            <a:schemeClr val="tx1"/>
+          </a:fontRef>
+        </p:style>
+      </p:cxnSp>
+      <p:sp>
+        <p:nvSpPr>
+          <p:cNvPr id="52" name="TextBox 51"/>
+          <p:cNvSpPr txBox="1"/>
+          <p:nvPr/>
+        </p:nvSpPr>
+        <p:spPr>
+          <a:xfrm>
+            <a:off x="6078120" y="2971688"/>
+            <a:ext cx="615207" cy="338554"/>
+          </a:xfrm>
+          <a:prstGeom prst="rect">
+            <a:avLst/>
+          </a:prstGeom>
+          <a:noFill/>
+        </p:spPr>
+        <p:txBody>
+          <a:bodyPr wrap="square" rtlCol="0">
+            <a:spAutoFit/>
+          </a:bodyPr>
+          <a:lstStyle/>
+          <a:p>
+            <a:r>
+              <a:rPr lang="en-US" sz="1600" dirty="0" smtClean="0"/>
+              <a:t>a</a:t>
+            </a:r>
+            <a:r>
+              <a:rPr lang="en-US" sz="1600" baseline="-25000" dirty="0" smtClean="0"/>
+              <a:t>perp</a:t>
+            </a:r>
+            <a:endParaRPr lang="en-US" sz="1600" baseline="-25000" dirty="0"/>
+          </a:p>
+        </p:txBody>
+      </p:sp>
+      <p:sp>
+        <p:nvSpPr>
+          <p:cNvPr id="53" name="Rectangle 52"/>
+          <p:cNvSpPr/>
+          <p:nvPr/>
+        </p:nvSpPr>
+        <p:spPr>
+          <a:xfrm rot="18011192">
+            <a:off x="6079285" y="2942470"/>
+            <a:ext cx="112756" cy="112756"/>
+          </a:xfrm>
+          <a:prstGeom prst="rect">
+            <a:avLst/>
+          </a:prstGeom>
+          <a:ln w="12700" cmpd="sng"/>
+        </p:spPr>
+        <p:style>
+          <a:lnRef idx="2">
+            <a:schemeClr val="dk1"/>
+          </a:lnRef>
+          <a:fillRef idx="1">
+            <a:schemeClr val="lt1"/>
+          </a:fillRef>
+          <a:effectRef idx="0">
+            <a:schemeClr val="dk1"/>
+          </a:effectRef>
+          <a:fontRef idx="minor">
+            <a:schemeClr val="dk1"/>
+          </a:fontRef>
+        </p:style>
+        <p:txBody>
+          <a:bodyPr rtlCol="0" anchor="ctr"/>
+          <a:lstStyle/>
+          <a:p>
+            <a:pPr algn="ctr"/>
+            <a:endParaRPr lang="en-US"/>
+          </a:p>
+        </p:txBody>
+      </p:sp>
+      <p:cxnSp>
+        <p:nvCxnSpPr>
+          <p:cNvPr id="55" name="Straight Arrow Connector 54"/>
+          <p:cNvCxnSpPr/>
+          <p:nvPr/>
+        </p:nvCxnSpPr>
+        <p:spPr>
+          <a:xfrm>
+            <a:off x="5601670" y="2628454"/>
+            <a:ext cx="619564" cy="355780"/>
+          </a:xfrm>
+          <a:prstGeom prst="straightConnector1">
+            <a:avLst/>
+          </a:prstGeom>
+          <a:ln w="19050" cmpd="sng">
+            <a:headEnd type="none"/>
+            <a:tailEnd type="arrow"/>
+          </a:ln>
+          <a:effectLst/>
+        </p:spPr>
+        <p:style>
+          <a:lnRef idx="2">
+            <a:schemeClr val="dk1"/>
+          </a:lnRef>
+          <a:fillRef idx="0">
+            <a:schemeClr val="dk1"/>
+          </a:fillRef>
+          <a:effectRef idx="1">
+            <a:schemeClr val="dk1"/>
+          </a:effectRef>
+          <a:fontRef idx="minor">
+            <a:schemeClr val="tx1"/>
+          </a:fontRef>
+        </p:style>
+      </p:cxnSp>
+      <p:sp>
+        <p:nvSpPr>
+          <p:cNvPr id="56" name="Oval 55"/>
+          <p:cNvSpPr/>
+          <p:nvPr/>
+        </p:nvSpPr>
+        <p:spPr>
+          <a:xfrm>
+            <a:off x="5540094" y="2566878"/>
+            <a:ext cx="123151" cy="123151"/>
+          </a:xfrm>
+          <a:prstGeom prst="ellipse">
+            <a:avLst/>
+          </a:prstGeom>
+        </p:spPr>
+        <p:style>
+          <a:lnRef idx="1">
+            <a:schemeClr val="accent2"/>
+          </a:lnRef>
+          <a:fillRef idx="3">
+            <a:schemeClr val="accent2"/>
+          </a:fillRef>
+          <a:effectRef idx="2">
+            <a:schemeClr val="accent2"/>
+          </a:effectRef>
+          <a:fontRef idx="minor">
+            <a:schemeClr val="lt1"/>
+          </a:fontRef>
+        </p:style>
+        <p:txBody>
+          <a:bodyPr rtlCol="0" anchor="ctr"/>
+          <a:lstStyle/>
+          <a:p>
+            <a:pPr algn="ctr"/>
+            <a:endParaRPr lang="en-US"/>
+          </a:p>
+        </p:txBody>
+      </p:sp>
+      <p:sp>
+        <p:nvSpPr>
+          <p:cNvPr id="59" name="TextBox 58"/>
+          <p:cNvSpPr txBox="1"/>
+          <p:nvPr/>
+        </p:nvSpPr>
+        <p:spPr>
+          <a:xfrm>
+            <a:off x="5663245" y="2337113"/>
+            <a:ext cx="853023" cy="338554"/>
+          </a:xfrm>
+          <a:prstGeom prst="rect">
+            <a:avLst/>
+          </a:prstGeom>
+          <a:noFill/>
+        </p:spPr>
+        <p:txBody>
+          <a:bodyPr wrap="square" rtlCol="0">
+            <a:spAutoFit/>
+          </a:bodyPr>
+          <a:lstStyle/>
+          <a:p>
+            <a:r>
+              <a:rPr lang="en-US" sz="1600" dirty="0" smtClean="0"/>
+              <a:t>a</a:t>
+            </a:r>
+            <a:r>
+              <a:rPr lang="en-US" sz="1600" baseline="-25000" dirty="0" smtClean="0"/>
+              <a:t>projected</a:t>
+            </a:r>
+            <a:endParaRPr lang="en-US" sz="1600" baseline="-25000" dirty="0"/>
+          </a:p>
+        </p:txBody>
+      </p:sp>
+      <p:cxnSp>
+        <p:nvCxnSpPr>
+          <p:cNvPr id="60" name="Straight Arrow Connector 59"/>
+          <p:cNvCxnSpPr/>
+          <p:nvPr/>
+        </p:nvCxnSpPr>
+        <p:spPr>
+          <a:xfrm>
+            <a:off x="5594172" y="2636255"/>
+            <a:ext cx="534180" cy="513746"/>
+          </a:xfrm>
+          <a:prstGeom prst="straightConnector1">
+            <a:avLst/>
+          </a:prstGeom>
+          <a:ln w="28575" cmpd="sng">
+            <a:headEnd type="none"/>
+            <a:tailEnd type="arrow"/>
+          </a:ln>
+          <a:effectLst/>
+        </p:spPr>
+        <p:style>
+          <a:lnRef idx="2">
+            <a:schemeClr val="dk1"/>
+          </a:lnRef>
+          <a:fillRef idx="0">
+            <a:schemeClr val="dk1"/>
+          </a:fillRef>
+          <a:effectRef idx="1">
+            <a:schemeClr val="dk1"/>
+          </a:effectRef>
+          <a:fontRef idx="minor">
+            <a:schemeClr val="tx1"/>
+          </a:fontRef>
+        </p:style>
+      </p:cxnSp>
+      <p:sp>
+        <p:nvSpPr>
+          <p:cNvPr id="61" name="TextBox 60"/>
+          <p:cNvSpPr txBox="1"/>
+          <p:nvPr/>
+        </p:nvSpPr>
+        <p:spPr>
+          <a:xfrm>
+            <a:off x="5600995" y="364972"/>
+            <a:ext cx="642423" cy="338554"/>
+          </a:xfrm>
+          <a:prstGeom prst="rect">
+            <a:avLst/>
+          </a:prstGeom>
+          <a:ln w="12700" cmpd="sng"/>
+        </p:spPr>
+        <p:style>
+          <a:lnRef idx="2">
+            <a:schemeClr val="dk1"/>
+          </a:lnRef>
+          <a:fillRef idx="1">
+            <a:schemeClr val="lt1"/>
+          </a:fillRef>
+          <a:effectRef idx="0">
+            <a:schemeClr val="dk1"/>
+          </a:effectRef>
+          <a:fontRef idx="minor">
+            <a:schemeClr val="dk1"/>
+          </a:fontRef>
+        </p:style>
+        <p:txBody>
+          <a:bodyPr wrap="square" rtlCol="0">
+            <a:spAutoFit/>
+          </a:bodyPr>
+          <a:lstStyle/>
+          <a:p>
+            <a:r>
+              <a:rPr lang="en-US" sz="1600" dirty="0" smtClean="0"/>
+              <a:t>t=1.0</a:t>
+            </a:r>
+            <a:endParaRPr lang="en-US" sz="1600" baseline="-25000" dirty="0"/>
+          </a:p>
+        </p:txBody>
+      </p:sp>
+      <p:sp>
+        <p:nvSpPr>
+          <p:cNvPr id="62" name="TextBox 61"/>
+          <p:cNvSpPr txBox="1"/>
+          <p:nvPr/>
+        </p:nvSpPr>
+        <p:spPr>
+          <a:xfrm>
+            <a:off x="5539749" y="2063461"/>
+            <a:ext cx="642423" cy="338554"/>
+          </a:xfrm>
+          <a:prstGeom prst="rect">
+            <a:avLst/>
+          </a:prstGeom>
+          <a:ln w="12700" cmpd="sng"/>
+        </p:spPr>
+        <p:style>
+          <a:lnRef idx="2">
+            <a:schemeClr val="dk1"/>
+          </a:lnRef>
+          <a:fillRef idx="1">
+            <a:schemeClr val="lt1"/>
+          </a:fillRef>
+          <a:effectRef idx="0">
+            <a:schemeClr val="dk1"/>
+          </a:effectRef>
+          <a:fontRef idx="minor">
+            <a:schemeClr val="dk1"/>
+          </a:fontRef>
+        </p:style>
+        <p:txBody>
+          <a:bodyPr wrap="square" rtlCol="0">
+            <a:spAutoFit/>
+          </a:bodyPr>
+          <a:lstStyle/>
+          <a:p>
+            <a:r>
+              <a:rPr lang="en-US" sz="1600" dirty="0" smtClean="0"/>
+              <a:t>t=2.0</a:t>
+            </a:r>
+            <a:endParaRPr lang="en-US" sz="1600" baseline="-25000" dirty="0"/>
+          </a:p>
+        </p:txBody>
+      </p:sp>
+    </p:spTree>
+    <p:extLst>
+      <p:ext uri="{BB962C8B-B14F-4D97-AF65-F5344CB8AC3E}">
+        <p14:creationId xmlns:p14="http://schemas.microsoft.com/office/powerpoint/2010/main" val="1796371837"/>
+      </p:ext>
+    </p:extLst>
+  </p:cSld>
+  <p:clrMapOvr>
+    <a:masterClrMapping/>
+  </p:clrMapOvr>
+</p:sld>
+</file>
+
+<file path=ppt/slides/slide12.xml><?xml version="1.0" encoding="utf-8"?>
 <p:sld xmlns:a="http://schemas.openxmlformats.org/drawingml/2006/main" xmlns:r="http://schemas.openxmlformats.org/officeDocument/2006/relationships" xmlns:p="http://schemas.openxmlformats.org/presentationml/2006/main">
   <p:cSld>
     <p:spTree>
@@ -4966,7 +6377,7 @@
 </p:sld>
 </file>
 
-<file path=ppt/slides/slide12.xml><?xml version="1.0" encoding="utf-8"?>
+<file path=ppt/slides/slide13.xml><?xml version="1.0" encoding="utf-8"?>
 <p:sld xmlns:a="http://schemas.openxmlformats.org/drawingml/2006/main" xmlns:r="http://schemas.openxmlformats.org/officeDocument/2006/relationships" xmlns:p="http://schemas.openxmlformats.org/presentationml/2006/main">
   <p:cSld>
     <p:spTree>
@@ -4997,19 +6408,20 @@
           <a:prstGeom prst="ellipse">
             <a:avLst/>
           </a:prstGeom>
-        </p:spPr>
-        <p:style>
-          <a:lnRef idx="1">
-            <a:schemeClr val="accent1"/>
-          </a:lnRef>
-          <a:fillRef idx="3">
-            <a:schemeClr val="accent1"/>
-          </a:fillRef>
-          <a:effectRef idx="2">
-            <a:schemeClr val="accent1"/>
-          </a:effectRef>
-          <a:fontRef idx="minor">
+          <a:ln w="38100" cmpd="sng"/>
+        </p:spPr>
+        <p:style>
+          <a:lnRef idx="2">
+            <a:schemeClr val="dk1"/>
+          </a:lnRef>
+          <a:fillRef idx="1">
             <a:schemeClr val="lt1"/>
+          </a:fillRef>
+          <a:effectRef idx="0">
+            <a:schemeClr val="dk1"/>
+          </a:effectRef>
+          <a:fontRef idx="minor">
+            <a:schemeClr val="dk1"/>
           </a:fontRef>
         </p:style>
         <p:txBody>
@@ -5103,19 +6515,20 @@
           <a:prstGeom prst="ellipse">
             <a:avLst/>
           </a:prstGeom>
-        </p:spPr>
-        <p:style>
-          <a:lnRef idx="1">
-            <a:schemeClr val="accent1"/>
-          </a:lnRef>
-          <a:fillRef idx="3">
-            <a:schemeClr val="accent1"/>
-          </a:fillRef>
-          <a:effectRef idx="2">
-            <a:schemeClr val="accent1"/>
-          </a:effectRef>
-          <a:fontRef idx="minor">
+          <a:ln w="38100" cmpd="sng"/>
+        </p:spPr>
+        <p:style>
+          <a:lnRef idx="2">
+            <a:schemeClr val="dk1"/>
+          </a:lnRef>
+          <a:fillRef idx="1">
             <a:schemeClr val="lt1"/>
+          </a:fillRef>
+          <a:effectRef idx="0">
+            <a:schemeClr val="dk1"/>
+          </a:effectRef>
+          <a:fontRef idx="minor">
+            <a:schemeClr val="dk1"/>
           </a:fontRef>
         </p:style>
         <p:txBody>
@@ -5520,7 +6933,7 @@
 </p:sld>
 </file>
 
-<file path=ppt/slides/slide13.xml><?xml version="1.0" encoding="utf-8"?>
+<file path=ppt/slides/slide14.xml><?xml version="1.0" encoding="utf-8"?>
 <p:sld xmlns:a="http://schemas.openxmlformats.org/drawingml/2006/main" xmlns:r="http://schemas.openxmlformats.org/officeDocument/2006/relationships" xmlns:p="http://schemas.openxmlformats.org/presentationml/2006/main">
   <p:cSld>
     <p:spTree>
@@ -5539,6 +6952,45 @@
       </p:grpSpPr>
       <p:sp>
         <p:nvSpPr>
+          <p:cNvPr id="40" name="Oval 39"/>
+          <p:cNvSpPr/>
+          <p:nvPr/>
+        </p:nvSpPr>
+        <p:spPr>
+          <a:xfrm>
+            <a:off x="3722129" y="1534377"/>
+            <a:ext cx="1475946" cy="1475946"/>
+          </a:xfrm>
+          <a:prstGeom prst="ellipse">
+            <a:avLst/>
+          </a:prstGeom>
+          <a:ln w="38100" cmpd="sng"/>
+        </p:spPr>
+        <p:style>
+          <a:lnRef idx="2">
+            <a:schemeClr val="dk1"/>
+          </a:lnRef>
+          <a:fillRef idx="1">
+            <a:schemeClr val="lt1"/>
+          </a:fillRef>
+          <a:effectRef idx="0">
+            <a:schemeClr val="dk1"/>
+          </a:effectRef>
+          <a:fontRef idx="minor">
+            <a:schemeClr val="dk1"/>
+          </a:fontRef>
+        </p:style>
+        <p:txBody>
+          <a:bodyPr rtlCol="0" anchor="ctr"/>
+          <a:lstStyle/>
+          <a:p>
+            <a:pPr algn="ctr"/>
+            <a:endParaRPr lang="en-US"/>
+          </a:p>
+        </p:txBody>
+      </p:sp>
+      <p:sp>
+        <p:nvSpPr>
           <p:cNvPr id="2" name="Oval 1"/>
           <p:cNvSpPr/>
           <p:nvPr/>
@@ -5551,20 +7003,27 @@
           <a:prstGeom prst="ellipse">
             <a:avLst/>
           </a:prstGeom>
-          <a:noFill/>
-        </p:spPr>
-        <p:style>
-          <a:lnRef idx="1">
-            <a:schemeClr val="accent1"/>
-          </a:lnRef>
-          <a:fillRef idx="3">
-            <a:schemeClr val="accent1"/>
-          </a:fillRef>
-          <a:effectRef idx="2">
-            <a:schemeClr val="accent1"/>
-          </a:effectRef>
-          <a:fontRef idx="minor">
+          <a:ln>
+            <a:solidFill>
+              <a:schemeClr val="bg1">
+                <a:lumMod val="65000"/>
+              </a:schemeClr>
+            </a:solidFill>
+            <a:prstDash val="dash"/>
+          </a:ln>
+        </p:spPr>
+        <p:style>
+          <a:lnRef idx="2">
+            <a:schemeClr val="dk1"/>
+          </a:lnRef>
+          <a:fillRef idx="1">
             <a:schemeClr val="lt1"/>
+          </a:fillRef>
+          <a:effectRef idx="0">
+            <a:schemeClr val="dk1"/>
+          </a:effectRef>
+          <a:fontRef idx="minor">
+            <a:schemeClr val="dk1"/>
           </a:fontRef>
         </p:style>
         <p:txBody>
@@ -5641,44 +7100,6 @@
               <a:t>end</a:t>
             </a:r>
             <a:endParaRPr lang="en-US" sz="2400" baseline="-25000" dirty="0"/>
-          </a:p>
-        </p:txBody>
-      </p:sp>
-      <p:sp>
-        <p:nvSpPr>
-          <p:cNvPr id="17" name="Oval 16"/>
-          <p:cNvSpPr/>
-          <p:nvPr/>
-        </p:nvSpPr>
-        <p:spPr>
-          <a:xfrm>
-            <a:off x="3722129" y="1530863"/>
-            <a:ext cx="1475946" cy="1475946"/>
-          </a:xfrm>
-          <a:prstGeom prst="ellipse">
-            <a:avLst/>
-          </a:prstGeom>
-        </p:spPr>
-        <p:style>
-          <a:lnRef idx="1">
-            <a:schemeClr val="accent1"/>
-          </a:lnRef>
-          <a:fillRef idx="3">
-            <a:schemeClr val="accent1"/>
-          </a:fillRef>
-          <a:effectRef idx="2">
-            <a:schemeClr val="accent1"/>
-          </a:effectRef>
-          <a:fontRef idx="minor">
-            <a:schemeClr val="lt1"/>
-          </a:fontRef>
-        </p:style>
-        <p:txBody>
-          <a:bodyPr rtlCol="0" anchor="ctr"/>
-          <a:lstStyle/>
-          <a:p>
-            <a:pPr algn="ctr"/>
-            <a:endParaRPr lang="en-US"/>
           </a:p>
         </p:txBody>
       </p:sp>
@@ -6481,7 +7902,7 @@
 </p:sld>
 </file>
 
-<file path=ppt/slides/slide14.xml><?xml version="1.0" encoding="utf-8"?>
+<file path=ppt/slides/slide15.xml><?xml version="1.0" encoding="utf-8"?>
 <p:sld xmlns:a="http://schemas.openxmlformats.org/drawingml/2006/main" xmlns:r="http://schemas.openxmlformats.org/officeDocument/2006/relationships" xmlns:p="http://schemas.openxmlformats.org/presentationml/2006/main">
   <p:cSld>
     <p:spTree>
@@ -6500,14 +7921,106 @@
       </p:grpSpPr>
       <p:sp>
         <p:nvSpPr>
+          <p:cNvPr id="50" name="Oval 49"/>
+          <p:cNvSpPr/>
+          <p:nvPr/>
+        </p:nvSpPr>
+        <p:spPr>
+          <a:xfrm>
+            <a:off x="3723224" y="1536093"/>
+            <a:ext cx="1475946" cy="1475946"/>
+          </a:xfrm>
+          <a:prstGeom prst="ellipse">
+            <a:avLst/>
+          </a:prstGeom>
+          <a:ln>
+            <a:solidFill>
+              <a:schemeClr val="bg1">
+                <a:lumMod val="65000"/>
+              </a:schemeClr>
+            </a:solidFill>
+            <a:prstDash val="dash"/>
+          </a:ln>
+        </p:spPr>
+        <p:style>
+          <a:lnRef idx="2">
+            <a:schemeClr val="dk1"/>
+          </a:lnRef>
+          <a:fillRef idx="1">
+            <a:schemeClr val="lt1"/>
+          </a:fillRef>
+          <a:effectRef idx="0">
+            <a:schemeClr val="dk1"/>
+          </a:effectRef>
+          <a:fontRef idx="minor">
+            <a:schemeClr val="dk1"/>
+          </a:fontRef>
+        </p:style>
+        <p:txBody>
+          <a:bodyPr rtlCol="0" anchor="ctr"/>
+          <a:lstStyle/>
+          <a:p>
+            <a:pPr algn="ctr"/>
+            <a:endParaRPr lang="en-US"/>
+          </a:p>
+        </p:txBody>
+      </p:sp>
+      <p:sp>
+        <p:nvSpPr>
+          <p:cNvPr id="46" name="Oval 45"/>
+          <p:cNvSpPr/>
+          <p:nvPr/>
+        </p:nvSpPr>
+        <p:spPr>
+          <a:xfrm>
+            <a:off x="1739342" y="1530417"/>
+            <a:ext cx="1475946" cy="1475946"/>
+          </a:xfrm>
+          <a:prstGeom prst="ellipse">
+            <a:avLst/>
+          </a:prstGeom>
+          <a:ln>
+            <a:solidFill>
+              <a:schemeClr val="bg1">
+                <a:lumMod val="65000"/>
+              </a:schemeClr>
+            </a:solidFill>
+            <a:prstDash val="dash"/>
+          </a:ln>
+        </p:spPr>
+        <p:style>
+          <a:lnRef idx="2">
+            <a:schemeClr val="dk1"/>
+          </a:lnRef>
+          <a:fillRef idx="1">
+            <a:schemeClr val="lt1"/>
+          </a:fillRef>
+          <a:effectRef idx="0">
+            <a:schemeClr val="dk1"/>
+          </a:effectRef>
+          <a:fontRef idx="minor">
+            <a:schemeClr val="dk1"/>
+          </a:fontRef>
+        </p:style>
+        <p:txBody>
+          <a:bodyPr rtlCol="0" anchor="ctr"/>
+          <a:lstStyle/>
+          <a:p>
+            <a:pPr algn="ctr"/>
+            <a:endParaRPr lang="en-US"/>
+          </a:p>
+        </p:txBody>
+      </p:sp>
+      <p:sp>
+        <p:nvSpPr>
           <p:cNvPr id="4" name="Block Arc 3"/>
           <p:cNvSpPr/>
           <p:nvPr/>
         </p:nvSpPr>
         <p:spPr>
           <a:xfrm>
-            <a:off x="3727743" y="1542363"/>
-            <a:ext cx="1472184" cy="1472184"/>
+            <a:off x="3727019" y="1547185"/>
+            <a:ext cx="1495092" cy="1495092"/>
           </a:xfrm>
           <a:prstGeom prst="blockArc">
             <a:avLst>
@@ -6516,15 +8029,20 @@
               <a:gd name="adj3" fmla="val 47367"/>
             </a:avLst>
           </a:prstGeom>
-        </p:spPr>
-        <p:style>
-          <a:lnRef idx="1">
+          <a:solidFill>
+            <a:srgbClr val="8EB4E3"/>
+          </a:solidFill>
+        </p:spPr>
+        <p:style>
+          <a:lnRef idx="2">
+            <a:schemeClr val="accent1">
+              <a:shade val="50000"/>
+            </a:schemeClr>
+          </a:lnRef>
+          <a:fillRef idx="1">
             <a:schemeClr val="accent1"/>
-          </a:lnRef>
-          <a:fillRef idx="3">
-            <a:schemeClr val="accent1"/>
-          </a:fillRef>
-          <a:effectRef idx="2">
+          </a:fillRef>
+          <a:effectRef idx="0">
             <a:schemeClr val="accent1"/>
           </a:effectRef>
           <a:fontRef idx="minor">
@@ -6552,25 +8070,33 @@
         </p:nvSpPr>
         <p:spPr>
           <a:xfrm rot="12003543">
-            <a:off x="3699862" y="1546320"/>
-            <a:ext cx="1475528" cy="1463026"/>
+            <a:off x="3702064" y="1550508"/>
+            <a:ext cx="1491290" cy="1478654"/>
           </a:xfrm>
           <a:prstGeom prst="blockArc">
             <a:avLst>
-              <a:gd name="adj1" fmla="val 8989175"/>
+              <a:gd name="adj1" fmla="val 8818258"/>
               <a:gd name="adj2" fmla="val 13977700"/>
               <a:gd name="adj3" fmla="val 46345"/>
             </a:avLst>
           </a:prstGeom>
-        </p:spPr>
-        <p:style>
-          <a:lnRef idx="1">
+          <a:solidFill>
+            <a:schemeClr val="tx2">
+              <a:lumMod val="40000"/>
+              <a:lumOff val="60000"/>
+            </a:schemeClr>
+          </a:solidFill>
+        </p:spPr>
+        <p:style>
+          <a:lnRef idx="2">
+            <a:schemeClr val="accent1">
+              <a:shade val="50000"/>
+            </a:schemeClr>
+          </a:lnRef>
+          <a:fillRef idx="1">
             <a:schemeClr val="accent1"/>
-          </a:lnRef>
-          <a:fillRef idx="3">
-            <a:schemeClr val="accent1"/>
-          </a:fillRef>
-          <a:effectRef idx="2">
+          </a:fillRef>
+          <a:effectRef idx="0">
             <a:schemeClr val="accent1"/>
           </a:effectRef>
           <a:fontRef idx="minor">
@@ -6592,45 +8118,6 @@
       </p:sp>
       <p:sp>
         <p:nvSpPr>
-          <p:cNvPr id="2" name="Oval 1"/>
-          <p:cNvSpPr/>
-          <p:nvPr/>
-        </p:nvSpPr>
-        <p:spPr>
-          <a:xfrm>
-            <a:off x="1736810" y="1530863"/>
-            <a:ext cx="1475946" cy="1475946"/>
-          </a:xfrm>
-          <a:prstGeom prst="ellipse">
-            <a:avLst/>
-          </a:prstGeom>
-          <a:noFill/>
-        </p:spPr>
-        <p:style>
-          <a:lnRef idx="1">
-            <a:schemeClr val="accent1"/>
-          </a:lnRef>
-          <a:fillRef idx="3">
-            <a:schemeClr val="accent1"/>
-          </a:fillRef>
-          <a:effectRef idx="2">
-            <a:schemeClr val="accent1"/>
-          </a:effectRef>
-          <a:fontRef idx="minor">
-            <a:schemeClr val="lt1"/>
-          </a:fontRef>
-        </p:style>
-        <p:txBody>
-          <a:bodyPr rtlCol="0" anchor="ctr"/>
-          <a:lstStyle/>
-          <a:p>
-            <a:pPr algn="ctr"/>
-            <a:endParaRPr lang="en-US"/>
-          </a:p>
-        </p:txBody>
-      </p:sp>
-      <p:sp>
-        <p:nvSpPr>
           <p:cNvPr id="12" name="TextBox 11"/>
           <p:cNvSpPr txBox="1"/>
           <p:nvPr/>
@@ -6694,45 +8181,6 @@
               <a:t>end</a:t>
             </a:r>
             <a:endParaRPr lang="en-US" sz="2400" baseline="-25000" dirty="0"/>
-          </a:p>
-        </p:txBody>
-      </p:sp>
-      <p:sp>
-        <p:nvSpPr>
-          <p:cNvPr id="17" name="Oval 16"/>
-          <p:cNvSpPr/>
-          <p:nvPr/>
-        </p:nvSpPr>
-        <p:spPr>
-          <a:xfrm>
-            <a:off x="3722129" y="1530863"/>
-            <a:ext cx="1475946" cy="1475946"/>
-          </a:xfrm>
-          <a:prstGeom prst="ellipse">
-            <a:avLst/>
-          </a:prstGeom>
-          <a:noFill/>
-        </p:spPr>
-        <p:style>
-          <a:lnRef idx="1">
-            <a:schemeClr val="accent1"/>
-          </a:lnRef>
-          <a:fillRef idx="3">
-            <a:schemeClr val="accent1"/>
-          </a:fillRef>
-          <a:effectRef idx="2">
-            <a:schemeClr val="accent1"/>
-          </a:effectRef>
-          <a:fontRef idx="minor">
-            <a:schemeClr val="lt1"/>
-          </a:fontRef>
-        </p:style>
-        <p:txBody>
-          <a:bodyPr rtlCol="0" anchor="ctr"/>
-          <a:lstStyle/>
-          <a:p>
-            <a:pPr algn="ctr"/>
-            <a:endParaRPr lang="en-US"/>
           </a:p>
         </p:txBody>
       </p:sp>
@@ -7992,7 +9440,7 @@
 </p:sld>
 </file>
 
-<file path=ppt/slides/slide15.xml><?xml version="1.0" encoding="utf-8"?>
+<file path=ppt/slides/slide16.xml><?xml version="1.0" encoding="utf-8"?>
 <p:sld xmlns:a="http://schemas.openxmlformats.org/drawingml/2006/main" xmlns:r="http://schemas.openxmlformats.org/officeDocument/2006/relationships" xmlns:p="http://schemas.openxmlformats.org/presentationml/2006/main">
   <p:cSld>
     <p:spTree>
@@ -9143,7 +10591,7 @@
 </p:sld>
 </file>
 
-<file path=ppt/slides/slide16.xml><?xml version="1.0" encoding="utf-8"?>
+<file path=ppt/slides/slide17.xml><?xml version="1.0" encoding="utf-8"?>
 <p:sld xmlns:a="http://schemas.openxmlformats.org/drawingml/2006/main" xmlns:r="http://schemas.openxmlformats.org/officeDocument/2006/relationships" xmlns:p="http://schemas.openxmlformats.org/presentationml/2006/main">
   <p:cSld>
     <p:spTree>
@@ -11289,7 +12737,7 @@
 </p:sld>
 </file>
 
-<file path=ppt/slides/slide17.xml><?xml version="1.0" encoding="utf-8"?>
+<file path=ppt/slides/slide18.xml><?xml version="1.0" encoding="utf-8"?>
 <p:sld xmlns:a="http://schemas.openxmlformats.org/drawingml/2006/main" xmlns:r="http://schemas.openxmlformats.org/officeDocument/2006/relationships" xmlns:p="http://schemas.openxmlformats.org/presentationml/2006/main">
   <p:cSld>
     <p:spTree>
@@ -12723,7 +14171,7 @@
 </p:sld>
 </file>
 
-<file path=ppt/slides/slide18.xml><?xml version="1.0" encoding="utf-8"?>
+<file path=ppt/slides/slide19.xml><?xml version="1.0" encoding="utf-8"?>
 <p:sld xmlns:a="http://schemas.openxmlformats.org/drawingml/2006/main" xmlns:r="http://schemas.openxmlformats.org/officeDocument/2006/relationships" xmlns:p="http://schemas.openxmlformats.org/presentationml/2006/main">
   <p:cSld>
     <p:spTree>
@@ -14044,7 +15492,731 @@
 </p:sld>
 </file>
 
-<file path=ppt/slides/slide19.xml><?xml version="1.0" encoding="utf-8"?>
+<file path=ppt/slides/slide2.xml><?xml version="1.0" encoding="utf-8"?>
+<p:sld xmlns:a="http://schemas.openxmlformats.org/drawingml/2006/main" xmlns:r="http://schemas.openxmlformats.org/officeDocument/2006/relationships" xmlns:p="http://schemas.openxmlformats.org/presentationml/2006/main">
+  <p:cSld>
+    <p:spTree>
+      <p:nvGrpSpPr>
+        <p:cNvPr id="1" name=""/>
+        <p:cNvGrpSpPr/>
+        <p:nvPr/>
+      </p:nvGrpSpPr>
+      <p:grpSpPr>
+        <a:xfrm>
+          <a:off x="0" y="0"/>
+          <a:ext cx="0" cy="0"/>
+          <a:chOff x="0" y="0"/>
+          <a:chExt cx="0" cy="0"/>
+        </a:xfrm>
+      </p:grpSpPr>
+      <p:grpSp>
+        <p:nvGrpSpPr>
+          <p:cNvPr id="14" name="Group 13"/>
+          <p:cNvGrpSpPr/>
+          <p:nvPr/>
+        </p:nvGrpSpPr>
+        <p:grpSpPr>
+          <a:xfrm>
+            <a:off x="1366762" y="2116667"/>
+            <a:ext cx="520096" cy="520096"/>
+            <a:chOff x="2467428" y="1596571"/>
+            <a:chExt cx="520096" cy="520096"/>
+          </a:xfrm>
+        </p:grpSpPr>
+        <p:cxnSp>
+          <p:nvCxnSpPr>
+            <p:cNvPr id="10" name="Straight Arrow Connector 9"/>
+            <p:cNvCxnSpPr/>
+            <p:nvPr/>
+          </p:nvCxnSpPr>
+          <p:spPr>
+            <a:xfrm flipV="1">
+              <a:off x="2467428" y="1596571"/>
+              <a:ext cx="0" cy="520096"/>
+            </a:xfrm>
+            <a:prstGeom prst="straightConnector1">
+              <a:avLst/>
+            </a:prstGeom>
+            <a:ln>
+              <a:solidFill>
+                <a:schemeClr val="bg1">
+                  <a:lumMod val="50000"/>
+                </a:schemeClr>
+              </a:solidFill>
+              <a:tailEnd type="arrow"/>
+            </a:ln>
+            <a:effectLst/>
+          </p:spPr>
+          <p:style>
+            <a:lnRef idx="2">
+              <a:schemeClr val="dk1"/>
+            </a:lnRef>
+            <a:fillRef idx="0">
+              <a:schemeClr val="dk1"/>
+            </a:fillRef>
+            <a:effectRef idx="1">
+              <a:schemeClr val="dk1"/>
+            </a:effectRef>
+            <a:fontRef idx="minor">
+              <a:schemeClr val="tx1"/>
+            </a:fontRef>
+          </p:style>
+        </p:cxnSp>
+        <p:cxnSp>
+          <p:nvCxnSpPr>
+            <p:cNvPr id="11" name="Straight Arrow Connector 10"/>
+            <p:cNvCxnSpPr/>
+            <p:nvPr/>
+          </p:nvCxnSpPr>
+          <p:spPr>
+            <a:xfrm rot="5400000" flipV="1">
+              <a:off x="2727476" y="1845733"/>
+              <a:ext cx="0" cy="520096"/>
+            </a:xfrm>
+            <a:prstGeom prst="straightConnector1">
+              <a:avLst/>
+            </a:prstGeom>
+            <a:ln>
+              <a:solidFill>
+                <a:schemeClr val="bg1">
+                  <a:lumMod val="50000"/>
+                </a:schemeClr>
+              </a:solidFill>
+              <a:tailEnd type="arrow"/>
+            </a:ln>
+            <a:effectLst/>
+          </p:spPr>
+          <p:style>
+            <a:lnRef idx="2">
+              <a:schemeClr val="dk1"/>
+            </a:lnRef>
+            <a:fillRef idx="0">
+              <a:schemeClr val="dk1"/>
+            </a:fillRef>
+            <a:effectRef idx="1">
+              <a:schemeClr val="dk1"/>
+            </a:effectRef>
+            <a:fontRef idx="minor">
+              <a:schemeClr val="tx1"/>
+            </a:fontRef>
+          </p:style>
+        </p:cxnSp>
+      </p:grpSp>
+      <p:grpSp>
+        <p:nvGrpSpPr>
+          <p:cNvPr id="15" name="Group 14"/>
+          <p:cNvGrpSpPr/>
+          <p:nvPr/>
+        </p:nvGrpSpPr>
+        <p:grpSpPr>
+          <a:xfrm>
+            <a:off x="1366762" y="4361543"/>
+            <a:ext cx="520096" cy="520096"/>
+            <a:chOff x="2467428" y="1596571"/>
+            <a:chExt cx="520096" cy="520096"/>
+          </a:xfrm>
+        </p:grpSpPr>
+        <p:cxnSp>
+          <p:nvCxnSpPr>
+            <p:cNvPr id="16" name="Straight Arrow Connector 15"/>
+            <p:cNvCxnSpPr/>
+            <p:nvPr/>
+          </p:nvCxnSpPr>
+          <p:spPr>
+            <a:xfrm flipV="1">
+              <a:off x="2467428" y="1596571"/>
+              <a:ext cx="0" cy="520096"/>
+            </a:xfrm>
+            <a:prstGeom prst="straightConnector1">
+              <a:avLst/>
+            </a:prstGeom>
+            <a:ln>
+              <a:tailEnd type="arrow"/>
+            </a:ln>
+            <a:effectLst/>
+          </p:spPr>
+          <p:style>
+            <a:lnRef idx="2">
+              <a:schemeClr val="dk1"/>
+            </a:lnRef>
+            <a:fillRef idx="0">
+              <a:schemeClr val="dk1"/>
+            </a:fillRef>
+            <a:effectRef idx="1">
+              <a:schemeClr val="dk1"/>
+            </a:effectRef>
+            <a:fontRef idx="minor">
+              <a:schemeClr val="tx1"/>
+            </a:fontRef>
+          </p:style>
+        </p:cxnSp>
+        <p:cxnSp>
+          <p:nvCxnSpPr>
+            <p:cNvPr id="17" name="Straight Arrow Connector 16"/>
+            <p:cNvCxnSpPr/>
+            <p:nvPr/>
+          </p:nvCxnSpPr>
+          <p:spPr>
+            <a:xfrm rot="5400000" flipV="1">
+              <a:off x="2727476" y="1845733"/>
+              <a:ext cx="0" cy="520096"/>
+            </a:xfrm>
+            <a:prstGeom prst="straightConnector1">
+              <a:avLst/>
+            </a:prstGeom>
+            <a:ln>
+              <a:tailEnd type="arrow"/>
+            </a:ln>
+            <a:effectLst/>
+          </p:spPr>
+          <p:style>
+            <a:lnRef idx="2">
+              <a:schemeClr val="dk1"/>
+            </a:lnRef>
+            <a:fillRef idx="0">
+              <a:schemeClr val="dk1"/>
+            </a:fillRef>
+            <a:effectRef idx="1">
+              <a:schemeClr val="dk1"/>
+            </a:effectRef>
+            <a:fontRef idx="minor">
+              <a:schemeClr val="tx1"/>
+            </a:fontRef>
+          </p:style>
+        </p:cxnSp>
+      </p:grpSp>
+      <p:cxnSp>
+        <p:nvCxnSpPr>
+          <p:cNvPr id="20" name="Straight Arrow Connector 19"/>
+          <p:cNvCxnSpPr/>
+          <p:nvPr/>
+        </p:nvCxnSpPr>
+        <p:spPr>
+          <a:xfrm flipV="1">
+            <a:off x="1366762" y="1672167"/>
+            <a:ext cx="929821" cy="964597"/>
+          </a:xfrm>
+          <a:prstGeom prst="straightConnector1">
+            <a:avLst/>
+          </a:prstGeom>
+          <a:ln w="28575" cmpd="sng">
+            <a:tailEnd type="arrow"/>
+          </a:ln>
+          <a:effectLst/>
+        </p:spPr>
+        <p:style>
+          <a:lnRef idx="2">
+            <a:schemeClr val="dk1"/>
+          </a:lnRef>
+          <a:fillRef idx="0">
+            <a:schemeClr val="dk1"/>
+          </a:fillRef>
+          <a:effectRef idx="1">
+            <a:schemeClr val="dk1"/>
+          </a:effectRef>
+          <a:fontRef idx="minor">
+            <a:schemeClr val="tx1"/>
+          </a:fontRef>
+        </p:style>
+      </p:cxnSp>
+      <p:sp>
+        <p:nvSpPr>
+          <p:cNvPr id="24" name="TextBox 23"/>
+          <p:cNvSpPr txBox="1"/>
+          <p:nvPr/>
+        </p:nvSpPr>
+        <p:spPr>
+          <a:xfrm>
+            <a:off x="1602621" y="1696148"/>
+            <a:ext cx="399142" cy="369332"/>
+          </a:xfrm>
+          <a:prstGeom prst="rect">
+            <a:avLst/>
+          </a:prstGeom>
+          <a:noFill/>
+        </p:spPr>
+        <p:txBody>
+          <a:bodyPr wrap="square" rtlCol="0">
+            <a:spAutoFit/>
+          </a:bodyPr>
+          <a:lstStyle/>
+          <a:p>
+            <a:r>
+              <a:rPr lang="en-US" dirty="0" smtClean="0"/>
+              <a:t>X</a:t>
+            </a:r>
+            <a:r>
+              <a:rPr lang="en-US" baseline="-25000" dirty="0" smtClean="0"/>
+              <a:t>0</a:t>
+            </a:r>
+            <a:endParaRPr lang="en-US" baseline="-25000" dirty="0"/>
+          </a:p>
+        </p:txBody>
+      </p:sp>
+      <p:cxnSp>
+        <p:nvCxnSpPr>
+          <p:cNvPr id="25" name="Straight Arrow Connector 24"/>
+          <p:cNvCxnSpPr/>
+          <p:nvPr/>
+        </p:nvCxnSpPr>
+        <p:spPr>
+          <a:xfrm flipV="1">
+            <a:off x="2296583" y="1354667"/>
+            <a:ext cx="751417" cy="317502"/>
+          </a:xfrm>
+          <a:prstGeom prst="straightConnector1">
+            <a:avLst/>
+          </a:prstGeom>
+          <a:ln w="28575" cmpd="sng">
+            <a:tailEnd type="arrow"/>
+          </a:ln>
+          <a:effectLst/>
+        </p:spPr>
+        <p:style>
+          <a:lnRef idx="2">
+            <a:schemeClr val="dk1"/>
+          </a:lnRef>
+          <a:fillRef idx="0">
+            <a:schemeClr val="dk1"/>
+          </a:fillRef>
+          <a:effectRef idx="1">
+            <a:schemeClr val="dk1"/>
+          </a:effectRef>
+          <a:fontRef idx="minor">
+            <a:schemeClr val="tx1"/>
+          </a:fontRef>
+        </p:style>
+      </p:cxnSp>
+      <p:sp>
+        <p:nvSpPr>
+          <p:cNvPr id="28" name="TextBox 27"/>
+          <p:cNvSpPr txBox="1"/>
+          <p:nvPr/>
+        </p:nvSpPr>
+        <p:spPr>
+          <a:xfrm>
+            <a:off x="2587574" y="1426047"/>
+            <a:ext cx="399142" cy="369332"/>
+          </a:xfrm>
+          <a:prstGeom prst="rect">
+            <a:avLst/>
+          </a:prstGeom>
+          <a:noFill/>
+        </p:spPr>
+        <p:txBody>
+          <a:bodyPr wrap="square" rtlCol="0">
+            <a:spAutoFit/>
+          </a:bodyPr>
+          <a:lstStyle/>
+          <a:p>
+            <a:r>
+              <a:rPr lang="en-US" dirty="0" smtClean="0"/>
+              <a:t>v</a:t>
+            </a:r>
+            <a:r>
+              <a:rPr lang="en-US" baseline="-25000" dirty="0" smtClean="0"/>
+              <a:t>0</a:t>
+            </a:r>
+            <a:endParaRPr lang="en-US" baseline="-25000" dirty="0"/>
+          </a:p>
+        </p:txBody>
+      </p:sp>
+      <p:cxnSp>
+        <p:nvCxnSpPr>
+          <p:cNvPr id="34" name="Straight Arrow Connector 33"/>
+          <p:cNvCxnSpPr/>
+          <p:nvPr/>
+        </p:nvCxnSpPr>
+        <p:spPr>
+          <a:xfrm>
+            <a:off x="2296583" y="1676711"/>
+            <a:ext cx="1511" cy="546098"/>
+          </a:xfrm>
+          <a:prstGeom prst="straightConnector1">
+            <a:avLst/>
+          </a:prstGeom>
+          <a:ln w="28575" cmpd="sng">
+            <a:tailEnd type="arrow"/>
+          </a:ln>
+          <a:effectLst/>
+        </p:spPr>
+        <p:style>
+          <a:lnRef idx="2">
+            <a:schemeClr val="dk1"/>
+          </a:lnRef>
+          <a:fillRef idx="0">
+            <a:schemeClr val="dk1"/>
+          </a:fillRef>
+          <a:effectRef idx="1">
+            <a:schemeClr val="dk1"/>
+          </a:effectRef>
+          <a:fontRef idx="minor">
+            <a:schemeClr val="tx1"/>
+          </a:fontRef>
+        </p:style>
+      </p:cxnSp>
+      <p:sp>
+        <p:nvSpPr>
+          <p:cNvPr id="36" name="TextBox 35"/>
+          <p:cNvSpPr txBox="1"/>
+          <p:nvPr/>
+        </p:nvSpPr>
+        <p:spPr>
+          <a:xfrm>
+            <a:off x="2329242" y="1763675"/>
+            <a:ext cx="399142" cy="369332"/>
+          </a:xfrm>
+          <a:prstGeom prst="rect">
+            <a:avLst/>
+          </a:prstGeom>
+          <a:noFill/>
+        </p:spPr>
+        <p:txBody>
+          <a:bodyPr wrap="square" rtlCol="0">
+            <a:spAutoFit/>
+          </a:bodyPr>
+          <a:lstStyle/>
+          <a:p>
+            <a:r>
+              <a:rPr lang="en-US" dirty="0" smtClean="0"/>
+              <a:t>a</a:t>
+            </a:r>
+            <a:endParaRPr lang="en-US" baseline="-25000" dirty="0"/>
+          </a:p>
+        </p:txBody>
+      </p:sp>
+      <p:grpSp>
+        <p:nvGrpSpPr>
+          <p:cNvPr id="37" name="Group 36"/>
+          <p:cNvGrpSpPr/>
+          <p:nvPr/>
+        </p:nvGrpSpPr>
+        <p:grpSpPr>
+          <a:xfrm>
+            <a:off x="4864496" y="2117574"/>
+            <a:ext cx="520096" cy="520096"/>
+            <a:chOff x="2467428" y="1596571"/>
+            <a:chExt cx="520096" cy="520096"/>
+          </a:xfrm>
+        </p:grpSpPr>
+        <p:cxnSp>
+          <p:nvCxnSpPr>
+            <p:cNvPr id="38" name="Straight Arrow Connector 37"/>
+            <p:cNvCxnSpPr/>
+            <p:nvPr/>
+          </p:nvCxnSpPr>
+          <p:spPr>
+            <a:xfrm flipV="1">
+              <a:off x="2467428" y="1596571"/>
+              <a:ext cx="0" cy="520096"/>
+            </a:xfrm>
+            <a:prstGeom prst="straightConnector1">
+              <a:avLst/>
+            </a:prstGeom>
+            <a:ln>
+              <a:solidFill>
+                <a:schemeClr val="bg1">
+                  <a:lumMod val="50000"/>
+                </a:schemeClr>
+              </a:solidFill>
+              <a:tailEnd type="arrow"/>
+            </a:ln>
+            <a:effectLst/>
+          </p:spPr>
+          <p:style>
+            <a:lnRef idx="2">
+              <a:schemeClr val="dk1"/>
+            </a:lnRef>
+            <a:fillRef idx="0">
+              <a:schemeClr val="dk1"/>
+            </a:fillRef>
+            <a:effectRef idx="1">
+              <a:schemeClr val="dk1"/>
+            </a:effectRef>
+            <a:fontRef idx="minor">
+              <a:schemeClr val="tx1"/>
+            </a:fontRef>
+          </p:style>
+        </p:cxnSp>
+        <p:cxnSp>
+          <p:nvCxnSpPr>
+            <p:cNvPr id="39" name="Straight Arrow Connector 38"/>
+            <p:cNvCxnSpPr/>
+            <p:nvPr/>
+          </p:nvCxnSpPr>
+          <p:spPr>
+            <a:xfrm rot="5400000" flipV="1">
+              <a:off x="2727476" y="1845733"/>
+              <a:ext cx="0" cy="520096"/>
+            </a:xfrm>
+            <a:prstGeom prst="straightConnector1">
+              <a:avLst/>
+            </a:prstGeom>
+            <a:ln>
+              <a:solidFill>
+                <a:schemeClr val="bg1">
+                  <a:lumMod val="50000"/>
+                </a:schemeClr>
+              </a:solidFill>
+              <a:tailEnd type="arrow"/>
+            </a:ln>
+            <a:effectLst/>
+          </p:spPr>
+          <p:style>
+            <a:lnRef idx="2">
+              <a:schemeClr val="dk1"/>
+            </a:lnRef>
+            <a:fillRef idx="0">
+              <a:schemeClr val="dk1"/>
+            </a:fillRef>
+            <a:effectRef idx="1">
+              <a:schemeClr val="dk1"/>
+            </a:effectRef>
+            <a:fontRef idx="minor">
+              <a:schemeClr val="tx1"/>
+            </a:fontRef>
+          </p:style>
+        </p:cxnSp>
+      </p:grpSp>
+      <p:sp>
+        <p:nvSpPr>
+          <p:cNvPr id="46" name="Right Arrow 45"/>
+          <p:cNvSpPr/>
+          <p:nvPr/>
+        </p:nvSpPr>
+        <p:spPr>
+          <a:xfrm>
+            <a:off x="3226741" y="1553323"/>
+            <a:ext cx="1476963" cy="1024314"/>
+          </a:xfrm>
+          <a:prstGeom prst="rightArrow">
+            <a:avLst/>
+          </a:prstGeom>
+        </p:spPr>
+        <p:style>
+          <a:lnRef idx="1">
+            <a:schemeClr val="dk1"/>
+          </a:lnRef>
+          <a:fillRef idx="3">
+            <a:schemeClr val="dk1"/>
+          </a:fillRef>
+          <a:effectRef idx="2">
+            <a:schemeClr val="dk1"/>
+          </a:effectRef>
+          <a:fontRef idx="minor">
+            <a:schemeClr val="lt1"/>
+          </a:fontRef>
+        </p:style>
+        <p:txBody>
+          <a:bodyPr rtlCol="0" anchor="ctr"/>
+          <a:lstStyle/>
+          <a:p>
+            <a:pPr algn="ctr"/>
+            <a:r>
+              <a:rPr lang="en-US" dirty="0" smtClean="0"/>
+              <a:t>Integration</a:t>
+            </a:r>
+            <a:endParaRPr lang="en-US" dirty="0"/>
+          </a:p>
+        </p:txBody>
+      </p:sp>
+      <p:sp>
+        <p:nvSpPr>
+          <p:cNvPr id="47" name="Oval 46"/>
+          <p:cNvSpPr/>
+          <p:nvPr/>
+        </p:nvSpPr>
+        <p:spPr>
+          <a:xfrm>
+            <a:off x="5743911" y="1602947"/>
+            <a:ext cx="100811" cy="100811"/>
+          </a:xfrm>
+          <a:prstGeom prst="ellipse">
+            <a:avLst/>
+          </a:prstGeom>
+          <a:solidFill>
+            <a:schemeClr val="tx1"/>
+          </a:solidFill>
+          <a:effectLst/>
+        </p:spPr>
+        <p:style>
+          <a:lnRef idx="1">
+            <a:schemeClr val="dk1"/>
+          </a:lnRef>
+          <a:fillRef idx="3">
+            <a:schemeClr val="dk1"/>
+          </a:fillRef>
+          <a:effectRef idx="2">
+            <a:schemeClr val="dk1"/>
+          </a:effectRef>
+          <a:fontRef idx="minor">
+            <a:schemeClr val="lt1"/>
+          </a:fontRef>
+        </p:style>
+        <p:txBody>
+          <a:bodyPr rtlCol="0" anchor="ctr"/>
+          <a:lstStyle/>
+          <a:p>
+            <a:pPr algn="ctr"/>
+            <a:endParaRPr lang="en-US"/>
+          </a:p>
+        </p:txBody>
+      </p:sp>
+      <p:sp>
+        <p:nvSpPr>
+          <p:cNvPr id="62" name="Freeform 61"/>
+          <p:cNvSpPr/>
+          <p:nvPr/>
+        </p:nvSpPr>
+        <p:spPr>
+          <a:xfrm>
+            <a:off x="5766741" y="1365193"/>
+            <a:ext cx="1815629" cy="854955"/>
+          </a:xfrm>
+          <a:custGeom>
+            <a:avLst/>
+            <a:gdLst>
+              <a:gd name="connsiteX0" fmla="*/ 0 w 1815629"/>
+              <a:gd name="connsiteY0" fmla="*/ 281103 h 854955"/>
+              <a:gd name="connsiteX1" fmla="*/ 1044222 w 1815629"/>
+              <a:gd name="connsiteY1" fmla="*/ 27103 h 854955"/>
+              <a:gd name="connsiteX2" fmla="*/ 1815629 w 1815629"/>
+              <a:gd name="connsiteY2" fmla="*/ 854955 h 854955"/>
+            </a:gdLst>
+            <a:ahLst/>
+            <a:cxnLst>
+              <a:cxn ang="0">
+                <a:pos x="connsiteX0" y="connsiteY0"/>
+              </a:cxn>
+              <a:cxn ang="0">
+                <a:pos x="connsiteX1" y="connsiteY1"/>
+              </a:cxn>
+              <a:cxn ang="0">
+                <a:pos x="connsiteX2" y="connsiteY2"/>
+              </a:cxn>
+            </a:cxnLst>
+            <a:rect l="l" t="t" r="r" b="b"/>
+            <a:pathLst>
+              <a:path w="1815629" h="854955">
+                <a:moveTo>
+                  <a:pt x="0" y="281103"/>
+                </a:moveTo>
+                <a:cubicBezTo>
+                  <a:pt x="370808" y="106282"/>
+                  <a:pt x="741617" y="-68539"/>
+                  <a:pt x="1044222" y="27103"/>
+                </a:cubicBezTo>
+                <a:cubicBezTo>
+                  <a:pt x="1346827" y="122745"/>
+                  <a:pt x="1767024" y="536671"/>
+                  <a:pt x="1815629" y="854955"/>
+                </a:cubicBezTo>
+              </a:path>
+            </a:pathLst>
+          </a:custGeom>
+          <a:ln>
+            <a:prstDash val="dash"/>
+            <a:headEnd type="none"/>
+            <a:tailEnd type="arrow"/>
+          </a:ln>
+        </p:spPr>
+        <p:style>
+          <a:lnRef idx="2">
+            <a:schemeClr val="dk1"/>
+          </a:lnRef>
+          <a:fillRef idx="0">
+            <a:schemeClr val="dk1"/>
+          </a:fillRef>
+          <a:effectRef idx="1">
+            <a:schemeClr val="dk1"/>
+          </a:effectRef>
+          <a:fontRef idx="minor">
+            <a:schemeClr val="tx1"/>
+          </a:fontRef>
+        </p:style>
+        <p:txBody>
+          <a:bodyPr rtlCol="0" anchor="ctr"/>
+          <a:lstStyle/>
+          <a:p>
+            <a:pPr algn="ctr"/>
+            <a:endParaRPr lang="en-US"/>
+          </a:p>
+        </p:txBody>
+      </p:sp>
+      <p:sp>
+        <p:nvSpPr>
+          <p:cNvPr id="63" name="TextBox 62"/>
+          <p:cNvSpPr txBox="1"/>
+          <p:nvPr/>
+        </p:nvSpPr>
+        <p:spPr>
+          <a:xfrm>
+            <a:off x="5445580" y="1237097"/>
+            <a:ext cx="518716" cy="369332"/>
+          </a:xfrm>
+          <a:prstGeom prst="rect">
+            <a:avLst/>
+          </a:prstGeom>
+          <a:noFill/>
+        </p:spPr>
+        <p:txBody>
+          <a:bodyPr wrap="square" rtlCol="0">
+            <a:spAutoFit/>
+          </a:bodyPr>
+          <a:lstStyle/>
+          <a:p>
+            <a:r>
+              <a:rPr lang="en-US" dirty="0" smtClean="0"/>
+              <a:t>t=0</a:t>
+            </a:r>
+            <a:endParaRPr lang="en-US" baseline="-25000" dirty="0"/>
+          </a:p>
+        </p:txBody>
+      </p:sp>
+      <p:sp>
+        <p:nvSpPr>
+          <p:cNvPr id="64" name="TextBox 63"/>
+          <p:cNvSpPr txBox="1"/>
+          <p:nvPr/>
+        </p:nvSpPr>
+        <p:spPr>
+          <a:xfrm>
+            <a:off x="7582370" y="1633225"/>
+            <a:ext cx="518716" cy="369332"/>
+          </a:xfrm>
+          <a:prstGeom prst="rect">
+            <a:avLst/>
+          </a:prstGeom>
+          <a:noFill/>
+        </p:spPr>
+        <p:txBody>
+          <a:bodyPr wrap="square" rtlCol="0">
+            <a:spAutoFit/>
+          </a:bodyPr>
+          <a:lstStyle/>
+          <a:p>
+            <a:r>
+              <a:rPr lang="en-US" dirty="0" smtClean="0"/>
+              <a:t>t&gt;0</a:t>
+            </a:r>
+            <a:endParaRPr lang="en-US" baseline="-25000" dirty="0"/>
+          </a:p>
+        </p:txBody>
+      </p:sp>
+    </p:spTree>
+    <p:extLst>
+      <p:ext uri="{BB962C8B-B14F-4D97-AF65-F5344CB8AC3E}">
+        <p14:creationId xmlns:p14="http://schemas.microsoft.com/office/powerpoint/2010/main" val="3291362728"/>
+      </p:ext>
+    </p:extLst>
+  </p:cSld>
+  <p:clrMapOvr>
+    <a:masterClrMapping/>
+  </p:clrMapOvr>
+</p:sld>
+</file>
+
+<file path=ppt/slides/slide20.xml><?xml version="1.0" encoding="utf-8"?>
 <p:sld xmlns:a="http://schemas.openxmlformats.org/drawingml/2006/main" xmlns:r="http://schemas.openxmlformats.org/officeDocument/2006/relationships" xmlns:p="http://schemas.openxmlformats.org/presentationml/2006/main">
   <p:cSld>
     <p:spTree>
@@ -15419,731 +17591,7 @@
 </p:sld>
 </file>
 
-<file path=ppt/slides/slide2.xml><?xml version="1.0" encoding="utf-8"?>
-<p:sld xmlns:a="http://schemas.openxmlformats.org/drawingml/2006/main" xmlns:r="http://schemas.openxmlformats.org/officeDocument/2006/relationships" xmlns:p="http://schemas.openxmlformats.org/presentationml/2006/main">
-  <p:cSld>
-    <p:spTree>
-      <p:nvGrpSpPr>
-        <p:cNvPr id="1" name=""/>
-        <p:cNvGrpSpPr/>
-        <p:nvPr/>
-      </p:nvGrpSpPr>
-      <p:grpSpPr>
-        <a:xfrm>
-          <a:off x="0" y="0"/>
-          <a:ext cx="0" cy="0"/>
-          <a:chOff x="0" y="0"/>
-          <a:chExt cx="0" cy="0"/>
-        </a:xfrm>
-      </p:grpSpPr>
-      <p:grpSp>
-        <p:nvGrpSpPr>
-          <p:cNvPr id="14" name="Group 13"/>
-          <p:cNvGrpSpPr/>
-          <p:nvPr/>
-        </p:nvGrpSpPr>
-        <p:grpSpPr>
-          <a:xfrm>
-            <a:off x="1366762" y="2116667"/>
-            <a:ext cx="520096" cy="520096"/>
-            <a:chOff x="2467428" y="1596571"/>
-            <a:chExt cx="520096" cy="520096"/>
-          </a:xfrm>
-        </p:grpSpPr>
-        <p:cxnSp>
-          <p:nvCxnSpPr>
-            <p:cNvPr id="10" name="Straight Arrow Connector 9"/>
-            <p:cNvCxnSpPr/>
-            <p:nvPr/>
-          </p:nvCxnSpPr>
-          <p:spPr>
-            <a:xfrm flipV="1">
-              <a:off x="2467428" y="1596571"/>
-              <a:ext cx="0" cy="520096"/>
-            </a:xfrm>
-            <a:prstGeom prst="straightConnector1">
-              <a:avLst/>
-            </a:prstGeom>
-            <a:ln>
-              <a:solidFill>
-                <a:schemeClr val="bg1">
-                  <a:lumMod val="50000"/>
-                </a:schemeClr>
-              </a:solidFill>
-              <a:tailEnd type="arrow"/>
-            </a:ln>
-            <a:effectLst/>
-          </p:spPr>
-          <p:style>
-            <a:lnRef idx="2">
-              <a:schemeClr val="dk1"/>
-            </a:lnRef>
-            <a:fillRef idx="0">
-              <a:schemeClr val="dk1"/>
-            </a:fillRef>
-            <a:effectRef idx="1">
-              <a:schemeClr val="dk1"/>
-            </a:effectRef>
-            <a:fontRef idx="minor">
-              <a:schemeClr val="tx1"/>
-            </a:fontRef>
-          </p:style>
-        </p:cxnSp>
-        <p:cxnSp>
-          <p:nvCxnSpPr>
-            <p:cNvPr id="11" name="Straight Arrow Connector 10"/>
-            <p:cNvCxnSpPr/>
-            <p:nvPr/>
-          </p:nvCxnSpPr>
-          <p:spPr>
-            <a:xfrm rot="5400000" flipV="1">
-              <a:off x="2727476" y="1845733"/>
-              <a:ext cx="0" cy="520096"/>
-            </a:xfrm>
-            <a:prstGeom prst="straightConnector1">
-              <a:avLst/>
-            </a:prstGeom>
-            <a:ln>
-              <a:solidFill>
-                <a:schemeClr val="bg1">
-                  <a:lumMod val="50000"/>
-                </a:schemeClr>
-              </a:solidFill>
-              <a:tailEnd type="arrow"/>
-            </a:ln>
-            <a:effectLst/>
-          </p:spPr>
-          <p:style>
-            <a:lnRef idx="2">
-              <a:schemeClr val="dk1"/>
-            </a:lnRef>
-            <a:fillRef idx="0">
-              <a:schemeClr val="dk1"/>
-            </a:fillRef>
-            <a:effectRef idx="1">
-              <a:schemeClr val="dk1"/>
-            </a:effectRef>
-            <a:fontRef idx="minor">
-              <a:schemeClr val="tx1"/>
-            </a:fontRef>
-          </p:style>
-        </p:cxnSp>
-      </p:grpSp>
-      <p:grpSp>
-        <p:nvGrpSpPr>
-          <p:cNvPr id="15" name="Group 14"/>
-          <p:cNvGrpSpPr/>
-          <p:nvPr/>
-        </p:nvGrpSpPr>
-        <p:grpSpPr>
-          <a:xfrm>
-            <a:off x="1366762" y="4361543"/>
-            <a:ext cx="520096" cy="520096"/>
-            <a:chOff x="2467428" y="1596571"/>
-            <a:chExt cx="520096" cy="520096"/>
-          </a:xfrm>
-        </p:grpSpPr>
-        <p:cxnSp>
-          <p:nvCxnSpPr>
-            <p:cNvPr id="16" name="Straight Arrow Connector 15"/>
-            <p:cNvCxnSpPr/>
-            <p:nvPr/>
-          </p:nvCxnSpPr>
-          <p:spPr>
-            <a:xfrm flipV="1">
-              <a:off x="2467428" y="1596571"/>
-              <a:ext cx="0" cy="520096"/>
-            </a:xfrm>
-            <a:prstGeom prst="straightConnector1">
-              <a:avLst/>
-            </a:prstGeom>
-            <a:ln>
-              <a:tailEnd type="arrow"/>
-            </a:ln>
-            <a:effectLst/>
-          </p:spPr>
-          <p:style>
-            <a:lnRef idx="2">
-              <a:schemeClr val="dk1"/>
-            </a:lnRef>
-            <a:fillRef idx="0">
-              <a:schemeClr val="dk1"/>
-            </a:fillRef>
-            <a:effectRef idx="1">
-              <a:schemeClr val="dk1"/>
-            </a:effectRef>
-            <a:fontRef idx="minor">
-              <a:schemeClr val="tx1"/>
-            </a:fontRef>
-          </p:style>
-        </p:cxnSp>
-        <p:cxnSp>
-          <p:nvCxnSpPr>
-            <p:cNvPr id="17" name="Straight Arrow Connector 16"/>
-            <p:cNvCxnSpPr/>
-            <p:nvPr/>
-          </p:nvCxnSpPr>
-          <p:spPr>
-            <a:xfrm rot="5400000" flipV="1">
-              <a:off x="2727476" y="1845733"/>
-              <a:ext cx="0" cy="520096"/>
-            </a:xfrm>
-            <a:prstGeom prst="straightConnector1">
-              <a:avLst/>
-            </a:prstGeom>
-            <a:ln>
-              <a:tailEnd type="arrow"/>
-            </a:ln>
-            <a:effectLst/>
-          </p:spPr>
-          <p:style>
-            <a:lnRef idx="2">
-              <a:schemeClr val="dk1"/>
-            </a:lnRef>
-            <a:fillRef idx="0">
-              <a:schemeClr val="dk1"/>
-            </a:fillRef>
-            <a:effectRef idx="1">
-              <a:schemeClr val="dk1"/>
-            </a:effectRef>
-            <a:fontRef idx="minor">
-              <a:schemeClr val="tx1"/>
-            </a:fontRef>
-          </p:style>
-        </p:cxnSp>
-      </p:grpSp>
-      <p:cxnSp>
-        <p:nvCxnSpPr>
-          <p:cNvPr id="20" name="Straight Arrow Connector 19"/>
-          <p:cNvCxnSpPr/>
-          <p:nvPr/>
-        </p:nvCxnSpPr>
-        <p:spPr>
-          <a:xfrm flipV="1">
-            <a:off x="1366762" y="1672167"/>
-            <a:ext cx="929821" cy="964597"/>
-          </a:xfrm>
-          <a:prstGeom prst="straightConnector1">
-            <a:avLst/>
-          </a:prstGeom>
-          <a:ln w="28575" cmpd="sng">
-            <a:tailEnd type="arrow"/>
-          </a:ln>
-          <a:effectLst/>
-        </p:spPr>
-        <p:style>
-          <a:lnRef idx="2">
-            <a:schemeClr val="dk1"/>
-          </a:lnRef>
-          <a:fillRef idx="0">
-            <a:schemeClr val="dk1"/>
-          </a:fillRef>
-          <a:effectRef idx="1">
-            <a:schemeClr val="dk1"/>
-          </a:effectRef>
-          <a:fontRef idx="minor">
-            <a:schemeClr val="tx1"/>
-          </a:fontRef>
-        </p:style>
-      </p:cxnSp>
-      <p:sp>
-        <p:nvSpPr>
-          <p:cNvPr id="24" name="TextBox 23"/>
-          <p:cNvSpPr txBox="1"/>
-          <p:nvPr/>
-        </p:nvSpPr>
-        <p:spPr>
-          <a:xfrm>
-            <a:off x="1602621" y="1696148"/>
-            <a:ext cx="399142" cy="369332"/>
-          </a:xfrm>
-          <a:prstGeom prst="rect">
-            <a:avLst/>
-          </a:prstGeom>
-          <a:noFill/>
-        </p:spPr>
-        <p:txBody>
-          <a:bodyPr wrap="square" rtlCol="0">
-            <a:spAutoFit/>
-          </a:bodyPr>
-          <a:lstStyle/>
-          <a:p>
-            <a:r>
-              <a:rPr lang="en-US" dirty="0" smtClean="0"/>
-              <a:t>X</a:t>
-            </a:r>
-            <a:r>
-              <a:rPr lang="en-US" baseline="-25000" dirty="0" smtClean="0"/>
-              <a:t>0</a:t>
-            </a:r>
-            <a:endParaRPr lang="en-US" baseline="-25000" dirty="0"/>
-          </a:p>
-        </p:txBody>
-      </p:sp>
-      <p:cxnSp>
-        <p:nvCxnSpPr>
-          <p:cNvPr id="25" name="Straight Arrow Connector 24"/>
-          <p:cNvCxnSpPr/>
-          <p:nvPr/>
-        </p:nvCxnSpPr>
-        <p:spPr>
-          <a:xfrm flipV="1">
-            <a:off x="2296583" y="1354667"/>
-            <a:ext cx="751417" cy="317502"/>
-          </a:xfrm>
-          <a:prstGeom prst="straightConnector1">
-            <a:avLst/>
-          </a:prstGeom>
-          <a:ln w="28575" cmpd="sng">
-            <a:tailEnd type="arrow"/>
-          </a:ln>
-          <a:effectLst/>
-        </p:spPr>
-        <p:style>
-          <a:lnRef idx="2">
-            <a:schemeClr val="dk1"/>
-          </a:lnRef>
-          <a:fillRef idx="0">
-            <a:schemeClr val="dk1"/>
-          </a:fillRef>
-          <a:effectRef idx="1">
-            <a:schemeClr val="dk1"/>
-          </a:effectRef>
-          <a:fontRef idx="minor">
-            <a:schemeClr val="tx1"/>
-          </a:fontRef>
-        </p:style>
-      </p:cxnSp>
-      <p:sp>
-        <p:nvSpPr>
-          <p:cNvPr id="28" name="TextBox 27"/>
-          <p:cNvSpPr txBox="1"/>
-          <p:nvPr/>
-        </p:nvSpPr>
-        <p:spPr>
-          <a:xfrm>
-            <a:off x="2587574" y="1426047"/>
-            <a:ext cx="399142" cy="369332"/>
-          </a:xfrm>
-          <a:prstGeom prst="rect">
-            <a:avLst/>
-          </a:prstGeom>
-          <a:noFill/>
-        </p:spPr>
-        <p:txBody>
-          <a:bodyPr wrap="square" rtlCol="0">
-            <a:spAutoFit/>
-          </a:bodyPr>
-          <a:lstStyle/>
-          <a:p>
-            <a:r>
-              <a:rPr lang="en-US" dirty="0" smtClean="0"/>
-              <a:t>v</a:t>
-            </a:r>
-            <a:r>
-              <a:rPr lang="en-US" baseline="-25000" dirty="0" smtClean="0"/>
-              <a:t>0</a:t>
-            </a:r>
-            <a:endParaRPr lang="en-US" baseline="-25000" dirty="0"/>
-          </a:p>
-        </p:txBody>
-      </p:sp>
-      <p:cxnSp>
-        <p:nvCxnSpPr>
-          <p:cNvPr id="34" name="Straight Arrow Connector 33"/>
-          <p:cNvCxnSpPr/>
-          <p:nvPr/>
-        </p:nvCxnSpPr>
-        <p:spPr>
-          <a:xfrm>
-            <a:off x="2296583" y="1676711"/>
-            <a:ext cx="1511" cy="546098"/>
-          </a:xfrm>
-          <a:prstGeom prst="straightConnector1">
-            <a:avLst/>
-          </a:prstGeom>
-          <a:ln w="28575" cmpd="sng">
-            <a:tailEnd type="arrow"/>
-          </a:ln>
-          <a:effectLst/>
-        </p:spPr>
-        <p:style>
-          <a:lnRef idx="2">
-            <a:schemeClr val="dk1"/>
-          </a:lnRef>
-          <a:fillRef idx="0">
-            <a:schemeClr val="dk1"/>
-          </a:fillRef>
-          <a:effectRef idx="1">
-            <a:schemeClr val="dk1"/>
-          </a:effectRef>
-          <a:fontRef idx="minor">
-            <a:schemeClr val="tx1"/>
-          </a:fontRef>
-        </p:style>
-      </p:cxnSp>
-      <p:sp>
-        <p:nvSpPr>
-          <p:cNvPr id="36" name="TextBox 35"/>
-          <p:cNvSpPr txBox="1"/>
-          <p:nvPr/>
-        </p:nvSpPr>
-        <p:spPr>
-          <a:xfrm>
-            <a:off x="2329242" y="1763675"/>
-            <a:ext cx="399142" cy="369332"/>
-          </a:xfrm>
-          <a:prstGeom prst="rect">
-            <a:avLst/>
-          </a:prstGeom>
-          <a:noFill/>
-        </p:spPr>
-        <p:txBody>
-          <a:bodyPr wrap="square" rtlCol="0">
-            <a:spAutoFit/>
-          </a:bodyPr>
-          <a:lstStyle/>
-          <a:p>
-            <a:r>
-              <a:rPr lang="en-US" dirty="0" smtClean="0"/>
-              <a:t>a</a:t>
-            </a:r>
-            <a:endParaRPr lang="en-US" baseline="-25000" dirty="0"/>
-          </a:p>
-        </p:txBody>
-      </p:sp>
-      <p:grpSp>
-        <p:nvGrpSpPr>
-          <p:cNvPr id="37" name="Group 36"/>
-          <p:cNvGrpSpPr/>
-          <p:nvPr/>
-        </p:nvGrpSpPr>
-        <p:grpSpPr>
-          <a:xfrm>
-            <a:off x="4864496" y="2117574"/>
-            <a:ext cx="520096" cy="520096"/>
-            <a:chOff x="2467428" y="1596571"/>
-            <a:chExt cx="520096" cy="520096"/>
-          </a:xfrm>
-        </p:grpSpPr>
-        <p:cxnSp>
-          <p:nvCxnSpPr>
-            <p:cNvPr id="38" name="Straight Arrow Connector 37"/>
-            <p:cNvCxnSpPr/>
-            <p:nvPr/>
-          </p:nvCxnSpPr>
-          <p:spPr>
-            <a:xfrm flipV="1">
-              <a:off x="2467428" y="1596571"/>
-              <a:ext cx="0" cy="520096"/>
-            </a:xfrm>
-            <a:prstGeom prst="straightConnector1">
-              <a:avLst/>
-            </a:prstGeom>
-            <a:ln>
-              <a:solidFill>
-                <a:schemeClr val="bg1">
-                  <a:lumMod val="50000"/>
-                </a:schemeClr>
-              </a:solidFill>
-              <a:tailEnd type="arrow"/>
-            </a:ln>
-            <a:effectLst/>
-          </p:spPr>
-          <p:style>
-            <a:lnRef idx="2">
-              <a:schemeClr val="dk1"/>
-            </a:lnRef>
-            <a:fillRef idx="0">
-              <a:schemeClr val="dk1"/>
-            </a:fillRef>
-            <a:effectRef idx="1">
-              <a:schemeClr val="dk1"/>
-            </a:effectRef>
-            <a:fontRef idx="minor">
-              <a:schemeClr val="tx1"/>
-            </a:fontRef>
-          </p:style>
-        </p:cxnSp>
-        <p:cxnSp>
-          <p:nvCxnSpPr>
-            <p:cNvPr id="39" name="Straight Arrow Connector 38"/>
-            <p:cNvCxnSpPr/>
-            <p:nvPr/>
-          </p:nvCxnSpPr>
-          <p:spPr>
-            <a:xfrm rot="5400000" flipV="1">
-              <a:off x="2727476" y="1845733"/>
-              <a:ext cx="0" cy="520096"/>
-            </a:xfrm>
-            <a:prstGeom prst="straightConnector1">
-              <a:avLst/>
-            </a:prstGeom>
-            <a:ln>
-              <a:solidFill>
-                <a:schemeClr val="bg1">
-                  <a:lumMod val="50000"/>
-                </a:schemeClr>
-              </a:solidFill>
-              <a:tailEnd type="arrow"/>
-            </a:ln>
-            <a:effectLst/>
-          </p:spPr>
-          <p:style>
-            <a:lnRef idx="2">
-              <a:schemeClr val="dk1"/>
-            </a:lnRef>
-            <a:fillRef idx="0">
-              <a:schemeClr val="dk1"/>
-            </a:fillRef>
-            <a:effectRef idx="1">
-              <a:schemeClr val="dk1"/>
-            </a:effectRef>
-            <a:fontRef idx="minor">
-              <a:schemeClr val="tx1"/>
-            </a:fontRef>
-          </p:style>
-        </p:cxnSp>
-      </p:grpSp>
-      <p:sp>
-        <p:nvSpPr>
-          <p:cNvPr id="46" name="Right Arrow 45"/>
-          <p:cNvSpPr/>
-          <p:nvPr/>
-        </p:nvSpPr>
-        <p:spPr>
-          <a:xfrm>
-            <a:off x="3226741" y="1553323"/>
-            <a:ext cx="1476963" cy="1024314"/>
-          </a:xfrm>
-          <a:prstGeom prst="rightArrow">
-            <a:avLst/>
-          </a:prstGeom>
-        </p:spPr>
-        <p:style>
-          <a:lnRef idx="1">
-            <a:schemeClr val="dk1"/>
-          </a:lnRef>
-          <a:fillRef idx="3">
-            <a:schemeClr val="dk1"/>
-          </a:fillRef>
-          <a:effectRef idx="2">
-            <a:schemeClr val="dk1"/>
-          </a:effectRef>
-          <a:fontRef idx="minor">
-            <a:schemeClr val="lt1"/>
-          </a:fontRef>
-        </p:style>
-        <p:txBody>
-          <a:bodyPr rtlCol="0" anchor="ctr"/>
-          <a:lstStyle/>
-          <a:p>
-            <a:pPr algn="ctr"/>
-            <a:r>
-              <a:rPr lang="en-US" dirty="0" smtClean="0"/>
-              <a:t>Integration</a:t>
-            </a:r>
-            <a:endParaRPr lang="en-US" dirty="0"/>
-          </a:p>
-        </p:txBody>
-      </p:sp>
-      <p:sp>
-        <p:nvSpPr>
-          <p:cNvPr id="47" name="Oval 46"/>
-          <p:cNvSpPr/>
-          <p:nvPr/>
-        </p:nvSpPr>
-        <p:spPr>
-          <a:xfrm>
-            <a:off x="5743911" y="1602947"/>
-            <a:ext cx="100811" cy="100811"/>
-          </a:xfrm>
-          <a:prstGeom prst="ellipse">
-            <a:avLst/>
-          </a:prstGeom>
-          <a:solidFill>
-            <a:schemeClr val="tx1"/>
-          </a:solidFill>
-          <a:effectLst/>
-        </p:spPr>
-        <p:style>
-          <a:lnRef idx="1">
-            <a:schemeClr val="dk1"/>
-          </a:lnRef>
-          <a:fillRef idx="3">
-            <a:schemeClr val="dk1"/>
-          </a:fillRef>
-          <a:effectRef idx="2">
-            <a:schemeClr val="dk1"/>
-          </a:effectRef>
-          <a:fontRef idx="minor">
-            <a:schemeClr val="lt1"/>
-          </a:fontRef>
-        </p:style>
-        <p:txBody>
-          <a:bodyPr rtlCol="0" anchor="ctr"/>
-          <a:lstStyle/>
-          <a:p>
-            <a:pPr algn="ctr"/>
-            <a:endParaRPr lang="en-US"/>
-          </a:p>
-        </p:txBody>
-      </p:sp>
-      <p:sp>
-        <p:nvSpPr>
-          <p:cNvPr id="62" name="Freeform 61"/>
-          <p:cNvSpPr/>
-          <p:nvPr/>
-        </p:nvSpPr>
-        <p:spPr>
-          <a:xfrm>
-            <a:off x="5766741" y="1365193"/>
-            <a:ext cx="1815629" cy="854955"/>
-          </a:xfrm>
-          <a:custGeom>
-            <a:avLst/>
-            <a:gdLst>
-              <a:gd name="connsiteX0" fmla="*/ 0 w 1815629"/>
-              <a:gd name="connsiteY0" fmla="*/ 281103 h 854955"/>
-              <a:gd name="connsiteX1" fmla="*/ 1044222 w 1815629"/>
-              <a:gd name="connsiteY1" fmla="*/ 27103 h 854955"/>
-              <a:gd name="connsiteX2" fmla="*/ 1815629 w 1815629"/>
-              <a:gd name="connsiteY2" fmla="*/ 854955 h 854955"/>
-            </a:gdLst>
-            <a:ahLst/>
-            <a:cxnLst>
-              <a:cxn ang="0">
-                <a:pos x="connsiteX0" y="connsiteY0"/>
-              </a:cxn>
-              <a:cxn ang="0">
-                <a:pos x="connsiteX1" y="connsiteY1"/>
-              </a:cxn>
-              <a:cxn ang="0">
-                <a:pos x="connsiteX2" y="connsiteY2"/>
-              </a:cxn>
-            </a:cxnLst>
-            <a:rect l="l" t="t" r="r" b="b"/>
-            <a:pathLst>
-              <a:path w="1815629" h="854955">
-                <a:moveTo>
-                  <a:pt x="0" y="281103"/>
-                </a:moveTo>
-                <a:cubicBezTo>
-                  <a:pt x="370808" y="106282"/>
-                  <a:pt x="741617" y="-68539"/>
-                  <a:pt x="1044222" y="27103"/>
-                </a:cubicBezTo>
-                <a:cubicBezTo>
-                  <a:pt x="1346827" y="122745"/>
-                  <a:pt x="1767024" y="536671"/>
-                  <a:pt x="1815629" y="854955"/>
-                </a:cubicBezTo>
-              </a:path>
-            </a:pathLst>
-          </a:custGeom>
-          <a:ln>
-            <a:prstDash val="dash"/>
-            <a:headEnd type="none"/>
-            <a:tailEnd type="arrow"/>
-          </a:ln>
-        </p:spPr>
-        <p:style>
-          <a:lnRef idx="2">
-            <a:schemeClr val="dk1"/>
-          </a:lnRef>
-          <a:fillRef idx="0">
-            <a:schemeClr val="dk1"/>
-          </a:fillRef>
-          <a:effectRef idx="1">
-            <a:schemeClr val="dk1"/>
-          </a:effectRef>
-          <a:fontRef idx="minor">
-            <a:schemeClr val="tx1"/>
-          </a:fontRef>
-        </p:style>
-        <p:txBody>
-          <a:bodyPr rtlCol="0" anchor="ctr"/>
-          <a:lstStyle/>
-          <a:p>
-            <a:pPr algn="ctr"/>
-            <a:endParaRPr lang="en-US"/>
-          </a:p>
-        </p:txBody>
-      </p:sp>
-      <p:sp>
-        <p:nvSpPr>
-          <p:cNvPr id="63" name="TextBox 62"/>
-          <p:cNvSpPr txBox="1"/>
-          <p:nvPr/>
-        </p:nvSpPr>
-        <p:spPr>
-          <a:xfrm>
-            <a:off x="5445580" y="1237097"/>
-            <a:ext cx="518716" cy="369332"/>
-          </a:xfrm>
-          <a:prstGeom prst="rect">
-            <a:avLst/>
-          </a:prstGeom>
-          <a:noFill/>
-        </p:spPr>
-        <p:txBody>
-          <a:bodyPr wrap="square" rtlCol="0">
-            <a:spAutoFit/>
-          </a:bodyPr>
-          <a:lstStyle/>
-          <a:p>
-            <a:r>
-              <a:rPr lang="en-US" dirty="0" smtClean="0"/>
-              <a:t>t=0</a:t>
-            </a:r>
-            <a:endParaRPr lang="en-US" baseline="-25000" dirty="0"/>
-          </a:p>
-        </p:txBody>
-      </p:sp>
-      <p:sp>
-        <p:nvSpPr>
-          <p:cNvPr id="64" name="TextBox 63"/>
-          <p:cNvSpPr txBox="1"/>
-          <p:nvPr/>
-        </p:nvSpPr>
-        <p:spPr>
-          <a:xfrm>
-            <a:off x="7582370" y="1633225"/>
-            <a:ext cx="518716" cy="369332"/>
-          </a:xfrm>
-          <a:prstGeom prst="rect">
-            <a:avLst/>
-          </a:prstGeom>
-          <a:noFill/>
-        </p:spPr>
-        <p:txBody>
-          <a:bodyPr wrap="square" rtlCol="0">
-            <a:spAutoFit/>
-          </a:bodyPr>
-          <a:lstStyle/>
-          <a:p>
-            <a:r>
-              <a:rPr lang="en-US" dirty="0" smtClean="0"/>
-              <a:t>t&gt;0</a:t>
-            </a:r>
-            <a:endParaRPr lang="en-US" baseline="-25000" dirty="0"/>
-          </a:p>
-        </p:txBody>
-      </p:sp>
-    </p:spTree>
-    <p:extLst>
-      <p:ext uri="{BB962C8B-B14F-4D97-AF65-F5344CB8AC3E}">
-        <p14:creationId xmlns:p14="http://schemas.microsoft.com/office/powerpoint/2010/main" val="3291362728"/>
-      </p:ext>
-    </p:extLst>
-  </p:cSld>
-  <p:clrMapOvr>
-    <a:masterClrMapping/>
-  </p:clrMapOvr>
-</p:sld>
-</file>
-
-<file path=ppt/slides/slide20.xml><?xml version="1.0" encoding="utf-8"?>
+<file path=ppt/slides/slide21.xml><?xml version="1.0" encoding="utf-8"?>
 <p:sld xmlns:a="http://schemas.openxmlformats.org/drawingml/2006/main" xmlns:r="http://schemas.openxmlformats.org/officeDocument/2006/relationships" xmlns:p="http://schemas.openxmlformats.org/presentationml/2006/main">
   <p:cSld>
     <p:spTree>
@@ -20604,8 +22052,8 @@
         </p:nvCxnSpPr>
         <p:spPr>
           <a:xfrm flipH="1" flipV="1">
-            <a:off x="1227063" y="3202154"/>
-            <a:ext cx="2644712" cy="757504"/>
+            <a:off x="1292223" y="3220817"/>
+            <a:ext cx="2579552" cy="738841"/>
           </a:xfrm>
           <a:prstGeom prst="straightConnector1">
             <a:avLst/>
@@ -20981,7 +22429,7 @@
         </p:nvSpPr>
         <p:spPr>
           <a:xfrm>
-            <a:off x="1515446" y="2974749"/>
+            <a:off x="1065143" y="3438725"/>
             <a:ext cx="399142" cy="369332"/>
           </a:xfrm>
           <a:prstGeom prst="rect">
@@ -21003,6 +22451,40 @@
           </a:p>
         </p:txBody>
       </p:sp>
+      <p:cxnSp>
+        <p:nvCxnSpPr>
+          <p:cNvPr id="77" name="Straight Arrow Connector 76"/>
+          <p:cNvCxnSpPr/>
+          <p:nvPr/>
+        </p:nvCxnSpPr>
+        <p:spPr>
+          <a:xfrm flipV="1">
+            <a:off x="725106" y="3310282"/>
+            <a:ext cx="877515" cy="1336508"/>
+          </a:xfrm>
+          <a:prstGeom prst="straightConnector1">
+            <a:avLst/>
+          </a:prstGeom>
+          <a:ln w="28575" cmpd="sng">
+            <a:tailEnd type="arrow"/>
+          </a:ln>
+          <a:effectLst/>
+        </p:spPr>
+        <p:style>
+          <a:lnRef idx="2">
+            <a:schemeClr val="dk1"/>
+          </a:lnRef>
+          <a:fillRef idx="0">
+            <a:schemeClr val="dk1"/>
+          </a:fillRef>
+          <a:effectRef idx="1">
+            <a:schemeClr val="dk1"/>
+          </a:effectRef>
+          <a:fontRef idx="minor">
+            <a:schemeClr val="tx1"/>
+          </a:fontRef>
+        </p:style>
+      </p:cxnSp>
     </p:spTree>
     <p:extLst>
       <p:ext uri="{BB962C8B-B14F-4D97-AF65-F5344CB8AC3E}">
@@ -21790,13 +23272,13 @@
       </p:grpSpPr>
       <p:sp>
         <p:nvSpPr>
-          <p:cNvPr id="64" name="Freeform 63"/>
+          <p:cNvPr id="12" name="Freeform 11"/>
           <p:cNvSpPr/>
           <p:nvPr/>
         </p:nvSpPr>
         <p:spPr>
           <a:xfrm rot="1049416">
-            <a:off x="5434802" y="1826749"/>
+            <a:off x="1063660" y="2131781"/>
             <a:ext cx="2724728" cy="1177063"/>
           </a:xfrm>
           <a:custGeom>
@@ -21935,153 +23417,6 @@
           </a:p>
         </p:txBody>
       </p:sp>
-      <p:sp>
-        <p:nvSpPr>
-          <p:cNvPr id="12" name="Freeform 11"/>
-          <p:cNvSpPr/>
-          <p:nvPr/>
-        </p:nvSpPr>
-        <p:spPr>
-          <a:xfrm rot="1049416">
-            <a:off x="1063660" y="1826751"/>
-            <a:ext cx="2724728" cy="1177063"/>
-          </a:xfrm>
-          <a:custGeom>
-            <a:avLst/>
-            <a:gdLst>
-              <a:gd name="connsiteX0" fmla="*/ 0 w 3009516"/>
-              <a:gd name="connsiteY0" fmla="*/ 638849 h 1585576"/>
-              <a:gd name="connsiteX1" fmla="*/ 284788 w 3009516"/>
-              <a:gd name="connsiteY1" fmla="*/ 0 h 1585576"/>
-              <a:gd name="connsiteX2" fmla="*/ 569576 w 3009516"/>
-              <a:gd name="connsiteY2" fmla="*/ 307879 h 1585576"/>
-              <a:gd name="connsiteX3" fmla="*/ 3009516 w 3009516"/>
-              <a:gd name="connsiteY3" fmla="*/ 815879 h 1585576"/>
-              <a:gd name="connsiteX4" fmla="*/ 2709334 w 3009516"/>
-              <a:gd name="connsiteY4" fmla="*/ 1585576 h 1585576"/>
-              <a:gd name="connsiteX5" fmla="*/ 53879 w 3009516"/>
-              <a:gd name="connsiteY5" fmla="*/ 1239212 h 1585576"/>
-              <a:gd name="connsiteX6" fmla="*/ 0 w 3009516"/>
-              <a:gd name="connsiteY6" fmla="*/ 638849 h 1585576"/>
-              <a:gd name="connsiteX0" fmla="*/ 0 w 3009516"/>
-              <a:gd name="connsiteY0" fmla="*/ 638849 h 1585576"/>
-              <a:gd name="connsiteX1" fmla="*/ 284788 w 3009516"/>
-              <a:gd name="connsiteY1" fmla="*/ 0 h 1585576"/>
-              <a:gd name="connsiteX2" fmla="*/ 569576 w 3009516"/>
-              <a:gd name="connsiteY2" fmla="*/ 307879 h 1585576"/>
-              <a:gd name="connsiteX3" fmla="*/ 3009516 w 3009516"/>
-              <a:gd name="connsiteY3" fmla="*/ 815879 h 1585576"/>
-              <a:gd name="connsiteX4" fmla="*/ 2709334 w 3009516"/>
-              <a:gd name="connsiteY4" fmla="*/ 1585576 h 1585576"/>
-              <a:gd name="connsiteX5" fmla="*/ 635975 w 3009516"/>
-              <a:gd name="connsiteY5" fmla="*/ 962217 h 1585576"/>
-              <a:gd name="connsiteX6" fmla="*/ 0 w 3009516"/>
-              <a:gd name="connsiteY6" fmla="*/ 638849 h 1585576"/>
-              <a:gd name="connsiteX0" fmla="*/ 8417 w 2724728"/>
-              <a:gd name="connsiteY0" fmla="*/ 632827 h 1585576"/>
-              <a:gd name="connsiteX1" fmla="*/ 0 w 2724728"/>
-              <a:gd name="connsiteY1" fmla="*/ 0 h 1585576"/>
-              <a:gd name="connsiteX2" fmla="*/ 284788 w 2724728"/>
-              <a:gd name="connsiteY2" fmla="*/ 307879 h 1585576"/>
-              <a:gd name="connsiteX3" fmla="*/ 2724728 w 2724728"/>
-              <a:gd name="connsiteY3" fmla="*/ 815879 h 1585576"/>
-              <a:gd name="connsiteX4" fmla="*/ 2424546 w 2724728"/>
-              <a:gd name="connsiteY4" fmla="*/ 1585576 h 1585576"/>
-              <a:gd name="connsiteX5" fmla="*/ 351187 w 2724728"/>
-              <a:gd name="connsiteY5" fmla="*/ 962217 h 1585576"/>
-              <a:gd name="connsiteX6" fmla="*/ 8417 w 2724728"/>
-              <a:gd name="connsiteY6" fmla="*/ 632827 h 1585576"/>
-              <a:gd name="connsiteX0" fmla="*/ 8417 w 2724728"/>
-              <a:gd name="connsiteY0" fmla="*/ 632827 h 1177063"/>
-              <a:gd name="connsiteX1" fmla="*/ 0 w 2724728"/>
-              <a:gd name="connsiteY1" fmla="*/ 0 h 1177063"/>
-              <a:gd name="connsiteX2" fmla="*/ 284788 w 2724728"/>
-              <a:gd name="connsiteY2" fmla="*/ 307879 h 1177063"/>
-              <a:gd name="connsiteX3" fmla="*/ 2724728 w 2724728"/>
-              <a:gd name="connsiteY3" fmla="*/ 815879 h 1177063"/>
-              <a:gd name="connsiteX4" fmla="*/ 1482487 w 2724728"/>
-              <a:gd name="connsiteY4" fmla="*/ 1177063 h 1177063"/>
-              <a:gd name="connsiteX5" fmla="*/ 351187 w 2724728"/>
-              <a:gd name="connsiteY5" fmla="*/ 962217 h 1177063"/>
-              <a:gd name="connsiteX6" fmla="*/ 8417 w 2724728"/>
-              <a:gd name="connsiteY6" fmla="*/ 632827 h 1177063"/>
-            </a:gdLst>
-            <a:ahLst/>
-            <a:cxnLst>
-              <a:cxn ang="0">
-                <a:pos x="connsiteX0" y="connsiteY0"/>
-              </a:cxn>
-              <a:cxn ang="0">
-                <a:pos x="connsiteX1" y="connsiteY1"/>
-              </a:cxn>
-              <a:cxn ang="0">
-                <a:pos x="connsiteX2" y="connsiteY2"/>
-              </a:cxn>
-              <a:cxn ang="0">
-                <a:pos x="connsiteX3" y="connsiteY3"/>
-              </a:cxn>
-              <a:cxn ang="0">
-                <a:pos x="connsiteX4" y="connsiteY4"/>
-              </a:cxn>
-              <a:cxn ang="0">
-                <a:pos x="connsiteX5" y="connsiteY5"/>
-              </a:cxn>
-              <a:cxn ang="0">
-                <a:pos x="connsiteX6" y="connsiteY6"/>
-              </a:cxn>
-            </a:cxnLst>
-            <a:rect l="l" t="t" r="r" b="b"/>
-            <a:pathLst>
-              <a:path w="2724728" h="1177063">
-                <a:moveTo>
-                  <a:pt x="8417" y="632827"/>
-                </a:moveTo>
-                <a:lnTo>
-                  <a:pt x="0" y="0"/>
-                </a:lnTo>
-                <a:lnTo>
-                  <a:pt x="284788" y="307879"/>
-                </a:lnTo>
-                <a:lnTo>
-                  <a:pt x="2724728" y="815879"/>
-                </a:lnTo>
-                <a:lnTo>
-                  <a:pt x="1482487" y="1177063"/>
-                </a:lnTo>
-                <a:lnTo>
-                  <a:pt x="351187" y="962217"/>
-                </a:lnTo>
-                <a:lnTo>
-                  <a:pt x="8417" y="632827"/>
-                </a:lnTo>
-                <a:close/>
-              </a:path>
-            </a:pathLst>
-          </a:custGeom>
-        </p:spPr>
-        <p:style>
-          <a:lnRef idx="1">
-            <a:schemeClr val="accent1"/>
-          </a:lnRef>
-          <a:fillRef idx="3">
-            <a:schemeClr val="accent1"/>
-          </a:fillRef>
-          <a:effectRef idx="2">
-            <a:schemeClr val="accent1"/>
-          </a:effectRef>
-          <a:fontRef idx="minor">
-            <a:schemeClr val="lt1"/>
-          </a:fontRef>
-        </p:style>
-        <p:txBody>
-          <a:bodyPr rtlCol="0" anchor="ctr"/>
-          <a:lstStyle/>
-          <a:p>
-            <a:pPr algn="ctr"/>
-            <a:endParaRPr lang="en-US"/>
-          </a:p>
-        </p:txBody>
-      </p:sp>
       <p:cxnSp>
         <p:nvCxnSpPr>
           <p:cNvPr id="9" name="Straight Arrow Connector 8"/>
@@ -22090,7 +23425,7 @@
         </p:nvCxnSpPr>
         <p:spPr>
           <a:xfrm>
-            <a:off x="2134207" y="2184324"/>
+            <a:off x="2134207" y="2489354"/>
             <a:ext cx="1511" cy="648161"/>
           </a:xfrm>
           <a:prstGeom prst="straightConnector1">
@@ -22124,7 +23459,7 @@
         </p:nvSpPr>
         <p:spPr>
           <a:xfrm>
-            <a:off x="1874572" y="2206869"/>
+            <a:off x="1874572" y="2511899"/>
             <a:ext cx="399142" cy="369332"/>
           </a:xfrm>
           <a:prstGeom prst="rect">
@@ -22154,7 +23489,7 @@
         </p:nvSpPr>
         <p:spPr>
           <a:xfrm>
-            <a:off x="3380680" y="1553323"/>
+            <a:off x="3242286" y="1836068"/>
             <a:ext cx="1476963" cy="1024314"/>
           </a:xfrm>
           <a:prstGeom prst="rightArrow">
@@ -22470,51 +23805,93 @@
           </a:p>
         </p:txBody>
       </p:sp>
-      <p:cxnSp>
-        <p:nvCxnSpPr>
-          <p:cNvPr id="57" name="Straight Arrow Connector 56"/>
-          <p:cNvCxnSpPr/>
-          <p:nvPr/>
-        </p:nvCxnSpPr>
-        <p:spPr>
-          <a:xfrm>
-            <a:off x="6436483" y="2166683"/>
-            <a:ext cx="360684" cy="201481"/>
-          </a:xfrm>
-          <a:prstGeom prst="straightConnector1">
-            <a:avLst/>
-          </a:prstGeom>
-          <a:ln w="19050" cmpd="sng">
-            <a:headEnd type="none"/>
-            <a:tailEnd type="arrow"/>
-          </a:ln>
-          <a:effectLst/>
+      <p:sp>
+        <p:nvSpPr>
+          <p:cNvPr id="15" name="Oval 14"/>
+          <p:cNvSpPr/>
+          <p:nvPr/>
+        </p:nvSpPr>
+        <p:spPr>
+          <a:xfrm>
+            <a:off x="2074143" y="2404688"/>
+            <a:ext cx="123151" cy="123151"/>
+          </a:xfrm>
+          <a:prstGeom prst="ellipse">
+            <a:avLst/>
+          </a:prstGeom>
+        </p:spPr>
+        <p:style>
+          <a:lnRef idx="1">
+            <a:schemeClr val="accent2"/>
+          </a:lnRef>
+          <a:fillRef idx="3">
+            <a:schemeClr val="accent2"/>
+          </a:fillRef>
+          <a:effectRef idx="2">
+            <a:schemeClr val="accent2"/>
+          </a:effectRef>
+          <a:fontRef idx="minor">
+            <a:schemeClr val="lt1"/>
+          </a:fontRef>
+        </p:style>
+        <p:txBody>
+          <a:bodyPr rtlCol="0" anchor="ctr"/>
+          <a:lstStyle/>
+          <a:p>
+            <a:pPr algn="ctr"/>
+            <a:endParaRPr lang="en-US"/>
+          </a:p>
+        </p:txBody>
+      </p:sp>
+      <p:sp>
+        <p:nvSpPr>
+          <p:cNvPr id="63" name="Rectangle 62"/>
+          <p:cNvSpPr/>
+          <p:nvPr/>
+        </p:nvSpPr>
+        <p:spPr>
+          <a:xfrm rot="18011192">
+            <a:off x="3833261" y="773564"/>
+            <a:ext cx="112756" cy="112756"/>
+          </a:xfrm>
+          <a:prstGeom prst="rect">
+            <a:avLst/>
+          </a:prstGeom>
+          <a:ln w="12700" cmpd="sng"/>
         </p:spPr>
         <p:style>
           <a:lnRef idx="2">
             <a:schemeClr val="dk1"/>
           </a:lnRef>
-          <a:fillRef idx="0">
-            <a:schemeClr val="dk1"/>
-          </a:fillRef>
-          <a:effectRef idx="1">
-            <a:schemeClr val="dk1"/>
-          </a:effectRef>
-          <a:fontRef idx="minor">
-            <a:schemeClr val="tx1"/>
-          </a:fontRef>
-        </p:style>
-      </p:cxnSp>
-      <p:sp>
-        <p:nvSpPr>
-          <p:cNvPr id="58" name="TextBox 57"/>
+          <a:fillRef idx="1">
+            <a:schemeClr val="lt1"/>
+          </a:fillRef>
+          <a:effectRef idx="0">
+            <a:schemeClr val="dk1"/>
+          </a:effectRef>
+          <a:fontRef idx="minor">
+            <a:schemeClr val="dk1"/>
+          </a:fontRef>
+        </p:style>
+        <p:txBody>
+          <a:bodyPr rtlCol="0" anchor="ctr"/>
+          <a:lstStyle/>
+          <a:p>
+            <a:pPr algn="ctr"/>
+            <a:endParaRPr lang="en-US"/>
+          </a:p>
+        </p:txBody>
+      </p:sp>
+      <p:sp>
+        <p:nvSpPr>
+          <p:cNvPr id="21" name="TextBox 20"/>
           <p:cNvSpPr txBox="1"/>
           <p:nvPr/>
         </p:nvSpPr>
         <p:spPr>
           <a:xfrm>
-            <a:off x="6499570" y="1915043"/>
-            <a:ext cx="823302" cy="338554"/>
+            <a:off x="2407402" y="3048929"/>
+            <a:ext cx="823302" cy="276999"/>
           </a:xfrm>
           <a:prstGeom prst="rect">
             <a:avLst/>
@@ -22528,132 +23905,402 @@
           <a:lstStyle/>
           <a:p>
             <a:r>
-              <a:rPr lang="en-US" sz="1600" dirty="0" smtClean="0"/>
-              <a:t>a</a:t>
-            </a:r>
-            <a:r>
-              <a:rPr lang="en-US" sz="1600" baseline="-25000" dirty="0" smtClean="0"/>
-              <a:t>projected</a:t>
-            </a:r>
-            <a:endParaRPr lang="en-US" sz="1600" baseline="-25000" dirty="0"/>
-          </a:p>
-        </p:txBody>
-      </p:sp>
-      <p:sp>
-        <p:nvSpPr>
-          <p:cNvPr id="54" name="Oval 53"/>
-          <p:cNvSpPr/>
-          <p:nvPr/>
-        </p:nvSpPr>
-        <p:spPr>
-          <a:xfrm>
-            <a:off x="6368722" y="2082017"/>
-            <a:ext cx="123151" cy="123151"/>
-          </a:xfrm>
-          <a:prstGeom prst="ellipse">
-            <a:avLst/>
-          </a:prstGeom>
-        </p:spPr>
-        <p:style>
-          <a:lnRef idx="1">
-            <a:schemeClr val="accent2"/>
-          </a:lnRef>
-          <a:fillRef idx="3">
-            <a:schemeClr val="accent2"/>
-          </a:fillRef>
-          <a:effectRef idx="2">
-            <a:schemeClr val="accent2"/>
-          </a:effectRef>
-          <a:fontRef idx="minor">
-            <a:schemeClr val="lt1"/>
-          </a:fontRef>
-        </p:style>
-        <p:txBody>
-          <a:bodyPr rtlCol="0" anchor="ctr"/>
-          <a:lstStyle/>
-          <a:p>
-            <a:pPr algn="ctr"/>
-            <a:endParaRPr lang="en-US"/>
-          </a:p>
-        </p:txBody>
-      </p:sp>
-      <p:sp>
-        <p:nvSpPr>
-          <p:cNvPr id="15" name="Oval 14"/>
-          <p:cNvSpPr/>
-          <p:nvPr/>
-        </p:nvSpPr>
-        <p:spPr>
-          <a:xfrm>
-            <a:off x="2074143" y="2099658"/>
-            <a:ext cx="123151" cy="123151"/>
-          </a:xfrm>
-          <a:prstGeom prst="ellipse">
-            <a:avLst/>
-          </a:prstGeom>
-        </p:spPr>
-        <p:style>
-          <a:lnRef idx="1">
-            <a:schemeClr val="accent2"/>
-          </a:lnRef>
-          <a:fillRef idx="3">
-            <a:schemeClr val="accent2"/>
-          </a:fillRef>
-          <a:effectRef idx="2">
-            <a:schemeClr val="accent2"/>
-          </a:effectRef>
-          <a:fontRef idx="minor">
-            <a:schemeClr val="lt1"/>
-          </a:fontRef>
-        </p:style>
-        <p:txBody>
-          <a:bodyPr rtlCol="0" anchor="ctr"/>
-          <a:lstStyle/>
-          <a:p>
-            <a:pPr algn="ctr"/>
-            <a:endParaRPr lang="en-US"/>
-          </a:p>
-        </p:txBody>
-      </p:sp>
-      <p:sp>
-        <p:nvSpPr>
-          <p:cNvPr id="63" name="Rectangle 62"/>
-          <p:cNvSpPr/>
-          <p:nvPr/>
-        </p:nvSpPr>
-        <p:spPr>
-          <a:xfrm rot="18011192">
-            <a:off x="3833261" y="773564"/>
-            <a:ext cx="112756" cy="112756"/>
-          </a:xfrm>
-          <a:prstGeom prst="rect">
-            <a:avLst/>
-          </a:prstGeom>
-          <a:ln w="12700" cmpd="sng"/>
-        </p:spPr>
-        <p:style>
-          <a:lnRef idx="2">
-            <a:schemeClr val="dk1"/>
-          </a:lnRef>
-          <a:fillRef idx="1">
-            <a:schemeClr val="lt1"/>
-          </a:fillRef>
-          <a:effectRef idx="0">
-            <a:schemeClr val="dk1"/>
-          </a:effectRef>
-          <a:fontRef idx="minor">
-            <a:schemeClr val="dk1"/>
-          </a:fontRef>
-        </p:style>
-        <p:txBody>
-          <a:bodyPr rtlCol="0" anchor="ctr"/>
-          <a:lstStyle/>
-          <a:p>
-            <a:pPr algn="ctr"/>
-            <a:endParaRPr lang="en-US"/>
-          </a:p>
-        </p:txBody>
-      </p:sp>
+              <a:rPr lang="en-US" sz="1200" dirty="0" smtClean="0"/>
+              <a:t>workpiece</a:t>
+            </a:r>
+            <a:endParaRPr lang="en-US" sz="1200" baseline="-25000" dirty="0"/>
+          </a:p>
+        </p:txBody>
+      </p:sp>
+      <p:grpSp>
+        <p:nvGrpSpPr>
+          <p:cNvPr id="14" name="Group 13"/>
+          <p:cNvGrpSpPr/>
+          <p:nvPr/>
+        </p:nvGrpSpPr>
+        <p:grpSpPr>
+          <a:xfrm>
+            <a:off x="4753173" y="2024195"/>
+            <a:ext cx="2973769" cy="1284647"/>
+            <a:chOff x="5002214" y="2131779"/>
+            <a:chExt cx="2724728" cy="1177063"/>
+          </a:xfrm>
+        </p:grpSpPr>
+        <p:sp>
+          <p:nvSpPr>
+            <p:cNvPr id="64" name="Freeform 63"/>
+            <p:cNvSpPr/>
+            <p:nvPr/>
+          </p:nvSpPr>
+          <p:spPr>
+            <a:xfrm rot="1049416">
+              <a:off x="5002214" y="2131779"/>
+              <a:ext cx="2724728" cy="1177063"/>
+            </a:xfrm>
+            <a:custGeom>
+              <a:avLst/>
+              <a:gdLst>
+                <a:gd name="connsiteX0" fmla="*/ 0 w 3009516"/>
+                <a:gd name="connsiteY0" fmla="*/ 638849 h 1585576"/>
+                <a:gd name="connsiteX1" fmla="*/ 284788 w 3009516"/>
+                <a:gd name="connsiteY1" fmla="*/ 0 h 1585576"/>
+                <a:gd name="connsiteX2" fmla="*/ 569576 w 3009516"/>
+                <a:gd name="connsiteY2" fmla="*/ 307879 h 1585576"/>
+                <a:gd name="connsiteX3" fmla="*/ 3009516 w 3009516"/>
+                <a:gd name="connsiteY3" fmla="*/ 815879 h 1585576"/>
+                <a:gd name="connsiteX4" fmla="*/ 2709334 w 3009516"/>
+                <a:gd name="connsiteY4" fmla="*/ 1585576 h 1585576"/>
+                <a:gd name="connsiteX5" fmla="*/ 53879 w 3009516"/>
+                <a:gd name="connsiteY5" fmla="*/ 1239212 h 1585576"/>
+                <a:gd name="connsiteX6" fmla="*/ 0 w 3009516"/>
+                <a:gd name="connsiteY6" fmla="*/ 638849 h 1585576"/>
+                <a:gd name="connsiteX0" fmla="*/ 0 w 3009516"/>
+                <a:gd name="connsiteY0" fmla="*/ 638849 h 1585576"/>
+                <a:gd name="connsiteX1" fmla="*/ 284788 w 3009516"/>
+                <a:gd name="connsiteY1" fmla="*/ 0 h 1585576"/>
+                <a:gd name="connsiteX2" fmla="*/ 569576 w 3009516"/>
+                <a:gd name="connsiteY2" fmla="*/ 307879 h 1585576"/>
+                <a:gd name="connsiteX3" fmla="*/ 3009516 w 3009516"/>
+                <a:gd name="connsiteY3" fmla="*/ 815879 h 1585576"/>
+                <a:gd name="connsiteX4" fmla="*/ 2709334 w 3009516"/>
+                <a:gd name="connsiteY4" fmla="*/ 1585576 h 1585576"/>
+                <a:gd name="connsiteX5" fmla="*/ 635975 w 3009516"/>
+                <a:gd name="connsiteY5" fmla="*/ 962217 h 1585576"/>
+                <a:gd name="connsiteX6" fmla="*/ 0 w 3009516"/>
+                <a:gd name="connsiteY6" fmla="*/ 638849 h 1585576"/>
+                <a:gd name="connsiteX0" fmla="*/ 8417 w 2724728"/>
+                <a:gd name="connsiteY0" fmla="*/ 632827 h 1585576"/>
+                <a:gd name="connsiteX1" fmla="*/ 0 w 2724728"/>
+                <a:gd name="connsiteY1" fmla="*/ 0 h 1585576"/>
+                <a:gd name="connsiteX2" fmla="*/ 284788 w 2724728"/>
+                <a:gd name="connsiteY2" fmla="*/ 307879 h 1585576"/>
+                <a:gd name="connsiteX3" fmla="*/ 2724728 w 2724728"/>
+                <a:gd name="connsiteY3" fmla="*/ 815879 h 1585576"/>
+                <a:gd name="connsiteX4" fmla="*/ 2424546 w 2724728"/>
+                <a:gd name="connsiteY4" fmla="*/ 1585576 h 1585576"/>
+                <a:gd name="connsiteX5" fmla="*/ 351187 w 2724728"/>
+                <a:gd name="connsiteY5" fmla="*/ 962217 h 1585576"/>
+                <a:gd name="connsiteX6" fmla="*/ 8417 w 2724728"/>
+                <a:gd name="connsiteY6" fmla="*/ 632827 h 1585576"/>
+                <a:gd name="connsiteX0" fmla="*/ 8417 w 2724728"/>
+                <a:gd name="connsiteY0" fmla="*/ 632827 h 1177063"/>
+                <a:gd name="connsiteX1" fmla="*/ 0 w 2724728"/>
+                <a:gd name="connsiteY1" fmla="*/ 0 h 1177063"/>
+                <a:gd name="connsiteX2" fmla="*/ 284788 w 2724728"/>
+                <a:gd name="connsiteY2" fmla="*/ 307879 h 1177063"/>
+                <a:gd name="connsiteX3" fmla="*/ 2724728 w 2724728"/>
+                <a:gd name="connsiteY3" fmla="*/ 815879 h 1177063"/>
+                <a:gd name="connsiteX4" fmla="*/ 1482487 w 2724728"/>
+                <a:gd name="connsiteY4" fmla="*/ 1177063 h 1177063"/>
+                <a:gd name="connsiteX5" fmla="*/ 351187 w 2724728"/>
+                <a:gd name="connsiteY5" fmla="*/ 962217 h 1177063"/>
+                <a:gd name="connsiteX6" fmla="*/ 8417 w 2724728"/>
+                <a:gd name="connsiteY6" fmla="*/ 632827 h 1177063"/>
+              </a:gdLst>
+              <a:ahLst/>
+              <a:cxnLst>
+                <a:cxn ang="0">
+                  <a:pos x="connsiteX0" y="connsiteY0"/>
+                </a:cxn>
+                <a:cxn ang="0">
+                  <a:pos x="connsiteX1" y="connsiteY1"/>
+                </a:cxn>
+                <a:cxn ang="0">
+                  <a:pos x="connsiteX2" y="connsiteY2"/>
+                </a:cxn>
+                <a:cxn ang="0">
+                  <a:pos x="connsiteX3" y="connsiteY3"/>
+                </a:cxn>
+                <a:cxn ang="0">
+                  <a:pos x="connsiteX4" y="connsiteY4"/>
+                </a:cxn>
+                <a:cxn ang="0">
+                  <a:pos x="connsiteX5" y="connsiteY5"/>
+                </a:cxn>
+                <a:cxn ang="0">
+                  <a:pos x="connsiteX6" y="connsiteY6"/>
+                </a:cxn>
+              </a:cxnLst>
+              <a:rect l="l" t="t" r="r" b="b"/>
+              <a:pathLst>
+                <a:path w="2724728" h="1177063">
+                  <a:moveTo>
+                    <a:pt x="8417" y="632827"/>
+                  </a:moveTo>
+                  <a:lnTo>
+                    <a:pt x="0" y="0"/>
+                  </a:lnTo>
+                  <a:lnTo>
+                    <a:pt x="284788" y="307879"/>
+                  </a:lnTo>
+                  <a:lnTo>
+                    <a:pt x="2724728" y="815879"/>
+                  </a:lnTo>
+                  <a:lnTo>
+                    <a:pt x="1482487" y="1177063"/>
+                  </a:lnTo>
+                  <a:lnTo>
+                    <a:pt x="351187" y="962217"/>
+                  </a:lnTo>
+                  <a:lnTo>
+                    <a:pt x="8417" y="632827"/>
+                  </a:lnTo>
+                  <a:close/>
+                </a:path>
+              </a:pathLst>
+            </a:custGeom>
+          </p:spPr>
+          <p:style>
+            <a:lnRef idx="1">
+              <a:schemeClr val="accent1"/>
+            </a:lnRef>
+            <a:fillRef idx="3">
+              <a:schemeClr val="accent1"/>
+            </a:fillRef>
+            <a:effectRef idx="2">
+              <a:schemeClr val="accent1"/>
+            </a:effectRef>
+            <a:fontRef idx="minor">
+              <a:schemeClr val="lt1"/>
+            </a:fontRef>
+          </p:style>
+          <p:txBody>
+            <a:bodyPr rtlCol="0" anchor="ctr"/>
+            <a:lstStyle/>
+            <a:p>
+              <a:pPr algn="ctr"/>
+              <a:endParaRPr lang="en-US"/>
+            </a:p>
+          </p:txBody>
+        </p:sp>
+        <p:sp>
+          <p:nvSpPr>
+            <p:cNvPr id="58" name="TextBox 57"/>
+            <p:cNvSpPr txBox="1"/>
+            <p:nvPr/>
+          </p:nvSpPr>
+          <p:spPr>
+            <a:xfrm>
+              <a:off x="6066982" y="2194665"/>
+              <a:ext cx="823302" cy="338554"/>
+            </a:xfrm>
+            <a:prstGeom prst="rect">
+              <a:avLst/>
+            </a:prstGeom>
+            <a:noFill/>
+          </p:spPr>
+          <p:txBody>
+            <a:bodyPr wrap="square" rtlCol="0">
+              <a:spAutoFit/>
+            </a:bodyPr>
+            <a:lstStyle/>
+            <a:p>
+              <a:r>
+                <a:rPr lang="en-US" sz="1600" dirty="0" smtClean="0"/>
+                <a:t>a</a:t>
+              </a:r>
+              <a:r>
+                <a:rPr lang="en-US" sz="1600" baseline="-25000" dirty="0" smtClean="0"/>
+                <a:t>projected</a:t>
+              </a:r>
+              <a:endParaRPr lang="en-US" sz="1600" baseline="-25000" dirty="0"/>
+            </a:p>
+          </p:txBody>
+        </p:sp>
+        <p:sp>
+          <p:nvSpPr>
+            <p:cNvPr id="54" name="Oval 53"/>
+            <p:cNvSpPr/>
+            <p:nvPr/>
+          </p:nvSpPr>
+          <p:spPr>
+            <a:xfrm>
+              <a:off x="5936134" y="2387047"/>
+              <a:ext cx="123151" cy="123151"/>
+            </a:xfrm>
+            <a:prstGeom prst="ellipse">
+              <a:avLst/>
+            </a:prstGeom>
+          </p:spPr>
+          <p:style>
+            <a:lnRef idx="1">
+              <a:schemeClr val="accent2"/>
+            </a:lnRef>
+            <a:fillRef idx="3">
+              <a:schemeClr val="accent2"/>
+            </a:fillRef>
+            <a:effectRef idx="2">
+              <a:schemeClr val="accent2"/>
+            </a:effectRef>
+            <a:fontRef idx="minor">
+              <a:schemeClr val="lt1"/>
+            </a:fontRef>
+          </p:style>
+          <p:txBody>
+            <a:bodyPr rtlCol="0" anchor="ctr"/>
+            <a:lstStyle/>
+            <a:p>
+              <a:pPr algn="ctr"/>
+              <a:endParaRPr lang="en-US"/>
+            </a:p>
+          </p:txBody>
+        </p:sp>
+        <p:cxnSp>
+          <p:nvCxnSpPr>
+            <p:cNvPr id="23" name="Straight Arrow Connector 22"/>
+            <p:cNvCxnSpPr/>
+            <p:nvPr/>
+          </p:nvCxnSpPr>
+          <p:spPr>
+            <a:xfrm flipH="1">
+              <a:off x="5995804" y="2630655"/>
+              <a:ext cx="315568" cy="464467"/>
+            </a:xfrm>
+            <a:prstGeom prst="straightConnector1">
+              <a:avLst/>
+            </a:prstGeom>
+            <a:ln w="19050" cmpd="sng">
+              <a:solidFill>
+                <a:schemeClr val="bg1">
+                  <a:lumMod val="95000"/>
+                </a:schemeClr>
+              </a:solidFill>
+              <a:prstDash val="dash"/>
+              <a:headEnd type="none"/>
+              <a:tailEnd type="none"/>
+            </a:ln>
+            <a:effectLst/>
+          </p:spPr>
+          <p:style>
+            <a:lnRef idx="2">
+              <a:schemeClr val="dk1"/>
+            </a:lnRef>
+            <a:fillRef idx="0">
+              <a:schemeClr val="dk1"/>
+            </a:fillRef>
+            <a:effectRef idx="1">
+              <a:schemeClr val="dk1"/>
+            </a:effectRef>
+            <a:fontRef idx="minor">
+              <a:schemeClr val="tx1"/>
+            </a:fontRef>
+          </p:style>
+        </p:cxnSp>
+        <p:sp>
+          <p:nvSpPr>
+            <p:cNvPr id="24" name="Rectangle 23"/>
+            <p:cNvSpPr/>
+            <p:nvPr/>
+          </p:nvSpPr>
+          <p:spPr>
+            <a:xfrm rot="18011192">
+              <a:off x="6177914" y="2594579"/>
+              <a:ext cx="112756" cy="112756"/>
+            </a:xfrm>
+            <a:prstGeom prst="rect">
+              <a:avLst/>
+            </a:prstGeom>
+            <a:ln w="12700" cmpd="sng"/>
+          </p:spPr>
+          <p:style>
+            <a:lnRef idx="2">
+              <a:schemeClr val="dk1"/>
+            </a:lnRef>
+            <a:fillRef idx="1">
+              <a:schemeClr val="lt1"/>
+            </a:fillRef>
+            <a:effectRef idx="0">
+              <a:schemeClr val="dk1"/>
+            </a:effectRef>
+            <a:fontRef idx="minor">
+              <a:schemeClr val="dk1"/>
+            </a:fontRef>
+          </p:style>
+          <p:txBody>
+            <a:bodyPr rtlCol="0" anchor="ctr"/>
+            <a:lstStyle/>
+            <a:p>
+              <a:pPr algn="ctr"/>
+              <a:endParaRPr lang="en-US"/>
+            </a:p>
+          </p:txBody>
+        </p:sp>
+        <p:cxnSp>
+          <p:nvCxnSpPr>
+            <p:cNvPr id="27" name="Straight Arrow Connector 26"/>
+            <p:cNvCxnSpPr/>
+            <p:nvPr/>
+          </p:nvCxnSpPr>
+          <p:spPr>
+            <a:xfrm>
+              <a:off x="5994293" y="2443983"/>
+              <a:ext cx="1511" cy="648161"/>
+            </a:xfrm>
+            <a:prstGeom prst="straightConnector1">
+              <a:avLst/>
+            </a:prstGeom>
+            <a:ln w="19050" cmpd="sng">
+              <a:solidFill>
+                <a:schemeClr val="bg1">
+                  <a:lumMod val="95000"/>
+                </a:schemeClr>
+              </a:solidFill>
+              <a:prstDash val="dash"/>
+              <a:tailEnd type="arrow"/>
+            </a:ln>
+            <a:effectLst/>
+          </p:spPr>
+          <p:style>
+            <a:lnRef idx="2">
+              <a:schemeClr val="dk1"/>
+            </a:lnRef>
+            <a:fillRef idx="0">
+              <a:schemeClr val="dk1"/>
+            </a:fillRef>
+            <a:effectRef idx="1">
+              <a:schemeClr val="dk1"/>
+            </a:effectRef>
+            <a:fontRef idx="minor">
+              <a:schemeClr val="tx1"/>
+            </a:fontRef>
+          </p:style>
+        </p:cxnSp>
+        <p:cxnSp>
+          <p:nvCxnSpPr>
+            <p:cNvPr id="57" name="Straight Arrow Connector 56"/>
+            <p:cNvCxnSpPr/>
+            <p:nvPr/>
+          </p:nvCxnSpPr>
+          <p:spPr>
+            <a:xfrm>
+              <a:off x="5987909" y="2453806"/>
+              <a:ext cx="318382" cy="171768"/>
+            </a:xfrm>
+            <a:prstGeom prst="straightConnector1">
+              <a:avLst/>
+            </a:prstGeom>
+            <a:ln w="28575" cmpd="sng">
+              <a:headEnd type="none"/>
+              <a:tailEnd type="arrow"/>
+            </a:ln>
+            <a:effectLst/>
+          </p:spPr>
+          <p:style>
+            <a:lnRef idx="2">
+              <a:schemeClr val="dk1"/>
+            </a:lnRef>
+            <a:fillRef idx="0">
+              <a:schemeClr val="dk1"/>
+            </a:fillRef>
+            <a:effectRef idx="1">
+              <a:schemeClr val="dk1"/>
+            </a:effectRef>
+            <a:fontRef idx="minor">
+              <a:schemeClr val="tx1"/>
+            </a:fontRef>
+          </p:style>
+        </p:cxnSp>
+      </p:grpSp>
     </p:spTree>
     <p:extLst>
       <p:ext uri="{BB962C8B-B14F-4D97-AF65-F5344CB8AC3E}">

--- a/figures/figures.pptx
+++ b/figures/figures.pptx
@@ -26,6 +26,7 @@
     <p:sldId id="272" r:id="rId20"/>
     <p:sldId id="273" r:id="rId21"/>
     <p:sldId id="274" r:id="rId22"/>
+    <p:sldId id="277" r:id="rId23"/>
   </p:sldIdLst>
   <p:sldSz cx="9144000" cy="6858000" type="screen4x3"/>
   <p:notesSz cx="6858000" cy="9144000"/>
@@ -7748,7 +7749,7 @@
         <p:spPr>
           <a:xfrm flipH="1">
             <a:off x="6013622" y="2385634"/>
-            <a:ext cx="442769" cy="209285"/>
+            <a:ext cx="442770" cy="234961"/>
           </a:xfrm>
           <a:prstGeom prst="straightConnector1">
             <a:avLst/>
@@ -7859,6 +7860,86 @@
           <a:xfrm>
             <a:off x="2412026" y="2260335"/>
             <a:ext cx="65289" cy="65289"/>
+          </a:xfrm>
+          <a:prstGeom prst="ellipse">
+            <a:avLst/>
+          </a:prstGeom>
+        </p:spPr>
+        <p:style>
+          <a:lnRef idx="2">
+            <a:schemeClr val="dk1">
+              <a:shade val="50000"/>
+            </a:schemeClr>
+          </a:lnRef>
+          <a:fillRef idx="1">
+            <a:schemeClr val="dk1"/>
+          </a:fillRef>
+          <a:effectRef idx="0">
+            <a:schemeClr val="dk1"/>
+          </a:effectRef>
+          <a:fontRef idx="minor">
+            <a:schemeClr val="lt1"/>
+          </a:fontRef>
+        </p:style>
+        <p:txBody>
+          <a:bodyPr rtlCol="0" anchor="ctr"/>
+          <a:lstStyle/>
+          <a:p>
+            <a:pPr algn="ctr"/>
+            <a:endParaRPr lang="en-US"/>
+          </a:p>
+        </p:txBody>
+      </p:sp>
+      <p:sp>
+        <p:nvSpPr>
+          <p:cNvPr id="41" name="Oval 40"/>
+          <p:cNvSpPr/>
+          <p:nvPr/>
+        </p:nvSpPr>
+        <p:spPr>
+          <a:xfrm>
+            <a:off x="2642070" y="2967335"/>
+            <a:ext cx="45719" cy="45719"/>
+          </a:xfrm>
+          <a:prstGeom prst="ellipse">
+            <a:avLst/>
+          </a:prstGeom>
+        </p:spPr>
+        <p:style>
+          <a:lnRef idx="2">
+            <a:schemeClr val="dk1">
+              <a:shade val="50000"/>
+            </a:schemeClr>
+          </a:lnRef>
+          <a:fillRef idx="1">
+            <a:schemeClr val="dk1"/>
+          </a:fillRef>
+          <a:effectRef idx="0">
+            <a:schemeClr val="dk1"/>
+          </a:effectRef>
+          <a:fontRef idx="minor">
+            <a:schemeClr val="lt1"/>
+          </a:fontRef>
+        </p:style>
+        <p:txBody>
+          <a:bodyPr rtlCol="0" anchor="ctr"/>
+          <a:lstStyle/>
+          <a:p>
+            <a:pPr algn="ctr"/>
+            <a:endParaRPr lang="en-US"/>
+          </a:p>
+        </p:txBody>
+      </p:sp>
+      <p:sp>
+        <p:nvSpPr>
+          <p:cNvPr id="42" name="Oval 41"/>
+          <p:cNvSpPr/>
+          <p:nvPr/>
+        </p:nvSpPr>
+        <p:spPr>
+          <a:xfrm>
+            <a:off x="1801736" y="2620595"/>
+            <a:ext cx="45719" cy="45719"/>
           </a:xfrm>
           <a:prstGeom prst="ellipse">
             <a:avLst/>
@@ -8032,6 +8113,11 @@
           <a:solidFill>
             <a:srgbClr val="8EB4E3"/>
           </a:solidFill>
+          <a:ln>
+            <a:solidFill>
+              <a:schemeClr val="tx1"/>
+            </a:solidFill>
+          </a:ln>
         </p:spPr>
         <p:style>
           <a:lnRef idx="2">
@@ -8086,6 +8172,11 @@
               <a:lumOff val="60000"/>
             </a:schemeClr>
           </a:solidFill>
+          <a:ln>
+            <a:solidFill>
+              <a:srgbClr val="000000"/>
+            </a:solidFill>
+          </a:ln>
         </p:spPr>
         <p:style>
           <a:lnRef idx="2">
@@ -8829,7 +8920,7 @@
         <p:spPr>
           <a:xfrm flipH="1">
             <a:off x="6013622" y="2385634"/>
-            <a:ext cx="442769" cy="209285"/>
+            <a:ext cx="442770" cy="234961"/>
           </a:xfrm>
           <a:prstGeom prst="straightConnector1">
             <a:avLst/>
@@ -9090,52 +9181,6 @@
           </a:p>
         </p:txBody>
       </p:sp>
-      <p:sp>
-        <p:nvSpPr>
-          <p:cNvPr id="43" name="Block Arc 42"/>
-          <p:cNvSpPr/>
-          <p:nvPr/>
-        </p:nvSpPr>
-        <p:spPr>
-          <a:xfrm>
-            <a:off x="6338061" y="4367595"/>
-            <a:ext cx="1472184" cy="1472184"/>
-          </a:xfrm>
-          <a:prstGeom prst="blockArc">
-            <a:avLst>
-              <a:gd name="adj1" fmla="val 10800000"/>
-              <a:gd name="adj2" fmla="val 19857277"/>
-              <a:gd name="adj3" fmla="val 42584"/>
-            </a:avLst>
-          </a:prstGeom>
-        </p:spPr>
-        <p:style>
-          <a:lnRef idx="1">
-            <a:schemeClr val="accent1"/>
-          </a:lnRef>
-          <a:fillRef idx="3">
-            <a:schemeClr val="accent1"/>
-          </a:fillRef>
-          <a:effectRef idx="2">
-            <a:schemeClr val="accent1"/>
-          </a:effectRef>
-          <a:fontRef idx="minor">
-            <a:schemeClr val="lt1"/>
-          </a:fontRef>
-        </p:style>
-        <p:txBody>
-          <a:bodyPr rtlCol="0" anchor="ctr"/>
-          <a:lstStyle/>
-          <a:p>
-            <a:pPr algn="ctr"/>
-            <a:endParaRPr lang="en-US">
-              <a:solidFill>
-                <a:schemeClr val="tx1"/>
-              </a:solidFill>
-            </a:endParaRPr>
-          </a:p>
-        </p:txBody>
-      </p:sp>
       <p:cxnSp>
         <p:nvCxnSpPr>
           <p:cNvPr id="44" name="Straight Arrow Connector 43"/>
@@ -9424,6 +9469,86 @@
               <a:rPr lang="en-US" baseline="-25000" dirty="0"/>
               <a:t>2</a:t>
             </a:r>
+          </a:p>
+        </p:txBody>
+      </p:sp>
+      <p:sp>
+        <p:nvSpPr>
+          <p:cNvPr id="55" name="Oval 54"/>
+          <p:cNvSpPr/>
+          <p:nvPr/>
+        </p:nvSpPr>
+        <p:spPr>
+          <a:xfrm>
+            <a:off x="2642070" y="2967335"/>
+            <a:ext cx="45719" cy="45719"/>
+          </a:xfrm>
+          <a:prstGeom prst="ellipse">
+            <a:avLst/>
+          </a:prstGeom>
+        </p:spPr>
+        <p:style>
+          <a:lnRef idx="2">
+            <a:schemeClr val="dk1">
+              <a:shade val="50000"/>
+            </a:schemeClr>
+          </a:lnRef>
+          <a:fillRef idx="1">
+            <a:schemeClr val="dk1"/>
+          </a:fillRef>
+          <a:effectRef idx="0">
+            <a:schemeClr val="dk1"/>
+          </a:effectRef>
+          <a:fontRef idx="minor">
+            <a:schemeClr val="lt1"/>
+          </a:fontRef>
+        </p:style>
+        <p:txBody>
+          <a:bodyPr rtlCol="0" anchor="ctr"/>
+          <a:lstStyle/>
+          <a:p>
+            <a:pPr algn="ctr"/>
+            <a:endParaRPr lang="en-US"/>
+          </a:p>
+        </p:txBody>
+      </p:sp>
+      <p:sp>
+        <p:nvSpPr>
+          <p:cNvPr id="56" name="Oval 55"/>
+          <p:cNvSpPr/>
+          <p:nvPr/>
+        </p:nvSpPr>
+        <p:spPr>
+          <a:xfrm>
+            <a:off x="1801736" y="2620595"/>
+            <a:ext cx="45719" cy="45719"/>
+          </a:xfrm>
+          <a:prstGeom prst="ellipse">
+            <a:avLst/>
+          </a:prstGeom>
+        </p:spPr>
+        <p:style>
+          <a:lnRef idx="2">
+            <a:schemeClr val="dk1">
+              <a:shade val="50000"/>
+            </a:schemeClr>
+          </a:lnRef>
+          <a:fillRef idx="1">
+            <a:schemeClr val="dk1"/>
+          </a:fillRef>
+          <a:effectRef idx="0">
+            <a:schemeClr val="dk1"/>
+          </a:effectRef>
+          <a:fontRef idx="minor">
+            <a:schemeClr val="lt1"/>
+          </a:fontRef>
+        </p:style>
+        <p:txBody>
+          <a:bodyPr rtlCol="0" anchor="ctr"/>
+          <a:lstStyle/>
+          <a:p>
+            <a:pPr algn="ctr"/>
+            <a:endParaRPr lang="en-US"/>
           </a:p>
         </p:txBody>
       </p:sp>
@@ -10610,6 +10735,190 @@
       </p:grpSpPr>
       <p:sp>
         <p:nvSpPr>
+          <p:cNvPr id="93" name="Oval 92"/>
+          <p:cNvSpPr/>
+          <p:nvPr/>
+        </p:nvSpPr>
+        <p:spPr>
+          <a:xfrm>
+            <a:off x="1736810" y="3613185"/>
+            <a:ext cx="1475946" cy="1475946"/>
+          </a:xfrm>
+          <a:prstGeom prst="ellipse">
+            <a:avLst/>
+          </a:prstGeom>
+          <a:ln>
+            <a:solidFill>
+              <a:schemeClr val="bg1">
+                <a:lumMod val="65000"/>
+              </a:schemeClr>
+            </a:solidFill>
+            <a:prstDash val="dash"/>
+          </a:ln>
+        </p:spPr>
+        <p:style>
+          <a:lnRef idx="2">
+            <a:schemeClr val="dk1"/>
+          </a:lnRef>
+          <a:fillRef idx="1">
+            <a:schemeClr val="lt1"/>
+          </a:fillRef>
+          <a:effectRef idx="0">
+            <a:schemeClr val="dk1"/>
+          </a:effectRef>
+          <a:fontRef idx="minor">
+            <a:schemeClr val="dk1"/>
+          </a:fontRef>
+        </p:style>
+        <p:txBody>
+          <a:bodyPr rtlCol="0" anchor="ctr"/>
+          <a:lstStyle/>
+          <a:p>
+            <a:pPr algn="ctr"/>
+            <a:endParaRPr lang="en-US"/>
+          </a:p>
+        </p:txBody>
+      </p:sp>
+      <p:sp>
+        <p:nvSpPr>
+          <p:cNvPr id="92" name="Oval 91"/>
+          <p:cNvSpPr/>
+          <p:nvPr/>
+        </p:nvSpPr>
+        <p:spPr>
+          <a:xfrm>
+            <a:off x="3728039" y="3613185"/>
+            <a:ext cx="1475946" cy="1475946"/>
+          </a:xfrm>
+          <a:prstGeom prst="ellipse">
+            <a:avLst/>
+          </a:prstGeom>
+          <a:ln>
+            <a:solidFill>
+              <a:schemeClr val="bg1">
+                <a:lumMod val="65000"/>
+              </a:schemeClr>
+            </a:solidFill>
+            <a:prstDash val="dash"/>
+          </a:ln>
+        </p:spPr>
+        <p:style>
+          <a:lnRef idx="2">
+            <a:schemeClr val="dk1"/>
+          </a:lnRef>
+          <a:fillRef idx="1">
+            <a:schemeClr val="lt1"/>
+          </a:fillRef>
+          <a:effectRef idx="0">
+            <a:schemeClr val="dk1"/>
+          </a:effectRef>
+          <a:fontRef idx="minor">
+            <a:schemeClr val="dk1"/>
+          </a:fontRef>
+        </p:style>
+        <p:txBody>
+          <a:bodyPr rtlCol="0" anchor="ctr"/>
+          <a:lstStyle/>
+          <a:p>
+            <a:pPr algn="ctr"/>
+            <a:endParaRPr lang="en-US"/>
+          </a:p>
+        </p:txBody>
+      </p:sp>
+      <p:sp>
+        <p:nvSpPr>
+          <p:cNvPr id="90" name="Oval 89"/>
+          <p:cNvSpPr/>
+          <p:nvPr/>
+        </p:nvSpPr>
+        <p:spPr>
+          <a:xfrm>
+            <a:off x="3723981" y="1534489"/>
+            <a:ext cx="1475946" cy="1475946"/>
+          </a:xfrm>
+          <a:prstGeom prst="ellipse">
+            <a:avLst/>
+          </a:prstGeom>
+          <a:ln>
+            <a:solidFill>
+              <a:schemeClr val="bg1">
+                <a:lumMod val="65000"/>
+              </a:schemeClr>
+            </a:solidFill>
+            <a:prstDash val="dash"/>
+          </a:ln>
+        </p:spPr>
+        <p:style>
+          <a:lnRef idx="2">
+            <a:schemeClr val="dk1"/>
+          </a:lnRef>
+          <a:fillRef idx="1">
+            <a:schemeClr val="lt1"/>
+          </a:fillRef>
+          <a:effectRef idx="0">
+            <a:schemeClr val="dk1"/>
+          </a:effectRef>
+          <a:fontRef idx="minor">
+            <a:schemeClr val="dk1"/>
+          </a:fontRef>
+        </p:style>
+        <p:txBody>
+          <a:bodyPr rtlCol="0" anchor="ctr"/>
+          <a:lstStyle/>
+          <a:p>
+            <a:pPr algn="ctr"/>
+            <a:endParaRPr lang="en-US"/>
+          </a:p>
+        </p:txBody>
+      </p:sp>
+      <p:sp>
+        <p:nvSpPr>
+          <p:cNvPr id="89" name="Oval 88"/>
+          <p:cNvSpPr/>
+          <p:nvPr/>
+        </p:nvSpPr>
+        <p:spPr>
+          <a:xfrm>
+            <a:off x="1736810" y="1532430"/>
+            <a:ext cx="1475946" cy="1475946"/>
+          </a:xfrm>
+          <a:prstGeom prst="ellipse">
+            <a:avLst/>
+          </a:prstGeom>
+          <a:ln>
+            <a:solidFill>
+              <a:schemeClr val="bg1">
+                <a:lumMod val="65000"/>
+              </a:schemeClr>
+            </a:solidFill>
+            <a:prstDash val="dash"/>
+          </a:ln>
+        </p:spPr>
+        <p:style>
+          <a:lnRef idx="2">
+            <a:schemeClr val="dk1"/>
+          </a:lnRef>
+          <a:fillRef idx="1">
+            <a:schemeClr val="lt1"/>
+          </a:fillRef>
+          <a:effectRef idx="0">
+            <a:schemeClr val="dk1"/>
+          </a:effectRef>
+          <a:fontRef idx="minor">
+            <a:schemeClr val="dk1"/>
+          </a:fontRef>
+        </p:style>
+        <p:txBody>
+          <a:bodyPr rtlCol="0" anchor="ctr"/>
+          <a:lstStyle/>
+          <a:p>
+            <a:pPr algn="ctr"/>
+            <a:endParaRPr lang="en-US"/>
+          </a:p>
+        </p:txBody>
+      </p:sp>
+      <p:sp>
+        <p:nvSpPr>
           <p:cNvPr id="88" name="TextBox 87"/>
           <p:cNvSpPr txBox="1"/>
           <p:nvPr/>
@@ -10650,25 +10959,35 @@
         </p:nvSpPr>
         <p:spPr>
           <a:xfrm>
-            <a:off x="3727743" y="1542363"/>
+            <a:off x="3740769" y="1548876"/>
             <a:ext cx="1472184" cy="1472184"/>
           </a:xfrm>
           <a:prstGeom prst="blockArc">
             <a:avLst>
-              <a:gd name="adj1" fmla="val 8808739"/>
-              <a:gd name="adj2" fmla="val 14204526"/>
-              <a:gd name="adj3" fmla="val 47367"/>
+              <a:gd name="adj1" fmla="val 8807809"/>
+              <a:gd name="adj2" fmla="val 14244482"/>
+              <a:gd name="adj3" fmla="val 48962"/>
             </a:avLst>
           </a:prstGeom>
-        </p:spPr>
-        <p:style>
-          <a:lnRef idx="1">
+          <a:solidFill>
+            <a:srgbClr val="8EB4E3"/>
+          </a:solidFill>
+          <a:ln>
+            <a:solidFill>
+              <a:srgbClr val="000000"/>
+            </a:solidFill>
+          </a:ln>
+        </p:spPr>
+        <p:style>
+          <a:lnRef idx="2">
+            <a:schemeClr val="accent1">
+              <a:shade val="50000"/>
+            </a:schemeClr>
+          </a:lnRef>
+          <a:fillRef idx="1">
             <a:schemeClr val="accent1"/>
-          </a:lnRef>
-          <a:fillRef idx="3">
-            <a:schemeClr val="accent1"/>
-          </a:fillRef>
-          <a:effectRef idx="2">
+          </a:fillRef>
+          <a:effectRef idx="0">
             <a:schemeClr val="accent1"/>
           </a:effectRef>
           <a:fontRef idx="minor">
@@ -10706,15 +11025,25 @@
               <a:gd name="adj3" fmla="val 46345"/>
             </a:avLst>
           </a:prstGeom>
-        </p:spPr>
-        <p:style>
-          <a:lnRef idx="1">
+          <a:solidFill>
+            <a:srgbClr val="8EB4E3"/>
+          </a:solidFill>
+          <a:ln>
+            <a:solidFill>
+              <a:srgbClr val="000000"/>
+            </a:solidFill>
+          </a:ln>
+        </p:spPr>
+        <p:style>
+          <a:lnRef idx="2">
+            <a:schemeClr val="accent1">
+              <a:shade val="50000"/>
+            </a:schemeClr>
+          </a:lnRef>
+          <a:fillRef idx="1">
             <a:schemeClr val="accent1"/>
-          </a:lnRef>
-          <a:fillRef idx="3">
-            <a:schemeClr val="accent1"/>
-          </a:fillRef>
-          <a:effectRef idx="2">
+          </a:fillRef>
+          <a:effectRef idx="0">
             <a:schemeClr val="accent1"/>
           </a:effectRef>
           <a:fontRef idx="minor">
@@ -10736,45 +11065,6 @@
       </p:sp>
       <p:sp>
         <p:nvSpPr>
-          <p:cNvPr id="2" name="Oval 1"/>
-          <p:cNvSpPr/>
-          <p:nvPr/>
-        </p:nvSpPr>
-        <p:spPr>
-          <a:xfrm>
-            <a:off x="1736810" y="1530863"/>
-            <a:ext cx="1475946" cy="1475946"/>
-          </a:xfrm>
-          <a:prstGeom prst="ellipse">
-            <a:avLst/>
-          </a:prstGeom>
-          <a:noFill/>
-        </p:spPr>
-        <p:style>
-          <a:lnRef idx="1">
-            <a:schemeClr val="accent1"/>
-          </a:lnRef>
-          <a:fillRef idx="3">
-            <a:schemeClr val="accent1"/>
-          </a:fillRef>
-          <a:effectRef idx="2">
-            <a:schemeClr val="accent1"/>
-          </a:effectRef>
-          <a:fontRef idx="minor">
-            <a:schemeClr val="lt1"/>
-          </a:fontRef>
-        </p:style>
-        <p:txBody>
-          <a:bodyPr rtlCol="0" anchor="ctr"/>
-          <a:lstStyle/>
-          <a:p>
-            <a:pPr algn="ctr"/>
-            <a:endParaRPr lang="en-US"/>
-          </a:p>
-        </p:txBody>
-      </p:sp>
-      <p:sp>
-        <p:nvSpPr>
           <p:cNvPr id="12" name="TextBox 11"/>
           <p:cNvSpPr txBox="1"/>
           <p:nvPr/>
@@ -10838,45 +11128,6 @@
               <a:t>end</a:t>
             </a:r>
             <a:endParaRPr lang="en-US" sz="2400" baseline="-25000" dirty="0"/>
-          </a:p>
-        </p:txBody>
-      </p:sp>
-      <p:sp>
-        <p:nvSpPr>
-          <p:cNvPr id="17" name="Oval 16"/>
-          <p:cNvSpPr/>
-          <p:nvPr/>
-        </p:nvSpPr>
-        <p:spPr>
-          <a:xfrm>
-            <a:off x="3722129" y="1530863"/>
-            <a:ext cx="1475946" cy="1475946"/>
-          </a:xfrm>
-          <a:prstGeom prst="ellipse">
-            <a:avLst/>
-          </a:prstGeom>
-          <a:noFill/>
-        </p:spPr>
-        <p:style>
-          <a:lnRef idx="1">
-            <a:schemeClr val="accent1"/>
-          </a:lnRef>
-          <a:fillRef idx="3">
-            <a:schemeClr val="accent1"/>
-          </a:fillRef>
-          <a:effectRef idx="2">
-            <a:schemeClr val="accent1"/>
-          </a:effectRef>
-          <a:fontRef idx="minor">
-            <a:schemeClr val="lt1"/>
-          </a:fontRef>
-        </p:style>
-        <p:txBody>
-          <a:bodyPr rtlCol="0" anchor="ctr"/>
-          <a:lstStyle/>
-          <a:p>
-            <a:pPr algn="ctr"/>
-            <a:endParaRPr lang="en-US"/>
           </a:p>
         </p:txBody>
       </p:sp>
@@ -12172,45 +12423,6 @@
           </a:fontRef>
         </p:style>
       </p:cxnSp>
-      <p:sp>
-        <p:nvSpPr>
-          <p:cNvPr id="55" name="Oval 54"/>
-          <p:cNvSpPr/>
-          <p:nvPr/>
-        </p:nvSpPr>
-        <p:spPr>
-          <a:xfrm rot="19527167">
-            <a:off x="1738239" y="3617041"/>
-            <a:ext cx="1475946" cy="1475946"/>
-          </a:xfrm>
-          <a:prstGeom prst="ellipse">
-            <a:avLst/>
-          </a:prstGeom>
-          <a:noFill/>
-        </p:spPr>
-        <p:style>
-          <a:lnRef idx="1">
-            <a:schemeClr val="accent1"/>
-          </a:lnRef>
-          <a:fillRef idx="3">
-            <a:schemeClr val="accent1"/>
-          </a:fillRef>
-          <a:effectRef idx="2">
-            <a:schemeClr val="accent1"/>
-          </a:effectRef>
-          <a:fontRef idx="minor">
-            <a:schemeClr val="lt1"/>
-          </a:fontRef>
-        </p:style>
-        <p:txBody>
-          <a:bodyPr rtlCol="0" anchor="ctr"/>
-          <a:lstStyle/>
-          <a:p>
-            <a:pPr algn="ctr"/>
-            <a:endParaRPr lang="en-US"/>
-          </a:p>
-        </p:txBody>
-      </p:sp>
       <p:cxnSp>
         <p:nvCxnSpPr>
           <p:cNvPr id="68" name="Straight Arrow Connector 67"/>
@@ -12319,343 +12531,294 @@
           </a:p>
         </p:txBody>
       </p:sp>
-      <p:grpSp>
-        <p:nvGrpSpPr>
-          <p:cNvPr id="9" name="Group 8"/>
-          <p:cNvGrpSpPr/>
-          <p:nvPr/>
-        </p:nvGrpSpPr>
-        <p:grpSpPr>
+      <p:sp>
+        <p:nvSpPr>
+          <p:cNvPr id="50" name="Block Arc 49"/>
+          <p:cNvSpPr/>
+          <p:nvPr/>
+        </p:nvSpPr>
+        <p:spPr>
+          <a:xfrm rot="9743336">
+            <a:off x="3726521" y="3651954"/>
+            <a:ext cx="1475528" cy="1463026"/>
+          </a:xfrm>
+          <a:prstGeom prst="blockArc">
+            <a:avLst>
+              <a:gd name="adj1" fmla="val 8738022"/>
+              <a:gd name="adj2" fmla="val 13977700"/>
+              <a:gd name="adj3" fmla="val 46345"/>
+            </a:avLst>
+          </a:prstGeom>
+          <a:solidFill>
+            <a:srgbClr val="8EB4E3"/>
+          </a:solidFill>
+          <a:ln>
+            <a:solidFill>
+              <a:srgbClr val="000000"/>
+            </a:solidFill>
+          </a:ln>
+        </p:spPr>
+        <p:style>
+          <a:lnRef idx="2">
+            <a:schemeClr val="accent1">
+              <a:shade val="50000"/>
+            </a:schemeClr>
+          </a:lnRef>
+          <a:fillRef idx="1">
+            <a:schemeClr val="accent1"/>
+          </a:fillRef>
+          <a:effectRef idx="0">
+            <a:schemeClr val="accent1"/>
+          </a:effectRef>
+          <a:fontRef idx="minor">
+            <a:schemeClr val="lt1"/>
+          </a:fontRef>
+        </p:style>
+        <p:txBody>
+          <a:bodyPr rtlCol="0" anchor="ctr"/>
+          <a:lstStyle/>
+          <a:p>
+            <a:pPr algn="ctr"/>
+            <a:endParaRPr lang="en-US">
+              <a:solidFill>
+                <a:schemeClr val="tx1"/>
+              </a:solidFill>
+            </a:endParaRPr>
+          </a:p>
+        </p:txBody>
+      </p:sp>
+      <p:sp>
+        <p:nvSpPr>
+          <p:cNvPr id="46" name="Block Arc 45"/>
+          <p:cNvSpPr/>
+          <p:nvPr/>
+        </p:nvSpPr>
+        <p:spPr>
           <a:xfrm rot="19339793">
-            <a:off x="3701291" y="3617041"/>
-            <a:ext cx="1500065" cy="1483684"/>
-            <a:chOff x="3701291" y="3617041"/>
-            <a:chExt cx="1500065" cy="1483684"/>
-          </a:xfrm>
-        </p:grpSpPr>
-        <p:sp>
-          <p:nvSpPr>
-            <p:cNvPr id="50" name="Block Arc 49"/>
-            <p:cNvSpPr/>
-            <p:nvPr/>
-          </p:nvSpPr>
-          <p:spPr>
-            <a:xfrm rot="12003543">
-              <a:off x="3701291" y="3632498"/>
-              <a:ext cx="1475528" cy="1463026"/>
-            </a:xfrm>
-            <a:prstGeom prst="blockArc">
-              <a:avLst>
-                <a:gd name="adj1" fmla="val 8989175"/>
-                <a:gd name="adj2" fmla="val 13977700"/>
-                <a:gd name="adj3" fmla="val 46345"/>
-              </a:avLst>
-            </a:prstGeom>
-          </p:spPr>
-          <p:style>
-            <a:lnRef idx="1">
-              <a:schemeClr val="accent1"/>
-            </a:lnRef>
-            <a:fillRef idx="3">
-              <a:schemeClr val="accent1"/>
-            </a:fillRef>
-            <a:effectRef idx="2">
-              <a:schemeClr val="accent1"/>
-            </a:effectRef>
-            <a:fontRef idx="minor">
-              <a:schemeClr val="lt1"/>
-            </a:fontRef>
-          </p:style>
-          <p:txBody>
-            <a:bodyPr rtlCol="0" anchor="ctr"/>
-            <a:lstStyle/>
-            <a:p>
-              <a:pPr algn="ctr"/>
-              <a:endParaRPr lang="en-US">
-                <a:solidFill>
-                  <a:schemeClr val="tx1"/>
-                </a:solidFill>
-              </a:endParaRPr>
-            </a:p>
-          </p:txBody>
-        </p:sp>
-        <p:grpSp>
-          <p:nvGrpSpPr>
-            <p:cNvPr id="8" name="Group 7"/>
-            <p:cNvGrpSpPr/>
-            <p:nvPr/>
-          </p:nvGrpSpPr>
-          <p:grpSpPr>
-            <a:xfrm>
-              <a:off x="3723558" y="3617041"/>
-              <a:ext cx="1477798" cy="1483684"/>
-              <a:chOff x="3723558" y="3617041"/>
-              <a:chExt cx="1477798" cy="1483684"/>
-            </a:xfrm>
-          </p:grpSpPr>
-          <p:sp>
-            <p:nvSpPr>
-              <p:cNvPr id="46" name="Block Arc 45"/>
-              <p:cNvSpPr/>
-              <p:nvPr/>
-            </p:nvSpPr>
-            <p:spPr>
-              <a:xfrm>
-                <a:off x="3729172" y="3628541"/>
-                <a:ext cx="1472184" cy="1472184"/>
-              </a:xfrm>
-              <a:prstGeom prst="blockArc">
-                <a:avLst>
-                  <a:gd name="adj1" fmla="val 8808739"/>
-                  <a:gd name="adj2" fmla="val 14204526"/>
-                  <a:gd name="adj3" fmla="val 47367"/>
-                </a:avLst>
-              </a:prstGeom>
-            </p:spPr>
-            <p:style>
-              <a:lnRef idx="1">
-                <a:schemeClr val="accent1"/>
-              </a:lnRef>
-              <a:fillRef idx="3">
-                <a:schemeClr val="accent1"/>
-              </a:fillRef>
-              <a:effectRef idx="2">
-                <a:schemeClr val="accent1"/>
-              </a:effectRef>
-              <a:fontRef idx="minor">
-                <a:schemeClr val="lt1"/>
-              </a:fontRef>
-            </p:style>
-            <p:txBody>
-              <a:bodyPr rtlCol="0" anchor="ctr"/>
-              <a:lstStyle/>
-              <a:p>
-                <a:pPr algn="ctr"/>
-                <a:endParaRPr lang="en-US">
-                  <a:solidFill>
-                    <a:schemeClr val="tx1"/>
-                  </a:solidFill>
-                </a:endParaRPr>
-              </a:p>
-            </p:txBody>
-          </p:sp>
-          <p:sp>
-            <p:nvSpPr>
-              <p:cNvPr id="58" name="Oval 57"/>
-              <p:cNvSpPr/>
-              <p:nvPr/>
-            </p:nvSpPr>
-            <p:spPr>
-              <a:xfrm>
-                <a:off x="3723558" y="3617041"/>
-                <a:ext cx="1475946" cy="1475946"/>
-              </a:xfrm>
-              <a:prstGeom prst="ellipse">
-                <a:avLst/>
-              </a:prstGeom>
-              <a:noFill/>
-            </p:spPr>
-            <p:style>
-              <a:lnRef idx="1">
-                <a:schemeClr val="accent1"/>
-              </a:lnRef>
-              <a:fillRef idx="3">
-                <a:schemeClr val="accent1"/>
-              </a:fillRef>
-              <a:effectRef idx="2">
-                <a:schemeClr val="accent1"/>
-              </a:effectRef>
-              <a:fontRef idx="minor">
-                <a:schemeClr val="lt1"/>
-              </a:fontRef>
-            </p:style>
-            <p:txBody>
-              <a:bodyPr rtlCol="0" anchor="ctr"/>
-              <a:lstStyle/>
-              <a:p>
-                <a:pPr algn="ctr"/>
-                <a:endParaRPr lang="en-US"/>
-              </a:p>
-            </p:txBody>
-          </p:sp>
-          <p:cxnSp>
-            <p:nvCxnSpPr>
-              <p:cNvPr id="76" name="Straight Arrow Connector 75"/>
-              <p:cNvCxnSpPr/>
-              <p:nvPr/>
-            </p:nvCxnSpPr>
-            <p:spPr>
-              <a:xfrm flipH="1" flipV="1">
-                <a:off x="4071165" y="3739796"/>
-                <a:ext cx="396276" cy="655031"/>
-              </a:xfrm>
-              <a:prstGeom prst="straightConnector1">
-                <a:avLst/>
-              </a:prstGeom>
-              <a:ln w="28575" cmpd="sng">
-                <a:tailEnd type="arrow"/>
-              </a:ln>
-              <a:effectLst/>
-            </p:spPr>
-            <p:style>
-              <a:lnRef idx="2">
-                <a:schemeClr val="dk1"/>
-              </a:lnRef>
-              <a:fillRef idx="0">
-                <a:schemeClr val="dk1"/>
-              </a:fillRef>
-              <a:effectRef idx="1">
-                <a:schemeClr val="dk1"/>
-              </a:effectRef>
-              <a:fontRef idx="minor">
+            <a:off x="3729780" y="3618823"/>
+            <a:ext cx="1472184" cy="1472184"/>
+          </a:xfrm>
+          <a:prstGeom prst="blockArc">
+            <a:avLst>
+              <a:gd name="adj1" fmla="val 8808739"/>
+              <a:gd name="adj2" fmla="val 14204526"/>
+              <a:gd name="adj3" fmla="val 47367"/>
+            </a:avLst>
+          </a:prstGeom>
+          <a:solidFill>
+            <a:srgbClr val="8EB4E3"/>
+          </a:solidFill>
+          <a:ln>
+            <a:solidFill>
+              <a:srgbClr val="000000"/>
+            </a:solidFill>
+          </a:ln>
+        </p:spPr>
+        <p:style>
+          <a:lnRef idx="2">
+            <a:schemeClr val="accent1">
+              <a:shade val="50000"/>
+            </a:schemeClr>
+          </a:lnRef>
+          <a:fillRef idx="1">
+            <a:schemeClr val="accent1"/>
+          </a:fillRef>
+          <a:effectRef idx="0">
+            <a:schemeClr val="accent1"/>
+          </a:effectRef>
+          <a:fontRef idx="minor">
+            <a:schemeClr val="lt1"/>
+          </a:fontRef>
+        </p:style>
+        <p:txBody>
+          <a:bodyPr rtlCol="0" anchor="ctr"/>
+          <a:lstStyle/>
+          <a:p>
+            <a:pPr algn="ctr"/>
+            <a:endParaRPr lang="en-US">
+              <a:solidFill>
                 <a:schemeClr val="tx1"/>
-              </a:fontRef>
-            </p:style>
-          </p:cxnSp>
-          <p:cxnSp>
-            <p:nvCxnSpPr>
-              <p:cNvPr id="77" name="Straight Arrow Connector 76"/>
-              <p:cNvCxnSpPr/>
-              <p:nvPr/>
-            </p:nvCxnSpPr>
-            <p:spPr>
-              <a:xfrm flipV="1">
-                <a:off x="4451534" y="4208902"/>
-                <a:ext cx="747970" cy="181793"/>
-              </a:xfrm>
-              <a:prstGeom prst="straightConnector1">
-                <a:avLst/>
-              </a:prstGeom>
-              <a:ln w="28575" cmpd="sng">
-                <a:tailEnd type="arrow"/>
-              </a:ln>
-              <a:effectLst/>
-            </p:spPr>
-            <p:style>
-              <a:lnRef idx="2">
-                <a:schemeClr val="dk1"/>
-              </a:lnRef>
-              <a:fillRef idx="0">
-                <a:schemeClr val="dk1"/>
-              </a:fillRef>
-              <a:effectRef idx="1">
-                <a:schemeClr val="dk1"/>
-              </a:effectRef>
-              <a:fontRef idx="minor">
-                <a:schemeClr val="tx1"/>
-              </a:fontRef>
-            </p:style>
-          </p:cxnSp>
-          <p:cxnSp>
-            <p:nvCxnSpPr>
-              <p:cNvPr id="78" name="Straight Arrow Connector 77"/>
-              <p:cNvCxnSpPr/>
-              <p:nvPr/>
-            </p:nvCxnSpPr>
-            <p:spPr>
-              <a:xfrm>
-                <a:off x="4460576" y="4385914"/>
-                <a:ext cx="215981" cy="707073"/>
-              </a:xfrm>
-              <a:prstGeom prst="straightConnector1">
-                <a:avLst/>
-              </a:prstGeom>
-              <a:ln w="28575" cmpd="sng">
-                <a:tailEnd type="arrow"/>
-              </a:ln>
-              <a:effectLst/>
-            </p:spPr>
-            <p:style>
-              <a:lnRef idx="2">
-                <a:schemeClr val="dk1"/>
-              </a:lnRef>
-              <a:fillRef idx="0">
-                <a:schemeClr val="dk1"/>
-              </a:fillRef>
-              <a:effectRef idx="1">
-                <a:schemeClr val="dk1"/>
-              </a:effectRef>
-              <a:fontRef idx="minor">
-                <a:schemeClr val="tx1"/>
-              </a:fontRef>
-            </p:style>
-          </p:cxnSp>
-          <p:cxnSp>
-            <p:nvCxnSpPr>
-              <p:cNvPr id="79" name="Straight Arrow Connector 78"/>
-              <p:cNvCxnSpPr/>
-              <p:nvPr/>
-            </p:nvCxnSpPr>
-            <p:spPr>
-              <a:xfrm flipH="1">
-                <a:off x="3836008" y="4395255"/>
-                <a:ext cx="631433" cy="375772"/>
-              </a:xfrm>
-              <a:prstGeom prst="straightConnector1">
-                <a:avLst/>
-              </a:prstGeom>
-              <a:ln w="28575" cmpd="sng">
-                <a:tailEnd type="arrow"/>
-              </a:ln>
-              <a:effectLst/>
-            </p:spPr>
-            <p:style>
-              <a:lnRef idx="2">
-                <a:schemeClr val="dk1"/>
-              </a:lnRef>
-              <a:fillRef idx="0">
-                <a:schemeClr val="dk1"/>
-              </a:fillRef>
-              <a:effectRef idx="1">
-                <a:schemeClr val="dk1"/>
-              </a:effectRef>
-              <a:fontRef idx="minor">
-                <a:schemeClr val="tx1"/>
-              </a:fontRef>
-            </p:style>
-          </p:cxnSp>
-          <p:sp>
-            <p:nvSpPr>
-              <p:cNvPr id="81" name="Oval 80"/>
-              <p:cNvSpPr/>
-              <p:nvPr/>
-            </p:nvSpPr>
-            <p:spPr>
-              <a:xfrm>
-                <a:off x="4426270" y="4354748"/>
-                <a:ext cx="65289" cy="65289"/>
-              </a:xfrm>
-              <a:prstGeom prst="ellipse">
-                <a:avLst/>
-              </a:prstGeom>
-            </p:spPr>
-            <p:style>
-              <a:lnRef idx="2">
-                <a:schemeClr val="dk1">
-                  <a:shade val="50000"/>
-                </a:schemeClr>
-              </a:lnRef>
-              <a:fillRef idx="1">
-                <a:schemeClr val="dk1"/>
-              </a:fillRef>
-              <a:effectRef idx="0">
-                <a:schemeClr val="dk1"/>
-              </a:effectRef>
-              <a:fontRef idx="minor">
-                <a:schemeClr val="lt1"/>
-              </a:fontRef>
-            </p:style>
-            <p:txBody>
-              <a:bodyPr rtlCol="0" anchor="ctr"/>
-              <a:lstStyle/>
-              <a:p>
-                <a:pPr algn="ctr"/>
-                <a:endParaRPr lang="en-US"/>
-              </a:p>
-            </p:txBody>
-          </p:sp>
-        </p:grpSp>
-      </p:grpSp>
+              </a:solidFill>
+            </a:endParaRPr>
+          </a:p>
+        </p:txBody>
+      </p:sp>
+      <p:cxnSp>
+        <p:nvCxnSpPr>
+          <p:cNvPr id="76" name="Straight Arrow Connector 75"/>
+          <p:cNvCxnSpPr/>
+          <p:nvPr/>
+        </p:nvCxnSpPr>
+        <p:spPr>
+          <a:xfrm rot="19339793" flipH="1" flipV="1">
+            <a:off x="3930925" y="3911811"/>
+            <a:ext cx="396276" cy="655031"/>
+          </a:xfrm>
+          <a:prstGeom prst="straightConnector1">
+            <a:avLst/>
+          </a:prstGeom>
+          <a:ln w="28575" cmpd="sng">
+            <a:tailEnd type="arrow"/>
+          </a:ln>
+          <a:effectLst/>
+        </p:spPr>
+        <p:style>
+          <a:lnRef idx="2">
+            <a:schemeClr val="dk1"/>
+          </a:lnRef>
+          <a:fillRef idx="0">
+            <a:schemeClr val="dk1"/>
+          </a:fillRef>
+          <a:effectRef idx="1">
+            <a:schemeClr val="dk1"/>
+          </a:effectRef>
+          <a:fontRef idx="minor">
+            <a:schemeClr val="tx1"/>
+          </a:fontRef>
+        </p:style>
+      </p:cxnSp>
+      <p:cxnSp>
+        <p:nvCxnSpPr>
+          <p:cNvPr id="77" name="Straight Arrow Connector 76"/>
+          <p:cNvCxnSpPr/>
+          <p:nvPr/>
+        </p:nvCxnSpPr>
+        <p:spPr>
+          <a:xfrm rot="19339793" flipV="1">
+            <a:off x="4337423" y="3992542"/>
+            <a:ext cx="747970" cy="181793"/>
+          </a:xfrm>
+          <a:prstGeom prst="straightConnector1">
+            <a:avLst/>
+          </a:prstGeom>
+          <a:ln w="28575" cmpd="sng">
+            <a:tailEnd type="arrow"/>
+          </a:ln>
+          <a:effectLst/>
+        </p:spPr>
+        <p:style>
+          <a:lnRef idx="2">
+            <a:schemeClr val="dk1"/>
+          </a:lnRef>
+          <a:fillRef idx="0">
+            <a:schemeClr val="dk1"/>
+          </a:fillRef>
+          <a:effectRef idx="1">
+            <a:schemeClr val="dk1"/>
+          </a:effectRef>
+          <a:fontRef idx="minor">
+            <a:schemeClr val="tx1"/>
+          </a:fontRef>
+        </p:style>
+      </p:cxnSp>
+      <p:cxnSp>
+        <p:nvCxnSpPr>
+          <p:cNvPr id="78" name="Straight Arrow Connector 77"/>
+          <p:cNvCxnSpPr/>
+          <p:nvPr/>
+        </p:nvCxnSpPr>
+        <p:spPr>
+          <a:xfrm rot="19339793">
+            <a:off x="4668706" y="4234933"/>
+            <a:ext cx="215981" cy="707073"/>
+          </a:xfrm>
+          <a:prstGeom prst="straightConnector1">
+            <a:avLst/>
+          </a:prstGeom>
+          <a:ln w="28575" cmpd="sng">
+            <a:tailEnd type="arrow"/>
+          </a:ln>
+          <a:effectLst/>
+        </p:spPr>
+        <p:style>
+          <a:lnRef idx="2">
+            <a:schemeClr val="dk1"/>
+          </a:lnRef>
+          <a:fillRef idx="0">
+            <a:schemeClr val="dk1"/>
+          </a:fillRef>
+          <a:effectRef idx="1">
+            <a:schemeClr val="dk1"/>
+          </a:effectRef>
+          <a:fontRef idx="minor">
+            <a:schemeClr val="tx1"/>
+          </a:fontRef>
+        </p:style>
+      </p:cxnSp>
+      <p:cxnSp>
+        <p:nvCxnSpPr>
+          <p:cNvPr id="79" name="Straight Arrow Connector 78"/>
+          <p:cNvCxnSpPr/>
+          <p:nvPr/>
+        </p:nvCxnSpPr>
+        <p:spPr>
+          <a:xfrm rot="19339793" flipH="1">
+            <a:off x="4035509" y="4531596"/>
+            <a:ext cx="631433" cy="375772"/>
+          </a:xfrm>
+          <a:prstGeom prst="straightConnector1">
+            <a:avLst/>
+          </a:prstGeom>
+          <a:ln w="28575" cmpd="sng">
+            <a:tailEnd type="arrow"/>
+          </a:ln>
+          <a:effectLst/>
+        </p:spPr>
+        <p:style>
+          <a:lnRef idx="2">
+            <a:schemeClr val="dk1"/>
+          </a:lnRef>
+          <a:fillRef idx="0">
+            <a:schemeClr val="dk1"/>
+          </a:fillRef>
+          <a:effectRef idx="1">
+            <a:schemeClr val="dk1"/>
+          </a:effectRef>
+          <a:fontRef idx="minor">
+            <a:schemeClr val="tx1"/>
+          </a:fontRef>
+        </p:style>
+      </p:cxnSp>
+      <p:sp>
+        <p:nvSpPr>
+          <p:cNvPr id="81" name="Oval 80"/>
+          <p:cNvSpPr/>
+          <p:nvPr/>
+        </p:nvSpPr>
+        <p:spPr>
+          <a:xfrm rot="19339793">
+            <a:off x="4442110" y="4344166"/>
+            <a:ext cx="65289" cy="65289"/>
+          </a:xfrm>
+          <a:prstGeom prst="ellipse">
+            <a:avLst/>
+          </a:prstGeom>
+        </p:spPr>
+        <p:style>
+          <a:lnRef idx="2">
+            <a:schemeClr val="dk1">
+              <a:shade val="50000"/>
+            </a:schemeClr>
+          </a:lnRef>
+          <a:fillRef idx="1">
+            <a:schemeClr val="dk1"/>
+          </a:fillRef>
+          <a:effectRef idx="0">
+            <a:schemeClr val="dk1"/>
+          </a:effectRef>
+          <a:fontRef idx="minor">
+            <a:schemeClr val="lt1"/>
+          </a:fontRef>
+        </p:style>
+        <p:txBody>
+          <a:bodyPr rtlCol="0" anchor="ctr"/>
+          <a:lstStyle/>
+          <a:p>
+            <a:pPr algn="ctr"/>
+            <a:endParaRPr lang="en-US"/>
+          </a:p>
+        </p:txBody>
+      </p:sp>
       <p:sp>
         <p:nvSpPr>
           <p:cNvPr id="86" name="TextBox 85"/>
@@ -12756,355 +12919,39 @@
       </p:grpSpPr>
       <p:sp>
         <p:nvSpPr>
-          <p:cNvPr id="4" name="Oval 3"/>
+          <p:cNvPr id="34" name="Oval 33"/>
           <p:cNvSpPr/>
           <p:nvPr/>
         </p:nvSpPr>
         <p:spPr>
           <a:xfrm>
-            <a:off x="1736810" y="1530863"/>
+            <a:off x="1739341" y="3616861"/>
             <a:ext cx="1475946" cy="1475946"/>
           </a:xfrm>
           <a:prstGeom prst="ellipse">
             <a:avLst/>
           </a:prstGeom>
-          <a:noFill/>
-        </p:spPr>
-        <p:style>
-          <a:lnRef idx="1">
-            <a:schemeClr val="accent1"/>
-          </a:lnRef>
-          <a:fillRef idx="3">
-            <a:schemeClr val="accent1"/>
-          </a:fillRef>
-          <a:effectRef idx="2">
-            <a:schemeClr val="accent1"/>
-          </a:effectRef>
-          <a:fontRef idx="minor">
+          <a:ln>
+            <a:solidFill>
+              <a:schemeClr val="bg1">
+                <a:lumMod val="65000"/>
+              </a:schemeClr>
+            </a:solidFill>
+            <a:prstDash val="dash"/>
+          </a:ln>
+        </p:spPr>
+        <p:style>
+          <a:lnRef idx="2">
+            <a:schemeClr val="dk1"/>
+          </a:lnRef>
+          <a:fillRef idx="1">
             <a:schemeClr val="lt1"/>
-          </a:fontRef>
-        </p:style>
-        <p:txBody>
-          <a:bodyPr rtlCol="0" anchor="ctr"/>
-          <a:lstStyle/>
-          <a:p>
-            <a:pPr algn="ctr"/>
-            <a:endParaRPr lang="en-US"/>
-          </a:p>
-        </p:txBody>
-      </p:sp>
-      <p:sp>
-        <p:nvSpPr>
-          <p:cNvPr id="5" name="TextBox 4"/>
-          <p:cNvSpPr txBox="1"/>
-          <p:nvPr/>
-        </p:nvSpPr>
-        <p:spPr>
-          <a:xfrm>
-            <a:off x="2049020" y="2936610"/>
-            <a:ext cx="889141" cy="461665"/>
-          </a:xfrm>
-          <a:prstGeom prst="rect">
-            <a:avLst/>
-          </a:prstGeom>
-          <a:noFill/>
-        </p:spPr>
-        <p:txBody>
-          <a:bodyPr wrap="square" rtlCol="0">
-            <a:spAutoFit/>
-          </a:bodyPr>
-          <a:lstStyle/>
-          <a:p>
-            <a:r>
-              <a:rPr lang="en-US" sz="2400" dirty="0" smtClean="0"/>
-              <a:t>g</a:t>
-            </a:r>
-            <a:r>
-              <a:rPr lang="en-US" sz="2400" baseline="-25000" dirty="0" smtClean="0"/>
-              <a:t>start</a:t>
-            </a:r>
-            <a:endParaRPr lang="en-US" sz="2400" baseline="-25000" dirty="0"/>
-          </a:p>
-        </p:txBody>
-      </p:sp>
-      <p:cxnSp>
-        <p:nvCxnSpPr>
-          <p:cNvPr id="6" name="Straight Arrow Connector 5"/>
-          <p:cNvCxnSpPr/>
-          <p:nvPr/>
-        </p:nvCxnSpPr>
-        <p:spPr>
-          <a:xfrm>
-            <a:off x="2443757" y="2264725"/>
-            <a:ext cx="224845" cy="736092"/>
-          </a:xfrm>
-          <a:prstGeom prst="straightConnector1">
-            <a:avLst/>
-          </a:prstGeom>
-          <a:ln w="28575" cmpd="sng">
-            <a:tailEnd type="arrow"/>
-          </a:ln>
-          <a:effectLst/>
-        </p:spPr>
-        <p:style>
-          <a:lnRef idx="2">
-            <a:schemeClr val="dk1"/>
-          </a:lnRef>
-          <a:fillRef idx="0">
-            <a:schemeClr val="dk1"/>
-          </a:fillRef>
-          <a:effectRef idx="1">
-            <a:schemeClr val="dk1"/>
-          </a:effectRef>
-          <a:fontRef idx="minor">
-            <a:schemeClr val="tx1"/>
-          </a:fontRef>
-        </p:style>
-      </p:cxnSp>
-      <p:cxnSp>
-        <p:nvCxnSpPr>
-          <p:cNvPr id="7" name="Straight Arrow Connector 6"/>
-          <p:cNvCxnSpPr/>
-          <p:nvPr/>
-        </p:nvCxnSpPr>
-        <p:spPr>
-          <a:xfrm flipH="1">
-            <a:off x="1819189" y="2274066"/>
-            <a:ext cx="631433" cy="375772"/>
-          </a:xfrm>
-          <a:prstGeom prst="straightConnector1">
-            <a:avLst/>
-          </a:prstGeom>
-          <a:ln w="28575" cmpd="sng">
-            <a:tailEnd type="arrow"/>
-          </a:ln>
-          <a:effectLst/>
-        </p:spPr>
-        <p:style>
-          <a:lnRef idx="2">
-            <a:schemeClr val="dk1"/>
-          </a:lnRef>
-          <a:fillRef idx="0">
-            <a:schemeClr val="dk1"/>
-          </a:fillRef>
-          <a:effectRef idx="1">
-            <a:schemeClr val="dk1"/>
-          </a:effectRef>
-          <a:fontRef idx="minor">
-            <a:schemeClr val="tx1"/>
-          </a:fontRef>
-        </p:style>
-      </p:cxnSp>
-      <p:sp>
-        <p:nvSpPr>
-          <p:cNvPr id="8" name="Oval 7"/>
-          <p:cNvSpPr/>
-          <p:nvPr/>
-        </p:nvSpPr>
-        <p:spPr>
-          <a:xfrm>
-            <a:off x="2412026" y="2253470"/>
-            <a:ext cx="65289" cy="65289"/>
-          </a:xfrm>
-          <a:prstGeom prst="ellipse">
-            <a:avLst/>
-          </a:prstGeom>
-        </p:spPr>
-        <p:style>
-          <a:lnRef idx="2">
-            <a:schemeClr val="dk1">
-              <a:shade val="50000"/>
-            </a:schemeClr>
-          </a:lnRef>
-          <a:fillRef idx="1">
-            <a:schemeClr val="dk1"/>
           </a:fillRef>
           <a:effectRef idx="0">
             <a:schemeClr val="dk1"/>
           </a:effectRef>
           <a:fontRef idx="minor">
-            <a:schemeClr val="lt1"/>
-          </a:fontRef>
-        </p:style>
-        <p:txBody>
-          <a:bodyPr rtlCol="0" anchor="ctr"/>
-          <a:lstStyle/>
-          <a:p>
-            <a:pPr algn="ctr"/>
-            <a:endParaRPr lang="en-US"/>
-          </a:p>
-        </p:txBody>
-      </p:sp>
-      <p:sp>
-        <p:nvSpPr>
-          <p:cNvPr id="9" name="TextBox 8"/>
-          <p:cNvSpPr txBox="1"/>
-          <p:nvPr/>
-        </p:nvSpPr>
-        <p:spPr>
-          <a:xfrm>
-            <a:off x="2050449" y="5022788"/>
-            <a:ext cx="889141" cy="461665"/>
-          </a:xfrm>
-          <a:prstGeom prst="rect">
-            <a:avLst/>
-          </a:prstGeom>
-          <a:noFill/>
-        </p:spPr>
-        <p:txBody>
-          <a:bodyPr wrap="square" rtlCol="0">
-            <a:spAutoFit/>
-          </a:bodyPr>
-          <a:lstStyle/>
-          <a:p>
-            <a:r>
-              <a:rPr lang="en-US" sz="2400" dirty="0" smtClean="0"/>
-              <a:t>g</a:t>
-            </a:r>
-            <a:r>
-              <a:rPr lang="en-US" sz="2400" baseline="-25000" dirty="0" smtClean="0"/>
-              <a:t>start</a:t>
-            </a:r>
-            <a:endParaRPr lang="en-US" sz="2400" baseline="-25000" dirty="0"/>
-          </a:p>
-        </p:txBody>
-      </p:sp>
-      <p:sp>
-        <p:nvSpPr>
-          <p:cNvPr id="10" name="Oval 9"/>
-          <p:cNvSpPr/>
-          <p:nvPr/>
-        </p:nvSpPr>
-        <p:spPr>
-          <a:xfrm rot="19527167">
-            <a:off x="1738239" y="3617041"/>
-            <a:ext cx="1475946" cy="1475946"/>
-          </a:xfrm>
-          <a:prstGeom prst="ellipse">
-            <a:avLst/>
-          </a:prstGeom>
-          <a:noFill/>
-        </p:spPr>
-        <p:style>
-          <a:lnRef idx="1">
-            <a:schemeClr val="accent1"/>
-          </a:lnRef>
-          <a:fillRef idx="3">
-            <a:schemeClr val="accent1"/>
-          </a:fillRef>
-          <a:effectRef idx="2">
-            <a:schemeClr val="accent1"/>
-          </a:effectRef>
-          <a:fontRef idx="minor">
-            <a:schemeClr val="lt1"/>
-          </a:fontRef>
-        </p:style>
-        <p:txBody>
-          <a:bodyPr rtlCol="0" anchor="ctr"/>
-          <a:lstStyle/>
-          <a:p>
-            <a:pPr algn="ctr"/>
-            <a:endParaRPr lang="en-US"/>
-          </a:p>
-        </p:txBody>
-      </p:sp>
-      <p:cxnSp>
-        <p:nvCxnSpPr>
-          <p:cNvPr id="11" name="Straight Arrow Connector 10"/>
-          <p:cNvCxnSpPr/>
-          <p:nvPr/>
-        </p:nvCxnSpPr>
-        <p:spPr>
-          <a:xfrm rot="19527167">
-            <a:off x="2637215" y="4240568"/>
-            <a:ext cx="224845" cy="736092"/>
-          </a:xfrm>
-          <a:prstGeom prst="straightConnector1">
-            <a:avLst/>
-          </a:prstGeom>
-          <a:ln w="28575" cmpd="sng">
-            <a:tailEnd type="arrow"/>
-          </a:ln>
-          <a:effectLst/>
-        </p:spPr>
-        <p:style>
-          <a:lnRef idx="2">
-            <a:schemeClr val="dk1"/>
-          </a:lnRef>
-          <a:fillRef idx="0">
-            <a:schemeClr val="dk1"/>
-          </a:fillRef>
-          <a:effectRef idx="1">
-            <a:schemeClr val="dk1"/>
-          </a:effectRef>
-          <a:fontRef idx="minor">
-            <a:schemeClr val="tx1"/>
-          </a:fontRef>
-        </p:style>
-      </p:cxnSp>
-      <p:cxnSp>
-        <p:nvCxnSpPr>
-          <p:cNvPr id="12" name="Straight Arrow Connector 11"/>
-          <p:cNvCxnSpPr/>
-          <p:nvPr/>
-        </p:nvCxnSpPr>
-        <p:spPr>
-          <a:xfrm rot="19527167" flipH="1">
-            <a:off x="1990066" y="4518929"/>
-            <a:ext cx="631433" cy="375772"/>
-          </a:xfrm>
-          <a:prstGeom prst="straightConnector1">
-            <a:avLst/>
-          </a:prstGeom>
-          <a:ln w="28575" cmpd="sng">
-            <a:tailEnd type="arrow"/>
-          </a:ln>
-          <a:effectLst/>
-        </p:spPr>
-        <p:style>
-          <a:lnRef idx="2">
-            <a:schemeClr val="dk1"/>
-          </a:lnRef>
-          <a:fillRef idx="0">
-            <a:schemeClr val="dk1"/>
-          </a:fillRef>
-          <a:effectRef idx="1">
-            <a:schemeClr val="dk1"/>
-          </a:effectRef>
-          <a:fontRef idx="minor">
-            <a:schemeClr val="tx1"/>
-          </a:fontRef>
-        </p:style>
-      </p:cxnSp>
-      <p:sp>
-        <p:nvSpPr>
-          <p:cNvPr id="13" name="Oval 12"/>
-          <p:cNvSpPr/>
-          <p:nvPr/>
-        </p:nvSpPr>
-        <p:spPr>
-          <a:xfrm rot="19527167">
-            <a:off x="2428563" y="4353677"/>
-            <a:ext cx="65289" cy="65289"/>
-          </a:xfrm>
-          <a:prstGeom prst="ellipse">
-            <a:avLst/>
-          </a:prstGeom>
-        </p:spPr>
-        <p:style>
-          <a:lnRef idx="2">
-            <a:schemeClr val="dk1">
-              <a:shade val="50000"/>
-            </a:schemeClr>
-          </a:lnRef>
-          <a:fillRef idx="1">
-            <a:schemeClr val="dk1"/>
-          </a:fillRef>
-          <a:effectRef idx="0">
-            <a:schemeClr val="dk1"/>
-          </a:effectRef>
-          <a:fontRef idx="minor">
-            <a:schemeClr val="lt1"/>
+            <a:schemeClr val="dk1"/>
           </a:fontRef>
         </p:style>
         <p:txBody>
@@ -14158,6 +14005,336 @@
           </a:p>
         </p:txBody>
       </p:sp>
+      <p:sp>
+        <p:nvSpPr>
+          <p:cNvPr id="35" name="Oval 34"/>
+          <p:cNvSpPr/>
+          <p:nvPr/>
+        </p:nvSpPr>
+        <p:spPr>
+          <a:xfrm>
+            <a:off x="1739341" y="1536106"/>
+            <a:ext cx="1475946" cy="1475946"/>
+          </a:xfrm>
+          <a:prstGeom prst="ellipse">
+            <a:avLst/>
+          </a:prstGeom>
+          <a:ln>
+            <a:solidFill>
+              <a:schemeClr val="bg1">
+                <a:lumMod val="65000"/>
+              </a:schemeClr>
+            </a:solidFill>
+            <a:prstDash val="dash"/>
+          </a:ln>
+        </p:spPr>
+        <p:style>
+          <a:lnRef idx="2">
+            <a:schemeClr val="dk1"/>
+          </a:lnRef>
+          <a:fillRef idx="1">
+            <a:schemeClr val="lt1"/>
+          </a:fillRef>
+          <a:effectRef idx="0">
+            <a:schemeClr val="dk1"/>
+          </a:effectRef>
+          <a:fontRef idx="minor">
+            <a:schemeClr val="dk1"/>
+          </a:fontRef>
+        </p:style>
+        <p:txBody>
+          <a:bodyPr rtlCol="0" anchor="ctr"/>
+          <a:lstStyle/>
+          <a:p>
+            <a:pPr algn="ctr"/>
+            <a:endParaRPr lang="en-US"/>
+          </a:p>
+        </p:txBody>
+      </p:sp>
+      <p:sp>
+        <p:nvSpPr>
+          <p:cNvPr id="36" name="TextBox 35"/>
+          <p:cNvSpPr txBox="1"/>
+          <p:nvPr/>
+        </p:nvSpPr>
+        <p:spPr>
+          <a:xfrm>
+            <a:off x="2051551" y="2940286"/>
+            <a:ext cx="889141" cy="461665"/>
+          </a:xfrm>
+          <a:prstGeom prst="rect">
+            <a:avLst/>
+          </a:prstGeom>
+          <a:noFill/>
+        </p:spPr>
+        <p:txBody>
+          <a:bodyPr wrap="square" rtlCol="0">
+            <a:spAutoFit/>
+          </a:bodyPr>
+          <a:lstStyle/>
+          <a:p>
+            <a:r>
+              <a:rPr lang="en-US" sz="2400" dirty="0" smtClean="0"/>
+              <a:t>g</a:t>
+            </a:r>
+            <a:r>
+              <a:rPr lang="en-US" sz="2400" baseline="-25000" dirty="0" smtClean="0"/>
+              <a:t>start</a:t>
+            </a:r>
+            <a:endParaRPr lang="en-US" sz="2400" baseline="-25000" dirty="0"/>
+          </a:p>
+        </p:txBody>
+      </p:sp>
+      <p:cxnSp>
+        <p:nvCxnSpPr>
+          <p:cNvPr id="37" name="Straight Arrow Connector 36"/>
+          <p:cNvCxnSpPr/>
+          <p:nvPr/>
+        </p:nvCxnSpPr>
+        <p:spPr>
+          <a:xfrm>
+            <a:off x="2446288" y="2268401"/>
+            <a:ext cx="224845" cy="736092"/>
+          </a:xfrm>
+          <a:prstGeom prst="straightConnector1">
+            <a:avLst/>
+          </a:prstGeom>
+          <a:ln w="28575" cmpd="sng">
+            <a:tailEnd type="arrow"/>
+          </a:ln>
+          <a:effectLst/>
+        </p:spPr>
+        <p:style>
+          <a:lnRef idx="2">
+            <a:schemeClr val="dk1"/>
+          </a:lnRef>
+          <a:fillRef idx="0">
+            <a:schemeClr val="dk1"/>
+          </a:fillRef>
+          <a:effectRef idx="1">
+            <a:schemeClr val="dk1"/>
+          </a:effectRef>
+          <a:fontRef idx="minor">
+            <a:schemeClr val="tx1"/>
+          </a:fontRef>
+        </p:style>
+      </p:cxnSp>
+      <p:cxnSp>
+        <p:nvCxnSpPr>
+          <p:cNvPr id="38" name="Straight Arrow Connector 37"/>
+          <p:cNvCxnSpPr/>
+          <p:nvPr/>
+        </p:nvCxnSpPr>
+        <p:spPr>
+          <a:xfrm flipH="1">
+            <a:off x="1821720" y="2277742"/>
+            <a:ext cx="631433" cy="375772"/>
+          </a:xfrm>
+          <a:prstGeom prst="straightConnector1">
+            <a:avLst/>
+          </a:prstGeom>
+          <a:ln w="28575" cmpd="sng">
+            <a:tailEnd type="arrow"/>
+          </a:ln>
+          <a:effectLst/>
+        </p:spPr>
+        <p:style>
+          <a:lnRef idx="2">
+            <a:schemeClr val="dk1"/>
+          </a:lnRef>
+          <a:fillRef idx="0">
+            <a:schemeClr val="dk1"/>
+          </a:fillRef>
+          <a:effectRef idx="1">
+            <a:schemeClr val="dk1"/>
+          </a:effectRef>
+          <a:fontRef idx="minor">
+            <a:schemeClr val="tx1"/>
+          </a:fontRef>
+        </p:style>
+      </p:cxnSp>
+      <p:sp>
+        <p:nvSpPr>
+          <p:cNvPr id="39" name="Oval 38"/>
+          <p:cNvSpPr/>
+          <p:nvPr/>
+        </p:nvSpPr>
+        <p:spPr>
+          <a:xfrm>
+            <a:off x="2414557" y="2257146"/>
+            <a:ext cx="65289" cy="65289"/>
+          </a:xfrm>
+          <a:prstGeom prst="ellipse">
+            <a:avLst/>
+          </a:prstGeom>
+        </p:spPr>
+        <p:style>
+          <a:lnRef idx="2">
+            <a:schemeClr val="dk1">
+              <a:shade val="50000"/>
+            </a:schemeClr>
+          </a:lnRef>
+          <a:fillRef idx="1">
+            <a:schemeClr val="dk1"/>
+          </a:fillRef>
+          <a:effectRef idx="0">
+            <a:schemeClr val="dk1"/>
+          </a:effectRef>
+          <a:fontRef idx="minor">
+            <a:schemeClr val="lt1"/>
+          </a:fontRef>
+        </p:style>
+        <p:txBody>
+          <a:bodyPr rtlCol="0" anchor="ctr"/>
+          <a:lstStyle/>
+          <a:p>
+            <a:pPr algn="ctr"/>
+            <a:endParaRPr lang="en-US"/>
+          </a:p>
+        </p:txBody>
+      </p:sp>
+      <p:sp>
+        <p:nvSpPr>
+          <p:cNvPr id="40" name="TextBox 39"/>
+          <p:cNvSpPr txBox="1"/>
+          <p:nvPr/>
+        </p:nvSpPr>
+        <p:spPr>
+          <a:xfrm>
+            <a:off x="2052980" y="5026464"/>
+            <a:ext cx="889141" cy="461665"/>
+          </a:xfrm>
+          <a:prstGeom prst="rect">
+            <a:avLst/>
+          </a:prstGeom>
+          <a:noFill/>
+        </p:spPr>
+        <p:txBody>
+          <a:bodyPr wrap="square" rtlCol="0">
+            <a:spAutoFit/>
+          </a:bodyPr>
+          <a:lstStyle/>
+          <a:p>
+            <a:r>
+              <a:rPr lang="en-US" sz="2400" dirty="0" smtClean="0"/>
+              <a:t>g</a:t>
+            </a:r>
+            <a:r>
+              <a:rPr lang="en-US" sz="2400" baseline="-25000" dirty="0" smtClean="0"/>
+              <a:t>start</a:t>
+            </a:r>
+            <a:endParaRPr lang="en-US" sz="2400" baseline="-25000" dirty="0"/>
+          </a:p>
+        </p:txBody>
+      </p:sp>
+      <p:cxnSp>
+        <p:nvCxnSpPr>
+          <p:cNvPr id="41" name="Straight Arrow Connector 40"/>
+          <p:cNvCxnSpPr/>
+          <p:nvPr/>
+        </p:nvCxnSpPr>
+        <p:spPr>
+          <a:xfrm rot="19527167">
+            <a:off x="2639746" y="4244244"/>
+            <a:ext cx="224845" cy="736092"/>
+          </a:xfrm>
+          <a:prstGeom prst="straightConnector1">
+            <a:avLst/>
+          </a:prstGeom>
+          <a:ln w="28575" cmpd="sng">
+            <a:tailEnd type="arrow"/>
+          </a:ln>
+          <a:effectLst/>
+        </p:spPr>
+        <p:style>
+          <a:lnRef idx="2">
+            <a:schemeClr val="dk1"/>
+          </a:lnRef>
+          <a:fillRef idx="0">
+            <a:schemeClr val="dk1"/>
+          </a:fillRef>
+          <a:effectRef idx="1">
+            <a:schemeClr val="dk1"/>
+          </a:effectRef>
+          <a:fontRef idx="minor">
+            <a:schemeClr val="tx1"/>
+          </a:fontRef>
+        </p:style>
+      </p:cxnSp>
+      <p:cxnSp>
+        <p:nvCxnSpPr>
+          <p:cNvPr id="42" name="Straight Arrow Connector 41"/>
+          <p:cNvCxnSpPr/>
+          <p:nvPr/>
+        </p:nvCxnSpPr>
+        <p:spPr>
+          <a:xfrm rot="19527167" flipH="1">
+            <a:off x="1992597" y="4522605"/>
+            <a:ext cx="631433" cy="375772"/>
+          </a:xfrm>
+          <a:prstGeom prst="straightConnector1">
+            <a:avLst/>
+          </a:prstGeom>
+          <a:ln w="28575" cmpd="sng">
+            <a:tailEnd type="arrow"/>
+          </a:ln>
+          <a:effectLst/>
+        </p:spPr>
+        <p:style>
+          <a:lnRef idx="2">
+            <a:schemeClr val="dk1"/>
+          </a:lnRef>
+          <a:fillRef idx="0">
+            <a:schemeClr val="dk1"/>
+          </a:fillRef>
+          <a:effectRef idx="1">
+            <a:schemeClr val="dk1"/>
+          </a:effectRef>
+          <a:fontRef idx="minor">
+            <a:schemeClr val="tx1"/>
+          </a:fontRef>
+        </p:style>
+      </p:cxnSp>
+      <p:sp>
+        <p:nvSpPr>
+          <p:cNvPr id="43" name="Oval 42"/>
+          <p:cNvSpPr/>
+          <p:nvPr/>
+        </p:nvSpPr>
+        <p:spPr>
+          <a:xfrm rot="19527167">
+            <a:off x="2431094" y="4357353"/>
+            <a:ext cx="65289" cy="65289"/>
+          </a:xfrm>
+          <a:prstGeom prst="ellipse">
+            <a:avLst/>
+          </a:prstGeom>
+        </p:spPr>
+        <p:style>
+          <a:lnRef idx="2">
+            <a:schemeClr val="dk1">
+              <a:shade val="50000"/>
+            </a:schemeClr>
+          </a:lnRef>
+          <a:fillRef idx="1">
+            <a:schemeClr val="dk1"/>
+          </a:fillRef>
+          <a:effectRef idx="0">
+            <a:schemeClr val="dk1"/>
+          </a:effectRef>
+          <a:fontRef idx="minor">
+            <a:schemeClr val="lt1"/>
+          </a:fontRef>
+        </p:style>
+        <p:txBody>
+          <a:bodyPr rtlCol="0" anchor="ctr"/>
+          <a:lstStyle/>
+          <a:p>
+            <a:pPr algn="ctr"/>
+            <a:endParaRPr lang="en-US"/>
+          </a:p>
+        </p:txBody>
+      </p:sp>
     </p:spTree>
     <p:extLst>
       <p:ext uri="{BB962C8B-B14F-4D97-AF65-F5344CB8AC3E}">
@@ -14190,32 +14367,39 @@
       </p:grpSpPr>
       <p:sp>
         <p:nvSpPr>
-          <p:cNvPr id="4" name="Oval 3"/>
+          <p:cNvPr id="34" name="Oval 33"/>
           <p:cNvSpPr/>
           <p:nvPr/>
         </p:nvSpPr>
         <p:spPr>
           <a:xfrm>
-            <a:off x="1736810" y="1530863"/>
+            <a:off x="1739341" y="1536106"/>
             <a:ext cx="1475946" cy="1475946"/>
           </a:xfrm>
           <a:prstGeom prst="ellipse">
             <a:avLst/>
           </a:prstGeom>
-          <a:noFill/>
-        </p:spPr>
-        <p:style>
-          <a:lnRef idx="1">
-            <a:schemeClr val="accent1"/>
-          </a:lnRef>
-          <a:fillRef idx="3">
-            <a:schemeClr val="accent1"/>
-          </a:fillRef>
-          <a:effectRef idx="2">
-            <a:schemeClr val="accent1"/>
-          </a:effectRef>
-          <a:fontRef idx="minor">
+          <a:ln>
+            <a:solidFill>
+              <a:schemeClr val="bg1">
+                <a:lumMod val="65000"/>
+              </a:schemeClr>
+            </a:solidFill>
+            <a:prstDash val="dash"/>
+          </a:ln>
+        </p:spPr>
+        <p:style>
+          <a:lnRef idx="2">
+            <a:schemeClr val="dk1"/>
+          </a:lnRef>
+          <a:fillRef idx="1">
             <a:schemeClr val="lt1"/>
+          </a:fillRef>
+          <a:effectRef idx="0">
+            <a:schemeClr val="dk1"/>
+          </a:effectRef>
+          <a:fontRef idx="minor">
+            <a:schemeClr val="dk1"/>
           </a:fontRef>
         </p:style>
         <p:txBody>
@@ -16235,32 +16419,39 @@
       </p:grpSpPr>
       <p:sp>
         <p:nvSpPr>
-          <p:cNvPr id="4" name="Oval 3"/>
+          <p:cNvPr id="39" name="Oval 38"/>
           <p:cNvSpPr/>
           <p:nvPr/>
         </p:nvSpPr>
         <p:spPr>
           <a:xfrm>
-            <a:off x="1736810" y="1530863"/>
+            <a:off x="1739341" y="1536106"/>
             <a:ext cx="1475946" cy="1475946"/>
           </a:xfrm>
           <a:prstGeom prst="ellipse">
             <a:avLst/>
           </a:prstGeom>
-          <a:noFill/>
-        </p:spPr>
-        <p:style>
-          <a:lnRef idx="1">
-            <a:schemeClr val="accent1"/>
-          </a:lnRef>
-          <a:fillRef idx="3">
-            <a:schemeClr val="accent1"/>
-          </a:fillRef>
-          <a:effectRef idx="2">
-            <a:schemeClr val="accent1"/>
-          </a:effectRef>
-          <a:fontRef idx="minor">
+          <a:ln>
+            <a:solidFill>
+              <a:schemeClr val="bg1">
+                <a:lumMod val="65000"/>
+              </a:schemeClr>
+            </a:solidFill>
+            <a:prstDash val="dash"/>
+          </a:ln>
+        </p:spPr>
+        <p:style>
+          <a:lnRef idx="2">
+            <a:schemeClr val="dk1"/>
+          </a:lnRef>
+          <a:fillRef idx="1">
             <a:schemeClr val="lt1"/>
+          </a:fillRef>
+          <a:effectRef idx="0">
+            <a:schemeClr val="dk1"/>
+          </a:effectRef>
+          <a:fontRef idx="minor">
+            <a:schemeClr val="dk1"/>
           </a:fontRef>
         </p:style>
         <p:txBody>
@@ -16269,44 +16460,6 @@
           <a:p>
             <a:pPr algn="ctr"/>
             <a:endParaRPr lang="en-US"/>
-          </a:p>
-        </p:txBody>
-      </p:sp>
-      <p:sp>
-        <p:nvSpPr>
-          <p:cNvPr id="5" name="TextBox 4"/>
-          <p:cNvSpPr txBox="1"/>
-          <p:nvPr/>
-        </p:nvSpPr>
-        <p:spPr>
-          <a:xfrm>
-            <a:off x="1705776" y="2929129"/>
-            <a:ext cx="1819858" cy="830997"/>
-          </a:xfrm>
-          <a:prstGeom prst="rect">
-            <a:avLst/>
-          </a:prstGeom>
-          <a:noFill/>
-        </p:spPr>
-        <p:txBody>
-          <a:bodyPr wrap="square" rtlCol="0">
-            <a:spAutoFit/>
-          </a:bodyPr>
-          <a:lstStyle/>
-          <a:p>
-            <a:r>
-              <a:rPr lang="en-US" sz="2400" dirty="0" smtClean="0"/>
-              <a:t>g</a:t>
-            </a:r>
-            <a:r>
-              <a:rPr lang="en-US" sz="2400" baseline="-25000" dirty="0" smtClean="0"/>
-              <a:t>start </a:t>
-            </a:r>
-            <a:r>
-              <a:rPr lang="en-US" sz="2400" dirty="0" smtClean="0"/>
-              <a:t>sample space</a:t>
-            </a:r>
-            <a:endParaRPr lang="en-US" sz="2400" dirty="0"/>
           </a:p>
         </p:txBody>
       </p:sp>
@@ -17578,6 +17731,40 @@
           </a:p>
         </p:txBody>
       </p:sp>
+      <p:sp>
+        <p:nvSpPr>
+          <p:cNvPr id="40" name="TextBox 39"/>
+          <p:cNvSpPr txBox="1"/>
+          <p:nvPr/>
+        </p:nvSpPr>
+        <p:spPr>
+          <a:xfrm>
+            <a:off x="2049020" y="2936610"/>
+            <a:ext cx="889141" cy="461665"/>
+          </a:xfrm>
+          <a:prstGeom prst="rect">
+            <a:avLst/>
+          </a:prstGeom>
+          <a:noFill/>
+        </p:spPr>
+        <p:txBody>
+          <a:bodyPr wrap="square" rtlCol="0">
+            <a:spAutoFit/>
+          </a:bodyPr>
+          <a:lstStyle/>
+          <a:p>
+            <a:r>
+              <a:rPr lang="en-US" sz="2400" dirty="0" smtClean="0"/>
+              <a:t>g</a:t>
+            </a:r>
+            <a:r>
+              <a:rPr lang="en-US" sz="2400" baseline="-25000" dirty="0" smtClean="0"/>
+              <a:t>start</a:t>
+            </a:r>
+            <a:endParaRPr lang="en-US" sz="2400" baseline="-25000" dirty="0"/>
+          </a:p>
+        </p:txBody>
+      </p:sp>
     </p:spTree>
     <p:extLst>
       <p:ext uri="{BB962C8B-B14F-4D97-AF65-F5344CB8AC3E}">
@@ -17610,6 +17797,98 @@
       </p:grpSpPr>
       <p:sp>
         <p:nvSpPr>
+          <p:cNvPr id="56" name="Oval 55"/>
+          <p:cNvSpPr/>
+          <p:nvPr/>
+        </p:nvSpPr>
+        <p:spPr>
+          <a:xfrm>
+            <a:off x="1126771" y="1488968"/>
+            <a:ext cx="1475946" cy="1475946"/>
+          </a:xfrm>
+          <a:prstGeom prst="ellipse">
+            <a:avLst/>
+          </a:prstGeom>
+          <a:ln>
+            <a:solidFill>
+              <a:schemeClr val="bg1">
+                <a:lumMod val="65000"/>
+              </a:schemeClr>
+            </a:solidFill>
+            <a:prstDash val="dash"/>
+          </a:ln>
+        </p:spPr>
+        <p:style>
+          <a:lnRef idx="2">
+            <a:schemeClr val="dk1"/>
+          </a:lnRef>
+          <a:fillRef idx="1">
+            <a:schemeClr val="lt1"/>
+          </a:fillRef>
+          <a:effectRef idx="0">
+            <a:schemeClr val="dk1"/>
+          </a:effectRef>
+          <a:fontRef idx="minor">
+            <a:schemeClr val="dk1"/>
+          </a:fontRef>
+        </p:style>
+        <p:txBody>
+          <a:bodyPr rtlCol="0" anchor="ctr"/>
+          <a:lstStyle/>
+          <a:p>
+            <a:pPr algn="ctr"/>
+            <a:endParaRPr lang="en-US"/>
+          </a:p>
+        </p:txBody>
+      </p:sp>
+      <p:sp>
+        <p:nvSpPr>
+          <p:cNvPr id="55" name="Oval 54"/>
+          <p:cNvSpPr/>
+          <p:nvPr/>
+        </p:nvSpPr>
+        <p:spPr>
+          <a:xfrm>
+            <a:off x="3286374" y="1388596"/>
+            <a:ext cx="1475946" cy="1475946"/>
+          </a:xfrm>
+          <a:prstGeom prst="ellipse">
+            <a:avLst/>
+          </a:prstGeom>
+          <a:ln>
+            <a:solidFill>
+              <a:schemeClr val="bg1">
+                <a:lumMod val="65000"/>
+              </a:schemeClr>
+            </a:solidFill>
+            <a:prstDash val="dash"/>
+          </a:ln>
+        </p:spPr>
+        <p:style>
+          <a:lnRef idx="2">
+            <a:schemeClr val="dk1"/>
+          </a:lnRef>
+          <a:fillRef idx="1">
+            <a:schemeClr val="lt1"/>
+          </a:fillRef>
+          <a:effectRef idx="0">
+            <a:schemeClr val="dk1"/>
+          </a:effectRef>
+          <a:fontRef idx="minor">
+            <a:schemeClr val="dk1"/>
+          </a:fontRef>
+        </p:style>
+        <p:txBody>
+          <a:bodyPr rtlCol="0" anchor="ctr"/>
+          <a:lstStyle/>
+          <a:p>
+            <a:pPr algn="ctr"/>
+            <a:endParaRPr lang="en-US"/>
+          </a:p>
+        </p:txBody>
+      </p:sp>
+      <p:sp>
+        <p:nvSpPr>
           <p:cNvPr id="49" name="Block Arc 48"/>
           <p:cNvSpPr/>
           <p:nvPr/>
@@ -17626,15 +17905,25 @@
               <a:gd name="adj3" fmla="val 47367"/>
             </a:avLst>
           </a:prstGeom>
-        </p:spPr>
-        <p:style>
-          <a:lnRef idx="1">
+          <a:solidFill>
+            <a:srgbClr val="8EB4E3"/>
+          </a:solidFill>
+          <a:ln>
+            <a:solidFill>
+              <a:srgbClr val="000000"/>
+            </a:solidFill>
+          </a:ln>
+        </p:spPr>
+        <p:style>
+          <a:lnRef idx="2">
+            <a:schemeClr val="accent1">
+              <a:shade val="50000"/>
+            </a:schemeClr>
+          </a:lnRef>
+          <a:fillRef idx="1">
             <a:schemeClr val="accent1"/>
-          </a:lnRef>
-          <a:fillRef idx="3">
-            <a:schemeClr val="accent1"/>
-          </a:fillRef>
-          <a:effectRef idx="2">
+          </a:fillRef>
+          <a:effectRef idx="0">
             <a:schemeClr val="accent1"/>
           </a:effectRef>
           <a:fontRef idx="minor">
@@ -17672,15 +17961,25 @@
               <a:gd name="adj3" fmla="val 47367"/>
             </a:avLst>
           </a:prstGeom>
-        </p:spPr>
-        <p:style>
-          <a:lnRef idx="1">
+          <a:solidFill>
+            <a:srgbClr val="8EB4E3"/>
+          </a:solidFill>
+          <a:ln>
+            <a:solidFill>
+              <a:srgbClr val="000000"/>
+            </a:solidFill>
+          </a:ln>
+        </p:spPr>
+        <p:style>
+          <a:lnRef idx="2">
+            <a:schemeClr val="accent1">
+              <a:shade val="50000"/>
+            </a:schemeClr>
+          </a:lnRef>
+          <a:fillRef idx="1">
             <a:schemeClr val="accent1"/>
-          </a:lnRef>
-          <a:fillRef idx="3">
-            <a:schemeClr val="accent1"/>
-          </a:fillRef>
-          <a:effectRef idx="2">
+          </a:fillRef>
+          <a:effectRef idx="0">
             <a:schemeClr val="accent1"/>
           </a:effectRef>
           <a:fontRef idx="minor">
@@ -17697,45 +17996,6 @@
                 <a:schemeClr val="tx1"/>
               </a:solidFill>
             </a:endParaRPr>
-          </a:p>
-        </p:txBody>
-      </p:sp>
-      <p:sp>
-        <p:nvSpPr>
-          <p:cNvPr id="4" name="Oval 3"/>
-          <p:cNvSpPr/>
-          <p:nvPr/>
-        </p:nvSpPr>
-        <p:spPr>
-          <a:xfrm>
-            <a:off x="1126771" y="1483738"/>
-            <a:ext cx="1475946" cy="1475946"/>
-          </a:xfrm>
-          <a:prstGeom prst="ellipse">
-            <a:avLst/>
-          </a:prstGeom>
-          <a:noFill/>
-        </p:spPr>
-        <p:style>
-          <a:lnRef idx="1">
-            <a:schemeClr val="accent1"/>
-          </a:lnRef>
-          <a:fillRef idx="3">
-            <a:schemeClr val="accent1"/>
-          </a:fillRef>
-          <a:effectRef idx="2">
-            <a:schemeClr val="accent1"/>
-          </a:effectRef>
-          <a:fontRef idx="minor">
-            <a:schemeClr val="lt1"/>
-          </a:fontRef>
-        </p:style>
-        <p:txBody>
-          <a:bodyPr rtlCol="0" anchor="ctr"/>
-          <a:lstStyle/>
-          <a:p>
-            <a:pPr algn="ctr"/>
-            <a:endParaRPr lang="en-US"/>
           </a:p>
         </p:txBody>
       </p:sp>
@@ -19041,45 +19301,6 @@
           </a:p>
         </p:txBody>
       </p:sp>
-      <p:sp>
-        <p:nvSpPr>
-          <p:cNvPr id="43" name="Oval 42"/>
-          <p:cNvSpPr/>
-          <p:nvPr/>
-        </p:nvSpPr>
-        <p:spPr>
-          <a:xfrm>
-            <a:off x="3283842" y="1389416"/>
-            <a:ext cx="1475946" cy="1475946"/>
-          </a:xfrm>
-          <a:prstGeom prst="ellipse">
-            <a:avLst/>
-          </a:prstGeom>
-          <a:noFill/>
-        </p:spPr>
-        <p:style>
-          <a:lnRef idx="1">
-            <a:schemeClr val="accent1"/>
-          </a:lnRef>
-          <a:fillRef idx="3">
-            <a:schemeClr val="accent1"/>
-          </a:fillRef>
-          <a:effectRef idx="2">
-            <a:schemeClr val="accent1"/>
-          </a:effectRef>
-          <a:fontRef idx="minor">
-            <a:schemeClr val="lt1"/>
-          </a:fontRef>
-        </p:style>
-        <p:txBody>
-          <a:bodyPr rtlCol="0" anchor="ctr"/>
-          <a:lstStyle/>
-          <a:p>
-            <a:pPr algn="ctr"/>
-            <a:endParaRPr lang="en-US"/>
-          </a:p>
-        </p:txBody>
-      </p:sp>
       <p:cxnSp>
         <p:nvCxnSpPr>
           <p:cNvPr id="44" name="Straight Arrow Connector 43"/>
@@ -19334,6 +19555,119 @@
     <p:extLst>
       <p:ext uri="{BB962C8B-B14F-4D97-AF65-F5344CB8AC3E}">
         <p14:creationId xmlns:p14="http://schemas.microsoft.com/office/powerpoint/2010/main" val="1467706622"/>
+      </p:ext>
+    </p:extLst>
+  </p:cSld>
+  <p:clrMapOvr>
+    <a:masterClrMapping/>
+  </p:clrMapOvr>
+</p:sld>
+</file>
+
+<file path=ppt/slides/slide22.xml><?xml version="1.0" encoding="utf-8"?>
+<p:sld xmlns:a="http://schemas.openxmlformats.org/drawingml/2006/main" xmlns:r="http://schemas.openxmlformats.org/officeDocument/2006/relationships" xmlns:p="http://schemas.openxmlformats.org/presentationml/2006/main">
+  <p:cSld>
+    <p:spTree>
+      <p:nvGrpSpPr>
+        <p:cNvPr id="1" name=""/>
+        <p:cNvGrpSpPr/>
+        <p:nvPr/>
+      </p:nvGrpSpPr>
+      <p:grpSpPr>
+        <a:xfrm>
+          <a:off x="0" y="0"/>
+          <a:ext cx="0" cy="0"/>
+          <a:chOff x="0" y="0"/>
+          <a:chExt cx="0" cy="0"/>
+        </a:xfrm>
+      </p:grpSpPr>
+      <p:pic>
+        <p:nvPicPr>
+          <p:cNvPr id="4" name="Picture 3"/>
+          <p:cNvPicPr>
+            <a:picLocks noChangeAspect="1"/>
+          </p:cNvPicPr>
+          <p:nvPr/>
+        </p:nvPicPr>
+        <p:blipFill>
+          <a:blip r:embed="rId2"/>
+          <a:stretch>
+            <a:fillRect/>
+          </a:stretch>
+        </p:blipFill>
+        <p:spPr>
+          <a:xfrm>
+            <a:off x="622301" y="714963"/>
+            <a:ext cx="4958648" cy="4948296"/>
+          </a:xfrm>
+          <a:prstGeom prst="rect">
+            <a:avLst/>
+          </a:prstGeom>
+        </p:spPr>
+      </p:pic>
+      <p:pic>
+        <p:nvPicPr>
+          <p:cNvPr id="5" name="Picture 4"/>
+          <p:cNvPicPr>
+            <a:picLocks noChangeAspect="1"/>
+          </p:cNvPicPr>
+          <p:nvPr/>
+        </p:nvPicPr>
+        <p:blipFill>
+          <a:blip r:embed="rId3"/>
+          <a:stretch>
+            <a:fillRect/>
+          </a:stretch>
+        </p:blipFill>
+        <p:spPr>
+          <a:xfrm>
+            <a:off x="5716882" y="2191925"/>
+            <a:ext cx="1460909" cy="2220150"/>
+          </a:xfrm>
+          <a:prstGeom prst="rect">
+            <a:avLst/>
+          </a:prstGeom>
+          <a:ln w="38100" cmpd="sng">
+            <a:solidFill>
+              <a:srgbClr val="000000"/>
+            </a:solidFill>
+          </a:ln>
+        </p:spPr>
+      </p:pic>
+      <p:sp>
+        <p:nvSpPr>
+          <p:cNvPr id="6" name="TextBox 5"/>
+          <p:cNvSpPr txBox="1"/>
+          <p:nvPr/>
+        </p:nvSpPr>
+        <p:spPr>
+          <a:xfrm>
+            <a:off x="6114810" y="4459111"/>
+            <a:ext cx="1063037" cy="307777"/>
+          </a:xfrm>
+          <a:prstGeom prst="rect">
+            <a:avLst/>
+          </a:prstGeom>
+          <a:noFill/>
+        </p:spPr>
+        <p:txBody>
+          <a:bodyPr wrap="square" rtlCol="0">
+            <a:spAutoFit/>
+          </a:bodyPr>
+          <a:lstStyle/>
+          <a:p>
+            <a:r>
+              <a:rPr lang="en-US" sz="1400" dirty="0" smtClean="0"/>
+              <a:t>Legend</a:t>
+            </a:r>
+            <a:endParaRPr lang="en-US" sz="1400" dirty="0"/>
+          </a:p>
+        </p:txBody>
+      </p:sp>
+    </p:spTree>
+    <p:extLst>
+      <p:ext uri="{BB962C8B-B14F-4D97-AF65-F5344CB8AC3E}">
+        <p14:creationId xmlns:p14="http://schemas.microsoft.com/office/powerpoint/2010/main" val="387987249"/>
       </p:ext>
     </p:extLst>
   </p:cSld>

--- a/figures/figures.pptx
+++ b/figures/figures.pptx
@@ -10,23 +10,24 @@
     <p:sldId id="259" r:id="rId4"/>
     <p:sldId id="260" r:id="rId5"/>
     <p:sldId id="275" r:id="rId6"/>
-    <p:sldId id="258" r:id="rId7"/>
-    <p:sldId id="261" r:id="rId8"/>
-    <p:sldId id="262" r:id="rId9"/>
-    <p:sldId id="263" r:id="rId10"/>
-    <p:sldId id="264" r:id="rId11"/>
-    <p:sldId id="276" r:id="rId12"/>
-    <p:sldId id="265" r:id="rId13"/>
-    <p:sldId id="266" r:id="rId14"/>
-    <p:sldId id="267" r:id="rId15"/>
-    <p:sldId id="268" r:id="rId16"/>
-    <p:sldId id="269" r:id="rId17"/>
-    <p:sldId id="270" r:id="rId18"/>
-    <p:sldId id="271" r:id="rId19"/>
-    <p:sldId id="272" r:id="rId20"/>
-    <p:sldId id="273" r:id="rId21"/>
-    <p:sldId id="274" r:id="rId22"/>
-    <p:sldId id="277" r:id="rId23"/>
+    <p:sldId id="278" r:id="rId7"/>
+    <p:sldId id="258" r:id="rId8"/>
+    <p:sldId id="261" r:id="rId9"/>
+    <p:sldId id="262" r:id="rId10"/>
+    <p:sldId id="263" r:id="rId11"/>
+    <p:sldId id="264" r:id="rId12"/>
+    <p:sldId id="276" r:id="rId13"/>
+    <p:sldId id="265" r:id="rId14"/>
+    <p:sldId id="266" r:id="rId15"/>
+    <p:sldId id="267" r:id="rId16"/>
+    <p:sldId id="268" r:id="rId17"/>
+    <p:sldId id="269" r:id="rId18"/>
+    <p:sldId id="270" r:id="rId19"/>
+    <p:sldId id="271" r:id="rId20"/>
+    <p:sldId id="272" r:id="rId21"/>
+    <p:sldId id="273" r:id="rId22"/>
+    <p:sldId id="274" r:id="rId23"/>
+    <p:sldId id="277" r:id="rId24"/>
   </p:sldIdLst>
   <p:sldSz cx="9144000" cy="6858000" type="screen4x3"/>
   <p:notesSz cx="6858000" cy="9144000"/>
@@ -3520,6 +3521,1459 @@
           <a:chExt cx="0" cy="0"/>
         </a:xfrm>
       </p:grpSpPr>
+      <p:sp>
+        <p:nvSpPr>
+          <p:cNvPr id="2" name="Freeform 1"/>
+          <p:cNvSpPr/>
+          <p:nvPr/>
+        </p:nvSpPr>
+        <p:spPr>
+          <a:xfrm rot="20905797">
+            <a:off x="2096303" y="512967"/>
+            <a:ext cx="3767081" cy="1961463"/>
+          </a:xfrm>
+          <a:custGeom>
+            <a:avLst/>
+            <a:gdLst>
+              <a:gd name="connsiteX0" fmla="*/ 0 w 3009516"/>
+              <a:gd name="connsiteY0" fmla="*/ 638849 h 1585576"/>
+              <a:gd name="connsiteX1" fmla="*/ 284788 w 3009516"/>
+              <a:gd name="connsiteY1" fmla="*/ 0 h 1585576"/>
+              <a:gd name="connsiteX2" fmla="*/ 569576 w 3009516"/>
+              <a:gd name="connsiteY2" fmla="*/ 307879 h 1585576"/>
+              <a:gd name="connsiteX3" fmla="*/ 3009516 w 3009516"/>
+              <a:gd name="connsiteY3" fmla="*/ 815879 h 1585576"/>
+              <a:gd name="connsiteX4" fmla="*/ 2709334 w 3009516"/>
+              <a:gd name="connsiteY4" fmla="*/ 1585576 h 1585576"/>
+              <a:gd name="connsiteX5" fmla="*/ 53879 w 3009516"/>
+              <a:gd name="connsiteY5" fmla="*/ 1239212 h 1585576"/>
+              <a:gd name="connsiteX6" fmla="*/ 0 w 3009516"/>
+              <a:gd name="connsiteY6" fmla="*/ 638849 h 1585576"/>
+              <a:gd name="connsiteX0" fmla="*/ 0 w 3009516"/>
+              <a:gd name="connsiteY0" fmla="*/ 638849 h 1585576"/>
+              <a:gd name="connsiteX1" fmla="*/ 284788 w 3009516"/>
+              <a:gd name="connsiteY1" fmla="*/ 0 h 1585576"/>
+              <a:gd name="connsiteX2" fmla="*/ 569576 w 3009516"/>
+              <a:gd name="connsiteY2" fmla="*/ 307879 h 1585576"/>
+              <a:gd name="connsiteX3" fmla="*/ 3009516 w 3009516"/>
+              <a:gd name="connsiteY3" fmla="*/ 815879 h 1585576"/>
+              <a:gd name="connsiteX4" fmla="*/ 2709334 w 3009516"/>
+              <a:gd name="connsiteY4" fmla="*/ 1585576 h 1585576"/>
+              <a:gd name="connsiteX5" fmla="*/ 635975 w 3009516"/>
+              <a:gd name="connsiteY5" fmla="*/ 962217 h 1585576"/>
+              <a:gd name="connsiteX6" fmla="*/ 0 w 3009516"/>
+              <a:gd name="connsiteY6" fmla="*/ 638849 h 1585576"/>
+              <a:gd name="connsiteX0" fmla="*/ 8417 w 2724728"/>
+              <a:gd name="connsiteY0" fmla="*/ 632827 h 1585576"/>
+              <a:gd name="connsiteX1" fmla="*/ 0 w 2724728"/>
+              <a:gd name="connsiteY1" fmla="*/ 0 h 1585576"/>
+              <a:gd name="connsiteX2" fmla="*/ 284788 w 2724728"/>
+              <a:gd name="connsiteY2" fmla="*/ 307879 h 1585576"/>
+              <a:gd name="connsiteX3" fmla="*/ 2724728 w 2724728"/>
+              <a:gd name="connsiteY3" fmla="*/ 815879 h 1585576"/>
+              <a:gd name="connsiteX4" fmla="*/ 2424546 w 2724728"/>
+              <a:gd name="connsiteY4" fmla="*/ 1585576 h 1585576"/>
+              <a:gd name="connsiteX5" fmla="*/ 351187 w 2724728"/>
+              <a:gd name="connsiteY5" fmla="*/ 962217 h 1585576"/>
+              <a:gd name="connsiteX6" fmla="*/ 8417 w 2724728"/>
+              <a:gd name="connsiteY6" fmla="*/ 632827 h 1585576"/>
+              <a:gd name="connsiteX0" fmla="*/ 8417 w 2724728"/>
+              <a:gd name="connsiteY0" fmla="*/ 632827 h 1177063"/>
+              <a:gd name="connsiteX1" fmla="*/ 0 w 2724728"/>
+              <a:gd name="connsiteY1" fmla="*/ 0 h 1177063"/>
+              <a:gd name="connsiteX2" fmla="*/ 284788 w 2724728"/>
+              <a:gd name="connsiteY2" fmla="*/ 307879 h 1177063"/>
+              <a:gd name="connsiteX3" fmla="*/ 2724728 w 2724728"/>
+              <a:gd name="connsiteY3" fmla="*/ 815879 h 1177063"/>
+              <a:gd name="connsiteX4" fmla="*/ 1482487 w 2724728"/>
+              <a:gd name="connsiteY4" fmla="*/ 1177063 h 1177063"/>
+              <a:gd name="connsiteX5" fmla="*/ 351187 w 2724728"/>
+              <a:gd name="connsiteY5" fmla="*/ 962217 h 1177063"/>
+              <a:gd name="connsiteX6" fmla="*/ 8417 w 2724728"/>
+              <a:gd name="connsiteY6" fmla="*/ 632827 h 1177063"/>
+              <a:gd name="connsiteX0" fmla="*/ 8417 w 2260604"/>
+              <a:gd name="connsiteY0" fmla="*/ 632827 h 1177063"/>
+              <a:gd name="connsiteX1" fmla="*/ 0 w 2260604"/>
+              <a:gd name="connsiteY1" fmla="*/ 0 h 1177063"/>
+              <a:gd name="connsiteX2" fmla="*/ 284788 w 2260604"/>
+              <a:gd name="connsiteY2" fmla="*/ 307879 h 1177063"/>
+              <a:gd name="connsiteX3" fmla="*/ 2260604 w 2260604"/>
+              <a:gd name="connsiteY3" fmla="*/ 720860 h 1177063"/>
+              <a:gd name="connsiteX4" fmla="*/ 1482487 w 2260604"/>
+              <a:gd name="connsiteY4" fmla="*/ 1177063 h 1177063"/>
+              <a:gd name="connsiteX5" fmla="*/ 351187 w 2260604"/>
+              <a:gd name="connsiteY5" fmla="*/ 962217 h 1177063"/>
+              <a:gd name="connsiteX6" fmla="*/ 8417 w 2260604"/>
+              <a:gd name="connsiteY6" fmla="*/ 632827 h 1177063"/>
+            </a:gdLst>
+            <a:ahLst/>
+            <a:cxnLst>
+              <a:cxn ang="0">
+                <a:pos x="connsiteX0" y="connsiteY0"/>
+              </a:cxn>
+              <a:cxn ang="0">
+                <a:pos x="connsiteX1" y="connsiteY1"/>
+              </a:cxn>
+              <a:cxn ang="0">
+                <a:pos x="connsiteX2" y="connsiteY2"/>
+              </a:cxn>
+              <a:cxn ang="0">
+                <a:pos x="connsiteX3" y="connsiteY3"/>
+              </a:cxn>
+              <a:cxn ang="0">
+                <a:pos x="connsiteX4" y="connsiteY4"/>
+              </a:cxn>
+              <a:cxn ang="0">
+                <a:pos x="connsiteX5" y="connsiteY5"/>
+              </a:cxn>
+              <a:cxn ang="0">
+                <a:pos x="connsiteX6" y="connsiteY6"/>
+              </a:cxn>
+            </a:cxnLst>
+            <a:rect l="l" t="t" r="r" b="b"/>
+            <a:pathLst>
+              <a:path w="2260604" h="1177063">
+                <a:moveTo>
+                  <a:pt x="8417" y="632827"/>
+                </a:moveTo>
+                <a:lnTo>
+                  <a:pt x="0" y="0"/>
+                </a:lnTo>
+                <a:lnTo>
+                  <a:pt x="284788" y="307879"/>
+                </a:lnTo>
+                <a:lnTo>
+                  <a:pt x="2260604" y="720860"/>
+                </a:lnTo>
+                <a:lnTo>
+                  <a:pt x="1482487" y="1177063"/>
+                </a:lnTo>
+                <a:lnTo>
+                  <a:pt x="351187" y="962217"/>
+                </a:lnTo>
+                <a:lnTo>
+                  <a:pt x="8417" y="632827"/>
+                </a:lnTo>
+                <a:close/>
+              </a:path>
+            </a:pathLst>
+          </a:custGeom>
+        </p:spPr>
+        <p:style>
+          <a:lnRef idx="1">
+            <a:schemeClr val="accent1"/>
+          </a:lnRef>
+          <a:fillRef idx="3">
+            <a:schemeClr val="accent1"/>
+          </a:fillRef>
+          <a:effectRef idx="2">
+            <a:schemeClr val="accent1"/>
+          </a:effectRef>
+          <a:fontRef idx="minor">
+            <a:schemeClr val="lt1"/>
+          </a:fontRef>
+        </p:style>
+        <p:txBody>
+          <a:bodyPr rtlCol="0" anchor="ctr"/>
+          <a:lstStyle/>
+          <a:p>
+            <a:pPr algn="ctr"/>
+            <a:endParaRPr lang="en-US"/>
+          </a:p>
+        </p:txBody>
+      </p:sp>
+      <p:sp>
+        <p:nvSpPr>
+          <p:cNvPr id="3" name="Freeform 2"/>
+          <p:cNvSpPr/>
+          <p:nvPr/>
+        </p:nvSpPr>
+        <p:spPr>
+          <a:xfrm rot="19924700">
+            <a:off x="2964956" y="531568"/>
+            <a:ext cx="1952672" cy="1327460"/>
+          </a:xfrm>
+          <a:custGeom>
+            <a:avLst/>
+            <a:gdLst>
+              <a:gd name="connsiteX0" fmla="*/ 0 w 1963352"/>
+              <a:gd name="connsiteY0" fmla="*/ 0 h 1091513"/>
+              <a:gd name="connsiteX1" fmla="*/ 411892 w 1963352"/>
+              <a:gd name="connsiteY1" fmla="*/ 1091513 h 1091513"/>
+              <a:gd name="connsiteX2" fmla="*/ 1963352 w 1963352"/>
+              <a:gd name="connsiteY2" fmla="*/ 659027 h 1091513"/>
+              <a:gd name="connsiteX0" fmla="*/ 0 w 1963352"/>
+              <a:gd name="connsiteY0" fmla="*/ 0 h 899297"/>
+              <a:gd name="connsiteX1" fmla="*/ 597244 w 1963352"/>
+              <a:gd name="connsiteY1" fmla="*/ 899297 h 899297"/>
+              <a:gd name="connsiteX2" fmla="*/ 1963352 w 1963352"/>
+              <a:gd name="connsiteY2" fmla="*/ 659027 h 899297"/>
+              <a:gd name="connsiteX0" fmla="*/ 0 w 1963352"/>
+              <a:gd name="connsiteY0" fmla="*/ 49260 h 948557"/>
+              <a:gd name="connsiteX1" fmla="*/ 597244 w 1963352"/>
+              <a:gd name="connsiteY1" fmla="*/ 948557 h 948557"/>
+              <a:gd name="connsiteX2" fmla="*/ 1963352 w 1963352"/>
+              <a:gd name="connsiteY2" fmla="*/ 708287 h 948557"/>
+              <a:gd name="connsiteX0" fmla="*/ 0 w 1963352"/>
+              <a:gd name="connsiteY0" fmla="*/ 40865 h 1159838"/>
+              <a:gd name="connsiteX1" fmla="*/ 425622 w 1963352"/>
+              <a:gd name="connsiteY1" fmla="*/ 1159838 h 1159838"/>
+              <a:gd name="connsiteX2" fmla="*/ 1963352 w 1963352"/>
+              <a:gd name="connsiteY2" fmla="*/ 699892 h 1159838"/>
+              <a:gd name="connsiteX0" fmla="*/ 0 w 1963352"/>
+              <a:gd name="connsiteY0" fmla="*/ 42611 h 1161584"/>
+              <a:gd name="connsiteX1" fmla="*/ 425622 w 1963352"/>
+              <a:gd name="connsiteY1" fmla="*/ 1161584 h 1161584"/>
+              <a:gd name="connsiteX2" fmla="*/ 1963352 w 1963352"/>
+              <a:gd name="connsiteY2" fmla="*/ 701638 h 1161584"/>
+              <a:gd name="connsiteX0" fmla="*/ 0 w 1963352"/>
+              <a:gd name="connsiteY0" fmla="*/ 42611 h 1161584"/>
+              <a:gd name="connsiteX1" fmla="*/ 425622 w 1963352"/>
+              <a:gd name="connsiteY1" fmla="*/ 1161584 h 1161584"/>
+              <a:gd name="connsiteX2" fmla="*/ 1963352 w 1963352"/>
+              <a:gd name="connsiteY2" fmla="*/ 701638 h 1161584"/>
+              <a:gd name="connsiteX0" fmla="*/ 0 w 1894703"/>
+              <a:gd name="connsiteY0" fmla="*/ 42611 h 1772567"/>
+              <a:gd name="connsiteX1" fmla="*/ 425622 w 1894703"/>
+              <a:gd name="connsiteY1" fmla="*/ 1161584 h 1772567"/>
+              <a:gd name="connsiteX2" fmla="*/ 1894703 w 1894703"/>
+              <a:gd name="connsiteY2" fmla="*/ 1751962 h 1772567"/>
+              <a:gd name="connsiteX0" fmla="*/ 0 w 1894703"/>
+              <a:gd name="connsiteY0" fmla="*/ 42611 h 1751962"/>
+              <a:gd name="connsiteX1" fmla="*/ 425622 w 1894703"/>
+              <a:gd name="connsiteY1" fmla="*/ 1161584 h 1751962"/>
+              <a:gd name="connsiteX2" fmla="*/ 1894703 w 1894703"/>
+              <a:gd name="connsiteY2" fmla="*/ 1751962 h 1751962"/>
+              <a:gd name="connsiteX0" fmla="*/ 0 w 1894703"/>
+              <a:gd name="connsiteY0" fmla="*/ 42611 h 1751962"/>
+              <a:gd name="connsiteX1" fmla="*/ 425622 w 1894703"/>
+              <a:gd name="connsiteY1" fmla="*/ 1161584 h 1751962"/>
+              <a:gd name="connsiteX2" fmla="*/ 1894703 w 1894703"/>
+              <a:gd name="connsiteY2" fmla="*/ 1751962 h 1751962"/>
+              <a:gd name="connsiteX0" fmla="*/ 0 w 1894703"/>
+              <a:gd name="connsiteY0" fmla="*/ 38541 h 1747892"/>
+              <a:gd name="connsiteX1" fmla="*/ 638433 w 1894703"/>
+              <a:gd name="connsiteY1" fmla="*/ 1287946 h 1747892"/>
+              <a:gd name="connsiteX2" fmla="*/ 1894703 w 1894703"/>
+              <a:gd name="connsiteY2" fmla="*/ 1747892 h 1747892"/>
+              <a:gd name="connsiteX0" fmla="*/ 0 w 1894703"/>
+              <a:gd name="connsiteY0" fmla="*/ 38354 h 1747705"/>
+              <a:gd name="connsiteX1" fmla="*/ 638433 w 1894703"/>
+              <a:gd name="connsiteY1" fmla="*/ 1287759 h 1747705"/>
+              <a:gd name="connsiteX2" fmla="*/ 1894703 w 1894703"/>
+              <a:gd name="connsiteY2" fmla="*/ 1747705 h 1747705"/>
+              <a:gd name="connsiteX0" fmla="*/ 0 w 1894703"/>
+              <a:gd name="connsiteY0" fmla="*/ 38354 h 1747705"/>
+              <a:gd name="connsiteX1" fmla="*/ 638433 w 1894703"/>
+              <a:gd name="connsiteY1" fmla="*/ 1287759 h 1747705"/>
+              <a:gd name="connsiteX2" fmla="*/ 1894703 w 1894703"/>
+              <a:gd name="connsiteY2" fmla="*/ 1747705 h 1747705"/>
+              <a:gd name="connsiteX0" fmla="*/ 0 w 1894703"/>
+              <a:gd name="connsiteY0" fmla="*/ 0 h 1709351"/>
+              <a:gd name="connsiteX1" fmla="*/ 638433 w 1894703"/>
+              <a:gd name="connsiteY1" fmla="*/ 1249405 h 1709351"/>
+              <a:gd name="connsiteX2" fmla="*/ 1894703 w 1894703"/>
+              <a:gd name="connsiteY2" fmla="*/ 1709351 h 1709351"/>
+              <a:gd name="connsiteX0" fmla="*/ 0 w 1894703"/>
+              <a:gd name="connsiteY0" fmla="*/ 0 h 1709351"/>
+              <a:gd name="connsiteX1" fmla="*/ 377568 w 1894703"/>
+              <a:gd name="connsiteY1" fmla="*/ 343243 h 1709351"/>
+              <a:gd name="connsiteX2" fmla="*/ 1894703 w 1894703"/>
+              <a:gd name="connsiteY2" fmla="*/ 1709351 h 1709351"/>
+              <a:gd name="connsiteX0" fmla="*/ 0 w 1894703"/>
+              <a:gd name="connsiteY0" fmla="*/ 0 h 1709351"/>
+              <a:gd name="connsiteX1" fmla="*/ 377568 w 1894703"/>
+              <a:gd name="connsiteY1" fmla="*/ 343243 h 1709351"/>
+              <a:gd name="connsiteX2" fmla="*/ 1894703 w 1894703"/>
+              <a:gd name="connsiteY2" fmla="*/ 1709351 h 1709351"/>
+              <a:gd name="connsiteX0" fmla="*/ 0 w 1894703"/>
+              <a:gd name="connsiteY0" fmla="*/ 0 h 1709351"/>
+              <a:gd name="connsiteX1" fmla="*/ 377568 w 1894703"/>
+              <a:gd name="connsiteY1" fmla="*/ 343243 h 1709351"/>
+              <a:gd name="connsiteX2" fmla="*/ 1894703 w 1894703"/>
+              <a:gd name="connsiteY2" fmla="*/ 1709351 h 1709351"/>
+              <a:gd name="connsiteX0" fmla="*/ 0 w 1894703"/>
+              <a:gd name="connsiteY0" fmla="*/ 0 h 1709351"/>
+              <a:gd name="connsiteX1" fmla="*/ 377568 w 1894703"/>
+              <a:gd name="connsiteY1" fmla="*/ 343243 h 1709351"/>
+              <a:gd name="connsiteX2" fmla="*/ 775523 w 1894703"/>
+              <a:gd name="connsiteY2" fmla="*/ 556053 h 1709351"/>
+              <a:gd name="connsiteX3" fmla="*/ 1894703 w 1894703"/>
+              <a:gd name="connsiteY3" fmla="*/ 1709351 h 1709351"/>
+              <a:gd name="connsiteX0" fmla="*/ 0 w 1894703"/>
+              <a:gd name="connsiteY0" fmla="*/ 0 h 1709351"/>
+              <a:gd name="connsiteX1" fmla="*/ 377568 w 1894703"/>
+              <a:gd name="connsiteY1" fmla="*/ 343243 h 1709351"/>
+              <a:gd name="connsiteX2" fmla="*/ 775523 w 1894703"/>
+              <a:gd name="connsiteY2" fmla="*/ 556053 h 1709351"/>
+              <a:gd name="connsiteX3" fmla="*/ 1894703 w 1894703"/>
+              <a:gd name="connsiteY3" fmla="*/ 1709351 h 1709351"/>
+              <a:gd name="connsiteX0" fmla="*/ 0 w 1970217"/>
+              <a:gd name="connsiteY0" fmla="*/ 0 h 1256270"/>
+              <a:gd name="connsiteX1" fmla="*/ 377568 w 1970217"/>
+              <a:gd name="connsiteY1" fmla="*/ 343243 h 1256270"/>
+              <a:gd name="connsiteX2" fmla="*/ 775523 w 1970217"/>
+              <a:gd name="connsiteY2" fmla="*/ 556053 h 1256270"/>
+              <a:gd name="connsiteX3" fmla="*/ 1970217 w 1970217"/>
+              <a:gd name="connsiteY3" fmla="*/ 1256270 h 1256270"/>
+              <a:gd name="connsiteX0" fmla="*/ 0 w 1970217"/>
+              <a:gd name="connsiteY0" fmla="*/ 0 h 1256270"/>
+              <a:gd name="connsiteX1" fmla="*/ 377568 w 1970217"/>
+              <a:gd name="connsiteY1" fmla="*/ 343243 h 1256270"/>
+              <a:gd name="connsiteX2" fmla="*/ 775523 w 1970217"/>
+              <a:gd name="connsiteY2" fmla="*/ 556053 h 1256270"/>
+              <a:gd name="connsiteX3" fmla="*/ 1970217 w 1970217"/>
+              <a:gd name="connsiteY3" fmla="*/ 1256270 h 1256270"/>
+              <a:gd name="connsiteX0" fmla="*/ 0 w 1970217"/>
+              <a:gd name="connsiteY0" fmla="*/ 0 h 1256270"/>
+              <a:gd name="connsiteX1" fmla="*/ 377568 w 1970217"/>
+              <a:gd name="connsiteY1" fmla="*/ 343243 h 1256270"/>
+              <a:gd name="connsiteX2" fmla="*/ 775523 w 1970217"/>
+              <a:gd name="connsiteY2" fmla="*/ 556053 h 1256270"/>
+              <a:gd name="connsiteX3" fmla="*/ 1970217 w 1970217"/>
+              <a:gd name="connsiteY3" fmla="*/ 1256270 h 1256270"/>
+              <a:gd name="connsiteX0" fmla="*/ 0 w 1997676"/>
+              <a:gd name="connsiteY0" fmla="*/ 0 h 1242540"/>
+              <a:gd name="connsiteX1" fmla="*/ 377568 w 1997676"/>
+              <a:gd name="connsiteY1" fmla="*/ 343243 h 1242540"/>
+              <a:gd name="connsiteX2" fmla="*/ 775523 w 1997676"/>
+              <a:gd name="connsiteY2" fmla="*/ 556053 h 1242540"/>
+              <a:gd name="connsiteX3" fmla="*/ 1997676 w 1997676"/>
+              <a:gd name="connsiteY3" fmla="*/ 1242540 h 1242540"/>
+              <a:gd name="connsiteX0" fmla="*/ 0 w 1952672"/>
+              <a:gd name="connsiteY0" fmla="*/ 0 h 1327460"/>
+              <a:gd name="connsiteX1" fmla="*/ 377568 w 1952672"/>
+              <a:gd name="connsiteY1" fmla="*/ 343243 h 1327460"/>
+              <a:gd name="connsiteX2" fmla="*/ 775523 w 1952672"/>
+              <a:gd name="connsiteY2" fmla="*/ 556053 h 1327460"/>
+              <a:gd name="connsiteX3" fmla="*/ 1952672 w 1952672"/>
+              <a:gd name="connsiteY3" fmla="*/ 1327460 h 1327460"/>
+              <a:gd name="connsiteX0" fmla="*/ 0 w 1952672"/>
+              <a:gd name="connsiteY0" fmla="*/ 0 h 1327460"/>
+              <a:gd name="connsiteX1" fmla="*/ 377568 w 1952672"/>
+              <a:gd name="connsiteY1" fmla="*/ 343243 h 1327460"/>
+              <a:gd name="connsiteX2" fmla="*/ 775523 w 1952672"/>
+              <a:gd name="connsiteY2" fmla="*/ 556053 h 1327460"/>
+              <a:gd name="connsiteX3" fmla="*/ 1952672 w 1952672"/>
+              <a:gd name="connsiteY3" fmla="*/ 1327460 h 1327460"/>
+              <a:gd name="connsiteX0" fmla="*/ 0 w 1952672"/>
+              <a:gd name="connsiteY0" fmla="*/ 0 h 1327460"/>
+              <a:gd name="connsiteX1" fmla="*/ 377568 w 1952672"/>
+              <a:gd name="connsiteY1" fmla="*/ 343243 h 1327460"/>
+              <a:gd name="connsiteX2" fmla="*/ 702314 w 1952672"/>
+              <a:gd name="connsiteY2" fmla="*/ 664872 h 1327460"/>
+              <a:gd name="connsiteX3" fmla="*/ 1952672 w 1952672"/>
+              <a:gd name="connsiteY3" fmla="*/ 1327460 h 1327460"/>
+              <a:gd name="connsiteX0" fmla="*/ 0 w 1952672"/>
+              <a:gd name="connsiteY0" fmla="*/ 0 h 1327460"/>
+              <a:gd name="connsiteX1" fmla="*/ 377568 w 1952672"/>
+              <a:gd name="connsiteY1" fmla="*/ 343243 h 1327460"/>
+              <a:gd name="connsiteX2" fmla="*/ 702314 w 1952672"/>
+              <a:gd name="connsiteY2" fmla="*/ 664872 h 1327460"/>
+              <a:gd name="connsiteX3" fmla="*/ 1952672 w 1952672"/>
+              <a:gd name="connsiteY3" fmla="*/ 1327460 h 1327460"/>
+              <a:gd name="connsiteX0" fmla="*/ 0 w 1952672"/>
+              <a:gd name="connsiteY0" fmla="*/ 0 h 1327460"/>
+              <a:gd name="connsiteX1" fmla="*/ 329350 w 1952672"/>
+              <a:gd name="connsiteY1" fmla="*/ 434228 h 1327460"/>
+              <a:gd name="connsiteX2" fmla="*/ 702314 w 1952672"/>
+              <a:gd name="connsiteY2" fmla="*/ 664872 h 1327460"/>
+              <a:gd name="connsiteX3" fmla="*/ 1952672 w 1952672"/>
+              <a:gd name="connsiteY3" fmla="*/ 1327460 h 1327460"/>
+              <a:gd name="connsiteX0" fmla="*/ 0 w 1952672"/>
+              <a:gd name="connsiteY0" fmla="*/ 0 h 1327460"/>
+              <a:gd name="connsiteX1" fmla="*/ 329350 w 1952672"/>
+              <a:gd name="connsiteY1" fmla="*/ 434228 h 1327460"/>
+              <a:gd name="connsiteX2" fmla="*/ 702314 w 1952672"/>
+              <a:gd name="connsiteY2" fmla="*/ 664872 h 1327460"/>
+              <a:gd name="connsiteX3" fmla="*/ 1952672 w 1952672"/>
+              <a:gd name="connsiteY3" fmla="*/ 1327460 h 1327460"/>
+              <a:gd name="connsiteX0" fmla="*/ 0 w 1952672"/>
+              <a:gd name="connsiteY0" fmla="*/ 0 h 1327460"/>
+              <a:gd name="connsiteX1" fmla="*/ 316491 w 1952672"/>
+              <a:gd name="connsiteY1" fmla="*/ 458491 h 1327460"/>
+              <a:gd name="connsiteX2" fmla="*/ 702314 w 1952672"/>
+              <a:gd name="connsiteY2" fmla="*/ 664872 h 1327460"/>
+              <a:gd name="connsiteX3" fmla="*/ 1952672 w 1952672"/>
+              <a:gd name="connsiteY3" fmla="*/ 1327460 h 1327460"/>
+              <a:gd name="connsiteX0" fmla="*/ 0 w 1952672"/>
+              <a:gd name="connsiteY0" fmla="*/ 0 h 1327460"/>
+              <a:gd name="connsiteX1" fmla="*/ 316491 w 1952672"/>
+              <a:gd name="connsiteY1" fmla="*/ 458491 h 1327460"/>
+              <a:gd name="connsiteX2" fmla="*/ 702314 w 1952672"/>
+              <a:gd name="connsiteY2" fmla="*/ 664872 h 1327460"/>
+              <a:gd name="connsiteX3" fmla="*/ 1952672 w 1952672"/>
+              <a:gd name="connsiteY3" fmla="*/ 1327460 h 1327460"/>
+            </a:gdLst>
+            <a:ahLst/>
+            <a:cxnLst>
+              <a:cxn ang="0">
+                <a:pos x="connsiteX0" y="connsiteY0"/>
+              </a:cxn>
+              <a:cxn ang="0">
+                <a:pos x="connsiteX1" y="connsiteY1"/>
+              </a:cxn>
+              <a:cxn ang="0">
+                <a:pos x="connsiteX2" y="connsiteY2"/>
+              </a:cxn>
+              <a:cxn ang="0">
+                <a:pos x="connsiteX3" y="connsiteY3"/>
+              </a:cxn>
+            </a:cxnLst>
+            <a:rect l="l" t="t" r="r" b="b"/>
+            <a:pathLst>
+              <a:path w="1952672" h="1327460">
+                <a:moveTo>
+                  <a:pt x="0" y="0"/>
+                </a:moveTo>
+                <a:cubicBezTo>
+                  <a:pt x="171621" y="59495"/>
+                  <a:pt x="275301" y="337212"/>
+                  <a:pt x="316491" y="458491"/>
+                </a:cubicBezTo>
+                <a:cubicBezTo>
+                  <a:pt x="542052" y="412945"/>
+                  <a:pt x="633501" y="544954"/>
+                  <a:pt x="702314" y="664872"/>
+                </a:cubicBezTo>
+                <a:cubicBezTo>
+                  <a:pt x="1059756" y="841336"/>
+                  <a:pt x="1510673" y="1090645"/>
+                  <a:pt x="1952672" y="1327460"/>
+                </a:cubicBezTo>
+              </a:path>
+            </a:pathLst>
+          </a:custGeom>
+          <a:ln>
+            <a:prstDash val="dash"/>
+          </a:ln>
+        </p:spPr>
+        <p:style>
+          <a:lnRef idx="2">
+            <a:schemeClr val="dk1"/>
+          </a:lnRef>
+          <a:fillRef idx="0">
+            <a:schemeClr val="dk1"/>
+          </a:fillRef>
+          <a:effectRef idx="1">
+            <a:schemeClr val="dk1"/>
+          </a:effectRef>
+          <a:fontRef idx="minor">
+            <a:schemeClr val="tx1"/>
+          </a:fontRef>
+        </p:style>
+        <p:txBody>
+          <a:bodyPr rtlCol="0" anchor="ctr"/>
+          <a:lstStyle/>
+          <a:p>
+            <a:pPr algn="ctr"/>
+            <a:endParaRPr lang="en-US"/>
+          </a:p>
+        </p:txBody>
+      </p:sp>
+      <p:sp>
+        <p:nvSpPr>
+          <p:cNvPr id="4" name="Oval 3"/>
+          <p:cNvSpPr/>
+          <p:nvPr/>
+        </p:nvSpPr>
+        <p:spPr>
+          <a:xfrm rot="19918879">
+            <a:off x="2699233" y="1000470"/>
+            <a:ext cx="123151" cy="123151"/>
+          </a:xfrm>
+          <a:prstGeom prst="ellipse">
+            <a:avLst/>
+          </a:prstGeom>
+        </p:spPr>
+        <p:style>
+          <a:lnRef idx="1">
+            <a:schemeClr val="accent2"/>
+          </a:lnRef>
+          <a:fillRef idx="3">
+            <a:schemeClr val="accent2"/>
+          </a:fillRef>
+          <a:effectRef idx="2">
+            <a:schemeClr val="accent2"/>
+          </a:effectRef>
+          <a:fontRef idx="minor">
+            <a:schemeClr val="lt1"/>
+          </a:fontRef>
+        </p:style>
+        <p:txBody>
+          <a:bodyPr rtlCol="0" anchor="ctr"/>
+          <a:lstStyle/>
+          <a:p>
+            <a:pPr algn="ctr"/>
+            <a:endParaRPr lang="en-US"/>
+          </a:p>
+        </p:txBody>
+      </p:sp>
+      <p:cxnSp>
+        <p:nvCxnSpPr>
+          <p:cNvPr id="7" name="Straight Connector 6"/>
+          <p:cNvCxnSpPr/>
+          <p:nvPr/>
+        </p:nvCxnSpPr>
+        <p:spPr>
+          <a:xfrm>
+            <a:off x="2767811" y="1469081"/>
+            <a:ext cx="0" cy="302054"/>
+          </a:xfrm>
+          <a:prstGeom prst="line">
+            <a:avLst/>
+          </a:prstGeom>
+          <a:ln w="12700" cmpd="sng"/>
+          <a:effectLst/>
+        </p:spPr>
+        <p:style>
+          <a:lnRef idx="2">
+            <a:schemeClr val="dk1"/>
+          </a:lnRef>
+          <a:fillRef idx="0">
+            <a:schemeClr val="dk1"/>
+          </a:fillRef>
+          <a:effectRef idx="1">
+            <a:schemeClr val="dk1"/>
+          </a:effectRef>
+          <a:fontRef idx="minor">
+            <a:schemeClr val="tx1"/>
+          </a:fontRef>
+        </p:style>
+      </p:cxnSp>
+      <p:cxnSp>
+        <p:nvCxnSpPr>
+          <p:cNvPr id="8" name="Straight Connector 7"/>
+          <p:cNvCxnSpPr/>
+          <p:nvPr/>
+        </p:nvCxnSpPr>
+        <p:spPr>
+          <a:xfrm flipV="1">
+            <a:off x="3699704" y="1324623"/>
+            <a:ext cx="0" cy="611269"/>
+          </a:xfrm>
+          <a:prstGeom prst="line">
+            <a:avLst/>
+          </a:prstGeom>
+          <a:ln w="19050" cmpd="sng">
+            <a:solidFill>
+              <a:schemeClr val="tx1"/>
+            </a:solidFill>
+            <a:headEnd type="none"/>
+            <a:tailEnd type="arrow"/>
+          </a:ln>
+          <a:effectLst/>
+        </p:spPr>
+        <p:style>
+          <a:lnRef idx="2">
+            <a:schemeClr val="dk1"/>
+          </a:lnRef>
+          <a:fillRef idx="0">
+            <a:schemeClr val="dk1"/>
+          </a:fillRef>
+          <a:effectRef idx="1">
+            <a:schemeClr val="dk1"/>
+          </a:effectRef>
+          <a:fontRef idx="minor">
+            <a:schemeClr val="tx1"/>
+          </a:fontRef>
+        </p:style>
+      </p:cxnSp>
+      <p:cxnSp>
+        <p:nvCxnSpPr>
+          <p:cNvPr id="9" name="Straight Connector 8"/>
+          <p:cNvCxnSpPr/>
+          <p:nvPr/>
+        </p:nvCxnSpPr>
+        <p:spPr>
+          <a:xfrm>
+            <a:off x="5049692" y="1464962"/>
+            <a:ext cx="0" cy="302054"/>
+          </a:xfrm>
+          <a:prstGeom prst="line">
+            <a:avLst/>
+          </a:prstGeom>
+          <a:ln w="12700" cmpd="sng"/>
+          <a:effectLst/>
+        </p:spPr>
+        <p:style>
+          <a:lnRef idx="2">
+            <a:schemeClr val="dk1"/>
+          </a:lnRef>
+          <a:fillRef idx="0">
+            <a:schemeClr val="dk1"/>
+          </a:fillRef>
+          <a:effectRef idx="1">
+            <a:schemeClr val="dk1"/>
+          </a:effectRef>
+          <a:fontRef idx="minor">
+            <a:schemeClr val="tx1"/>
+          </a:fontRef>
+        </p:style>
+      </p:cxnSp>
+      <p:sp>
+        <p:nvSpPr>
+          <p:cNvPr id="10" name="TextBox 9"/>
+          <p:cNvSpPr txBox="1"/>
+          <p:nvPr/>
+        </p:nvSpPr>
+        <p:spPr>
+          <a:xfrm>
+            <a:off x="2823497" y="1469081"/>
+            <a:ext cx="851849" cy="307777"/>
+          </a:xfrm>
+          <a:prstGeom prst="rect">
+            <a:avLst/>
+          </a:prstGeom>
+          <a:noFill/>
+        </p:spPr>
+        <p:txBody>
+          <a:bodyPr wrap="square" rtlCol="0">
+            <a:spAutoFit/>
+          </a:bodyPr>
+          <a:lstStyle/>
+          <a:p>
+            <a:r>
+              <a:rPr lang="en-US" sz="1400" dirty="0" smtClean="0"/>
+              <a:t>Free-Fall</a:t>
+            </a:r>
+            <a:endParaRPr lang="en-US" sz="1400" dirty="0"/>
+          </a:p>
+        </p:txBody>
+      </p:sp>
+      <p:sp>
+        <p:nvSpPr>
+          <p:cNvPr id="11" name="TextBox 10"/>
+          <p:cNvSpPr txBox="1"/>
+          <p:nvPr/>
+        </p:nvSpPr>
+        <p:spPr>
+          <a:xfrm>
+            <a:off x="3985638" y="1470454"/>
+            <a:ext cx="851849" cy="307777"/>
+          </a:xfrm>
+          <a:prstGeom prst="rect">
+            <a:avLst/>
+          </a:prstGeom>
+          <a:noFill/>
+        </p:spPr>
+        <p:txBody>
+          <a:bodyPr wrap="square" rtlCol="0">
+            <a:spAutoFit/>
+          </a:bodyPr>
+          <a:lstStyle/>
+          <a:p>
+            <a:r>
+              <a:rPr lang="en-US" sz="1400" dirty="0" smtClean="0"/>
+              <a:t>Sliding</a:t>
+            </a:r>
+            <a:endParaRPr lang="en-US" sz="1400" dirty="0"/>
+          </a:p>
+        </p:txBody>
+      </p:sp>
+      <p:cxnSp>
+        <p:nvCxnSpPr>
+          <p:cNvPr id="12" name="Straight Connector 11"/>
+          <p:cNvCxnSpPr/>
+          <p:nvPr/>
+        </p:nvCxnSpPr>
+        <p:spPr>
+          <a:xfrm>
+            <a:off x="2767811" y="1470454"/>
+            <a:ext cx="2281881" cy="0"/>
+          </a:xfrm>
+          <a:prstGeom prst="line">
+            <a:avLst/>
+          </a:prstGeom>
+          <a:ln w="12700" cmpd="sng"/>
+          <a:effectLst/>
+        </p:spPr>
+        <p:style>
+          <a:lnRef idx="2">
+            <a:schemeClr val="dk1"/>
+          </a:lnRef>
+          <a:fillRef idx="0">
+            <a:schemeClr val="dk1"/>
+          </a:fillRef>
+          <a:effectRef idx="1">
+            <a:schemeClr val="dk1"/>
+          </a:effectRef>
+          <a:fontRef idx="minor">
+            <a:schemeClr val="tx1"/>
+          </a:fontRef>
+        </p:style>
+      </p:cxnSp>
+      <p:sp>
+        <p:nvSpPr>
+          <p:cNvPr id="18" name="TextBox 17"/>
+          <p:cNvSpPr txBox="1"/>
+          <p:nvPr/>
+        </p:nvSpPr>
+        <p:spPr>
+          <a:xfrm>
+            <a:off x="3227733" y="1931169"/>
+            <a:ext cx="943941" cy="307777"/>
+          </a:xfrm>
+          <a:prstGeom prst="rect">
+            <a:avLst/>
+          </a:prstGeom>
+          <a:noFill/>
+        </p:spPr>
+        <p:txBody>
+          <a:bodyPr wrap="square" rtlCol="0">
+            <a:spAutoFit/>
+          </a:bodyPr>
+          <a:lstStyle/>
+          <a:p>
+            <a:r>
+              <a:rPr lang="en-US" sz="1400" dirty="0" smtClean="0"/>
+              <a:t>Transition</a:t>
+            </a:r>
+            <a:endParaRPr lang="en-US" sz="1400" dirty="0"/>
+          </a:p>
+        </p:txBody>
+      </p:sp>
+      <p:sp>
+        <p:nvSpPr>
+          <p:cNvPr id="26" name="Freeform 25"/>
+          <p:cNvSpPr/>
+          <p:nvPr/>
+        </p:nvSpPr>
+        <p:spPr>
+          <a:xfrm rot="20905797">
+            <a:off x="3217576" y="3221861"/>
+            <a:ext cx="2533891" cy="1678726"/>
+          </a:xfrm>
+          <a:custGeom>
+            <a:avLst/>
+            <a:gdLst>
+              <a:gd name="connsiteX0" fmla="*/ 0 w 3009516"/>
+              <a:gd name="connsiteY0" fmla="*/ 638849 h 1585576"/>
+              <a:gd name="connsiteX1" fmla="*/ 284788 w 3009516"/>
+              <a:gd name="connsiteY1" fmla="*/ 0 h 1585576"/>
+              <a:gd name="connsiteX2" fmla="*/ 569576 w 3009516"/>
+              <a:gd name="connsiteY2" fmla="*/ 307879 h 1585576"/>
+              <a:gd name="connsiteX3" fmla="*/ 3009516 w 3009516"/>
+              <a:gd name="connsiteY3" fmla="*/ 815879 h 1585576"/>
+              <a:gd name="connsiteX4" fmla="*/ 2709334 w 3009516"/>
+              <a:gd name="connsiteY4" fmla="*/ 1585576 h 1585576"/>
+              <a:gd name="connsiteX5" fmla="*/ 53879 w 3009516"/>
+              <a:gd name="connsiteY5" fmla="*/ 1239212 h 1585576"/>
+              <a:gd name="connsiteX6" fmla="*/ 0 w 3009516"/>
+              <a:gd name="connsiteY6" fmla="*/ 638849 h 1585576"/>
+              <a:gd name="connsiteX0" fmla="*/ 0 w 3009516"/>
+              <a:gd name="connsiteY0" fmla="*/ 638849 h 1585576"/>
+              <a:gd name="connsiteX1" fmla="*/ 284788 w 3009516"/>
+              <a:gd name="connsiteY1" fmla="*/ 0 h 1585576"/>
+              <a:gd name="connsiteX2" fmla="*/ 569576 w 3009516"/>
+              <a:gd name="connsiteY2" fmla="*/ 307879 h 1585576"/>
+              <a:gd name="connsiteX3" fmla="*/ 3009516 w 3009516"/>
+              <a:gd name="connsiteY3" fmla="*/ 815879 h 1585576"/>
+              <a:gd name="connsiteX4" fmla="*/ 2709334 w 3009516"/>
+              <a:gd name="connsiteY4" fmla="*/ 1585576 h 1585576"/>
+              <a:gd name="connsiteX5" fmla="*/ 635975 w 3009516"/>
+              <a:gd name="connsiteY5" fmla="*/ 962217 h 1585576"/>
+              <a:gd name="connsiteX6" fmla="*/ 0 w 3009516"/>
+              <a:gd name="connsiteY6" fmla="*/ 638849 h 1585576"/>
+              <a:gd name="connsiteX0" fmla="*/ 8417 w 2724728"/>
+              <a:gd name="connsiteY0" fmla="*/ 632827 h 1585576"/>
+              <a:gd name="connsiteX1" fmla="*/ 0 w 2724728"/>
+              <a:gd name="connsiteY1" fmla="*/ 0 h 1585576"/>
+              <a:gd name="connsiteX2" fmla="*/ 284788 w 2724728"/>
+              <a:gd name="connsiteY2" fmla="*/ 307879 h 1585576"/>
+              <a:gd name="connsiteX3" fmla="*/ 2724728 w 2724728"/>
+              <a:gd name="connsiteY3" fmla="*/ 815879 h 1585576"/>
+              <a:gd name="connsiteX4" fmla="*/ 2424546 w 2724728"/>
+              <a:gd name="connsiteY4" fmla="*/ 1585576 h 1585576"/>
+              <a:gd name="connsiteX5" fmla="*/ 351187 w 2724728"/>
+              <a:gd name="connsiteY5" fmla="*/ 962217 h 1585576"/>
+              <a:gd name="connsiteX6" fmla="*/ 8417 w 2724728"/>
+              <a:gd name="connsiteY6" fmla="*/ 632827 h 1585576"/>
+              <a:gd name="connsiteX0" fmla="*/ 8417 w 2724728"/>
+              <a:gd name="connsiteY0" fmla="*/ 632827 h 1177063"/>
+              <a:gd name="connsiteX1" fmla="*/ 0 w 2724728"/>
+              <a:gd name="connsiteY1" fmla="*/ 0 h 1177063"/>
+              <a:gd name="connsiteX2" fmla="*/ 284788 w 2724728"/>
+              <a:gd name="connsiteY2" fmla="*/ 307879 h 1177063"/>
+              <a:gd name="connsiteX3" fmla="*/ 2724728 w 2724728"/>
+              <a:gd name="connsiteY3" fmla="*/ 815879 h 1177063"/>
+              <a:gd name="connsiteX4" fmla="*/ 1482487 w 2724728"/>
+              <a:gd name="connsiteY4" fmla="*/ 1177063 h 1177063"/>
+              <a:gd name="connsiteX5" fmla="*/ 351187 w 2724728"/>
+              <a:gd name="connsiteY5" fmla="*/ 962217 h 1177063"/>
+              <a:gd name="connsiteX6" fmla="*/ 8417 w 2724728"/>
+              <a:gd name="connsiteY6" fmla="*/ 632827 h 1177063"/>
+              <a:gd name="connsiteX0" fmla="*/ 8417 w 2260604"/>
+              <a:gd name="connsiteY0" fmla="*/ 632827 h 1177063"/>
+              <a:gd name="connsiteX1" fmla="*/ 0 w 2260604"/>
+              <a:gd name="connsiteY1" fmla="*/ 0 h 1177063"/>
+              <a:gd name="connsiteX2" fmla="*/ 284788 w 2260604"/>
+              <a:gd name="connsiteY2" fmla="*/ 307879 h 1177063"/>
+              <a:gd name="connsiteX3" fmla="*/ 2260604 w 2260604"/>
+              <a:gd name="connsiteY3" fmla="*/ 720860 h 1177063"/>
+              <a:gd name="connsiteX4" fmla="*/ 1482487 w 2260604"/>
+              <a:gd name="connsiteY4" fmla="*/ 1177063 h 1177063"/>
+              <a:gd name="connsiteX5" fmla="*/ 351187 w 2260604"/>
+              <a:gd name="connsiteY5" fmla="*/ 962217 h 1177063"/>
+              <a:gd name="connsiteX6" fmla="*/ 8417 w 2260604"/>
+              <a:gd name="connsiteY6" fmla="*/ 632827 h 1177063"/>
+              <a:gd name="connsiteX0" fmla="*/ 8417 w 2260604"/>
+              <a:gd name="connsiteY0" fmla="*/ 632827 h 1177063"/>
+              <a:gd name="connsiteX1" fmla="*/ 0 w 2260604"/>
+              <a:gd name="connsiteY1" fmla="*/ 0 h 1177063"/>
+              <a:gd name="connsiteX2" fmla="*/ 982890 w 2260604"/>
+              <a:gd name="connsiteY2" fmla="*/ 450799 h 1177063"/>
+              <a:gd name="connsiteX3" fmla="*/ 2260604 w 2260604"/>
+              <a:gd name="connsiteY3" fmla="*/ 720860 h 1177063"/>
+              <a:gd name="connsiteX4" fmla="*/ 1482487 w 2260604"/>
+              <a:gd name="connsiteY4" fmla="*/ 1177063 h 1177063"/>
+              <a:gd name="connsiteX5" fmla="*/ 351187 w 2260604"/>
+              <a:gd name="connsiteY5" fmla="*/ 962217 h 1177063"/>
+              <a:gd name="connsiteX6" fmla="*/ 8417 w 2260604"/>
+              <a:gd name="connsiteY6" fmla="*/ 632827 h 1177063"/>
+              <a:gd name="connsiteX0" fmla="*/ 0 w 2252187"/>
+              <a:gd name="connsiteY0" fmla="*/ 463158 h 1007394"/>
+              <a:gd name="connsiteX1" fmla="*/ 820347 w 2252187"/>
+              <a:gd name="connsiteY1" fmla="*/ 0 h 1007394"/>
+              <a:gd name="connsiteX2" fmla="*/ 974473 w 2252187"/>
+              <a:gd name="connsiteY2" fmla="*/ 281130 h 1007394"/>
+              <a:gd name="connsiteX3" fmla="*/ 2252187 w 2252187"/>
+              <a:gd name="connsiteY3" fmla="*/ 551191 h 1007394"/>
+              <a:gd name="connsiteX4" fmla="*/ 1474070 w 2252187"/>
+              <a:gd name="connsiteY4" fmla="*/ 1007394 h 1007394"/>
+              <a:gd name="connsiteX5" fmla="*/ 342770 w 2252187"/>
+              <a:gd name="connsiteY5" fmla="*/ 792548 h 1007394"/>
+              <a:gd name="connsiteX6" fmla="*/ 0 w 2252187"/>
+              <a:gd name="connsiteY6" fmla="*/ 463158 h 1007394"/>
+              <a:gd name="connsiteX0" fmla="*/ 388843 w 1909417"/>
+              <a:gd name="connsiteY0" fmla="*/ 632386 h 1007394"/>
+              <a:gd name="connsiteX1" fmla="*/ 477577 w 1909417"/>
+              <a:gd name="connsiteY1" fmla="*/ 0 h 1007394"/>
+              <a:gd name="connsiteX2" fmla="*/ 631703 w 1909417"/>
+              <a:gd name="connsiteY2" fmla="*/ 281130 h 1007394"/>
+              <a:gd name="connsiteX3" fmla="*/ 1909417 w 1909417"/>
+              <a:gd name="connsiteY3" fmla="*/ 551191 h 1007394"/>
+              <a:gd name="connsiteX4" fmla="*/ 1131300 w 1909417"/>
+              <a:gd name="connsiteY4" fmla="*/ 1007394 h 1007394"/>
+              <a:gd name="connsiteX5" fmla="*/ 0 w 1909417"/>
+              <a:gd name="connsiteY5" fmla="*/ 792548 h 1007394"/>
+              <a:gd name="connsiteX6" fmla="*/ 388843 w 1909417"/>
+              <a:gd name="connsiteY6" fmla="*/ 632386 h 1007394"/>
+              <a:gd name="connsiteX0" fmla="*/ 0 w 1520574"/>
+              <a:gd name="connsiteY0" fmla="*/ 632386 h 1007394"/>
+              <a:gd name="connsiteX1" fmla="*/ 88734 w 1520574"/>
+              <a:gd name="connsiteY1" fmla="*/ 0 h 1007394"/>
+              <a:gd name="connsiteX2" fmla="*/ 242860 w 1520574"/>
+              <a:gd name="connsiteY2" fmla="*/ 281130 h 1007394"/>
+              <a:gd name="connsiteX3" fmla="*/ 1520574 w 1520574"/>
+              <a:gd name="connsiteY3" fmla="*/ 551191 h 1007394"/>
+              <a:gd name="connsiteX4" fmla="*/ 742457 w 1520574"/>
+              <a:gd name="connsiteY4" fmla="*/ 1007394 h 1007394"/>
+              <a:gd name="connsiteX5" fmla="*/ 305879 w 1520574"/>
+              <a:gd name="connsiteY5" fmla="*/ 856983 h 1007394"/>
+              <a:gd name="connsiteX6" fmla="*/ 0 w 1520574"/>
+              <a:gd name="connsiteY6" fmla="*/ 632386 h 1007394"/>
+            </a:gdLst>
+            <a:ahLst/>
+            <a:cxnLst>
+              <a:cxn ang="0">
+                <a:pos x="connsiteX0" y="connsiteY0"/>
+              </a:cxn>
+              <a:cxn ang="0">
+                <a:pos x="connsiteX1" y="connsiteY1"/>
+              </a:cxn>
+              <a:cxn ang="0">
+                <a:pos x="connsiteX2" y="connsiteY2"/>
+              </a:cxn>
+              <a:cxn ang="0">
+                <a:pos x="connsiteX3" y="connsiteY3"/>
+              </a:cxn>
+              <a:cxn ang="0">
+                <a:pos x="connsiteX4" y="connsiteY4"/>
+              </a:cxn>
+              <a:cxn ang="0">
+                <a:pos x="connsiteX5" y="connsiteY5"/>
+              </a:cxn>
+              <a:cxn ang="0">
+                <a:pos x="connsiteX6" y="connsiteY6"/>
+              </a:cxn>
+            </a:cxnLst>
+            <a:rect l="l" t="t" r="r" b="b"/>
+            <a:pathLst>
+              <a:path w="1520574" h="1007394">
+                <a:moveTo>
+                  <a:pt x="0" y="632386"/>
+                </a:moveTo>
+                <a:lnTo>
+                  <a:pt x="88734" y="0"/>
+                </a:lnTo>
+                <a:lnTo>
+                  <a:pt x="242860" y="281130"/>
+                </a:lnTo>
+                <a:lnTo>
+                  <a:pt x="1520574" y="551191"/>
+                </a:lnTo>
+                <a:lnTo>
+                  <a:pt x="742457" y="1007394"/>
+                </a:lnTo>
+                <a:lnTo>
+                  <a:pt x="305879" y="856983"/>
+                </a:lnTo>
+                <a:lnTo>
+                  <a:pt x="0" y="632386"/>
+                </a:lnTo>
+                <a:close/>
+              </a:path>
+            </a:pathLst>
+          </a:custGeom>
+        </p:spPr>
+        <p:style>
+          <a:lnRef idx="1">
+            <a:schemeClr val="accent1"/>
+          </a:lnRef>
+          <a:fillRef idx="3">
+            <a:schemeClr val="accent1"/>
+          </a:fillRef>
+          <a:effectRef idx="2">
+            <a:schemeClr val="accent1"/>
+          </a:effectRef>
+          <a:fontRef idx="minor">
+            <a:schemeClr val="lt1"/>
+          </a:fontRef>
+        </p:style>
+        <p:txBody>
+          <a:bodyPr rtlCol="0" anchor="ctr"/>
+          <a:lstStyle/>
+          <a:p>
+            <a:pPr algn="ctr"/>
+            <a:endParaRPr lang="en-US"/>
+          </a:p>
+        </p:txBody>
+      </p:sp>
+      <p:cxnSp>
+        <p:nvCxnSpPr>
+          <p:cNvPr id="29" name="Straight Connector 28"/>
+          <p:cNvCxnSpPr/>
+          <p:nvPr/>
+        </p:nvCxnSpPr>
+        <p:spPr>
+          <a:xfrm>
+            <a:off x="5742792" y="3290244"/>
+            <a:ext cx="0" cy="569953"/>
+          </a:xfrm>
+          <a:prstGeom prst="line">
+            <a:avLst/>
+          </a:prstGeom>
+          <a:ln w="19050" cmpd="sng">
+            <a:solidFill>
+              <a:schemeClr val="tx1"/>
+            </a:solidFill>
+            <a:headEnd type="none"/>
+            <a:tailEnd type="arrow"/>
+          </a:ln>
+          <a:effectLst/>
+        </p:spPr>
+        <p:style>
+          <a:lnRef idx="2">
+            <a:schemeClr val="dk1"/>
+          </a:lnRef>
+          <a:fillRef idx="0">
+            <a:schemeClr val="dk1"/>
+          </a:fillRef>
+          <a:effectRef idx="1">
+            <a:schemeClr val="dk1"/>
+          </a:effectRef>
+          <a:fontRef idx="minor">
+            <a:schemeClr val="tx1"/>
+          </a:fontRef>
+        </p:style>
+      </p:cxnSp>
+      <p:sp>
+        <p:nvSpPr>
+          <p:cNvPr id="31" name="TextBox 30"/>
+          <p:cNvSpPr txBox="1"/>
+          <p:nvPr/>
+        </p:nvSpPr>
+        <p:spPr>
+          <a:xfrm>
+            <a:off x="5894071" y="3311120"/>
+            <a:ext cx="851849" cy="307777"/>
+          </a:xfrm>
+          <a:prstGeom prst="rect">
+            <a:avLst/>
+          </a:prstGeom>
+          <a:noFill/>
+        </p:spPr>
+        <p:txBody>
+          <a:bodyPr wrap="square" rtlCol="0">
+            <a:spAutoFit/>
+          </a:bodyPr>
+          <a:lstStyle/>
+          <a:p>
+            <a:r>
+              <a:rPr lang="en-US" sz="1400" dirty="0" smtClean="0"/>
+              <a:t>Free-Fall</a:t>
+            </a:r>
+            <a:endParaRPr lang="en-US" sz="1400" dirty="0"/>
+          </a:p>
+        </p:txBody>
+      </p:sp>
+      <p:sp>
+        <p:nvSpPr>
+          <p:cNvPr id="32" name="TextBox 31"/>
+          <p:cNvSpPr txBox="1"/>
+          <p:nvPr/>
+        </p:nvSpPr>
+        <p:spPr>
+          <a:xfrm>
+            <a:off x="4709745" y="3311120"/>
+            <a:ext cx="851849" cy="307777"/>
+          </a:xfrm>
+          <a:prstGeom prst="rect">
+            <a:avLst/>
+          </a:prstGeom>
+          <a:noFill/>
+        </p:spPr>
+        <p:txBody>
+          <a:bodyPr wrap="square" rtlCol="0">
+            <a:spAutoFit/>
+          </a:bodyPr>
+          <a:lstStyle/>
+          <a:p>
+            <a:r>
+              <a:rPr lang="en-US" sz="1400" dirty="0" smtClean="0"/>
+              <a:t>Sliding</a:t>
+            </a:r>
+            <a:endParaRPr lang="en-US" sz="1400" dirty="0"/>
+          </a:p>
+        </p:txBody>
+      </p:sp>
+      <p:grpSp>
+        <p:nvGrpSpPr>
+          <p:cNvPr id="6" name="Group 5"/>
+          <p:cNvGrpSpPr/>
+          <p:nvPr/>
+        </p:nvGrpSpPr>
+        <p:grpSpPr>
+          <a:xfrm rot="10800000">
+            <a:off x="4519669" y="3378371"/>
+            <a:ext cx="2281881" cy="306173"/>
+            <a:chOff x="2640069" y="4017659"/>
+            <a:chExt cx="2281881" cy="306173"/>
+          </a:xfrm>
+        </p:grpSpPr>
+        <p:cxnSp>
+          <p:nvCxnSpPr>
+            <p:cNvPr id="28" name="Straight Connector 27"/>
+            <p:cNvCxnSpPr/>
+            <p:nvPr/>
+          </p:nvCxnSpPr>
+          <p:spPr>
+            <a:xfrm>
+              <a:off x="2640069" y="4021778"/>
+              <a:ext cx="0" cy="302054"/>
+            </a:xfrm>
+            <a:prstGeom prst="line">
+              <a:avLst/>
+            </a:prstGeom>
+            <a:ln w="12700" cmpd="sng"/>
+            <a:effectLst/>
+          </p:spPr>
+          <p:style>
+            <a:lnRef idx="2">
+              <a:schemeClr val="dk1"/>
+            </a:lnRef>
+            <a:fillRef idx="0">
+              <a:schemeClr val="dk1"/>
+            </a:fillRef>
+            <a:effectRef idx="1">
+              <a:schemeClr val="dk1"/>
+            </a:effectRef>
+            <a:fontRef idx="minor">
+              <a:schemeClr val="tx1"/>
+            </a:fontRef>
+          </p:style>
+        </p:cxnSp>
+        <p:cxnSp>
+          <p:nvCxnSpPr>
+            <p:cNvPr id="30" name="Straight Connector 29"/>
+            <p:cNvCxnSpPr/>
+            <p:nvPr/>
+          </p:nvCxnSpPr>
+          <p:spPr>
+            <a:xfrm>
+              <a:off x="4921950" y="4017659"/>
+              <a:ext cx="0" cy="302054"/>
+            </a:xfrm>
+            <a:prstGeom prst="line">
+              <a:avLst/>
+            </a:prstGeom>
+            <a:ln w="12700" cmpd="sng"/>
+            <a:effectLst/>
+          </p:spPr>
+          <p:style>
+            <a:lnRef idx="2">
+              <a:schemeClr val="dk1"/>
+            </a:lnRef>
+            <a:fillRef idx="0">
+              <a:schemeClr val="dk1"/>
+            </a:fillRef>
+            <a:effectRef idx="1">
+              <a:schemeClr val="dk1"/>
+            </a:effectRef>
+            <a:fontRef idx="minor">
+              <a:schemeClr val="tx1"/>
+            </a:fontRef>
+          </p:style>
+        </p:cxnSp>
+        <p:cxnSp>
+          <p:nvCxnSpPr>
+            <p:cNvPr id="33" name="Straight Connector 32"/>
+            <p:cNvCxnSpPr/>
+            <p:nvPr/>
+          </p:nvCxnSpPr>
+          <p:spPr>
+            <a:xfrm>
+              <a:off x="2640069" y="4023151"/>
+              <a:ext cx="2281881" cy="0"/>
+            </a:xfrm>
+            <a:prstGeom prst="line">
+              <a:avLst/>
+            </a:prstGeom>
+            <a:ln w="12700" cmpd="sng"/>
+            <a:effectLst/>
+          </p:spPr>
+          <p:style>
+            <a:lnRef idx="2">
+              <a:schemeClr val="dk1"/>
+            </a:lnRef>
+            <a:fillRef idx="0">
+              <a:schemeClr val="dk1"/>
+            </a:fillRef>
+            <a:effectRef idx="1">
+              <a:schemeClr val="dk1"/>
+            </a:effectRef>
+            <a:fontRef idx="minor">
+              <a:schemeClr val="tx1"/>
+            </a:fontRef>
+          </p:style>
+        </p:cxnSp>
+      </p:grpSp>
+      <p:sp>
+        <p:nvSpPr>
+          <p:cNvPr id="34" name="TextBox 33"/>
+          <p:cNvSpPr txBox="1"/>
+          <p:nvPr/>
+        </p:nvSpPr>
+        <p:spPr>
+          <a:xfrm>
+            <a:off x="5328841" y="2953833"/>
+            <a:ext cx="943941" cy="307777"/>
+          </a:xfrm>
+          <a:prstGeom prst="rect">
+            <a:avLst/>
+          </a:prstGeom>
+          <a:noFill/>
+        </p:spPr>
+        <p:txBody>
+          <a:bodyPr wrap="square" rtlCol="0">
+            <a:spAutoFit/>
+          </a:bodyPr>
+          <a:lstStyle/>
+          <a:p>
+            <a:r>
+              <a:rPr lang="en-US" sz="1400" dirty="0" smtClean="0"/>
+              <a:t>Transition</a:t>
+            </a:r>
+            <a:endParaRPr lang="en-US" sz="1400" dirty="0"/>
+          </a:p>
+        </p:txBody>
+      </p:sp>
+      <p:sp>
+        <p:nvSpPr>
+          <p:cNvPr id="35" name="Freeform 34"/>
+          <p:cNvSpPr/>
+          <p:nvPr/>
+        </p:nvSpPr>
+        <p:spPr>
+          <a:xfrm rot="19812033">
+            <a:off x="4479170" y="3292391"/>
+            <a:ext cx="1726833" cy="1645851"/>
+          </a:xfrm>
+          <a:custGeom>
+            <a:avLst/>
+            <a:gdLst>
+              <a:gd name="connsiteX0" fmla="*/ 0 w 1963352"/>
+              <a:gd name="connsiteY0" fmla="*/ 0 h 1091513"/>
+              <a:gd name="connsiteX1" fmla="*/ 411892 w 1963352"/>
+              <a:gd name="connsiteY1" fmla="*/ 1091513 h 1091513"/>
+              <a:gd name="connsiteX2" fmla="*/ 1963352 w 1963352"/>
+              <a:gd name="connsiteY2" fmla="*/ 659027 h 1091513"/>
+              <a:gd name="connsiteX0" fmla="*/ 0 w 1963352"/>
+              <a:gd name="connsiteY0" fmla="*/ 0 h 899297"/>
+              <a:gd name="connsiteX1" fmla="*/ 597244 w 1963352"/>
+              <a:gd name="connsiteY1" fmla="*/ 899297 h 899297"/>
+              <a:gd name="connsiteX2" fmla="*/ 1963352 w 1963352"/>
+              <a:gd name="connsiteY2" fmla="*/ 659027 h 899297"/>
+              <a:gd name="connsiteX0" fmla="*/ 0 w 1963352"/>
+              <a:gd name="connsiteY0" fmla="*/ 49260 h 948557"/>
+              <a:gd name="connsiteX1" fmla="*/ 597244 w 1963352"/>
+              <a:gd name="connsiteY1" fmla="*/ 948557 h 948557"/>
+              <a:gd name="connsiteX2" fmla="*/ 1963352 w 1963352"/>
+              <a:gd name="connsiteY2" fmla="*/ 708287 h 948557"/>
+              <a:gd name="connsiteX0" fmla="*/ 0 w 1963352"/>
+              <a:gd name="connsiteY0" fmla="*/ 40865 h 1159838"/>
+              <a:gd name="connsiteX1" fmla="*/ 425622 w 1963352"/>
+              <a:gd name="connsiteY1" fmla="*/ 1159838 h 1159838"/>
+              <a:gd name="connsiteX2" fmla="*/ 1963352 w 1963352"/>
+              <a:gd name="connsiteY2" fmla="*/ 699892 h 1159838"/>
+              <a:gd name="connsiteX0" fmla="*/ 0 w 1963352"/>
+              <a:gd name="connsiteY0" fmla="*/ 42611 h 1161584"/>
+              <a:gd name="connsiteX1" fmla="*/ 425622 w 1963352"/>
+              <a:gd name="connsiteY1" fmla="*/ 1161584 h 1161584"/>
+              <a:gd name="connsiteX2" fmla="*/ 1963352 w 1963352"/>
+              <a:gd name="connsiteY2" fmla="*/ 701638 h 1161584"/>
+              <a:gd name="connsiteX0" fmla="*/ 0 w 1963352"/>
+              <a:gd name="connsiteY0" fmla="*/ 42611 h 1161584"/>
+              <a:gd name="connsiteX1" fmla="*/ 425622 w 1963352"/>
+              <a:gd name="connsiteY1" fmla="*/ 1161584 h 1161584"/>
+              <a:gd name="connsiteX2" fmla="*/ 1963352 w 1963352"/>
+              <a:gd name="connsiteY2" fmla="*/ 701638 h 1161584"/>
+              <a:gd name="connsiteX0" fmla="*/ 0 w 1894703"/>
+              <a:gd name="connsiteY0" fmla="*/ 42611 h 1772567"/>
+              <a:gd name="connsiteX1" fmla="*/ 425622 w 1894703"/>
+              <a:gd name="connsiteY1" fmla="*/ 1161584 h 1772567"/>
+              <a:gd name="connsiteX2" fmla="*/ 1894703 w 1894703"/>
+              <a:gd name="connsiteY2" fmla="*/ 1751962 h 1772567"/>
+              <a:gd name="connsiteX0" fmla="*/ 0 w 1894703"/>
+              <a:gd name="connsiteY0" fmla="*/ 42611 h 1751962"/>
+              <a:gd name="connsiteX1" fmla="*/ 425622 w 1894703"/>
+              <a:gd name="connsiteY1" fmla="*/ 1161584 h 1751962"/>
+              <a:gd name="connsiteX2" fmla="*/ 1894703 w 1894703"/>
+              <a:gd name="connsiteY2" fmla="*/ 1751962 h 1751962"/>
+              <a:gd name="connsiteX0" fmla="*/ 0 w 1894703"/>
+              <a:gd name="connsiteY0" fmla="*/ 42611 h 1751962"/>
+              <a:gd name="connsiteX1" fmla="*/ 425622 w 1894703"/>
+              <a:gd name="connsiteY1" fmla="*/ 1161584 h 1751962"/>
+              <a:gd name="connsiteX2" fmla="*/ 1894703 w 1894703"/>
+              <a:gd name="connsiteY2" fmla="*/ 1751962 h 1751962"/>
+              <a:gd name="connsiteX0" fmla="*/ 0 w 1894703"/>
+              <a:gd name="connsiteY0" fmla="*/ 38541 h 1747892"/>
+              <a:gd name="connsiteX1" fmla="*/ 638433 w 1894703"/>
+              <a:gd name="connsiteY1" fmla="*/ 1287946 h 1747892"/>
+              <a:gd name="connsiteX2" fmla="*/ 1894703 w 1894703"/>
+              <a:gd name="connsiteY2" fmla="*/ 1747892 h 1747892"/>
+              <a:gd name="connsiteX0" fmla="*/ 0 w 1894703"/>
+              <a:gd name="connsiteY0" fmla="*/ 38354 h 1747705"/>
+              <a:gd name="connsiteX1" fmla="*/ 638433 w 1894703"/>
+              <a:gd name="connsiteY1" fmla="*/ 1287759 h 1747705"/>
+              <a:gd name="connsiteX2" fmla="*/ 1894703 w 1894703"/>
+              <a:gd name="connsiteY2" fmla="*/ 1747705 h 1747705"/>
+              <a:gd name="connsiteX0" fmla="*/ 0 w 1894703"/>
+              <a:gd name="connsiteY0" fmla="*/ 38354 h 1747705"/>
+              <a:gd name="connsiteX1" fmla="*/ 638433 w 1894703"/>
+              <a:gd name="connsiteY1" fmla="*/ 1287759 h 1747705"/>
+              <a:gd name="connsiteX2" fmla="*/ 1894703 w 1894703"/>
+              <a:gd name="connsiteY2" fmla="*/ 1747705 h 1747705"/>
+              <a:gd name="connsiteX0" fmla="*/ 1076068 w 1256271"/>
+              <a:gd name="connsiteY0" fmla="*/ 17439 h 3358740"/>
+              <a:gd name="connsiteX1" fmla="*/ 1 w 1256271"/>
+              <a:gd name="connsiteY1" fmla="*/ 2898794 h 3358740"/>
+              <a:gd name="connsiteX2" fmla="*/ 1256271 w 1256271"/>
+              <a:gd name="connsiteY2" fmla="*/ 3358740 h 3358740"/>
+              <a:gd name="connsiteX0" fmla="*/ 1076068 w 1256271"/>
+              <a:gd name="connsiteY0" fmla="*/ 0 h 3341301"/>
+              <a:gd name="connsiteX1" fmla="*/ 1 w 1256271"/>
+              <a:gd name="connsiteY1" fmla="*/ 2881355 h 3341301"/>
+              <a:gd name="connsiteX2" fmla="*/ 1256271 w 1256271"/>
+              <a:gd name="connsiteY2" fmla="*/ 3341301 h 3341301"/>
+              <a:gd name="connsiteX0" fmla="*/ 0 w 1320209"/>
+              <a:gd name="connsiteY0" fmla="*/ 0 h 3341301"/>
+              <a:gd name="connsiteX1" fmla="*/ 1178183 w 1320209"/>
+              <a:gd name="connsiteY1" fmla="*/ 665205 h 3341301"/>
+              <a:gd name="connsiteX2" fmla="*/ 180203 w 1320209"/>
+              <a:gd name="connsiteY2" fmla="*/ 3341301 h 3341301"/>
+              <a:gd name="connsiteX0" fmla="*/ 0 w 1320209"/>
+              <a:gd name="connsiteY0" fmla="*/ 0 h 3341301"/>
+              <a:gd name="connsiteX1" fmla="*/ 1178183 w 1320209"/>
+              <a:gd name="connsiteY1" fmla="*/ 665205 h 3341301"/>
+              <a:gd name="connsiteX2" fmla="*/ 180203 w 1320209"/>
+              <a:gd name="connsiteY2" fmla="*/ 3341301 h 3341301"/>
+              <a:gd name="connsiteX0" fmla="*/ 0 w 1285878"/>
+              <a:gd name="connsiteY0" fmla="*/ 0 h 3341301"/>
+              <a:gd name="connsiteX1" fmla="*/ 1178183 w 1285878"/>
+              <a:gd name="connsiteY1" fmla="*/ 665205 h 3341301"/>
+              <a:gd name="connsiteX2" fmla="*/ 180203 w 1285878"/>
+              <a:gd name="connsiteY2" fmla="*/ 3341301 h 3341301"/>
+              <a:gd name="connsiteX0" fmla="*/ 0 w 1723253"/>
+              <a:gd name="connsiteY0" fmla="*/ 0 h 1645851"/>
+              <a:gd name="connsiteX1" fmla="*/ 1178183 w 1723253"/>
+              <a:gd name="connsiteY1" fmla="*/ 665205 h 1645851"/>
+              <a:gd name="connsiteX2" fmla="*/ 1723253 w 1723253"/>
+              <a:gd name="connsiteY2" fmla="*/ 1645851 h 1645851"/>
+              <a:gd name="connsiteX0" fmla="*/ 0 w 1734433"/>
+              <a:gd name="connsiteY0" fmla="*/ 0 h 1645851"/>
+              <a:gd name="connsiteX1" fmla="*/ 1178183 w 1734433"/>
+              <a:gd name="connsiteY1" fmla="*/ 665205 h 1645851"/>
+              <a:gd name="connsiteX2" fmla="*/ 1723253 w 1734433"/>
+              <a:gd name="connsiteY2" fmla="*/ 1645851 h 1645851"/>
+              <a:gd name="connsiteX0" fmla="*/ 0 w 1732213"/>
+              <a:gd name="connsiteY0" fmla="*/ 0 h 1645851"/>
+              <a:gd name="connsiteX1" fmla="*/ 1178183 w 1732213"/>
+              <a:gd name="connsiteY1" fmla="*/ 665205 h 1645851"/>
+              <a:gd name="connsiteX2" fmla="*/ 1723253 w 1732213"/>
+              <a:gd name="connsiteY2" fmla="*/ 1645851 h 1645851"/>
+              <a:gd name="connsiteX0" fmla="*/ 0 w 1725834"/>
+              <a:gd name="connsiteY0" fmla="*/ 0 h 1645851"/>
+              <a:gd name="connsiteX1" fmla="*/ 1178183 w 1725834"/>
+              <a:gd name="connsiteY1" fmla="*/ 665205 h 1645851"/>
+              <a:gd name="connsiteX2" fmla="*/ 1723253 w 1725834"/>
+              <a:gd name="connsiteY2" fmla="*/ 1645851 h 1645851"/>
+              <a:gd name="connsiteX0" fmla="*/ 0 w 1727748"/>
+              <a:gd name="connsiteY0" fmla="*/ 0 h 1645851"/>
+              <a:gd name="connsiteX1" fmla="*/ 1311985 w 1727748"/>
+              <a:gd name="connsiteY1" fmla="*/ 763785 h 1645851"/>
+              <a:gd name="connsiteX2" fmla="*/ 1723253 w 1727748"/>
+              <a:gd name="connsiteY2" fmla="*/ 1645851 h 1645851"/>
+              <a:gd name="connsiteX0" fmla="*/ 0 w 1727748"/>
+              <a:gd name="connsiteY0" fmla="*/ 0 h 1645851"/>
+              <a:gd name="connsiteX1" fmla="*/ 1311985 w 1727748"/>
+              <a:gd name="connsiteY1" fmla="*/ 763785 h 1645851"/>
+              <a:gd name="connsiteX2" fmla="*/ 1723253 w 1727748"/>
+              <a:gd name="connsiteY2" fmla="*/ 1645851 h 1645851"/>
+              <a:gd name="connsiteX0" fmla="*/ 0 w 1726833"/>
+              <a:gd name="connsiteY0" fmla="*/ 0 h 1645851"/>
+              <a:gd name="connsiteX1" fmla="*/ 1311985 w 1726833"/>
+              <a:gd name="connsiteY1" fmla="*/ 763785 h 1645851"/>
+              <a:gd name="connsiteX2" fmla="*/ 1723253 w 1726833"/>
+              <a:gd name="connsiteY2" fmla="*/ 1645851 h 1645851"/>
+            </a:gdLst>
+            <a:ahLst/>
+            <a:cxnLst>
+              <a:cxn ang="0">
+                <a:pos x="connsiteX0" y="connsiteY0"/>
+              </a:cxn>
+              <a:cxn ang="0">
+                <a:pos x="connsiteX1" y="connsiteY1"/>
+              </a:cxn>
+              <a:cxn ang="0">
+                <a:pos x="connsiteX2" y="connsiteY2"/>
+              </a:cxn>
+            </a:cxnLst>
+            <a:rect l="l" t="t" r="r" b="b"/>
+            <a:pathLst>
+              <a:path w="1726833" h="1645851">
+                <a:moveTo>
+                  <a:pt x="0" y="0"/>
+                </a:moveTo>
+                <a:cubicBezTo>
+                  <a:pt x="428882" y="232147"/>
+                  <a:pt x="921767" y="532939"/>
+                  <a:pt x="1311985" y="763785"/>
+                </a:cubicBezTo>
+                <a:cubicBezTo>
+                  <a:pt x="1565085" y="930993"/>
+                  <a:pt x="1755575" y="1093458"/>
+                  <a:pt x="1723253" y="1645851"/>
+                </a:cubicBezTo>
+              </a:path>
+            </a:pathLst>
+          </a:custGeom>
+          <a:ln>
+            <a:prstDash val="dash"/>
+          </a:ln>
+        </p:spPr>
+        <p:style>
+          <a:lnRef idx="2">
+            <a:schemeClr val="dk1"/>
+          </a:lnRef>
+          <a:fillRef idx="0">
+            <a:schemeClr val="dk1"/>
+          </a:fillRef>
+          <a:effectRef idx="1">
+            <a:schemeClr val="dk1"/>
+          </a:effectRef>
+          <a:fontRef idx="minor">
+            <a:schemeClr val="tx1"/>
+          </a:fontRef>
+        </p:style>
+        <p:txBody>
+          <a:bodyPr rtlCol="0" anchor="ctr"/>
+          <a:lstStyle/>
+          <a:p>
+            <a:pPr algn="ctr"/>
+            <a:endParaRPr lang="en-US"/>
+          </a:p>
+        </p:txBody>
+      </p:sp>
+      <p:sp>
+        <p:nvSpPr>
+          <p:cNvPr id="27" name="Oval 26"/>
+          <p:cNvSpPr/>
+          <p:nvPr/>
+        </p:nvSpPr>
+        <p:spPr>
+          <a:xfrm rot="19918879">
+            <a:off x="4110099" y="3760238"/>
+            <a:ext cx="123151" cy="123151"/>
+          </a:xfrm>
+          <a:prstGeom prst="ellipse">
+            <a:avLst/>
+          </a:prstGeom>
+        </p:spPr>
+        <p:style>
+          <a:lnRef idx="1">
+            <a:schemeClr val="accent2"/>
+          </a:lnRef>
+          <a:fillRef idx="3">
+            <a:schemeClr val="accent2"/>
+          </a:fillRef>
+          <a:effectRef idx="2">
+            <a:schemeClr val="accent2"/>
+          </a:effectRef>
+          <a:fontRef idx="minor">
+            <a:schemeClr val="lt1"/>
+          </a:fontRef>
+        </p:style>
+        <p:txBody>
+          <a:bodyPr rtlCol="0" anchor="ctr"/>
+          <a:lstStyle/>
+          <a:p>
+            <a:pPr algn="ctr"/>
+            <a:endParaRPr lang="en-US"/>
+          </a:p>
+        </p:txBody>
+      </p:sp>
+    </p:spTree>
+    <p:extLst>
+      <p:ext uri="{BB962C8B-B14F-4D97-AF65-F5344CB8AC3E}">
+        <p14:creationId xmlns:p14="http://schemas.microsoft.com/office/powerpoint/2010/main" val="1060174673"/>
+      </p:ext>
+    </p:extLst>
+  </p:cSld>
+  <p:clrMapOvr>
+    <a:masterClrMapping/>
+  </p:clrMapOvr>
+</p:sld>
+</file>
+
+<file path=ppt/slides/slide11.xml><?xml version="1.0" encoding="utf-8"?>
+<p:sld xmlns:a="http://schemas.openxmlformats.org/drawingml/2006/main" xmlns:r="http://schemas.openxmlformats.org/officeDocument/2006/relationships" xmlns:p="http://schemas.openxmlformats.org/presentationml/2006/main">
+  <p:cSld>
+    <p:spTree>
+      <p:nvGrpSpPr>
+        <p:cNvPr id="1" name=""/>
+        <p:cNvGrpSpPr/>
+        <p:nvPr/>
+      </p:nvGrpSpPr>
+      <p:grpSpPr>
+        <a:xfrm>
+          <a:off x="0" y="0"/>
+          <a:ext cx="0" cy="0"/>
+          <a:chOff x="0" y="0"/>
+          <a:chExt cx="0" cy="0"/>
+        </a:xfrm>
+      </p:grpSpPr>
       <p:grpSp>
         <p:nvGrpSpPr>
           <p:cNvPr id="14" name="Group 13"/>
@@ -4512,7 +5966,7 @@
 </p:sld>
 </file>
 
-<file path=ppt/slides/slide11.xml><?xml version="1.0" encoding="utf-8"?>
+<file path=ppt/slides/slide12.xml><?xml version="1.0" encoding="utf-8"?>
 <p:sld xmlns:a="http://schemas.openxmlformats.org/drawingml/2006/main" xmlns:r="http://schemas.openxmlformats.org/officeDocument/2006/relationships" xmlns:p="http://schemas.openxmlformats.org/presentationml/2006/main">
   <p:cSld>
     <p:spTree>
@@ -5906,7 +7360,7 @@
 </p:sld>
 </file>
 
-<file path=ppt/slides/slide12.xml><?xml version="1.0" encoding="utf-8"?>
+<file path=ppt/slides/slide13.xml><?xml version="1.0" encoding="utf-8"?>
 <p:sld xmlns:a="http://schemas.openxmlformats.org/drawingml/2006/main" xmlns:r="http://schemas.openxmlformats.org/officeDocument/2006/relationships" xmlns:p="http://schemas.openxmlformats.org/presentationml/2006/main">
   <p:cSld>
     <p:spTree>
@@ -6378,7 +7832,7 @@
 </p:sld>
 </file>
 
-<file path=ppt/slides/slide13.xml><?xml version="1.0" encoding="utf-8"?>
+<file path=ppt/slides/slide14.xml><?xml version="1.0" encoding="utf-8"?>
 <p:sld xmlns:a="http://schemas.openxmlformats.org/drawingml/2006/main" xmlns:r="http://schemas.openxmlformats.org/officeDocument/2006/relationships" xmlns:p="http://schemas.openxmlformats.org/presentationml/2006/main">
   <p:cSld>
     <p:spTree>
@@ -6934,7 +8388,7 @@
 </p:sld>
 </file>
 
-<file path=ppt/slides/slide14.xml><?xml version="1.0" encoding="utf-8"?>
+<file path=ppt/slides/slide15.xml><?xml version="1.0" encoding="utf-8"?>
 <p:sld xmlns:a="http://schemas.openxmlformats.org/drawingml/2006/main" xmlns:r="http://schemas.openxmlformats.org/officeDocument/2006/relationships" xmlns:p="http://schemas.openxmlformats.org/presentationml/2006/main">
   <p:cSld>
     <p:spTree>
@@ -7983,7 +9437,7 @@
 </p:sld>
 </file>
 
-<file path=ppt/slides/slide15.xml><?xml version="1.0" encoding="utf-8"?>
+<file path=ppt/slides/slide16.xml><?xml version="1.0" encoding="utf-8"?>
 <p:sld xmlns:a="http://schemas.openxmlformats.org/drawingml/2006/main" xmlns:r="http://schemas.openxmlformats.org/officeDocument/2006/relationships" xmlns:p="http://schemas.openxmlformats.org/presentationml/2006/main">
   <p:cSld>
     <p:spTree>
@@ -9565,7 +11019,7 @@
 </p:sld>
 </file>
 
-<file path=ppt/slides/slide16.xml><?xml version="1.0" encoding="utf-8"?>
+<file path=ppt/slides/slide17.xml><?xml version="1.0" encoding="utf-8"?>
 <p:sld xmlns:a="http://schemas.openxmlformats.org/drawingml/2006/main" xmlns:r="http://schemas.openxmlformats.org/officeDocument/2006/relationships" xmlns:p="http://schemas.openxmlformats.org/presentationml/2006/main">
   <p:cSld>
     <p:spTree>
@@ -10716,7 +12170,7 @@
 </p:sld>
 </file>
 
-<file path=ppt/slides/slide17.xml><?xml version="1.0" encoding="utf-8"?>
+<file path=ppt/slides/slide18.xml><?xml version="1.0" encoding="utf-8"?>
 <p:sld xmlns:a="http://schemas.openxmlformats.org/drawingml/2006/main" xmlns:r="http://schemas.openxmlformats.org/officeDocument/2006/relationships" xmlns:p="http://schemas.openxmlformats.org/presentationml/2006/main">
   <p:cSld>
     <p:spTree>
@@ -12900,7 +14354,7 @@
 </p:sld>
 </file>
 
-<file path=ppt/slides/slide18.xml><?xml version="1.0" encoding="utf-8"?>
+<file path=ppt/slides/slide19.xml><?xml version="1.0" encoding="utf-8"?>
 <p:sld xmlns:a="http://schemas.openxmlformats.org/drawingml/2006/main" xmlns:r="http://schemas.openxmlformats.org/officeDocument/2006/relationships" xmlns:p="http://schemas.openxmlformats.org/presentationml/2006/main">
   <p:cSld>
     <p:spTree>
@@ -14348,7 +15802,731 @@
 </p:sld>
 </file>
 
-<file path=ppt/slides/slide19.xml><?xml version="1.0" encoding="utf-8"?>
+<file path=ppt/slides/slide2.xml><?xml version="1.0" encoding="utf-8"?>
+<p:sld xmlns:a="http://schemas.openxmlformats.org/drawingml/2006/main" xmlns:r="http://schemas.openxmlformats.org/officeDocument/2006/relationships" xmlns:p="http://schemas.openxmlformats.org/presentationml/2006/main">
+  <p:cSld>
+    <p:spTree>
+      <p:nvGrpSpPr>
+        <p:cNvPr id="1" name=""/>
+        <p:cNvGrpSpPr/>
+        <p:nvPr/>
+      </p:nvGrpSpPr>
+      <p:grpSpPr>
+        <a:xfrm>
+          <a:off x="0" y="0"/>
+          <a:ext cx="0" cy="0"/>
+          <a:chOff x="0" y="0"/>
+          <a:chExt cx="0" cy="0"/>
+        </a:xfrm>
+      </p:grpSpPr>
+      <p:grpSp>
+        <p:nvGrpSpPr>
+          <p:cNvPr id="14" name="Group 13"/>
+          <p:cNvGrpSpPr/>
+          <p:nvPr/>
+        </p:nvGrpSpPr>
+        <p:grpSpPr>
+          <a:xfrm>
+            <a:off x="1366762" y="2116667"/>
+            <a:ext cx="520096" cy="520096"/>
+            <a:chOff x="2467428" y="1596571"/>
+            <a:chExt cx="520096" cy="520096"/>
+          </a:xfrm>
+        </p:grpSpPr>
+        <p:cxnSp>
+          <p:nvCxnSpPr>
+            <p:cNvPr id="10" name="Straight Arrow Connector 9"/>
+            <p:cNvCxnSpPr/>
+            <p:nvPr/>
+          </p:nvCxnSpPr>
+          <p:spPr>
+            <a:xfrm flipV="1">
+              <a:off x="2467428" y="1596571"/>
+              <a:ext cx="0" cy="520096"/>
+            </a:xfrm>
+            <a:prstGeom prst="straightConnector1">
+              <a:avLst/>
+            </a:prstGeom>
+            <a:ln>
+              <a:solidFill>
+                <a:schemeClr val="bg1">
+                  <a:lumMod val="50000"/>
+                </a:schemeClr>
+              </a:solidFill>
+              <a:tailEnd type="arrow"/>
+            </a:ln>
+            <a:effectLst/>
+          </p:spPr>
+          <p:style>
+            <a:lnRef idx="2">
+              <a:schemeClr val="dk1"/>
+            </a:lnRef>
+            <a:fillRef idx="0">
+              <a:schemeClr val="dk1"/>
+            </a:fillRef>
+            <a:effectRef idx="1">
+              <a:schemeClr val="dk1"/>
+            </a:effectRef>
+            <a:fontRef idx="minor">
+              <a:schemeClr val="tx1"/>
+            </a:fontRef>
+          </p:style>
+        </p:cxnSp>
+        <p:cxnSp>
+          <p:nvCxnSpPr>
+            <p:cNvPr id="11" name="Straight Arrow Connector 10"/>
+            <p:cNvCxnSpPr/>
+            <p:nvPr/>
+          </p:nvCxnSpPr>
+          <p:spPr>
+            <a:xfrm rot="5400000" flipV="1">
+              <a:off x="2727476" y="1845733"/>
+              <a:ext cx="0" cy="520096"/>
+            </a:xfrm>
+            <a:prstGeom prst="straightConnector1">
+              <a:avLst/>
+            </a:prstGeom>
+            <a:ln>
+              <a:solidFill>
+                <a:schemeClr val="bg1">
+                  <a:lumMod val="50000"/>
+                </a:schemeClr>
+              </a:solidFill>
+              <a:tailEnd type="arrow"/>
+            </a:ln>
+            <a:effectLst/>
+          </p:spPr>
+          <p:style>
+            <a:lnRef idx="2">
+              <a:schemeClr val="dk1"/>
+            </a:lnRef>
+            <a:fillRef idx="0">
+              <a:schemeClr val="dk1"/>
+            </a:fillRef>
+            <a:effectRef idx="1">
+              <a:schemeClr val="dk1"/>
+            </a:effectRef>
+            <a:fontRef idx="minor">
+              <a:schemeClr val="tx1"/>
+            </a:fontRef>
+          </p:style>
+        </p:cxnSp>
+      </p:grpSp>
+      <p:grpSp>
+        <p:nvGrpSpPr>
+          <p:cNvPr id="15" name="Group 14"/>
+          <p:cNvGrpSpPr/>
+          <p:nvPr/>
+        </p:nvGrpSpPr>
+        <p:grpSpPr>
+          <a:xfrm>
+            <a:off x="1366762" y="4361543"/>
+            <a:ext cx="520096" cy="520096"/>
+            <a:chOff x="2467428" y="1596571"/>
+            <a:chExt cx="520096" cy="520096"/>
+          </a:xfrm>
+        </p:grpSpPr>
+        <p:cxnSp>
+          <p:nvCxnSpPr>
+            <p:cNvPr id="16" name="Straight Arrow Connector 15"/>
+            <p:cNvCxnSpPr/>
+            <p:nvPr/>
+          </p:nvCxnSpPr>
+          <p:spPr>
+            <a:xfrm flipV="1">
+              <a:off x="2467428" y="1596571"/>
+              <a:ext cx="0" cy="520096"/>
+            </a:xfrm>
+            <a:prstGeom prst="straightConnector1">
+              <a:avLst/>
+            </a:prstGeom>
+            <a:ln>
+              <a:tailEnd type="arrow"/>
+            </a:ln>
+            <a:effectLst/>
+          </p:spPr>
+          <p:style>
+            <a:lnRef idx="2">
+              <a:schemeClr val="dk1"/>
+            </a:lnRef>
+            <a:fillRef idx="0">
+              <a:schemeClr val="dk1"/>
+            </a:fillRef>
+            <a:effectRef idx="1">
+              <a:schemeClr val="dk1"/>
+            </a:effectRef>
+            <a:fontRef idx="minor">
+              <a:schemeClr val="tx1"/>
+            </a:fontRef>
+          </p:style>
+        </p:cxnSp>
+        <p:cxnSp>
+          <p:nvCxnSpPr>
+            <p:cNvPr id="17" name="Straight Arrow Connector 16"/>
+            <p:cNvCxnSpPr/>
+            <p:nvPr/>
+          </p:nvCxnSpPr>
+          <p:spPr>
+            <a:xfrm rot="5400000" flipV="1">
+              <a:off x="2727476" y="1845733"/>
+              <a:ext cx="0" cy="520096"/>
+            </a:xfrm>
+            <a:prstGeom prst="straightConnector1">
+              <a:avLst/>
+            </a:prstGeom>
+            <a:ln>
+              <a:tailEnd type="arrow"/>
+            </a:ln>
+            <a:effectLst/>
+          </p:spPr>
+          <p:style>
+            <a:lnRef idx="2">
+              <a:schemeClr val="dk1"/>
+            </a:lnRef>
+            <a:fillRef idx="0">
+              <a:schemeClr val="dk1"/>
+            </a:fillRef>
+            <a:effectRef idx="1">
+              <a:schemeClr val="dk1"/>
+            </a:effectRef>
+            <a:fontRef idx="minor">
+              <a:schemeClr val="tx1"/>
+            </a:fontRef>
+          </p:style>
+        </p:cxnSp>
+      </p:grpSp>
+      <p:cxnSp>
+        <p:nvCxnSpPr>
+          <p:cNvPr id="20" name="Straight Arrow Connector 19"/>
+          <p:cNvCxnSpPr/>
+          <p:nvPr/>
+        </p:nvCxnSpPr>
+        <p:spPr>
+          <a:xfrm flipV="1">
+            <a:off x="1366762" y="1672167"/>
+            <a:ext cx="929821" cy="964597"/>
+          </a:xfrm>
+          <a:prstGeom prst="straightConnector1">
+            <a:avLst/>
+          </a:prstGeom>
+          <a:ln w="28575" cmpd="sng">
+            <a:tailEnd type="arrow"/>
+          </a:ln>
+          <a:effectLst/>
+        </p:spPr>
+        <p:style>
+          <a:lnRef idx="2">
+            <a:schemeClr val="dk1"/>
+          </a:lnRef>
+          <a:fillRef idx="0">
+            <a:schemeClr val="dk1"/>
+          </a:fillRef>
+          <a:effectRef idx="1">
+            <a:schemeClr val="dk1"/>
+          </a:effectRef>
+          <a:fontRef idx="minor">
+            <a:schemeClr val="tx1"/>
+          </a:fontRef>
+        </p:style>
+      </p:cxnSp>
+      <p:sp>
+        <p:nvSpPr>
+          <p:cNvPr id="24" name="TextBox 23"/>
+          <p:cNvSpPr txBox="1"/>
+          <p:nvPr/>
+        </p:nvSpPr>
+        <p:spPr>
+          <a:xfrm>
+            <a:off x="1602621" y="1696148"/>
+            <a:ext cx="399142" cy="369332"/>
+          </a:xfrm>
+          <a:prstGeom prst="rect">
+            <a:avLst/>
+          </a:prstGeom>
+          <a:noFill/>
+        </p:spPr>
+        <p:txBody>
+          <a:bodyPr wrap="square" rtlCol="0">
+            <a:spAutoFit/>
+          </a:bodyPr>
+          <a:lstStyle/>
+          <a:p>
+            <a:r>
+              <a:rPr lang="en-US" dirty="0" smtClean="0"/>
+              <a:t>X</a:t>
+            </a:r>
+            <a:r>
+              <a:rPr lang="en-US" baseline="-25000" dirty="0" smtClean="0"/>
+              <a:t>0</a:t>
+            </a:r>
+            <a:endParaRPr lang="en-US" baseline="-25000" dirty="0"/>
+          </a:p>
+        </p:txBody>
+      </p:sp>
+      <p:cxnSp>
+        <p:nvCxnSpPr>
+          <p:cNvPr id="25" name="Straight Arrow Connector 24"/>
+          <p:cNvCxnSpPr/>
+          <p:nvPr/>
+        </p:nvCxnSpPr>
+        <p:spPr>
+          <a:xfrm flipV="1">
+            <a:off x="2296583" y="1354667"/>
+            <a:ext cx="751417" cy="317502"/>
+          </a:xfrm>
+          <a:prstGeom prst="straightConnector1">
+            <a:avLst/>
+          </a:prstGeom>
+          <a:ln w="28575" cmpd="sng">
+            <a:tailEnd type="arrow"/>
+          </a:ln>
+          <a:effectLst/>
+        </p:spPr>
+        <p:style>
+          <a:lnRef idx="2">
+            <a:schemeClr val="dk1"/>
+          </a:lnRef>
+          <a:fillRef idx="0">
+            <a:schemeClr val="dk1"/>
+          </a:fillRef>
+          <a:effectRef idx="1">
+            <a:schemeClr val="dk1"/>
+          </a:effectRef>
+          <a:fontRef idx="minor">
+            <a:schemeClr val="tx1"/>
+          </a:fontRef>
+        </p:style>
+      </p:cxnSp>
+      <p:sp>
+        <p:nvSpPr>
+          <p:cNvPr id="28" name="TextBox 27"/>
+          <p:cNvSpPr txBox="1"/>
+          <p:nvPr/>
+        </p:nvSpPr>
+        <p:spPr>
+          <a:xfrm>
+            <a:off x="2587574" y="1426047"/>
+            <a:ext cx="399142" cy="369332"/>
+          </a:xfrm>
+          <a:prstGeom prst="rect">
+            <a:avLst/>
+          </a:prstGeom>
+          <a:noFill/>
+        </p:spPr>
+        <p:txBody>
+          <a:bodyPr wrap="square" rtlCol="0">
+            <a:spAutoFit/>
+          </a:bodyPr>
+          <a:lstStyle/>
+          <a:p>
+            <a:r>
+              <a:rPr lang="en-US" dirty="0" smtClean="0"/>
+              <a:t>v</a:t>
+            </a:r>
+            <a:r>
+              <a:rPr lang="en-US" baseline="-25000" dirty="0" smtClean="0"/>
+              <a:t>0</a:t>
+            </a:r>
+            <a:endParaRPr lang="en-US" baseline="-25000" dirty="0"/>
+          </a:p>
+        </p:txBody>
+      </p:sp>
+      <p:cxnSp>
+        <p:nvCxnSpPr>
+          <p:cNvPr id="34" name="Straight Arrow Connector 33"/>
+          <p:cNvCxnSpPr/>
+          <p:nvPr/>
+        </p:nvCxnSpPr>
+        <p:spPr>
+          <a:xfrm>
+            <a:off x="2296583" y="1676711"/>
+            <a:ext cx="1511" cy="546098"/>
+          </a:xfrm>
+          <a:prstGeom prst="straightConnector1">
+            <a:avLst/>
+          </a:prstGeom>
+          <a:ln w="28575" cmpd="sng">
+            <a:tailEnd type="arrow"/>
+          </a:ln>
+          <a:effectLst/>
+        </p:spPr>
+        <p:style>
+          <a:lnRef idx="2">
+            <a:schemeClr val="dk1"/>
+          </a:lnRef>
+          <a:fillRef idx="0">
+            <a:schemeClr val="dk1"/>
+          </a:fillRef>
+          <a:effectRef idx="1">
+            <a:schemeClr val="dk1"/>
+          </a:effectRef>
+          <a:fontRef idx="minor">
+            <a:schemeClr val="tx1"/>
+          </a:fontRef>
+        </p:style>
+      </p:cxnSp>
+      <p:sp>
+        <p:nvSpPr>
+          <p:cNvPr id="36" name="TextBox 35"/>
+          <p:cNvSpPr txBox="1"/>
+          <p:nvPr/>
+        </p:nvSpPr>
+        <p:spPr>
+          <a:xfrm>
+            <a:off x="2329242" y="1763675"/>
+            <a:ext cx="399142" cy="369332"/>
+          </a:xfrm>
+          <a:prstGeom prst="rect">
+            <a:avLst/>
+          </a:prstGeom>
+          <a:noFill/>
+        </p:spPr>
+        <p:txBody>
+          <a:bodyPr wrap="square" rtlCol="0">
+            <a:spAutoFit/>
+          </a:bodyPr>
+          <a:lstStyle/>
+          <a:p>
+            <a:r>
+              <a:rPr lang="en-US" dirty="0" smtClean="0"/>
+              <a:t>a</a:t>
+            </a:r>
+            <a:endParaRPr lang="en-US" baseline="-25000" dirty="0"/>
+          </a:p>
+        </p:txBody>
+      </p:sp>
+      <p:grpSp>
+        <p:nvGrpSpPr>
+          <p:cNvPr id="37" name="Group 36"/>
+          <p:cNvGrpSpPr/>
+          <p:nvPr/>
+        </p:nvGrpSpPr>
+        <p:grpSpPr>
+          <a:xfrm>
+            <a:off x="4864496" y="2117574"/>
+            <a:ext cx="520096" cy="520096"/>
+            <a:chOff x="2467428" y="1596571"/>
+            <a:chExt cx="520096" cy="520096"/>
+          </a:xfrm>
+        </p:grpSpPr>
+        <p:cxnSp>
+          <p:nvCxnSpPr>
+            <p:cNvPr id="38" name="Straight Arrow Connector 37"/>
+            <p:cNvCxnSpPr/>
+            <p:nvPr/>
+          </p:nvCxnSpPr>
+          <p:spPr>
+            <a:xfrm flipV="1">
+              <a:off x="2467428" y="1596571"/>
+              <a:ext cx="0" cy="520096"/>
+            </a:xfrm>
+            <a:prstGeom prst="straightConnector1">
+              <a:avLst/>
+            </a:prstGeom>
+            <a:ln>
+              <a:solidFill>
+                <a:schemeClr val="bg1">
+                  <a:lumMod val="50000"/>
+                </a:schemeClr>
+              </a:solidFill>
+              <a:tailEnd type="arrow"/>
+            </a:ln>
+            <a:effectLst/>
+          </p:spPr>
+          <p:style>
+            <a:lnRef idx="2">
+              <a:schemeClr val="dk1"/>
+            </a:lnRef>
+            <a:fillRef idx="0">
+              <a:schemeClr val="dk1"/>
+            </a:fillRef>
+            <a:effectRef idx="1">
+              <a:schemeClr val="dk1"/>
+            </a:effectRef>
+            <a:fontRef idx="minor">
+              <a:schemeClr val="tx1"/>
+            </a:fontRef>
+          </p:style>
+        </p:cxnSp>
+        <p:cxnSp>
+          <p:nvCxnSpPr>
+            <p:cNvPr id="39" name="Straight Arrow Connector 38"/>
+            <p:cNvCxnSpPr/>
+            <p:nvPr/>
+          </p:nvCxnSpPr>
+          <p:spPr>
+            <a:xfrm rot="5400000" flipV="1">
+              <a:off x="2727476" y="1845733"/>
+              <a:ext cx="0" cy="520096"/>
+            </a:xfrm>
+            <a:prstGeom prst="straightConnector1">
+              <a:avLst/>
+            </a:prstGeom>
+            <a:ln>
+              <a:solidFill>
+                <a:schemeClr val="bg1">
+                  <a:lumMod val="50000"/>
+                </a:schemeClr>
+              </a:solidFill>
+              <a:tailEnd type="arrow"/>
+            </a:ln>
+            <a:effectLst/>
+          </p:spPr>
+          <p:style>
+            <a:lnRef idx="2">
+              <a:schemeClr val="dk1"/>
+            </a:lnRef>
+            <a:fillRef idx="0">
+              <a:schemeClr val="dk1"/>
+            </a:fillRef>
+            <a:effectRef idx="1">
+              <a:schemeClr val="dk1"/>
+            </a:effectRef>
+            <a:fontRef idx="minor">
+              <a:schemeClr val="tx1"/>
+            </a:fontRef>
+          </p:style>
+        </p:cxnSp>
+      </p:grpSp>
+      <p:sp>
+        <p:nvSpPr>
+          <p:cNvPr id="46" name="Right Arrow 45"/>
+          <p:cNvSpPr/>
+          <p:nvPr/>
+        </p:nvSpPr>
+        <p:spPr>
+          <a:xfrm>
+            <a:off x="3226741" y="1553323"/>
+            <a:ext cx="1476963" cy="1024314"/>
+          </a:xfrm>
+          <a:prstGeom prst="rightArrow">
+            <a:avLst/>
+          </a:prstGeom>
+        </p:spPr>
+        <p:style>
+          <a:lnRef idx="1">
+            <a:schemeClr val="dk1"/>
+          </a:lnRef>
+          <a:fillRef idx="3">
+            <a:schemeClr val="dk1"/>
+          </a:fillRef>
+          <a:effectRef idx="2">
+            <a:schemeClr val="dk1"/>
+          </a:effectRef>
+          <a:fontRef idx="minor">
+            <a:schemeClr val="lt1"/>
+          </a:fontRef>
+        </p:style>
+        <p:txBody>
+          <a:bodyPr rtlCol="0" anchor="ctr"/>
+          <a:lstStyle/>
+          <a:p>
+            <a:pPr algn="ctr"/>
+            <a:r>
+              <a:rPr lang="en-US" dirty="0" smtClean="0"/>
+              <a:t>Integration</a:t>
+            </a:r>
+            <a:endParaRPr lang="en-US" dirty="0"/>
+          </a:p>
+        </p:txBody>
+      </p:sp>
+      <p:sp>
+        <p:nvSpPr>
+          <p:cNvPr id="47" name="Oval 46"/>
+          <p:cNvSpPr/>
+          <p:nvPr/>
+        </p:nvSpPr>
+        <p:spPr>
+          <a:xfrm>
+            <a:off x="5743911" y="1602947"/>
+            <a:ext cx="100811" cy="100811"/>
+          </a:xfrm>
+          <a:prstGeom prst="ellipse">
+            <a:avLst/>
+          </a:prstGeom>
+          <a:solidFill>
+            <a:schemeClr val="tx1"/>
+          </a:solidFill>
+          <a:effectLst/>
+        </p:spPr>
+        <p:style>
+          <a:lnRef idx="1">
+            <a:schemeClr val="dk1"/>
+          </a:lnRef>
+          <a:fillRef idx="3">
+            <a:schemeClr val="dk1"/>
+          </a:fillRef>
+          <a:effectRef idx="2">
+            <a:schemeClr val="dk1"/>
+          </a:effectRef>
+          <a:fontRef idx="minor">
+            <a:schemeClr val="lt1"/>
+          </a:fontRef>
+        </p:style>
+        <p:txBody>
+          <a:bodyPr rtlCol="0" anchor="ctr"/>
+          <a:lstStyle/>
+          <a:p>
+            <a:pPr algn="ctr"/>
+            <a:endParaRPr lang="en-US"/>
+          </a:p>
+        </p:txBody>
+      </p:sp>
+      <p:sp>
+        <p:nvSpPr>
+          <p:cNvPr id="62" name="Freeform 61"/>
+          <p:cNvSpPr/>
+          <p:nvPr/>
+        </p:nvSpPr>
+        <p:spPr>
+          <a:xfrm>
+            <a:off x="5766741" y="1365193"/>
+            <a:ext cx="1815629" cy="854955"/>
+          </a:xfrm>
+          <a:custGeom>
+            <a:avLst/>
+            <a:gdLst>
+              <a:gd name="connsiteX0" fmla="*/ 0 w 1815629"/>
+              <a:gd name="connsiteY0" fmla="*/ 281103 h 854955"/>
+              <a:gd name="connsiteX1" fmla="*/ 1044222 w 1815629"/>
+              <a:gd name="connsiteY1" fmla="*/ 27103 h 854955"/>
+              <a:gd name="connsiteX2" fmla="*/ 1815629 w 1815629"/>
+              <a:gd name="connsiteY2" fmla="*/ 854955 h 854955"/>
+            </a:gdLst>
+            <a:ahLst/>
+            <a:cxnLst>
+              <a:cxn ang="0">
+                <a:pos x="connsiteX0" y="connsiteY0"/>
+              </a:cxn>
+              <a:cxn ang="0">
+                <a:pos x="connsiteX1" y="connsiteY1"/>
+              </a:cxn>
+              <a:cxn ang="0">
+                <a:pos x="connsiteX2" y="connsiteY2"/>
+              </a:cxn>
+            </a:cxnLst>
+            <a:rect l="l" t="t" r="r" b="b"/>
+            <a:pathLst>
+              <a:path w="1815629" h="854955">
+                <a:moveTo>
+                  <a:pt x="0" y="281103"/>
+                </a:moveTo>
+                <a:cubicBezTo>
+                  <a:pt x="370808" y="106282"/>
+                  <a:pt x="741617" y="-68539"/>
+                  <a:pt x="1044222" y="27103"/>
+                </a:cubicBezTo>
+                <a:cubicBezTo>
+                  <a:pt x="1346827" y="122745"/>
+                  <a:pt x="1767024" y="536671"/>
+                  <a:pt x="1815629" y="854955"/>
+                </a:cubicBezTo>
+              </a:path>
+            </a:pathLst>
+          </a:custGeom>
+          <a:ln>
+            <a:prstDash val="dash"/>
+            <a:headEnd type="none"/>
+            <a:tailEnd type="arrow"/>
+          </a:ln>
+        </p:spPr>
+        <p:style>
+          <a:lnRef idx="2">
+            <a:schemeClr val="dk1"/>
+          </a:lnRef>
+          <a:fillRef idx="0">
+            <a:schemeClr val="dk1"/>
+          </a:fillRef>
+          <a:effectRef idx="1">
+            <a:schemeClr val="dk1"/>
+          </a:effectRef>
+          <a:fontRef idx="minor">
+            <a:schemeClr val="tx1"/>
+          </a:fontRef>
+        </p:style>
+        <p:txBody>
+          <a:bodyPr rtlCol="0" anchor="ctr"/>
+          <a:lstStyle/>
+          <a:p>
+            <a:pPr algn="ctr"/>
+            <a:endParaRPr lang="en-US"/>
+          </a:p>
+        </p:txBody>
+      </p:sp>
+      <p:sp>
+        <p:nvSpPr>
+          <p:cNvPr id="63" name="TextBox 62"/>
+          <p:cNvSpPr txBox="1"/>
+          <p:nvPr/>
+        </p:nvSpPr>
+        <p:spPr>
+          <a:xfrm>
+            <a:off x="5445580" y="1237097"/>
+            <a:ext cx="518716" cy="369332"/>
+          </a:xfrm>
+          <a:prstGeom prst="rect">
+            <a:avLst/>
+          </a:prstGeom>
+          <a:noFill/>
+        </p:spPr>
+        <p:txBody>
+          <a:bodyPr wrap="square" rtlCol="0">
+            <a:spAutoFit/>
+          </a:bodyPr>
+          <a:lstStyle/>
+          <a:p>
+            <a:r>
+              <a:rPr lang="en-US" dirty="0" smtClean="0"/>
+              <a:t>t=0</a:t>
+            </a:r>
+            <a:endParaRPr lang="en-US" baseline="-25000" dirty="0"/>
+          </a:p>
+        </p:txBody>
+      </p:sp>
+      <p:sp>
+        <p:nvSpPr>
+          <p:cNvPr id="64" name="TextBox 63"/>
+          <p:cNvSpPr txBox="1"/>
+          <p:nvPr/>
+        </p:nvSpPr>
+        <p:spPr>
+          <a:xfrm>
+            <a:off x="7582370" y="1633225"/>
+            <a:ext cx="518716" cy="369332"/>
+          </a:xfrm>
+          <a:prstGeom prst="rect">
+            <a:avLst/>
+          </a:prstGeom>
+          <a:noFill/>
+        </p:spPr>
+        <p:txBody>
+          <a:bodyPr wrap="square" rtlCol="0">
+            <a:spAutoFit/>
+          </a:bodyPr>
+          <a:lstStyle/>
+          <a:p>
+            <a:r>
+              <a:rPr lang="en-US" dirty="0" smtClean="0"/>
+              <a:t>t&gt;0</a:t>
+            </a:r>
+            <a:endParaRPr lang="en-US" baseline="-25000" dirty="0"/>
+          </a:p>
+        </p:txBody>
+      </p:sp>
+    </p:spTree>
+    <p:extLst>
+      <p:ext uri="{BB962C8B-B14F-4D97-AF65-F5344CB8AC3E}">
+        <p14:creationId xmlns:p14="http://schemas.microsoft.com/office/powerpoint/2010/main" val="3291362728"/>
+      </p:ext>
+    </p:extLst>
+  </p:cSld>
+  <p:clrMapOvr>
+    <a:masterClrMapping/>
+  </p:clrMapOvr>
+</p:sld>
+</file>
+
+<file path=ppt/slides/slide20.xml><?xml version="1.0" encoding="utf-8"?>
 <p:sld xmlns:a="http://schemas.openxmlformats.org/drawingml/2006/main" xmlns:r="http://schemas.openxmlformats.org/officeDocument/2006/relationships" xmlns:p="http://schemas.openxmlformats.org/presentationml/2006/main">
   <p:cSld>
     <p:spTree>
@@ -15676,731 +17854,7 @@
 </p:sld>
 </file>
 
-<file path=ppt/slides/slide2.xml><?xml version="1.0" encoding="utf-8"?>
-<p:sld xmlns:a="http://schemas.openxmlformats.org/drawingml/2006/main" xmlns:r="http://schemas.openxmlformats.org/officeDocument/2006/relationships" xmlns:p="http://schemas.openxmlformats.org/presentationml/2006/main">
-  <p:cSld>
-    <p:spTree>
-      <p:nvGrpSpPr>
-        <p:cNvPr id="1" name=""/>
-        <p:cNvGrpSpPr/>
-        <p:nvPr/>
-      </p:nvGrpSpPr>
-      <p:grpSpPr>
-        <a:xfrm>
-          <a:off x="0" y="0"/>
-          <a:ext cx="0" cy="0"/>
-          <a:chOff x="0" y="0"/>
-          <a:chExt cx="0" cy="0"/>
-        </a:xfrm>
-      </p:grpSpPr>
-      <p:grpSp>
-        <p:nvGrpSpPr>
-          <p:cNvPr id="14" name="Group 13"/>
-          <p:cNvGrpSpPr/>
-          <p:nvPr/>
-        </p:nvGrpSpPr>
-        <p:grpSpPr>
-          <a:xfrm>
-            <a:off x="1366762" y="2116667"/>
-            <a:ext cx="520096" cy="520096"/>
-            <a:chOff x="2467428" y="1596571"/>
-            <a:chExt cx="520096" cy="520096"/>
-          </a:xfrm>
-        </p:grpSpPr>
-        <p:cxnSp>
-          <p:nvCxnSpPr>
-            <p:cNvPr id="10" name="Straight Arrow Connector 9"/>
-            <p:cNvCxnSpPr/>
-            <p:nvPr/>
-          </p:nvCxnSpPr>
-          <p:spPr>
-            <a:xfrm flipV="1">
-              <a:off x="2467428" y="1596571"/>
-              <a:ext cx="0" cy="520096"/>
-            </a:xfrm>
-            <a:prstGeom prst="straightConnector1">
-              <a:avLst/>
-            </a:prstGeom>
-            <a:ln>
-              <a:solidFill>
-                <a:schemeClr val="bg1">
-                  <a:lumMod val="50000"/>
-                </a:schemeClr>
-              </a:solidFill>
-              <a:tailEnd type="arrow"/>
-            </a:ln>
-            <a:effectLst/>
-          </p:spPr>
-          <p:style>
-            <a:lnRef idx="2">
-              <a:schemeClr val="dk1"/>
-            </a:lnRef>
-            <a:fillRef idx="0">
-              <a:schemeClr val="dk1"/>
-            </a:fillRef>
-            <a:effectRef idx="1">
-              <a:schemeClr val="dk1"/>
-            </a:effectRef>
-            <a:fontRef idx="minor">
-              <a:schemeClr val="tx1"/>
-            </a:fontRef>
-          </p:style>
-        </p:cxnSp>
-        <p:cxnSp>
-          <p:nvCxnSpPr>
-            <p:cNvPr id="11" name="Straight Arrow Connector 10"/>
-            <p:cNvCxnSpPr/>
-            <p:nvPr/>
-          </p:nvCxnSpPr>
-          <p:spPr>
-            <a:xfrm rot="5400000" flipV="1">
-              <a:off x="2727476" y="1845733"/>
-              <a:ext cx="0" cy="520096"/>
-            </a:xfrm>
-            <a:prstGeom prst="straightConnector1">
-              <a:avLst/>
-            </a:prstGeom>
-            <a:ln>
-              <a:solidFill>
-                <a:schemeClr val="bg1">
-                  <a:lumMod val="50000"/>
-                </a:schemeClr>
-              </a:solidFill>
-              <a:tailEnd type="arrow"/>
-            </a:ln>
-            <a:effectLst/>
-          </p:spPr>
-          <p:style>
-            <a:lnRef idx="2">
-              <a:schemeClr val="dk1"/>
-            </a:lnRef>
-            <a:fillRef idx="0">
-              <a:schemeClr val="dk1"/>
-            </a:fillRef>
-            <a:effectRef idx="1">
-              <a:schemeClr val="dk1"/>
-            </a:effectRef>
-            <a:fontRef idx="minor">
-              <a:schemeClr val="tx1"/>
-            </a:fontRef>
-          </p:style>
-        </p:cxnSp>
-      </p:grpSp>
-      <p:grpSp>
-        <p:nvGrpSpPr>
-          <p:cNvPr id="15" name="Group 14"/>
-          <p:cNvGrpSpPr/>
-          <p:nvPr/>
-        </p:nvGrpSpPr>
-        <p:grpSpPr>
-          <a:xfrm>
-            <a:off x="1366762" y="4361543"/>
-            <a:ext cx="520096" cy="520096"/>
-            <a:chOff x="2467428" y="1596571"/>
-            <a:chExt cx="520096" cy="520096"/>
-          </a:xfrm>
-        </p:grpSpPr>
-        <p:cxnSp>
-          <p:nvCxnSpPr>
-            <p:cNvPr id="16" name="Straight Arrow Connector 15"/>
-            <p:cNvCxnSpPr/>
-            <p:nvPr/>
-          </p:nvCxnSpPr>
-          <p:spPr>
-            <a:xfrm flipV="1">
-              <a:off x="2467428" y="1596571"/>
-              <a:ext cx="0" cy="520096"/>
-            </a:xfrm>
-            <a:prstGeom prst="straightConnector1">
-              <a:avLst/>
-            </a:prstGeom>
-            <a:ln>
-              <a:tailEnd type="arrow"/>
-            </a:ln>
-            <a:effectLst/>
-          </p:spPr>
-          <p:style>
-            <a:lnRef idx="2">
-              <a:schemeClr val="dk1"/>
-            </a:lnRef>
-            <a:fillRef idx="0">
-              <a:schemeClr val="dk1"/>
-            </a:fillRef>
-            <a:effectRef idx="1">
-              <a:schemeClr val="dk1"/>
-            </a:effectRef>
-            <a:fontRef idx="minor">
-              <a:schemeClr val="tx1"/>
-            </a:fontRef>
-          </p:style>
-        </p:cxnSp>
-        <p:cxnSp>
-          <p:nvCxnSpPr>
-            <p:cNvPr id="17" name="Straight Arrow Connector 16"/>
-            <p:cNvCxnSpPr/>
-            <p:nvPr/>
-          </p:nvCxnSpPr>
-          <p:spPr>
-            <a:xfrm rot="5400000" flipV="1">
-              <a:off x="2727476" y="1845733"/>
-              <a:ext cx="0" cy="520096"/>
-            </a:xfrm>
-            <a:prstGeom prst="straightConnector1">
-              <a:avLst/>
-            </a:prstGeom>
-            <a:ln>
-              <a:tailEnd type="arrow"/>
-            </a:ln>
-            <a:effectLst/>
-          </p:spPr>
-          <p:style>
-            <a:lnRef idx="2">
-              <a:schemeClr val="dk1"/>
-            </a:lnRef>
-            <a:fillRef idx="0">
-              <a:schemeClr val="dk1"/>
-            </a:fillRef>
-            <a:effectRef idx="1">
-              <a:schemeClr val="dk1"/>
-            </a:effectRef>
-            <a:fontRef idx="minor">
-              <a:schemeClr val="tx1"/>
-            </a:fontRef>
-          </p:style>
-        </p:cxnSp>
-      </p:grpSp>
-      <p:cxnSp>
-        <p:nvCxnSpPr>
-          <p:cNvPr id="20" name="Straight Arrow Connector 19"/>
-          <p:cNvCxnSpPr/>
-          <p:nvPr/>
-        </p:nvCxnSpPr>
-        <p:spPr>
-          <a:xfrm flipV="1">
-            <a:off x="1366762" y="1672167"/>
-            <a:ext cx="929821" cy="964597"/>
-          </a:xfrm>
-          <a:prstGeom prst="straightConnector1">
-            <a:avLst/>
-          </a:prstGeom>
-          <a:ln w="28575" cmpd="sng">
-            <a:tailEnd type="arrow"/>
-          </a:ln>
-          <a:effectLst/>
-        </p:spPr>
-        <p:style>
-          <a:lnRef idx="2">
-            <a:schemeClr val="dk1"/>
-          </a:lnRef>
-          <a:fillRef idx="0">
-            <a:schemeClr val="dk1"/>
-          </a:fillRef>
-          <a:effectRef idx="1">
-            <a:schemeClr val="dk1"/>
-          </a:effectRef>
-          <a:fontRef idx="minor">
-            <a:schemeClr val="tx1"/>
-          </a:fontRef>
-        </p:style>
-      </p:cxnSp>
-      <p:sp>
-        <p:nvSpPr>
-          <p:cNvPr id="24" name="TextBox 23"/>
-          <p:cNvSpPr txBox="1"/>
-          <p:nvPr/>
-        </p:nvSpPr>
-        <p:spPr>
-          <a:xfrm>
-            <a:off x="1602621" y="1696148"/>
-            <a:ext cx="399142" cy="369332"/>
-          </a:xfrm>
-          <a:prstGeom prst="rect">
-            <a:avLst/>
-          </a:prstGeom>
-          <a:noFill/>
-        </p:spPr>
-        <p:txBody>
-          <a:bodyPr wrap="square" rtlCol="0">
-            <a:spAutoFit/>
-          </a:bodyPr>
-          <a:lstStyle/>
-          <a:p>
-            <a:r>
-              <a:rPr lang="en-US" dirty="0" smtClean="0"/>
-              <a:t>X</a:t>
-            </a:r>
-            <a:r>
-              <a:rPr lang="en-US" baseline="-25000" dirty="0" smtClean="0"/>
-              <a:t>0</a:t>
-            </a:r>
-            <a:endParaRPr lang="en-US" baseline="-25000" dirty="0"/>
-          </a:p>
-        </p:txBody>
-      </p:sp>
-      <p:cxnSp>
-        <p:nvCxnSpPr>
-          <p:cNvPr id="25" name="Straight Arrow Connector 24"/>
-          <p:cNvCxnSpPr/>
-          <p:nvPr/>
-        </p:nvCxnSpPr>
-        <p:spPr>
-          <a:xfrm flipV="1">
-            <a:off x="2296583" y="1354667"/>
-            <a:ext cx="751417" cy="317502"/>
-          </a:xfrm>
-          <a:prstGeom prst="straightConnector1">
-            <a:avLst/>
-          </a:prstGeom>
-          <a:ln w="28575" cmpd="sng">
-            <a:tailEnd type="arrow"/>
-          </a:ln>
-          <a:effectLst/>
-        </p:spPr>
-        <p:style>
-          <a:lnRef idx="2">
-            <a:schemeClr val="dk1"/>
-          </a:lnRef>
-          <a:fillRef idx="0">
-            <a:schemeClr val="dk1"/>
-          </a:fillRef>
-          <a:effectRef idx="1">
-            <a:schemeClr val="dk1"/>
-          </a:effectRef>
-          <a:fontRef idx="minor">
-            <a:schemeClr val="tx1"/>
-          </a:fontRef>
-        </p:style>
-      </p:cxnSp>
-      <p:sp>
-        <p:nvSpPr>
-          <p:cNvPr id="28" name="TextBox 27"/>
-          <p:cNvSpPr txBox="1"/>
-          <p:nvPr/>
-        </p:nvSpPr>
-        <p:spPr>
-          <a:xfrm>
-            <a:off x="2587574" y="1426047"/>
-            <a:ext cx="399142" cy="369332"/>
-          </a:xfrm>
-          <a:prstGeom prst="rect">
-            <a:avLst/>
-          </a:prstGeom>
-          <a:noFill/>
-        </p:spPr>
-        <p:txBody>
-          <a:bodyPr wrap="square" rtlCol="0">
-            <a:spAutoFit/>
-          </a:bodyPr>
-          <a:lstStyle/>
-          <a:p>
-            <a:r>
-              <a:rPr lang="en-US" dirty="0" smtClean="0"/>
-              <a:t>v</a:t>
-            </a:r>
-            <a:r>
-              <a:rPr lang="en-US" baseline="-25000" dirty="0" smtClean="0"/>
-              <a:t>0</a:t>
-            </a:r>
-            <a:endParaRPr lang="en-US" baseline="-25000" dirty="0"/>
-          </a:p>
-        </p:txBody>
-      </p:sp>
-      <p:cxnSp>
-        <p:nvCxnSpPr>
-          <p:cNvPr id="34" name="Straight Arrow Connector 33"/>
-          <p:cNvCxnSpPr/>
-          <p:nvPr/>
-        </p:nvCxnSpPr>
-        <p:spPr>
-          <a:xfrm>
-            <a:off x="2296583" y="1676711"/>
-            <a:ext cx="1511" cy="546098"/>
-          </a:xfrm>
-          <a:prstGeom prst="straightConnector1">
-            <a:avLst/>
-          </a:prstGeom>
-          <a:ln w="28575" cmpd="sng">
-            <a:tailEnd type="arrow"/>
-          </a:ln>
-          <a:effectLst/>
-        </p:spPr>
-        <p:style>
-          <a:lnRef idx="2">
-            <a:schemeClr val="dk1"/>
-          </a:lnRef>
-          <a:fillRef idx="0">
-            <a:schemeClr val="dk1"/>
-          </a:fillRef>
-          <a:effectRef idx="1">
-            <a:schemeClr val="dk1"/>
-          </a:effectRef>
-          <a:fontRef idx="minor">
-            <a:schemeClr val="tx1"/>
-          </a:fontRef>
-        </p:style>
-      </p:cxnSp>
-      <p:sp>
-        <p:nvSpPr>
-          <p:cNvPr id="36" name="TextBox 35"/>
-          <p:cNvSpPr txBox="1"/>
-          <p:nvPr/>
-        </p:nvSpPr>
-        <p:spPr>
-          <a:xfrm>
-            <a:off x="2329242" y="1763675"/>
-            <a:ext cx="399142" cy="369332"/>
-          </a:xfrm>
-          <a:prstGeom prst="rect">
-            <a:avLst/>
-          </a:prstGeom>
-          <a:noFill/>
-        </p:spPr>
-        <p:txBody>
-          <a:bodyPr wrap="square" rtlCol="0">
-            <a:spAutoFit/>
-          </a:bodyPr>
-          <a:lstStyle/>
-          <a:p>
-            <a:r>
-              <a:rPr lang="en-US" dirty="0" smtClean="0"/>
-              <a:t>a</a:t>
-            </a:r>
-            <a:endParaRPr lang="en-US" baseline="-25000" dirty="0"/>
-          </a:p>
-        </p:txBody>
-      </p:sp>
-      <p:grpSp>
-        <p:nvGrpSpPr>
-          <p:cNvPr id="37" name="Group 36"/>
-          <p:cNvGrpSpPr/>
-          <p:nvPr/>
-        </p:nvGrpSpPr>
-        <p:grpSpPr>
-          <a:xfrm>
-            <a:off x="4864496" y="2117574"/>
-            <a:ext cx="520096" cy="520096"/>
-            <a:chOff x="2467428" y="1596571"/>
-            <a:chExt cx="520096" cy="520096"/>
-          </a:xfrm>
-        </p:grpSpPr>
-        <p:cxnSp>
-          <p:nvCxnSpPr>
-            <p:cNvPr id="38" name="Straight Arrow Connector 37"/>
-            <p:cNvCxnSpPr/>
-            <p:nvPr/>
-          </p:nvCxnSpPr>
-          <p:spPr>
-            <a:xfrm flipV="1">
-              <a:off x="2467428" y="1596571"/>
-              <a:ext cx="0" cy="520096"/>
-            </a:xfrm>
-            <a:prstGeom prst="straightConnector1">
-              <a:avLst/>
-            </a:prstGeom>
-            <a:ln>
-              <a:solidFill>
-                <a:schemeClr val="bg1">
-                  <a:lumMod val="50000"/>
-                </a:schemeClr>
-              </a:solidFill>
-              <a:tailEnd type="arrow"/>
-            </a:ln>
-            <a:effectLst/>
-          </p:spPr>
-          <p:style>
-            <a:lnRef idx="2">
-              <a:schemeClr val="dk1"/>
-            </a:lnRef>
-            <a:fillRef idx="0">
-              <a:schemeClr val="dk1"/>
-            </a:fillRef>
-            <a:effectRef idx="1">
-              <a:schemeClr val="dk1"/>
-            </a:effectRef>
-            <a:fontRef idx="minor">
-              <a:schemeClr val="tx1"/>
-            </a:fontRef>
-          </p:style>
-        </p:cxnSp>
-        <p:cxnSp>
-          <p:nvCxnSpPr>
-            <p:cNvPr id="39" name="Straight Arrow Connector 38"/>
-            <p:cNvCxnSpPr/>
-            <p:nvPr/>
-          </p:nvCxnSpPr>
-          <p:spPr>
-            <a:xfrm rot="5400000" flipV="1">
-              <a:off x="2727476" y="1845733"/>
-              <a:ext cx="0" cy="520096"/>
-            </a:xfrm>
-            <a:prstGeom prst="straightConnector1">
-              <a:avLst/>
-            </a:prstGeom>
-            <a:ln>
-              <a:solidFill>
-                <a:schemeClr val="bg1">
-                  <a:lumMod val="50000"/>
-                </a:schemeClr>
-              </a:solidFill>
-              <a:tailEnd type="arrow"/>
-            </a:ln>
-            <a:effectLst/>
-          </p:spPr>
-          <p:style>
-            <a:lnRef idx="2">
-              <a:schemeClr val="dk1"/>
-            </a:lnRef>
-            <a:fillRef idx="0">
-              <a:schemeClr val="dk1"/>
-            </a:fillRef>
-            <a:effectRef idx="1">
-              <a:schemeClr val="dk1"/>
-            </a:effectRef>
-            <a:fontRef idx="minor">
-              <a:schemeClr val="tx1"/>
-            </a:fontRef>
-          </p:style>
-        </p:cxnSp>
-      </p:grpSp>
-      <p:sp>
-        <p:nvSpPr>
-          <p:cNvPr id="46" name="Right Arrow 45"/>
-          <p:cNvSpPr/>
-          <p:nvPr/>
-        </p:nvSpPr>
-        <p:spPr>
-          <a:xfrm>
-            <a:off x="3226741" y="1553323"/>
-            <a:ext cx="1476963" cy="1024314"/>
-          </a:xfrm>
-          <a:prstGeom prst="rightArrow">
-            <a:avLst/>
-          </a:prstGeom>
-        </p:spPr>
-        <p:style>
-          <a:lnRef idx="1">
-            <a:schemeClr val="dk1"/>
-          </a:lnRef>
-          <a:fillRef idx="3">
-            <a:schemeClr val="dk1"/>
-          </a:fillRef>
-          <a:effectRef idx="2">
-            <a:schemeClr val="dk1"/>
-          </a:effectRef>
-          <a:fontRef idx="minor">
-            <a:schemeClr val="lt1"/>
-          </a:fontRef>
-        </p:style>
-        <p:txBody>
-          <a:bodyPr rtlCol="0" anchor="ctr"/>
-          <a:lstStyle/>
-          <a:p>
-            <a:pPr algn="ctr"/>
-            <a:r>
-              <a:rPr lang="en-US" dirty="0" smtClean="0"/>
-              <a:t>Integration</a:t>
-            </a:r>
-            <a:endParaRPr lang="en-US" dirty="0"/>
-          </a:p>
-        </p:txBody>
-      </p:sp>
-      <p:sp>
-        <p:nvSpPr>
-          <p:cNvPr id="47" name="Oval 46"/>
-          <p:cNvSpPr/>
-          <p:nvPr/>
-        </p:nvSpPr>
-        <p:spPr>
-          <a:xfrm>
-            <a:off x="5743911" y="1602947"/>
-            <a:ext cx="100811" cy="100811"/>
-          </a:xfrm>
-          <a:prstGeom prst="ellipse">
-            <a:avLst/>
-          </a:prstGeom>
-          <a:solidFill>
-            <a:schemeClr val="tx1"/>
-          </a:solidFill>
-          <a:effectLst/>
-        </p:spPr>
-        <p:style>
-          <a:lnRef idx="1">
-            <a:schemeClr val="dk1"/>
-          </a:lnRef>
-          <a:fillRef idx="3">
-            <a:schemeClr val="dk1"/>
-          </a:fillRef>
-          <a:effectRef idx="2">
-            <a:schemeClr val="dk1"/>
-          </a:effectRef>
-          <a:fontRef idx="minor">
-            <a:schemeClr val="lt1"/>
-          </a:fontRef>
-        </p:style>
-        <p:txBody>
-          <a:bodyPr rtlCol="0" anchor="ctr"/>
-          <a:lstStyle/>
-          <a:p>
-            <a:pPr algn="ctr"/>
-            <a:endParaRPr lang="en-US"/>
-          </a:p>
-        </p:txBody>
-      </p:sp>
-      <p:sp>
-        <p:nvSpPr>
-          <p:cNvPr id="62" name="Freeform 61"/>
-          <p:cNvSpPr/>
-          <p:nvPr/>
-        </p:nvSpPr>
-        <p:spPr>
-          <a:xfrm>
-            <a:off x="5766741" y="1365193"/>
-            <a:ext cx="1815629" cy="854955"/>
-          </a:xfrm>
-          <a:custGeom>
-            <a:avLst/>
-            <a:gdLst>
-              <a:gd name="connsiteX0" fmla="*/ 0 w 1815629"/>
-              <a:gd name="connsiteY0" fmla="*/ 281103 h 854955"/>
-              <a:gd name="connsiteX1" fmla="*/ 1044222 w 1815629"/>
-              <a:gd name="connsiteY1" fmla="*/ 27103 h 854955"/>
-              <a:gd name="connsiteX2" fmla="*/ 1815629 w 1815629"/>
-              <a:gd name="connsiteY2" fmla="*/ 854955 h 854955"/>
-            </a:gdLst>
-            <a:ahLst/>
-            <a:cxnLst>
-              <a:cxn ang="0">
-                <a:pos x="connsiteX0" y="connsiteY0"/>
-              </a:cxn>
-              <a:cxn ang="0">
-                <a:pos x="connsiteX1" y="connsiteY1"/>
-              </a:cxn>
-              <a:cxn ang="0">
-                <a:pos x="connsiteX2" y="connsiteY2"/>
-              </a:cxn>
-            </a:cxnLst>
-            <a:rect l="l" t="t" r="r" b="b"/>
-            <a:pathLst>
-              <a:path w="1815629" h="854955">
-                <a:moveTo>
-                  <a:pt x="0" y="281103"/>
-                </a:moveTo>
-                <a:cubicBezTo>
-                  <a:pt x="370808" y="106282"/>
-                  <a:pt x="741617" y="-68539"/>
-                  <a:pt x="1044222" y="27103"/>
-                </a:cubicBezTo>
-                <a:cubicBezTo>
-                  <a:pt x="1346827" y="122745"/>
-                  <a:pt x="1767024" y="536671"/>
-                  <a:pt x="1815629" y="854955"/>
-                </a:cubicBezTo>
-              </a:path>
-            </a:pathLst>
-          </a:custGeom>
-          <a:ln>
-            <a:prstDash val="dash"/>
-            <a:headEnd type="none"/>
-            <a:tailEnd type="arrow"/>
-          </a:ln>
-        </p:spPr>
-        <p:style>
-          <a:lnRef idx="2">
-            <a:schemeClr val="dk1"/>
-          </a:lnRef>
-          <a:fillRef idx="0">
-            <a:schemeClr val="dk1"/>
-          </a:fillRef>
-          <a:effectRef idx="1">
-            <a:schemeClr val="dk1"/>
-          </a:effectRef>
-          <a:fontRef idx="minor">
-            <a:schemeClr val="tx1"/>
-          </a:fontRef>
-        </p:style>
-        <p:txBody>
-          <a:bodyPr rtlCol="0" anchor="ctr"/>
-          <a:lstStyle/>
-          <a:p>
-            <a:pPr algn="ctr"/>
-            <a:endParaRPr lang="en-US"/>
-          </a:p>
-        </p:txBody>
-      </p:sp>
-      <p:sp>
-        <p:nvSpPr>
-          <p:cNvPr id="63" name="TextBox 62"/>
-          <p:cNvSpPr txBox="1"/>
-          <p:nvPr/>
-        </p:nvSpPr>
-        <p:spPr>
-          <a:xfrm>
-            <a:off x="5445580" y="1237097"/>
-            <a:ext cx="518716" cy="369332"/>
-          </a:xfrm>
-          <a:prstGeom prst="rect">
-            <a:avLst/>
-          </a:prstGeom>
-          <a:noFill/>
-        </p:spPr>
-        <p:txBody>
-          <a:bodyPr wrap="square" rtlCol="0">
-            <a:spAutoFit/>
-          </a:bodyPr>
-          <a:lstStyle/>
-          <a:p>
-            <a:r>
-              <a:rPr lang="en-US" dirty="0" smtClean="0"/>
-              <a:t>t=0</a:t>
-            </a:r>
-            <a:endParaRPr lang="en-US" baseline="-25000" dirty="0"/>
-          </a:p>
-        </p:txBody>
-      </p:sp>
-      <p:sp>
-        <p:nvSpPr>
-          <p:cNvPr id="64" name="TextBox 63"/>
-          <p:cNvSpPr txBox="1"/>
-          <p:nvPr/>
-        </p:nvSpPr>
-        <p:spPr>
-          <a:xfrm>
-            <a:off x="7582370" y="1633225"/>
-            <a:ext cx="518716" cy="369332"/>
-          </a:xfrm>
-          <a:prstGeom prst="rect">
-            <a:avLst/>
-          </a:prstGeom>
-          <a:noFill/>
-        </p:spPr>
-        <p:txBody>
-          <a:bodyPr wrap="square" rtlCol="0">
-            <a:spAutoFit/>
-          </a:bodyPr>
-          <a:lstStyle/>
-          <a:p>
-            <a:r>
-              <a:rPr lang="en-US" dirty="0" smtClean="0"/>
-              <a:t>t&gt;0</a:t>
-            </a:r>
-            <a:endParaRPr lang="en-US" baseline="-25000" dirty="0"/>
-          </a:p>
-        </p:txBody>
-      </p:sp>
-    </p:spTree>
-    <p:extLst>
-      <p:ext uri="{BB962C8B-B14F-4D97-AF65-F5344CB8AC3E}">
-        <p14:creationId xmlns:p14="http://schemas.microsoft.com/office/powerpoint/2010/main" val="3291362728"/>
-      </p:ext>
-    </p:extLst>
-  </p:cSld>
-  <p:clrMapOvr>
-    <a:masterClrMapping/>
-  </p:clrMapOvr>
-</p:sld>
-</file>
-
-<file path=ppt/slides/slide20.xml><?xml version="1.0" encoding="utf-8"?>
+<file path=ppt/slides/slide21.xml><?xml version="1.0" encoding="utf-8"?>
 <p:sld xmlns:a="http://schemas.openxmlformats.org/drawingml/2006/main" xmlns:r="http://schemas.openxmlformats.org/officeDocument/2006/relationships" xmlns:p="http://schemas.openxmlformats.org/presentationml/2006/main">
   <p:cSld>
     <p:spTree>
@@ -17778,7 +19232,7 @@
 </p:sld>
 </file>
 
-<file path=ppt/slides/slide21.xml><?xml version="1.0" encoding="utf-8"?>
+<file path=ppt/slides/slide22.xml><?xml version="1.0" encoding="utf-8"?>
 <p:sld xmlns:a="http://schemas.openxmlformats.org/drawingml/2006/main" xmlns:r="http://schemas.openxmlformats.org/officeDocument/2006/relationships" xmlns:p="http://schemas.openxmlformats.org/presentationml/2006/main">
   <p:cSld>
     <p:spTree>
@@ -19564,7 +21018,7 @@
 </p:sld>
 </file>
 
-<file path=ppt/slides/slide22.xml><?xml version="1.0" encoding="utf-8"?>
+<file path=ppt/slides/slide23.xml><?xml version="1.0" encoding="utf-8"?>
 <p:sld xmlns:a="http://schemas.openxmlformats.org/drawingml/2006/main" xmlns:r="http://schemas.openxmlformats.org/officeDocument/2006/relationships" xmlns:p="http://schemas.openxmlformats.org/presentationml/2006/main">
   <p:cSld>
     <p:spTree>
@@ -22833,6 +24287,714 @@
 </file>
 
 <file path=ppt/slides/slide6.xml><?xml version="1.0" encoding="utf-8"?>
+<p:sld xmlns:a="http://schemas.openxmlformats.org/drawingml/2006/main" xmlns:r="http://schemas.openxmlformats.org/officeDocument/2006/relationships" xmlns:p="http://schemas.openxmlformats.org/presentationml/2006/main">
+  <p:cSld>
+    <p:spTree>
+      <p:nvGrpSpPr>
+        <p:cNvPr id="1" name=""/>
+        <p:cNvGrpSpPr/>
+        <p:nvPr/>
+      </p:nvGrpSpPr>
+      <p:grpSpPr>
+        <a:xfrm>
+          <a:off x="0" y="0"/>
+          <a:ext cx="0" cy="0"/>
+          <a:chOff x="0" y="0"/>
+          <a:chExt cx="0" cy="0"/>
+        </a:xfrm>
+      </p:grpSpPr>
+      <p:grpSp>
+        <p:nvGrpSpPr>
+          <p:cNvPr id="4" name="Group 3"/>
+          <p:cNvGrpSpPr/>
+          <p:nvPr/>
+        </p:nvGrpSpPr>
+        <p:grpSpPr>
+          <a:xfrm>
+            <a:off x="4864496" y="2117574"/>
+            <a:ext cx="520096" cy="520096"/>
+            <a:chOff x="2467428" y="1596571"/>
+            <a:chExt cx="520096" cy="520096"/>
+          </a:xfrm>
+        </p:grpSpPr>
+        <p:cxnSp>
+          <p:nvCxnSpPr>
+            <p:cNvPr id="5" name="Straight Arrow Connector 4"/>
+            <p:cNvCxnSpPr/>
+            <p:nvPr/>
+          </p:nvCxnSpPr>
+          <p:spPr>
+            <a:xfrm flipV="1">
+              <a:off x="2467428" y="1596571"/>
+              <a:ext cx="0" cy="520096"/>
+            </a:xfrm>
+            <a:prstGeom prst="straightConnector1">
+              <a:avLst/>
+            </a:prstGeom>
+            <a:ln>
+              <a:solidFill>
+                <a:schemeClr val="bg1">
+                  <a:lumMod val="50000"/>
+                </a:schemeClr>
+              </a:solidFill>
+              <a:tailEnd type="arrow"/>
+            </a:ln>
+            <a:effectLst/>
+          </p:spPr>
+          <p:style>
+            <a:lnRef idx="2">
+              <a:schemeClr val="dk1"/>
+            </a:lnRef>
+            <a:fillRef idx="0">
+              <a:schemeClr val="dk1"/>
+            </a:fillRef>
+            <a:effectRef idx="1">
+              <a:schemeClr val="dk1"/>
+            </a:effectRef>
+            <a:fontRef idx="minor">
+              <a:schemeClr val="tx1"/>
+            </a:fontRef>
+          </p:style>
+        </p:cxnSp>
+        <p:cxnSp>
+          <p:nvCxnSpPr>
+            <p:cNvPr id="6" name="Straight Arrow Connector 5"/>
+            <p:cNvCxnSpPr/>
+            <p:nvPr/>
+          </p:nvCxnSpPr>
+          <p:spPr>
+            <a:xfrm rot="5400000" flipV="1">
+              <a:off x="2727476" y="1845733"/>
+              <a:ext cx="0" cy="520096"/>
+            </a:xfrm>
+            <a:prstGeom prst="straightConnector1">
+              <a:avLst/>
+            </a:prstGeom>
+            <a:ln>
+              <a:solidFill>
+                <a:schemeClr val="bg1">
+                  <a:lumMod val="50000"/>
+                </a:schemeClr>
+              </a:solidFill>
+              <a:tailEnd type="arrow"/>
+            </a:ln>
+            <a:effectLst/>
+          </p:spPr>
+          <p:style>
+            <a:lnRef idx="2">
+              <a:schemeClr val="dk1"/>
+            </a:lnRef>
+            <a:fillRef idx="0">
+              <a:schemeClr val="dk1"/>
+            </a:fillRef>
+            <a:effectRef idx="1">
+              <a:schemeClr val="dk1"/>
+            </a:effectRef>
+            <a:fontRef idx="minor">
+              <a:schemeClr val="tx1"/>
+            </a:fontRef>
+          </p:style>
+        </p:cxnSp>
+      </p:grpSp>
+      <p:sp>
+        <p:nvSpPr>
+          <p:cNvPr id="7" name="Right Arrow 6"/>
+          <p:cNvSpPr/>
+          <p:nvPr/>
+        </p:nvSpPr>
+        <p:spPr>
+          <a:xfrm>
+            <a:off x="3226741" y="1553323"/>
+            <a:ext cx="1476963" cy="1024314"/>
+          </a:xfrm>
+          <a:prstGeom prst="rightArrow">
+            <a:avLst/>
+          </a:prstGeom>
+        </p:spPr>
+        <p:style>
+          <a:lnRef idx="1">
+            <a:schemeClr val="dk1"/>
+          </a:lnRef>
+          <a:fillRef idx="3">
+            <a:schemeClr val="dk1"/>
+          </a:fillRef>
+          <a:effectRef idx="2">
+            <a:schemeClr val="dk1"/>
+          </a:effectRef>
+          <a:fontRef idx="minor">
+            <a:schemeClr val="lt1"/>
+          </a:fontRef>
+        </p:style>
+        <p:txBody>
+          <a:bodyPr rtlCol="0" anchor="ctr"/>
+          <a:lstStyle/>
+          <a:p>
+            <a:pPr algn="ctr"/>
+            <a:r>
+              <a:rPr lang="en-US" dirty="0" smtClean="0"/>
+              <a:t>Integration</a:t>
+            </a:r>
+            <a:endParaRPr lang="en-US" dirty="0"/>
+          </a:p>
+        </p:txBody>
+      </p:sp>
+      <p:sp>
+        <p:nvSpPr>
+          <p:cNvPr id="8" name="Oval 7"/>
+          <p:cNvSpPr/>
+          <p:nvPr/>
+        </p:nvSpPr>
+        <p:spPr>
+          <a:xfrm>
+            <a:off x="5743911" y="1602947"/>
+            <a:ext cx="100811" cy="100811"/>
+          </a:xfrm>
+          <a:prstGeom prst="ellipse">
+            <a:avLst/>
+          </a:prstGeom>
+          <a:solidFill>
+            <a:schemeClr val="tx1"/>
+          </a:solidFill>
+          <a:effectLst/>
+        </p:spPr>
+        <p:style>
+          <a:lnRef idx="1">
+            <a:schemeClr val="dk1"/>
+          </a:lnRef>
+          <a:fillRef idx="3">
+            <a:schemeClr val="dk1"/>
+          </a:fillRef>
+          <a:effectRef idx="2">
+            <a:schemeClr val="dk1"/>
+          </a:effectRef>
+          <a:fontRef idx="minor">
+            <a:schemeClr val="lt1"/>
+          </a:fontRef>
+        </p:style>
+        <p:txBody>
+          <a:bodyPr rtlCol="0" anchor="ctr"/>
+          <a:lstStyle/>
+          <a:p>
+            <a:pPr algn="ctr"/>
+            <a:endParaRPr lang="en-US"/>
+          </a:p>
+        </p:txBody>
+      </p:sp>
+      <p:sp>
+        <p:nvSpPr>
+          <p:cNvPr id="9" name="Freeform 8"/>
+          <p:cNvSpPr/>
+          <p:nvPr/>
+        </p:nvSpPr>
+        <p:spPr>
+          <a:xfrm>
+            <a:off x="5766741" y="1365193"/>
+            <a:ext cx="1815629" cy="854955"/>
+          </a:xfrm>
+          <a:custGeom>
+            <a:avLst/>
+            <a:gdLst>
+              <a:gd name="connsiteX0" fmla="*/ 0 w 1815629"/>
+              <a:gd name="connsiteY0" fmla="*/ 281103 h 854955"/>
+              <a:gd name="connsiteX1" fmla="*/ 1044222 w 1815629"/>
+              <a:gd name="connsiteY1" fmla="*/ 27103 h 854955"/>
+              <a:gd name="connsiteX2" fmla="*/ 1815629 w 1815629"/>
+              <a:gd name="connsiteY2" fmla="*/ 854955 h 854955"/>
+            </a:gdLst>
+            <a:ahLst/>
+            <a:cxnLst>
+              <a:cxn ang="0">
+                <a:pos x="connsiteX0" y="connsiteY0"/>
+              </a:cxn>
+              <a:cxn ang="0">
+                <a:pos x="connsiteX1" y="connsiteY1"/>
+              </a:cxn>
+              <a:cxn ang="0">
+                <a:pos x="connsiteX2" y="connsiteY2"/>
+              </a:cxn>
+            </a:cxnLst>
+            <a:rect l="l" t="t" r="r" b="b"/>
+            <a:pathLst>
+              <a:path w="1815629" h="854955">
+                <a:moveTo>
+                  <a:pt x="0" y="281103"/>
+                </a:moveTo>
+                <a:cubicBezTo>
+                  <a:pt x="370808" y="106282"/>
+                  <a:pt x="741617" y="-68539"/>
+                  <a:pt x="1044222" y="27103"/>
+                </a:cubicBezTo>
+                <a:cubicBezTo>
+                  <a:pt x="1346827" y="122745"/>
+                  <a:pt x="1767024" y="536671"/>
+                  <a:pt x="1815629" y="854955"/>
+                </a:cubicBezTo>
+              </a:path>
+            </a:pathLst>
+          </a:custGeom>
+          <a:ln>
+            <a:prstDash val="dash"/>
+            <a:headEnd type="none"/>
+            <a:tailEnd type="arrow"/>
+          </a:ln>
+        </p:spPr>
+        <p:style>
+          <a:lnRef idx="2">
+            <a:schemeClr val="dk1"/>
+          </a:lnRef>
+          <a:fillRef idx="0">
+            <a:schemeClr val="dk1"/>
+          </a:fillRef>
+          <a:effectRef idx="1">
+            <a:schemeClr val="dk1"/>
+          </a:effectRef>
+          <a:fontRef idx="minor">
+            <a:schemeClr val="tx1"/>
+          </a:fontRef>
+        </p:style>
+        <p:txBody>
+          <a:bodyPr rtlCol="0" anchor="ctr"/>
+          <a:lstStyle/>
+          <a:p>
+            <a:pPr algn="ctr"/>
+            <a:endParaRPr lang="en-US"/>
+          </a:p>
+        </p:txBody>
+      </p:sp>
+      <p:sp>
+        <p:nvSpPr>
+          <p:cNvPr id="10" name="TextBox 9"/>
+          <p:cNvSpPr txBox="1"/>
+          <p:nvPr/>
+        </p:nvSpPr>
+        <p:spPr>
+          <a:xfrm>
+            <a:off x="5445580" y="1237097"/>
+            <a:ext cx="518716" cy="369332"/>
+          </a:xfrm>
+          <a:prstGeom prst="rect">
+            <a:avLst/>
+          </a:prstGeom>
+          <a:noFill/>
+        </p:spPr>
+        <p:txBody>
+          <a:bodyPr wrap="square" rtlCol="0">
+            <a:spAutoFit/>
+          </a:bodyPr>
+          <a:lstStyle/>
+          <a:p>
+            <a:r>
+              <a:rPr lang="en-US" dirty="0" smtClean="0"/>
+              <a:t>t=0</a:t>
+            </a:r>
+            <a:endParaRPr lang="en-US" baseline="-25000" dirty="0"/>
+          </a:p>
+        </p:txBody>
+      </p:sp>
+      <p:sp>
+        <p:nvSpPr>
+          <p:cNvPr id="11" name="TextBox 10"/>
+          <p:cNvSpPr txBox="1"/>
+          <p:nvPr/>
+        </p:nvSpPr>
+        <p:spPr>
+          <a:xfrm>
+            <a:off x="7582370" y="1633225"/>
+            <a:ext cx="518716" cy="369332"/>
+          </a:xfrm>
+          <a:prstGeom prst="rect">
+            <a:avLst/>
+          </a:prstGeom>
+          <a:noFill/>
+        </p:spPr>
+        <p:txBody>
+          <a:bodyPr wrap="square" rtlCol="0">
+            <a:spAutoFit/>
+          </a:bodyPr>
+          <a:lstStyle/>
+          <a:p>
+            <a:r>
+              <a:rPr lang="en-US" dirty="0" smtClean="0"/>
+              <a:t>t&gt;0</a:t>
+            </a:r>
+            <a:endParaRPr lang="en-US" baseline="-25000" dirty="0"/>
+          </a:p>
+        </p:txBody>
+      </p:sp>
+      <p:grpSp>
+        <p:nvGrpSpPr>
+          <p:cNvPr id="12" name="Group 11"/>
+          <p:cNvGrpSpPr/>
+          <p:nvPr/>
+        </p:nvGrpSpPr>
+        <p:grpSpPr>
+          <a:xfrm>
+            <a:off x="1366762" y="2116667"/>
+            <a:ext cx="520096" cy="520096"/>
+            <a:chOff x="2467428" y="1596571"/>
+            <a:chExt cx="520096" cy="520096"/>
+          </a:xfrm>
+        </p:grpSpPr>
+        <p:cxnSp>
+          <p:nvCxnSpPr>
+            <p:cNvPr id="13" name="Straight Arrow Connector 12"/>
+            <p:cNvCxnSpPr/>
+            <p:nvPr/>
+          </p:nvCxnSpPr>
+          <p:spPr>
+            <a:xfrm flipV="1">
+              <a:off x="2467428" y="1596571"/>
+              <a:ext cx="0" cy="520096"/>
+            </a:xfrm>
+            <a:prstGeom prst="straightConnector1">
+              <a:avLst/>
+            </a:prstGeom>
+            <a:ln>
+              <a:solidFill>
+                <a:schemeClr val="bg1">
+                  <a:lumMod val="50000"/>
+                </a:schemeClr>
+              </a:solidFill>
+              <a:tailEnd type="arrow"/>
+            </a:ln>
+            <a:effectLst/>
+          </p:spPr>
+          <p:style>
+            <a:lnRef idx="2">
+              <a:schemeClr val="dk1"/>
+            </a:lnRef>
+            <a:fillRef idx="0">
+              <a:schemeClr val="dk1"/>
+            </a:fillRef>
+            <a:effectRef idx="1">
+              <a:schemeClr val="dk1"/>
+            </a:effectRef>
+            <a:fontRef idx="minor">
+              <a:schemeClr val="tx1"/>
+            </a:fontRef>
+          </p:style>
+        </p:cxnSp>
+        <p:cxnSp>
+          <p:nvCxnSpPr>
+            <p:cNvPr id="14" name="Straight Arrow Connector 13"/>
+            <p:cNvCxnSpPr/>
+            <p:nvPr/>
+          </p:nvCxnSpPr>
+          <p:spPr>
+            <a:xfrm rot="5400000" flipV="1">
+              <a:off x="2727476" y="1845733"/>
+              <a:ext cx="0" cy="520096"/>
+            </a:xfrm>
+            <a:prstGeom prst="straightConnector1">
+              <a:avLst/>
+            </a:prstGeom>
+            <a:ln>
+              <a:solidFill>
+                <a:schemeClr val="bg1">
+                  <a:lumMod val="50000"/>
+                </a:schemeClr>
+              </a:solidFill>
+              <a:tailEnd type="arrow"/>
+            </a:ln>
+            <a:effectLst/>
+          </p:spPr>
+          <p:style>
+            <a:lnRef idx="2">
+              <a:schemeClr val="dk1"/>
+            </a:lnRef>
+            <a:fillRef idx="0">
+              <a:schemeClr val="dk1"/>
+            </a:fillRef>
+            <a:effectRef idx="1">
+              <a:schemeClr val="dk1"/>
+            </a:effectRef>
+            <a:fontRef idx="minor">
+              <a:schemeClr val="tx1"/>
+            </a:fontRef>
+          </p:style>
+        </p:cxnSp>
+      </p:grpSp>
+      <p:cxnSp>
+        <p:nvCxnSpPr>
+          <p:cNvPr id="15" name="Straight Arrow Connector 14"/>
+          <p:cNvCxnSpPr/>
+          <p:nvPr/>
+        </p:nvCxnSpPr>
+        <p:spPr>
+          <a:xfrm flipV="1">
+            <a:off x="1366762" y="1672167"/>
+            <a:ext cx="929821" cy="964597"/>
+          </a:xfrm>
+          <a:prstGeom prst="straightConnector1">
+            <a:avLst/>
+          </a:prstGeom>
+          <a:ln w="28575" cmpd="sng">
+            <a:tailEnd type="arrow"/>
+          </a:ln>
+          <a:effectLst/>
+        </p:spPr>
+        <p:style>
+          <a:lnRef idx="2">
+            <a:schemeClr val="dk1"/>
+          </a:lnRef>
+          <a:fillRef idx="0">
+            <a:schemeClr val="dk1"/>
+          </a:fillRef>
+          <a:effectRef idx="1">
+            <a:schemeClr val="dk1"/>
+          </a:effectRef>
+          <a:fontRef idx="minor">
+            <a:schemeClr val="tx1"/>
+          </a:fontRef>
+        </p:style>
+      </p:cxnSp>
+      <p:sp>
+        <p:nvSpPr>
+          <p:cNvPr id="16" name="TextBox 15"/>
+          <p:cNvSpPr txBox="1"/>
+          <p:nvPr/>
+        </p:nvSpPr>
+        <p:spPr>
+          <a:xfrm>
+            <a:off x="1602621" y="1696148"/>
+            <a:ext cx="399142" cy="369332"/>
+          </a:xfrm>
+          <a:prstGeom prst="rect">
+            <a:avLst/>
+          </a:prstGeom>
+          <a:noFill/>
+        </p:spPr>
+        <p:txBody>
+          <a:bodyPr wrap="square" rtlCol="0">
+            <a:spAutoFit/>
+          </a:bodyPr>
+          <a:lstStyle/>
+          <a:p>
+            <a:r>
+              <a:rPr lang="en-US" dirty="0" smtClean="0"/>
+              <a:t>p</a:t>
+            </a:r>
+            <a:endParaRPr lang="en-US" baseline="-25000" dirty="0"/>
+          </a:p>
+        </p:txBody>
+      </p:sp>
+      <p:cxnSp>
+        <p:nvCxnSpPr>
+          <p:cNvPr id="17" name="Straight Arrow Connector 16"/>
+          <p:cNvCxnSpPr/>
+          <p:nvPr/>
+        </p:nvCxnSpPr>
+        <p:spPr>
+          <a:xfrm flipV="1">
+            <a:off x="2296583" y="1354667"/>
+            <a:ext cx="751417" cy="317502"/>
+          </a:xfrm>
+          <a:prstGeom prst="straightConnector1">
+            <a:avLst/>
+          </a:prstGeom>
+          <a:ln w="28575" cmpd="sng">
+            <a:tailEnd type="arrow"/>
+          </a:ln>
+          <a:effectLst/>
+        </p:spPr>
+        <p:style>
+          <a:lnRef idx="2">
+            <a:schemeClr val="dk1"/>
+          </a:lnRef>
+          <a:fillRef idx="0">
+            <a:schemeClr val="dk1"/>
+          </a:fillRef>
+          <a:effectRef idx="1">
+            <a:schemeClr val="dk1"/>
+          </a:effectRef>
+          <a:fontRef idx="minor">
+            <a:schemeClr val="tx1"/>
+          </a:fontRef>
+        </p:style>
+      </p:cxnSp>
+      <p:sp>
+        <p:nvSpPr>
+          <p:cNvPr id="18" name="TextBox 17"/>
+          <p:cNvSpPr txBox="1"/>
+          <p:nvPr/>
+        </p:nvSpPr>
+        <p:spPr>
+          <a:xfrm>
+            <a:off x="2587574" y="1426047"/>
+            <a:ext cx="399142" cy="369332"/>
+          </a:xfrm>
+          <a:prstGeom prst="rect">
+            <a:avLst/>
+          </a:prstGeom>
+          <a:noFill/>
+        </p:spPr>
+        <p:txBody>
+          <a:bodyPr wrap="square" rtlCol="0">
+            <a:spAutoFit/>
+          </a:bodyPr>
+          <a:lstStyle/>
+          <a:p>
+            <a:r>
+              <a:rPr lang="en-US" dirty="0" smtClean="0"/>
+              <a:t>v</a:t>
+            </a:r>
+            <a:endParaRPr lang="en-US" baseline="-25000" dirty="0"/>
+          </a:p>
+        </p:txBody>
+      </p:sp>
+      <p:cxnSp>
+        <p:nvCxnSpPr>
+          <p:cNvPr id="19" name="Straight Arrow Connector 18"/>
+          <p:cNvCxnSpPr/>
+          <p:nvPr/>
+        </p:nvCxnSpPr>
+        <p:spPr>
+          <a:xfrm>
+            <a:off x="2296583" y="1676711"/>
+            <a:ext cx="1511" cy="546098"/>
+          </a:xfrm>
+          <a:prstGeom prst="straightConnector1">
+            <a:avLst/>
+          </a:prstGeom>
+          <a:ln w="28575" cmpd="sng">
+            <a:tailEnd type="arrow"/>
+          </a:ln>
+          <a:effectLst/>
+        </p:spPr>
+        <p:style>
+          <a:lnRef idx="2">
+            <a:schemeClr val="dk1"/>
+          </a:lnRef>
+          <a:fillRef idx="0">
+            <a:schemeClr val="dk1"/>
+          </a:fillRef>
+          <a:effectRef idx="1">
+            <a:schemeClr val="dk1"/>
+          </a:effectRef>
+          <a:fontRef idx="minor">
+            <a:schemeClr val="tx1"/>
+          </a:fontRef>
+        </p:style>
+      </p:cxnSp>
+      <p:sp>
+        <p:nvSpPr>
+          <p:cNvPr id="20" name="TextBox 19"/>
+          <p:cNvSpPr txBox="1"/>
+          <p:nvPr/>
+        </p:nvSpPr>
+        <p:spPr>
+          <a:xfrm>
+            <a:off x="2329242" y="1763675"/>
+            <a:ext cx="399142" cy="369332"/>
+          </a:xfrm>
+          <a:prstGeom prst="rect">
+            <a:avLst/>
+          </a:prstGeom>
+          <a:noFill/>
+        </p:spPr>
+        <p:txBody>
+          <a:bodyPr wrap="square" rtlCol="0">
+            <a:spAutoFit/>
+          </a:bodyPr>
+          <a:lstStyle/>
+          <a:p>
+            <a:r>
+              <a:rPr lang="en-US" dirty="0" smtClean="0"/>
+              <a:t>a</a:t>
+            </a:r>
+            <a:endParaRPr lang="en-US" baseline="-25000" dirty="0"/>
+          </a:p>
+        </p:txBody>
+      </p:sp>
+      <p:grpSp>
+        <p:nvGrpSpPr>
+          <p:cNvPr id="21" name="Group 20"/>
+          <p:cNvGrpSpPr/>
+          <p:nvPr/>
+        </p:nvGrpSpPr>
+        <p:grpSpPr>
+          <a:xfrm>
+            <a:off x="1137812" y="2216670"/>
+            <a:ext cx="686793" cy="650638"/>
+            <a:chOff x="1137812" y="2216670"/>
+            <a:chExt cx="686793" cy="650638"/>
+          </a:xfrm>
+        </p:grpSpPr>
+        <p:sp>
+          <p:nvSpPr>
+            <p:cNvPr id="22" name="TextBox 21"/>
+            <p:cNvSpPr txBox="1"/>
+            <p:nvPr/>
+          </p:nvSpPr>
+          <p:spPr>
+            <a:xfrm>
+              <a:off x="1425463" y="2528754"/>
+              <a:ext cx="399142" cy="338554"/>
+            </a:xfrm>
+            <a:prstGeom prst="rect">
+              <a:avLst/>
+            </a:prstGeom>
+            <a:noFill/>
+          </p:spPr>
+          <p:txBody>
+            <a:bodyPr wrap="square" rtlCol="0">
+              <a:spAutoFit/>
+            </a:bodyPr>
+            <a:lstStyle/>
+            <a:p>
+              <a:r>
+                <a:rPr lang="en-US" sz="1600" dirty="0" smtClean="0"/>
+                <a:t>x</a:t>
+              </a:r>
+              <a:endParaRPr lang="en-US" sz="1600" baseline="-25000" dirty="0"/>
+            </a:p>
+          </p:txBody>
+        </p:sp>
+        <p:sp>
+          <p:nvSpPr>
+            <p:cNvPr id="23" name="TextBox 22"/>
+            <p:cNvSpPr txBox="1"/>
+            <p:nvPr/>
+          </p:nvSpPr>
+          <p:spPr>
+            <a:xfrm>
+              <a:off x="1137812" y="2216670"/>
+              <a:ext cx="399142" cy="338554"/>
+            </a:xfrm>
+            <a:prstGeom prst="rect">
+              <a:avLst/>
+            </a:prstGeom>
+            <a:noFill/>
+          </p:spPr>
+          <p:txBody>
+            <a:bodyPr wrap="square" rtlCol="0">
+              <a:spAutoFit/>
+            </a:bodyPr>
+            <a:lstStyle/>
+            <a:p>
+              <a:r>
+                <a:rPr lang="en-US" sz="1600" dirty="0" smtClean="0"/>
+                <a:t>y</a:t>
+              </a:r>
+              <a:endParaRPr lang="en-US" sz="1600" baseline="-25000" dirty="0"/>
+            </a:p>
+          </p:txBody>
+        </p:sp>
+      </p:grpSp>
+    </p:spTree>
+    <p:extLst>
+      <p:ext uri="{BB962C8B-B14F-4D97-AF65-F5344CB8AC3E}">
+        <p14:creationId xmlns:p14="http://schemas.microsoft.com/office/powerpoint/2010/main" val="4013531775"/>
+      </p:ext>
+    </p:extLst>
+  </p:cSld>
+  <p:clrMapOvr>
+    <a:masterClrMapping/>
+  </p:clrMapOvr>
+</p:sld>
+</file>
+
+<file path=ppt/slides/slide7.xml><?xml version="1.0" encoding="utf-8"?>
 <p:sld xmlns:a="http://schemas.openxmlformats.org/drawingml/2006/main" xmlns:r="http://schemas.openxmlformats.org/officeDocument/2006/relationships" xmlns:p="http://schemas.openxmlformats.org/presentationml/2006/main">
   <p:cSld>
     <p:spTree>
@@ -23587,7 +25749,7 @@
 </p:sld>
 </file>
 
-<file path=ppt/slides/slide7.xml><?xml version="1.0" encoding="utf-8"?>
+<file path=ppt/slides/slide8.xml><?xml version="1.0" encoding="utf-8"?>
 <p:sld xmlns:a="http://schemas.openxmlformats.org/drawingml/2006/main" xmlns:r="http://schemas.openxmlformats.org/officeDocument/2006/relationships" xmlns:p="http://schemas.openxmlformats.org/presentationml/2006/main">
   <p:cSld>
     <p:spTree>
@@ -24495,9 +26657,7 @@
             </a:prstGeom>
             <a:ln w="19050" cmpd="sng">
               <a:solidFill>
-                <a:schemeClr val="bg1">
-                  <a:lumMod val="95000"/>
-                </a:schemeClr>
+                <a:srgbClr val="000000"/>
               </a:solidFill>
               <a:prstDash val="dash"/>
               <a:headEnd type="none"/>
@@ -24575,9 +26735,7 @@
             </a:prstGeom>
             <a:ln w="19050" cmpd="sng">
               <a:solidFill>
-                <a:schemeClr val="bg1">
-                  <a:lumMod val="95000"/>
-                </a:schemeClr>
+                <a:srgbClr val="000000"/>
               </a:solidFill>
               <a:prstDash val="dash"/>
               <a:tailEnd type="arrow"/>
@@ -24648,7 +26806,7 @@
 </p:sld>
 </file>
 
-<file path=ppt/slides/slide8.xml><?xml version="1.0" encoding="utf-8"?>
+<file path=ppt/slides/slide9.xml><?xml version="1.0" encoding="utf-8"?>
 <p:sld xmlns:a="http://schemas.openxmlformats.org/drawingml/2006/main" xmlns:r="http://schemas.openxmlformats.org/officeDocument/2006/relationships" xmlns:p="http://schemas.openxmlformats.org/presentationml/2006/main">
   <p:cSld>
     <p:spTree>
@@ -25383,1459 +27541,6 @@
     <p:extLst>
       <p:ext uri="{BB962C8B-B14F-4D97-AF65-F5344CB8AC3E}">
         <p14:creationId xmlns:p14="http://schemas.microsoft.com/office/powerpoint/2010/main" val="4271382292"/>
-      </p:ext>
-    </p:extLst>
-  </p:cSld>
-  <p:clrMapOvr>
-    <a:masterClrMapping/>
-  </p:clrMapOvr>
-</p:sld>
-</file>
-
-<file path=ppt/slides/slide9.xml><?xml version="1.0" encoding="utf-8"?>
-<p:sld xmlns:a="http://schemas.openxmlformats.org/drawingml/2006/main" xmlns:r="http://schemas.openxmlformats.org/officeDocument/2006/relationships" xmlns:p="http://schemas.openxmlformats.org/presentationml/2006/main">
-  <p:cSld>
-    <p:spTree>
-      <p:nvGrpSpPr>
-        <p:cNvPr id="1" name=""/>
-        <p:cNvGrpSpPr/>
-        <p:nvPr/>
-      </p:nvGrpSpPr>
-      <p:grpSpPr>
-        <a:xfrm>
-          <a:off x="0" y="0"/>
-          <a:ext cx="0" cy="0"/>
-          <a:chOff x="0" y="0"/>
-          <a:chExt cx="0" cy="0"/>
-        </a:xfrm>
-      </p:grpSpPr>
-      <p:sp>
-        <p:nvSpPr>
-          <p:cNvPr id="2" name="Freeform 1"/>
-          <p:cNvSpPr/>
-          <p:nvPr/>
-        </p:nvSpPr>
-        <p:spPr>
-          <a:xfrm rot="20905797">
-            <a:off x="2096303" y="512967"/>
-            <a:ext cx="3767081" cy="1961463"/>
-          </a:xfrm>
-          <a:custGeom>
-            <a:avLst/>
-            <a:gdLst>
-              <a:gd name="connsiteX0" fmla="*/ 0 w 3009516"/>
-              <a:gd name="connsiteY0" fmla="*/ 638849 h 1585576"/>
-              <a:gd name="connsiteX1" fmla="*/ 284788 w 3009516"/>
-              <a:gd name="connsiteY1" fmla="*/ 0 h 1585576"/>
-              <a:gd name="connsiteX2" fmla="*/ 569576 w 3009516"/>
-              <a:gd name="connsiteY2" fmla="*/ 307879 h 1585576"/>
-              <a:gd name="connsiteX3" fmla="*/ 3009516 w 3009516"/>
-              <a:gd name="connsiteY3" fmla="*/ 815879 h 1585576"/>
-              <a:gd name="connsiteX4" fmla="*/ 2709334 w 3009516"/>
-              <a:gd name="connsiteY4" fmla="*/ 1585576 h 1585576"/>
-              <a:gd name="connsiteX5" fmla="*/ 53879 w 3009516"/>
-              <a:gd name="connsiteY5" fmla="*/ 1239212 h 1585576"/>
-              <a:gd name="connsiteX6" fmla="*/ 0 w 3009516"/>
-              <a:gd name="connsiteY6" fmla="*/ 638849 h 1585576"/>
-              <a:gd name="connsiteX0" fmla="*/ 0 w 3009516"/>
-              <a:gd name="connsiteY0" fmla="*/ 638849 h 1585576"/>
-              <a:gd name="connsiteX1" fmla="*/ 284788 w 3009516"/>
-              <a:gd name="connsiteY1" fmla="*/ 0 h 1585576"/>
-              <a:gd name="connsiteX2" fmla="*/ 569576 w 3009516"/>
-              <a:gd name="connsiteY2" fmla="*/ 307879 h 1585576"/>
-              <a:gd name="connsiteX3" fmla="*/ 3009516 w 3009516"/>
-              <a:gd name="connsiteY3" fmla="*/ 815879 h 1585576"/>
-              <a:gd name="connsiteX4" fmla="*/ 2709334 w 3009516"/>
-              <a:gd name="connsiteY4" fmla="*/ 1585576 h 1585576"/>
-              <a:gd name="connsiteX5" fmla="*/ 635975 w 3009516"/>
-              <a:gd name="connsiteY5" fmla="*/ 962217 h 1585576"/>
-              <a:gd name="connsiteX6" fmla="*/ 0 w 3009516"/>
-              <a:gd name="connsiteY6" fmla="*/ 638849 h 1585576"/>
-              <a:gd name="connsiteX0" fmla="*/ 8417 w 2724728"/>
-              <a:gd name="connsiteY0" fmla="*/ 632827 h 1585576"/>
-              <a:gd name="connsiteX1" fmla="*/ 0 w 2724728"/>
-              <a:gd name="connsiteY1" fmla="*/ 0 h 1585576"/>
-              <a:gd name="connsiteX2" fmla="*/ 284788 w 2724728"/>
-              <a:gd name="connsiteY2" fmla="*/ 307879 h 1585576"/>
-              <a:gd name="connsiteX3" fmla="*/ 2724728 w 2724728"/>
-              <a:gd name="connsiteY3" fmla="*/ 815879 h 1585576"/>
-              <a:gd name="connsiteX4" fmla="*/ 2424546 w 2724728"/>
-              <a:gd name="connsiteY4" fmla="*/ 1585576 h 1585576"/>
-              <a:gd name="connsiteX5" fmla="*/ 351187 w 2724728"/>
-              <a:gd name="connsiteY5" fmla="*/ 962217 h 1585576"/>
-              <a:gd name="connsiteX6" fmla="*/ 8417 w 2724728"/>
-              <a:gd name="connsiteY6" fmla="*/ 632827 h 1585576"/>
-              <a:gd name="connsiteX0" fmla="*/ 8417 w 2724728"/>
-              <a:gd name="connsiteY0" fmla="*/ 632827 h 1177063"/>
-              <a:gd name="connsiteX1" fmla="*/ 0 w 2724728"/>
-              <a:gd name="connsiteY1" fmla="*/ 0 h 1177063"/>
-              <a:gd name="connsiteX2" fmla="*/ 284788 w 2724728"/>
-              <a:gd name="connsiteY2" fmla="*/ 307879 h 1177063"/>
-              <a:gd name="connsiteX3" fmla="*/ 2724728 w 2724728"/>
-              <a:gd name="connsiteY3" fmla="*/ 815879 h 1177063"/>
-              <a:gd name="connsiteX4" fmla="*/ 1482487 w 2724728"/>
-              <a:gd name="connsiteY4" fmla="*/ 1177063 h 1177063"/>
-              <a:gd name="connsiteX5" fmla="*/ 351187 w 2724728"/>
-              <a:gd name="connsiteY5" fmla="*/ 962217 h 1177063"/>
-              <a:gd name="connsiteX6" fmla="*/ 8417 w 2724728"/>
-              <a:gd name="connsiteY6" fmla="*/ 632827 h 1177063"/>
-              <a:gd name="connsiteX0" fmla="*/ 8417 w 2260604"/>
-              <a:gd name="connsiteY0" fmla="*/ 632827 h 1177063"/>
-              <a:gd name="connsiteX1" fmla="*/ 0 w 2260604"/>
-              <a:gd name="connsiteY1" fmla="*/ 0 h 1177063"/>
-              <a:gd name="connsiteX2" fmla="*/ 284788 w 2260604"/>
-              <a:gd name="connsiteY2" fmla="*/ 307879 h 1177063"/>
-              <a:gd name="connsiteX3" fmla="*/ 2260604 w 2260604"/>
-              <a:gd name="connsiteY3" fmla="*/ 720860 h 1177063"/>
-              <a:gd name="connsiteX4" fmla="*/ 1482487 w 2260604"/>
-              <a:gd name="connsiteY4" fmla="*/ 1177063 h 1177063"/>
-              <a:gd name="connsiteX5" fmla="*/ 351187 w 2260604"/>
-              <a:gd name="connsiteY5" fmla="*/ 962217 h 1177063"/>
-              <a:gd name="connsiteX6" fmla="*/ 8417 w 2260604"/>
-              <a:gd name="connsiteY6" fmla="*/ 632827 h 1177063"/>
-            </a:gdLst>
-            <a:ahLst/>
-            <a:cxnLst>
-              <a:cxn ang="0">
-                <a:pos x="connsiteX0" y="connsiteY0"/>
-              </a:cxn>
-              <a:cxn ang="0">
-                <a:pos x="connsiteX1" y="connsiteY1"/>
-              </a:cxn>
-              <a:cxn ang="0">
-                <a:pos x="connsiteX2" y="connsiteY2"/>
-              </a:cxn>
-              <a:cxn ang="0">
-                <a:pos x="connsiteX3" y="connsiteY3"/>
-              </a:cxn>
-              <a:cxn ang="0">
-                <a:pos x="connsiteX4" y="connsiteY4"/>
-              </a:cxn>
-              <a:cxn ang="0">
-                <a:pos x="connsiteX5" y="connsiteY5"/>
-              </a:cxn>
-              <a:cxn ang="0">
-                <a:pos x="connsiteX6" y="connsiteY6"/>
-              </a:cxn>
-            </a:cxnLst>
-            <a:rect l="l" t="t" r="r" b="b"/>
-            <a:pathLst>
-              <a:path w="2260604" h="1177063">
-                <a:moveTo>
-                  <a:pt x="8417" y="632827"/>
-                </a:moveTo>
-                <a:lnTo>
-                  <a:pt x="0" y="0"/>
-                </a:lnTo>
-                <a:lnTo>
-                  <a:pt x="284788" y="307879"/>
-                </a:lnTo>
-                <a:lnTo>
-                  <a:pt x="2260604" y="720860"/>
-                </a:lnTo>
-                <a:lnTo>
-                  <a:pt x="1482487" y="1177063"/>
-                </a:lnTo>
-                <a:lnTo>
-                  <a:pt x="351187" y="962217"/>
-                </a:lnTo>
-                <a:lnTo>
-                  <a:pt x="8417" y="632827"/>
-                </a:lnTo>
-                <a:close/>
-              </a:path>
-            </a:pathLst>
-          </a:custGeom>
-        </p:spPr>
-        <p:style>
-          <a:lnRef idx="1">
-            <a:schemeClr val="accent1"/>
-          </a:lnRef>
-          <a:fillRef idx="3">
-            <a:schemeClr val="accent1"/>
-          </a:fillRef>
-          <a:effectRef idx="2">
-            <a:schemeClr val="accent1"/>
-          </a:effectRef>
-          <a:fontRef idx="minor">
-            <a:schemeClr val="lt1"/>
-          </a:fontRef>
-        </p:style>
-        <p:txBody>
-          <a:bodyPr rtlCol="0" anchor="ctr"/>
-          <a:lstStyle/>
-          <a:p>
-            <a:pPr algn="ctr"/>
-            <a:endParaRPr lang="en-US"/>
-          </a:p>
-        </p:txBody>
-      </p:sp>
-      <p:sp>
-        <p:nvSpPr>
-          <p:cNvPr id="3" name="Freeform 2"/>
-          <p:cNvSpPr/>
-          <p:nvPr/>
-        </p:nvSpPr>
-        <p:spPr>
-          <a:xfrm rot="19924700">
-            <a:off x="2964956" y="531568"/>
-            <a:ext cx="1952672" cy="1327460"/>
-          </a:xfrm>
-          <a:custGeom>
-            <a:avLst/>
-            <a:gdLst>
-              <a:gd name="connsiteX0" fmla="*/ 0 w 1963352"/>
-              <a:gd name="connsiteY0" fmla="*/ 0 h 1091513"/>
-              <a:gd name="connsiteX1" fmla="*/ 411892 w 1963352"/>
-              <a:gd name="connsiteY1" fmla="*/ 1091513 h 1091513"/>
-              <a:gd name="connsiteX2" fmla="*/ 1963352 w 1963352"/>
-              <a:gd name="connsiteY2" fmla="*/ 659027 h 1091513"/>
-              <a:gd name="connsiteX0" fmla="*/ 0 w 1963352"/>
-              <a:gd name="connsiteY0" fmla="*/ 0 h 899297"/>
-              <a:gd name="connsiteX1" fmla="*/ 597244 w 1963352"/>
-              <a:gd name="connsiteY1" fmla="*/ 899297 h 899297"/>
-              <a:gd name="connsiteX2" fmla="*/ 1963352 w 1963352"/>
-              <a:gd name="connsiteY2" fmla="*/ 659027 h 899297"/>
-              <a:gd name="connsiteX0" fmla="*/ 0 w 1963352"/>
-              <a:gd name="connsiteY0" fmla="*/ 49260 h 948557"/>
-              <a:gd name="connsiteX1" fmla="*/ 597244 w 1963352"/>
-              <a:gd name="connsiteY1" fmla="*/ 948557 h 948557"/>
-              <a:gd name="connsiteX2" fmla="*/ 1963352 w 1963352"/>
-              <a:gd name="connsiteY2" fmla="*/ 708287 h 948557"/>
-              <a:gd name="connsiteX0" fmla="*/ 0 w 1963352"/>
-              <a:gd name="connsiteY0" fmla="*/ 40865 h 1159838"/>
-              <a:gd name="connsiteX1" fmla="*/ 425622 w 1963352"/>
-              <a:gd name="connsiteY1" fmla="*/ 1159838 h 1159838"/>
-              <a:gd name="connsiteX2" fmla="*/ 1963352 w 1963352"/>
-              <a:gd name="connsiteY2" fmla="*/ 699892 h 1159838"/>
-              <a:gd name="connsiteX0" fmla="*/ 0 w 1963352"/>
-              <a:gd name="connsiteY0" fmla="*/ 42611 h 1161584"/>
-              <a:gd name="connsiteX1" fmla="*/ 425622 w 1963352"/>
-              <a:gd name="connsiteY1" fmla="*/ 1161584 h 1161584"/>
-              <a:gd name="connsiteX2" fmla="*/ 1963352 w 1963352"/>
-              <a:gd name="connsiteY2" fmla="*/ 701638 h 1161584"/>
-              <a:gd name="connsiteX0" fmla="*/ 0 w 1963352"/>
-              <a:gd name="connsiteY0" fmla="*/ 42611 h 1161584"/>
-              <a:gd name="connsiteX1" fmla="*/ 425622 w 1963352"/>
-              <a:gd name="connsiteY1" fmla="*/ 1161584 h 1161584"/>
-              <a:gd name="connsiteX2" fmla="*/ 1963352 w 1963352"/>
-              <a:gd name="connsiteY2" fmla="*/ 701638 h 1161584"/>
-              <a:gd name="connsiteX0" fmla="*/ 0 w 1894703"/>
-              <a:gd name="connsiteY0" fmla="*/ 42611 h 1772567"/>
-              <a:gd name="connsiteX1" fmla="*/ 425622 w 1894703"/>
-              <a:gd name="connsiteY1" fmla="*/ 1161584 h 1772567"/>
-              <a:gd name="connsiteX2" fmla="*/ 1894703 w 1894703"/>
-              <a:gd name="connsiteY2" fmla="*/ 1751962 h 1772567"/>
-              <a:gd name="connsiteX0" fmla="*/ 0 w 1894703"/>
-              <a:gd name="connsiteY0" fmla="*/ 42611 h 1751962"/>
-              <a:gd name="connsiteX1" fmla="*/ 425622 w 1894703"/>
-              <a:gd name="connsiteY1" fmla="*/ 1161584 h 1751962"/>
-              <a:gd name="connsiteX2" fmla="*/ 1894703 w 1894703"/>
-              <a:gd name="connsiteY2" fmla="*/ 1751962 h 1751962"/>
-              <a:gd name="connsiteX0" fmla="*/ 0 w 1894703"/>
-              <a:gd name="connsiteY0" fmla="*/ 42611 h 1751962"/>
-              <a:gd name="connsiteX1" fmla="*/ 425622 w 1894703"/>
-              <a:gd name="connsiteY1" fmla="*/ 1161584 h 1751962"/>
-              <a:gd name="connsiteX2" fmla="*/ 1894703 w 1894703"/>
-              <a:gd name="connsiteY2" fmla="*/ 1751962 h 1751962"/>
-              <a:gd name="connsiteX0" fmla="*/ 0 w 1894703"/>
-              <a:gd name="connsiteY0" fmla="*/ 38541 h 1747892"/>
-              <a:gd name="connsiteX1" fmla="*/ 638433 w 1894703"/>
-              <a:gd name="connsiteY1" fmla="*/ 1287946 h 1747892"/>
-              <a:gd name="connsiteX2" fmla="*/ 1894703 w 1894703"/>
-              <a:gd name="connsiteY2" fmla="*/ 1747892 h 1747892"/>
-              <a:gd name="connsiteX0" fmla="*/ 0 w 1894703"/>
-              <a:gd name="connsiteY0" fmla="*/ 38354 h 1747705"/>
-              <a:gd name="connsiteX1" fmla="*/ 638433 w 1894703"/>
-              <a:gd name="connsiteY1" fmla="*/ 1287759 h 1747705"/>
-              <a:gd name="connsiteX2" fmla="*/ 1894703 w 1894703"/>
-              <a:gd name="connsiteY2" fmla="*/ 1747705 h 1747705"/>
-              <a:gd name="connsiteX0" fmla="*/ 0 w 1894703"/>
-              <a:gd name="connsiteY0" fmla="*/ 38354 h 1747705"/>
-              <a:gd name="connsiteX1" fmla="*/ 638433 w 1894703"/>
-              <a:gd name="connsiteY1" fmla="*/ 1287759 h 1747705"/>
-              <a:gd name="connsiteX2" fmla="*/ 1894703 w 1894703"/>
-              <a:gd name="connsiteY2" fmla="*/ 1747705 h 1747705"/>
-              <a:gd name="connsiteX0" fmla="*/ 0 w 1894703"/>
-              <a:gd name="connsiteY0" fmla="*/ 0 h 1709351"/>
-              <a:gd name="connsiteX1" fmla="*/ 638433 w 1894703"/>
-              <a:gd name="connsiteY1" fmla="*/ 1249405 h 1709351"/>
-              <a:gd name="connsiteX2" fmla="*/ 1894703 w 1894703"/>
-              <a:gd name="connsiteY2" fmla="*/ 1709351 h 1709351"/>
-              <a:gd name="connsiteX0" fmla="*/ 0 w 1894703"/>
-              <a:gd name="connsiteY0" fmla="*/ 0 h 1709351"/>
-              <a:gd name="connsiteX1" fmla="*/ 377568 w 1894703"/>
-              <a:gd name="connsiteY1" fmla="*/ 343243 h 1709351"/>
-              <a:gd name="connsiteX2" fmla="*/ 1894703 w 1894703"/>
-              <a:gd name="connsiteY2" fmla="*/ 1709351 h 1709351"/>
-              <a:gd name="connsiteX0" fmla="*/ 0 w 1894703"/>
-              <a:gd name="connsiteY0" fmla="*/ 0 h 1709351"/>
-              <a:gd name="connsiteX1" fmla="*/ 377568 w 1894703"/>
-              <a:gd name="connsiteY1" fmla="*/ 343243 h 1709351"/>
-              <a:gd name="connsiteX2" fmla="*/ 1894703 w 1894703"/>
-              <a:gd name="connsiteY2" fmla="*/ 1709351 h 1709351"/>
-              <a:gd name="connsiteX0" fmla="*/ 0 w 1894703"/>
-              <a:gd name="connsiteY0" fmla="*/ 0 h 1709351"/>
-              <a:gd name="connsiteX1" fmla="*/ 377568 w 1894703"/>
-              <a:gd name="connsiteY1" fmla="*/ 343243 h 1709351"/>
-              <a:gd name="connsiteX2" fmla="*/ 1894703 w 1894703"/>
-              <a:gd name="connsiteY2" fmla="*/ 1709351 h 1709351"/>
-              <a:gd name="connsiteX0" fmla="*/ 0 w 1894703"/>
-              <a:gd name="connsiteY0" fmla="*/ 0 h 1709351"/>
-              <a:gd name="connsiteX1" fmla="*/ 377568 w 1894703"/>
-              <a:gd name="connsiteY1" fmla="*/ 343243 h 1709351"/>
-              <a:gd name="connsiteX2" fmla="*/ 775523 w 1894703"/>
-              <a:gd name="connsiteY2" fmla="*/ 556053 h 1709351"/>
-              <a:gd name="connsiteX3" fmla="*/ 1894703 w 1894703"/>
-              <a:gd name="connsiteY3" fmla="*/ 1709351 h 1709351"/>
-              <a:gd name="connsiteX0" fmla="*/ 0 w 1894703"/>
-              <a:gd name="connsiteY0" fmla="*/ 0 h 1709351"/>
-              <a:gd name="connsiteX1" fmla="*/ 377568 w 1894703"/>
-              <a:gd name="connsiteY1" fmla="*/ 343243 h 1709351"/>
-              <a:gd name="connsiteX2" fmla="*/ 775523 w 1894703"/>
-              <a:gd name="connsiteY2" fmla="*/ 556053 h 1709351"/>
-              <a:gd name="connsiteX3" fmla="*/ 1894703 w 1894703"/>
-              <a:gd name="connsiteY3" fmla="*/ 1709351 h 1709351"/>
-              <a:gd name="connsiteX0" fmla="*/ 0 w 1970217"/>
-              <a:gd name="connsiteY0" fmla="*/ 0 h 1256270"/>
-              <a:gd name="connsiteX1" fmla="*/ 377568 w 1970217"/>
-              <a:gd name="connsiteY1" fmla="*/ 343243 h 1256270"/>
-              <a:gd name="connsiteX2" fmla="*/ 775523 w 1970217"/>
-              <a:gd name="connsiteY2" fmla="*/ 556053 h 1256270"/>
-              <a:gd name="connsiteX3" fmla="*/ 1970217 w 1970217"/>
-              <a:gd name="connsiteY3" fmla="*/ 1256270 h 1256270"/>
-              <a:gd name="connsiteX0" fmla="*/ 0 w 1970217"/>
-              <a:gd name="connsiteY0" fmla="*/ 0 h 1256270"/>
-              <a:gd name="connsiteX1" fmla="*/ 377568 w 1970217"/>
-              <a:gd name="connsiteY1" fmla="*/ 343243 h 1256270"/>
-              <a:gd name="connsiteX2" fmla="*/ 775523 w 1970217"/>
-              <a:gd name="connsiteY2" fmla="*/ 556053 h 1256270"/>
-              <a:gd name="connsiteX3" fmla="*/ 1970217 w 1970217"/>
-              <a:gd name="connsiteY3" fmla="*/ 1256270 h 1256270"/>
-              <a:gd name="connsiteX0" fmla="*/ 0 w 1970217"/>
-              <a:gd name="connsiteY0" fmla="*/ 0 h 1256270"/>
-              <a:gd name="connsiteX1" fmla="*/ 377568 w 1970217"/>
-              <a:gd name="connsiteY1" fmla="*/ 343243 h 1256270"/>
-              <a:gd name="connsiteX2" fmla="*/ 775523 w 1970217"/>
-              <a:gd name="connsiteY2" fmla="*/ 556053 h 1256270"/>
-              <a:gd name="connsiteX3" fmla="*/ 1970217 w 1970217"/>
-              <a:gd name="connsiteY3" fmla="*/ 1256270 h 1256270"/>
-              <a:gd name="connsiteX0" fmla="*/ 0 w 1997676"/>
-              <a:gd name="connsiteY0" fmla="*/ 0 h 1242540"/>
-              <a:gd name="connsiteX1" fmla="*/ 377568 w 1997676"/>
-              <a:gd name="connsiteY1" fmla="*/ 343243 h 1242540"/>
-              <a:gd name="connsiteX2" fmla="*/ 775523 w 1997676"/>
-              <a:gd name="connsiteY2" fmla="*/ 556053 h 1242540"/>
-              <a:gd name="connsiteX3" fmla="*/ 1997676 w 1997676"/>
-              <a:gd name="connsiteY3" fmla="*/ 1242540 h 1242540"/>
-              <a:gd name="connsiteX0" fmla="*/ 0 w 1952672"/>
-              <a:gd name="connsiteY0" fmla="*/ 0 h 1327460"/>
-              <a:gd name="connsiteX1" fmla="*/ 377568 w 1952672"/>
-              <a:gd name="connsiteY1" fmla="*/ 343243 h 1327460"/>
-              <a:gd name="connsiteX2" fmla="*/ 775523 w 1952672"/>
-              <a:gd name="connsiteY2" fmla="*/ 556053 h 1327460"/>
-              <a:gd name="connsiteX3" fmla="*/ 1952672 w 1952672"/>
-              <a:gd name="connsiteY3" fmla="*/ 1327460 h 1327460"/>
-              <a:gd name="connsiteX0" fmla="*/ 0 w 1952672"/>
-              <a:gd name="connsiteY0" fmla="*/ 0 h 1327460"/>
-              <a:gd name="connsiteX1" fmla="*/ 377568 w 1952672"/>
-              <a:gd name="connsiteY1" fmla="*/ 343243 h 1327460"/>
-              <a:gd name="connsiteX2" fmla="*/ 775523 w 1952672"/>
-              <a:gd name="connsiteY2" fmla="*/ 556053 h 1327460"/>
-              <a:gd name="connsiteX3" fmla="*/ 1952672 w 1952672"/>
-              <a:gd name="connsiteY3" fmla="*/ 1327460 h 1327460"/>
-              <a:gd name="connsiteX0" fmla="*/ 0 w 1952672"/>
-              <a:gd name="connsiteY0" fmla="*/ 0 h 1327460"/>
-              <a:gd name="connsiteX1" fmla="*/ 377568 w 1952672"/>
-              <a:gd name="connsiteY1" fmla="*/ 343243 h 1327460"/>
-              <a:gd name="connsiteX2" fmla="*/ 702314 w 1952672"/>
-              <a:gd name="connsiteY2" fmla="*/ 664872 h 1327460"/>
-              <a:gd name="connsiteX3" fmla="*/ 1952672 w 1952672"/>
-              <a:gd name="connsiteY3" fmla="*/ 1327460 h 1327460"/>
-              <a:gd name="connsiteX0" fmla="*/ 0 w 1952672"/>
-              <a:gd name="connsiteY0" fmla="*/ 0 h 1327460"/>
-              <a:gd name="connsiteX1" fmla="*/ 377568 w 1952672"/>
-              <a:gd name="connsiteY1" fmla="*/ 343243 h 1327460"/>
-              <a:gd name="connsiteX2" fmla="*/ 702314 w 1952672"/>
-              <a:gd name="connsiteY2" fmla="*/ 664872 h 1327460"/>
-              <a:gd name="connsiteX3" fmla="*/ 1952672 w 1952672"/>
-              <a:gd name="connsiteY3" fmla="*/ 1327460 h 1327460"/>
-              <a:gd name="connsiteX0" fmla="*/ 0 w 1952672"/>
-              <a:gd name="connsiteY0" fmla="*/ 0 h 1327460"/>
-              <a:gd name="connsiteX1" fmla="*/ 329350 w 1952672"/>
-              <a:gd name="connsiteY1" fmla="*/ 434228 h 1327460"/>
-              <a:gd name="connsiteX2" fmla="*/ 702314 w 1952672"/>
-              <a:gd name="connsiteY2" fmla="*/ 664872 h 1327460"/>
-              <a:gd name="connsiteX3" fmla="*/ 1952672 w 1952672"/>
-              <a:gd name="connsiteY3" fmla="*/ 1327460 h 1327460"/>
-              <a:gd name="connsiteX0" fmla="*/ 0 w 1952672"/>
-              <a:gd name="connsiteY0" fmla="*/ 0 h 1327460"/>
-              <a:gd name="connsiteX1" fmla="*/ 329350 w 1952672"/>
-              <a:gd name="connsiteY1" fmla="*/ 434228 h 1327460"/>
-              <a:gd name="connsiteX2" fmla="*/ 702314 w 1952672"/>
-              <a:gd name="connsiteY2" fmla="*/ 664872 h 1327460"/>
-              <a:gd name="connsiteX3" fmla="*/ 1952672 w 1952672"/>
-              <a:gd name="connsiteY3" fmla="*/ 1327460 h 1327460"/>
-              <a:gd name="connsiteX0" fmla="*/ 0 w 1952672"/>
-              <a:gd name="connsiteY0" fmla="*/ 0 h 1327460"/>
-              <a:gd name="connsiteX1" fmla="*/ 316491 w 1952672"/>
-              <a:gd name="connsiteY1" fmla="*/ 458491 h 1327460"/>
-              <a:gd name="connsiteX2" fmla="*/ 702314 w 1952672"/>
-              <a:gd name="connsiteY2" fmla="*/ 664872 h 1327460"/>
-              <a:gd name="connsiteX3" fmla="*/ 1952672 w 1952672"/>
-              <a:gd name="connsiteY3" fmla="*/ 1327460 h 1327460"/>
-              <a:gd name="connsiteX0" fmla="*/ 0 w 1952672"/>
-              <a:gd name="connsiteY0" fmla="*/ 0 h 1327460"/>
-              <a:gd name="connsiteX1" fmla="*/ 316491 w 1952672"/>
-              <a:gd name="connsiteY1" fmla="*/ 458491 h 1327460"/>
-              <a:gd name="connsiteX2" fmla="*/ 702314 w 1952672"/>
-              <a:gd name="connsiteY2" fmla="*/ 664872 h 1327460"/>
-              <a:gd name="connsiteX3" fmla="*/ 1952672 w 1952672"/>
-              <a:gd name="connsiteY3" fmla="*/ 1327460 h 1327460"/>
-            </a:gdLst>
-            <a:ahLst/>
-            <a:cxnLst>
-              <a:cxn ang="0">
-                <a:pos x="connsiteX0" y="connsiteY0"/>
-              </a:cxn>
-              <a:cxn ang="0">
-                <a:pos x="connsiteX1" y="connsiteY1"/>
-              </a:cxn>
-              <a:cxn ang="0">
-                <a:pos x="connsiteX2" y="connsiteY2"/>
-              </a:cxn>
-              <a:cxn ang="0">
-                <a:pos x="connsiteX3" y="connsiteY3"/>
-              </a:cxn>
-            </a:cxnLst>
-            <a:rect l="l" t="t" r="r" b="b"/>
-            <a:pathLst>
-              <a:path w="1952672" h="1327460">
-                <a:moveTo>
-                  <a:pt x="0" y="0"/>
-                </a:moveTo>
-                <a:cubicBezTo>
-                  <a:pt x="171621" y="59495"/>
-                  <a:pt x="275301" y="337212"/>
-                  <a:pt x="316491" y="458491"/>
-                </a:cubicBezTo>
-                <a:cubicBezTo>
-                  <a:pt x="542052" y="412945"/>
-                  <a:pt x="633501" y="544954"/>
-                  <a:pt x="702314" y="664872"/>
-                </a:cubicBezTo>
-                <a:cubicBezTo>
-                  <a:pt x="1059756" y="841336"/>
-                  <a:pt x="1510673" y="1090645"/>
-                  <a:pt x="1952672" y="1327460"/>
-                </a:cubicBezTo>
-              </a:path>
-            </a:pathLst>
-          </a:custGeom>
-          <a:ln>
-            <a:prstDash val="dash"/>
-          </a:ln>
-        </p:spPr>
-        <p:style>
-          <a:lnRef idx="2">
-            <a:schemeClr val="dk1"/>
-          </a:lnRef>
-          <a:fillRef idx="0">
-            <a:schemeClr val="dk1"/>
-          </a:fillRef>
-          <a:effectRef idx="1">
-            <a:schemeClr val="dk1"/>
-          </a:effectRef>
-          <a:fontRef idx="minor">
-            <a:schemeClr val="tx1"/>
-          </a:fontRef>
-        </p:style>
-        <p:txBody>
-          <a:bodyPr rtlCol="0" anchor="ctr"/>
-          <a:lstStyle/>
-          <a:p>
-            <a:pPr algn="ctr"/>
-            <a:endParaRPr lang="en-US"/>
-          </a:p>
-        </p:txBody>
-      </p:sp>
-      <p:sp>
-        <p:nvSpPr>
-          <p:cNvPr id="4" name="Oval 3"/>
-          <p:cNvSpPr/>
-          <p:nvPr/>
-        </p:nvSpPr>
-        <p:spPr>
-          <a:xfrm rot="19918879">
-            <a:off x="2699233" y="1000470"/>
-            <a:ext cx="123151" cy="123151"/>
-          </a:xfrm>
-          <a:prstGeom prst="ellipse">
-            <a:avLst/>
-          </a:prstGeom>
-        </p:spPr>
-        <p:style>
-          <a:lnRef idx="1">
-            <a:schemeClr val="accent2"/>
-          </a:lnRef>
-          <a:fillRef idx="3">
-            <a:schemeClr val="accent2"/>
-          </a:fillRef>
-          <a:effectRef idx="2">
-            <a:schemeClr val="accent2"/>
-          </a:effectRef>
-          <a:fontRef idx="minor">
-            <a:schemeClr val="lt1"/>
-          </a:fontRef>
-        </p:style>
-        <p:txBody>
-          <a:bodyPr rtlCol="0" anchor="ctr"/>
-          <a:lstStyle/>
-          <a:p>
-            <a:pPr algn="ctr"/>
-            <a:endParaRPr lang="en-US"/>
-          </a:p>
-        </p:txBody>
-      </p:sp>
-      <p:cxnSp>
-        <p:nvCxnSpPr>
-          <p:cNvPr id="7" name="Straight Connector 6"/>
-          <p:cNvCxnSpPr/>
-          <p:nvPr/>
-        </p:nvCxnSpPr>
-        <p:spPr>
-          <a:xfrm>
-            <a:off x="2767811" y="1469081"/>
-            <a:ext cx="0" cy="302054"/>
-          </a:xfrm>
-          <a:prstGeom prst="line">
-            <a:avLst/>
-          </a:prstGeom>
-          <a:ln w="12700" cmpd="sng"/>
-          <a:effectLst/>
-        </p:spPr>
-        <p:style>
-          <a:lnRef idx="2">
-            <a:schemeClr val="dk1"/>
-          </a:lnRef>
-          <a:fillRef idx="0">
-            <a:schemeClr val="dk1"/>
-          </a:fillRef>
-          <a:effectRef idx="1">
-            <a:schemeClr val="dk1"/>
-          </a:effectRef>
-          <a:fontRef idx="minor">
-            <a:schemeClr val="tx1"/>
-          </a:fontRef>
-        </p:style>
-      </p:cxnSp>
-      <p:cxnSp>
-        <p:nvCxnSpPr>
-          <p:cNvPr id="8" name="Straight Connector 7"/>
-          <p:cNvCxnSpPr/>
-          <p:nvPr/>
-        </p:nvCxnSpPr>
-        <p:spPr>
-          <a:xfrm flipV="1">
-            <a:off x="3699704" y="1324623"/>
-            <a:ext cx="0" cy="611269"/>
-          </a:xfrm>
-          <a:prstGeom prst="line">
-            <a:avLst/>
-          </a:prstGeom>
-          <a:ln w="19050" cmpd="sng">
-            <a:solidFill>
-              <a:schemeClr val="tx1"/>
-            </a:solidFill>
-            <a:headEnd type="none"/>
-            <a:tailEnd type="arrow"/>
-          </a:ln>
-          <a:effectLst/>
-        </p:spPr>
-        <p:style>
-          <a:lnRef idx="2">
-            <a:schemeClr val="dk1"/>
-          </a:lnRef>
-          <a:fillRef idx="0">
-            <a:schemeClr val="dk1"/>
-          </a:fillRef>
-          <a:effectRef idx="1">
-            <a:schemeClr val="dk1"/>
-          </a:effectRef>
-          <a:fontRef idx="minor">
-            <a:schemeClr val="tx1"/>
-          </a:fontRef>
-        </p:style>
-      </p:cxnSp>
-      <p:cxnSp>
-        <p:nvCxnSpPr>
-          <p:cNvPr id="9" name="Straight Connector 8"/>
-          <p:cNvCxnSpPr/>
-          <p:nvPr/>
-        </p:nvCxnSpPr>
-        <p:spPr>
-          <a:xfrm>
-            <a:off x="5049692" y="1464962"/>
-            <a:ext cx="0" cy="302054"/>
-          </a:xfrm>
-          <a:prstGeom prst="line">
-            <a:avLst/>
-          </a:prstGeom>
-          <a:ln w="12700" cmpd="sng"/>
-          <a:effectLst/>
-        </p:spPr>
-        <p:style>
-          <a:lnRef idx="2">
-            <a:schemeClr val="dk1"/>
-          </a:lnRef>
-          <a:fillRef idx="0">
-            <a:schemeClr val="dk1"/>
-          </a:fillRef>
-          <a:effectRef idx="1">
-            <a:schemeClr val="dk1"/>
-          </a:effectRef>
-          <a:fontRef idx="minor">
-            <a:schemeClr val="tx1"/>
-          </a:fontRef>
-        </p:style>
-      </p:cxnSp>
-      <p:sp>
-        <p:nvSpPr>
-          <p:cNvPr id="10" name="TextBox 9"/>
-          <p:cNvSpPr txBox="1"/>
-          <p:nvPr/>
-        </p:nvSpPr>
-        <p:spPr>
-          <a:xfrm>
-            <a:off x="2823497" y="1469081"/>
-            <a:ext cx="851849" cy="307777"/>
-          </a:xfrm>
-          <a:prstGeom prst="rect">
-            <a:avLst/>
-          </a:prstGeom>
-          <a:noFill/>
-        </p:spPr>
-        <p:txBody>
-          <a:bodyPr wrap="square" rtlCol="0">
-            <a:spAutoFit/>
-          </a:bodyPr>
-          <a:lstStyle/>
-          <a:p>
-            <a:r>
-              <a:rPr lang="en-US" sz="1400" dirty="0" smtClean="0"/>
-              <a:t>Free-Fall</a:t>
-            </a:r>
-            <a:endParaRPr lang="en-US" sz="1400" dirty="0"/>
-          </a:p>
-        </p:txBody>
-      </p:sp>
-      <p:sp>
-        <p:nvSpPr>
-          <p:cNvPr id="11" name="TextBox 10"/>
-          <p:cNvSpPr txBox="1"/>
-          <p:nvPr/>
-        </p:nvSpPr>
-        <p:spPr>
-          <a:xfrm>
-            <a:off x="3985638" y="1470454"/>
-            <a:ext cx="851849" cy="307777"/>
-          </a:xfrm>
-          <a:prstGeom prst="rect">
-            <a:avLst/>
-          </a:prstGeom>
-          <a:noFill/>
-        </p:spPr>
-        <p:txBody>
-          <a:bodyPr wrap="square" rtlCol="0">
-            <a:spAutoFit/>
-          </a:bodyPr>
-          <a:lstStyle/>
-          <a:p>
-            <a:r>
-              <a:rPr lang="en-US" sz="1400" dirty="0" smtClean="0"/>
-              <a:t>Sliding</a:t>
-            </a:r>
-            <a:endParaRPr lang="en-US" sz="1400" dirty="0"/>
-          </a:p>
-        </p:txBody>
-      </p:sp>
-      <p:cxnSp>
-        <p:nvCxnSpPr>
-          <p:cNvPr id="12" name="Straight Connector 11"/>
-          <p:cNvCxnSpPr/>
-          <p:nvPr/>
-        </p:nvCxnSpPr>
-        <p:spPr>
-          <a:xfrm>
-            <a:off x="2767811" y="1470454"/>
-            <a:ext cx="2281881" cy="0"/>
-          </a:xfrm>
-          <a:prstGeom prst="line">
-            <a:avLst/>
-          </a:prstGeom>
-          <a:ln w="12700" cmpd="sng"/>
-          <a:effectLst/>
-        </p:spPr>
-        <p:style>
-          <a:lnRef idx="2">
-            <a:schemeClr val="dk1"/>
-          </a:lnRef>
-          <a:fillRef idx="0">
-            <a:schemeClr val="dk1"/>
-          </a:fillRef>
-          <a:effectRef idx="1">
-            <a:schemeClr val="dk1"/>
-          </a:effectRef>
-          <a:fontRef idx="minor">
-            <a:schemeClr val="tx1"/>
-          </a:fontRef>
-        </p:style>
-      </p:cxnSp>
-      <p:sp>
-        <p:nvSpPr>
-          <p:cNvPr id="18" name="TextBox 17"/>
-          <p:cNvSpPr txBox="1"/>
-          <p:nvPr/>
-        </p:nvSpPr>
-        <p:spPr>
-          <a:xfrm>
-            <a:off x="3227733" y="1931169"/>
-            <a:ext cx="943941" cy="307777"/>
-          </a:xfrm>
-          <a:prstGeom prst="rect">
-            <a:avLst/>
-          </a:prstGeom>
-          <a:noFill/>
-        </p:spPr>
-        <p:txBody>
-          <a:bodyPr wrap="square" rtlCol="0">
-            <a:spAutoFit/>
-          </a:bodyPr>
-          <a:lstStyle/>
-          <a:p>
-            <a:r>
-              <a:rPr lang="en-US" sz="1400" dirty="0" smtClean="0"/>
-              <a:t>Transition</a:t>
-            </a:r>
-            <a:endParaRPr lang="en-US" sz="1400" dirty="0"/>
-          </a:p>
-        </p:txBody>
-      </p:sp>
-      <p:sp>
-        <p:nvSpPr>
-          <p:cNvPr id="26" name="Freeform 25"/>
-          <p:cNvSpPr/>
-          <p:nvPr/>
-        </p:nvSpPr>
-        <p:spPr>
-          <a:xfrm rot="20905797">
-            <a:off x="3217576" y="3221861"/>
-            <a:ext cx="2533891" cy="1678726"/>
-          </a:xfrm>
-          <a:custGeom>
-            <a:avLst/>
-            <a:gdLst>
-              <a:gd name="connsiteX0" fmla="*/ 0 w 3009516"/>
-              <a:gd name="connsiteY0" fmla="*/ 638849 h 1585576"/>
-              <a:gd name="connsiteX1" fmla="*/ 284788 w 3009516"/>
-              <a:gd name="connsiteY1" fmla="*/ 0 h 1585576"/>
-              <a:gd name="connsiteX2" fmla="*/ 569576 w 3009516"/>
-              <a:gd name="connsiteY2" fmla="*/ 307879 h 1585576"/>
-              <a:gd name="connsiteX3" fmla="*/ 3009516 w 3009516"/>
-              <a:gd name="connsiteY3" fmla="*/ 815879 h 1585576"/>
-              <a:gd name="connsiteX4" fmla="*/ 2709334 w 3009516"/>
-              <a:gd name="connsiteY4" fmla="*/ 1585576 h 1585576"/>
-              <a:gd name="connsiteX5" fmla="*/ 53879 w 3009516"/>
-              <a:gd name="connsiteY5" fmla="*/ 1239212 h 1585576"/>
-              <a:gd name="connsiteX6" fmla="*/ 0 w 3009516"/>
-              <a:gd name="connsiteY6" fmla="*/ 638849 h 1585576"/>
-              <a:gd name="connsiteX0" fmla="*/ 0 w 3009516"/>
-              <a:gd name="connsiteY0" fmla="*/ 638849 h 1585576"/>
-              <a:gd name="connsiteX1" fmla="*/ 284788 w 3009516"/>
-              <a:gd name="connsiteY1" fmla="*/ 0 h 1585576"/>
-              <a:gd name="connsiteX2" fmla="*/ 569576 w 3009516"/>
-              <a:gd name="connsiteY2" fmla="*/ 307879 h 1585576"/>
-              <a:gd name="connsiteX3" fmla="*/ 3009516 w 3009516"/>
-              <a:gd name="connsiteY3" fmla="*/ 815879 h 1585576"/>
-              <a:gd name="connsiteX4" fmla="*/ 2709334 w 3009516"/>
-              <a:gd name="connsiteY4" fmla="*/ 1585576 h 1585576"/>
-              <a:gd name="connsiteX5" fmla="*/ 635975 w 3009516"/>
-              <a:gd name="connsiteY5" fmla="*/ 962217 h 1585576"/>
-              <a:gd name="connsiteX6" fmla="*/ 0 w 3009516"/>
-              <a:gd name="connsiteY6" fmla="*/ 638849 h 1585576"/>
-              <a:gd name="connsiteX0" fmla="*/ 8417 w 2724728"/>
-              <a:gd name="connsiteY0" fmla="*/ 632827 h 1585576"/>
-              <a:gd name="connsiteX1" fmla="*/ 0 w 2724728"/>
-              <a:gd name="connsiteY1" fmla="*/ 0 h 1585576"/>
-              <a:gd name="connsiteX2" fmla="*/ 284788 w 2724728"/>
-              <a:gd name="connsiteY2" fmla="*/ 307879 h 1585576"/>
-              <a:gd name="connsiteX3" fmla="*/ 2724728 w 2724728"/>
-              <a:gd name="connsiteY3" fmla="*/ 815879 h 1585576"/>
-              <a:gd name="connsiteX4" fmla="*/ 2424546 w 2724728"/>
-              <a:gd name="connsiteY4" fmla="*/ 1585576 h 1585576"/>
-              <a:gd name="connsiteX5" fmla="*/ 351187 w 2724728"/>
-              <a:gd name="connsiteY5" fmla="*/ 962217 h 1585576"/>
-              <a:gd name="connsiteX6" fmla="*/ 8417 w 2724728"/>
-              <a:gd name="connsiteY6" fmla="*/ 632827 h 1585576"/>
-              <a:gd name="connsiteX0" fmla="*/ 8417 w 2724728"/>
-              <a:gd name="connsiteY0" fmla="*/ 632827 h 1177063"/>
-              <a:gd name="connsiteX1" fmla="*/ 0 w 2724728"/>
-              <a:gd name="connsiteY1" fmla="*/ 0 h 1177063"/>
-              <a:gd name="connsiteX2" fmla="*/ 284788 w 2724728"/>
-              <a:gd name="connsiteY2" fmla="*/ 307879 h 1177063"/>
-              <a:gd name="connsiteX3" fmla="*/ 2724728 w 2724728"/>
-              <a:gd name="connsiteY3" fmla="*/ 815879 h 1177063"/>
-              <a:gd name="connsiteX4" fmla="*/ 1482487 w 2724728"/>
-              <a:gd name="connsiteY4" fmla="*/ 1177063 h 1177063"/>
-              <a:gd name="connsiteX5" fmla="*/ 351187 w 2724728"/>
-              <a:gd name="connsiteY5" fmla="*/ 962217 h 1177063"/>
-              <a:gd name="connsiteX6" fmla="*/ 8417 w 2724728"/>
-              <a:gd name="connsiteY6" fmla="*/ 632827 h 1177063"/>
-              <a:gd name="connsiteX0" fmla="*/ 8417 w 2260604"/>
-              <a:gd name="connsiteY0" fmla="*/ 632827 h 1177063"/>
-              <a:gd name="connsiteX1" fmla="*/ 0 w 2260604"/>
-              <a:gd name="connsiteY1" fmla="*/ 0 h 1177063"/>
-              <a:gd name="connsiteX2" fmla="*/ 284788 w 2260604"/>
-              <a:gd name="connsiteY2" fmla="*/ 307879 h 1177063"/>
-              <a:gd name="connsiteX3" fmla="*/ 2260604 w 2260604"/>
-              <a:gd name="connsiteY3" fmla="*/ 720860 h 1177063"/>
-              <a:gd name="connsiteX4" fmla="*/ 1482487 w 2260604"/>
-              <a:gd name="connsiteY4" fmla="*/ 1177063 h 1177063"/>
-              <a:gd name="connsiteX5" fmla="*/ 351187 w 2260604"/>
-              <a:gd name="connsiteY5" fmla="*/ 962217 h 1177063"/>
-              <a:gd name="connsiteX6" fmla="*/ 8417 w 2260604"/>
-              <a:gd name="connsiteY6" fmla="*/ 632827 h 1177063"/>
-              <a:gd name="connsiteX0" fmla="*/ 8417 w 2260604"/>
-              <a:gd name="connsiteY0" fmla="*/ 632827 h 1177063"/>
-              <a:gd name="connsiteX1" fmla="*/ 0 w 2260604"/>
-              <a:gd name="connsiteY1" fmla="*/ 0 h 1177063"/>
-              <a:gd name="connsiteX2" fmla="*/ 982890 w 2260604"/>
-              <a:gd name="connsiteY2" fmla="*/ 450799 h 1177063"/>
-              <a:gd name="connsiteX3" fmla="*/ 2260604 w 2260604"/>
-              <a:gd name="connsiteY3" fmla="*/ 720860 h 1177063"/>
-              <a:gd name="connsiteX4" fmla="*/ 1482487 w 2260604"/>
-              <a:gd name="connsiteY4" fmla="*/ 1177063 h 1177063"/>
-              <a:gd name="connsiteX5" fmla="*/ 351187 w 2260604"/>
-              <a:gd name="connsiteY5" fmla="*/ 962217 h 1177063"/>
-              <a:gd name="connsiteX6" fmla="*/ 8417 w 2260604"/>
-              <a:gd name="connsiteY6" fmla="*/ 632827 h 1177063"/>
-              <a:gd name="connsiteX0" fmla="*/ 0 w 2252187"/>
-              <a:gd name="connsiteY0" fmla="*/ 463158 h 1007394"/>
-              <a:gd name="connsiteX1" fmla="*/ 820347 w 2252187"/>
-              <a:gd name="connsiteY1" fmla="*/ 0 h 1007394"/>
-              <a:gd name="connsiteX2" fmla="*/ 974473 w 2252187"/>
-              <a:gd name="connsiteY2" fmla="*/ 281130 h 1007394"/>
-              <a:gd name="connsiteX3" fmla="*/ 2252187 w 2252187"/>
-              <a:gd name="connsiteY3" fmla="*/ 551191 h 1007394"/>
-              <a:gd name="connsiteX4" fmla="*/ 1474070 w 2252187"/>
-              <a:gd name="connsiteY4" fmla="*/ 1007394 h 1007394"/>
-              <a:gd name="connsiteX5" fmla="*/ 342770 w 2252187"/>
-              <a:gd name="connsiteY5" fmla="*/ 792548 h 1007394"/>
-              <a:gd name="connsiteX6" fmla="*/ 0 w 2252187"/>
-              <a:gd name="connsiteY6" fmla="*/ 463158 h 1007394"/>
-              <a:gd name="connsiteX0" fmla="*/ 388843 w 1909417"/>
-              <a:gd name="connsiteY0" fmla="*/ 632386 h 1007394"/>
-              <a:gd name="connsiteX1" fmla="*/ 477577 w 1909417"/>
-              <a:gd name="connsiteY1" fmla="*/ 0 h 1007394"/>
-              <a:gd name="connsiteX2" fmla="*/ 631703 w 1909417"/>
-              <a:gd name="connsiteY2" fmla="*/ 281130 h 1007394"/>
-              <a:gd name="connsiteX3" fmla="*/ 1909417 w 1909417"/>
-              <a:gd name="connsiteY3" fmla="*/ 551191 h 1007394"/>
-              <a:gd name="connsiteX4" fmla="*/ 1131300 w 1909417"/>
-              <a:gd name="connsiteY4" fmla="*/ 1007394 h 1007394"/>
-              <a:gd name="connsiteX5" fmla="*/ 0 w 1909417"/>
-              <a:gd name="connsiteY5" fmla="*/ 792548 h 1007394"/>
-              <a:gd name="connsiteX6" fmla="*/ 388843 w 1909417"/>
-              <a:gd name="connsiteY6" fmla="*/ 632386 h 1007394"/>
-              <a:gd name="connsiteX0" fmla="*/ 0 w 1520574"/>
-              <a:gd name="connsiteY0" fmla="*/ 632386 h 1007394"/>
-              <a:gd name="connsiteX1" fmla="*/ 88734 w 1520574"/>
-              <a:gd name="connsiteY1" fmla="*/ 0 h 1007394"/>
-              <a:gd name="connsiteX2" fmla="*/ 242860 w 1520574"/>
-              <a:gd name="connsiteY2" fmla="*/ 281130 h 1007394"/>
-              <a:gd name="connsiteX3" fmla="*/ 1520574 w 1520574"/>
-              <a:gd name="connsiteY3" fmla="*/ 551191 h 1007394"/>
-              <a:gd name="connsiteX4" fmla="*/ 742457 w 1520574"/>
-              <a:gd name="connsiteY4" fmla="*/ 1007394 h 1007394"/>
-              <a:gd name="connsiteX5" fmla="*/ 305879 w 1520574"/>
-              <a:gd name="connsiteY5" fmla="*/ 856983 h 1007394"/>
-              <a:gd name="connsiteX6" fmla="*/ 0 w 1520574"/>
-              <a:gd name="connsiteY6" fmla="*/ 632386 h 1007394"/>
-            </a:gdLst>
-            <a:ahLst/>
-            <a:cxnLst>
-              <a:cxn ang="0">
-                <a:pos x="connsiteX0" y="connsiteY0"/>
-              </a:cxn>
-              <a:cxn ang="0">
-                <a:pos x="connsiteX1" y="connsiteY1"/>
-              </a:cxn>
-              <a:cxn ang="0">
-                <a:pos x="connsiteX2" y="connsiteY2"/>
-              </a:cxn>
-              <a:cxn ang="0">
-                <a:pos x="connsiteX3" y="connsiteY3"/>
-              </a:cxn>
-              <a:cxn ang="0">
-                <a:pos x="connsiteX4" y="connsiteY4"/>
-              </a:cxn>
-              <a:cxn ang="0">
-                <a:pos x="connsiteX5" y="connsiteY5"/>
-              </a:cxn>
-              <a:cxn ang="0">
-                <a:pos x="connsiteX6" y="connsiteY6"/>
-              </a:cxn>
-            </a:cxnLst>
-            <a:rect l="l" t="t" r="r" b="b"/>
-            <a:pathLst>
-              <a:path w="1520574" h="1007394">
-                <a:moveTo>
-                  <a:pt x="0" y="632386"/>
-                </a:moveTo>
-                <a:lnTo>
-                  <a:pt x="88734" y="0"/>
-                </a:lnTo>
-                <a:lnTo>
-                  <a:pt x="242860" y="281130"/>
-                </a:lnTo>
-                <a:lnTo>
-                  <a:pt x="1520574" y="551191"/>
-                </a:lnTo>
-                <a:lnTo>
-                  <a:pt x="742457" y="1007394"/>
-                </a:lnTo>
-                <a:lnTo>
-                  <a:pt x="305879" y="856983"/>
-                </a:lnTo>
-                <a:lnTo>
-                  <a:pt x="0" y="632386"/>
-                </a:lnTo>
-                <a:close/>
-              </a:path>
-            </a:pathLst>
-          </a:custGeom>
-        </p:spPr>
-        <p:style>
-          <a:lnRef idx="1">
-            <a:schemeClr val="accent1"/>
-          </a:lnRef>
-          <a:fillRef idx="3">
-            <a:schemeClr val="accent1"/>
-          </a:fillRef>
-          <a:effectRef idx="2">
-            <a:schemeClr val="accent1"/>
-          </a:effectRef>
-          <a:fontRef idx="minor">
-            <a:schemeClr val="lt1"/>
-          </a:fontRef>
-        </p:style>
-        <p:txBody>
-          <a:bodyPr rtlCol="0" anchor="ctr"/>
-          <a:lstStyle/>
-          <a:p>
-            <a:pPr algn="ctr"/>
-            <a:endParaRPr lang="en-US"/>
-          </a:p>
-        </p:txBody>
-      </p:sp>
-      <p:cxnSp>
-        <p:nvCxnSpPr>
-          <p:cNvPr id="29" name="Straight Connector 28"/>
-          <p:cNvCxnSpPr/>
-          <p:nvPr/>
-        </p:nvCxnSpPr>
-        <p:spPr>
-          <a:xfrm>
-            <a:off x="5742792" y="3290244"/>
-            <a:ext cx="0" cy="569953"/>
-          </a:xfrm>
-          <a:prstGeom prst="line">
-            <a:avLst/>
-          </a:prstGeom>
-          <a:ln w="19050" cmpd="sng">
-            <a:solidFill>
-              <a:schemeClr val="tx1"/>
-            </a:solidFill>
-            <a:headEnd type="none"/>
-            <a:tailEnd type="arrow"/>
-          </a:ln>
-          <a:effectLst/>
-        </p:spPr>
-        <p:style>
-          <a:lnRef idx="2">
-            <a:schemeClr val="dk1"/>
-          </a:lnRef>
-          <a:fillRef idx="0">
-            <a:schemeClr val="dk1"/>
-          </a:fillRef>
-          <a:effectRef idx="1">
-            <a:schemeClr val="dk1"/>
-          </a:effectRef>
-          <a:fontRef idx="minor">
-            <a:schemeClr val="tx1"/>
-          </a:fontRef>
-        </p:style>
-      </p:cxnSp>
-      <p:sp>
-        <p:nvSpPr>
-          <p:cNvPr id="31" name="TextBox 30"/>
-          <p:cNvSpPr txBox="1"/>
-          <p:nvPr/>
-        </p:nvSpPr>
-        <p:spPr>
-          <a:xfrm>
-            <a:off x="5894071" y="3311120"/>
-            <a:ext cx="851849" cy="307777"/>
-          </a:xfrm>
-          <a:prstGeom prst="rect">
-            <a:avLst/>
-          </a:prstGeom>
-          <a:noFill/>
-        </p:spPr>
-        <p:txBody>
-          <a:bodyPr wrap="square" rtlCol="0">
-            <a:spAutoFit/>
-          </a:bodyPr>
-          <a:lstStyle/>
-          <a:p>
-            <a:r>
-              <a:rPr lang="en-US" sz="1400" dirty="0" smtClean="0"/>
-              <a:t>Free-Fall</a:t>
-            </a:r>
-            <a:endParaRPr lang="en-US" sz="1400" dirty="0"/>
-          </a:p>
-        </p:txBody>
-      </p:sp>
-      <p:sp>
-        <p:nvSpPr>
-          <p:cNvPr id="32" name="TextBox 31"/>
-          <p:cNvSpPr txBox="1"/>
-          <p:nvPr/>
-        </p:nvSpPr>
-        <p:spPr>
-          <a:xfrm>
-            <a:off x="4709745" y="3311120"/>
-            <a:ext cx="851849" cy="307777"/>
-          </a:xfrm>
-          <a:prstGeom prst="rect">
-            <a:avLst/>
-          </a:prstGeom>
-          <a:noFill/>
-        </p:spPr>
-        <p:txBody>
-          <a:bodyPr wrap="square" rtlCol="0">
-            <a:spAutoFit/>
-          </a:bodyPr>
-          <a:lstStyle/>
-          <a:p>
-            <a:r>
-              <a:rPr lang="en-US" sz="1400" dirty="0" smtClean="0"/>
-              <a:t>Sliding</a:t>
-            </a:r>
-            <a:endParaRPr lang="en-US" sz="1400" dirty="0"/>
-          </a:p>
-        </p:txBody>
-      </p:sp>
-      <p:grpSp>
-        <p:nvGrpSpPr>
-          <p:cNvPr id="6" name="Group 5"/>
-          <p:cNvGrpSpPr/>
-          <p:nvPr/>
-        </p:nvGrpSpPr>
-        <p:grpSpPr>
-          <a:xfrm rot="10800000">
-            <a:off x="4519669" y="3378371"/>
-            <a:ext cx="2281881" cy="306173"/>
-            <a:chOff x="2640069" y="4017659"/>
-            <a:chExt cx="2281881" cy="306173"/>
-          </a:xfrm>
-        </p:grpSpPr>
-        <p:cxnSp>
-          <p:nvCxnSpPr>
-            <p:cNvPr id="28" name="Straight Connector 27"/>
-            <p:cNvCxnSpPr/>
-            <p:nvPr/>
-          </p:nvCxnSpPr>
-          <p:spPr>
-            <a:xfrm>
-              <a:off x="2640069" y="4021778"/>
-              <a:ext cx="0" cy="302054"/>
-            </a:xfrm>
-            <a:prstGeom prst="line">
-              <a:avLst/>
-            </a:prstGeom>
-            <a:ln w="12700" cmpd="sng"/>
-            <a:effectLst/>
-          </p:spPr>
-          <p:style>
-            <a:lnRef idx="2">
-              <a:schemeClr val="dk1"/>
-            </a:lnRef>
-            <a:fillRef idx="0">
-              <a:schemeClr val="dk1"/>
-            </a:fillRef>
-            <a:effectRef idx="1">
-              <a:schemeClr val="dk1"/>
-            </a:effectRef>
-            <a:fontRef idx="minor">
-              <a:schemeClr val="tx1"/>
-            </a:fontRef>
-          </p:style>
-        </p:cxnSp>
-        <p:cxnSp>
-          <p:nvCxnSpPr>
-            <p:cNvPr id="30" name="Straight Connector 29"/>
-            <p:cNvCxnSpPr/>
-            <p:nvPr/>
-          </p:nvCxnSpPr>
-          <p:spPr>
-            <a:xfrm>
-              <a:off x="4921950" y="4017659"/>
-              <a:ext cx="0" cy="302054"/>
-            </a:xfrm>
-            <a:prstGeom prst="line">
-              <a:avLst/>
-            </a:prstGeom>
-            <a:ln w="12700" cmpd="sng"/>
-            <a:effectLst/>
-          </p:spPr>
-          <p:style>
-            <a:lnRef idx="2">
-              <a:schemeClr val="dk1"/>
-            </a:lnRef>
-            <a:fillRef idx="0">
-              <a:schemeClr val="dk1"/>
-            </a:fillRef>
-            <a:effectRef idx="1">
-              <a:schemeClr val="dk1"/>
-            </a:effectRef>
-            <a:fontRef idx="minor">
-              <a:schemeClr val="tx1"/>
-            </a:fontRef>
-          </p:style>
-        </p:cxnSp>
-        <p:cxnSp>
-          <p:nvCxnSpPr>
-            <p:cNvPr id="33" name="Straight Connector 32"/>
-            <p:cNvCxnSpPr/>
-            <p:nvPr/>
-          </p:nvCxnSpPr>
-          <p:spPr>
-            <a:xfrm>
-              <a:off x="2640069" y="4023151"/>
-              <a:ext cx="2281881" cy="0"/>
-            </a:xfrm>
-            <a:prstGeom prst="line">
-              <a:avLst/>
-            </a:prstGeom>
-            <a:ln w="12700" cmpd="sng"/>
-            <a:effectLst/>
-          </p:spPr>
-          <p:style>
-            <a:lnRef idx="2">
-              <a:schemeClr val="dk1"/>
-            </a:lnRef>
-            <a:fillRef idx="0">
-              <a:schemeClr val="dk1"/>
-            </a:fillRef>
-            <a:effectRef idx="1">
-              <a:schemeClr val="dk1"/>
-            </a:effectRef>
-            <a:fontRef idx="minor">
-              <a:schemeClr val="tx1"/>
-            </a:fontRef>
-          </p:style>
-        </p:cxnSp>
-      </p:grpSp>
-      <p:sp>
-        <p:nvSpPr>
-          <p:cNvPr id="34" name="TextBox 33"/>
-          <p:cNvSpPr txBox="1"/>
-          <p:nvPr/>
-        </p:nvSpPr>
-        <p:spPr>
-          <a:xfrm>
-            <a:off x="5328841" y="2953833"/>
-            <a:ext cx="943941" cy="307777"/>
-          </a:xfrm>
-          <a:prstGeom prst="rect">
-            <a:avLst/>
-          </a:prstGeom>
-          <a:noFill/>
-        </p:spPr>
-        <p:txBody>
-          <a:bodyPr wrap="square" rtlCol="0">
-            <a:spAutoFit/>
-          </a:bodyPr>
-          <a:lstStyle/>
-          <a:p>
-            <a:r>
-              <a:rPr lang="en-US" sz="1400" dirty="0" smtClean="0"/>
-              <a:t>Transition</a:t>
-            </a:r>
-            <a:endParaRPr lang="en-US" sz="1400" dirty="0"/>
-          </a:p>
-        </p:txBody>
-      </p:sp>
-      <p:sp>
-        <p:nvSpPr>
-          <p:cNvPr id="35" name="Freeform 34"/>
-          <p:cNvSpPr/>
-          <p:nvPr/>
-        </p:nvSpPr>
-        <p:spPr>
-          <a:xfrm rot="19812033">
-            <a:off x="4479170" y="3292391"/>
-            <a:ext cx="1726833" cy="1645851"/>
-          </a:xfrm>
-          <a:custGeom>
-            <a:avLst/>
-            <a:gdLst>
-              <a:gd name="connsiteX0" fmla="*/ 0 w 1963352"/>
-              <a:gd name="connsiteY0" fmla="*/ 0 h 1091513"/>
-              <a:gd name="connsiteX1" fmla="*/ 411892 w 1963352"/>
-              <a:gd name="connsiteY1" fmla="*/ 1091513 h 1091513"/>
-              <a:gd name="connsiteX2" fmla="*/ 1963352 w 1963352"/>
-              <a:gd name="connsiteY2" fmla="*/ 659027 h 1091513"/>
-              <a:gd name="connsiteX0" fmla="*/ 0 w 1963352"/>
-              <a:gd name="connsiteY0" fmla="*/ 0 h 899297"/>
-              <a:gd name="connsiteX1" fmla="*/ 597244 w 1963352"/>
-              <a:gd name="connsiteY1" fmla="*/ 899297 h 899297"/>
-              <a:gd name="connsiteX2" fmla="*/ 1963352 w 1963352"/>
-              <a:gd name="connsiteY2" fmla="*/ 659027 h 899297"/>
-              <a:gd name="connsiteX0" fmla="*/ 0 w 1963352"/>
-              <a:gd name="connsiteY0" fmla="*/ 49260 h 948557"/>
-              <a:gd name="connsiteX1" fmla="*/ 597244 w 1963352"/>
-              <a:gd name="connsiteY1" fmla="*/ 948557 h 948557"/>
-              <a:gd name="connsiteX2" fmla="*/ 1963352 w 1963352"/>
-              <a:gd name="connsiteY2" fmla="*/ 708287 h 948557"/>
-              <a:gd name="connsiteX0" fmla="*/ 0 w 1963352"/>
-              <a:gd name="connsiteY0" fmla="*/ 40865 h 1159838"/>
-              <a:gd name="connsiteX1" fmla="*/ 425622 w 1963352"/>
-              <a:gd name="connsiteY1" fmla="*/ 1159838 h 1159838"/>
-              <a:gd name="connsiteX2" fmla="*/ 1963352 w 1963352"/>
-              <a:gd name="connsiteY2" fmla="*/ 699892 h 1159838"/>
-              <a:gd name="connsiteX0" fmla="*/ 0 w 1963352"/>
-              <a:gd name="connsiteY0" fmla="*/ 42611 h 1161584"/>
-              <a:gd name="connsiteX1" fmla="*/ 425622 w 1963352"/>
-              <a:gd name="connsiteY1" fmla="*/ 1161584 h 1161584"/>
-              <a:gd name="connsiteX2" fmla="*/ 1963352 w 1963352"/>
-              <a:gd name="connsiteY2" fmla="*/ 701638 h 1161584"/>
-              <a:gd name="connsiteX0" fmla="*/ 0 w 1963352"/>
-              <a:gd name="connsiteY0" fmla="*/ 42611 h 1161584"/>
-              <a:gd name="connsiteX1" fmla="*/ 425622 w 1963352"/>
-              <a:gd name="connsiteY1" fmla="*/ 1161584 h 1161584"/>
-              <a:gd name="connsiteX2" fmla="*/ 1963352 w 1963352"/>
-              <a:gd name="connsiteY2" fmla="*/ 701638 h 1161584"/>
-              <a:gd name="connsiteX0" fmla="*/ 0 w 1894703"/>
-              <a:gd name="connsiteY0" fmla="*/ 42611 h 1772567"/>
-              <a:gd name="connsiteX1" fmla="*/ 425622 w 1894703"/>
-              <a:gd name="connsiteY1" fmla="*/ 1161584 h 1772567"/>
-              <a:gd name="connsiteX2" fmla="*/ 1894703 w 1894703"/>
-              <a:gd name="connsiteY2" fmla="*/ 1751962 h 1772567"/>
-              <a:gd name="connsiteX0" fmla="*/ 0 w 1894703"/>
-              <a:gd name="connsiteY0" fmla="*/ 42611 h 1751962"/>
-              <a:gd name="connsiteX1" fmla="*/ 425622 w 1894703"/>
-              <a:gd name="connsiteY1" fmla="*/ 1161584 h 1751962"/>
-              <a:gd name="connsiteX2" fmla="*/ 1894703 w 1894703"/>
-              <a:gd name="connsiteY2" fmla="*/ 1751962 h 1751962"/>
-              <a:gd name="connsiteX0" fmla="*/ 0 w 1894703"/>
-              <a:gd name="connsiteY0" fmla="*/ 42611 h 1751962"/>
-              <a:gd name="connsiteX1" fmla="*/ 425622 w 1894703"/>
-              <a:gd name="connsiteY1" fmla="*/ 1161584 h 1751962"/>
-              <a:gd name="connsiteX2" fmla="*/ 1894703 w 1894703"/>
-              <a:gd name="connsiteY2" fmla="*/ 1751962 h 1751962"/>
-              <a:gd name="connsiteX0" fmla="*/ 0 w 1894703"/>
-              <a:gd name="connsiteY0" fmla="*/ 38541 h 1747892"/>
-              <a:gd name="connsiteX1" fmla="*/ 638433 w 1894703"/>
-              <a:gd name="connsiteY1" fmla="*/ 1287946 h 1747892"/>
-              <a:gd name="connsiteX2" fmla="*/ 1894703 w 1894703"/>
-              <a:gd name="connsiteY2" fmla="*/ 1747892 h 1747892"/>
-              <a:gd name="connsiteX0" fmla="*/ 0 w 1894703"/>
-              <a:gd name="connsiteY0" fmla="*/ 38354 h 1747705"/>
-              <a:gd name="connsiteX1" fmla="*/ 638433 w 1894703"/>
-              <a:gd name="connsiteY1" fmla="*/ 1287759 h 1747705"/>
-              <a:gd name="connsiteX2" fmla="*/ 1894703 w 1894703"/>
-              <a:gd name="connsiteY2" fmla="*/ 1747705 h 1747705"/>
-              <a:gd name="connsiteX0" fmla="*/ 0 w 1894703"/>
-              <a:gd name="connsiteY0" fmla="*/ 38354 h 1747705"/>
-              <a:gd name="connsiteX1" fmla="*/ 638433 w 1894703"/>
-              <a:gd name="connsiteY1" fmla="*/ 1287759 h 1747705"/>
-              <a:gd name="connsiteX2" fmla="*/ 1894703 w 1894703"/>
-              <a:gd name="connsiteY2" fmla="*/ 1747705 h 1747705"/>
-              <a:gd name="connsiteX0" fmla="*/ 1076068 w 1256271"/>
-              <a:gd name="connsiteY0" fmla="*/ 17439 h 3358740"/>
-              <a:gd name="connsiteX1" fmla="*/ 1 w 1256271"/>
-              <a:gd name="connsiteY1" fmla="*/ 2898794 h 3358740"/>
-              <a:gd name="connsiteX2" fmla="*/ 1256271 w 1256271"/>
-              <a:gd name="connsiteY2" fmla="*/ 3358740 h 3358740"/>
-              <a:gd name="connsiteX0" fmla="*/ 1076068 w 1256271"/>
-              <a:gd name="connsiteY0" fmla="*/ 0 h 3341301"/>
-              <a:gd name="connsiteX1" fmla="*/ 1 w 1256271"/>
-              <a:gd name="connsiteY1" fmla="*/ 2881355 h 3341301"/>
-              <a:gd name="connsiteX2" fmla="*/ 1256271 w 1256271"/>
-              <a:gd name="connsiteY2" fmla="*/ 3341301 h 3341301"/>
-              <a:gd name="connsiteX0" fmla="*/ 0 w 1320209"/>
-              <a:gd name="connsiteY0" fmla="*/ 0 h 3341301"/>
-              <a:gd name="connsiteX1" fmla="*/ 1178183 w 1320209"/>
-              <a:gd name="connsiteY1" fmla="*/ 665205 h 3341301"/>
-              <a:gd name="connsiteX2" fmla="*/ 180203 w 1320209"/>
-              <a:gd name="connsiteY2" fmla="*/ 3341301 h 3341301"/>
-              <a:gd name="connsiteX0" fmla="*/ 0 w 1320209"/>
-              <a:gd name="connsiteY0" fmla="*/ 0 h 3341301"/>
-              <a:gd name="connsiteX1" fmla="*/ 1178183 w 1320209"/>
-              <a:gd name="connsiteY1" fmla="*/ 665205 h 3341301"/>
-              <a:gd name="connsiteX2" fmla="*/ 180203 w 1320209"/>
-              <a:gd name="connsiteY2" fmla="*/ 3341301 h 3341301"/>
-              <a:gd name="connsiteX0" fmla="*/ 0 w 1285878"/>
-              <a:gd name="connsiteY0" fmla="*/ 0 h 3341301"/>
-              <a:gd name="connsiteX1" fmla="*/ 1178183 w 1285878"/>
-              <a:gd name="connsiteY1" fmla="*/ 665205 h 3341301"/>
-              <a:gd name="connsiteX2" fmla="*/ 180203 w 1285878"/>
-              <a:gd name="connsiteY2" fmla="*/ 3341301 h 3341301"/>
-              <a:gd name="connsiteX0" fmla="*/ 0 w 1723253"/>
-              <a:gd name="connsiteY0" fmla="*/ 0 h 1645851"/>
-              <a:gd name="connsiteX1" fmla="*/ 1178183 w 1723253"/>
-              <a:gd name="connsiteY1" fmla="*/ 665205 h 1645851"/>
-              <a:gd name="connsiteX2" fmla="*/ 1723253 w 1723253"/>
-              <a:gd name="connsiteY2" fmla="*/ 1645851 h 1645851"/>
-              <a:gd name="connsiteX0" fmla="*/ 0 w 1734433"/>
-              <a:gd name="connsiteY0" fmla="*/ 0 h 1645851"/>
-              <a:gd name="connsiteX1" fmla="*/ 1178183 w 1734433"/>
-              <a:gd name="connsiteY1" fmla="*/ 665205 h 1645851"/>
-              <a:gd name="connsiteX2" fmla="*/ 1723253 w 1734433"/>
-              <a:gd name="connsiteY2" fmla="*/ 1645851 h 1645851"/>
-              <a:gd name="connsiteX0" fmla="*/ 0 w 1732213"/>
-              <a:gd name="connsiteY0" fmla="*/ 0 h 1645851"/>
-              <a:gd name="connsiteX1" fmla="*/ 1178183 w 1732213"/>
-              <a:gd name="connsiteY1" fmla="*/ 665205 h 1645851"/>
-              <a:gd name="connsiteX2" fmla="*/ 1723253 w 1732213"/>
-              <a:gd name="connsiteY2" fmla="*/ 1645851 h 1645851"/>
-              <a:gd name="connsiteX0" fmla="*/ 0 w 1725834"/>
-              <a:gd name="connsiteY0" fmla="*/ 0 h 1645851"/>
-              <a:gd name="connsiteX1" fmla="*/ 1178183 w 1725834"/>
-              <a:gd name="connsiteY1" fmla="*/ 665205 h 1645851"/>
-              <a:gd name="connsiteX2" fmla="*/ 1723253 w 1725834"/>
-              <a:gd name="connsiteY2" fmla="*/ 1645851 h 1645851"/>
-              <a:gd name="connsiteX0" fmla="*/ 0 w 1727748"/>
-              <a:gd name="connsiteY0" fmla="*/ 0 h 1645851"/>
-              <a:gd name="connsiteX1" fmla="*/ 1311985 w 1727748"/>
-              <a:gd name="connsiteY1" fmla="*/ 763785 h 1645851"/>
-              <a:gd name="connsiteX2" fmla="*/ 1723253 w 1727748"/>
-              <a:gd name="connsiteY2" fmla="*/ 1645851 h 1645851"/>
-              <a:gd name="connsiteX0" fmla="*/ 0 w 1727748"/>
-              <a:gd name="connsiteY0" fmla="*/ 0 h 1645851"/>
-              <a:gd name="connsiteX1" fmla="*/ 1311985 w 1727748"/>
-              <a:gd name="connsiteY1" fmla="*/ 763785 h 1645851"/>
-              <a:gd name="connsiteX2" fmla="*/ 1723253 w 1727748"/>
-              <a:gd name="connsiteY2" fmla="*/ 1645851 h 1645851"/>
-              <a:gd name="connsiteX0" fmla="*/ 0 w 1726833"/>
-              <a:gd name="connsiteY0" fmla="*/ 0 h 1645851"/>
-              <a:gd name="connsiteX1" fmla="*/ 1311985 w 1726833"/>
-              <a:gd name="connsiteY1" fmla="*/ 763785 h 1645851"/>
-              <a:gd name="connsiteX2" fmla="*/ 1723253 w 1726833"/>
-              <a:gd name="connsiteY2" fmla="*/ 1645851 h 1645851"/>
-            </a:gdLst>
-            <a:ahLst/>
-            <a:cxnLst>
-              <a:cxn ang="0">
-                <a:pos x="connsiteX0" y="connsiteY0"/>
-              </a:cxn>
-              <a:cxn ang="0">
-                <a:pos x="connsiteX1" y="connsiteY1"/>
-              </a:cxn>
-              <a:cxn ang="0">
-                <a:pos x="connsiteX2" y="connsiteY2"/>
-              </a:cxn>
-            </a:cxnLst>
-            <a:rect l="l" t="t" r="r" b="b"/>
-            <a:pathLst>
-              <a:path w="1726833" h="1645851">
-                <a:moveTo>
-                  <a:pt x="0" y="0"/>
-                </a:moveTo>
-                <a:cubicBezTo>
-                  <a:pt x="428882" y="232147"/>
-                  <a:pt x="921767" y="532939"/>
-                  <a:pt x="1311985" y="763785"/>
-                </a:cubicBezTo>
-                <a:cubicBezTo>
-                  <a:pt x="1565085" y="930993"/>
-                  <a:pt x="1755575" y="1093458"/>
-                  <a:pt x="1723253" y="1645851"/>
-                </a:cubicBezTo>
-              </a:path>
-            </a:pathLst>
-          </a:custGeom>
-          <a:ln>
-            <a:prstDash val="dash"/>
-          </a:ln>
-        </p:spPr>
-        <p:style>
-          <a:lnRef idx="2">
-            <a:schemeClr val="dk1"/>
-          </a:lnRef>
-          <a:fillRef idx="0">
-            <a:schemeClr val="dk1"/>
-          </a:fillRef>
-          <a:effectRef idx="1">
-            <a:schemeClr val="dk1"/>
-          </a:effectRef>
-          <a:fontRef idx="minor">
-            <a:schemeClr val="tx1"/>
-          </a:fontRef>
-        </p:style>
-        <p:txBody>
-          <a:bodyPr rtlCol="0" anchor="ctr"/>
-          <a:lstStyle/>
-          <a:p>
-            <a:pPr algn="ctr"/>
-            <a:endParaRPr lang="en-US"/>
-          </a:p>
-        </p:txBody>
-      </p:sp>
-      <p:sp>
-        <p:nvSpPr>
-          <p:cNvPr id="27" name="Oval 26"/>
-          <p:cNvSpPr/>
-          <p:nvPr/>
-        </p:nvSpPr>
-        <p:spPr>
-          <a:xfrm rot="19918879">
-            <a:off x="4110099" y="3760238"/>
-            <a:ext cx="123151" cy="123151"/>
-          </a:xfrm>
-          <a:prstGeom prst="ellipse">
-            <a:avLst/>
-          </a:prstGeom>
-        </p:spPr>
-        <p:style>
-          <a:lnRef idx="1">
-            <a:schemeClr val="accent2"/>
-          </a:lnRef>
-          <a:fillRef idx="3">
-            <a:schemeClr val="accent2"/>
-          </a:fillRef>
-          <a:effectRef idx="2">
-            <a:schemeClr val="accent2"/>
-          </a:effectRef>
-          <a:fontRef idx="minor">
-            <a:schemeClr val="lt1"/>
-          </a:fontRef>
-        </p:style>
-        <p:txBody>
-          <a:bodyPr rtlCol="0" anchor="ctr"/>
-          <a:lstStyle/>
-          <a:p>
-            <a:pPr algn="ctr"/>
-            <a:endParaRPr lang="en-US"/>
-          </a:p>
-        </p:txBody>
-      </p:sp>
-    </p:spTree>
-    <p:extLst>
-      <p:ext uri="{BB962C8B-B14F-4D97-AF65-F5344CB8AC3E}">
-        <p14:creationId xmlns:p14="http://schemas.microsoft.com/office/powerpoint/2010/main" val="1060174673"/>
       </p:ext>
     </p:extLst>
   </p:cSld>

--- a/figures/figures.pptx
+++ b/figures/figures.pptx
@@ -24,10 +24,11 @@
     <p:sldId id="269" r:id="rId18"/>
     <p:sldId id="270" r:id="rId19"/>
     <p:sldId id="271" r:id="rId20"/>
-    <p:sldId id="272" r:id="rId21"/>
-    <p:sldId id="273" r:id="rId22"/>
-    <p:sldId id="274" r:id="rId23"/>
-    <p:sldId id="277" r:id="rId24"/>
+    <p:sldId id="279" r:id="rId21"/>
+    <p:sldId id="272" r:id="rId22"/>
+    <p:sldId id="273" r:id="rId23"/>
+    <p:sldId id="274" r:id="rId24"/>
+    <p:sldId id="277" r:id="rId25"/>
   </p:sldIdLst>
   <p:sldSz cx="9144000" cy="6858000" type="screen4x3"/>
   <p:notesSz cx="6858000" cy="9144000"/>
@@ -14373,6 +14374,128 @@
       </p:grpSpPr>
       <p:sp>
         <p:nvSpPr>
+          <p:cNvPr id="45" name="Block Arc 44"/>
+          <p:cNvSpPr/>
+          <p:nvPr/>
+        </p:nvSpPr>
+        <p:spPr>
+          <a:xfrm rot="14296848">
+            <a:off x="1740482" y="3627663"/>
+            <a:ext cx="1472184" cy="1472184"/>
+          </a:xfrm>
+          <a:prstGeom prst="blockArc">
+            <a:avLst>
+              <a:gd name="adj1" fmla="val 9712559"/>
+              <a:gd name="adj2" fmla="val 14204526"/>
+              <a:gd name="adj3" fmla="val 47367"/>
+            </a:avLst>
+          </a:prstGeom>
+          <a:pattFill prst="wdUpDiag">
+            <a:fgClr>
+              <a:schemeClr val="tx1"/>
+            </a:fgClr>
+            <a:bgClr>
+              <a:prstClr val="white"/>
+            </a:bgClr>
+          </a:pattFill>
+          <a:ln>
+            <a:solidFill>
+              <a:srgbClr val="000000"/>
+            </a:solidFill>
+          </a:ln>
+        </p:spPr>
+        <p:style>
+          <a:lnRef idx="2">
+            <a:schemeClr val="accent1">
+              <a:shade val="50000"/>
+            </a:schemeClr>
+          </a:lnRef>
+          <a:fillRef idx="1">
+            <a:schemeClr val="accent1"/>
+          </a:fillRef>
+          <a:effectRef idx="0">
+            <a:schemeClr val="accent1"/>
+          </a:effectRef>
+          <a:fontRef idx="minor">
+            <a:schemeClr val="lt1"/>
+          </a:fontRef>
+        </p:style>
+        <p:txBody>
+          <a:bodyPr rtlCol="0" anchor="ctr"/>
+          <a:lstStyle/>
+          <a:p>
+            <a:pPr algn="ctr"/>
+            <a:endParaRPr lang="en-US">
+              <a:solidFill>
+                <a:schemeClr val="tx1"/>
+              </a:solidFill>
+            </a:endParaRPr>
+          </a:p>
+        </p:txBody>
+      </p:sp>
+      <p:sp>
+        <p:nvSpPr>
+          <p:cNvPr id="44" name="Block Arc 43"/>
+          <p:cNvSpPr/>
+          <p:nvPr/>
+        </p:nvSpPr>
+        <p:spPr>
+          <a:xfrm rot="16200000">
+            <a:off x="1730086" y="1519282"/>
+            <a:ext cx="1472184" cy="1472184"/>
+          </a:xfrm>
+          <a:prstGeom prst="blockArc">
+            <a:avLst>
+              <a:gd name="adj1" fmla="val 9860801"/>
+              <a:gd name="adj2" fmla="val 14204526"/>
+              <a:gd name="adj3" fmla="val 47367"/>
+            </a:avLst>
+          </a:prstGeom>
+          <a:pattFill prst="wdDnDiag">
+            <a:fgClr>
+              <a:schemeClr val="tx1"/>
+            </a:fgClr>
+            <a:bgClr>
+              <a:prstClr val="white"/>
+            </a:bgClr>
+          </a:pattFill>
+          <a:ln>
+            <a:solidFill>
+              <a:srgbClr val="000000"/>
+            </a:solidFill>
+          </a:ln>
+        </p:spPr>
+        <p:style>
+          <a:lnRef idx="2">
+            <a:schemeClr val="accent1">
+              <a:shade val="50000"/>
+            </a:schemeClr>
+          </a:lnRef>
+          <a:fillRef idx="1">
+            <a:schemeClr val="accent1"/>
+          </a:fillRef>
+          <a:effectRef idx="0">
+            <a:schemeClr val="accent1"/>
+          </a:effectRef>
+          <a:fontRef idx="minor">
+            <a:schemeClr val="lt1"/>
+          </a:fontRef>
+        </p:style>
+        <p:txBody>
+          <a:bodyPr rtlCol="0" anchor="ctr"/>
+          <a:lstStyle/>
+          <a:p>
+            <a:pPr algn="ctr"/>
+            <a:endParaRPr lang="en-US">
+              <a:solidFill>
+                <a:schemeClr val="tx1"/>
+              </a:solidFill>
+            </a:endParaRPr>
+          </a:p>
+        </p:txBody>
+      </p:sp>
+      <p:sp>
+        <p:nvSpPr>
           <p:cNvPr id="34" name="Oval 33"/>
           <p:cNvSpPr/>
           <p:nvPr/>
@@ -14385,6 +14508,7 @@
           <a:prstGeom prst="ellipse">
             <a:avLst/>
           </a:prstGeom>
+          <a:noFill/>
           <a:ln>
             <a:solidFill>
               <a:schemeClr val="bg1">
@@ -15473,6 +15597,7 @@
           <a:prstGeom prst="ellipse">
             <a:avLst/>
           </a:prstGeom>
+          <a:noFill/>
           <a:ln>
             <a:solidFill>
               <a:schemeClr val="bg1">
@@ -16551,7 +16676,7 @@
         </p:nvSpPr>
         <p:spPr>
           <a:xfrm>
-            <a:off x="1739341" y="1536106"/>
+            <a:off x="1739341" y="3616861"/>
             <a:ext cx="1475946" cy="1475946"/>
           </a:xfrm>
           <a:prstGeom prst="ellipse">
@@ -16589,216 +16714,6 @@
           </a:p>
         </p:txBody>
       </p:sp>
-      <p:sp>
-        <p:nvSpPr>
-          <p:cNvPr id="5" name="TextBox 4"/>
-          <p:cNvSpPr txBox="1"/>
-          <p:nvPr/>
-        </p:nvSpPr>
-        <p:spPr>
-          <a:xfrm>
-            <a:off x="2049020" y="2936610"/>
-            <a:ext cx="889141" cy="461665"/>
-          </a:xfrm>
-          <a:prstGeom prst="rect">
-            <a:avLst/>
-          </a:prstGeom>
-          <a:noFill/>
-        </p:spPr>
-        <p:txBody>
-          <a:bodyPr wrap="square" rtlCol="0">
-            <a:spAutoFit/>
-          </a:bodyPr>
-          <a:lstStyle/>
-          <a:p>
-            <a:r>
-              <a:rPr lang="en-US" sz="2400" dirty="0" smtClean="0"/>
-              <a:t>g</a:t>
-            </a:r>
-            <a:r>
-              <a:rPr lang="en-US" sz="2400" baseline="-25000" dirty="0" smtClean="0"/>
-              <a:t>start</a:t>
-            </a:r>
-            <a:endParaRPr lang="en-US" sz="2400" baseline="-25000" dirty="0"/>
-          </a:p>
-        </p:txBody>
-      </p:sp>
-      <p:cxnSp>
-        <p:nvCxnSpPr>
-          <p:cNvPr id="6" name="Straight Arrow Connector 5"/>
-          <p:cNvCxnSpPr/>
-          <p:nvPr/>
-        </p:nvCxnSpPr>
-        <p:spPr>
-          <a:xfrm>
-            <a:off x="2443757" y="2264725"/>
-            <a:ext cx="224845" cy="736092"/>
-          </a:xfrm>
-          <a:prstGeom prst="straightConnector1">
-            <a:avLst/>
-          </a:prstGeom>
-          <a:ln w="28575" cmpd="sng">
-            <a:tailEnd type="arrow"/>
-          </a:ln>
-          <a:effectLst/>
-        </p:spPr>
-        <p:style>
-          <a:lnRef idx="2">
-            <a:schemeClr val="dk1"/>
-          </a:lnRef>
-          <a:fillRef idx="0">
-            <a:schemeClr val="dk1"/>
-          </a:fillRef>
-          <a:effectRef idx="1">
-            <a:schemeClr val="dk1"/>
-          </a:effectRef>
-          <a:fontRef idx="minor">
-            <a:schemeClr val="tx1"/>
-          </a:fontRef>
-        </p:style>
-      </p:cxnSp>
-      <p:cxnSp>
-        <p:nvCxnSpPr>
-          <p:cNvPr id="7" name="Straight Arrow Connector 6"/>
-          <p:cNvCxnSpPr/>
-          <p:nvPr/>
-        </p:nvCxnSpPr>
-        <p:spPr>
-          <a:xfrm flipH="1">
-            <a:off x="1819189" y="2274066"/>
-            <a:ext cx="631433" cy="375772"/>
-          </a:xfrm>
-          <a:prstGeom prst="straightConnector1">
-            <a:avLst/>
-          </a:prstGeom>
-          <a:ln w="28575" cmpd="sng">
-            <a:tailEnd type="arrow"/>
-          </a:ln>
-          <a:effectLst/>
-        </p:spPr>
-        <p:style>
-          <a:lnRef idx="2">
-            <a:schemeClr val="dk1"/>
-          </a:lnRef>
-          <a:fillRef idx="0">
-            <a:schemeClr val="dk1"/>
-          </a:fillRef>
-          <a:effectRef idx="1">
-            <a:schemeClr val="dk1"/>
-          </a:effectRef>
-          <a:fontRef idx="minor">
-            <a:schemeClr val="tx1"/>
-          </a:fontRef>
-        </p:style>
-      </p:cxnSp>
-      <p:sp>
-        <p:nvSpPr>
-          <p:cNvPr id="8" name="Oval 7"/>
-          <p:cNvSpPr/>
-          <p:nvPr/>
-        </p:nvSpPr>
-        <p:spPr>
-          <a:xfrm>
-            <a:off x="2412026" y="2253470"/>
-            <a:ext cx="65289" cy="65289"/>
-          </a:xfrm>
-          <a:prstGeom prst="ellipse">
-            <a:avLst/>
-          </a:prstGeom>
-        </p:spPr>
-        <p:style>
-          <a:lnRef idx="2">
-            <a:schemeClr val="dk1">
-              <a:shade val="50000"/>
-            </a:schemeClr>
-          </a:lnRef>
-          <a:fillRef idx="1">
-            <a:schemeClr val="dk1"/>
-          </a:fillRef>
-          <a:effectRef idx="0">
-            <a:schemeClr val="dk1"/>
-          </a:effectRef>
-          <a:fontRef idx="minor">
-            <a:schemeClr val="lt1"/>
-          </a:fontRef>
-        </p:style>
-        <p:txBody>
-          <a:bodyPr rtlCol="0" anchor="ctr"/>
-          <a:lstStyle/>
-          <a:p>
-            <a:pPr algn="ctr"/>
-            <a:endParaRPr lang="en-US"/>
-          </a:p>
-        </p:txBody>
-      </p:sp>
-      <p:cxnSp>
-        <p:nvCxnSpPr>
-          <p:cNvPr id="11" name="Straight Arrow Connector 10"/>
-          <p:cNvCxnSpPr/>
-          <p:nvPr/>
-        </p:nvCxnSpPr>
-        <p:spPr>
-          <a:xfrm rot="19527167">
-            <a:off x="2637215" y="2162468"/>
-            <a:ext cx="224845" cy="736092"/>
-          </a:xfrm>
-          <a:prstGeom prst="straightConnector1">
-            <a:avLst/>
-          </a:prstGeom>
-          <a:ln w="28575" cmpd="sng">
-            <a:tailEnd type="arrow"/>
-          </a:ln>
-          <a:effectLst/>
-        </p:spPr>
-        <p:style>
-          <a:lnRef idx="2">
-            <a:schemeClr val="dk1"/>
-          </a:lnRef>
-          <a:fillRef idx="0">
-            <a:schemeClr val="dk1"/>
-          </a:fillRef>
-          <a:effectRef idx="1">
-            <a:schemeClr val="dk1"/>
-          </a:effectRef>
-          <a:fontRef idx="minor">
-            <a:schemeClr val="tx1"/>
-          </a:fontRef>
-        </p:style>
-      </p:cxnSp>
-      <p:cxnSp>
-        <p:nvCxnSpPr>
-          <p:cNvPr id="12" name="Straight Arrow Connector 11"/>
-          <p:cNvCxnSpPr/>
-          <p:nvPr/>
-        </p:nvCxnSpPr>
-        <p:spPr>
-          <a:xfrm rot="19527167" flipH="1">
-            <a:off x="1990066" y="2440829"/>
-            <a:ext cx="631433" cy="375772"/>
-          </a:xfrm>
-          <a:prstGeom prst="straightConnector1">
-            <a:avLst/>
-          </a:prstGeom>
-          <a:ln w="28575" cmpd="sng">
-            <a:tailEnd type="arrow"/>
-          </a:ln>
-          <a:effectLst/>
-        </p:spPr>
-        <p:style>
-          <a:lnRef idx="2">
-            <a:schemeClr val="dk1"/>
-          </a:lnRef>
-          <a:fillRef idx="0">
-            <a:schemeClr val="dk1"/>
-          </a:fillRef>
-          <a:effectRef idx="1">
-            <a:schemeClr val="dk1"/>
-          </a:effectRef>
-          <a:fontRef idx="minor">
-            <a:schemeClr val="tx1"/>
-          </a:fontRef>
-        </p:style>
-      </p:cxnSp>
       <p:sp>
         <p:nvSpPr>
           <p:cNvPr id="14" name="TextBox 13"/>
@@ -17266,7 +17181,7 @@
         </p:nvSpPr>
         <p:spPr>
           <a:xfrm>
-            <a:off x="6522706" y="1175077"/>
+            <a:off x="4121241" y="3400376"/>
             <a:ext cx="776882" cy="461665"/>
           </a:xfrm>
           <a:prstGeom prst="rect">
@@ -17300,7 +17215,7 @@
         </p:nvSpPr>
         <p:spPr>
           <a:xfrm rot="19635414">
-            <a:off x="5984956" y="1597539"/>
+            <a:off x="3583491" y="3822838"/>
             <a:ext cx="1937121" cy="1132153"/>
           </a:xfrm>
           <a:custGeom>
@@ -17525,7 +17440,7 @@
         </p:nvSpPr>
         <p:spPr>
           <a:xfrm rot="19635414">
-            <a:off x="6914648" y="2362018"/>
+            <a:off x="4513183" y="4587317"/>
             <a:ext cx="47554" cy="47554"/>
           </a:xfrm>
           <a:prstGeom prst="ellipse">
@@ -17565,7 +17480,7 @@
         </p:nvCxnSpPr>
         <p:spPr>
           <a:xfrm rot="19635414" flipH="1" flipV="1">
-            <a:off x="6491066" y="1973134"/>
+            <a:off x="4089601" y="4198433"/>
             <a:ext cx="328699" cy="543329"/>
           </a:xfrm>
           <a:prstGeom prst="straightConnector1">
@@ -17599,7 +17514,7 @@
         </p:nvSpPr>
         <p:spPr>
           <a:xfrm rot="18723378">
-            <a:off x="6973213" y="2311054"/>
+            <a:off x="4571748" y="4536353"/>
             <a:ext cx="125907" cy="125907"/>
           </a:xfrm>
           <a:prstGeom prst="rect">
@@ -17640,7 +17555,7 @@
         </p:nvCxnSpPr>
         <p:spPr>
           <a:xfrm flipV="1">
-            <a:off x="6928686" y="1959372"/>
+            <a:off x="4527221" y="4184671"/>
             <a:ext cx="413013" cy="435934"/>
           </a:xfrm>
           <a:prstGeom prst="straightConnector1">
@@ -17674,7 +17589,7 @@
         </p:nvSpPr>
         <p:spPr>
           <a:xfrm rot="17844090">
-            <a:off x="6788968" y="2352167"/>
+            <a:off x="4387503" y="4577466"/>
             <a:ext cx="121079" cy="121079"/>
           </a:xfrm>
           <a:prstGeom prst="rect">
@@ -17713,7 +17628,7 @@
         </p:nvCxnSpPr>
         <p:spPr>
           <a:xfrm rot="19635414">
-            <a:off x="7085373" y="2307221"/>
+            <a:off x="4683908" y="4532520"/>
             <a:ext cx="163266" cy="556685"/>
           </a:xfrm>
           <a:prstGeom prst="straightConnector1">
@@ -17747,7 +17662,7 @@
         </p:nvCxnSpPr>
         <p:spPr>
           <a:xfrm rot="19635414" flipH="1">
-            <a:off x="6587556" y="2481804"/>
+            <a:off x="4186091" y="4707103"/>
             <a:ext cx="442769" cy="209285"/>
           </a:xfrm>
           <a:prstGeom prst="straightConnector1">
@@ -17781,7 +17696,7 @@
         </p:nvSpPr>
         <p:spPr>
           <a:xfrm>
-            <a:off x="6517124" y="1175533"/>
+            <a:off x="4115659" y="3400832"/>
             <a:ext cx="776882" cy="461665"/>
           </a:xfrm>
           <a:prstGeom prst="rect">
@@ -17841,10 +17756,340 @@
           </a:p>
         </p:txBody>
       </p:sp>
+      <p:sp>
+        <p:nvSpPr>
+          <p:cNvPr id="35" name="Oval 34"/>
+          <p:cNvSpPr/>
+          <p:nvPr/>
+        </p:nvSpPr>
+        <p:spPr>
+          <a:xfrm>
+            <a:off x="1739341" y="1536106"/>
+            <a:ext cx="1475946" cy="1475946"/>
+          </a:xfrm>
+          <a:prstGeom prst="ellipse">
+            <a:avLst/>
+          </a:prstGeom>
+          <a:ln>
+            <a:solidFill>
+              <a:schemeClr val="bg1">
+                <a:lumMod val="65000"/>
+              </a:schemeClr>
+            </a:solidFill>
+            <a:prstDash val="dash"/>
+          </a:ln>
+        </p:spPr>
+        <p:style>
+          <a:lnRef idx="2">
+            <a:schemeClr val="dk1"/>
+          </a:lnRef>
+          <a:fillRef idx="1">
+            <a:schemeClr val="lt1"/>
+          </a:fillRef>
+          <a:effectRef idx="0">
+            <a:schemeClr val="dk1"/>
+          </a:effectRef>
+          <a:fontRef idx="minor">
+            <a:schemeClr val="dk1"/>
+          </a:fontRef>
+        </p:style>
+        <p:txBody>
+          <a:bodyPr rtlCol="0" anchor="ctr"/>
+          <a:lstStyle/>
+          <a:p>
+            <a:pPr algn="ctr"/>
+            <a:endParaRPr lang="en-US"/>
+          </a:p>
+        </p:txBody>
+      </p:sp>
+      <p:sp>
+        <p:nvSpPr>
+          <p:cNvPr id="36" name="TextBox 35"/>
+          <p:cNvSpPr txBox="1"/>
+          <p:nvPr/>
+        </p:nvSpPr>
+        <p:spPr>
+          <a:xfrm>
+            <a:off x="2051551" y="2940286"/>
+            <a:ext cx="889141" cy="461665"/>
+          </a:xfrm>
+          <a:prstGeom prst="rect">
+            <a:avLst/>
+          </a:prstGeom>
+          <a:noFill/>
+        </p:spPr>
+        <p:txBody>
+          <a:bodyPr wrap="square" rtlCol="0">
+            <a:spAutoFit/>
+          </a:bodyPr>
+          <a:lstStyle/>
+          <a:p>
+            <a:r>
+              <a:rPr lang="en-US" sz="2400" dirty="0" smtClean="0"/>
+              <a:t>g</a:t>
+            </a:r>
+            <a:r>
+              <a:rPr lang="en-US" sz="2400" baseline="-25000" dirty="0" smtClean="0"/>
+              <a:t>start</a:t>
+            </a:r>
+            <a:endParaRPr lang="en-US" sz="2400" baseline="-25000" dirty="0"/>
+          </a:p>
+        </p:txBody>
+      </p:sp>
+      <p:cxnSp>
+        <p:nvCxnSpPr>
+          <p:cNvPr id="37" name="Straight Arrow Connector 36"/>
+          <p:cNvCxnSpPr/>
+          <p:nvPr/>
+        </p:nvCxnSpPr>
+        <p:spPr>
+          <a:xfrm>
+            <a:off x="2446288" y="2268401"/>
+            <a:ext cx="224845" cy="736092"/>
+          </a:xfrm>
+          <a:prstGeom prst="straightConnector1">
+            <a:avLst/>
+          </a:prstGeom>
+          <a:ln w="28575" cmpd="sng">
+            <a:tailEnd type="arrow"/>
+          </a:ln>
+          <a:effectLst/>
+        </p:spPr>
+        <p:style>
+          <a:lnRef idx="2">
+            <a:schemeClr val="dk1"/>
+          </a:lnRef>
+          <a:fillRef idx="0">
+            <a:schemeClr val="dk1"/>
+          </a:fillRef>
+          <a:effectRef idx="1">
+            <a:schemeClr val="dk1"/>
+          </a:effectRef>
+          <a:fontRef idx="minor">
+            <a:schemeClr val="tx1"/>
+          </a:fontRef>
+        </p:style>
+      </p:cxnSp>
+      <p:cxnSp>
+        <p:nvCxnSpPr>
+          <p:cNvPr id="38" name="Straight Arrow Connector 37"/>
+          <p:cNvCxnSpPr/>
+          <p:nvPr/>
+        </p:nvCxnSpPr>
+        <p:spPr>
+          <a:xfrm flipH="1">
+            <a:off x="1821720" y="2277742"/>
+            <a:ext cx="631433" cy="375772"/>
+          </a:xfrm>
+          <a:prstGeom prst="straightConnector1">
+            <a:avLst/>
+          </a:prstGeom>
+          <a:ln w="28575" cmpd="sng">
+            <a:tailEnd type="arrow"/>
+          </a:ln>
+          <a:effectLst/>
+        </p:spPr>
+        <p:style>
+          <a:lnRef idx="2">
+            <a:schemeClr val="dk1"/>
+          </a:lnRef>
+          <a:fillRef idx="0">
+            <a:schemeClr val="dk1"/>
+          </a:fillRef>
+          <a:effectRef idx="1">
+            <a:schemeClr val="dk1"/>
+          </a:effectRef>
+          <a:fontRef idx="minor">
+            <a:schemeClr val="tx1"/>
+          </a:fontRef>
+        </p:style>
+      </p:cxnSp>
+      <p:sp>
+        <p:nvSpPr>
+          <p:cNvPr id="39" name="Oval 38"/>
+          <p:cNvSpPr/>
+          <p:nvPr/>
+        </p:nvSpPr>
+        <p:spPr>
+          <a:xfrm>
+            <a:off x="2414557" y="2257146"/>
+            <a:ext cx="65289" cy="65289"/>
+          </a:xfrm>
+          <a:prstGeom prst="ellipse">
+            <a:avLst/>
+          </a:prstGeom>
+        </p:spPr>
+        <p:style>
+          <a:lnRef idx="2">
+            <a:schemeClr val="dk1">
+              <a:shade val="50000"/>
+            </a:schemeClr>
+          </a:lnRef>
+          <a:fillRef idx="1">
+            <a:schemeClr val="dk1"/>
+          </a:fillRef>
+          <a:effectRef idx="0">
+            <a:schemeClr val="dk1"/>
+          </a:effectRef>
+          <a:fontRef idx="minor">
+            <a:schemeClr val="lt1"/>
+          </a:fontRef>
+        </p:style>
+        <p:txBody>
+          <a:bodyPr rtlCol="0" anchor="ctr"/>
+          <a:lstStyle/>
+          <a:p>
+            <a:pPr algn="ctr"/>
+            <a:endParaRPr lang="en-US"/>
+          </a:p>
+        </p:txBody>
+      </p:sp>
+      <p:sp>
+        <p:nvSpPr>
+          <p:cNvPr id="40" name="TextBox 39"/>
+          <p:cNvSpPr txBox="1"/>
+          <p:nvPr/>
+        </p:nvSpPr>
+        <p:spPr>
+          <a:xfrm>
+            <a:off x="2052980" y="5026464"/>
+            <a:ext cx="889141" cy="461665"/>
+          </a:xfrm>
+          <a:prstGeom prst="rect">
+            <a:avLst/>
+          </a:prstGeom>
+          <a:noFill/>
+        </p:spPr>
+        <p:txBody>
+          <a:bodyPr wrap="square" rtlCol="0">
+            <a:spAutoFit/>
+          </a:bodyPr>
+          <a:lstStyle/>
+          <a:p>
+            <a:r>
+              <a:rPr lang="en-US" sz="2400" dirty="0" smtClean="0"/>
+              <a:t>g</a:t>
+            </a:r>
+            <a:r>
+              <a:rPr lang="en-US" sz="2400" baseline="-25000" dirty="0" smtClean="0"/>
+              <a:t>start</a:t>
+            </a:r>
+            <a:endParaRPr lang="en-US" sz="2400" baseline="-25000" dirty="0"/>
+          </a:p>
+        </p:txBody>
+      </p:sp>
+      <p:cxnSp>
+        <p:nvCxnSpPr>
+          <p:cNvPr id="41" name="Straight Arrow Connector 40"/>
+          <p:cNvCxnSpPr/>
+          <p:nvPr/>
+        </p:nvCxnSpPr>
+        <p:spPr>
+          <a:xfrm rot="19527167">
+            <a:off x="2639746" y="4244244"/>
+            <a:ext cx="224845" cy="736092"/>
+          </a:xfrm>
+          <a:prstGeom prst="straightConnector1">
+            <a:avLst/>
+          </a:prstGeom>
+          <a:ln w="28575" cmpd="sng">
+            <a:tailEnd type="arrow"/>
+          </a:ln>
+          <a:effectLst/>
+        </p:spPr>
+        <p:style>
+          <a:lnRef idx="2">
+            <a:schemeClr val="dk1"/>
+          </a:lnRef>
+          <a:fillRef idx="0">
+            <a:schemeClr val="dk1"/>
+          </a:fillRef>
+          <a:effectRef idx="1">
+            <a:schemeClr val="dk1"/>
+          </a:effectRef>
+          <a:fontRef idx="minor">
+            <a:schemeClr val="tx1"/>
+          </a:fontRef>
+        </p:style>
+      </p:cxnSp>
+      <p:cxnSp>
+        <p:nvCxnSpPr>
+          <p:cNvPr id="42" name="Straight Arrow Connector 41"/>
+          <p:cNvCxnSpPr/>
+          <p:nvPr/>
+        </p:nvCxnSpPr>
+        <p:spPr>
+          <a:xfrm rot="19527167" flipH="1">
+            <a:off x="1992597" y="4522605"/>
+            <a:ext cx="631433" cy="375772"/>
+          </a:xfrm>
+          <a:prstGeom prst="straightConnector1">
+            <a:avLst/>
+          </a:prstGeom>
+          <a:ln w="28575" cmpd="sng">
+            <a:tailEnd type="arrow"/>
+          </a:ln>
+          <a:effectLst/>
+        </p:spPr>
+        <p:style>
+          <a:lnRef idx="2">
+            <a:schemeClr val="dk1"/>
+          </a:lnRef>
+          <a:fillRef idx="0">
+            <a:schemeClr val="dk1"/>
+          </a:fillRef>
+          <a:effectRef idx="1">
+            <a:schemeClr val="dk1"/>
+          </a:effectRef>
+          <a:fontRef idx="minor">
+            <a:schemeClr val="tx1"/>
+          </a:fontRef>
+        </p:style>
+      </p:cxnSp>
+      <p:sp>
+        <p:nvSpPr>
+          <p:cNvPr id="43" name="Oval 42"/>
+          <p:cNvSpPr/>
+          <p:nvPr/>
+        </p:nvSpPr>
+        <p:spPr>
+          <a:xfrm rot="19527167">
+            <a:off x="2431094" y="4357353"/>
+            <a:ext cx="65289" cy="65289"/>
+          </a:xfrm>
+          <a:prstGeom prst="ellipse">
+            <a:avLst/>
+          </a:prstGeom>
+        </p:spPr>
+        <p:style>
+          <a:lnRef idx="2">
+            <a:schemeClr val="dk1">
+              <a:shade val="50000"/>
+            </a:schemeClr>
+          </a:lnRef>
+          <a:fillRef idx="1">
+            <a:schemeClr val="dk1"/>
+          </a:fillRef>
+          <a:effectRef idx="0">
+            <a:schemeClr val="dk1"/>
+          </a:effectRef>
+          <a:fontRef idx="minor">
+            <a:schemeClr val="lt1"/>
+          </a:fontRef>
+        </p:style>
+        <p:txBody>
+          <a:bodyPr rtlCol="0" anchor="ctr"/>
+          <a:lstStyle/>
+          <a:p>
+            <a:pPr algn="ctr"/>
+            <a:endParaRPr lang="en-US"/>
+          </a:p>
+        </p:txBody>
+      </p:sp>
     </p:spTree>
     <p:extLst>
       <p:ext uri="{BB962C8B-B14F-4D97-AF65-F5344CB8AC3E}">
-        <p14:creationId xmlns:p14="http://schemas.microsoft.com/office/powerpoint/2010/main" val="864952232"/>
+        <p14:creationId xmlns:p14="http://schemas.microsoft.com/office/powerpoint/2010/main" val="631796349"/>
       </p:ext>
     </p:extLst>
   </p:cSld>
@@ -17871,9 +18116,71 @@
           <a:chExt cx="0" cy="0"/>
         </a:xfrm>
       </p:grpSpPr>
-      <p:sp>
-        <p:nvSpPr>
-          <p:cNvPr id="39" name="Oval 38"/>
+      <p:pic>
+        <p:nvPicPr>
+          <p:cNvPr id="2" name="Picture 1" descr="Untitled.png"/>
+          <p:cNvPicPr>
+            <a:picLocks noChangeAspect="1"/>
+          </p:cNvPicPr>
+          <p:nvPr/>
+        </p:nvPicPr>
+        <p:blipFill>
+          <a:blip r:embed="rId2">
+            <a:alphaModFix amt="59000"/>
+            <a:extLst>
+              <a:ext uri="{28A0092B-C50C-407E-A947-70E740481C1C}">
+                <a14:useLocalDpi xmlns:a14="http://schemas.microsoft.com/office/drawing/2010/main" val="0"/>
+              </a:ext>
+            </a:extLst>
+          </a:blip>
+          <a:stretch>
+            <a:fillRect/>
+          </a:stretch>
+        </p:blipFill>
+        <p:spPr>
+          <a:xfrm>
+            <a:off x="2121491" y="2278752"/>
+            <a:ext cx="902148" cy="743662"/>
+          </a:xfrm>
+          <a:prstGeom prst="rect">
+            <a:avLst/>
+          </a:prstGeom>
+        </p:spPr>
+      </p:pic>
+      <p:pic>
+        <p:nvPicPr>
+          <p:cNvPr id="3" name="Picture 2" descr="Untitled.png"/>
+          <p:cNvPicPr>
+            <a:picLocks noChangeAspect="1"/>
+          </p:cNvPicPr>
+          <p:nvPr/>
+        </p:nvPicPr>
+        <p:blipFill>
+          <a:blip r:embed="rId2">
+            <a:alphaModFix amt="50000"/>
+            <a:extLst>
+              <a:ext uri="{28A0092B-C50C-407E-A947-70E740481C1C}">
+                <a14:useLocalDpi xmlns:a14="http://schemas.microsoft.com/office/drawing/2010/main" val="0"/>
+              </a:ext>
+            </a:extLst>
+          </a:blip>
+          <a:stretch>
+            <a:fillRect/>
+          </a:stretch>
+        </p:blipFill>
+        <p:spPr>
+          <a:xfrm rot="2139778">
+            <a:off x="1909027" y="2287659"/>
+            <a:ext cx="902148" cy="743662"/>
+          </a:xfrm>
+          <a:prstGeom prst="rect">
+            <a:avLst/>
+          </a:prstGeom>
+        </p:spPr>
+      </p:pic>
+      <p:sp>
+        <p:nvSpPr>
+          <p:cNvPr id="34" name="Oval 33"/>
           <p:cNvSpPr/>
           <p:nvPr/>
         </p:nvSpPr>
@@ -17885,6 +18192,7 @@
           <a:prstGeom prst="ellipse">
             <a:avLst/>
           </a:prstGeom>
+          <a:noFill/>
           <a:ln>
             <a:solidFill>
               <a:schemeClr val="bg1">
@@ -17917,6 +18225,40 @@
           </a:p>
         </p:txBody>
       </p:sp>
+      <p:sp>
+        <p:nvSpPr>
+          <p:cNvPr id="5" name="TextBox 4"/>
+          <p:cNvSpPr txBox="1"/>
+          <p:nvPr/>
+        </p:nvSpPr>
+        <p:spPr>
+          <a:xfrm>
+            <a:off x="2049020" y="2936610"/>
+            <a:ext cx="889141" cy="461665"/>
+          </a:xfrm>
+          <a:prstGeom prst="rect">
+            <a:avLst/>
+          </a:prstGeom>
+          <a:noFill/>
+        </p:spPr>
+        <p:txBody>
+          <a:bodyPr wrap="square" rtlCol="0">
+            <a:spAutoFit/>
+          </a:bodyPr>
+          <a:lstStyle/>
+          <a:p>
+            <a:r>
+              <a:rPr lang="en-US" sz="2400" dirty="0" smtClean="0"/>
+              <a:t>g</a:t>
+            </a:r>
+            <a:r>
+              <a:rPr lang="en-US" sz="2400" baseline="-25000" dirty="0" smtClean="0"/>
+              <a:t>start</a:t>
+            </a:r>
+            <a:endParaRPr lang="en-US" sz="2400" baseline="-25000" dirty="0"/>
+          </a:p>
+        </p:txBody>
+      </p:sp>
       <p:cxnSp>
         <p:nvCxnSpPr>
           <p:cNvPr id="6" name="Straight Arrow Connector 5"/>
@@ -17966,10 +18308,6 @@
             <a:avLst/>
           </a:prstGeom>
           <a:ln w="28575" cmpd="sng">
-            <a:solidFill>
-              <a:srgbClr val="A6A6A6"/>
-            </a:solidFill>
-            <a:prstDash val="dash"/>
             <a:tailEnd type="arrow"/>
           </a:ln>
           <a:effectLst/>
@@ -18044,12 +18382,6 @@
             <a:avLst/>
           </a:prstGeom>
           <a:ln w="28575" cmpd="sng">
-            <a:solidFill>
-              <a:schemeClr val="bg1">
-                <a:lumMod val="65000"/>
-              </a:schemeClr>
-            </a:solidFill>
-            <a:prstDash val="dash"/>
             <a:tailEnd type="arrow"/>
           </a:ln>
           <a:effectLst/>
@@ -18103,46 +18435,6 @@
           </a:fontRef>
         </p:style>
       </p:cxnSp>
-      <p:sp>
-        <p:nvSpPr>
-          <p:cNvPr id="13" name="Oval 12"/>
-          <p:cNvSpPr/>
-          <p:nvPr/>
-        </p:nvSpPr>
-        <p:spPr>
-          <a:xfrm rot="19527167">
-            <a:off x="2428563" y="2275577"/>
-            <a:ext cx="65289" cy="65289"/>
-          </a:xfrm>
-          <a:prstGeom prst="ellipse">
-            <a:avLst/>
-          </a:prstGeom>
-        </p:spPr>
-        <p:style>
-          <a:lnRef idx="2">
-            <a:schemeClr val="dk1">
-              <a:shade val="50000"/>
-            </a:schemeClr>
-          </a:lnRef>
-          <a:fillRef idx="1">
-            <a:schemeClr val="dk1"/>
-          </a:fillRef>
-          <a:effectRef idx="0">
-            <a:schemeClr val="dk1"/>
-          </a:effectRef>
-          <a:fontRef idx="minor">
-            <a:schemeClr val="lt1"/>
-          </a:fontRef>
-        </p:style>
-        <p:txBody>
-          <a:bodyPr rtlCol="0" anchor="ctr"/>
-          <a:lstStyle/>
-          <a:p>
-            <a:pPr algn="ctr"/>
-            <a:endParaRPr lang="en-US"/>
-          </a:p>
-        </p:txBody>
-      </p:sp>
       <p:sp>
         <p:nvSpPr>
           <p:cNvPr id="14" name="TextBox 13"/>
@@ -19187,42 +19479,130 @@
       </p:sp>
       <p:sp>
         <p:nvSpPr>
-          <p:cNvPr id="40" name="TextBox 39"/>
-          <p:cNvSpPr txBox="1"/>
-          <p:nvPr/>
-        </p:nvSpPr>
-        <p:spPr>
-          <a:xfrm>
-            <a:off x="2049020" y="2936610"/>
-            <a:ext cx="889141" cy="461665"/>
-          </a:xfrm>
-          <a:prstGeom prst="rect">
-            <a:avLst/>
-          </a:prstGeom>
-          <a:noFill/>
-        </p:spPr>
-        <p:txBody>
-          <a:bodyPr wrap="square" rtlCol="0">
-            <a:spAutoFit/>
-          </a:bodyPr>
-          <a:lstStyle/>
-          <a:p>
-            <a:r>
-              <a:rPr lang="en-US" sz="2400" dirty="0" smtClean="0"/>
-              <a:t>g</a:t>
-            </a:r>
-            <a:r>
-              <a:rPr lang="en-US" sz="2400" baseline="-25000" dirty="0" smtClean="0"/>
-              <a:t>start</a:t>
-            </a:r>
-            <a:endParaRPr lang="en-US" sz="2400" baseline="-25000" dirty="0"/>
+          <p:cNvPr id="35" name="Block Arc 34"/>
+          <p:cNvSpPr/>
+          <p:nvPr/>
+        </p:nvSpPr>
+        <p:spPr>
+          <a:xfrm rot="16200000">
+            <a:off x="5869515" y="3897486"/>
+            <a:ext cx="1472184" cy="1472184"/>
+          </a:xfrm>
+          <a:prstGeom prst="blockArc">
+            <a:avLst>
+              <a:gd name="adj1" fmla="val 9860801"/>
+              <a:gd name="adj2" fmla="val 14204526"/>
+              <a:gd name="adj3" fmla="val 47367"/>
+            </a:avLst>
+          </a:prstGeom>
+          <a:pattFill prst="wdDnDiag">
+            <a:fgClr>
+              <a:schemeClr val="tx1"/>
+            </a:fgClr>
+            <a:bgClr>
+              <a:prstClr val="white"/>
+            </a:bgClr>
+          </a:pattFill>
+          <a:ln>
+            <a:solidFill>
+              <a:srgbClr val="000000"/>
+            </a:solidFill>
+          </a:ln>
+        </p:spPr>
+        <p:style>
+          <a:lnRef idx="2">
+            <a:schemeClr val="accent1">
+              <a:shade val="50000"/>
+            </a:schemeClr>
+          </a:lnRef>
+          <a:fillRef idx="1">
+            <a:schemeClr val="accent1"/>
+          </a:fillRef>
+          <a:effectRef idx="0">
+            <a:schemeClr val="accent1"/>
+          </a:effectRef>
+          <a:fontRef idx="minor">
+            <a:schemeClr val="lt1"/>
+          </a:fontRef>
+        </p:style>
+        <p:txBody>
+          <a:bodyPr rtlCol="0" anchor="ctr"/>
+          <a:lstStyle/>
+          <a:p>
+            <a:pPr algn="ctr"/>
+            <a:endParaRPr lang="en-US">
+              <a:solidFill>
+                <a:schemeClr val="tx1"/>
+              </a:solidFill>
+            </a:endParaRPr>
+          </a:p>
+        </p:txBody>
+      </p:sp>
+      <p:sp>
+        <p:nvSpPr>
+          <p:cNvPr id="36" name="Block Arc 35"/>
+          <p:cNvSpPr/>
+          <p:nvPr/>
+        </p:nvSpPr>
+        <p:spPr>
+          <a:xfrm rot="14296848">
+            <a:off x="4587328" y="4174544"/>
+            <a:ext cx="1472184" cy="1472184"/>
+          </a:xfrm>
+          <a:prstGeom prst="blockArc">
+            <a:avLst>
+              <a:gd name="adj1" fmla="val 9712559"/>
+              <a:gd name="adj2" fmla="val 14204526"/>
+              <a:gd name="adj3" fmla="val 47367"/>
+            </a:avLst>
+          </a:prstGeom>
+          <a:pattFill prst="wdUpDiag">
+            <a:fgClr>
+              <a:schemeClr val="tx1"/>
+            </a:fgClr>
+            <a:bgClr>
+              <a:prstClr val="white"/>
+            </a:bgClr>
+          </a:pattFill>
+          <a:ln>
+            <a:solidFill>
+              <a:srgbClr val="000000"/>
+            </a:solidFill>
+          </a:ln>
+        </p:spPr>
+        <p:style>
+          <a:lnRef idx="2">
+            <a:schemeClr val="accent1">
+              <a:shade val="50000"/>
+            </a:schemeClr>
+          </a:lnRef>
+          <a:fillRef idx="1">
+            <a:schemeClr val="accent1"/>
+          </a:fillRef>
+          <a:effectRef idx="0">
+            <a:schemeClr val="accent1"/>
+          </a:effectRef>
+          <a:fontRef idx="minor">
+            <a:schemeClr val="lt1"/>
+          </a:fontRef>
+        </p:style>
+        <p:txBody>
+          <a:bodyPr rtlCol="0" anchor="ctr"/>
+          <a:lstStyle/>
+          <a:p>
+            <a:pPr algn="ctr"/>
+            <a:endParaRPr lang="en-US">
+              <a:solidFill>
+                <a:schemeClr val="tx1"/>
+              </a:solidFill>
+            </a:endParaRPr>
           </a:p>
         </p:txBody>
       </p:sp>
     </p:spTree>
     <p:extLst>
       <p:ext uri="{BB962C8B-B14F-4D97-AF65-F5344CB8AC3E}">
-        <p14:creationId xmlns:p14="http://schemas.microsoft.com/office/powerpoint/2010/main" val="655307860"/>
+        <p14:creationId xmlns:p14="http://schemas.microsoft.com/office/powerpoint/2010/main" val="864952232"/>
       </p:ext>
     </p:extLst>
   </p:cSld>
@@ -19251,13 +19631,13 @@
       </p:grpSpPr>
       <p:sp>
         <p:nvSpPr>
-          <p:cNvPr id="56" name="Oval 55"/>
+          <p:cNvPr id="39" name="Oval 38"/>
           <p:cNvSpPr/>
           <p:nvPr/>
         </p:nvSpPr>
         <p:spPr>
           <a:xfrm>
-            <a:off x="1126771" y="1488968"/>
+            <a:off x="1739341" y="1536106"/>
             <a:ext cx="1475946" cy="1475946"/>
           </a:xfrm>
           <a:prstGeom prst="ellipse">
@@ -19295,198 +19675,6 @@
           </a:p>
         </p:txBody>
       </p:sp>
-      <p:sp>
-        <p:nvSpPr>
-          <p:cNvPr id="55" name="Oval 54"/>
-          <p:cNvSpPr/>
-          <p:nvPr/>
-        </p:nvSpPr>
-        <p:spPr>
-          <a:xfrm>
-            <a:off x="3286374" y="1388596"/>
-            <a:ext cx="1475946" cy="1475946"/>
-          </a:xfrm>
-          <a:prstGeom prst="ellipse">
-            <a:avLst/>
-          </a:prstGeom>
-          <a:ln>
-            <a:solidFill>
-              <a:schemeClr val="bg1">
-                <a:lumMod val="65000"/>
-              </a:schemeClr>
-            </a:solidFill>
-            <a:prstDash val="dash"/>
-          </a:ln>
-        </p:spPr>
-        <p:style>
-          <a:lnRef idx="2">
-            <a:schemeClr val="dk1"/>
-          </a:lnRef>
-          <a:fillRef idx="1">
-            <a:schemeClr val="lt1"/>
-          </a:fillRef>
-          <a:effectRef idx="0">
-            <a:schemeClr val="dk1"/>
-          </a:effectRef>
-          <a:fontRef idx="minor">
-            <a:schemeClr val="dk1"/>
-          </a:fontRef>
-        </p:style>
-        <p:txBody>
-          <a:bodyPr rtlCol="0" anchor="ctr"/>
-          <a:lstStyle/>
-          <a:p>
-            <a:pPr algn="ctr"/>
-            <a:endParaRPr lang="en-US"/>
-          </a:p>
-        </p:txBody>
-      </p:sp>
-      <p:sp>
-        <p:nvSpPr>
-          <p:cNvPr id="49" name="Block Arc 48"/>
-          <p:cNvSpPr/>
-          <p:nvPr/>
-        </p:nvSpPr>
-        <p:spPr>
-          <a:xfrm rot="11773174">
-            <a:off x="3269532" y="1403839"/>
-            <a:ext cx="1472184" cy="1472184"/>
-          </a:xfrm>
-          <a:prstGeom prst="blockArc">
-            <a:avLst>
-              <a:gd name="adj1" fmla="val 8808739"/>
-              <a:gd name="adj2" fmla="val 14204526"/>
-              <a:gd name="adj3" fmla="val 47367"/>
-            </a:avLst>
-          </a:prstGeom>
-          <a:solidFill>
-            <a:srgbClr val="8EB4E3"/>
-          </a:solidFill>
-          <a:ln>
-            <a:solidFill>
-              <a:srgbClr val="000000"/>
-            </a:solidFill>
-          </a:ln>
-        </p:spPr>
-        <p:style>
-          <a:lnRef idx="2">
-            <a:schemeClr val="accent1">
-              <a:shade val="50000"/>
-            </a:schemeClr>
-          </a:lnRef>
-          <a:fillRef idx="1">
-            <a:schemeClr val="accent1"/>
-          </a:fillRef>
-          <a:effectRef idx="0">
-            <a:schemeClr val="accent1"/>
-          </a:effectRef>
-          <a:fontRef idx="minor">
-            <a:schemeClr val="lt1"/>
-          </a:fontRef>
-        </p:style>
-        <p:txBody>
-          <a:bodyPr rtlCol="0" anchor="ctr"/>
-          <a:lstStyle/>
-          <a:p>
-            <a:pPr algn="ctr"/>
-            <a:endParaRPr lang="en-US">
-              <a:solidFill>
-                <a:schemeClr val="tx1"/>
-              </a:solidFill>
-            </a:endParaRPr>
-          </a:p>
-        </p:txBody>
-      </p:sp>
-      <p:sp>
-        <p:nvSpPr>
-          <p:cNvPr id="48" name="Block Arc 47"/>
-          <p:cNvSpPr/>
-          <p:nvPr/>
-        </p:nvSpPr>
-        <p:spPr>
-          <a:xfrm rot="19668732">
-            <a:off x="3289206" y="1407125"/>
-            <a:ext cx="1472184" cy="1472184"/>
-          </a:xfrm>
-          <a:prstGeom prst="blockArc">
-            <a:avLst>
-              <a:gd name="adj1" fmla="val 8808739"/>
-              <a:gd name="adj2" fmla="val 14204526"/>
-              <a:gd name="adj3" fmla="val 47367"/>
-            </a:avLst>
-          </a:prstGeom>
-          <a:solidFill>
-            <a:srgbClr val="8EB4E3"/>
-          </a:solidFill>
-          <a:ln>
-            <a:solidFill>
-              <a:srgbClr val="000000"/>
-            </a:solidFill>
-          </a:ln>
-        </p:spPr>
-        <p:style>
-          <a:lnRef idx="2">
-            <a:schemeClr val="accent1">
-              <a:shade val="50000"/>
-            </a:schemeClr>
-          </a:lnRef>
-          <a:fillRef idx="1">
-            <a:schemeClr val="accent1"/>
-          </a:fillRef>
-          <a:effectRef idx="0">
-            <a:schemeClr val="accent1"/>
-          </a:effectRef>
-          <a:fontRef idx="minor">
-            <a:schemeClr val="lt1"/>
-          </a:fontRef>
-        </p:style>
-        <p:txBody>
-          <a:bodyPr rtlCol="0" anchor="ctr"/>
-          <a:lstStyle/>
-          <a:p>
-            <a:pPr algn="ctr"/>
-            <a:endParaRPr lang="en-US">
-              <a:solidFill>
-                <a:schemeClr val="tx1"/>
-              </a:solidFill>
-            </a:endParaRPr>
-          </a:p>
-        </p:txBody>
-      </p:sp>
-      <p:sp>
-        <p:nvSpPr>
-          <p:cNvPr id="5" name="TextBox 4"/>
-          <p:cNvSpPr txBox="1"/>
-          <p:nvPr/>
-        </p:nvSpPr>
-        <p:spPr>
-          <a:xfrm>
-            <a:off x="1459306" y="2865362"/>
-            <a:ext cx="1819858" cy="461665"/>
-          </a:xfrm>
-          <a:prstGeom prst="rect">
-            <a:avLst/>
-          </a:prstGeom>
-          <a:noFill/>
-        </p:spPr>
-        <p:txBody>
-          <a:bodyPr wrap="square" rtlCol="0">
-            <a:spAutoFit/>
-          </a:bodyPr>
-          <a:lstStyle/>
-          <a:p>
-            <a:r>
-              <a:rPr lang="en-US" sz="2400" dirty="0" smtClean="0"/>
-              <a:t>g</a:t>
-            </a:r>
-            <a:r>
-              <a:rPr lang="en-US" sz="2400" baseline="-25000" dirty="0" smtClean="0"/>
-              <a:t>start</a:t>
-            </a:r>
-            <a:endParaRPr lang="en-US" sz="2400" dirty="0"/>
-          </a:p>
-        </p:txBody>
-      </p:sp>
       <p:cxnSp>
         <p:nvCxnSpPr>
           <p:cNvPr id="6" name="Straight Arrow Connector 5"/>
@@ -19495,7 +19683,7 @@
         </p:nvCxnSpPr>
         <p:spPr>
           <a:xfrm>
-            <a:off x="1833718" y="2217600"/>
+            <a:off x="2443757" y="2264725"/>
             <a:ext cx="224845" cy="736092"/>
           </a:xfrm>
           <a:prstGeom prst="straightConnector1">
@@ -19529,7 +19717,7 @@
         </p:nvCxnSpPr>
         <p:spPr>
           <a:xfrm flipH="1">
-            <a:off x="1209150" y="2226941"/>
+            <a:off x="1819189" y="2274066"/>
             <a:ext cx="631433" cy="375772"/>
           </a:xfrm>
           <a:prstGeom prst="straightConnector1">
@@ -19567,7 +19755,7 @@
         </p:nvSpPr>
         <p:spPr>
           <a:xfrm>
-            <a:off x="1801987" y="2206345"/>
+            <a:off x="2412026" y="2253470"/>
             <a:ext cx="65289" cy="65289"/>
           </a:xfrm>
           <a:prstGeom prst="ellipse">
@@ -19607,7 +19795,7 @@
         </p:nvCxnSpPr>
         <p:spPr>
           <a:xfrm rot="19527167">
-            <a:off x="2027176" y="2115343"/>
+            <a:off x="2637215" y="2162468"/>
             <a:ext cx="224845" cy="736092"/>
           </a:xfrm>
           <a:prstGeom prst="straightConnector1">
@@ -19647,7 +19835,7 @@
         </p:nvCxnSpPr>
         <p:spPr>
           <a:xfrm rot="19527167" flipH="1">
-            <a:off x="1380027" y="2393704"/>
+            <a:off x="1990066" y="2440829"/>
             <a:ext cx="631433" cy="375772"/>
           </a:xfrm>
           <a:prstGeom prst="straightConnector1">
@@ -19681,7 +19869,7 @@
         </p:nvSpPr>
         <p:spPr>
           <a:xfrm rot="19527167">
-            <a:off x="1818524" y="2228452"/>
+            <a:off x="2428563" y="2275577"/>
             <a:ext cx="65289" cy="65289"/>
           </a:xfrm>
           <a:prstGeom prst="ellipse">
@@ -19715,14 +19903,14 @@
       </p:sp>
       <p:sp>
         <p:nvSpPr>
-          <p:cNvPr id="23" name="TextBox 22"/>
+          <p:cNvPr id="14" name="TextBox 13"/>
           <p:cNvSpPr txBox="1"/>
           <p:nvPr/>
         </p:nvSpPr>
         <p:spPr>
           <a:xfrm>
-            <a:off x="5638485" y="2676833"/>
-            <a:ext cx="672032" cy="399357"/>
+            <a:off x="4085102" y="1106816"/>
+            <a:ext cx="776882" cy="461665"/>
           </a:xfrm>
           <a:prstGeom prst="rect">
             <a:avLst/>
@@ -19740,6 +19928,465 @@
               <a:t>V</a:t>
             </a:r>
             <a:r>
+              <a:rPr lang="en-US" sz="2400" baseline="30000" dirty="0" smtClean="0"/>
+              <a:t>1</a:t>
+            </a:r>
+            <a:endParaRPr lang="en-US" sz="2400" baseline="30000" dirty="0"/>
+          </a:p>
+        </p:txBody>
+      </p:sp>
+      <p:sp>
+        <p:nvSpPr>
+          <p:cNvPr id="15" name="Freeform 14"/>
+          <p:cNvSpPr/>
+          <p:nvPr/>
+        </p:nvSpPr>
+        <p:spPr>
+          <a:xfrm>
+            <a:off x="3525634" y="1646753"/>
+            <a:ext cx="2041108" cy="1314791"/>
+          </a:xfrm>
+          <a:custGeom>
+            <a:avLst/>
+            <a:gdLst>
+              <a:gd name="connsiteX0" fmla="*/ 1187622 w 2917568"/>
+              <a:gd name="connsiteY0" fmla="*/ 1393567 h 2128108"/>
+              <a:gd name="connsiteX1" fmla="*/ 2780271 w 2917568"/>
+              <a:gd name="connsiteY1" fmla="*/ 1002270 h 2128108"/>
+              <a:gd name="connsiteX2" fmla="*/ 2917568 w 2917568"/>
+              <a:gd name="connsiteY2" fmla="*/ 1729945 h 2128108"/>
+              <a:gd name="connsiteX3" fmla="*/ 926757 w 2917568"/>
+              <a:gd name="connsiteY3" fmla="*/ 2128108 h 2128108"/>
+              <a:gd name="connsiteX4" fmla="*/ 0 w 2917568"/>
+              <a:gd name="connsiteY4" fmla="*/ 377567 h 2128108"/>
+              <a:gd name="connsiteX5" fmla="*/ 466811 w 2917568"/>
+              <a:gd name="connsiteY5" fmla="*/ 0 h 2128108"/>
+              <a:gd name="connsiteX6" fmla="*/ 1187622 w 2917568"/>
+              <a:gd name="connsiteY6" fmla="*/ 1393567 h 2128108"/>
+              <a:gd name="connsiteX0" fmla="*/ 1187622 w 2835190"/>
+              <a:gd name="connsiteY0" fmla="*/ 1393567 h 2128108"/>
+              <a:gd name="connsiteX1" fmla="*/ 2780271 w 2835190"/>
+              <a:gd name="connsiteY1" fmla="*/ 1002270 h 2128108"/>
+              <a:gd name="connsiteX2" fmla="*/ 2835190 w 2835190"/>
+              <a:gd name="connsiteY2" fmla="*/ 1530864 h 2128108"/>
+              <a:gd name="connsiteX3" fmla="*/ 926757 w 2835190"/>
+              <a:gd name="connsiteY3" fmla="*/ 2128108 h 2128108"/>
+              <a:gd name="connsiteX4" fmla="*/ 0 w 2835190"/>
+              <a:gd name="connsiteY4" fmla="*/ 377567 h 2128108"/>
+              <a:gd name="connsiteX5" fmla="*/ 466811 w 2835190"/>
+              <a:gd name="connsiteY5" fmla="*/ 0 h 2128108"/>
+              <a:gd name="connsiteX6" fmla="*/ 1187622 w 2835190"/>
+              <a:gd name="connsiteY6" fmla="*/ 1393567 h 2128108"/>
+              <a:gd name="connsiteX0" fmla="*/ 995406 w 2642974"/>
+              <a:gd name="connsiteY0" fmla="*/ 1393567 h 2128108"/>
+              <a:gd name="connsiteX1" fmla="*/ 2588055 w 2642974"/>
+              <a:gd name="connsiteY1" fmla="*/ 1002270 h 2128108"/>
+              <a:gd name="connsiteX2" fmla="*/ 2642974 w 2642974"/>
+              <a:gd name="connsiteY2" fmla="*/ 1530864 h 2128108"/>
+              <a:gd name="connsiteX3" fmla="*/ 734541 w 2642974"/>
+              <a:gd name="connsiteY3" fmla="*/ 2128108 h 2128108"/>
+              <a:gd name="connsiteX4" fmla="*/ 0 w 2642974"/>
+              <a:gd name="connsiteY4" fmla="*/ 761999 h 2128108"/>
+              <a:gd name="connsiteX5" fmla="*/ 274595 w 2642974"/>
+              <a:gd name="connsiteY5" fmla="*/ 0 h 2128108"/>
+              <a:gd name="connsiteX6" fmla="*/ 995406 w 2642974"/>
+              <a:gd name="connsiteY6" fmla="*/ 1393567 h 2128108"/>
+              <a:gd name="connsiteX0" fmla="*/ 995406 w 2642974"/>
+              <a:gd name="connsiteY0" fmla="*/ 967945 h 1702486"/>
+              <a:gd name="connsiteX1" fmla="*/ 2588055 w 2642974"/>
+              <a:gd name="connsiteY1" fmla="*/ 576648 h 1702486"/>
+              <a:gd name="connsiteX2" fmla="*/ 2642974 w 2642974"/>
+              <a:gd name="connsiteY2" fmla="*/ 1105242 h 1702486"/>
+              <a:gd name="connsiteX3" fmla="*/ 734541 w 2642974"/>
+              <a:gd name="connsiteY3" fmla="*/ 1702486 h 1702486"/>
+              <a:gd name="connsiteX4" fmla="*/ 0 w 2642974"/>
+              <a:gd name="connsiteY4" fmla="*/ 336377 h 1702486"/>
+              <a:gd name="connsiteX5" fmla="*/ 453081 w 2642974"/>
+              <a:gd name="connsiteY5" fmla="*/ 0 h 1702486"/>
+              <a:gd name="connsiteX6" fmla="*/ 995406 w 2642974"/>
+              <a:gd name="connsiteY6" fmla="*/ 967945 h 1702486"/>
+            </a:gdLst>
+            <a:ahLst/>
+            <a:cxnLst>
+              <a:cxn ang="0">
+                <a:pos x="connsiteX0" y="connsiteY0"/>
+              </a:cxn>
+              <a:cxn ang="0">
+                <a:pos x="connsiteX1" y="connsiteY1"/>
+              </a:cxn>
+              <a:cxn ang="0">
+                <a:pos x="connsiteX2" y="connsiteY2"/>
+              </a:cxn>
+              <a:cxn ang="0">
+                <a:pos x="connsiteX3" y="connsiteY3"/>
+              </a:cxn>
+              <a:cxn ang="0">
+                <a:pos x="connsiteX4" y="connsiteY4"/>
+              </a:cxn>
+              <a:cxn ang="0">
+                <a:pos x="connsiteX5" y="connsiteY5"/>
+              </a:cxn>
+              <a:cxn ang="0">
+                <a:pos x="connsiteX6" y="connsiteY6"/>
+              </a:cxn>
+            </a:cxnLst>
+            <a:rect l="l" t="t" r="r" b="b"/>
+            <a:pathLst>
+              <a:path w="2642974" h="1702486">
+                <a:moveTo>
+                  <a:pt x="995406" y="967945"/>
+                </a:moveTo>
+                <a:lnTo>
+                  <a:pt x="2588055" y="576648"/>
+                </a:lnTo>
+                <a:lnTo>
+                  <a:pt x="2642974" y="1105242"/>
+                </a:lnTo>
+                <a:lnTo>
+                  <a:pt x="734541" y="1702486"/>
+                </a:lnTo>
+                <a:lnTo>
+                  <a:pt x="0" y="336377"/>
+                </a:lnTo>
+                <a:lnTo>
+                  <a:pt x="453081" y="0"/>
+                </a:lnTo>
+                <a:lnTo>
+                  <a:pt x="995406" y="967945"/>
+                </a:lnTo>
+                <a:close/>
+              </a:path>
+            </a:pathLst>
+          </a:custGeom>
+          <a:gradFill flip="none" rotWithShape="1">
+            <a:gsLst>
+              <a:gs pos="0">
+                <a:schemeClr val="accent1">
+                  <a:tint val="100000"/>
+                  <a:shade val="100000"/>
+                  <a:satMod val="130000"/>
+                  <a:alpha val="15000"/>
+                </a:schemeClr>
+              </a:gs>
+              <a:gs pos="100000">
+                <a:schemeClr val="accent1">
+                  <a:tint val="50000"/>
+                  <a:shade val="100000"/>
+                  <a:satMod val="350000"/>
+                  <a:alpha val="15000"/>
+                </a:schemeClr>
+              </a:gs>
+            </a:gsLst>
+            <a:lin ang="16200000" scaled="0"/>
+            <a:tileRect/>
+          </a:gradFill>
+        </p:spPr>
+        <p:style>
+          <a:lnRef idx="1">
+            <a:schemeClr val="accent1"/>
+          </a:lnRef>
+          <a:fillRef idx="3">
+            <a:schemeClr val="accent1"/>
+          </a:fillRef>
+          <a:effectRef idx="2">
+            <a:schemeClr val="accent1"/>
+          </a:effectRef>
+          <a:fontRef idx="minor">
+            <a:schemeClr val="lt1"/>
+          </a:fontRef>
+        </p:style>
+        <p:txBody>
+          <a:bodyPr rtlCol="0" anchor="ctr"/>
+          <a:lstStyle/>
+          <a:p>
+            <a:pPr algn="ctr"/>
+            <a:endParaRPr lang="en-US"/>
+          </a:p>
+        </p:txBody>
+      </p:sp>
+      <p:sp>
+        <p:nvSpPr>
+          <p:cNvPr id="16" name="Oval 15"/>
+          <p:cNvSpPr/>
+          <p:nvPr/>
+        </p:nvSpPr>
+        <p:spPr>
+          <a:xfrm>
+            <a:off x="4283922" y="2367766"/>
+            <a:ext cx="47554" cy="47554"/>
+          </a:xfrm>
+          <a:prstGeom prst="ellipse">
+            <a:avLst/>
+          </a:prstGeom>
+        </p:spPr>
+        <p:style>
+          <a:lnRef idx="2">
+            <a:schemeClr val="dk1">
+              <a:shade val="50000"/>
+            </a:schemeClr>
+          </a:lnRef>
+          <a:fillRef idx="1">
+            <a:schemeClr val="dk1"/>
+          </a:fillRef>
+          <a:effectRef idx="0">
+            <a:schemeClr val="dk1"/>
+          </a:effectRef>
+          <a:fontRef idx="minor">
+            <a:schemeClr val="lt1"/>
+          </a:fontRef>
+        </p:style>
+        <p:txBody>
+          <a:bodyPr rtlCol="0" anchor="ctr"/>
+          <a:lstStyle/>
+          <a:p>
+            <a:pPr algn="ctr"/>
+            <a:endParaRPr lang="en-US"/>
+          </a:p>
+        </p:txBody>
+      </p:sp>
+      <p:cxnSp>
+        <p:nvCxnSpPr>
+          <p:cNvPr id="17" name="Straight Arrow Connector 16"/>
+          <p:cNvCxnSpPr/>
+          <p:nvPr/>
+        </p:nvCxnSpPr>
+        <p:spPr>
+          <a:xfrm flipH="1" flipV="1">
+            <a:off x="3981570" y="1848213"/>
+            <a:ext cx="328699" cy="543329"/>
+          </a:xfrm>
+          <a:prstGeom prst="straightConnector1">
+            <a:avLst/>
+          </a:prstGeom>
+          <a:ln w="28575" cmpd="sng">
+            <a:tailEnd type="arrow"/>
+          </a:ln>
+          <a:effectLst/>
+        </p:spPr>
+        <p:style>
+          <a:lnRef idx="2">
+            <a:schemeClr val="dk1"/>
+          </a:lnRef>
+          <a:fillRef idx="0">
+            <a:schemeClr val="dk1"/>
+          </a:fillRef>
+          <a:effectRef idx="1">
+            <a:schemeClr val="dk1"/>
+          </a:effectRef>
+          <a:fontRef idx="minor">
+            <a:schemeClr val="tx1"/>
+          </a:fontRef>
+        </p:style>
+      </p:cxnSp>
+      <p:sp>
+        <p:nvSpPr>
+          <p:cNvPr id="18" name="Rectangle 17"/>
+          <p:cNvSpPr/>
+          <p:nvPr/>
+        </p:nvSpPr>
+        <p:spPr>
+          <a:xfrm rot="20687964">
+            <a:off x="4333332" y="2371540"/>
+            <a:ext cx="125907" cy="125907"/>
+          </a:xfrm>
+          <a:prstGeom prst="rect">
+            <a:avLst/>
+          </a:prstGeom>
+          <a:ln w="12700" cmpd="sng"/>
+        </p:spPr>
+        <p:style>
+          <a:lnRef idx="2">
+            <a:schemeClr val="dk1"/>
+          </a:lnRef>
+          <a:fillRef idx="1">
+            <a:schemeClr val="lt1"/>
+          </a:fillRef>
+          <a:effectRef idx="0">
+            <a:schemeClr val="dk1"/>
+          </a:effectRef>
+          <a:fontRef idx="minor">
+            <a:schemeClr val="dk1"/>
+          </a:fontRef>
+        </p:style>
+        <p:txBody>
+          <a:bodyPr rtlCol="0" anchor="ctr"/>
+          <a:lstStyle/>
+          <a:p>
+            <a:pPr algn="ctr"/>
+            <a:endParaRPr lang="en-US"/>
+          </a:p>
+        </p:txBody>
+      </p:sp>
+      <p:cxnSp>
+        <p:nvCxnSpPr>
+          <p:cNvPr id="19" name="Straight Arrow Connector 18"/>
+          <p:cNvCxnSpPr>
+            <a:stCxn id="15" idx="0"/>
+          </p:cNvCxnSpPr>
+          <p:nvPr/>
+        </p:nvCxnSpPr>
+        <p:spPr>
+          <a:xfrm flipV="1">
+            <a:off x="4294363" y="2250995"/>
+            <a:ext cx="583173" cy="143280"/>
+          </a:xfrm>
+          <a:prstGeom prst="straightConnector1">
+            <a:avLst/>
+          </a:prstGeom>
+          <a:ln w="28575" cmpd="sng">
+            <a:tailEnd type="arrow"/>
+          </a:ln>
+          <a:effectLst/>
+        </p:spPr>
+        <p:style>
+          <a:lnRef idx="2">
+            <a:schemeClr val="dk1"/>
+          </a:lnRef>
+          <a:fillRef idx="0">
+            <a:schemeClr val="dk1"/>
+          </a:fillRef>
+          <a:effectRef idx="1">
+            <a:schemeClr val="dk1"/>
+          </a:effectRef>
+          <a:fontRef idx="minor">
+            <a:schemeClr val="tx1"/>
+          </a:fontRef>
+        </p:style>
+      </p:cxnSp>
+      <p:sp>
+        <p:nvSpPr>
+          <p:cNvPr id="20" name="Rectangle 19"/>
+          <p:cNvSpPr/>
+          <p:nvPr/>
+        </p:nvSpPr>
+        <p:spPr>
+          <a:xfrm rot="19808676">
+            <a:off x="4157815" y="2305545"/>
+            <a:ext cx="121079" cy="121079"/>
+          </a:xfrm>
+          <a:prstGeom prst="rect">
+            <a:avLst/>
+          </a:prstGeom>
+          <a:ln w="12700" cmpd="sng"/>
+        </p:spPr>
+        <p:style>
+          <a:lnRef idx="2">
+            <a:schemeClr val="dk1"/>
+          </a:lnRef>
+          <a:fillRef idx="1">
+            <a:schemeClr val="lt1"/>
+          </a:fillRef>
+          <a:effectRef idx="0">
+            <a:schemeClr val="dk1"/>
+          </a:effectRef>
+          <a:fontRef idx="minor">
+            <a:schemeClr val="dk1"/>
+          </a:fontRef>
+        </p:style>
+        <p:txBody>
+          <a:bodyPr rtlCol="0" anchor="ctr"/>
+          <a:lstStyle/>
+          <a:p>
+            <a:pPr algn="ctr"/>
+            <a:endParaRPr lang="en-US"/>
+          </a:p>
+        </p:txBody>
+      </p:sp>
+      <p:cxnSp>
+        <p:nvCxnSpPr>
+          <p:cNvPr id="21" name="Straight Arrow Connector 20"/>
+          <p:cNvCxnSpPr/>
+          <p:nvPr/>
+        </p:nvCxnSpPr>
+        <p:spPr>
+          <a:xfrm>
+            <a:off x="4310277" y="2404859"/>
+            <a:ext cx="163266" cy="556685"/>
+          </a:xfrm>
+          <a:prstGeom prst="straightConnector1">
+            <a:avLst/>
+          </a:prstGeom>
+          <a:ln w="28575" cmpd="sng">
+            <a:tailEnd type="arrow"/>
+          </a:ln>
+          <a:effectLst/>
+        </p:spPr>
+        <p:style>
+          <a:lnRef idx="2">
+            <a:schemeClr val="dk1"/>
+          </a:lnRef>
+          <a:fillRef idx="0">
+            <a:schemeClr val="dk1"/>
+          </a:fillRef>
+          <a:effectRef idx="1">
+            <a:schemeClr val="dk1"/>
+          </a:effectRef>
+          <a:fontRef idx="minor">
+            <a:schemeClr val="tx1"/>
+          </a:fontRef>
+        </p:style>
+      </p:cxnSp>
+      <p:cxnSp>
+        <p:nvCxnSpPr>
+          <p:cNvPr id="22" name="Straight Arrow Connector 21"/>
+          <p:cNvCxnSpPr/>
+          <p:nvPr/>
+        </p:nvCxnSpPr>
+        <p:spPr>
+          <a:xfrm flipH="1">
+            <a:off x="3868878" y="2385634"/>
+            <a:ext cx="442769" cy="209285"/>
+          </a:xfrm>
+          <a:prstGeom prst="straightConnector1">
+            <a:avLst/>
+          </a:prstGeom>
+          <a:ln w="28575" cmpd="sng">
+            <a:tailEnd type="arrow"/>
+          </a:ln>
+          <a:effectLst/>
+        </p:spPr>
+        <p:style>
+          <a:lnRef idx="2">
+            <a:schemeClr val="dk1"/>
+          </a:lnRef>
+          <a:fillRef idx="0">
+            <a:schemeClr val="dk1"/>
+          </a:fillRef>
+          <a:effectRef idx="1">
+            <a:schemeClr val="dk1"/>
+          </a:effectRef>
+          <a:fontRef idx="minor">
+            <a:schemeClr val="tx1"/>
+          </a:fontRef>
+        </p:style>
+      </p:cxnSp>
+      <p:sp>
+        <p:nvSpPr>
+          <p:cNvPr id="23" name="TextBox 22"/>
+          <p:cNvSpPr txBox="1"/>
+          <p:nvPr/>
+        </p:nvSpPr>
+        <p:spPr>
+          <a:xfrm>
+            <a:off x="6522706" y="1175077"/>
+            <a:ext cx="776882" cy="461665"/>
+          </a:xfrm>
+          <a:prstGeom prst="rect">
+            <a:avLst/>
+          </a:prstGeom>
+          <a:noFill/>
+        </p:spPr>
+        <p:txBody>
+          <a:bodyPr wrap="square" rtlCol="0">
+            <a:spAutoFit/>
+          </a:bodyPr>
+          <a:lstStyle/>
+          <a:p>
+            <a:r>
+              <a:rPr lang="en-US" sz="2400" dirty="0" smtClean="0"/>
+              <a:t>V</a:t>
+            </a:r>
+            <a:r>
               <a:rPr lang="en-US" sz="2400" baseline="-25000" dirty="0" smtClean="0"/>
               <a:t>cc</a:t>
             </a:r>
@@ -19755,8 +20402,8 @@
         </p:nvSpPr>
         <p:spPr>
           <a:xfrm rot="19635414">
-            <a:off x="5181505" y="2771876"/>
-            <a:ext cx="1675681" cy="979354"/>
+            <a:off x="5984956" y="1597539"/>
+            <a:ext cx="1937121" cy="1132153"/>
           </a:xfrm>
           <a:custGeom>
             <a:avLst/>
@@ -19980,6 +20627,1117 @@
         </p:nvSpPr>
         <p:spPr>
           <a:xfrm rot="19635414">
+            <a:off x="6914648" y="2362018"/>
+            <a:ext cx="47554" cy="47554"/>
+          </a:xfrm>
+          <a:prstGeom prst="ellipse">
+            <a:avLst/>
+          </a:prstGeom>
+        </p:spPr>
+        <p:style>
+          <a:lnRef idx="2">
+            <a:schemeClr val="dk1">
+              <a:shade val="50000"/>
+            </a:schemeClr>
+          </a:lnRef>
+          <a:fillRef idx="1">
+            <a:schemeClr val="dk1"/>
+          </a:fillRef>
+          <a:effectRef idx="0">
+            <a:schemeClr val="dk1"/>
+          </a:effectRef>
+          <a:fontRef idx="minor">
+            <a:schemeClr val="lt1"/>
+          </a:fontRef>
+        </p:style>
+        <p:txBody>
+          <a:bodyPr rtlCol="0" anchor="ctr"/>
+          <a:lstStyle/>
+          <a:p>
+            <a:pPr algn="ctr"/>
+            <a:endParaRPr lang="en-US"/>
+          </a:p>
+        </p:txBody>
+      </p:sp>
+      <p:cxnSp>
+        <p:nvCxnSpPr>
+          <p:cNvPr id="26" name="Straight Arrow Connector 25"/>
+          <p:cNvCxnSpPr/>
+          <p:nvPr/>
+        </p:nvCxnSpPr>
+        <p:spPr>
+          <a:xfrm rot="19635414" flipH="1" flipV="1">
+            <a:off x="6491066" y="1973134"/>
+            <a:ext cx="328699" cy="543329"/>
+          </a:xfrm>
+          <a:prstGeom prst="straightConnector1">
+            <a:avLst/>
+          </a:prstGeom>
+          <a:ln w="28575" cmpd="sng">
+            <a:tailEnd type="arrow"/>
+          </a:ln>
+          <a:effectLst/>
+        </p:spPr>
+        <p:style>
+          <a:lnRef idx="2">
+            <a:schemeClr val="dk1"/>
+          </a:lnRef>
+          <a:fillRef idx="0">
+            <a:schemeClr val="dk1"/>
+          </a:fillRef>
+          <a:effectRef idx="1">
+            <a:schemeClr val="dk1"/>
+          </a:effectRef>
+          <a:fontRef idx="minor">
+            <a:schemeClr val="tx1"/>
+          </a:fontRef>
+        </p:style>
+      </p:cxnSp>
+      <p:sp>
+        <p:nvSpPr>
+          <p:cNvPr id="27" name="Rectangle 26"/>
+          <p:cNvSpPr/>
+          <p:nvPr/>
+        </p:nvSpPr>
+        <p:spPr>
+          <a:xfrm rot="18723378">
+            <a:off x="6973213" y="2311054"/>
+            <a:ext cx="125907" cy="125907"/>
+          </a:xfrm>
+          <a:prstGeom prst="rect">
+            <a:avLst/>
+          </a:prstGeom>
+          <a:ln w="12700" cmpd="sng"/>
+        </p:spPr>
+        <p:style>
+          <a:lnRef idx="2">
+            <a:schemeClr val="dk1"/>
+          </a:lnRef>
+          <a:fillRef idx="1">
+            <a:schemeClr val="lt1"/>
+          </a:fillRef>
+          <a:effectRef idx="0">
+            <a:schemeClr val="dk1"/>
+          </a:effectRef>
+          <a:fontRef idx="minor">
+            <a:schemeClr val="dk1"/>
+          </a:fontRef>
+        </p:style>
+        <p:txBody>
+          <a:bodyPr rtlCol="0" anchor="ctr"/>
+          <a:lstStyle/>
+          <a:p>
+            <a:pPr algn="ctr"/>
+            <a:endParaRPr lang="en-US"/>
+          </a:p>
+        </p:txBody>
+      </p:sp>
+      <p:cxnSp>
+        <p:nvCxnSpPr>
+          <p:cNvPr id="28" name="Straight Arrow Connector 27"/>
+          <p:cNvCxnSpPr>
+            <a:stCxn id="24" idx="0"/>
+          </p:cNvCxnSpPr>
+          <p:nvPr/>
+        </p:nvCxnSpPr>
+        <p:spPr>
+          <a:xfrm flipV="1">
+            <a:off x="6928686" y="1959372"/>
+            <a:ext cx="413013" cy="435934"/>
+          </a:xfrm>
+          <a:prstGeom prst="straightConnector1">
+            <a:avLst/>
+          </a:prstGeom>
+          <a:ln w="28575" cmpd="sng">
+            <a:tailEnd type="arrow"/>
+          </a:ln>
+          <a:effectLst/>
+        </p:spPr>
+        <p:style>
+          <a:lnRef idx="2">
+            <a:schemeClr val="dk1"/>
+          </a:lnRef>
+          <a:fillRef idx="0">
+            <a:schemeClr val="dk1"/>
+          </a:fillRef>
+          <a:effectRef idx="1">
+            <a:schemeClr val="dk1"/>
+          </a:effectRef>
+          <a:fontRef idx="minor">
+            <a:schemeClr val="tx1"/>
+          </a:fontRef>
+        </p:style>
+      </p:cxnSp>
+      <p:sp>
+        <p:nvSpPr>
+          <p:cNvPr id="29" name="Rectangle 28"/>
+          <p:cNvSpPr/>
+          <p:nvPr/>
+        </p:nvSpPr>
+        <p:spPr>
+          <a:xfrm rot="17844090">
+            <a:off x="6788968" y="2352167"/>
+            <a:ext cx="121079" cy="121079"/>
+          </a:xfrm>
+          <a:prstGeom prst="rect">
+            <a:avLst/>
+          </a:prstGeom>
+          <a:ln w="12700" cmpd="sng"/>
+        </p:spPr>
+        <p:style>
+          <a:lnRef idx="2">
+            <a:schemeClr val="dk1"/>
+          </a:lnRef>
+          <a:fillRef idx="1">
+            <a:schemeClr val="lt1"/>
+          </a:fillRef>
+          <a:effectRef idx="0">
+            <a:schemeClr val="dk1"/>
+          </a:effectRef>
+          <a:fontRef idx="minor">
+            <a:schemeClr val="dk1"/>
+          </a:fontRef>
+        </p:style>
+        <p:txBody>
+          <a:bodyPr rtlCol="0" anchor="ctr"/>
+          <a:lstStyle/>
+          <a:p>
+            <a:pPr algn="ctr"/>
+            <a:endParaRPr lang="en-US"/>
+          </a:p>
+        </p:txBody>
+      </p:sp>
+      <p:cxnSp>
+        <p:nvCxnSpPr>
+          <p:cNvPr id="30" name="Straight Arrow Connector 29"/>
+          <p:cNvCxnSpPr/>
+          <p:nvPr/>
+        </p:nvCxnSpPr>
+        <p:spPr>
+          <a:xfrm rot="19635414">
+            <a:off x="7085373" y="2307221"/>
+            <a:ext cx="163266" cy="556685"/>
+          </a:xfrm>
+          <a:prstGeom prst="straightConnector1">
+            <a:avLst/>
+          </a:prstGeom>
+          <a:ln w="28575" cmpd="sng">
+            <a:tailEnd type="arrow"/>
+          </a:ln>
+          <a:effectLst/>
+        </p:spPr>
+        <p:style>
+          <a:lnRef idx="2">
+            <a:schemeClr val="dk1"/>
+          </a:lnRef>
+          <a:fillRef idx="0">
+            <a:schemeClr val="dk1"/>
+          </a:fillRef>
+          <a:effectRef idx="1">
+            <a:schemeClr val="dk1"/>
+          </a:effectRef>
+          <a:fontRef idx="minor">
+            <a:schemeClr val="tx1"/>
+          </a:fontRef>
+        </p:style>
+      </p:cxnSp>
+      <p:cxnSp>
+        <p:nvCxnSpPr>
+          <p:cNvPr id="31" name="Straight Arrow Connector 30"/>
+          <p:cNvCxnSpPr/>
+          <p:nvPr/>
+        </p:nvCxnSpPr>
+        <p:spPr>
+          <a:xfrm rot="19635414" flipH="1">
+            <a:off x="6587556" y="2481804"/>
+            <a:ext cx="442769" cy="209285"/>
+          </a:xfrm>
+          <a:prstGeom prst="straightConnector1">
+            <a:avLst/>
+          </a:prstGeom>
+          <a:ln w="28575" cmpd="sng">
+            <a:tailEnd type="arrow"/>
+          </a:ln>
+          <a:effectLst/>
+        </p:spPr>
+        <p:style>
+          <a:lnRef idx="2">
+            <a:schemeClr val="dk1"/>
+          </a:lnRef>
+          <a:fillRef idx="0">
+            <a:schemeClr val="dk1"/>
+          </a:fillRef>
+          <a:effectRef idx="1">
+            <a:schemeClr val="dk1"/>
+          </a:effectRef>
+          <a:fontRef idx="minor">
+            <a:schemeClr val="tx1"/>
+          </a:fontRef>
+        </p:style>
+      </p:cxnSp>
+      <p:sp>
+        <p:nvSpPr>
+          <p:cNvPr id="32" name="TextBox 31"/>
+          <p:cNvSpPr txBox="1"/>
+          <p:nvPr/>
+        </p:nvSpPr>
+        <p:spPr>
+          <a:xfrm>
+            <a:off x="6517124" y="1175533"/>
+            <a:ext cx="776882" cy="461665"/>
+          </a:xfrm>
+          <a:prstGeom prst="rect">
+            <a:avLst/>
+          </a:prstGeom>
+          <a:noFill/>
+        </p:spPr>
+        <p:txBody>
+          <a:bodyPr wrap="square" rtlCol="0">
+            <a:spAutoFit/>
+          </a:bodyPr>
+          <a:lstStyle/>
+          <a:p>
+            <a:r>
+              <a:rPr lang="en-US" sz="2400" dirty="0" smtClean="0"/>
+              <a:t>V</a:t>
+            </a:r>
+            <a:r>
+              <a:rPr lang="en-US" sz="2400" baseline="30000" dirty="0" smtClean="0"/>
+              <a:t>2</a:t>
+            </a:r>
+            <a:endParaRPr lang="en-US" sz="2400" baseline="30000" dirty="0"/>
+          </a:p>
+        </p:txBody>
+      </p:sp>
+      <p:sp>
+        <p:nvSpPr>
+          <p:cNvPr id="33" name="TextBox 32"/>
+          <p:cNvSpPr txBox="1"/>
+          <p:nvPr/>
+        </p:nvSpPr>
+        <p:spPr>
+          <a:xfrm>
+            <a:off x="4090684" y="1106360"/>
+            <a:ext cx="776882" cy="461665"/>
+          </a:xfrm>
+          <a:prstGeom prst="rect">
+            <a:avLst/>
+          </a:prstGeom>
+          <a:noFill/>
+        </p:spPr>
+        <p:txBody>
+          <a:bodyPr wrap="square" rtlCol="0">
+            <a:spAutoFit/>
+          </a:bodyPr>
+          <a:lstStyle/>
+          <a:p>
+            <a:r>
+              <a:rPr lang="en-US" sz="2400" dirty="0" smtClean="0"/>
+              <a:t>V</a:t>
+            </a:r>
+            <a:r>
+              <a:rPr lang="en-US" sz="2400" baseline="-25000" dirty="0" smtClean="0"/>
+              <a:t>cc</a:t>
+            </a:r>
+            <a:endParaRPr lang="en-US" sz="2400" baseline="-25000" dirty="0"/>
+          </a:p>
+        </p:txBody>
+      </p:sp>
+      <p:sp>
+        <p:nvSpPr>
+          <p:cNvPr id="40" name="TextBox 39"/>
+          <p:cNvSpPr txBox="1"/>
+          <p:nvPr/>
+        </p:nvSpPr>
+        <p:spPr>
+          <a:xfrm>
+            <a:off x="2049020" y="2936610"/>
+            <a:ext cx="889141" cy="461665"/>
+          </a:xfrm>
+          <a:prstGeom prst="rect">
+            <a:avLst/>
+          </a:prstGeom>
+          <a:noFill/>
+        </p:spPr>
+        <p:txBody>
+          <a:bodyPr wrap="square" rtlCol="0">
+            <a:spAutoFit/>
+          </a:bodyPr>
+          <a:lstStyle/>
+          <a:p>
+            <a:r>
+              <a:rPr lang="en-US" sz="2400" dirty="0" smtClean="0"/>
+              <a:t>g</a:t>
+            </a:r>
+            <a:r>
+              <a:rPr lang="en-US" sz="2400" baseline="-25000" dirty="0" smtClean="0"/>
+              <a:t>start</a:t>
+            </a:r>
+            <a:endParaRPr lang="en-US" sz="2400" baseline="-25000" dirty="0"/>
+          </a:p>
+        </p:txBody>
+      </p:sp>
+    </p:spTree>
+    <p:extLst>
+      <p:ext uri="{BB962C8B-B14F-4D97-AF65-F5344CB8AC3E}">
+        <p14:creationId xmlns:p14="http://schemas.microsoft.com/office/powerpoint/2010/main" val="655307860"/>
+      </p:ext>
+    </p:extLst>
+  </p:cSld>
+  <p:clrMapOvr>
+    <a:masterClrMapping/>
+  </p:clrMapOvr>
+</p:sld>
+</file>
+
+<file path=ppt/slides/slide23.xml><?xml version="1.0" encoding="utf-8"?>
+<p:sld xmlns:a="http://schemas.openxmlformats.org/drawingml/2006/main" xmlns:r="http://schemas.openxmlformats.org/officeDocument/2006/relationships" xmlns:p="http://schemas.openxmlformats.org/presentationml/2006/main">
+  <p:cSld>
+    <p:spTree>
+      <p:nvGrpSpPr>
+        <p:cNvPr id="1" name=""/>
+        <p:cNvGrpSpPr/>
+        <p:nvPr/>
+      </p:nvGrpSpPr>
+      <p:grpSpPr>
+        <a:xfrm>
+          <a:off x="0" y="0"/>
+          <a:ext cx="0" cy="0"/>
+          <a:chOff x="0" y="0"/>
+          <a:chExt cx="0" cy="0"/>
+        </a:xfrm>
+      </p:grpSpPr>
+      <p:sp>
+        <p:nvSpPr>
+          <p:cNvPr id="56" name="Oval 55"/>
+          <p:cNvSpPr/>
+          <p:nvPr/>
+        </p:nvSpPr>
+        <p:spPr>
+          <a:xfrm>
+            <a:off x="1126771" y="1488968"/>
+            <a:ext cx="1475946" cy="1475946"/>
+          </a:xfrm>
+          <a:prstGeom prst="ellipse">
+            <a:avLst/>
+          </a:prstGeom>
+          <a:ln>
+            <a:solidFill>
+              <a:schemeClr val="bg1">
+                <a:lumMod val="65000"/>
+              </a:schemeClr>
+            </a:solidFill>
+            <a:prstDash val="dash"/>
+          </a:ln>
+        </p:spPr>
+        <p:style>
+          <a:lnRef idx="2">
+            <a:schemeClr val="dk1"/>
+          </a:lnRef>
+          <a:fillRef idx="1">
+            <a:schemeClr val="lt1"/>
+          </a:fillRef>
+          <a:effectRef idx="0">
+            <a:schemeClr val="dk1"/>
+          </a:effectRef>
+          <a:fontRef idx="minor">
+            <a:schemeClr val="dk1"/>
+          </a:fontRef>
+        </p:style>
+        <p:txBody>
+          <a:bodyPr rtlCol="0" anchor="ctr"/>
+          <a:lstStyle/>
+          <a:p>
+            <a:pPr algn="ctr"/>
+            <a:endParaRPr lang="en-US"/>
+          </a:p>
+        </p:txBody>
+      </p:sp>
+      <p:sp>
+        <p:nvSpPr>
+          <p:cNvPr id="55" name="Oval 54"/>
+          <p:cNvSpPr/>
+          <p:nvPr/>
+        </p:nvSpPr>
+        <p:spPr>
+          <a:xfrm>
+            <a:off x="3286374" y="1388596"/>
+            <a:ext cx="1475946" cy="1475946"/>
+          </a:xfrm>
+          <a:prstGeom prst="ellipse">
+            <a:avLst/>
+          </a:prstGeom>
+          <a:ln>
+            <a:solidFill>
+              <a:schemeClr val="bg1">
+                <a:lumMod val="65000"/>
+              </a:schemeClr>
+            </a:solidFill>
+            <a:prstDash val="dash"/>
+          </a:ln>
+        </p:spPr>
+        <p:style>
+          <a:lnRef idx="2">
+            <a:schemeClr val="dk1"/>
+          </a:lnRef>
+          <a:fillRef idx="1">
+            <a:schemeClr val="lt1"/>
+          </a:fillRef>
+          <a:effectRef idx="0">
+            <a:schemeClr val="dk1"/>
+          </a:effectRef>
+          <a:fontRef idx="minor">
+            <a:schemeClr val="dk1"/>
+          </a:fontRef>
+        </p:style>
+        <p:txBody>
+          <a:bodyPr rtlCol="0" anchor="ctr"/>
+          <a:lstStyle/>
+          <a:p>
+            <a:pPr algn="ctr"/>
+            <a:endParaRPr lang="en-US"/>
+          </a:p>
+        </p:txBody>
+      </p:sp>
+      <p:sp>
+        <p:nvSpPr>
+          <p:cNvPr id="49" name="Block Arc 48"/>
+          <p:cNvSpPr/>
+          <p:nvPr/>
+        </p:nvSpPr>
+        <p:spPr>
+          <a:xfrm rot="11773174">
+            <a:off x="3269532" y="1403839"/>
+            <a:ext cx="1472184" cy="1472184"/>
+          </a:xfrm>
+          <a:prstGeom prst="blockArc">
+            <a:avLst>
+              <a:gd name="adj1" fmla="val 8808739"/>
+              <a:gd name="adj2" fmla="val 14204526"/>
+              <a:gd name="adj3" fmla="val 47367"/>
+            </a:avLst>
+          </a:prstGeom>
+          <a:solidFill>
+            <a:srgbClr val="8EB4E3"/>
+          </a:solidFill>
+          <a:ln>
+            <a:solidFill>
+              <a:srgbClr val="000000"/>
+            </a:solidFill>
+          </a:ln>
+        </p:spPr>
+        <p:style>
+          <a:lnRef idx="2">
+            <a:schemeClr val="accent1">
+              <a:shade val="50000"/>
+            </a:schemeClr>
+          </a:lnRef>
+          <a:fillRef idx="1">
+            <a:schemeClr val="accent1"/>
+          </a:fillRef>
+          <a:effectRef idx="0">
+            <a:schemeClr val="accent1"/>
+          </a:effectRef>
+          <a:fontRef idx="minor">
+            <a:schemeClr val="lt1"/>
+          </a:fontRef>
+        </p:style>
+        <p:txBody>
+          <a:bodyPr rtlCol="0" anchor="ctr"/>
+          <a:lstStyle/>
+          <a:p>
+            <a:pPr algn="ctr"/>
+            <a:endParaRPr lang="en-US">
+              <a:solidFill>
+                <a:schemeClr val="tx1"/>
+              </a:solidFill>
+            </a:endParaRPr>
+          </a:p>
+        </p:txBody>
+      </p:sp>
+      <p:sp>
+        <p:nvSpPr>
+          <p:cNvPr id="48" name="Block Arc 47"/>
+          <p:cNvSpPr/>
+          <p:nvPr/>
+        </p:nvSpPr>
+        <p:spPr>
+          <a:xfrm rot="19668732">
+            <a:off x="3289206" y="1407125"/>
+            <a:ext cx="1472184" cy="1472184"/>
+          </a:xfrm>
+          <a:prstGeom prst="blockArc">
+            <a:avLst>
+              <a:gd name="adj1" fmla="val 8808739"/>
+              <a:gd name="adj2" fmla="val 14204526"/>
+              <a:gd name="adj3" fmla="val 47367"/>
+            </a:avLst>
+          </a:prstGeom>
+          <a:solidFill>
+            <a:srgbClr val="8EB4E3"/>
+          </a:solidFill>
+          <a:ln>
+            <a:solidFill>
+              <a:srgbClr val="000000"/>
+            </a:solidFill>
+          </a:ln>
+        </p:spPr>
+        <p:style>
+          <a:lnRef idx="2">
+            <a:schemeClr val="accent1">
+              <a:shade val="50000"/>
+            </a:schemeClr>
+          </a:lnRef>
+          <a:fillRef idx="1">
+            <a:schemeClr val="accent1"/>
+          </a:fillRef>
+          <a:effectRef idx="0">
+            <a:schemeClr val="accent1"/>
+          </a:effectRef>
+          <a:fontRef idx="minor">
+            <a:schemeClr val="lt1"/>
+          </a:fontRef>
+        </p:style>
+        <p:txBody>
+          <a:bodyPr rtlCol="0" anchor="ctr"/>
+          <a:lstStyle/>
+          <a:p>
+            <a:pPr algn="ctr"/>
+            <a:endParaRPr lang="en-US">
+              <a:solidFill>
+                <a:schemeClr val="tx1"/>
+              </a:solidFill>
+            </a:endParaRPr>
+          </a:p>
+        </p:txBody>
+      </p:sp>
+      <p:sp>
+        <p:nvSpPr>
+          <p:cNvPr id="5" name="TextBox 4"/>
+          <p:cNvSpPr txBox="1"/>
+          <p:nvPr/>
+        </p:nvSpPr>
+        <p:spPr>
+          <a:xfrm>
+            <a:off x="1459306" y="2865362"/>
+            <a:ext cx="1819858" cy="461665"/>
+          </a:xfrm>
+          <a:prstGeom prst="rect">
+            <a:avLst/>
+          </a:prstGeom>
+          <a:noFill/>
+        </p:spPr>
+        <p:txBody>
+          <a:bodyPr wrap="square" rtlCol="0">
+            <a:spAutoFit/>
+          </a:bodyPr>
+          <a:lstStyle/>
+          <a:p>
+            <a:r>
+              <a:rPr lang="en-US" sz="2400" dirty="0" smtClean="0"/>
+              <a:t>g</a:t>
+            </a:r>
+            <a:r>
+              <a:rPr lang="en-US" sz="2400" baseline="-25000" dirty="0" smtClean="0"/>
+              <a:t>start</a:t>
+            </a:r>
+            <a:endParaRPr lang="en-US" sz="2400" dirty="0"/>
+          </a:p>
+        </p:txBody>
+      </p:sp>
+      <p:cxnSp>
+        <p:nvCxnSpPr>
+          <p:cNvPr id="6" name="Straight Arrow Connector 5"/>
+          <p:cNvCxnSpPr/>
+          <p:nvPr/>
+        </p:nvCxnSpPr>
+        <p:spPr>
+          <a:xfrm>
+            <a:off x="1833718" y="2217600"/>
+            <a:ext cx="224845" cy="736092"/>
+          </a:xfrm>
+          <a:prstGeom prst="straightConnector1">
+            <a:avLst/>
+          </a:prstGeom>
+          <a:ln w="28575" cmpd="sng">
+            <a:tailEnd type="arrow"/>
+          </a:ln>
+          <a:effectLst/>
+        </p:spPr>
+        <p:style>
+          <a:lnRef idx="2">
+            <a:schemeClr val="dk1"/>
+          </a:lnRef>
+          <a:fillRef idx="0">
+            <a:schemeClr val="dk1"/>
+          </a:fillRef>
+          <a:effectRef idx="1">
+            <a:schemeClr val="dk1"/>
+          </a:effectRef>
+          <a:fontRef idx="minor">
+            <a:schemeClr val="tx1"/>
+          </a:fontRef>
+        </p:style>
+      </p:cxnSp>
+      <p:cxnSp>
+        <p:nvCxnSpPr>
+          <p:cNvPr id="7" name="Straight Arrow Connector 6"/>
+          <p:cNvCxnSpPr/>
+          <p:nvPr/>
+        </p:nvCxnSpPr>
+        <p:spPr>
+          <a:xfrm flipH="1">
+            <a:off x="1209150" y="2226941"/>
+            <a:ext cx="631433" cy="375772"/>
+          </a:xfrm>
+          <a:prstGeom prst="straightConnector1">
+            <a:avLst/>
+          </a:prstGeom>
+          <a:ln w="28575" cmpd="sng">
+            <a:solidFill>
+              <a:srgbClr val="A6A6A6"/>
+            </a:solidFill>
+            <a:prstDash val="dash"/>
+            <a:tailEnd type="arrow"/>
+          </a:ln>
+          <a:effectLst/>
+        </p:spPr>
+        <p:style>
+          <a:lnRef idx="2">
+            <a:schemeClr val="dk1"/>
+          </a:lnRef>
+          <a:fillRef idx="0">
+            <a:schemeClr val="dk1"/>
+          </a:fillRef>
+          <a:effectRef idx="1">
+            <a:schemeClr val="dk1"/>
+          </a:effectRef>
+          <a:fontRef idx="minor">
+            <a:schemeClr val="tx1"/>
+          </a:fontRef>
+        </p:style>
+      </p:cxnSp>
+      <p:sp>
+        <p:nvSpPr>
+          <p:cNvPr id="8" name="Oval 7"/>
+          <p:cNvSpPr/>
+          <p:nvPr/>
+        </p:nvSpPr>
+        <p:spPr>
+          <a:xfrm>
+            <a:off x="1801987" y="2206345"/>
+            <a:ext cx="65289" cy="65289"/>
+          </a:xfrm>
+          <a:prstGeom prst="ellipse">
+            <a:avLst/>
+          </a:prstGeom>
+        </p:spPr>
+        <p:style>
+          <a:lnRef idx="2">
+            <a:schemeClr val="dk1">
+              <a:shade val="50000"/>
+            </a:schemeClr>
+          </a:lnRef>
+          <a:fillRef idx="1">
+            <a:schemeClr val="dk1"/>
+          </a:fillRef>
+          <a:effectRef idx="0">
+            <a:schemeClr val="dk1"/>
+          </a:effectRef>
+          <a:fontRef idx="minor">
+            <a:schemeClr val="lt1"/>
+          </a:fontRef>
+        </p:style>
+        <p:txBody>
+          <a:bodyPr rtlCol="0" anchor="ctr"/>
+          <a:lstStyle/>
+          <a:p>
+            <a:pPr algn="ctr"/>
+            <a:endParaRPr lang="en-US"/>
+          </a:p>
+        </p:txBody>
+      </p:sp>
+      <p:cxnSp>
+        <p:nvCxnSpPr>
+          <p:cNvPr id="11" name="Straight Arrow Connector 10"/>
+          <p:cNvCxnSpPr/>
+          <p:nvPr/>
+        </p:nvCxnSpPr>
+        <p:spPr>
+          <a:xfrm rot="19527167">
+            <a:off x="2027176" y="2115343"/>
+            <a:ext cx="224845" cy="736092"/>
+          </a:xfrm>
+          <a:prstGeom prst="straightConnector1">
+            <a:avLst/>
+          </a:prstGeom>
+          <a:ln w="28575" cmpd="sng">
+            <a:solidFill>
+              <a:schemeClr val="bg1">
+                <a:lumMod val="65000"/>
+              </a:schemeClr>
+            </a:solidFill>
+            <a:prstDash val="dash"/>
+            <a:tailEnd type="arrow"/>
+          </a:ln>
+          <a:effectLst/>
+        </p:spPr>
+        <p:style>
+          <a:lnRef idx="2">
+            <a:schemeClr val="dk1"/>
+          </a:lnRef>
+          <a:fillRef idx="0">
+            <a:schemeClr val="dk1"/>
+          </a:fillRef>
+          <a:effectRef idx="1">
+            <a:schemeClr val="dk1"/>
+          </a:effectRef>
+          <a:fontRef idx="minor">
+            <a:schemeClr val="tx1"/>
+          </a:fontRef>
+        </p:style>
+      </p:cxnSp>
+      <p:cxnSp>
+        <p:nvCxnSpPr>
+          <p:cNvPr id="12" name="Straight Arrow Connector 11"/>
+          <p:cNvCxnSpPr/>
+          <p:nvPr/>
+        </p:nvCxnSpPr>
+        <p:spPr>
+          <a:xfrm rot="19527167" flipH="1">
+            <a:off x="1380027" y="2393704"/>
+            <a:ext cx="631433" cy="375772"/>
+          </a:xfrm>
+          <a:prstGeom prst="straightConnector1">
+            <a:avLst/>
+          </a:prstGeom>
+          <a:ln w="28575" cmpd="sng">
+            <a:tailEnd type="arrow"/>
+          </a:ln>
+          <a:effectLst/>
+        </p:spPr>
+        <p:style>
+          <a:lnRef idx="2">
+            <a:schemeClr val="dk1"/>
+          </a:lnRef>
+          <a:fillRef idx="0">
+            <a:schemeClr val="dk1"/>
+          </a:fillRef>
+          <a:effectRef idx="1">
+            <a:schemeClr val="dk1"/>
+          </a:effectRef>
+          <a:fontRef idx="minor">
+            <a:schemeClr val="tx1"/>
+          </a:fontRef>
+        </p:style>
+      </p:cxnSp>
+      <p:sp>
+        <p:nvSpPr>
+          <p:cNvPr id="13" name="Oval 12"/>
+          <p:cNvSpPr/>
+          <p:nvPr/>
+        </p:nvSpPr>
+        <p:spPr>
+          <a:xfrm rot="19527167">
+            <a:off x="1818524" y="2228452"/>
+            <a:ext cx="65289" cy="65289"/>
+          </a:xfrm>
+          <a:prstGeom prst="ellipse">
+            <a:avLst/>
+          </a:prstGeom>
+        </p:spPr>
+        <p:style>
+          <a:lnRef idx="2">
+            <a:schemeClr val="dk1">
+              <a:shade val="50000"/>
+            </a:schemeClr>
+          </a:lnRef>
+          <a:fillRef idx="1">
+            <a:schemeClr val="dk1"/>
+          </a:fillRef>
+          <a:effectRef idx="0">
+            <a:schemeClr val="dk1"/>
+          </a:effectRef>
+          <a:fontRef idx="minor">
+            <a:schemeClr val="lt1"/>
+          </a:fontRef>
+        </p:style>
+        <p:txBody>
+          <a:bodyPr rtlCol="0" anchor="ctr"/>
+          <a:lstStyle/>
+          <a:p>
+            <a:pPr algn="ctr"/>
+            <a:endParaRPr lang="en-US"/>
+          </a:p>
+        </p:txBody>
+      </p:sp>
+      <p:sp>
+        <p:nvSpPr>
+          <p:cNvPr id="23" name="TextBox 22"/>
+          <p:cNvSpPr txBox="1"/>
+          <p:nvPr/>
+        </p:nvSpPr>
+        <p:spPr>
+          <a:xfrm>
+            <a:off x="5638485" y="2676833"/>
+            <a:ext cx="672032" cy="399357"/>
+          </a:xfrm>
+          <a:prstGeom prst="rect">
+            <a:avLst/>
+          </a:prstGeom>
+          <a:noFill/>
+        </p:spPr>
+        <p:txBody>
+          <a:bodyPr wrap="square" rtlCol="0">
+            <a:spAutoFit/>
+          </a:bodyPr>
+          <a:lstStyle/>
+          <a:p>
+            <a:r>
+              <a:rPr lang="en-US" sz="2400" dirty="0" smtClean="0"/>
+              <a:t>V</a:t>
+            </a:r>
+            <a:r>
+              <a:rPr lang="en-US" sz="2400" baseline="-25000" dirty="0" smtClean="0"/>
+              <a:t>cc</a:t>
+            </a:r>
+            <a:endParaRPr lang="en-US" sz="2400" baseline="-25000" dirty="0"/>
+          </a:p>
+        </p:txBody>
+      </p:sp>
+      <p:sp>
+        <p:nvSpPr>
+          <p:cNvPr id="24" name="Freeform 23"/>
+          <p:cNvSpPr/>
+          <p:nvPr/>
+        </p:nvSpPr>
+        <p:spPr>
+          <a:xfrm rot="19635414">
+            <a:off x="5181505" y="2771876"/>
+            <a:ext cx="1675681" cy="979354"/>
+          </a:xfrm>
+          <a:custGeom>
+            <a:avLst/>
+            <a:gdLst>
+              <a:gd name="connsiteX0" fmla="*/ 1187622 w 2917568"/>
+              <a:gd name="connsiteY0" fmla="*/ 1393567 h 2128108"/>
+              <a:gd name="connsiteX1" fmla="*/ 2780271 w 2917568"/>
+              <a:gd name="connsiteY1" fmla="*/ 1002270 h 2128108"/>
+              <a:gd name="connsiteX2" fmla="*/ 2917568 w 2917568"/>
+              <a:gd name="connsiteY2" fmla="*/ 1729945 h 2128108"/>
+              <a:gd name="connsiteX3" fmla="*/ 926757 w 2917568"/>
+              <a:gd name="connsiteY3" fmla="*/ 2128108 h 2128108"/>
+              <a:gd name="connsiteX4" fmla="*/ 0 w 2917568"/>
+              <a:gd name="connsiteY4" fmla="*/ 377567 h 2128108"/>
+              <a:gd name="connsiteX5" fmla="*/ 466811 w 2917568"/>
+              <a:gd name="connsiteY5" fmla="*/ 0 h 2128108"/>
+              <a:gd name="connsiteX6" fmla="*/ 1187622 w 2917568"/>
+              <a:gd name="connsiteY6" fmla="*/ 1393567 h 2128108"/>
+              <a:gd name="connsiteX0" fmla="*/ 1187622 w 2835190"/>
+              <a:gd name="connsiteY0" fmla="*/ 1393567 h 2128108"/>
+              <a:gd name="connsiteX1" fmla="*/ 2780271 w 2835190"/>
+              <a:gd name="connsiteY1" fmla="*/ 1002270 h 2128108"/>
+              <a:gd name="connsiteX2" fmla="*/ 2835190 w 2835190"/>
+              <a:gd name="connsiteY2" fmla="*/ 1530864 h 2128108"/>
+              <a:gd name="connsiteX3" fmla="*/ 926757 w 2835190"/>
+              <a:gd name="connsiteY3" fmla="*/ 2128108 h 2128108"/>
+              <a:gd name="connsiteX4" fmla="*/ 0 w 2835190"/>
+              <a:gd name="connsiteY4" fmla="*/ 377567 h 2128108"/>
+              <a:gd name="connsiteX5" fmla="*/ 466811 w 2835190"/>
+              <a:gd name="connsiteY5" fmla="*/ 0 h 2128108"/>
+              <a:gd name="connsiteX6" fmla="*/ 1187622 w 2835190"/>
+              <a:gd name="connsiteY6" fmla="*/ 1393567 h 2128108"/>
+              <a:gd name="connsiteX0" fmla="*/ 995406 w 2642974"/>
+              <a:gd name="connsiteY0" fmla="*/ 1393567 h 2128108"/>
+              <a:gd name="connsiteX1" fmla="*/ 2588055 w 2642974"/>
+              <a:gd name="connsiteY1" fmla="*/ 1002270 h 2128108"/>
+              <a:gd name="connsiteX2" fmla="*/ 2642974 w 2642974"/>
+              <a:gd name="connsiteY2" fmla="*/ 1530864 h 2128108"/>
+              <a:gd name="connsiteX3" fmla="*/ 734541 w 2642974"/>
+              <a:gd name="connsiteY3" fmla="*/ 2128108 h 2128108"/>
+              <a:gd name="connsiteX4" fmla="*/ 0 w 2642974"/>
+              <a:gd name="connsiteY4" fmla="*/ 761999 h 2128108"/>
+              <a:gd name="connsiteX5" fmla="*/ 274595 w 2642974"/>
+              <a:gd name="connsiteY5" fmla="*/ 0 h 2128108"/>
+              <a:gd name="connsiteX6" fmla="*/ 995406 w 2642974"/>
+              <a:gd name="connsiteY6" fmla="*/ 1393567 h 2128108"/>
+              <a:gd name="connsiteX0" fmla="*/ 995406 w 2642974"/>
+              <a:gd name="connsiteY0" fmla="*/ 967945 h 1702486"/>
+              <a:gd name="connsiteX1" fmla="*/ 2588055 w 2642974"/>
+              <a:gd name="connsiteY1" fmla="*/ 576648 h 1702486"/>
+              <a:gd name="connsiteX2" fmla="*/ 2642974 w 2642974"/>
+              <a:gd name="connsiteY2" fmla="*/ 1105242 h 1702486"/>
+              <a:gd name="connsiteX3" fmla="*/ 734541 w 2642974"/>
+              <a:gd name="connsiteY3" fmla="*/ 1702486 h 1702486"/>
+              <a:gd name="connsiteX4" fmla="*/ 0 w 2642974"/>
+              <a:gd name="connsiteY4" fmla="*/ 336377 h 1702486"/>
+              <a:gd name="connsiteX5" fmla="*/ 453081 w 2642974"/>
+              <a:gd name="connsiteY5" fmla="*/ 0 h 1702486"/>
+              <a:gd name="connsiteX6" fmla="*/ 995406 w 2642974"/>
+              <a:gd name="connsiteY6" fmla="*/ 967945 h 1702486"/>
+              <a:gd name="connsiteX0" fmla="*/ 995406 w 2588055"/>
+              <a:gd name="connsiteY0" fmla="*/ 967945 h 1702486"/>
+              <a:gd name="connsiteX1" fmla="*/ 2588055 w 2588055"/>
+              <a:gd name="connsiteY1" fmla="*/ 576648 h 1702486"/>
+              <a:gd name="connsiteX2" fmla="*/ 1937266 w 2588055"/>
+              <a:gd name="connsiteY2" fmla="*/ 1319970 h 1702486"/>
+              <a:gd name="connsiteX3" fmla="*/ 734541 w 2588055"/>
+              <a:gd name="connsiteY3" fmla="*/ 1702486 h 1702486"/>
+              <a:gd name="connsiteX4" fmla="*/ 0 w 2588055"/>
+              <a:gd name="connsiteY4" fmla="*/ 336377 h 1702486"/>
+              <a:gd name="connsiteX5" fmla="*/ 453081 w 2588055"/>
+              <a:gd name="connsiteY5" fmla="*/ 0 h 1702486"/>
+              <a:gd name="connsiteX6" fmla="*/ 995406 w 2588055"/>
+              <a:gd name="connsiteY6" fmla="*/ 967945 h 1702486"/>
+              <a:gd name="connsiteX0" fmla="*/ 1064851 w 2657500"/>
+              <a:gd name="connsiteY0" fmla="*/ 967945 h 1702486"/>
+              <a:gd name="connsiteX1" fmla="*/ 2657500 w 2657500"/>
+              <a:gd name="connsiteY1" fmla="*/ 576648 h 1702486"/>
+              <a:gd name="connsiteX2" fmla="*/ 2006711 w 2657500"/>
+              <a:gd name="connsiteY2" fmla="*/ 1319970 h 1702486"/>
+              <a:gd name="connsiteX3" fmla="*/ 803986 w 2657500"/>
+              <a:gd name="connsiteY3" fmla="*/ 1702486 h 1702486"/>
+              <a:gd name="connsiteX4" fmla="*/ 0 w 2657500"/>
+              <a:gd name="connsiteY4" fmla="*/ 52055 h 1702486"/>
+              <a:gd name="connsiteX5" fmla="*/ 522526 w 2657500"/>
+              <a:gd name="connsiteY5" fmla="*/ 0 h 1702486"/>
+              <a:gd name="connsiteX6" fmla="*/ 1064851 w 2657500"/>
+              <a:gd name="connsiteY6" fmla="*/ 967945 h 1702486"/>
+              <a:gd name="connsiteX0" fmla="*/ 1064851 w 2508326"/>
+              <a:gd name="connsiteY0" fmla="*/ 967945 h 1702486"/>
+              <a:gd name="connsiteX1" fmla="*/ 2508325 w 2508326"/>
+              <a:gd name="connsiteY1" fmla="*/ 632085 h 1702486"/>
+              <a:gd name="connsiteX2" fmla="*/ 2006711 w 2508326"/>
+              <a:gd name="connsiteY2" fmla="*/ 1319970 h 1702486"/>
+              <a:gd name="connsiteX3" fmla="*/ 803986 w 2508326"/>
+              <a:gd name="connsiteY3" fmla="*/ 1702486 h 1702486"/>
+              <a:gd name="connsiteX4" fmla="*/ 0 w 2508326"/>
+              <a:gd name="connsiteY4" fmla="*/ 52055 h 1702486"/>
+              <a:gd name="connsiteX5" fmla="*/ 522526 w 2508326"/>
+              <a:gd name="connsiteY5" fmla="*/ 0 h 1702486"/>
+              <a:gd name="connsiteX6" fmla="*/ 1064851 w 2508326"/>
+              <a:gd name="connsiteY6" fmla="*/ 967945 h 1702486"/>
+              <a:gd name="connsiteX0" fmla="*/ 1064851 w 2508325"/>
+              <a:gd name="connsiteY0" fmla="*/ 967945 h 1465993"/>
+              <a:gd name="connsiteX1" fmla="*/ 2508325 w 2508325"/>
+              <a:gd name="connsiteY1" fmla="*/ 632085 h 1465993"/>
+              <a:gd name="connsiteX2" fmla="*/ 2006711 w 2508325"/>
+              <a:gd name="connsiteY2" fmla="*/ 1319970 h 1465993"/>
+              <a:gd name="connsiteX3" fmla="*/ 867765 w 2508325"/>
+              <a:gd name="connsiteY3" fmla="*/ 1465993 h 1465993"/>
+              <a:gd name="connsiteX4" fmla="*/ 0 w 2508325"/>
+              <a:gd name="connsiteY4" fmla="*/ 52055 h 1465993"/>
+              <a:gd name="connsiteX5" fmla="*/ 522526 w 2508325"/>
+              <a:gd name="connsiteY5" fmla="*/ 0 h 1465993"/>
+              <a:gd name="connsiteX6" fmla="*/ 1064851 w 2508325"/>
+              <a:gd name="connsiteY6" fmla="*/ 967945 h 1465993"/>
+            </a:gdLst>
+            <a:ahLst/>
+            <a:cxnLst>
+              <a:cxn ang="0">
+                <a:pos x="connsiteX0" y="connsiteY0"/>
+              </a:cxn>
+              <a:cxn ang="0">
+                <a:pos x="connsiteX1" y="connsiteY1"/>
+              </a:cxn>
+              <a:cxn ang="0">
+                <a:pos x="connsiteX2" y="connsiteY2"/>
+              </a:cxn>
+              <a:cxn ang="0">
+                <a:pos x="connsiteX3" y="connsiteY3"/>
+              </a:cxn>
+              <a:cxn ang="0">
+                <a:pos x="connsiteX4" y="connsiteY4"/>
+              </a:cxn>
+              <a:cxn ang="0">
+                <a:pos x="connsiteX5" y="connsiteY5"/>
+              </a:cxn>
+              <a:cxn ang="0">
+                <a:pos x="connsiteX6" y="connsiteY6"/>
+              </a:cxn>
+            </a:cxnLst>
+            <a:rect l="l" t="t" r="r" b="b"/>
+            <a:pathLst>
+              <a:path w="2508325" h="1465993">
+                <a:moveTo>
+                  <a:pt x="1064851" y="967945"/>
+                </a:moveTo>
+                <a:lnTo>
+                  <a:pt x="2508325" y="632085"/>
+                </a:lnTo>
+                <a:lnTo>
+                  <a:pt x="2006711" y="1319970"/>
+                </a:lnTo>
+                <a:lnTo>
+                  <a:pt x="867765" y="1465993"/>
+                </a:lnTo>
+                <a:lnTo>
+                  <a:pt x="0" y="52055"/>
+                </a:lnTo>
+                <a:lnTo>
+                  <a:pt x="522526" y="0"/>
+                </a:lnTo>
+                <a:lnTo>
+                  <a:pt x="1064851" y="967945"/>
+                </a:lnTo>
+                <a:close/>
+              </a:path>
+            </a:pathLst>
+          </a:custGeom>
+          <a:gradFill flip="none" rotWithShape="1">
+            <a:gsLst>
+              <a:gs pos="0">
+                <a:schemeClr val="accent1">
+                  <a:tint val="100000"/>
+                  <a:shade val="100000"/>
+                  <a:satMod val="130000"/>
+                  <a:alpha val="15000"/>
+                </a:schemeClr>
+              </a:gs>
+              <a:gs pos="100000">
+                <a:schemeClr val="accent1">
+                  <a:tint val="50000"/>
+                  <a:shade val="100000"/>
+                  <a:satMod val="350000"/>
+                  <a:alpha val="15000"/>
+                </a:schemeClr>
+              </a:gs>
+            </a:gsLst>
+            <a:lin ang="16200000" scaled="0"/>
+            <a:tileRect/>
+          </a:gradFill>
+        </p:spPr>
+        <p:style>
+          <a:lnRef idx="1">
+            <a:schemeClr val="accent1"/>
+          </a:lnRef>
+          <a:fillRef idx="3">
+            <a:schemeClr val="accent1"/>
+          </a:fillRef>
+          <a:effectRef idx="2">
+            <a:schemeClr val="accent1"/>
+          </a:effectRef>
+          <a:fontRef idx="minor">
+            <a:schemeClr val="lt1"/>
+          </a:fontRef>
+        </p:style>
+        <p:txBody>
+          <a:bodyPr rtlCol="0" anchor="ctr"/>
+          <a:lstStyle/>
+          <a:p>
+            <a:pPr algn="ctr"/>
+            <a:endParaRPr lang="en-US"/>
+          </a:p>
+        </p:txBody>
+      </p:sp>
+      <p:sp>
+        <p:nvSpPr>
+          <p:cNvPr id="25" name="Oval 24"/>
+          <p:cNvSpPr/>
+          <p:nvPr/>
+        </p:nvSpPr>
+        <p:spPr>
+          <a:xfrm rot="19635414">
             <a:off x="5985723" y="3433178"/>
             <a:ext cx="41136" cy="41136"/>
           </a:xfrm>
@@ -21018,7 +22776,7 @@
 </p:sld>
 </file>
 
-<file path=ppt/slides/slide23.xml><?xml version="1.0" encoding="utf-8"?>
+<file path=ppt/slides/slide24.xml><?xml version="1.0" encoding="utf-8"?>
 <p:sld xmlns:a="http://schemas.openxmlformats.org/drawingml/2006/main" xmlns:r="http://schemas.openxmlformats.org/officeDocument/2006/relationships" xmlns:p="http://schemas.openxmlformats.org/presentationml/2006/main">
   <p:cSld>
     <p:spTree>

--- a/figures/figures.pptx
+++ b/figures/figures.pptx
@@ -22,13 +22,15 @@
     <p:sldId id="267" r:id="rId16"/>
     <p:sldId id="268" r:id="rId17"/>
     <p:sldId id="269" r:id="rId18"/>
-    <p:sldId id="270" r:id="rId19"/>
-    <p:sldId id="271" r:id="rId20"/>
-    <p:sldId id="279" r:id="rId21"/>
-    <p:sldId id="272" r:id="rId22"/>
-    <p:sldId id="273" r:id="rId23"/>
-    <p:sldId id="274" r:id="rId24"/>
-    <p:sldId id="277" r:id="rId25"/>
+    <p:sldId id="280" r:id="rId19"/>
+    <p:sldId id="281" r:id="rId20"/>
+    <p:sldId id="270" r:id="rId21"/>
+    <p:sldId id="271" r:id="rId22"/>
+    <p:sldId id="279" r:id="rId23"/>
+    <p:sldId id="272" r:id="rId24"/>
+    <p:sldId id="273" r:id="rId25"/>
+    <p:sldId id="274" r:id="rId26"/>
+    <p:sldId id="277" r:id="rId27"/>
   </p:sldIdLst>
   <p:sldSz cx="9144000" cy="6858000" type="screen4x3"/>
   <p:notesSz cx="6858000" cy="9144000"/>
@@ -311,7 +313,7 @@
           <a:p>
             <a:fld id="{AF8A4314-7EE0-3B48-A3CB-01AED7CBB16F}" type="datetimeFigureOut">
               <a:rPr lang="en-US" smtClean="0"/>
-              <a:t>11/26/12</a:t>
+              <a:t>12/4/12</a:t>
             </a:fld>
             <a:endParaRPr lang="en-US"/>
           </a:p>
@@ -481,7 +483,7 @@
           <a:p>
             <a:fld id="{AF8A4314-7EE0-3B48-A3CB-01AED7CBB16F}" type="datetimeFigureOut">
               <a:rPr lang="en-US" smtClean="0"/>
-              <a:t>11/26/12</a:t>
+              <a:t>12/4/12</a:t>
             </a:fld>
             <a:endParaRPr lang="en-US"/>
           </a:p>
@@ -661,7 +663,7 @@
           <a:p>
             <a:fld id="{AF8A4314-7EE0-3B48-A3CB-01AED7CBB16F}" type="datetimeFigureOut">
               <a:rPr lang="en-US" smtClean="0"/>
-              <a:t>11/26/12</a:t>
+              <a:t>12/4/12</a:t>
             </a:fld>
             <a:endParaRPr lang="en-US"/>
           </a:p>
@@ -831,7 +833,7 @@
           <a:p>
             <a:fld id="{AF8A4314-7EE0-3B48-A3CB-01AED7CBB16F}" type="datetimeFigureOut">
               <a:rPr lang="en-US" smtClean="0"/>
-              <a:t>11/26/12</a:t>
+              <a:t>12/4/12</a:t>
             </a:fld>
             <a:endParaRPr lang="en-US"/>
           </a:p>
@@ -1077,7 +1079,7 @@
           <a:p>
             <a:fld id="{AF8A4314-7EE0-3B48-A3CB-01AED7CBB16F}" type="datetimeFigureOut">
               <a:rPr lang="en-US" smtClean="0"/>
-              <a:t>11/26/12</a:t>
+              <a:t>12/4/12</a:t>
             </a:fld>
             <a:endParaRPr lang="en-US"/>
           </a:p>
@@ -1365,7 +1367,7 @@
           <a:p>
             <a:fld id="{AF8A4314-7EE0-3B48-A3CB-01AED7CBB16F}" type="datetimeFigureOut">
               <a:rPr lang="en-US" smtClean="0"/>
-              <a:t>11/26/12</a:t>
+              <a:t>12/4/12</a:t>
             </a:fld>
             <a:endParaRPr lang="en-US"/>
           </a:p>
@@ -1787,7 +1789,7 @@
           <a:p>
             <a:fld id="{AF8A4314-7EE0-3B48-A3CB-01AED7CBB16F}" type="datetimeFigureOut">
               <a:rPr lang="en-US" smtClean="0"/>
-              <a:t>11/26/12</a:t>
+              <a:t>12/4/12</a:t>
             </a:fld>
             <a:endParaRPr lang="en-US"/>
           </a:p>
@@ -1905,7 +1907,7 @@
           <a:p>
             <a:fld id="{AF8A4314-7EE0-3B48-A3CB-01AED7CBB16F}" type="datetimeFigureOut">
               <a:rPr lang="en-US" smtClean="0"/>
-              <a:t>11/26/12</a:t>
+              <a:t>12/4/12</a:t>
             </a:fld>
             <a:endParaRPr lang="en-US"/>
           </a:p>
@@ -2000,7 +2002,7 @@
           <a:p>
             <a:fld id="{AF8A4314-7EE0-3B48-A3CB-01AED7CBB16F}" type="datetimeFigureOut">
               <a:rPr lang="en-US" smtClean="0"/>
-              <a:t>11/26/12</a:t>
+              <a:t>12/4/12</a:t>
             </a:fld>
             <a:endParaRPr lang="en-US"/>
           </a:p>
@@ -2277,7 +2279,7 @@
           <a:p>
             <a:fld id="{AF8A4314-7EE0-3B48-A3CB-01AED7CBB16F}" type="datetimeFigureOut">
               <a:rPr lang="en-US" smtClean="0"/>
-              <a:t>11/26/12</a:t>
+              <a:t>12/4/12</a:t>
             </a:fld>
             <a:endParaRPr lang="en-US"/>
           </a:p>
@@ -2530,7 +2532,7 @@
           <a:p>
             <a:fld id="{AF8A4314-7EE0-3B48-A3CB-01AED7CBB16F}" type="datetimeFigureOut">
               <a:rPr lang="en-US" smtClean="0"/>
-              <a:t>11/26/12</a:t>
+              <a:t>12/4/12</a:t>
             </a:fld>
             <a:endParaRPr lang="en-US"/>
           </a:p>
@@ -2743,7 +2745,7 @@
           <a:p>
             <a:fld id="{AF8A4314-7EE0-3B48-A3CB-01AED7CBB16F}" type="datetimeFigureOut">
               <a:rPr lang="en-US" smtClean="0"/>
-              <a:t>11/26/12</a:t>
+              <a:t>12/4/12</a:t>
             </a:fld>
             <a:endParaRPr lang="en-US"/>
           </a:p>
@@ -5592,11 +5594,7 @@
           <a:p>
             <a:r>
               <a:rPr lang="en-US" dirty="0" smtClean="0"/>
-              <a:t>t=</a:t>
-            </a:r>
-            <a:r>
-              <a:rPr lang="en-US" dirty="0" smtClean="0"/>
-              <a:t>1.0</a:t>
+              <a:t>t=1.0</a:t>
             </a:r>
             <a:endParaRPr lang="en-US" baseline="-25000" dirty="0"/>
           </a:p>
@@ -5626,11 +5624,7 @@
           <a:p>
             <a:r>
               <a:rPr lang="en-US" dirty="0" smtClean="0"/>
-              <a:t>t=</a:t>
-            </a:r>
-            <a:r>
-              <a:rPr lang="en-US" dirty="0" smtClean="0"/>
-              <a:t>2.0</a:t>
+              <a:t>t=2.0</a:t>
             </a:r>
             <a:endParaRPr lang="en-US" baseline="-25000" dirty="0"/>
           </a:p>
@@ -5769,11 +5763,7 @@
               </a:r>
               <a:r>
                 <a:rPr lang="en-US" sz="1600" baseline="-25000" dirty="0" smtClean="0"/>
-                <a:t>t=</a:t>
-              </a:r>
-              <a:r>
-                <a:rPr lang="en-US" sz="1600" baseline="-25000" dirty="0" smtClean="0"/>
-                <a:t>1.0</a:t>
+                <a:t>t=1.0</a:t>
               </a:r>
               <a:endParaRPr lang="en-US" sz="1600" baseline="-25000" dirty="0"/>
             </a:p>
@@ -5879,11 +5869,7 @@
               </a:r>
               <a:r>
                 <a:rPr lang="en-US" sz="1600" baseline="-25000" dirty="0" smtClean="0"/>
-                <a:t>t=</a:t>
-              </a:r>
-              <a:r>
-                <a:rPr lang="en-US" sz="1600" baseline="-25000" dirty="0" smtClean="0"/>
-                <a:t>2.0</a:t>
+                <a:t>t=2.0</a:t>
               </a:r>
               <a:endParaRPr lang="en-US" sz="1600" baseline="-25000" dirty="0"/>
             </a:p>
@@ -6159,11 +6145,7 @@
               </a:r>
               <a:r>
                 <a:rPr lang="en-US" sz="1600" baseline="-25000" dirty="0" smtClean="0"/>
-                <a:t>t=</a:t>
-              </a:r>
-              <a:r>
-                <a:rPr lang="en-US" sz="1600" baseline="-25000" dirty="0" smtClean="0"/>
-                <a:t>1.0</a:t>
+                <a:t>t=1.0</a:t>
               </a:r>
               <a:endParaRPr lang="en-US" sz="1600" baseline="-25000" dirty="0"/>
             </a:p>
@@ -6267,11 +6249,7 @@
               </a:r>
               <a:r>
                 <a:rPr lang="en-US" sz="1600" baseline="-25000" dirty="0" smtClean="0"/>
-                <a:t>t=</a:t>
-              </a:r>
-              <a:r>
-                <a:rPr lang="en-US" sz="1600" baseline="-25000" dirty="0" smtClean="0"/>
-                <a:t>2.0</a:t>
+                <a:t>t=2.0</a:t>
               </a:r>
               <a:endParaRPr lang="en-US" sz="1600" baseline="-25000" dirty="0"/>
             </a:p>
@@ -12190,6 +12168,1836 @@
       </p:grpSpPr>
       <p:sp>
         <p:nvSpPr>
+          <p:cNvPr id="2" name="Oval 1"/>
+          <p:cNvSpPr/>
+          <p:nvPr/>
+        </p:nvSpPr>
+        <p:spPr>
+          <a:xfrm>
+            <a:off x="1736810" y="1530862"/>
+            <a:ext cx="2471353" cy="2471353"/>
+          </a:xfrm>
+          <a:prstGeom prst="ellipse">
+            <a:avLst/>
+          </a:prstGeom>
+          <a:noFill/>
+        </p:spPr>
+        <p:style>
+          <a:lnRef idx="1">
+            <a:schemeClr val="accent1"/>
+          </a:lnRef>
+          <a:fillRef idx="3">
+            <a:schemeClr val="accent1"/>
+          </a:fillRef>
+          <a:effectRef idx="2">
+            <a:schemeClr val="accent1"/>
+          </a:effectRef>
+          <a:fontRef idx="minor">
+            <a:schemeClr val="lt1"/>
+          </a:fontRef>
+        </p:style>
+        <p:txBody>
+          <a:bodyPr rtlCol="0" anchor="ctr"/>
+          <a:lstStyle/>
+          <a:p>
+            <a:pPr algn="ctr"/>
+            <a:endParaRPr lang="en-US"/>
+          </a:p>
+        </p:txBody>
+      </p:sp>
+      <p:sp>
+        <p:nvSpPr>
+          <p:cNvPr id="47" name="Oval 46"/>
+          <p:cNvSpPr/>
+          <p:nvPr/>
+        </p:nvSpPr>
+        <p:spPr>
+          <a:xfrm>
+            <a:off x="2867405" y="2740809"/>
+            <a:ext cx="109321" cy="109321"/>
+          </a:xfrm>
+          <a:prstGeom prst="ellipse">
+            <a:avLst/>
+          </a:prstGeom>
+        </p:spPr>
+        <p:style>
+          <a:lnRef idx="2">
+            <a:schemeClr val="dk1">
+              <a:shade val="50000"/>
+            </a:schemeClr>
+          </a:lnRef>
+          <a:fillRef idx="1">
+            <a:schemeClr val="dk1"/>
+          </a:fillRef>
+          <a:effectRef idx="0">
+            <a:schemeClr val="dk1"/>
+          </a:effectRef>
+          <a:fontRef idx="minor">
+            <a:schemeClr val="lt1"/>
+          </a:fontRef>
+        </p:style>
+        <p:txBody>
+          <a:bodyPr rtlCol="0" anchor="ctr"/>
+          <a:lstStyle/>
+          <a:p>
+            <a:pPr algn="ctr"/>
+            <a:endParaRPr lang="en-US"/>
+          </a:p>
+        </p:txBody>
+      </p:sp>
+      <p:sp>
+        <p:nvSpPr>
+          <p:cNvPr id="12" name="TextBox 11"/>
+          <p:cNvSpPr txBox="1"/>
+          <p:nvPr/>
+        </p:nvSpPr>
+        <p:spPr>
+          <a:xfrm>
+            <a:off x="3148348" y="3272408"/>
+            <a:ext cx="1488795" cy="461665"/>
+          </a:xfrm>
+          <a:prstGeom prst="rect">
+            <a:avLst/>
+          </a:prstGeom>
+          <a:noFill/>
+        </p:spPr>
+        <p:txBody>
+          <a:bodyPr wrap="square" rtlCol="0">
+            <a:spAutoFit/>
+          </a:bodyPr>
+          <a:lstStyle/>
+          <a:p>
+            <a:r>
+              <a:rPr lang="en-US" sz="2400" dirty="0" smtClean="0"/>
+              <a:t>g</a:t>
+            </a:r>
+            <a:r>
+              <a:rPr lang="en-US" sz="2400" baseline="-25000" dirty="0" smtClean="0"/>
+              <a:t>end</a:t>
+            </a:r>
+            <a:endParaRPr lang="en-US" sz="2400" baseline="-25000" dirty="0"/>
+          </a:p>
+        </p:txBody>
+      </p:sp>
+      <p:sp>
+        <p:nvSpPr>
+          <p:cNvPr id="13" name="TextBox 12"/>
+          <p:cNvSpPr txBox="1"/>
+          <p:nvPr/>
+        </p:nvSpPr>
+        <p:spPr>
+          <a:xfrm>
+            <a:off x="1837559" y="3688489"/>
+            <a:ext cx="889141" cy="461665"/>
+          </a:xfrm>
+          <a:prstGeom prst="rect">
+            <a:avLst/>
+          </a:prstGeom>
+          <a:noFill/>
+        </p:spPr>
+        <p:txBody>
+          <a:bodyPr wrap="square" rtlCol="0">
+            <a:spAutoFit/>
+          </a:bodyPr>
+          <a:lstStyle/>
+          <a:p>
+            <a:r>
+              <a:rPr lang="en-US" sz="2400" dirty="0" smtClean="0"/>
+              <a:t>g</a:t>
+            </a:r>
+            <a:r>
+              <a:rPr lang="en-US" sz="2400" baseline="-25000" dirty="0" smtClean="0"/>
+              <a:t>start</a:t>
+            </a:r>
+            <a:endParaRPr lang="en-US" sz="2400" baseline="-25000" dirty="0"/>
+          </a:p>
+        </p:txBody>
+      </p:sp>
+      <p:cxnSp>
+        <p:nvCxnSpPr>
+          <p:cNvPr id="55" name="Straight Arrow Connector 54"/>
+          <p:cNvCxnSpPr/>
+          <p:nvPr/>
+        </p:nvCxnSpPr>
+        <p:spPr>
+          <a:xfrm flipH="1">
+            <a:off x="2368378" y="2761025"/>
+            <a:ext cx="553528" cy="1093755"/>
+          </a:xfrm>
+          <a:prstGeom prst="straightConnector1">
+            <a:avLst/>
+          </a:prstGeom>
+          <a:ln w="28575" cmpd="sng">
+            <a:tailEnd type="arrow"/>
+          </a:ln>
+          <a:effectLst/>
+        </p:spPr>
+        <p:style>
+          <a:lnRef idx="2">
+            <a:schemeClr val="dk1"/>
+          </a:lnRef>
+          <a:fillRef idx="0">
+            <a:schemeClr val="dk1"/>
+          </a:fillRef>
+          <a:effectRef idx="1">
+            <a:schemeClr val="dk1"/>
+          </a:effectRef>
+          <a:fontRef idx="minor">
+            <a:schemeClr val="tx1"/>
+          </a:fontRef>
+        </p:style>
+      </p:cxnSp>
+      <p:sp>
+        <p:nvSpPr>
+          <p:cNvPr id="56" name="Arc 55"/>
+          <p:cNvSpPr/>
+          <p:nvPr/>
+        </p:nvSpPr>
+        <p:spPr>
+          <a:xfrm rot="10800000" flipH="1">
+            <a:off x="1742286" y="1526964"/>
+            <a:ext cx="2468880" cy="2468880"/>
+          </a:xfrm>
+          <a:prstGeom prst="arc">
+            <a:avLst>
+              <a:gd name="adj1" fmla="val 14472982"/>
+              <a:gd name="adj2" fmla="val 17097554"/>
+            </a:avLst>
+          </a:prstGeom>
+          <a:ln>
+            <a:solidFill>
+              <a:schemeClr val="bg1">
+                <a:lumMod val="50000"/>
+              </a:schemeClr>
+            </a:solidFill>
+            <a:prstDash val="sysDash"/>
+            <a:headEnd type="none"/>
+            <a:tailEnd type="arrow"/>
+          </a:ln>
+        </p:spPr>
+        <p:style>
+          <a:lnRef idx="2">
+            <a:schemeClr val="dk1"/>
+          </a:lnRef>
+          <a:fillRef idx="0">
+            <a:schemeClr val="dk1"/>
+          </a:fillRef>
+          <a:effectRef idx="1">
+            <a:schemeClr val="dk1"/>
+          </a:effectRef>
+          <a:fontRef idx="minor">
+            <a:schemeClr val="tx1"/>
+          </a:fontRef>
+        </p:style>
+        <p:txBody>
+          <a:bodyPr rtlCol="0" anchor="ctr"/>
+          <a:lstStyle/>
+          <a:p>
+            <a:pPr algn="ctr"/>
+            <a:endParaRPr lang="en-US"/>
+          </a:p>
+        </p:txBody>
+      </p:sp>
+      <p:cxnSp>
+        <p:nvCxnSpPr>
+          <p:cNvPr id="30" name="Straight Arrow Connector 29"/>
+          <p:cNvCxnSpPr/>
+          <p:nvPr/>
+        </p:nvCxnSpPr>
+        <p:spPr>
+          <a:xfrm>
+            <a:off x="2920536" y="2759655"/>
+            <a:ext cx="376485" cy="1232527"/>
+          </a:xfrm>
+          <a:prstGeom prst="straightConnector1">
+            <a:avLst/>
+          </a:prstGeom>
+          <a:ln w="28575" cmpd="sng">
+            <a:tailEnd type="arrow"/>
+          </a:ln>
+          <a:effectLst/>
+        </p:spPr>
+        <p:style>
+          <a:lnRef idx="2">
+            <a:schemeClr val="dk1"/>
+          </a:lnRef>
+          <a:fillRef idx="0">
+            <a:schemeClr val="dk1"/>
+          </a:fillRef>
+          <a:effectRef idx="1">
+            <a:schemeClr val="dk1"/>
+          </a:effectRef>
+          <a:fontRef idx="minor">
+            <a:schemeClr val="tx1"/>
+          </a:fontRef>
+        </p:style>
+      </p:cxnSp>
+      <p:sp>
+        <p:nvSpPr>
+          <p:cNvPr id="38" name="TextBox 37"/>
+          <p:cNvSpPr txBox="1"/>
+          <p:nvPr/>
+        </p:nvSpPr>
+        <p:spPr>
+          <a:xfrm>
+            <a:off x="4394902" y="2304937"/>
+            <a:ext cx="1488795" cy="461665"/>
+          </a:xfrm>
+          <a:prstGeom prst="rect">
+            <a:avLst/>
+          </a:prstGeom>
+          <a:noFill/>
+        </p:spPr>
+        <p:txBody>
+          <a:bodyPr wrap="square" rtlCol="0">
+            <a:spAutoFit/>
+          </a:bodyPr>
+          <a:lstStyle/>
+          <a:p>
+            <a:r>
+              <a:rPr lang="en-US" sz="2400" smtClean="0"/>
+              <a:t>t = 1.0s</a:t>
+            </a:r>
+            <a:endParaRPr lang="en-US" sz="2400" baseline="-25000" dirty="0"/>
+          </a:p>
+        </p:txBody>
+      </p:sp>
+    </p:spTree>
+    <p:extLst>
+      <p:ext uri="{BB962C8B-B14F-4D97-AF65-F5344CB8AC3E}">
+        <p14:creationId xmlns:p14="http://schemas.microsoft.com/office/powerpoint/2010/main" val="4033991677"/>
+      </p:ext>
+    </p:extLst>
+  </p:cSld>
+  <p:clrMapOvr>
+    <a:masterClrMapping/>
+  </p:clrMapOvr>
+</p:sld>
+</file>
+
+<file path=ppt/slides/slide19.xml><?xml version="1.0" encoding="utf-8"?>
+<p:sld xmlns:a="http://schemas.openxmlformats.org/drawingml/2006/main" xmlns:r="http://schemas.openxmlformats.org/officeDocument/2006/relationships" xmlns:p="http://schemas.openxmlformats.org/presentationml/2006/main">
+  <p:cSld>
+    <p:spTree>
+      <p:nvGrpSpPr>
+        <p:cNvPr id="1" name=""/>
+        <p:cNvGrpSpPr/>
+        <p:nvPr/>
+      </p:nvGrpSpPr>
+      <p:grpSpPr>
+        <a:xfrm>
+          <a:off x="0" y="0"/>
+          <a:ext cx="0" cy="0"/>
+          <a:chOff x="0" y="0"/>
+          <a:chExt cx="0" cy="0"/>
+        </a:xfrm>
+      </p:grpSpPr>
+      <p:grpSp>
+        <p:nvGrpSpPr>
+          <p:cNvPr id="3" name="Group 2"/>
+          <p:cNvGrpSpPr/>
+          <p:nvPr/>
+        </p:nvGrpSpPr>
+        <p:grpSpPr>
+          <a:xfrm>
+            <a:off x="1020400" y="1552159"/>
+            <a:ext cx="1278625" cy="1279087"/>
+            <a:chOff x="1736810" y="1526964"/>
+            <a:chExt cx="2474356" cy="2475251"/>
+          </a:xfrm>
+        </p:grpSpPr>
+        <p:sp>
+          <p:nvSpPr>
+            <p:cNvPr id="2" name="Oval 1"/>
+            <p:cNvSpPr/>
+            <p:nvPr/>
+          </p:nvSpPr>
+          <p:spPr>
+            <a:xfrm>
+              <a:off x="1736810" y="1530862"/>
+              <a:ext cx="2471353" cy="2471353"/>
+            </a:xfrm>
+            <a:prstGeom prst="ellipse">
+              <a:avLst/>
+            </a:prstGeom>
+            <a:noFill/>
+          </p:spPr>
+          <p:style>
+            <a:lnRef idx="1">
+              <a:schemeClr val="accent1"/>
+            </a:lnRef>
+            <a:fillRef idx="3">
+              <a:schemeClr val="accent1"/>
+            </a:fillRef>
+            <a:effectRef idx="2">
+              <a:schemeClr val="accent1"/>
+            </a:effectRef>
+            <a:fontRef idx="minor">
+              <a:schemeClr val="lt1"/>
+            </a:fontRef>
+          </p:style>
+          <p:txBody>
+            <a:bodyPr rtlCol="0" anchor="ctr"/>
+            <a:lstStyle/>
+            <a:p>
+              <a:pPr algn="ctr"/>
+              <a:endParaRPr lang="en-US"/>
+            </a:p>
+          </p:txBody>
+        </p:sp>
+        <p:sp>
+          <p:nvSpPr>
+            <p:cNvPr id="47" name="Oval 46"/>
+            <p:cNvSpPr/>
+            <p:nvPr/>
+          </p:nvSpPr>
+          <p:spPr>
+            <a:xfrm>
+              <a:off x="2867405" y="2740809"/>
+              <a:ext cx="109321" cy="109321"/>
+            </a:xfrm>
+            <a:prstGeom prst="ellipse">
+              <a:avLst/>
+            </a:prstGeom>
+          </p:spPr>
+          <p:style>
+            <a:lnRef idx="2">
+              <a:schemeClr val="dk1">
+                <a:shade val="50000"/>
+              </a:schemeClr>
+            </a:lnRef>
+            <a:fillRef idx="1">
+              <a:schemeClr val="dk1"/>
+            </a:fillRef>
+            <a:effectRef idx="0">
+              <a:schemeClr val="dk1"/>
+            </a:effectRef>
+            <a:fontRef idx="minor">
+              <a:schemeClr val="lt1"/>
+            </a:fontRef>
+          </p:style>
+          <p:txBody>
+            <a:bodyPr rtlCol="0" anchor="ctr"/>
+            <a:lstStyle/>
+            <a:p>
+              <a:pPr algn="ctr"/>
+              <a:endParaRPr lang="en-US"/>
+            </a:p>
+          </p:txBody>
+        </p:sp>
+        <p:cxnSp>
+          <p:nvCxnSpPr>
+            <p:cNvPr id="55" name="Straight Arrow Connector 54"/>
+            <p:cNvCxnSpPr/>
+            <p:nvPr/>
+          </p:nvCxnSpPr>
+          <p:spPr>
+            <a:xfrm flipH="1">
+              <a:off x="2368378" y="2761025"/>
+              <a:ext cx="553528" cy="1093755"/>
+            </a:xfrm>
+            <a:prstGeom prst="straightConnector1">
+              <a:avLst/>
+            </a:prstGeom>
+            <a:ln w="28575" cmpd="sng">
+              <a:tailEnd type="arrow"/>
+            </a:ln>
+            <a:effectLst/>
+          </p:spPr>
+          <p:style>
+            <a:lnRef idx="2">
+              <a:schemeClr val="dk1"/>
+            </a:lnRef>
+            <a:fillRef idx="0">
+              <a:schemeClr val="dk1"/>
+            </a:fillRef>
+            <a:effectRef idx="1">
+              <a:schemeClr val="dk1"/>
+            </a:effectRef>
+            <a:fontRef idx="minor">
+              <a:schemeClr val="tx1"/>
+            </a:fontRef>
+          </p:style>
+        </p:cxnSp>
+        <p:sp>
+          <p:nvSpPr>
+            <p:cNvPr id="56" name="Arc 55"/>
+            <p:cNvSpPr/>
+            <p:nvPr/>
+          </p:nvSpPr>
+          <p:spPr>
+            <a:xfrm rot="10800000" flipH="1">
+              <a:off x="1742286" y="1526964"/>
+              <a:ext cx="2468880" cy="2468880"/>
+            </a:xfrm>
+            <a:prstGeom prst="arc">
+              <a:avLst>
+                <a:gd name="adj1" fmla="val 14472982"/>
+                <a:gd name="adj2" fmla="val 17097554"/>
+              </a:avLst>
+            </a:prstGeom>
+            <a:ln>
+              <a:solidFill>
+                <a:schemeClr val="bg1">
+                  <a:lumMod val="50000"/>
+                </a:schemeClr>
+              </a:solidFill>
+              <a:prstDash val="sysDash"/>
+              <a:headEnd type="none"/>
+              <a:tailEnd type="arrow"/>
+            </a:ln>
+          </p:spPr>
+          <p:style>
+            <a:lnRef idx="2">
+              <a:schemeClr val="dk1"/>
+            </a:lnRef>
+            <a:fillRef idx="0">
+              <a:schemeClr val="dk1"/>
+            </a:fillRef>
+            <a:effectRef idx="1">
+              <a:schemeClr val="dk1"/>
+            </a:effectRef>
+            <a:fontRef idx="minor">
+              <a:schemeClr val="tx1"/>
+            </a:fontRef>
+          </p:style>
+          <p:txBody>
+            <a:bodyPr rtlCol="0" anchor="ctr"/>
+            <a:lstStyle/>
+            <a:p>
+              <a:pPr algn="ctr"/>
+              <a:endParaRPr lang="en-US"/>
+            </a:p>
+          </p:txBody>
+        </p:sp>
+        <p:cxnSp>
+          <p:nvCxnSpPr>
+            <p:cNvPr id="30" name="Straight Arrow Connector 29"/>
+            <p:cNvCxnSpPr/>
+            <p:nvPr/>
+          </p:nvCxnSpPr>
+          <p:spPr>
+            <a:xfrm>
+              <a:off x="2920536" y="2759655"/>
+              <a:ext cx="376485" cy="1232527"/>
+            </a:xfrm>
+            <a:prstGeom prst="straightConnector1">
+              <a:avLst/>
+            </a:prstGeom>
+            <a:ln w="28575" cmpd="sng">
+              <a:tailEnd type="arrow"/>
+            </a:ln>
+            <a:effectLst/>
+          </p:spPr>
+          <p:style>
+            <a:lnRef idx="2">
+              <a:schemeClr val="dk1"/>
+            </a:lnRef>
+            <a:fillRef idx="0">
+              <a:schemeClr val="dk1"/>
+            </a:fillRef>
+            <a:effectRef idx="1">
+              <a:schemeClr val="dk1"/>
+            </a:effectRef>
+            <a:fontRef idx="minor">
+              <a:schemeClr val="tx1"/>
+            </a:fontRef>
+          </p:style>
+        </p:cxnSp>
+      </p:grpSp>
+      <p:sp>
+        <p:nvSpPr>
+          <p:cNvPr id="38" name="TextBox 37"/>
+          <p:cNvSpPr txBox="1"/>
+          <p:nvPr/>
+        </p:nvSpPr>
+        <p:spPr>
+          <a:xfrm>
+            <a:off x="916730" y="2884573"/>
+            <a:ext cx="1488795" cy="461665"/>
+          </a:xfrm>
+          <a:prstGeom prst="rect">
+            <a:avLst/>
+          </a:prstGeom>
+          <a:noFill/>
+        </p:spPr>
+        <p:txBody>
+          <a:bodyPr wrap="square" rtlCol="0">
+            <a:spAutoFit/>
+          </a:bodyPr>
+          <a:lstStyle/>
+          <a:p>
+            <a:pPr algn="ctr"/>
+            <a:r>
+              <a:rPr lang="en-US" sz="2400" dirty="0" smtClean="0"/>
+              <a:t>Turn</a:t>
+            </a:r>
+            <a:r>
+              <a:rPr lang="en-US" sz="2400" baseline="-25000" dirty="0" smtClean="0"/>
+              <a:t>1</a:t>
+            </a:r>
+            <a:endParaRPr lang="en-US" sz="2400" baseline="-25000" dirty="0"/>
+          </a:p>
+        </p:txBody>
+      </p:sp>
+      <p:grpSp>
+        <p:nvGrpSpPr>
+          <p:cNvPr id="11" name="Group 10"/>
+          <p:cNvGrpSpPr/>
+          <p:nvPr/>
+        </p:nvGrpSpPr>
+        <p:grpSpPr>
+          <a:xfrm rot="17810060">
+            <a:off x="2911723" y="1554174"/>
+            <a:ext cx="1278624" cy="1279086"/>
+            <a:chOff x="1736810" y="1526965"/>
+            <a:chExt cx="2474354" cy="2475250"/>
+          </a:xfrm>
+        </p:grpSpPr>
+        <p:sp>
+          <p:nvSpPr>
+            <p:cNvPr id="14" name="Oval 13"/>
+            <p:cNvSpPr/>
+            <p:nvPr/>
+          </p:nvSpPr>
+          <p:spPr>
+            <a:xfrm>
+              <a:off x="1736810" y="1530862"/>
+              <a:ext cx="2471353" cy="2471353"/>
+            </a:xfrm>
+            <a:prstGeom prst="ellipse">
+              <a:avLst/>
+            </a:prstGeom>
+            <a:noFill/>
+          </p:spPr>
+          <p:style>
+            <a:lnRef idx="1">
+              <a:schemeClr val="accent1"/>
+            </a:lnRef>
+            <a:fillRef idx="3">
+              <a:schemeClr val="accent1"/>
+            </a:fillRef>
+            <a:effectRef idx="2">
+              <a:schemeClr val="accent1"/>
+            </a:effectRef>
+            <a:fontRef idx="minor">
+              <a:schemeClr val="lt1"/>
+            </a:fontRef>
+          </p:style>
+          <p:txBody>
+            <a:bodyPr rtlCol="0" anchor="ctr"/>
+            <a:lstStyle/>
+            <a:p>
+              <a:pPr algn="ctr"/>
+              <a:endParaRPr lang="en-US"/>
+            </a:p>
+          </p:txBody>
+        </p:sp>
+        <p:sp>
+          <p:nvSpPr>
+            <p:cNvPr id="15" name="Oval 14"/>
+            <p:cNvSpPr/>
+            <p:nvPr/>
+          </p:nvSpPr>
+          <p:spPr>
+            <a:xfrm>
+              <a:off x="2867405" y="2740809"/>
+              <a:ext cx="109321" cy="109321"/>
+            </a:xfrm>
+            <a:prstGeom prst="ellipse">
+              <a:avLst/>
+            </a:prstGeom>
+          </p:spPr>
+          <p:style>
+            <a:lnRef idx="2">
+              <a:schemeClr val="dk1">
+                <a:shade val="50000"/>
+              </a:schemeClr>
+            </a:lnRef>
+            <a:fillRef idx="1">
+              <a:schemeClr val="dk1"/>
+            </a:fillRef>
+            <a:effectRef idx="0">
+              <a:schemeClr val="dk1"/>
+            </a:effectRef>
+            <a:fontRef idx="minor">
+              <a:schemeClr val="lt1"/>
+            </a:fontRef>
+          </p:style>
+          <p:txBody>
+            <a:bodyPr rtlCol="0" anchor="ctr"/>
+            <a:lstStyle/>
+            <a:p>
+              <a:pPr algn="ctr"/>
+              <a:endParaRPr lang="en-US"/>
+            </a:p>
+          </p:txBody>
+        </p:sp>
+        <p:cxnSp>
+          <p:nvCxnSpPr>
+            <p:cNvPr id="16" name="Straight Arrow Connector 15"/>
+            <p:cNvCxnSpPr>
+              <a:endCxn id="14" idx="3"/>
+            </p:cNvCxnSpPr>
+            <p:nvPr/>
+          </p:nvCxnSpPr>
+          <p:spPr>
+            <a:xfrm rot="3789940">
+              <a:off x="2303822" y="2634936"/>
+              <a:ext cx="412992" cy="1131445"/>
+            </a:xfrm>
+            <a:prstGeom prst="straightConnector1">
+              <a:avLst/>
+            </a:prstGeom>
+            <a:ln w="28575" cmpd="sng">
+              <a:tailEnd type="arrow"/>
+            </a:ln>
+            <a:effectLst/>
+          </p:spPr>
+          <p:style>
+            <a:lnRef idx="2">
+              <a:schemeClr val="dk1"/>
+            </a:lnRef>
+            <a:fillRef idx="0">
+              <a:schemeClr val="dk1"/>
+            </a:fillRef>
+            <a:effectRef idx="1">
+              <a:schemeClr val="dk1"/>
+            </a:effectRef>
+            <a:fontRef idx="minor">
+              <a:schemeClr val="tx1"/>
+            </a:fontRef>
+          </p:style>
+        </p:cxnSp>
+        <p:sp>
+          <p:nvSpPr>
+            <p:cNvPr id="17" name="Arc 16"/>
+            <p:cNvSpPr/>
+            <p:nvPr/>
+          </p:nvSpPr>
+          <p:spPr>
+            <a:xfrm rot="10800000" flipH="1">
+              <a:off x="1742285" y="1526965"/>
+              <a:ext cx="2468879" cy="2468880"/>
+            </a:xfrm>
+            <a:prstGeom prst="arc">
+              <a:avLst>
+                <a:gd name="adj1" fmla="val 13483106"/>
+                <a:gd name="adj2" fmla="val 17097554"/>
+              </a:avLst>
+            </a:prstGeom>
+            <a:ln>
+              <a:solidFill>
+                <a:schemeClr val="bg1">
+                  <a:lumMod val="50000"/>
+                </a:schemeClr>
+              </a:solidFill>
+              <a:prstDash val="sysDash"/>
+              <a:headEnd type="none"/>
+              <a:tailEnd type="arrow"/>
+            </a:ln>
+          </p:spPr>
+          <p:style>
+            <a:lnRef idx="2">
+              <a:schemeClr val="dk1"/>
+            </a:lnRef>
+            <a:fillRef idx="0">
+              <a:schemeClr val="dk1"/>
+            </a:fillRef>
+            <a:effectRef idx="1">
+              <a:schemeClr val="dk1"/>
+            </a:effectRef>
+            <a:fontRef idx="minor">
+              <a:schemeClr val="tx1"/>
+            </a:fontRef>
+          </p:style>
+          <p:txBody>
+            <a:bodyPr rtlCol="0" anchor="ctr"/>
+            <a:lstStyle/>
+            <a:p>
+              <a:pPr algn="ctr"/>
+              <a:endParaRPr lang="en-US"/>
+            </a:p>
+          </p:txBody>
+        </p:sp>
+        <p:cxnSp>
+          <p:nvCxnSpPr>
+            <p:cNvPr id="18" name="Straight Arrow Connector 17"/>
+            <p:cNvCxnSpPr/>
+            <p:nvPr/>
+          </p:nvCxnSpPr>
+          <p:spPr>
+            <a:xfrm>
+              <a:off x="2920536" y="2759655"/>
+              <a:ext cx="376485" cy="1232527"/>
+            </a:xfrm>
+            <a:prstGeom prst="straightConnector1">
+              <a:avLst/>
+            </a:prstGeom>
+            <a:ln w="28575" cmpd="sng">
+              <a:tailEnd type="arrow"/>
+            </a:ln>
+            <a:effectLst/>
+          </p:spPr>
+          <p:style>
+            <a:lnRef idx="2">
+              <a:schemeClr val="dk1"/>
+            </a:lnRef>
+            <a:fillRef idx="0">
+              <a:schemeClr val="dk1"/>
+            </a:fillRef>
+            <a:effectRef idx="1">
+              <a:schemeClr val="dk1"/>
+            </a:effectRef>
+            <a:fontRef idx="minor">
+              <a:schemeClr val="tx1"/>
+            </a:fontRef>
+          </p:style>
+        </p:cxnSp>
+      </p:grpSp>
+      <p:sp>
+        <p:nvSpPr>
+          <p:cNvPr id="19" name="TextBox 18"/>
+          <p:cNvSpPr txBox="1"/>
+          <p:nvPr/>
+        </p:nvSpPr>
+        <p:spPr>
+          <a:xfrm>
+            <a:off x="2808053" y="2886587"/>
+            <a:ext cx="1488795" cy="461665"/>
+          </a:xfrm>
+          <a:prstGeom prst="rect">
+            <a:avLst/>
+          </a:prstGeom>
+          <a:noFill/>
+        </p:spPr>
+        <p:txBody>
+          <a:bodyPr wrap="square" rtlCol="0">
+            <a:spAutoFit/>
+          </a:bodyPr>
+          <a:lstStyle/>
+          <a:p>
+            <a:pPr algn="ctr"/>
+            <a:r>
+              <a:rPr lang="en-US" sz="2400" dirty="0" smtClean="0"/>
+              <a:t>Turn</a:t>
+            </a:r>
+            <a:r>
+              <a:rPr lang="en-US" sz="2400" baseline="-25000" dirty="0" smtClean="0"/>
+              <a:t>2</a:t>
+            </a:r>
+            <a:endParaRPr lang="en-US" sz="2400" baseline="-25000" dirty="0"/>
+          </a:p>
+        </p:txBody>
+      </p:sp>
+      <p:grpSp>
+        <p:nvGrpSpPr>
+          <p:cNvPr id="20" name="Group 19"/>
+          <p:cNvGrpSpPr/>
+          <p:nvPr/>
+        </p:nvGrpSpPr>
+        <p:grpSpPr>
+          <a:xfrm rot="17810060">
+            <a:off x="4851556" y="1539874"/>
+            <a:ext cx="1278622" cy="1279086"/>
+            <a:chOff x="1736810" y="1526965"/>
+            <a:chExt cx="2474351" cy="2475250"/>
+          </a:xfrm>
+        </p:grpSpPr>
+        <p:sp>
+          <p:nvSpPr>
+            <p:cNvPr id="21" name="Oval 20"/>
+            <p:cNvSpPr/>
+            <p:nvPr/>
+          </p:nvSpPr>
+          <p:spPr>
+            <a:xfrm>
+              <a:off x="1736810" y="1530862"/>
+              <a:ext cx="2471353" cy="2471353"/>
+            </a:xfrm>
+            <a:prstGeom prst="ellipse">
+              <a:avLst/>
+            </a:prstGeom>
+            <a:noFill/>
+          </p:spPr>
+          <p:style>
+            <a:lnRef idx="1">
+              <a:schemeClr val="accent1"/>
+            </a:lnRef>
+            <a:fillRef idx="3">
+              <a:schemeClr val="accent1"/>
+            </a:fillRef>
+            <a:effectRef idx="2">
+              <a:schemeClr val="accent1"/>
+            </a:effectRef>
+            <a:fontRef idx="minor">
+              <a:schemeClr val="lt1"/>
+            </a:fontRef>
+          </p:style>
+          <p:txBody>
+            <a:bodyPr rtlCol="0" anchor="ctr"/>
+            <a:lstStyle/>
+            <a:p>
+              <a:pPr algn="ctr"/>
+              <a:endParaRPr lang="en-US"/>
+            </a:p>
+          </p:txBody>
+        </p:sp>
+        <p:sp>
+          <p:nvSpPr>
+            <p:cNvPr id="22" name="Oval 21"/>
+            <p:cNvSpPr/>
+            <p:nvPr/>
+          </p:nvSpPr>
+          <p:spPr>
+            <a:xfrm>
+              <a:off x="2867405" y="2740809"/>
+              <a:ext cx="109321" cy="109321"/>
+            </a:xfrm>
+            <a:prstGeom prst="ellipse">
+              <a:avLst/>
+            </a:prstGeom>
+          </p:spPr>
+          <p:style>
+            <a:lnRef idx="2">
+              <a:schemeClr val="dk1">
+                <a:shade val="50000"/>
+              </a:schemeClr>
+            </a:lnRef>
+            <a:fillRef idx="1">
+              <a:schemeClr val="dk1"/>
+            </a:fillRef>
+            <a:effectRef idx="0">
+              <a:schemeClr val="dk1"/>
+            </a:effectRef>
+            <a:fontRef idx="minor">
+              <a:schemeClr val="lt1"/>
+            </a:fontRef>
+          </p:style>
+          <p:txBody>
+            <a:bodyPr rtlCol="0" anchor="ctr"/>
+            <a:lstStyle/>
+            <a:p>
+              <a:pPr algn="ctr"/>
+              <a:endParaRPr lang="en-US"/>
+            </a:p>
+          </p:txBody>
+        </p:sp>
+        <p:cxnSp>
+          <p:nvCxnSpPr>
+            <p:cNvPr id="23" name="Straight Arrow Connector 22"/>
+            <p:cNvCxnSpPr>
+              <a:endCxn id="24" idx="2"/>
+            </p:cNvCxnSpPr>
+            <p:nvPr/>
+          </p:nvCxnSpPr>
+          <p:spPr>
+            <a:xfrm rot="3789940" flipH="1">
+              <a:off x="1979215" y="2181466"/>
+              <a:ext cx="727299" cy="929911"/>
+            </a:xfrm>
+            <a:prstGeom prst="straightConnector1">
+              <a:avLst/>
+            </a:prstGeom>
+            <a:ln w="28575" cmpd="sng">
+              <a:tailEnd type="arrow"/>
+            </a:ln>
+            <a:effectLst/>
+          </p:spPr>
+          <p:style>
+            <a:lnRef idx="2">
+              <a:schemeClr val="dk1"/>
+            </a:lnRef>
+            <a:fillRef idx="0">
+              <a:schemeClr val="dk1"/>
+            </a:fillRef>
+            <a:effectRef idx="1">
+              <a:schemeClr val="dk1"/>
+            </a:effectRef>
+            <a:fontRef idx="minor">
+              <a:schemeClr val="tx1"/>
+            </a:fontRef>
+          </p:style>
+        </p:cxnSp>
+        <p:sp>
+          <p:nvSpPr>
+            <p:cNvPr id="24" name="Arc 23"/>
+            <p:cNvSpPr/>
+            <p:nvPr/>
+          </p:nvSpPr>
+          <p:spPr>
+            <a:xfrm rot="3129308" flipH="1" flipV="1">
+              <a:off x="1742283" y="1526967"/>
+              <a:ext cx="2468880" cy="2468876"/>
+            </a:xfrm>
+            <a:prstGeom prst="arc">
+              <a:avLst>
+                <a:gd name="adj1" fmla="val 13551207"/>
+                <a:gd name="adj2" fmla="val 19113805"/>
+              </a:avLst>
+            </a:prstGeom>
+            <a:ln>
+              <a:solidFill>
+                <a:schemeClr val="bg1">
+                  <a:lumMod val="50000"/>
+                </a:schemeClr>
+              </a:solidFill>
+              <a:prstDash val="sysDash"/>
+              <a:headEnd type="none"/>
+              <a:tailEnd type="arrow"/>
+            </a:ln>
+          </p:spPr>
+          <p:style>
+            <a:lnRef idx="2">
+              <a:schemeClr val="dk1"/>
+            </a:lnRef>
+            <a:fillRef idx="0">
+              <a:schemeClr val="dk1"/>
+            </a:fillRef>
+            <a:effectRef idx="1">
+              <a:schemeClr val="dk1"/>
+            </a:effectRef>
+            <a:fontRef idx="minor">
+              <a:schemeClr val="tx1"/>
+            </a:fontRef>
+          </p:style>
+          <p:txBody>
+            <a:bodyPr rtlCol="0" anchor="ctr"/>
+            <a:lstStyle/>
+            <a:p>
+              <a:pPr algn="ctr"/>
+              <a:endParaRPr lang="en-US"/>
+            </a:p>
+          </p:txBody>
+        </p:sp>
+        <p:cxnSp>
+          <p:nvCxnSpPr>
+            <p:cNvPr id="25" name="Straight Arrow Connector 24"/>
+            <p:cNvCxnSpPr>
+              <a:endCxn id="24" idx="0"/>
+            </p:cNvCxnSpPr>
+            <p:nvPr/>
+          </p:nvCxnSpPr>
+          <p:spPr>
+            <a:xfrm rot="3789940">
+              <a:off x="2342610" y="3043770"/>
+              <a:ext cx="1040056" cy="655922"/>
+            </a:xfrm>
+            <a:prstGeom prst="straightConnector1">
+              <a:avLst/>
+            </a:prstGeom>
+            <a:ln w="28575" cmpd="sng">
+              <a:tailEnd type="arrow"/>
+            </a:ln>
+            <a:effectLst/>
+          </p:spPr>
+          <p:style>
+            <a:lnRef idx="2">
+              <a:schemeClr val="dk1"/>
+            </a:lnRef>
+            <a:fillRef idx="0">
+              <a:schemeClr val="dk1"/>
+            </a:fillRef>
+            <a:effectRef idx="1">
+              <a:schemeClr val="dk1"/>
+            </a:effectRef>
+            <a:fontRef idx="minor">
+              <a:schemeClr val="tx1"/>
+            </a:fontRef>
+          </p:style>
+        </p:cxnSp>
+      </p:grpSp>
+      <p:sp>
+        <p:nvSpPr>
+          <p:cNvPr id="26" name="TextBox 25"/>
+          <p:cNvSpPr txBox="1"/>
+          <p:nvPr/>
+        </p:nvSpPr>
+        <p:spPr>
+          <a:xfrm>
+            <a:off x="4747886" y="2872285"/>
+            <a:ext cx="1488795" cy="461665"/>
+          </a:xfrm>
+          <a:prstGeom prst="rect">
+            <a:avLst/>
+          </a:prstGeom>
+          <a:noFill/>
+        </p:spPr>
+        <p:txBody>
+          <a:bodyPr wrap="square" rtlCol="0">
+            <a:spAutoFit/>
+          </a:bodyPr>
+          <a:lstStyle/>
+          <a:p>
+            <a:pPr algn="ctr"/>
+            <a:r>
+              <a:rPr lang="en-US" sz="2400" dirty="0" smtClean="0"/>
+              <a:t>Turn</a:t>
+            </a:r>
+            <a:r>
+              <a:rPr lang="en-US" sz="2400" baseline="-25000" dirty="0" smtClean="0"/>
+              <a:t>3</a:t>
+            </a:r>
+            <a:endParaRPr lang="en-US" sz="2400" baseline="-25000" dirty="0"/>
+          </a:p>
+        </p:txBody>
+      </p:sp>
+    </p:spTree>
+    <p:extLst>
+      <p:ext uri="{BB962C8B-B14F-4D97-AF65-F5344CB8AC3E}">
+        <p14:creationId xmlns:p14="http://schemas.microsoft.com/office/powerpoint/2010/main" val="114565788"/>
+      </p:ext>
+    </p:extLst>
+  </p:cSld>
+  <p:clrMapOvr>
+    <a:masterClrMapping/>
+  </p:clrMapOvr>
+</p:sld>
+</file>
+
+<file path=ppt/slides/slide2.xml><?xml version="1.0" encoding="utf-8"?>
+<p:sld xmlns:a="http://schemas.openxmlformats.org/drawingml/2006/main" xmlns:r="http://schemas.openxmlformats.org/officeDocument/2006/relationships" xmlns:p="http://schemas.openxmlformats.org/presentationml/2006/main">
+  <p:cSld>
+    <p:spTree>
+      <p:nvGrpSpPr>
+        <p:cNvPr id="1" name=""/>
+        <p:cNvGrpSpPr/>
+        <p:nvPr/>
+      </p:nvGrpSpPr>
+      <p:grpSpPr>
+        <a:xfrm>
+          <a:off x="0" y="0"/>
+          <a:ext cx="0" cy="0"/>
+          <a:chOff x="0" y="0"/>
+          <a:chExt cx="0" cy="0"/>
+        </a:xfrm>
+      </p:grpSpPr>
+      <p:grpSp>
+        <p:nvGrpSpPr>
+          <p:cNvPr id="14" name="Group 13"/>
+          <p:cNvGrpSpPr/>
+          <p:nvPr/>
+        </p:nvGrpSpPr>
+        <p:grpSpPr>
+          <a:xfrm>
+            <a:off x="1366762" y="2116667"/>
+            <a:ext cx="520096" cy="520096"/>
+            <a:chOff x="2467428" y="1596571"/>
+            <a:chExt cx="520096" cy="520096"/>
+          </a:xfrm>
+        </p:grpSpPr>
+        <p:cxnSp>
+          <p:nvCxnSpPr>
+            <p:cNvPr id="10" name="Straight Arrow Connector 9"/>
+            <p:cNvCxnSpPr/>
+            <p:nvPr/>
+          </p:nvCxnSpPr>
+          <p:spPr>
+            <a:xfrm flipV="1">
+              <a:off x="2467428" y="1596571"/>
+              <a:ext cx="0" cy="520096"/>
+            </a:xfrm>
+            <a:prstGeom prst="straightConnector1">
+              <a:avLst/>
+            </a:prstGeom>
+            <a:ln>
+              <a:solidFill>
+                <a:schemeClr val="bg1">
+                  <a:lumMod val="50000"/>
+                </a:schemeClr>
+              </a:solidFill>
+              <a:tailEnd type="arrow"/>
+            </a:ln>
+            <a:effectLst/>
+          </p:spPr>
+          <p:style>
+            <a:lnRef idx="2">
+              <a:schemeClr val="dk1"/>
+            </a:lnRef>
+            <a:fillRef idx="0">
+              <a:schemeClr val="dk1"/>
+            </a:fillRef>
+            <a:effectRef idx="1">
+              <a:schemeClr val="dk1"/>
+            </a:effectRef>
+            <a:fontRef idx="minor">
+              <a:schemeClr val="tx1"/>
+            </a:fontRef>
+          </p:style>
+        </p:cxnSp>
+        <p:cxnSp>
+          <p:nvCxnSpPr>
+            <p:cNvPr id="11" name="Straight Arrow Connector 10"/>
+            <p:cNvCxnSpPr/>
+            <p:nvPr/>
+          </p:nvCxnSpPr>
+          <p:spPr>
+            <a:xfrm rot="5400000" flipV="1">
+              <a:off x="2727476" y="1845733"/>
+              <a:ext cx="0" cy="520096"/>
+            </a:xfrm>
+            <a:prstGeom prst="straightConnector1">
+              <a:avLst/>
+            </a:prstGeom>
+            <a:ln>
+              <a:solidFill>
+                <a:schemeClr val="bg1">
+                  <a:lumMod val="50000"/>
+                </a:schemeClr>
+              </a:solidFill>
+              <a:tailEnd type="arrow"/>
+            </a:ln>
+            <a:effectLst/>
+          </p:spPr>
+          <p:style>
+            <a:lnRef idx="2">
+              <a:schemeClr val="dk1"/>
+            </a:lnRef>
+            <a:fillRef idx="0">
+              <a:schemeClr val="dk1"/>
+            </a:fillRef>
+            <a:effectRef idx="1">
+              <a:schemeClr val="dk1"/>
+            </a:effectRef>
+            <a:fontRef idx="minor">
+              <a:schemeClr val="tx1"/>
+            </a:fontRef>
+          </p:style>
+        </p:cxnSp>
+      </p:grpSp>
+      <p:grpSp>
+        <p:nvGrpSpPr>
+          <p:cNvPr id="15" name="Group 14"/>
+          <p:cNvGrpSpPr/>
+          <p:nvPr/>
+        </p:nvGrpSpPr>
+        <p:grpSpPr>
+          <a:xfrm>
+            <a:off x="1366762" y="4361543"/>
+            <a:ext cx="520096" cy="520096"/>
+            <a:chOff x="2467428" y="1596571"/>
+            <a:chExt cx="520096" cy="520096"/>
+          </a:xfrm>
+        </p:grpSpPr>
+        <p:cxnSp>
+          <p:nvCxnSpPr>
+            <p:cNvPr id="16" name="Straight Arrow Connector 15"/>
+            <p:cNvCxnSpPr/>
+            <p:nvPr/>
+          </p:nvCxnSpPr>
+          <p:spPr>
+            <a:xfrm flipV="1">
+              <a:off x="2467428" y="1596571"/>
+              <a:ext cx="0" cy="520096"/>
+            </a:xfrm>
+            <a:prstGeom prst="straightConnector1">
+              <a:avLst/>
+            </a:prstGeom>
+            <a:ln>
+              <a:tailEnd type="arrow"/>
+            </a:ln>
+            <a:effectLst/>
+          </p:spPr>
+          <p:style>
+            <a:lnRef idx="2">
+              <a:schemeClr val="dk1"/>
+            </a:lnRef>
+            <a:fillRef idx="0">
+              <a:schemeClr val="dk1"/>
+            </a:fillRef>
+            <a:effectRef idx="1">
+              <a:schemeClr val="dk1"/>
+            </a:effectRef>
+            <a:fontRef idx="minor">
+              <a:schemeClr val="tx1"/>
+            </a:fontRef>
+          </p:style>
+        </p:cxnSp>
+        <p:cxnSp>
+          <p:nvCxnSpPr>
+            <p:cNvPr id="17" name="Straight Arrow Connector 16"/>
+            <p:cNvCxnSpPr/>
+            <p:nvPr/>
+          </p:nvCxnSpPr>
+          <p:spPr>
+            <a:xfrm rot="5400000" flipV="1">
+              <a:off x="2727476" y="1845733"/>
+              <a:ext cx="0" cy="520096"/>
+            </a:xfrm>
+            <a:prstGeom prst="straightConnector1">
+              <a:avLst/>
+            </a:prstGeom>
+            <a:ln>
+              <a:tailEnd type="arrow"/>
+            </a:ln>
+            <a:effectLst/>
+          </p:spPr>
+          <p:style>
+            <a:lnRef idx="2">
+              <a:schemeClr val="dk1"/>
+            </a:lnRef>
+            <a:fillRef idx="0">
+              <a:schemeClr val="dk1"/>
+            </a:fillRef>
+            <a:effectRef idx="1">
+              <a:schemeClr val="dk1"/>
+            </a:effectRef>
+            <a:fontRef idx="minor">
+              <a:schemeClr val="tx1"/>
+            </a:fontRef>
+          </p:style>
+        </p:cxnSp>
+      </p:grpSp>
+      <p:cxnSp>
+        <p:nvCxnSpPr>
+          <p:cNvPr id="20" name="Straight Arrow Connector 19"/>
+          <p:cNvCxnSpPr/>
+          <p:nvPr/>
+        </p:nvCxnSpPr>
+        <p:spPr>
+          <a:xfrm flipV="1">
+            <a:off x="1366762" y="1672167"/>
+            <a:ext cx="929821" cy="964597"/>
+          </a:xfrm>
+          <a:prstGeom prst="straightConnector1">
+            <a:avLst/>
+          </a:prstGeom>
+          <a:ln w="28575" cmpd="sng">
+            <a:tailEnd type="arrow"/>
+          </a:ln>
+          <a:effectLst/>
+        </p:spPr>
+        <p:style>
+          <a:lnRef idx="2">
+            <a:schemeClr val="dk1"/>
+          </a:lnRef>
+          <a:fillRef idx="0">
+            <a:schemeClr val="dk1"/>
+          </a:fillRef>
+          <a:effectRef idx="1">
+            <a:schemeClr val="dk1"/>
+          </a:effectRef>
+          <a:fontRef idx="minor">
+            <a:schemeClr val="tx1"/>
+          </a:fontRef>
+        </p:style>
+      </p:cxnSp>
+      <p:sp>
+        <p:nvSpPr>
+          <p:cNvPr id="24" name="TextBox 23"/>
+          <p:cNvSpPr txBox="1"/>
+          <p:nvPr/>
+        </p:nvSpPr>
+        <p:spPr>
+          <a:xfrm>
+            <a:off x="1602621" y="1696148"/>
+            <a:ext cx="399142" cy="369332"/>
+          </a:xfrm>
+          <a:prstGeom prst="rect">
+            <a:avLst/>
+          </a:prstGeom>
+          <a:noFill/>
+        </p:spPr>
+        <p:txBody>
+          <a:bodyPr wrap="square" rtlCol="0">
+            <a:spAutoFit/>
+          </a:bodyPr>
+          <a:lstStyle/>
+          <a:p>
+            <a:r>
+              <a:rPr lang="en-US" dirty="0" smtClean="0"/>
+              <a:t>X</a:t>
+            </a:r>
+            <a:r>
+              <a:rPr lang="en-US" baseline="-25000" dirty="0" smtClean="0"/>
+              <a:t>0</a:t>
+            </a:r>
+            <a:endParaRPr lang="en-US" baseline="-25000" dirty="0"/>
+          </a:p>
+        </p:txBody>
+      </p:sp>
+      <p:cxnSp>
+        <p:nvCxnSpPr>
+          <p:cNvPr id="25" name="Straight Arrow Connector 24"/>
+          <p:cNvCxnSpPr/>
+          <p:nvPr/>
+        </p:nvCxnSpPr>
+        <p:spPr>
+          <a:xfrm flipV="1">
+            <a:off x="2296583" y="1354667"/>
+            <a:ext cx="751417" cy="317502"/>
+          </a:xfrm>
+          <a:prstGeom prst="straightConnector1">
+            <a:avLst/>
+          </a:prstGeom>
+          <a:ln w="28575" cmpd="sng">
+            <a:tailEnd type="arrow"/>
+          </a:ln>
+          <a:effectLst/>
+        </p:spPr>
+        <p:style>
+          <a:lnRef idx="2">
+            <a:schemeClr val="dk1"/>
+          </a:lnRef>
+          <a:fillRef idx="0">
+            <a:schemeClr val="dk1"/>
+          </a:fillRef>
+          <a:effectRef idx="1">
+            <a:schemeClr val="dk1"/>
+          </a:effectRef>
+          <a:fontRef idx="minor">
+            <a:schemeClr val="tx1"/>
+          </a:fontRef>
+        </p:style>
+      </p:cxnSp>
+      <p:sp>
+        <p:nvSpPr>
+          <p:cNvPr id="28" name="TextBox 27"/>
+          <p:cNvSpPr txBox="1"/>
+          <p:nvPr/>
+        </p:nvSpPr>
+        <p:spPr>
+          <a:xfrm>
+            <a:off x="2587574" y="1426047"/>
+            <a:ext cx="399142" cy="369332"/>
+          </a:xfrm>
+          <a:prstGeom prst="rect">
+            <a:avLst/>
+          </a:prstGeom>
+          <a:noFill/>
+        </p:spPr>
+        <p:txBody>
+          <a:bodyPr wrap="square" rtlCol="0">
+            <a:spAutoFit/>
+          </a:bodyPr>
+          <a:lstStyle/>
+          <a:p>
+            <a:r>
+              <a:rPr lang="en-US" dirty="0" smtClean="0"/>
+              <a:t>v</a:t>
+            </a:r>
+            <a:r>
+              <a:rPr lang="en-US" baseline="-25000" dirty="0" smtClean="0"/>
+              <a:t>0</a:t>
+            </a:r>
+            <a:endParaRPr lang="en-US" baseline="-25000" dirty="0"/>
+          </a:p>
+        </p:txBody>
+      </p:sp>
+      <p:cxnSp>
+        <p:nvCxnSpPr>
+          <p:cNvPr id="34" name="Straight Arrow Connector 33"/>
+          <p:cNvCxnSpPr/>
+          <p:nvPr/>
+        </p:nvCxnSpPr>
+        <p:spPr>
+          <a:xfrm>
+            <a:off x="2296583" y="1676711"/>
+            <a:ext cx="1511" cy="546098"/>
+          </a:xfrm>
+          <a:prstGeom prst="straightConnector1">
+            <a:avLst/>
+          </a:prstGeom>
+          <a:ln w="28575" cmpd="sng">
+            <a:tailEnd type="arrow"/>
+          </a:ln>
+          <a:effectLst/>
+        </p:spPr>
+        <p:style>
+          <a:lnRef idx="2">
+            <a:schemeClr val="dk1"/>
+          </a:lnRef>
+          <a:fillRef idx="0">
+            <a:schemeClr val="dk1"/>
+          </a:fillRef>
+          <a:effectRef idx="1">
+            <a:schemeClr val="dk1"/>
+          </a:effectRef>
+          <a:fontRef idx="minor">
+            <a:schemeClr val="tx1"/>
+          </a:fontRef>
+        </p:style>
+      </p:cxnSp>
+      <p:sp>
+        <p:nvSpPr>
+          <p:cNvPr id="36" name="TextBox 35"/>
+          <p:cNvSpPr txBox="1"/>
+          <p:nvPr/>
+        </p:nvSpPr>
+        <p:spPr>
+          <a:xfrm>
+            <a:off x="2329242" y="1763675"/>
+            <a:ext cx="399142" cy="369332"/>
+          </a:xfrm>
+          <a:prstGeom prst="rect">
+            <a:avLst/>
+          </a:prstGeom>
+          <a:noFill/>
+        </p:spPr>
+        <p:txBody>
+          <a:bodyPr wrap="square" rtlCol="0">
+            <a:spAutoFit/>
+          </a:bodyPr>
+          <a:lstStyle/>
+          <a:p>
+            <a:r>
+              <a:rPr lang="en-US" dirty="0" smtClean="0"/>
+              <a:t>a</a:t>
+            </a:r>
+            <a:endParaRPr lang="en-US" baseline="-25000" dirty="0"/>
+          </a:p>
+        </p:txBody>
+      </p:sp>
+      <p:grpSp>
+        <p:nvGrpSpPr>
+          <p:cNvPr id="37" name="Group 36"/>
+          <p:cNvGrpSpPr/>
+          <p:nvPr/>
+        </p:nvGrpSpPr>
+        <p:grpSpPr>
+          <a:xfrm>
+            <a:off x="4864496" y="2117574"/>
+            <a:ext cx="520096" cy="520096"/>
+            <a:chOff x="2467428" y="1596571"/>
+            <a:chExt cx="520096" cy="520096"/>
+          </a:xfrm>
+        </p:grpSpPr>
+        <p:cxnSp>
+          <p:nvCxnSpPr>
+            <p:cNvPr id="38" name="Straight Arrow Connector 37"/>
+            <p:cNvCxnSpPr/>
+            <p:nvPr/>
+          </p:nvCxnSpPr>
+          <p:spPr>
+            <a:xfrm flipV="1">
+              <a:off x="2467428" y="1596571"/>
+              <a:ext cx="0" cy="520096"/>
+            </a:xfrm>
+            <a:prstGeom prst="straightConnector1">
+              <a:avLst/>
+            </a:prstGeom>
+            <a:ln>
+              <a:solidFill>
+                <a:schemeClr val="bg1">
+                  <a:lumMod val="50000"/>
+                </a:schemeClr>
+              </a:solidFill>
+              <a:tailEnd type="arrow"/>
+            </a:ln>
+            <a:effectLst/>
+          </p:spPr>
+          <p:style>
+            <a:lnRef idx="2">
+              <a:schemeClr val="dk1"/>
+            </a:lnRef>
+            <a:fillRef idx="0">
+              <a:schemeClr val="dk1"/>
+            </a:fillRef>
+            <a:effectRef idx="1">
+              <a:schemeClr val="dk1"/>
+            </a:effectRef>
+            <a:fontRef idx="minor">
+              <a:schemeClr val="tx1"/>
+            </a:fontRef>
+          </p:style>
+        </p:cxnSp>
+        <p:cxnSp>
+          <p:nvCxnSpPr>
+            <p:cNvPr id="39" name="Straight Arrow Connector 38"/>
+            <p:cNvCxnSpPr/>
+            <p:nvPr/>
+          </p:nvCxnSpPr>
+          <p:spPr>
+            <a:xfrm rot="5400000" flipV="1">
+              <a:off x="2727476" y="1845733"/>
+              <a:ext cx="0" cy="520096"/>
+            </a:xfrm>
+            <a:prstGeom prst="straightConnector1">
+              <a:avLst/>
+            </a:prstGeom>
+            <a:ln>
+              <a:solidFill>
+                <a:schemeClr val="bg1">
+                  <a:lumMod val="50000"/>
+                </a:schemeClr>
+              </a:solidFill>
+              <a:tailEnd type="arrow"/>
+            </a:ln>
+            <a:effectLst/>
+          </p:spPr>
+          <p:style>
+            <a:lnRef idx="2">
+              <a:schemeClr val="dk1"/>
+            </a:lnRef>
+            <a:fillRef idx="0">
+              <a:schemeClr val="dk1"/>
+            </a:fillRef>
+            <a:effectRef idx="1">
+              <a:schemeClr val="dk1"/>
+            </a:effectRef>
+            <a:fontRef idx="minor">
+              <a:schemeClr val="tx1"/>
+            </a:fontRef>
+          </p:style>
+        </p:cxnSp>
+      </p:grpSp>
+      <p:sp>
+        <p:nvSpPr>
+          <p:cNvPr id="46" name="Right Arrow 45"/>
+          <p:cNvSpPr/>
+          <p:nvPr/>
+        </p:nvSpPr>
+        <p:spPr>
+          <a:xfrm>
+            <a:off x="3226741" y="1553323"/>
+            <a:ext cx="1476963" cy="1024314"/>
+          </a:xfrm>
+          <a:prstGeom prst="rightArrow">
+            <a:avLst/>
+          </a:prstGeom>
+        </p:spPr>
+        <p:style>
+          <a:lnRef idx="1">
+            <a:schemeClr val="dk1"/>
+          </a:lnRef>
+          <a:fillRef idx="3">
+            <a:schemeClr val="dk1"/>
+          </a:fillRef>
+          <a:effectRef idx="2">
+            <a:schemeClr val="dk1"/>
+          </a:effectRef>
+          <a:fontRef idx="minor">
+            <a:schemeClr val="lt1"/>
+          </a:fontRef>
+        </p:style>
+        <p:txBody>
+          <a:bodyPr rtlCol="0" anchor="ctr"/>
+          <a:lstStyle/>
+          <a:p>
+            <a:pPr algn="ctr"/>
+            <a:r>
+              <a:rPr lang="en-US" dirty="0" smtClean="0"/>
+              <a:t>Integration</a:t>
+            </a:r>
+            <a:endParaRPr lang="en-US" dirty="0"/>
+          </a:p>
+        </p:txBody>
+      </p:sp>
+      <p:sp>
+        <p:nvSpPr>
+          <p:cNvPr id="47" name="Oval 46"/>
+          <p:cNvSpPr/>
+          <p:nvPr/>
+        </p:nvSpPr>
+        <p:spPr>
+          <a:xfrm>
+            <a:off x="5743911" y="1602947"/>
+            <a:ext cx="100811" cy="100811"/>
+          </a:xfrm>
+          <a:prstGeom prst="ellipse">
+            <a:avLst/>
+          </a:prstGeom>
+          <a:solidFill>
+            <a:schemeClr val="tx1"/>
+          </a:solidFill>
+          <a:effectLst/>
+        </p:spPr>
+        <p:style>
+          <a:lnRef idx="1">
+            <a:schemeClr val="dk1"/>
+          </a:lnRef>
+          <a:fillRef idx="3">
+            <a:schemeClr val="dk1"/>
+          </a:fillRef>
+          <a:effectRef idx="2">
+            <a:schemeClr val="dk1"/>
+          </a:effectRef>
+          <a:fontRef idx="minor">
+            <a:schemeClr val="lt1"/>
+          </a:fontRef>
+        </p:style>
+        <p:txBody>
+          <a:bodyPr rtlCol="0" anchor="ctr"/>
+          <a:lstStyle/>
+          <a:p>
+            <a:pPr algn="ctr"/>
+            <a:endParaRPr lang="en-US"/>
+          </a:p>
+        </p:txBody>
+      </p:sp>
+      <p:sp>
+        <p:nvSpPr>
+          <p:cNvPr id="62" name="Freeform 61"/>
+          <p:cNvSpPr/>
+          <p:nvPr/>
+        </p:nvSpPr>
+        <p:spPr>
+          <a:xfrm>
+            <a:off x="5766741" y="1365193"/>
+            <a:ext cx="1815629" cy="854955"/>
+          </a:xfrm>
+          <a:custGeom>
+            <a:avLst/>
+            <a:gdLst>
+              <a:gd name="connsiteX0" fmla="*/ 0 w 1815629"/>
+              <a:gd name="connsiteY0" fmla="*/ 281103 h 854955"/>
+              <a:gd name="connsiteX1" fmla="*/ 1044222 w 1815629"/>
+              <a:gd name="connsiteY1" fmla="*/ 27103 h 854955"/>
+              <a:gd name="connsiteX2" fmla="*/ 1815629 w 1815629"/>
+              <a:gd name="connsiteY2" fmla="*/ 854955 h 854955"/>
+            </a:gdLst>
+            <a:ahLst/>
+            <a:cxnLst>
+              <a:cxn ang="0">
+                <a:pos x="connsiteX0" y="connsiteY0"/>
+              </a:cxn>
+              <a:cxn ang="0">
+                <a:pos x="connsiteX1" y="connsiteY1"/>
+              </a:cxn>
+              <a:cxn ang="0">
+                <a:pos x="connsiteX2" y="connsiteY2"/>
+              </a:cxn>
+            </a:cxnLst>
+            <a:rect l="l" t="t" r="r" b="b"/>
+            <a:pathLst>
+              <a:path w="1815629" h="854955">
+                <a:moveTo>
+                  <a:pt x="0" y="281103"/>
+                </a:moveTo>
+                <a:cubicBezTo>
+                  <a:pt x="370808" y="106282"/>
+                  <a:pt x="741617" y="-68539"/>
+                  <a:pt x="1044222" y="27103"/>
+                </a:cubicBezTo>
+                <a:cubicBezTo>
+                  <a:pt x="1346827" y="122745"/>
+                  <a:pt x="1767024" y="536671"/>
+                  <a:pt x="1815629" y="854955"/>
+                </a:cubicBezTo>
+              </a:path>
+            </a:pathLst>
+          </a:custGeom>
+          <a:ln>
+            <a:prstDash val="dash"/>
+            <a:headEnd type="none"/>
+            <a:tailEnd type="arrow"/>
+          </a:ln>
+        </p:spPr>
+        <p:style>
+          <a:lnRef idx="2">
+            <a:schemeClr val="dk1"/>
+          </a:lnRef>
+          <a:fillRef idx="0">
+            <a:schemeClr val="dk1"/>
+          </a:fillRef>
+          <a:effectRef idx="1">
+            <a:schemeClr val="dk1"/>
+          </a:effectRef>
+          <a:fontRef idx="minor">
+            <a:schemeClr val="tx1"/>
+          </a:fontRef>
+        </p:style>
+        <p:txBody>
+          <a:bodyPr rtlCol="0" anchor="ctr"/>
+          <a:lstStyle/>
+          <a:p>
+            <a:pPr algn="ctr"/>
+            <a:endParaRPr lang="en-US"/>
+          </a:p>
+        </p:txBody>
+      </p:sp>
+      <p:sp>
+        <p:nvSpPr>
+          <p:cNvPr id="63" name="TextBox 62"/>
+          <p:cNvSpPr txBox="1"/>
+          <p:nvPr/>
+        </p:nvSpPr>
+        <p:spPr>
+          <a:xfrm>
+            <a:off x="5445580" y="1237097"/>
+            <a:ext cx="518716" cy="369332"/>
+          </a:xfrm>
+          <a:prstGeom prst="rect">
+            <a:avLst/>
+          </a:prstGeom>
+          <a:noFill/>
+        </p:spPr>
+        <p:txBody>
+          <a:bodyPr wrap="square" rtlCol="0">
+            <a:spAutoFit/>
+          </a:bodyPr>
+          <a:lstStyle/>
+          <a:p>
+            <a:r>
+              <a:rPr lang="en-US" dirty="0" smtClean="0"/>
+              <a:t>t=0</a:t>
+            </a:r>
+            <a:endParaRPr lang="en-US" baseline="-25000" dirty="0"/>
+          </a:p>
+        </p:txBody>
+      </p:sp>
+      <p:sp>
+        <p:nvSpPr>
+          <p:cNvPr id="64" name="TextBox 63"/>
+          <p:cNvSpPr txBox="1"/>
+          <p:nvPr/>
+        </p:nvSpPr>
+        <p:spPr>
+          <a:xfrm>
+            <a:off x="7582370" y="1633225"/>
+            <a:ext cx="518716" cy="369332"/>
+          </a:xfrm>
+          <a:prstGeom prst="rect">
+            <a:avLst/>
+          </a:prstGeom>
+          <a:noFill/>
+        </p:spPr>
+        <p:txBody>
+          <a:bodyPr wrap="square" rtlCol="0">
+            <a:spAutoFit/>
+          </a:bodyPr>
+          <a:lstStyle/>
+          <a:p>
+            <a:r>
+              <a:rPr lang="en-US" dirty="0" smtClean="0"/>
+              <a:t>t&gt;0</a:t>
+            </a:r>
+            <a:endParaRPr lang="en-US" baseline="-25000" dirty="0"/>
+          </a:p>
+        </p:txBody>
+      </p:sp>
+    </p:spTree>
+    <p:extLst>
+      <p:ext uri="{BB962C8B-B14F-4D97-AF65-F5344CB8AC3E}">
+        <p14:creationId xmlns:p14="http://schemas.microsoft.com/office/powerpoint/2010/main" val="3291362728"/>
+      </p:ext>
+    </p:extLst>
+  </p:cSld>
+  <p:clrMapOvr>
+    <a:masterClrMapping/>
+  </p:clrMapOvr>
+</p:sld>
+</file>
+
+<file path=ppt/slides/slide20.xml><?xml version="1.0" encoding="utf-8"?>
+<p:sld xmlns:a="http://schemas.openxmlformats.org/drawingml/2006/main" xmlns:r="http://schemas.openxmlformats.org/officeDocument/2006/relationships" xmlns:p="http://schemas.openxmlformats.org/presentationml/2006/main">
+  <p:cSld>
+    <p:spTree>
+      <p:nvGrpSpPr>
+        <p:cNvPr id="1" name=""/>
+        <p:cNvGrpSpPr/>
+        <p:nvPr/>
+      </p:nvGrpSpPr>
+      <p:grpSpPr>
+        <a:xfrm>
+          <a:off x="0" y="0"/>
+          <a:ext cx="0" cy="0"/>
+          <a:chOff x="0" y="0"/>
+          <a:chExt cx="0" cy="0"/>
+        </a:xfrm>
+      </p:grpSpPr>
+      <p:sp>
+        <p:nvSpPr>
           <p:cNvPr id="93" name="Oval 92"/>
           <p:cNvSpPr/>
           <p:nvPr/>
@@ -14355,7 +16163,7 @@
 </p:sld>
 </file>
 
-<file path=ppt/slides/slide19.xml><?xml version="1.0" encoding="utf-8"?>
+<file path=ppt/slides/slide21.xml><?xml version="1.0" encoding="utf-8"?>
 <p:sld xmlns:a="http://schemas.openxmlformats.org/drawingml/2006/main" xmlns:r="http://schemas.openxmlformats.org/officeDocument/2006/relationships" xmlns:p="http://schemas.openxmlformats.org/presentationml/2006/main">
   <p:cSld>
     <p:spTree>
@@ -15927,731 +17735,7 @@
 </p:sld>
 </file>
 
-<file path=ppt/slides/slide2.xml><?xml version="1.0" encoding="utf-8"?>
-<p:sld xmlns:a="http://schemas.openxmlformats.org/drawingml/2006/main" xmlns:r="http://schemas.openxmlformats.org/officeDocument/2006/relationships" xmlns:p="http://schemas.openxmlformats.org/presentationml/2006/main">
-  <p:cSld>
-    <p:spTree>
-      <p:nvGrpSpPr>
-        <p:cNvPr id="1" name=""/>
-        <p:cNvGrpSpPr/>
-        <p:nvPr/>
-      </p:nvGrpSpPr>
-      <p:grpSpPr>
-        <a:xfrm>
-          <a:off x="0" y="0"/>
-          <a:ext cx="0" cy="0"/>
-          <a:chOff x="0" y="0"/>
-          <a:chExt cx="0" cy="0"/>
-        </a:xfrm>
-      </p:grpSpPr>
-      <p:grpSp>
-        <p:nvGrpSpPr>
-          <p:cNvPr id="14" name="Group 13"/>
-          <p:cNvGrpSpPr/>
-          <p:nvPr/>
-        </p:nvGrpSpPr>
-        <p:grpSpPr>
-          <a:xfrm>
-            <a:off x="1366762" y="2116667"/>
-            <a:ext cx="520096" cy="520096"/>
-            <a:chOff x="2467428" y="1596571"/>
-            <a:chExt cx="520096" cy="520096"/>
-          </a:xfrm>
-        </p:grpSpPr>
-        <p:cxnSp>
-          <p:nvCxnSpPr>
-            <p:cNvPr id="10" name="Straight Arrow Connector 9"/>
-            <p:cNvCxnSpPr/>
-            <p:nvPr/>
-          </p:nvCxnSpPr>
-          <p:spPr>
-            <a:xfrm flipV="1">
-              <a:off x="2467428" y="1596571"/>
-              <a:ext cx="0" cy="520096"/>
-            </a:xfrm>
-            <a:prstGeom prst="straightConnector1">
-              <a:avLst/>
-            </a:prstGeom>
-            <a:ln>
-              <a:solidFill>
-                <a:schemeClr val="bg1">
-                  <a:lumMod val="50000"/>
-                </a:schemeClr>
-              </a:solidFill>
-              <a:tailEnd type="arrow"/>
-            </a:ln>
-            <a:effectLst/>
-          </p:spPr>
-          <p:style>
-            <a:lnRef idx="2">
-              <a:schemeClr val="dk1"/>
-            </a:lnRef>
-            <a:fillRef idx="0">
-              <a:schemeClr val="dk1"/>
-            </a:fillRef>
-            <a:effectRef idx="1">
-              <a:schemeClr val="dk1"/>
-            </a:effectRef>
-            <a:fontRef idx="minor">
-              <a:schemeClr val="tx1"/>
-            </a:fontRef>
-          </p:style>
-        </p:cxnSp>
-        <p:cxnSp>
-          <p:nvCxnSpPr>
-            <p:cNvPr id="11" name="Straight Arrow Connector 10"/>
-            <p:cNvCxnSpPr/>
-            <p:nvPr/>
-          </p:nvCxnSpPr>
-          <p:spPr>
-            <a:xfrm rot="5400000" flipV="1">
-              <a:off x="2727476" y="1845733"/>
-              <a:ext cx="0" cy="520096"/>
-            </a:xfrm>
-            <a:prstGeom prst="straightConnector1">
-              <a:avLst/>
-            </a:prstGeom>
-            <a:ln>
-              <a:solidFill>
-                <a:schemeClr val="bg1">
-                  <a:lumMod val="50000"/>
-                </a:schemeClr>
-              </a:solidFill>
-              <a:tailEnd type="arrow"/>
-            </a:ln>
-            <a:effectLst/>
-          </p:spPr>
-          <p:style>
-            <a:lnRef idx="2">
-              <a:schemeClr val="dk1"/>
-            </a:lnRef>
-            <a:fillRef idx="0">
-              <a:schemeClr val="dk1"/>
-            </a:fillRef>
-            <a:effectRef idx="1">
-              <a:schemeClr val="dk1"/>
-            </a:effectRef>
-            <a:fontRef idx="minor">
-              <a:schemeClr val="tx1"/>
-            </a:fontRef>
-          </p:style>
-        </p:cxnSp>
-      </p:grpSp>
-      <p:grpSp>
-        <p:nvGrpSpPr>
-          <p:cNvPr id="15" name="Group 14"/>
-          <p:cNvGrpSpPr/>
-          <p:nvPr/>
-        </p:nvGrpSpPr>
-        <p:grpSpPr>
-          <a:xfrm>
-            <a:off x="1366762" y="4361543"/>
-            <a:ext cx="520096" cy="520096"/>
-            <a:chOff x="2467428" y="1596571"/>
-            <a:chExt cx="520096" cy="520096"/>
-          </a:xfrm>
-        </p:grpSpPr>
-        <p:cxnSp>
-          <p:nvCxnSpPr>
-            <p:cNvPr id="16" name="Straight Arrow Connector 15"/>
-            <p:cNvCxnSpPr/>
-            <p:nvPr/>
-          </p:nvCxnSpPr>
-          <p:spPr>
-            <a:xfrm flipV="1">
-              <a:off x="2467428" y="1596571"/>
-              <a:ext cx="0" cy="520096"/>
-            </a:xfrm>
-            <a:prstGeom prst="straightConnector1">
-              <a:avLst/>
-            </a:prstGeom>
-            <a:ln>
-              <a:tailEnd type="arrow"/>
-            </a:ln>
-            <a:effectLst/>
-          </p:spPr>
-          <p:style>
-            <a:lnRef idx="2">
-              <a:schemeClr val="dk1"/>
-            </a:lnRef>
-            <a:fillRef idx="0">
-              <a:schemeClr val="dk1"/>
-            </a:fillRef>
-            <a:effectRef idx="1">
-              <a:schemeClr val="dk1"/>
-            </a:effectRef>
-            <a:fontRef idx="minor">
-              <a:schemeClr val="tx1"/>
-            </a:fontRef>
-          </p:style>
-        </p:cxnSp>
-        <p:cxnSp>
-          <p:nvCxnSpPr>
-            <p:cNvPr id="17" name="Straight Arrow Connector 16"/>
-            <p:cNvCxnSpPr/>
-            <p:nvPr/>
-          </p:nvCxnSpPr>
-          <p:spPr>
-            <a:xfrm rot="5400000" flipV="1">
-              <a:off x="2727476" y="1845733"/>
-              <a:ext cx="0" cy="520096"/>
-            </a:xfrm>
-            <a:prstGeom prst="straightConnector1">
-              <a:avLst/>
-            </a:prstGeom>
-            <a:ln>
-              <a:tailEnd type="arrow"/>
-            </a:ln>
-            <a:effectLst/>
-          </p:spPr>
-          <p:style>
-            <a:lnRef idx="2">
-              <a:schemeClr val="dk1"/>
-            </a:lnRef>
-            <a:fillRef idx="0">
-              <a:schemeClr val="dk1"/>
-            </a:fillRef>
-            <a:effectRef idx="1">
-              <a:schemeClr val="dk1"/>
-            </a:effectRef>
-            <a:fontRef idx="minor">
-              <a:schemeClr val="tx1"/>
-            </a:fontRef>
-          </p:style>
-        </p:cxnSp>
-      </p:grpSp>
-      <p:cxnSp>
-        <p:nvCxnSpPr>
-          <p:cNvPr id="20" name="Straight Arrow Connector 19"/>
-          <p:cNvCxnSpPr/>
-          <p:nvPr/>
-        </p:nvCxnSpPr>
-        <p:spPr>
-          <a:xfrm flipV="1">
-            <a:off x="1366762" y="1672167"/>
-            <a:ext cx="929821" cy="964597"/>
-          </a:xfrm>
-          <a:prstGeom prst="straightConnector1">
-            <a:avLst/>
-          </a:prstGeom>
-          <a:ln w="28575" cmpd="sng">
-            <a:tailEnd type="arrow"/>
-          </a:ln>
-          <a:effectLst/>
-        </p:spPr>
-        <p:style>
-          <a:lnRef idx="2">
-            <a:schemeClr val="dk1"/>
-          </a:lnRef>
-          <a:fillRef idx="0">
-            <a:schemeClr val="dk1"/>
-          </a:fillRef>
-          <a:effectRef idx="1">
-            <a:schemeClr val="dk1"/>
-          </a:effectRef>
-          <a:fontRef idx="minor">
-            <a:schemeClr val="tx1"/>
-          </a:fontRef>
-        </p:style>
-      </p:cxnSp>
-      <p:sp>
-        <p:nvSpPr>
-          <p:cNvPr id="24" name="TextBox 23"/>
-          <p:cNvSpPr txBox="1"/>
-          <p:nvPr/>
-        </p:nvSpPr>
-        <p:spPr>
-          <a:xfrm>
-            <a:off x="1602621" y="1696148"/>
-            <a:ext cx="399142" cy="369332"/>
-          </a:xfrm>
-          <a:prstGeom prst="rect">
-            <a:avLst/>
-          </a:prstGeom>
-          <a:noFill/>
-        </p:spPr>
-        <p:txBody>
-          <a:bodyPr wrap="square" rtlCol="0">
-            <a:spAutoFit/>
-          </a:bodyPr>
-          <a:lstStyle/>
-          <a:p>
-            <a:r>
-              <a:rPr lang="en-US" dirty="0" smtClean="0"/>
-              <a:t>X</a:t>
-            </a:r>
-            <a:r>
-              <a:rPr lang="en-US" baseline="-25000" dirty="0" smtClean="0"/>
-              <a:t>0</a:t>
-            </a:r>
-            <a:endParaRPr lang="en-US" baseline="-25000" dirty="0"/>
-          </a:p>
-        </p:txBody>
-      </p:sp>
-      <p:cxnSp>
-        <p:nvCxnSpPr>
-          <p:cNvPr id="25" name="Straight Arrow Connector 24"/>
-          <p:cNvCxnSpPr/>
-          <p:nvPr/>
-        </p:nvCxnSpPr>
-        <p:spPr>
-          <a:xfrm flipV="1">
-            <a:off x="2296583" y="1354667"/>
-            <a:ext cx="751417" cy="317502"/>
-          </a:xfrm>
-          <a:prstGeom prst="straightConnector1">
-            <a:avLst/>
-          </a:prstGeom>
-          <a:ln w="28575" cmpd="sng">
-            <a:tailEnd type="arrow"/>
-          </a:ln>
-          <a:effectLst/>
-        </p:spPr>
-        <p:style>
-          <a:lnRef idx="2">
-            <a:schemeClr val="dk1"/>
-          </a:lnRef>
-          <a:fillRef idx="0">
-            <a:schemeClr val="dk1"/>
-          </a:fillRef>
-          <a:effectRef idx="1">
-            <a:schemeClr val="dk1"/>
-          </a:effectRef>
-          <a:fontRef idx="minor">
-            <a:schemeClr val="tx1"/>
-          </a:fontRef>
-        </p:style>
-      </p:cxnSp>
-      <p:sp>
-        <p:nvSpPr>
-          <p:cNvPr id="28" name="TextBox 27"/>
-          <p:cNvSpPr txBox="1"/>
-          <p:nvPr/>
-        </p:nvSpPr>
-        <p:spPr>
-          <a:xfrm>
-            <a:off x="2587574" y="1426047"/>
-            <a:ext cx="399142" cy="369332"/>
-          </a:xfrm>
-          <a:prstGeom prst="rect">
-            <a:avLst/>
-          </a:prstGeom>
-          <a:noFill/>
-        </p:spPr>
-        <p:txBody>
-          <a:bodyPr wrap="square" rtlCol="0">
-            <a:spAutoFit/>
-          </a:bodyPr>
-          <a:lstStyle/>
-          <a:p>
-            <a:r>
-              <a:rPr lang="en-US" dirty="0" smtClean="0"/>
-              <a:t>v</a:t>
-            </a:r>
-            <a:r>
-              <a:rPr lang="en-US" baseline="-25000" dirty="0" smtClean="0"/>
-              <a:t>0</a:t>
-            </a:r>
-            <a:endParaRPr lang="en-US" baseline="-25000" dirty="0"/>
-          </a:p>
-        </p:txBody>
-      </p:sp>
-      <p:cxnSp>
-        <p:nvCxnSpPr>
-          <p:cNvPr id="34" name="Straight Arrow Connector 33"/>
-          <p:cNvCxnSpPr/>
-          <p:nvPr/>
-        </p:nvCxnSpPr>
-        <p:spPr>
-          <a:xfrm>
-            <a:off x="2296583" y="1676711"/>
-            <a:ext cx="1511" cy="546098"/>
-          </a:xfrm>
-          <a:prstGeom prst="straightConnector1">
-            <a:avLst/>
-          </a:prstGeom>
-          <a:ln w="28575" cmpd="sng">
-            <a:tailEnd type="arrow"/>
-          </a:ln>
-          <a:effectLst/>
-        </p:spPr>
-        <p:style>
-          <a:lnRef idx="2">
-            <a:schemeClr val="dk1"/>
-          </a:lnRef>
-          <a:fillRef idx="0">
-            <a:schemeClr val="dk1"/>
-          </a:fillRef>
-          <a:effectRef idx="1">
-            <a:schemeClr val="dk1"/>
-          </a:effectRef>
-          <a:fontRef idx="minor">
-            <a:schemeClr val="tx1"/>
-          </a:fontRef>
-        </p:style>
-      </p:cxnSp>
-      <p:sp>
-        <p:nvSpPr>
-          <p:cNvPr id="36" name="TextBox 35"/>
-          <p:cNvSpPr txBox="1"/>
-          <p:nvPr/>
-        </p:nvSpPr>
-        <p:spPr>
-          <a:xfrm>
-            <a:off x="2329242" y="1763675"/>
-            <a:ext cx="399142" cy="369332"/>
-          </a:xfrm>
-          <a:prstGeom prst="rect">
-            <a:avLst/>
-          </a:prstGeom>
-          <a:noFill/>
-        </p:spPr>
-        <p:txBody>
-          <a:bodyPr wrap="square" rtlCol="0">
-            <a:spAutoFit/>
-          </a:bodyPr>
-          <a:lstStyle/>
-          <a:p>
-            <a:r>
-              <a:rPr lang="en-US" dirty="0" smtClean="0"/>
-              <a:t>a</a:t>
-            </a:r>
-            <a:endParaRPr lang="en-US" baseline="-25000" dirty="0"/>
-          </a:p>
-        </p:txBody>
-      </p:sp>
-      <p:grpSp>
-        <p:nvGrpSpPr>
-          <p:cNvPr id="37" name="Group 36"/>
-          <p:cNvGrpSpPr/>
-          <p:nvPr/>
-        </p:nvGrpSpPr>
-        <p:grpSpPr>
-          <a:xfrm>
-            <a:off x="4864496" y="2117574"/>
-            <a:ext cx="520096" cy="520096"/>
-            <a:chOff x="2467428" y="1596571"/>
-            <a:chExt cx="520096" cy="520096"/>
-          </a:xfrm>
-        </p:grpSpPr>
-        <p:cxnSp>
-          <p:nvCxnSpPr>
-            <p:cNvPr id="38" name="Straight Arrow Connector 37"/>
-            <p:cNvCxnSpPr/>
-            <p:nvPr/>
-          </p:nvCxnSpPr>
-          <p:spPr>
-            <a:xfrm flipV="1">
-              <a:off x="2467428" y="1596571"/>
-              <a:ext cx="0" cy="520096"/>
-            </a:xfrm>
-            <a:prstGeom prst="straightConnector1">
-              <a:avLst/>
-            </a:prstGeom>
-            <a:ln>
-              <a:solidFill>
-                <a:schemeClr val="bg1">
-                  <a:lumMod val="50000"/>
-                </a:schemeClr>
-              </a:solidFill>
-              <a:tailEnd type="arrow"/>
-            </a:ln>
-            <a:effectLst/>
-          </p:spPr>
-          <p:style>
-            <a:lnRef idx="2">
-              <a:schemeClr val="dk1"/>
-            </a:lnRef>
-            <a:fillRef idx="0">
-              <a:schemeClr val="dk1"/>
-            </a:fillRef>
-            <a:effectRef idx="1">
-              <a:schemeClr val="dk1"/>
-            </a:effectRef>
-            <a:fontRef idx="minor">
-              <a:schemeClr val="tx1"/>
-            </a:fontRef>
-          </p:style>
-        </p:cxnSp>
-        <p:cxnSp>
-          <p:nvCxnSpPr>
-            <p:cNvPr id="39" name="Straight Arrow Connector 38"/>
-            <p:cNvCxnSpPr/>
-            <p:nvPr/>
-          </p:nvCxnSpPr>
-          <p:spPr>
-            <a:xfrm rot="5400000" flipV="1">
-              <a:off x="2727476" y="1845733"/>
-              <a:ext cx="0" cy="520096"/>
-            </a:xfrm>
-            <a:prstGeom prst="straightConnector1">
-              <a:avLst/>
-            </a:prstGeom>
-            <a:ln>
-              <a:solidFill>
-                <a:schemeClr val="bg1">
-                  <a:lumMod val="50000"/>
-                </a:schemeClr>
-              </a:solidFill>
-              <a:tailEnd type="arrow"/>
-            </a:ln>
-            <a:effectLst/>
-          </p:spPr>
-          <p:style>
-            <a:lnRef idx="2">
-              <a:schemeClr val="dk1"/>
-            </a:lnRef>
-            <a:fillRef idx="0">
-              <a:schemeClr val="dk1"/>
-            </a:fillRef>
-            <a:effectRef idx="1">
-              <a:schemeClr val="dk1"/>
-            </a:effectRef>
-            <a:fontRef idx="minor">
-              <a:schemeClr val="tx1"/>
-            </a:fontRef>
-          </p:style>
-        </p:cxnSp>
-      </p:grpSp>
-      <p:sp>
-        <p:nvSpPr>
-          <p:cNvPr id="46" name="Right Arrow 45"/>
-          <p:cNvSpPr/>
-          <p:nvPr/>
-        </p:nvSpPr>
-        <p:spPr>
-          <a:xfrm>
-            <a:off x="3226741" y="1553323"/>
-            <a:ext cx="1476963" cy="1024314"/>
-          </a:xfrm>
-          <a:prstGeom prst="rightArrow">
-            <a:avLst/>
-          </a:prstGeom>
-        </p:spPr>
-        <p:style>
-          <a:lnRef idx="1">
-            <a:schemeClr val="dk1"/>
-          </a:lnRef>
-          <a:fillRef idx="3">
-            <a:schemeClr val="dk1"/>
-          </a:fillRef>
-          <a:effectRef idx="2">
-            <a:schemeClr val="dk1"/>
-          </a:effectRef>
-          <a:fontRef idx="minor">
-            <a:schemeClr val="lt1"/>
-          </a:fontRef>
-        </p:style>
-        <p:txBody>
-          <a:bodyPr rtlCol="0" anchor="ctr"/>
-          <a:lstStyle/>
-          <a:p>
-            <a:pPr algn="ctr"/>
-            <a:r>
-              <a:rPr lang="en-US" dirty="0" smtClean="0"/>
-              <a:t>Integration</a:t>
-            </a:r>
-            <a:endParaRPr lang="en-US" dirty="0"/>
-          </a:p>
-        </p:txBody>
-      </p:sp>
-      <p:sp>
-        <p:nvSpPr>
-          <p:cNvPr id="47" name="Oval 46"/>
-          <p:cNvSpPr/>
-          <p:nvPr/>
-        </p:nvSpPr>
-        <p:spPr>
-          <a:xfrm>
-            <a:off x="5743911" y="1602947"/>
-            <a:ext cx="100811" cy="100811"/>
-          </a:xfrm>
-          <a:prstGeom prst="ellipse">
-            <a:avLst/>
-          </a:prstGeom>
-          <a:solidFill>
-            <a:schemeClr val="tx1"/>
-          </a:solidFill>
-          <a:effectLst/>
-        </p:spPr>
-        <p:style>
-          <a:lnRef idx="1">
-            <a:schemeClr val="dk1"/>
-          </a:lnRef>
-          <a:fillRef idx="3">
-            <a:schemeClr val="dk1"/>
-          </a:fillRef>
-          <a:effectRef idx="2">
-            <a:schemeClr val="dk1"/>
-          </a:effectRef>
-          <a:fontRef idx="minor">
-            <a:schemeClr val="lt1"/>
-          </a:fontRef>
-        </p:style>
-        <p:txBody>
-          <a:bodyPr rtlCol="0" anchor="ctr"/>
-          <a:lstStyle/>
-          <a:p>
-            <a:pPr algn="ctr"/>
-            <a:endParaRPr lang="en-US"/>
-          </a:p>
-        </p:txBody>
-      </p:sp>
-      <p:sp>
-        <p:nvSpPr>
-          <p:cNvPr id="62" name="Freeform 61"/>
-          <p:cNvSpPr/>
-          <p:nvPr/>
-        </p:nvSpPr>
-        <p:spPr>
-          <a:xfrm>
-            <a:off x="5766741" y="1365193"/>
-            <a:ext cx="1815629" cy="854955"/>
-          </a:xfrm>
-          <a:custGeom>
-            <a:avLst/>
-            <a:gdLst>
-              <a:gd name="connsiteX0" fmla="*/ 0 w 1815629"/>
-              <a:gd name="connsiteY0" fmla="*/ 281103 h 854955"/>
-              <a:gd name="connsiteX1" fmla="*/ 1044222 w 1815629"/>
-              <a:gd name="connsiteY1" fmla="*/ 27103 h 854955"/>
-              <a:gd name="connsiteX2" fmla="*/ 1815629 w 1815629"/>
-              <a:gd name="connsiteY2" fmla="*/ 854955 h 854955"/>
-            </a:gdLst>
-            <a:ahLst/>
-            <a:cxnLst>
-              <a:cxn ang="0">
-                <a:pos x="connsiteX0" y="connsiteY0"/>
-              </a:cxn>
-              <a:cxn ang="0">
-                <a:pos x="connsiteX1" y="connsiteY1"/>
-              </a:cxn>
-              <a:cxn ang="0">
-                <a:pos x="connsiteX2" y="connsiteY2"/>
-              </a:cxn>
-            </a:cxnLst>
-            <a:rect l="l" t="t" r="r" b="b"/>
-            <a:pathLst>
-              <a:path w="1815629" h="854955">
-                <a:moveTo>
-                  <a:pt x="0" y="281103"/>
-                </a:moveTo>
-                <a:cubicBezTo>
-                  <a:pt x="370808" y="106282"/>
-                  <a:pt x="741617" y="-68539"/>
-                  <a:pt x="1044222" y="27103"/>
-                </a:cubicBezTo>
-                <a:cubicBezTo>
-                  <a:pt x="1346827" y="122745"/>
-                  <a:pt x="1767024" y="536671"/>
-                  <a:pt x="1815629" y="854955"/>
-                </a:cubicBezTo>
-              </a:path>
-            </a:pathLst>
-          </a:custGeom>
-          <a:ln>
-            <a:prstDash val="dash"/>
-            <a:headEnd type="none"/>
-            <a:tailEnd type="arrow"/>
-          </a:ln>
-        </p:spPr>
-        <p:style>
-          <a:lnRef idx="2">
-            <a:schemeClr val="dk1"/>
-          </a:lnRef>
-          <a:fillRef idx="0">
-            <a:schemeClr val="dk1"/>
-          </a:fillRef>
-          <a:effectRef idx="1">
-            <a:schemeClr val="dk1"/>
-          </a:effectRef>
-          <a:fontRef idx="minor">
-            <a:schemeClr val="tx1"/>
-          </a:fontRef>
-        </p:style>
-        <p:txBody>
-          <a:bodyPr rtlCol="0" anchor="ctr"/>
-          <a:lstStyle/>
-          <a:p>
-            <a:pPr algn="ctr"/>
-            <a:endParaRPr lang="en-US"/>
-          </a:p>
-        </p:txBody>
-      </p:sp>
-      <p:sp>
-        <p:nvSpPr>
-          <p:cNvPr id="63" name="TextBox 62"/>
-          <p:cNvSpPr txBox="1"/>
-          <p:nvPr/>
-        </p:nvSpPr>
-        <p:spPr>
-          <a:xfrm>
-            <a:off x="5445580" y="1237097"/>
-            <a:ext cx="518716" cy="369332"/>
-          </a:xfrm>
-          <a:prstGeom prst="rect">
-            <a:avLst/>
-          </a:prstGeom>
-          <a:noFill/>
-        </p:spPr>
-        <p:txBody>
-          <a:bodyPr wrap="square" rtlCol="0">
-            <a:spAutoFit/>
-          </a:bodyPr>
-          <a:lstStyle/>
-          <a:p>
-            <a:r>
-              <a:rPr lang="en-US" dirty="0" smtClean="0"/>
-              <a:t>t=0</a:t>
-            </a:r>
-            <a:endParaRPr lang="en-US" baseline="-25000" dirty="0"/>
-          </a:p>
-        </p:txBody>
-      </p:sp>
-      <p:sp>
-        <p:nvSpPr>
-          <p:cNvPr id="64" name="TextBox 63"/>
-          <p:cNvSpPr txBox="1"/>
-          <p:nvPr/>
-        </p:nvSpPr>
-        <p:spPr>
-          <a:xfrm>
-            <a:off x="7582370" y="1633225"/>
-            <a:ext cx="518716" cy="369332"/>
-          </a:xfrm>
-          <a:prstGeom prst="rect">
-            <a:avLst/>
-          </a:prstGeom>
-          <a:noFill/>
-        </p:spPr>
-        <p:txBody>
-          <a:bodyPr wrap="square" rtlCol="0">
-            <a:spAutoFit/>
-          </a:bodyPr>
-          <a:lstStyle/>
-          <a:p>
-            <a:r>
-              <a:rPr lang="en-US" dirty="0" smtClean="0"/>
-              <a:t>t&gt;0</a:t>
-            </a:r>
-            <a:endParaRPr lang="en-US" baseline="-25000" dirty="0"/>
-          </a:p>
-        </p:txBody>
-      </p:sp>
-    </p:spTree>
-    <p:extLst>
-      <p:ext uri="{BB962C8B-B14F-4D97-AF65-F5344CB8AC3E}">
-        <p14:creationId xmlns:p14="http://schemas.microsoft.com/office/powerpoint/2010/main" val="3291362728"/>
-      </p:ext>
-    </p:extLst>
-  </p:cSld>
-  <p:clrMapOvr>
-    <a:masterClrMapping/>
-  </p:clrMapOvr>
-</p:sld>
-</file>
-
-<file path=ppt/slides/slide20.xml><?xml version="1.0" encoding="utf-8"?>
+<file path=ppt/slides/slide22.xml><?xml version="1.0" encoding="utf-8"?>
 <p:sld xmlns:a="http://schemas.openxmlformats.org/drawingml/2006/main" xmlns:r="http://schemas.openxmlformats.org/officeDocument/2006/relationships" xmlns:p="http://schemas.openxmlformats.org/presentationml/2006/main">
   <p:cSld>
     <p:spTree>
@@ -18099,7 +19183,7 @@
 </p:sld>
 </file>
 
-<file path=ppt/slides/slide21.xml><?xml version="1.0" encoding="utf-8"?>
+<file path=ppt/slides/slide23.xml><?xml version="1.0" encoding="utf-8"?>
 <p:sld xmlns:a="http://schemas.openxmlformats.org/drawingml/2006/main" xmlns:r="http://schemas.openxmlformats.org/officeDocument/2006/relationships" xmlns:p="http://schemas.openxmlformats.org/presentationml/2006/main">
   <p:cSld>
     <p:spTree>
@@ -19612,7 +20696,7 @@
 </p:sld>
 </file>
 
-<file path=ppt/slides/slide22.xml><?xml version="1.0" encoding="utf-8"?>
+<file path=ppt/slides/slide24.xml><?xml version="1.0" encoding="utf-8"?>
 <p:sld xmlns:a="http://schemas.openxmlformats.org/drawingml/2006/main" xmlns:r="http://schemas.openxmlformats.org/officeDocument/2006/relationships" xmlns:p="http://schemas.openxmlformats.org/presentationml/2006/main">
   <p:cSld>
     <p:spTree>
@@ -20990,7 +22074,7 @@
 </p:sld>
 </file>
 
-<file path=ppt/slides/slide23.xml><?xml version="1.0" encoding="utf-8"?>
+<file path=ppt/slides/slide25.xml><?xml version="1.0" encoding="utf-8"?>
 <p:sld xmlns:a="http://schemas.openxmlformats.org/drawingml/2006/main" xmlns:r="http://schemas.openxmlformats.org/officeDocument/2006/relationships" xmlns:p="http://schemas.openxmlformats.org/presentationml/2006/main">
   <p:cSld>
     <p:spTree>
@@ -22776,7 +23860,7 @@
 </p:sld>
 </file>
 
-<file path=ppt/slides/slide24.xml><?xml version="1.0" encoding="utf-8"?>
+<file path=ppt/slides/slide26.xml><?xml version="1.0" encoding="utf-8"?>
 <p:sld xmlns:a="http://schemas.openxmlformats.org/drawingml/2006/main" xmlns:r="http://schemas.openxmlformats.org/officeDocument/2006/relationships" xmlns:p="http://schemas.openxmlformats.org/presentationml/2006/main">
   <p:cSld>
     <p:spTree>

--- a/figures/figures.pptx
+++ b/figures/figures.pptx
@@ -313,7 +313,7 @@
           <a:p>
             <a:fld id="{AF8A4314-7EE0-3B48-A3CB-01AED7CBB16F}" type="datetimeFigureOut">
               <a:rPr lang="en-US" smtClean="0"/>
-              <a:t>12/4/12</a:t>
+              <a:t>12/6/12</a:t>
             </a:fld>
             <a:endParaRPr lang="en-US"/>
           </a:p>
@@ -483,7 +483,7 @@
           <a:p>
             <a:fld id="{AF8A4314-7EE0-3B48-A3CB-01AED7CBB16F}" type="datetimeFigureOut">
               <a:rPr lang="en-US" smtClean="0"/>
-              <a:t>12/4/12</a:t>
+              <a:t>12/6/12</a:t>
             </a:fld>
             <a:endParaRPr lang="en-US"/>
           </a:p>
@@ -663,7 +663,7 @@
           <a:p>
             <a:fld id="{AF8A4314-7EE0-3B48-A3CB-01AED7CBB16F}" type="datetimeFigureOut">
               <a:rPr lang="en-US" smtClean="0"/>
-              <a:t>12/4/12</a:t>
+              <a:t>12/6/12</a:t>
             </a:fld>
             <a:endParaRPr lang="en-US"/>
           </a:p>
@@ -833,7 +833,7 @@
           <a:p>
             <a:fld id="{AF8A4314-7EE0-3B48-A3CB-01AED7CBB16F}" type="datetimeFigureOut">
               <a:rPr lang="en-US" smtClean="0"/>
-              <a:t>12/4/12</a:t>
+              <a:t>12/6/12</a:t>
             </a:fld>
             <a:endParaRPr lang="en-US"/>
           </a:p>
@@ -1079,7 +1079,7 @@
           <a:p>
             <a:fld id="{AF8A4314-7EE0-3B48-A3CB-01AED7CBB16F}" type="datetimeFigureOut">
               <a:rPr lang="en-US" smtClean="0"/>
-              <a:t>12/4/12</a:t>
+              <a:t>12/6/12</a:t>
             </a:fld>
             <a:endParaRPr lang="en-US"/>
           </a:p>
@@ -1367,7 +1367,7 @@
           <a:p>
             <a:fld id="{AF8A4314-7EE0-3B48-A3CB-01AED7CBB16F}" type="datetimeFigureOut">
               <a:rPr lang="en-US" smtClean="0"/>
-              <a:t>12/4/12</a:t>
+              <a:t>12/6/12</a:t>
             </a:fld>
             <a:endParaRPr lang="en-US"/>
           </a:p>
@@ -1789,7 +1789,7 @@
           <a:p>
             <a:fld id="{AF8A4314-7EE0-3B48-A3CB-01AED7CBB16F}" type="datetimeFigureOut">
               <a:rPr lang="en-US" smtClean="0"/>
-              <a:t>12/4/12</a:t>
+              <a:t>12/6/12</a:t>
             </a:fld>
             <a:endParaRPr lang="en-US"/>
           </a:p>
@@ -1907,7 +1907,7 @@
           <a:p>
             <a:fld id="{AF8A4314-7EE0-3B48-A3CB-01AED7CBB16F}" type="datetimeFigureOut">
               <a:rPr lang="en-US" smtClean="0"/>
-              <a:t>12/4/12</a:t>
+              <a:t>12/6/12</a:t>
             </a:fld>
             <a:endParaRPr lang="en-US"/>
           </a:p>
@@ -2002,7 +2002,7 @@
           <a:p>
             <a:fld id="{AF8A4314-7EE0-3B48-A3CB-01AED7CBB16F}" type="datetimeFigureOut">
               <a:rPr lang="en-US" smtClean="0"/>
-              <a:t>12/4/12</a:t>
+              <a:t>12/6/12</a:t>
             </a:fld>
             <a:endParaRPr lang="en-US"/>
           </a:p>
@@ -2279,7 +2279,7 @@
           <a:p>
             <a:fld id="{AF8A4314-7EE0-3B48-A3CB-01AED7CBB16F}" type="datetimeFigureOut">
               <a:rPr lang="en-US" smtClean="0"/>
-              <a:t>12/4/12</a:t>
+              <a:t>12/6/12</a:t>
             </a:fld>
             <a:endParaRPr lang="en-US"/>
           </a:p>
@@ -2532,7 +2532,7 @@
           <a:p>
             <a:fld id="{AF8A4314-7EE0-3B48-A3CB-01AED7CBB16F}" type="datetimeFigureOut">
               <a:rPr lang="en-US" smtClean="0"/>
-              <a:t>12/4/12</a:t>
+              <a:t>12/6/12</a:t>
             </a:fld>
             <a:endParaRPr lang="en-US"/>
           </a:p>
@@ -2745,7 +2745,7 @@
           <a:p>
             <a:fld id="{AF8A4314-7EE0-3B48-A3CB-01AED7CBB16F}" type="datetimeFigureOut">
               <a:rPr lang="en-US" smtClean="0"/>
-              <a:t>12/4/12</a:t>
+              <a:t>12/6/12</a:t>
             </a:fld>
             <a:endParaRPr lang="en-US"/>
           </a:p>
@@ -5940,6 +5940,194 @@
           </a:p>
         </p:txBody>
       </p:sp>
+      <p:sp>
+        <p:nvSpPr>
+          <p:cNvPr id="29" name="TextBox 28"/>
+          <p:cNvSpPr txBox="1"/>
+          <p:nvPr/>
+        </p:nvSpPr>
+        <p:spPr>
+          <a:xfrm>
+            <a:off x="3634213" y="1321809"/>
+            <a:ext cx="853023" cy="307777"/>
+          </a:xfrm>
+          <a:prstGeom prst="rect">
+            <a:avLst/>
+          </a:prstGeom>
+          <a:noFill/>
+        </p:spPr>
+        <p:txBody>
+          <a:bodyPr wrap="square" rtlCol="0">
+            <a:spAutoFit/>
+          </a:bodyPr>
+          <a:lstStyle/>
+          <a:p>
+            <a:r>
+              <a:rPr lang="en-US" sz="1400" dirty="0" smtClean="0">
+                <a:solidFill>
+                  <a:srgbClr val="7F7F7F"/>
+                </a:solidFill>
+              </a:rPr>
+              <a:t>CW</a:t>
+            </a:r>
+            <a:endParaRPr lang="en-US" sz="1400" baseline="-25000" dirty="0">
+              <a:solidFill>
+                <a:srgbClr val="7F7F7F"/>
+              </a:solidFill>
+            </a:endParaRPr>
+          </a:p>
+        </p:txBody>
+      </p:sp>
+      <p:grpSp>
+        <p:nvGrpSpPr>
+          <p:cNvPr id="30" name="Group 29"/>
+          <p:cNvGrpSpPr/>
+          <p:nvPr/>
+        </p:nvGrpSpPr>
+        <p:grpSpPr>
+          <a:xfrm>
+            <a:off x="1144325" y="2249235"/>
+            <a:ext cx="686793" cy="650638"/>
+            <a:chOff x="1137812" y="2216670"/>
+            <a:chExt cx="686793" cy="650638"/>
+          </a:xfrm>
+        </p:grpSpPr>
+        <p:sp>
+          <p:nvSpPr>
+            <p:cNvPr id="31" name="TextBox 30"/>
+            <p:cNvSpPr txBox="1"/>
+            <p:nvPr/>
+          </p:nvSpPr>
+          <p:spPr>
+            <a:xfrm>
+              <a:off x="1425463" y="2528754"/>
+              <a:ext cx="399142" cy="338554"/>
+            </a:xfrm>
+            <a:prstGeom prst="rect">
+              <a:avLst/>
+            </a:prstGeom>
+            <a:noFill/>
+          </p:spPr>
+          <p:txBody>
+            <a:bodyPr wrap="square" rtlCol="0">
+              <a:spAutoFit/>
+            </a:bodyPr>
+            <a:lstStyle/>
+            <a:p>
+              <a:r>
+                <a:rPr lang="en-US" sz="1600" dirty="0" smtClean="0"/>
+                <a:t>x</a:t>
+              </a:r>
+              <a:endParaRPr lang="en-US" sz="1600" baseline="-25000" dirty="0"/>
+            </a:p>
+          </p:txBody>
+        </p:sp>
+        <p:sp>
+          <p:nvSpPr>
+            <p:cNvPr id="40" name="TextBox 39"/>
+            <p:cNvSpPr txBox="1"/>
+            <p:nvPr/>
+          </p:nvSpPr>
+          <p:spPr>
+            <a:xfrm>
+              <a:off x="1137812" y="2216670"/>
+              <a:ext cx="399142" cy="338554"/>
+            </a:xfrm>
+            <a:prstGeom prst="rect">
+              <a:avLst/>
+            </a:prstGeom>
+            <a:noFill/>
+          </p:spPr>
+          <p:txBody>
+            <a:bodyPr wrap="square" rtlCol="0">
+              <a:spAutoFit/>
+            </a:bodyPr>
+            <a:lstStyle/>
+            <a:p>
+              <a:r>
+                <a:rPr lang="en-US" sz="1600" dirty="0" smtClean="0"/>
+                <a:t>y</a:t>
+              </a:r>
+              <a:endParaRPr lang="en-US" sz="1600" baseline="-25000" dirty="0"/>
+            </a:p>
+          </p:txBody>
+        </p:sp>
+      </p:grpSp>
+      <p:grpSp>
+        <p:nvGrpSpPr>
+          <p:cNvPr id="41" name="Group 40"/>
+          <p:cNvGrpSpPr/>
+          <p:nvPr/>
+        </p:nvGrpSpPr>
+        <p:grpSpPr>
+          <a:xfrm>
+            <a:off x="4641711" y="2237268"/>
+            <a:ext cx="686793" cy="650638"/>
+            <a:chOff x="1137812" y="2216670"/>
+            <a:chExt cx="686793" cy="650638"/>
+          </a:xfrm>
+        </p:grpSpPr>
+        <p:sp>
+          <p:nvSpPr>
+            <p:cNvPr id="42" name="TextBox 41"/>
+            <p:cNvSpPr txBox="1"/>
+            <p:nvPr/>
+          </p:nvSpPr>
+          <p:spPr>
+            <a:xfrm>
+              <a:off x="1425463" y="2528754"/>
+              <a:ext cx="399142" cy="338554"/>
+            </a:xfrm>
+            <a:prstGeom prst="rect">
+              <a:avLst/>
+            </a:prstGeom>
+            <a:noFill/>
+          </p:spPr>
+          <p:txBody>
+            <a:bodyPr wrap="square" rtlCol="0">
+              <a:spAutoFit/>
+            </a:bodyPr>
+            <a:lstStyle/>
+            <a:p>
+              <a:r>
+                <a:rPr lang="en-US" sz="1600" dirty="0" smtClean="0"/>
+                <a:t>x</a:t>
+              </a:r>
+              <a:endParaRPr lang="en-US" sz="1600" baseline="-25000" dirty="0"/>
+            </a:p>
+          </p:txBody>
+        </p:sp>
+        <p:sp>
+          <p:nvSpPr>
+            <p:cNvPr id="43" name="TextBox 42"/>
+            <p:cNvSpPr txBox="1"/>
+            <p:nvPr/>
+          </p:nvSpPr>
+          <p:spPr>
+            <a:xfrm>
+              <a:off x="1137812" y="2216670"/>
+              <a:ext cx="399142" cy="338554"/>
+            </a:xfrm>
+            <a:prstGeom prst="rect">
+              <a:avLst/>
+            </a:prstGeom>
+            <a:noFill/>
+          </p:spPr>
+          <p:txBody>
+            <a:bodyPr wrap="square" rtlCol="0">
+              <a:spAutoFit/>
+            </a:bodyPr>
+            <a:lstStyle/>
+            <a:p>
+              <a:r>
+                <a:rPr lang="en-US" sz="1600" dirty="0" smtClean="0"/>
+                <a:t>y</a:t>
+              </a:r>
+              <a:endParaRPr lang="en-US" sz="1600" baseline="-25000" dirty="0"/>
+            </a:p>
+          </p:txBody>
+        </p:sp>
+      </p:grpSp>
     </p:spTree>
     <p:extLst>
       <p:ext uri="{BB962C8B-B14F-4D97-AF65-F5344CB8AC3E}">
@@ -5978,7 +6166,7 @@
         </p:nvSpPr>
         <p:spPr>
           <a:xfrm>
-            <a:off x="4811294" y="3884395"/>
+            <a:off x="4806075" y="4396552"/>
             <a:ext cx="1476963" cy="1024314"/>
           </a:xfrm>
           <a:prstGeom prst="rightArrow">
@@ -7323,6 +7511,44 @@
               <a:t>t=2.0</a:t>
             </a:r>
             <a:endParaRPr lang="en-US" sz="1600" baseline="-25000" dirty="0"/>
+          </a:p>
+        </p:txBody>
+      </p:sp>
+      <p:sp>
+        <p:nvSpPr>
+          <p:cNvPr id="41" name="TextBox 40"/>
+          <p:cNvSpPr txBox="1"/>
+          <p:nvPr/>
+        </p:nvSpPr>
+        <p:spPr>
+          <a:xfrm>
+            <a:off x="3624921" y="1465858"/>
+            <a:ext cx="853023" cy="307777"/>
+          </a:xfrm>
+          <a:prstGeom prst="rect">
+            <a:avLst/>
+          </a:prstGeom>
+          <a:noFill/>
+        </p:spPr>
+        <p:txBody>
+          <a:bodyPr wrap="square" rtlCol="0">
+            <a:spAutoFit/>
+          </a:bodyPr>
+          <a:lstStyle/>
+          <a:p>
+            <a:r>
+              <a:rPr lang="en-US" sz="1400" dirty="0" smtClean="0">
+                <a:solidFill>
+                  <a:srgbClr val="7F7F7F"/>
+                </a:solidFill>
+              </a:rPr>
+              <a:t>CCW</a:t>
+            </a:r>
+            <a:endParaRPr lang="en-US" sz="1400" baseline="-25000" dirty="0">
+              <a:solidFill>
+                <a:srgbClr val="7F7F7F"/>
+              </a:solidFill>
+            </a:endParaRPr>
           </a:p>
         </p:txBody>
       </p:sp>
@@ -14328,40 +14554,6 @@
       </p:sp>
       <p:sp>
         <p:nvSpPr>
-          <p:cNvPr id="12" name="TextBox 11"/>
-          <p:cNvSpPr txBox="1"/>
-          <p:nvPr/>
-        </p:nvSpPr>
-        <p:spPr>
-          <a:xfrm>
-            <a:off x="2049020" y="2936610"/>
-            <a:ext cx="889141" cy="461665"/>
-          </a:xfrm>
-          <a:prstGeom prst="rect">
-            <a:avLst/>
-          </a:prstGeom>
-          <a:noFill/>
-        </p:spPr>
-        <p:txBody>
-          <a:bodyPr wrap="square" rtlCol="0">
-            <a:spAutoFit/>
-          </a:bodyPr>
-          <a:lstStyle/>
-          <a:p>
-            <a:r>
-              <a:rPr lang="en-US" sz="2400" dirty="0" smtClean="0"/>
-              <a:t>g</a:t>
-            </a:r>
-            <a:r>
-              <a:rPr lang="en-US" sz="2400" baseline="-25000" dirty="0" smtClean="0"/>
-              <a:t>start</a:t>
-            </a:r>
-            <a:endParaRPr lang="en-US" sz="2400" baseline="-25000" dirty="0"/>
-          </a:p>
-        </p:txBody>
-      </p:sp>
-      <p:sp>
-        <p:nvSpPr>
           <p:cNvPr id="13" name="TextBox 12"/>
           <p:cNvSpPr txBox="1"/>
           <p:nvPr/>
@@ -15100,40 +15292,6 @@
           <a:p>
             <a:pPr algn="ctr"/>
             <a:endParaRPr lang="en-US"/>
-          </a:p>
-        </p:txBody>
-      </p:sp>
-      <p:sp>
-        <p:nvSpPr>
-          <p:cNvPr id="56" name="TextBox 55"/>
-          <p:cNvSpPr txBox="1"/>
-          <p:nvPr/>
-        </p:nvSpPr>
-        <p:spPr>
-          <a:xfrm>
-            <a:off x="2050449" y="5022788"/>
-            <a:ext cx="889141" cy="461665"/>
-          </a:xfrm>
-          <a:prstGeom prst="rect">
-            <a:avLst/>
-          </a:prstGeom>
-          <a:noFill/>
-        </p:spPr>
-        <p:txBody>
-          <a:bodyPr wrap="square" rtlCol="0">
-            <a:spAutoFit/>
-          </a:bodyPr>
-          <a:lstStyle/>
-          <a:p>
-            <a:r>
-              <a:rPr lang="en-US" sz="2400" dirty="0" smtClean="0"/>
-              <a:t>g</a:t>
-            </a:r>
-            <a:r>
-              <a:rPr lang="en-US" sz="2400" baseline="-25000" dirty="0" smtClean="0"/>
-              <a:t>start</a:t>
-            </a:r>
-            <a:endParaRPr lang="en-US" sz="2400" baseline="-25000" dirty="0"/>
           </a:p>
         </p:txBody>
       </p:sp>
@@ -16150,6 +16308,308 @@
           </a:p>
         </p:txBody>
       </p:sp>
+      <p:grpSp>
+        <p:nvGrpSpPr>
+          <p:cNvPr id="51" name="Group 50"/>
+          <p:cNvGrpSpPr/>
+          <p:nvPr/>
+        </p:nvGrpSpPr>
+        <p:grpSpPr>
+          <a:xfrm>
+            <a:off x="1746360" y="2893049"/>
+            <a:ext cx="1675022" cy="462491"/>
+            <a:chOff x="1099826" y="2904972"/>
+            <a:chExt cx="1675022" cy="462491"/>
+          </a:xfrm>
+        </p:grpSpPr>
+        <p:sp>
+          <p:nvSpPr>
+            <p:cNvPr id="52" name="TextBox 51"/>
+            <p:cNvSpPr txBox="1"/>
+            <p:nvPr/>
+          </p:nvSpPr>
+          <p:spPr>
+            <a:xfrm>
+              <a:off x="1099826" y="2905126"/>
+              <a:ext cx="889141" cy="461665"/>
+            </a:xfrm>
+            <a:prstGeom prst="rect">
+              <a:avLst/>
+            </a:prstGeom>
+            <a:noFill/>
+          </p:spPr>
+          <p:txBody>
+            <a:bodyPr wrap="square" rtlCol="0">
+              <a:spAutoFit/>
+            </a:bodyPr>
+            <a:lstStyle/>
+            <a:p>
+              <a:r>
+                <a:rPr lang="en-US" sz="2400" dirty="0" smtClean="0"/>
+                <a:t>g</a:t>
+              </a:r>
+              <a:r>
+                <a:rPr lang="en-US" sz="2400" baseline="-25000" dirty="0" smtClean="0"/>
+                <a:t>start</a:t>
+              </a:r>
+              <a:endParaRPr lang="en-US" sz="2400" baseline="-25000" dirty="0"/>
+            </a:p>
+          </p:txBody>
+        </p:sp>
+        <p:sp>
+          <p:nvSpPr>
+            <p:cNvPr id="53" name="TextBox 52"/>
+            <p:cNvSpPr txBox="1"/>
+            <p:nvPr/>
+          </p:nvSpPr>
+          <p:spPr>
+            <a:xfrm>
+              <a:off x="1100719" y="2904972"/>
+              <a:ext cx="889141" cy="461665"/>
+            </a:xfrm>
+            <a:prstGeom prst="rect">
+              <a:avLst/>
+            </a:prstGeom>
+            <a:noFill/>
+          </p:spPr>
+          <p:txBody>
+            <a:bodyPr wrap="square" rtlCol="0">
+              <a:spAutoFit/>
+            </a:bodyPr>
+            <a:lstStyle/>
+            <a:p>
+              <a:r>
+                <a:rPr lang="en-US" sz="2400" dirty="0" smtClean="0"/>
+                <a:t>g</a:t>
+              </a:r>
+              <a:r>
+                <a:rPr lang="en-US" sz="2400" baseline="30000" dirty="0" smtClean="0"/>
+                <a:t>CW</a:t>
+              </a:r>
+              <a:endParaRPr lang="en-US" sz="2400" baseline="30000" dirty="0"/>
+            </a:p>
+          </p:txBody>
+        </p:sp>
+        <p:sp>
+          <p:nvSpPr>
+            <p:cNvPr id="54" name="TextBox 53"/>
+            <p:cNvSpPr txBox="1"/>
+            <p:nvPr/>
+          </p:nvSpPr>
+          <p:spPr>
+            <a:xfrm>
+              <a:off x="1884814" y="2905798"/>
+              <a:ext cx="889141" cy="461665"/>
+            </a:xfrm>
+            <a:prstGeom prst="rect">
+              <a:avLst/>
+            </a:prstGeom>
+            <a:noFill/>
+          </p:spPr>
+          <p:txBody>
+            <a:bodyPr wrap="square" rtlCol="0">
+              <a:spAutoFit/>
+            </a:bodyPr>
+            <a:lstStyle/>
+            <a:p>
+              <a:r>
+                <a:rPr lang="en-US" sz="2400" dirty="0" smtClean="0"/>
+                <a:t>g</a:t>
+              </a:r>
+              <a:r>
+                <a:rPr lang="en-US" sz="2400" baseline="-25000" dirty="0" smtClean="0"/>
+                <a:t>start</a:t>
+              </a:r>
+              <a:endParaRPr lang="en-US" sz="2400" baseline="-25000" dirty="0"/>
+            </a:p>
+          </p:txBody>
+        </p:sp>
+        <p:sp>
+          <p:nvSpPr>
+            <p:cNvPr id="55" name="TextBox 54"/>
+            <p:cNvSpPr txBox="1"/>
+            <p:nvPr/>
+          </p:nvSpPr>
+          <p:spPr>
+            <a:xfrm>
+              <a:off x="1885707" y="2905644"/>
+              <a:ext cx="889141" cy="461665"/>
+            </a:xfrm>
+            <a:prstGeom prst="rect">
+              <a:avLst/>
+            </a:prstGeom>
+            <a:noFill/>
+          </p:spPr>
+          <p:txBody>
+            <a:bodyPr wrap="square" rtlCol="0">
+              <a:spAutoFit/>
+            </a:bodyPr>
+            <a:lstStyle/>
+            <a:p>
+              <a:r>
+                <a:rPr lang="en-US" sz="2400" dirty="0" smtClean="0"/>
+                <a:t>g</a:t>
+              </a:r>
+              <a:r>
+                <a:rPr lang="en-US" sz="2400" baseline="30000" dirty="0" smtClean="0"/>
+                <a:t>CCW</a:t>
+              </a:r>
+              <a:endParaRPr lang="en-US" sz="2400" baseline="30000" dirty="0"/>
+            </a:p>
+          </p:txBody>
+        </p:sp>
+      </p:grpSp>
+      <p:grpSp>
+        <p:nvGrpSpPr>
+          <p:cNvPr id="58" name="Group 57"/>
+          <p:cNvGrpSpPr/>
+          <p:nvPr/>
+        </p:nvGrpSpPr>
+        <p:grpSpPr>
+          <a:xfrm>
+            <a:off x="1747253" y="5014538"/>
+            <a:ext cx="1675022" cy="462491"/>
+            <a:chOff x="1099826" y="2904972"/>
+            <a:chExt cx="1675022" cy="462491"/>
+          </a:xfrm>
+        </p:grpSpPr>
+        <p:sp>
+          <p:nvSpPr>
+            <p:cNvPr id="60" name="TextBox 59"/>
+            <p:cNvSpPr txBox="1"/>
+            <p:nvPr/>
+          </p:nvSpPr>
+          <p:spPr>
+            <a:xfrm>
+              <a:off x="1099826" y="2905126"/>
+              <a:ext cx="889141" cy="461665"/>
+            </a:xfrm>
+            <a:prstGeom prst="rect">
+              <a:avLst/>
+            </a:prstGeom>
+            <a:noFill/>
+          </p:spPr>
+          <p:txBody>
+            <a:bodyPr wrap="square" rtlCol="0">
+              <a:spAutoFit/>
+            </a:bodyPr>
+            <a:lstStyle/>
+            <a:p>
+              <a:r>
+                <a:rPr lang="en-US" sz="2400" dirty="0" smtClean="0"/>
+                <a:t>g</a:t>
+              </a:r>
+              <a:r>
+                <a:rPr lang="en-US" sz="2400" baseline="-25000" dirty="0" smtClean="0"/>
+                <a:t>start</a:t>
+              </a:r>
+              <a:endParaRPr lang="en-US" sz="2400" baseline="-25000" dirty="0"/>
+            </a:p>
+          </p:txBody>
+        </p:sp>
+        <p:sp>
+          <p:nvSpPr>
+            <p:cNvPr id="63" name="TextBox 62"/>
+            <p:cNvSpPr txBox="1"/>
+            <p:nvPr/>
+          </p:nvSpPr>
+          <p:spPr>
+            <a:xfrm>
+              <a:off x="1100719" y="2904972"/>
+              <a:ext cx="889141" cy="461665"/>
+            </a:xfrm>
+            <a:prstGeom prst="rect">
+              <a:avLst/>
+            </a:prstGeom>
+            <a:noFill/>
+          </p:spPr>
+          <p:txBody>
+            <a:bodyPr wrap="square" rtlCol="0">
+              <a:spAutoFit/>
+            </a:bodyPr>
+            <a:lstStyle/>
+            <a:p>
+              <a:r>
+                <a:rPr lang="en-US" sz="2400" dirty="0" smtClean="0"/>
+                <a:t>g</a:t>
+              </a:r>
+              <a:r>
+                <a:rPr lang="en-US" sz="2400" baseline="30000" dirty="0" smtClean="0"/>
+                <a:t>CW</a:t>
+              </a:r>
+              <a:endParaRPr lang="en-US" sz="2400" baseline="30000" dirty="0"/>
+            </a:p>
+          </p:txBody>
+        </p:sp>
+        <p:sp>
+          <p:nvSpPr>
+            <p:cNvPr id="66" name="TextBox 65"/>
+            <p:cNvSpPr txBox="1"/>
+            <p:nvPr/>
+          </p:nvSpPr>
+          <p:spPr>
+            <a:xfrm>
+              <a:off x="1884814" y="2905798"/>
+              <a:ext cx="889141" cy="461665"/>
+            </a:xfrm>
+            <a:prstGeom prst="rect">
+              <a:avLst/>
+            </a:prstGeom>
+            <a:noFill/>
+          </p:spPr>
+          <p:txBody>
+            <a:bodyPr wrap="square" rtlCol="0">
+              <a:spAutoFit/>
+            </a:bodyPr>
+            <a:lstStyle/>
+            <a:p>
+              <a:r>
+                <a:rPr lang="en-US" sz="2400" dirty="0" smtClean="0"/>
+                <a:t>g</a:t>
+              </a:r>
+              <a:r>
+                <a:rPr lang="en-US" sz="2400" baseline="-25000" dirty="0" smtClean="0"/>
+                <a:t>start</a:t>
+              </a:r>
+              <a:endParaRPr lang="en-US" sz="2400" baseline="-25000" dirty="0"/>
+            </a:p>
+          </p:txBody>
+        </p:sp>
+        <p:sp>
+          <p:nvSpPr>
+            <p:cNvPr id="71" name="TextBox 70"/>
+            <p:cNvSpPr txBox="1"/>
+            <p:nvPr/>
+          </p:nvSpPr>
+          <p:spPr>
+            <a:xfrm>
+              <a:off x="1885707" y="2905644"/>
+              <a:ext cx="889141" cy="461665"/>
+            </a:xfrm>
+            <a:prstGeom prst="rect">
+              <a:avLst/>
+            </a:prstGeom>
+            <a:noFill/>
+          </p:spPr>
+          <p:txBody>
+            <a:bodyPr wrap="square" rtlCol="0">
+              <a:spAutoFit/>
+            </a:bodyPr>
+            <a:lstStyle/>
+            <a:p>
+              <a:r>
+                <a:rPr lang="en-US" sz="2400" dirty="0" smtClean="0"/>
+                <a:t>g</a:t>
+              </a:r>
+              <a:r>
+                <a:rPr lang="en-US" sz="2400" baseline="30000" dirty="0" smtClean="0"/>
+                <a:t>CCW</a:t>
+              </a:r>
+              <a:endParaRPr lang="en-US" sz="2400" baseline="30000" dirty="0"/>
+            </a:p>
+          </p:txBody>
+        </p:sp>
+      </p:grpSp>
     </p:spTree>
     <p:extLst>
       <p:ext uri="{BB962C8B-B14F-4D97-AF65-F5344CB8AC3E}">
@@ -16198,14 +16658,9 @@
               <a:gd name="adj3" fmla="val 47367"/>
             </a:avLst>
           </a:prstGeom>
-          <a:pattFill prst="wdUpDiag">
-            <a:fgClr>
-              <a:schemeClr val="tx1"/>
-            </a:fgClr>
-            <a:bgClr>
-              <a:prstClr val="white"/>
-            </a:bgClr>
-          </a:pattFill>
+          <a:solidFill>
+            <a:srgbClr val="95B3D7"/>
+          </a:solidFill>
           <a:ln>
             <a:solidFill>
               <a:srgbClr val="000000"/>
@@ -16259,14 +16714,12 @@
               <a:gd name="adj3" fmla="val 47367"/>
             </a:avLst>
           </a:prstGeom>
-          <a:pattFill prst="wdDnDiag">
-            <a:fgClr>
-              <a:schemeClr val="tx1"/>
-            </a:fgClr>
-            <a:bgClr>
-              <a:prstClr val="white"/>
-            </a:bgClr>
-          </a:pattFill>
+          <a:solidFill>
+            <a:schemeClr val="accent1">
+              <a:lumMod val="60000"/>
+              <a:lumOff val="40000"/>
+            </a:schemeClr>
+          </a:solidFill>
           <a:ln>
             <a:solidFill>
               <a:srgbClr val="000000"/>
@@ -19200,68 +19653,177 @@
           <a:chExt cx="0" cy="0"/>
         </a:xfrm>
       </p:grpSpPr>
-      <p:pic>
-        <p:nvPicPr>
-          <p:cNvPr id="2" name="Picture 1" descr="Untitled.png"/>
-          <p:cNvPicPr>
-            <a:picLocks noChangeAspect="1"/>
-          </p:cNvPicPr>
-          <p:nvPr/>
-        </p:nvPicPr>
-        <p:blipFill>
-          <a:blip r:embed="rId2">
-            <a:alphaModFix amt="59000"/>
-            <a:extLst>
-              <a:ext uri="{28A0092B-C50C-407E-A947-70E740481C1C}">
-                <a14:useLocalDpi xmlns:a14="http://schemas.microsoft.com/office/drawing/2010/main" val="0"/>
-              </a:ext>
-            </a:extLst>
-          </a:blip>
-          <a:stretch>
-            <a:fillRect/>
-          </a:stretch>
-        </p:blipFill>
-        <p:spPr>
-          <a:xfrm>
-            <a:off x="2121491" y="2278752"/>
-            <a:ext cx="902148" cy="743662"/>
-          </a:xfrm>
-          <a:prstGeom prst="rect">
-            <a:avLst/>
-          </a:prstGeom>
-        </p:spPr>
-      </p:pic>
-      <p:pic>
-        <p:nvPicPr>
-          <p:cNvPr id="3" name="Picture 2" descr="Untitled.png"/>
-          <p:cNvPicPr>
-            <a:picLocks noChangeAspect="1"/>
-          </p:cNvPicPr>
-          <p:nvPr/>
-        </p:nvPicPr>
-        <p:blipFill>
-          <a:blip r:embed="rId2">
-            <a:alphaModFix amt="50000"/>
-            <a:extLst>
-              <a:ext uri="{28A0092B-C50C-407E-A947-70E740481C1C}">
-                <a14:useLocalDpi xmlns:a14="http://schemas.microsoft.com/office/drawing/2010/main" val="0"/>
-              </a:ext>
-            </a:extLst>
-          </a:blip>
-          <a:stretch>
-            <a:fillRect/>
-          </a:stretch>
-        </p:blipFill>
-        <p:spPr>
-          <a:xfrm rot="2139778">
-            <a:off x="1909027" y="2287659"/>
-            <a:ext cx="902148" cy="743662"/>
-          </a:xfrm>
-          <a:prstGeom prst="rect">
-            <a:avLst/>
-          </a:prstGeom>
-        </p:spPr>
-      </p:pic>
+      <p:sp>
+        <p:nvSpPr>
+          <p:cNvPr id="38" name="Block Arc 37"/>
+          <p:cNvSpPr/>
+          <p:nvPr/>
+        </p:nvSpPr>
+        <p:spPr>
+          <a:xfrm rot="14296848">
+            <a:off x="1716376" y="1527811"/>
+            <a:ext cx="1472184" cy="1472184"/>
+          </a:xfrm>
+          <a:prstGeom prst="blockArc">
+            <a:avLst>
+              <a:gd name="adj1" fmla="val 9712559"/>
+              <a:gd name="adj2" fmla="val 14204526"/>
+              <a:gd name="adj3" fmla="val 47367"/>
+            </a:avLst>
+          </a:prstGeom>
+          <a:solidFill>
+            <a:srgbClr val="95B3D7"/>
+          </a:solidFill>
+          <a:ln>
+            <a:solidFill>
+              <a:srgbClr val="000000"/>
+            </a:solidFill>
+          </a:ln>
+        </p:spPr>
+        <p:style>
+          <a:lnRef idx="2">
+            <a:schemeClr val="accent1">
+              <a:shade val="50000"/>
+            </a:schemeClr>
+          </a:lnRef>
+          <a:fillRef idx="1">
+            <a:schemeClr val="accent1"/>
+          </a:fillRef>
+          <a:effectRef idx="0">
+            <a:schemeClr val="accent1"/>
+          </a:effectRef>
+          <a:fontRef idx="minor">
+            <a:schemeClr val="lt1"/>
+          </a:fontRef>
+        </p:style>
+        <p:txBody>
+          <a:bodyPr rtlCol="0" anchor="ctr"/>
+          <a:lstStyle/>
+          <a:p>
+            <a:pPr algn="ctr"/>
+            <a:endParaRPr lang="en-US">
+              <a:solidFill>
+                <a:schemeClr val="tx1"/>
+              </a:solidFill>
+            </a:endParaRPr>
+          </a:p>
+        </p:txBody>
+      </p:sp>
+      <p:sp>
+        <p:nvSpPr>
+          <p:cNvPr id="37" name="Block Arc 36"/>
+          <p:cNvSpPr/>
+          <p:nvPr/>
+        </p:nvSpPr>
+        <p:spPr>
+          <a:xfrm rot="16200000">
+            <a:off x="1730086" y="1519282"/>
+            <a:ext cx="1472184" cy="1472184"/>
+          </a:xfrm>
+          <a:prstGeom prst="blockArc">
+            <a:avLst>
+              <a:gd name="adj1" fmla="val 9860801"/>
+              <a:gd name="adj2" fmla="val 14204526"/>
+              <a:gd name="adj3" fmla="val 47367"/>
+            </a:avLst>
+          </a:prstGeom>
+          <a:solidFill>
+            <a:schemeClr val="accent1">
+              <a:lumMod val="60000"/>
+              <a:lumOff val="40000"/>
+            </a:schemeClr>
+          </a:solidFill>
+          <a:ln>
+            <a:solidFill>
+              <a:srgbClr val="000000"/>
+            </a:solidFill>
+          </a:ln>
+        </p:spPr>
+        <p:style>
+          <a:lnRef idx="2">
+            <a:schemeClr val="accent1">
+              <a:shade val="50000"/>
+            </a:schemeClr>
+          </a:lnRef>
+          <a:fillRef idx="1">
+            <a:schemeClr val="accent1"/>
+          </a:fillRef>
+          <a:effectRef idx="0">
+            <a:schemeClr val="accent1"/>
+          </a:effectRef>
+          <a:fontRef idx="minor">
+            <a:schemeClr val="lt1"/>
+          </a:fontRef>
+        </p:style>
+        <p:txBody>
+          <a:bodyPr rtlCol="0" anchor="ctr"/>
+          <a:lstStyle/>
+          <a:p>
+            <a:pPr algn="ctr"/>
+            <a:endParaRPr lang="en-US">
+              <a:solidFill>
+                <a:schemeClr val="tx1"/>
+              </a:solidFill>
+            </a:endParaRPr>
+          </a:p>
+        </p:txBody>
+      </p:sp>
+      <p:sp>
+        <p:nvSpPr>
+          <p:cNvPr id="39" name="Block Arc 38"/>
+          <p:cNvSpPr/>
+          <p:nvPr/>
+        </p:nvSpPr>
+        <p:spPr>
+          <a:xfrm rot="14323210">
+            <a:off x="1719802" y="1512769"/>
+            <a:ext cx="1472184" cy="1472184"/>
+          </a:xfrm>
+          <a:prstGeom prst="blockArc">
+            <a:avLst>
+              <a:gd name="adj1" fmla="val 11717409"/>
+              <a:gd name="adj2" fmla="val 14128276"/>
+              <a:gd name="adj3" fmla="val 43999"/>
+            </a:avLst>
+          </a:prstGeom>
+          <a:solidFill>
+            <a:schemeClr val="accent1">
+              <a:lumMod val="50000"/>
+            </a:schemeClr>
+          </a:solidFill>
+          <a:ln>
+            <a:noFill/>
+          </a:ln>
+        </p:spPr>
+        <p:style>
+          <a:lnRef idx="2">
+            <a:schemeClr val="accent1">
+              <a:shade val="50000"/>
+            </a:schemeClr>
+          </a:lnRef>
+          <a:fillRef idx="1">
+            <a:schemeClr val="accent1"/>
+          </a:fillRef>
+          <a:effectRef idx="0">
+            <a:schemeClr val="accent1"/>
+          </a:effectRef>
+          <a:fontRef idx="minor">
+            <a:schemeClr val="lt1"/>
+          </a:fontRef>
+        </p:style>
+        <p:txBody>
+          <a:bodyPr rtlCol="0" anchor="ctr"/>
+          <a:lstStyle/>
+          <a:p>
+            <a:pPr algn="ctr"/>
+            <a:endParaRPr lang="en-US">
+              <a:solidFill>
+                <a:schemeClr val="tx1"/>
+              </a:solidFill>
+            </a:endParaRPr>
+          </a:p>
+        </p:txBody>
+      </p:sp>
       <p:sp>
         <p:nvSpPr>
           <p:cNvPr id="34" name="Oval 33"/>
@@ -22035,7 +22597,7 @@
         </p:nvSpPr>
         <p:spPr>
           <a:xfrm>
-            <a:off x="2049020" y="2936610"/>
+            <a:off x="1631712" y="2896894"/>
             <a:ext cx="889141" cy="461665"/>
           </a:xfrm>
           <a:prstGeom prst="rect">
@@ -22058,6 +22620,108 @@
               <a:t>start</a:t>
             </a:r>
             <a:endParaRPr lang="en-US" sz="2400" baseline="-25000" dirty="0"/>
+          </a:p>
+        </p:txBody>
+      </p:sp>
+      <p:sp>
+        <p:nvSpPr>
+          <p:cNvPr id="34" name="TextBox 33"/>
+          <p:cNvSpPr txBox="1"/>
+          <p:nvPr/>
+        </p:nvSpPr>
+        <p:spPr>
+          <a:xfrm>
+            <a:off x="1632605" y="2896740"/>
+            <a:ext cx="889141" cy="461665"/>
+          </a:xfrm>
+          <a:prstGeom prst="rect">
+            <a:avLst/>
+          </a:prstGeom>
+          <a:noFill/>
+        </p:spPr>
+        <p:txBody>
+          <a:bodyPr wrap="square" rtlCol="0">
+            <a:spAutoFit/>
+          </a:bodyPr>
+          <a:lstStyle/>
+          <a:p>
+            <a:r>
+              <a:rPr lang="en-US" sz="2400" dirty="0" smtClean="0"/>
+              <a:t>g</a:t>
+            </a:r>
+            <a:r>
+              <a:rPr lang="en-US" sz="2400" baseline="30000" dirty="0" smtClean="0"/>
+              <a:t>CW</a:t>
+            </a:r>
+            <a:endParaRPr lang="en-US" sz="2400" baseline="30000" dirty="0"/>
+          </a:p>
+        </p:txBody>
+      </p:sp>
+      <p:sp>
+        <p:nvSpPr>
+          <p:cNvPr id="35" name="TextBox 34"/>
+          <p:cNvSpPr txBox="1"/>
+          <p:nvPr/>
+        </p:nvSpPr>
+        <p:spPr>
+          <a:xfrm>
+            <a:off x="2416700" y="2897566"/>
+            <a:ext cx="889141" cy="461665"/>
+          </a:xfrm>
+          <a:prstGeom prst="rect">
+            <a:avLst/>
+          </a:prstGeom>
+          <a:noFill/>
+        </p:spPr>
+        <p:txBody>
+          <a:bodyPr wrap="square" rtlCol="0">
+            <a:spAutoFit/>
+          </a:bodyPr>
+          <a:lstStyle/>
+          <a:p>
+            <a:r>
+              <a:rPr lang="en-US" sz="2400" dirty="0" smtClean="0"/>
+              <a:t>g</a:t>
+            </a:r>
+            <a:r>
+              <a:rPr lang="en-US" sz="2400" baseline="-25000" dirty="0" smtClean="0"/>
+              <a:t>start</a:t>
+            </a:r>
+            <a:endParaRPr lang="en-US" sz="2400" baseline="-25000" dirty="0"/>
+          </a:p>
+        </p:txBody>
+      </p:sp>
+      <p:sp>
+        <p:nvSpPr>
+          <p:cNvPr id="36" name="TextBox 35"/>
+          <p:cNvSpPr txBox="1"/>
+          <p:nvPr/>
+        </p:nvSpPr>
+        <p:spPr>
+          <a:xfrm>
+            <a:off x="2417593" y="2897412"/>
+            <a:ext cx="889141" cy="461665"/>
+          </a:xfrm>
+          <a:prstGeom prst="rect">
+            <a:avLst/>
+          </a:prstGeom>
+          <a:noFill/>
+        </p:spPr>
+        <p:txBody>
+          <a:bodyPr wrap="square" rtlCol="0">
+            <a:spAutoFit/>
+          </a:bodyPr>
+          <a:lstStyle/>
+          <a:p>
+            <a:r>
+              <a:rPr lang="en-US" sz="2400" dirty="0" smtClean="0"/>
+              <a:t>g</a:t>
+            </a:r>
+            <a:r>
+              <a:rPr lang="en-US" sz="2400" baseline="30000" dirty="0" smtClean="0"/>
+              <a:t>CCW</a:t>
+            </a:r>
+            <a:endParaRPr lang="en-US" sz="2400" baseline="30000" dirty="0"/>
           </a:p>
         </p:txBody>
       </p:sp>
@@ -22292,40 +22956,6 @@
                 <a:schemeClr val="tx1"/>
               </a:solidFill>
             </a:endParaRPr>
-          </a:p>
-        </p:txBody>
-      </p:sp>
-      <p:sp>
-        <p:nvSpPr>
-          <p:cNvPr id="5" name="TextBox 4"/>
-          <p:cNvSpPr txBox="1"/>
-          <p:nvPr/>
-        </p:nvSpPr>
-        <p:spPr>
-          <a:xfrm>
-            <a:off x="1459306" y="2865362"/>
-            <a:ext cx="1819858" cy="461665"/>
-          </a:xfrm>
-          <a:prstGeom prst="rect">
-            <a:avLst/>
-          </a:prstGeom>
-          <a:noFill/>
-        </p:spPr>
-        <p:txBody>
-          <a:bodyPr wrap="square" rtlCol="0">
-            <a:spAutoFit/>
-          </a:bodyPr>
-          <a:lstStyle/>
-          <a:p>
-            <a:r>
-              <a:rPr lang="en-US" sz="2400" dirty="0" smtClean="0"/>
-              <a:t>g</a:t>
-            </a:r>
-            <a:r>
-              <a:rPr lang="en-US" sz="2400" baseline="-25000" dirty="0" smtClean="0"/>
-              <a:t>start</a:t>
-            </a:r>
-            <a:endParaRPr lang="en-US" sz="2400" dirty="0"/>
           </a:p>
         </p:txBody>
       </p:sp>
@@ -23847,6 +24477,157 @@
           </a:p>
         </p:txBody>
       </p:sp>
+      <p:grpSp>
+        <p:nvGrpSpPr>
+          <p:cNvPr id="2" name="Group 1"/>
+          <p:cNvGrpSpPr/>
+          <p:nvPr/>
+        </p:nvGrpSpPr>
+        <p:grpSpPr>
+          <a:xfrm>
+            <a:off x="1099826" y="2904972"/>
+            <a:ext cx="1675022" cy="462491"/>
+            <a:chOff x="1099826" y="2904972"/>
+            <a:chExt cx="1675022" cy="462491"/>
+          </a:xfrm>
+        </p:grpSpPr>
+        <p:sp>
+          <p:nvSpPr>
+            <p:cNvPr id="40" name="TextBox 39"/>
+            <p:cNvSpPr txBox="1"/>
+            <p:nvPr/>
+          </p:nvSpPr>
+          <p:spPr>
+            <a:xfrm>
+              <a:off x="1099826" y="2905126"/>
+              <a:ext cx="889141" cy="461665"/>
+            </a:xfrm>
+            <a:prstGeom prst="rect">
+              <a:avLst/>
+            </a:prstGeom>
+            <a:noFill/>
+          </p:spPr>
+          <p:txBody>
+            <a:bodyPr wrap="square" rtlCol="0">
+              <a:spAutoFit/>
+            </a:bodyPr>
+            <a:lstStyle/>
+            <a:p>
+              <a:r>
+                <a:rPr lang="en-US" sz="2400" dirty="0" smtClean="0"/>
+                <a:t>g</a:t>
+              </a:r>
+              <a:r>
+                <a:rPr lang="en-US" sz="2400" baseline="-25000" dirty="0" smtClean="0"/>
+                <a:t>start</a:t>
+              </a:r>
+              <a:endParaRPr lang="en-US" sz="2400" baseline="-25000" dirty="0"/>
+            </a:p>
+          </p:txBody>
+        </p:sp>
+        <p:sp>
+          <p:nvSpPr>
+            <p:cNvPr id="41" name="TextBox 40"/>
+            <p:cNvSpPr txBox="1"/>
+            <p:nvPr/>
+          </p:nvSpPr>
+          <p:spPr>
+            <a:xfrm>
+              <a:off x="1100719" y="2904972"/>
+              <a:ext cx="889141" cy="461665"/>
+            </a:xfrm>
+            <a:prstGeom prst="rect">
+              <a:avLst/>
+            </a:prstGeom>
+            <a:noFill/>
+          </p:spPr>
+          <p:txBody>
+            <a:bodyPr wrap="square" rtlCol="0">
+              <a:spAutoFit/>
+            </a:bodyPr>
+            <a:lstStyle/>
+            <a:p>
+              <a:r>
+                <a:rPr lang="en-US" sz="2400" dirty="0" smtClean="0"/>
+                <a:t>g</a:t>
+              </a:r>
+              <a:r>
+                <a:rPr lang="en-US" sz="2400" baseline="30000" dirty="0" smtClean="0"/>
+                <a:t>CW</a:t>
+              </a:r>
+              <a:endParaRPr lang="en-US" sz="2400" baseline="30000" dirty="0"/>
+            </a:p>
+          </p:txBody>
+        </p:sp>
+        <p:sp>
+          <p:nvSpPr>
+            <p:cNvPr id="42" name="TextBox 41"/>
+            <p:cNvSpPr txBox="1"/>
+            <p:nvPr/>
+          </p:nvSpPr>
+          <p:spPr>
+            <a:xfrm>
+              <a:off x="1884814" y="2905798"/>
+              <a:ext cx="889141" cy="461665"/>
+            </a:xfrm>
+            <a:prstGeom prst="rect">
+              <a:avLst/>
+            </a:prstGeom>
+            <a:noFill/>
+          </p:spPr>
+          <p:txBody>
+            <a:bodyPr wrap="square" rtlCol="0">
+              <a:spAutoFit/>
+            </a:bodyPr>
+            <a:lstStyle/>
+            <a:p>
+              <a:r>
+                <a:rPr lang="en-US" sz="2400" dirty="0" smtClean="0"/>
+                <a:t>g</a:t>
+              </a:r>
+              <a:r>
+                <a:rPr lang="en-US" sz="2400" baseline="-25000" dirty="0" smtClean="0"/>
+                <a:t>start</a:t>
+              </a:r>
+              <a:endParaRPr lang="en-US" sz="2400" baseline="-25000" dirty="0"/>
+            </a:p>
+          </p:txBody>
+        </p:sp>
+        <p:sp>
+          <p:nvSpPr>
+            <p:cNvPr id="43" name="TextBox 42"/>
+            <p:cNvSpPr txBox="1"/>
+            <p:nvPr/>
+          </p:nvSpPr>
+          <p:spPr>
+            <a:xfrm>
+              <a:off x="1885707" y="2905644"/>
+              <a:ext cx="889141" cy="461665"/>
+            </a:xfrm>
+            <a:prstGeom prst="rect">
+              <a:avLst/>
+            </a:prstGeom>
+            <a:noFill/>
+          </p:spPr>
+          <p:txBody>
+            <a:bodyPr wrap="square" rtlCol="0">
+              <a:spAutoFit/>
+            </a:bodyPr>
+            <a:lstStyle/>
+            <a:p>
+              <a:r>
+                <a:rPr lang="en-US" sz="2400" dirty="0" smtClean="0"/>
+                <a:t>g</a:t>
+              </a:r>
+              <a:r>
+                <a:rPr lang="en-US" sz="2400" baseline="30000" dirty="0" smtClean="0"/>
+                <a:t>CCW</a:t>
+              </a:r>
+              <a:endParaRPr lang="en-US" sz="2400" baseline="30000" dirty="0"/>
+            </a:p>
+          </p:txBody>
+        </p:sp>
+      </p:grpSp>
     </p:spTree>
     <p:extLst>
       <p:ext uri="{BB962C8B-B14F-4D97-AF65-F5344CB8AC3E}">
@@ -27795,6 +28576,81 @@
         <p:sp>
           <p:nvSpPr>
             <p:cNvPr id="23" name="TextBox 22"/>
+            <p:cNvSpPr txBox="1"/>
+            <p:nvPr/>
+          </p:nvSpPr>
+          <p:spPr>
+            <a:xfrm>
+              <a:off x="1137812" y="2216670"/>
+              <a:ext cx="399142" cy="338554"/>
+            </a:xfrm>
+            <a:prstGeom prst="rect">
+              <a:avLst/>
+            </a:prstGeom>
+            <a:noFill/>
+          </p:spPr>
+          <p:txBody>
+            <a:bodyPr wrap="square" rtlCol="0">
+              <a:spAutoFit/>
+            </a:bodyPr>
+            <a:lstStyle/>
+            <a:p>
+              <a:r>
+                <a:rPr lang="en-US" sz="1600" dirty="0" smtClean="0"/>
+                <a:t>y</a:t>
+              </a:r>
+              <a:endParaRPr lang="en-US" sz="1600" baseline="-25000" dirty="0"/>
+            </a:p>
+          </p:txBody>
+        </p:sp>
+      </p:grpSp>
+      <p:grpSp>
+        <p:nvGrpSpPr>
+          <p:cNvPr id="24" name="Group 23"/>
+          <p:cNvGrpSpPr/>
+          <p:nvPr/>
+        </p:nvGrpSpPr>
+        <p:grpSpPr>
+          <a:xfrm>
+            <a:off x="4637803" y="2229905"/>
+            <a:ext cx="686793" cy="650638"/>
+            <a:chOff x="1137812" y="2216670"/>
+            <a:chExt cx="686793" cy="650638"/>
+          </a:xfrm>
+        </p:grpSpPr>
+        <p:sp>
+          <p:nvSpPr>
+            <p:cNvPr id="25" name="TextBox 24"/>
+            <p:cNvSpPr txBox="1"/>
+            <p:nvPr/>
+          </p:nvSpPr>
+          <p:spPr>
+            <a:xfrm>
+              <a:off x="1425463" y="2528754"/>
+              <a:ext cx="399142" cy="338554"/>
+            </a:xfrm>
+            <a:prstGeom prst="rect">
+              <a:avLst/>
+            </a:prstGeom>
+            <a:noFill/>
+          </p:spPr>
+          <p:txBody>
+            <a:bodyPr wrap="square" rtlCol="0">
+              <a:spAutoFit/>
+            </a:bodyPr>
+            <a:lstStyle/>
+            <a:p>
+              <a:r>
+                <a:rPr lang="en-US" sz="1600" dirty="0" smtClean="0"/>
+                <a:t>x</a:t>
+              </a:r>
+              <a:endParaRPr lang="en-US" sz="1600" baseline="-25000" dirty="0"/>
+            </a:p>
+          </p:txBody>
+        </p:sp>
+        <p:sp>
+          <p:nvSpPr>
+            <p:cNvPr id="26" name="TextBox 25"/>
             <p:cNvSpPr txBox="1"/>
             <p:nvPr/>
           </p:nvSpPr>

--- a/figures/figures.pptx
+++ b/figures/figures.pptx
@@ -24682,65 +24682,71 @@
           </a:prstGeom>
         </p:spPr>
       </p:pic>
+      <p:sp>
+        <p:nvSpPr>
+          <p:cNvPr id="6" name="TextBox 5"/>
+          <p:cNvSpPr txBox="1"/>
+          <p:nvPr/>
+        </p:nvSpPr>
+        <p:spPr>
+          <a:xfrm>
+            <a:off x="6686310" y="3845277"/>
+            <a:ext cx="1063037" cy="369332"/>
+          </a:xfrm>
+          <a:prstGeom prst="rect">
+            <a:avLst/>
+          </a:prstGeom>
+          <a:noFill/>
+        </p:spPr>
+        <p:txBody>
+          <a:bodyPr wrap="square" rtlCol="0">
+            <a:spAutoFit/>
+          </a:bodyPr>
+          <a:lstStyle/>
+          <a:p>
+            <a:r>
+              <a:rPr lang="en-US" dirty="0" smtClean="0"/>
+              <a:t>Legend</a:t>
+            </a:r>
+            <a:endParaRPr lang="en-US" dirty="0"/>
+          </a:p>
+        </p:txBody>
+      </p:sp>
       <p:pic>
         <p:nvPicPr>
-          <p:cNvPr id="5" name="Picture 4"/>
+          <p:cNvPr id="2" name="Picture 1" descr="Screen shot 2012-12-06 at 6.07.05 PM.png"/>
           <p:cNvPicPr>
             <a:picLocks noChangeAspect="1"/>
           </p:cNvPicPr>
           <p:nvPr/>
         </p:nvPicPr>
         <p:blipFill>
-          <a:blip r:embed="rId3"/>
+          <a:blip r:embed="rId3">
+            <a:extLst>
+              <a:ext uri="{28A0092B-C50C-407E-A947-70E740481C1C}">
+                <a14:useLocalDpi xmlns:a14="http://schemas.microsoft.com/office/drawing/2010/main" val="0"/>
+              </a:ext>
+            </a:extLst>
+          </a:blip>
           <a:stretch>
             <a:fillRect/>
           </a:stretch>
         </p:blipFill>
         <p:spPr>
           <a:xfrm>
-            <a:off x="5716882" y="2191925"/>
-            <a:ext cx="1460909" cy="2220150"/>
+            <a:off x="5661378" y="2785015"/>
+            <a:ext cx="2671234" cy="978417"/>
           </a:xfrm>
           <a:prstGeom prst="rect">
             <a:avLst/>
           </a:prstGeom>
-          <a:ln w="38100" cmpd="sng">
+          <a:ln w="12700" cmpd="sng">
             <a:solidFill>
-              <a:srgbClr val="000000"/>
+              <a:schemeClr val="tx1"/>
             </a:solidFill>
           </a:ln>
         </p:spPr>
       </p:pic>
-      <p:sp>
-        <p:nvSpPr>
-          <p:cNvPr id="6" name="TextBox 5"/>
-          <p:cNvSpPr txBox="1"/>
-          <p:nvPr/>
-        </p:nvSpPr>
-        <p:spPr>
-          <a:xfrm>
-            <a:off x="6114810" y="4459111"/>
-            <a:ext cx="1063037" cy="307777"/>
-          </a:xfrm>
-          <a:prstGeom prst="rect">
-            <a:avLst/>
-          </a:prstGeom>
-          <a:noFill/>
-        </p:spPr>
-        <p:txBody>
-          <a:bodyPr wrap="square" rtlCol="0">
-            <a:spAutoFit/>
-          </a:bodyPr>
-          <a:lstStyle/>
-          <a:p>
-            <a:r>
-              <a:rPr lang="en-US" sz="1400" dirty="0" smtClean="0"/>
-              <a:t>Legend</a:t>
-            </a:r>
-            <a:endParaRPr lang="en-US" sz="1400" dirty="0"/>
-          </a:p>
-        </p:txBody>
-      </p:sp>
     </p:spTree>
     <p:extLst>
       <p:ext uri="{BB962C8B-B14F-4D97-AF65-F5344CB8AC3E}">
